--- a/docs/Blocos_de_constru.pptx
+++ b/docs/Blocos_de_constru.pptx
@@ -6,8 +6,9 @@
   </p:sldMasterIdLst>
   <p:sldIdLst>
     <p:sldId id="256" r:id="rId2"/>
-    <p:sldId id="257" r:id="rId3"/>
-    <p:sldId id="258" r:id="rId4"/>
+    <p:sldId id="259" r:id="rId3"/>
+    <p:sldId id="257" r:id="rId4"/>
+    <p:sldId id="258" r:id="rId5"/>
   </p:sldIdLst>
   <p:sldSz cx="11520488" cy="11160125"/>
   <p:notesSz cx="6858000" cy="9144000"/>
@@ -3082,7 +3083,7 @@
             <a:graphicData uri="http://schemas.openxmlformats.org/presentationml/2006/ole">
               <mc:AlternateContent xmlns:mc="http://schemas.openxmlformats.org/markup-compatibility/2006">
                 <mc:Choice xmlns:v="urn:schemas-microsoft-com:vml" Requires="v">
-                  <p:oleObj spid="_x0000_s1056" name="CS ChemDraw Drawing" r:id="rId3" imgW="12860827" imgH="4477072" progId="ChemDraw.Document.6.0">
+                  <p:oleObj spid="_x0000_s1086" name="CS ChemDraw Drawing" r:id="rId3" imgW="12860827" imgH="4477072" progId="ChemDraw.Document.6.0">
                     <p:embed/>
                   </p:oleObj>
                 </mc:Choice>
@@ -4621,7 +4622,7 @@
             <a:graphicData uri="http://schemas.openxmlformats.org/presentationml/2006/ole">
               <mc:AlternateContent xmlns:mc="http://schemas.openxmlformats.org/markup-compatibility/2006">
                 <mc:Choice xmlns:v="urn:schemas-microsoft-com:vml" Requires="v">
-                  <p:oleObj spid="_x0000_s1057" name="CS ChemDraw Drawing" r:id="rId5" imgW="6109345" imgH="7438248" progId="ChemDraw.Document.6.0">
+                  <p:oleObj spid="_x0000_s1087" name="CS ChemDraw Drawing" r:id="rId5" imgW="6109345" imgH="7438248" progId="ChemDraw.Document.6.0">
                     <p:embed/>
                   </p:oleObj>
                 </mc:Choice>
@@ -5362,7 +5363,7 @@
             <a:graphicData uri="http://schemas.openxmlformats.org/presentationml/2006/ole">
               <mc:AlternateContent xmlns:mc="http://schemas.openxmlformats.org/markup-compatibility/2006">
                 <mc:Choice xmlns:v="urn:schemas-microsoft-com:vml" Requires="v">
-                  <p:oleObj spid="_x0000_s1058" name="CS ChemDraw Drawing" r:id="rId7" imgW="4958553" imgH="6260204" progId="ChemDraw.Document.6.0">
+                  <p:oleObj spid="_x0000_s1088" name="CS ChemDraw Drawing" r:id="rId7" imgW="4958553" imgH="6260204" progId="ChemDraw.Document.6.0">
                     <p:embed/>
                   </p:oleObj>
                 </mc:Choice>
@@ -6093,7 +6094,7 @@
             <a:graphicData uri="http://schemas.openxmlformats.org/presentationml/2006/ole">
               <mc:AlternateContent xmlns:mc="http://schemas.openxmlformats.org/markup-compatibility/2006">
                 <mc:Choice xmlns:v="urn:schemas-microsoft-com:vml" Requires="v">
-                  <p:oleObj spid="_x0000_s1059" name="CS ChemDraw Drawing" r:id="rId9" imgW="415599" imgH="176326" progId="ChemDraw.Document.6.0">
+                  <p:oleObj spid="_x0000_s1089" name="CS ChemDraw Drawing" r:id="rId9" imgW="415599" imgH="176326" progId="ChemDraw.Document.6.0">
                     <p:embed/>
                   </p:oleObj>
                 </mc:Choice>
@@ -6162,7 +6163,7 @@
             <a:graphicData uri="http://schemas.openxmlformats.org/presentationml/2006/ole">
               <mc:AlternateContent xmlns:mc="http://schemas.openxmlformats.org/markup-compatibility/2006">
                 <mc:Choice xmlns:v="urn:schemas-microsoft-com:vml" Requires="v">
-                  <p:oleObj spid="_x0000_s1060" name="CS ChemDraw Drawing" r:id="rId11" imgW="367175" imgH="467665" progId="ChemDraw.Document.6.0">
+                  <p:oleObj spid="_x0000_s1090" name="CS ChemDraw Drawing" r:id="rId11" imgW="367175" imgH="467665" progId="ChemDraw.Document.6.0">
                     <p:embed/>
                   </p:oleObj>
                 </mc:Choice>
@@ -6231,7 +6232,7 @@
             <a:graphicData uri="http://schemas.openxmlformats.org/presentationml/2006/ole">
               <mc:AlternateContent xmlns:mc="http://schemas.openxmlformats.org/markup-compatibility/2006">
                 <mc:Choice xmlns:v="urn:schemas-microsoft-com:vml" Requires="v">
-                  <p:oleObj spid="_x0000_s1061" name="CS ChemDraw Drawing" r:id="rId13" imgW="458548" imgH="468934" progId="ChemDraw.Document.6.0">
+                  <p:oleObj spid="_x0000_s1091" name="CS ChemDraw Drawing" r:id="rId13" imgW="458548" imgH="468934" progId="ChemDraw.Document.6.0">
                     <p:embed/>
                   </p:oleObj>
                 </mc:Choice>
@@ -6300,7 +6301,7 @@
             <a:graphicData uri="http://schemas.openxmlformats.org/presentationml/2006/ole">
               <mc:AlternateContent xmlns:mc="http://schemas.openxmlformats.org/markup-compatibility/2006">
                 <mc:Choice xmlns:v="urn:schemas-microsoft-com:vml" Requires="v">
-                  <p:oleObj spid="_x0000_s1062" name="CS ChemDraw Drawing" r:id="rId15" imgW="363807" imgH="152224" progId="ChemDraw.Document.6.0">
+                  <p:oleObj spid="_x0000_s1092" name="CS ChemDraw Drawing" r:id="rId15" imgW="363807" imgH="152224" progId="ChemDraw.Document.6.0">
                     <p:embed/>
                   </p:oleObj>
                 </mc:Choice>
@@ -6369,7 +6370,7 @@
             <a:graphicData uri="http://schemas.openxmlformats.org/presentationml/2006/ole">
               <mc:AlternateContent xmlns:mc="http://schemas.openxmlformats.org/markup-compatibility/2006">
                 <mc:Choice xmlns:v="urn:schemas-microsoft-com:vml" Requires="v">
-                  <p:oleObj spid="_x0000_s1063" name="CS ChemDraw Drawing" r:id="rId17" imgW="508656" imgH="307408" progId="ChemDraw.Document.6.0">
+                  <p:oleObj spid="_x0000_s1093" name="CS ChemDraw Drawing" r:id="rId17" imgW="508656" imgH="307408" progId="ChemDraw.Document.6.0">
                     <p:embed/>
                   </p:oleObj>
                 </mc:Choice>
@@ -6438,7 +6439,7 @@
             <a:graphicData uri="http://schemas.openxmlformats.org/presentationml/2006/ole">
               <mc:AlternateContent xmlns:mc="http://schemas.openxmlformats.org/markup-compatibility/2006">
                 <mc:Choice xmlns:v="urn:schemas-microsoft-com:vml" Requires="v">
-                  <p:oleObj spid="_x0000_s1064" name="CS ChemDraw Drawing" r:id="rId19" imgW="310752" imgH="148841" progId="ChemDraw.Document.6.0">
+                  <p:oleObj spid="_x0000_s1094" name="CS ChemDraw Drawing" r:id="rId19" imgW="310752" imgH="148841" progId="ChemDraw.Document.6.0">
                     <p:embed/>
                   </p:oleObj>
                 </mc:Choice>
@@ -6507,7 +6508,7 @@
             <a:graphicData uri="http://schemas.openxmlformats.org/presentationml/2006/ole">
               <mc:AlternateContent xmlns:mc="http://schemas.openxmlformats.org/markup-compatibility/2006">
                 <mc:Choice xmlns:v="urn:schemas-microsoft-com:vml" Requires="v">
-                  <p:oleObj spid="_x0000_s1065" name="CS ChemDraw Drawing" r:id="rId21" imgW="690138" imgH="467665" progId="ChemDraw.Document.6.0">
+                  <p:oleObj spid="_x0000_s1095" name="CS ChemDraw Drawing" r:id="rId21" imgW="690138" imgH="467665" progId="ChemDraw.Document.6.0">
                     <p:embed/>
                   </p:oleObj>
                 </mc:Choice>
@@ -7478,10 +7479,10 @@
       </p:grpSpPr>
       <p:sp>
         <p:nvSpPr>
-          <p:cNvPr id="5" name="Retângulo: Cantos Arredondados 4">
+          <p:cNvPr id="68" name="Retângulo: Cantos Arredondados 67">
             <a:extLst>
               <a:ext uri="{FF2B5EF4-FFF2-40B4-BE49-F238E27FC236}">
-                <a16:creationId xmlns:a16="http://schemas.microsoft.com/office/drawing/2014/main" id="{90E86114-E759-48F3-9652-76E5F3AA3658}"/>
+                <a16:creationId xmlns:a16="http://schemas.microsoft.com/office/drawing/2014/main" id="{0F1824DF-F2BF-4111-9D1F-AF71A064FB5B}"/>
               </a:ext>
             </a:extLst>
           </p:cNvPr>
@@ -7490,8 +7491,8 @@
         </p:nvSpPr>
         <p:spPr>
           <a:xfrm>
-            <a:off x="87031" y="51597"/>
-            <a:ext cx="11346423" cy="10982129"/>
+            <a:off x="87031" y="51598"/>
+            <a:ext cx="11346423" cy="6039714"/>
           </a:xfrm>
           <a:prstGeom prst="roundRect">
             <a:avLst>
@@ -7539,10 +7540,10 @@
       </p:sp>
       <p:sp>
         <p:nvSpPr>
-          <p:cNvPr id="7" name="CaixaDeTexto 6">
+          <p:cNvPr id="52" name="CaixaDeTexto 51">
             <a:extLst>
               <a:ext uri="{FF2B5EF4-FFF2-40B4-BE49-F238E27FC236}">
-                <a16:creationId xmlns:a16="http://schemas.microsoft.com/office/drawing/2014/main" id="{873057E6-C705-49AB-B737-335D3A936A56}"/>
+                <a16:creationId xmlns:a16="http://schemas.microsoft.com/office/drawing/2014/main" id="{21898CFB-D5CC-4881-8BD7-028AEAD0FDC5}"/>
               </a:ext>
             </a:extLst>
           </p:cNvPr>
@@ -7551,8 +7552,8 @@
         </p:nvSpPr>
         <p:spPr>
           <a:xfrm>
-            <a:off x="199856" y="126399"/>
-            <a:ext cx="3386120" cy="383631"/>
+            <a:off x="338997" y="366902"/>
+            <a:ext cx="1675267" cy="461665"/>
           </a:xfrm>
           <a:prstGeom prst="rect">
             <a:avLst/>
@@ -7566,7 +7567,7 @@
           <a:lstStyle/>
           <a:p>
             <a:r>
-              <a:rPr lang="pt-BR" sz="1893" dirty="0" err="1">
+              <a:rPr lang="pt-BR" sz="2400" dirty="0">
                 <a:solidFill>
                   <a:schemeClr val="tx1">
                     <a:lumMod val="85000"/>
@@ -7576,10 +7577,10 @@
                 <a:latin typeface="Avenir Next LT Pro Demi" panose="020B0704020202020204" pitchFamily="34" charset="0"/>
                 <a:cs typeface="Aharoni" panose="02010803020104030203" pitchFamily="2" charset="-79"/>
               </a:rPr>
-              <a:t>Bipodal</a:t>
-            </a:r>
-            <a:r>
-              <a:rPr lang="pt-BR" sz="1893" dirty="0">
+              <a:t>-</a:t>
+            </a:r>
+            <a:r>
+              <a:rPr lang="pt-BR" sz="2400" dirty="0" err="1">
                 <a:solidFill>
                   <a:schemeClr val="tx1">
                     <a:lumMod val="85000"/>
@@ -7589,10 +7590,10 @@
                 <a:latin typeface="Avenir Next LT Pro Demi" panose="020B0704020202020204" pitchFamily="34" charset="0"/>
                 <a:cs typeface="Aharoni" panose="02010803020104030203" pitchFamily="2" charset="-79"/>
               </a:rPr>
-              <a:t> Building </a:t>
-            </a:r>
-            <a:r>
-              <a:rPr lang="pt-BR" sz="1893" dirty="0" err="1">
+              <a:t>R</a:t>
+            </a:r>
+            <a:r>
+              <a:rPr lang="pt-BR" sz="2400" baseline="-25000" dirty="0" err="1">
                 <a:solidFill>
                   <a:schemeClr val="tx1">
                     <a:lumMod val="85000"/>
@@ -7602,10 +7603,10 @@
                 <a:latin typeface="Avenir Next LT Pro Demi" panose="020B0704020202020204" pitchFamily="34" charset="0"/>
                 <a:cs typeface="Aharoni" panose="02010803020104030203" pitchFamily="2" charset="-79"/>
               </a:rPr>
-              <a:t>blocks</a:t>
-            </a:r>
-            <a:r>
-              <a:rPr lang="pt-BR" sz="1893" dirty="0">
+              <a:t>x</a:t>
+            </a:r>
+            <a:r>
+              <a:rPr lang="pt-BR" sz="2400" baseline="-25000" dirty="0">
                 <a:solidFill>
                   <a:schemeClr val="tx1">
                     <a:lumMod val="85000"/>
@@ -7615,1205 +7616,30 @@
                 <a:latin typeface="Avenir Next LT Pro Demi" panose="020B0704020202020204" pitchFamily="34" charset="0"/>
                 <a:cs typeface="Aharoni" panose="02010803020104030203" pitchFamily="2" charset="-79"/>
               </a:rPr>
-              <a:t> (C2)</a:t>
-            </a:r>
-          </a:p>
-        </p:txBody>
-      </p:sp>
-      <p:sp>
-        <p:nvSpPr>
-          <p:cNvPr id="8" name="Google Shape;298;p9">
-            <a:extLst>
-              <a:ext uri="{FF2B5EF4-FFF2-40B4-BE49-F238E27FC236}">
-                <a16:creationId xmlns:a16="http://schemas.microsoft.com/office/drawing/2014/main" id="{CA57D8A2-018A-4948-BDD8-6A5FC01FBA1C}"/>
-              </a:ext>
-            </a:extLst>
-          </p:cNvPr>
-          <p:cNvSpPr txBox="1"/>
-          <p:nvPr/>
-        </p:nvSpPr>
-        <p:spPr>
-          <a:xfrm>
-            <a:off x="397971" y="3753569"/>
-            <a:ext cx="631426" cy="310717"/>
-          </a:xfrm>
-          <a:prstGeom prst="rect">
-            <a:avLst/>
-          </a:prstGeom>
-          <a:noFill/>
-          <a:ln>
-            <a:noFill/>
-          </a:ln>
-        </p:spPr>
-        <p:txBody>
-          <a:bodyPr spcFirstLastPara="1" wrap="square" lIns="94378" tIns="47176" rIns="94378" bIns="47176" anchor="t" anchorCtr="0">
-            <a:spAutoFit/>
-          </a:bodyPr>
-          <a:lstStyle/>
-          <a:p>
-            <a:pPr algn="ctr">
-              <a:buClr>
-                <a:srgbClr val="000000"/>
-              </a:buClr>
-              <a:buSzPts val="1200"/>
-            </a:pPr>
-            <a:r>
-              <a:rPr lang="pt-BR" sz="1400" b="1" dirty="0">
-                <a:solidFill>
-                  <a:srgbClr val="00B050"/>
-                </a:solidFill>
-                <a:latin typeface="Avenir"/>
-                <a:sym typeface="Avenir"/>
+              <a:t> </a:t>
+            </a:r>
+            <a:r>
+              <a:rPr lang="pt-BR" sz="2400" dirty="0" err="1">
+                <a:solidFill>
+                  <a:schemeClr val="tx1">
+                    <a:lumMod val="85000"/>
+                    <a:lumOff val="15000"/>
+                  </a:schemeClr>
+                </a:solidFill>
+                <a:latin typeface="Avenir Next LT Pro Demi" panose="020B0704020202020204" pitchFamily="34" charset="0"/>
+                <a:cs typeface="Aharoni" panose="02010803020104030203" pitchFamily="2" charset="-79"/>
               </a:rPr>
-              <a:t>BENZ</a:t>
-            </a:r>
-            <a:endParaRPr sz="1600" dirty="0">
+              <a:t>Groups</a:t>
+            </a:r>
+            <a:endParaRPr lang="pt-BR" sz="2400" baseline="-25000" dirty="0">
               <a:solidFill>
-                <a:srgbClr val="00B050"/>
+                <a:schemeClr val="tx1">
+                  <a:lumMod val="85000"/>
+                  <a:lumOff val="15000"/>
+                </a:schemeClr>
               </a:solidFill>
-              <a:latin typeface="Arial"/>
-              <a:ea typeface="Arial"/>
-              <a:cs typeface="Arial"/>
-              <a:sym typeface="Arial"/>
-            </a:endParaRPr>
-          </a:p>
-        </p:txBody>
-      </p:sp>
-      <p:sp>
-        <p:nvSpPr>
-          <p:cNvPr id="9" name="Google Shape;298;p9">
-            <a:extLst>
-              <a:ext uri="{FF2B5EF4-FFF2-40B4-BE49-F238E27FC236}">
-                <a16:creationId xmlns:a16="http://schemas.microsoft.com/office/drawing/2014/main" id="{187A3F4A-6AD7-4707-B221-7A0786DE9EAF}"/>
-              </a:ext>
-            </a:extLst>
-          </p:cNvPr>
-          <p:cNvSpPr txBox="1"/>
-          <p:nvPr/>
-        </p:nvSpPr>
-        <p:spPr>
-          <a:xfrm>
-            <a:off x="3222749" y="7355912"/>
-            <a:ext cx="631426" cy="310717"/>
-          </a:xfrm>
-          <a:prstGeom prst="rect">
-            <a:avLst/>
-          </a:prstGeom>
-          <a:noFill/>
-          <a:ln>
-            <a:noFill/>
-          </a:ln>
-        </p:spPr>
-        <p:txBody>
-          <a:bodyPr spcFirstLastPara="1" wrap="square" lIns="94378" tIns="47176" rIns="94378" bIns="47176" anchor="t" anchorCtr="0">
-            <a:spAutoFit/>
-          </a:bodyPr>
-          <a:lstStyle/>
-          <a:p>
-            <a:pPr algn="ctr">
-              <a:buClr>
-                <a:srgbClr val="000000"/>
-              </a:buClr>
-              <a:buSzPts val="1200"/>
-            </a:pPr>
-            <a:r>
-              <a:rPr lang="pt-BR" sz="1400" b="1" dirty="0">
-                <a:solidFill>
-                  <a:srgbClr val="00B050"/>
-                </a:solidFill>
-                <a:latin typeface="Avenir"/>
-                <a:ea typeface="Arial"/>
-                <a:cs typeface="Arial"/>
-                <a:sym typeface="Avenir"/>
-              </a:rPr>
-              <a:t>NAPT</a:t>
-            </a:r>
-            <a:endParaRPr sz="1600" dirty="0">
-              <a:solidFill>
-                <a:srgbClr val="00B050"/>
-              </a:solidFill>
-              <a:latin typeface="Arial"/>
-              <a:ea typeface="Arial"/>
-              <a:cs typeface="Arial"/>
-              <a:sym typeface="Arial"/>
-            </a:endParaRPr>
-          </a:p>
-        </p:txBody>
-      </p:sp>
-      <p:sp>
-        <p:nvSpPr>
-          <p:cNvPr id="10" name="Google Shape;298;p9">
-            <a:extLst>
-              <a:ext uri="{FF2B5EF4-FFF2-40B4-BE49-F238E27FC236}">
-                <a16:creationId xmlns:a16="http://schemas.microsoft.com/office/drawing/2014/main" id="{285D3D9F-6A14-4DF3-A659-671954073697}"/>
-              </a:ext>
-            </a:extLst>
-          </p:cNvPr>
-          <p:cNvSpPr txBox="1"/>
-          <p:nvPr/>
-        </p:nvSpPr>
-        <p:spPr>
-          <a:xfrm>
-            <a:off x="1741508" y="3760076"/>
-            <a:ext cx="675506" cy="310717"/>
-          </a:xfrm>
-          <a:prstGeom prst="rect">
-            <a:avLst/>
-          </a:prstGeom>
-          <a:noFill/>
-          <a:ln>
-            <a:noFill/>
-          </a:ln>
-        </p:spPr>
-        <p:txBody>
-          <a:bodyPr spcFirstLastPara="1" wrap="square" lIns="94378" tIns="47176" rIns="94378" bIns="47176" anchor="t" anchorCtr="0">
-            <a:spAutoFit/>
-          </a:bodyPr>
-          <a:lstStyle/>
-          <a:p>
-            <a:pPr algn="ctr">
-              <a:buClr>
-                <a:srgbClr val="000000"/>
-              </a:buClr>
-              <a:buSzPts val="1200"/>
-            </a:pPr>
-            <a:r>
-              <a:rPr lang="pt-BR" sz="1400" b="1" dirty="0">
-                <a:solidFill>
-                  <a:srgbClr val="00B050"/>
-                </a:solidFill>
-                <a:latin typeface="Avenir"/>
-                <a:ea typeface="Arial"/>
-                <a:cs typeface="Arial"/>
-                <a:sym typeface="Avenir"/>
-              </a:rPr>
-              <a:t>BPNY</a:t>
-            </a:r>
-            <a:endParaRPr sz="1600" dirty="0">
-              <a:solidFill>
-                <a:srgbClr val="00B050"/>
-              </a:solidFill>
-              <a:latin typeface="Arial"/>
-              <a:ea typeface="Arial"/>
-              <a:cs typeface="Arial"/>
-              <a:sym typeface="Arial"/>
-            </a:endParaRPr>
-          </a:p>
-        </p:txBody>
-      </p:sp>
-      <p:sp>
-        <p:nvSpPr>
-          <p:cNvPr id="11" name="Google Shape;298;p9">
-            <a:extLst>
-              <a:ext uri="{FF2B5EF4-FFF2-40B4-BE49-F238E27FC236}">
-                <a16:creationId xmlns:a16="http://schemas.microsoft.com/office/drawing/2014/main" id="{942F872D-FCA4-4F84-B865-EE62D395005B}"/>
-              </a:ext>
-            </a:extLst>
-          </p:cNvPr>
-          <p:cNvSpPr txBox="1"/>
-          <p:nvPr/>
-        </p:nvSpPr>
-        <p:spPr>
-          <a:xfrm>
-            <a:off x="4155913" y="1910854"/>
-            <a:ext cx="631426" cy="310717"/>
-          </a:xfrm>
-          <a:prstGeom prst="rect">
-            <a:avLst/>
-          </a:prstGeom>
-          <a:noFill/>
-          <a:ln>
-            <a:noFill/>
-          </a:ln>
-        </p:spPr>
-        <p:txBody>
-          <a:bodyPr spcFirstLastPara="1" wrap="square" lIns="94378" tIns="47176" rIns="94378" bIns="47176" anchor="t" anchorCtr="0">
-            <a:spAutoFit/>
-          </a:bodyPr>
-          <a:lstStyle/>
-          <a:p>
-            <a:pPr algn="ctr">
-              <a:buClr>
-                <a:srgbClr val="000000"/>
-              </a:buClr>
-              <a:buSzPts val="1200"/>
-            </a:pPr>
-            <a:r>
-              <a:rPr lang="pt-BR" sz="1400" b="1" dirty="0">
-                <a:solidFill>
-                  <a:srgbClr val="00B050"/>
-                </a:solidFill>
-                <a:latin typeface="Avenir"/>
-                <a:sym typeface="Avenir"/>
-              </a:rPr>
-              <a:t>ANTR</a:t>
-            </a:r>
-            <a:endParaRPr sz="1600" dirty="0">
-              <a:solidFill>
-                <a:srgbClr val="00B050"/>
-              </a:solidFill>
-              <a:latin typeface="Arial"/>
-              <a:ea typeface="Arial"/>
-              <a:cs typeface="Arial"/>
-              <a:sym typeface="Arial"/>
-            </a:endParaRPr>
-          </a:p>
-        </p:txBody>
-      </p:sp>
-      <p:sp>
-        <p:nvSpPr>
-          <p:cNvPr id="12" name="Google Shape;298;p9">
-            <a:extLst>
-              <a:ext uri="{FF2B5EF4-FFF2-40B4-BE49-F238E27FC236}">
-                <a16:creationId xmlns:a16="http://schemas.microsoft.com/office/drawing/2014/main" id="{28B98CE9-EB53-4887-8C75-F61CBB82E76F}"/>
-              </a:ext>
-            </a:extLst>
-          </p:cNvPr>
-          <p:cNvSpPr txBox="1"/>
-          <p:nvPr/>
-        </p:nvSpPr>
-        <p:spPr>
-          <a:xfrm>
-            <a:off x="10028910" y="3781976"/>
-            <a:ext cx="631426" cy="310717"/>
-          </a:xfrm>
-          <a:prstGeom prst="rect">
-            <a:avLst/>
-          </a:prstGeom>
-          <a:noFill/>
-          <a:ln>
-            <a:noFill/>
-          </a:ln>
-        </p:spPr>
-        <p:txBody>
-          <a:bodyPr spcFirstLastPara="1" wrap="square" lIns="94378" tIns="47176" rIns="94378" bIns="47176" anchor="t" anchorCtr="0">
-            <a:spAutoFit/>
-          </a:bodyPr>
-          <a:lstStyle/>
-          <a:p>
-            <a:pPr algn="ctr">
-              <a:buClr>
-                <a:srgbClr val="000000"/>
-              </a:buClr>
-              <a:buSzPts val="1200"/>
-            </a:pPr>
-            <a:r>
-              <a:rPr lang="pt-BR" sz="1400" b="1" dirty="0">
-                <a:solidFill>
-                  <a:srgbClr val="00B050"/>
-                </a:solidFill>
-                <a:latin typeface="Avenir"/>
-                <a:ea typeface="Arial"/>
-                <a:cs typeface="Arial"/>
-                <a:sym typeface="Avenir"/>
-              </a:rPr>
-              <a:t>DHSI</a:t>
-            </a:r>
-            <a:endParaRPr sz="1600" dirty="0">
-              <a:solidFill>
-                <a:srgbClr val="00B050"/>
-              </a:solidFill>
-              <a:latin typeface="Arial"/>
-              <a:ea typeface="Arial"/>
-              <a:cs typeface="Arial"/>
-              <a:sym typeface="Arial"/>
-            </a:endParaRPr>
-          </a:p>
-        </p:txBody>
-      </p:sp>
-      <p:sp>
-        <p:nvSpPr>
-          <p:cNvPr id="13" name="Google Shape;298;p9">
-            <a:extLst>
-              <a:ext uri="{FF2B5EF4-FFF2-40B4-BE49-F238E27FC236}">
-                <a16:creationId xmlns:a16="http://schemas.microsoft.com/office/drawing/2014/main" id="{10A2F330-14EB-4117-829D-10CDC52059AE}"/>
-              </a:ext>
-            </a:extLst>
-          </p:cNvPr>
-          <p:cNvSpPr txBox="1"/>
-          <p:nvPr/>
-        </p:nvSpPr>
-        <p:spPr>
-          <a:xfrm>
-            <a:off x="10218021" y="9403248"/>
-            <a:ext cx="631426" cy="310717"/>
-          </a:xfrm>
-          <a:prstGeom prst="rect">
-            <a:avLst/>
-          </a:prstGeom>
-          <a:noFill/>
-          <a:ln>
-            <a:noFill/>
-          </a:ln>
-        </p:spPr>
-        <p:txBody>
-          <a:bodyPr spcFirstLastPara="1" wrap="square" lIns="94378" tIns="47176" rIns="94378" bIns="47176" anchor="t" anchorCtr="0">
-            <a:spAutoFit/>
-          </a:bodyPr>
-          <a:lstStyle/>
-          <a:p>
-            <a:pPr algn="ctr">
-              <a:buClr>
-                <a:srgbClr val="000000"/>
-              </a:buClr>
-              <a:buSzPts val="1200"/>
-            </a:pPr>
-            <a:r>
-              <a:rPr lang="pt-BR" sz="1400" b="1" dirty="0">
-                <a:solidFill>
-                  <a:srgbClr val="00B050"/>
-                </a:solidFill>
-                <a:latin typeface="Avenir"/>
-                <a:sym typeface="Avenir"/>
-              </a:rPr>
-              <a:t>TTPH</a:t>
-            </a:r>
-            <a:endParaRPr sz="1600" dirty="0">
-              <a:solidFill>
-                <a:srgbClr val="00B050"/>
-              </a:solidFill>
-              <a:latin typeface="Arial"/>
-              <a:ea typeface="Arial"/>
-              <a:cs typeface="Arial"/>
-              <a:sym typeface="Arial"/>
-            </a:endParaRPr>
-          </a:p>
-        </p:txBody>
-      </p:sp>
-      <p:sp>
-        <p:nvSpPr>
-          <p:cNvPr id="14" name="Google Shape;298;p9">
-            <a:extLst>
-              <a:ext uri="{FF2B5EF4-FFF2-40B4-BE49-F238E27FC236}">
-                <a16:creationId xmlns:a16="http://schemas.microsoft.com/office/drawing/2014/main" id="{CB6FBE38-B1CF-4BAD-8C98-622B11F45CCF}"/>
-              </a:ext>
-            </a:extLst>
-          </p:cNvPr>
-          <p:cNvSpPr txBox="1"/>
-          <p:nvPr/>
-        </p:nvSpPr>
-        <p:spPr>
-          <a:xfrm>
-            <a:off x="7207654" y="5622525"/>
-            <a:ext cx="631426" cy="310717"/>
-          </a:xfrm>
-          <a:prstGeom prst="rect">
-            <a:avLst/>
-          </a:prstGeom>
-          <a:noFill/>
-          <a:ln>
-            <a:noFill/>
-          </a:ln>
-        </p:spPr>
-        <p:txBody>
-          <a:bodyPr spcFirstLastPara="1" wrap="square" lIns="94378" tIns="47176" rIns="94378" bIns="47176" anchor="t" anchorCtr="0">
-            <a:spAutoFit/>
-          </a:bodyPr>
-          <a:lstStyle/>
-          <a:p>
-            <a:pPr algn="ctr">
-              <a:buClr>
-                <a:srgbClr val="000000"/>
-              </a:buClr>
-              <a:buSzPts val="1200"/>
-            </a:pPr>
-            <a:r>
-              <a:rPr lang="pt-BR" sz="1400" b="1" dirty="0">
-                <a:solidFill>
-                  <a:srgbClr val="00B050"/>
-                </a:solidFill>
-                <a:latin typeface="Avenir"/>
-                <a:sym typeface="Avenir"/>
-              </a:rPr>
-              <a:t>DPEY</a:t>
-            </a:r>
-            <a:endParaRPr sz="1600" dirty="0">
-              <a:solidFill>
-                <a:srgbClr val="00B050"/>
-              </a:solidFill>
-              <a:latin typeface="Arial"/>
-              <a:ea typeface="Arial"/>
-              <a:cs typeface="Arial"/>
-              <a:sym typeface="Arial"/>
-            </a:endParaRPr>
-          </a:p>
-        </p:txBody>
-      </p:sp>
-      <p:sp>
-        <p:nvSpPr>
-          <p:cNvPr id="15" name="Google Shape;298;p9">
-            <a:extLst>
-              <a:ext uri="{FF2B5EF4-FFF2-40B4-BE49-F238E27FC236}">
-                <a16:creationId xmlns:a16="http://schemas.microsoft.com/office/drawing/2014/main" id="{B5A6F5BE-4CAE-4775-8790-AB062E065FB1}"/>
-              </a:ext>
-            </a:extLst>
-          </p:cNvPr>
-          <p:cNvSpPr txBox="1"/>
-          <p:nvPr/>
-        </p:nvSpPr>
-        <p:spPr>
-          <a:xfrm>
-            <a:off x="8575143" y="9403248"/>
-            <a:ext cx="631426" cy="310717"/>
-          </a:xfrm>
-          <a:prstGeom prst="rect">
-            <a:avLst/>
-          </a:prstGeom>
-          <a:noFill/>
-          <a:ln>
-            <a:noFill/>
-          </a:ln>
-        </p:spPr>
-        <p:txBody>
-          <a:bodyPr spcFirstLastPara="1" wrap="square" lIns="94378" tIns="47176" rIns="94378" bIns="47176" anchor="t" anchorCtr="0">
-            <a:spAutoFit/>
-          </a:bodyPr>
-          <a:lstStyle/>
-          <a:p>
-            <a:pPr algn="ctr">
-              <a:buClr>
-                <a:srgbClr val="000000"/>
-              </a:buClr>
-              <a:buSzPts val="1200"/>
-            </a:pPr>
-            <a:r>
-              <a:rPr lang="pt-BR" sz="1400" b="1" dirty="0">
-                <a:solidFill>
-                  <a:srgbClr val="00B050"/>
-                </a:solidFill>
-                <a:latin typeface="Avenir"/>
-                <a:ea typeface="Arial"/>
-                <a:cs typeface="Arial"/>
-                <a:sym typeface="Avenir"/>
-              </a:rPr>
-              <a:t>TPNY</a:t>
-            </a:r>
-            <a:endParaRPr sz="1600" dirty="0">
-              <a:solidFill>
-                <a:srgbClr val="00B050"/>
-              </a:solidFill>
-              <a:latin typeface="Arial"/>
-              <a:ea typeface="Arial"/>
-              <a:cs typeface="Arial"/>
-              <a:sym typeface="Arial"/>
-            </a:endParaRPr>
-          </a:p>
-        </p:txBody>
-      </p:sp>
-      <p:sp>
-        <p:nvSpPr>
-          <p:cNvPr id="16" name="Google Shape;298;p9">
-            <a:extLst>
-              <a:ext uri="{FF2B5EF4-FFF2-40B4-BE49-F238E27FC236}">
-                <a16:creationId xmlns:a16="http://schemas.microsoft.com/office/drawing/2014/main" id="{46B35DF9-6009-4C9C-9C48-74E0D1E38309}"/>
-              </a:ext>
-            </a:extLst>
-          </p:cNvPr>
-          <p:cNvSpPr txBox="1"/>
-          <p:nvPr/>
-        </p:nvSpPr>
-        <p:spPr>
-          <a:xfrm>
-            <a:off x="2392667" y="1926032"/>
-            <a:ext cx="631426" cy="310717"/>
-          </a:xfrm>
-          <a:prstGeom prst="rect">
-            <a:avLst/>
-          </a:prstGeom>
-          <a:noFill/>
-          <a:ln>
-            <a:noFill/>
-          </a:ln>
-        </p:spPr>
-        <p:txBody>
-          <a:bodyPr spcFirstLastPara="1" wrap="square" lIns="94378" tIns="47176" rIns="94378" bIns="47176" anchor="t" anchorCtr="0">
-            <a:spAutoFit/>
-          </a:bodyPr>
-          <a:lstStyle/>
-          <a:p>
-            <a:pPr algn="ctr">
-              <a:buClr>
-                <a:srgbClr val="000000"/>
-              </a:buClr>
-              <a:buSzPts val="1200"/>
-            </a:pPr>
-            <a:r>
-              <a:rPr lang="pt-BR" sz="1400" b="1" dirty="0">
-                <a:solidFill>
-                  <a:srgbClr val="00B050"/>
-                </a:solidFill>
-                <a:latin typeface="Avenir"/>
-                <a:sym typeface="Avenir"/>
-              </a:rPr>
-              <a:t>3BPD</a:t>
-            </a:r>
-            <a:endParaRPr sz="1600" dirty="0">
-              <a:solidFill>
-                <a:srgbClr val="00B050"/>
-              </a:solidFill>
-              <a:latin typeface="Arial"/>
-              <a:ea typeface="Arial"/>
-              <a:cs typeface="Arial"/>
-              <a:sym typeface="Arial"/>
-            </a:endParaRPr>
-          </a:p>
-        </p:txBody>
-      </p:sp>
-      <p:sp>
-        <p:nvSpPr>
-          <p:cNvPr id="17" name="Google Shape;298;p9">
-            <a:extLst>
-              <a:ext uri="{FF2B5EF4-FFF2-40B4-BE49-F238E27FC236}">
-                <a16:creationId xmlns:a16="http://schemas.microsoft.com/office/drawing/2014/main" id="{8F3D2256-742C-446C-BEFC-9C03B7D88B1C}"/>
-              </a:ext>
-            </a:extLst>
-          </p:cNvPr>
-          <p:cNvSpPr txBox="1"/>
-          <p:nvPr/>
-        </p:nvSpPr>
-        <p:spPr>
-          <a:xfrm>
-            <a:off x="620297" y="9350896"/>
-            <a:ext cx="631426" cy="310717"/>
-          </a:xfrm>
-          <a:prstGeom prst="rect">
-            <a:avLst/>
-          </a:prstGeom>
-          <a:noFill/>
-          <a:ln>
-            <a:noFill/>
-          </a:ln>
-        </p:spPr>
-        <p:txBody>
-          <a:bodyPr spcFirstLastPara="1" wrap="square" lIns="94378" tIns="47176" rIns="94378" bIns="47176" anchor="t" anchorCtr="0">
-            <a:spAutoFit/>
-          </a:bodyPr>
-          <a:lstStyle/>
-          <a:p>
-            <a:pPr algn="ctr">
-              <a:buClr>
-                <a:srgbClr val="000000"/>
-              </a:buClr>
-              <a:buSzPts val="1200"/>
-            </a:pPr>
-            <a:r>
-              <a:rPr lang="pt-BR" sz="1400" b="1" dirty="0">
-                <a:solidFill>
-                  <a:srgbClr val="00B050"/>
-                </a:solidFill>
-                <a:latin typeface="Avenir"/>
-                <a:sym typeface="Avenir"/>
-              </a:rPr>
-              <a:t>PYRN</a:t>
-            </a:r>
-            <a:endParaRPr sz="1600" dirty="0">
-              <a:solidFill>
-                <a:srgbClr val="00B050"/>
-              </a:solidFill>
-              <a:latin typeface="Arial"/>
-              <a:ea typeface="Arial"/>
-              <a:cs typeface="Arial"/>
-              <a:sym typeface="Arial"/>
-            </a:endParaRPr>
-          </a:p>
-        </p:txBody>
-      </p:sp>
-      <p:sp>
-        <p:nvSpPr>
-          <p:cNvPr id="18" name="Google Shape;298;p9">
-            <a:extLst>
-              <a:ext uri="{FF2B5EF4-FFF2-40B4-BE49-F238E27FC236}">
-                <a16:creationId xmlns:a16="http://schemas.microsoft.com/office/drawing/2014/main" id="{37D0A67E-D248-41D6-B211-C679A3B658E1}"/>
-              </a:ext>
-            </a:extLst>
-          </p:cNvPr>
-          <p:cNvSpPr txBox="1"/>
-          <p:nvPr/>
-        </p:nvSpPr>
-        <p:spPr>
-          <a:xfrm>
-            <a:off x="734976" y="1910854"/>
-            <a:ext cx="631426" cy="310717"/>
-          </a:xfrm>
-          <a:prstGeom prst="rect">
-            <a:avLst/>
-          </a:prstGeom>
-          <a:noFill/>
-          <a:ln>
-            <a:noFill/>
-          </a:ln>
-        </p:spPr>
-        <p:txBody>
-          <a:bodyPr spcFirstLastPara="1" wrap="square" lIns="94378" tIns="47176" rIns="94378" bIns="47176" anchor="t" anchorCtr="0">
-            <a:spAutoFit/>
-          </a:bodyPr>
-          <a:lstStyle/>
-          <a:p>
-            <a:pPr algn="ctr">
-              <a:buClr>
-                <a:srgbClr val="000000"/>
-              </a:buClr>
-              <a:buSzPts val="1200"/>
-            </a:pPr>
-            <a:r>
-              <a:rPr lang="pt-BR" sz="1400" b="1" dirty="0">
-                <a:solidFill>
-                  <a:srgbClr val="00B050"/>
-                </a:solidFill>
-                <a:latin typeface="Avenir"/>
-                <a:sym typeface="Avenir"/>
-              </a:rPr>
-              <a:t>2BPD</a:t>
-            </a:r>
-            <a:endParaRPr sz="1600" dirty="0">
-              <a:solidFill>
-                <a:srgbClr val="00B050"/>
-              </a:solidFill>
-              <a:latin typeface="Arial"/>
-              <a:ea typeface="Arial"/>
-              <a:cs typeface="Arial"/>
-              <a:sym typeface="Arial"/>
-            </a:endParaRPr>
-          </a:p>
-        </p:txBody>
-      </p:sp>
-      <p:sp>
-        <p:nvSpPr>
-          <p:cNvPr id="19" name="Google Shape;298;p9">
-            <a:extLst>
-              <a:ext uri="{FF2B5EF4-FFF2-40B4-BE49-F238E27FC236}">
-                <a16:creationId xmlns:a16="http://schemas.microsoft.com/office/drawing/2014/main" id="{742C7C49-7482-428E-B39B-FC77E04AE5F4}"/>
-              </a:ext>
-            </a:extLst>
-          </p:cNvPr>
-          <p:cNvSpPr txBox="1"/>
-          <p:nvPr/>
-        </p:nvSpPr>
-        <p:spPr>
-          <a:xfrm>
-            <a:off x="6204178" y="1905182"/>
-            <a:ext cx="631426" cy="310717"/>
-          </a:xfrm>
-          <a:prstGeom prst="rect">
-            <a:avLst/>
-          </a:prstGeom>
-          <a:noFill/>
-          <a:ln>
-            <a:noFill/>
-          </a:ln>
-        </p:spPr>
-        <p:txBody>
-          <a:bodyPr spcFirstLastPara="1" wrap="square" lIns="94378" tIns="47176" rIns="94378" bIns="47176" anchor="t" anchorCtr="0">
-            <a:spAutoFit/>
-          </a:bodyPr>
-          <a:lstStyle/>
-          <a:p>
-            <a:pPr algn="ctr">
-              <a:buClr>
-                <a:srgbClr val="000000"/>
-              </a:buClr>
-              <a:buSzPts val="1200"/>
-            </a:pPr>
-            <a:r>
-              <a:rPr lang="pt-BR" sz="1400" b="1" dirty="0">
-                <a:solidFill>
-                  <a:srgbClr val="00B050"/>
-                </a:solidFill>
-                <a:latin typeface="Avenir"/>
-                <a:ea typeface="Arial"/>
-                <a:cs typeface="Arial"/>
-                <a:sym typeface="Avenir"/>
-              </a:rPr>
-              <a:t>BBTZ</a:t>
-            </a:r>
-            <a:endParaRPr sz="1600" dirty="0">
-              <a:solidFill>
-                <a:srgbClr val="00B050"/>
-              </a:solidFill>
-              <a:latin typeface="Arial"/>
-              <a:ea typeface="Arial"/>
-              <a:cs typeface="Arial"/>
-              <a:sym typeface="Arial"/>
-            </a:endParaRPr>
-          </a:p>
-        </p:txBody>
-      </p:sp>
-      <p:sp>
-        <p:nvSpPr>
-          <p:cNvPr id="20" name="Google Shape;298;p9">
-            <a:extLst>
-              <a:ext uri="{FF2B5EF4-FFF2-40B4-BE49-F238E27FC236}">
-                <a16:creationId xmlns:a16="http://schemas.microsoft.com/office/drawing/2014/main" id="{7D708E41-EA25-4027-9DFE-6D666ADD2CD1}"/>
-              </a:ext>
-            </a:extLst>
-          </p:cNvPr>
-          <p:cNvSpPr txBox="1"/>
-          <p:nvPr/>
-        </p:nvSpPr>
-        <p:spPr>
-          <a:xfrm>
-            <a:off x="1103803" y="5571379"/>
-            <a:ext cx="631426" cy="310717"/>
-          </a:xfrm>
-          <a:prstGeom prst="rect">
-            <a:avLst/>
-          </a:prstGeom>
-          <a:noFill/>
-          <a:ln>
-            <a:noFill/>
-          </a:ln>
-        </p:spPr>
-        <p:txBody>
-          <a:bodyPr spcFirstLastPara="1" wrap="square" lIns="94378" tIns="47176" rIns="94378" bIns="47176" anchor="t" anchorCtr="0">
-            <a:spAutoFit/>
-          </a:bodyPr>
-          <a:lstStyle/>
-          <a:p>
-            <a:pPr algn="ctr">
-              <a:buClr>
-                <a:srgbClr val="000000"/>
-              </a:buClr>
-              <a:buSzPts val="1200"/>
-            </a:pPr>
-            <a:r>
-              <a:rPr lang="pt-BR" sz="1400" b="1" dirty="0">
-                <a:solidFill>
-                  <a:srgbClr val="00B050"/>
-                </a:solidFill>
-                <a:latin typeface="Avenir"/>
-                <a:ea typeface="Arial"/>
-                <a:cs typeface="Arial"/>
-                <a:sym typeface="Avenir"/>
-              </a:rPr>
-              <a:t>DPBY</a:t>
-            </a:r>
-            <a:endParaRPr sz="1600" dirty="0">
-              <a:solidFill>
-                <a:srgbClr val="00B050"/>
-              </a:solidFill>
-              <a:latin typeface="Arial"/>
-              <a:ea typeface="Arial"/>
-              <a:cs typeface="Arial"/>
-              <a:sym typeface="Arial"/>
-            </a:endParaRPr>
-          </a:p>
-        </p:txBody>
-      </p:sp>
-      <p:sp>
-        <p:nvSpPr>
-          <p:cNvPr id="21" name="Google Shape;298;p9">
-            <a:extLst>
-              <a:ext uri="{FF2B5EF4-FFF2-40B4-BE49-F238E27FC236}">
-                <a16:creationId xmlns:a16="http://schemas.microsoft.com/office/drawing/2014/main" id="{90F1C029-C776-4AD3-9376-2E84418868B0}"/>
-              </a:ext>
-            </a:extLst>
-          </p:cNvPr>
-          <p:cNvSpPr txBox="1"/>
-          <p:nvPr/>
-        </p:nvSpPr>
-        <p:spPr>
-          <a:xfrm>
-            <a:off x="3992522" y="3760076"/>
-            <a:ext cx="631426" cy="310717"/>
-          </a:xfrm>
-          <a:prstGeom prst="rect">
-            <a:avLst/>
-          </a:prstGeom>
-          <a:noFill/>
-          <a:ln>
-            <a:noFill/>
-          </a:ln>
-        </p:spPr>
-        <p:txBody>
-          <a:bodyPr spcFirstLastPara="1" wrap="square" lIns="94378" tIns="47176" rIns="94378" bIns="47176" anchor="t" anchorCtr="0">
-            <a:spAutoFit/>
-          </a:bodyPr>
-          <a:lstStyle/>
-          <a:p>
-            <a:pPr algn="ctr">
-              <a:buClr>
-                <a:srgbClr val="000000"/>
-              </a:buClr>
-              <a:buSzPts val="1200"/>
-            </a:pPr>
-            <a:r>
-              <a:rPr lang="pt-BR" sz="1400" b="1" dirty="0">
-                <a:solidFill>
-                  <a:srgbClr val="00B050"/>
-                </a:solidFill>
-                <a:latin typeface="Avenir"/>
-                <a:sym typeface="Avenir"/>
-              </a:rPr>
-              <a:t>BPYB</a:t>
-            </a:r>
-            <a:endParaRPr sz="1600" dirty="0">
-              <a:solidFill>
-                <a:srgbClr val="00B050"/>
-              </a:solidFill>
-              <a:latin typeface="Arial"/>
-              <a:ea typeface="Arial"/>
-              <a:cs typeface="Arial"/>
-              <a:sym typeface="Arial"/>
-            </a:endParaRPr>
-          </a:p>
-        </p:txBody>
-      </p:sp>
-      <p:sp>
-        <p:nvSpPr>
-          <p:cNvPr id="22" name="Google Shape;298;p9">
-            <a:extLst>
-              <a:ext uri="{FF2B5EF4-FFF2-40B4-BE49-F238E27FC236}">
-                <a16:creationId xmlns:a16="http://schemas.microsoft.com/office/drawing/2014/main" id="{794172CB-E025-4BBE-B2BE-B6BFAFADC70E}"/>
-              </a:ext>
-            </a:extLst>
-          </p:cNvPr>
-          <p:cNvSpPr txBox="1"/>
-          <p:nvPr/>
-        </p:nvSpPr>
-        <p:spPr>
-          <a:xfrm>
-            <a:off x="6299676" y="3760076"/>
-            <a:ext cx="631426" cy="310717"/>
-          </a:xfrm>
-          <a:prstGeom prst="rect">
-            <a:avLst/>
-          </a:prstGeom>
-          <a:noFill/>
-          <a:ln>
-            <a:noFill/>
-          </a:ln>
-        </p:spPr>
-        <p:txBody>
-          <a:bodyPr spcFirstLastPara="1" wrap="square" lIns="94378" tIns="47176" rIns="94378" bIns="47176" anchor="t" anchorCtr="0">
-            <a:spAutoFit/>
-          </a:bodyPr>
-          <a:lstStyle/>
-          <a:p>
-            <a:pPr algn="ctr">
-              <a:buClr>
-                <a:srgbClr val="000000"/>
-              </a:buClr>
-              <a:buSzPts val="1200"/>
-            </a:pPr>
-            <a:r>
-              <a:rPr lang="pt-BR" sz="1400" b="1" dirty="0">
-                <a:solidFill>
-                  <a:srgbClr val="00B050"/>
-                </a:solidFill>
-                <a:latin typeface="Avenir"/>
-                <a:ea typeface="Arial"/>
-                <a:cs typeface="Arial"/>
-                <a:sym typeface="Avenir"/>
-              </a:rPr>
-              <a:t>BTPH</a:t>
-            </a:r>
-            <a:endParaRPr sz="1600" dirty="0">
-              <a:solidFill>
-                <a:srgbClr val="00B050"/>
-              </a:solidFill>
-              <a:latin typeface="Arial"/>
-              <a:ea typeface="Arial"/>
-              <a:cs typeface="Arial"/>
-              <a:sym typeface="Arial"/>
-            </a:endParaRPr>
-          </a:p>
-        </p:txBody>
-      </p:sp>
-      <p:sp>
-        <p:nvSpPr>
-          <p:cNvPr id="23" name="Google Shape;298;p9">
-            <a:extLst>
-              <a:ext uri="{FF2B5EF4-FFF2-40B4-BE49-F238E27FC236}">
-                <a16:creationId xmlns:a16="http://schemas.microsoft.com/office/drawing/2014/main" id="{B83B8EF0-7BB6-4FEF-9279-8D77443FC181}"/>
-              </a:ext>
-            </a:extLst>
-          </p:cNvPr>
-          <p:cNvSpPr txBox="1"/>
-          <p:nvPr/>
-        </p:nvSpPr>
-        <p:spPr>
-          <a:xfrm>
-            <a:off x="10028910" y="1839670"/>
-            <a:ext cx="631426" cy="310717"/>
-          </a:xfrm>
-          <a:prstGeom prst="rect">
-            <a:avLst/>
-          </a:prstGeom>
-          <a:noFill/>
-          <a:ln>
-            <a:noFill/>
-          </a:ln>
-        </p:spPr>
-        <p:txBody>
-          <a:bodyPr spcFirstLastPara="1" wrap="square" lIns="94378" tIns="47176" rIns="94378" bIns="47176" anchor="t" anchorCtr="0">
-            <a:spAutoFit/>
-          </a:bodyPr>
-          <a:lstStyle/>
-          <a:p>
-            <a:pPr algn="ctr">
-              <a:buClr>
-                <a:srgbClr val="000000"/>
-              </a:buClr>
-              <a:buSzPts val="1200"/>
-            </a:pPr>
-            <a:r>
-              <a:rPr lang="pt-BR" sz="1400" b="1" dirty="0">
-                <a:solidFill>
-                  <a:srgbClr val="00B050"/>
-                </a:solidFill>
-                <a:latin typeface="Avenir"/>
-                <a:ea typeface="Arial"/>
-                <a:cs typeface="Arial"/>
-                <a:sym typeface="Avenir"/>
-              </a:rPr>
-              <a:t>DBTP</a:t>
-            </a:r>
-            <a:endParaRPr sz="1600" dirty="0">
-              <a:solidFill>
-                <a:srgbClr val="00B050"/>
-              </a:solidFill>
-              <a:latin typeface="Arial"/>
-              <a:ea typeface="Arial"/>
-              <a:cs typeface="Arial"/>
-              <a:sym typeface="Arial"/>
-            </a:endParaRPr>
-          </a:p>
-        </p:txBody>
-      </p:sp>
-      <p:sp>
-        <p:nvSpPr>
-          <p:cNvPr id="24" name="Google Shape;298;p9">
-            <a:extLst>
-              <a:ext uri="{FF2B5EF4-FFF2-40B4-BE49-F238E27FC236}">
-                <a16:creationId xmlns:a16="http://schemas.microsoft.com/office/drawing/2014/main" id="{88D55AEF-8EF2-40A8-A445-7BABF0FE14A7}"/>
-              </a:ext>
-            </a:extLst>
-          </p:cNvPr>
-          <p:cNvSpPr txBox="1"/>
-          <p:nvPr/>
-        </p:nvSpPr>
-        <p:spPr>
-          <a:xfrm>
-            <a:off x="1103803" y="7273643"/>
-            <a:ext cx="631426" cy="310717"/>
-          </a:xfrm>
-          <a:prstGeom prst="rect">
-            <a:avLst/>
-          </a:prstGeom>
-          <a:noFill/>
-          <a:ln>
-            <a:noFill/>
-          </a:ln>
-        </p:spPr>
-        <p:txBody>
-          <a:bodyPr spcFirstLastPara="1" wrap="square" lIns="94378" tIns="47176" rIns="94378" bIns="47176" anchor="t" anchorCtr="0">
-            <a:spAutoFit/>
-          </a:bodyPr>
-          <a:lstStyle/>
-          <a:p>
-            <a:pPr algn="ctr">
-              <a:buClr>
-                <a:srgbClr val="000000"/>
-              </a:buClr>
-              <a:buSzPts val="1200"/>
-            </a:pPr>
-            <a:r>
-              <a:rPr lang="pt-BR" sz="1400" b="1" dirty="0">
-                <a:solidFill>
-                  <a:srgbClr val="00B050"/>
-                </a:solidFill>
-                <a:latin typeface="Avenir"/>
-                <a:sym typeface="Avenir"/>
-              </a:rPr>
-              <a:t>INTO</a:t>
-            </a:r>
-            <a:endParaRPr sz="1600" dirty="0">
-              <a:solidFill>
-                <a:srgbClr val="00B050"/>
-              </a:solidFill>
-              <a:latin typeface="Arial"/>
-              <a:ea typeface="Arial"/>
-              <a:cs typeface="Arial"/>
-              <a:sym typeface="Arial"/>
-            </a:endParaRPr>
-          </a:p>
-        </p:txBody>
-      </p:sp>
-      <p:sp>
-        <p:nvSpPr>
-          <p:cNvPr id="25" name="Google Shape;298;p9">
-            <a:extLst>
-              <a:ext uri="{FF2B5EF4-FFF2-40B4-BE49-F238E27FC236}">
-                <a16:creationId xmlns:a16="http://schemas.microsoft.com/office/drawing/2014/main" id="{90B78694-A23F-4C23-BA97-0F6CCAFE9B00}"/>
-              </a:ext>
-            </a:extLst>
-          </p:cNvPr>
-          <p:cNvSpPr txBox="1"/>
-          <p:nvPr/>
-        </p:nvSpPr>
-        <p:spPr>
-          <a:xfrm>
-            <a:off x="2207315" y="9403248"/>
-            <a:ext cx="631426" cy="310717"/>
-          </a:xfrm>
-          <a:prstGeom prst="rect">
-            <a:avLst/>
-          </a:prstGeom>
-          <a:noFill/>
-          <a:ln>
-            <a:noFill/>
-          </a:ln>
-        </p:spPr>
-        <p:txBody>
-          <a:bodyPr spcFirstLastPara="1" wrap="square" lIns="94378" tIns="47176" rIns="94378" bIns="47176" anchor="t" anchorCtr="0">
-            <a:spAutoFit/>
-          </a:bodyPr>
-          <a:lstStyle/>
-          <a:p>
-            <a:pPr algn="ctr">
-              <a:buClr>
-                <a:srgbClr val="000000"/>
-              </a:buClr>
-              <a:buSzPts val="1200"/>
-            </a:pPr>
-            <a:r>
-              <a:rPr lang="pt-BR" sz="1400" b="1" dirty="0">
-                <a:solidFill>
-                  <a:srgbClr val="00B050"/>
-                </a:solidFill>
-                <a:latin typeface="Avenir"/>
-                <a:sym typeface="Avenir"/>
-              </a:rPr>
-              <a:t>PYTO</a:t>
-            </a:r>
-            <a:endParaRPr sz="1600" dirty="0">
-              <a:solidFill>
-                <a:srgbClr val="00B050"/>
-              </a:solidFill>
-              <a:latin typeface="Arial"/>
-              <a:ea typeface="Arial"/>
-              <a:cs typeface="Arial"/>
-              <a:sym typeface="Arial"/>
-            </a:endParaRPr>
-          </a:p>
-        </p:txBody>
-      </p:sp>
-      <p:sp>
-        <p:nvSpPr>
-          <p:cNvPr id="26" name="Google Shape;298;p9">
-            <a:extLst>
-              <a:ext uri="{FF2B5EF4-FFF2-40B4-BE49-F238E27FC236}">
-                <a16:creationId xmlns:a16="http://schemas.microsoft.com/office/drawing/2014/main" id="{FABB7E2E-9352-41D7-8198-79211C57E895}"/>
-              </a:ext>
-            </a:extLst>
-          </p:cNvPr>
-          <p:cNvSpPr txBox="1"/>
-          <p:nvPr/>
-        </p:nvSpPr>
-        <p:spPr>
-          <a:xfrm>
-            <a:off x="5327319" y="5593022"/>
-            <a:ext cx="631426" cy="310717"/>
-          </a:xfrm>
-          <a:prstGeom prst="rect">
-            <a:avLst/>
-          </a:prstGeom>
-          <a:noFill/>
-          <a:ln>
-            <a:noFill/>
-          </a:ln>
-        </p:spPr>
-        <p:txBody>
-          <a:bodyPr spcFirstLastPara="1" wrap="square" lIns="94378" tIns="47176" rIns="94378" bIns="47176" anchor="t" anchorCtr="0">
-            <a:spAutoFit/>
-          </a:bodyPr>
-          <a:lstStyle/>
-          <a:p>
-            <a:pPr algn="ctr">
-              <a:buClr>
-                <a:srgbClr val="000000"/>
-              </a:buClr>
-              <a:buSzPts val="1200"/>
-            </a:pPr>
-            <a:r>
-              <a:rPr lang="pt-BR" sz="1400" b="1" dirty="0">
-                <a:solidFill>
-                  <a:srgbClr val="00B050"/>
-                </a:solidFill>
-                <a:latin typeface="Avenir"/>
-                <a:sym typeface="Avenir"/>
-              </a:rPr>
-              <a:t>DPEL</a:t>
-            </a:r>
-            <a:endParaRPr sz="1600" dirty="0">
-              <a:solidFill>
-                <a:srgbClr val="00B050"/>
-              </a:solidFill>
-              <a:latin typeface="Arial"/>
-              <a:ea typeface="Arial"/>
-              <a:cs typeface="Arial"/>
-              <a:sym typeface="Arial"/>
-            </a:endParaRPr>
-          </a:p>
-        </p:txBody>
-      </p:sp>
-      <p:sp>
-        <p:nvSpPr>
-          <p:cNvPr id="27" name="Google Shape;298;p9">
-            <a:extLst>
-              <a:ext uri="{FF2B5EF4-FFF2-40B4-BE49-F238E27FC236}">
-                <a16:creationId xmlns:a16="http://schemas.microsoft.com/office/drawing/2014/main" id="{967979D8-CE29-4BDC-A629-0B2C53554F0D}"/>
-              </a:ext>
-            </a:extLst>
-          </p:cNvPr>
-          <p:cNvSpPr txBox="1"/>
-          <p:nvPr/>
-        </p:nvSpPr>
-        <p:spPr>
-          <a:xfrm>
-            <a:off x="3237390" y="5678589"/>
-            <a:ext cx="631426" cy="310717"/>
-          </a:xfrm>
-          <a:prstGeom prst="rect">
-            <a:avLst/>
-          </a:prstGeom>
-          <a:noFill/>
-          <a:ln>
-            <a:noFill/>
-          </a:ln>
-        </p:spPr>
-        <p:txBody>
-          <a:bodyPr spcFirstLastPara="1" wrap="square" lIns="94378" tIns="47176" rIns="94378" bIns="47176" anchor="t" anchorCtr="0">
-            <a:spAutoFit/>
-          </a:bodyPr>
-          <a:lstStyle/>
-          <a:p>
-            <a:pPr algn="ctr">
-              <a:buClr>
-                <a:srgbClr val="000000"/>
-              </a:buClr>
-              <a:buSzPts val="1200"/>
-            </a:pPr>
-            <a:r>
-              <a:rPr lang="pt-BR" sz="1400" b="1" dirty="0">
-                <a:solidFill>
-                  <a:srgbClr val="00B050"/>
-                </a:solidFill>
-                <a:latin typeface="Avenir"/>
-                <a:ea typeface="Arial"/>
-                <a:cs typeface="Arial"/>
-                <a:sym typeface="Avenir"/>
-              </a:rPr>
-              <a:t>DPDA</a:t>
-            </a:r>
-            <a:endParaRPr sz="1600" dirty="0">
-              <a:solidFill>
-                <a:srgbClr val="00B050"/>
-              </a:solidFill>
-              <a:latin typeface="Arial"/>
-              <a:ea typeface="Arial"/>
-              <a:cs typeface="Arial"/>
-              <a:sym typeface="Arial"/>
+              <a:latin typeface="Avenir Next LT Pro Demi" panose="020B0704020202020204" pitchFamily="34" charset="0"/>
+              <a:cs typeface="Aharoni" panose="02010803020104030203" pitchFamily="2" charset="-79"/>
             </a:endParaRPr>
           </a:p>
         </p:txBody>
@@ -8823,7 +7649,7 @@
           <p:cNvPr id="70" name="Objeto 69">
             <a:extLst>
               <a:ext uri="{FF2B5EF4-FFF2-40B4-BE49-F238E27FC236}">
-                <a16:creationId xmlns:a16="http://schemas.microsoft.com/office/drawing/2014/main" id="{D1413B77-4EF9-41A9-9008-E0FF5F334EE2}"/>
+                <a16:creationId xmlns:a16="http://schemas.microsoft.com/office/drawing/2014/main" id="{D772CA9D-5C33-4DCE-8D54-F2DFECCB6DA8}"/>
               </a:ext>
             </a:extLst>
           </p:cNvPr>
@@ -8833,25 +7659,25 @@
           <p:nvPr>
             <p:extLst>
               <p:ext uri="{D42A27DB-BD31-4B8C-83A1-F6EECF244321}">
-                <p14:modId xmlns:p14="http://schemas.microsoft.com/office/powerpoint/2010/main" val="3207282710"/>
+                <p14:modId xmlns:p14="http://schemas.microsoft.com/office/powerpoint/2010/main" val="1646656935"/>
               </p:ext>
             </p:extLst>
           </p:nvPr>
         </p:nvGraphicFramePr>
         <p:xfrm>
-          <a:off x="339489" y="720229"/>
-          <a:ext cx="1422400" cy="1190625"/>
+          <a:off x="1287415" y="1143872"/>
+          <a:ext cx="848725" cy="4573310"/>
         </p:xfrm>
         <a:graphic>
           <a:graphicData uri="http://schemas.openxmlformats.org/presentationml/2006/ole">
             <mc:AlternateContent xmlns:mc="http://schemas.openxmlformats.org/markup-compatibility/2006">
               <mc:Choice xmlns:v="urn:schemas-microsoft-com:vml" Requires="v">
-                <p:oleObj spid="_x0000_s2111" name="CS ChemDraw Drawing" r:id="rId3" imgW="1422805" imgH="1191151" progId="ChemDraw.Document.6.0">
+                <p:oleObj spid="_x0000_s4118" name="CS ChemDraw Drawing" r:id="rId3" imgW="796670" imgH="4294403" progId="ChemDraw.Document.6.0">
                   <p:embed/>
                 </p:oleObj>
               </mc:Choice>
               <mc:Fallback>
-                <p:oleObj name="CS ChemDraw Drawing" r:id="rId3" imgW="1422805" imgH="1191151" progId="ChemDraw.Document.6.0">
+                <p:oleObj name="CS ChemDraw Drawing" r:id="rId3" imgW="796670" imgH="4294403" progId="ChemDraw.Document.6.0">
                   <p:embed/>
                   <p:pic>
                     <p:nvPicPr>
@@ -8867,8 +7693,8 @@
                     </p:blipFill>
                     <p:spPr>
                       <a:xfrm>
-                        <a:off x="339489" y="720229"/>
-                        <a:ext cx="1422400" cy="1190625"/>
+                        <a:off x="1287415" y="1143872"/>
+                        <a:ext cx="848725" cy="4573310"/>
                       </a:xfrm>
                       <a:prstGeom prst="rect">
                         <a:avLst/>
@@ -8881,12 +7707,432 @@
           </a:graphicData>
         </a:graphic>
       </p:graphicFrame>
+      <p:sp>
+        <p:nvSpPr>
+          <p:cNvPr id="79" name="Google Shape;298;p9">
+            <a:extLst>
+              <a:ext uri="{FF2B5EF4-FFF2-40B4-BE49-F238E27FC236}">
+                <a16:creationId xmlns:a16="http://schemas.microsoft.com/office/drawing/2014/main" id="{17F0AD73-2F24-466E-B3A5-FD0424E04CED}"/>
+              </a:ext>
+            </a:extLst>
+          </p:cNvPr>
+          <p:cNvSpPr txBox="1"/>
+          <p:nvPr/>
+        </p:nvSpPr>
+        <p:spPr>
+          <a:xfrm>
+            <a:off x="587447" y="1143872"/>
+            <a:ext cx="620683" cy="307736"/>
+          </a:xfrm>
+          <a:prstGeom prst="rect">
+            <a:avLst/>
+          </a:prstGeom>
+          <a:noFill/>
+          <a:ln>
+            <a:noFill/>
+          </a:ln>
+        </p:spPr>
+        <p:txBody>
+          <a:bodyPr spcFirstLastPara="1" wrap="square" lIns="91425" tIns="45700" rIns="91425" bIns="45700" anchor="t" anchorCtr="0">
+            <a:spAutoFit/>
+          </a:bodyPr>
+          <a:lstStyle/>
+          <a:p>
+            <a:pPr marL="0" marR="0" lvl="0" indent="0" algn="ctr" rtl="0">
+              <a:lnSpc>
+                <a:spcPct val="100000"/>
+              </a:lnSpc>
+              <a:spcBef>
+                <a:spcPts val="0"/>
+              </a:spcBef>
+              <a:spcAft>
+                <a:spcPts val="0"/>
+              </a:spcAft>
+              <a:buClr>
+                <a:srgbClr val="000000"/>
+              </a:buClr>
+              <a:buSzPts val="1200"/>
+              <a:buFont typeface="Arial"/>
+              <a:buNone/>
+            </a:pPr>
+            <a:r>
+              <a:rPr lang="pt-BR" sz="1400" b="1" dirty="0">
+                <a:solidFill>
+                  <a:srgbClr val="00B050"/>
+                </a:solidFill>
+                <a:latin typeface="Avenir"/>
+                <a:sym typeface="Avenir"/>
+              </a:rPr>
+              <a:t>H</a:t>
+            </a:r>
+            <a:endParaRPr sz="1600" b="0" i="0" strike="noStrike" cap="none" baseline="-25000" dirty="0">
+              <a:solidFill>
+                <a:srgbClr val="00B050"/>
+              </a:solidFill>
+              <a:latin typeface="Arial"/>
+              <a:ea typeface="Arial"/>
+              <a:cs typeface="Arial"/>
+              <a:sym typeface="Arial"/>
+            </a:endParaRPr>
+          </a:p>
+        </p:txBody>
+      </p:sp>
+      <p:sp>
+        <p:nvSpPr>
+          <p:cNvPr id="80" name="Google Shape;298;p9">
+            <a:extLst>
+              <a:ext uri="{FF2B5EF4-FFF2-40B4-BE49-F238E27FC236}">
+                <a16:creationId xmlns:a16="http://schemas.microsoft.com/office/drawing/2014/main" id="{42F8B48C-F4F3-47E4-946E-DBCFE24B73AD}"/>
+              </a:ext>
+            </a:extLst>
+          </p:cNvPr>
+          <p:cNvSpPr txBox="1"/>
+          <p:nvPr/>
+        </p:nvSpPr>
+        <p:spPr>
+          <a:xfrm>
+            <a:off x="587447" y="1766974"/>
+            <a:ext cx="620683" cy="307736"/>
+          </a:xfrm>
+          <a:prstGeom prst="rect">
+            <a:avLst/>
+          </a:prstGeom>
+          <a:noFill/>
+          <a:ln>
+            <a:noFill/>
+          </a:ln>
+        </p:spPr>
+        <p:txBody>
+          <a:bodyPr spcFirstLastPara="1" wrap="square" lIns="91425" tIns="45700" rIns="91425" bIns="45700" anchor="t" anchorCtr="0">
+            <a:spAutoFit/>
+          </a:bodyPr>
+          <a:lstStyle/>
+          <a:p>
+            <a:pPr marL="0" marR="0" lvl="0" indent="0" algn="ctr" rtl="0">
+              <a:lnSpc>
+                <a:spcPct val="100000"/>
+              </a:lnSpc>
+              <a:spcBef>
+                <a:spcPts val="0"/>
+              </a:spcBef>
+              <a:spcAft>
+                <a:spcPts val="0"/>
+              </a:spcAft>
+              <a:buClr>
+                <a:srgbClr val="000000"/>
+              </a:buClr>
+              <a:buSzPts val="1200"/>
+              <a:buFont typeface="Arial"/>
+              <a:buNone/>
+            </a:pPr>
+            <a:r>
+              <a:rPr lang="pt-BR" sz="1400" b="1" dirty="0">
+                <a:solidFill>
+                  <a:srgbClr val="00B050"/>
+                </a:solidFill>
+                <a:latin typeface="Avenir"/>
+                <a:sym typeface="Avenir"/>
+              </a:rPr>
+              <a:t>OH</a:t>
+            </a:r>
+            <a:endParaRPr sz="1600" b="0" i="0" strike="noStrike" cap="none" baseline="-25000" dirty="0">
+              <a:solidFill>
+                <a:srgbClr val="00B050"/>
+              </a:solidFill>
+              <a:latin typeface="Arial"/>
+              <a:ea typeface="Arial"/>
+              <a:cs typeface="Arial"/>
+              <a:sym typeface="Arial"/>
+            </a:endParaRPr>
+          </a:p>
+        </p:txBody>
+      </p:sp>
+      <p:sp>
+        <p:nvSpPr>
+          <p:cNvPr id="81" name="Google Shape;298;p9">
+            <a:extLst>
+              <a:ext uri="{FF2B5EF4-FFF2-40B4-BE49-F238E27FC236}">
+                <a16:creationId xmlns:a16="http://schemas.microsoft.com/office/drawing/2014/main" id="{F3B12A42-22BD-48CC-B47B-DE91C5E64585}"/>
+              </a:ext>
+            </a:extLst>
+          </p:cNvPr>
+          <p:cNvSpPr txBox="1"/>
+          <p:nvPr/>
+        </p:nvSpPr>
+        <p:spPr>
+          <a:xfrm>
+            <a:off x="587446" y="2538976"/>
+            <a:ext cx="620683" cy="307736"/>
+          </a:xfrm>
+          <a:prstGeom prst="rect">
+            <a:avLst/>
+          </a:prstGeom>
+          <a:noFill/>
+          <a:ln>
+            <a:noFill/>
+          </a:ln>
+        </p:spPr>
+        <p:txBody>
+          <a:bodyPr spcFirstLastPara="1" wrap="square" lIns="91425" tIns="45700" rIns="91425" bIns="45700" anchor="t" anchorCtr="0">
+            <a:spAutoFit/>
+          </a:bodyPr>
+          <a:lstStyle/>
+          <a:p>
+            <a:pPr marL="0" marR="0" lvl="0" indent="0" algn="ctr" rtl="0">
+              <a:lnSpc>
+                <a:spcPct val="100000"/>
+              </a:lnSpc>
+              <a:spcBef>
+                <a:spcPts val="0"/>
+              </a:spcBef>
+              <a:spcAft>
+                <a:spcPts val="0"/>
+              </a:spcAft>
+              <a:buClr>
+                <a:srgbClr val="000000"/>
+              </a:buClr>
+              <a:buSzPts val="1200"/>
+              <a:buFont typeface="Arial"/>
+              <a:buNone/>
+            </a:pPr>
+            <a:r>
+              <a:rPr lang="pt-BR" sz="1400" b="1" dirty="0">
+                <a:solidFill>
+                  <a:srgbClr val="00B050"/>
+                </a:solidFill>
+                <a:latin typeface="Avenir"/>
+                <a:sym typeface="Avenir"/>
+              </a:rPr>
+              <a:t>CH3</a:t>
+            </a:r>
+            <a:endParaRPr sz="1600" b="0" i="0" strike="noStrike" cap="none" baseline="-25000" dirty="0">
+              <a:solidFill>
+                <a:srgbClr val="00B050"/>
+              </a:solidFill>
+              <a:latin typeface="Arial"/>
+              <a:ea typeface="Arial"/>
+              <a:cs typeface="Arial"/>
+              <a:sym typeface="Arial"/>
+            </a:endParaRPr>
+          </a:p>
+        </p:txBody>
+      </p:sp>
+      <p:sp>
+        <p:nvSpPr>
+          <p:cNvPr id="82" name="Google Shape;298;p9">
+            <a:extLst>
+              <a:ext uri="{FF2B5EF4-FFF2-40B4-BE49-F238E27FC236}">
+                <a16:creationId xmlns:a16="http://schemas.microsoft.com/office/drawing/2014/main" id="{B8864486-701A-4130-97C2-89CCDA3AA46F}"/>
+              </a:ext>
+            </a:extLst>
+          </p:cNvPr>
+          <p:cNvSpPr txBox="1"/>
+          <p:nvPr/>
+        </p:nvSpPr>
+        <p:spPr>
+          <a:xfrm>
+            <a:off x="587446" y="3373172"/>
+            <a:ext cx="620683" cy="307736"/>
+          </a:xfrm>
+          <a:prstGeom prst="rect">
+            <a:avLst/>
+          </a:prstGeom>
+          <a:noFill/>
+          <a:ln>
+            <a:noFill/>
+          </a:ln>
+        </p:spPr>
+        <p:txBody>
+          <a:bodyPr spcFirstLastPara="1" wrap="square" lIns="91425" tIns="45700" rIns="91425" bIns="45700" anchor="t" anchorCtr="0">
+            <a:spAutoFit/>
+          </a:bodyPr>
+          <a:lstStyle/>
+          <a:p>
+            <a:pPr marL="0" marR="0" lvl="0" indent="0" algn="ctr" rtl="0">
+              <a:lnSpc>
+                <a:spcPct val="100000"/>
+              </a:lnSpc>
+              <a:spcBef>
+                <a:spcPts val="0"/>
+              </a:spcBef>
+              <a:spcAft>
+                <a:spcPts val="0"/>
+              </a:spcAft>
+              <a:buClr>
+                <a:srgbClr val="000000"/>
+              </a:buClr>
+              <a:buSzPts val="1200"/>
+              <a:buFont typeface="Arial"/>
+              <a:buNone/>
+            </a:pPr>
+            <a:r>
+              <a:rPr lang="pt-BR" sz="1400" b="1" dirty="0" err="1">
+                <a:solidFill>
+                  <a:srgbClr val="00B050"/>
+                </a:solidFill>
+                <a:latin typeface="Avenir"/>
+                <a:sym typeface="Avenir"/>
+              </a:rPr>
+              <a:t>tBut</a:t>
+            </a:r>
+            <a:endParaRPr sz="1600" b="0" i="0" strike="noStrike" cap="none" baseline="-25000" dirty="0">
+              <a:solidFill>
+                <a:srgbClr val="00B050"/>
+              </a:solidFill>
+              <a:latin typeface="Arial"/>
+              <a:ea typeface="Arial"/>
+              <a:cs typeface="Arial"/>
+              <a:sym typeface="Arial"/>
+            </a:endParaRPr>
+          </a:p>
+        </p:txBody>
+      </p:sp>
+      <p:sp>
+        <p:nvSpPr>
+          <p:cNvPr id="83" name="Google Shape;298;p9">
+            <a:extLst>
+              <a:ext uri="{FF2B5EF4-FFF2-40B4-BE49-F238E27FC236}">
+                <a16:creationId xmlns:a16="http://schemas.microsoft.com/office/drawing/2014/main" id="{D39955A0-7717-4427-9AEA-A5D09ACB004B}"/>
+              </a:ext>
+            </a:extLst>
+          </p:cNvPr>
+          <p:cNvSpPr txBox="1"/>
+          <p:nvPr/>
+        </p:nvSpPr>
+        <p:spPr>
+          <a:xfrm>
+            <a:off x="587447" y="4493963"/>
+            <a:ext cx="620683" cy="307736"/>
+          </a:xfrm>
+          <a:prstGeom prst="rect">
+            <a:avLst/>
+          </a:prstGeom>
+          <a:noFill/>
+          <a:ln>
+            <a:noFill/>
+          </a:ln>
+        </p:spPr>
+        <p:txBody>
+          <a:bodyPr spcFirstLastPara="1" wrap="square" lIns="91425" tIns="45700" rIns="91425" bIns="45700" anchor="t" anchorCtr="0">
+            <a:spAutoFit/>
+          </a:bodyPr>
+          <a:lstStyle/>
+          <a:p>
+            <a:pPr marL="0" marR="0" lvl="0" indent="0" algn="ctr" rtl="0">
+              <a:lnSpc>
+                <a:spcPct val="100000"/>
+              </a:lnSpc>
+              <a:spcBef>
+                <a:spcPts val="0"/>
+              </a:spcBef>
+              <a:spcAft>
+                <a:spcPts val="0"/>
+              </a:spcAft>
+              <a:buClr>
+                <a:srgbClr val="000000"/>
+              </a:buClr>
+              <a:buSzPts val="1200"/>
+              <a:buFont typeface="Arial"/>
+              <a:buNone/>
+            </a:pPr>
+            <a:r>
+              <a:rPr lang="pt-BR" sz="1400" b="1" dirty="0" err="1">
+                <a:solidFill>
+                  <a:srgbClr val="00B050"/>
+                </a:solidFill>
+                <a:latin typeface="Avenir"/>
+                <a:sym typeface="Avenir"/>
+              </a:rPr>
+              <a:t>OMe</a:t>
+            </a:r>
+            <a:endParaRPr sz="1600" b="0" i="0" strike="noStrike" cap="none" baseline="-25000" dirty="0">
+              <a:solidFill>
+                <a:srgbClr val="00B050"/>
+              </a:solidFill>
+              <a:latin typeface="Arial"/>
+              <a:ea typeface="Arial"/>
+              <a:cs typeface="Arial"/>
+              <a:sym typeface="Arial"/>
+            </a:endParaRPr>
+          </a:p>
+        </p:txBody>
+      </p:sp>
+      <p:sp>
+        <p:nvSpPr>
+          <p:cNvPr id="84" name="Google Shape;298;p9">
+            <a:extLst>
+              <a:ext uri="{FF2B5EF4-FFF2-40B4-BE49-F238E27FC236}">
+                <a16:creationId xmlns:a16="http://schemas.microsoft.com/office/drawing/2014/main" id="{75115EF6-916B-4F38-AAE2-2C13B241D6F8}"/>
+              </a:ext>
+            </a:extLst>
+          </p:cNvPr>
+          <p:cNvSpPr txBox="1"/>
+          <p:nvPr/>
+        </p:nvSpPr>
+        <p:spPr>
+          <a:xfrm>
+            <a:off x="587447" y="5117065"/>
+            <a:ext cx="620683" cy="307736"/>
+          </a:xfrm>
+          <a:prstGeom prst="rect">
+            <a:avLst/>
+          </a:prstGeom>
+          <a:noFill/>
+          <a:ln>
+            <a:noFill/>
+          </a:ln>
+        </p:spPr>
+        <p:txBody>
+          <a:bodyPr spcFirstLastPara="1" wrap="square" lIns="91425" tIns="45700" rIns="91425" bIns="45700" anchor="t" anchorCtr="0">
+            <a:spAutoFit/>
+          </a:bodyPr>
+          <a:lstStyle/>
+          <a:p>
+            <a:pPr marL="0" marR="0" lvl="0" indent="0" algn="ctr" rtl="0">
+              <a:lnSpc>
+                <a:spcPct val="100000"/>
+              </a:lnSpc>
+              <a:spcBef>
+                <a:spcPts val="0"/>
+              </a:spcBef>
+              <a:spcAft>
+                <a:spcPts val="0"/>
+              </a:spcAft>
+              <a:buClr>
+                <a:srgbClr val="000000"/>
+              </a:buClr>
+              <a:buSzPts val="1200"/>
+              <a:buFont typeface="Arial"/>
+              <a:buNone/>
+            </a:pPr>
+            <a:r>
+              <a:rPr lang="pt-BR" sz="1400" b="1" dirty="0" err="1">
+                <a:solidFill>
+                  <a:srgbClr val="00B050"/>
+                </a:solidFill>
+                <a:latin typeface="Avenir"/>
+                <a:sym typeface="Avenir"/>
+              </a:rPr>
+              <a:t>OEt</a:t>
+            </a:r>
+            <a:endParaRPr sz="1600" b="0" i="0" strike="noStrike" cap="none" baseline="-25000" dirty="0">
+              <a:solidFill>
+                <a:srgbClr val="00B050"/>
+              </a:solidFill>
+              <a:latin typeface="Arial"/>
+              <a:ea typeface="Arial"/>
+              <a:cs typeface="Arial"/>
+              <a:sym typeface="Arial"/>
+            </a:endParaRPr>
+          </a:p>
+        </p:txBody>
+      </p:sp>
       <p:graphicFrame>
         <p:nvGraphicFramePr>
-          <p:cNvPr id="71" name="Objeto 70">
+          <p:cNvPr id="85" name="Objeto 84">
             <a:extLst>
               <a:ext uri="{FF2B5EF4-FFF2-40B4-BE49-F238E27FC236}">
-                <a16:creationId xmlns:a16="http://schemas.microsoft.com/office/drawing/2014/main" id="{80B14CC0-A922-497F-B7DC-0D4FB2B3090B}"/>
+                <a16:creationId xmlns:a16="http://schemas.microsoft.com/office/drawing/2014/main" id="{04163873-F5CC-4BDA-B4FC-394BCF545FAE}"/>
               </a:ext>
             </a:extLst>
           </p:cNvPr>
@@ -8896,25 +8142,25 @@
           <p:nvPr>
             <p:extLst>
               <p:ext uri="{D42A27DB-BD31-4B8C-83A1-F6EECF244321}">
-                <p14:modId xmlns:p14="http://schemas.microsoft.com/office/powerpoint/2010/main" val="3516377332"/>
+                <p14:modId xmlns:p14="http://schemas.microsoft.com/office/powerpoint/2010/main" val="1265494308"/>
               </p:ext>
             </p:extLst>
           </p:nvPr>
         </p:nvGraphicFramePr>
         <p:xfrm>
-          <a:off x="1997974" y="720219"/>
-          <a:ext cx="1420813" cy="1128712"/>
+          <a:off x="3358922" y="1143872"/>
+          <a:ext cx="661987" cy="4638950"/>
         </p:xfrm>
         <a:graphic>
           <a:graphicData uri="http://schemas.openxmlformats.org/presentationml/2006/ole">
             <mc:AlternateContent xmlns:mc="http://schemas.openxmlformats.org/markup-compatibility/2006">
               <mc:Choice xmlns:v="urn:schemas-microsoft-com:vml" Requires="v">
-                <p:oleObj spid="_x0000_s2112" name="CS ChemDraw Drawing" r:id="rId5" imgW="1421542" imgH="1128993" progId="ChemDraw.Document.6.0">
+                <p:oleObj spid="_x0000_s4119" name="CS ChemDraw Drawing" r:id="rId5" imgW="626135" imgH="4382777" progId="ChemDraw.Document.6.0">
                   <p:embed/>
                 </p:oleObj>
               </mc:Choice>
               <mc:Fallback>
-                <p:oleObj name="CS ChemDraw Drawing" r:id="rId5" imgW="1421542" imgH="1128993" progId="ChemDraw.Document.6.0">
+                <p:oleObj name="CS ChemDraw Drawing" r:id="rId5" imgW="626135" imgH="4382777" progId="ChemDraw.Document.6.0">
                   <p:embed/>
                   <p:pic>
                     <p:nvPicPr>
@@ -8930,8 +8176,8 @@
                     </p:blipFill>
                     <p:spPr>
                       <a:xfrm>
-                        <a:off x="1997974" y="720219"/>
-                        <a:ext cx="1420813" cy="1128712"/>
+                        <a:off x="3358922" y="1143872"/>
+                        <a:ext cx="661987" cy="4638950"/>
                       </a:xfrm>
                       <a:prstGeom prst="rect">
                         <a:avLst/>
@@ -8944,12 +8190,922 @@
           </a:graphicData>
         </a:graphic>
       </p:graphicFrame>
+      <p:sp>
+        <p:nvSpPr>
+          <p:cNvPr id="86" name="Google Shape;298;p9">
+            <a:extLst>
+              <a:ext uri="{FF2B5EF4-FFF2-40B4-BE49-F238E27FC236}">
+                <a16:creationId xmlns:a16="http://schemas.microsoft.com/office/drawing/2014/main" id="{E9D218A5-5B0F-457B-9184-93C7B4ACE513}"/>
+              </a:ext>
+            </a:extLst>
+          </p:cNvPr>
+          <p:cNvSpPr txBox="1"/>
+          <p:nvPr/>
+        </p:nvSpPr>
+        <p:spPr>
+          <a:xfrm>
+            <a:off x="2596550" y="1143872"/>
+            <a:ext cx="620683" cy="307736"/>
+          </a:xfrm>
+          <a:prstGeom prst="rect">
+            <a:avLst/>
+          </a:prstGeom>
+          <a:noFill/>
+          <a:ln>
+            <a:noFill/>
+          </a:ln>
+        </p:spPr>
+        <p:txBody>
+          <a:bodyPr spcFirstLastPara="1" wrap="square" lIns="91425" tIns="45700" rIns="91425" bIns="45700" anchor="t" anchorCtr="0">
+            <a:spAutoFit/>
+          </a:bodyPr>
+          <a:lstStyle/>
+          <a:p>
+            <a:pPr marL="0" marR="0" lvl="0" indent="0" algn="ctr" rtl="0">
+              <a:lnSpc>
+                <a:spcPct val="100000"/>
+              </a:lnSpc>
+              <a:spcBef>
+                <a:spcPts val="0"/>
+              </a:spcBef>
+              <a:spcAft>
+                <a:spcPts val="0"/>
+              </a:spcAft>
+              <a:buClr>
+                <a:srgbClr val="000000"/>
+              </a:buClr>
+              <a:buSzPts val="1200"/>
+              <a:buFont typeface="Arial"/>
+              <a:buNone/>
+            </a:pPr>
+            <a:r>
+              <a:rPr lang="pt-BR" sz="1400" b="1" dirty="0">
+                <a:solidFill>
+                  <a:srgbClr val="00B050"/>
+                </a:solidFill>
+                <a:latin typeface="Avenir"/>
+                <a:sym typeface="Avenir"/>
+              </a:rPr>
+              <a:t>NH2</a:t>
+            </a:r>
+            <a:endParaRPr sz="1600" b="0" i="0" strike="noStrike" cap="none" baseline="-25000" dirty="0">
+              <a:solidFill>
+                <a:srgbClr val="00B050"/>
+              </a:solidFill>
+              <a:latin typeface="Arial"/>
+              <a:ea typeface="Arial"/>
+              <a:cs typeface="Arial"/>
+              <a:sym typeface="Arial"/>
+            </a:endParaRPr>
+          </a:p>
+        </p:txBody>
+      </p:sp>
+      <p:sp>
+        <p:nvSpPr>
+          <p:cNvPr id="87" name="Google Shape;298;p9">
+            <a:extLst>
+              <a:ext uri="{FF2B5EF4-FFF2-40B4-BE49-F238E27FC236}">
+                <a16:creationId xmlns:a16="http://schemas.microsoft.com/office/drawing/2014/main" id="{5522AE5D-8633-40C7-8146-86EE94427B71}"/>
+              </a:ext>
+            </a:extLst>
+          </p:cNvPr>
+          <p:cNvSpPr txBox="1"/>
+          <p:nvPr/>
+        </p:nvSpPr>
+        <p:spPr>
+          <a:xfrm>
+            <a:off x="2596550" y="1766974"/>
+            <a:ext cx="620683" cy="307736"/>
+          </a:xfrm>
+          <a:prstGeom prst="rect">
+            <a:avLst/>
+          </a:prstGeom>
+          <a:noFill/>
+          <a:ln>
+            <a:noFill/>
+          </a:ln>
+        </p:spPr>
+        <p:txBody>
+          <a:bodyPr spcFirstLastPara="1" wrap="square" lIns="91425" tIns="45700" rIns="91425" bIns="45700" anchor="t" anchorCtr="0">
+            <a:spAutoFit/>
+          </a:bodyPr>
+          <a:lstStyle/>
+          <a:p>
+            <a:pPr marL="0" marR="0" lvl="0" indent="0" algn="ctr" rtl="0">
+              <a:lnSpc>
+                <a:spcPct val="100000"/>
+              </a:lnSpc>
+              <a:spcBef>
+                <a:spcPts val="0"/>
+              </a:spcBef>
+              <a:spcAft>
+                <a:spcPts val="0"/>
+              </a:spcAft>
+              <a:buClr>
+                <a:srgbClr val="000000"/>
+              </a:buClr>
+              <a:buSzPts val="1200"/>
+              <a:buFont typeface="Arial"/>
+              <a:buNone/>
+            </a:pPr>
+            <a:r>
+              <a:rPr lang="pt-BR" sz="1400" b="1" dirty="0">
+                <a:solidFill>
+                  <a:srgbClr val="00B050"/>
+                </a:solidFill>
+                <a:latin typeface="Avenir"/>
+                <a:sym typeface="Avenir"/>
+              </a:rPr>
+              <a:t>NO2</a:t>
+            </a:r>
+            <a:endParaRPr sz="1600" b="0" i="0" strike="noStrike" cap="none" baseline="-25000" dirty="0">
+              <a:solidFill>
+                <a:srgbClr val="00B050"/>
+              </a:solidFill>
+              <a:latin typeface="Arial"/>
+              <a:ea typeface="Arial"/>
+              <a:cs typeface="Arial"/>
+              <a:sym typeface="Arial"/>
+            </a:endParaRPr>
+          </a:p>
+        </p:txBody>
+      </p:sp>
+      <p:sp>
+        <p:nvSpPr>
+          <p:cNvPr id="88" name="Google Shape;298;p9">
+            <a:extLst>
+              <a:ext uri="{FF2B5EF4-FFF2-40B4-BE49-F238E27FC236}">
+                <a16:creationId xmlns:a16="http://schemas.microsoft.com/office/drawing/2014/main" id="{87A46F9A-5562-4AF5-9785-36DC1168C882}"/>
+              </a:ext>
+            </a:extLst>
+          </p:cNvPr>
+          <p:cNvSpPr txBox="1"/>
+          <p:nvPr/>
+        </p:nvSpPr>
+        <p:spPr>
+          <a:xfrm>
+            <a:off x="2596549" y="2538976"/>
+            <a:ext cx="620683" cy="307736"/>
+          </a:xfrm>
+          <a:prstGeom prst="rect">
+            <a:avLst/>
+          </a:prstGeom>
+          <a:noFill/>
+          <a:ln>
+            <a:noFill/>
+          </a:ln>
+        </p:spPr>
+        <p:txBody>
+          <a:bodyPr spcFirstLastPara="1" wrap="square" lIns="91425" tIns="45700" rIns="91425" bIns="45700" anchor="t" anchorCtr="0">
+            <a:spAutoFit/>
+          </a:bodyPr>
+          <a:lstStyle/>
+          <a:p>
+            <a:pPr marL="0" marR="0" lvl="0" indent="0" algn="ctr" rtl="0">
+              <a:lnSpc>
+                <a:spcPct val="100000"/>
+              </a:lnSpc>
+              <a:spcBef>
+                <a:spcPts val="0"/>
+              </a:spcBef>
+              <a:spcAft>
+                <a:spcPts val="0"/>
+              </a:spcAft>
+              <a:buClr>
+                <a:srgbClr val="000000"/>
+              </a:buClr>
+              <a:buSzPts val="1200"/>
+              <a:buFont typeface="Arial"/>
+              <a:buNone/>
+            </a:pPr>
+            <a:r>
+              <a:rPr lang="pt-BR" sz="1400" b="1" dirty="0">
+                <a:solidFill>
+                  <a:srgbClr val="00B050"/>
+                </a:solidFill>
+                <a:latin typeface="Avenir"/>
+                <a:sym typeface="Avenir"/>
+              </a:rPr>
+              <a:t>CN</a:t>
+            </a:r>
+            <a:endParaRPr sz="1600" b="0" i="0" strike="noStrike" cap="none" baseline="-25000" dirty="0">
+              <a:solidFill>
+                <a:srgbClr val="00B050"/>
+              </a:solidFill>
+              <a:latin typeface="Arial"/>
+              <a:ea typeface="Arial"/>
+              <a:cs typeface="Arial"/>
+              <a:sym typeface="Arial"/>
+            </a:endParaRPr>
+          </a:p>
+        </p:txBody>
+      </p:sp>
+      <p:sp>
+        <p:nvSpPr>
+          <p:cNvPr id="89" name="Google Shape;298;p9">
+            <a:extLst>
+              <a:ext uri="{FF2B5EF4-FFF2-40B4-BE49-F238E27FC236}">
+                <a16:creationId xmlns:a16="http://schemas.microsoft.com/office/drawing/2014/main" id="{BFC27749-AEA2-4843-98AB-0342DF75B798}"/>
+              </a:ext>
+            </a:extLst>
+          </p:cNvPr>
+          <p:cNvSpPr txBox="1"/>
+          <p:nvPr/>
+        </p:nvSpPr>
+        <p:spPr>
+          <a:xfrm>
+            <a:off x="2596549" y="3373172"/>
+            <a:ext cx="620683" cy="307736"/>
+          </a:xfrm>
+          <a:prstGeom prst="rect">
+            <a:avLst/>
+          </a:prstGeom>
+          <a:noFill/>
+          <a:ln>
+            <a:noFill/>
+          </a:ln>
+        </p:spPr>
+        <p:txBody>
+          <a:bodyPr spcFirstLastPara="1" wrap="square" lIns="91425" tIns="45700" rIns="91425" bIns="45700" anchor="t" anchorCtr="0">
+            <a:spAutoFit/>
+          </a:bodyPr>
+          <a:lstStyle/>
+          <a:p>
+            <a:pPr marL="0" marR="0" lvl="0" indent="0" algn="ctr" rtl="0">
+              <a:lnSpc>
+                <a:spcPct val="100000"/>
+              </a:lnSpc>
+              <a:spcBef>
+                <a:spcPts val="0"/>
+              </a:spcBef>
+              <a:spcAft>
+                <a:spcPts val="0"/>
+              </a:spcAft>
+              <a:buClr>
+                <a:srgbClr val="000000"/>
+              </a:buClr>
+              <a:buSzPts val="1200"/>
+              <a:buFont typeface="Arial"/>
+              <a:buNone/>
+            </a:pPr>
+            <a:r>
+              <a:rPr lang="pt-BR" sz="1400" b="1" dirty="0">
+                <a:solidFill>
+                  <a:srgbClr val="00B050"/>
+                </a:solidFill>
+                <a:latin typeface="Avenir"/>
+                <a:sym typeface="Avenir"/>
+              </a:rPr>
+              <a:t>CHO</a:t>
+            </a:r>
+            <a:endParaRPr sz="1600" b="0" i="0" strike="noStrike" cap="none" baseline="-25000" dirty="0">
+              <a:solidFill>
+                <a:srgbClr val="00B050"/>
+              </a:solidFill>
+              <a:latin typeface="Arial"/>
+              <a:ea typeface="Arial"/>
+              <a:cs typeface="Arial"/>
+              <a:sym typeface="Arial"/>
+            </a:endParaRPr>
+          </a:p>
+        </p:txBody>
+      </p:sp>
+      <p:sp>
+        <p:nvSpPr>
+          <p:cNvPr id="90" name="Google Shape;298;p9">
+            <a:extLst>
+              <a:ext uri="{FF2B5EF4-FFF2-40B4-BE49-F238E27FC236}">
+                <a16:creationId xmlns:a16="http://schemas.microsoft.com/office/drawing/2014/main" id="{1E9B7DB0-D532-4534-A1AC-ADF077E52DEA}"/>
+              </a:ext>
+            </a:extLst>
+          </p:cNvPr>
+          <p:cNvSpPr txBox="1"/>
+          <p:nvPr/>
+        </p:nvSpPr>
+        <p:spPr>
+          <a:xfrm>
+            <a:off x="2620966" y="4255221"/>
+            <a:ext cx="661987" cy="307736"/>
+          </a:xfrm>
+          <a:prstGeom prst="rect">
+            <a:avLst/>
+          </a:prstGeom>
+          <a:noFill/>
+          <a:ln>
+            <a:noFill/>
+          </a:ln>
+        </p:spPr>
+        <p:txBody>
+          <a:bodyPr spcFirstLastPara="1" wrap="square" lIns="91425" tIns="45700" rIns="91425" bIns="45700" anchor="t" anchorCtr="0">
+            <a:spAutoFit/>
+          </a:bodyPr>
+          <a:lstStyle/>
+          <a:p>
+            <a:pPr marL="0" marR="0" lvl="0" indent="0" algn="ctr" rtl="0">
+              <a:lnSpc>
+                <a:spcPct val="100000"/>
+              </a:lnSpc>
+              <a:spcBef>
+                <a:spcPts val="0"/>
+              </a:spcBef>
+              <a:spcAft>
+                <a:spcPts val="0"/>
+              </a:spcAft>
+              <a:buClr>
+                <a:srgbClr val="000000"/>
+              </a:buClr>
+              <a:buSzPts val="1200"/>
+              <a:buFont typeface="Arial"/>
+              <a:buNone/>
+            </a:pPr>
+            <a:r>
+              <a:rPr lang="pt-BR" sz="1400" b="1" dirty="0">
+                <a:solidFill>
+                  <a:srgbClr val="00B050"/>
+                </a:solidFill>
+                <a:latin typeface="Avenir"/>
+                <a:sym typeface="Avenir"/>
+              </a:rPr>
+              <a:t>COOH</a:t>
+            </a:r>
+            <a:endParaRPr sz="1600" b="0" i="0" strike="noStrike" cap="none" baseline="-25000" dirty="0">
+              <a:solidFill>
+                <a:srgbClr val="00B050"/>
+              </a:solidFill>
+              <a:latin typeface="Arial"/>
+              <a:ea typeface="Arial"/>
+              <a:cs typeface="Arial"/>
+              <a:sym typeface="Arial"/>
+            </a:endParaRPr>
+          </a:p>
+        </p:txBody>
+      </p:sp>
+      <p:sp>
+        <p:nvSpPr>
+          <p:cNvPr id="91" name="Google Shape;298;p9">
+            <a:extLst>
+              <a:ext uri="{FF2B5EF4-FFF2-40B4-BE49-F238E27FC236}">
+                <a16:creationId xmlns:a16="http://schemas.microsoft.com/office/drawing/2014/main" id="{63A2ED8C-AB64-4AEF-9F7D-3BBE528162A4}"/>
+              </a:ext>
+            </a:extLst>
+          </p:cNvPr>
+          <p:cNvSpPr txBox="1"/>
+          <p:nvPr/>
+        </p:nvSpPr>
+        <p:spPr>
+          <a:xfrm>
+            <a:off x="2430912" y="5117065"/>
+            <a:ext cx="928010" cy="307736"/>
+          </a:xfrm>
+          <a:prstGeom prst="rect">
+            <a:avLst/>
+          </a:prstGeom>
+          <a:noFill/>
+          <a:ln>
+            <a:noFill/>
+          </a:ln>
+        </p:spPr>
+        <p:txBody>
+          <a:bodyPr spcFirstLastPara="1" wrap="square" lIns="91425" tIns="45700" rIns="91425" bIns="45700" anchor="t" anchorCtr="0">
+            <a:spAutoFit/>
+          </a:bodyPr>
+          <a:lstStyle/>
+          <a:p>
+            <a:pPr marL="0" marR="0" lvl="0" indent="0" algn="ctr" rtl="0">
+              <a:lnSpc>
+                <a:spcPct val="100000"/>
+              </a:lnSpc>
+              <a:spcBef>
+                <a:spcPts val="0"/>
+              </a:spcBef>
+              <a:spcAft>
+                <a:spcPts val="0"/>
+              </a:spcAft>
+              <a:buClr>
+                <a:srgbClr val="000000"/>
+              </a:buClr>
+              <a:buSzPts val="1200"/>
+              <a:buFont typeface="Arial"/>
+              <a:buNone/>
+            </a:pPr>
+            <a:r>
+              <a:rPr lang="pt-BR" sz="1400" b="1" dirty="0">
+                <a:solidFill>
+                  <a:srgbClr val="00B050"/>
+                </a:solidFill>
+                <a:latin typeface="Avenir"/>
+                <a:sym typeface="Avenir"/>
+              </a:rPr>
+              <a:t>OCOCH3</a:t>
+            </a:r>
+            <a:endParaRPr sz="1600" b="0" i="0" strike="noStrike" cap="none" baseline="-25000" dirty="0">
+              <a:solidFill>
+                <a:srgbClr val="00B050"/>
+              </a:solidFill>
+              <a:latin typeface="Arial"/>
+              <a:ea typeface="Arial"/>
+              <a:cs typeface="Arial"/>
+              <a:sym typeface="Arial"/>
+            </a:endParaRPr>
+          </a:p>
+        </p:txBody>
+      </p:sp>
+      <p:sp>
+        <p:nvSpPr>
+          <p:cNvPr id="93" name="Google Shape;298;p9">
+            <a:extLst>
+              <a:ext uri="{FF2B5EF4-FFF2-40B4-BE49-F238E27FC236}">
+                <a16:creationId xmlns:a16="http://schemas.microsoft.com/office/drawing/2014/main" id="{3247C57F-973E-44F8-8868-9A64FAEC4560}"/>
+              </a:ext>
+            </a:extLst>
+          </p:cNvPr>
+          <p:cNvSpPr txBox="1"/>
+          <p:nvPr/>
+        </p:nvSpPr>
+        <p:spPr>
+          <a:xfrm>
+            <a:off x="4562415" y="1143872"/>
+            <a:ext cx="620683" cy="307736"/>
+          </a:xfrm>
+          <a:prstGeom prst="rect">
+            <a:avLst/>
+          </a:prstGeom>
+          <a:noFill/>
+          <a:ln>
+            <a:noFill/>
+          </a:ln>
+        </p:spPr>
+        <p:txBody>
+          <a:bodyPr spcFirstLastPara="1" wrap="square" lIns="91425" tIns="45700" rIns="91425" bIns="45700" anchor="t" anchorCtr="0">
+            <a:spAutoFit/>
+          </a:bodyPr>
+          <a:lstStyle/>
+          <a:p>
+            <a:pPr marL="0" marR="0" lvl="0" indent="0" algn="ctr" rtl="0">
+              <a:lnSpc>
+                <a:spcPct val="100000"/>
+              </a:lnSpc>
+              <a:spcBef>
+                <a:spcPts val="0"/>
+              </a:spcBef>
+              <a:spcAft>
+                <a:spcPts val="0"/>
+              </a:spcAft>
+              <a:buClr>
+                <a:srgbClr val="000000"/>
+              </a:buClr>
+              <a:buSzPts val="1200"/>
+              <a:buFont typeface="Arial"/>
+              <a:buNone/>
+            </a:pPr>
+            <a:r>
+              <a:rPr lang="pt-BR" sz="1400" b="1" dirty="0">
+                <a:solidFill>
+                  <a:srgbClr val="00B050"/>
+                </a:solidFill>
+                <a:latin typeface="Avenir"/>
+                <a:sym typeface="Avenir"/>
+              </a:rPr>
+              <a:t>SH</a:t>
+            </a:r>
+            <a:endParaRPr sz="1600" b="0" i="0" strike="noStrike" cap="none" baseline="-25000" dirty="0">
+              <a:solidFill>
+                <a:srgbClr val="00B050"/>
+              </a:solidFill>
+              <a:latin typeface="Arial"/>
+              <a:ea typeface="Arial"/>
+              <a:cs typeface="Arial"/>
+              <a:sym typeface="Arial"/>
+            </a:endParaRPr>
+          </a:p>
+        </p:txBody>
+      </p:sp>
+      <p:sp>
+        <p:nvSpPr>
+          <p:cNvPr id="94" name="Google Shape;298;p9">
+            <a:extLst>
+              <a:ext uri="{FF2B5EF4-FFF2-40B4-BE49-F238E27FC236}">
+                <a16:creationId xmlns:a16="http://schemas.microsoft.com/office/drawing/2014/main" id="{C7A77358-F503-49BA-AA49-C05285071C2B}"/>
+              </a:ext>
+            </a:extLst>
+          </p:cNvPr>
+          <p:cNvSpPr txBox="1"/>
+          <p:nvPr/>
+        </p:nvSpPr>
+        <p:spPr>
+          <a:xfrm>
+            <a:off x="4562415" y="1766974"/>
+            <a:ext cx="620683" cy="307736"/>
+          </a:xfrm>
+          <a:prstGeom prst="rect">
+            <a:avLst/>
+          </a:prstGeom>
+          <a:noFill/>
+          <a:ln>
+            <a:noFill/>
+          </a:ln>
+        </p:spPr>
+        <p:txBody>
+          <a:bodyPr spcFirstLastPara="1" wrap="square" lIns="91425" tIns="45700" rIns="91425" bIns="45700" anchor="t" anchorCtr="0">
+            <a:spAutoFit/>
+          </a:bodyPr>
+          <a:lstStyle/>
+          <a:p>
+            <a:pPr marL="0" marR="0" lvl="0" indent="0" algn="ctr" rtl="0">
+              <a:lnSpc>
+                <a:spcPct val="100000"/>
+              </a:lnSpc>
+              <a:spcBef>
+                <a:spcPts val="0"/>
+              </a:spcBef>
+              <a:spcAft>
+                <a:spcPts val="0"/>
+              </a:spcAft>
+              <a:buClr>
+                <a:srgbClr val="000000"/>
+              </a:buClr>
+              <a:buSzPts val="1200"/>
+              <a:buFont typeface="Arial"/>
+              <a:buNone/>
+            </a:pPr>
+            <a:r>
+              <a:rPr lang="pt-BR" sz="1400" b="1" dirty="0">
+                <a:solidFill>
+                  <a:srgbClr val="00B050"/>
+                </a:solidFill>
+                <a:latin typeface="Avenir"/>
+                <a:sym typeface="Avenir"/>
+              </a:rPr>
+              <a:t>O</a:t>
+            </a:r>
+            <a:endParaRPr sz="1600" b="0" i="0" strike="noStrike" cap="none" baseline="-25000" dirty="0">
+              <a:solidFill>
+                <a:srgbClr val="00B050"/>
+              </a:solidFill>
+              <a:latin typeface="Arial"/>
+              <a:ea typeface="Arial"/>
+              <a:cs typeface="Arial"/>
+              <a:sym typeface="Arial"/>
+            </a:endParaRPr>
+          </a:p>
+        </p:txBody>
+      </p:sp>
+      <p:sp>
+        <p:nvSpPr>
+          <p:cNvPr id="95" name="Google Shape;298;p9">
+            <a:extLst>
+              <a:ext uri="{FF2B5EF4-FFF2-40B4-BE49-F238E27FC236}">
+                <a16:creationId xmlns:a16="http://schemas.microsoft.com/office/drawing/2014/main" id="{36C664D8-4ADC-41ED-BA20-4155D3B8F0D5}"/>
+              </a:ext>
+            </a:extLst>
+          </p:cNvPr>
+          <p:cNvSpPr txBox="1"/>
+          <p:nvPr/>
+        </p:nvSpPr>
+        <p:spPr>
+          <a:xfrm>
+            <a:off x="4593527" y="2385108"/>
+            <a:ext cx="620683" cy="307736"/>
+          </a:xfrm>
+          <a:prstGeom prst="rect">
+            <a:avLst/>
+          </a:prstGeom>
+          <a:noFill/>
+          <a:ln>
+            <a:noFill/>
+          </a:ln>
+        </p:spPr>
+        <p:txBody>
+          <a:bodyPr spcFirstLastPara="1" wrap="square" lIns="91425" tIns="45700" rIns="91425" bIns="45700" anchor="t" anchorCtr="0">
+            <a:spAutoFit/>
+          </a:bodyPr>
+          <a:lstStyle/>
+          <a:p>
+            <a:pPr marL="0" marR="0" lvl="0" indent="0" algn="ctr" rtl="0">
+              <a:lnSpc>
+                <a:spcPct val="100000"/>
+              </a:lnSpc>
+              <a:spcBef>
+                <a:spcPts val="0"/>
+              </a:spcBef>
+              <a:spcAft>
+                <a:spcPts val="0"/>
+              </a:spcAft>
+              <a:buClr>
+                <a:srgbClr val="000000"/>
+              </a:buClr>
+              <a:buSzPts val="1200"/>
+              <a:buFont typeface="Arial"/>
+              <a:buNone/>
+            </a:pPr>
+            <a:r>
+              <a:rPr lang="pt-BR" sz="1400" b="1" dirty="0">
+                <a:solidFill>
+                  <a:srgbClr val="00B050"/>
+                </a:solidFill>
+                <a:latin typeface="Avenir"/>
+                <a:sym typeface="Avenir"/>
+              </a:rPr>
+              <a:t>NO</a:t>
+            </a:r>
+            <a:endParaRPr sz="1600" b="0" i="0" strike="noStrike" cap="none" baseline="-25000" dirty="0">
+              <a:solidFill>
+                <a:srgbClr val="00B050"/>
+              </a:solidFill>
+              <a:latin typeface="Arial"/>
+              <a:ea typeface="Arial"/>
+              <a:cs typeface="Arial"/>
+              <a:sym typeface="Arial"/>
+            </a:endParaRPr>
+          </a:p>
+        </p:txBody>
+      </p:sp>
+      <p:sp>
+        <p:nvSpPr>
+          <p:cNvPr id="96" name="Google Shape;298;p9">
+            <a:extLst>
+              <a:ext uri="{FF2B5EF4-FFF2-40B4-BE49-F238E27FC236}">
+                <a16:creationId xmlns:a16="http://schemas.microsoft.com/office/drawing/2014/main" id="{A6FD726F-52EC-4109-9ECD-D6C01BDB876E}"/>
+              </a:ext>
+            </a:extLst>
+          </p:cNvPr>
+          <p:cNvSpPr txBox="1"/>
+          <p:nvPr/>
+        </p:nvSpPr>
+        <p:spPr>
+          <a:xfrm>
+            <a:off x="4615477" y="3657374"/>
+            <a:ext cx="620683" cy="307736"/>
+          </a:xfrm>
+          <a:prstGeom prst="rect">
+            <a:avLst/>
+          </a:prstGeom>
+          <a:noFill/>
+          <a:ln>
+            <a:noFill/>
+          </a:ln>
+        </p:spPr>
+        <p:txBody>
+          <a:bodyPr spcFirstLastPara="1" wrap="square" lIns="91425" tIns="45700" rIns="91425" bIns="45700" anchor="t" anchorCtr="0">
+            <a:spAutoFit/>
+          </a:bodyPr>
+          <a:lstStyle/>
+          <a:p>
+            <a:pPr marL="0" marR="0" lvl="0" indent="0" algn="ctr" rtl="0">
+              <a:lnSpc>
+                <a:spcPct val="100000"/>
+              </a:lnSpc>
+              <a:spcBef>
+                <a:spcPts val="0"/>
+              </a:spcBef>
+              <a:spcAft>
+                <a:spcPts val="0"/>
+              </a:spcAft>
+              <a:buClr>
+                <a:srgbClr val="000000"/>
+              </a:buClr>
+              <a:buSzPts val="1200"/>
+              <a:buFont typeface="Arial"/>
+              <a:buNone/>
+            </a:pPr>
+            <a:r>
+              <a:rPr lang="pt-BR" sz="1400" b="1" dirty="0">
+                <a:solidFill>
+                  <a:srgbClr val="00B050"/>
+                </a:solidFill>
+                <a:latin typeface="Avenir"/>
+                <a:sym typeface="Avenir"/>
+              </a:rPr>
+              <a:t>Cl</a:t>
+            </a:r>
+            <a:endParaRPr sz="1600" b="0" i="0" strike="noStrike" cap="none" baseline="-25000" dirty="0">
+              <a:solidFill>
+                <a:srgbClr val="00B050"/>
+              </a:solidFill>
+              <a:latin typeface="Arial"/>
+              <a:ea typeface="Arial"/>
+              <a:cs typeface="Arial"/>
+              <a:sym typeface="Arial"/>
+            </a:endParaRPr>
+          </a:p>
+        </p:txBody>
+      </p:sp>
+      <p:sp>
+        <p:nvSpPr>
+          <p:cNvPr id="97" name="Google Shape;298;p9">
+            <a:extLst>
+              <a:ext uri="{FF2B5EF4-FFF2-40B4-BE49-F238E27FC236}">
+                <a16:creationId xmlns:a16="http://schemas.microsoft.com/office/drawing/2014/main" id="{C9A4DC69-F6DC-4532-A8A6-A63D118FD225}"/>
+              </a:ext>
+            </a:extLst>
+          </p:cNvPr>
+          <p:cNvSpPr txBox="1"/>
+          <p:nvPr/>
+        </p:nvSpPr>
+        <p:spPr>
+          <a:xfrm>
+            <a:off x="4623008" y="4449164"/>
+            <a:ext cx="620683" cy="307736"/>
+          </a:xfrm>
+          <a:prstGeom prst="rect">
+            <a:avLst/>
+          </a:prstGeom>
+          <a:noFill/>
+          <a:ln>
+            <a:noFill/>
+          </a:ln>
+        </p:spPr>
+        <p:txBody>
+          <a:bodyPr spcFirstLastPara="1" wrap="square" lIns="91425" tIns="45700" rIns="91425" bIns="45700" anchor="t" anchorCtr="0">
+            <a:spAutoFit/>
+          </a:bodyPr>
+          <a:lstStyle/>
+          <a:p>
+            <a:pPr marL="0" marR="0" lvl="0" indent="0" algn="ctr" rtl="0">
+              <a:lnSpc>
+                <a:spcPct val="100000"/>
+              </a:lnSpc>
+              <a:spcBef>
+                <a:spcPts val="0"/>
+              </a:spcBef>
+              <a:spcAft>
+                <a:spcPts val="0"/>
+              </a:spcAft>
+              <a:buClr>
+                <a:srgbClr val="000000"/>
+              </a:buClr>
+              <a:buSzPts val="1200"/>
+              <a:buFont typeface="Arial"/>
+              <a:buNone/>
+            </a:pPr>
+            <a:r>
+              <a:rPr lang="pt-BR" sz="1400" b="1" dirty="0">
+                <a:solidFill>
+                  <a:srgbClr val="00B050"/>
+                </a:solidFill>
+                <a:latin typeface="Avenir"/>
+                <a:sym typeface="Avenir"/>
+              </a:rPr>
+              <a:t>Br</a:t>
+            </a:r>
+            <a:endParaRPr sz="1600" b="0" i="0" strike="noStrike" cap="none" baseline="-25000" dirty="0">
+              <a:solidFill>
+                <a:srgbClr val="00B050"/>
+              </a:solidFill>
+              <a:latin typeface="Arial"/>
+              <a:ea typeface="Arial"/>
+              <a:cs typeface="Arial"/>
+              <a:sym typeface="Arial"/>
+            </a:endParaRPr>
+          </a:p>
+        </p:txBody>
+      </p:sp>
+      <p:sp>
+        <p:nvSpPr>
+          <p:cNvPr id="98" name="Google Shape;298;p9">
+            <a:extLst>
+              <a:ext uri="{FF2B5EF4-FFF2-40B4-BE49-F238E27FC236}">
+                <a16:creationId xmlns:a16="http://schemas.microsoft.com/office/drawing/2014/main" id="{DE881A1D-ED57-4C62-8118-FE0B500E6BDE}"/>
+              </a:ext>
+            </a:extLst>
+          </p:cNvPr>
+          <p:cNvSpPr txBox="1"/>
+          <p:nvPr/>
+        </p:nvSpPr>
+        <p:spPr>
+          <a:xfrm>
+            <a:off x="4619773" y="5229651"/>
+            <a:ext cx="620683" cy="307736"/>
+          </a:xfrm>
+          <a:prstGeom prst="rect">
+            <a:avLst/>
+          </a:prstGeom>
+          <a:noFill/>
+          <a:ln>
+            <a:noFill/>
+          </a:ln>
+        </p:spPr>
+        <p:txBody>
+          <a:bodyPr spcFirstLastPara="1" wrap="square" lIns="91425" tIns="45700" rIns="91425" bIns="45700" anchor="t" anchorCtr="0">
+            <a:spAutoFit/>
+          </a:bodyPr>
+          <a:lstStyle/>
+          <a:p>
+            <a:pPr marL="0" marR="0" lvl="0" indent="0" algn="ctr" rtl="0">
+              <a:lnSpc>
+                <a:spcPct val="100000"/>
+              </a:lnSpc>
+              <a:spcBef>
+                <a:spcPts val="0"/>
+              </a:spcBef>
+              <a:spcAft>
+                <a:spcPts val="0"/>
+              </a:spcAft>
+              <a:buClr>
+                <a:srgbClr val="000000"/>
+              </a:buClr>
+              <a:buSzPts val="1200"/>
+              <a:buFont typeface="Arial"/>
+              <a:buNone/>
+            </a:pPr>
+            <a:r>
+              <a:rPr lang="pt-BR" sz="1400" b="1" dirty="0">
+                <a:solidFill>
+                  <a:srgbClr val="00B050"/>
+                </a:solidFill>
+                <a:latin typeface="Avenir"/>
+                <a:sym typeface="Avenir"/>
+              </a:rPr>
+              <a:t>I</a:t>
+            </a:r>
+            <a:endParaRPr sz="1600" b="0" i="0" strike="noStrike" cap="none" baseline="-25000" dirty="0">
+              <a:solidFill>
+                <a:srgbClr val="00B050"/>
+              </a:solidFill>
+              <a:latin typeface="Arial"/>
+              <a:ea typeface="Arial"/>
+              <a:cs typeface="Arial"/>
+              <a:sym typeface="Arial"/>
+            </a:endParaRPr>
+          </a:p>
+        </p:txBody>
+      </p:sp>
+      <p:sp>
+        <p:nvSpPr>
+          <p:cNvPr id="99" name="Google Shape;298;p9">
+            <a:extLst>
+              <a:ext uri="{FF2B5EF4-FFF2-40B4-BE49-F238E27FC236}">
+                <a16:creationId xmlns:a16="http://schemas.microsoft.com/office/drawing/2014/main" id="{168AB9EC-4105-4AB2-98B0-0F5BD6ADA019}"/>
+              </a:ext>
+            </a:extLst>
+          </p:cNvPr>
+          <p:cNvSpPr txBox="1"/>
+          <p:nvPr/>
+        </p:nvSpPr>
+        <p:spPr>
+          <a:xfrm>
+            <a:off x="4636959" y="2944991"/>
+            <a:ext cx="620683" cy="307736"/>
+          </a:xfrm>
+          <a:prstGeom prst="rect">
+            <a:avLst/>
+          </a:prstGeom>
+          <a:noFill/>
+          <a:ln>
+            <a:noFill/>
+          </a:ln>
+        </p:spPr>
+        <p:txBody>
+          <a:bodyPr spcFirstLastPara="1" wrap="square" lIns="91425" tIns="45700" rIns="91425" bIns="45700" anchor="t" anchorCtr="0">
+            <a:spAutoFit/>
+          </a:bodyPr>
+          <a:lstStyle/>
+          <a:p>
+            <a:pPr marL="0" marR="0" lvl="0" indent="0" algn="ctr" rtl="0">
+              <a:lnSpc>
+                <a:spcPct val="100000"/>
+              </a:lnSpc>
+              <a:spcBef>
+                <a:spcPts val="0"/>
+              </a:spcBef>
+              <a:spcAft>
+                <a:spcPts val="0"/>
+              </a:spcAft>
+              <a:buClr>
+                <a:srgbClr val="000000"/>
+              </a:buClr>
+              <a:buSzPts val="1200"/>
+              <a:buFont typeface="Arial"/>
+              <a:buNone/>
+            </a:pPr>
+            <a:r>
+              <a:rPr lang="pt-BR" sz="1400" b="1" dirty="0">
+                <a:solidFill>
+                  <a:srgbClr val="00B050"/>
+                </a:solidFill>
+                <a:latin typeface="Avenir"/>
+                <a:sym typeface="Avenir"/>
+              </a:rPr>
+              <a:t>F</a:t>
+            </a:r>
+            <a:endParaRPr sz="1600" b="0" i="0" strike="noStrike" cap="none" baseline="-25000" dirty="0">
+              <a:solidFill>
+                <a:srgbClr val="00B050"/>
+              </a:solidFill>
+              <a:latin typeface="Arial"/>
+              <a:ea typeface="Arial"/>
+              <a:cs typeface="Arial"/>
+              <a:sym typeface="Arial"/>
+            </a:endParaRPr>
+          </a:p>
+        </p:txBody>
+      </p:sp>
       <p:graphicFrame>
         <p:nvGraphicFramePr>
-          <p:cNvPr id="72" name="Objeto 71">
+          <p:cNvPr id="100" name="Objeto 99">
             <a:extLst>
               <a:ext uri="{FF2B5EF4-FFF2-40B4-BE49-F238E27FC236}">
-                <a16:creationId xmlns:a16="http://schemas.microsoft.com/office/drawing/2014/main" id="{32BAA3DD-F58E-442C-B69E-448653A452B8}"/>
+                <a16:creationId xmlns:a16="http://schemas.microsoft.com/office/drawing/2014/main" id="{E07D27B0-616E-4F59-83C8-C04E6494F2CF}"/>
               </a:ext>
             </a:extLst>
           </p:cNvPr>
@@ -8959,25 +9115,25 @@
           <p:nvPr>
             <p:extLst>
               <p:ext uri="{D42A27DB-BD31-4B8C-83A1-F6EECF244321}">
-                <p14:modId xmlns:p14="http://schemas.microsoft.com/office/powerpoint/2010/main" val="1996685254"/>
+                <p14:modId xmlns:p14="http://schemas.microsoft.com/office/powerpoint/2010/main" val="3844902543"/>
               </p:ext>
             </p:extLst>
           </p:nvPr>
         </p:nvGraphicFramePr>
         <p:xfrm>
-          <a:off x="3712008" y="637679"/>
-          <a:ext cx="1519237" cy="1273175"/>
+          <a:off x="5289222" y="1180221"/>
+          <a:ext cx="598127" cy="4475984"/>
         </p:xfrm>
         <a:graphic>
           <a:graphicData uri="http://schemas.openxmlformats.org/presentationml/2006/ole">
             <mc:AlternateContent xmlns:mc="http://schemas.openxmlformats.org/markup-compatibility/2006">
               <mc:Choice xmlns:v="urn:schemas-microsoft-com:vml" Requires="v">
-                <p:oleObj spid="_x0000_s2113" name="CS ChemDraw Drawing" r:id="rId7" imgW="1519231" imgH="1273606" progId="ChemDraw.Document.6.0">
+                <p:oleObj spid="_x0000_s4120" name="CS ChemDraw Drawing" r:id="rId7" imgW="572238" imgH="4277489" progId="ChemDraw.Document.6.0">
                   <p:embed/>
                 </p:oleObj>
               </mc:Choice>
               <mc:Fallback>
-                <p:oleObj name="CS ChemDraw Drawing" r:id="rId7" imgW="1519231" imgH="1273606" progId="ChemDraw.Document.6.0">
+                <p:oleObj name="CS ChemDraw Drawing" r:id="rId7" imgW="572238" imgH="4277489" progId="ChemDraw.Document.6.0">
                   <p:embed/>
                   <p:pic>
                     <p:nvPicPr>
@@ -8993,8 +9149,8 @@
                     </p:blipFill>
                     <p:spPr>
                       <a:xfrm>
-                        <a:off x="3712008" y="637679"/>
-                        <a:ext cx="1519237" cy="1273175"/>
+                        <a:off x="5289222" y="1180221"/>
+                        <a:ext cx="598127" cy="4475984"/>
                       </a:xfrm>
                       <a:prstGeom prst="rect">
                         <a:avLst/>
@@ -9009,10 +9165,10 @@
       </p:graphicFrame>
       <p:graphicFrame>
         <p:nvGraphicFramePr>
-          <p:cNvPr id="73" name="Objeto 72">
+          <p:cNvPr id="101" name="Objeto 100">
             <a:extLst>
               <a:ext uri="{FF2B5EF4-FFF2-40B4-BE49-F238E27FC236}">
-                <a16:creationId xmlns:a16="http://schemas.microsoft.com/office/drawing/2014/main" id="{2708BC64-AB74-4692-A44C-3468AD4E187E}"/>
+                <a16:creationId xmlns:a16="http://schemas.microsoft.com/office/drawing/2014/main" id="{3B1B799E-2ED6-47A1-BD79-B70F59FFDBBC}"/>
               </a:ext>
             </a:extLst>
           </p:cNvPr>
@@ -9022,25 +9178,25 @@
           <p:nvPr>
             <p:extLst>
               <p:ext uri="{D42A27DB-BD31-4B8C-83A1-F6EECF244321}">
-                <p14:modId xmlns:p14="http://schemas.microsoft.com/office/powerpoint/2010/main" val="936045959"/>
+                <p14:modId xmlns:p14="http://schemas.microsoft.com/office/powerpoint/2010/main" val="217704152"/>
               </p:ext>
             </p:extLst>
           </p:nvPr>
         </p:nvGraphicFramePr>
         <p:xfrm>
-          <a:off x="5468966" y="652177"/>
-          <a:ext cx="2101850" cy="1214438"/>
+          <a:off x="6760069" y="1180221"/>
+          <a:ext cx="890587" cy="2552232"/>
         </p:xfrm>
         <a:graphic>
           <a:graphicData uri="http://schemas.openxmlformats.org/presentationml/2006/ole">
             <mc:AlternateContent xmlns:mc="http://schemas.openxmlformats.org/markup-compatibility/2006">
               <mc:Choice xmlns:v="urn:schemas-microsoft-com:vml" Requires="v">
-                <p:oleObj spid="_x0000_s2114" name="CS ChemDraw Drawing" r:id="rId9" imgW="2101153" imgH="1214408" progId="ChemDraw.Document.6.0">
+                <p:oleObj spid="_x0000_s4121" name="CS ChemDraw Drawing" r:id="rId9" imgW="839619" imgH="2405982" progId="ChemDraw.Document.6.0">
                   <p:embed/>
                 </p:oleObj>
               </mc:Choice>
               <mc:Fallback>
-                <p:oleObj name="CS ChemDraw Drawing" r:id="rId9" imgW="2101153" imgH="1214408" progId="ChemDraw.Document.6.0">
+                <p:oleObj name="CS ChemDraw Drawing" r:id="rId9" imgW="839619" imgH="2405982" progId="ChemDraw.Document.6.0">
                   <p:embed/>
                   <p:pic>
                     <p:nvPicPr>
@@ -9056,8 +9212,8 @@
                     </p:blipFill>
                     <p:spPr>
                       <a:xfrm>
-                        <a:off x="5468966" y="652177"/>
-                        <a:ext cx="2101850" cy="1214438"/>
+                        <a:off x="6760069" y="1180221"/>
+                        <a:ext cx="890587" cy="2552232"/>
                       </a:xfrm>
                       <a:prstGeom prst="rect">
                         <a:avLst/>
@@ -9070,12 +9226,226 @@
           </a:graphicData>
         </a:graphic>
       </p:graphicFrame>
+      <p:sp>
+        <p:nvSpPr>
+          <p:cNvPr id="102" name="Google Shape;298;p9">
+            <a:extLst>
+              <a:ext uri="{FF2B5EF4-FFF2-40B4-BE49-F238E27FC236}">
+                <a16:creationId xmlns:a16="http://schemas.microsoft.com/office/drawing/2014/main" id="{C120BEED-C31E-4042-8B48-C8FA5B987D67}"/>
+              </a:ext>
+            </a:extLst>
+          </p:cNvPr>
+          <p:cNvSpPr txBox="1"/>
+          <p:nvPr/>
+        </p:nvSpPr>
+        <p:spPr>
+          <a:xfrm>
+            <a:off x="6178781" y="1369178"/>
+            <a:ext cx="620683" cy="307736"/>
+          </a:xfrm>
+          <a:prstGeom prst="rect">
+            <a:avLst/>
+          </a:prstGeom>
+          <a:noFill/>
+          <a:ln>
+            <a:noFill/>
+          </a:ln>
+        </p:spPr>
+        <p:txBody>
+          <a:bodyPr spcFirstLastPara="1" wrap="square" lIns="91425" tIns="45700" rIns="91425" bIns="45700" anchor="t" anchorCtr="0">
+            <a:spAutoFit/>
+          </a:bodyPr>
+          <a:lstStyle/>
+          <a:p>
+            <a:pPr marL="0" marR="0" lvl="0" indent="0" algn="ctr" rtl="0">
+              <a:lnSpc>
+                <a:spcPct val="100000"/>
+              </a:lnSpc>
+              <a:spcBef>
+                <a:spcPts val="0"/>
+              </a:spcBef>
+              <a:spcAft>
+                <a:spcPts val="0"/>
+              </a:spcAft>
+              <a:buClr>
+                <a:srgbClr val="000000"/>
+              </a:buClr>
+              <a:buSzPts val="1200"/>
+              <a:buFont typeface="Arial"/>
+              <a:buNone/>
+            </a:pPr>
+            <a:r>
+              <a:rPr lang="pt-BR" sz="1400" b="1" i="0" strike="noStrike" cap="none" dirty="0">
+                <a:solidFill>
+                  <a:srgbClr val="00B050"/>
+                </a:solidFill>
+                <a:latin typeface="Avenir"/>
+                <a:ea typeface="Arial"/>
+                <a:cs typeface="Arial"/>
+                <a:sym typeface="Avenir"/>
+              </a:rPr>
+              <a:t>SO2H</a:t>
+            </a:r>
+            <a:endParaRPr sz="1600" b="0" i="0" strike="noStrike" cap="none" dirty="0">
+              <a:solidFill>
+                <a:srgbClr val="00B050"/>
+              </a:solidFill>
+              <a:latin typeface="Arial"/>
+              <a:ea typeface="Arial"/>
+              <a:cs typeface="Arial"/>
+              <a:sym typeface="Arial"/>
+            </a:endParaRPr>
+          </a:p>
+        </p:txBody>
+      </p:sp>
+      <p:sp>
+        <p:nvSpPr>
+          <p:cNvPr id="103" name="Google Shape;298;p9">
+            <a:extLst>
+              <a:ext uri="{FF2B5EF4-FFF2-40B4-BE49-F238E27FC236}">
+                <a16:creationId xmlns:a16="http://schemas.microsoft.com/office/drawing/2014/main" id="{E4359B63-33E9-43C0-A00D-85CA5044CF9B}"/>
+              </a:ext>
+            </a:extLst>
+          </p:cNvPr>
+          <p:cNvSpPr txBox="1"/>
+          <p:nvPr/>
+        </p:nvSpPr>
+        <p:spPr>
+          <a:xfrm>
+            <a:off x="6167873" y="2302469"/>
+            <a:ext cx="620683" cy="307736"/>
+          </a:xfrm>
+          <a:prstGeom prst="rect">
+            <a:avLst/>
+          </a:prstGeom>
+          <a:noFill/>
+          <a:ln>
+            <a:noFill/>
+          </a:ln>
+        </p:spPr>
+        <p:txBody>
+          <a:bodyPr spcFirstLastPara="1" wrap="square" lIns="91425" tIns="45700" rIns="91425" bIns="45700" anchor="t" anchorCtr="0">
+            <a:spAutoFit/>
+          </a:bodyPr>
+          <a:lstStyle/>
+          <a:p>
+            <a:pPr marL="0" marR="0" lvl="0" indent="0" algn="ctr" rtl="0">
+              <a:lnSpc>
+                <a:spcPct val="100000"/>
+              </a:lnSpc>
+              <a:spcBef>
+                <a:spcPts val="0"/>
+              </a:spcBef>
+              <a:spcAft>
+                <a:spcPts val="0"/>
+              </a:spcAft>
+              <a:buClr>
+                <a:srgbClr val="000000"/>
+              </a:buClr>
+              <a:buSzPts val="1200"/>
+              <a:buFont typeface="Arial"/>
+              <a:buNone/>
+            </a:pPr>
+            <a:r>
+              <a:rPr lang="pt-BR" sz="1400" b="1" i="0" strike="noStrike" cap="none" dirty="0">
+                <a:solidFill>
+                  <a:srgbClr val="00B050"/>
+                </a:solidFill>
+                <a:latin typeface="Avenir"/>
+                <a:ea typeface="Arial"/>
+                <a:cs typeface="Arial"/>
+                <a:sym typeface="Avenir"/>
+              </a:rPr>
+              <a:t>SO3H</a:t>
+            </a:r>
+            <a:endParaRPr sz="1600" b="0" i="0" strike="noStrike" cap="none" dirty="0">
+              <a:solidFill>
+                <a:srgbClr val="00B050"/>
+              </a:solidFill>
+              <a:latin typeface="Arial"/>
+              <a:ea typeface="Arial"/>
+              <a:cs typeface="Arial"/>
+              <a:sym typeface="Arial"/>
+            </a:endParaRPr>
+          </a:p>
+        </p:txBody>
+      </p:sp>
+      <p:sp>
+        <p:nvSpPr>
+          <p:cNvPr id="104" name="Google Shape;298;p9">
+            <a:extLst>
+              <a:ext uri="{FF2B5EF4-FFF2-40B4-BE49-F238E27FC236}">
+                <a16:creationId xmlns:a16="http://schemas.microsoft.com/office/drawing/2014/main" id="{9E73EE7F-C4A2-4AE9-A991-D4CEBDB7256E}"/>
+              </a:ext>
+            </a:extLst>
+          </p:cNvPr>
+          <p:cNvSpPr txBox="1"/>
+          <p:nvPr/>
+        </p:nvSpPr>
+        <p:spPr>
+          <a:xfrm>
+            <a:off x="6178780" y="3183996"/>
+            <a:ext cx="620683" cy="307736"/>
+          </a:xfrm>
+          <a:prstGeom prst="rect">
+            <a:avLst/>
+          </a:prstGeom>
+          <a:noFill/>
+          <a:ln>
+            <a:noFill/>
+          </a:ln>
+        </p:spPr>
+        <p:txBody>
+          <a:bodyPr spcFirstLastPara="1" wrap="square" lIns="91425" tIns="45700" rIns="91425" bIns="45700" anchor="t" anchorCtr="0">
+            <a:spAutoFit/>
+          </a:bodyPr>
+          <a:lstStyle/>
+          <a:p>
+            <a:pPr marL="0" marR="0" lvl="0" indent="0" algn="ctr" rtl="0">
+              <a:lnSpc>
+                <a:spcPct val="100000"/>
+              </a:lnSpc>
+              <a:spcBef>
+                <a:spcPts val="0"/>
+              </a:spcBef>
+              <a:spcAft>
+                <a:spcPts val="0"/>
+              </a:spcAft>
+              <a:buClr>
+                <a:srgbClr val="000000"/>
+              </a:buClr>
+              <a:buSzPts val="1200"/>
+              <a:buFont typeface="Arial"/>
+              <a:buNone/>
+            </a:pPr>
+            <a:r>
+              <a:rPr lang="pt-BR" sz="1400" b="1" dirty="0">
+                <a:solidFill>
+                  <a:srgbClr val="00B050"/>
+                </a:solidFill>
+                <a:latin typeface="Avenir"/>
+                <a:sym typeface="Avenir"/>
+              </a:rPr>
+              <a:t>CHS</a:t>
+            </a:r>
+            <a:endParaRPr sz="1600" b="0" i="0" strike="noStrike" cap="none" baseline="-25000" dirty="0">
+              <a:solidFill>
+                <a:srgbClr val="00B050"/>
+              </a:solidFill>
+              <a:latin typeface="Arial"/>
+              <a:ea typeface="Arial"/>
+              <a:cs typeface="Arial"/>
+              <a:sym typeface="Arial"/>
+            </a:endParaRPr>
+          </a:p>
+        </p:txBody>
+      </p:sp>
       <p:graphicFrame>
         <p:nvGraphicFramePr>
-          <p:cNvPr id="74" name="Objeto 73">
+          <p:cNvPr id="105" name="Objeto 104">
             <a:extLst>
               <a:ext uri="{FF2B5EF4-FFF2-40B4-BE49-F238E27FC236}">
-                <a16:creationId xmlns:a16="http://schemas.microsoft.com/office/drawing/2014/main" id="{EBE9ECC4-4F23-4AD2-8ED4-A77D97A40AD6}"/>
+                <a16:creationId xmlns:a16="http://schemas.microsoft.com/office/drawing/2014/main" id="{24E1F9B9-8A99-445A-BF0A-499A7E2A7B3A}"/>
               </a:ext>
             </a:extLst>
           </p:cNvPr>
@@ -9085,25 +9455,25 @@
           <p:nvPr>
             <p:extLst>
               <p:ext uri="{D42A27DB-BD31-4B8C-83A1-F6EECF244321}">
-                <p14:modId xmlns:p14="http://schemas.microsoft.com/office/powerpoint/2010/main" val="3008819709"/>
+                <p14:modId xmlns:p14="http://schemas.microsoft.com/office/powerpoint/2010/main" val="4114128387"/>
               </p:ext>
             </p:extLst>
           </p:nvPr>
         </p:nvGraphicFramePr>
         <p:xfrm>
-          <a:off x="276328" y="2520814"/>
-          <a:ext cx="874713" cy="1225550"/>
+          <a:off x="8742449" y="1297740"/>
+          <a:ext cx="1603200" cy="4491394"/>
         </p:xfrm>
         <a:graphic>
           <a:graphicData uri="http://schemas.openxmlformats.org/presentationml/2006/ole">
             <mc:AlternateContent xmlns:mc="http://schemas.openxmlformats.org/markup-compatibility/2006">
               <mc:Choice xmlns:v="urn:schemas-microsoft-com:vml" Requires="v">
-                <p:oleObj spid="_x0000_s2115" name="CS ChemDraw Drawing" r:id="rId11" imgW="874568" imgH="1224979" progId="ChemDraw.Document.6.0">
+                <p:oleObj spid="_x0000_s4122" name="CS ChemDraw Drawing" r:id="rId11" imgW="1464070" imgH="4100740" progId="ChemDraw.Document.6.0">
                   <p:embed/>
                 </p:oleObj>
               </mc:Choice>
               <mc:Fallback>
-                <p:oleObj name="CS ChemDraw Drawing" r:id="rId11" imgW="874568" imgH="1224979" progId="ChemDraw.Document.6.0">
+                <p:oleObj name="CS ChemDraw Drawing" r:id="rId11" imgW="1464070" imgH="4100740" progId="ChemDraw.Document.6.0">
                   <p:embed/>
                   <p:pic>
                     <p:nvPicPr>
@@ -9119,386 +9489,8 @@
                     </p:blipFill>
                     <p:spPr>
                       <a:xfrm>
-                        <a:off x="276328" y="2520814"/>
-                        <a:ext cx="874713" cy="1225550"/>
-                      </a:xfrm>
-                      <a:prstGeom prst="rect">
-                        <a:avLst/>
-                      </a:prstGeom>
-                    </p:spPr>
-                  </p:pic>
-                </p:oleObj>
-              </mc:Fallback>
-            </mc:AlternateContent>
-          </a:graphicData>
-        </a:graphic>
-      </p:graphicFrame>
-      <p:graphicFrame>
-        <p:nvGraphicFramePr>
-          <p:cNvPr id="75" name="Objeto 74">
-            <a:extLst>
-              <a:ext uri="{FF2B5EF4-FFF2-40B4-BE49-F238E27FC236}">
-                <a16:creationId xmlns:a16="http://schemas.microsoft.com/office/drawing/2014/main" id="{CE6F8410-3F0C-4C12-B207-3D4AD429E2E7}"/>
-              </a:ext>
-            </a:extLst>
-          </p:cNvPr>
-          <p:cNvGraphicFramePr>
-            <a:graphicFrameLocks noChangeAspect="1"/>
-          </p:cNvGraphicFramePr>
-          <p:nvPr>
-            <p:extLst>
-              <p:ext uri="{D42A27DB-BD31-4B8C-83A1-F6EECF244321}">
-                <p14:modId xmlns:p14="http://schemas.microsoft.com/office/powerpoint/2010/main" val="1971816748"/>
-              </p:ext>
-            </p:extLst>
-          </p:nvPr>
-        </p:nvGraphicFramePr>
-        <p:xfrm>
-          <a:off x="1368062" y="2502958"/>
-          <a:ext cx="1422400" cy="1225550"/>
-        </p:xfrm>
-        <a:graphic>
-          <a:graphicData uri="http://schemas.openxmlformats.org/presentationml/2006/ole">
-            <mc:AlternateContent xmlns:mc="http://schemas.openxmlformats.org/markup-compatibility/2006">
-              <mc:Choice xmlns:v="urn:schemas-microsoft-com:vml" Requires="v">
-                <p:oleObj spid="_x0000_s2116" name="CS ChemDraw Drawing" r:id="rId13" imgW="1422805" imgH="1224979" progId="ChemDraw.Document.6.0">
-                  <p:embed/>
-                </p:oleObj>
-              </mc:Choice>
-              <mc:Fallback>
-                <p:oleObj name="CS ChemDraw Drawing" r:id="rId13" imgW="1422805" imgH="1224979" progId="ChemDraw.Document.6.0">
-                  <p:embed/>
-                  <p:pic>
-                    <p:nvPicPr>
-                      <p:cNvPr id="0" name=""/>
-                      <p:cNvPicPr/>
-                      <p:nvPr/>
-                    </p:nvPicPr>
-                    <p:blipFill>
-                      <a:blip r:embed="rId14"/>
-                      <a:stretch>
-                        <a:fillRect/>
-                      </a:stretch>
-                    </p:blipFill>
-                    <p:spPr>
-                      <a:xfrm>
-                        <a:off x="1368062" y="2502958"/>
-                        <a:ext cx="1422400" cy="1225550"/>
-                      </a:xfrm>
-                      <a:prstGeom prst="rect">
-                        <a:avLst/>
-                      </a:prstGeom>
-                    </p:spPr>
-                  </p:pic>
-                </p:oleObj>
-              </mc:Fallback>
-            </mc:AlternateContent>
-          </a:graphicData>
-        </a:graphic>
-      </p:graphicFrame>
-      <p:graphicFrame>
-        <p:nvGraphicFramePr>
-          <p:cNvPr id="76" name="Objeto 75">
-            <a:extLst>
-              <a:ext uri="{FF2B5EF4-FFF2-40B4-BE49-F238E27FC236}">
-                <a16:creationId xmlns:a16="http://schemas.microsoft.com/office/drawing/2014/main" id="{9ECFBAA2-CEB6-4CEA-859A-58A466C8F9D0}"/>
-              </a:ext>
-            </a:extLst>
-          </p:cNvPr>
-          <p:cNvGraphicFramePr>
-            <a:graphicFrameLocks noChangeAspect="1"/>
-          </p:cNvGraphicFramePr>
-          <p:nvPr>
-            <p:extLst>
-              <p:ext uri="{D42A27DB-BD31-4B8C-83A1-F6EECF244321}">
-                <p14:modId xmlns:p14="http://schemas.microsoft.com/office/powerpoint/2010/main" val="600448258"/>
-              </p:ext>
-            </p:extLst>
-          </p:nvPr>
-        </p:nvGraphicFramePr>
-        <p:xfrm>
-          <a:off x="2943798" y="2464858"/>
-          <a:ext cx="2701925" cy="1301750"/>
-        </p:xfrm>
-        <a:graphic>
-          <a:graphicData uri="http://schemas.openxmlformats.org/presentationml/2006/ole">
-            <mc:AlternateContent xmlns:mc="http://schemas.openxmlformats.org/markup-compatibility/2006">
-              <mc:Choice xmlns:v="urn:schemas-microsoft-com:vml" Requires="v">
-                <p:oleObj spid="_x0000_s2117" name="CS ChemDraw Drawing" r:id="rId15" imgW="2701603" imgH="1301091" progId="ChemDraw.Document.6.0">
-                  <p:embed/>
-                </p:oleObj>
-              </mc:Choice>
-              <mc:Fallback>
-                <p:oleObj name="CS ChemDraw Drawing" r:id="rId15" imgW="2701603" imgH="1301091" progId="ChemDraw.Document.6.0">
-                  <p:embed/>
-                  <p:pic>
-                    <p:nvPicPr>
-                      <p:cNvPr id="0" name=""/>
-                      <p:cNvPicPr/>
-                      <p:nvPr/>
-                    </p:nvPicPr>
-                    <p:blipFill>
-                      <a:blip r:embed="rId16"/>
-                      <a:stretch>
-                        <a:fillRect/>
-                      </a:stretch>
-                    </p:blipFill>
-                    <p:spPr>
-                      <a:xfrm>
-                        <a:off x="2943798" y="2464858"/>
-                        <a:ext cx="2701925" cy="1301750"/>
-                      </a:xfrm>
-                      <a:prstGeom prst="rect">
-                        <a:avLst/>
-                      </a:prstGeom>
-                    </p:spPr>
-                  </p:pic>
-                </p:oleObj>
-              </mc:Fallback>
-            </mc:AlternateContent>
-          </a:graphicData>
-        </a:graphic>
-      </p:graphicFrame>
-      <p:graphicFrame>
-        <p:nvGraphicFramePr>
-          <p:cNvPr id="77" name="Objeto 76">
-            <a:extLst>
-              <a:ext uri="{FF2B5EF4-FFF2-40B4-BE49-F238E27FC236}">
-                <a16:creationId xmlns:a16="http://schemas.microsoft.com/office/drawing/2014/main" id="{67746001-761D-4238-A251-886F6C60FD4D}"/>
-              </a:ext>
-            </a:extLst>
-          </p:cNvPr>
-          <p:cNvGraphicFramePr>
-            <a:graphicFrameLocks noChangeAspect="1"/>
-          </p:cNvGraphicFramePr>
-          <p:nvPr>
-            <p:extLst>
-              <p:ext uri="{D42A27DB-BD31-4B8C-83A1-F6EECF244321}">
-                <p14:modId xmlns:p14="http://schemas.microsoft.com/office/powerpoint/2010/main" val="3892281641"/>
-              </p:ext>
-            </p:extLst>
-          </p:nvPr>
-        </p:nvGraphicFramePr>
-        <p:xfrm>
-          <a:off x="6006455" y="2513277"/>
-          <a:ext cx="1235075" cy="1204912"/>
-        </p:xfrm>
-        <a:graphic>
-          <a:graphicData uri="http://schemas.openxmlformats.org/presentationml/2006/ole">
-            <mc:AlternateContent xmlns:mc="http://schemas.openxmlformats.org/markup-compatibility/2006">
-              <mc:Choice xmlns:v="urn:schemas-microsoft-com:vml" Requires="v">
-                <p:oleObj spid="_x0000_s2118" name="CS ChemDraw Drawing" r:id="rId17" imgW="1235428" imgH="1205105" progId="ChemDraw.Document.6.0">
-                  <p:embed/>
-                </p:oleObj>
-              </mc:Choice>
-              <mc:Fallback>
-                <p:oleObj name="CS ChemDraw Drawing" r:id="rId17" imgW="1235428" imgH="1205105" progId="ChemDraw.Document.6.0">
-                  <p:embed/>
-                  <p:pic>
-                    <p:nvPicPr>
-                      <p:cNvPr id="0" name=""/>
-                      <p:cNvPicPr/>
-                      <p:nvPr/>
-                    </p:nvPicPr>
-                    <p:blipFill>
-                      <a:blip r:embed="rId18"/>
-                      <a:stretch>
-                        <a:fillRect/>
-                      </a:stretch>
-                    </p:blipFill>
-                    <p:spPr>
-                      <a:xfrm>
-                        <a:off x="6006455" y="2513277"/>
-                        <a:ext cx="1235075" cy="1204912"/>
-                      </a:xfrm>
-                      <a:prstGeom prst="rect">
-                        <a:avLst/>
-                      </a:prstGeom>
-                    </p:spPr>
-                  </p:pic>
-                </p:oleObj>
-              </mc:Fallback>
-            </mc:AlternateContent>
-          </a:graphicData>
-        </a:graphic>
-      </p:graphicFrame>
-      <p:graphicFrame>
-        <p:nvGraphicFramePr>
-          <p:cNvPr id="78" name="Objeto 77">
-            <a:extLst>
-              <a:ext uri="{FF2B5EF4-FFF2-40B4-BE49-F238E27FC236}">
-                <a16:creationId xmlns:a16="http://schemas.microsoft.com/office/drawing/2014/main" id="{219901E4-89E6-4C2A-8F5D-9433EF04C553}"/>
-              </a:ext>
-            </a:extLst>
-          </p:cNvPr>
-          <p:cNvGraphicFramePr>
-            <a:graphicFrameLocks noChangeAspect="1"/>
-          </p:cNvGraphicFramePr>
-          <p:nvPr>
-            <p:extLst>
-              <p:ext uri="{D42A27DB-BD31-4B8C-83A1-F6EECF244321}">
-                <p14:modId xmlns:p14="http://schemas.microsoft.com/office/powerpoint/2010/main" val="3694426247"/>
-              </p:ext>
-            </p:extLst>
-          </p:nvPr>
-        </p:nvGraphicFramePr>
-        <p:xfrm>
-          <a:off x="9315130" y="546035"/>
-          <a:ext cx="2058987" cy="1306512"/>
-        </p:xfrm>
-        <a:graphic>
-          <a:graphicData uri="http://schemas.openxmlformats.org/presentationml/2006/ole">
-            <mc:AlternateContent xmlns:mc="http://schemas.openxmlformats.org/markup-compatibility/2006">
-              <mc:Choice xmlns:v="urn:schemas-microsoft-com:vml" Requires="v">
-                <p:oleObj spid="_x0000_s2119" name="CS ChemDraw Drawing" r:id="rId19" imgW="2058625" imgH="1305742" progId="ChemDraw.Document.6.0">
-                  <p:embed/>
-                </p:oleObj>
-              </mc:Choice>
-              <mc:Fallback>
-                <p:oleObj name="CS ChemDraw Drawing" r:id="rId19" imgW="2058625" imgH="1305742" progId="ChemDraw.Document.6.0">
-                  <p:embed/>
-                  <p:pic>
-                    <p:nvPicPr>
-                      <p:cNvPr id="0" name=""/>
-                      <p:cNvPicPr/>
-                      <p:nvPr/>
-                    </p:nvPicPr>
-                    <p:blipFill>
-                      <a:blip r:embed="rId20"/>
-                      <a:stretch>
-                        <a:fillRect/>
-                      </a:stretch>
-                    </p:blipFill>
-                    <p:spPr>
-                      <a:xfrm>
-                        <a:off x="9315130" y="546035"/>
-                        <a:ext cx="2058987" cy="1306512"/>
-                      </a:xfrm>
-                      <a:prstGeom prst="rect">
-                        <a:avLst/>
-                      </a:prstGeom>
-                    </p:spPr>
-                  </p:pic>
-                </p:oleObj>
-              </mc:Fallback>
-            </mc:AlternateContent>
-          </a:graphicData>
-        </a:graphic>
-      </p:graphicFrame>
-      <p:graphicFrame>
-        <p:nvGraphicFramePr>
-          <p:cNvPr id="79" name="Objeto 78">
-            <a:extLst>
-              <a:ext uri="{FF2B5EF4-FFF2-40B4-BE49-F238E27FC236}">
-                <a16:creationId xmlns:a16="http://schemas.microsoft.com/office/drawing/2014/main" id="{3D86ED63-1546-4FA5-B46D-1A6380DE2B0E}"/>
-              </a:ext>
-            </a:extLst>
-          </p:cNvPr>
-          <p:cNvGraphicFramePr>
-            <a:graphicFrameLocks noChangeAspect="1"/>
-          </p:cNvGraphicFramePr>
-          <p:nvPr>
-            <p:extLst>
-              <p:ext uri="{D42A27DB-BD31-4B8C-83A1-F6EECF244321}">
-                <p14:modId xmlns:p14="http://schemas.microsoft.com/office/powerpoint/2010/main" val="540813825"/>
-              </p:ext>
-            </p:extLst>
-          </p:nvPr>
-        </p:nvGraphicFramePr>
-        <p:xfrm>
-          <a:off x="7585055" y="2552183"/>
-          <a:ext cx="1879600" cy="1233488"/>
-        </p:xfrm>
-        <a:graphic>
-          <a:graphicData uri="http://schemas.openxmlformats.org/presentationml/2006/ole">
-            <mc:AlternateContent xmlns:mc="http://schemas.openxmlformats.org/markup-compatibility/2006">
-              <mc:Choice xmlns:v="urn:schemas-microsoft-com:vml" Requires="v">
-                <p:oleObj spid="_x0000_s2120" name="CS ChemDraw Drawing" r:id="rId21" imgW="1880090" imgH="1233859" progId="ChemDraw.Document.6.0">
-                  <p:embed/>
-                </p:oleObj>
-              </mc:Choice>
-              <mc:Fallback>
-                <p:oleObj name="CS ChemDraw Drawing" r:id="rId21" imgW="1880090" imgH="1233859" progId="ChemDraw.Document.6.0">
-                  <p:embed/>
-                  <p:pic>
-                    <p:nvPicPr>
-                      <p:cNvPr id="0" name=""/>
-                      <p:cNvPicPr/>
-                      <p:nvPr/>
-                    </p:nvPicPr>
-                    <p:blipFill>
-                      <a:blip r:embed="rId22"/>
-                      <a:stretch>
-                        <a:fillRect/>
-                      </a:stretch>
-                    </p:blipFill>
-                    <p:spPr>
-                      <a:xfrm>
-                        <a:off x="7585055" y="2552183"/>
-                        <a:ext cx="1879600" cy="1233488"/>
-                      </a:xfrm>
-                      <a:prstGeom prst="rect">
-                        <a:avLst/>
-                      </a:prstGeom>
-                    </p:spPr>
-                  </p:pic>
-                </p:oleObj>
-              </mc:Fallback>
-            </mc:AlternateContent>
-          </a:graphicData>
-        </a:graphic>
-      </p:graphicFrame>
-      <p:graphicFrame>
-        <p:nvGraphicFramePr>
-          <p:cNvPr id="80" name="Objeto 79">
-            <a:extLst>
-              <a:ext uri="{FF2B5EF4-FFF2-40B4-BE49-F238E27FC236}">
-                <a16:creationId xmlns:a16="http://schemas.microsoft.com/office/drawing/2014/main" id="{C460AC10-C939-49AD-898A-B3F570990568}"/>
-              </a:ext>
-            </a:extLst>
-          </p:cNvPr>
-          <p:cNvGraphicFramePr>
-            <a:graphicFrameLocks noChangeAspect="1"/>
-          </p:cNvGraphicFramePr>
-          <p:nvPr>
-            <p:extLst>
-              <p:ext uri="{D42A27DB-BD31-4B8C-83A1-F6EECF244321}">
-                <p14:modId xmlns:p14="http://schemas.microsoft.com/office/powerpoint/2010/main" val="435857421"/>
-              </p:ext>
-            </p:extLst>
-          </p:nvPr>
-        </p:nvGraphicFramePr>
-        <p:xfrm>
-          <a:off x="7712470" y="620983"/>
-          <a:ext cx="1571625" cy="1233488"/>
-        </p:xfrm>
-        <a:graphic>
-          <a:graphicData uri="http://schemas.openxmlformats.org/presentationml/2006/ole">
-            <mc:AlternateContent xmlns:mc="http://schemas.openxmlformats.org/markup-compatibility/2006">
-              <mc:Choice xmlns:v="urn:schemas-microsoft-com:vml" Requires="v">
-                <p:oleObj spid="_x0000_s2121" name="CS ChemDraw Drawing" r:id="rId23" imgW="1572286" imgH="1233859" progId="ChemDraw.Document.6.0">
-                  <p:embed/>
-                </p:oleObj>
-              </mc:Choice>
-              <mc:Fallback>
-                <p:oleObj name="CS ChemDraw Drawing" r:id="rId23" imgW="1572286" imgH="1233859" progId="ChemDraw.Document.6.0">
-                  <p:embed/>
-                  <p:pic>
-                    <p:nvPicPr>
-                      <p:cNvPr id="0" name=""/>
-                      <p:cNvPicPr/>
-                      <p:nvPr/>
-                    </p:nvPicPr>
-                    <p:blipFill>
-                      <a:blip r:embed="rId24"/>
-                      <a:stretch>
-                        <a:fillRect/>
-                      </a:stretch>
-                    </p:blipFill>
-                    <p:spPr>
-                      <a:xfrm>
-                        <a:off x="7712470" y="620983"/>
-                        <a:ext cx="1571625" cy="1233488"/>
+                        <a:off x="8742449" y="1297740"/>
+                        <a:ext cx="1603200" cy="4491394"/>
                       </a:xfrm>
                       <a:prstGeom prst="rect">
                         <a:avLst/>
@@ -9513,10 +9505,10 @@
       </p:graphicFrame>
       <p:sp>
         <p:nvSpPr>
-          <p:cNvPr id="83" name="Google Shape;298;p9">
+          <p:cNvPr id="106" name="Google Shape;298;p9">
             <a:extLst>
               <a:ext uri="{FF2B5EF4-FFF2-40B4-BE49-F238E27FC236}">
-                <a16:creationId xmlns:a16="http://schemas.microsoft.com/office/drawing/2014/main" id="{5EFCC3DB-15C5-488F-B6E5-0577A579FA61}"/>
+                <a16:creationId xmlns:a16="http://schemas.microsoft.com/office/drawing/2014/main" id="{EA54D276-BB6B-49B1-9A17-9286FB653799}"/>
               </a:ext>
             </a:extLst>
           </p:cNvPr>
@@ -9525,8 +9517,8 @@
         </p:nvSpPr>
         <p:spPr>
           <a:xfrm>
-            <a:off x="8239008" y="3852351"/>
-            <a:ext cx="631426" cy="310717"/>
+            <a:off x="8213034" y="1375026"/>
+            <a:ext cx="620683" cy="307736"/>
           </a:xfrm>
           <a:prstGeom prst="rect">
             <a:avLst/>
@@ -9537,19 +9529,30 @@
           </a:ln>
         </p:spPr>
         <p:txBody>
-          <a:bodyPr spcFirstLastPara="1" wrap="square" lIns="94378" tIns="47176" rIns="94378" bIns="47176" anchor="t" anchorCtr="0">
+          <a:bodyPr spcFirstLastPara="1" wrap="square" lIns="91425" tIns="45700" rIns="91425" bIns="45700" anchor="t" anchorCtr="0">
             <a:spAutoFit/>
           </a:bodyPr>
           <a:lstStyle/>
           <a:p>
-            <a:pPr algn="ctr">
+            <a:pPr marL="0" marR="0" lvl="0" indent="0" algn="ctr" rtl="0">
+              <a:lnSpc>
+                <a:spcPct val="100000"/>
+              </a:lnSpc>
+              <a:spcBef>
+                <a:spcPts val="0"/>
+              </a:spcBef>
+              <a:spcAft>
+                <a:spcPts val="0"/>
+              </a:spcAft>
               <a:buClr>
                 <a:srgbClr val="000000"/>
               </a:buClr>
               <a:buSzPts val="1200"/>
+              <a:buFont typeface="Arial"/>
+              <a:buNone/>
             </a:pPr>
             <a:r>
-              <a:rPr lang="pt-BR" sz="1400" b="1" dirty="0">
+              <a:rPr lang="pt-BR" sz="1400" b="1" i="0" strike="noStrike" cap="none" dirty="0">
                 <a:solidFill>
                   <a:srgbClr val="00B050"/>
                 </a:solidFill>
@@ -9558,9 +9561,9 @@
                 <a:cs typeface="Arial"/>
                 <a:sym typeface="Avenir"/>
               </a:rPr>
-              <a:t>DHPI</a:t>
-            </a:r>
-            <a:endParaRPr sz="1600" dirty="0">
+              <a:t>EPO</a:t>
+            </a:r>
+            <a:endParaRPr sz="1600" b="0" i="0" strike="noStrike" cap="none" dirty="0">
               <a:solidFill>
                 <a:srgbClr val="00B050"/>
               </a:solidFill>
@@ -9574,10 +9577,10 @@
       </p:sp>
       <p:sp>
         <p:nvSpPr>
-          <p:cNvPr id="84" name="Google Shape;298;p9">
+          <p:cNvPr id="107" name="Google Shape;298;p9">
             <a:extLst>
               <a:ext uri="{FF2B5EF4-FFF2-40B4-BE49-F238E27FC236}">
-                <a16:creationId xmlns:a16="http://schemas.microsoft.com/office/drawing/2014/main" id="{F273D877-3F62-4F0C-9CB9-CA6E16266A55}"/>
+                <a16:creationId xmlns:a16="http://schemas.microsoft.com/office/drawing/2014/main" id="{C812AFAF-B15D-4399-850C-28B985A0D81D}"/>
               </a:ext>
             </a:extLst>
           </p:cNvPr>
@@ -9586,8 +9589,8 @@
         </p:nvSpPr>
         <p:spPr>
           <a:xfrm>
-            <a:off x="8202687" y="1850177"/>
-            <a:ext cx="631426" cy="310717"/>
+            <a:off x="8213034" y="2136375"/>
+            <a:ext cx="620683" cy="523180"/>
           </a:xfrm>
           <a:prstGeom prst="rect">
             <a:avLst/>
@@ -9598,19 +9601,30 @@
           </a:ln>
         </p:spPr>
         <p:txBody>
-          <a:bodyPr spcFirstLastPara="1" wrap="square" lIns="94378" tIns="47176" rIns="94378" bIns="47176" anchor="t" anchorCtr="0">
+          <a:bodyPr spcFirstLastPara="1" wrap="square" lIns="91425" tIns="45700" rIns="91425" bIns="45700" anchor="t" anchorCtr="0">
             <a:spAutoFit/>
           </a:bodyPr>
           <a:lstStyle/>
           <a:p>
-            <a:pPr algn="ctr">
+            <a:pPr marL="0" marR="0" lvl="0" indent="0" algn="ctr" rtl="0">
+              <a:lnSpc>
+                <a:spcPct val="100000"/>
+              </a:lnSpc>
+              <a:spcBef>
+                <a:spcPts val="0"/>
+              </a:spcBef>
+              <a:spcAft>
+                <a:spcPts val="0"/>
+              </a:spcAft>
               <a:buClr>
                 <a:srgbClr val="000000"/>
               </a:buClr>
               <a:buSzPts val="1200"/>
+              <a:buFont typeface="Arial"/>
+              <a:buNone/>
             </a:pPr>
             <a:r>
-              <a:rPr lang="pt-BR" sz="1400" b="1" dirty="0">
+              <a:rPr lang="pt-BR" sz="1400" b="1" i="0" strike="noStrike" cap="none" dirty="0">
                 <a:solidFill>
                   <a:srgbClr val="00B050"/>
                 </a:solidFill>
@@ -9619,9 +9633,9 @@
                 <a:cs typeface="Arial"/>
                 <a:sym typeface="Avenir"/>
               </a:rPr>
-              <a:t>BDFN</a:t>
-            </a:r>
-            <a:endParaRPr sz="1600" dirty="0">
+              <a:t>MEPO</a:t>
+            </a:r>
+            <a:endParaRPr sz="1600" b="0" i="0" strike="noStrike" cap="none" dirty="0">
               <a:solidFill>
                 <a:srgbClr val="00B050"/>
               </a:solidFill>
@@ -9633,390 +9647,12 @@
           </a:p>
         </p:txBody>
       </p:sp>
-      <p:graphicFrame>
-        <p:nvGraphicFramePr>
-          <p:cNvPr id="85" name="Objeto 84">
+      <p:sp>
+        <p:nvSpPr>
+          <p:cNvPr id="109" name="Google Shape;298;p9">
             <a:extLst>
               <a:ext uri="{FF2B5EF4-FFF2-40B4-BE49-F238E27FC236}">
-                <a16:creationId xmlns:a16="http://schemas.microsoft.com/office/drawing/2014/main" id="{81CCA88D-3382-428F-9BCE-B792736861D7}"/>
-              </a:ext>
-            </a:extLst>
-          </p:cNvPr>
-          <p:cNvGraphicFramePr>
-            <a:graphicFrameLocks noChangeAspect="1"/>
-          </p:cNvGraphicFramePr>
-          <p:nvPr>
-            <p:extLst>
-              <p:ext uri="{D42A27DB-BD31-4B8C-83A1-F6EECF244321}">
-                <p14:modId xmlns:p14="http://schemas.microsoft.com/office/powerpoint/2010/main" val="3740330416"/>
-              </p:ext>
-            </p:extLst>
-          </p:nvPr>
-        </p:nvGraphicFramePr>
-        <p:xfrm>
-          <a:off x="9636165" y="2510388"/>
-          <a:ext cx="1535113" cy="1271588"/>
-        </p:xfrm>
-        <a:graphic>
-          <a:graphicData uri="http://schemas.openxmlformats.org/presentationml/2006/ole">
-            <mc:AlternateContent xmlns:mc="http://schemas.openxmlformats.org/markup-compatibility/2006">
-              <mc:Choice xmlns:v="urn:schemas-microsoft-com:vml" Requires="v">
-                <p:oleObj spid="_x0000_s2122" name="CS ChemDraw Drawing" r:id="rId25" imgW="1535653" imgH="1272337" progId="ChemDraw.Document.6.0">
-                  <p:embed/>
-                </p:oleObj>
-              </mc:Choice>
-              <mc:Fallback>
-                <p:oleObj name="CS ChemDraw Drawing" r:id="rId25" imgW="1535653" imgH="1272337" progId="ChemDraw.Document.6.0">
-                  <p:embed/>
-                  <p:pic>
-                    <p:nvPicPr>
-                      <p:cNvPr id="0" name=""/>
-                      <p:cNvPicPr/>
-                      <p:nvPr/>
-                    </p:nvPicPr>
-                    <p:blipFill>
-                      <a:blip r:embed="rId26"/>
-                      <a:stretch>
-                        <a:fillRect/>
-                      </a:stretch>
-                    </p:blipFill>
-                    <p:spPr>
-                      <a:xfrm>
-                        <a:off x="9636165" y="2510388"/>
-                        <a:ext cx="1535113" cy="1271588"/>
-                      </a:xfrm>
-                      <a:prstGeom prst="rect">
-                        <a:avLst/>
-                      </a:prstGeom>
-                    </p:spPr>
-                  </p:pic>
-                </p:oleObj>
-              </mc:Fallback>
-            </mc:AlternateContent>
-          </a:graphicData>
-        </a:graphic>
-      </p:graphicFrame>
-      <p:graphicFrame>
-        <p:nvGraphicFramePr>
-          <p:cNvPr id="86" name="Objeto 85">
-            <a:extLst>
-              <a:ext uri="{FF2B5EF4-FFF2-40B4-BE49-F238E27FC236}">
-                <a16:creationId xmlns:a16="http://schemas.microsoft.com/office/drawing/2014/main" id="{E75D2434-90AA-4D00-9349-40E5B06422BE}"/>
-              </a:ext>
-            </a:extLst>
-          </p:cNvPr>
-          <p:cNvGraphicFramePr>
-            <a:graphicFrameLocks noChangeAspect="1"/>
-          </p:cNvGraphicFramePr>
-          <p:nvPr>
-            <p:extLst>
-              <p:ext uri="{D42A27DB-BD31-4B8C-83A1-F6EECF244321}">
-                <p14:modId xmlns:p14="http://schemas.microsoft.com/office/powerpoint/2010/main" val="2137691470"/>
-              </p:ext>
-            </p:extLst>
-          </p:nvPr>
-        </p:nvGraphicFramePr>
-        <p:xfrm>
-          <a:off x="339489" y="4280098"/>
-          <a:ext cx="2152650" cy="1330325"/>
-        </p:xfrm>
-        <a:graphic>
-          <a:graphicData uri="http://schemas.openxmlformats.org/presentationml/2006/ole">
-            <mc:AlternateContent xmlns:mc="http://schemas.openxmlformats.org/markup-compatibility/2006">
-              <mc:Choice xmlns:v="urn:schemas-microsoft-com:vml" Requires="v">
-                <p:oleObj spid="_x0000_s2123" name="CS ChemDraw Drawing" r:id="rId27" imgW="2152945" imgH="1330267" progId="ChemDraw.Document.6.0">
-                  <p:embed/>
-                </p:oleObj>
-              </mc:Choice>
-              <mc:Fallback>
-                <p:oleObj name="CS ChemDraw Drawing" r:id="rId27" imgW="2152945" imgH="1330267" progId="ChemDraw.Document.6.0">
-                  <p:embed/>
-                  <p:pic>
-                    <p:nvPicPr>
-                      <p:cNvPr id="0" name=""/>
-                      <p:cNvPicPr/>
-                      <p:nvPr/>
-                    </p:nvPicPr>
-                    <p:blipFill>
-                      <a:blip r:embed="rId28"/>
-                      <a:stretch>
-                        <a:fillRect/>
-                      </a:stretch>
-                    </p:blipFill>
-                    <p:spPr>
-                      <a:xfrm>
-                        <a:off x="339489" y="4280098"/>
-                        <a:ext cx="2152650" cy="1330325"/>
-                      </a:xfrm>
-                      <a:prstGeom prst="rect">
-                        <a:avLst/>
-                      </a:prstGeom>
-                    </p:spPr>
-                  </p:pic>
-                </p:oleObj>
-              </mc:Fallback>
-            </mc:AlternateContent>
-          </a:graphicData>
-        </a:graphic>
-      </p:graphicFrame>
-      <p:graphicFrame>
-        <p:nvGraphicFramePr>
-          <p:cNvPr id="87" name="Objeto 86">
-            <a:extLst>
-              <a:ext uri="{FF2B5EF4-FFF2-40B4-BE49-F238E27FC236}">
-                <a16:creationId xmlns:a16="http://schemas.microsoft.com/office/drawing/2014/main" id="{DEF9D8AF-24C9-4649-B6B0-C02483178083}"/>
-              </a:ext>
-            </a:extLst>
-          </p:cNvPr>
-          <p:cNvGraphicFramePr>
-            <a:graphicFrameLocks noChangeAspect="1"/>
-          </p:cNvGraphicFramePr>
-          <p:nvPr>
-            <p:extLst>
-              <p:ext uri="{D42A27DB-BD31-4B8C-83A1-F6EECF244321}">
-                <p14:modId xmlns:p14="http://schemas.microsoft.com/office/powerpoint/2010/main" val="3548176231"/>
-              </p:ext>
-            </p:extLst>
-          </p:nvPr>
-        </p:nvGraphicFramePr>
-        <p:xfrm>
-          <a:off x="2700616" y="4292201"/>
-          <a:ext cx="1704975" cy="1362075"/>
-        </p:xfrm>
-        <a:graphic>
-          <a:graphicData uri="http://schemas.openxmlformats.org/presentationml/2006/ole">
-            <mc:AlternateContent xmlns:mc="http://schemas.openxmlformats.org/markup-compatibility/2006">
-              <mc:Choice xmlns:v="urn:schemas-microsoft-com:vml" Requires="v">
-                <p:oleObj spid="_x0000_s2124" name="CS ChemDraw Drawing" r:id="rId29" imgW="1704924" imgH="1362403" progId="ChemDraw.Document.6.0">
-                  <p:embed/>
-                </p:oleObj>
-              </mc:Choice>
-              <mc:Fallback>
-                <p:oleObj name="CS ChemDraw Drawing" r:id="rId29" imgW="1704924" imgH="1362403" progId="ChemDraw.Document.6.0">
-                  <p:embed/>
-                  <p:pic>
-                    <p:nvPicPr>
-                      <p:cNvPr id="0" name=""/>
-                      <p:cNvPicPr/>
-                      <p:nvPr/>
-                    </p:nvPicPr>
-                    <p:blipFill>
-                      <a:blip r:embed="rId30"/>
-                      <a:stretch>
-                        <a:fillRect/>
-                      </a:stretch>
-                    </p:blipFill>
-                    <p:spPr>
-                      <a:xfrm>
-                        <a:off x="2700616" y="4292201"/>
-                        <a:ext cx="1704975" cy="1362075"/>
-                      </a:xfrm>
-                      <a:prstGeom prst="rect">
-                        <a:avLst/>
-                      </a:prstGeom>
-                    </p:spPr>
-                  </p:pic>
-                </p:oleObj>
-              </mc:Fallback>
-            </mc:AlternateContent>
-          </a:graphicData>
-        </a:graphic>
-      </p:graphicFrame>
-      <p:graphicFrame>
-        <p:nvGraphicFramePr>
-          <p:cNvPr id="88" name="Objeto 87">
-            <a:extLst>
-              <a:ext uri="{FF2B5EF4-FFF2-40B4-BE49-F238E27FC236}">
-                <a16:creationId xmlns:a16="http://schemas.microsoft.com/office/drawing/2014/main" id="{CA78C7D5-A0B7-4BB0-A5D9-4F14DD4EEE11}"/>
-              </a:ext>
-            </a:extLst>
-          </p:cNvPr>
-          <p:cNvGraphicFramePr>
-            <a:graphicFrameLocks noChangeAspect="1"/>
-          </p:cNvGraphicFramePr>
-          <p:nvPr>
-            <p:extLst>
-              <p:ext uri="{D42A27DB-BD31-4B8C-83A1-F6EECF244321}">
-                <p14:modId xmlns:p14="http://schemas.microsoft.com/office/powerpoint/2010/main" val="4294424022"/>
-              </p:ext>
-            </p:extLst>
-          </p:nvPr>
-        </p:nvGraphicFramePr>
-        <p:xfrm>
-          <a:off x="4829204" y="4323950"/>
-          <a:ext cx="1690687" cy="1298575"/>
-        </p:xfrm>
-        <a:graphic>
-          <a:graphicData uri="http://schemas.openxmlformats.org/presentationml/2006/ole">
-            <mc:AlternateContent xmlns:mc="http://schemas.openxmlformats.org/markup-compatibility/2006">
-              <mc:Choice xmlns:v="urn:schemas-microsoft-com:vml" Requires="v">
-                <p:oleObj spid="_x0000_s2125" name="CS ChemDraw Drawing" r:id="rId31" imgW="1691450" imgH="1298131" progId="ChemDraw.Document.6.0">
-                  <p:embed/>
-                </p:oleObj>
-              </mc:Choice>
-              <mc:Fallback>
-                <p:oleObj name="CS ChemDraw Drawing" r:id="rId31" imgW="1691450" imgH="1298131" progId="ChemDraw.Document.6.0">
-                  <p:embed/>
-                  <p:pic>
-                    <p:nvPicPr>
-                      <p:cNvPr id="0" name=""/>
-                      <p:cNvPicPr/>
-                      <p:nvPr/>
-                    </p:nvPicPr>
-                    <p:blipFill>
-                      <a:blip r:embed="rId32"/>
-                      <a:stretch>
-                        <a:fillRect/>
-                      </a:stretch>
-                    </p:blipFill>
-                    <p:spPr>
-                      <a:xfrm>
-                        <a:off x="4829204" y="4323950"/>
-                        <a:ext cx="1690687" cy="1298575"/>
-                      </a:xfrm>
-                      <a:prstGeom prst="rect">
-                        <a:avLst/>
-                      </a:prstGeom>
-                    </p:spPr>
-                  </p:pic>
-                </p:oleObj>
-              </mc:Fallback>
-            </mc:AlternateContent>
-          </a:graphicData>
-        </a:graphic>
-      </p:graphicFrame>
-      <p:graphicFrame>
-        <p:nvGraphicFramePr>
-          <p:cNvPr id="89" name="Objeto 88">
-            <a:extLst>
-              <a:ext uri="{FF2B5EF4-FFF2-40B4-BE49-F238E27FC236}">
-                <a16:creationId xmlns:a16="http://schemas.microsoft.com/office/drawing/2014/main" id="{A26E1481-A9F9-4D1D-888A-5E40A82315FF}"/>
-              </a:ext>
-            </a:extLst>
-          </p:cNvPr>
-          <p:cNvGraphicFramePr>
-            <a:graphicFrameLocks noChangeAspect="1"/>
-          </p:cNvGraphicFramePr>
-          <p:nvPr>
-            <p:extLst>
-              <p:ext uri="{D42A27DB-BD31-4B8C-83A1-F6EECF244321}">
-                <p14:modId xmlns:p14="http://schemas.microsoft.com/office/powerpoint/2010/main" val="1845825779"/>
-              </p:ext>
-            </p:extLst>
-          </p:nvPr>
-        </p:nvGraphicFramePr>
-        <p:xfrm>
-          <a:off x="6695228" y="4493813"/>
-          <a:ext cx="1787525" cy="1128712"/>
-        </p:xfrm>
-        <a:graphic>
-          <a:graphicData uri="http://schemas.openxmlformats.org/presentationml/2006/ole">
-            <mc:AlternateContent xmlns:mc="http://schemas.openxmlformats.org/markup-compatibility/2006">
-              <mc:Choice xmlns:v="urn:schemas-microsoft-com:vml" Requires="v">
-                <p:oleObj spid="_x0000_s2126" name="CS ChemDraw Drawing" r:id="rId33" imgW="1787454" imgH="1128993" progId="ChemDraw.Document.6.0">
-                  <p:embed/>
-                </p:oleObj>
-              </mc:Choice>
-              <mc:Fallback>
-                <p:oleObj name="CS ChemDraw Drawing" r:id="rId33" imgW="1787454" imgH="1128993" progId="ChemDraw.Document.6.0">
-                  <p:embed/>
-                  <p:pic>
-                    <p:nvPicPr>
-                      <p:cNvPr id="0" name=""/>
-                      <p:cNvPicPr/>
-                      <p:nvPr/>
-                    </p:nvPicPr>
-                    <p:blipFill>
-                      <a:blip r:embed="rId34"/>
-                      <a:stretch>
-                        <a:fillRect/>
-                      </a:stretch>
-                    </p:blipFill>
-                    <p:spPr>
-                      <a:xfrm>
-                        <a:off x="6695228" y="4493813"/>
-                        <a:ext cx="1787525" cy="1128712"/>
-                      </a:xfrm>
-                      <a:prstGeom prst="rect">
-                        <a:avLst/>
-                      </a:prstGeom>
-                    </p:spPr>
-                  </p:pic>
-                </p:oleObj>
-              </mc:Fallback>
-            </mc:AlternateContent>
-          </a:graphicData>
-        </a:graphic>
-      </p:graphicFrame>
-      <p:graphicFrame>
-        <p:nvGraphicFramePr>
-          <p:cNvPr id="91" name="Objeto 90">
-            <a:extLst>
-              <a:ext uri="{FF2B5EF4-FFF2-40B4-BE49-F238E27FC236}">
-                <a16:creationId xmlns:a16="http://schemas.microsoft.com/office/drawing/2014/main" id="{8B25B316-E27C-4129-B445-83CA8BA62320}"/>
-              </a:ext>
-            </a:extLst>
-          </p:cNvPr>
-          <p:cNvGraphicFramePr>
-            <a:graphicFrameLocks noChangeAspect="1"/>
-          </p:cNvGraphicFramePr>
-          <p:nvPr>
-            <p:extLst>
-              <p:ext uri="{D42A27DB-BD31-4B8C-83A1-F6EECF244321}">
-                <p14:modId xmlns:p14="http://schemas.microsoft.com/office/powerpoint/2010/main" val="3883771001"/>
-              </p:ext>
-            </p:extLst>
-          </p:nvPr>
-        </p:nvGraphicFramePr>
-        <p:xfrm>
-          <a:off x="8838007" y="4973237"/>
-          <a:ext cx="892175" cy="376238"/>
-        </p:xfrm>
-        <a:graphic>
-          <a:graphicData uri="http://schemas.openxmlformats.org/presentationml/2006/ole">
-            <mc:AlternateContent xmlns:mc="http://schemas.openxmlformats.org/markup-compatibility/2006">
-              <mc:Choice xmlns:v="urn:schemas-microsoft-com:vml" Requires="v">
-                <p:oleObj spid="_x0000_s2127" name="CS ChemDraw Drawing" r:id="rId35" imgW="891411" imgH="375908" progId="ChemDraw.Document.6.0">
-                  <p:embed/>
-                </p:oleObj>
-              </mc:Choice>
-              <mc:Fallback>
-                <p:oleObj name="CS ChemDraw Drawing" r:id="rId35" imgW="891411" imgH="375908" progId="ChemDraw.Document.6.0">
-                  <p:embed/>
-                  <p:pic>
-                    <p:nvPicPr>
-                      <p:cNvPr id="0" name=""/>
-                      <p:cNvPicPr/>
-                      <p:nvPr/>
-                    </p:nvPicPr>
-                    <p:blipFill>
-                      <a:blip r:embed="rId36"/>
-                      <a:stretch>
-                        <a:fillRect/>
-                      </a:stretch>
-                    </p:blipFill>
-                    <p:spPr>
-                      <a:xfrm>
-                        <a:off x="8838007" y="4973237"/>
-                        <a:ext cx="892175" cy="376238"/>
-                      </a:xfrm>
-                      <a:prstGeom prst="rect">
-                        <a:avLst/>
-                      </a:prstGeom>
-                    </p:spPr>
-                  </p:pic>
-                </p:oleObj>
-              </mc:Fallback>
-            </mc:AlternateContent>
-          </a:graphicData>
-        </a:graphic>
-      </p:graphicFrame>
-      <p:sp>
-        <p:nvSpPr>
-          <p:cNvPr id="92" name="Google Shape;298;p9">
-            <a:extLst>
-              <a:ext uri="{FF2B5EF4-FFF2-40B4-BE49-F238E27FC236}">
-                <a16:creationId xmlns:a16="http://schemas.microsoft.com/office/drawing/2014/main" id="{09570C18-97FF-45CF-8529-914AE5DF1FBA}"/>
+                <a16:creationId xmlns:a16="http://schemas.microsoft.com/office/drawing/2014/main" id="{5B27F319-98B8-4D72-8964-0EBCC21F9C8F}"/>
               </a:ext>
             </a:extLst>
           </p:cNvPr>
@@ -10025,8 +9661,8 @@
         </p:nvSpPr>
         <p:spPr>
           <a:xfrm>
-            <a:off x="8919409" y="5622525"/>
-            <a:ext cx="631426" cy="310717"/>
+            <a:off x="8213034" y="3137250"/>
+            <a:ext cx="620683" cy="307736"/>
           </a:xfrm>
           <a:prstGeom prst="rect">
             <a:avLst/>
@@ -10037,28 +9673,41 @@
           </a:ln>
         </p:spPr>
         <p:txBody>
-          <a:bodyPr spcFirstLastPara="1" wrap="square" lIns="94378" tIns="47176" rIns="94378" bIns="47176" anchor="t" anchorCtr="0">
+          <a:bodyPr spcFirstLastPara="1" wrap="square" lIns="91425" tIns="45700" rIns="91425" bIns="45700" anchor="t" anchorCtr="0">
             <a:spAutoFit/>
           </a:bodyPr>
           <a:lstStyle/>
           <a:p>
-            <a:pPr algn="ctr">
+            <a:pPr marL="0" marR="0" lvl="0" indent="0" algn="ctr" rtl="0">
+              <a:lnSpc>
+                <a:spcPct val="100000"/>
+              </a:lnSpc>
+              <a:spcBef>
+                <a:spcPts val="0"/>
+              </a:spcBef>
+              <a:spcAft>
+                <a:spcPts val="0"/>
+              </a:spcAft>
               <a:buClr>
                 <a:srgbClr val="000000"/>
               </a:buClr>
               <a:buSzPts val="1200"/>
+              <a:buFont typeface="Arial"/>
+              <a:buNone/>
             </a:pPr>
             <a:r>
-              <a:rPr lang="pt-BR" sz="1400" b="1" dirty="0">
+              <a:rPr lang="pt-BR" sz="1400" b="1" i="0" strike="noStrike" cap="none" dirty="0">
                 <a:solidFill>
                   <a:srgbClr val="00B050"/>
                 </a:solidFill>
                 <a:latin typeface="Avenir"/>
+                <a:ea typeface="Arial"/>
+                <a:cs typeface="Arial"/>
                 <a:sym typeface="Avenir"/>
               </a:rPr>
-              <a:t>HDZ</a:t>
-            </a:r>
-            <a:endParaRPr sz="1600" dirty="0">
+              <a:t>EEPO</a:t>
+            </a:r>
+            <a:endParaRPr sz="1600" b="0" i="0" strike="noStrike" cap="none" dirty="0">
               <a:solidFill>
                 <a:srgbClr val="00B050"/>
               </a:solidFill>
@@ -10070,201 +9719,12 @@
           </a:p>
         </p:txBody>
       </p:sp>
-      <p:graphicFrame>
-        <p:nvGraphicFramePr>
-          <p:cNvPr id="93" name="Objeto 92">
+      <p:sp>
+        <p:nvSpPr>
+          <p:cNvPr id="110" name="Google Shape;298;p9">
             <a:extLst>
               <a:ext uri="{FF2B5EF4-FFF2-40B4-BE49-F238E27FC236}">
-                <a16:creationId xmlns:a16="http://schemas.microsoft.com/office/drawing/2014/main" id="{7E657B1D-2A69-4E76-BB60-DF2E17B0D092}"/>
-              </a:ext>
-            </a:extLst>
-          </p:cNvPr>
-          <p:cNvGraphicFramePr>
-            <a:graphicFrameLocks noChangeAspect="1"/>
-          </p:cNvGraphicFramePr>
-          <p:nvPr>
-            <p:extLst>
-              <p:ext uri="{D42A27DB-BD31-4B8C-83A1-F6EECF244321}">
-                <p14:modId xmlns:p14="http://schemas.microsoft.com/office/powerpoint/2010/main" val="1887165197"/>
-              </p:ext>
-            </p:extLst>
-          </p:nvPr>
-        </p:nvGraphicFramePr>
-        <p:xfrm>
-          <a:off x="339489" y="6191250"/>
-          <a:ext cx="2349500" cy="1077912"/>
-        </p:xfrm>
-        <a:graphic>
-          <a:graphicData uri="http://schemas.openxmlformats.org/presentationml/2006/ole">
-            <mc:AlternateContent xmlns:mc="http://schemas.openxmlformats.org/markup-compatibility/2006">
-              <mc:Choice xmlns:v="urn:schemas-microsoft-com:vml" Requires="v">
-                <p:oleObj spid="_x0000_s2128" name="CS ChemDraw Drawing" r:id="rId37" imgW="2349586" imgH="1078675" progId="ChemDraw.Document.6.0">
-                  <p:embed/>
-                </p:oleObj>
-              </mc:Choice>
-              <mc:Fallback>
-                <p:oleObj name="CS ChemDraw Drawing" r:id="rId37" imgW="2349586" imgH="1078675" progId="ChemDraw.Document.6.0">
-                  <p:embed/>
-                  <p:pic>
-                    <p:nvPicPr>
-                      <p:cNvPr id="0" name=""/>
-                      <p:cNvPicPr/>
-                      <p:nvPr/>
-                    </p:nvPicPr>
-                    <p:blipFill>
-                      <a:blip r:embed="rId38"/>
-                      <a:stretch>
-                        <a:fillRect/>
-                      </a:stretch>
-                    </p:blipFill>
-                    <p:spPr>
-                      <a:xfrm>
-                        <a:off x="339489" y="6191250"/>
-                        <a:ext cx="2349500" cy="1077912"/>
-                      </a:xfrm>
-                      <a:prstGeom prst="rect">
-                        <a:avLst/>
-                      </a:prstGeom>
-                    </p:spPr>
-                  </p:pic>
-                </p:oleObj>
-              </mc:Fallback>
-            </mc:AlternateContent>
-          </a:graphicData>
-        </a:graphic>
-      </p:graphicFrame>
-      <p:graphicFrame>
-        <p:nvGraphicFramePr>
-          <p:cNvPr id="94" name="Objeto 93">
-            <a:extLst>
-              <a:ext uri="{FF2B5EF4-FFF2-40B4-BE49-F238E27FC236}">
-                <a16:creationId xmlns:a16="http://schemas.microsoft.com/office/drawing/2014/main" id="{B0224ECB-9E87-4E7A-987F-6F68C5AD9399}"/>
-              </a:ext>
-            </a:extLst>
-          </p:cNvPr>
-          <p:cNvGraphicFramePr>
-            <a:graphicFrameLocks noChangeAspect="1"/>
-          </p:cNvGraphicFramePr>
-          <p:nvPr>
-            <p:extLst>
-              <p:ext uri="{D42A27DB-BD31-4B8C-83A1-F6EECF244321}">
-                <p14:modId xmlns:p14="http://schemas.microsoft.com/office/powerpoint/2010/main" val="3009745544"/>
-              </p:ext>
-            </p:extLst>
-          </p:nvPr>
-        </p:nvGraphicFramePr>
-        <p:xfrm>
-          <a:off x="2938387" y="6093619"/>
-          <a:ext cx="1200150" cy="1273175"/>
-        </p:xfrm>
-        <a:graphic>
-          <a:graphicData uri="http://schemas.openxmlformats.org/presentationml/2006/ole">
-            <mc:AlternateContent xmlns:mc="http://schemas.openxmlformats.org/markup-compatibility/2006">
-              <mc:Choice xmlns:v="urn:schemas-microsoft-com:vml" Requires="v">
-                <p:oleObj spid="_x0000_s2129" name="CS ChemDraw Drawing" r:id="rId39" imgW="1200479" imgH="1273606" progId="ChemDraw.Document.6.0">
-                  <p:embed/>
-                </p:oleObj>
-              </mc:Choice>
-              <mc:Fallback>
-                <p:oleObj name="CS ChemDraw Drawing" r:id="rId39" imgW="1200479" imgH="1273606" progId="ChemDraw.Document.6.0">
-                  <p:embed/>
-                  <p:pic>
-                    <p:nvPicPr>
-                      <p:cNvPr id="0" name=""/>
-                      <p:cNvPicPr/>
-                      <p:nvPr/>
-                    </p:nvPicPr>
-                    <p:blipFill>
-                      <a:blip r:embed="rId40"/>
-                      <a:stretch>
-                        <a:fillRect/>
-                      </a:stretch>
-                    </p:blipFill>
-                    <p:spPr>
-                      <a:xfrm>
-                        <a:off x="2938387" y="6093619"/>
-                        <a:ext cx="1200150" cy="1273175"/>
-                      </a:xfrm>
-                      <a:prstGeom prst="rect">
-                        <a:avLst/>
-                      </a:prstGeom>
-                    </p:spPr>
-                  </p:pic>
-                </p:oleObj>
-              </mc:Fallback>
-            </mc:AlternateContent>
-          </a:graphicData>
-        </a:graphic>
-      </p:graphicFrame>
-      <p:graphicFrame>
-        <p:nvGraphicFramePr>
-          <p:cNvPr id="95" name="Objeto 94">
-            <a:extLst>
-              <a:ext uri="{FF2B5EF4-FFF2-40B4-BE49-F238E27FC236}">
-                <a16:creationId xmlns:a16="http://schemas.microsoft.com/office/drawing/2014/main" id="{68BE93DC-D0C8-4CBD-9146-D535C1F897FB}"/>
-              </a:ext>
-            </a:extLst>
-          </p:cNvPr>
-          <p:cNvGraphicFramePr>
-            <a:graphicFrameLocks noChangeAspect="1"/>
-          </p:cNvGraphicFramePr>
-          <p:nvPr>
-            <p:extLst>
-              <p:ext uri="{D42A27DB-BD31-4B8C-83A1-F6EECF244321}">
-                <p14:modId xmlns:p14="http://schemas.microsoft.com/office/powerpoint/2010/main" val="2339582725"/>
-              </p:ext>
-            </p:extLst>
-          </p:nvPr>
-        </p:nvGraphicFramePr>
-        <p:xfrm>
-          <a:off x="6907840" y="6016851"/>
-          <a:ext cx="4484687" cy="1419225"/>
-        </p:xfrm>
-        <a:graphic>
-          <a:graphicData uri="http://schemas.openxmlformats.org/presentationml/2006/ole">
-            <mc:AlternateContent xmlns:mc="http://schemas.openxmlformats.org/markup-compatibility/2006">
-              <mc:Choice xmlns:v="urn:schemas-microsoft-com:vml" Requires="v">
-                <p:oleObj spid="_x0000_s2130" name="CS ChemDraw Drawing" r:id="rId41" imgW="4484847" imgH="1418641" progId="ChemDraw.Document.6.0">
-                  <p:embed/>
-                </p:oleObj>
-              </mc:Choice>
-              <mc:Fallback>
-                <p:oleObj name="CS ChemDraw Drawing" r:id="rId41" imgW="4484847" imgH="1418641" progId="ChemDraw.Document.6.0">
-                  <p:embed/>
-                  <p:pic>
-                    <p:nvPicPr>
-                      <p:cNvPr id="0" name=""/>
-                      <p:cNvPicPr/>
-                      <p:nvPr/>
-                    </p:nvPicPr>
-                    <p:blipFill>
-                      <a:blip r:embed="rId42"/>
-                      <a:stretch>
-                        <a:fillRect/>
-                      </a:stretch>
-                    </p:blipFill>
-                    <p:spPr>
-                      <a:xfrm>
-                        <a:off x="6907840" y="6016851"/>
-                        <a:ext cx="4484687" cy="1419225"/>
-                      </a:xfrm>
-                      <a:prstGeom prst="rect">
-                        <a:avLst/>
-                      </a:prstGeom>
-                    </p:spPr>
-                  </p:pic>
-                </p:oleObj>
-              </mc:Fallback>
-            </mc:AlternateContent>
-          </a:graphicData>
-        </a:graphic>
-      </p:graphicFrame>
-      <p:sp>
-        <p:nvSpPr>
-          <p:cNvPr id="96" name="Google Shape;298;p9">
-            <a:extLst>
-              <a:ext uri="{FF2B5EF4-FFF2-40B4-BE49-F238E27FC236}">
-                <a16:creationId xmlns:a16="http://schemas.microsoft.com/office/drawing/2014/main" id="{3A5555F3-711D-4057-B2EA-71400D705058}"/>
+                <a16:creationId xmlns:a16="http://schemas.microsoft.com/office/drawing/2014/main" id="{CCBC927E-3BE9-4F14-91DC-816C59A17B35}"/>
               </a:ext>
             </a:extLst>
           </p:cNvPr>
@@ -10273,8 +9733,8 @@
         </p:nvSpPr>
         <p:spPr>
           <a:xfrm>
-            <a:off x="8591203" y="7541799"/>
-            <a:ext cx="631426" cy="310717"/>
+            <a:off x="8098792" y="4258041"/>
+            <a:ext cx="849168" cy="307736"/>
           </a:xfrm>
           <a:prstGeom prst="rect">
             <a:avLst/>
@@ -10285,28 +9745,41 @@
           </a:ln>
         </p:spPr>
         <p:txBody>
-          <a:bodyPr spcFirstLastPara="1" wrap="square" lIns="94378" tIns="47176" rIns="94378" bIns="47176" anchor="t" anchorCtr="0">
+          <a:bodyPr spcFirstLastPara="1" wrap="square" lIns="91425" tIns="45700" rIns="91425" bIns="45700" anchor="t" anchorCtr="0">
             <a:spAutoFit/>
           </a:bodyPr>
           <a:lstStyle/>
           <a:p>
-            <a:pPr algn="ctr">
+            <a:pPr marL="0" marR="0" lvl="0" indent="0" algn="ctr" rtl="0">
+              <a:lnSpc>
+                <a:spcPct val="100000"/>
+              </a:lnSpc>
+              <a:spcBef>
+                <a:spcPts val="0"/>
+              </a:spcBef>
+              <a:spcAft>
+                <a:spcPts val="0"/>
+              </a:spcAft>
               <a:buClr>
                 <a:srgbClr val="000000"/>
               </a:buClr>
               <a:buSzPts val="1200"/>
+              <a:buFont typeface="Arial"/>
+              <a:buNone/>
             </a:pPr>
             <a:r>
-              <a:rPr lang="pt-BR" sz="1400" b="1" dirty="0">
+              <a:rPr lang="pt-BR" sz="1400" b="1" i="0" strike="noStrike" cap="none" dirty="0">
                 <a:solidFill>
                   <a:srgbClr val="00B050"/>
                 </a:solidFill>
                 <a:latin typeface="Avenir"/>
+                <a:ea typeface="Arial"/>
+                <a:cs typeface="Arial"/>
                 <a:sym typeface="Avenir"/>
               </a:rPr>
-              <a:t>PTCD</a:t>
-            </a:r>
-            <a:endParaRPr sz="1600" dirty="0">
+              <a:t>OEEPO</a:t>
+            </a:r>
+            <a:endParaRPr sz="1600" b="0" i="0" strike="noStrike" cap="none" dirty="0">
               <a:solidFill>
                 <a:srgbClr val="00B050"/>
               </a:solidFill>
@@ -10318,138 +9791,12 @@
           </a:p>
         </p:txBody>
       </p:sp>
-      <p:graphicFrame>
-        <p:nvGraphicFramePr>
-          <p:cNvPr id="97" name="Objeto 96">
+      <p:sp>
+        <p:nvSpPr>
+          <p:cNvPr id="111" name="Google Shape;298;p9">
             <a:extLst>
               <a:ext uri="{FF2B5EF4-FFF2-40B4-BE49-F238E27FC236}">
-                <a16:creationId xmlns:a16="http://schemas.microsoft.com/office/drawing/2014/main" id="{54D23764-7B98-4F3F-83F0-485FF8E39013}"/>
-              </a:ext>
-            </a:extLst>
-          </p:cNvPr>
-          <p:cNvGraphicFramePr>
-            <a:graphicFrameLocks noChangeAspect="1"/>
-          </p:cNvGraphicFramePr>
-          <p:nvPr>
-            <p:extLst>
-              <p:ext uri="{D42A27DB-BD31-4B8C-83A1-F6EECF244321}">
-                <p14:modId xmlns:p14="http://schemas.microsoft.com/office/powerpoint/2010/main" val="78862650"/>
-              </p:ext>
-            </p:extLst>
-          </p:nvPr>
-        </p:nvGraphicFramePr>
-        <p:xfrm>
-          <a:off x="199856" y="7783397"/>
-          <a:ext cx="1419225" cy="1476375"/>
-        </p:xfrm>
-        <a:graphic>
-          <a:graphicData uri="http://schemas.openxmlformats.org/presentationml/2006/ole">
-            <mc:AlternateContent xmlns:mc="http://schemas.openxmlformats.org/markup-compatibility/2006">
-              <mc:Choice xmlns:v="urn:schemas-microsoft-com:vml" Requires="v">
-                <p:oleObj spid="_x0000_s2131" name="CS ChemDraw Drawing" r:id="rId43" imgW="1418594" imgH="1476148" progId="ChemDraw.Document.6.0">
-                  <p:embed/>
-                </p:oleObj>
-              </mc:Choice>
-              <mc:Fallback>
-                <p:oleObj name="CS ChemDraw Drawing" r:id="rId43" imgW="1418594" imgH="1476148" progId="ChemDraw.Document.6.0">
-                  <p:embed/>
-                  <p:pic>
-                    <p:nvPicPr>
-                      <p:cNvPr id="0" name=""/>
-                      <p:cNvPicPr/>
-                      <p:nvPr/>
-                    </p:nvPicPr>
-                    <p:blipFill>
-                      <a:blip r:embed="rId44"/>
-                      <a:stretch>
-                        <a:fillRect/>
-                      </a:stretch>
-                    </p:blipFill>
-                    <p:spPr>
-                      <a:xfrm>
-                        <a:off x="199856" y="7783397"/>
-                        <a:ext cx="1419225" cy="1476375"/>
-                      </a:xfrm>
-                      <a:prstGeom prst="rect">
-                        <a:avLst/>
-                      </a:prstGeom>
-                    </p:spPr>
-                  </p:pic>
-                </p:oleObj>
-              </mc:Fallback>
-            </mc:AlternateContent>
-          </a:graphicData>
-        </a:graphic>
-      </p:graphicFrame>
-      <p:graphicFrame>
-        <p:nvGraphicFramePr>
-          <p:cNvPr id="98" name="Objeto 97">
-            <a:extLst>
-              <a:ext uri="{FF2B5EF4-FFF2-40B4-BE49-F238E27FC236}">
-                <a16:creationId xmlns:a16="http://schemas.microsoft.com/office/drawing/2014/main" id="{3A3C11CC-2CDA-4D16-A256-C7FF898289EA}"/>
-              </a:ext>
-            </a:extLst>
-          </p:cNvPr>
-          <p:cNvGraphicFramePr>
-            <a:graphicFrameLocks noChangeAspect="1"/>
-          </p:cNvGraphicFramePr>
-          <p:nvPr>
-            <p:extLst>
-              <p:ext uri="{D42A27DB-BD31-4B8C-83A1-F6EECF244321}">
-                <p14:modId xmlns:p14="http://schemas.microsoft.com/office/powerpoint/2010/main" val="3281826840"/>
-              </p:ext>
-            </p:extLst>
-          </p:nvPr>
-        </p:nvGraphicFramePr>
-        <p:xfrm>
-          <a:off x="3853139" y="7769776"/>
-          <a:ext cx="4181475" cy="1446212"/>
-        </p:xfrm>
-        <a:graphic>
-          <a:graphicData uri="http://schemas.openxmlformats.org/presentationml/2006/ole">
-            <mc:AlternateContent xmlns:mc="http://schemas.openxmlformats.org/markup-compatibility/2006">
-              <mc:Choice xmlns:v="urn:schemas-microsoft-com:vml" Requires="v">
-                <p:oleObj spid="_x0000_s2132" name="CS ChemDraw Drawing" r:id="rId45" imgW="4181674" imgH="1446126" progId="ChemDraw.Document.6.0">
-                  <p:embed/>
-                </p:oleObj>
-              </mc:Choice>
-              <mc:Fallback>
-                <p:oleObj name="CS ChemDraw Drawing" r:id="rId45" imgW="4181674" imgH="1446126" progId="ChemDraw.Document.6.0">
-                  <p:embed/>
-                  <p:pic>
-                    <p:nvPicPr>
-                      <p:cNvPr id="0" name=""/>
-                      <p:cNvPicPr/>
-                      <p:nvPr/>
-                    </p:nvPicPr>
-                    <p:blipFill>
-                      <a:blip r:embed="rId46"/>
-                      <a:stretch>
-                        <a:fillRect/>
-                      </a:stretch>
-                    </p:blipFill>
-                    <p:spPr>
-                      <a:xfrm>
-                        <a:off x="3853139" y="7769776"/>
-                        <a:ext cx="4181475" cy="1446212"/>
-                      </a:xfrm>
-                      <a:prstGeom prst="rect">
-                        <a:avLst/>
-                      </a:prstGeom>
-                    </p:spPr>
-                  </p:pic>
-                </p:oleObj>
-              </mc:Fallback>
-            </mc:AlternateContent>
-          </a:graphicData>
-        </a:graphic>
-      </p:graphicFrame>
-      <p:sp>
-        <p:nvSpPr>
-          <p:cNvPr id="99" name="Google Shape;298;p9">
-            <a:extLst>
-              <a:ext uri="{FF2B5EF4-FFF2-40B4-BE49-F238E27FC236}">
-                <a16:creationId xmlns:a16="http://schemas.microsoft.com/office/drawing/2014/main" id="{80CA550C-D2C2-45DF-A59A-C8D3D709AA16}"/>
+                <a16:creationId xmlns:a16="http://schemas.microsoft.com/office/drawing/2014/main" id="{8B4F572D-38C0-4657-AE26-09F8002B643C}"/>
               </a:ext>
             </a:extLst>
           </p:cNvPr>
@@ -10458,8 +9805,8 @@
         </p:nvSpPr>
         <p:spPr>
           <a:xfrm>
-            <a:off x="5740942" y="9403248"/>
-            <a:ext cx="631426" cy="310717"/>
+            <a:off x="8098792" y="5116567"/>
+            <a:ext cx="849168" cy="307736"/>
           </a:xfrm>
           <a:prstGeom prst="rect">
             <a:avLst/>
@@ -10470,28 +9817,41 @@
           </a:ln>
         </p:spPr>
         <p:txBody>
-          <a:bodyPr spcFirstLastPara="1" wrap="square" lIns="94378" tIns="47176" rIns="94378" bIns="47176" anchor="t" anchorCtr="0">
+          <a:bodyPr spcFirstLastPara="1" wrap="square" lIns="91425" tIns="45700" rIns="91425" bIns="45700" anchor="t" anchorCtr="0">
             <a:spAutoFit/>
           </a:bodyPr>
           <a:lstStyle/>
           <a:p>
-            <a:pPr algn="ctr">
+            <a:pPr marL="0" marR="0" lvl="0" indent="0" algn="ctr" rtl="0">
+              <a:lnSpc>
+                <a:spcPct val="100000"/>
+              </a:lnSpc>
+              <a:spcBef>
+                <a:spcPts val="0"/>
+              </a:spcBef>
+              <a:spcAft>
+                <a:spcPts val="0"/>
+              </a:spcAft>
               <a:buClr>
                 <a:srgbClr val="000000"/>
               </a:buClr>
               <a:buSzPts val="1200"/>
+              <a:buFont typeface="Arial"/>
+              <a:buNone/>
             </a:pPr>
             <a:r>
-              <a:rPr lang="pt-BR" sz="1400" b="1" dirty="0">
+              <a:rPr lang="pt-BR" sz="1400" b="1" i="0" strike="noStrike" cap="none" dirty="0">
                 <a:solidFill>
                   <a:srgbClr val="00B050"/>
                 </a:solidFill>
                 <a:latin typeface="Avenir"/>
+                <a:ea typeface="Arial"/>
+                <a:cs typeface="Arial"/>
                 <a:sym typeface="Avenir"/>
               </a:rPr>
-              <a:t>TIDA</a:t>
-            </a:r>
-            <a:endParaRPr sz="1600" dirty="0">
+              <a:t>EMEPO</a:t>
+            </a:r>
+            <a:endParaRPr sz="1600" b="0" i="0" strike="noStrike" cap="none" dirty="0">
               <a:solidFill>
                 <a:srgbClr val="00B050"/>
               </a:solidFill>
@@ -10503,321 +9863,10 @@
           </a:p>
         </p:txBody>
       </p:sp>
-      <p:graphicFrame>
-        <p:nvGraphicFramePr>
-          <p:cNvPr id="100" name="Objeto 99">
-            <a:extLst>
-              <a:ext uri="{FF2B5EF4-FFF2-40B4-BE49-F238E27FC236}">
-                <a16:creationId xmlns:a16="http://schemas.microsoft.com/office/drawing/2014/main" id="{30D32F94-5238-4C2E-9FE9-A3528C813897}"/>
-              </a:ext>
-            </a:extLst>
-          </p:cNvPr>
-          <p:cNvGraphicFramePr>
-            <a:graphicFrameLocks noChangeAspect="1"/>
-          </p:cNvGraphicFramePr>
-          <p:nvPr>
-            <p:extLst>
-              <p:ext uri="{D42A27DB-BD31-4B8C-83A1-F6EECF244321}">
-                <p14:modId xmlns:p14="http://schemas.microsoft.com/office/powerpoint/2010/main" val="2868843937"/>
-              </p:ext>
-            </p:extLst>
-          </p:nvPr>
-        </p:nvGraphicFramePr>
-        <p:xfrm>
-          <a:off x="7664687" y="7947576"/>
-          <a:ext cx="1965325" cy="1090612"/>
-        </p:xfrm>
-        <a:graphic>
-          <a:graphicData uri="http://schemas.openxmlformats.org/presentationml/2006/ole">
-            <mc:AlternateContent xmlns:mc="http://schemas.openxmlformats.org/markup-compatibility/2006">
-              <mc:Choice xmlns:v="urn:schemas-microsoft-com:vml" Requires="v">
-                <p:oleObj spid="_x0000_s2133" name="CS ChemDraw Drawing" r:id="rId47" imgW="1965568" imgH="1090937" progId="ChemDraw.Document.6.0">
-                  <p:embed/>
-                </p:oleObj>
-              </mc:Choice>
-              <mc:Fallback>
-                <p:oleObj name="CS ChemDraw Drawing" r:id="rId47" imgW="1965568" imgH="1090937" progId="ChemDraw.Document.6.0">
-                  <p:embed/>
-                  <p:pic>
-                    <p:nvPicPr>
-                      <p:cNvPr id="0" name=""/>
-                      <p:cNvPicPr/>
-                      <p:nvPr/>
-                    </p:nvPicPr>
-                    <p:blipFill>
-                      <a:blip r:embed="rId48"/>
-                      <a:stretch>
-                        <a:fillRect/>
-                      </a:stretch>
-                    </p:blipFill>
-                    <p:spPr>
-                      <a:xfrm>
-                        <a:off x="7664687" y="7947576"/>
-                        <a:ext cx="1965325" cy="1090612"/>
-                      </a:xfrm>
-                      <a:prstGeom prst="rect">
-                        <a:avLst/>
-                      </a:prstGeom>
-                    </p:spPr>
-                  </p:pic>
-                </p:oleObj>
-              </mc:Fallback>
-            </mc:AlternateContent>
-          </a:graphicData>
-        </a:graphic>
-      </p:graphicFrame>
-      <p:graphicFrame>
-        <p:nvGraphicFramePr>
-          <p:cNvPr id="102" name="Objeto 101">
-            <a:extLst>
-              <a:ext uri="{FF2B5EF4-FFF2-40B4-BE49-F238E27FC236}">
-                <a16:creationId xmlns:a16="http://schemas.microsoft.com/office/drawing/2014/main" id="{C32F81BA-DE75-457A-9421-A89738E38F0B}"/>
-              </a:ext>
-            </a:extLst>
-          </p:cNvPr>
-          <p:cNvGraphicFramePr>
-            <a:graphicFrameLocks noChangeAspect="1"/>
-          </p:cNvGraphicFramePr>
-          <p:nvPr>
-            <p:extLst>
-              <p:ext uri="{D42A27DB-BD31-4B8C-83A1-F6EECF244321}">
-                <p14:modId xmlns:p14="http://schemas.microsoft.com/office/powerpoint/2010/main" val="2062092324"/>
-              </p:ext>
-            </p:extLst>
-          </p:nvPr>
-        </p:nvGraphicFramePr>
-        <p:xfrm>
-          <a:off x="1598030" y="7766601"/>
-          <a:ext cx="2095500" cy="1452562"/>
-        </p:xfrm>
-        <a:graphic>
-          <a:graphicData uri="http://schemas.openxmlformats.org/presentationml/2006/ole">
-            <mc:AlternateContent xmlns:mc="http://schemas.openxmlformats.org/markup-compatibility/2006">
-              <mc:Choice xmlns:v="urn:schemas-microsoft-com:vml" Requires="v">
-                <p:oleObj spid="_x0000_s2134" name="CS ChemDraw Drawing" r:id="rId49" imgW="2095258" imgH="1453315" progId="ChemDraw.Document.6.0">
-                  <p:embed/>
-                </p:oleObj>
-              </mc:Choice>
-              <mc:Fallback>
-                <p:oleObj name="CS ChemDraw Drawing" r:id="rId49" imgW="2095258" imgH="1453315" progId="ChemDraw.Document.6.0">
-                  <p:embed/>
-                  <p:pic>
-                    <p:nvPicPr>
-                      <p:cNvPr id="0" name=""/>
-                      <p:cNvPicPr/>
-                      <p:nvPr/>
-                    </p:nvPicPr>
-                    <p:blipFill>
-                      <a:blip r:embed="rId50"/>
-                      <a:stretch>
-                        <a:fillRect/>
-                      </a:stretch>
-                    </p:blipFill>
-                    <p:spPr>
-                      <a:xfrm>
-                        <a:off x="1598030" y="7766601"/>
-                        <a:ext cx="2095500" cy="1452562"/>
-                      </a:xfrm>
-                      <a:prstGeom prst="rect">
-                        <a:avLst/>
-                      </a:prstGeom>
-                    </p:spPr>
-                  </p:pic>
-                </p:oleObj>
-              </mc:Fallback>
-            </mc:AlternateContent>
-          </a:graphicData>
-        </a:graphic>
-      </p:graphicFrame>
-      <p:graphicFrame>
-        <p:nvGraphicFramePr>
-          <p:cNvPr id="103" name="Objeto 102">
-            <a:extLst>
-              <a:ext uri="{FF2B5EF4-FFF2-40B4-BE49-F238E27FC236}">
-                <a16:creationId xmlns:a16="http://schemas.microsoft.com/office/drawing/2014/main" id="{C2952B3D-F680-48B7-AEFA-F116CDD57195}"/>
-              </a:ext>
-            </a:extLst>
-          </p:cNvPr>
-          <p:cNvGraphicFramePr>
-            <a:graphicFrameLocks noChangeAspect="1"/>
-          </p:cNvGraphicFramePr>
-          <p:nvPr>
-            <p:extLst>
-              <p:ext uri="{D42A27DB-BD31-4B8C-83A1-F6EECF244321}">
-                <p14:modId xmlns:p14="http://schemas.microsoft.com/office/powerpoint/2010/main" val="2822514375"/>
-              </p:ext>
-            </p:extLst>
-          </p:nvPr>
-        </p:nvGraphicFramePr>
-        <p:xfrm>
-          <a:off x="9939989" y="7936555"/>
-          <a:ext cx="1546225" cy="1214438"/>
-        </p:xfrm>
-        <a:graphic>
-          <a:graphicData uri="http://schemas.openxmlformats.org/presentationml/2006/ole">
-            <mc:AlternateContent xmlns:mc="http://schemas.openxmlformats.org/markup-compatibility/2006">
-              <mc:Choice xmlns:v="urn:schemas-microsoft-com:vml" Requires="v">
-                <p:oleObj spid="_x0000_s2135" name="CS ChemDraw Drawing" r:id="rId51" imgW="1546600" imgH="1214408" progId="ChemDraw.Document.6.0">
-                  <p:embed/>
-                </p:oleObj>
-              </mc:Choice>
-              <mc:Fallback>
-                <p:oleObj name="CS ChemDraw Drawing" r:id="rId51" imgW="1546600" imgH="1214408" progId="ChemDraw.Document.6.0">
-                  <p:embed/>
-                  <p:pic>
-                    <p:nvPicPr>
-                      <p:cNvPr id="0" name=""/>
-                      <p:cNvPicPr/>
-                      <p:nvPr/>
-                    </p:nvPicPr>
-                    <p:blipFill>
-                      <a:blip r:embed="rId52"/>
-                      <a:stretch>
-                        <a:fillRect/>
-                      </a:stretch>
-                    </p:blipFill>
-                    <p:spPr>
-                      <a:xfrm>
-                        <a:off x="9939989" y="7936555"/>
-                        <a:ext cx="1546225" cy="1214438"/>
-                      </a:xfrm>
-                      <a:prstGeom prst="rect">
-                        <a:avLst/>
-                      </a:prstGeom>
-                    </p:spPr>
-                  </p:pic>
-                </p:oleObj>
-              </mc:Fallback>
-            </mc:AlternateContent>
-          </a:graphicData>
-        </a:graphic>
-      </p:graphicFrame>
-      <p:sp>
-        <p:nvSpPr>
-          <p:cNvPr id="104" name="Google Shape;298;p9">
-            <a:extLst>
-              <a:ext uri="{FF2B5EF4-FFF2-40B4-BE49-F238E27FC236}">
-                <a16:creationId xmlns:a16="http://schemas.microsoft.com/office/drawing/2014/main" id="{3A682804-DE1B-4804-8727-42494348EA79}"/>
-              </a:ext>
-            </a:extLst>
-          </p:cNvPr>
-          <p:cNvSpPr txBox="1"/>
-          <p:nvPr/>
-        </p:nvSpPr>
-        <p:spPr>
-          <a:xfrm>
-            <a:off x="5121152" y="7384960"/>
-            <a:ext cx="631426" cy="310717"/>
-          </a:xfrm>
-          <a:prstGeom prst="rect">
-            <a:avLst/>
-          </a:prstGeom>
-          <a:noFill/>
-          <a:ln>
-            <a:noFill/>
-          </a:ln>
-        </p:spPr>
-        <p:txBody>
-          <a:bodyPr spcFirstLastPara="1" wrap="square" lIns="94378" tIns="47176" rIns="94378" bIns="47176" anchor="t" anchorCtr="0">
-            <a:spAutoFit/>
-          </a:bodyPr>
-          <a:lstStyle/>
-          <a:p>
-            <a:pPr algn="ctr">
-              <a:buClr>
-                <a:srgbClr val="000000"/>
-              </a:buClr>
-              <a:buSzPts val="1200"/>
-            </a:pPr>
-            <a:r>
-              <a:rPr lang="pt-BR" sz="1400" b="1" dirty="0">
-                <a:solidFill>
-                  <a:srgbClr val="00B050"/>
-                </a:solidFill>
-                <a:latin typeface="Avenir"/>
-                <a:sym typeface="Avenir"/>
-              </a:rPr>
-              <a:t>NDTP</a:t>
-            </a:r>
-            <a:endParaRPr sz="1600" dirty="0">
-              <a:solidFill>
-                <a:srgbClr val="00B050"/>
-              </a:solidFill>
-              <a:latin typeface="Arial"/>
-              <a:ea typeface="Arial"/>
-              <a:cs typeface="Arial"/>
-              <a:sym typeface="Arial"/>
-            </a:endParaRPr>
-          </a:p>
-        </p:txBody>
-      </p:sp>
-      <p:graphicFrame>
-        <p:nvGraphicFramePr>
-          <p:cNvPr id="105" name="Objeto 104">
-            <a:extLst>
-              <a:ext uri="{FF2B5EF4-FFF2-40B4-BE49-F238E27FC236}">
-                <a16:creationId xmlns:a16="http://schemas.microsoft.com/office/drawing/2014/main" id="{1CE0DC8F-4B5D-46A2-95DF-A8E8B43DCD14}"/>
-              </a:ext>
-            </a:extLst>
-          </p:cNvPr>
-          <p:cNvGraphicFramePr>
-            <a:graphicFrameLocks noChangeAspect="1"/>
-          </p:cNvGraphicFramePr>
-          <p:nvPr>
-            <p:extLst>
-              <p:ext uri="{D42A27DB-BD31-4B8C-83A1-F6EECF244321}">
-                <p14:modId xmlns:p14="http://schemas.microsoft.com/office/powerpoint/2010/main" val="3563423907"/>
-              </p:ext>
-            </p:extLst>
-          </p:nvPr>
-        </p:nvGraphicFramePr>
-        <p:xfrm>
-          <a:off x="4524651" y="6161413"/>
-          <a:ext cx="1997075" cy="1192212"/>
-        </p:xfrm>
-        <a:graphic>
-          <a:graphicData uri="http://schemas.openxmlformats.org/presentationml/2006/ole">
-            <mc:AlternateContent xmlns:mc="http://schemas.openxmlformats.org/markup-compatibility/2006">
-              <mc:Choice xmlns:v="urn:schemas-microsoft-com:vml" Requires="v">
-                <p:oleObj spid="_x0000_s2136" name="CS ChemDraw Drawing" r:id="rId53" imgW="1996306" imgH="1191574" progId="ChemDraw.Document.6.0">
-                  <p:embed/>
-                </p:oleObj>
-              </mc:Choice>
-              <mc:Fallback>
-                <p:oleObj name="CS ChemDraw Drawing" r:id="rId53" imgW="1996306" imgH="1191574" progId="ChemDraw.Document.6.0">
-                  <p:embed/>
-                  <p:pic>
-                    <p:nvPicPr>
-                      <p:cNvPr id="0" name=""/>
-                      <p:cNvPicPr/>
-                      <p:nvPr/>
-                    </p:nvPicPr>
-                    <p:blipFill>
-                      <a:blip r:embed="rId54"/>
-                      <a:stretch>
-                        <a:fillRect/>
-                      </a:stretch>
-                    </p:blipFill>
-                    <p:spPr>
-                      <a:xfrm>
-                        <a:off x="4524651" y="6161413"/>
-                        <a:ext cx="1997075" cy="1192212"/>
-                      </a:xfrm>
-                      <a:prstGeom prst="rect">
-                        <a:avLst/>
-                      </a:prstGeom>
-                    </p:spPr>
-                  </p:pic>
-                </p:oleObj>
-              </mc:Fallback>
-            </mc:AlternateContent>
-          </a:graphicData>
-        </a:graphic>
-      </p:graphicFrame>
     </p:spTree>
     <p:extLst>
       <p:ext uri="{BB962C8B-B14F-4D97-AF65-F5344CB8AC3E}">
-        <p14:creationId xmlns:p14="http://schemas.microsoft.com/office/powerpoint/2010/main" val="1480784656"/>
+        <p14:creationId xmlns:p14="http://schemas.microsoft.com/office/powerpoint/2010/main" val="677601570"/>
       </p:ext>
     </p:extLst>
   </p:cSld>
@@ -10920,6 +9969,3374 @@
         <p:spPr>
           <a:xfrm>
             <a:off x="199856" y="126399"/>
+            <a:ext cx="3386120" cy="383631"/>
+          </a:xfrm>
+          <a:prstGeom prst="rect">
+            <a:avLst/>
+          </a:prstGeom>
+          <a:noFill/>
+        </p:spPr>
+        <p:txBody>
+          <a:bodyPr wrap="none" rtlCol="0">
+            <a:spAutoFit/>
+          </a:bodyPr>
+          <a:lstStyle/>
+          <a:p>
+            <a:r>
+              <a:rPr lang="pt-BR" sz="1893" dirty="0" err="1">
+                <a:solidFill>
+                  <a:schemeClr val="tx1">
+                    <a:lumMod val="85000"/>
+                    <a:lumOff val="15000"/>
+                  </a:schemeClr>
+                </a:solidFill>
+                <a:latin typeface="Avenir Next LT Pro Demi" panose="020B0704020202020204" pitchFamily="34" charset="0"/>
+                <a:cs typeface="Aharoni" panose="02010803020104030203" pitchFamily="2" charset="-79"/>
+              </a:rPr>
+              <a:t>Bipodal</a:t>
+            </a:r>
+            <a:r>
+              <a:rPr lang="pt-BR" sz="1893" dirty="0">
+                <a:solidFill>
+                  <a:schemeClr val="tx1">
+                    <a:lumMod val="85000"/>
+                    <a:lumOff val="15000"/>
+                  </a:schemeClr>
+                </a:solidFill>
+                <a:latin typeface="Avenir Next LT Pro Demi" panose="020B0704020202020204" pitchFamily="34" charset="0"/>
+                <a:cs typeface="Aharoni" panose="02010803020104030203" pitchFamily="2" charset="-79"/>
+              </a:rPr>
+              <a:t> Building </a:t>
+            </a:r>
+            <a:r>
+              <a:rPr lang="pt-BR" sz="1893" dirty="0" err="1">
+                <a:solidFill>
+                  <a:schemeClr val="tx1">
+                    <a:lumMod val="85000"/>
+                    <a:lumOff val="15000"/>
+                  </a:schemeClr>
+                </a:solidFill>
+                <a:latin typeface="Avenir Next LT Pro Demi" panose="020B0704020202020204" pitchFamily="34" charset="0"/>
+                <a:cs typeface="Aharoni" panose="02010803020104030203" pitchFamily="2" charset="-79"/>
+              </a:rPr>
+              <a:t>blocks</a:t>
+            </a:r>
+            <a:r>
+              <a:rPr lang="pt-BR" sz="1893" dirty="0">
+                <a:solidFill>
+                  <a:schemeClr val="tx1">
+                    <a:lumMod val="85000"/>
+                    <a:lumOff val="15000"/>
+                  </a:schemeClr>
+                </a:solidFill>
+                <a:latin typeface="Avenir Next LT Pro Demi" panose="020B0704020202020204" pitchFamily="34" charset="0"/>
+                <a:cs typeface="Aharoni" panose="02010803020104030203" pitchFamily="2" charset="-79"/>
+              </a:rPr>
+              <a:t> (C2)</a:t>
+            </a:r>
+          </a:p>
+        </p:txBody>
+      </p:sp>
+      <p:sp>
+        <p:nvSpPr>
+          <p:cNvPr id="8" name="Google Shape;298;p9">
+            <a:extLst>
+              <a:ext uri="{FF2B5EF4-FFF2-40B4-BE49-F238E27FC236}">
+                <a16:creationId xmlns:a16="http://schemas.microsoft.com/office/drawing/2014/main" id="{CA57D8A2-018A-4948-BDD8-6A5FC01FBA1C}"/>
+              </a:ext>
+            </a:extLst>
+          </p:cNvPr>
+          <p:cNvSpPr txBox="1"/>
+          <p:nvPr/>
+        </p:nvSpPr>
+        <p:spPr>
+          <a:xfrm>
+            <a:off x="397971" y="3753569"/>
+            <a:ext cx="631426" cy="310717"/>
+          </a:xfrm>
+          <a:prstGeom prst="rect">
+            <a:avLst/>
+          </a:prstGeom>
+          <a:noFill/>
+          <a:ln>
+            <a:noFill/>
+          </a:ln>
+        </p:spPr>
+        <p:txBody>
+          <a:bodyPr spcFirstLastPara="1" wrap="square" lIns="94378" tIns="47176" rIns="94378" bIns="47176" anchor="t" anchorCtr="0">
+            <a:spAutoFit/>
+          </a:bodyPr>
+          <a:lstStyle/>
+          <a:p>
+            <a:pPr algn="ctr">
+              <a:buClr>
+                <a:srgbClr val="000000"/>
+              </a:buClr>
+              <a:buSzPts val="1200"/>
+            </a:pPr>
+            <a:r>
+              <a:rPr lang="pt-BR" sz="1400" b="1" dirty="0">
+                <a:solidFill>
+                  <a:srgbClr val="00B050"/>
+                </a:solidFill>
+                <a:latin typeface="Avenir"/>
+                <a:sym typeface="Avenir"/>
+              </a:rPr>
+              <a:t>BENZ</a:t>
+            </a:r>
+            <a:endParaRPr sz="1600" dirty="0">
+              <a:solidFill>
+                <a:srgbClr val="00B050"/>
+              </a:solidFill>
+              <a:latin typeface="Arial"/>
+              <a:ea typeface="Arial"/>
+              <a:cs typeface="Arial"/>
+              <a:sym typeface="Arial"/>
+            </a:endParaRPr>
+          </a:p>
+        </p:txBody>
+      </p:sp>
+      <p:sp>
+        <p:nvSpPr>
+          <p:cNvPr id="9" name="Google Shape;298;p9">
+            <a:extLst>
+              <a:ext uri="{FF2B5EF4-FFF2-40B4-BE49-F238E27FC236}">
+                <a16:creationId xmlns:a16="http://schemas.microsoft.com/office/drawing/2014/main" id="{187A3F4A-6AD7-4707-B221-7A0786DE9EAF}"/>
+              </a:ext>
+            </a:extLst>
+          </p:cNvPr>
+          <p:cNvSpPr txBox="1"/>
+          <p:nvPr/>
+        </p:nvSpPr>
+        <p:spPr>
+          <a:xfrm>
+            <a:off x="3222749" y="7355912"/>
+            <a:ext cx="631426" cy="310717"/>
+          </a:xfrm>
+          <a:prstGeom prst="rect">
+            <a:avLst/>
+          </a:prstGeom>
+          <a:noFill/>
+          <a:ln>
+            <a:noFill/>
+          </a:ln>
+        </p:spPr>
+        <p:txBody>
+          <a:bodyPr spcFirstLastPara="1" wrap="square" lIns="94378" tIns="47176" rIns="94378" bIns="47176" anchor="t" anchorCtr="0">
+            <a:spAutoFit/>
+          </a:bodyPr>
+          <a:lstStyle/>
+          <a:p>
+            <a:pPr algn="ctr">
+              <a:buClr>
+                <a:srgbClr val="000000"/>
+              </a:buClr>
+              <a:buSzPts val="1200"/>
+            </a:pPr>
+            <a:r>
+              <a:rPr lang="pt-BR" sz="1400" b="1" dirty="0">
+                <a:solidFill>
+                  <a:srgbClr val="00B050"/>
+                </a:solidFill>
+                <a:latin typeface="Avenir"/>
+                <a:ea typeface="Arial"/>
+                <a:cs typeface="Arial"/>
+                <a:sym typeface="Avenir"/>
+              </a:rPr>
+              <a:t>NAPT</a:t>
+            </a:r>
+            <a:endParaRPr sz="1600" dirty="0">
+              <a:solidFill>
+                <a:srgbClr val="00B050"/>
+              </a:solidFill>
+              <a:latin typeface="Arial"/>
+              <a:ea typeface="Arial"/>
+              <a:cs typeface="Arial"/>
+              <a:sym typeface="Arial"/>
+            </a:endParaRPr>
+          </a:p>
+        </p:txBody>
+      </p:sp>
+      <p:sp>
+        <p:nvSpPr>
+          <p:cNvPr id="10" name="Google Shape;298;p9">
+            <a:extLst>
+              <a:ext uri="{FF2B5EF4-FFF2-40B4-BE49-F238E27FC236}">
+                <a16:creationId xmlns:a16="http://schemas.microsoft.com/office/drawing/2014/main" id="{285D3D9F-6A14-4DF3-A659-671954073697}"/>
+              </a:ext>
+            </a:extLst>
+          </p:cNvPr>
+          <p:cNvSpPr txBox="1"/>
+          <p:nvPr/>
+        </p:nvSpPr>
+        <p:spPr>
+          <a:xfrm>
+            <a:off x="1741508" y="3760076"/>
+            <a:ext cx="675506" cy="310717"/>
+          </a:xfrm>
+          <a:prstGeom prst="rect">
+            <a:avLst/>
+          </a:prstGeom>
+          <a:noFill/>
+          <a:ln>
+            <a:noFill/>
+          </a:ln>
+        </p:spPr>
+        <p:txBody>
+          <a:bodyPr spcFirstLastPara="1" wrap="square" lIns="94378" tIns="47176" rIns="94378" bIns="47176" anchor="t" anchorCtr="0">
+            <a:spAutoFit/>
+          </a:bodyPr>
+          <a:lstStyle/>
+          <a:p>
+            <a:pPr algn="ctr">
+              <a:buClr>
+                <a:srgbClr val="000000"/>
+              </a:buClr>
+              <a:buSzPts val="1200"/>
+            </a:pPr>
+            <a:r>
+              <a:rPr lang="pt-BR" sz="1400" b="1" dirty="0">
+                <a:solidFill>
+                  <a:srgbClr val="00B050"/>
+                </a:solidFill>
+                <a:latin typeface="Avenir"/>
+                <a:ea typeface="Arial"/>
+                <a:cs typeface="Arial"/>
+                <a:sym typeface="Avenir"/>
+              </a:rPr>
+              <a:t>BPNY</a:t>
+            </a:r>
+            <a:endParaRPr sz="1600" dirty="0">
+              <a:solidFill>
+                <a:srgbClr val="00B050"/>
+              </a:solidFill>
+              <a:latin typeface="Arial"/>
+              <a:ea typeface="Arial"/>
+              <a:cs typeface="Arial"/>
+              <a:sym typeface="Arial"/>
+            </a:endParaRPr>
+          </a:p>
+        </p:txBody>
+      </p:sp>
+      <p:sp>
+        <p:nvSpPr>
+          <p:cNvPr id="11" name="Google Shape;298;p9">
+            <a:extLst>
+              <a:ext uri="{FF2B5EF4-FFF2-40B4-BE49-F238E27FC236}">
+                <a16:creationId xmlns:a16="http://schemas.microsoft.com/office/drawing/2014/main" id="{942F872D-FCA4-4F84-B865-EE62D395005B}"/>
+              </a:ext>
+            </a:extLst>
+          </p:cNvPr>
+          <p:cNvSpPr txBox="1"/>
+          <p:nvPr/>
+        </p:nvSpPr>
+        <p:spPr>
+          <a:xfrm>
+            <a:off x="4155913" y="1910854"/>
+            <a:ext cx="631426" cy="310717"/>
+          </a:xfrm>
+          <a:prstGeom prst="rect">
+            <a:avLst/>
+          </a:prstGeom>
+          <a:noFill/>
+          <a:ln>
+            <a:noFill/>
+          </a:ln>
+        </p:spPr>
+        <p:txBody>
+          <a:bodyPr spcFirstLastPara="1" wrap="square" lIns="94378" tIns="47176" rIns="94378" bIns="47176" anchor="t" anchorCtr="0">
+            <a:spAutoFit/>
+          </a:bodyPr>
+          <a:lstStyle/>
+          <a:p>
+            <a:pPr algn="ctr">
+              <a:buClr>
+                <a:srgbClr val="000000"/>
+              </a:buClr>
+              <a:buSzPts val="1200"/>
+            </a:pPr>
+            <a:r>
+              <a:rPr lang="pt-BR" sz="1400" b="1" dirty="0">
+                <a:solidFill>
+                  <a:srgbClr val="00B050"/>
+                </a:solidFill>
+                <a:latin typeface="Avenir"/>
+                <a:sym typeface="Avenir"/>
+              </a:rPr>
+              <a:t>ANTR</a:t>
+            </a:r>
+            <a:endParaRPr sz="1600" dirty="0">
+              <a:solidFill>
+                <a:srgbClr val="00B050"/>
+              </a:solidFill>
+              <a:latin typeface="Arial"/>
+              <a:ea typeface="Arial"/>
+              <a:cs typeface="Arial"/>
+              <a:sym typeface="Arial"/>
+            </a:endParaRPr>
+          </a:p>
+        </p:txBody>
+      </p:sp>
+      <p:sp>
+        <p:nvSpPr>
+          <p:cNvPr id="12" name="Google Shape;298;p9">
+            <a:extLst>
+              <a:ext uri="{FF2B5EF4-FFF2-40B4-BE49-F238E27FC236}">
+                <a16:creationId xmlns:a16="http://schemas.microsoft.com/office/drawing/2014/main" id="{28B98CE9-EB53-4887-8C75-F61CBB82E76F}"/>
+              </a:ext>
+            </a:extLst>
+          </p:cNvPr>
+          <p:cNvSpPr txBox="1"/>
+          <p:nvPr/>
+        </p:nvSpPr>
+        <p:spPr>
+          <a:xfrm>
+            <a:off x="10028910" y="3781976"/>
+            <a:ext cx="631426" cy="310717"/>
+          </a:xfrm>
+          <a:prstGeom prst="rect">
+            <a:avLst/>
+          </a:prstGeom>
+          <a:noFill/>
+          <a:ln>
+            <a:noFill/>
+          </a:ln>
+        </p:spPr>
+        <p:txBody>
+          <a:bodyPr spcFirstLastPara="1" wrap="square" lIns="94378" tIns="47176" rIns="94378" bIns="47176" anchor="t" anchorCtr="0">
+            <a:spAutoFit/>
+          </a:bodyPr>
+          <a:lstStyle/>
+          <a:p>
+            <a:pPr algn="ctr">
+              <a:buClr>
+                <a:srgbClr val="000000"/>
+              </a:buClr>
+              <a:buSzPts val="1200"/>
+            </a:pPr>
+            <a:r>
+              <a:rPr lang="pt-BR" sz="1400" b="1" dirty="0">
+                <a:solidFill>
+                  <a:srgbClr val="00B050"/>
+                </a:solidFill>
+                <a:latin typeface="Avenir"/>
+                <a:ea typeface="Arial"/>
+                <a:cs typeface="Arial"/>
+                <a:sym typeface="Avenir"/>
+              </a:rPr>
+              <a:t>DHSI</a:t>
+            </a:r>
+            <a:endParaRPr sz="1600" dirty="0">
+              <a:solidFill>
+                <a:srgbClr val="00B050"/>
+              </a:solidFill>
+              <a:latin typeface="Arial"/>
+              <a:ea typeface="Arial"/>
+              <a:cs typeface="Arial"/>
+              <a:sym typeface="Arial"/>
+            </a:endParaRPr>
+          </a:p>
+        </p:txBody>
+      </p:sp>
+      <p:sp>
+        <p:nvSpPr>
+          <p:cNvPr id="13" name="Google Shape;298;p9">
+            <a:extLst>
+              <a:ext uri="{FF2B5EF4-FFF2-40B4-BE49-F238E27FC236}">
+                <a16:creationId xmlns:a16="http://schemas.microsoft.com/office/drawing/2014/main" id="{10A2F330-14EB-4117-829D-10CDC52059AE}"/>
+              </a:ext>
+            </a:extLst>
+          </p:cNvPr>
+          <p:cNvSpPr txBox="1"/>
+          <p:nvPr/>
+        </p:nvSpPr>
+        <p:spPr>
+          <a:xfrm>
+            <a:off x="10218021" y="9403248"/>
+            <a:ext cx="631426" cy="310717"/>
+          </a:xfrm>
+          <a:prstGeom prst="rect">
+            <a:avLst/>
+          </a:prstGeom>
+          <a:noFill/>
+          <a:ln>
+            <a:noFill/>
+          </a:ln>
+        </p:spPr>
+        <p:txBody>
+          <a:bodyPr spcFirstLastPara="1" wrap="square" lIns="94378" tIns="47176" rIns="94378" bIns="47176" anchor="t" anchorCtr="0">
+            <a:spAutoFit/>
+          </a:bodyPr>
+          <a:lstStyle/>
+          <a:p>
+            <a:pPr algn="ctr">
+              <a:buClr>
+                <a:srgbClr val="000000"/>
+              </a:buClr>
+              <a:buSzPts val="1200"/>
+            </a:pPr>
+            <a:r>
+              <a:rPr lang="pt-BR" sz="1400" b="1" dirty="0">
+                <a:solidFill>
+                  <a:srgbClr val="00B050"/>
+                </a:solidFill>
+                <a:latin typeface="Avenir"/>
+                <a:sym typeface="Avenir"/>
+              </a:rPr>
+              <a:t>TTPH</a:t>
+            </a:r>
+            <a:endParaRPr sz="1600" dirty="0">
+              <a:solidFill>
+                <a:srgbClr val="00B050"/>
+              </a:solidFill>
+              <a:latin typeface="Arial"/>
+              <a:ea typeface="Arial"/>
+              <a:cs typeface="Arial"/>
+              <a:sym typeface="Arial"/>
+            </a:endParaRPr>
+          </a:p>
+        </p:txBody>
+      </p:sp>
+      <p:sp>
+        <p:nvSpPr>
+          <p:cNvPr id="14" name="Google Shape;298;p9">
+            <a:extLst>
+              <a:ext uri="{FF2B5EF4-FFF2-40B4-BE49-F238E27FC236}">
+                <a16:creationId xmlns:a16="http://schemas.microsoft.com/office/drawing/2014/main" id="{CB6FBE38-B1CF-4BAD-8C98-622B11F45CCF}"/>
+              </a:ext>
+            </a:extLst>
+          </p:cNvPr>
+          <p:cNvSpPr txBox="1"/>
+          <p:nvPr/>
+        </p:nvSpPr>
+        <p:spPr>
+          <a:xfrm>
+            <a:off x="7207654" y="5622525"/>
+            <a:ext cx="631426" cy="310717"/>
+          </a:xfrm>
+          <a:prstGeom prst="rect">
+            <a:avLst/>
+          </a:prstGeom>
+          <a:noFill/>
+          <a:ln>
+            <a:noFill/>
+          </a:ln>
+        </p:spPr>
+        <p:txBody>
+          <a:bodyPr spcFirstLastPara="1" wrap="square" lIns="94378" tIns="47176" rIns="94378" bIns="47176" anchor="t" anchorCtr="0">
+            <a:spAutoFit/>
+          </a:bodyPr>
+          <a:lstStyle/>
+          <a:p>
+            <a:pPr algn="ctr">
+              <a:buClr>
+                <a:srgbClr val="000000"/>
+              </a:buClr>
+              <a:buSzPts val="1200"/>
+            </a:pPr>
+            <a:r>
+              <a:rPr lang="pt-BR" sz="1400" b="1" dirty="0">
+                <a:solidFill>
+                  <a:srgbClr val="00B050"/>
+                </a:solidFill>
+                <a:latin typeface="Avenir"/>
+                <a:sym typeface="Avenir"/>
+              </a:rPr>
+              <a:t>DPEY</a:t>
+            </a:r>
+            <a:endParaRPr sz="1600" dirty="0">
+              <a:solidFill>
+                <a:srgbClr val="00B050"/>
+              </a:solidFill>
+              <a:latin typeface="Arial"/>
+              <a:ea typeface="Arial"/>
+              <a:cs typeface="Arial"/>
+              <a:sym typeface="Arial"/>
+            </a:endParaRPr>
+          </a:p>
+        </p:txBody>
+      </p:sp>
+      <p:sp>
+        <p:nvSpPr>
+          <p:cNvPr id="15" name="Google Shape;298;p9">
+            <a:extLst>
+              <a:ext uri="{FF2B5EF4-FFF2-40B4-BE49-F238E27FC236}">
+                <a16:creationId xmlns:a16="http://schemas.microsoft.com/office/drawing/2014/main" id="{B5A6F5BE-4CAE-4775-8790-AB062E065FB1}"/>
+              </a:ext>
+            </a:extLst>
+          </p:cNvPr>
+          <p:cNvSpPr txBox="1"/>
+          <p:nvPr/>
+        </p:nvSpPr>
+        <p:spPr>
+          <a:xfrm>
+            <a:off x="8575143" y="9403248"/>
+            <a:ext cx="631426" cy="310717"/>
+          </a:xfrm>
+          <a:prstGeom prst="rect">
+            <a:avLst/>
+          </a:prstGeom>
+          <a:noFill/>
+          <a:ln>
+            <a:noFill/>
+          </a:ln>
+        </p:spPr>
+        <p:txBody>
+          <a:bodyPr spcFirstLastPara="1" wrap="square" lIns="94378" tIns="47176" rIns="94378" bIns="47176" anchor="t" anchorCtr="0">
+            <a:spAutoFit/>
+          </a:bodyPr>
+          <a:lstStyle/>
+          <a:p>
+            <a:pPr algn="ctr">
+              <a:buClr>
+                <a:srgbClr val="000000"/>
+              </a:buClr>
+              <a:buSzPts val="1200"/>
+            </a:pPr>
+            <a:r>
+              <a:rPr lang="pt-BR" sz="1400" b="1" dirty="0">
+                <a:solidFill>
+                  <a:srgbClr val="00B050"/>
+                </a:solidFill>
+                <a:latin typeface="Avenir"/>
+                <a:ea typeface="Arial"/>
+                <a:cs typeface="Arial"/>
+                <a:sym typeface="Avenir"/>
+              </a:rPr>
+              <a:t>TPNY</a:t>
+            </a:r>
+            <a:endParaRPr sz="1600" dirty="0">
+              <a:solidFill>
+                <a:srgbClr val="00B050"/>
+              </a:solidFill>
+              <a:latin typeface="Arial"/>
+              <a:ea typeface="Arial"/>
+              <a:cs typeface="Arial"/>
+              <a:sym typeface="Arial"/>
+            </a:endParaRPr>
+          </a:p>
+        </p:txBody>
+      </p:sp>
+      <p:sp>
+        <p:nvSpPr>
+          <p:cNvPr id="16" name="Google Shape;298;p9">
+            <a:extLst>
+              <a:ext uri="{FF2B5EF4-FFF2-40B4-BE49-F238E27FC236}">
+                <a16:creationId xmlns:a16="http://schemas.microsoft.com/office/drawing/2014/main" id="{46B35DF9-6009-4C9C-9C48-74E0D1E38309}"/>
+              </a:ext>
+            </a:extLst>
+          </p:cNvPr>
+          <p:cNvSpPr txBox="1"/>
+          <p:nvPr/>
+        </p:nvSpPr>
+        <p:spPr>
+          <a:xfrm>
+            <a:off x="2392667" y="1926032"/>
+            <a:ext cx="631426" cy="310717"/>
+          </a:xfrm>
+          <a:prstGeom prst="rect">
+            <a:avLst/>
+          </a:prstGeom>
+          <a:noFill/>
+          <a:ln>
+            <a:noFill/>
+          </a:ln>
+        </p:spPr>
+        <p:txBody>
+          <a:bodyPr spcFirstLastPara="1" wrap="square" lIns="94378" tIns="47176" rIns="94378" bIns="47176" anchor="t" anchorCtr="0">
+            <a:spAutoFit/>
+          </a:bodyPr>
+          <a:lstStyle/>
+          <a:p>
+            <a:pPr algn="ctr">
+              <a:buClr>
+                <a:srgbClr val="000000"/>
+              </a:buClr>
+              <a:buSzPts val="1200"/>
+            </a:pPr>
+            <a:r>
+              <a:rPr lang="pt-BR" sz="1400" b="1" dirty="0">
+                <a:solidFill>
+                  <a:srgbClr val="00B050"/>
+                </a:solidFill>
+                <a:latin typeface="Avenir"/>
+                <a:sym typeface="Avenir"/>
+              </a:rPr>
+              <a:t>3BPD</a:t>
+            </a:r>
+            <a:endParaRPr sz="1600" dirty="0">
+              <a:solidFill>
+                <a:srgbClr val="00B050"/>
+              </a:solidFill>
+              <a:latin typeface="Arial"/>
+              <a:ea typeface="Arial"/>
+              <a:cs typeface="Arial"/>
+              <a:sym typeface="Arial"/>
+            </a:endParaRPr>
+          </a:p>
+        </p:txBody>
+      </p:sp>
+      <p:sp>
+        <p:nvSpPr>
+          <p:cNvPr id="17" name="Google Shape;298;p9">
+            <a:extLst>
+              <a:ext uri="{FF2B5EF4-FFF2-40B4-BE49-F238E27FC236}">
+                <a16:creationId xmlns:a16="http://schemas.microsoft.com/office/drawing/2014/main" id="{8F3D2256-742C-446C-BEFC-9C03B7D88B1C}"/>
+              </a:ext>
+            </a:extLst>
+          </p:cNvPr>
+          <p:cNvSpPr txBox="1"/>
+          <p:nvPr/>
+        </p:nvSpPr>
+        <p:spPr>
+          <a:xfrm>
+            <a:off x="620297" y="9350896"/>
+            <a:ext cx="631426" cy="310717"/>
+          </a:xfrm>
+          <a:prstGeom prst="rect">
+            <a:avLst/>
+          </a:prstGeom>
+          <a:noFill/>
+          <a:ln>
+            <a:noFill/>
+          </a:ln>
+        </p:spPr>
+        <p:txBody>
+          <a:bodyPr spcFirstLastPara="1" wrap="square" lIns="94378" tIns="47176" rIns="94378" bIns="47176" anchor="t" anchorCtr="0">
+            <a:spAutoFit/>
+          </a:bodyPr>
+          <a:lstStyle/>
+          <a:p>
+            <a:pPr algn="ctr">
+              <a:buClr>
+                <a:srgbClr val="000000"/>
+              </a:buClr>
+              <a:buSzPts val="1200"/>
+            </a:pPr>
+            <a:r>
+              <a:rPr lang="pt-BR" sz="1400" b="1" dirty="0">
+                <a:solidFill>
+                  <a:srgbClr val="00B050"/>
+                </a:solidFill>
+                <a:latin typeface="Avenir"/>
+                <a:sym typeface="Avenir"/>
+              </a:rPr>
+              <a:t>PYRN</a:t>
+            </a:r>
+            <a:endParaRPr sz="1600" dirty="0">
+              <a:solidFill>
+                <a:srgbClr val="00B050"/>
+              </a:solidFill>
+              <a:latin typeface="Arial"/>
+              <a:ea typeface="Arial"/>
+              <a:cs typeface="Arial"/>
+              <a:sym typeface="Arial"/>
+            </a:endParaRPr>
+          </a:p>
+        </p:txBody>
+      </p:sp>
+      <p:sp>
+        <p:nvSpPr>
+          <p:cNvPr id="18" name="Google Shape;298;p9">
+            <a:extLst>
+              <a:ext uri="{FF2B5EF4-FFF2-40B4-BE49-F238E27FC236}">
+                <a16:creationId xmlns:a16="http://schemas.microsoft.com/office/drawing/2014/main" id="{37D0A67E-D248-41D6-B211-C679A3B658E1}"/>
+              </a:ext>
+            </a:extLst>
+          </p:cNvPr>
+          <p:cNvSpPr txBox="1"/>
+          <p:nvPr/>
+        </p:nvSpPr>
+        <p:spPr>
+          <a:xfrm>
+            <a:off x="734976" y="1910854"/>
+            <a:ext cx="631426" cy="310717"/>
+          </a:xfrm>
+          <a:prstGeom prst="rect">
+            <a:avLst/>
+          </a:prstGeom>
+          <a:noFill/>
+          <a:ln>
+            <a:noFill/>
+          </a:ln>
+        </p:spPr>
+        <p:txBody>
+          <a:bodyPr spcFirstLastPara="1" wrap="square" lIns="94378" tIns="47176" rIns="94378" bIns="47176" anchor="t" anchorCtr="0">
+            <a:spAutoFit/>
+          </a:bodyPr>
+          <a:lstStyle/>
+          <a:p>
+            <a:pPr algn="ctr">
+              <a:buClr>
+                <a:srgbClr val="000000"/>
+              </a:buClr>
+              <a:buSzPts val="1200"/>
+            </a:pPr>
+            <a:r>
+              <a:rPr lang="pt-BR" sz="1400" b="1" dirty="0">
+                <a:solidFill>
+                  <a:srgbClr val="00B050"/>
+                </a:solidFill>
+                <a:latin typeface="Avenir"/>
+                <a:sym typeface="Avenir"/>
+              </a:rPr>
+              <a:t>2BPD</a:t>
+            </a:r>
+            <a:endParaRPr sz="1600" dirty="0">
+              <a:solidFill>
+                <a:srgbClr val="00B050"/>
+              </a:solidFill>
+              <a:latin typeface="Arial"/>
+              <a:ea typeface="Arial"/>
+              <a:cs typeface="Arial"/>
+              <a:sym typeface="Arial"/>
+            </a:endParaRPr>
+          </a:p>
+        </p:txBody>
+      </p:sp>
+      <p:sp>
+        <p:nvSpPr>
+          <p:cNvPr id="19" name="Google Shape;298;p9">
+            <a:extLst>
+              <a:ext uri="{FF2B5EF4-FFF2-40B4-BE49-F238E27FC236}">
+                <a16:creationId xmlns:a16="http://schemas.microsoft.com/office/drawing/2014/main" id="{742C7C49-7482-428E-B39B-FC77E04AE5F4}"/>
+              </a:ext>
+            </a:extLst>
+          </p:cNvPr>
+          <p:cNvSpPr txBox="1"/>
+          <p:nvPr/>
+        </p:nvSpPr>
+        <p:spPr>
+          <a:xfrm>
+            <a:off x="6204178" y="1905182"/>
+            <a:ext cx="631426" cy="310717"/>
+          </a:xfrm>
+          <a:prstGeom prst="rect">
+            <a:avLst/>
+          </a:prstGeom>
+          <a:noFill/>
+          <a:ln>
+            <a:noFill/>
+          </a:ln>
+        </p:spPr>
+        <p:txBody>
+          <a:bodyPr spcFirstLastPara="1" wrap="square" lIns="94378" tIns="47176" rIns="94378" bIns="47176" anchor="t" anchorCtr="0">
+            <a:spAutoFit/>
+          </a:bodyPr>
+          <a:lstStyle/>
+          <a:p>
+            <a:pPr algn="ctr">
+              <a:buClr>
+                <a:srgbClr val="000000"/>
+              </a:buClr>
+              <a:buSzPts val="1200"/>
+            </a:pPr>
+            <a:r>
+              <a:rPr lang="pt-BR" sz="1400" b="1" dirty="0">
+                <a:solidFill>
+                  <a:srgbClr val="00B050"/>
+                </a:solidFill>
+                <a:latin typeface="Avenir"/>
+                <a:ea typeface="Arial"/>
+                <a:cs typeface="Arial"/>
+                <a:sym typeface="Avenir"/>
+              </a:rPr>
+              <a:t>BBTZ</a:t>
+            </a:r>
+            <a:endParaRPr sz="1600" dirty="0">
+              <a:solidFill>
+                <a:srgbClr val="00B050"/>
+              </a:solidFill>
+              <a:latin typeface="Arial"/>
+              <a:ea typeface="Arial"/>
+              <a:cs typeface="Arial"/>
+              <a:sym typeface="Arial"/>
+            </a:endParaRPr>
+          </a:p>
+        </p:txBody>
+      </p:sp>
+      <p:sp>
+        <p:nvSpPr>
+          <p:cNvPr id="20" name="Google Shape;298;p9">
+            <a:extLst>
+              <a:ext uri="{FF2B5EF4-FFF2-40B4-BE49-F238E27FC236}">
+                <a16:creationId xmlns:a16="http://schemas.microsoft.com/office/drawing/2014/main" id="{7D708E41-EA25-4027-9DFE-6D666ADD2CD1}"/>
+              </a:ext>
+            </a:extLst>
+          </p:cNvPr>
+          <p:cNvSpPr txBox="1"/>
+          <p:nvPr/>
+        </p:nvSpPr>
+        <p:spPr>
+          <a:xfrm>
+            <a:off x="1103803" y="5571379"/>
+            <a:ext cx="631426" cy="310717"/>
+          </a:xfrm>
+          <a:prstGeom prst="rect">
+            <a:avLst/>
+          </a:prstGeom>
+          <a:noFill/>
+          <a:ln>
+            <a:noFill/>
+          </a:ln>
+        </p:spPr>
+        <p:txBody>
+          <a:bodyPr spcFirstLastPara="1" wrap="square" lIns="94378" tIns="47176" rIns="94378" bIns="47176" anchor="t" anchorCtr="0">
+            <a:spAutoFit/>
+          </a:bodyPr>
+          <a:lstStyle/>
+          <a:p>
+            <a:pPr algn="ctr">
+              <a:buClr>
+                <a:srgbClr val="000000"/>
+              </a:buClr>
+              <a:buSzPts val="1200"/>
+            </a:pPr>
+            <a:r>
+              <a:rPr lang="pt-BR" sz="1400" b="1" dirty="0">
+                <a:solidFill>
+                  <a:srgbClr val="00B050"/>
+                </a:solidFill>
+                <a:latin typeface="Avenir"/>
+                <a:ea typeface="Arial"/>
+                <a:cs typeface="Arial"/>
+                <a:sym typeface="Avenir"/>
+              </a:rPr>
+              <a:t>DPBY</a:t>
+            </a:r>
+            <a:endParaRPr sz="1600" dirty="0">
+              <a:solidFill>
+                <a:srgbClr val="00B050"/>
+              </a:solidFill>
+              <a:latin typeface="Arial"/>
+              <a:ea typeface="Arial"/>
+              <a:cs typeface="Arial"/>
+              <a:sym typeface="Arial"/>
+            </a:endParaRPr>
+          </a:p>
+        </p:txBody>
+      </p:sp>
+      <p:sp>
+        <p:nvSpPr>
+          <p:cNvPr id="21" name="Google Shape;298;p9">
+            <a:extLst>
+              <a:ext uri="{FF2B5EF4-FFF2-40B4-BE49-F238E27FC236}">
+                <a16:creationId xmlns:a16="http://schemas.microsoft.com/office/drawing/2014/main" id="{90F1C029-C776-4AD3-9376-2E84418868B0}"/>
+              </a:ext>
+            </a:extLst>
+          </p:cNvPr>
+          <p:cNvSpPr txBox="1"/>
+          <p:nvPr/>
+        </p:nvSpPr>
+        <p:spPr>
+          <a:xfrm>
+            <a:off x="3992522" y="3760076"/>
+            <a:ext cx="631426" cy="310717"/>
+          </a:xfrm>
+          <a:prstGeom prst="rect">
+            <a:avLst/>
+          </a:prstGeom>
+          <a:noFill/>
+          <a:ln>
+            <a:noFill/>
+          </a:ln>
+        </p:spPr>
+        <p:txBody>
+          <a:bodyPr spcFirstLastPara="1" wrap="square" lIns="94378" tIns="47176" rIns="94378" bIns="47176" anchor="t" anchorCtr="0">
+            <a:spAutoFit/>
+          </a:bodyPr>
+          <a:lstStyle/>
+          <a:p>
+            <a:pPr algn="ctr">
+              <a:buClr>
+                <a:srgbClr val="000000"/>
+              </a:buClr>
+              <a:buSzPts val="1200"/>
+            </a:pPr>
+            <a:r>
+              <a:rPr lang="pt-BR" sz="1400" b="1" dirty="0">
+                <a:solidFill>
+                  <a:srgbClr val="00B050"/>
+                </a:solidFill>
+                <a:latin typeface="Avenir"/>
+                <a:sym typeface="Avenir"/>
+              </a:rPr>
+              <a:t>BPYB</a:t>
+            </a:r>
+            <a:endParaRPr sz="1600" dirty="0">
+              <a:solidFill>
+                <a:srgbClr val="00B050"/>
+              </a:solidFill>
+              <a:latin typeface="Arial"/>
+              <a:ea typeface="Arial"/>
+              <a:cs typeface="Arial"/>
+              <a:sym typeface="Arial"/>
+            </a:endParaRPr>
+          </a:p>
+        </p:txBody>
+      </p:sp>
+      <p:sp>
+        <p:nvSpPr>
+          <p:cNvPr id="22" name="Google Shape;298;p9">
+            <a:extLst>
+              <a:ext uri="{FF2B5EF4-FFF2-40B4-BE49-F238E27FC236}">
+                <a16:creationId xmlns:a16="http://schemas.microsoft.com/office/drawing/2014/main" id="{794172CB-E025-4BBE-B2BE-B6BFAFADC70E}"/>
+              </a:ext>
+            </a:extLst>
+          </p:cNvPr>
+          <p:cNvSpPr txBox="1"/>
+          <p:nvPr/>
+        </p:nvSpPr>
+        <p:spPr>
+          <a:xfrm>
+            <a:off x="6299676" y="3760076"/>
+            <a:ext cx="631426" cy="310717"/>
+          </a:xfrm>
+          <a:prstGeom prst="rect">
+            <a:avLst/>
+          </a:prstGeom>
+          <a:noFill/>
+          <a:ln>
+            <a:noFill/>
+          </a:ln>
+        </p:spPr>
+        <p:txBody>
+          <a:bodyPr spcFirstLastPara="1" wrap="square" lIns="94378" tIns="47176" rIns="94378" bIns="47176" anchor="t" anchorCtr="0">
+            <a:spAutoFit/>
+          </a:bodyPr>
+          <a:lstStyle/>
+          <a:p>
+            <a:pPr algn="ctr">
+              <a:buClr>
+                <a:srgbClr val="000000"/>
+              </a:buClr>
+              <a:buSzPts val="1200"/>
+            </a:pPr>
+            <a:r>
+              <a:rPr lang="pt-BR" sz="1400" b="1" dirty="0">
+                <a:solidFill>
+                  <a:srgbClr val="00B050"/>
+                </a:solidFill>
+                <a:latin typeface="Avenir"/>
+                <a:ea typeface="Arial"/>
+                <a:cs typeface="Arial"/>
+                <a:sym typeface="Avenir"/>
+              </a:rPr>
+              <a:t>BTPH</a:t>
+            </a:r>
+            <a:endParaRPr sz="1600" dirty="0">
+              <a:solidFill>
+                <a:srgbClr val="00B050"/>
+              </a:solidFill>
+              <a:latin typeface="Arial"/>
+              <a:ea typeface="Arial"/>
+              <a:cs typeface="Arial"/>
+              <a:sym typeface="Arial"/>
+            </a:endParaRPr>
+          </a:p>
+        </p:txBody>
+      </p:sp>
+      <p:sp>
+        <p:nvSpPr>
+          <p:cNvPr id="23" name="Google Shape;298;p9">
+            <a:extLst>
+              <a:ext uri="{FF2B5EF4-FFF2-40B4-BE49-F238E27FC236}">
+                <a16:creationId xmlns:a16="http://schemas.microsoft.com/office/drawing/2014/main" id="{B83B8EF0-7BB6-4FEF-9279-8D77443FC181}"/>
+              </a:ext>
+            </a:extLst>
+          </p:cNvPr>
+          <p:cNvSpPr txBox="1"/>
+          <p:nvPr/>
+        </p:nvSpPr>
+        <p:spPr>
+          <a:xfrm>
+            <a:off x="10028910" y="1839670"/>
+            <a:ext cx="631426" cy="310717"/>
+          </a:xfrm>
+          <a:prstGeom prst="rect">
+            <a:avLst/>
+          </a:prstGeom>
+          <a:noFill/>
+          <a:ln>
+            <a:noFill/>
+          </a:ln>
+        </p:spPr>
+        <p:txBody>
+          <a:bodyPr spcFirstLastPara="1" wrap="square" lIns="94378" tIns="47176" rIns="94378" bIns="47176" anchor="t" anchorCtr="0">
+            <a:spAutoFit/>
+          </a:bodyPr>
+          <a:lstStyle/>
+          <a:p>
+            <a:pPr algn="ctr">
+              <a:buClr>
+                <a:srgbClr val="000000"/>
+              </a:buClr>
+              <a:buSzPts val="1200"/>
+            </a:pPr>
+            <a:r>
+              <a:rPr lang="pt-BR" sz="1400" b="1" dirty="0">
+                <a:solidFill>
+                  <a:srgbClr val="00B050"/>
+                </a:solidFill>
+                <a:latin typeface="Avenir"/>
+                <a:ea typeface="Arial"/>
+                <a:cs typeface="Arial"/>
+                <a:sym typeface="Avenir"/>
+              </a:rPr>
+              <a:t>DBTP</a:t>
+            </a:r>
+            <a:endParaRPr sz="1600" dirty="0">
+              <a:solidFill>
+                <a:srgbClr val="00B050"/>
+              </a:solidFill>
+              <a:latin typeface="Arial"/>
+              <a:ea typeface="Arial"/>
+              <a:cs typeface="Arial"/>
+              <a:sym typeface="Arial"/>
+            </a:endParaRPr>
+          </a:p>
+        </p:txBody>
+      </p:sp>
+      <p:sp>
+        <p:nvSpPr>
+          <p:cNvPr id="24" name="Google Shape;298;p9">
+            <a:extLst>
+              <a:ext uri="{FF2B5EF4-FFF2-40B4-BE49-F238E27FC236}">
+                <a16:creationId xmlns:a16="http://schemas.microsoft.com/office/drawing/2014/main" id="{88D55AEF-8EF2-40A8-A445-7BABF0FE14A7}"/>
+              </a:ext>
+            </a:extLst>
+          </p:cNvPr>
+          <p:cNvSpPr txBox="1"/>
+          <p:nvPr/>
+        </p:nvSpPr>
+        <p:spPr>
+          <a:xfrm>
+            <a:off x="1103803" y="7273643"/>
+            <a:ext cx="631426" cy="310717"/>
+          </a:xfrm>
+          <a:prstGeom prst="rect">
+            <a:avLst/>
+          </a:prstGeom>
+          <a:noFill/>
+          <a:ln>
+            <a:noFill/>
+          </a:ln>
+        </p:spPr>
+        <p:txBody>
+          <a:bodyPr spcFirstLastPara="1" wrap="square" lIns="94378" tIns="47176" rIns="94378" bIns="47176" anchor="t" anchorCtr="0">
+            <a:spAutoFit/>
+          </a:bodyPr>
+          <a:lstStyle/>
+          <a:p>
+            <a:pPr algn="ctr">
+              <a:buClr>
+                <a:srgbClr val="000000"/>
+              </a:buClr>
+              <a:buSzPts val="1200"/>
+            </a:pPr>
+            <a:r>
+              <a:rPr lang="pt-BR" sz="1400" b="1" dirty="0">
+                <a:solidFill>
+                  <a:srgbClr val="00B050"/>
+                </a:solidFill>
+                <a:latin typeface="Avenir"/>
+                <a:sym typeface="Avenir"/>
+              </a:rPr>
+              <a:t>INTO</a:t>
+            </a:r>
+            <a:endParaRPr sz="1600" dirty="0">
+              <a:solidFill>
+                <a:srgbClr val="00B050"/>
+              </a:solidFill>
+              <a:latin typeface="Arial"/>
+              <a:ea typeface="Arial"/>
+              <a:cs typeface="Arial"/>
+              <a:sym typeface="Arial"/>
+            </a:endParaRPr>
+          </a:p>
+        </p:txBody>
+      </p:sp>
+      <p:sp>
+        <p:nvSpPr>
+          <p:cNvPr id="25" name="Google Shape;298;p9">
+            <a:extLst>
+              <a:ext uri="{FF2B5EF4-FFF2-40B4-BE49-F238E27FC236}">
+                <a16:creationId xmlns:a16="http://schemas.microsoft.com/office/drawing/2014/main" id="{90B78694-A23F-4C23-BA97-0F6CCAFE9B00}"/>
+              </a:ext>
+            </a:extLst>
+          </p:cNvPr>
+          <p:cNvSpPr txBox="1"/>
+          <p:nvPr/>
+        </p:nvSpPr>
+        <p:spPr>
+          <a:xfrm>
+            <a:off x="2207315" y="9403248"/>
+            <a:ext cx="631426" cy="310717"/>
+          </a:xfrm>
+          <a:prstGeom prst="rect">
+            <a:avLst/>
+          </a:prstGeom>
+          <a:noFill/>
+          <a:ln>
+            <a:noFill/>
+          </a:ln>
+        </p:spPr>
+        <p:txBody>
+          <a:bodyPr spcFirstLastPara="1" wrap="square" lIns="94378" tIns="47176" rIns="94378" bIns="47176" anchor="t" anchorCtr="0">
+            <a:spAutoFit/>
+          </a:bodyPr>
+          <a:lstStyle/>
+          <a:p>
+            <a:pPr algn="ctr">
+              <a:buClr>
+                <a:srgbClr val="000000"/>
+              </a:buClr>
+              <a:buSzPts val="1200"/>
+            </a:pPr>
+            <a:r>
+              <a:rPr lang="pt-BR" sz="1400" b="1" dirty="0">
+                <a:solidFill>
+                  <a:srgbClr val="00B050"/>
+                </a:solidFill>
+                <a:latin typeface="Avenir"/>
+                <a:sym typeface="Avenir"/>
+              </a:rPr>
+              <a:t>PYTO</a:t>
+            </a:r>
+            <a:endParaRPr sz="1600" dirty="0">
+              <a:solidFill>
+                <a:srgbClr val="00B050"/>
+              </a:solidFill>
+              <a:latin typeface="Arial"/>
+              <a:ea typeface="Arial"/>
+              <a:cs typeface="Arial"/>
+              <a:sym typeface="Arial"/>
+            </a:endParaRPr>
+          </a:p>
+        </p:txBody>
+      </p:sp>
+      <p:sp>
+        <p:nvSpPr>
+          <p:cNvPr id="26" name="Google Shape;298;p9">
+            <a:extLst>
+              <a:ext uri="{FF2B5EF4-FFF2-40B4-BE49-F238E27FC236}">
+                <a16:creationId xmlns:a16="http://schemas.microsoft.com/office/drawing/2014/main" id="{FABB7E2E-9352-41D7-8198-79211C57E895}"/>
+              </a:ext>
+            </a:extLst>
+          </p:cNvPr>
+          <p:cNvSpPr txBox="1"/>
+          <p:nvPr/>
+        </p:nvSpPr>
+        <p:spPr>
+          <a:xfrm>
+            <a:off x="5327319" y="5593022"/>
+            <a:ext cx="631426" cy="310717"/>
+          </a:xfrm>
+          <a:prstGeom prst="rect">
+            <a:avLst/>
+          </a:prstGeom>
+          <a:noFill/>
+          <a:ln>
+            <a:noFill/>
+          </a:ln>
+        </p:spPr>
+        <p:txBody>
+          <a:bodyPr spcFirstLastPara="1" wrap="square" lIns="94378" tIns="47176" rIns="94378" bIns="47176" anchor="t" anchorCtr="0">
+            <a:spAutoFit/>
+          </a:bodyPr>
+          <a:lstStyle/>
+          <a:p>
+            <a:pPr algn="ctr">
+              <a:buClr>
+                <a:srgbClr val="000000"/>
+              </a:buClr>
+              <a:buSzPts val="1200"/>
+            </a:pPr>
+            <a:r>
+              <a:rPr lang="pt-BR" sz="1400" b="1" dirty="0">
+                <a:solidFill>
+                  <a:srgbClr val="00B050"/>
+                </a:solidFill>
+                <a:latin typeface="Avenir"/>
+                <a:sym typeface="Avenir"/>
+              </a:rPr>
+              <a:t>DPEL</a:t>
+            </a:r>
+            <a:endParaRPr sz="1600" dirty="0">
+              <a:solidFill>
+                <a:srgbClr val="00B050"/>
+              </a:solidFill>
+              <a:latin typeface="Arial"/>
+              <a:ea typeface="Arial"/>
+              <a:cs typeface="Arial"/>
+              <a:sym typeface="Arial"/>
+            </a:endParaRPr>
+          </a:p>
+        </p:txBody>
+      </p:sp>
+      <p:sp>
+        <p:nvSpPr>
+          <p:cNvPr id="27" name="Google Shape;298;p9">
+            <a:extLst>
+              <a:ext uri="{FF2B5EF4-FFF2-40B4-BE49-F238E27FC236}">
+                <a16:creationId xmlns:a16="http://schemas.microsoft.com/office/drawing/2014/main" id="{967979D8-CE29-4BDC-A629-0B2C53554F0D}"/>
+              </a:ext>
+            </a:extLst>
+          </p:cNvPr>
+          <p:cNvSpPr txBox="1"/>
+          <p:nvPr/>
+        </p:nvSpPr>
+        <p:spPr>
+          <a:xfrm>
+            <a:off x="3237390" y="5678589"/>
+            <a:ext cx="631426" cy="310717"/>
+          </a:xfrm>
+          <a:prstGeom prst="rect">
+            <a:avLst/>
+          </a:prstGeom>
+          <a:noFill/>
+          <a:ln>
+            <a:noFill/>
+          </a:ln>
+        </p:spPr>
+        <p:txBody>
+          <a:bodyPr spcFirstLastPara="1" wrap="square" lIns="94378" tIns="47176" rIns="94378" bIns="47176" anchor="t" anchorCtr="0">
+            <a:spAutoFit/>
+          </a:bodyPr>
+          <a:lstStyle/>
+          <a:p>
+            <a:pPr algn="ctr">
+              <a:buClr>
+                <a:srgbClr val="000000"/>
+              </a:buClr>
+              <a:buSzPts val="1200"/>
+            </a:pPr>
+            <a:r>
+              <a:rPr lang="pt-BR" sz="1400" b="1" dirty="0">
+                <a:solidFill>
+                  <a:srgbClr val="00B050"/>
+                </a:solidFill>
+                <a:latin typeface="Avenir"/>
+                <a:ea typeface="Arial"/>
+                <a:cs typeface="Arial"/>
+                <a:sym typeface="Avenir"/>
+              </a:rPr>
+              <a:t>DPDA</a:t>
+            </a:r>
+            <a:endParaRPr sz="1600" dirty="0">
+              <a:solidFill>
+                <a:srgbClr val="00B050"/>
+              </a:solidFill>
+              <a:latin typeface="Arial"/>
+              <a:ea typeface="Arial"/>
+              <a:cs typeface="Arial"/>
+              <a:sym typeface="Arial"/>
+            </a:endParaRPr>
+          </a:p>
+        </p:txBody>
+      </p:sp>
+      <p:graphicFrame>
+        <p:nvGraphicFramePr>
+          <p:cNvPr id="70" name="Objeto 69">
+            <a:extLst>
+              <a:ext uri="{FF2B5EF4-FFF2-40B4-BE49-F238E27FC236}">
+                <a16:creationId xmlns:a16="http://schemas.microsoft.com/office/drawing/2014/main" id="{D1413B77-4EF9-41A9-9008-E0FF5F334EE2}"/>
+              </a:ext>
+            </a:extLst>
+          </p:cNvPr>
+          <p:cNvGraphicFramePr>
+            <a:graphicFrameLocks noChangeAspect="1"/>
+          </p:cNvGraphicFramePr>
+          <p:nvPr>
+            <p:extLst>
+              <p:ext uri="{D42A27DB-BD31-4B8C-83A1-F6EECF244321}">
+                <p14:modId xmlns:p14="http://schemas.microsoft.com/office/powerpoint/2010/main" val="3207282710"/>
+              </p:ext>
+            </p:extLst>
+          </p:nvPr>
+        </p:nvGraphicFramePr>
+        <p:xfrm>
+          <a:off x="339489" y="720229"/>
+          <a:ext cx="1422400" cy="1190625"/>
+        </p:xfrm>
+        <a:graphic>
+          <a:graphicData uri="http://schemas.openxmlformats.org/presentationml/2006/ole">
+            <mc:AlternateContent xmlns:mc="http://schemas.openxmlformats.org/markup-compatibility/2006">
+              <mc:Choice xmlns:v="urn:schemas-microsoft-com:vml" Requires="v">
+                <p:oleObj spid="_x0000_s2189" name="CS ChemDraw Drawing" r:id="rId3" imgW="1422805" imgH="1191151" progId="ChemDraw.Document.6.0">
+                  <p:embed/>
+                </p:oleObj>
+              </mc:Choice>
+              <mc:Fallback>
+                <p:oleObj name="CS ChemDraw Drawing" r:id="rId3" imgW="1422805" imgH="1191151" progId="ChemDraw.Document.6.0">
+                  <p:embed/>
+                  <p:pic>
+                    <p:nvPicPr>
+                      <p:cNvPr id="0" name=""/>
+                      <p:cNvPicPr/>
+                      <p:nvPr/>
+                    </p:nvPicPr>
+                    <p:blipFill>
+                      <a:blip r:embed="rId4"/>
+                      <a:stretch>
+                        <a:fillRect/>
+                      </a:stretch>
+                    </p:blipFill>
+                    <p:spPr>
+                      <a:xfrm>
+                        <a:off x="339489" y="720229"/>
+                        <a:ext cx="1422400" cy="1190625"/>
+                      </a:xfrm>
+                      <a:prstGeom prst="rect">
+                        <a:avLst/>
+                      </a:prstGeom>
+                    </p:spPr>
+                  </p:pic>
+                </p:oleObj>
+              </mc:Fallback>
+            </mc:AlternateContent>
+          </a:graphicData>
+        </a:graphic>
+      </p:graphicFrame>
+      <p:graphicFrame>
+        <p:nvGraphicFramePr>
+          <p:cNvPr id="71" name="Objeto 70">
+            <a:extLst>
+              <a:ext uri="{FF2B5EF4-FFF2-40B4-BE49-F238E27FC236}">
+                <a16:creationId xmlns:a16="http://schemas.microsoft.com/office/drawing/2014/main" id="{80B14CC0-A922-497F-B7DC-0D4FB2B3090B}"/>
+              </a:ext>
+            </a:extLst>
+          </p:cNvPr>
+          <p:cNvGraphicFramePr>
+            <a:graphicFrameLocks noChangeAspect="1"/>
+          </p:cNvGraphicFramePr>
+          <p:nvPr>
+            <p:extLst>
+              <p:ext uri="{D42A27DB-BD31-4B8C-83A1-F6EECF244321}">
+                <p14:modId xmlns:p14="http://schemas.microsoft.com/office/powerpoint/2010/main" val="3516377332"/>
+              </p:ext>
+            </p:extLst>
+          </p:nvPr>
+        </p:nvGraphicFramePr>
+        <p:xfrm>
+          <a:off x="1997974" y="720219"/>
+          <a:ext cx="1420813" cy="1128712"/>
+        </p:xfrm>
+        <a:graphic>
+          <a:graphicData uri="http://schemas.openxmlformats.org/presentationml/2006/ole">
+            <mc:AlternateContent xmlns:mc="http://schemas.openxmlformats.org/markup-compatibility/2006">
+              <mc:Choice xmlns:v="urn:schemas-microsoft-com:vml" Requires="v">
+                <p:oleObj spid="_x0000_s2190" name="CS ChemDraw Drawing" r:id="rId5" imgW="1421542" imgH="1128993" progId="ChemDraw.Document.6.0">
+                  <p:embed/>
+                </p:oleObj>
+              </mc:Choice>
+              <mc:Fallback>
+                <p:oleObj name="CS ChemDraw Drawing" r:id="rId5" imgW="1421542" imgH="1128993" progId="ChemDraw.Document.6.0">
+                  <p:embed/>
+                  <p:pic>
+                    <p:nvPicPr>
+                      <p:cNvPr id="0" name=""/>
+                      <p:cNvPicPr/>
+                      <p:nvPr/>
+                    </p:nvPicPr>
+                    <p:blipFill>
+                      <a:blip r:embed="rId6"/>
+                      <a:stretch>
+                        <a:fillRect/>
+                      </a:stretch>
+                    </p:blipFill>
+                    <p:spPr>
+                      <a:xfrm>
+                        <a:off x="1997974" y="720219"/>
+                        <a:ext cx="1420813" cy="1128712"/>
+                      </a:xfrm>
+                      <a:prstGeom prst="rect">
+                        <a:avLst/>
+                      </a:prstGeom>
+                    </p:spPr>
+                  </p:pic>
+                </p:oleObj>
+              </mc:Fallback>
+            </mc:AlternateContent>
+          </a:graphicData>
+        </a:graphic>
+      </p:graphicFrame>
+      <p:graphicFrame>
+        <p:nvGraphicFramePr>
+          <p:cNvPr id="72" name="Objeto 71">
+            <a:extLst>
+              <a:ext uri="{FF2B5EF4-FFF2-40B4-BE49-F238E27FC236}">
+                <a16:creationId xmlns:a16="http://schemas.microsoft.com/office/drawing/2014/main" id="{32BAA3DD-F58E-442C-B69E-448653A452B8}"/>
+              </a:ext>
+            </a:extLst>
+          </p:cNvPr>
+          <p:cNvGraphicFramePr>
+            <a:graphicFrameLocks noChangeAspect="1"/>
+          </p:cNvGraphicFramePr>
+          <p:nvPr>
+            <p:extLst>
+              <p:ext uri="{D42A27DB-BD31-4B8C-83A1-F6EECF244321}">
+                <p14:modId xmlns:p14="http://schemas.microsoft.com/office/powerpoint/2010/main" val="1996685254"/>
+              </p:ext>
+            </p:extLst>
+          </p:nvPr>
+        </p:nvGraphicFramePr>
+        <p:xfrm>
+          <a:off x="3712008" y="637679"/>
+          <a:ext cx="1519237" cy="1273175"/>
+        </p:xfrm>
+        <a:graphic>
+          <a:graphicData uri="http://schemas.openxmlformats.org/presentationml/2006/ole">
+            <mc:AlternateContent xmlns:mc="http://schemas.openxmlformats.org/markup-compatibility/2006">
+              <mc:Choice xmlns:v="urn:schemas-microsoft-com:vml" Requires="v">
+                <p:oleObj spid="_x0000_s2191" name="CS ChemDraw Drawing" r:id="rId7" imgW="1519231" imgH="1273606" progId="ChemDraw.Document.6.0">
+                  <p:embed/>
+                </p:oleObj>
+              </mc:Choice>
+              <mc:Fallback>
+                <p:oleObj name="CS ChemDraw Drawing" r:id="rId7" imgW="1519231" imgH="1273606" progId="ChemDraw.Document.6.0">
+                  <p:embed/>
+                  <p:pic>
+                    <p:nvPicPr>
+                      <p:cNvPr id="0" name=""/>
+                      <p:cNvPicPr/>
+                      <p:nvPr/>
+                    </p:nvPicPr>
+                    <p:blipFill>
+                      <a:blip r:embed="rId8"/>
+                      <a:stretch>
+                        <a:fillRect/>
+                      </a:stretch>
+                    </p:blipFill>
+                    <p:spPr>
+                      <a:xfrm>
+                        <a:off x="3712008" y="637679"/>
+                        <a:ext cx="1519237" cy="1273175"/>
+                      </a:xfrm>
+                      <a:prstGeom prst="rect">
+                        <a:avLst/>
+                      </a:prstGeom>
+                    </p:spPr>
+                  </p:pic>
+                </p:oleObj>
+              </mc:Fallback>
+            </mc:AlternateContent>
+          </a:graphicData>
+        </a:graphic>
+      </p:graphicFrame>
+      <p:graphicFrame>
+        <p:nvGraphicFramePr>
+          <p:cNvPr id="73" name="Objeto 72">
+            <a:extLst>
+              <a:ext uri="{FF2B5EF4-FFF2-40B4-BE49-F238E27FC236}">
+                <a16:creationId xmlns:a16="http://schemas.microsoft.com/office/drawing/2014/main" id="{2708BC64-AB74-4692-A44C-3468AD4E187E}"/>
+              </a:ext>
+            </a:extLst>
+          </p:cNvPr>
+          <p:cNvGraphicFramePr>
+            <a:graphicFrameLocks noChangeAspect="1"/>
+          </p:cNvGraphicFramePr>
+          <p:nvPr>
+            <p:extLst>
+              <p:ext uri="{D42A27DB-BD31-4B8C-83A1-F6EECF244321}">
+                <p14:modId xmlns:p14="http://schemas.microsoft.com/office/powerpoint/2010/main" val="936045959"/>
+              </p:ext>
+            </p:extLst>
+          </p:nvPr>
+        </p:nvGraphicFramePr>
+        <p:xfrm>
+          <a:off x="5468966" y="652177"/>
+          <a:ext cx="2101850" cy="1214438"/>
+        </p:xfrm>
+        <a:graphic>
+          <a:graphicData uri="http://schemas.openxmlformats.org/presentationml/2006/ole">
+            <mc:AlternateContent xmlns:mc="http://schemas.openxmlformats.org/markup-compatibility/2006">
+              <mc:Choice xmlns:v="urn:schemas-microsoft-com:vml" Requires="v">
+                <p:oleObj spid="_x0000_s2192" name="CS ChemDraw Drawing" r:id="rId9" imgW="2101153" imgH="1214408" progId="ChemDraw.Document.6.0">
+                  <p:embed/>
+                </p:oleObj>
+              </mc:Choice>
+              <mc:Fallback>
+                <p:oleObj name="CS ChemDraw Drawing" r:id="rId9" imgW="2101153" imgH="1214408" progId="ChemDraw.Document.6.0">
+                  <p:embed/>
+                  <p:pic>
+                    <p:nvPicPr>
+                      <p:cNvPr id="0" name=""/>
+                      <p:cNvPicPr/>
+                      <p:nvPr/>
+                    </p:nvPicPr>
+                    <p:blipFill>
+                      <a:blip r:embed="rId10"/>
+                      <a:stretch>
+                        <a:fillRect/>
+                      </a:stretch>
+                    </p:blipFill>
+                    <p:spPr>
+                      <a:xfrm>
+                        <a:off x="5468966" y="652177"/>
+                        <a:ext cx="2101850" cy="1214438"/>
+                      </a:xfrm>
+                      <a:prstGeom prst="rect">
+                        <a:avLst/>
+                      </a:prstGeom>
+                    </p:spPr>
+                  </p:pic>
+                </p:oleObj>
+              </mc:Fallback>
+            </mc:AlternateContent>
+          </a:graphicData>
+        </a:graphic>
+      </p:graphicFrame>
+      <p:graphicFrame>
+        <p:nvGraphicFramePr>
+          <p:cNvPr id="74" name="Objeto 73">
+            <a:extLst>
+              <a:ext uri="{FF2B5EF4-FFF2-40B4-BE49-F238E27FC236}">
+                <a16:creationId xmlns:a16="http://schemas.microsoft.com/office/drawing/2014/main" id="{EBE9ECC4-4F23-4AD2-8ED4-A77D97A40AD6}"/>
+              </a:ext>
+            </a:extLst>
+          </p:cNvPr>
+          <p:cNvGraphicFramePr>
+            <a:graphicFrameLocks noChangeAspect="1"/>
+          </p:cNvGraphicFramePr>
+          <p:nvPr>
+            <p:extLst>
+              <p:ext uri="{D42A27DB-BD31-4B8C-83A1-F6EECF244321}">
+                <p14:modId xmlns:p14="http://schemas.microsoft.com/office/powerpoint/2010/main" val="3008819709"/>
+              </p:ext>
+            </p:extLst>
+          </p:nvPr>
+        </p:nvGraphicFramePr>
+        <p:xfrm>
+          <a:off x="276328" y="2520814"/>
+          <a:ext cx="874713" cy="1225550"/>
+        </p:xfrm>
+        <a:graphic>
+          <a:graphicData uri="http://schemas.openxmlformats.org/presentationml/2006/ole">
+            <mc:AlternateContent xmlns:mc="http://schemas.openxmlformats.org/markup-compatibility/2006">
+              <mc:Choice xmlns:v="urn:schemas-microsoft-com:vml" Requires="v">
+                <p:oleObj spid="_x0000_s2193" name="CS ChemDraw Drawing" r:id="rId11" imgW="874568" imgH="1224979" progId="ChemDraw.Document.6.0">
+                  <p:embed/>
+                </p:oleObj>
+              </mc:Choice>
+              <mc:Fallback>
+                <p:oleObj name="CS ChemDraw Drawing" r:id="rId11" imgW="874568" imgH="1224979" progId="ChemDraw.Document.6.0">
+                  <p:embed/>
+                  <p:pic>
+                    <p:nvPicPr>
+                      <p:cNvPr id="0" name=""/>
+                      <p:cNvPicPr/>
+                      <p:nvPr/>
+                    </p:nvPicPr>
+                    <p:blipFill>
+                      <a:blip r:embed="rId12"/>
+                      <a:stretch>
+                        <a:fillRect/>
+                      </a:stretch>
+                    </p:blipFill>
+                    <p:spPr>
+                      <a:xfrm>
+                        <a:off x="276328" y="2520814"/>
+                        <a:ext cx="874713" cy="1225550"/>
+                      </a:xfrm>
+                      <a:prstGeom prst="rect">
+                        <a:avLst/>
+                      </a:prstGeom>
+                    </p:spPr>
+                  </p:pic>
+                </p:oleObj>
+              </mc:Fallback>
+            </mc:AlternateContent>
+          </a:graphicData>
+        </a:graphic>
+      </p:graphicFrame>
+      <p:graphicFrame>
+        <p:nvGraphicFramePr>
+          <p:cNvPr id="75" name="Objeto 74">
+            <a:extLst>
+              <a:ext uri="{FF2B5EF4-FFF2-40B4-BE49-F238E27FC236}">
+                <a16:creationId xmlns:a16="http://schemas.microsoft.com/office/drawing/2014/main" id="{CE6F8410-3F0C-4C12-B207-3D4AD429E2E7}"/>
+              </a:ext>
+            </a:extLst>
+          </p:cNvPr>
+          <p:cNvGraphicFramePr>
+            <a:graphicFrameLocks noChangeAspect="1"/>
+          </p:cNvGraphicFramePr>
+          <p:nvPr>
+            <p:extLst>
+              <p:ext uri="{D42A27DB-BD31-4B8C-83A1-F6EECF244321}">
+                <p14:modId xmlns:p14="http://schemas.microsoft.com/office/powerpoint/2010/main" val="1971816748"/>
+              </p:ext>
+            </p:extLst>
+          </p:nvPr>
+        </p:nvGraphicFramePr>
+        <p:xfrm>
+          <a:off x="1368062" y="2502958"/>
+          <a:ext cx="1422400" cy="1225550"/>
+        </p:xfrm>
+        <a:graphic>
+          <a:graphicData uri="http://schemas.openxmlformats.org/presentationml/2006/ole">
+            <mc:AlternateContent xmlns:mc="http://schemas.openxmlformats.org/markup-compatibility/2006">
+              <mc:Choice xmlns:v="urn:schemas-microsoft-com:vml" Requires="v">
+                <p:oleObj spid="_x0000_s2194" name="CS ChemDraw Drawing" r:id="rId13" imgW="1422805" imgH="1224979" progId="ChemDraw.Document.6.0">
+                  <p:embed/>
+                </p:oleObj>
+              </mc:Choice>
+              <mc:Fallback>
+                <p:oleObj name="CS ChemDraw Drawing" r:id="rId13" imgW="1422805" imgH="1224979" progId="ChemDraw.Document.6.0">
+                  <p:embed/>
+                  <p:pic>
+                    <p:nvPicPr>
+                      <p:cNvPr id="0" name=""/>
+                      <p:cNvPicPr/>
+                      <p:nvPr/>
+                    </p:nvPicPr>
+                    <p:blipFill>
+                      <a:blip r:embed="rId14"/>
+                      <a:stretch>
+                        <a:fillRect/>
+                      </a:stretch>
+                    </p:blipFill>
+                    <p:spPr>
+                      <a:xfrm>
+                        <a:off x="1368062" y="2502958"/>
+                        <a:ext cx="1422400" cy="1225550"/>
+                      </a:xfrm>
+                      <a:prstGeom prst="rect">
+                        <a:avLst/>
+                      </a:prstGeom>
+                    </p:spPr>
+                  </p:pic>
+                </p:oleObj>
+              </mc:Fallback>
+            </mc:AlternateContent>
+          </a:graphicData>
+        </a:graphic>
+      </p:graphicFrame>
+      <p:graphicFrame>
+        <p:nvGraphicFramePr>
+          <p:cNvPr id="76" name="Objeto 75">
+            <a:extLst>
+              <a:ext uri="{FF2B5EF4-FFF2-40B4-BE49-F238E27FC236}">
+                <a16:creationId xmlns:a16="http://schemas.microsoft.com/office/drawing/2014/main" id="{9ECFBAA2-CEB6-4CEA-859A-58A466C8F9D0}"/>
+              </a:ext>
+            </a:extLst>
+          </p:cNvPr>
+          <p:cNvGraphicFramePr>
+            <a:graphicFrameLocks noChangeAspect="1"/>
+          </p:cNvGraphicFramePr>
+          <p:nvPr>
+            <p:extLst>
+              <p:ext uri="{D42A27DB-BD31-4B8C-83A1-F6EECF244321}">
+                <p14:modId xmlns:p14="http://schemas.microsoft.com/office/powerpoint/2010/main" val="600448258"/>
+              </p:ext>
+            </p:extLst>
+          </p:nvPr>
+        </p:nvGraphicFramePr>
+        <p:xfrm>
+          <a:off x="2943798" y="2464858"/>
+          <a:ext cx="2701925" cy="1301750"/>
+        </p:xfrm>
+        <a:graphic>
+          <a:graphicData uri="http://schemas.openxmlformats.org/presentationml/2006/ole">
+            <mc:AlternateContent xmlns:mc="http://schemas.openxmlformats.org/markup-compatibility/2006">
+              <mc:Choice xmlns:v="urn:schemas-microsoft-com:vml" Requires="v">
+                <p:oleObj spid="_x0000_s2195" name="CS ChemDraw Drawing" r:id="rId15" imgW="2701603" imgH="1301091" progId="ChemDraw.Document.6.0">
+                  <p:embed/>
+                </p:oleObj>
+              </mc:Choice>
+              <mc:Fallback>
+                <p:oleObj name="CS ChemDraw Drawing" r:id="rId15" imgW="2701603" imgH="1301091" progId="ChemDraw.Document.6.0">
+                  <p:embed/>
+                  <p:pic>
+                    <p:nvPicPr>
+                      <p:cNvPr id="0" name=""/>
+                      <p:cNvPicPr/>
+                      <p:nvPr/>
+                    </p:nvPicPr>
+                    <p:blipFill>
+                      <a:blip r:embed="rId16"/>
+                      <a:stretch>
+                        <a:fillRect/>
+                      </a:stretch>
+                    </p:blipFill>
+                    <p:spPr>
+                      <a:xfrm>
+                        <a:off x="2943798" y="2464858"/>
+                        <a:ext cx="2701925" cy="1301750"/>
+                      </a:xfrm>
+                      <a:prstGeom prst="rect">
+                        <a:avLst/>
+                      </a:prstGeom>
+                    </p:spPr>
+                  </p:pic>
+                </p:oleObj>
+              </mc:Fallback>
+            </mc:AlternateContent>
+          </a:graphicData>
+        </a:graphic>
+      </p:graphicFrame>
+      <p:graphicFrame>
+        <p:nvGraphicFramePr>
+          <p:cNvPr id="77" name="Objeto 76">
+            <a:extLst>
+              <a:ext uri="{FF2B5EF4-FFF2-40B4-BE49-F238E27FC236}">
+                <a16:creationId xmlns:a16="http://schemas.microsoft.com/office/drawing/2014/main" id="{67746001-761D-4238-A251-886F6C60FD4D}"/>
+              </a:ext>
+            </a:extLst>
+          </p:cNvPr>
+          <p:cNvGraphicFramePr>
+            <a:graphicFrameLocks noChangeAspect="1"/>
+          </p:cNvGraphicFramePr>
+          <p:nvPr>
+            <p:extLst>
+              <p:ext uri="{D42A27DB-BD31-4B8C-83A1-F6EECF244321}">
+                <p14:modId xmlns:p14="http://schemas.microsoft.com/office/powerpoint/2010/main" val="3892281641"/>
+              </p:ext>
+            </p:extLst>
+          </p:nvPr>
+        </p:nvGraphicFramePr>
+        <p:xfrm>
+          <a:off x="6006455" y="2513277"/>
+          <a:ext cx="1235075" cy="1204912"/>
+        </p:xfrm>
+        <a:graphic>
+          <a:graphicData uri="http://schemas.openxmlformats.org/presentationml/2006/ole">
+            <mc:AlternateContent xmlns:mc="http://schemas.openxmlformats.org/markup-compatibility/2006">
+              <mc:Choice xmlns:v="urn:schemas-microsoft-com:vml" Requires="v">
+                <p:oleObj spid="_x0000_s2196" name="CS ChemDraw Drawing" r:id="rId17" imgW="1235428" imgH="1205105" progId="ChemDraw.Document.6.0">
+                  <p:embed/>
+                </p:oleObj>
+              </mc:Choice>
+              <mc:Fallback>
+                <p:oleObj name="CS ChemDraw Drawing" r:id="rId17" imgW="1235428" imgH="1205105" progId="ChemDraw.Document.6.0">
+                  <p:embed/>
+                  <p:pic>
+                    <p:nvPicPr>
+                      <p:cNvPr id="0" name=""/>
+                      <p:cNvPicPr/>
+                      <p:nvPr/>
+                    </p:nvPicPr>
+                    <p:blipFill>
+                      <a:blip r:embed="rId18"/>
+                      <a:stretch>
+                        <a:fillRect/>
+                      </a:stretch>
+                    </p:blipFill>
+                    <p:spPr>
+                      <a:xfrm>
+                        <a:off x="6006455" y="2513277"/>
+                        <a:ext cx="1235075" cy="1204912"/>
+                      </a:xfrm>
+                      <a:prstGeom prst="rect">
+                        <a:avLst/>
+                      </a:prstGeom>
+                    </p:spPr>
+                  </p:pic>
+                </p:oleObj>
+              </mc:Fallback>
+            </mc:AlternateContent>
+          </a:graphicData>
+        </a:graphic>
+      </p:graphicFrame>
+      <p:graphicFrame>
+        <p:nvGraphicFramePr>
+          <p:cNvPr id="78" name="Objeto 77">
+            <a:extLst>
+              <a:ext uri="{FF2B5EF4-FFF2-40B4-BE49-F238E27FC236}">
+                <a16:creationId xmlns:a16="http://schemas.microsoft.com/office/drawing/2014/main" id="{219901E4-89E6-4C2A-8F5D-9433EF04C553}"/>
+              </a:ext>
+            </a:extLst>
+          </p:cNvPr>
+          <p:cNvGraphicFramePr>
+            <a:graphicFrameLocks noChangeAspect="1"/>
+          </p:cNvGraphicFramePr>
+          <p:nvPr>
+            <p:extLst>
+              <p:ext uri="{D42A27DB-BD31-4B8C-83A1-F6EECF244321}">
+                <p14:modId xmlns:p14="http://schemas.microsoft.com/office/powerpoint/2010/main" val="3694426247"/>
+              </p:ext>
+            </p:extLst>
+          </p:nvPr>
+        </p:nvGraphicFramePr>
+        <p:xfrm>
+          <a:off x="9315130" y="546035"/>
+          <a:ext cx="2058987" cy="1306512"/>
+        </p:xfrm>
+        <a:graphic>
+          <a:graphicData uri="http://schemas.openxmlformats.org/presentationml/2006/ole">
+            <mc:AlternateContent xmlns:mc="http://schemas.openxmlformats.org/markup-compatibility/2006">
+              <mc:Choice xmlns:v="urn:schemas-microsoft-com:vml" Requires="v">
+                <p:oleObj spid="_x0000_s2197" name="CS ChemDraw Drawing" r:id="rId19" imgW="2058625" imgH="1305742" progId="ChemDraw.Document.6.0">
+                  <p:embed/>
+                </p:oleObj>
+              </mc:Choice>
+              <mc:Fallback>
+                <p:oleObj name="CS ChemDraw Drawing" r:id="rId19" imgW="2058625" imgH="1305742" progId="ChemDraw.Document.6.0">
+                  <p:embed/>
+                  <p:pic>
+                    <p:nvPicPr>
+                      <p:cNvPr id="0" name=""/>
+                      <p:cNvPicPr/>
+                      <p:nvPr/>
+                    </p:nvPicPr>
+                    <p:blipFill>
+                      <a:blip r:embed="rId20"/>
+                      <a:stretch>
+                        <a:fillRect/>
+                      </a:stretch>
+                    </p:blipFill>
+                    <p:spPr>
+                      <a:xfrm>
+                        <a:off x="9315130" y="546035"/>
+                        <a:ext cx="2058987" cy="1306512"/>
+                      </a:xfrm>
+                      <a:prstGeom prst="rect">
+                        <a:avLst/>
+                      </a:prstGeom>
+                    </p:spPr>
+                  </p:pic>
+                </p:oleObj>
+              </mc:Fallback>
+            </mc:AlternateContent>
+          </a:graphicData>
+        </a:graphic>
+      </p:graphicFrame>
+      <p:graphicFrame>
+        <p:nvGraphicFramePr>
+          <p:cNvPr id="79" name="Objeto 78">
+            <a:extLst>
+              <a:ext uri="{FF2B5EF4-FFF2-40B4-BE49-F238E27FC236}">
+                <a16:creationId xmlns:a16="http://schemas.microsoft.com/office/drawing/2014/main" id="{3D86ED63-1546-4FA5-B46D-1A6380DE2B0E}"/>
+              </a:ext>
+            </a:extLst>
+          </p:cNvPr>
+          <p:cNvGraphicFramePr>
+            <a:graphicFrameLocks noChangeAspect="1"/>
+          </p:cNvGraphicFramePr>
+          <p:nvPr>
+            <p:extLst>
+              <p:ext uri="{D42A27DB-BD31-4B8C-83A1-F6EECF244321}">
+                <p14:modId xmlns:p14="http://schemas.microsoft.com/office/powerpoint/2010/main" val="540813825"/>
+              </p:ext>
+            </p:extLst>
+          </p:nvPr>
+        </p:nvGraphicFramePr>
+        <p:xfrm>
+          <a:off x="7585055" y="2552183"/>
+          <a:ext cx="1879600" cy="1233488"/>
+        </p:xfrm>
+        <a:graphic>
+          <a:graphicData uri="http://schemas.openxmlformats.org/presentationml/2006/ole">
+            <mc:AlternateContent xmlns:mc="http://schemas.openxmlformats.org/markup-compatibility/2006">
+              <mc:Choice xmlns:v="urn:schemas-microsoft-com:vml" Requires="v">
+                <p:oleObj spid="_x0000_s2198" name="CS ChemDraw Drawing" r:id="rId21" imgW="1880090" imgH="1233859" progId="ChemDraw.Document.6.0">
+                  <p:embed/>
+                </p:oleObj>
+              </mc:Choice>
+              <mc:Fallback>
+                <p:oleObj name="CS ChemDraw Drawing" r:id="rId21" imgW="1880090" imgH="1233859" progId="ChemDraw.Document.6.0">
+                  <p:embed/>
+                  <p:pic>
+                    <p:nvPicPr>
+                      <p:cNvPr id="0" name=""/>
+                      <p:cNvPicPr/>
+                      <p:nvPr/>
+                    </p:nvPicPr>
+                    <p:blipFill>
+                      <a:blip r:embed="rId22"/>
+                      <a:stretch>
+                        <a:fillRect/>
+                      </a:stretch>
+                    </p:blipFill>
+                    <p:spPr>
+                      <a:xfrm>
+                        <a:off x="7585055" y="2552183"/>
+                        <a:ext cx="1879600" cy="1233488"/>
+                      </a:xfrm>
+                      <a:prstGeom prst="rect">
+                        <a:avLst/>
+                      </a:prstGeom>
+                    </p:spPr>
+                  </p:pic>
+                </p:oleObj>
+              </mc:Fallback>
+            </mc:AlternateContent>
+          </a:graphicData>
+        </a:graphic>
+      </p:graphicFrame>
+      <p:graphicFrame>
+        <p:nvGraphicFramePr>
+          <p:cNvPr id="80" name="Objeto 79">
+            <a:extLst>
+              <a:ext uri="{FF2B5EF4-FFF2-40B4-BE49-F238E27FC236}">
+                <a16:creationId xmlns:a16="http://schemas.microsoft.com/office/drawing/2014/main" id="{C460AC10-C939-49AD-898A-B3F570990568}"/>
+              </a:ext>
+            </a:extLst>
+          </p:cNvPr>
+          <p:cNvGraphicFramePr>
+            <a:graphicFrameLocks noChangeAspect="1"/>
+          </p:cNvGraphicFramePr>
+          <p:nvPr>
+            <p:extLst>
+              <p:ext uri="{D42A27DB-BD31-4B8C-83A1-F6EECF244321}">
+                <p14:modId xmlns:p14="http://schemas.microsoft.com/office/powerpoint/2010/main" val="435857421"/>
+              </p:ext>
+            </p:extLst>
+          </p:nvPr>
+        </p:nvGraphicFramePr>
+        <p:xfrm>
+          <a:off x="7712470" y="620983"/>
+          <a:ext cx="1571625" cy="1233488"/>
+        </p:xfrm>
+        <a:graphic>
+          <a:graphicData uri="http://schemas.openxmlformats.org/presentationml/2006/ole">
+            <mc:AlternateContent xmlns:mc="http://schemas.openxmlformats.org/markup-compatibility/2006">
+              <mc:Choice xmlns:v="urn:schemas-microsoft-com:vml" Requires="v">
+                <p:oleObj spid="_x0000_s2199" name="CS ChemDraw Drawing" r:id="rId23" imgW="1572286" imgH="1233859" progId="ChemDraw.Document.6.0">
+                  <p:embed/>
+                </p:oleObj>
+              </mc:Choice>
+              <mc:Fallback>
+                <p:oleObj name="CS ChemDraw Drawing" r:id="rId23" imgW="1572286" imgH="1233859" progId="ChemDraw.Document.6.0">
+                  <p:embed/>
+                  <p:pic>
+                    <p:nvPicPr>
+                      <p:cNvPr id="0" name=""/>
+                      <p:cNvPicPr/>
+                      <p:nvPr/>
+                    </p:nvPicPr>
+                    <p:blipFill>
+                      <a:blip r:embed="rId24"/>
+                      <a:stretch>
+                        <a:fillRect/>
+                      </a:stretch>
+                    </p:blipFill>
+                    <p:spPr>
+                      <a:xfrm>
+                        <a:off x="7712470" y="620983"/>
+                        <a:ext cx="1571625" cy="1233488"/>
+                      </a:xfrm>
+                      <a:prstGeom prst="rect">
+                        <a:avLst/>
+                      </a:prstGeom>
+                    </p:spPr>
+                  </p:pic>
+                </p:oleObj>
+              </mc:Fallback>
+            </mc:AlternateContent>
+          </a:graphicData>
+        </a:graphic>
+      </p:graphicFrame>
+      <p:sp>
+        <p:nvSpPr>
+          <p:cNvPr id="83" name="Google Shape;298;p9">
+            <a:extLst>
+              <a:ext uri="{FF2B5EF4-FFF2-40B4-BE49-F238E27FC236}">
+                <a16:creationId xmlns:a16="http://schemas.microsoft.com/office/drawing/2014/main" id="{5EFCC3DB-15C5-488F-B6E5-0577A579FA61}"/>
+              </a:ext>
+            </a:extLst>
+          </p:cNvPr>
+          <p:cNvSpPr txBox="1"/>
+          <p:nvPr/>
+        </p:nvSpPr>
+        <p:spPr>
+          <a:xfrm>
+            <a:off x="8239008" y="3852351"/>
+            <a:ext cx="631426" cy="310717"/>
+          </a:xfrm>
+          <a:prstGeom prst="rect">
+            <a:avLst/>
+          </a:prstGeom>
+          <a:noFill/>
+          <a:ln>
+            <a:noFill/>
+          </a:ln>
+        </p:spPr>
+        <p:txBody>
+          <a:bodyPr spcFirstLastPara="1" wrap="square" lIns="94378" tIns="47176" rIns="94378" bIns="47176" anchor="t" anchorCtr="0">
+            <a:spAutoFit/>
+          </a:bodyPr>
+          <a:lstStyle/>
+          <a:p>
+            <a:pPr algn="ctr">
+              <a:buClr>
+                <a:srgbClr val="000000"/>
+              </a:buClr>
+              <a:buSzPts val="1200"/>
+            </a:pPr>
+            <a:r>
+              <a:rPr lang="pt-BR" sz="1400" b="1" dirty="0">
+                <a:solidFill>
+                  <a:srgbClr val="00B050"/>
+                </a:solidFill>
+                <a:latin typeface="Avenir"/>
+                <a:ea typeface="Arial"/>
+                <a:cs typeface="Arial"/>
+                <a:sym typeface="Avenir"/>
+              </a:rPr>
+              <a:t>DHPI</a:t>
+            </a:r>
+            <a:endParaRPr sz="1600" dirty="0">
+              <a:solidFill>
+                <a:srgbClr val="00B050"/>
+              </a:solidFill>
+              <a:latin typeface="Arial"/>
+              <a:ea typeface="Arial"/>
+              <a:cs typeface="Arial"/>
+              <a:sym typeface="Arial"/>
+            </a:endParaRPr>
+          </a:p>
+        </p:txBody>
+      </p:sp>
+      <p:sp>
+        <p:nvSpPr>
+          <p:cNvPr id="84" name="Google Shape;298;p9">
+            <a:extLst>
+              <a:ext uri="{FF2B5EF4-FFF2-40B4-BE49-F238E27FC236}">
+                <a16:creationId xmlns:a16="http://schemas.microsoft.com/office/drawing/2014/main" id="{F273D877-3F62-4F0C-9CB9-CA6E16266A55}"/>
+              </a:ext>
+            </a:extLst>
+          </p:cNvPr>
+          <p:cNvSpPr txBox="1"/>
+          <p:nvPr/>
+        </p:nvSpPr>
+        <p:spPr>
+          <a:xfrm>
+            <a:off x="8202687" y="1850177"/>
+            <a:ext cx="631426" cy="310717"/>
+          </a:xfrm>
+          <a:prstGeom prst="rect">
+            <a:avLst/>
+          </a:prstGeom>
+          <a:noFill/>
+          <a:ln>
+            <a:noFill/>
+          </a:ln>
+        </p:spPr>
+        <p:txBody>
+          <a:bodyPr spcFirstLastPara="1" wrap="square" lIns="94378" tIns="47176" rIns="94378" bIns="47176" anchor="t" anchorCtr="0">
+            <a:spAutoFit/>
+          </a:bodyPr>
+          <a:lstStyle/>
+          <a:p>
+            <a:pPr algn="ctr">
+              <a:buClr>
+                <a:srgbClr val="000000"/>
+              </a:buClr>
+              <a:buSzPts val="1200"/>
+            </a:pPr>
+            <a:r>
+              <a:rPr lang="pt-BR" sz="1400" b="1" dirty="0">
+                <a:solidFill>
+                  <a:srgbClr val="00B050"/>
+                </a:solidFill>
+                <a:latin typeface="Avenir"/>
+                <a:ea typeface="Arial"/>
+                <a:cs typeface="Arial"/>
+                <a:sym typeface="Avenir"/>
+              </a:rPr>
+              <a:t>BDFN</a:t>
+            </a:r>
+            <a:endParaRPr sz="1600" dirty="0">
+              <a:solidFill>
+                <a:srgbClr val="00B050"/>
+              </a:solidFill>
+              <a:latin typeface="Arial"/>
+              <a:ea typeface="Arial"/>
+              <a:cs typeface="Arial"/>
+              <a:sym typeface="Arial"/>
+            </a:endParaRPr>
+          </a:p>
+        </p:txBody>
+      </p:sp>
+      <p:graphicFrame>
+        <p:nvGraphicFramePr>
+          <p:cNvPr id="85" name="Objeto 84">
+            <a:extLst>
+              <a:ext uri="{FF2B5EF4-FFF2-40B4-BE49-F238E27FC236}">
+                <a16:creationId xmlns:a16="http://schemas.microsoft.com/office/drawing/2014/main" id="{81CCA88D-3382-428F-9BCE-B792736861D7}"/>
+              </a:ext>
+            </a:extLst>
+          </p:cNvPr>
+          <p:cNvGraphicFramePr>
+            <a:graphicFrameLocks noChangeAspect="1"/>
+          </p:cNvGraphicFramePr>
+          <p:nvPr>
+            <p:extLst>
+              <p:ext uri="{D42A27DB-BD31-4B8C-83A1-F6EECF244321}">
+                <p14:modId xmlns:p14="http://schemas.microsoft.com/office/powerpoint/2010/main" val="3740330416"/>
+              </p:ext>
+            </p:extLst>
+          </p:nvPr>
+        </p:nvGraphicFramePr>
+        <p:xfrm>
+          <a:off x="9636165" y="2510388"/>
+          <a:ext cx="1535113" cy="1271588"/>
+        </p:xfrm>
+        <a:graphic>
+          <a:graphicData uri="http://schemas.openxmlformats.org/presentationml/2006/ole">
+            <mc:AlternateContent xmlns:mc="http://schemas.openxmlformats.org/markup-compatibility/2006">
+              <mc:Choice xmlns:v="urn:schemas-microsoft-com:vml" Requires="v">
+                <p:oleObj spid="_x0000_s2200" name="CS ChemDraw Drawing" r:id="rId25" imgW="1535653" imgH="1272337" progId="ChemDraw.Document.6.0">
+                  <p:embed/>
+                </p:oleObj>
+              </mc:Choice>
+              <mc:Fallback>
+                <p:oleObj name="CS ChemDraw Drawing" r:id="rId25" imgW="1535653" imgH="1272337" progId="ChemDraw.Document.6.0">
+                  <p:embed/>
+                  <p:pic>
+                    <p:nvPicPr>
+                      <p:cNvPr id="0" name=""/>
+                      <p:cNvPicPr/>
+                      <p:nvPr/>
+                    </p:nvPicPr>
+                    <p:blipFill>
+                      <a:blip r:embed="rId26"/>
+                      <a:stretch>
+                        <a:fillRect/>
+                      </a:stretch>
+                    </p:blipFill>
+                    <p:spPr>
+                      <a:xfrm>
+                        <a:off x="9636165" y="2510388"/>
+                        <a:ext cx="1535113" cy="1271588"/>
+                      </a:xfrm>
+                      <a:prstGeom prst="rect">
+                        <a:avLst/>
+                      </a:prstGeom>
+                    </p:spPr>
+                  </p:pic>
+                </p:oleObj>
+              </mc:Fallback>
+            </mc:AlternateContent>
+          </a:graphicData>
+        </a:graphic>
+      </p:graphicFrame>
+      <p:graphicFrame>
+        <p:nvGraphicFramePr>
+          <p:cNvPr id="86" name="Objeto 85">
+            <a:extLst>
+              <a:ext uri="{FF2B5EF4-FFF2-40B4-BE49-F238E27FC236}">
+                <a16:creationId xmlns:a16="http://schemas.microsoft.com/office/drawing/2014/main" id="{E75D2434-90AA-4D00-9349-40E5B06422BE}"/>
+              </a:ext>
+            </a:extLst>
+          </p:cNvPr>
+          <p:cNvGraphicFramePr>
+            <a:graphicFrameLocks noChangeAspect="1"/>
+          </p:cNvGraphicFramePr>
+          <p:nvPr>
+            <p:extLst>
+              <p:ext uri="{D42A27DB-BD31-4B8C-83A1-F6EECF244321}">
+                <p14:modId xmlns:p14="http://schemas.microsoft.com/office/powerpoint/2010/main" val="2137691470"/>
+              </p:ext>
+            </p:extLst>
+          </p:nvPr>
+        </p:nvGraphicFramePr>
+        <p:xfrm>
+          <a:off x="339489" y="4280098"/>
+          <a:ext cx="2152650" cy="1330325"/>
+        </p:xfrm>
+        <a:graphic>
+          <a:graphicData uri="http://schemas.openxmlformats.org/presentationml/2006/ole">
+            <mc:AlternateContent xmlns:mc="http://schemas.openxmlformats.org/markup-compatibility/2006">
+              <mc:Choice xmlns:v="urn:schemas-microsoft-com:vml" Requires="v">
+                <p:oleObj spid="_x0000_s2201" name="CS ChemDraw Drawing" r:id="rId27" imgW="2152945" imgH="1330267" progId="ChemDraw.Document.6.0">
+                  <p:embed/>
+                </p:oleObj>
+              </mc:Choice>
+              <mc:Fallback>
+                <p:oleObj name="CS ChemDraw Drawing" r:id="rId27" imgW="2152945" imgH="1330267" progId="ChemDraw.Document.6.0">
+                  <p:embed/>
+                  <p:pic>
+                    <p:nvPicPr>
+                      <p:cNvPr id="0" name=""/>
+                      <p:cNvPicPr/>
+                      <p:nvPr/>
+                    </p:nvPicPr>
+                    <p:blipFill>
+                      <a:blip r:embed="rId28"/>
+                      <a:stretch>
+                        <a:fillRect/>
+                      </a:stretch>
+                    </p:blipFill>
+                    <p:spPr>
+                      <a:xfrm>
+                        <a:off x="339489" y="4280098"/>
+                        <a:ext cx="2152650" cy="1330325"/>
+                      </a:xfrm>
+                      <a:prstGeom prst="rect">
+                        <a:avLst/>
+                      </a:prstGeom>
+                    </p:spPr>
+                  </p:pic>
+                </p:oleObj>
+              </mc:Fallback>
+            </mc:AlternateContent>
+          </a:graphicData>
+        </a:graphic>
+      </p:graphicFrame>
+      <p:graphicFrame>
+        <p:nvGraphicFramePr>
+          <p:cNvPr id="87" name="Objeto 86">
+            <a:extLst>
+              <a:ext uri="{FF2B5EF4-FFF2-40B4-BE49-F238E27FC236}">
+                <a16:creationId xmlns:a16="http://schemas.microsoft.com/office/drawing/2014/main" id="{DEF9D8AF-24C9-4649-B6B0-C02483178083}"/>
+              </a:ext>
+            </a:extLst>
+          </p:cNvPr>
+          <p:cNvGraphicFramePr>
+            <a:graphicFrameLocks noChangeAspect="1"/>
+          </p:cNvGraphicFramePr>
+          <p:nvPr>
+            <p:extLst>
+              <p:ext uri="{D42A27DB-BD31-4B8C-83A1-F6EECF244321}">
+                <p14:modId xmlns:p14="http://schemas.microsoft.com/office/powerpoint/2010/main" val="3548176231"/>
+              </p:ext>
+            </p:extLst>
+          </p:nvPr>
+        </p:nvGraphicFramePr>
+        <p:xfrm>
+          <a:off x="2700616" y="4292201"/>
+          <a:ext cx="1704975" cy="1362075"/>
+        </p:xfrm>
+        <a:graphic>
+          <a:graphicData uri="http://schemas.openxmlformats.org/presentationml/2006/ole">
+            <mc:AlternateContent xmlns:mc="http://schemas.openxmlformats.org/markup-compatibility/2006">
+              <mc:Choice xmlns:v="urn:schemas-microsoft-com:vml" Requires="v">
+                <p:oleObj spid="_x0000_s2202" name="CS ChemDraw Drawing" r:id="rId29" imgW="1704924" imgH="1362403" progId="ChemDraw.Document.6.0">
+                  <p:embed/>
+                </p:oleObj>
+              </mc:Choice>
+              <mc:Fallback>
+                <p:oleObj name="CS ChemDraw Drawing" r:id="rId29" imgW="1704924" imgH="1362403" progId="ChemDraw.Document.6.0">
+                  <p:embed/>
+                  <p:pic>
+                    <p:nvPicPr>
+                      <p:cNvPr id="0" name=""/>
+                      <p:cNvPicPr/>
+                      <p:nvPr/>
+                    </p:nvPicPr>
+                    <p:blipFill>
+                      <a:blip r:embed="rId30"/>
+                      <a:stretch>
+                        <a:fillRect/>
+                      </a:stretch>
+                    </p:blipFill>
+                    <p:spPr>
+                      <a:xfrm>
+                        <a:off x="2700616" y="4292201"/>
+                        <a:ext cx="1704975" cy="1362075"/>
+                      </a:xfrm>
+                      <a:prstGeom prst="rect">
+                        <a:avLst/>
+                      </a:prstGeom>
+                    </p:spPr>
+                  </p:pic>
+                </p:oleObj>
+              </mc:Fallback>
+            </mc:AlternateContent>
+          </a:graphicData>
+        </a:graphic>
+      </p:graphicFrame>
+      <p:graphicFrame>
+        <p:nvGraphicFramePr>
+          <p:cNvPr id="88" name="Objeto 87">
+            <a:extLst>
+              <a:ext uri="{FF2B5EF4-FFF2-40B4-BE49-F238E27FC236}">
+                <a16:creationId xmlns:a16="http://schemas.microsoft.com/office/drawing/2014/main" id="{CA78C7D5-A0B7-4BB0-A5D9-4F14DD4EEE11}"/>
+              </a:ext>
+            </a:extLst>
+          </p:cNvPr>
+          <p:cNvGraphicFramePr>
+            <a:graphicFrameLocks noChangeAspect="1"/>
+          </p:cNvGraphicFramePr>
+          <p:nvPr>
+            <p:extLst>
+              <p:ext uri="{D42A27DB-BD31-4B8C-83A1-F6EECF244321}">
+                <p14:modId xmlns:p14="http://schemas.microsoft.com/office/powerpoint/2010/main" val="4294424022"/>
+              </p:ext>
+            </p:extLst>
+          </p:nvPr>
+        </p:nvGraphicFramePr>
+        <p:xfrm>
+          <a:off x="4829204" y="4323950"/>
+          <a:ext cx="1690687" cy="1298575"/>
+        </p:xfrm>
+        <a:graphic>
+          <a:graphicData uri="http://schemas.openxmlformats.org/presentationml/2006/ole">
+            <mc:AlternateContent xmlns:mc="http://schemas.openxmlformats.org/markup-compatibility/2006">
+              <mc:Choice xmlns:v="urn:schemas-microsoft-com:vml" Requires="v">
+                <p:oleObj spid="_x0000_s2203" name="CS ChemDraw Drawing" r:id="rId31" imgW="1691450" imgH="1298131" progId="ChemDraw.Document.6.0">
+                  <p:embed/>
+                </p:oleObj>
+              </mc:Choice>
+              <mc:Fallback>
+                <p:oleObj name="CS ChemDraw Drawing" r:id="rId31" imgW="1691450" imgH="1298131" progId="ChemDraw.Document.6.0">
+                  <p:embed/>
+                  <p:pic>
+                    <p:nvPicPr>
+                      <p:cNvPr id="0" name=""/>
+                      <p:cNvPicPr/>
+                      <p:nvPr/>
+                    </p:nvPicPr>
+                    <p:blipFill>
+                      <a:blip r:embed="rId32"/>
+                      <a:stretch>
+                        <a:fillRect/>
+                      </a:stretch>
+                    </p:blipFill>
+                    <p:spPr>
+                      <a:xfrm>
+                        <a:off x="4829204" y="4323950"/>
+                        <a:ext cx="1690687" cy="1298575"/>
+                      </a:xfrm>
+                      <a:prstGeom prst="rect">
+                        <a:avLst/>
+                      </a:prstGeom>
+                    </p:spPr>
+                  </p:pic>
+                </p:oleObj>
+              </mc:Fallback>
+            </mc:AlternateContent>
+          </a:graphicData>
+        </a:graphic>
+      </p:graphicFrame>
+      <p:graphicFrame>
+        <p:nvGraphicFramePr>
+          <p:cNvPr id="89" name="Objeto 88">
+            <a:extLst>
+              <a:ext uri="{FF2B5EF4-FFF2-40B4-BE49-F238E27FC236}">
+                <a16:creationId xmlns:a16="http://schemas.microsoft.com/office/drawing/2014/main" id="{A26E1481-A9F9-4D1D-888A-5E40A82315FF}"/>
+              </a:ext>
+            </a:extLst>
+          </p:cNvPr>
+          <p:cNvGraphicFramePr>
+            <a:graphicFrameLocks noChangeAspect="1"/>
+          </p:cNvGraphicFramePr>
+          <p:nvPr>
+            <p:extLst>
+              <p:ext uri="{D42A27DB-BD31-4B8C-83A1-F6EECF244321}">
+                <p14:modId xmlns:p14="http://schemas.microsoft.com/office/powerpoint/2010/main" val="1845825779"/>
+              </p:ext>
+            </p:extLst>
+          </p:nvPr>
+        </p:nvGraphicFramePr>
+        <p:xfrm>
+          <a:off x="6695228" y="4493813"/>
+          <a:ext cx="1787525" cy="1128712"/>
+        </p:xfrm>
+        <a:graphic>
+          <a:graphicData uri="http://schemas.openxmlformats.org/presentationml/2006/ole">
+            <mc:AlternateContent xmlns:mc="http://schemas.openxmlformats.org/markup-compatibility/2006">
+              <mc:Choice xmlns:v="urn:schemas-microsoft-com:vml" Requires="v">
+                <p:oleObj spid="_x0000_s2204" name="CS ChemDraw Drawing" r:id="rId33" imgW="1787454" imgH="1128993" progId="ChemDraw.Document.6.0">
+                  <p:embed/>
+                </p:oleObj>
+              </mc:Choice>
+              <mc:Fallback>
+                <p:oleObj name="CS ChemDraw Drawing" r:id="rId33" imgW="1787454" imgH="1128993" progId="ChemDraw.Document.6.0">
+                  <p:embed/>
+                  <p:pic>
+                    <p:nvPicPr>
+                      <p:cNvPr id="0" name=""/>
+                      <p:cNvPicPr/>
+                      <p:nvPr/>
+                    </p:nvPicPr>
+                    <p:blipFill>
+                      <a:blip r:embed="rId34"/>
+                      <a:stretch>
+                        <a:fillRect/>
+                      </a:stretch>
+                    </p:blipFill>
+                    <p:spPr>
+                      <a:xfrm>
+                        <a:off x="6695228" y="4493813"/>
+                        <a:ext cx="1787525" cy="1128712"/>
+                      </a:xfrm>
+                      <a:prstGeom prst="rect">
+                        <a:avLst/>
+                      </a:prstGeom>
+                    </p:spPr>
+                  </p:pic>
+                </p:oleObj>
+              </mc:Fallback>
+            </mc:AlternateContent>
+          </a:graphicData>
+        </a:graphic>
+      </p:graphicFrame>
+      <p:graphicFrame>
+        <p:nvGraphicFramePr>
+          <p:cNvPr id="91" name="Objeto 90">
+            <a:extLst>
+              <a:ext uri="{FF2B5EF4-FFF2-40B4-BE49-F238E27FC236}">
+                <a16:creationId xmlns:a16="http://schemas.microsoft.com/office/drawing/2014/main" id="{8B25B316-E27C-4129-B445-83CA8BA62320}"/>
+              </a:ext>
+            </a:extLst>
+          </p:cNvPr>
+          <p:cNvGraphicFramePr>
+            <a:graphicFrameLocks noChangeAspect="1"/>
+          </p:cNvGraphicFramePr>
+          <p:nvPr>
+            <p:extLst>
+              <p:ext uri="{D42A27DB-BD31-4B8C-83A1-F6EECF244321}">
+                <p14:modId xmlns:p14="http://schemas.microsoft.com/office/powerpoint/2010/main" val="3883771001"/>
+              </p:ext>
+            </p:extLst>
+          </p:nvPr>
+        </p:nvGraphicFramePr>
+        <p:xfrm>
+          <a:off x="8838007" y="4973237"/>
+          <a:ext cx="892175" cy="376238"/>
+        </p:xfrm>
+        <a:graphic>
+          <a:graphicData uri="http://schemas.openxmlformats.org/presentationml/2006/ole">
+            <mc:AlternateContent xmlns:mc="http://schemas.openxmlformats.org/markup-compatibility/2006">
+              <mc:Choice xmlns:v="urn:schemas-microsoft-com:vml" Requires="v">
+                <p:oleObj spid="_x0000_s2205" name="CS ChemDraw Drawing" r:id="rId35" imgW="891411" imgH="375908" progId="ChemDraw.Document.6.0">
+                  <p:embed/>
+                </p:oleObj>
+              </mc:Choice>
+              <mc:Fallback>
+                <p:oleObj name="CS ChemDraw Drawing" r:id="rId35" imgW="891411" imgH="375908" progId="ChemDraw.Document.6.0">
+                  <p:embed/>
+                  <p:pic>
+                    <p:nvPicPr>
+                      <p:cNvPr id="0" name=""/>
+                      <p:cNvPicPr/>
+                      <p:nvPr/>
+                    </p:nvPicPr>
+                    <p:blipFill>
+                      <a:blip r:embed="rId36"/>
+                      <a:stretch>
+                        <a:fillRect/>
+                      </a:stretch>
+                    </p:blipFill>
+                    <p:spPr>
+                      <a:xfrm>
+                        <a:off x="8838007" y="4973237"/>
+                        <a:ext cx="892175" cy="376238"/>
+                      </a:xfrm>
+                      <a:prstGeom prst="rect">
+                        <a:avLst/>
+                      </a:prstGeom>
+                    </p:spPr>
+                  </p:pic>
+                </p:oleObj>
+              </mc:Fallback>
+            </mc:AlternateContent>
+          </a:graphicData>
+        </a:graphic>
+      </p:graphicFrame>
+      <p:sp>
+        <p:nvSpPr>
+          <p:cNvPr id="92" name="Google Shape;298;p9">
+            <a:extLst>
+              <a:ext uri="{FF2B5EF4-FFF2-40B4-BE49-F238E27FC236}">
+                <a16:creationId xmlns:a16="http://schemas.microsoft.com/office/drawing/2014/main" id="{09570C18-97FF-45CF-8529-914AE5DF1FBA}"/>
+              </a:ext>
+            </a:extLst>
+          </p:cNvPr>
+          <p:cNvSpPr txBox="1"/>
+          <p:nvPr/>
+        </p:nvSpPr>
+        <p:spPr>
+          <a:xfrm>
+            <a:off x="8919409" y="5622525"/>
+            <a:ext cx="631426" cy="310717"/>
+          </a:xfrm>
+          <a:prstGeom prst="rect">
+            <a:avLst/>
+          </a:prstGeom>
+          <a:noFill/>
+          <a:ln>
+            <a:noFill/>
+          </a:ln>
+        </p:spPr>
+        <p:txBody>
+          <a:bodyPr spcFirstLastPara="1" wrap="square" lIns="94378" tIns="47176" rIns="94378" bIns="47176" anchor="t" anchorCtr="0">
+            <a:spAutoFit/>
+          </a:bodyPr>
+          <a:lstStyle/>
+          <a:p>
+            <a:pPr algn="ctr">
+              <a:buClr>
+                <a:srgbClr val="000000"/>
+              </a:buClr>
+              <a:buSzPts val="1200"/>
+            </a:pPr>
+            <a:r>
+              <a:rPr lang="pt-BR" sz="1400" b="1" dirty="0">
+                <a:solidFill>
+                  <a:srgbClr val="00B050"/>
+                </a:solidFill>
+                <a:latin typeface="Avenir"/>
+                <a:sym typeface="Avenir"/>
+              </a:rPr>
+              <a:t>HDZ</a:t>
+            </a:r>
+            <a:endParaRPr sz="1600" dirty="0">
+              <a:solidFill>
+                <a:srgbClr val="00B050"/>
+              </a:solidFill>
+              <a:latin typeface="Arial"/>
+              <a:ea typeface="Arial"/>
+              <a:cs typeface="Arial"/>
+              <a:sym typeface="Arial"/>
+            </a:endParaRPr>
+          </a:p>
+        </p:txBody>
+      </p:sp>
+      <p:graphicFrame>
+        <p:nvGraphicFramePr>
+          <p:cNvPr id="93" name="Objeto 92">
+            <a:extLst>
+              <a:ext uri="{FF2B5EF4-FFF2-40B4-BE49-F238E27FC236}">
+                <a16:creationId xmlns:a16="http://schemas.microsoft.com/office/drawing/2014/main" id="{7E657B1D-2A69-4E76-BB60-DF2E17B0D092}"/>
+              </a:ext>
+            </a:extLst>
+          </p:cNvPr>
+          <p:cNvGraphicFramePr>
+            <a:graphicFrameLocks noChangeAspect="1"/>
+          </p:cNvGraphicFramePr>
+          <p:nvPr>
+            <p:extLst>
+              <p:ext uri="{D42A27DB-BD31-4B8C-83A1-F6EECF244321}">
+                <p14:modId xmlns:p14="http://schemas.microsoft.com/office/powerpoint/2010/main" val="1887165197"/>
+              </p:ext>
+            </p:extLst>
+          </p:nvPr>
+        </p:nvGraphicFramePr>
+        <p:xfrm>
+          <a:off x="339489" y="6191250"/>
+          <a:ext cx="2349500" cy="1077912"/>
+        </p:xfrm>
+        <a:graphic>
+          <a:graphicData uri="http://schemas.openxmlformats.org/presentationml/2006/ole">
+            <mc:AlternateContent xmlns:mc="http://schemas.openxmlformats.org/markup-compatibility/2006">
+              <mc:Choice xmlns:v="urn:schemas-microsoft-com:vml" Requires="v">
+                <p:oleObj spid="_x0000_s2206" name="CS ChemDraw Drawing" r:id="rId37" imgW="2349586" imgH="1078675" progId="ChemDraw.Document.6.0">
+                  <p:embed/>
+                </p:oleObj>
+              </mc:Choice>
+              <mc:Fallback>
+                <p:oleObj name="CS ChemDraw Drawing" r:id="rId37" imgW="2349586" imgH="1078675" progId="ChemDraw.Document.6.0">
+                  <p:embed/>
+                  <p:pic>
+                    <p:nvPicPr>
+                      <p:cNvPr id="0" name=""/>
+                      <p:cNvPicPr/>
+                      <p:nvPr/>
+                    </p:nvPicPr>
+                    <p:blipFill>
+                      <a:blip r:embed="rId38"/>
+                      <a:stretch>
+                        <a:fillRect/>
+                      </a:stretch>
+                    </p:blipFill>
+                    <p:spPr>
+                      <a:xfrm>
+                        <a:off x="339489" y="6191250"/>
+                        <a:ext cx="2349500" cy="1077912"/>
+                      </a:xfrm>
+                      <a:prstGeom prst="rect">
+                        <a:avLst/>
+                      </a:prstGeom>
+                    </p:spPr>
+                  </p:pic>
+                </p:oleObj>
+              </mc:Fallback>
+            </mc:AlternateContent>
+          </a:graphicData>
+        </a:graphic>
+      </p:graphicFrame>
+      <p:graphicFrame>
+        <p:nvGraphicFramePr>
+          <p:cNvPr id="94" name="Objeto 93">
+            <a:extLst>
+              <a:ext uri="{FF2B5EF4-FFF2-40B4-BE49-F238E27FC236}">
+                <a16:creationId xmlns:a16="http://schemas.microsoft.com/office/drawing/2014/main" id="{B0224ECB-9E87-4E7A-987F-6F68C5AD9399}"/>
+              </a:ext>
+            </a:extLst>
+          </p:cNvPr>
+          <p:cNvGraphicFramePr>
+            <a:graphicFrameLocks noChangeAspect="1"/>
+          </p:cNvGraphicFramePr>
+          <p:nvPr>
+            <p:extLst>
+              <p:ext uri="{D42A27DB-BD31-4B8C-83A1-F6EECF244321}">
+                <p14:modId xmlns:p14="http://schemas.microsoft.com/office/powerpoint/2010/main" val="3009745544"/>
+              </p:ext>
+            </p:extLst>
+          </p:nvPr>
+        </p:nvGraphicFramePr>
+        <p:xfrm>
+          <a:off x="2938387" y="6093619"/>
+          <a:ext cx="1200150" cy="1273175"/>
+        </p:xfrm>
+        <a:graphic>
+          <a:graphicData uri="http://schemas.openxmlformats.org/presentationml/2006/ole">
+            <mc:AlternateContent xmlns:mc="http://schemas.openxmlformats.org/markup-compatibility/2006">
+              <mc:Choice xmlns:v="urn:schemas-microsoft-com:vml" Requires="v">
+                <p:oleObj spid="_x0000_s2207" name="CS ChemDraw Drawing" r:id="rId39" imgW="1200479" imgH="1273606" progId="ChemDraw.Document.6.0">
+                  <p:embed/>
+                </p:oleObj>
+              </mc:Choice>
+              <mc:Fallback>
+                <p:oleObj name="CS ChemDraw Drawing" r:id="rId39" imgW="1200479" imgH="1273606" progId="ChemDraw.Document.6.0">
+                  <p:embed/>
+                  <p:pic>
+                    <p:nvPicPr>
+                      <p:cNvPr id="0" name=""/>
+                      <p:cNvPicPr/>
+                      <p:nvPr/>
+                    </p:nvPicPr>
+                    <p:blipFill>
+                      <a:blip r:embed="rId40"/>
+                      <a:stretch>
+                        <a:fillRect/>
+                      </a:stretch>
+                    </p:blipFill>
+                    <p:spPr>
+                      <a:xfrm>
+                        <a:off x="2938387" y="6093619"/>
+                        <a:ext cx="1200150" cy="1273175"/>
+                      </a:xfrm>
+                      <a:prstGeom prst="rect">
+                        <a:avLst/>
+                      </a:prstGeom>
+                    </p:spPr>
+                  </p:pic>
+                </p:oleObj>
+              </mc:Fallback>
+            </mc:AlternateContent>
+          </a:graphicData>
+        </a:graphic>
+      </p:graphicFrame>
+      <p:graphicFrame>
+        <p:nvGraphicFramePr>
+          <p:cNvPr id="95" name="Objeto 94">
+            <a:extLst>
+              <a:ext uri="{FF2B5EF4-FFF2-40B4-BE49-F238E27FC236}">
+                <a16:creationId xmlns:a16="http://schemas.microsoft.com/office/drawing/2014/main" id="{68BE93DC-D0C8-4CBD-9146-D535C1F897FB}"/>
+              </a:ext>
+            </a:extLst>
+          </p:cNvPr>
+          <p:cNvGraphicFramePr>
+            <a:graphicFrameLocks noChangeAspect="1"/>
+          </p:cNvGraphicFramePr>
+          <p:nvPr>
+            <p:extLst>
+              <p:ext uri="{D42A27DB-BD31-4B8C-83A1-F6EECF244321}">
+                <p14:modId xmlns:p14="http://schemas.microsoft.com/office/powerpoint/2010/main" val="2339582725"/>
+              </p:ext>
+            </p:extLst>
+          </p:nvPr>
+        </p:nvGraphicFramePr>
+        <p:xfrm>
+          <a:off x="6907840" y="6016851"/>
+          <a:ext cx="4484687" cy="1419225"/>
+        </p:xfrm>
+        <a:graphic>
+          <a:graphicData uri="http://schemas.openxmlformats.org/presentationml/2006/ole">
+            <mc:AlternateContent xmlns:mc="http://schemas.openxmlformats.org/markup-compatibility/2006">
+              <mc:Choice xmlns:v="urn:schemas-microsoft-com:vml" Requires="v">
+                <p:oleObj spid="_x0000_s2208" name="CS ChemDraw Drawing" r:id="rId41" imgW="4484847" imgH="1418641" progId="ChemDraw.Document.6.0">
+                  <p:embed/>
+                </p:oleObj>
+              </mc:Choice>
+              <mc:Fallback>
+                <p:oleObj name="CS ChemDraw Drawing" r:id="rId41" imgW="4484847" imgH="1418641" progId="ChemDraw.Document.6.0">
+                  <p:embed/>
+                  <p:pic>
+                    <p:nvPicPr>
+                      <p:cNvPr id="0" name=""/>
+                      <p:cNvPicPr/>
+                      <p:nvPr/>
+                    </p:nvPicPr>
+                    <p:blipFill>
+                      <a:blip r:embed="rId42"/>
+                      <a:stretch>
+                        <a:fillRect/>
+                      </a:stretch>
+                    </p:blipFill>
+                    <p:spPr>
+                      <a:xfrm>
+                        <a:off x="6907840" y="6016851"/>
+                        <a:ext cx="4484687" cy="1419225"/>
+                      </a:xfrm>
+                      <a:prstGeom prst="rect">
+                        <a:avLst/>
+                      </a:prstGeom>
+                    </p:spPr>
+                  </p:pic>
+                </p:oleObj>
+              </mc:Fallback>
+            </mc:AlternateContent>
+          </a:graphicData>
+        </a:graphic>
+      </p:graphicFrame>
+      <p:sp>
+        <p:nvSpPr>
+          <p:cNvPr id="96" name="Google Shape;298;p9">
+            <a:extLst>
+              <a:ext uri="{FF2B5EF4-FFF2-40B4-BE49-F238E27FC236}">
+                <a16:creationId xmlns:a16="http://schemas.microsoft.com/office/drawing/2014/main" id="{3A5555F3-711D-4057-B2EA-71400D705058}"/>
+              </a:ext>
+            </a:extLst>
+          </p:cNvPr>
+          <p:cNvSpPr txBox="1"/>
+          <p:nvPr/>
+        </p:nvSpPr>
+        <p:spPr>
+          <a:xfrm>
+            <a:off x="8591203" y="7541799"/>
+            <a:ext cx="631426" cy="310717"/>
+          </a:xfrm>
+          <a:prstGeom prst="rect">
+            <a:avLst/>
+          </a:prstGeom>
+          <a:noFill/>
+          <a:ln>
+            <a:noFill/>
+          </a:ln>
+        </p:spPr>
+        <p:txBody>
+          <a:bodyPr spcFirstLastPara="1" wrap="square" lIns="94378" tIns="47176" rIns="94378" bIns="47176" anchor="t" anchorCtr="0">
+            <a:spAutoFit/>
+          </a:bodyPr>
+          <a:lstStyle/>
+          <a:p>
+            <a:pPr algn="ctr">
+              <a:buClr>
+                <a:srgbClr val="000000"/>
+              </a:buClr>
+              <a:buSzPts val="1200"/>
+            </a:pPr>
+            <a:r>
+              <a:rPr lang="pt-BR" sz="1400" b="1" dirty="0">
+                <a:solidFill>
+                  <a:srgbClr val="00B050"/>
+                </a:solidFill>
+                <a:latin typeface="Avenir"/>
+                <a:sym typeface="Avenir"/>
+              </a:rPr>
+              <a:t>PTCD</a:t>
+            </a:r>
+            <a:endParaRPr sz="1600" dirty="0">
+              <a:solidFill>
+                <a:srgbClr val="00B050"/>
+              </a:solidFill>
+              <a:latin typeface="Arial"/>
+              <a:ea typeface="Arial"/>
+              <a:cs typeface="Arial"/>
+              <a:sym typeface="Arial"/>
+            </a:endParaRPr>
+          </a:p>
+        </p:txBody>
+      </p:sp>
+      <p:graphicFrame>
+        <p:nvGraphicFramePr>
+          <p:cNvPr id="97" name="Objeto 96">
+            <a:extLst>
+              <a:ext uri="{FF2B5EF4-FFF2-40B4-BE49-F238E27FC236}">
+                <a16:creationId xmlns:a16="http://schemas.microsoft.com/office/drawing/2014/main" id="{54D23764-7B98-4F3F-83F0-485FF8E39013}"/>
+              </a:ext>
+            </a:extLst>
+          </p:cNvPr>
+          <p:cNvGraphicFramePr>
+            <a:graphicFrameLocks noChangeAspect="1"/>
+          </p:cNvGraphicFramePr>
+          <p:nvPr>
+            <p:extLst>
+              <p:ext uri="{D42A27DB-BD31-4B8C-83A1-F6EECF244321}">
+                <p14:modId xmlns:p14="http://schemas.microsoft.com/office/powerpoint/2010/main" val="78862650"/>
+              </p:ext>
+            </p:extLst>
+          </p:nvPr>
+        </p:nvGraphicFramePr>
+        <p:xfrm>
+          <a:off x="199856" y="7783397"/>
+          <a:ext cx="1419225" cy="1476375"/>
+        </p:xfrm>
+        <a:graphic>
+          <a:graphicData uri="http://schemas.openxmlformats.org/presentationml/2006/ole">
+            <mc:AlternateContent xmlns:mc="http://schemas.openxmlformats.org/markup-compatibility/2006">
+              <mc:Choice xmlns:v="urn:schemas-microsoft-com:vml" Requires="v">
+                <p:oleObj spid="_x0000_s2209" name="CS ChemDraw Drawing" r:id="rId43" imgW="1418594" imgH="1476148" progId="ChemDraw.Document.6.0">
+                  <p:embed/>
+                </p:oleObj>
+              </mc:Choice>
+              <mc:Fallback>
+                <p:oleObj name="CS ChemDraw Drawing" r:id="rId43" imgW="1418594" imgH="1476148" progId="ChemDraw.Document.6.0">
+                  <p:embed/>
+                  <p:pic>
+                    <p:nvPicPr>
+                      <p:cNvPr id="0" name=""/>
+                      <p:cNvPicPr/>
+                      <p:nvPr/>
+                    </p:nvPicPr>
+                    <p:blipFill>
+                      <a:blip r:embed="rId44"/>
+                      <a:stretch>
+                        <a:fillRect/>
+                      </a:stretch>
+                    </p:blipFill>
+                    <p:spPr>
+                      <a:xfrm>
+                        <a:off x="199856" y="7783397"/>
+                        <a:ext cx="1419225" cy="1476375"/>
+                      </a:xfrm>
+                      <a:prstGeom prst="rect">
+                        <a:avLst/>
+                      </a:prstGeom>
+                    </p:spPr>
+                  </p:pic>
+                </p:oleObj>
+              </mc:Fallback>
+            </mc:AlternateContent>
+          </a:graphicData>
+        </a:graphic>
+      </p:graphicFrame>
+      <p:graphicFrame>
+        <p:nvGraphicFramePr>
+          <p:cNvPr id="98" name="Objeto 97">
+            <a:extLst>
+              <a:ext uri="{FF2B5EF4-FFF2-40B4-BE49-F238E27FC236}">
+                <a16:creationId xmlns:a16="http://schemas.microsoft.com/office/drawing/2014/main" id="{3A3C11CC-2CDA-4D16-A256-C7FF898289EA}"/>
+              </a:ext>
+            </a:extLst>
+          </p:cNvPr>
+          <p:cNvGraphicFramePr>
+            <a:graphicFrameLocks noChangeAspect="1"/>
+          </p:cNvGraphicFramePr>
+          <p:nvPr>
+            <p:extLst>
+              <p:ext uri="{D42A27DB-BD31-4B8C-83A1-F6EECF244321}">
+                <p14:modId xmlns:p14="http://schemas.microsoft.com/office/powerpoint/2010/main" val="3281826840"/>
+              </p:ext>
+            </p:extLst>
+          </p:nvPr>
+        </p:nvGraphicFramePr>
+        <p:xfrm>
+          <a:off x="3853139" y="7769776"/>
+          <a:ext cx="4181475" cy="1446212"/>
+        </p:xfrm>
+        <a:graphic>
+          <a:graphicData uri="http://schemas.openxmlformats.org/presentationml/2006/ole">
+            <mc:AlternateContent xmlns:mc="http://schemas.openxmlformats.org/markup-compatibility/2006">
+              <mc:Choice xmlns:v="urn:schemas-microsoft-com:vml" Requires="v">
+                <p:oleObj spid="_x0000_s2210" name="CS ChemDraw Drawing" r:id="rId45" imgW="4181674" imgH="1446126" progId="ChemDraw.Document.6.0">
+                  <p:embed/>
+                </p:oleObj>
+              </mc:Choice>
+              <mc:Fallback>
+                <p:oleObj name="CS ChemDraw Drawing" r:id="rId45" imgW="4181674" imgH="1446126" progId="ChemDraw.Document.6.0">
+                  <p:embed/>
+                  <p:pic>
+                    <p:nvPicPr>
+                      <p:cNvPr id="0" name=""/>
+                      <p:cNvPicPr/>
+                      <p:nvPr/>
+                    </p:nvPicPr>
+                    <p:blipFill>
+                      <a:blip r:embed="rId46"/>
+                      <a:stretch>
+                        <a:fillRect/>
+                      </a:stretch>
+                    </p:blipFill>
+                    <p:spPr>
+                      <a:xfrm>
+                        <a:off x="3853139" y="7769776"/>
+                        <a:ext cx="4181475" cy="1446212"/>
+                      </a:xfrm>
+                      <a:prstGeom prst="rect">
+                        <a:avLst/>
+                      </a:prstGeom>
+                    </p:spPr>
+                  </p:pic>
+                </p:oleObj>
+              </mc:Fallback>
+            </mc:AlternateContent>
+          </a:graphicData>
+        </a:graphic>
+      </p:graphicFrame>
+      <p:sp>
+        <p:nvSpPr>
+          <p:cNvPr id="99" name="Google Shape;298;p9">
+            <a:extLst>
+              <a:ext uri="{FF2B5EF4-FFF2-40B4-BE49-F238E27FC236}">
+                <a16:creationId xmlns:a16="http://schemas.microsoft.com/office/drawing/2014/main" id="{80CA550C-D2C2-45DF-A59A-C8D3D709AA16}"/>
+              </a:ext>
+            </a:extLst>
+          </p:cNvPr>
+          <p:cNvSpPr txBox="1"/>
+          <p:nvPr/>
+        </p:nvSpPr>
+        <p:spPr>
+          <a:xfrm>
+            <a:off x="5740942" y="9403248"/>
+            <a:ext cx="631426" cy="310717"/>
+          </a:xfrm>
+          <a:prstGeom prst="rect">
+            <a:avLst/>
+          </a:prstGeom>
+          <a:noFill/>
+          <a:ln>
+            <a:noFill/>
+          </a:ln>
+        </p:spPr>
+        <p:txBody>
+          <a:bodyPr spcFirstLastPara="1" wrap="square" lIns="94378" tIns="47176" rIns="94378" bIns="47176" anchor="t" anchorCtr="0">
+            <a:spAutoFit/>
+          </a:bodyPr>
+          <a:lstStyle/>
+          <a:p>
+            <a:pPr algn="ctr">
+              <a:buClr>
+                <a:srgbClr val="000000"/>
+              </a:buClr>
+              <a:buSzPts val="1200"/>
+            </a:pPr>
+            <a:r>
+              <a:rPr lang="pt-BR" sz="1400" b="1" dirty="0">
+                <a:solidFill>
+                  <a:srgbClr val="00B050"/>
+                </a:solidFill>
+                <a:latin typeface="Avenir"/>
+                <a:sym typeface="Avenir"/>
+              </a:rPr>
+              <a:t>TIDA</a:t>
+            </a:r>
+            <a:endParaRPr sz="1600" dirty="0">
+              <a:solidFill>
+                <a:srgbClr val="00B050"/>
+              </a:solidFill>
+              <a:latin typeface="Arial"/>
+              <a:ea typeface="Arial"/>
+              <a:cs typeface="Arial"/>
+              <a:sym typeface="Arial"/>
+            </a:endParaRPr>
+          </a:p>
+        </p:txBody>
+      </p:sp>
+      <p:graphicFrame>
+        <p:nvGraphicFramePr>
+          <p:cNvPr id="100" name="Objeto 99">
+            <a:extLst>
+              <a:ext uri="{FF2B5EF4-FFF2-40B4-BE49-F238E27FC236}">
+                <a16:creationId xmlns:a16="http://schemas.microsoft.com/office/drawing/2014/main" id="{30D32F94-5238-4C2E-9FE9-A3528C813897}"/>
+              </a:ext>
+            </a:extLst>
+          </p:cNvPr>
+          <p:cNvGraphicFramePr>
+            <a:graphicFrameLocks noChangeAspect="1"/>
+          </p:cNvGraphicFramePr>
+          <p:nvPr>
+            <p:extLst>
+              <p:ext uri="{D42A27DB-BD31-4B8C-83A1-F6EECF244321}">
+                <p14:modId xmlns:p14="http://schemas.microsoft.com/office/powerpoint/2010/main" val="2868843937"/>
+              </p:ext>
+            </p:extLst>
+          </p:nvPr>
+        </p:nvGraphicFramePr>
+        <p:xfrm>
+          <a:off x="7664687" y="7947576"/>
+          <a:ext cx="1965325" cy="1090612"/>
+        </p:xfrm>
+        <a:graphic>
+          <a:graphicData uri="http://schemas.openxmlformats.org/presentationml/2006/ole">
+            <mc:AlternateContent xmlns:mc="http://schemas.openxmlformats.org/markup-compatibility/2006">
+              <mc:Choice xmlns:v="urn:schemas-microsoft-com:vml" Requires="v">
+                <p:oleObj spid="_x0000_s2211" name="CS ChemDraw Drawing" r:id="rId47" imgW="1965568" imgH="1090937" progId="ChemDraw.Document.6.0">
+                  <p:embed/>
+                </p:oleObj>
+              </mc:Choice>
+              <mc:Fallback>
+                <p:oleObj name="CS ChemDraw Drawing" r:id="rId47" imgW="1965568" imgH="1090937" progId="ChemDraw.Document.6.0">
+                  <p:embed/>
+                  <p:pic>
+                    <p:nvPicPr>
+                      <p:cNvPr id="0" name=""/>
+                      <p:cNvPicPr/>
+                      <p:nvPr/>
+                    </p:nvPicPr>
+                    <p:blipFill>
+                      <a:blip r:embed="rId48"/>
+                      <a:stretch>
+                        <a:fillRect/>
+                      </a:stretch>
+                    </p:blipFill>
+                    <p:spPr>
+                      <a:xfrm>
+                        <a:off x="7664687" y="7947576"/>
+                        <a:ext cx="1965325" cy="1090612"/>
+                      </a:xfrm>
+                      <a:prstGeom prst="rect">
+                        <a:avLst/>
+                      </a:prstGeom>
+                    </p:spPr>
+                  </p:pic>
+                </p:oleObj>
+              </mc:Fallback>
+            </mc:AlternateContent>
+          </a:graphicData>
+        </a:graphic>
+      </p:graphicFrame>
+      <p:graphicFrame>
+        <p:nvGraphicFramePr>
+          <p:cNvPr id="102" name="Objeto 101">
+            <a:extLst>
+              <a:ext uri="{FF2B5EF4-FFF2-40B4-BE49-F238E27FC236}">
+                <a16:creationId xmlns:a16="http://schemas.microsoft.com/office/drawing/2014/main" id="{C32F81BA-DE75-457A-9421-A89738E38F0B}"/>
+              </a:ext>
+            </a:extLst>
+          </p:cNvPr>
+          <p:cNvGraphicFramePr>
+            <a:graphicFrameLocks noChangeAspect="1"/>
+          </p:cNvGraphicFramePr>
+          <p:nvPr>
+            <p:extLst>
+              <p:ext uri="{D42A27DB-BD31-4B8C-83A1-F6EECF244321}">
+                <p14:modId xmlns:p14="http://schemas.microsoft.com/office/powerpoint/2010/main" val="2062092324"/>
+              </p:ext>
+            </p:extLst>
+          </p:nvPr>
+        </p:nvGraphicFramePr>
+        <p:xfrm>
+          <a:off x="1598030" y="7766601"/>
+          <a:ext cx="2095500" cy="1452562"/>
+        </p:xfrm>
+        <a:graphic>
+          <a:graphicData uri="http://schemas.openxmlformats.org/presentationml/2006/ole">
+            <mc:AlternateContent xmlns:mc="http://schemas.openxmlformats.org/markup-compatibility/2006">
+              <mc:Choice xmlns:v="urn:schemas-microsoft-com:vml" Requires="v">
+                <p:oleObj spid="_x0000_s2212" name="CS ChemDraw Drawing" r:id="rId49" imgW="2095258" imgH="1453315" progId="ChemDraw.Document.6.0">
+                  <p:embed/>
+                </p:oleObj>
+              </mc:Choice>
+              <mc:Fallback>
+                <p:oleObj name="CS ChemDraw Drawing" r:id="rId49" imgW="2095258" imgH="1453315" progId="ChemDraw.Document.6.0">
+                  <p:embed/>
+                  <p:pic>
+                    <p:nvPicPr>
+                      <p:cNvPr id="0" name=""/>
+                      <p:cNvPicPr/>
+                      <p:nvPr/>
+                    </p:nvPicPr>
+                    <p:blipFill>
+                      <a:blip r:embed="rId50"/>
+                      <a:stretch>
+                        <a:fillRect/>
+                      </a:stretch>
+                    </p:blipFill>
+                    <p:spPr>
+                      <a:xfrm>
+                        <a:off x="1598030" y="7766601"/>
+                        <a:ext cx="2095500" cy="1452562"/>
+                      </a:xfrm>
+                      <a:prstGeom prst="rect">
+                        <a:avLst/>
+                      </a:prstGeom>
+                    </p:spPr>
+                  </p:pic>
+                </p:oleObj>
+              </mc:Fallback>
+            </mc:AlternateContent>
+          </a:graphicData>
+        </a:graphic>
+      </p:graphicFrame>
+      <p:graphicFrame>
+        <p:nvGraphicFramePr>
+          <p:cNvPr id="103" name="Objeto 102">
+            <a:extLst>
+              <a:ext uri="{FF2B5EF4-FFF2-40B4-BE49-F238E27FC236}">
+                <a16:creationId xmlns:a16="http://schemas.microsoft.com/office/drawing/2014/main" id="{C2952B3D-F680-48B7-AEFA-F116CDD57195}"/>
+              </a:ext>
+            </a:extLst>
+          </p:cNvPr>
+          <p:cNvGraphicFramePr>
+            <a:graphicFrameLocks noChangeAspect="1"/>
+          </p:cNvGraphicFramePr>
+          <p:nvPr>
+            <p:extLst>
+              <p:ext uri="{D42A27DB-BD31-4B8C-83A1-F6EECF244321}">
+                <p14:modId xmlns:p14="http://schemas.microsoft.com/office/powerpoint/2010/main" val="2822514375"/>
+              </p:ext>
+            </p:extLst>
+          </p:nvPr>
+        </p:nvGraphicFramePr>
+        <p:xfrm>
+          <a:off x="9939989" y="7936555"/>
+          <a:ext cx="1546225" cy="1214438"/>
+        </p:xfrm>
+        <a:graphic>
+          <a:graphicData uri="http://schemas.openxmlformats.org/presentationml/2006/ole">
+            <mc:AlternateContent xmlns:mc="http://schemas.openxmlformats.org/markup-compatibility/2006">
+              <mc:Choice xmlns:v="urn:schemas-microsoft-com:vml" Requires="v">
+                <p:oleObj spid="_x0000_s2213" name="CS ChemDraw Drawing" r:id="rId51" imgW="1546600" imgH="1214408" progId="ChemDraw.Document.6.0">
+                  <p:embed/>
+                </p:oleObj>
+              </mc:Choice>
+              <mc:Fallback>
+                <p:oleObj name="CS ChemDraw Drawing" r:id="rId51" imgW="1546600" imgH="1214408" progId="ChemDraw.Document.6.0">
+                  <p:embed/>
+                  <p:pic>
+                    <p:nvPicPr>
+                      <p:cNvPr id="0" name=""/>
+                      <p:cNvPicPr/>
+                      <p:nvPr/>
+                    </p:nvPicPr>
+                    <p:blipFill>
+                      <a:blip r:embed="rId52"/>
+                      <a:stretch>
+                        <a:fillRect/>
+                      </a:stretch>
+                    </p:blipFill>
+                    <p:spPr>
+                      <a:xfrm>
+                        <a:off x="9939989" y="7936555"/>
+                        <a:ext cx="1546225" cy="1214438"/>
+                      </a:xfrm>
+                      <a:prstGeom prst="rect">
+                        <a:avLst/>
+                      </a:prstGeom>
+                    </p:spPr>
+                  </p:pic>
+                </p:oleObj>
+              </mc:Fallback>
+            </mc:AlternateContent>
+          </a:graphicData>
+        </a:graphic>
+      </p:graphicFrame>
+      <p:sp>
+        <p:nvSpPr>
+          <p:cNvPr id="104" name="Google Shape;298;p9">
+            <a:extLst>
+              <a:ext uri="{FF2B5EF4-FFF2-40B4-BE49-F238E27FC236}">
+                <a16:creationId xmlns:a16="http://schemas.microsoft.com/office/drawing/2014/main" id="{3A682804-DE1B-4804-8727-42494348EA79}"/>
+              </a:ext>
+            </a:extLst>
+          </p:cNvPr>
+          <p:cNvSpPr txBox="1"/>
+          <p:nvPr/>
+        </p:nvSpPr>
+        <p:spPr>
+          <a:xfrm>
+            <a:off x="5121152" y="7384960"/>
+            <a:ext cx="631426" cy="310717"/>
+          </a:xfrm>
+          <a:prstGeom prst="rect">
+            <a:avLst/>
+          </a:prstGeom>
+          <a:noFill/>
+          <a:ln>
+            <a:noFill/>
+          </a:ln>
+        </p:spPr>
+        <p:txBody>
+          <a:bodyPr spcFirstLastPara="1" wrap="square" lIns="94378" tIns="47176" rIns="94378" bIns="47176" anchor="t" anchorCtr="0">
+            <a:spAutoFit/>
+          </a:bodyPr>
+          <a:lstStyle/>
+          <a:p>
+            <a:pPr algn="ctr">
+              <a:buClr>
+                <a:srgbClr val="000000"/>
+              </a:buClr>
+              <a:buSzPts val="1200"/>
+            </a:pPr>
+            <a:r>
+              <a:rPr lang="pt-BR" sz="1400" b="1" dirty="0">
+                <a:solidFill>
+                  <a:srgbClr val="00B050"/>
+                </a:solidFill>
+                <a:latin typeface="Avenir"/>
+                <a:sym typeface="Avenir"/>
+              </a:rPr>
+              <a:t>NDTP</a:t>
+            </a:r>
+            <a:endParaRPr sz="1600" dirty="0">
+              <a:solidFill>
+                <a:srgbClr val="00B050"/>
+              </a:solidFill>
+              <a:latin typeface="Arial"/>
+              <a:ea typeface="Arial"/>
+              <a:cs typeface="Arial"/>
+              <a:sym typeface="Arial"/>
+            </a:endParaRPr>
+          </a:p>
+        </p:txBody>
+      </p:sp>
+      <p:graphicFrame>
+        <p:nvGraphicFramePr>
+          <p:cNvPr id="105" name="Objeto 104">
+            <a:extLst>
+              <a:ext uri="{FF2B5EF4-FFF2-40B4-BE49-F238E27FC236}">
+                <a16:creationId xmlns:a16="http://schemas.microsoft.com/office/drawing/2014/main" id="{1CE0DC8F-4B5D-46A2-95DF-A8E8B43DCD14}"/>
+              </a:ext>
+            </a:extLst>
+          </p:cNvPr>
+          <p:cNvGraphicFramePr>
+            <a:graphicFrameLocks noChangeAspect="1"/>
+          </p:cNvGraphicFramePr>
+          <p:nvPr>
+            <p:extLst>
+              <p:ext uri="{D42A27DB-BD31-4B8C-83A1-F6EECF244321}">
+                <p14:modId xmlns:p14="http://schemas.microsoft.com/office/powerpoint/2010/main" val="3563423907"/>
+              </p:ext>
+            </p:extLst>
+          </p:nvPr>
+        </p:nvGraphicFramePr>
+        <p:xfrm>
+          <a:off x="4524651" y="6161413"/>
+          <a:ext cx="1997075" cy="1192212"/>
+        </p:xfrm>
+        <a:graphic>
+          <a:graphicData uri="http://schemas.openxmlformats.org/presentationml/2006/ole">
+            <mc:AlternateContent xmlns:mc="http://schemas.openxmlformats.org/markup-compatibility/2006">
+              <mc:Choice xmlns:v="urn:schemas-microsoft-com:vml" Requires="v">
+                <p:oleObj spid="_x0000_s2214" name="CS ChemDraw Drawing" r:id="rId53" imgW="1996306" imgH="1191574" progId="ChemDraw.Document.6.0">
+                  <p:embed/>
+                </p:oleObj>
+              </mc:Choice>
+              <mc:Fallback>
+                <p:oleObj name="CS ChemDraw Drawing" r:id="rId53" imgW="1996306" imgH="1191574" progId="ChemDraw.Document.6.0">
+                  <p:embed/>
+                  <p:pic>
+                    <p:nvPicPr>
+                      <p:cNvPr id="0" name=""/>
+                      <p:cNvPicPr/>
+                      <p:nvPr/>
+                    </p:nvPicPr>
+                    <p:blipFill>
+                      <a:blip r:embed="rId54"/>
+                      <a:stretch>
+                        <a:fillRect/>
+                      </a:stretch>
+                    </p:blipFill>
+                    <p:spPr>
+                      <a:xfrm>
+                        <a:off x="4524651" y="6161413"/>
+                        <a:ext cx="1997075" cy="1192212"/>
+                      </a:xfrm>
+                      <a:prstGeom prst="rect">
+                        <a:avLst/>
+                      </a:prstGeom>
+                    </p:spPr>
+                  </p:pic>
+                </p:oleObj>
+              </mc:Fallback>
+            </mc:AlternateContent>
+          </a:graphicData>
+        </a:graphic>
+      </p:graphicFrame>
+    </p:spTree>
+    <p:extLst>
+      <p:ext uri="{BB962C8B-B14F-4D97-AF65-F5344CB8AC3E}">
+        <p14:creationId xmlns:p14="http://schemas.microsoft.com/office/powerpoint/2010/main" val="1480784656"/>
+      </p:ext>
+    </p:extLst>
+  </p:cSld>
+  <p:clrMapOvr>
+    <a:masterClrMapping/>
+  </p:clrMapOvr>
+</p:sld>
+</file>
+
+<file path=ppt/slides/slide4.xml><?xml version="1.0" encoding="utf-8"?>
+<p:sld xmlns:a="http://schemas.openxmlformats.org/drawingml/2006/main" xmlns:r="http://schemas.openxmlformats.org/officeDocument/2006/relationships" xmlns:p="http://schemas.openxmlformats.org/presentationml/2006/main">
+  <p:cSld>
+    <p:spTree>
+      <p:nvGrpSpPr>
+        <p:cNvPr id="1" name=""/>
+        <p:cNvGrpSpPr/>
+        <p:nvPr/>
+      </p:nvGrpSpPr>
+      <p:grpSpPr>
+        <a:xfrm>
+          <a:off x="0" y="0"/>
+          <a:ext cx="0" cy="0"/>
+          <a:chOff x="0" y="0"/>
+          <a:chExt cx="0" cy="0"/>
+        </a:xfrm>
+      </p:grpSpPr>
+      <p:sp>
+        <p:nvSpPr>
+          <p:cNvPr id="5" name="Retângulo: Cantos Arredondados 4">
+            <a:extLst>
+              <a:ext uri="{FF2B5EF4-FFF2-40B4-BE49-F238E27FC236}">
+                <a16:creationId xmlns:a16="http://schemas.microsoft.com/office/drawing/2014/main" id="{90E86114-E759-48F3-9652-76E5F3AA3658}"/>
+              </a:ext>
+            </a:extLst>
+          </p:cNvPr>
+          <p:cNvSpPr/>
+          <p:nvPr/>
+        </p:nvSpPr>
+        <p:spPr>
+          <a:xfrm>
+            <a:off x="87031" y="51597"/>
+            <a:ext cx="11346423" cy="10982129"/>
+          </a:xfrm>
+          <a:prstGeom prst="roundRect">
+            <a:avLst>
+              <a:gd name="adj" fmla="val 1159"/>
+            </a:avLst>
+          </a:prstGeom>
+          <a:solidFill>
+            <a:schemeClr val="bg1">
+              <a:lumMod val="95000"/>
+            </a:schemeClr>
+          </a:solidFill>
+          <a:ln w="28575">
+            <a:solidFill>
+              <a:schemeClr val="tx1">
+                <a:lumMod val="75000"/>
+                <a:lumOff val="25000"/>
+              </a:schemeClr>
+            </a:solidFill>
+          </a:ln>
+        </p:spPr>
+        <p:style>
+          <a:lnRef idx="2">
+            <a:schemeClr val="accent1">
+              <a:shade val="50000"/>
+            </a:schemeClr>
+          </a:lnRef>
+          <a:fillRef idx="1">
+            <a:schemeClr val="accent1"/>
+          </a:fillRef>
+          <a:effectRef idx="0">
+            <a:schemeClr val="accent1"/>
+          </a:effectRef>
+          <a:fontRef idx="minor">
+            <a:schemeClr val="lt1"/>
+          </a:fontRef>
+        </p:style>
+        <p:txBody>
+          <a:bodyPr rtlCol="0" anchor="ctr"/>
+          <a:lstStyle/>
+          <a:p>
+            <a:pPr algn="ctr"/>
+            <a:endParaRPr lang="pt-BR" sz="1893"/>
+          </a:p>
+        </p:txBody>
+      </p:sp>
+      <p:sp>
+        <p:nvSpPr>
+          <p:cNvPr id="7" name="CaixaDeTexto 6">
+            <a:extLst>
+              <a:ext uri="{FF2B5EF4-FFF2-40B4-BE49-F238E27FC236}">
+                <a16:creationId xmlns:a16="http://schemas.microsoft.com/office/drawing/2014/main" id="{873057E6-C705-49AB-B737-335D3A936A56}"/>
+              </a:ext>
+            </a:extLst>
+          </p:cNvPr>
+          <p:cNvSpPr txBox="1"/>
+          <p:nvPr/>
+        </p:nvSpPr>
+        <p:spPr>
+          <a:xfrm>
+            <a:off x="199856" y="126399"/>
             <a:ext cx="3410357" cy="383631"/>
           </a:xfrm>
           <a:prstGeom prst="rect">
@@ -11435,7 +13852,7 @@
           <a:graphicData uri="http://schemas.openxmlformats.org/presentationml/2006/ole">
             <mc:AlternateContent xmlns:mc="http://schemas.openxmlformats.org/markup-compatibility/2006">
               <mc:Choice xmlns:v="urn:schemas-microsoft-com:vml" Requires="v">
-                <p:oleObj spid="_x0000_s3074" name="CS ChemDraw Drawing" r:id="rId3" imgW="883411" imgH="1194111" progId="ChemDraw.Document.6.0">
+                <p:oleObj spid="_x0000_s3110" name="CS ChemDraw Drawing" r:id="rId3" imgW="883411" imgH="1194111" progId="ChemDraw.Document.6.0">
                   <p:embed/>
                 </p:oleObj>
               </mc:Choice>
@@ -11498,7 +13915,7 @@
           <a:graphicData uri="http://schemas.openxmlformats.org/presentationml/2006/ole">
             <mc:AlternateContent xmlns:mc="http://schemas.openxmlformats.org/markup-compatibility/2006">
               <mc:Choice xmlns:v="urn:schemas-microsoft-com:vml" Requires="v">
-                <p:oleObj spid="_x0000_s3075" name="CS ChemDraw Drawing" r:id="rId5" imgW="1846825" imgH="1604270" progId="ChemDraw.Document.6.0">
+                <p:oleObj spid="_x0000_s3111" name="CS ChemDraw Drawing" r:id="rId5" imgW="1846825" imgH="1604270" progId="ChemDraw.Document.6.0">
                   <p:embed/>
                 </p:oleObj>
               </mc:Choice>
@@ -11620,7 +14037,7 @@
           <a:graphicData uri="http://schemas.openxmlformats.org/presentationml/2006/ole">
             <mc:AlternateContent xmlns:mc="http://schemas.openxmlformats.org/markup-compatibility/2006">
               <mc:Choice xmlns:v="urn:schemas-microsoft-com:vml" Requires="v">
-                <p:oleObj spid="_x0000_s3076" name="CS ChemDraw Drawing" r:id="rId7" imgW="2212317" imgH="1920134" progId="ChemDraw.Document.6.0">
+                <p:oleObj spid="_x0000_s3112" name="CS ChemDraw Drawing" r:id="rId7" imgW="2212317" imgH="1920134" progId="ChemDraw.Document.6.0">
                   <p:embed/>
                 </p:oleObj>
               </mc:Choice>
@@ -11742,7 +14159,7 @@
           <a:graphicData uri="http://schemas.openxmlformats.org/presentationml/2006/ole">
             <mc:AlternateContent xmlns:mc="http://schemas.openxmlformats.org/markup-compatibility/2006">
               <mc:Choice xmlns:v="urn:schemas-microsoft-com:vml" Requires="v">
-                <p:oleObj spid="_x0000_s3077" name="CS ChemDraw Drawing" r:id="rId9" imgW="2931930" imgH="2215702" progId="ChemDraw.Document.6.0">
+                <p:oleObj spid="_x0000_s3113" name="CS ChemDraw Drawing" r:id="rId9" imgW="2931930" imgH="2215702" progId="ChemDraw.Document.6.0">
                   <p:embed/>
                 </p:oleObj>
               </mc:Choice>
@@ -11864,7 +14281,7 @@
           <a:graphicData uri="http://schemas.openxmlformats.org/presentationml/2006/ole">
             <mc:AlternateContent xmlns:mc="http://schemas.openxmlformats.org/markup-compatibility/2006">
               <mc:Choice xmlns:v="urn:schemas-microsoft-com:vml" Requires="v">
-                <p:oleObj spid="_x0000_s3078" name="CS ChemDraw Drawing" r:id="rId11" imgW="3273420" imgH="2233884" progId="ChemDraw.Document.6.0">
+                <p:oleObj spid="_x0000_s3114" name="CS ChemDraw Drawing" r:id="rId11" imgW="3273420" imgH="2233884" progId="ChemDraw.Document.6.0">
                   <p:embed/>
                 </p:oleObj>
               </mc:Choice>
@@ -11986,7 +14403,7 @@
           <a:graphicData uri="http://schemas.openxmlformats.org/presentationml/2006/ole">
             <mc:AlternateContent xmlns:mc="http://schemas.openxmlformats.org/markup-compatibility/2006">
               <mc:Choice xmlns:v="urn:schemas-microsoft-com:vml" Requires="v">
-                <p:oleObj spid="_x0000_s3079" name="CS ChemDraw Drawing" r:id="rId13" imgW="2427064" imgH="2221622" progId="ChemDraw.Document.6.0">
+                <p:oleObj spid="_x0000_s3115" name="CS ChemDraw Drawing" r:id="rId13" imgW="2427064" imgH="2221622" progId="ChemDraw.Document.6.0">
                   <p:embed/>
                 </p:oleObj>
               </mc:Choice>
@@ -12108,7 +14525,7 @@
           <a:graphicData uri="http://schemas.openxmlformats.org/presentationml/2006/ole">
             <mc:AlternateContent xmlns:mc="http://schemas.openxmlformats.org/markup-compatibility/2006">
               <mc:Choice xmlns:v="urn:schemas-microsoft-com:vml" Requires="v">
-                <p:oleObj spid="_x0000_s3080" name="CS ChemDraw Drawing" r:id="rId15" imgW="1835877" imgH="2299425" progId="ChemDraw.Document.6.0">
+                <p:oleObj spid="_x0000_s3116" name="CS ChemDraw Drawing" r:id="rId15" imgW="1835877" imgH="2299425" progId="ChemDraw.Document.6.0">
                   <p:embed/>
                 </p:oleObj>
               </mc:Choice>
@@ -12230,7 +14647,7 @@
           <a:graphicData uri="http://schemas.openxmlformats.org/presentationml/2006/ole">
             <mc:AlternateContent xmlns:mc="http://schemas.openxmlformats.org/markup-compatibility/2006">
               <mc:Choice xmlns:v="urn:schemas-microsoft-com:vml" Requires="v">
-                <p:oleObj spid="_x0000_s3081" name="CS ChemDraw Drawing" r:id="rId17" imgW="1514599" imgH="1897301" progId="ChemDraw.Document.6.0">
+                <p:oleObj spid="_x0000_s3117" name="CS ChemDraw Drawing" r:id="rId17" imgW="1514599" imgH="1897301" progId="ChemDraw.Document.6.0">
                   <p:embed/>
                 </p:oleObj>
               </mc:Choice>
@@ -12293,7 +14710,7 @@
           <a:graphicData uri="http://schemas.openxmlformats.org/presentationml/2006/ole">
             <mc:AlternateContent xmlns:mc="http://schemas.openxmlformats.org/markup-compatibility/2006">
               <mc:Choice xmlns:v="urn:schemas-microsoft-com:vml" Requires="v">
-                <p:oleObj spid="_x0000_s3082" name="CS ChemDraw Drawing" r:id="rId19" imgW="1238796" imgH="1814846" progId="ChemDraw.Document.6.0">
+                <p:oleObj spid="_x0000_s3118" name="CS ChemDraw Drawing" r:id="rId19" imgW="1238796" imgH="1814846" progId="ChemDraw.Document.6.0">
                   <p:embed/>
                 </p:oleObj>
               </mc:Choice>
@@ -12356,7 +14773,7 @@
           <a:graphicData uri="http://schemas.openxmlformats.org/presentationml/2006/ole">
             <mc:AlternateContent xmlns:mc="http://schemas.openxmlformats.org/markup-compatibility/2006">
               <mc:Choice xmlns:v="urn:schemas-microsoft-com:vml" Requires="v">
-                <p:oleObj spid="_x0000_s3083" name="CS ChemDraw Drawing" r:id="rId21" imgW="2073784" imgH="2541715" progId="ChemDraw.Document.6.0">
+                <p:oleObj spid="_x0000_s3119" name="CS ChemDraw Drawing" r:id="rId21" imgW="2073784" imgH="2541715" progId="ChemDraw.Document.6.0">
                   <p:embed/>
                 </p:oleObj>
               </mc:Choice>
@@ -12419,7 +14836,7 @@
           <a:graphicData uri="http://schemas.openxmlformats.org/presentationml/2006/ole">
             <mc:AlternateContent xmlns:mc="http://schemas.openxmlformats.org/markup-compatibility/2006">
               <mc:Choice xmlns:v="urn:schemas-microsoft-com:vml" Requires="v">
-                <p:oleObj spid="_x0000_s3084" name="CS ChemDraw Drawing" r:id="rId23" imgW="1829982" imgH="2394142" progId="ChemDraw.Document.6.0">
+                <p:oleObj spid="_x0000_s3120" name="CS ChemDraw Drawing" r:id="rId23" imgW="1829982" imgH="2394142" progId="ChemDraw.Document.6.0">
                   <p:embed/>
                 </p:oleObj>
               </mc:Choice>
@@ -12482,7 +14899,7 @@
           <a:graphicData uri="http://schemas.openxmlformats.org/presentationml/2006/ole">
             <mc:AlternateContent xmlns:mc="http://schemas.openxmlformats.org/markup-compatibility/2006">
               <mc:Choice xmlns:v="urn:schemas-microsoft-com:vml" Requires="v">
-                <p:oleObj spid="_x0000_s3085" name="CS ChemDraw Drawing" r:id="rId25" imgW="1840509" imgH="2366657" progId="ChemDraw.Document.6.0">
+                <p:oleObj spid="_x0000_s3121" name="CS ChemDraw Drawing" r:id="rId25" imgW="1840509" imgH="2366657" progId="ChemDraw.Document.6.0">
                   <p:embed/>
                 </p:oleObj>
               </mc:Choice>

--- a/docs/Blocos_de_constru.pptx
+++ b/docs/Blocos_de_constru.pptx
@@ -9,6 +9,7 @@
     <p:sldId id="259" r:id="rId3"/>
     <p:sldId id="257" r:id="rId4"/>
     <p:sldId id="258" r:id="rId5"/>
+    <p:sldId id="260" r:id="rId6"/>
   </p:sldIdLst>
   <p:sldSz cx="11520488" cy="11160125"/>
   <p:notesSz cx="6858000" cy="9144000"/>
@@ -246,7 +247,7 @@
           <a:p>
             <a:fld id="{DBC44DCA-8DCD-44D5-A529-810413827672}" type="datetimeFigureOut">
               <a:rPr lang="pt-BR" smtClean="0"/>
-              <a:t>29/03/2022</a:t>
+              <a:t>23/01/2023</a:t>
             </a:fld>
             <a:endParaRPr lang="pt-BR"/>
           </a:p>
@@ -416,7 +417,7 @@
           <a:p>
             <a:fld id="{DBC44DCA-8DCD-44D5-A529-810413827672}" type="datetimeFigureOut">
               <a:rPr lang="pt-BR" smtClean="0"/>
-              <a:t>29/03/2022</a:t>
+              <a:t>23/01/2023</a:t>
             </a:fld>
             <a:endParaRPr lang="pt-BR"/>
           </a:p>
@@ -596,7 +597,7 @@
           <a:p>
             <a:fld id="{DBC44DCA-8DCD-44D5-A529-810413827672}" type="datetimeFigureOut">
               <a:rPr lang="pt-BR" smtClean="0"/>
-              <a:t>29/03/2022</a:t>
+              <a:t>23/01/2023</a:t>
             </a:fld>
             <a:endParaRPr lang="pt-BR"/>
           </a:p>
@@ -766,7 +767,7 @@
           <a:p>
             <a:fld id="{DBC44DCA-8DCD-44D5-A529-810413827672}" type="datetimeFigureOut">
               <a:rPr lang="pt-BR" smtClean="0"/>
-              <a:t>29/03/2022</a:t>
+              <a:t>23/01/2023</a:t>
             </a:fld>
             <a:endParaRPr lang="pt-BR"/>
           </a:p>
@@ -1010,7 +1011,7 @@
           <a:p>
             <a:fld id="{DBC44DCA-8DCD-44D5-A529-810413827672}" type="datetimeFigureOut">
               <a:rPr lang="pt-BR" smtClean="0"/>
-              <a:t>29/03/2022</a:t>
+              <a:t>23/01/2023</a:t>
             </a:fld>
             <a:endParaRPr lang="pt-BR"/>
           </a:p>
@@ -1242,7 +1243,7 @@
           <a:p>
             <a:fld id="{DBC44DCA-8DCD-44D5-A529-810413827672}" type="datetimeFigureOut">
               <a:rPr lang="pt-BR" smtClean="0"/>
-              <a:t>29/03/2022</a:t>
+              <a:t>23/01/2023</a:t>
             </a:fld>
             <a:endParaRPr lang="pt-BR"/>
           </a:p>
@@ -1609,7 +1610,7 @@
           <a:p>
             <a:fld id="{DBC44DCA-8DCD-44D5-A529-810413827672}" type="datetimeFigureOut">
               <a:rPr lang="pt-BR" smtClean="0"/>
-              <a:t>29/03/2022</a:t>
+              <a:t>23/01/2023</a:t>
             </a:fld>
             <a:endParaRPr lang="pt-BR"/>
           </a:p>
@@ -1727,7 +1728,7 @@
           <a:p>
             <a:fld id="{DBC44DCA-8DCD-44D5-A529-810413827672}" type="datetimeFigureOut">
               <a:rPr lang="pt-BR" smtClean="0"/>
-              <a:t>29/03/2022</a:t>
+              <a:t>23/01/2023</a:t>
             </a:fld>
             <a:endParaRPr lang="pt-BR"/>
           </a:p>
@@ -1822,7 +1823,7 @@
           <a:p>
             <a:fld id="{DBC44DCA-8DCD-44D5-A529-810413827672}" type="datetimeFigureOut">
               <a:rPr lang="pt-BR" smtClean="0"/>
-              <a:t>29/03/2022</a:t>
+              <a:t>23/01/2023</a:t>
             </a:fld>
             <a:endParaRPr lang="pt-BR"/>
           </a:p>
@@ -2099,7 +2100,7 @@
           <a:p>
             <a:fld id="{DBC44DCA-8DCD-44D5-A529-810413827672}" type="datetimeFigureOut">
               <a:rPr lang="pt-BR" smtClean="0"/>
-              <a:t>29/03/2022</a:t>
+              <a:t>23/01/2023</a:t>
             </a:fld>
             <a:endParaRPr lang="pt-BR"/>
           </a:p>
@@ -2356,7 +2357,7 @@
           <a:p>
             <a:fld id="{DBC44DCA-8DCD-44D5-A529-810413827672}" type="datetimeFigureOut">
               <a:rPr lang="pt-BR" smtClean="0"/>
-              <a:t>29/03/2022</a:t>
+              <a:t>23/01/2023</a:t>
             </a:fld>
             <a:endParaRPr lang="pt-BR"/>
           </a:p>
@@ -2569,7 +2570,7 @@
           <a:p>
             <a:fld id="{DBC44DCA-8DCD-44D5-A529-810413827672}" type="datetimeFigureOut">
               <a:rPr lang="pt-BR" smtClean="0"/>
-              <a:t>29/03/2022</a:t>
+              <a:t>23/01/2023</a:t>
             </a:fld>
             <a:endParaRPr lang="pt-BR"/>
           </a:p>
@@ -3083,12 +3084,12 @@
             <a:graphicData uri="http://schemas.openxmlformats.org/presentationml/2006/ole">
               <mc:AlternateContent xmlns:mc="http://schemas.openxmlformats.org/markup-compatibility/2006">
                 <mc:Choice xmlns:v="urn:schemas-microsoft-com:vml" Requires="v">
-                  <p:oleObj spid="_x0000_s1086" name="CS ChemDraw Drawing" r:id="rId3" imgW="12860827" imgH="4477072" progId="ChemDraw.Document.6.0">
+                  <p:oleObj name="CS ChemDraw Drawing" r:id="rId2" imgW="12860827" imgH="4477072" progId="ChemDraw.Document.6.0">
                     <p:embed/>
                   </p:oleObj>
                 </mc:Choice>
                 <mc:Fallback>
-                  <p:oleObj name="CS ChemDraw Drawing" r:id="rId3" imgW="12860827" imgH="4477072" progId="ChemDraw.Document.6.0">
+                  <p:oleObj name="CS ChemDraw Drawing" r:id="rId2" imgW="12860827" imgH="4477072" progId="ChemDraw.Document.6.0">
                     <p:embed/>
                     <p:pic>
                       <p:nvPicPr>
@@ -3103,7 +3104,7 @@
                         <p:nvPr/>
                       </p:nvPicPr>
                       <p:blipFill>
-                        <a:blip r:embed="rId4"/>
+                        <a:blip r:embed="rId3"/>
                         <a:stretch>
                           <a:fillRect/>
                         </a:stretch>
@@ -4622,12 +4623,12 @@
             <a:graphicData uri="http://schemas.openxmlformats.org/presentationml/2006/ole">
               <mc:AlternateContent xmlns:mc="http://schemas.openxmlformats.org/markup-compatibility/2006">
                 <mc:Choice xmlns:v="urn:schemas-microsoft-com:vml" Requires="v">
-                  <p:oleObj spid="_x0000_s1087" name="CS ChemDraw Drawing" r:id="rId5" imgW="6109345" imgH="7438248" progId="ChemDraw.Document.6.0">
+                  <p:oleObj name="CS ChemDraw Drawing" r:id="rId4" imgW="6109345" imgH="7438248" progId="ChemDraw.Document.6.0">
                     <p:embed/>
                   </p:oleObj>
                 </mc:Choice>
                 <mc:Fallback>
-                  <p:oleObj name="CS ChemDraw Drawing" r:id="rId5" imgW="6109345" imgH="7438248" progId="ChemDraw.Document.6.0">
+                  <p:oleObj name="CS ChemDraw Drawing" r:id="rId4" imgW="6109345" imgH="7438248" progId="ChemDraw.Document.6.0">
                     <p:embed/>
                     <p:pic>
                       <p:nvPicPr>
@@ -4642,7 +4643,7 @@
                         <p:nvPr/>
                       </p:nvPicPr>
                       <p:blipFill>
-                        <a:blip r:embed="rId6"/>
+                        <a:blip r:embed="rId5"/>
                         <a:stretch>
                           <a:fillRect/>
                         </a:stretch>
@@ -5363,12 +5364,12 @@
             <a:graphicData uri="http://schemas.openxmlformats.org/presentationml/2006/ole">
               <mc:AlternateContent xmlns:mc="http://schemas.openxmlformats.org/markup-compatibility/2006">
                 <mc:Choice xmlns:v="urn:schemas-microsoft-com:vml" Requires="v">
-                  <p:oleObj spid="_x0000_s1088" name="CS ChemDraw Drawing" r:id="rId7" imgW="4958553" imgH="6260204" progId="ChemDraw.Document.6.0">
+                  <p:oleObj name="CS ChemDraw Drawing" r:id="rId6" imgW="4958553" imgH="6260204" progId="ChemDraw.Document.6.0">
                     <p:embed/>
                   </p:oleObj>
                 </mc:Choice>
                 <mc:Fallback>
-                  <p:oleObj name="CS ChemDraw Drawing" r:id="rId7" imgW="4958553" imgH="6260204" progId="ChemDraw.Document.6.0">
+                  <p:oleObj name="CS ChemDraw Drawing" r:id="rId6" imgW="4958553" imgH="6260204" progId="ChemDraw.Document.6.0">
                     <p:embed/>
                     <p:pic>
                       <p:nvPicPr>
@@ -5383,7 +5384,7 @@
                         <p:nvPr/>
                       </p:nvPicPr>
                       <p:blipFill>
-                        <a:blip r:embed="rId8"/>
+                        <a:blip r:embed="rId7"/>
                         <a:stretch>
                           <a:fillRect/>
                         </a:stretch>
@@ -6094,12 +6095,12 @@
             <a:graphicData uri="http://schemas.openxmlformats.org/presentationml/2006/ole">
               <mc:AlternateContent xmlns:mc="http://schemas.openxmlformats.org/markup-compatibility/2006">
                 <mc:Choice xmlns:v="urn:schemas-microsoft-com:vml" Requires="v">
-                  <p:oleObj spid="_x0000_s1089" name="CS ChemDraw Drawing" r:id="rId9" imgW="415599" imgH="176326" progId="ChemDraw.Document.6.0">
+                  <p:oleObj name="CS ChemDraw Drawing" r:id="rId8" imgW="415599" imgH="176326" progId="ChemDraw.Document.6.0">
                     <p:embed/>
                   </p:oleObj>
                 </mc:Choice>
                 <mc:Fallback>
-                  <p:oleObj name="CS ChemDraw Drawing" r:id="rId9" imgW="415599" imgH="176326" progId="ChemDraw.Document.6.0">
+                  <p:oleObj name="CS ChemDraw Drawing" r:id="rId8" imgW="415599" imgH="176326" progId="ChemDraw.Document.6.0">
                     <p:embed/>
                     <p:pic>
                       <p:nvPicPr>
@@ -6114,7 +6115,7 @@
                         <p:nvPr/>
                       </p:nvPicPr>
                       <p:blipFill>
-                        <a:blip r:embed="rId10"/>
+                        <a:blip r:embed="rId9"/>
                         <a:stretch>
                           <a:fillRect/>
                         </a:stretch>
@@ -6163,12 +6164,12 @@
             <a:graphicData uri="http://schemas.openxmlformats.org/presentationml/2006/ole">
               <mc:AlternateContent xmlns:mc="http://schemas.openxmlformats.org/markup-compatibility/2006">
                 <mc:Choice xmlns:v="urn:schemas-microsoft-com:vml" Requires="v">
-                  <p:oleObj spid="_x0000_s1090" name="CS ChemDraw Drawing" r:id="rId11" imgW="367175" imgH="467665" progId="ChemDraw.Document.6.0">
+                  <p:oleObj name="CS ChemDraw Drawing" r:id="rId10" imgW="367175" imgH="467665" progId="ChemDraw.Document.6.0">
                     <p:embed/>
                   </p:oleObj>
                 </mc:Choice>
                 <mc:Fallback>
-                  <p:oleObj name="CS ChemDraw Drawing" r:id="rId11" imgW="367175" imgH="467665" progId="ChemDraw.Document.6.0">
+                  <p:oleObj name="CS ChemDraw Drawing" r:id="rId10" imgW="367175" imgH="467665" progId="ChemDraw.Document.6.0">
                     <p:embed/>
                     <p:pic>
                       <p:nvPicPr>
@@ -6183,7 +6184,7 @@
                         <p:nvPr/>
                       </p:nvPicPr>
                       <p:blipFill>
-                        <a:blip r:embed="rId12"/>
+                        <a:blip r:embed="rId11"/>
                         <a:stretch>
                           <a:fillRect/>
                         </a:stretch>
@@ -6232,12 +6233,12 @@
             <a:graphicData uri="http://schemas.openxmlformats.org/presentationml/2006/ole">
               <mc:AlternateContent xmlns:mc="http://schemas.openxmlformats.org/markup-compatibility/2006">
                 <mc:Choice xmlns:v="urn:schemas-microsoft-com:vml" Requires="v">
-                  <p:oleObj spid="_x0000_s1091" name="CS ChemDraw Drawing" r:id="rId13" imgW="458548" imgH="468934" progId="ChemDraw.Document.6.0">
+                  <p:oleObj name="CS ChemDraw Drawing" r:id="rId12" imgW="458548" imgH="468934" progId="ChemDraw.Document.6.0">
                     <p:embed/>
                   </p:oleObj>
                 </mc:Choice>
                 <mc:Fallback>
-                  <p:oleObj name="CS ChemDraw Drawing" r:id="rId13" imgW="458548" imgH="468934" progId="ChemDraw.Document.6.0">
+                  <p:oleObj name="CS ChemDraw Drawing" r:id="rId12" imgW="458548" imgH="468934" progId="ChemDraw.Document.6.0">
                     <p:embed/>
                     <p:pic>
                       <p:nvPicPr>
@@ -6252,7 +6253,7 @@
                         <p:nvPr/>
                       </p:nvPicPr>
                       <p:blipFill>
-                        <a:blip r:embed="rId14"/>
+                        <a:blip r:embed="rId13"/>
                         <a:stretch>
                           <a:fillRect/>
                         </a:stretch>
@@ -6301,12 +6302,12 @@
             <a:graphicData uri="http://schemas.openxmlformats.org/presentationml/2006/ole">
               <mc:AlternateContent xmlns:mc="http://schemas.openxmlformats.org/markup-compatibility/2006">
                 <mc:Choice xmlns:v="urn:schemas-microsoft-com:vml" Requires="v">
-                  <p:oleObj spid="_x0000_s1092" name="CS ChemDraw Drawing" r:id="rId15" imgW="363807" imgH="152224" progId="ChemDraw.Document.6.0">
+                  <p:oleObj name="CS ChemDraw Drawing" r:id="rId14" imgW="363807" imgH="152224" progId="ChemDraw.Document.6.0">
                     <p:embed/>
                   </p:oleObj>
                 </mc:Choice>
                 <mc:Fallback>
-                  <p:oleObj name="CS ChemDraw Drawing" r:id="rId15" imgW="363807" imgH="152224" progId="ChemDraw.Document.6.0">
+                  <p:oleObj name="CS ChemDraw Drawing" r:id="rId14" imgW="363807" imgH="152224" progId="ChemDraw.Document.6.0">
                     <p:embed/>
                     <p:pic>
                       <p:nvPicPr>
@@ -6321,7 +6322,7 @@
                         <p:nvPr/>
                       </p:nvPicPr>
                       <p:blipFill>
-                        <a:blip r:embed="rId16"/>
+                        <a:blip r:embed="rId15"/>
                         <a:stretch>
                           <a:fillRect/>
                         </a:stretch>
@@ -6370,12 +6371,12 @@
             <a:graphicData uri="http://schemas.openxmlformats.org/presentationml/2006/ole">
               <mc:AlternateContent xmlns:mc="http://schemas.openxmlformats.org/markup-compatibility/2006">
                 <mc:Choice xmlns:v="urn:schemas-microsoft-com:vml" Requires="v">
-                  <p:oleObj spid="_x0000_s1093" name="CS ChemDraw Drawing" r:id="rId17" imgW="508656" imgH="307408" progId="ChemDraw.Document.6.0">
+                  <p:oleObj name="CS ChemDraw Drawing" r:id="rId16" imgW="508656" imgH="307408" progId="ChemDraw.Document.6.0">
                     <p:embed/>
                   </p:oleObj>
                 </mc:Choice>
                 <mc:Fallback>
-                  <p:oleObj name="CS ChemDraw Drawing" r:id="rId17" imgW="508656" imgH="307408" progId="ChemDraw.Document.6.0">
+                  <p:oleObj name="CS ChemDraw Drawing" r:id="rId16" imgW="508656" imgH="307408" progId="ChemDraw.Document.6.0">
                     <p:embed/>
                     <p:pic>
                       <p:nvPicPr>
@@ -6390,7 +6391,7 @@
                         <p:nvPr/>
                       </p:nvPicPr>
                       <p:blipFill>
-                        <a:blip r:embed="rId18"/>
+                        <a:blip r:embed="rId17"/>
                         <a:stretch>
                           <a:fillRect/>
                         </a:stretch>
@@ -6439,12 +6440,12 @@
             <a:graphicData uri="http://schemas.openxmlformats.org/presentationml/2006/ole">
               <mc:AlternateContent xmlns:mc="http://schemas.openxmlformats.org/markup-compatibility/2006">
                 <mc:Choice xmlns:v="urn:schemas-microsoft-com:vml" Requires="v">
-                  <p:oleObj spid="_x0000_s1094" name="CS ChemDraw Drawing" r:id="rId19" imgW="310752" imgH="148841" progId="ChemDraw.Document.6.0">
+                  <p:oleObj name="CS ChemDraw Drawing" r:id="rId18" imgW="310752" imgH="148841" progId="ChemDraw.Document.6.0">
                     <p:embed/>
                   </p:oleObj>
                 </mc:Choice>
                 <mc:Fallback>
-                  <p:oleObj name="CS ChemDraw Drawing" r:id="rId19" imgW="310752" imgH="148841" progId="ChemDraw.Document.6.0">
+                  <p:oleObj name="CS ChemDraw Drawing" r:id="rId18" imgW="310752" imgH="148841" progId="ChemDraw.Document.6.0">
                     <p:embed/>
                     <p:pic>
                       <p:nvPicPr>
@@ -6459,7 +6460,7 @@
                         <p:nvPr/>
                       </p:nvPicPr>
                       <p:blipFill>
-                        <a:blip r:embed="rId20"/>
+                        <a:blip r:embed="rId19"/>
                         <a:stretch>
                           <a:fillRect/>
                         </a:stretch>
@@ -6508,12 +6509,12 @@
             <a:graphicData uri="http://schemas.openxmlformats.org/presentationml/2006/ole">
               <mc:AlternateContent xmlns:mc="http://schemas.openxmlformats.org/markup-compatibility/2006">
                 <mc:Choice xmlns:v="urn:schemas-microsoft-com:vml" Requires="v">
-                  <p:oleObj spid="_x0000_s1095" name="CS ChemDraw Drawing" r:id="rId21" imgW="690138" imgH="467665" progId="ChemDraw.Document.6.0">
+                  <p:oleObj name="CS ChemDraw Drawing" r:id="rId20" imgW="690138" imgH="467665" progId="ChemDraw.Document.6.0">
                     <p:embed/>
                   </p:oleObj>
                 </mc:Choice>
                 <mc:Fallback>
-                  <p:oleObj name="CS ChemDraw Drawing" r:id="rId21" imgW="690138" imgH="467665" progId="ChemDraw.Document.6.0">
+                  <p:oleObj name="CS ChemDraw Drawing" r:id="rId20" imgW="690138" imgH="467665" progId="ChemDraw.Document.6.0">
                     <p:embed/>
                     <p:pic>
                       <p:nvPicPr>
@@ -6528,7 +6529,7 @@
                         <p:nvPr/>
                       </p:nvPicPr>
                       <p:blipFill>
-                        <a:blip r:embed="rId22"/>
+                        <a:blip r:embed="rId21"/>
                         <a:stretch>
                           <a:fillRect/>
                         </a:stretch>
@@ -7672,12 +7673,12 @@
           <a:graphicData uri="http://schemas.openxmlformats.org/presentationml/2006/ole">
             <mc:AlternateContent xmlns:mc="http://schemas.openxmlformats.org/markup-compatibility/2006">
               <mc:Choice xmlns:v="urn:schemas-microsoft-com:vml" Requires="v">
-                <p:oleObj spid="_x0000_s4118" name="CS ChemDraw Drawing" r:id="rId3" imgW="796670" imgH="4294403" progId="ChemDraw.Document.6.0">
+                <p:oleObj name="CS ChemDraw Drawing" r:id="rId2" imgW="796670" imgH="4294403" progId="ChemDraw.Document.6.0">
                   <p:embed/>
                 </p:oleObj>
               </mc:Choice>
               <mc:Fallback>
-                <p:oleObj name="CS ChemDraw Drawing" r:id="rId3" imgW="796670" imgH="4294403" progId="ChemDraw.Document.6.0">
+                <p:oleObj name="CS ChemDraw Drawing" r:id="rId2" imgW="796670" imgH="4294403" progId="ChemDraw.Document.6.0">
                   <p:embed/>
                   <p:pic>
                     <p:nvPicPr>
@@ -7686,7 +7687,7 @@
                       <p:nvPr/>
                     </p:nvPicPr>
                     <p:blipFill>
-                      <a:blip r:embed="rId4"/>
+                      <a:blip r:embed="rId3"/>
                       <a:stretch>
                         <a:fillRect/>
                       </a:stretch>
@@ -8155,12 +8156,12 @@
           <a:graphicData uri="http://schemas.openxmlformats.org/presentationml/2006/ole">
             <mc:AlternateContent xmlns:mc="http://schemas.openxmlformats.org/markup-compatibility/2006">
               <mc:Choice xmlns:v="urn:schemas-microsoft-com:vml" Requires="v">
-                <p:oleObj spid="_x0000_s4119" name="CS ChemDraw Drawing" r:id="rId5" imgW="626135" imgH="4382777" progId="ChemDraw.Document.6.0">
+                <p:oleObj name="CS ChemDraw Drawing" r:id="rId4" imgW="626135" imgH="4382777" progId="ChemDraw.Document.6.0">
                   <p:embed/>
                 </p:oleObj>
               </mc:Choice>
               <mc:Fallback>
-                <p:oleObj name="CS ChemDraw Drawing" r:id="rId5" imgW="626135" imgH="4382777" progId="ChemDraw.Document.6.0">
+                <p:oleObj name="CS ChemDraw Drawing" r:id="rId4" imgW="626135" imgH="4382777" progId="ChemDraw.Document.6.0">
                   <p:embed/>
                   <p:pic>
                     <p:nvPicPr>
@@ -8169,7 +8170,7 @@
                       <p:nvPr/>
                     </p:nvPicPr>
                     <p:blipFill>
-                      <a:blip r:embed="rId6"/>
+                      <a:blip r:embed="rId5"/>
                       <a:stretch>
                         <a:fillRect/>
                       </a:stretch>
@@ -9128,12 +9129,12 @@
           <a:graphicData uri="http://schemas.openxmlformats.org/presentationml/2006/ole">
             <mc:AlternateContent xmlns:mc="http://schemas.openxmlformats.org/markup-compatibility/2006">
               <mc:Choice xmlns:v="urn:schemas-microsoft-com:vml" Requires="v">
-                <p:oleObj spid="_x0000_s4120" name="CS ChemDraw Drawing" r:id="rId7" imgW="572238" imgH="4277489" progId="ChemDraw.Document.6.0">
+                <p:oleObj name="CS ChemDraw Drawing" r:id="rId6" imgW="572238" imgH="4277489" progId="ChemDraw.Document.6.0">
                   <p:embed/>
                 </p:oleObj>
               </mc:Choice>
               <mc:Fallback>
-                <p:oleObj name="CS ChemDraw Drawing" r:id="rId7" imgW="572238" imgH="4277489" progId="ChemDraw.Document.6.0">
+                <p:oleObj name="CS ChemDraw Drawing" r:id="rId6" imgW="572238" imgH="4277489" progId="ChemDraw.Document.6.0">
                   <p:embed/>
                   <p:pic>
                     <p:nvPicPr>
@@ -9142,7 +9143,7 @@
                       <p:nvPr/>
                     </p:nvPicPr>
                     <p:blipFill>
-                      <a:blip r:embed="rId8"/>
+                      <a:blip r:embed="rId7"/>
                       <a:stretch>
                         <a:fillRect/>
                       </a:stretch>
@@ -9191,12 +9192,12 @@
           <a:graphicData uri="http://schemas.openxmlformats.org/presentationml/2006/ole">
             <mc:AlternateContent xmlns:mc="http://schemas.openxmlformats.org/markup-compatibility/2006">
               <mc:Choice xmlns:v="urn:schemas-microsoft-com:vml" Requires="v">
-                <p:oleObj spid="_x0000_s4121" name="CS ChemDraw Drawing" r:id="rId9" imgW="839619" imgH="2405982" progId="ChemDraw.Document.6.0">
+                <p:oleObj name="CS ChemDraw Drawing" r:id="rId8" imgW="839619" imgH="2405982" progId="ChemDraw.Document.6.0">
                   <p:embed/>
                 </p:oleObj>
               </mc:Choice>
               <mc:Fallback>
-                <p:oleObj name="CS ChemDraw Drawing" r:id="rId9" imgW="839619" imgH="2405982" progId="ChemDraw.Document.6.0">
+                <p:oleObj name="CS ChemDraw Drawing" r:id="rId8" imgW="839619" imgH="2405982" progId="ChemDraw.Document.6.0">
                   <p:embed/>
                   <p:pic>
                     <p:nvPicPr>
@@ -9205,7 +9206,7 @@
                       <p:nvPr/>
                     </p:nvPicPr>
                     <p:blipFill>
-                      <a:blip r:embed="rId10"/>
+                      <a:blip r:embed="rId9"/>
                       <a:stretch>
                         <a:fillRect/>
                       </a:stretch>
@@ -9468,12 +9469,12 @@
           <a:graphicData uri="http://schemas.openxmlformats.org/presentationml/2006/ole">
             <mc:AlternateContent xmlns:mc="http://schemas.openxmlformats.org/markup-compatibility/2006">
               <mc:Choice xmlns:v="urn:schemas-microsoft-com:vml" Requires="v">
-                <p:oleObj spid="_x0000_s4122" name="CS ChemDraw Drawing" r:id="rId11" imgW="1464070" imgH="4100740" progId="ChemDraw.Document.6.0">
+                <p:oleObj name="CS ChemDraw Drawing" r:id="rId10" imgW="1464070" imgH="4100740" progId="ChemDraw.Document.6.0">
                   <p:embed/>
                 </p:oleObj>
               </mc:Choice>
               <mc:Fallback>
-                <p:oleObj name="CS ChemDraw Drawing" r:id="rId11" imgW="1464070" imgH="4100740" progId="ChemDraw.Document.6.0">
+                <p:oleObj name="CS ChemDraw Drawing" r:id="rId10" imgW="1464070" imgH="4100740" progId="ChemDraw.Document.6.0">
                   <p:embed/>
                   <p:pic>
                     <p:nvPicPr>
@@ -9482,7 +9483,7 @@
                       <p:nvPr/>
                     </p:nvPicPr>
                     <p:blipFill>
-                      <a:blip r:embed="rId12"/>
+                      <a:blip r:embed="rId11"/>
                       <a:stretch>
                         <a:fillRect/>
                       </a:stretch>
@@ -11263,12 +11264,12 @@
           <a:graphicData uri="http://schemas.openxmlformats.org/presentationml/2006/ole">
             <mc:AlternateContent xmlns:mc="http://schemas.openxmlformats.org/markup-compatibility/2006">
               <mc:Choice xmlns:v="urn:schemas-microsoft-com:vml" Requires="v">
-                <p:oleObj spid="_x0000_s2189" name="CS ChemDraw Drawing" r:id="rId3" imgW="1422805" imgH="1191151" progId="ChemDraw.Document.6.0">
+                <p:oleObj name="CS ChemDraw Drawing" r:id="rId2" imgW="1422805" imgH="1191151" progId="ChemDraw.Document.6.0">
                   <p:embed/>
                 </p:oleObj>
               </mc:Choice>
               <mc:Fallback>
-                <p:oleObj name="CS ChemDraw Drawing" r:id="rId3" imgW="1422805" imgH="1191151" progId="ChemDraw.Document.6.0">
+                <p:oleObj name="CS ChemDraw Drawing" r:id="rId2" imgW="1422805" imgH="1191151" progId="ChemDraw.Document.6.0">
                   <p:embed/>
                   <p:pic>
                     <p:nvPicPr>
@@ -11277,7 +11278,7 @@
                       <p:nvPr/>
                     </p:nvPicPr>
                     <p:blipFill>
-                      <a:blip r:embed="rId4"/>
+                      <a:blip r:embed="rId3"/>
                       <a:stretch>
                         <a:fillRect/>
                       </a:stretch>
@@ -11326,12 +11327,12 @@
           <a:graphicData uri="http://schemas.openxmlformats.org/presentationml/2006/ole">
             <mc:AlternateContent xmlns:mc="http://schemas.openxmlformats.org/markup-compatibility/2006">
               <mc:Choice xmlns:v="urn:schemas-microsoft-com:vml" Requires="v">
-                <p:oleObj spid="_x0000_s2190" name="CS ChemDraw Drawing" r:id="rId5" imgW="1421542" imgH="1128993" progId="ChemDraw.Document.6.0">
+                <p:oleObj name="CS ChemDraw Drawing" r:id="rId4" imgW="1421542" imgH="1128993" progId="ChemDraw.Document.6.0">
                   <p:embed/>
                 </p:oleObj>
               </mc:Choice>
               <mc:Fallback>
-                <p:oleObj name="CS ChemDraw Drawing" r:id="rId5" imgW="1421542" imgH="1128993" progId="ChemDraw.Document.6.0">
+                <p:oleObj name="CS ChemDraw Drawing" r:id="rId4" imgW="1421542" imgH="1128993" progId="ChemDraw.Document.6.0">
                   <p:embed/>
                   <p:pic>
                     <p:nvPicPr>
@@ -11340,7 +11341,7 @@
                       <p:nvPr/>
                     </p:nvPicPr>
                     <p:blipFill>
-                      <a:blip r:embed="rId6"/>
+                      <a:blip r:embed="rId5"/>
                       <a:stretch>
                         <a:fillRect/>
                       </a:stretch>
@@ -11389,12 +11390,12 @@
           <a:graphicData uri="http://schemas.openxmlformats.org/presentationml/2006/ole">
             <mc:AlternateContent xmlns:mc="http://schemas.openxmlformats.org/markup-compatibility/2006">
               <mc:Choice xmlns:v="urn:schemas-microsoft-com:vml" Requires="v">
-                <p:oleObj spid="_x0000_s2191" name="CS ChemDraw Drawing" r:id="rId7" imgW="1519231" imgH="1273606" progId="ChemDraw.Document.6.0">
+                <p:oleObj name="CS ChemDraw Drawing" r:id="rId6" imgW="1519231" imgH="1273606" progId="ChemDraw.Document.6.0">
                   <p:embed/>
                 </p:oleObj>
               </mc:Choice>
               <mc:Fallback>
-                <p:oleObj name="CS ChemDraw Drawing" r:id="rId7" imgW="1519231" imgH="1273606" progId="ChemDraw.Document.6.0">
+                <p:oleObj name="CS ChemDraw Drawing" r:id="rId6" imgW="1519231" imgH="1273606" progId="ChemDraw.Document.6.0">
                   <p:embed/>
                   <p:pic>
                     <p:nvPicPr>
@@ -11403,7 +11404,7 @@
                       <p:nvPr/>
                     </p:nvPicPr>
                     <p:blipFill>
-                      <a:blip r:embed="rId8"/>
+                      <a:blip r:embed="rId7"/>
                       <a:stretch>
                         <a:fillRect/>
                       </a:stretch>
@@ -11452,12 +11453,12 @@
           <a:graphicData uri="http://schemas.openxmlformats.org/presentationml/2006/ole">
             <mc:AlternateContent xmlns:mc="http://schemas.openxmlformats.org/markup-compatibility/2006">
               <mc:Choice xmlns:v="urn:schemas-microsoft-com:vml" Requires="v">
-                <p:oleObj spid="_x0000_s2192" name="CS ChemDraw Drawing" r:id="rId9" imgW="2101153" imgH="1214408" progId="ChemDraw.Document.6.0">
+                <p:oleObj name="CS ChemDraw Drawing" r:id="rId8" imgW="2101153" imgH="1214408" progId="ChemDraw.Document.6.0">
                   <p:embed/>
                 </p:oleObj>
               </mc:Choice>
               <mc:Fallback>
-                <p:oleObj name="CS ChemDraw Drawing" r:id="rId9" imgW="2101153" imgH="1214408" progId="ChemDraw.Document.6.0">
+                <p:oleObj name="CS ChemDraw Drawing" r:id="rId8" imgW="2101153" imgH="1214408" progId="ChemDraw.Document.6.0">
                   <p:embed/>
                   <p:pic>
                     <p:nvPicPr>
@@ -11466,7 +11467,7 @@
                       <p:nvPr/>
                     </p:nvPicPr>
                     <p:blipFill>
-                      <a:blip r:embed="rId10"/>
+                      <a:blip r:embed="rId9"/>
                       <a:stretch>
                         <a:fillRect/>
                       </a:stretch>
@@ -11515,12 +11516,12 @@
           <a:graphicData uri="http://schemas.openxmlformats.org/presentationml/2006/ole">
             <mc:AlternateContent xmlns:mc="http://schemas.openxmlformats.org/markup-compatibility/2006">
               <mc:Choice xmlns:v="urn:schemas-microsoft-com:vml" Requires="v">
-                <p:oleObj spid="_x0000_s2193" name="CS ChemDraw Drawing" r:id="rId11" imgW="874568" imgH="1224979" progId="ChemDraw.Document.6.0">
+                <p:oleObj name="CS ChemDraw Drawing" r:id="rId10" imgW="874568" imgH="1224979" progId="ChemDraw.Document.6.0">
                   <p:embed/>
                 </p:oleObj>
               </mc:Choice>
               <mc:Fallback>
-                <p:oleObj name="CS ChemDraw Drawing" r:id="rId11" imgW="874568" imgH="1224979" progId="ChemDraw.Document.6.0">
+                <p:oleObj name="CS ChemDraw Drawing" r:id="rId10" imgW="874568" imgH="1224979" progId="ChemDraw.Document.6.0">
                   <p:embed/>
                   <p:pic>
                     <p:nvPicPr>
@@ -11529,7 +11530,7 @@
                       <p:nvPr/>
                     </p:nvPicPr>
                     <p:blipFill>
-                      <a:blip r:embed="rId12"/>
+                      <a:blip r:embed="rId11"/>
                       <a:stretch>
                         <a:fillRect/>
                       </a:stretch>
@@ -11578,12 +11579,12 @@
           <a:graphicData uri="http://schemas.openxmlformats.org/presentationml/2006/ole">
             <mc:AlternateContent xmlns:mc="http://schemas.openxmlformats.org/markup-compatibility/2006">
               <mc:Choice xmlns:v="urn:schemas-microsoft-com:vml" Requires="v">
-                <p:oleObj spid="_x0000_s2194" name="CS ChemDraw Drawing" r:id="rId13" imgW="1422805" imgH="1224979" progId="ChemDraw.Document.6.0">
+                <p:oleObj name="CS ChemDraw Drawing" r:id="rId12" imgW="1422805" imgH="1224979" progId="ChemDraw.Document.6.0">
                   <p:embed/>
                 </p:oleObj>
               </mc:Choice>
               <mc:Fallback>
-                <p:oleObj name="CS ChemDraw Drawing" r:id="rId13" imgW="1422805" imgH="1224979" progId="ChemDraw.Document.6.0">
+                <p:oleObj name="CS ChemDraw Drawing" r:id="rId12" imgW="1422805" imgH="1224979" progId="ChemDraw.Document.6.0">
                   <p:embed/>
                   <p:pic>
                     <p:nvPicPr>
@@ -11592,7 +11593,7 @@
                       <p:nvPr/>
                     </p:nvPicPr>
                     <p:blipFill>
-                      <a:blip r:embed="rId14"/>
+                      <a:blip r:embed="rId13"/>
                       <a:stretch>
                         <a:fillRect/>
                       </a:stretch>
@@ -11641,12 +11642,12 @@
           <a:graphicData uri="http://schemas.openxmlformats.org/presentationml/2006/ole">
             <mc:AlternateContent xmlns:mc="http://schemas.openxmlformats.org/markup-compatibility/2006">
               <mc:Choice xmlns:v="urn:schemas-microsoft-com:vml" Requires="v">
-                <p:oleObj spid="_x0000_s2195" name="CS ChemDraw Drawing" r:id="rId15" imgW="2701603" imgH="1301091" progId="ChemDraw.Document.6.0">
+                <p:oleObj name="CS ChemDraw Drawing" r:id="rId14" imgW="2701603" imgH="1301091" progId="ChemDraw.Document.6.0">
                   <p:embed/>
                 </p:oleObj>
               </mc:Choice>
               <mc:Fallback>
-                <p:oleObj name="CS ChemDraw Drawing" r:id="rId15" imgW="2701603" imgH="1301091" progId="ChemDraw.Document.6.0">
+                <p:oleObj name="CS ChemDraw Drawing" r:id="rId14" imgW="2701603" imgH="1301091" progId="ChemDraw.Document.6.0">
                   <p:embed/>
                   <p:pic>
                     <p:nvPicPr>
@@ -11655,7 +11656,7 @@
                       <p:nvPr/>
                     </p:nvPicPr>
                     <p:blipFill>
-                      <a:blip r:embed="rId16"/>
+                      <a:blip r:embed="rId15"/>
                       <a:stretch>
                         <a:fillRect/>
                       </a:stretch>
@@ -11704,12 +11705,12 @@
           <a:graphicData uri="http://schemas.openxmlformats.org/presentationml/2006/ole">
             <mc:AlternateContent xmlns:mc="http://schemas.openxmlformats.org/markup-compatibility/2006">
               <mc:Choice xmlns:v="urn:schemas-microsoft-com:vml" Requires="v">
-                <p:oleObj spid="_x0000_s2196" name="CS ChemDraw Drawing" r:id="rId17" imgW="1235428" imgH="1205105" progId="ChemDraw.Document.6.0">
+                <p:oleObj name="CS ChemDraw Drawing" r:id="rId16" imgW="1235428" imgH="1205105" progId="ChemDraw.Document.6.0">
                   <p:embed/>
                 </p:oleObj>
               </mc:Choice>
               <mc:Fallback>
-                <p:oleObj name="CS ChemDraw Drawing" r:id="rId17" imgW="1235428" imgH="1205105" progId="ChemDraw.Document.6.0">
+                <p:oleObj name="CS ChemDraw Drawing" r:id="rId16" imgW="1235428" imgH="1205105" progId="ChemDraw.Document.6.0">
                   <p:embed/>
                   <p:pic>
                     <p:nvPicPr>
@@ -11718,7 +11719,7 @@
                       <p:nvPr/>
                     </p:nvPicPr>
                     <p:blipFill>
-                      <a:blip r:embed="rId18"/>
+                      <a:blip r:embed="rId17"/>
                       <a:stretch>
                         <a:fillRect/>
                       </a:stretch>
@@ -11767,12 +11768,12 @@
           <a:graphicData uri="http://schemas.openxmlformats.org/presentationml/2006/ole">
             <mc:AlternateContent xmlns:mc="http://schemas.openxmlformats.org/markup-compatibility/2006">
               <mc:Choice xmlns:v="urn:schemas-microsoft-com:vml" Requires="v">
-                <p:oleObj spid="_x0000_s2197" name="CS ChemDraw Drawing" r:id="rId19" imgW="2058625" imgH="1305742" progId="ChemDraw.Document.6.0">
+                <p:oleObj name="CS ChemDraw Drawing" r:id="rId18" imgW="2058625" imgH="1305742" progId="ChemDraw.Document.6.0">
                   <p:embed/>
                 </p:oleObj>
               </mc:Choice>
               <mc:Fallback>
-                <p:oleObj name="CS ChemDraw Drawing" r:id="rId19" imgW="2058625" imgH="1305742" progId="ChemDraw.Document.6.0">
+                <p:oleObj name="CS ChemDraw Drawing" r:id="rId18" imgW="2058625" imgH="1305742" progId="ChemDraw.Document.6.0">
                   <p:embed/>
                   <p:pic>
                     <p:nvPicPr>
@@ -11781,7 +11782,7 @@
                       <p:nvPr/>
                     </p:nvPicPr>
                     <p:blipFill>
-                      <a:blip r:embed="rId20"/>
+                      <a:blip r:embed="rId19"/>
                       <a:stretch>
                         <a:fillRect/>
                       </a:stretch>
@@ -11830,12 +11831,12 @@
           <a:graphicData uri="http://schemas.openxmlformats.org/presentationml/2006/ole">
             <mc:AlternateContent xmlns:mc="http://schemas.openxmlformats.org/markup-compatibility/2006">
               <mc:Choice xmlns:v="urn:schemas-microsoft-com:vml" Requires="v">
-                <p:oleObj spid="_x0000_s2198" name="CS ChemDraw Drawing" r:id="rId21" imgW="1880090" imgH="1233859" progId="ChemDraw.Document.6.0">
+                <p:oleObj name="CS ChemDraw Drawing" r:id="rId20" imgW="1880090" imgH="1233859" progId="ChemDraw.Document.6.0">
                   <p:embed/>
                 </p:oleObj>
               </mc:Choice>
               <mc:Fallback>
-                <p:oleObj name="CS ChemDraw Drawing" r:id="rId21" imgW="1880090" imgH="1233859" progId="ChemDraw.Document.6.0">
+                <p:oleObj name="CS ChemDraw Drawing" r:id="rId20" imgW="1880090" imgH="1233859" progId="ChemDraw.Document.6.0">
                   <p:embed/>
                   <p:pic>
                     <p:nvPicPr>
@@ -11844,7 +11845,7 @@
                       <p:nvPr/>
                     </p:nvPicPr>
                     <p:blipFill>
-                      <a:blip r:embed="rId22"/>
+                      <a:blip r:embed="rId21"/>
                       <a:stretch>
                         <a:fillRect/>
                       </a:stretch>
@@ -11893,12 +11894,12 @@
           <a:graphicData uri="http://schemas.openxmlformats.org/presentationml/2006/ole">
             <mc:AlternateContent xmlns:mc="http://schemas.openxmlformats.org/markup-compatibility/2006">
               <mc:Choice xmlns:v="urn:schemas-microsoft-com:vml" Requires="v">
-                <p:oleObj spid="_x0000_s2199" name="CS ChemDraw Drawing" r:id="rId23" imgW="1572286" imgH="1233859" progId="ChemDraw.Document.6.0">
+                <p:oleObj name="CS ChemDraw Drawing" r:id="rId22" imgW="1572286" imgH="1233859" progId="ChemDraw.Document.6.0">
                   <p:embed/>
                 </p:oleObj>
               </mc:Choice>
               <mc:Fallback>
-                <p:oleObj name="CS ChemDraw Drawing" r:id="rId23" imgW="1572286" imgH="1233859" progId="ChemDraw.Document.6.0">
+                <p:oleObj name="CS ChemDraw Drawing" r:id="rId22" imgW="1572286" imgH="1233859" progId="ChemDraw.Document.6.0">
                   <p:embed/>
                   <p:pic>
                     <p:nvPicPr>
@@ -11907,7 +11908,7 @@
                       <p:nvPr/>
                     </p:nvPicPr>
                     <p:blipFill>
-                      <a:blip r:embed="rId24"/>
+                      <a:blip r:embed="rId23"/>
                       <a:stretch>
                         <a:fillRect/>
                       </a:stretch>
@@ -12078,12 +12079,12 @@
           <a:graphicData uri="http://schemas.openxmlformats.org/presentationml/2006/ole">
             <mc:AlternateContent xmlns:mc="http://schemas.openxmlformats.org/markup-compatibility/2006">
               <mc:Choice xmlns:v="urn:schemas-microsoft-com:vml" Requires="v">
-                <p:oleObj spid="_x0000_s2200" name="CS ChemDraw Drawing" r:id="rId25" imgW="1535653" imgH="1272337" progId="ChemDraw.Document.6.0">
+                <p:oleObj name="CS ChemDraw Drawing" r:id="rId24" imgW="1535653" imgH="1272337" progId="ChemDraw.Document.6.0">
                   <p:embed/>
                 </p:oleObj>
               </mc:Choice>
               <mc:Fallback>
-                <p:oleObj name="CS ChemDraw Drawing" r:id="rId25" imgW="1535653" imgH="1272337" progId="ChemDraw.Document.6.0">
+                <p:oleObj name="CS ChemDraw Drawing" r:id="rId24" imgW="1535653" imgH="1272337" progId="ChemDraw.Document.6.0">
                   <p:embed/>
                   <p:pic>
                     <p:nvPicPr>
@@ -12092,7 +12093,7 @@
                       <p:nvPr/>
                     </p:nvPicPr>
                     <p:blipFill>
-                      <a:blip r:embed="rId26"/>
+                      <a:blip r:embed="rId25"/>
                       <a:stretch>
                         <a:fillRect/>
                       </a:stretch>
@@ -12141,12 +12142,12 @@
           <a:graphicData uri="http://schemas.openxmlformats.org/presentationml/2006/ole">
             <mc:AlternateContent xmlns:mc="http://schemas.openxmlformats.org/markup-compatibility/2006">
               <mc:Choice xmlns:v="urn:schemas-microsoft-com:vml" Requires="v">
-                <p:oleObj spid="_x0000_s2201" name="CS ChemDraw Drawing" r:id="rId27" imgW="2152945" imgH="1330267" progId="ChemDraw.Document.6.0">
+                <p:oleObj name="CS ChemDraw Drawing" r:id="rId26" imgW="2152945" imgH="1330267" progId="ChemDraw.Document.6.0">
                   <p:embed/>
                 </p:oleObj>
               </mc:Choice>
               <mc:Fallback>
-                <p:oleObj name="CS ChemDraw Drawing" r:id="rId27" imgW="2152945" imgH="1330267" progId="ChemDraw.Document.6.0">
+                <p:oleObj name="CS ChemDraw Drawing" r:id="rId26" imgW="2152945" imgH="1330267" progId="ChemDraw.Document.6.0">
                   <p:embed/>
                   <p:pic>
                     <p:nvPicPr>
@@ -12155,7 +12156,7 @@
                       <p:nvPr/>
                     </p:nvPicPr>
                     <p:blipFill>
-                      <a:blip r:embed="rId28"/>
+                      <a:blip r:embed="rId27"/>
                       <a:stretch>
                         <a:fillRect/>
                       </a:stretch>
@@ -12204,12 +12205,12 @@
           <a:graphicData uri="http://schemas.openxmlformats.org/presentationml/2006/ole">
             <mc:AlternateContent xmlns:mc="http://schemas.openxmlformats.org/markup-compatibility/2006">
               <mc:Choice xmlns:v="urn:schemas-microsoft-com:vml" Requires="v">
-                <p:oleObj spid="_x0000_s2202" name="CS ChemDraw Drawing" r:id="rId29" imgW="1704924" imgH="1362403" progId="ChemDraw.Document.6.0">
+                <p:oleObj name="CS ChemDraw Drawing" r:id="rId28" imgW="1704924" imgH="1362403" progId="ChemDraw.Document.6.0">
                   <p:embed/>
                 </p:oleObj>
               </mc:Choice>
               <mc:Fallback>
-                <p:oleObj name="CS ChemDraw Drawing" r:id="rId29" imgW="1704924" imgH="1362403" progId="ChemDraw.Document.6.0">
+                <p:oleObj name="CS ChemDraw Drawing" r:id="rId28" imgW="1704924" imgH="1362403" progId="ChemDraw.Document.6.0">
                   <p:embed/>
                   <p:pic>
                     <p:nvPicPr>
@@ -12218,7 +12219,7 @@
                       <p:nvPr/>
                     </p:nvPicPr>
                     <p:blipFill>
-                      <a:blip r:embed="rId30"/>
+                      <a:blip r:embed="rId29"/>
                       <a:stretch>
                         <a:fillRect/>
                       </a:stretch>
@@ -12267,12 +12268,12 @@
           <a:graphicData uri="http://schemas.openxmlformats.org/presentationml/2006/ole">
             <mc:AlternateContent xmlns:mc="http://schemas.openxmlformats.org/markup-compatibility/2006">
               <mc:Choice xmlns:v="urn:schemas-microsoft-com:vml" Requires="v">
-                <p:oleObj spid="_x0000_s2203" name="CS ChemDraw Drawing" r:id="rId31" imgW="1691450" imgH="1298131" progId="ChemDraw.Document.6.0">
+                <p:oleObj name="CS ChemDraw Drawing" r:id="rId30" imgW="1691450" imgH="1298131" progId="ChemDraw.Document.6.0">
                   <p:embed/>
                 </p:oleObj>
               </mc:Choice>
               <mc:Fallback>
-                <p:oleObj name="CS ChemDraw Drawing" r:id="rId31" imgW="1691450" imgH="1298131" progId="ChemDraw.Document.6.0">
+                <p:oleObj name="CS ChemDraw Drawing" r:id="rId30" imgW="1691450" imgH="1298131" progId="ChemDraw.Document.6.0">
                   <p:embed/>
                   <p:pic>
                     <p:nvPicPr>
@@ -12281,7 +12282,7 @@
                       <p:nvPr/>
                     </p:nvPicPr>
                     <p:blipFill>
-                      <a:blip r:embed="rId32"/>
+                      <a:blip r:embed="rId31"/>
                       <a:stretch>
                         <a:fillRect/>
                       </a:stretch>
@@ -12330,12 +12331,12 @@
           <a:graphicData uri="http://schemas.openxmlformats.org/presentationml/2006/ole">
             <mc:AlternateContent xmlns:mc="http://schemas.openxmlformats.org/markup-compatibility/2006">
               <mc:Choice xmlns:v="urn:schemas-microsoft-com:vml" Requires="v">
-                <p:oleObj spid="_x0000_s2204" name="CS ChemDraw Drawing" r:id="rId33" imgW="1787454" imgH="1128993" progId="ChemDraw.Document.6.0">
+                <p:oleObj name="CS ChemDraw Drawing" r:id="rId32" imgW="1787454" imgH="1128993" progId="ChemDraw.Document.6.0">
                   <p:embed/>
                 </p:oleObj>
               </mc:Choice>
               <mc:Fallback>
-                <p:oleObj name="CS ChemDraw Drawing" r:id="rId33" imgW="1787454" imgH="1128993" progId="ChemDraw.Document.6.0">
+                <p:oleObj name="CS ChemDraw Drawing" r:id="rId32" imgW="1787454" imgH="1128993" progId="ChemDraw.Document.6.0">
                   <p:embed/>
                   <p:pic>
                     <p:nvPicPr>
@@ -12344,7 +12345,7 @@
                       <p:nvPr/>
                     </p:nvPicPr>
                     <p:blipFill>
-                      <a:blip r:embed="rId34"/>
+                      <a:blip r:embed="rId33"/>
                       <a:stretch>
                         <a:fillRect/>
                       </a:stretch>
@@ -12393,12 +12394,12 @@
           <a:graphicData uri="http://schemas.openxmlformats.org/presentationml/2006/ole">
             <mc:AlternateContent xmlns:mc="http://schemas.openxmlformats.org/markup-compatibility/2006">
               <mc:Choice xmlns:v="urn:schemas-microsoft-com:vml" Requires="v">
-                <p:oleObj spid="_x0000_s2205" name="CS ChemDraw Drawing" r:id="rId35" imgW="891411" imgH="375908" progId="ChemDraw.Document.6.0">
+                <p:oleObj name="CS ChemDraw Drawing" r:id="rId34" imgW="891411" imgH="375908" progId="ChemDraw.Document.6.0">
                   <p:embed/>
                 </p:oleObj>
               </mc:Choice>
               <mc:Fallback>
-                <p:oleObj name="CS ChemDraw Drawing" r:id="rId35" imgW="891411" imgH="375908" progId="ChemDraw.Document.6.0">
+                <p:oleObj name="CS ChemDraw Drawing" r:id="rId34" imgW="891411" imgH="375908" progId="ChemDraw.Document.6.0">
                   <p:embed/>
                   <p:pic>
                     <p:nvPicPr>
@@ -12407,7 +12408,7 @@
                       <p:nvPr/>
                     </p:nvPicPr>
                     <p:blipFill>
-                      <a:blip r:embed="rId36"/>
+                      <a:blip r:embed="rId35"/>
                       <a:stretch>
                         <a:fillRect/>
                       </a:stretch>
@@ -12515,12 +12516,12 @@
           <a:graphicData uri="http://schemas.openxmlformats.org/presentationml/2006/ole">
             <mc:AlternateContent xmlns:mc="http://schemas.openxmlformats.org/markup-compatibility/2006">
               <mc:Choice xmlns:v="urn:schemas-microsoft-com:vml" Requires="v">
-                <p:oleObj spid="_x0000_s2206" name="CS ChemDraw Drawing" r:id="rId37" imgW="2349586" imgH="1078675" progId="ChemDraw.Document.6.0">
+                <p:oleObj name="CS ChemDraw Drawing" r:id="rId36" imgW="2349586" imgH="1078675" progId="ChemDraw.Document.6.0">
                   <p:embed/>
                 </p:oleObj>
               </mc:Choice>
               <mc:Fallback>
-                <p:oleObj name="CS ChemDraw Drawing" r:id="rId37" imgW="2349586" imgH="1078675" progId="ChemDraw.Document.6.0">
+                <p:oleObj name="CS ChemDraw Drawing" r:id="rId36" imgW="2349586" imgH="1078675" progId="ChemDraw.Document.6.0">
                   <p:embed/>
                   <p:pic>
                     <p:nvPicPr>
@@ -12529,7 +12530,7 @@
                       <p:nvPr/>
                     </p:nvPicPr>
                     <p:blipFill>
-                      <a:blip r:embed="rId38"/>
+                      <a:blip r:embed="rId37"/>
                       <a:stretch>
                         <a:fillRect/>
                       </a:stretch>
@@ -12578,12 +12579,12 @@
           <a:graphicData uri="http://schemas.openxmlformats.org/presentationml/2006/ole">
             <mc:AlternateContent xmlns:mc="http://schemas.openxmlformats.org/markup-compatibility/2006">
               <mc:Choice xmlns:v="urn:schemas-microsoft-com:vml" Requires="v">
-                <p:oleObj spid="_x0000_s2207" name="CS ChemDraw Drawing" r:id="rId39" imgW="1200479" imgH="1273606" progId="ChemDraw.Document.6.0">
+                <p:oleObj name="CS ChemDraw Drawing" r:id="rId38" imgW="1200479" imgH="1273606" progId="ChemDraw.Document.6.0">
                   <p:embed/>
                 </p:oleObj>
               </mc:Choice>
               <mc:Fallback>
-                <p:oleObj name="CS ChemDraw Drawing" r:id="rId39" imgW="1200479" imgH="1273606" progId="ChemDraw.Document.6.0">
+                <p:oleObj name="CS ChemDraw Drawing" r:id="rId38" imgW="1200479" imgH="1273606" progId="ChemDraw.Document.6.0">
                   <p:embed/>
                   <p:pic>
                     <p:nvPicPr>
@@ -12592,7 +12593,7 @@
                       <p:nvPr/>
                     </p:nvPicPr>
                     <p:blipFill>
-                      <a:blip r:embed="rId40"/>
+                      <a:blip r:embed="rId39"/>
                       <a:stretch>
                         <a:fillRect/>
                       </a:stretch>
@@ -12641,12 +12642,12 @@
           <a:graphicData uri="http://schemas.openxmlformats.org/presentationml/2006/ole">
             <mc:AlternateContent xmlns:mc="http://schemas.openxmlformats.org/markup-compatibility/2006">
               <mc:Choice xmlns:v="urn:schemas-microsoft-com:vml" Requires="v">
-                <p:oleObj spid="_x0000_s2208" name="CS ChemDraw Drawing" r:id="rId41" imgW="4484847" imgH="1418641" progId="ChemDraw.Document.6.0">
+                <p:oleObj name="CS ChemDraw Drawing" r:id="rId40" imgW="4484847" imgH="1418641" progId="ChemDraw.Document.6.0">
                   <p:embed/>
                 </p:oleObj>
               </mc:Choice>
               <mc:Fallback>
-                <p:oleObj name="CS ChemDraw Drawing" r:id="rId41" imgW="4484847" imgH="1418641" progId="ChemDraw.Document.6.0">
+                <p:oleObj name="CS ChemDraw Drawing" r:id="rId40" imgW="4484847" imgH="1418641" progId="ChemDraw.Document.6.0">
                   <p:embed/>
                   <p:pic>
                     <p:nvPicPr>
@@ -12655,7 +12656,7 @@
                       <p:nvPr/>
                     </p:nvPicPr>
                     <p:blipFill>
-                      <a:blip r:embed="rId42"/>
+                      <a:blip r:embed="rId41"/>
                       <a:stretch>
                         <a:fillRect/>
                       </a:stretch>
@@ -12763,12 +12764,12 @@
           <a:graphicData uri="http://schemas.openxmlformats.org/presentationml/2006/ole">
             <mc:AlternateContent xmlns:mc="http://schemas.openxmlformats.org/markup-compatibility/2006">
               <mc:Choice xmlns:v="urn:schemas-microsoft-com:vml" Requires="v">
-                <p:oleObj spid="_x0000_s2209" name="CS ChemDraw Drawing" r:id="rId43" imgW="1418594" imgH="1476148" progId="ChemDraw.Document.6.0">
+                <p:oleObj name="CS ChemDraw Drawing" r:id="rId42" imgW="1418594" imgH="1476148" progId="ChemDraw.Document.6.0">
                   <p:embed/>
                 </p:oleObj>
               </mc:Choice>
               <mc:Fallback>
-                <p:oleObj name="CS ChemDraw Drawing" r:id="rId43" imgW="1418594" imgH="1476148" progId="ChemDraw.Document.6.0">
+                <p:oleObj name="CS ChemDraw Drawing" r:id="rId42" imgW="1418594" imgH="1476148" progId="ChemDraw.Document.6.0">
                   <p:embed/>
                   <p:pic>
                     <p:nvPicPr>
@@ -12777,7 +12778,7 @@
                       <p:nvPr/>
                     </p:nvPicPr>
                     <p:blipFill>
-                      <a:blip r:embed="rId44"/>
+                      <a:blip r:embed="rId43"/>
                       <a:stretch>
                         <a:fillRect/>
                       </a:stretch>
@@ -12826,12 +12827,12 @@
           <a:graphicData uri="http://schemas.openxmlformats.org/presentationml/2006/ole">
             <mc:AlternateContent xmlns:mc="http://schemas.openxmlformats.org/markup-compatibility/2006">
               <mc:Choice xmlns:v="urn:schemas-microsoft-com:vml" Requires="v">
-                <p:oleObj spid="_x0000_s2210" name="CS ChemDraw Drawing" r:id="rId45" imgW="4181674" imgH="1446126" progId="ChemDraw.Document.6.0">
+                <p:oleObj name="CS ChemDraw Drawing" r:id="rId44" imgW="4181674" imgH="1446126" progId="ChemDraw.Document.6.0">
                   <p:embed/>
                 </p:oleObj>
               </mc:Choice>
               <mc:Fallback>
-                <p:oleObj name="CS ChemDraw Drawing" r:id="rId45" imgW="4181674" imgH="1446126" progId="ChemDraw.Document.6.0">
+                <p:oleObj name="CS ChemDraw Drawing" r:id="rId44" imgW="4181674" imgH="1446126" progId="ChemDraw.Document.6.0">
                   <p:embed/>
                   <p:pic>
                     <p:nvPicPr>
@@ -12840,7 +12841,7 @@
                       <p:nvPr/>
                     </p:nvPicPr>
                     <p:blipFill>
-                      <a:blip r:embed="rId46"/>
+                      <a:blip r:embed="rId45"/>
                       <a:stretch>
                         <a:fillRect/>
                       </a:stretch>
@@ -12948,12 +12949,12 @@
           <a:graphicData uri="http://schemas.openxmlformats.org/presentationml/2006/ole">
             <mc:AlternateContent xmlns:mc="http://schemas.openxmlformats.org/markup-compatibility/2006">
               <mc:Choice xmlns:v="urn:schemas-microsoft-com:vml" Requires="v">
-                <p:oleObj spid="_x0000_s2211" name="CS ChemDraw Drawing" r:id="rId47" imgW="1965568" imgH="1090937" progId="ChemDraw.Document.6.0">
+                <p:oleObj name="CS ChemDraw Drawing" r:id="rId46" imgW="1965568" imgH="1090937" progId="ChemDraw.Document.6.0">
                   <p:embed/>
                 </p:oleObj>
               </mc:Choice>
               <mc:Fallback>
-                <p:oleObj name="CS ChemDraw Drawing" r:id="rId47" imgW="1965568" imgH="1090937" progId="ChemDraw.Document.6.0">
+                <p:oleObj name="CS ChemDraw Drawing" r:id="rId46" imgW="1965568" imgH="1090937" progId="ChemDraw.Document.6.0">
                   <p:embed/>
                   <p:pic>
                     <p:nvPicPr>
@@ -12962,7 +12963,7 @@
                       <p:nvPr/>
                     </p:nvPicPr>
                     <p:blipFill>
-                      <a:blip r:embed="rId48"/>
+                      <a:blip r:embed="rId47"/>
                       <a:stretch>
                         <a:fillRect/>
                       </a:stretch>
@@ -13011,12 +13012,12 @@
           <a:graphicData uri="http://schemas.openxmlformats.org/presentationml/2006/ole">
             <mc:AlternateContent xmlns:mc="http://schemas.openxmlformats.org/markup-compatibility/2006">
               <mc:Choice xmlns:v="urn:schemas-microsoft-com:vml" Requires="v">
-                <p:oleObj spid="_x0000_s2212" name="CS ChemDraw Drawing" r:id="rId49" imgW="2095258" imgH="1453315" progId="ChemDraw.Document.6.0">
+                <p:oleObj name="CS ChemDraw Drawing" r:id="rId48" imgW="2095258" imgH="1453315" progId="ChemDraw.Document.6.0">
                   <p:embed/>
                 </p:oleObj>
               </mc:Choice>
               <mc:Fallback>
-                <p:oleObj name="CS ChemDraw Drawing" r:id="rId49" imgW="2095258" imgH="1453315" progId="ChemDraw.Document.6.0">
+                <p:oleObj name="CS ChemDraw Drawing" r:id="rId48" imgW="2095258" imgH="1453315" progId="ChemDraw.Document.6.0">
                   <p:embed/>
                   <p:pic>
                     <p:nvPicPr>
@@ -13025,7 +13026,7 @@
                       <p:nvPr/>
                     </p:nvPicPr>
                     <p:blipFill>
-                      <a:blip r:embed="rId50"/>
+                      <a:blip r:embed="rId49"/>
                       <a:stretch>
                         <a:fillRect/>
                       </a:stretch>
@@ -13074,12 +13075,12 @@
           <a:graphicData uri="http://schemas.openxmlformats.org/presentationml/2006/ole">
             <mc:AlternateContent xmlns:mc="http://schemas.openxmlformats.org/markup-compatibility/2006">
               <mc:Choice xmlns:v="urn:schemas-microsoft-com:vml" Requires="v">
-                <p:oleObj spid="_x0000_s2213" name="CS ChemDraw Drawing" r:id="rId51" imgW="1546600" imgH="1214408" progId="ChemDraw.Document.6.0">
+                <p:oleObj name="CS ChemDraw Drawing" r:id="rId50" imgW="1546600" imgH="1214408" progId="ChemDraw.Document.6.0">
                   <p:embed/>
                 </p:oleObj>
               </mc:Choice>
               <mc:Fallback>
-                <p:oleObj name="CS ChemDraw Drawing" r:id="rId51" imgW="1546600" imgH="1214408" progId="ChemDraw.Document.6.0">
+                <p:oleObj name="CS ChemDraw Drawing" r:id="rId50" imgW="1546600" imgH="1214408" progId="ChemDraw.Document.6.0">
                   <p:embed/>
                   <p:pic>
                     <p:nvPicPr>
@@ -13088,7 +13089,7 @@
                       <p:nvPr/>
                     </p:nvPicPr>
                     <p:blipFill>
-                      <a:blip r:embed="rId52"/>
+                      <a:blip r:embed="rId51"/>
                       <a:stretch>
                         <a:fillRect/>
                       </a:stretch>
@@ -13196,12 +13197,12 @@
           <a:graphicData uri="http://schemas.openxmlformats.org/presentationml/2006/ole">
             <mc:AlternateContent xmlns:mc="http://schemas.openxmlformats.org/markup-compatibility/2006">
               <mc:Choice xmlns:v="urn:schemas-microsoft-com:vml" Requires="v">
-                <p:oleObj spid="_x0000_s2214" name="CS ChemDraw Drawing" r:id="rId53" imgW="1996306" imgH="1191574" progId="ChemDraw.Document.6.0">
+                <p:oleObj name="CS ChemDraw Drawing" r:id="rId52" imgW="1996306" imgH="1191574" progId="ChemDraw.Document.6.0">
                   <p:embed/>
                 </p:oleObj>
               </mc:Choice>
               <mc:Fallback>
-                <p:oleObj name="CS ChemDraw Drawing" r:id="rId53" imgW="1996306" imgH="1191574" progId="ChemDraw.Document.6.0">
+                <p:oleObj name="CS ChemDraw Drawing" r:id="rId52" imgW="1996306" imgH="1191574" progId="ChemDraw.Document.6.0">
                   <p:embed/>
                   <p:pic>
                     <p:nvPicPr>
@@ -13210,7 +13211,7 @@
                       <p:nvPr/>
                     </p:nvPicPr>
                     <p:blipFill>
-                      <a:blip r:embed="rId54"/>
+                      <a:blip r:embed="rId53"/>
                       <a:stretch>
                         <a:fillRect/>
                       </a:stretch>
@@ -13643,71 +13644,6 @@
       </p:sp>
       <p:sp>
         <p:nvSpPr>
-          <p:cNvPr id="65" name="Google Shape;298;p9">
-            <a:extLst>
-              <a:ext uri="{FF2B5EF4-FFF2-40B4-BE49-F238E27FC236}">
-                <a16:creationId xmlns:a16="http://schemas.microsoft.com/office/drawing/2014/main" id="{AF874135-D2EF-4C7D-9758-7B0DBDF32768}"/>
-              </a:ext>
-            </a:extLst>
-          </p:cNvPr>
-          <p:cNvSpPr txBox="1"/>
-          <p:nvPr/>
-        </p:nvSpPr>
-        <p:spPr>
-          <a:xfrm>
-            <a:off x="14358864" y="5984097"/>
-            <a:ext cx="631425" cy="310717"/>
-          </a:xfrm>
-          <a:prstGeom prst="rect">
-            <a:avLst/>
-          </a:prstGeom>
-          <a:noFill/>
-          <a:ln>
-            <a:noFill/>
-          </a:ln>
-        </p:spPr>
-        <p:txBody>
-          <a:bodyPr spcFirstLastPara="1" wrap="square" lIns="94378" tIns="47176" rIns="94378" bIns="47176" anchor="t" anchorCtr="0">
-            <a:spAutoFit/>
-          </a:bodyPr>
-          <a:lstStyle/>
-          <a:p>
-            <a:pPr algn="ctr">
-              <a:buClr>
-                <a:srgbClr val="000000"/>
-              </a:buClr>
-              <a:buSzPts val="1200"/>
-            </a:pPr>
-            <a:r>
-              <a:rPr lang="pt-BR" sz="1400" b="1" dirty="0">
-                <a:solidFill>
-                  <a:schemeClr val="tx1">
-                    <a:lumMod val="85000"/>
-                    <a:lumOff val="15000"/>
-                  </a:schemeClr>
-                </a:solidFill>
-                <a:latin typeface="Avenir"/>
-                <a:sym typeface="Avenir"/>
-              </a:rPr>
-              <a:t>DICZ</a:t>
-            </a:r>
-            <a:endParaRPr sz="1600" dirty="0">
-              <a:solidFill>
-                <a:schemeClr val="tx1">
-                  <a:lumMod val="85000"/>
-                  <a:lumOff val="15000"/>
-                </a:schemeClr>
-              </a:solidFill>
-              <a:latin typeface="Arial"/>
-              <a:ea typeface="Arial"/>
-              <a:cs typeface="Arial"/>
-              <a:sym typeface="Arial"/>
-            </a:endParaRPr>
-          </a:p>
-        </p:txBody>
-      </p:sp>
-      <p:sp>
-        <p:nvSpPr>
           <p:cNvPr id="66" name="Google Shape;298;p9">
             <a:extLst>
               <a:ext uri="{FF2B5EF4-FFF2-40B4-BE49-F238E27FC236}">
@@ -13852,12 +13788,12 @@
           <a:graphicData uri="http://schemas.openxmlformats.org/presentationml/2006/ole">
             <mc:AlternateContent xmlns:mc="http://schemas.openxmlformats.org/markup-compatibility/2006">
               <mc:Choice xmlns:v="urn:schemas-microsoft-com:vml" Requires="v">
-                <p:oleObj spid="_x0000_s3110" name="CS ChemDraw Drawing" r:id="rId3" imgW="883411" imgH="1194111" progId="ChemDraw.Document.6.0">
+                <p:oleObj name="CS ChemDraw Drawing" r:id="rId2" imgW="883411" imgH="1194111" progId="ChemDraw.Document.6.0">
                   <p:embed/>
                 </p:oleObj>
               </mc:Choice>
               <mc:Fallback>
-                <p:oleObj name="CS ChemDraw Drawing" r:id="rId3" imgW="883411" imgH="1194111" progId="ChemDraw.Document.6.0">
+                <p:oleObj name="CS ChemDraw Drawing" r:id="rId2" imgW="883411" imgH="1194111" progId="ChemDraw.Document.6.0">
                   <p:embed/>
                   <p:pic>
                     <p:nvPicPr>
@@ -13866,7 +13802,7 @@
                       <p:nvPr/>
                     </p:nvPicPr>
                     <p:blipFill>
-                      <a:blip r:embed="rId4"/>
+                      <a:blip r:embed="rId3"/>
                       <a:stretch>
                         <a:fillRect/>
                       </a:stretch>
@@ -13915,12 +13851,12 @@
           <a:graphicData uri="http://schemas.openxmlformats.org/presentationml/2006/ole">
             <mc:AlternateContent xmlns:mc="http://schemas.openxmlformats.org/markup-compatibility/2006">
               <mc:Choice xmlns:v="urn:schemas-microsoft-com:vml" Requires="v">
-                <p:oleObj spid="_x0000_s3111" name="CS ChemDraw Drawing" r:id="rId5" imgW="1846825" imgH="1604270" progId="ChemDraw.Document.6.0">
+                <p:oleObj name="CS ChemDraw Drawing" r:id="rId4" imgW="1846825" imgH="1604270" progId="ChemDraw.Document.6.0">
                   <p:embed/>
                 </p:oleObj>
               </mc:Choice>
               <mc:Fallback>
-                <p:oleObj name="CS ChemDraw Drawing" r:id="rId5" imgW="1846825" imgH="1604270" progId="ChemDraw.Document.6.0">
+                <p:oleObj name="CS ChemDraw Drawing" r:id="rId4" imgW="1846825" imgH="1604270" progId="ChemDraw.Document.6.0">
                   <p:embed/>
                   <p:pic>
                     <p:nvPicPr>
@@ -13929,7 +13865,7 @@
                       <p:nvPr/>
                     </p:nvPicPr>
                     <p:blipFill>
-                      <a:blip r:embed="rId6"/>
+                      <a:blip r:embed="rId5"/>
                       <a:stretch>
                         <a:fillRect/>
                       </a:stretch>
@@ -14037,12 +13973,12 @@
           <a:graphicData uri="http://schemas.openxmlformats.org/presentationml/2006/ole">
             <mc:AlternateContent xmlns:mc="http://schemas.openxmlformats.org/markup-compatibility/2006">
               <mc:Choice xmlns:v="urn:schemas-microsoft-com:vml" Requires="v">
-                <p:oleObj spid="_x0000_s3112" name="CS ChemDraw Drawing" r:id="rId7" imgW="2212317" imgH="1920134" progId="ChemDraw.Document.6.0">
+                <p:oleObj name="CS ChemDraw Drawing" r:id="rId6" imgW="2212317" imgH="1920134" progId="ChemDraw.Document.6.0">
                   <p:embed/>
                 </p:oleObj>
               </mc:Choice>
               <mc:Fallback>
-                <p:oleObj name="CS ChemDraw Drawing" r:id="rId7" imgW="2212317" imgH="1920134" progId="ChemDraw.Document.6.0">
+                <p:oleObj name="CS ChemDraw Drawing" r:id="rId6" imgW="2212317" imgH="1920134" progId="ChemDraw.Document.6.0">
                   <p:embed/>
                   <p:pic>
                     <p:nvPicPr>
@@ -14051,7 +13987,7 @@
                       <p:nvPr/>
                     </p:nvPicPr>
                     <p:blipFill>
-                      <a:blip r:embed="rId8"/>
+                      <a:blip r:embed="rId7"/>
                       <a:stretch>
                         <a:fillRect/>
                       </a:stretch>
@@ -14159,12 +14095,12 @@
           <a:graphicData uri="http://schemas.openxmlformats.org/presentationml/2006/ole">
             <mc:AlternateContent xmlns:mc="http://schemas.openxmlformats.org/markup-compatibility/2006">
               <mc:Choice xmlns:v="urn:schemas-microsoft-com:vml" Requires="v">
-                <p:oleObj spid="_x0000_s3113" name="CS ChemDraw Drawing" r:id="rId9" imgW="2931930" imgH="2215702" progId="ChemDraw.Document.6.0">
+                <p:oleObj name="CS ChemDraw Drawing" r:id="rId8" imgW="2931930" imgH="2215702" progId="ChemDraw.Document.6.0">
                   <p:embed/>
                 </p:oleObj>
               </mc:Choice>
               <mc:Fallback>
-                <p:oleObj name="CS ChemDraw Drawing" r:id="rId9" imgW="2931930" imgH="2215702" progId="ChemDraw.Document.6.0">
+                <p:oleObj name="CS ChemDraw Drawing" r:id="rId8" imgW="2931930" imgH="2215702" progId="ChemDraw.Document.6.0">
                   <p:embed/>
                   <p:pic>
                     <p:nvPicPr>
@@ -14173,7 +14109,7 @@
                       <p:nvPr/>
                     </p:nvPicPr>
                     <p:blipFill>
-                      <a:blip r:embed="rId10"/>
+                      <a:blip r:embed="rId9"/>
                       <a:stretch>
                         <a:fillRect/>
                       </a:stretch>
@@ -14281,12 +14217,12 @@
           <a:graphicData uri="http://schemas.openxmlformats.org/presentationml/2006/ole">
             <mc:AlternateContent xmlns:mc="http://schemas.openxmlformats.org/markup-compatibility/2006">
               <mc:Choice xmlns:v="urn:schemas-microsoft-com:vml" Requires="v">
-                <p:oleObj spid="_x0000_s3114" name="CS ChemDraw Drawing" r:id="rId11" imgW="3273420" imgH="2233884" progId="ChemDraw.Document.6.0">
+                <p:oleObj name="CS ChemDraw Drawing" r:id="rId10" imgW="3273420" imgH="2233884" progId="ChemDraw.Document.6.0">
                   <p:embed/>
                 </p:oleObj>
               </mc:Choice>
               <mc:Fallback>
-                <p:oleObj name="CS ChemDraw Drawing" r:id="rId11" imgW="3273420" imgH="2233884" progId="ChemDraw.Document.6.0">
+                <p:oleObj name="CS ChemDraw Drawing" r:id="rId10" imgW="3273420" imgH="2233884" progId="ChemDraw.Document.6.0">
                   <p:embed/>
                   <p:pic>
                     <p:nvPicPr>
@@ -14295,7 +14231,7 @@
                       <p:nvPr/>
                     </p:nvPicPr>
                     <p:blipFill>
-                      <a:blip r:embed="rId12"/>
+                      <a:blip r:embed="rId11"/>
                       <a:stretch>
                         <a:fillRect/>
                       </a:stretch>
@@ -14403,12 +14339,12 @@
           <a:graphicData uri="http://schemas.openxmlformats.org/presentationml/2006/ole">
             <mc:AlternateContent xmlns:mc="http://schemas.openxmlformats.org/markup-compatibility/2006">
               <mc:Choice xmlns:v="urn:schemas-microsoft-com:vml" Requires="v">
-                <p:oleObj spid="_x0000_s3115" name="CS ChemDraw Drawing" r:id="rId13" imgW="2427064" imgH="2221622" progId="ChemDraw.Document.6.0">
+                <p:oleObj name="CS ChemDraw Drawing" r:id="rId12" imgW="2427064" imgH="2221622" progId="ChemDraw.Document.6.0">
                   <p:embed/>
                 </p:oleObj>
               </mc:Choice>
               <mc:Fallback>
-                <p:oleObj name="CS ChemDraw Drawing" r:id="rId13" imgW="2427064" imgH="2221622" progId="ChemDraw.Document.6.0">
+                <p:oleObj name="CS ChemDraw Drawing" r:id="rId12" imgW="2427064" imgH="2221622" progId="ChemDraw.Document.6.0">
                   <p:embed/>
                   <p:pic>
                     <p:nvPicPr>
@@ -14417,7 +14353,7 @@
                       <p:nvPr/>
                     </p:nvPicPr>
                     <p:blipFill>
-                      <a:blip r:embed="rId14"/>
+                      <a:blip r:embed="rId13"/>
                       <a:stretch>
                         <a:fillRect/>
                       </a:stretch>
@@ -14525,12 +14461,12 @@
           <a:graphicData uri="http://schemas.openxmlformats.org/presentationml/2006/ole">
             <mc:AlternateContent xmlns:mc="http://schemas.openxmlformats.org/markup-compatibility/2006">
               <mc:Choice xmlns:v="urn:schemas-microsoft-com:vml" Requires="v">
-                <p:oleObj spid="_x0000_s3116" name="CS ChemDraw Drawing" r:id="rId15" imgW="1835877" imgH="2299425" progId="ChemDraw.Document.6.0">
+                <p:oleObj name="CS ChemDraw Drawing" r:id="rId14" imgW="1835877" imgH="2299425" progId="ChemDraw.Document.6.0">
                   <p:embed/>
                 </p:oleObj>
               </mc:Choice>
               <mc:Fallback>
-                <p:oleObj name="CS ChemDraw Drawing" r:id="rId15" imgW="1835877" imgH="2299425" progId="ChemDraw.Document.6.0">
+                <p:oleObj name="CS ChemDraw Drawing" r:id="rId14" imgW="1835877" imgH="2299425" progId="ChemDraw.Document.6.0">
                   <p:embed/>
                   <p:pic>
                     <p:nvPicPr>
@@ -14539,7 +14475,7 @@
                       <p:nvPr/>
                     </p:nvPicPr>
                     <p:blipFill>
-                      <a:blip r:embed="rId16"/>
+                      <a:blip r:embed="rId15"/>
                       <a:stretch>
                         <a:fillRect/>
                       </a:stretch>
@@ -14647,12 +14583,12 @@
           <a:graphicData uri="http://schemas.openxmlformats.org/presentationml/2006/ole">
             <mc:AlternateContent xmlns:mc="http://schemas.openxmlformats.org/markup-compatibility/2006">
               <mc:Choice xmlns:v="urn:schemas-microsoft-com:vml" Requires="v">
-                <p:oleObj spid="_x0000_s3117" name="CS ChemDraw Drawing" r:id="rId17" imgW="1514599" imgH="1897301" progId="ChemDraw.Document.6.0">
+                <p:oleObj name="CS ChemDraw Drawing" r:id="rId16" imgW="1514599" imgH="1897301" progId="ChemDraw.Document.6.0">
                   <p:embed/>
                 </p:oleObj>
               </mc:Choice>
               <mc:Fallback>
-                <p:oleObj name="CS ChemDraw Drawing" r:id="rId17" imgW="1514599" imgH="1897301" progId="ChemDraw.Document.6.0">
+                <p:oleObj name="CS ChemDraw Drawing" r:id="rId16" imgW="1514599" imgH="1897301" progId="ChemDraw.Document.6.0">
                   <p:embed/>
                   <p:pic>
                     <p:nvPicPr>
@@ -14661,7 +14597,7 @@
                       <p:nvPr/>
                     </p:nvPicPr>
                     <p:blipFill>
-                      <a:blip r:embed="rId18"/>
+                      <a:blip r:embed="rId17"/>
                       <a:stretch>
                         <a:fillRect/>
                       </a:stretch>
@@ -14710,12 +14646,12 @@
           <a:graphicData uri="http://schemas.openxmlformats.org/presentationml/2006/ole">
             <mc:AlternateContent xmlns:mc="http://schemas.openxmlformats.org/markup-compatibility/2006">
               <mc:Choice xmlns:v="urn:schemas-microsoft-com:vml" Requires="v">
-                <p:oleObj spid="_x0000_s3118" name="CS ChemDraw Drawing" r:id="rId19" imgW="1238796" imgH="1814846" progId="ChemDraw.Document.6.0">
+                <p:oleObj name="CS ChemDraw Drawing" r:id="rId18" imgW="1238796" imgH="1814846" progId="ChemDraw.Document.6.0">
                   <p:embed/>
                 </p:oleObj>
               </mc:Choice>
               <mc:Fallback>
-                <p:oleObj name="CS ChemDraw Drawing" r:id="rId19" imgW="1238796" imgH="1814846" progId="ChemDraw.Document.6.0">
+                <p:oleObj name="CS ChemDraw Drawing" r:id="rId18" imgW="1238796" imgH="1814846" progId="ChemDraw.Document.6.0">
                   <p:embed/>
                   <p:pic>
                     <p:nvPicPr>
@@ -14724,7 +14660,7 @@
                       <p:nvPr/>
                     </p:nvPicPr>
                     <p:blipFill>
-                      <a:blip r:embed="rId20"/>
+                      <a:blip r:embed="rId19"/>
                       <a:stretch>
                         <a:fillRect/>
                       </a:stretch>
@@ -14773,12 +14709,12 @@
           <a:graphicData uri="http://schemas.openxmlformats.org/presentationml/2006/ole">
             <mc:AlternateContent xmlns:mc="http://schemas.openxmlformats.org/markup-compatibility/2006">
               <mc:Choice xmlns:v="urn:schemas-microsoft-com:vml" Requires="v">
-                <p:oleObj spid="_x0000_s3119" name="CS ChemDraw Drawing" r:id="rId21" imgW="2073784" imgH="2541715" progId="ChemDraw.Document.6.0">
+                <p:oleObj name="CS ChemDraw Drawing" r:id="rId20" imgW="2073784" imgH="2541715" progId="ChemDraw.Document.6.0">
                   <p:embed/>
                 </p:oleObj>
               </mc:Choice>
               <mc:Fallback>
-                <p:oleObj name="CS ChemDraw Drawing" r:id="rId21" imgW="2073784" imgH="2541715" progId="ChemDraw.Document.6.0">
+                <p:oleObj name="CS ChemDraw Drawing" r:id="rId20" imgW="2073784" imgH="2541715" progId="ChemDraw.Document.6.0">
                   <p:embed/>
                   <p:pic>
                     <p:nvPicPr>
@@ -14787,7 +14723,7 @@
                       <p:nvPr/>
                     </p:nvPicPr>
                     <p:blipFill>
-                      <a:blip r:embed="rId22"/>
+                      <a:blip r:embed="rId21"/>
                       <a:stretch>
                         <a:fillRect/>
                       </a:stretch>
@@ -14836,12 +14772,12 @@
           <a:graphicData uri="http://schemas.openxmlformats.org/presentationml/2006/ole">
             <mc:AlternateContent xmlns:mc="http://schemas.openxmlformats.org/markup-compatibility/2006">
               <mc:Choice xmlns:v="urn:schemas-microsoft-com:vml" Requires="v">
-                <p:oleObj spid="_x0000_s3120" name="CS ChemDraw Drawing" r:id="rId23" imgW="1829982" imgH="2394142" progId="ChemDraw.Document.6.0">
+                <p:oleObj name="CS ChemDraw Drawing" r:id="rId22" imgW="1829982" imgH="2394142" progId="ChemDraw.Document.6.0">
                   <p:embed/>
                 </p:oleObj>
               </mc:Choice>
               <mc:Fallback>
-                <p:oleObj name="CS ChemDraw Drawing" r:id="rId23" imgW="1829982" imgH="2394142" progId="ChemDraw.Document.6.0">
+                <p:oleObj name="CS ChemDraw Drawing" r:id="rId22" imgW="1829982" imgH="2394142" progId="ChemDraw.Document.6.0">
                   <p:embed/>
                   <p:pic>
                     <p:nvPicPr>
@@ -14850,7 +14786,7 @@
                       <p:nvPr/>
                     </p:nvPicPr>
                     <p:blipFill>
-                      <a:blip r:embed="rId24"/>
+                      <a:blip r:embed="rId23"/>
                       <a:stretch>
                         <a:fillRect/>
                       </a:stretch>
@@ -14899,12 +14835,12 @@
           <a:graphicData uri="http://schemas.openxmlformats.org/presentationml/2006/ole">
             <mc:AlternateContent xmlns:mc="http://schemas.openxmlformats.org/markup-compatibility/2006">
               <mc:Choice xmlns:v="urn:schemas-microsoft-com:vml" Requires="v">
-                <p:oleObj spid="_x0000_s3121" name="CS ChemDraw Drawing" r:id="rId25" imgW="1840509" imgH="2366657" progId="ChemDraw.Document.6.0">
+                <p:oleObj name="CS ChemDraw Drawing" r:id="rId24" imgW="1840509" imgH="2366657" progId="ChemDraw.Document.6.0">
                   <p:embed/>
                 </p:oleObj>
               </mc:Choice>
               <mc:Fallback>
-                <p:oleObj name="CS ChemDraw Drawing" r:id="rId25" imgW="1840509" imgH="2366657" progId="ChemDraw.Document.6.0">
+                <p:oleObj name="CS ChemDraw Drawing" r:id="rId24" imgW="1840509" imgH="2366657" progId="ChemDraw.Document.6.0">
                   <p:embed/>
                   <p:pic>
                     <p:nvPicPr>
@@ -14913,7 +14849,7 @@
                       <p:nvPr/>
                     </p:nvPicPr>
                     <p:blipFill>
-                      <a:blip r:embed="rId26"/>
+                      <a:blip r:embed="rId25"/>
                       <a:stretch>
                         <a:fillRect/>
                       </a:stretch>
@@ -14938,6 +14874,928 @@
     <p:extLst>
       <p:ext uri="{BB962C8B-B14F-4D97-AF65-F5344CB8AC3E}">
         <p14:creationId xmlns:p14="http://schemas.microsoft.com/office/powerpoint/2010/main" val="3979848679"/>
+      </p:ext>
+    </p:extLst>
+  </p:cSld>
+  <p:clrMapOvr>
+    <a:masterClrMapping/>
+  </p:clrMapOvr>
+</p:sld>
+</file>
+
+<file path=ppt/slides/slide5.xml><?xml version="1.0" encoding="utf-8"?>
+<p:sld xmlns:a="http://schemas.openxmlformats.org/drawingml/2006/main" xmlns:r="http://schemas.openxmlformats.org/officeDocument/2006/relationships" xmlns:p="http://schemas.openxmlformats.org/presentationml/2006/main">
+  <p:cSld>
+    <p:spTree>
+      <p:nvGrpSpPr>
+        <p:cNvPr id="1" name=""/>
+        <p:cNvGrpSpPr/>
+        <p:nvPr/>
+      </p:nvGrpSpPr>
+      <p:grpSpPr>
+        <a:xfrm>
+          <a:off x="0" y="0"/>
+          <a:ext cx="0" cy="0"/>
+          <a:chOff x="0" y="0"/>
+          <a:chExt cx="0" cy="0"/>
+        </a:xfrm>
+      </p:grpSpPr>
+      <p:sp>
+        <p:nvSpPr>
+          <p:cNvPr id="5" name="Retângulo: Cantos Arredondados 4">
+            <a:extLst>
+              <a:ext uri="{FF2B5EF4-FFF2-40B4-BE49-F238E27FC236}">
+                <a16:creationId xmlns:a16="http://schemas.microsoft.com/office/drawing/2014/main" id="{90E86114-E759-48F3-9652-76E5F3AA3658}"/>
+              </a:ext>
+            </a:extLst>
+          </p:cNvPr>
+          <p:cNvSpPr>
+            <a:spLocks noGrp="1" noRot="1" noMove="1" noResize="1" noEditPoints="1" noAdjustHandles="1" noChangeArrowheads="1" noChangeShapeType="1"/>
+          </p:cNvSpPr>
+          <p:nvPr/>
+        </p:nvSpPr>
+        <p:spPr>
+          <a:xfrm>
+            <a:off x="87031" y="51597"/>
+            <a:ext cx="11346423" cy="10982129"/>
+          </a:xfrm>
+          <a:prstGeom prst="roundRect">
+            <a:avLst>
+              <a:gd name="adj" fmla="val 1159"/>
+            </a:avLst>
+          </a:prstGeom>
+          <a:solidFill>
+            <a:schemeClr val="bg1">
+              <a:lumMod val="95000"/>
+            </a:schemeClr>
+          </a:solidFill>
+          <a:ln w="28575">
+            <a:solidFill>
+              <a:schemeClr val="tx1">
+                <a:lumMod val="75000"/>
+                <a:lumOff val="25000"/>
+              </a:schemeClr>
+            </a:solidFill>
+          </a:ln>
+        </p:spPr>
+        <p:style>
+          <a:lnRef idx="2">
+            <a:schemeClr val="accent1">
+              <a:shade val="50000"/>
+            </a:schemeClr>
+          </a:lnRef>
+          <a:fillRef idx="1">
+            <a:schemeClr val="accent1"/>
+          </a:fillRef>
+          <a:effectRef idx="0">
+            <a:schemeClr val="accent1"/>
+          </a:effectRef>
+          <a:fontRef idx="minor">
+            <a:schemeClr val="lt1"/>
+          </a:fontRef>
+        </p:style>
+        <p:txBody>
+          <a:bodyPr rtlCol="0" anchor="ctr"/>
+          <a:lstStyle/>
+          <a:p>
+            <a:pPr algn="ctr"/>
+            <a:endParaRPr lang="pt-BR" sz="1893" u="sng" dirty="0"/>
+          </a:p>
+        </p:txBody>
+      </p:sp>
+      <p:graphicFrame>
+        <p:nvGraphicFramePr>
+          <p:cNvPr id="10" name="Objeto 9">
+            <a:extLst>
+              <a:ext uri="{FF2B5EF4-FFF2-40B4-BE49-F238E27FC236}">
+                <a16:creationId xmlns:a16="http://schemas.microsoft.com/office/drawing/2014/main" id="{486CE447-ABED-B1F9-8350-B5A1008EE352}"/>
+              </a:ext>
+            </a:extLst>
+          </p:cNvPr>
+          <p:cNvGraphicFramePr>
+            <a:graphicFrameLocks noChangeAspect="1"/>
+          </p:cNvGraphicFramePr>
+          <p:nvPr>
+            <p:extLst>
+              <p:ext uri="{D42A27DB-BD31-4B8C-83A1-F6EECF244321}">
+                <p14:modId xmlns:p14="http://schemas.microsoft.com/office/powerpoint/2010/main" val="3659042774"/>
+              </p:ext>
+            </p:extLst>
+          </p:nvPr>
+        </p:nvGraphicFramePr>
+        <p:xfrm>
+          <a:off x="7821109" y="946301"/>
+          <a:ext cx="2185987" cy="2105631"/>
+        </p:xfrm>
+        <a:graphic>
+          <a:graphicData uri="http://schemas.openxmlformats.org/presentationml/2006/ole">
+            <mc:AlternateContent xmlns:mc="http://schemas.openxmlformats.org/markup-compatibility/2006">
+              <mc:Choice xmlns:v="urn:schemas-microsoft-com:vml" Requires="v">
+                <p:oleObj name="CS ChemDraw Drawing" r:id="rId2" imgW="2521980" imgH="2427425" progId="ChemDraw.Document.6.0">
+                  <p:embed/>
+                </p:oleObj>
+              </mc:Choice>
+              <mc:Fallback>
+                <p:oleObj name="CS ChemDraw Drawing" r:id="rId2" imgW="2521980" imgH="2427425" progId="ChemDraw.Document.6.0">
+                  <p:embed/>
+                  <p:pic>
+                    <p:nvPicPr>
+                      <p:cNvPr id="41" name="Objeto 40">
+                        <a:extLst>
+                          <a:ext uri="{FF2B5EF4-FFF2-40B4-BE49-F238E27FC236}">
+                            <a16:creationId xmlns:a16="http://schemas.microsoft.com/office/drawing/2014/main" id="{4B1D7B2C-0356-4C6E-866C-20932904D366}"/>
+                          </a:ext>
+                        </a:extLst>
+                      </p:cNvPr>
+                      <p:cNvPicPr/>
+                      <p:nvPr/>
+                    </p:nvPicPr>
+                    <p:blipFill>
+                      <a:blip r:embed="rId3"/>
+                      <a:stretch>
+                        <a:fillRect/>
+                      </a:stretch>
+                    </p:blipFill>
+                    <p:spPr>
+                      <a:xfrm>
+                        <a:off x="7821109" y="946301"/>
+                        <a:ext cx="2185987" cy="2105631"/>
+                      </a:xfrm>
+                      <a:prstGeom prst="rect">
+                        <a:avLst/>
+                      </a:prstGeom>
+                    </p:spPr>
+                  </p:pic>
+                </p:oleObj>
+              </mc:Fallback>
+            </mc:AlternateContent>
+          </a:graphicData>
+        </a:graphic>
+      </p:graphicFrame>
+      <p:graphicFrame>
+        <p:nvGraphicFramePr>
+          <p:cNvPr id="17" name="Objeto 16">
+            <a:extLst>
+              <a:ext uri="{FF2B5EF4-FFF2-40B4-BE49-F238E27FC236}">
+                <a16:creationId xmlns:a16="http://schemas.microsoft.com/office/drawing/2014/main" id="{BE7BCA88-51B5-7DB4-6859-A7366FF03C75}"/>
+              </a:ext>
+            </a:extLst>
+          </p:cNvPr>
+          <p:cNvGraphicFramePr>
+            <a:graphicFrameLocks noChangeAspect="1"/>
+          </p:cNvGraphicFramePr>
+          <p:nvPr>
+            <p:extLst>
+              <p:ext uri="{D42A27DB-BD31-4B8C-83A1-F6EECF244321}">
+                <p14:modId xmlns:p14="http://schemas.microsoft.com/office/powerpoint/2010/main" val="1249621383"/>
+              </p:ext>
+            </p:extLst>
+          </p:nvPr>
+        </p:nvGraphicFramePr>
+        <p:xfrm>
+          <a:off x="843643" y="1339850"/>
+          <a:ext cx="774700" cy="1365250"/>
+        </p:xfrm>
+        <a:graphic>
+          <a:graphicData uri="http://schemas.openxmlformats.org/presentationml/2006/ole">
+            <mc:AlternateContent xmlns:mc="http://schemas.openxmlformats.org/markup-compatibility/2006">
+              <mc:Choice xmlns:v="urn:schemas-microsoft-com:vml" Requires="v">
+                <p:oleObj name="CS ChemDraw Drawing" r:id="rId4" imgW="775227" imgH="1365331" progId="ChemDraw.Document.6.0">
+                  <p:embed/>
+                </p:oleObj>
+              </mc:Choice>
+              <mc:Fallback>
+                <p:oleObj name="CS ChemDraw Drawing" r:id="rId4" imgW="775227" imgH="1365331" progId="ChemDraw.Document.6.0">
+                  <p:embed/>
+                  <p:pic>
+                    <p:nvPicPr>
+                      <p:cNvPr id="0" name=""/>
+                      <p:cNvPicPr/>
+                      <p:nvPr/>
+                    </p:nvPicPr>
+                    <p:blipFill>
+                      <a:blip r:embed="rId5"/>
+                      <a:stretch>
+                        <a:fillRect/>
+                      </a:stretch>
+                    </p:blipFill>
+                    <p:spPr>
+                      <a:xfrm>
+                        <a:off x="843643" y="1339850"/>
+                        <a:ext cx="774700" cy="1365250"/>
+                      </a:xfrm>
+                      <a:prstGeom prst="rect">
+                        <a:avLst/>
+                      </a:prstGeom>
+                    </p:spPr>
+                  </p:pic>
+                </p:oleObj>
+              </mc:Fallback>
+            </mc:AlternateContent>
+          </a:graphicData>
+        </a:graphic>
+      </p:graphicFrame>
+      <p:graphicFrame>
+        <p:nvGraphicFramePr>
+          <p:cNvPr id="18" name="Objeto 17">
+            <a:extLst>
+              <a:ext uri="{FF2B5EF4-FFF2-40B4-BE49-F238E27FC236}">
+                <a16:creationId xmlns:a16="http://schemas.microsoft.com/office/drawing/2014/main" id="{7EEE5EF1-AB1B-107C-DDB4-291CDB15BD77}"/>
+              </a:ext>
+            </a:extLst>
+          </p:cNvPr>
+          <p:cNvGraphicFramePr>
+            <a:graphicFrameLocks noChangeAspect="1"/>
+          </p:cNvGraphicFramePr>
+          <p:nvPr>
+            <p:extLst>
+              <p:ext uri="{D42A27DB-BD31-4B8C-83A1-F6EECF244321}">
+                <p14:modId xmlns:p14="http://schemas.microsoft.com/office/powerpoint/2010/main" val="1271275081"/>
+              </p:ext>
+            </p:extLst>
+          </p:nvPr>
+        </p:nvGraphicFramePr>
+        <p:xfrm>
+          <a:off x="2393702" y="1166132"/>
+          <a:ext cx="1647825" cy="2235200"/>
+        </p:xfrm>
+        <a:graphic>
+          <a:graphicData uri="http://schemas.openxmlformats.org/presentationml/2006/ole">
+            <mc:AlternateContent xmlns:mc="http://schemas.openxmlformats.org/markup-compatibility/2006">
+              <mc:Choice xmlns:v="urn:schemas-microsoft-com:vml" Requires="v">
+                <p:oleObj name="CS ChemDraw Drawing" r:id="rId6" imgW="1648604" imgH="2235503" progId="ChemDraw.Document.6.0">
+                  <p:embed/>
+                </p:oleObj>
+              </mc:Choice>
+              <mc:Fallback>
+                <p:oleObj name="CS ChemDraw Drawing" r:id="rId6" imgW="1648604" imgH="2235503" progId="ChemDraw.Document.6.0">
+                  <p:embed/>
+                  <p:pic>
+                    <p:nvPicPr>
+                      <p:cNvPr id="0" name=""/>
+                      <p:cNvPicPr/>
+                      <p:nvPr/>
+                    </p:nvPicPr>
+                    <p:blipFill>
+                      <a:blip r:embed="rId7"/>
+                      <a:stretch>
+                        <a:fillRect/>
+                      </a:stretch>
+                    </p:blipFill>
+                    <p:spPr>
+                      <a:xfrm>
+                        <a:off x="2393702" y="1166132"/>
+                        <a:ext cx="1647825" cy="2235200"/>
+                      </a:xfrm>
+                      <a:prstGeom prst="rect">
+                        <a:avLst/>
+                      </a:prstGeom>
+                    </p:spPr>
+                  </p:pic>
+                </p:oleObj>
+              </mc:Fallback>
+            </mc:AlternateContent>
+          </a:graphicData>
+        </a:graphic>
+      </p:graphicFrame>
+      <p:graphicFrame>
+        <p:nvGraphicFramePr>
+          <p:cNvPr id="19" name="Objeto 18">
+            <a:extLst>
+              <a:ext uri="{FF2B5EF4-FFF2-40B4-BE49-F238E27FC236}">
+                <a16:creationId xmlns:a16="http://schemas.microsoft.com/office/drawing/2014/main" id="{13BE817E-A33D-720D-FE79-B9C3EB9EBF94}"/>
+              </a:ext>
+            </a:extLst>
+          </p:cNvPr>
+          <p:cNvGraphicFramePr>
+            <a:graphicFrameLocks noChangeAspect="1"/>
+          </p:cNvGraphicFramePr>
+          <p:nvPr>
+            <p:extLst>
+              <p:ext uri="{D42A27DB-BD31-4B8C-83A1-F6EECF244321}">
+                <p14:modId xmlns:p14="http://schemas.microsoft.com/office/powerpoint/2010/main" val="2351987580"/>
+              </p:ext>
+            </p:extLst>
+          </p:nvPr>
+        </p:nvGraphicFramePr>
+        <p:xfrm>
+          <a:off x="4458510" y="1048657"/>
+          <a:ext cx="2185987" cy="2470150"/>
+        </p:xfrm>
+        <a:graphic>
+          <a:graphicData uri="http://schemas.openxmlformats.org/presentationml/2006/ole">
+            <mc:AlternateContent xmlns:mc="http://schemas.openxmlformats.org/markup-compatibility/2006">
+              <mc:Choice xmlns:v="urn:schemas-microsoft-com:vml" Requires="v">
+                <p:oleObj name="CS ChemDraw Drawing" r:id="rId8" imgW="2186509" imgH="2470032" progId="ChemDraw.Document.6.0">
+                  <p:embed/>
+                </p:oleObj>
+              </mc:Choice>
+              <mc:Fallback>
+                <p:oleObj name="CS ChemDraw Drawing" r:id="rId8" imgW="2186509" imgH="2470032" progId="ChemDraw.Document.6.0">
+                  <p:embed/>
+                  <p:pic>
+                    <p:nvPicPr>
+                      <p:cNvPr id="0" name=""/>
+                      <p:cNvPicPr/>
+                      <p:nvPr/>
+                    </p:nvPicPr>
+                    <p:blipFill>
+                      <a:blip r:embed="rId9"/>
+                      <a:stretch>
+                        <a:fillRect/>
+                      </a:stretch>
+                    </p:blipFill>
+                    <p:spPr>
+                      <a:xfrm>
+                        <a:off x="4458510" y="1048657"/>
+                        <a:ext cx="2185987" cy="2470150"/>
+                      </a:xfrm>
+                      <a:prstGeom prst="rect">
+                        <a:avLst/>
+                      </a:prstGeom>
+                    </p:spPr>
+                  </p:pic>
+                </p:oleObj>
+              </mc:Fallback>
+            </mc:AlternateContent>
+          </a:graphicData>
+        </a:graphic>
+      </p:graphicFrame>
+      <p:graphicFrame>
+        <p:nvGraphicFramePr>
+          <p:cNvPr id="21" name="Objeto 20">
+            <a:extLst>
+              <a:ext uri="{FF2B5EF4-FFF2-40B4-BE49-F238E27FC236}">
+                <a16:creationId xmlns:a16="http://schemas.microsoft.com/office/drawing/2014/main" id="{B38E84D9-E90B-333A-5F79-24051C68D335}"/>
+              </a:ext>
+            </a:extLst>
+          </p:cNvPr>
+          <p:cNvGraphicFramePr>
+            <a:graphicFrameLocks noChangeAspect="1"/>
+          </p:cNvGraphicFramePr>
+          <p:nvPr>
+            <p:extLst>
+              <p:ext uri="{D42A27DB-BD31-4B8C-83A1-F6EECF244321}">
+                <p14:modId xmlns:p14="http://schemas.microsoft.com/office/powerpoint/2010/main" val="301782824"/>
+              </p:ext>
+            </p:extLst>
+          </p:nvPr>
+        </p:nvGraphicFramePr>
+        <p:xfrm>
+          <a:off x="553083" y="3534920"/>
+          <a:ext cx="1201737" cy="2151062"/>
+        </p:xfrm>
+        <a:graphic>
+          <a:graphicData uri="http://schemas.openxmlformats.org/presentationml/2006/ole">
+            <mc:AlternateContent xmlns:mc="http://schemas.openxmlformats.org/markup-compatibility/2006">
+              <mc:Choice xmlns:v="urn:schemas-microsoft-com:vml" Requires="v">
+                <p:oleObj name="CS ChemDraw Drawing" r:id="rId10" imgW="1202331" imgH="2151442" progId="ChemDraw.Document.6.0">
+                  <p:embed/>
+                </p:oleObj>
+              </mc:Choice>
+              <mc:Fallback>
+                <p:oleObj name="CS ChemDraw Drawing" r:id="rId10" imgW="1202331" imgH="2151442" progId="ChemDraw.Document.6.0">
+                  <p:embed/>
+                  <p:pic>
+                    <p:nvPicPr>
+                      <p:cNvPr id="0" name=""/>
+                      <p:cNvPicPr/>
+                      <p:nvPr/>
+                    </p:nvPicPr>
+                    <p:blipFill>
+                      <a:blip r:embed="rId11"/>
+                      <a:stretch>
+                        <a:fillRect/>
+                      </a:stretch>
+                    </p:blipFill>
+                    <p:spPr>
+                      <a:xfrm>
+                        <a:off x="553083" y="3534920"/>
+                        <a:ext cx="1201737" cy="2151062"/>
+                      </a:xfrm>
+                      <a:prstGeom prst="rect">
+                        <a:avLst/>
+                      </a:prstGeom>
+                    </p:spPr>
+                  </p:pic>
+                </p:oleObj>
+              </mc:Fallback>
+            </mc:AlternateContent>
+          </a:graphicData>
+        </a:graphic>
+      </p:graphicFrame>
+      <p:sp>
+        <p:nvSpPr>
+          <p:cNvPr id="7" name="CaixaDeTexto 6">
+            <a:extLst>
+              <a:ext uri="{FF2B5EF4-FFF2-40B4-BE49-F238E27FC236}">
+                <a16:creationId xmlns:a16="http://schemas.microsoft.com/office/drawing/2014/main" id="{873057E6-C705-49AB-B737-335D3A936A56}"/>
+              </a:ext>
+            </a:extLst>
+          </p:cNvPr>
+          <p:cNvSpPr txBox="1"/>
+          <p:nvPr/>
+        </p:nvSpPr>
+        <p:spPr>
+          <a:xfrm>
+            <a:off x="199856" y="126399"/>
+            <a:ext cx="4083618" cy="383631"/>
+          </a:xfrm>
+          <a:prstGeom prst="rect">
+            <a:avLst/>
+          </a:prstGeom>
+          <a:noFill/>
+        </p:spPr>
+        <p:txBody>
+          <a:bodyPr wrap="none" rtlCol="0">
+            <a:spAutoFit/>
+          </a:bodyPr>
+          <a:lstStyle/>
+          <a:p>
+            <a:r>
+              <a:rPr lang="pt-BR" sz="1893" dirty="0" err="1">
+                <a:solidFill>
+                  <a:schemeClr val="tx1">
+                    <a:lumMod val="85000"/>
+                    <a:lumOff val="15000"/>
+                  </a:schemeClr>
+                </a:solidFill>
+                <a:latin typeface="Avenir Next LT Pro Demi" panose="020B0704020202020204" pitchFamily="34" charset="0"/>
+                <a:cs typeface="Aharoni" panose="02010803020104030203" pitchFamily="2" charset="-79"/>
+              </a:rPr>
+              <a:t>Tetrapodal</a:t>
+            </a:r>
+            <a:r>
+              <a:rPr lang="pt-BR" sz="1893" dirty="0">
+                <a:solidFill>
+                  <a:schemeClr val="tx1">
+                    <a:lumMod val="85000"/>
+                    <a:lumOff val="15000"/>
+                  </a:schemeClr>
+                </a:solidFill>
+                <a:latin typeface="Avenir Next LT Pro Demi" panose="020B0704020202020204" pitchFamily="34" charset="0"/>
+                <a:cs typeface="Aharoni" panose="02010803020104030203" pitchFamily="2" charset="-79"/>
+              </a:rPr>
+              <a:t> 2D Building </a:t>
+            </a:r>
+            <a:r>
+              <a:rPr lang="pt-BR" sz="1893" dirty="0" err="1">
+                <a:solidFill>
+                  <a:schemeClr val="tx1">
+                    <a:lumMod val="85000"/>
+                    <a:lumOff val="15000"/>
+                  </a:schemeClr>
+                </a:solidFill>
+                <a:latin typeface="Avenir Next LT Pro Demi" panose="020B0704020202020204" pitchFamily="34" charset="0"/>
+                <a:cs typeface="Aharoni" panose="02010803020104030203" pitchFamily="2" charset="-79"/>
+              </a:rPr>
+              <a:t>blocks</a:t>
+            </a:r>
+            <a:r>
+              <a:rPr lang="pt-BR" sz="1893" dirty="0">
+                <a:solidFill>
+                  <a:schemeClr val="tx1">
+                    <a:lumMod val="85000"/>
+                    <a:lumOff val="15000"/>
+                  </a:schemeClr>
+                </a:solidFill>
+                <a:latin typeface="Avenir Next LT Pro Demi" panose="020B0704020202020204" pitchFamily="34" charset="0"/>
+                <a:cs typeface="Aharoni" panose="02010803020104030203" pitchFamily="2" charset="-79"/>
+              </a:rPr>
+              <a:t> (C4)</a:t>
+            </a:r>
+          </a:p>
+        </p:txBody>
+      </p:sp>
+      <p:sp>
+        <p:nvSpPr>
+          <p:cNvPr id="12" name="Google Shape;298;p9">
+            <a:extLst>
+              <a:ext uri="{FF2B5EF4-FFF2-40B4-BE49-F238E27FC236}">
+                <a16:creationId xmlns:a16="http://schemas.microsoft.com/office/drawing/2014/main" id="{32DD3DB6-CB44-E0E5-6CB4-0C3326F0120F}"/>
+              </a:ext>
+            </a:extLst>
+          </p:cNvPr>
+          <p:cNvSpPr txBox="1"/>
+          <p:nvPr/>
+        </p:nvSpPr>
+        <p:spPr>
+          <a:xfrm>
+            <a:off x="2876652" y="2896574"/>
+            <a:ext cx="631426" cy="310717"/>
+          </a:xfrm>
+          <a:prstGeom prst="rect">
+            <a:avLst/>
+          </a:prstGeom>
+          <a:noFill/>
+          <a:ln>
+            <a:noFill/>
+          </a:ln>
+        </p:spPr>
+        <p:txBody>
+          <a:bodyPr spcFirstLastPara="1" wrap="square" lIns="94378" tIns="47176" rIns="94378" bIns="47176" anchor="t" anchorCtr="0">
+            <a:spAutoFit/>
+          </a:bodyPr>
+          <a:lstStyle/>
+          <a:p>
+            <a:pPr algn="ctr">
+              <a:buClr>
+                <a:srgbClr val="000000"/>
+              </a:buClr>
+              <a:buSzPts val="1200"/>
+            </a:pPr>
+            <a:r>
+              <a:rPr lang="pt-BR" sz="1400" b="1" dirty="0">
+                <a:solidFill>
+                  <a:srgbClr val="00B050"/>
+                </a:solidFill>
+                <a:latin typeface="Avenir"/>
+                <a:sym typeface="Avenir"/>
+              </a:rPr>
+              <a:t>PORP</a:t>
+            </a:r>
+            <a:endParaRPr sz="1600" dirty="0">
+              <a:solidFill>
+                <a:srgbClr val="00B050"/>
+              </a:solidFill>
+              <a:latin typeface="Arial"/>
+              <a:ea typeface="Arial"/>
+              <a:cs typeface="Arial"/>
+              <a:sym typeface="Arial"/>
+            </a:endParaRPr>
+          </a:p>
+        </p:txBody>
+      </p:sp>
+      <p:sp>
+        <p:nvSpPr>
+          <p:cNvPr id="13" name="Google Shape;298;p9">
+            <a:extLst>
+              <a:ext uri="{FF2B5EF4-FFF2-40B4-BE49-F238E27FC236}">
+                <a16:creationId xmlns:a16="http://schemas.microsoft.com/office/drawing/2014/main" id="{FE6D4824-7805-139B-1896-07980D7DA3C5}"/>
+              </a:ext>
+            </a:extLst>
+          </p:cNvPr>
+          <p:cNvSpPr txBox="1"/>
+          <p:nvPr/>
+        </p:nvSpPr>
+        <p:spPr>
+          <a:xfrm>
+            <a:off x="5253752" y="2904805"/>
+            <a:ext cx="631426" cy="310717"/>
+          </a:xfrm>
+          <a:prstGeom prst="rect">
+            <a:avLst/>
+          </a:prstGeom>
+          <a:noFill/>
+          <a:ln>
+            <a:noFill/>
+          </a:ln>
+        </p:spPr>
+        <p:txBody>
+          <a:bodyPr spcFirstLastPara="1" wrap="square" lIns="94378" tIns="47176" rIns="94378" bIns="47176" anchor="t" anchorCtr="0">
+            <a:spAutoFit/>
+          </a:bodyPr>
+          <a:lstStyle/>
+          <a:p>
+            <a:pPr algn="ctr">
+              <a:buClr>
+                <a:srgbClr val="000000"/>
+              </a:buClr>
+              <a:buSzPts val="1200"/>
+            </a:pPr>
+            <a:r>
+              <a:rPr lang="pt-BR" sz="1400" b="1" dirty="0">
+                <a:solidFill>
+                  <a:srgbClr val="00B050"/>
+                </a:solidFill>
+                <a:latin typeface="Avenir"/>
+                <a:sym typeface="Avenir"/>
+              </a:rPr>
+              <a:t>PHPR</a:t>
+            </a:r>
+            <a:endParaRPr sz="1600" dirty="0">
+              <a:solidFill>
+                <a:srgbClr val="00B050"/>
+              </a:solidFill>
+              <a:latin typeface="Arial"/>
+              <a:ea typeface="Arial"/>
+              <a:cs typeface="Arial"/>
+              <a:sym typeface="Arial"/>
+            </a:endParaRPr>
+          </a:p>
+        </p:txBody>
+      </p:sp>
+      <p:sp>
+        <p:nvSpPr>
+          <p:cNvPr id="14" name="Google Shape;298;p9">
+            <a:extLst>
+              <a:ext uri="{FF2B5EF4-FFF2-40B4-BE49-F238E27FC236}">
+                <a16:creationId xmlns:a16="http://schemas.microsoft.com/office/drawing/2014/main" id="{2C496953-AD46-738E-14BC-B53F6F0416BD}"/>
+              </a:ext>
+            </a:extLst>
+          </p:cNvPr>
+          <p:cNvSpPr txBox="1"/>
+          <p:nvPr/>
+        </p:nvSpPr>
+        <p:spPr>
+          <a:xfrm>
+            <a:off x="814992" y="5063219"/>
+            <a:ext cx="631426" cy="310717"/>
+          </a:xfrm>
+          <a:prstGeom prst="rect">
+            <a:avLst/>
+          </a:prstGeom>
+          <a:noFill/>
+          <a:ln>
+            <a:noFill/>
+          </a:ln>
+        </p:spPr>
+        <p:txBody>
+          <a:bodyPr spcFirstLastPara="1" wrap="square" lIns="94378" tIns="47176" rIns="94378" bIns="47176" anchor="t" anchorCtr="0">
+            <a:spAutoFit/>
+          </a:bodyPr>
+          <a:lstStyle/>
+          <a:p>
+            <a:pPr algn="ctr">
+              <a:buClr>
+                <a:srgbClr val="000000"/>
+              </a:buClr>
+              <a:buSzPts val="1200"/>
+            </a:pPr>
+            <a:r>
+              <a:rPr lang="pt-BR" sz="1400" b="1" dirty="0">
+                <a:solidFill>
+                  <a:srgbClr val="00B050"/>
+                </a:solidFill>
+                <a:latin typeface="Avenir"/>
+                <a:sym typeface="Avenir"/>
+              </a:rPr>
+              <a:t>PYRN</a:t>
+            </a:r>
+            <a:endParaRPr sz="1600" dirty="0">
+              <a:solidFill>
+                <a:srgbClr val="00B050"/>
+              </a:solidFill>
+              <a:latin typeface="Arial"/>
+              <a:ea typeface="Arial"/>
+              <a:cs typeface="Arial"/>
+              <a:sym typeface="Arial"/>
+            </a:endParaRPr>
+          </a:p>
+        </p:txBody>
+      </p:sp>
+      <p:sp>
+        <p:nvSpPr>
+          <p:cNvPr id="15" name="Google Shape;298;p9">
+            <a:extLst>
+              <a:ext uri="{FF2B5EF4-FFF2-40B4-BE49-F238E27FC236}">
+                <a16:creationId xmlns:a16="http://schemas.microsoft.com/office/drawing/2014/main" id="{2CBB8D8E-76DB-CD9B-575D-D3AEA7DD0860}"/>
+              </a:ext>
+            </a:extLst>
+          </p:cNvPr>
+          <p:cNvSpPr txBox="1"/>
+          <p:nvPr/>
+        </p:nvSpPr>
+        <p:spPr>
+          <a:xfrm>
+            <a:off x="8527110" y="2594029"/>
+            <a:ext cx="631426" cy="310717"/>
+          </a:xfrm>
+          <a:prstGeom prst="rect">
+            <a:avLst/>
+          </a:prstGeom>
+          <a:noFill/>
+          <a:ln>
+            <a:noFill/>
+          </a:ln>
+        </p:spPr>
+        <p:txBody>
+          <a:bodyPr spcFirstLastPara="1" wrap="square" lIns="94378" tIns="47176" rIns="94378" bIns="47176" anchor="t" anchorCtr="0">
+            <a:spAutoFit/>
+          </a:bodyPr>
+          <a:lstStyle/>
+          <a:p>
+            <a:pPr algn="ctr">
+              <a:buClr>
+                <a:srgbClr val="000000"/>
+              </a:buClr>
+              <a:buSzPts val="1200"/>
+            </a:pPr>
+            <a:r>
+              <a:rPr lang="pt-BR" sz="1400" b="1" dirty="0">
+                <a:solidFill>
+                  <a:srgbClr val="00B050"/>
+                </a:solidFill>
+                <a:latin typeface="Avenir"/>
+                <a:sym typeface="Avenir"/>
+              </a:rPr>
+              <a:t>TPPY</a:t>
+            </a:r>
+            <a:endParaRPr sz="1600" dirty="0">
+              <a:solidFill>
+                <a:srgbClr val="00B050"/>
+              </a:solidFill>
+              <a:latin typeface="Arial"/>
+              <a:ea typeface="Arial"/>
+              <a:cs typeface="Arial"/>
+              <a:sym typeface="Arial"/>
+            </a:endParaRPr>
+          </a:p>
+        </p:txBody>
+      </p:sp>
+      <p:sp>
+        <p:nvSpPr>
+          <p:cNvPr id="16" name="Google Shape;298;p9">
+            <a:extLst>
+              <a:ext uri="{FF2B5EF4-FFF2-40B4-BE49-F238E27FC236}">
+                <a16:creationId xmlns:a16="http://schemas.microsoft.com/office/drawing/2014/main" id="{78E0BA36-A590-A127-F79B-91F8E28E1DEB}"/>
+              </a:ext>
+            </a:extLst>
+          </p:cNvPr>
+          <p:cNvSpPr txBox="1"/>
+          <p:nvPr/>
+        </p:nvSpPr>
+        <p:spPr>
+          <a:xfrm>
+            <a:off x="891706" y="2705100"/>
+            <a:ext cx="631426" cy="310717"/>
+          </a:xfrm>
+          <a:prstGeom prst="rect">
+            <a:avLst/>
+          </a:prstGeom>
+          <a:noFill/>
+          <a:ln>
+            <a:noFill/>
+          </a:ln>
+        </p:spPr>
+        <p:txBody>
+          <a:bodyPr spcFirstLastPara="1" wrap="square" lIns="94378" tIns="47176" rIns="94378" bIns="47176" anchor="t" anchorCtr="0">
+            <a:spAutoFit/>
+          </a:bodyPr>
+          <a:lstStyle/>
+          <a:p>
+            <a:pPr algn="ctr">
+              <a:buClr>
+                <a:srgbClr val="000000"/>
+              </a:buClr>
+              <a:buSzPts val="1200"/>
+            </a:pPr>
+            <a:r>
+              <a:rPr lang="pt-BR" sz="1400" b="1" dirty="0">
+                <a:solidFill>
+                  <a:srgbClr val="00B050"/>
+                </a:solidFill>
+                <a:latin typeface="Avenir"/>
+                <a:sym typeface="Avenir"/>
+              </a:rPr>
+              <a:t>BENZ</a:t>
+            </a:r>
+            <a:endParaRPr sz="1600" dirty="0">
+              <a:solidFill>
+                <a:srgbClr val="00B050"/>
+              </a:solidFill>
+              <a:latin typeface="Arial"/>
+              <a:ea typeface="Arial"/>
+              <a:cs typeface="Arial"/>
+              <a:sym typeface="Arial"/>
+            </a:endParaRPr>
+          </a:p>
+        </p:txBody>
+      </p:sp>
+      <p:graphicFrame>
+        <p:nvGraphicFramePr>
+          <p:cNvPr id="22" name="Objeto 21">
+            <a:extLst>
+              <a:ext uri="{FF2B5EF4-FFF2-40B4-BE49-F238E27FC236}">
+                <a16:creationId xmlns:a16="http://schemas.microsoft.com/office/drawing/2014/main" id="{3A632131-91DE-DDAB-86F8-C9F70B9BFAF6}"/>
+              </a:ext>
+            </a:extLst>
+          </p:cNvPr>
+          <p:cNvGraphicFramePr>
+            <a:graphicFrameLocks noChangeAspect="1"/>
+          </p:cNvGraphicFramePr>
+          <p:nvPr>
+            <p:extLst>
+              <p:ext uri="{D42A27DB-BD31-4B8C-83A1-F6EECF244321}">
+                <p14:modId xmlns:p14="http://schemas.microsoft.com/office/powerpoint/2010/main" val="3374840310"/>
+              </p:ext>
+            </p:extLst>
+          </p:nvPr>
+        </p:nvGraphicFramePr>
+        <p:xfrm>
+          <a:off x="2987675" y="3557588"/>
+          <a:ext cx="1612900" cy="2279650"/>
+        </p:xfrm>
+        <a:graphic>
+          <a:graphicData uri="http://schemas.openxmlformats.org/presentationml/2006/ole">
+            <mc:AlternateContent xmlns:mc="http://schemas.openxmlformats.org/markup-compatibility/2006">
+              <mc:Choice xmlns:v="urn:schemas-microsoft-com:vml" Requires="v">
+                <p:oleObj name="CS ChemDraw Drawing" r:id="rId12" imgW="1612181" imgH="2279261" progId="ChemDraw.Document.6.0">
+                  <p:embed/>
+                </p:oleObj>
+              </mc:Choice>
+              <mc:Fallback>
+                <p:oleObj name="CS ChemDraw Drawing" r:id="rId12" imgW="1612181" imgH="2279261" progId="ChemDraw.Document.6.0">
+                  <p:embed/>
+                  <p:pic>
+                    <p:nvPicPr>
+                      <p:cNvPr id="21" name="Objeto 20">
+                        <a:extLst>
+                          <a:ext uri="{FF2B5EF4-FFF2-40B4-BE49-F238E27FC236}">
+                            <a16:creationId xmlns:a16="http://schemas.microsoft.com/office/drawing/2014/main" id="{B38E84D9-E90B-333A-5F79-24051C68D335}"/>
+                          </a:ext>
+                        </a:extLst>
+                      </p:cNvPr>
+                      <p:cNvPicPr/>
+                      <p:nvPr/>
+                    </p:nvPicPr>
+                    <p:blipFill>
+                      <a:blip r:embed="rId13"/>
+                      <a:stretch>
+                        <a:fillRect/>
+                      </a:stretch>
+                    </p:blipFill>
+                    <p:spPr>
+                      <a:xfrm>
+                        <a:off x="2987675" y="3557588"/>
+                        <a:ext cx="1612900" cy="2279650"/>
+                      </a:xfrm>
+                      <a:prstGeom prst="rect">
+                        <a:avLst/>
+                      </a:prstGeom>
+                    </p:spPr>
+                  </p:pic>
+                </p:oleObj>
+              </mc:Fallback>
+            </mc:AlternateContent>
+          </a:graphicData>
+        </a:graphic>
+      </p:graphicFrame>
+      <p:sp>
+        <p:nvSpPr>
+          <p:cNvPr id="23" name="Google Shape;298;p9">
+            <a:extLst>
+              <a:ext uri="{FF2B5EF4-FFF2-40B4-BE49-F238E27FC236}">
+                <a16:creationId xmlns:a16="http://schemas.microsoft.com/office/drawing/2014/main" id="{E4C8FEC3-A78B-D599-6A2F-2257505435BE}"/>
+              </a:ext>
+            </a:extLst>
+          </p:cNvPr>
+          <p:cNvSpPr txBox="1"/>
+          <p:nvPr/>
+        </p:nvSpPr>
+        <p:spPr>
+          <a:xfrm>
+            <a:off x="3478412" y="5131774"/>
+            <a:ext cx="631426" cy="310717"/>
+          </a:xfrm>
+          <a:prstGeom prst="rect">
+            <a:avLst/>
+          </a:prstGeom>
+          <a:noFill/>
+          <a:ln>
+            <a:noFill/>
+          </a:ln>
+        </p:spPr>
+        <p:txBody>
+          <a:bodyPr spcFirstLastPara="1" wrap="square" lIns="94378" tIns="47176" rIns="94378" bIns="47176" anchor="t" anchorCtr="0">
+            <a:spAutoFit/>
+          </a:bodyPr>
+          <a:lstStyle/>
+          <a:p>
+            <a:pPr algn="ctr">
+              <a:buClr>
+                <a:srgbClr val="000000"/>
+              </a:buClr>
+              <a:buSzPts val="1200"/>
+            </a:pPr>
+            <a:r>
+              <a:rPr lang="pt-BR" sz="1400" b="1" dirty="0">
+                <a:solidFill>
+                  <a:srgbClr val="00B050"/>
+                </a:solidFill>
+                <a:latin typeface="Avenir"/>
+                <a:ea typeface="Arial"/>
+                <a:cs typeface="Arial"/>
+                <a:sym typeface="Avenir"/>
+              </a:rPr>
+              <a:t>TPET</a:t>
+            </a:r>
+            <a:endParaRPr sz="1600" dirty="0">
+              <a:solidFill>
+                <a:srgbClr val="00B050"/>
+              </a:solidFill>
+              <a:latin typeface="Arial"/>
+              <a:ea typeface="Arial"/>
+              <a:cs typeface="Arial"/>
+              <a:sym typeface="Arial"/>
+            </a:endParaRPr>
+          </a:p>
+        </p:txBody>
+      </p:sp>
+    </p:spTree>
+    <p:extLst>
+      <p:ext uri="{BB962C8B-B14F-4D97-AF65-F5344CB8AC3E}">
+        <p14:creationId xmlns:p14="http://schemas.microsoft.com/office/powerpoint/2010/main" val="1463927436"/>
       </p:ext>
     </p:extLst>
   </p:cSld>

--- a/docs/Blocos_de_constru.pptx
+++ b/docs/Blocos_de_constru.pptx
@@ -7,9 +7,10 @@
   <p:sldIdLst>
     <p:sldId id="256" r:id="rId2"/>
     <p:sldId id="259" r:id="rId3"/>
-    <p:sldId id="257" r:id="rId4"/>
-    <p:sldId id="258" r:id="rId5"/>
-    <p:sldId id="260" r:id="rId6"/>
+    <p:sldId id="261" r:id="rId4"/>
+    <p:sldId id="257" r:id="rId5"/>
+    <p:sldId id="258" r:id="rId6"/>
+    <p:sldId id="260" r:id="rId7"/>
   </p:sldIdLst>
   <p:sldSz cx="11520488" cy="11160125"/>
   <p:notesSz cx="6858000" cy="9144000"/>
@@ -116,6 +117,600 @@
 </p:presentation>
 </file>
 
+<file path=ppt/changesInfos/changesInfo1.xml><?xml version="1.0" encoding="utf-8"?>
+<pc:chgInfo xmlns:a="http://schemas.openxmlformats.org/drawingml/2006/main" xmlns:r="http://schemas.openxmlformats.org/officeDocument/2006/relationships" xmlns:ac="http://schemas.microsoft.com/office/drawing/2013/main/command" xmlns:pc="http://schemas.microsoft.com/office/powerpoint/2013/main/command">
+  <pc:docChgLst>
+    <pc:chgData name="Felipe Lopes de Oliveira" userId="7927722fe4027b30" providerId="LiveId" clId="{988CB3FB-85FE-4B18-8889-744054AB9037}"/>
+    <pc:docChg chg="undo custSel addSld modSld">
+      <pc:chgData name="Felipe Lopes de Oliveira" userId="7927722fe4027b30" providerId="LiveId" clId="{988CB3FB-85FE-4B18-8889-744054AB9037}" dt="2023-03-04T01:24:46.796" v="579"/>
+      <pc:docMkLst>
+        <pc:docMk/>
+      </pc:docMkLst>
+      <pc:sldChg chg="modSp mod">
+        <pc:chgData name="Felipe Lopes de Oliveira" userId="7927722fe4027b30" providerId="LiveId" clId="{988CB3FB-85FE-4B18-8889-744054AB9037}" dt="2023-03-04T01:11:36.273" v="417" actId="1076"/>
+        <pc:sldMkLst>
+          <pc:docMk/>
+          <pc:sldMk cId="1951906990" sldId="256"/>
+        </pc:sldMkLst>
+        <pc:spChg chg="mod">
+          <ac:chgData name="Felipe Lopes de Oliveira" userId="7927722fe4027b30" providerId="LiveId" clId="{988CB3FB-85FE-4B18-8889-744054AB9037}" dt="2023-03-04T01:11:36.273" v="417" actId="1076"/>
+          <ac:spMkLst>
+            <pc:docMk/>
+            <pc:sldMk cId="1951906990" sldId="256"/>
+            <ac:spMk id="49" creationId="{80E79097-AA79-4243-9041-0DEE146F9F53}"/>
+          </ac:spMkLst>
+        </pc:spChg>
+      </pc:sldChg>
+      <pc:sldChg chg="modSp">
+        <pc:chgData name="Felipe Lopes de Oliveira" userId="7927722fe4027b30" providerId="LiveId" clId="{988CB3FB-85FE-4B18-8889-744054AB9037}" dt="2023-03-04T00:39:14.803" v="79"/>
+        <pc:sldMkLst>
+          <pc:docMk/>
+          <pc:sldMk cId="3979848679" sldId="258"/>
+        </pc:sldMkLst>
+        <pc:graphicFrameChg chg="mod">
+          <ac:chgData name="Felipe Lopes de Oliveira" userId="7927722fe4027b30" providerId="LiveId" clId="{988CB3FB-85FE-4B18-8889-744054AB9037}" dt="2023-03-04T00:29:16.833" v="1"/>
+          <ac:graphicFrameMkLst>
+            <pc:docMk/>
+            <pc:sldMk cId="3979848679" sldId="258"/>
+            <ac:graphicFrameMk id="2" creationId="{52ADFD3F-9B57-43B2-ADDF-1843E05553BD}"/>
+          </ac:graphicFrameMkLst>
+        </pc:graphicFrameChg>
+        <pc:graphicFrameChg chg="mod">
+          <ac:chgData name="Felipe Lopes de Oliveira" userId="7927722fe4027b30" providerId="LiveId" clId="{988CB3FB-85FE-4B18-8889-744054AB9037}" dt="2023-03-04T00:37:15.916" v="63"/>
+          <ac:graphicFrameMkLst>
+            <pc:docMk/>
+            <pc:sldMk cId="3979848679" sldId="258"/>
+            <ac:graphicFrameMk id="3" creationId="{A4F573EC-AE94-404C-BB73-E52907B4AB2F}"/>
+          </ac:graphicFrameMkLst>
+        </pc:graphicFrameChg>
+        <pc:graphicFrameChg chg="mod">
+          <ac:chgData name="Felipe Lopes de Oliveira" userId="7927722fe4027b30" providerId="LiveId" clId="{988CB3FB-85FE-4B18-8889-744054AB9037}" dt="2023-03-04T00:37:49.249" v="65"/>
+          <ac:graphicFrameMkLst>
+            <pc:docMk/>
+            <pc:sldMk cId="3979848679" sldId="258"/>
+            <ac:graphicFrameMk id="4" creationId="{0019A03C-729D-411E-A4D4-9C94EA2F8B26}"/>
+          </ac:graphicFrameMkLst>
+        </pc:graphicFrameChg>
+        <pc:graphicFrameChg chg="mod">
+          <ac:chgData name="Felipe Lopes de Oliveira" userId="7927722fe4027b30" providerId="LiveId" clId="{988CB3FB-85FE-4B18-8889-744054AB9037}" dt="2023-03-04T00:33:44.589" v="35"/>
+          <ac:graphicFrameMkLst>
+            <pc:docMk/>
+            <pc:sldMk cId="3979848679" sldId="258"/>
+            <ac:graphicFrameMk id="6" creationId="{F5A1F6DC-A3E6-4FF9-98F5-D4B07D3E003F}"/>
+          </ac:graphicFrameMkLst>
+        </pc:graphicFrameChg>
+        <pc:graphicFrameChg chg="mod">
+          <ac:chgData name="Felipe Lopes de Oliveira" userId="7927722fe4027b30" providerId="LiveId" clId="{988CB3FB-85FE-4B18-8889-744054AB9037}" dt="2023-03-04T00:38:57.771" v="77"/>
+          <ac:graphicFrameMkLst>
+            <pc:docMk/>
+            <pc:sldMk cId="3979848679" sldId="258"/>
+            <ac:graphicFrameMk id="28" creationId="{BE4347D9-D712-4B96-BC9A-4EFDB934EAA0}"/>
+          </ac:graphicFrameMkLst>
+        </pc:graphicFrameChg>
+        <pc:graphicFrameChg chg="mod">
+          <ac:chgData name="Felipe Lopes de Oliveira" userId="7927722fe4027b30" providerId="LiveId" clId="{988CB3FB-85FE-4B18-8889-744054AB9037}" dt="2023-03-04T00:39:14.803" v="79"/>
+          <ac:graphicFrameMkLst>
+            <pc:docMk/>
+            <pc:sldMk cId="3979848679" sldId="258"/>
+            <ac:graphicFrameMk id="29" creationId="{0D0541ED-DCE7-4609-8057-D1B896474BCD}"/>
+          </ac:graphicFrameMkLst>
+        </pc:graphicFrameChg>
+        <pc:graphicFrameChg chg="mod">
+          <ac:chgData name="Felipe Lopes de Oliveira" userId="7927722fe4027b30" providerId="LiveId" clId="{988CB3FB-85FE-4B18-8889-744054AB9037}" dt="2023-03-04T00:30:29.827" v="3"/>
+          <ac:graphicFrameMkLst>
+            <pc:docMk/>
+            <pc:sldMk cId="3979848679" sldId="258"/>
+            <ac:graphicFrameMk id="30" creationId="{832FAF65-F493-4257-AB28-478722EE4CF1}"/>
+          </ac:graphicFrameMkLst>
+        </pc:graphicFrameChg>
+        <pc:graphicFrameChg chg="mod">
+          <ac:chgData name="Felipe Lopes de Oliveira" userId="7927722fe4027b30" providerId="LiveId" clId="{988CB3FB-85FE-4B18-8889-744054AB9037}" dt="2023-03-04T00:31:23.210" v="5"/>
+          <ac:graphicFrameMkLst>
+            <pc:docMk/>
+            <pc:sldMk cId="3979848679" sldId="258"/>
+            <ac:graphicFrameMk id="31" creationId="{05267A54-720D-4A51-BA49-B2B4EDA5E89D}"/>
+          </ac:graphicFrameMkLst>
+        </pc:graphicFrameChg>
+        <pc:graphicFrameChg chg="mod">
+          <ac:chgData name="Felipe Lopes de Oliveira" userId="7927722fe4027b30" providerId="LiveId" clId="{988CB3FB-85FE-4B18-8889-744054AB9037}" dt="2023-03-04T00:33:51.834" v="37"/>
+          <ac:graphicFrameMkLst>
+            <pc:docMk/>
+            <pc:sldMk cId="3979848679" sldId="258"/>
+            <ac:graphicFrameMk id="32" creationId="{0DC76B10-AF5D-400C-B8E4-0B7E2FB9C3C3}"/>
+          </ac:graphicFrameMkLst>
+        </pc:graphicFrameChg>
+        <pc:graphicFrameChg chg="mod">
+          <ac:chgData name="Felipe Lopes de Oliveira" userId="7927722fe4027b30" providerId="LiveId" clId="{988CB3FB-85FE-4B18-8889-744054AB9037}" dt="2023-03-04T00:35:35.863" v="57"/>
+          <ac:graphicFrameMkLst>
+            <pc:docMk/>
+            <pc:sldMk cId="3979848679" sldId="258"/>
+            <ac:graphicFrameMk id="33" creationId="{DE3D0C07-3B4A-4235-8580-A9BCB7DD78F8}"/>
+          </ac:graphicFrameMkLst>
+        </pc:graphicFrameChg>
+        <pc:graphicFrameChg chg="mod">
+          <ac:chgData name="Felipe Lopes de Oliveira" userId="7927722fe4027b30" providerId="LiveId" clId="{988CB3FB-85FE-4B18-8889-744054AB9037}" dt="2023-03-04T00:35:38.438" v="59"/>
+          <ac:graphicFrameMkLst>
+            <pc:docMk/>
+            <pc:sldMk cId="3979848679" sldId="258"/>
+            <ac:graphicFrameMk id="34" creationId="{DB43ECA6-DD4F-4EF1-8A27-E66A037EC593}"/>
+          </ac:graphicFrameMkLst>
+        </pc:graphicFrameChg>
+        <pc:graphicFrameChg chg="mod">
+          <ac:chgData name="Felipe Lopes de Oliveira" userId="7927722fe4027b30" providerId="LiveId" clId="{988CB3FB-85FE-4B18-8889-744054AB9037}" dt="2023-03-04T00:36:22.410" v="61"/>
+          <ac:graphicFrameMkLst>
+            <pc:docMk/>
+            <pc:sldMk cId="3979848679" sldId="258"/>
+            <ac:graphicFrameMk id="35" creationId="{1BE309FA-4918-4E39-AEA0-64DE39CEDA22}"/>
+          </ac:graphicFrameMkLst>
+        </pc:graphicFrameChg>
+      </pc:sldChg>
+      <pc:sldChg chg="modSp">
+        <pc:chgData name="Felipe Lopes de Oliveira" userId="7927722fe4027b30" providerId="LiveId" clId="{988CB3FB-85FE-4B18-8889-744054AB9037}" dt="2023-03-04T01:11:01.416" v="411"/>
+        <pc:sldMkLst>
+          <pc:docMk/>
+          <pc:sldMk cId="677601570" sldId="259"/>
+        </pc:sldMkLst>
+        <pc:graphicFrameChg chg="mod">
+          <ac:chgData name="Felipe Lopes de Oliveira" userId="7927722fe4027b30" providerId="LiveId" clId="{988CB3FB-85FE-4B18-8889-744054AB9037}" dt="2023-03-04T00:56:32.232" v="173"/>
+          <ac:graphicFrameMkLst>
+            <pc:docMk/>
+            <pc:sldMk cId="677601570" sldId="259"/>
+            <ac:graphicFrameMk id="70" creationId="{D772CA9D-5C33-4DCE-8D54-F2DFECCB6DA8}"/>
+          </ac:graphicFrameMkLst>
+        </pc:graphicFrameChg>
+        <pc:graphicFrameChg chg="mod">
+          <ac:chgData name="Felipe Lopes de Oliveira" userId="7927722fe4027b30" providerId="LiveId" clId="{988CB3FB-85FE-4B18-8889-744054AB9037}" dt="2023-03-04T00:59:39.928" v="235"/>
+          <ac:graphicFrameMkLst>
+            <pc:docMk/>
+            <pc:sldMk cId="677601570" sldId="259"/>
+            <ac:graphicFrameMk id="85" creationId="{04163873-F5CC-4BDA-B4FC-394BCF545FAE}"/>
+          </ac:graphicFrameMkLst>
+        </pc:graphicFrameChg>
+        <pc:graphicFrameChg chg="mod">
+          <ac:chgData name="Felipe Lopes de Oliveira" userId="7927722fe4027b30" providerId="LiveId" clId="{988CB3FB-85FE-4B18-8889-744054AB9037}" dt="2023-03-04T01:02:04.179" v="284"/>
+          <ac:graphicFrameMkLst>
+            <pc:docMk/>
+            <pc:sldMk cId="677601570" sldId="259"/>
+            <ac:graphicFrameMk id="100" creationId="{E07D27B0-616E-4F59-83C8-C04E6494F2CF}"/>
+          </ac:graphicFrameMkLst>
+        </pc:graphicFrameChg>
+        <pc:graphicFrameChg chg="mod">
+          <ac:chgData name="Felipe Lopes de Oliveira" userId="7927722fe4027b30" providerId="LiveId" clId="{988CB3FB-85FE-4B18-8889-744054AB9037}" dt="2023-03-04T01:03:46.467" v="330"/>
+          <ac:graphicFrameMkLst>
+            <pc:docMk/>
+            <pc:sldMk cId="677601570" sldId="259"/>
+            <ac:graphicFrameMk id="101" creationId="{3B1B799E-2ED6-47A1-BD79-B70F59FFDBBC}"/>
+          </ac:graphicFrameMkLst>
+        </pc:graphicFrameChg>
+        <pc:graphicFrameChg chg="mod">
+          <ac:chgData name="Felipe Lopes de Oliveira" userId="7927722fe4027b30" providerId="LiveId" clId="{988CB3FB-85FE-4B18-8889-744054AB9037}" dt="2023-03-04T01:11:01.416" v="411"/>
+          <ac:graphicFrameMkLst>
+            <pc:docMk/>
+            <pc:sldMk cId="677601570" sldId="259"/>
+            <ac:graphicFrameMk id="105" creationId="{24E1F9B9-8A99-445A-BF0A-499A7E2A7B3A}"/>
+          </ac:graphicFrameMkLst>
+        </pc:graphicFrameChg>
+      </pc:sldChg>
+      <pc:sldChg chg="addSp delSp modSp add mod">
+        <pc:chgData name="Felipe Lopes de Oliveira" userId="7927722fe4027b30" providerId="LiveId" clId="{988CB3FB-85FE-4B18-8889-744054AB9037}" dt="2023-03-04T01:24:46.796" v="579"/>
+        <pc:sldMkLst>
+          <pc:docMk/>
+          <pc:sldMk cId="4037734867" sldId="261"/>
+        </pc:sldMkLst>
+        <pc:spChg chg="add del mod">
+          <ac:chgData name="Felipe Lopes de Oliveira" userId="7927722fe4027b30" providerId="LiveId" clId="{988CB3FB-85FE-4B18-8889-744054AB9037}" dt="2023-03-04T01:11:54.343" v="422" actId="478"/>
+          <ac:spMkLst>
+            <pc:docMk/>
+            <pc:sldMk cId="4037734867" sldId="261"/>
+            <ac:spMk id="2" creationId="{DFCAEFCD-53F0-EE9A-4185-597EFE882040}"/>
+          </ac:spMkLst>
+        </pc:spChg>
+        <pc:spChg chg="add del mod">
+          <ac:chgData name="Felipe Lopes de Oliveira" userId="7927722fe4027b30" providerId="LiveId" clId="{988CB3FB-85FE-4B18-8889-744054AB9037}" dt="2023-03-04T01:11:59.179" v="425" actId="478"/>
+          <ac:spMkLst>
+            <pc:docMk/>
+            <pc:sldMk cId="4037734867" sldId="261"/>
+            <ac:spMk id="3" creationId="{D475A588-6CC6-D8B3-AA79-79EDDF8702AA}"/>
+          </ac:spMkLst>
+        </pc:spChg>
+        <pc:spChg chg="add mod">
+          <ac:chgData name="Felipe Lopes de Oliveira" userId="7927722fe4027b30" providerId="LiveId" clId="{988CB3FB-85FE-4B18-8889-744054AB9037}" dt="2023-03-04T01:12:35.674" v="437" actId="1076"/>
+          <ac:spMkLst>
+            <pc:docMk/>
+            <pc:sldMk cId="4037734867" sldId="261"/>
+            <ac:spMk id="12" creationId="{FD0C8DDD-1D30-C300-DE5A-18C98262BABE}"/>
+          </ac:spMkLst>
+        </pc:spChg>
+        <pc:spChg chg="add mod">
+          <ac:chgData name="Felipe Lopes de Oliveira" userId="7927722fe4027b30" providerId="LiveId" clId="{988CB3FB-85FE-4B18-8889-744054AB9037}" dt="2023-03-04T01:12:55.902" v="446" actId="1076"/>
+          <ac:spMkLst>
+            <pc:docMk/>
+            <pc:sldMk cId="4037734867" sldId="261"/>
+            <ac:spMk id="13" creationId="{474FB686-243C-BC7A-EFA3-C5750E049DA9}"/>
+          </ac:spMkLst>
+        </pc:spChg>
+        <pc:spChg chg="add mod">
+          <ac:chgData name="Felipe Lopes de Oliveira" userId="7927722fe4027b30" providerId="LiveId" clId="{988CB3FB-85FE-4B18-8889-744054AB9037}" dt="2023-03-04T01:12:57.519" v="447" actId="1076"/>
+          <ac:spMkLst>
+            <pc:docMk/>
+            <pc:sldMk cId="4037734867" sldId="261"/>
+            <ac:spMk id="14" creationId="{677EAE27-68B6-BA65-E637-8A59577FE8AD}"/>
+          </ac:spMkLst>
+        </pc:spChg>
+        <pc:spChg chg="add mod">
+          <ac:chgData name="Felipe Lopes de Oliveira" userId="7927722fe4027b30" providerId="LiveId" clId="{988CB3FB-85FE-4B18-8889-744054AB9037}" dt="2023-03-04T01:12:50.942" v="443" actId="1076"/>
+          <ac:spMkLst>
+            <pc:docMk/>
+            <pc:sldMk cId="4037734867" sldId="261"/>
+            <ac:spMk id="15" creationId="{381673D2-4A0B-BB4C-942C-2C7AD97D1085}"/>
+          </ac:spMkLst>
+        </pc:spChg>
+        <pc:spChg chg="add mod">
+          <ac:chgData name="Felipe Lopes de Oliveira" userId="7927722fe4027b30" providerId="LiveId" clId="{988CB3FB-85FE-4B18-8889-744054AB9037}" dt="2023-03-04T01:12:38.741" v="438" actId="1076"/>
+          <ac:spMkLst>
+            <pc:docMk/>
+            <pc:sldMk cId="4037734867" sldId="261"/>
+            <ac:spMk id="16" creationId="{5F81F6D5-3B21-6B2A-4BD2-51EE5329A4D0}"/>
+          </ac:spMkLst>
+        </pc:spChg>
+        <pc:spChg chg="add mod">
+          <ac:chgData name="Felipe Lopes de Oliveira" userId="7927722fe4027b30" providerId="LiveId" clId="{988CB3FB-85FE-4B18-8889-744054AB9037}" dt="2023-03-04T01:12:44.284" v="440" actId="1076"/>
+          <ac:spMkLst>
+            <pc:docMk/>
+            <pc:sldMk cId="4037734867" sldId="261"/>
+            <ac:spMk id="17" creationId="{D406B342-8E8F-7E77-1D6C-A97717771D90}"/>
+          </ac:spMkLst>
+        </pc:spChg>
+        <pc:spChg chg="add mod">
+          <ac:chgData name="Felipe Lopes de Oliveira" userId="7927722fe4027b30" providerId="LiveId" clId="{988CB3FB-85FE-4B18-8889-744054AB9037}" dt="2023-03-04T01:12:20.488" v="432" actId="1076"/>
+          <ac:spMkLst>
+            <pc:docMk/>
+            <pc:sldMk cId="4037734867" sldId="261"/>
+            <ac:spMk id="18" creationId="{969518B4-00E0-9FA6-18C8-9B4278999A6C}"/>
+          </ac:spMkLst>
+        </pc:spChg>
+        <pc:spChg chg="mod">
+          <ac:chgData name="Felipe Lopes de Oliveira" userId="7927722fe4027b30" providerId="LiveId" clId="{988CB3FB-85FE-4B18-8889-744054AB9037}" dt="2023-03-04T01:11:31.680" v="415" actId="20577"/>
+          <ac:spMkLst>
+            <pc:docMk/>
+            <pc:sldMk cId="4037734867" sldId="261"/>
+            <ac:spMk id="52" creationId="{21898CFB-D5CC-4881-8BD7-028AEAD0FDC5}"/>
+          </ac:spMkLst>
+        </pc:spChg>
+        <pc:spChg chg="add del mod">
+          <ac:chgData name="Felipe Lopes de Oliveira" userId="7927722fe4027b30" providerId="LiveId" clId="{988CB3FB-85FE-4B18-8889-744054AB9037}" dt="2023-03-04T01:12:01.633" v="426" actId="34135"/>
+          <ac:spMkLst>
+            <pc:docMk/>
+            <pc:sldMk cId="4037734867" sldId="261"/>
+            <ac:spMk id="68" creationId="{0F1824DF-F2BF-4111-9D1F-AF71A064FB5B}"/>
+          </ac:spMkLst>
+        </pc:spChg>
+        <pc:spChg chg="del">
+          <ac:chgData name="Felipe Lopes de Oliveira" userId="7927722fe4027b30" providerId="LiveId" clId="{988CB3FB-85FE-4B18-8889-744054AB9037}" dt="2023-03-04T01:11:49.288" v="418" actId="478"/>
+          <ac:spMkLst>
+            <pc:docMk/>
+            <pc:sldMk cId="4037734867" sldId="261"/>
+            <ac:spMk id="79" creationId="{17F0AD73-2F24-466E-B3A5-FD0424E04CED}"/>
+          </ac:spMkLst>
+        </pc:spChg>
+        <pc:spChg chg="del">
+          <ac:chgData name="Felipe Lopes de Oliveira" userId="7927722fe4027b30" providerId="LiveId" clId="{988CB3FB-85FE-4B18-8889-744054AB9037}" dt="2023-03-04T01:11:49.288" v="418" actId="478"/>
+          <ac:spMkLst>
+            <pc:docMk/>
+            <pc:sldMk cId="4037734867" sldId="261"/>
+            <ac:spMk id="80" creationId="{42F8B48C-F4F3-47E4-946E-DBCFE24B73AD}"/>
+          </ac:spMkLst>
+        </pc:spChg>
+        <pc:spChg chg="del">
+          <ac:chgData name="Felipe Lopes de Oliveira" userId="7927722fe4027b30" providerId="LiveId" clId="{988CB3FB-85FE-4B18-8889-744054AB9037}" dt="2023-03-04T01:11:49.288" v="418" actId="478"/>
+          <ac:spMkLst>
+            <pc:docMk/>
+            <pc:sldMk cId="4037734867" sldId="261"/>
+            <ac:spMk id="81" creationId="{F3B12A42-22BD-48CC-B47B-DE91C5E64585}"/>
+          </ac:spMkLst>
+        </pc:spChg>
+        <pc:spChg chg="del">
+          <ac:chgData name="Felipe Lopes de Oliveira" userId="7927722fe4027b30" providerId="LiveId" clId="{988CB3FB-85FE-4B18-8889-744054AB9037}" dt="2023-03-04T01:11:49.288" v="418" actId="478"/>
+          <ac:spMkLst>
+            <pc:docMk/>
+            <pc:sldMk cId="4037734867" sldId="261"/>
+            <ac:spMk id="82" creationId="{B8864486-701A-4130-97C2-89CCDA3AA46F}"/>
+          </ac:spMkLst>
+        </pc:spChg>
+        <pc:spChg chg="del">
+          <ac:chgData name="Felipe Lopes de Oliveira" userId="7927722fe4027b30" providerId="LiveId" clId="{988CB3FB-85FE-4B18-8889-744054AB9037}" dt="2023-03-04T01:11:49.288" v="418" actId="478"/>
+          <ac:spMkLst>
+            <pc:docMk/>
+            <pc:sldMk cId="4037734867" sldId="261"/>
+            <ac:spMk id="83" creationId="{D39955A0-7717-4427-9AEA-A5D09ACB004B}"/>
+          </ac:spMkLst>
+        </pc:spChg>
+        <pc:spChg chg="del">
+          <ac:chgData name="Felipe Lopes de Oliveira" userId="7927722fe4027b30" providerId="LiveId" clId="{988CB3FB-85FE-4B18-8889-744054AB9037}" dt="2023-03-04T01:11:49.288" v="418" actId="478"/>
+          <ac:spMkLst>
+            <pc:docMk/>
+            <pc:sldMk cId="4037734867" sldId="261"/>
+            <ac:spMk id="84" creationId="{75115EF6-916B-4F38-AAE2-2C13B241D6F8}"/>
+          </ac:spMkLst>
+        </pc:spChg>
+        <pc:spChg chg="del">
+          <ac:chgData name="Felipe Lopes de Oliveira" userId="7927722fe4027b30" providerId="LiveId" clId="{988CB3FB-85FE-4B18-8889-744054AB9037}" dt="2023-03-04T01:11:49.288" v="418" actId="478"/>
+          <ac:spMkLst>
+            <pc:docMk/>
+            <pc:sldMk cId="4037734867" sldId="261"/>
+            <ac:spMk id="86" creationId="{E9D218A5-5B0F-457B-9184-93C7B4ACE513}"/>
+          </ac:spMkLst>
+        </pc:spChg>
+        <pc:spChg chg="del">
+          <ac:chgData name="Felipe Lopes de Oliveira" userId="7927722fe4027b30" providerId="LiveId" clId="{988CB3FB-85FE-4B18-8889-744054AB9037}" dt="2023-03-04T01:11:49.288" v="418" actId="478"/>
+          <ac:spMkLst>
+            <pc:docMk/>
+            <pc:sldMk cId="4037734867" sldId="261"/>
+            <ac:spMk id="87" creationId="{5522AE5D-8633-40C7-8146-86EE94427B71}"/>
+          </ac:spMkLst>
+        </pc:spChg>
+        <pc:spChg chg="del">
+          <ac:chgData name="Felipe Lopes de Oliveira" userId="7927722fe4027b30" providerId="LiveId" clId="{988CB3FB-85FE-4B18-8889-744054AB9037}" dt="2023-03-04T01:11:49.288" v="418" actId="478"/>
+          <ac:spMkLst>
+            <pc:docMk/>
+            <pc:sldMk cId="4037734867" sldId="261"/>
+            <ac:spMk id="88" creationId="{87A46F9A-5562-4AF5-9785-36DC1168C882}"/>
+          </ac:spMkLst>
+        </pc:spChg>
+        <pc:spChg chg="del">
+          <ac:chgData name="Felipe Lopes de Oliveira" userId="7927722fe4027b30" providerId="LiveId" clId="{988CB3FB-85FE-4B18-8889-744054AB9037}" dt="2023-03-04T01:11:49.288" v="418" actId="478"/>
+          <ac:spMkLst>
+            <pc:docMk/>
+            <pc:sldMk cId="4037734867" sldId="261"/>
+            <ac:spMk id="89" creationId="{BFC27749-AEA2-4843-98AB-0342DF75B798}"/>
+          </ac:spMkLst>
+        </pc:spChg>
+        <pc:spChg chg="del">
+          <ac:chgData name="Felipe Lopes de Oliveira" userId="7927722fe4027b30" providerId="LiveId" clId="{988CB3FB-85FE-4B18-8889-744054AB9037}" dt="2023-03-04T01:11:49.288" v="418" actId="478"/>
+          <ac:spMkLst>
+            <pc:docMk/>
+            <pc:sldMk cId="4037734867" sldId="261"/>
+            <ac:spMk id="90" creationId="{1E9B7DB0-D532-4534-A1AC-ADF077E52DEA}"/>
+          </ac:spMkLst>
+        </pc:spChg>
+        <pc:spChg chg="del">
+          <ac:chgData name="Felipe Lopes de Oliveira" userId="7927722fe4027b30" providerId="LiveId" clId="{988CB3FB-85FE-4B18-8889-744054AB9037}" dt="2023-03-04T01:11:49.288" v="418" actId="478"/>
+          <ac:spMkLst>
+            <pc:docMk/>
+            <pc:sldMk cId="4037734867" sldId="261"/>
+            <ac:spMk id="91" creationId="{63A2ED8C-AB64-4AEF-9F7D-3BBE528162A4}"/>
+          </ac:spMkLst>
+        </pc:spChg>
+        <pc:spChg chg="del">
+          <ac:chgData name="Felipe Lopes de Oliveira" userId="7927722fe4027b30" providerId="LiveId" clId="{988CB3FB-85FE-4B18-8889-744054AB9037}" dt="2023-03-04T01:11:49.288" v="418" actId="478"/>
+          <ac:spMkLst>
+            <pc:docMk/>
+            <pc:sldMk cId="4037734867" sldId="261"/>
+            <ac:spMk id="93" creationId="{3247C57F-973E-44F8-8868-9A64FAEC4560}"/>
+          </ac:spMkLst>
+        </pc:spChg>
+        <pc:spChg chg="del">
+          <ac:chgData name="Felipe Lopes de Oliveira" userId="7927722fe4027b30" providerId="LiveId" clId="{988CB3FB-85FE-4B18-8889-744054AB9037}" dt="2023-03-04T01:11:49.288" v="418" actId="478"/>
+          <ac:spMkLst>
+            <pc:docMk/>
+            <pc:sldMk cId="4037734867" sldId="261"/>
+            <ac:spMk id="94" creationId="{C7A77358-F503-49BA-AA49-C05285071C2B}"/>
+          </ac:spMkLst>
+        </pc:spChg>
+        <pc:spChg chg="del">
+          <ac:chgData name="Felipe Lopes de Oliveira" userId="7927722fe4027b30" providerId="LiveId" clId="{988CB3FB-85FE-4B18-8889-744054AB9037}" dt="2023-03-04T01:11:49.288" v="418" actId="478"/>
+          <ac:spMkLst>
+            <pc:docMk/>
+            <pc:sldMk cId="4037734867" sldId="261"/>
+            <ac:spMk id="95" creationId="{36C664D8-4ADC-41ED-BA20-4155D3B8F0D5}"/>
+          </ac:spMkLst>
+        </pc:spChg>
+        <pc:spChg chg="del">
+          <ac:chgData name="Felipe Lopes de Oliveira" userId="7927722fe4027b30" providerId="LiveId" clId="{988CB3FB-85FE-4B18-8889-744054AB9037}" dt="2023-03-04T01:11:49.288" v="418" actId="478"/>
+          <ac:spMkLst>
+            <pc:docMk/>
+            <pc:sldMk cId="4037734867" sldId="261"/>
+            <ac:spMk id="96" creationId="{A6FD726F-52EC-4109-9ECD-D6C01BDB876E}"/>
+          </ac:spMkLst>
+        </pc:spChg>
+        <pc:spChg chg="del">
+          <ac:chgData name="Felipe Lopes de Oliveira" userId="7927722fe4027b30" providerId="LiveId" clId="{988CB3FB-85FE-4B18-8889-744054AB9037}" dt="2023-03-04T01:11:49.288" v="418" actId="478"/>
+          <ac:spMkLst>
+            <pc:docMk/>
+            <pc:sldMk cId="4037734867" sldId="261"/>
+            <ac:spMk id="97" creationId="{C9A4DC69-F6DC-4532-A8A6-A63D118FD225}"/>
+          </ac:spMkLst>
+        </pc:spChg>
+        <pc:spChg chg="del">
+          <ac:chgData name="Felipe Lopes de Oliveira" userId="7927722fe4027b30" providerId="LiveId" clId="{988CB3FB-85FE-4B18-8889-744054AB9037}" dt="2023-03-04T01:11:49.288" v="418" actId="478"/>
+          <ac:spMkLst>
+            <pc:docMk/>
+            <pc:sldMk cId="4037734867" sldId="261"/>
+            <ac:spMk id="98" creationId="{DE881A1D-ED57-4C62-8118-FE0B500E6BDE}"/>
+          </ac:spMkLst>
+        </pc:spChg>
+        <pc:spChg chg="del">
+          <ac:chgData name="Felipe Lopes de Oliveira" userId="7927722fe4027b30" providerId="LiveId" clId="{988CB3FB-85FE-4B18-8889-744054AB9037}" dt="2023-03-04T01:11:49.288" v="418" actId="478"/>
+          <ac:spMkLst>
+            <pc:docMk/>
+            <pc:sldMk cId="4037734867" sldId="261"/>
+            <ac:spMk id="99" creationId="{168AB9EC-4105-4AB2-98B0-0F5BD6ADA019}"/>
+          </ac:spMkLst>
+        </pc:spChg>
+        <pc:spChg chg="del">
+          <ac:chgData name="Felipe Lopes de Oliveira" userId="7927722fe4027b30" providerId="LiveId" clId="{988CB3FB-85FE-4B18-8889-744054AB9037}" dt="2023-03-04T01:11:49.288" v="418" actId="478"/>
+          <ac:spMkLst>
+            <pc:docMk/>
+            <pc:sldMk cId="4037734867" sldId="261"/>
+            <ac:spMk id="102" creationId="{C120BEED-C31E-4042-8B48-C8FA5B987D67}"/>
+          </ac:spMkLst>
+        </pc:spChg>
+        <pc:spChg chg="del">
+          <ac:chgData name="Felipe Lopes de Oliveira" userId="7927722fe4027b30" providerId="LiveId" clId="{988CB3FB-85FE-4B18-8889-744054AB9037}" dt="2023-03-04T01:11:49.288" v="418" actId="478"/>
+          <ac:spMkLst>
+            <pc:docMk/>
+            <pc:sldMk cId="4037734867" sldId="261"/>
+            <ac:spMk id="103" creationId="{E4359B63-33E9-43C0-A00D-85CA5044CF9B}"/>
+          </ac:spMkLst>
+        </pc:spChg>
+        <pc:spChg chg="del">
+          <ac:chgData name="Felipe Lopes de Oliveira" userId="7927722fe4027b30" providerId="LiveId" clId="{988CB3FB-85FE-4B18-8889-744054AB9037}" dt="2023-03-04T01:11:49.288" v="418" actId="478"/>
+          <ac:spMkLst>
+            <pc:docMk/>
+            <pc:sldMk cId="4037734867" sldId="261"/>
+            <ac:spMk id="104" creationId="{9E73EE7F-C4A2-4AE9-A991-D4CEBDB7256E}"/>
+          </ac:spMkLst>
+        </pc:spChg>
+        <pc:spChg chg="del">
+          <ac:chgData name="Felipe Lopes de Oliveira" userId="7927722fe4027b30" providerId="LiveId" clId="{988CB3FB-85FE-4B18-8889-744054AB9037}" dt="2023-03-04T01:11:49.288" v="418" actId="478"/>
+          <ac:spMkLst>
+            <pc:docMk/>
+            <pc:sldMk cId="4037734867" sldId="261"/>
+            <ac:spMk id="106" creationId="{EA54D276-BB6B-49B1-9A17-9286FB653799}"/>
+          </ac:spMkLst>
+        </pc:spChg>
+        <pc:spChg chg="del">
+          <ac:chgData name="Felipe Lopes de Oliveira" userId="7927722fe4027b30" providerId="LiveId" clId="{988CB3FB-85FE-4B18-8889-744054AB9037}" dt="2023-03-04T01:11:49.288" v="418" actId="478"/>
+          <ac:spMkLst>
+            <pc:docMk/>
+            <pc:sldMk cId="4037734867" sldId="261"/>
+            <ac:spMk id="107" creationId="{C812AFAF-B15D-4399-850C-28B985A0D81D}"/>
+          </ac:spMkLst>
+        </pc:spChg>
+        <pc:spChg chg="del">
+          <ac:chgData name="Felipe Lopes de Oliveira" userId="7927722fe4027b30" providerId="LiveId" clId="{988CB3FB-85FE-4B18-8889-744054AB9037}" dt="2023-03-04T01:11:49.288" v="418" actId="478"/>
+          <ac:spMkLst>
+            <pc:docMk/>
+            <pc:sldMk cId="4037734867" sldId="261"/>
+            <ac:spMk id="109" creationId="{5B27F319-98B8-4D72-8964-0EBCC21F9C8F}"/>
+          </ac:spMkLst>
+        </pc:spChg>
+        <pc:spChg chg="del">
+          <ac:chgData name="Felipe Lopes de Oliveira" userId="7927722fe4027b30" providerId="LiveId" clId="{988CB3FB-85FE-4B18-8889-744054AB9037}" dt="2023-03-04T01:11:49.288" v="418" actId="478"/>
+          <ac:spMkLst>
+            <pc:docMk/>
+            <pc:sldMk cId="4037734867" sldId="261"/>
+            <ac:spMk id="110" creationId="{CCBC927E-3BE9-4F14-91DC-816C59A17B35}"/>
+          </ac:spMkLst>
+        </pc:spChg>
+        <pc:spChg chg="del">
+          <ac:chgData name="Felipe Lopes de Oliveira" userId="7927722fe4027b30" providerId="LiveId" clId="{988CB3FB-85FE-4B18-8889-744054AB9037}" dt="2023-03-04T01:11:49.288" v="418" actId="478"/>
+          <ac:spMkLst>
+            <pc:docMk/>
+            <pc:sldMk cId="4037734867" sldId="261"/>
+            <ac:spMk id="111" creationId="{8B4F572D-38C0-4657-AE26-09F8002B643C}"/>
+          </ac:spMkLst>
+        </pc:spChg>
+        <pc:grpChg chg="add del mod">
+          <ac:chgData name="Felipe Lopes de Oliveira" userId="7927722fe4027b30" providerId="LiveId" clId="{988CB3FB-85FE-4B18-8889-744054AB9037}" dt="2023-03-04T01:12:30.731" v="435" actId="165"/>
+          <ac:grpSpMkLst>
+            <pc:docMk/>
+            <pc:sldMk cId="4037734867" sldId="261"/>
+            <ac:grpSpMk id="4" creationId="{987D5BAE-C1F0-27B7-8DAD-B3655867F3F0}"/>
+          </ac:grpSpMkLst>
+        </pc:grpChg>
+        <pc:graphicFrameChg chg="mod topLvl">
+          <ac:chgData name="Felipe Lopes de Oliveira" userId="7927722fe4027b30" providerId="LiveId" clId="{988CB3FB-85FE-4B18-8889-744054AB9037}" dt="2023-03-04T01:18:09.800" v="457"/>
+          <ac:graphicFrameMkLst>
+            <pc:docMk/>
+            <pc:sldMk cId="4037734867" sldId="261"/>
+            <ac:graphicFrameMk id="5" creationId="{F66EBFAE-13B8-BCF0-D978-14E312860609}"/>
+          </ac:graphicFrameMkLst>
+        </pc:graphicFrameChg>
+        <pc:graphicFrameChg chg="mod topLvl">
+          <ac:chgData name="Felipe Lopes de Oliveira" userId="7927722fe4027b30" providerId="LiveId" clId="{988CB3FB-85FE-4B18-8889-744054AB9037}" dt="2023-03-04T01:18:40.668" v="470"/>
+          <ac:graphicFrameMkLst>
+            <pc:docMk/>
+            <pc:sldMk cId="4037734867" sldId="261"/>
+            <ac:graphicFrameMk id="6" creationId="{124CD6E2-250F-B070-6F8F-60E5EB4B6E63}"/>
+          </ac:graphicFrameMkLst>
+        </pc:graphicFrameChg>
+        <pc:graphicFrameChg chg="mod topLvl">
+          <ac:chgData name="Felipe Lopes de Oliveira" userId="7927722fe4027b30" providerId="LiveId" clId="{988CB3FB-85FE-4B18-8889-744054AB9037}" dt="2023-03-04T01:24:28.332" v="562"/>
+          <ac:graphicFrameMkLst>
+            <pc:docMk/>
+            <pc:sldMk cId="4037734867" sldId="261"/>
+            <ac:graphicFrameMk id="7" creationId="{34B4976A-DCD5-0A62-8323-430F05E080CB}"/>
+          </ac:graphicFrameMkLst>
+        </pc:graphicFrameChg>
+        <pc:graphicFrameChg chg="mod topLvl">
+          <ac:chgData name="Felipe Lopes de Oliveira" userId="7927722fe4027b30" providerId="LiveId" clId="{988CB3FB-85FE-4B18-8889-744054AB9037}" dt="2023-03-04T01:24:42.305" v="574"/>
+          <ac:graphicFrameMkLst>
+            <pc:docMk/>
+            <pc:sldMk cId="4037734867" sldId="261"/>
+            <ac:graphicFrameMk id="8" creationId="{0027849A-610C-BFB1-1F6E-E313DE2CDF62}"/>
+          </ac:graphicFrameMkLst>
+        </pc:graphicFrameChg>
+        <pc:graphicFrameChg chg="mod topLvl">
+          <ac:chgData name="Felipe Lopes de Oliveira" userId="7927722fe4027b30" providerId="LiveId" clId="{988CB3FB-85FE-4B18-8889-744054AB9037}" dt="2023-03-04T01:24:38.288" v="570"/>
+          <ac:graphicFrameMkLst>
+            <pc:docMk/>
+            <pc:sldMk cId="4037734867" sldId="261"/>
+            <ac:graphicFrameMk id="9" creationId="{2F0785F7-C734-8406-7FA1-89959FEEE93B}"/>
+          </ac:graphicFrameMkLst>
+        </pc:graphicFrameChg>
+        <pc:graphicFrameChg chg="mod topLvl">
+          <ac:chgData name="Felipe Lopes de Oliveira" userId="7927722fe4027b30" providerId="LiveId" clId="{988CB3FB-85FE-4B18-8889-744054AB9037}" dt="2023-03-04T01:24:46.796" v="579"/>
+          <ac:graphicFrameMkLst>
+            <pc:docMk/>
+            <pc:sldMk cId="4037734867" sldId="261"/>
+            <ac:graphicFrameMk id="10" creationId="{315577D8-1B39-F6DF-84E4-96EBED91706D}"/>
+          </ac:graphicFrameMkLst>
+        </pc:graphicFrameChg>
+        <pc:graphicFrameChg chg="mod topLvl">
+          <ac:chgData name="Felipe Lopes de Oliveira" userId="7927722fe4027b30" providerId="LiveId" clId="{988CB3FB-85FE-4B18-8889-744054AB9037}" dt="2023-03-04T01:24:34.288" v="566"/>
+          <ac:graphicFrameMkLst>
+            <pc:docMk/>
+            <pc:sldMk cId="4037734867" sldId="261"/>
+            <ac:graphicFrameMk id="11" creationId="{8F627798-786D-64DC-7AD1-9ADB61E3F824}"/>
+          </ac:graphicFrameMkLst>
+        </pc:graphicFrameChg>
+        <pc:graphicFrameChg chg="del">
+          <ac:chgData name="Felipe Lopes de Oliveira" userId="7927722fe4027b30" providerId="LiveId" clId="{988CB3FB-85FE-4B18-8889-744054AB9037}" dt="2023-03-04T01:11:49.288" v="418" actId="478"/>
+          <ac:graphicFrameMkLst>
+            <pc:docMk/>
+            <pc:sldMk cId="4037734867" sldId="261"/>
+            <ac:graphicFrameMk id="70" creationId="{D772CA9D-5C33-4DCE-8D54-F2DFECCB6DA8}"/>
+          </ac:graphicFrameMkLst>
+        </pc:graphicFrameChg>
+        <pc:graphicFrameChg chg="del">
+          <ac:chgData name="Felipe Lopes de Oliveira" userId="7927722fe4027b30" providerId="LiveId" clId="{988CB3FB-85FE-4B18-8889-744054AB9037}" dt="2023-03-04T01:11:49.288" v="418" actId="478"/>
+          <ac:graphicFrameMkLst>
+            <pc:docMk/>
+            <pc:sldMk cId="4037734867" sldId="261"/>
+            <ac:graphicFrameMk id="85" creationId="{04163873-F5CC-4BDA-B4FC-394BCF545FAE}"/>
+          </ac:graphicFrameMkLst>
+        </pc:graphicFrameChg>
+        <pc:graphicFrameChg chg="del">
+          <ac:chgData name="Felipe Lopes de Oliveira" userId="7927722fe4027b30" providerId="LiveId" clId="{988CB3FB-85FE-4B18-8889-744054AB9037}" dt="2023-03-04T01:11:49.288" v="418" actId="478"/>
+          <ac:graphicFrameMkLst>
+            <pc:docMk/>
+            <pc:sldMk cId="4037734867" sldId="261"/>
+            <ac:graphicFrameMk id="100" creationId="{E07D27B0-616E-4F59-83C8-C04E6494F2CF}"/>
+          </ac:graphicFrameMkLst>
+        </pc:graphicFrameChg>
+        <pc:graphicFrameChg chg="del">
+          <ac:chgData name="Felipe Lopes de Oliveira" userId="7927722fe4027b30" providerId="LiveId" clId="{988CB3FB-85FE-4B18-8889-744054AB9037}" dt="2023-03-04T01:11:49.288" v="418" actId="478"/>
+          <ac:graphicFrameMkLst>
+            <pc:docMk/>
+            <pc:sldMk cId="4037734867" sldId="261"/>
+            <ac:graphicFrameMk id="101" creationId="{3B1B799E-2ED6-47A1-BD79-B70F59FFDBBC}"/>
+          </ac:graphicFrameMkLst>
+        </pc:graphicFrameChg>
+        <pc:graphicFrameChg chg="del">
+          <ac:chgData name="Felipe Lopes de Oliveira" userId="7927722fe4027b30" providerId="LiveId" clId="{988CB3FB-85FE-4B18-8889-744054AB9037}" dt="2023-03-04T01:11:49.288" v="418" actId="478"/>
+          <ac:graphicFrameMkLst>
+            <pc:docMk/>
+            <pc:sldMk cId="4037734867" sldId="261"/>
+            <ac:graphicFrameMk id="105" creationId="{24E1F9B9-8A99-445A-BF0A-499A7E2A7B3A}"/>
+          </ac:graphicFrameMkLst>
+        </pc:graphicFrameChg>
+      </pc:sldChg>
+    </pc:docChg>
+  </pc:docChgLst>
+</pc:chgInfo>
+</file>
+
 <file path=ppt/slideLayouts/slideLayout1.xml><?xml version="1.0" encoding="utf-8"?>
 <p:sldLayout xmlns:a="http://schemas.openxmlformats.org/drawingml/2006/main" xmlns:r="http://schemas.openxmlformats.org/officeDocument/2006/relationships" xmlns:p="http://schemas.openxmlformats.org/presentationml/2006/main" type="title" preserve="1">
   <p:cSld name="Slide de Título">
@@ -247,7 +842,7 @@
           <a:p>
             <a:fld id="{DBC44DCA-8DCD-44D5-A529-810413827672}" type="datetimeFigureOut">
               <a:rPr lang="pt-BR" smtClean="0"/>
-              <a:t>23/01/2023</a:t>
+              <a:t>03/03/2023</a:t>
             </a:fld>
             <a:endParaRPr lang="pt-BR"/>
           </a:p>
@@ -417,7 +1012,7 @@
           <a:p>
             <a:fld id="{DBC44DCA-8DCD-44D5-A529-810413827672}" type="datetimeFigureOut">
               <a:rPr lang="pt-BR" smtClean="0"/>
-              <a:t>23/01/2023</a:t>
+              <a:t>03/03/2023</a:t>
             </a:fld>
             <a:endParaRPr lang="pt-BR"/>
           </a:p>
@@ -597,7 +1192,7 @@
           <a:p>
             <a:fld id="{DBC44DCA-8DCD-44D5-A529-810413827672}" type="datetimeFigureOut">
               <a:rPr lang="pt-BR" smtClean="0"/>
-              <a:t>23/01/2023</a:t>
+              <a:t>03/03/2023</a:t>
             </a:fld>
             <a:endParaRPr lang="pt-BR"/>
           </a:p>
@@ -767,7 +1362,7 @@
           <a:p>
             <a:fld id="{DBC44DCA-8DCD-44D5-A529-810413827672}" type="datetimeFigureOut">
               <a:rPr lang="pt-BR" smtClean="0"/>
-              <a:t>23/01/2023</a:t>
+              <a:t>03/03/2023</a:t>
             </a:fld>
             <a:endParaRPr lang="pt-BR"/>
           </a:p>
@@ -1011,7 +1606,7 @@
           <a:p>
             <a:fld id="{DBC44DCA-8DCD-44D5-A529-810413827672}" type="datetimeFigureOut">
               <a:rPr lang="pt-BR" smtClean="0"/>
-              <a:t>23/01/2023</a:t>
+              <a:t>03/03/2023</a:t>
             </a:fld>
             <a:endParaRPr lang="pt-BR"/>
           </a:p>
@@ -1243,7 +1838,7 @@
           <a:p>
             <a:fld id="{DBC44DCA-8DCD-44D5-A529-810413827672}" type="datetimeFigureOut">
               <a:rPr lang="pt-BR" smtClean="0"/>
-              <a:t>23/01/2023</a:t>
+              <a:t>03/03/2023</a:t>
             </a:fld>
             <a:endParaRPr lang="pt-BR"/>
           </a:p>
@@ -1610,7 +2205,7 @@
           <a:p>
             <a:fld id="{DBC44DCA-8DCD-44D5-A529-810413827672}" type="datetimeFigureOut">
               <a:rPr lang="pt-BR" smtClean="0"/>
-              <a:t>23/01/2023</a:t>
+              <a:t>03/03/2023</a:t>
             </a:fld>
             <a:endParaRPr lang="pt-BR"/>
           </a:p>
@@ -1728,7 +2323,7 @@
           <a:p>
             <a:fld id="{DBC44DCA-8DCD-44D5-A529-810413827672}" type="datetimeFigureOut">
               <a:rPr lang="pt-BR" smtClean="0"/>
-              <a:t>23/01/2023</a:t>
+              <a:t>03/03/2023</a:t>
             </a:fld>
             <a:endParaRPr lang="pt-BR"/>
           </a:p>
@@ -1823,7 +2418,7 @@
           <a:p>
             <a:fld id="{DBC44DCA-8DCD-44D5-A529-810413827672}" type="datetimeFigureOut">
               <a:rPr lang="pt-BR" smtClean="0"/>
-              <a:t>23/01/2023</a:t>
+              <a:t>03/03/2023</a:t>
             </a:fld>
             <a:endParaRPr lang="pt-BR"/>
           </a:p>
@@ -2100,7 +2695,7 @@
           <a:p>
             <a:fld id="{DBC44DCA-8DCD-44D5-A529-810413827672}" type="datetimeFigureOut">
               <a:rPr lang="pt-BR" smtClean="0"/>
-              <a:t>23/01/2023</a:t>
+              <a:t>03/03/2023</a:t>
             </a:fld>
             <a:endParaRPr lang="pt-BR"/>
           </a:p>
@@ -2357,7 +2952,7 @@
           <a:p>
             <a:fld id="{DBC44DCA-8DCD-44D5-A529-810413827672}" type="datetimeFigureOut">
               <a:rPr lang="pt-BR" smtClean="0"/>
-              <a:t>23/01/2023</a:t>
+              <a:t>03/03/2023</a:t>
             </a:fld>
             <a:endParaRPr lang="pt-BR"/>
           </a:p>
@@ -2570,7 +3165,7 @@
           <a:p>
             <a:fld id="{DBC44DCA-8DCD-44D5-A529-810413827672}" type="datetimeFigureOut">
               <a:rPr lang="pt-BR" smtClean="0"/>
-              <a:t>23/01/2023</a:t>
+              <a:t>03/03/2023</a:t>
             </a:fld>
             <a:endParaRPr lang="pt-BR"/>
           </a:p>
@@ -3093,10 +3688,10 @@
                     <p:embed/>
                     <p:pic>
                       <p:nvPicPr>
-                        <p:cNvPr id="2" name="Objeto 1">
+                        <p:cNvPr id="6" name="Objeto 5">
                           <a:extLst>
                             <a:ext uri="{FF2B5EF4-FFF2-40B4-BE49-F238E27FC236}">
-                              <a16:creationId xmlns:a16="http://schemas.microsoft.com/office/drawing/2014/main" id="{73BAF483-4B9D-4F17-BEEB-7597CBDE1D96}"/>
+                              <a16:creationId xmlns:a16="http://schemas.microsoft.com/office/drawing/2014/main" id="{6CE236DE-CF6C-4F58-B575-6EFE88379342}"/>
                             </a:ext>
                           </a:extLst>
                         </p:cNvPr>
@@ -4632,10 +5227,10 @@
                     <p:embed/>
                     <p:pic>
                       <p:nvPicPr>
-                        <p:cNvPr id="8" name="Objeto 7">
+                        <p:cNvPr id="30" name="Objeto 29">
                           <a:extLst>
                             <a:ext uri="{FF2B5EF4-FFF2-40B4-BE49-F238E27FC236}">
-                              <a16:creationId xmlns:a16="http://schemas.microsoft.com/office/drawing/2014/main" id="{944F4AA2-A842-4368-AC58-938841D266C8}"/>
+                              <a16:creationId xmlns:a16="http://schemas.microsoft.com/office/drawing/2014/main" id="{A428EF71-9843-45E0-931B-A2BBD202E3DC}"/>
                             </a:ext>
                           </a:extLst>
                         </p:cNvPr>
@@ -5373,10 +5968,10 @@
                     <p:embed/>
                     <p:pic>
                       <p:nvPicPr>
-                        <p:cNvPr id="24" name="Objeto 23">
+                        <p:cNvPr id="41" name="Objeto 40">
                           <a:extLst>
                             <a:ext uri="{FF2B5EF4-FFF2-40B4-BE49-F238E27FC236}">
-                              <a16:creationId xmlns:a16="http://schemas.microsoft.com/office/drawing/2014/main" id="{F44E2349-6943-4C80-BF33-676679B7F26F}"/>
+                              <a16:creationId xmlns:a16="http://schemas.microsoft.com/office/drawing/2014/main" id="{4B1D7B2C-0356-4C6E-866C-20932904D366}"/>
                             </a:ext>
                           </a:extLst>
                         </p:cNvPr>
@@ -6104,10 +6699,10 @@
                     <p:embed/>
                     <p:pic>
                       <p:nvPicPr>
-                        <p:cNvPr id="30" name="Objeto 29">
+                        <p:cNvPr id="53" name="Objeto 52">
                           <a:extLst>
                             <a:ext uri="{FF2B5EF4-FFF2-40B4-BE49-F238E27FC236}">
-                              <a16:creationId xmlns:a16="http://schemas.microsoft.com/office/drawing/2014/main" id="{CAC7C2A0-7420-46E8-8105-DC2F64C0E831}"/>
+                              <a16:creationId xmlns:a16="http://schemas.microsoft.com/office/drawing/2014/main" id="{ACF12282-F564-4A99-80D9-CE8457AA3D3E}"/>
                             </a:ext>
                           </a:extLst>
                         </p:cNvPr>
@@ -6173,10 +6768,10 @@
                     <p:embed/>
                     <p:pic>
                       <p:nvPicPr>
-                        <p:cNvPr id="31" name="Objeto 30">
+                        <p:cNvPr id="54" name="Objeto 53">
                           <a:extLst>
                             <a:ext uri="{FF2B5EF4-FFF2-40B4-BE49-F238E27FC236}">
-                              <a16:creationId xmlns:a16="http://schemas.microsoft.com/office/drawing/2014/main" id="{35AA2D4D-47EE-4BF2-B8F7-C408756FB216}"/>
+                              <a16:creationId xmlns:a16="http://schemas.microsoft.com/office/drawing/2014/main" id="{D8A9B3EF-3D9C-4F1F-8962-B111B84D4B30}"/>
                             </a:ext>
                           </a:extLst>
                         </p:cNvPr>
@@ -6242,10 +6837,10 @@
                     <p:embed/>
                     <p:pic>
                       <p:nvPicPr>
-                        <p:cNvPr id="32" name="Objeto 31">
+                        <p:cNvPr id="55" name="Objeto 54">
                           <a:extLst>
                             <a:ext uri="{FF2B5EF4-FFF2-40B4-BE49-F238E27FC236}">
-                              <a16:creationId xmlns:a16="http://schemas.microsoft.com/office/drawing/2014/main" id="{D2905894-97C4-4F4E-B963-C5AE352A750E}"/>
+                              <a16:creationId xmlns:a16="http://schemas.microsoft.com/office/drawing/2014/main" id="{A7624520-7ECF-4B17-9406-34F22457865C}"/>
                             </a:ext>
                           </a:extLst>
                         </p:cNvPr>
@@ -6311,10 +6906,10 @@
                     <p:embed/>
                     <p:pic>
                       <p:nvPicPr>
-                        <p:cNvPr id="34" name="Objeto 33">
+                        <p:cNvPr id="56" name="Objeto 55">
                           <a:extLst>
                             <a:ext uri="{FF2B5EF4-FFF2-40B4-BE49-F238E27FC236}">
-                              <a16:creationId xmlns:a16="http://schemas.microsoft.com/office/drawing/2014/main" id="{92085219-BE43-40AF-A16D-20291FD0F3D4}"/>
+                              <a16:creationId xmlns:a16="http://schemas.microsoft.com/office/drawing/2014/main" id="{D43360A1-6C13-4A55-BE35-68AF48A64907}"/>
                             </a:ext>
                           </a:extLst>
                         </p:cNvPr>
@@ -6380,10 +6975,10 @@
                     <p:embed/>
                     <p:pic>
                       <p:nvPicPr>
-                        <p:cNvPr id="35" name="Objeto 34">
+                        <p:cNvPr id="57" name="Objeto 56">
                           <a:extLst>
                             <a:ext uri="{FF2B5EF4-FFF2-40B4-BE49-F238E27FC236}">
-                              <a16:creationId xmlns:a16="http://schemas.microsoft.com/office/drawing/2014/main" id="{C2970F7C-0646-4547-ABB6-A052672B452D}"/>
+                              <a16:creationId xmlns:a16="http://schemas.microsoft.com/office/drawing/2014/main" id="{DED1FD23-AE25-48BB-BD2D-31047FC311EA}"/>
                             </a:ext>
                           </a:extLst>
                         </p:cNvPr>
@@ -6449,10 +7044,10 @@
                     <p:embed/>
                     <p:pic>
                       <p:nvPicPr>
-                        <p:cNvPr id="36" name="Objeto 35">
+                        <p:cNvPr id="58" name="Objeto 57">
                           <a:extLst>
                             <a:ext uri="{FF2B5EF4-FFF2-40B4-BE49-F238E27FC236}">
-                              <a16:creationId xmlns:a16="http://schemas.microsoft.com/office/drawing/2014/main" id="{2177B290-8EEC-42BE-85DB-46A8F7BE14A8}"/>
+                              <a16:creationId xmlns:a16="http://schemas.microsoft.com/office/drawing/2014/main" id="{837AE83E-FAEC-4E50-A93E-88975266B38F}"/>
                             </a:ext>
                           </a:extLst>
                         </p:cNvPr>
@@ -6518,10 +7113,10 @@
                     <p:embed/>
                     <p:pic>
                       <p:nvPicPr>
-                        <p:cNvPr id="58" name="Objeto 57">
+                        <p:cNvPr id="59" name="Objeto 58">
                           <a:extLst>
                             <a:ext uri="{FF2B5EF4-FFF2-40B4-BE49-F238E27FC236}">
-                              <a16:creationId xmlns:a16="http://schemas.microsoft.com/office/drawing/2014/main" id="{A0D7255A-D923-42E2-9E44-CB9CE66415D6}"/>
+                              <a16:creationId xmlns:a16="http://schemas.microsoft.com/office/drawing/2014/main" id="{350DE31B-31FF-49F2-A299-E5385DFA2CEF}"/>
                             </a:ext>
                           </a:extLst>
                         </p:cNvPr>
@@ -7660,29 +8255,35 @@
           <p:nvPr>
             <p:extLst>
               <p:ext uri="{D42A27DB-BD31-4B8C-83A1-F6EECF244321}">
-                <p14:modId xmlns:p14="http://schemas.microsoft.com/office/powerpoint/2010/main" val="1646656935"/>
+                <p14:modId xmlns:p14="http://schemas.microsoft.com/office/powerpoint/2010/main" val="1374759555"/>
               </p:ext>
             </p:extLst>
           </p:nvPr>
         </p:nvGraphicFramePr>
         <p:xfrm>
-          <a:off x="1287415" y="1143872"/>
-          <a:ext cx="848725" cy="4573310"/>
+          <a:off x="1268413" y="1169988"/>
+          <a:ext cx="885825" cy="4518025"/>
         </p:xfrm>
         <a:graphic>
           <a:graphicData uri="http://schemas.openxmlformats.org/presentationml/2006/ole">
             <mc:AlternateContent xmlns:mc="http://schemas.openxmlformats.org/markup-compatibility/2006">
               <mc:Choice xmlns:v="urn:schemas-microsoft-com:vml" Requires="v">
-                <p:oleObj name="CS ChemDraw Drawing" r:id="rId2" imgW="796670" imgH="4294403" progId="ChemDraw.Document.6.0">
+                <p:oleObj name="CS ChemDraw Drawing" r:id="rId2" imgW="833120" imgH="4243947" progId="ChemDraw.Document.6.0">
                   <p:embed/>
                 </p:oleObj>
               </mc:Choice>
               <mc:Fallback>
-                <p:oleObj name="CS ChemDraw Drawing" r:id="rId2" imgW="796670" imgH="4294403" progId="ChemDraw.Document.6.0">
+                <p:oleObj name="CS ChemDraw Drawing" r:id="rId2" imgW="833120" imgH="4243947" progId="ChemDraw.Document.6.0">
                   <p:embed/>
                   <p:pic>
                     <p:nvPicPr>
-                      <p:cNvPr id="0" name=""/>
+                      <p:cNvPr id="70" name="Objeto 69">
+                        <a:extLst>
+                          <a:ext uri="{FF2B5EF4-FFF2-40B4-BE49-F238E27FC236}">
+                            <a16:creationId xmlns:a16="http://schemas.microsoft.com/office/drawing/2014/main" id="{D772CA9D-5C33-4DCE-8D54-F2DFECCB6DA8}"/>
+                          </a:ext>
+                        </a:extLst>
+                      </p:cNvPr>
                       <p:cNvPicPr/>
                       <p:nvPr/>
                     </p:nvPicPr>
@@ -7694,8 +8295,8 @@
                     </p:blipFill>
                     <p:spPr>
                       <a:xfrm>
-                        <a:off x="1287415" y="1143872"/>
-                        <a:ext cx="848725" cy="4573310"/>
+                        <a:off x="1268413" y="1169988"/>
+                        <a:ext cx="885825" cy="4518025"/>
                       </a:xfrm>
                       <a:prstGeom prst="rect">
                         <a:avLst/>
@@ -8143,29 +8744,35 @@
           <p:nvPr>
             <p:extLst>
               <p:ext uri="{D42A27DB-BD31-4B8C-83A1-F6EECF244321}">
-                <p14:modId xmlns:p14="http://schemas.microsoft.com/office/powerpoint/2010/main" val="1265494308"/>
+                <p14:modId xmlns:p14="http://schemas.microsoft.com/office/powerpoint/2010/main" val="2260937614"/>
               </p:ext>
             </p:extLst>
           </p:nvPr>
         </p:nvGraphicFramePr>
         <p:xfrm>
-          <a:off x="3358922" y="1143872"/>
-          <a:ext cx="661987" cy="4638950"/>
+          <a:off x="3340100" y="1171575"/>
+          <a:ext cx="703263" cy="4584700"/>
         </p:xfrm>
         <a:graphic>
           <a:graphicData uri="http://schemas.openxmlformats.org/presentationml/2006/ole">
             <mc:AlternateContent xmlns:mc="http://schemas.openxmlformats.org/markup-compatibility/2006">
               <mc:Choice xmlns:v="urn:schemas-microsoft-com:vml" Requires="v">
-                <p:oleObj name="CS ChemDraw Drawing" r:id="rId4" imgW="626135" imgH="4382777" progId="ChemDraw.Document.6.0">
+                <p:oleObj name="CS ChemDraw Drawing" r:id="rId4" imgW="663944" imgH="4332559" progId="ChemDraw.Document.6.0">
                   <p:embed/>
                 </p:oleObj>
               </mc:Choice>
               <mc:Fallback>
-                <p:oleObj name="CS ChemDraw Drawing" r:id="rId4" imgW="626135" imgH="4382777" progId="ChemDraw.Document.6.0">
+                <p:oleObj name="CS ChemDraw Drawing" r:id="rId4" imgW="663944" imgH="4332559" progId="ChemDraw.Document.6.0">
                   <p:embed/>
                   <p:pic>
                     <p:nvPicPr>
-                      <p:cNvPr id="0" name=""/>
+                      <p:cNvPr id="85" name="Objeto 84">
+                        <a:extLst>
+                          <a:ext uri="{FF2B5EF4-FFF2-40B4-BE49-F238E27FC236}">
+                            <a16:creationId xmlns:a16="http://schemas.microsoft.com/office/drawing/2014/main" id="{04163873-F5CC-4BDA-B4FC-394BCF545FAE}"/>
+                          </a:ext>
+                        </a:extLst>
+                      </p:cNvPr>
                       <p:cNvPicPr/>
                       <p:nvPr/>
                     </p:nvPicPr>
@@ -8177,8 +8784,8 @@
                     </p:blipFill>
                     <p:spPr>
                       <a:xfrm>
-                        <a:off x="3358922" y="1143872"/>
-                        <a:ext cx="661987" cy="4638950"/>
+                        <a:off x="3340100" y="1171575"/>
+                        <a:ext cx="703263" cy="4584700"/>
                       </a:xfrm>
                       <a:prstGeom prst="rect">
                         <a:avLst/>
@@ -9116,29 +9723,35 @@
           <p:nvPr>
             <p:extLst>
               <p:ext uri="{D42A27DB-BD31-4B8C-83A1-F6EECF244321}">
-                <p14:modId xmlns:p14="http://schemas.microsoft.com/office/powerpoint/2010/main" val="3844902543"/>
+                <p14:modId xmlns:p14="http://schemas.microsoft.com/office/powerpoint/2010/main" val="1443002114"/>
               </p:ext>
             </p:extLst>
           </p:nvPr>
         </p:nvGraphicFramePr>
         <p:xfrm>
-          <a:off x="5289222" y="1180221"/>
-          <a:ext cx="598127" cy="4475984"/>
+          <a:off x="5287963" y="1204913"/>
+          <a:ext cx="603250" cy="4425950"/>
         </p:xfrm>
         <a:graphic>
           <a:graphicData uri="http://schemas.openxmlformats.org/presentationml/2006/ole">
             <mc:AlternateContent xmlns:mc="http://schemas.openxmlformats.org/markup-compatibility/2006">
               <mc:Choice xmlns:v="urn:schemas-microsoft-com:vml" Requires="v">
-                <p:oleObj name="CS ChemDraw Drawing" r:id="rId6" imgW="572238" imgH="4277489" progId="ChemDraw.Document.6.0">
+                <p:oleObj name="CS ChemDraw Drawing" r:id="rId6" imgW="575576" imgH="4228864" progId="ChemDraw.Document.6.0">
                   <p:embed/>
                 </p:oleObj>
               </mc:Choice>
               <mc:Fallback>
-                <p:oleObj name="CS ChemDraw Drawing" r:id="rId6" imgW="572238" imgH="4277489" progId="ChemDraw.Document.6.0">
+                <p:oleObj name="CS ChemDraw Drawing" r:id="rId6" imgW="575576" imgH="4228864" progId="ChemDraw.Document.6.0">
                   <p:embed/>
                   <p:pic>
                     <p:nvPicPr>
-                      <p:cNvPr id="0" name=""/>
+                      <p:cNvPr id="100" name="Objeto 99">
+                        <a:extLst>
+                          <a:ext uri="{FF2B5EF4-FFF2-40B4-BE49-F238E27FC236}">
+                            <a16:creationId xmlns:a16="http://schemas.microsoft.com/office/drawing/2014/main" id="{E07D27B0-616E-4F59-83C8-C04E6494F2CF}"/>
+                          </a:ext>
+                        </a:extLst>
+                      </p:cNvPr>
                       <p:cNvPicPr/>
                       <p:nvPr/>
                     </p:nvPicPr>
@@ -9150,8 +9763,8 @@
                     </p:blipFill>
                     <p:spPr>
                       <a:xfrm>
-                        <a:off x="5289222" y="1180221"/>
-                        <a:ext cx="598127" cy="4475984"/>
+                        <a:off x="5287963" y="1204913"/>
+                        <a:ext cx="603250" cy="4425950"/>
                       </a:xfrm>
                       <a:prstGeom prst="rect">
                         <a:avLst/>
@@ -9179,29 +9792,35 @@
           <p:nvPr>
             <p:extLst>
               <p:ext uri="{D42A27DB-BD31-4B8C-83A1-F6EECF244321}">
-                <p14:modId xmlns:p14="http://schemas.microsoft.com/office/powerpoint/2010/main" val="217704152"/>
+                <p14:modId xmlns:p14="http://schemas.microsoft.com/office/powerpoint/2010/main" val="3524045709"/>
               </p:ext>
             </p:extLst>
           </p:nvPr>
         </p:nvGraphicFramePr>
         <p:xfrm>
-          <a:off x="6760069" y="1180221"/>
-          <a:ext cx="890587" cy="2552232"/>
+          <a:off x="6757988" y="1177925"/>
+          <a:ext cx="893762" cy="2555875"/>
         </p:xfrm>
         <a:graphic>
           <a:graphicData uri="http://schemas.openxmlformats.org/presentationml/2006/ole">
             <mc:AlternateContent xmlns:mc="http://schemas.openxmlformats.org/markup-compatibility/2006">
               <mc:Choice xmlns:v="urn:schemas-microsoft-com:vml" Requires="v">
-                <p:oleObj name="CS ChemDraw Drawing" r:id="rId8" imgW="839619" imgH="2405982" progId="ChemDraw.Document.6.0">
+                <p:oleObj name="CS ChemDraw Drawing" r:id="rId8" imgW="842571" imgH="2410434" progId="ChemDraw.Document.6.0">
                   <p:embed/>
                 </p:oleObj>
               </mc:Choice>
               <mc:Fallback>
-                <p:oleObj name="CS ChemDraw Drawing" r:id="rId8" imgW="839619" imgH="2405982" progId="ChemDraw.Document.6.0">
+                <p:oleObj name="CS ChemDraw Drawing" r:id="rId8" imgW="842571" imgH="2410434" progId="ChemDraw.Document.6.0">
                   <p:embed/>
                   <p:pic>
                     <p:nvPicPr>
-                      <p:cNvPr id="0" name=""/>
+                      <p:cNvPr id="101" name="Objeto 100">
+                        <a:extLst>
+                          <a:ext uri="{FF2B5EF4-FFF2-40B4-BE49-F238E27FC236}">
+                            <a16:creationId xmlns:a16="http://schemas.microsoft.com/office/drawing/2014/main" id="{3B1B799E-2ED6-47A1-BD79-B70F59FFDBBC}"/>
+                          </a:ext>
+                        </a:extLst>
+                      </p:cNvPr>
                       <p:cNvPicPr/>
                       <p:nvPr/>
                     </p:nvPicPr>
@@ -9213,8 +9832,8 @@
                     </p:blipFill>
                     <p:spPr>
                       <a:xfrm>
-                        <a:off x="6760069" y="1180221"/>
-                        <a:ext cx="890587" cy="2552232"/>
+                        <a:off x="6757988" y="1177925"/>
+                        <a:ext cx="893762" cy="2555875"/>
                       </a:xfrm>
                       <a:prstGeom prst="rect">
                         <a:avLst/>
@@ -9456,29 +10075,35 @@
           <p:nvPr>
             <p:extLst>
               <p:ext uri="{D42A27DB-BD31-4B8C-83A1-F6EECF244321}">
-                <p14:modId xmlns:p14="http://schemas.microsoft.com/office/powerpoint/2010/main" val="4114128387"/>
+                <p14:modId xmlns:p14="http://schemas.microsoft.com/office/powerpoint/2010/main" val="1423736036"/>
               </p:ext>
             </p:extLst>
           </p:nvPr>
         </p:nvGraphicFramePr>
         <p:xfrm>
-          <a:off x="8742449" y="1297740"/>
-          <a:ext cx="1603200" cy="4491394"/>
+          <a:off x="8839200" y="1209675"/>
+          <a:ext cx="1408113" cy="4668838"/>
         </p:xfrm>
         <a:graphic>
           <a:graphicData uri="http://schemas.openxmlformats.org/presentationml/2006/ole">
             <mc:AlternateContent xmlns:mc="http://schemas.openxmlformats.org/markup-compatibility/2006">
               <mc:Choice xmlns:v="urn:schemas-microsoft-com:vml" Requires="v">
-                <p:oleObj name="CS ChemDraw Drawing" r:id="rId10" imgW="1464070" imgH="4100740" progId="ChemDraw.Document.6.0">
+                <p:oleObj name="CS ChemDraw Drawing" r:id="rId10" imgW="1286303" imgH="4260915" progId="ChemDraw.Document.6.0">
                   <p:embed/>
                 </p:oleObj>
               </mc:Choice>
               <mc:Fallback>
-                <p:oleObj name="CS ChemDraw Drawing" r:id="rId10" imgW="1464070" imgH="4100740" progId="ChemDraw.Document.6.0">
+                <p:oleObj name="CS ChemDraw Drawing" r:id="rId10" imgW="1286303" imgH="4260915" progId="ChemDraw.Document.6.0">
                   <p:embed/>
                   <p:pic>
                     <p:nvPicPr>
-                      <p:cNvPr id="0" name=""/>
+                      <p:cNvPr id="105" name="Objeto 104">
+                        <a:extLst>
+                          <a:ext uri="{FF2B5EF4-FFF2-40B4-BE49-F238E27FC236}">
+                            <a16:creationId xmlns:a16="http://schemas.microsoft.com/office/drawing/2014/main" id="{24E1F9B9-8A99-445A-BF0A-499A7E2A7B3A}"/>
+                          </a:ext>
+                        </a:extLst>
+                      </p:cNvPr>
                       <p:cNvPicPr/>
                       <p:nvPr/>
                     </p:nvPicPr>
@@ -9490,8 +10115,8 @@
                     </p:blipFill>
                     <p:spPr>
                       <a:xfrm>
-                        <a:off x="8742449" y="1297740"/>
-                        <a:ext cx="1603200" cy="4491394"/>
+                        <a:off x="8839200" y="1209675"/>
+                        <a:ext cx="1408113" cy="4668838"/>
                       </a:xfrm>
                       <a:prstGeom prst="rect">
                         <a:avLst/>
@@ -9896,20 +10521,22 @@
       </p:grpSpPr>
       <p:sp>
         <p:nvSpPr>
-          <p:cNvPr id="5" name="Retângulo: Cantos Arredondados 4">
+          <p:cNvPr id="68" name="Retângulo: Cantos Arredondados 67">
             <a:extLst>
               <a:ext uri="{FF2B5EF4-FFF2-40B4-BE49-F238E27FC236}">
-                <a16:creationId xmlns:a16="http://schemas.microsoft.com/office/drawing/2014/main" id="{90E86114-E759-48F3-9652-76E5F3AA3658}"/>
+                <a16:creationId xmlns:a16="http://schemas.microsoft.com/office/drawing/2014/main" id="{0F1824DF-F2BF-4111-9D1F-AF71A064FB5B}"/>
               </a:ext>
             </a:extLst>
           </p:cNvPr>
-          <p:cNvSpPr/>
+          <p:cNvSpPr>
+            <a:spLocks noGrp="1" noRot="1" noMove="1" noResize="1" noEditPoints="1" noAdjustHandles="1" noChangeArrowheads="1" noChangeShapeType="1"/>
+          </p:cNvSpPr>
           <p:nvPr/>
         </p:nvSpPr>
         <p:spPr>
           <a:xfrm>
-            <a:off x="87031" y="51597"/>
-            <a:ext cx="11346423" cy="10982129"/>
+            <a:off x="87031" y="51598"/>
+            <a:ext cx="11346423" cy="6039714"/>
           </a:xfrm>
           <a:prstGeom prst="roundRect">
             <a:avLst>
@@ -9957,10 +10584,10 @@
       </p:sp>
       <p:sp>
         <p:nvSpPr>
-          <p:cNvPr id="7" name="CaixaDeTexto 6">
+          <p:cNvPr id="52" name="CaixaDeTexto 51">
             <a:extLst>
               <a:ext uri="{FF2B5EF4-FFF2-40B4-BE49-F238E27FC236}">
-                <a16:creationId xmlns:a16="http://schemas.microsoft.com/office/drawing/2014/main" id="{873057E6-C705-49AB-B737-335D3A936A56}"/>
+                <a16:creationId xmlns:a16="http://schemas.microsoft.com/office/drawing/2014/main" id="{21898CFB-D5CC-4881-8BD7-028AEAD0FDC5}"/>
               </a:ext>
             </a:extLst>
           </p:cNvPr>
@@ -9969,8 +10596,8 @@
         </p:nvSpPr>
         <p:spPr>
           <a:xfrm>
-            <a:off x="199856" y="126399"/>
-            <a:ext cx="3386120" cy="383631"/>
+            <a:off x="338997" y="366902"/>
+            <a:ext cx="1633589" cy="461665"/>
           </a:xfrm>
           <a:prstGeom prst="rect">
             <a:avLst/>
@@ -9984,7 +10611,7 @@
           <a:lstStyle/>
           <a:p>
             <a:r>
-              <a:rPr lang="pt-BR" sz="1893" dirty="0" err="1">
+              <a:rPr lang="pt-BR" sz="2400" dirty="0">
                 <a:solidFill>
                   <a:schemeClr val="tx1">
                     <a:lumMod val="85000"/>
@@ -9994,10 +10621,10 @@
                 <a:latin typeface="Avenir Next LT Pro Demi" panose="020B0704020202020204" pitchFamily="34" charset="0"/>
                 <a:cs typeface="Aharoni" panose="02010803020104030203" pitchFamily="2" charset="-79"/>
               </a:rPr>
-              <a:t>Bipodal</a:t>
-            </a:r>
-            <a:r>
-              <a:rPr lang="pt-BR" sz="1893" dirty="0">
+              <a:t>-Q</a:t>
+            </a:r>
+            <a:r>
+              <a:rPr lang="pt-BR" sz="2400" baseline="-25000" dirty="0">
                 <a:solidFill>
                   <a:schemeClr val="tx1">
                     <a:lumMod val="85000"/>
@@ -10007,10 +10634,10 @@
                 <a:latin typeface="Avenir Next LT Pro Demi" panose="020B0704020202020204" pitchFamily="34" charset="0"/>
                 <a:cs typeface="Aharoni" panose="02010803020104030203" pitchFamily="2" charset="-79"/>
               </a:rPr>
-              <a:t> Building </a:t>
-            </a:r>
-            <a:r>
-              <a:rPr lang="pt-BR" sz="1893" dirty="0" err="1">
+              <a:t> </a:t>
+            </a:r>
+            <a:r>
+              <a:rPr lang="pt-BR" sz="2400" dirty="0" err="1">
                 <a:solidFill>
                   <a:schemeClr val="tx1">
                     <a:lumMod val="85000"/>
@@ -10020,1228 +10647,27 @@
                 <a:latin typeface="Avenir Next LT Pro Demi" panose="020B0704020202020204" pitchFamily="34" charset="0"/>
                 <a:cs typeface="Aharoni" panose="02010803020104030203" pitchFamily="2" charset="-79"/>
               </a:rPr>
-              <a:t>blocks</a:t>
-            </a:r>
-            <a:r>
-              <a:rPr lang="pt-BR" sz="1893" dirty="0">
-                <a:solidFill>
-                  <a:schemeClr val="tx1">
-                    <a:lumMod val="85000"/>
-                    <a:lumOff val="15000"/>
-                  </a:schemeClr>
-                </a:solidFill>
-                <a:latin typeface="Avenir Next LT Pro Demi" panose="020B0704020202020204" pitchFamily="34" charset="0"/>
-                <a:cs typeface="Aharoni" panose="02010803020104030203" pitchFamily="2" charset="-79"/>
-              </a:rPr>
-              <a:t> (C2)</a:t>
-            </a:r>
-          </a:p>
-        </p:txBody>
-      </p:sp>
-      <p:sp>
-        <p:nvSpPr>
-          <p:cNvPr id="8" name="Google Shape;298;p9">
-            <a:extLst>
-              <a:ext uri="{FF2B5EF4-FFF2-40B4-BE49-F238E27FC236}">
-                <a16:creationId xmlns:a16="http://schemas.microsoft.com/office/drawing/2014/main" id="{CA57D8A2-018A-4948-BDD8-6A5FC01FBA1C}"/>
-              </a:ext>
-            </a:extLst>
-          </p:cNvPr>
-          <p:cNvSpPr txBox="1"/>
-          <p:nvPr/>
-        </p:nvSpPr>
-        <p:spPr>
-          <a:xfrm>
-            <a:off x="397971" y="3753569"/>
-            <a:ext cx="631426" cy="310717"/>
-          </a:xfrm>
-          <a:prstGeom prst="rect">
-            <a:avLst/>
-          </a:prstGeom>
-          <a:noFill/>
-          <a:ln>
-            <a:noFill/>
-          </a:ln>
-        </p:spPr>
-        <p:txBody>
-          <a:bodyPr spcFirstLastPara="1" wrap="square" lIns="94378" tIns="47176" rIns="94378" bIns="47176" anchor="t" anchorCtr="0">
-            <a:spAutoFit/>
-          </a:bodyPr>
-          <a:lstStyle/>
-          <a:p>
-            <a:pPr algn="ctr">
-              <a:buClr>
-                <a:srgbClr val="000000"/>
-              </a:buClr>
-              <a:buSzPts val="1200"/>
-            </a:pPr>
-            <a:r>
-              <a:rPr lang="pt-BR" sz="1400" b="1" dirty="0">
-                <a:solidFill>
-                  <a:srgbClr val="00B050"/>
-                </a:solidFill>
-                <a:latin typeface="Avenir"/>
-                <a:sym typeface="Avenir"/>
-              </a:rPr>
-              <a:t>BENZ</a:t>
-            </a:r>
-            <a:endParaRPr sz="1600" dirty="0">
+              <a:t>Groups</a:t>
+            </a:r>
+            <a:endParaRPr lang="pt-BR" sz="2400" baseline="-25000" dirty="0">
               <a:solidFill>
-                <a:srgbClr val="00B050"/>
+                <a:schemeClr val="tx1">
+                  <a:lumMod val="85000"/>
+                  <a:lumOff val="15000"/>
+                </a:schemeClr>
               </a:solidFill>
-              <a:latin typeface="Arial"/>
-              <a:ea typeface="Arial"/>
-              <a:cs typeface="Arial"/>
-              <a:sym typeface="Arial"/>
-            </a:endParaRPr>
-          </a:p>
-        </p:txBody>
-      </p:sp>
-      <p:sp>
-        <p:nvSpPr>
-          <p:cNvPr id="9" name="Google Shape;298;p9">
-            <a:extLst>
-              <a:ext uri="{FF2B5EF4-FFF2-40B4-BE49-F238E27FC236}">
-                <a16:creationId xmlns:a16="http://schemas.microsoft.com/office/drawing/2014/main" id="{187A3F4A-6AD7-4707-B221-7A0786DE9EAF}"/>
-              </a:ext>
-            </a:extLst>
-          </p:cNvPr>
-          <p:cNvSpPr txBox="1"/>
-          <p:nvPr/>
-        </p:nvSpPr>
-        <p:spPr>
-          <a:xfrm>
-            <a:off x="3222749" y="7355912"/>
-            <a:ext cx="631426" cy="310717"/>
-          </a:xfrm>
-          <a:prstGeom prst="rect">
-            <a:avLst/>
-          </a:prstGeom>
-          <a:noFill/>
-          <a:ln>
-            <a:noFill/>
-          </a:ln>
-        </p:spPr>
-        <p:txBody>
-          <a:bodyPr spcFirstLastPara="1" wrap="square" lIns="94378" tIns="47176" rIns="94378" bIns="47176" anchor="t" anchorCtr="0">
-            <a:spAutoFit/>
-          </a:bodyPr>
-          <a:lstStyle/>
-          <a:p>
-            <a:pPr algn="ctr">
-              <a:buClr>
-                <a:srgbClr val="000000"/>
-              </a:buClr>
-              <a:buSzPts val="1200"/>
-            </a:pPr>
-            <a:r>
-              <a:rPr lang="pt-BR" sz="1400" b="1" dirty="0">
-                <a:solidFill>
-                  <a:srgbClr val="00B050"/>
-                </a:solidFill>
-                <a:latin typeface="Avenir"/>
-                <a:ea typeface="Arial"/>
-                <a:cs typeface="Arial"/>
-                <a:sym typeface="Avenir"/>
-              </a:rPr>
-              <a:t>NAPT</a:t>
-            </a:r>
-            <a:endParaRPr sz="1600" dirty="0">
-              <a:solidFill>
-                <a:srgbClr val="00B050"/>
-              </a:solidFill>
-              <a:latin typeface="Arial"/>
-              <a:ea typeface="Arial"/>
-              <a:cs typeface="Arial"/>
-              <a:sym typeface="Arial"/>
-            </a:endParaRPr>
-          </a:p>
-        </p:txBody>
-      </p:sp>
-      <p:sp>
-        <p:nvSpPr>
-          <p:cNvPr id="10" name="Google Shape;298;p9">
-            <a:extLst>
-              <a:ext uri="{FF2B5EF4-FFF2-40B4-BE49-F238E27FC236}">
-                <a16:creationId xmlns:a16="http://schemas.microsoft.com/office/drawing/2014/main" id="{285D3D9F-6A14-4DF3-A659-671954073697}"/>
-              </a:ext>
-            </a:extLst>
-          </p:cNvPr>
-          <p:cNvSpPr txBox="1"/>
-          <p:nvPr/>
-        </p:nvSpPr>
-        <p:spPr>
-          <a:xfrm>
-            <a:off x="1741508" y="3760076"/>
-            <a:ext cx="675506" cy="310717"/>
-          </a:xfrm>
-          <a:prstGeom prst="rect">
-            <a:avLst/>
-          </a:prstGeom>
-          <a:noFill/>
-          <a:ln>
-            <a:noFill/>
-          </a:ln>
-        </p:spPr>
-        <p:txBody>
-          <a:bodyPr spcFirstLastPara="1" wrap="square" lIns="94378" tIns="47176" rIns="94378" bIns="47176" anchor="t" anchorCtr="0">
-            <a:spAutoFit/>
-          </a:bodyPr>
-          <a:lstStyle/>
-          <a:p>
-            <a:pPr algn="ctr">
-              <a:buClr>
-                <a:srgbClr val="000000"/>
-              </a:buClr>
-              <a:buSzPts val="1200"/>
-            </a:pPr>
-            <a:r>
-              <a:rPr lang="pt-BR" sz="1400" b="1" dirty="0">
-                <a:solidFill>
-                  <a:srgbClr val="00B050"/>
-                </a:solidFill>
-                <a:latin typeface="Avenir"/>
-                <a:ea typeface="Arial"/>
-                <a:cs typeface="Arial"/>
-                <a:sym typeface="Avenir"/>
-              </a:rPr>
-              <a:t>BPNY</a:t>
-            </a:r>
-            <a:endParaRPr sz="1600" dirty="0">
-              <a:solidFill>
-                <a:srgbClr val="00B050"/>
-              </a:solidFill>
-              <a:latin typeface="Arial"/>
-              <a:ea typeface="Arial"/>
-              <a:cs typeface="Arial"/>
-              <a:sym typeface="Arial"/>
-            </a:endParaRPr>
-          </a:p>
-        </p:txBody>
-      </p:sp>
-      <p:sp>
-        <p:nvSpPr>
-          <p:cNvPr id="11" name="Google Shape;298;p9">
-            <a:extLst>
-              <a:ext uri="{FF2B5EF4-FFF2-40B4-BE49-F238E27FC236}">
-                <a16:creationId xmlns:a16="http://schemas.microsoft.com/office/drawing/2014/main" id="{942F872D-FCA4-4F84-B865-EE62D395005B}"/>
-              </a:ext>
-            </a:extLst>
-          </p:cNvPr>
-          <p:cNvSpPr txBox="1"/>
-          <p:nvPr/>
-        </p:nvSpPr>
-        <p:spPr>
-          <a:xfrm>
-            <a:off x="4155913" y="1910854"/>
-            <a:ext cx="631426" cy="310717"/>
-          </a:xfrm>
-          <a:prstGeom prst="rect">
-            <a:avLst/>
-          </a:prstGeom>
-          <a:noFill/>
-          <a:ln>
-            <a:noFill/>
-          </a:ln>
-        </p:spPr>
-        <p:txBody>
-          <a:bodyPr spcFirstLastPara="1" wrap="square" lIns="94378" tIns="47176" rIns="94378" bIns="47176" anchor="t" anchorCtr="0">
-            <a:spAutoFit/>
-          </a:bodyPr>
-          <a:lstStyle/>
-          <a:p>
-            <a:pPr algn="ctr">
-              <a:buClr>
-                <a:srgbClr val="000000"/>
-              </a:buClr>
-              <a:buSzPts val="1200"/>
-            </a:pPr>
-            <a:r>
-              <a:rPr lang="pt-BR" sz="1400" b="1" dirty="0">
-                <a:solidFill>
-                  <a:srgbClr val="00B050"/>
-                </a:solidFill>
-                <a:latin typeface="Avenir"/>
-                <a:sym typeface="Avenir"/>
-              </a:rPr>
-              <a:t>ANTR</a:t>
-            </a:r>
-            <a:endParaRPr sz="1600" dirty="0">
-              <a:solidFill>
-                <a:srgbClr val="00B050"/>
-              </a:solidFill>
-              <a:latin typeface="Arial"/>
-              <a:ea typeface="Arial"/>
-              <a:cs typeface="Arial"/>
-              <a:sym typeface="Arial"/>
-            </a:endParaRPr>
-          </a:p>
-        </p:txBody>
-      </p:sp>
-      <p:sp>
-        <p:nvSpPr>
-          <p:cNvPr id="12" name="Google Shape;298;p9">
-            <a:extLst>
-              <a:ext uri="{FF2B5EF4-FFF2-40B4-BE49-F238E27FC236}">
-                <a16:creationId xmlns:a16="http://schemas.microsoft.com/office/drawing/2014/main" id="{28B98CE9-EB53-4887-8C75-F61CBB82E76F}"/>
-              </a:ext>
-            </a:extLst>
-          </p:cNvPr>
-          <p:cNvSpPr txBox="1"/>
-          <p:nvPr/>
-        </p:nvSpPr>
-        <p:spPr>
-          <a:xfrm>
-            <a:off x="10028910" y="3781976"/>
-            <a:ext cx="631426" cy="310717"/>
-          </a:xfrm>
-          <a:prstGeom prst="rect">
-            <a:avLst/>
-          </a:prstGeom>
-          <a:noFill/>
-          <a:ln>
-            <a:noFill/>
-          </a:ln>
-        </p:spPr>
-        <p:txBody>
-          <a:bodyPr spcFirstLastPara="1" wrap="square" lIns="94378" tIns="47176" rIns="94378" bIns="47176" anchor="t" anchorCtr="0">
-            <a:spAutoFit/>
-          </a:bodyPr>
-          <a:lstStyle/>
-          <a:p>
-            <a:pPr algn="ctr">
-              <a:buClr>
-                <a:srgbClr val="000000"/>
-              </a:buClr>
-              <a:buSzPts val="1200"/>
-            </a:pPr>
-            <a:r>
-              <a:rPr lang="pt-BR" sz="1400" b="1" dirty="0">
-                <a:solidFill>
-                  <a:srgbClr val="00B050"/>
-                </a:solidFill>
-                <a:latin typeface="Avenir"/>
-                <a:ea typeface="Arial"/>
-                <a:cs typeface="Arial"/>
-                <a:sym typeface="Avenir"/>
-              </a:rPr>
-              <a:t>DHSI</a:t>
-            </a:r>
-            <a:endParaRPr sz="1600" dirty="0">
-              <a:solidFill>
-                <a:srgbClr val="00B050"/>
-              </a:solidFill>
-              <a:latin typeface="Arial"/>
-              <a:ea typeface="Arial"/>
-              <a:cs typeface="Arial"/>
-              <a:sym typeface="Arial"/>
-            </a:endParaRPr>
-          </a:p>
-        </p:txBody>
-      </p:sp>
-      <p:sp>
-        <p:nvSpPr>
-          <p:cNvPr id="13" name="Google Shape;298;p9">
-            <a:extLst>
-              <a:ext uri="{FF2B5EF4-FFF2-40B4-BE49-F238E27FC236}">
-                <a16:creationId xmlns:a16="http://schemas.microsoft.com/office/drawing/2014/main" id="{10A2F330-14EB-4117-829D-10CDC52059AE}"/>
-              </a:ext>
-            </a:extLst>
-          </p:cNvPr>
-          <p:cNvSpPr txBox="1"/>
-          <p:nvPr/>
-        </p:nvSpPr>
-        <p:spPr>
-          <a:xfrm>
-            <a:off x="10218021" y="9403248"/>
-            <a:ext cx="631426" cy="310717"/>
-          </a:xfrm>
-          <a:prstGeom prst="rect">
-            <a:avLst/>
-          </a:prstGeom>
-          <a:noFill/>
-          <a:ln>
-            <a:noFill/>
-          </a:ln>
-        </p:spPr>
-        <p:txBody>
-          <a:bodyPr spcFirstLastPara="1" wrap="square" lIns="94378" tIns="47176" rIns="94378" bIns="47176" anchor="t" anchorCtr="0">
-            <a:spAutoFit/>
-          </a:bodyPr>
-          <a:lstStyle/>
-          <a:p>
-            <a:pPr algn="ctr">
-              <a:buClr>
-                <a:srgbClr val="000000"/>
-              </a:buClr>
-              <a:buSzPts val="1200"/>
-            </a:pPr>
-            <a:r>
-              <a:rPr lang="pt-BR" sz="1400" b="1" dirty="0">
-                <a:solidFill>
-                  <a:srgbClr val="00B050"/>
-                </a:solidFill>
-                <a:latin typeface="Avenir"/>
-                <a:sym typeface="Avenir"/>
-              </a:rPr>
-              <a:t>TTPH</a:t>
-            </a:r>
-            <a:endParaRPr sz="1600" dirty="0">
-              <a:solidFill>
-                <a:srgbClr val="00B050"/>
-              </a:solidFill>
-              <a:latin typeface="Arial"/>
-              <a:ea typeface="Arial"/>
-              <a:cs typeface="Arial"/>
-              <a:sym typeface="Arial"/>
-            </a:endParaRPr>
-          </a:p>
-        </p:txBody>
-      </p:sp>
-      <p:sp>
-        <p:nvSpPr>
-          <p:cNvPr id="14" name="Google Shape;298;p9">
-            <a:extLst>
-              <a:ext uri="{FF2B5EF4-FFF2-40B4-BE49-F238E27FC236}">
-                <a16:creationId xmlns:a16="http://schemas.microsoft.com/office/drawing/2014/main" id="{CB6FBE38-B1CF-4BAD-8C98-622B11F45CCF}"/>
-              </a:ext>
-            </a:extLst>
-          </p:cNvPr>
-          <p:cNvSpPr txBox="1"/>
-          <p:nvPr/>
-        </p:nvSpPr>
-        <p:spPr>
-          <a:xfrm>
-            <a:off x="7207654" y="5622525"/>
-            <a:ext cx="631426" cy="310717"/>
-          </a:xfrm>
-          <a:prstGeom prst="rect">
-            <a:avLst/>
-          </a:prstGeom>
-          <a:noFill/>
-          <a:ln>
-            <a:noFill/>
-          </a:ln>
-        </p:spPr>
-        <p:txBody>
-          <a:bodyPr spcFirstLastPara="1" wrap="square" lIns="94378" tIns="47176" rIns="94378" bIns="47176" anchor="t" anchorCtr="0">
-            <a:spAutoFit/>
-          </a:bodyPr>
-          <a:lstStyle/>
-          <a:p>
-            <a:pPr algn="ctr">
-              <a:buClr>
-                <a:srgbClr val="000000"/>
-              </a:buClr>
-              <a:buSzPts val="1200"/>
-            </a:pPr>
-            <a:r>
-              <a:rPr lang="pt-BR" sz="1400" b="1" dirty="0">
-                <a:solidFill>
-                  <a:srgbClr val="00B050"/>
-                </a:solidFill>
-                <a:latin typeface="Avenir"/>
-                <a:sym typeface="Avenir"/>
-              </a:rPr>
-              <a:t>DPEY</a:t>
-            </a:r>
-            <a:endParaRPr sz="1600" dirty="0">
-              <a:solidFill>
-                <a:srgbClr val="00B050"/>
-              </a:solidFill>
-              <a:latin typeface="Arial"/>
-              <a:ea typeface="Arial"/>
-              <a:cs typeface="Arial"/>
-              <a:sym typeface="Arial"/>
-            </a:endParaRPr>
-          </a:p>
-        </p:txBody>
-      </p:sp>
-      <p:sp>
-        <p:nvSpPr>
-          <p:cNvPr id="15" name="Google Shape;298;p9">
-            <a:extLst>
-              <a:ext uri="{FF2B5EF4-FFF2-40B4-BE49-F238E27FC236}">
-                <a16:creationId xmlns:a16="http://schemas.microsoft.com/office/drawing/2014/main" id="{B5A6F5BE-4CAE-4775-8790-AB062E065FB1}"/>
-              </a:ext>
-            </a:extLst>
-          </p:cNvPr>
-          <p:cNvSpPr txBox="1"/>
-          <p:nvPr/>
-        </p:nvSpPr>
-        <p:spPr>
-          <a:xfrm>
-            <a:off x="8575143" y="9403248"/>
-            <a:ext cx="631426" cy="310717"/>
-          </a:xfrm>
-          <a:prstGeom prst="rect">
-            <a:avLst/>
-          </a:prstGeom>
-          <a:noFill/>
-          <a:ln>
-            <a:noFill/>
-          </a:ln>
-        </p:spPr>
-        <p:txBody>
-          <a:bodyPr spcFirstLastPara="1" wrap="square" lIns="94378" tIns="47176" rIns="94378" bIns="47176" anchor="t" anchorCtr="0">
-            <a:spAutoFit/>
-          </a:bodyPr>
-          <a:lstStyle/>
-          <a:p>
-            <a:pPr algn="ctr">
-              <a:buClr>
-                <a:srgbClr val="000000"/>
-              </a:buClr>
-              <a:buSzPts val="1200"/>
-            </a:pPr>
-            <a:r>
-              <a:rPr lang="pt-BR" sz="1400" b="1" dirty="0">
-                <a:solidFill>
-                  <a:srgbClr val="00B050"/>
-                </a:solidFill>
-                <a:latin typeface="Avenir"/>
-                <a:ea typeface="Arial"/>
-                <a:cs typeface="Arial"/>
-                <a:sym typeface="Avenir"/>
-              </a:rPr>
-              <a:t>TPNY</a:t>
-            </a:r>
-            <a:endParaRPr sz="1600" dirty="0">
-              <a:solidFill>
-                <a:srgbClr val="00B050"/>
-              </a:solidFill>
-              <a:latin typeface="Arial"/>
-              <a:ea typeface="Arial"/>
-              <a:cs typeface="Arial"/>
-              <a:sym typeface="Arial"/>
-            </a:endParaRPr>
-          </a:p>
-        </p:txBody>
-      </p:sp>
-      <p:sp>
-        <p:nvSpPr>
-          <p:cNvPr id="16" name="Google Shape;298;p9">
-            <a:extLst>
-              <a:ext uri="{FF2B5EF4-FFF2-40B4-BE49-F238E27FC236}">
-                <a16:creationId xmlns:a16="http://schemas.microsoft.com/office/drawing/2014/main" id="{46B35DF9-6009-4C9C-9C48-74E0D1E38309}"/>
-              </a:ext>
-            </a:extLst>
-          </p:cNvPr>
-          <p:cNvSpPr txBox="1"/>
-          <p:nvPr/>
-        </p:nvSpPr>
-        <p:spPr>
-          <a:xfrm>
-            <a:off x="2392667" y="1926032"/>
-            <a:ext cx="631426" cy="310717"/>
-          </a:xfrm>
-          <a:prstGeom prst="rect">
-            <a:avLst/>
-          </a:prstGeom>
-          <a:noFill/>
-          <a:ln>
-            <a:noFill/>
-          </a:ln>
-        </p:spPr>
-        <p:txBody>
-          <a:bodyPr spcFirstLastPara="1" wrap="square" lIns="94378" tIns="47176" rIns="94378" bIns="47176" anchor="t" anchorCtr="0">
-            <a:spAutoFit/>
-          </a:bodyPr>
-          <a:lstStyle/>
-          <a:p>
-            <a:pPr algn="ctr">
-              <a:buClr>
-                <a:srgbClr val="000000"/>
-              </a:buClr>
-              <a:buSzPts val="1200"/>
-            </a:pPr>
-            <a:r>
-              <a:rPr lang="pt-BR" sz="1400" b="1" dirty="0">
-                <a:solidFill>
-                  <a:srgbClr val="00B050"/>
-                </a:solidFill>
-                <a:latin typeface="Avenir"/>
-                <a:sym typeface="Avenir"/>
-              </a:rPr>
-              <a:t>3BPD</a:t>
-            </a:r>
-            <a:endParaRPr sz="1600" dirty="0">
-              <a:solidFill>
-                <a:srgbClr val="00B050"/>
-              </a:solidFill>
-              <a:latin typeface="Arial"/>
-              <a:ea typeface="Arial"/>
-              <a:cs typeface="Arial"/>
-              <a:sym typeface="Arial"/>
-            </a:endParaRPr>
-          </a:p>
-        </p:txBody>
-      </p:sp>
-      <p:sp>
-        <p:nvSpPr>
-          <p:cNvPr id="17" name="Google Shape;298;p9">
-            <a:extLst>
-              <a:ext uri="{FF2B5EF4-FFF2-40B4-BE49-F238E27FC236}">
-                <a16:creationId xmlns:a16="http://schemas.microsoft.com/office/drawing/2014/main" id="{8F3D2256-742C-446C-BEFC-9C03B7D88B1C}"/>
-              </a:ext>
-            </a:extLst>
-          </p:cNvPr>
-          <p:cNvSpPr txBox="1"/>
-          <p:nvPr/>
-        </p:nvSpPr>
-        <p:spPr>
-          <a:xfrm>
-            <a:off x="620297" y="9350896"/>
-            <a:ext cx="631426" cy="310717"/>
-          </a:xfrm>
-          <a:prstGeom prst="rect">
-            <a:avLst/>
-          </a:prstGeom>
-          <a:noFill/>
-          <a:ln>
-            <a:noFill/>
-          </a:ln>
-        </p:spPr>
-        <p:txBody>
-          <a:bodyPr spcFirstLastPara="1" wrap="square" lIns="94378" tIns="47176" rIns="94378" bIns="47176" anchor="t" anchorCtr="0">
-            <a:spAutoFit/>
-          </a:bodyPr>
-          <a:lstStyle/>
-          <a:p>
-            <a:pPr algn="ctr">
-              <a:buClr>
-                <a:srgbClr val="000000"/>
-              </a:buClr>
-              <a:buSzPts val="1200"/>
-            </a:pPr>
-            <a:r>
-              <a:rPr lang="pt-BR" sz="1400" b="1" dirty="0">
-                <a:solidFill>
-                  <a:srgbClr val="00B050"/>
-                </a:solidFill>
-                <a:latin typeface="Avenir"/>
-                <a:sym typeface="Avenir"/>
-              </a:rPr>
-              <a:t>PYRN</a:t>
-            </a:r>
-            <a:endParaRPr sz="1600" dirty="0">
-              <a:solidFill>
-                <a:srgbClr val="00B050"/>
-              </a:solidFill>
-              <a:latin typeface="Arial"/>
-              <a:ea typeface="Arial"/>
-              <a:cs typeface="Arial"/>
-              <a:sym typeface="Arial"/>
-            </a:endParaRPr>
-          </a:p>
-        </p:txBody>
-      </p:sp>
-      <p:sp>
-        <p:nvSpPr>
-          <p:cNvPr id="18" name="Google Shape;298;p9">
-            <a:extLst>
-              <a:ext uri="{FF2B5EF4-FFF2-40B4-BE49-F238E27FC236}">
-                <a16:creationId xmlns:a16="http://schemas.microsoft.com/office/drawing/2014/main" id="{37D0A67E-D248-41D6-B211-C679A3B658E1}"/>
-              </a:ext>
-            </a:extLst>
-          </p:cNvPr>
-          <p:cNvSpPr txBox="1"/>
-          <p:nvPr/>
-        </p:nvSpPr>
-        <p:spPr>
-          <a:xfrm>
-            <a:off x="734976" y="1910854"/>
-            <a:ext cx="631426" cy="310717"/>
-          </a:xfrm>
-          <a:prstGeom prst="rect">
-            <a:avLst/>
-          </a:prstGeom>
-          <a:noFill/>
-          <a:ln>
-            <a:noFill/>
-          </a:ln>
-        </p:spPr>
-        <p:txBody>
-          <a:bodyPr spcFirstLastPara="1" wrap="square" lIns="94378" tIns="47176" rIns="94378" bIns="47176" anchor="t" anchorCtr="0">
-            <a:spAutoFit/>
-          </a:bodyPr>
-          <a:lstStyle/>
-          <a:p>
-            <a:pPr algn="ctr">
-              <a:buClr>
-                <a:srgbClr val="000000"/>
-              </a:buClr>
-              <a:buSzPts val="1200"/>
-            </a:pPr>
-            <a:r>
-              <a:rPr lang="pt-BR" sz="1400" b="1" dirty="0">
-                <a:solidFill>
-                  <a:srgbClr val="00B050"/>
-                </a:solidFill>
-                <a:latin typeface="Avenir"/>
-                <a:sym typeface="Avenir"/>
-              </a:rPr>
-              <a:t>2BPD</a:t>
-            </a:r>
-            <a:endParaRPr sz="1600" dirty="0">
-              <a:solidFill>
-                <a:srgbClr val="00B050"/>
-              </a:solidFill>
-              <a:latin typeface="Arial"/>
-              <a:ea typeface="Arial"/>
-              <a:cs typeface="Arial"/>
-              <a:sym typeface="Arial"/>
-            </a:endParaRPr>
-          </a:p>
-        </p:txBody>
-      </p:sp>
-      <p:sp>
-        <p:nvSpPr>
-          <p:cNvPr id="19" name="Google Shape;298;p9">
-            <a:extLst>
-              <a:ext uri="{FF2B5EF4-FFF2-40B4-BE49-F238E27FC236}">
-                <a16:creationId xmlns:a16="http://schemas.microsoft.com/office/drawing/2014/main" id="{742C7C49-7482-428E-B39B-FC77E04AE5F4}"/>
-              </a:ext>
-            </a:extLst>
-          </p:cNvPr>
-          <p:cNvSpPr txBox="1"/>
-          <p:nvPr/>
-        </p:nvSpPr>
-        <p:spPr>
-          <a:xfrm>
-            <a:off x="6204178" y="1905182"/>
-            <a:ext cx="631426" cy="310717"/>
-          </a:xfrm>
-          <a:prstGeom prst="rect">
-            <a:avLst/>
-          </a:prstGeom>
-          <a:noFill/>
-          <a:ln>
-            <a:noFill/>
-          </a:ln>
-        </p:spPr>
-        <p:txBody>
-          <a:bodyPr spcFirstLastPara="1" wrap="square" lIns="94378" tIns="47176" rIns="94378" bIns="47176" anchor="t" anchorCtr="0">
-            <a:spAutoFit/>
-          </a:bodyPr>
-          <a:lstStyle/>
-          <a:p>
-            <a:pPr algn="ctr">
-              <a:buClr>
-                <a:srgbClr val="000000"/>
-              </a:buClr>
-              <a:buSzPts val="1200"/>
-            </a:pPr>
-            <a:r>
-              <a:rPr lang="pt-BR" sz="1400" b="1" dirty="0">
-                <a:solidFill>
-                  <a:srgbClr val="00B050"/>
-                </a:solidFill>
-                <a:latin typeface="Avenir"/>
-                <a:ea typeface="Arial"/>
-                <a:cs typeface="Arial"/>
-                <a:sym typeface="Avenir"/>
-              </a:rPr>
-              <a:t>BBTZ</a:t>
-            </a:r>
-            <a:endParaRPr sz="1600" dirty="0">
-              <a:solidFill>
-                <a:srgbClr val="00B050"/>
-              </a:solidFill>
-              <a:latin typeface="Arial"/>
-              <a:ea typeface="Arial"/>
-              <a:cs typeface="Arial"/>
-              <a:sym typeface="Arial"/>
-            </a:endParaRPr>
-          </a:p>
-        </p:txBody>
-      </p:sp>
-      <p:sp>
-        <p:nvSpPr>
-          <p:cNvPr id="20" name="Google Shape;298;p9">
-            <a:extLst>
-              <a:ext uri="{FF2B5EF4-FFF2-40B4-BE49-F238E27FC236}">
-                <a16:creationId xmlns:a16="http://schemas.microsoft.com/office/drawing/2014/main" id="{7D708E41-EA25-4027-9DFE-6D666ADD2CD1}"/>
-              </a:ext>
-            </a:extLst>
-          </p:cNvPr>
-          <p:cNvSpPr txBox="1"/>
-          <p:nvPr/>
-        </p:nvSpPr>
-        <p:spPr>
-          <a:xfrm>
-            <a:off x="1103803" y="5571379"/>
-            <a:ext cx="631426" cy="310717"/>
-          </a:xfrm>
-          <a:prstGeom prst="rect">
-            <a:avLst/>
-          </a:prstGeom>
-          <a:noFill/>
-          <a:ln>
-            <a:noFill/>
-          </a:ln>
-        </p:spPr>
-        <p:txBody>
-          <a:bodyPr spcFirstLastPara="1" wrap="square" lIns="94378" tIns="47176" rIns="94378" bIns="47176" anchor="t" anchorCtr="0">
-            <a:spAutoFit/>
-          </a:bodyPr>
-          <a:lstStyle/>
-          <a:p>
-            <a:pPr algn="ctr">
-              <a:buClr>
-                <a:srgbClr val="000000"/>
-              </a:buClr>
-              <a:buSzPts val="1200"/>
-            </a:pPr>
-            <a:r>
-              <a:rPr lang="pt-BR" sz="1400" b="1" dirty="0">
-                <a:solidFill>
-                  <a:srgbClr val="00B050"/>
-                </a:solidFill>
-                <a:latin typeface="Avenir"/>
-                <a:ea typeface="Arial"/>
-                <a:cs typeface="Arial"/>
-                <a:sym typeface="Avenir"/>
-              </a:rPr>
-              <a:t>DPBY</a:t>
-            </a:r>
-            <a:endParaRPr sz="1600" dirty="0">
-              <a:solidFill>
-                <a:srgbClr val="00B050"/>
-              </a:solidFill>
-              <a:latin typeface="Arial"/>
-              <a:ea typeface="Arial"/>
-              <a:cs typeface="Arial"/>
-              <a:sym typeface="Arial"/>
-            </a:endParaRPr>
-          </a:p>
-        </p:txBody>
-      </p:sp>
-      <p:sp>
-        <p:nvSpPr>
-          <p:cNvPr id="21" name="Google Shape;298;p9">
-            <a:extLst>
-              <a:ext uri="{FF2B5EF4-FFF2-40B4-BE49-F238E27FC236}">
-                <a16:creationId xmlns:a16="http://schemas.microsoft.com/office/drawing/2014/main" id="{90F1C029-C776-4AD3-9376-2E84418868B0}"/>
-              </a:ext>
-            </a:extLst>
-          </p:cNvPr>
-          <p:cNvSpPr txBox="1"/>
-          <p:nvPr/>
-        </p:nvSpPr>
-        <p:spPr>
-          <a:xfrm>
-            <a:off x="3992522" y="3760076"/>
-            <a:ext cx="631426" cy="310717"/>
-          </a:xfrm>
-          <a:prstGeom prst="rect">
-            <a:avLst/>
-          </a:prstGeom>
-          <a:noFill/>
-          <a:ln>
-            <a:noFill/>
-          </a:ln>
-        </p:spPr>
-        <p:txBody>
-          <a:bodyPr spcFirstLastPara="1" wrap="square" lIns="94378" tIns="47176" rIns="94378" bIns="47176" anchor="t" anchorCtr="0">
-            <a:spAutoFit/>
-          </a:bodyPr>
-          <a:lstStyle/>
-          <a:p>
-            <a:pPr algn="ctr">
-              <a:buClr>
-                <a:srgbClr val="000000"/>
-              </a:buClr>
-              <a:buSzPts val="1200"/>
-            </a:pPr>
-            <a:r>
-              <a:rPr lang="pt-BR" sz="1400" b="1" dirty="0">
-                <a:solidFill>
-                  <a:srgbClr val="00B050"/>
-                </a:solidFill>
-                <a:latin typeface="Avenir"/>
-                <a:sym typeface="Avenir"/>
-              </a:rPr>
-              <a:t>BPYB</a:t>
-            </a:r>
-            <a:endParaRPr sz="1600" dirty="0">
-              <a:solidFill>
-                <a:srgbClr val="00B050"/>
-              </a:solidFill>
-              <a:latin typeface="Arial"/>
-              <a:ea typeface="Arial"/>
-              <a:cs typeface="Arial"/>
-              <a:sym typeface="Arial"/>
-            </a:endParaRPr>
-          </a:p>
-        </p:txBody>
-      </p:sp>
-      <p:sp>
-        <p:nvSpPr>
-          <p:cNvPr id="22" name="Google Shape;298;p9">
-            <a:extLst>
-              <a:ext uri="{FF2B5EF4-FFF2-40B4-BE49-F238E27FC236}">
-                <a16:creationId xmlns:a16="http://schemas.microsoft.com/office/drawing/2014/main" id="{794172CB-E025-4BBE-B2BE-B6BFAFADC70E}"/>
-              </a:ext>
-            </a:extLst>
-          </p:cNvPr>
-          <p:cNvSpPr txBox="1"/>
-          <p:nvPr/>
-        </p:nvSpPr>
-        <p:spPr>
-          <a:xfrm>
-            <a:off x="6299676" y="3760076"/>
-            <a:ext cx="631426" cy="310717"/>
-          </a:xfrm>
-          <a:prstGeom prst="rect">
-            <a:avLst/>
-          </a:prstGeom>
-          <a:noFill/>
-          <a:ln>
-            <a:noFill/>
-          </a:ln>
-        </p:spPr>
-        <p:txBody>
-          <a:bodyPr spcFirstLastPara="1" wrap="square" lIns="94378" tIns="47176" rIns="94378" bIns="47176" anchor="t" anchorCtr="0">
-            <a:spAutoFit/>
-          </a:bodyPr>
-          <a:lstStyle/>
-          <a:p>
-            <a:pPr algn="ctr">
-              <a:buClr>
-                <a:srgbClr val="000000"/>
-              </a:buClr>
-              <a:buSzPts val="1200"/>
-            </a:pPr>
-            <a:r>
-              <a:rPr lang="pt-BR" sz="1400" b="1" dirty="0">
-                <a:solidFill>
-                  <a:srgbClr val="00B050"/>
-                </a:solidFill>
-                <a:latin typeface="Avenir"/>
-                <a:ea typeface="Arial"/>
-                <a:cs typeface="Arial"/>
-                <a:sym typeface="Avenir"/>
-              </a:rPr>
-              <a:t>BTPH</a:t>
-            </a:r>
-            <a:endParaRPr sz="1600" dirty="0">
-              <a:solidFill>
-                <a:srgbClr val="00B050"/>
-              </a:solidFill>
-              <a:latin typeface="Arial"/>
-              <a:ea typeface="Arial"/>
-              <a:cs typeface="Arial"/>
-              <a:sym typeface="Arial"/>
-            </a:endParaRPr>
-          </a:p>
-        </p:txBody>
-      </p:sp>
-      <p:sp>
-        <p:nvSpPr>
-          <p:cNvPr id="23" name="Google Shape;298;p9">
-            <a:extLst>
-              <a:ext uri="{FF2B5EF4-FFF2-40B4-BE49-F238E27FC236}">
-                <a16:creationId xmlns:a16="http://schemas.microsoft.com/office/drawing/2014/main" id="{B83B8EF0-7BB6-4FEF-9279-8D77443FC181}"/>
-              </a:ext>
-            </a:extLst>
-          </p:cNvPr>
-          <p:cNvSpPr txBox="1"/>
-          <p:nvPr/>
-        </p:nvSpPr>
-        <p:spPr>
-          <a:xfrm>
-            <a:off x="10028910" y="1839670"/>
-            <a:ext cx="631426" cy="310717"/>
-          </a:xfrm>
-          <a:prstGeom prst="rect">
-            <a:avLst/>
-          </a:prstGeom>
-          <a:noFill/>
-          <a:ln>
-            <a:noFill/>
-          </a:ln>
-        </p:spPr>
-        <p:txBody>
-          <a:bodyPr spcFirstLastPara="1" wrap="square" lIns="94378" tIns="47176" rIns="94378" bIns="47176" anchor="t" anchorCtr="0">
-            <a:spAutoFit/>
-          </a:bodyPr>
-          <a:lstStyle/>
-          <a:p>
-            <a:pPr algn="ctr">
-              <a:buClr>
-                <a:srgbClr val="000000"/>
-              </a:buClr>
-              <a:buSzPts val="1200"/>
-            </a:pPr>
-            <a:r>
-              <a:rPr lang="pt-BR" sz="1400" b="1" dirty="0">
-                <a:solidFill>
-                  <a:srgbClr val="00B050"/>
-                </a:solidFill>
-                <a:latin typeface="Avenir"/>
-                <a:ea typeface="Arial"/>
-                <a:cs typeface="Arial"/>
-                <a:sym typeface="Avenir"/>
-              </a:rPr>
-              <a:t>DBTP</a:t>
-            </a:r>
-            <a:endParaRPr sz="1600" dirty="0">
-              <a:solidFill>
-                <a:srgbClr val="00B050"/>
-              </a:solidFill>
-              <a:latin typeface="Arial"/>
-              <a:ea typeface="Arial"/>
-              <a:cs typeface="Arial"/>
-              <a:sym typeface="Arial"/>
-            </a:endParaRPr>
-          </a:p>
-        </p:txBody>
-      </p:sp>
-      <p:sp>
-        <p:nvSpPr>
-          <p:cNvPr id="24" name="Google Shape;298;p9">
-            <a:extLst>
-              <a:ext uri="{FF2B5EF4-FFF2-40B4-BE49-F238E27FC236}">
-                <a16:creationId xmlns:a16="http://schemas.microsoft.com/office/drawing/2014/main" id="{88D55AEF-8EF2-40A8-A445-7BABF0FE14A7}"/>
-              </a:ext>
-            </a:extLst>
-          </p:cNvPr>
-          <p:cNvSpPr txBox="1"/>
-          <p:nvPr/>
-        </p:nvSpPr>
-        <p:spPr>
-          <a:xfrm>
-            <a:off x="1103803" y="7273643"/>
-            <a:ext cx="631426" cy="310717"/>
-          </a:xfrm>
-          <a:prstGeom prst="rect">
-            <a:avLst/>
-          </a:prstGeom>
-          <a:noFill/>
-          <a:ln>
-            <a:noFill/>
-          </a:ln>
-        </p:spPr>
-        <p:txBody>
-          <a:bodyPr spcFirstLastPara="1" wrap="square" lIns="94378" tIns="47176" rIns="94378" bIns="47176" anchor="t" anchorCtr="0">
-            <a:spAutoFit/>
-          </a:bodyPr>
-          <a:lstStyle/>
-          <a:p>
-            <a:pPr algn="ctr">
-              <a:buClr>
-                <a:srgbClr val="000000"/>
-              </a:buClr>
-              <a:buSzPts val="1200"/>
-            </a:pPr>
-            <a:r>
-              <a:rPr lang="pt-BR" sz="1400" b="1" dirty="0">
-                <a:solidFill>
-                  <a:srgbClr val="00B050"/>
-                </a:solidFill>
-                <a:latin typeface="Avenir"/>
-                <a:sym typeface="Avenir"/>
-              </a:rPr>
-              <a:t>INTO</a:t>
-            </a:r>
-            <a:endParaRPr sz="1600" dirty="0">
-              <a:solidFill>
-                <a:srgbClr val="00B050"/>
-              </a:solidFill>
-              <a:latin typeface="Arial"/>
-              <a:ea typeface="Arial"/>
-              <a:cs typeface="Arial"/>
-              <a:sym typeface="Arial"/>
-            </a:endParaRPr>
-          </a:p>
-        </p:txBody>
-      </p:sp>
-      <p:sp>
-        <p:nvSpPr>
-          <p:cNvPr id="25" name="Google Shape;298;p9">
-            <a:extLst>
-              <a:ext uri="{FF2B5EF4-FFF2-40B4-BE49-F238E27FC236}">
-                <a16:creationId xmlns:a16="http://schemas.microsoft.com/office/drawing/2014/main" id="{90B78694-A23F-4C23-BA97-0F6CCAFE9B00}"/>
-              </a:ext>
-            </a:extLst>
-          </p:cNvPr>
-          <p:cNvSpPr txBox="1"/>
-          <p:nvPr/>
-        </p:nvSpPr>
-        <p:spPr>
-          <a:xfrm>
-            <a:off x="2207315" y="9403248"/>
-            <a:ext cx="631426" cy="310717"/>
-          </a:xfrm>
-          <a:prstGeom prst="rect">
-            <a:avLst/>
-          </a:prstGeom>
-          <a:noFill/>
-          <a:ln>
-            <a:noFill/>
-          </a:ln>
-        </p:spPr>
-        <p:txBody>
-          <a:bodyPr spcFirstLastPara="1" wrap="square" lIns="94378" tIns="47176" rIns="94378" bIns="47176" anchor="t" anchorCtr="0">
-            <a:spAutoFit/>
-          </a:bodyPr>
-          <a:lstStyle/>
-          <a:p>
-            <a:pPr algn="ctr">
-              <a:buClr>
-                <a:srgbClr val="000000"/>
-              </a:buClr>
-              <a:buSzPts val="1200"/>
-            </a:pPr>
-            <a:r>
-              <a:rPr lang="pt-BR" sz="1400" b="1" dirty="0">
-                <a:solidFill>
-                  <a:srgbClr val="00B050"/>
-                </a:solidFill>
-                <a:latin typeface="Avenir"/>
-                <a:sym typeface="Avenir"/>
-              </a:rPr>
-              <a:t>PYTO</a:t>
-            </a:r>
-            <a:endParaRPr sz="1600" dirty="0">
-              <a:solidFill>
-                <a:srgbClr val="00B050"/>
-              </a:solidFill>
-              <a:latin typeface="Arial"/>
-              <a:ea typeface="Arial"/>
-              <a:cs typeface="Arial"/>
-              <a:sym typeface="Arial"/>
-            </a:endParaRPr>
-          </a:p>
-        </p:txBody>
-      </p:sp>
-      <p:sp>
-        <p:nvSpPr>
-          <p:cNvPr id="26" name="Google Shape;298;p9">
-            <a:extLst>
-              <a:ext uri="{FF2B5EF4-FFF2-40B4-BE49-F238E27FC236}">
-                <a16:creationId xmlns:a16="http://schemas.microsoft.com/office/drawing/2014/main" id="{FABB7E2E-9352-41D7-8198-79211C57E895}"/>
-              </a:ext>
-            </a:extLst>
-          </p:cNvPr>
-          <p:cNvSpPr txBox="1"/>
-          <p:nvPr/>
-        </p:nvSpPr>
-        <p:spPr>
-          <a:xfrm>
-            <a:off x="5327319" y="5593022"/>
-            <a:ext cx="631426" cy="310717"/>
-          </a:xfrm>
-          <a:prstGeom prst="rect">
-            <a:avLst/>
-          </a:prstGeom>
-          <a:noFill/>
-          <a:ln>
-            <a:noFill/>
-          </a:ln>
-        </p:spPr>
-        <p:txBody>
-          <a:bodyPr spcFirstLastPara="1" wrap="square" lIns="94378" tIns="47176" rIns="94378" bIns="47176" anchor="t" anchorCtr="0">
-            <a:spAutoFit/>
-          </a:bodyPr>
-          <a:lstStyle/>
-          <a:p>
-            <a:pPr algn="ctr">
-              <a:buClr>
-                <a:srgbClr val="000000"/>
-              </a:buClr>
-              <a:buSzPts val="1200"/>
-            </a:pPr>
-            <a:r>
-              <a:rPr lang="pt-BR" sz="1400" b="1" dirty="0">
-                <a:solidFill>
-                  <a:srgbClr val="00B050"/>
-                </a:solidFill>
-                <a:latin typeface="Avenir"/>
-                <a:sym typeface="Avenir"/>
-              </a:rPr>
-              <a:t>DPEL</a:t>
-            </a:r>
-            <a:endParaRPr sz="1600" dirty="0">
-              <a:solidFill>
-                <a:srgbClr val="00B050"/>
-              </a:solidFill>
-              <a:latin typeface="Arial"/>
-              <a:ea typeface="Arial"/>
-              <a:cs typeface="Arial"/>
-              <a:sym typeface="Arial"/>
-            </a:endParaRPr>
-          </a:p>
-        </p:txBody>
-      </p:sp>
-      <p:sp>
-        <p:nvSpPr>
-          <p:cNvPr id="27" name="Google Shape;298;p9">
-            <a:extLst>
-              <a:ext uri="{FF2B5EF4-FFF2-40B4-BE49-F238E27FC236}">
-                <a16:creationId xmlns:a16="http://schemas.microsoft.com/office/drawing/2014/main" id="{967979D8-CE29-4BDC-A629-0B2C53554F0D}"/>
-              </a:ext>
-            </a:extLst>
-          </p:cNvPr>
-          <p:cNvSpPr txBox="1"/>
-          <p:nvPr/>
-        </p:nvSpPr>
-        <p:spPr>
-          <a:xfrm>
-            <a:off x="3237390" y="5678589"/>
-            <a:ext cx="631426" cy="310717"/>
-          </a:xfrm>
-          <a:prstGeom prst="rect">
-            <a:avLst/>
-          </a:prstGeom>
-          <a:noFill/>
-          <a:ln>
-            <a:noFill/>
-          </a:ln>
-        </p:spPr>
-        <p:txBody>
-          <a:bodyPr spcFirstLastPara="1" wrap="square" lIns="94378" tIns="47176" rIns="94378" bIns="47176" anchor="t" anchorCtr="0">
-            <a:spAutoFit/>
-          </a:bodyPr>
-          <a:lstStyle/>
-          <a:p>
-            <a:pPr algn="ctr">
-              <a:buClr>
-                <a:srgbClr val="000000"/>
-              </a:buClr>
-              <a:buSzPts val="1200"/>
-            </a:pPr>
-            <a:r>
-              <a:rPr lang="pt-BR" sz="1400" b="1" dirty="0">
-                <a:solidFill>
-                  <a:srgbClr val="00B050"/>
-                </a:solidFill>
-                <a:latin typeface="Avenir"/>
-                <a:ea typeface="Arial"/>
-                <a:cs typeface="Arial"/>
-                <a:sym typeface="Avenir"/>
-              </a:rPr>
-              <a:t>DPDA</a:t>
-            </a:r>
-            <a:endParaRPr sz="1600" dirty="0">
-              <a:solidFill>
-                <a:srgbClr val="00B050"/>
-              </a:solidFill>
-              <a:latin typeface="Arial"/>
-              <a:ea typeface="Arial"/>
-              <a:cs typeface="Arial"/>
-              <a:sym typeface="Arial"/>
+              <a:latin typeface="Avenir Next LT Pro Demi" panose="020B0704020202020204" pitchFamily="34" charset="0"/>
+              <a:cs typeface="Aharoni" panose="02010803020104030203" pitchFamily="2" charset="-79"/>
             </a:endParaRPr>
           </a:p>
         </p:txBody>
       </p:sp>
       <p:graphicFrame>
         <p:nvGraphicFramePr>
-          <p:cNvPr id="70" name="Objeto 69">
+          <p:cNvPr id="5" name="Objeto 4">
             <a:extLst>
               <a:ext uri="{FF2B5EF4-FFF2-40B4-BE49-F238E27FC236}">
-                <a16:creationId xmlns:a16="http://schemas.microsoft.com/office/drawing/2014/main" id="{D1413B77-4EF9-41A9-9008-E0FF5F334EE2}"/>
+                <a16:creationId xmlns:a16="http://schemas.microsoft.com/office/drawing/2014/main" id="{F66EBFAE-13B8-BCF0-D978-14E312860609}"/>
               </a:ext>
             </a:extLst>
           </p:cNvPr>
@@ -11251,29 +10677,35 @@
           <p:nvPr>
             <p:extLst>
               <p:ext uri="{D42A27DB-BD31-4B8C-83A1-F6EECF244321}">
-                <p14:modId xmlns:p14="http://schemas.microsoft.com/office/powerpoint/2010/main" val="3207282710"/>
+                <p14:modId xmlns:p14="http://schemas.microsoft.com/office/powerpoint/2010/main" val="131330211"/>
               </p:ext>
             </p:extLst>
           </p:nvPr>
         </p:nvGraphicFramePr>
         <p:xfrm>
-          <a:off x="339489" y="720229"/>
-          <a:ext cx="1422400" cy="1190625"/>
+          <a:off x="998538" y="1435100"/>
+          <a:ext cx="928687" cy="361950"/>
         </p:xfrm>
         <a:graphic>
           <a:graphicData uri="http://schemas.openxmlformats.org/presentationml/2006/ole">
             <mc:AlternateContent xmlns:mc="http://schemas.openxmlformats.org/markup-compatibility/2006">
               <mc:Choice xmlns:v="urn:schemas-microsoft-com:vml" Requires="v">
-                <p:oleObj name="CS ChemDraw Drawing" r:id="rId2" imgW="1422805" imgH="1191151" progId="ChemDraw.Document.6.0">
+                <p:oleObj name="CS ChemDraw Drawing" r:id="rId2" imgW="469250" imgH="182880" progId="ChemDraw.Document.6.0">
                   <p:embed/>
                 </p:oleObj>
               </mc:Choice>
               <mc:Fallback>
-                <p:oleObj name="CS ChemDraw Drawing" r:id="rId2" imgW="1422805" imgH="1191151" progId="ChemDraw.Document.6.0">
+                <p:oleObj name="CS ChemDraw Drawing" r:id="rId2" imgW="469250" imgH="182880" progId="ChemDraw.Document.6.0">
                   <p:embed/>
                   <p:pic>
                     <p:nvPicPr>
-                      <p:cNvPr id="0" name=""/>
+                      <p:cNvPr id="5" name="Objeto 4">
+                        <a:extLst>
+                          <a:ext uri="{FF2B5EF4-FFF2-40B4-BE49-F238E27FC236}">
+                            <a16:creationId xmlns:a16="http://schemas.microsoft.com/office/drawing/2014/main" id="{F66EBFAE-13B8-BCF0-D978-14E312860609}"/>
+                          </a:ext>
+                        </a:extLst>
+                      </p:cNvPr>
                       <p:cNvPicPr/>
                       <p:nvPr/>
                     </p:nvPicPr>
@@ -11285,8 +10717,8 @@
                     </p:blipFill>
                     <p:spPr>
                       <a:xfrm>
-                        <a:off x="339489" y="720229"/>
-                        <a:ext cx="1422400" cy="1190625"/>
+                        <a:off x="998538" y="1435100"/>
+                        <a:ext cx="928687" cy="361950"/>
                       </a:xfrm>
                       <a:prstGeom prst="rect">
                         <a:avLst/>
@@ -11301,10 +10733,10 @@
       </p:graphicFrame>
       <p:graphicFrame>
         <p:nvGraphicFramePr>
-          <p:cNvPr id="71" name="Objeto 70">
+          <p:cNvPr id="6" name="Objeto 5">
             <a:extLst>
               <a:ext uri="{FF2B5EF4-FFF2-40B4-BE49-F238E27FC236}">
-                <a16:creationId xmlns:a16="http://schemas.microsoft.com/office/drawing/2014/main" id="{80B14CC0-A922-497F-B7DC-0D4FB2B3090B}"/>
+                <a16:creationId xmlns:a16="http://schemas.microsoft.com/office/drawing/2014/main" id="{124CD6E2-250F-B070-6F8F-60E5EB4B6E63}"/>
               </a:ext>
             </a:extLst>
           </p:cNvPr>
@@ -11314,29 +10746,35 @@
           <p:nvPr>
             <p:extLst>
               <p:ext uri="{D42A27DB-BD31-4B8C-83A1-F6EECF244321}">
-                <p14:modId xmlns:p14="http://schemas.microsoft.com/office/powerpoint/2010/main" val="3516377332"/>
+                <p14:modId xmlns:p14="http://schemas.microsoft.com/office/powerpoint/2010/main" val="119459756"/>
               </p:ext>
             </p:extLst>
           </p:nvPr>
         </p:nvGraphicFramePr>
         <p:xfrm>
-          <a:off x="1997974" y="720219"/>
-          <a:ext cx="1420813" cy="1128712"/>
+          <a:off x="1047750" y="2417763"/>
+          <a:ext cx="830263" cy="935037"/>
         </p:xfrm>
         <a:graphic>
           <a:graphicData uri="http://schemas.openxmlformats.org/presentationml/2006/ole">
             <mc:AlternateContent xmlns:mc="http://schemas.openxmlformats.org/markup-compatibility/2006">
               <mc:Choice xmlns:v="urn:schemas-microsoft-com:vml" Requires="v">
-                <p:oleObj name="CS ChemDraw Drawing" r:id="rId4" imgW="1421542" imgH="1128993" progId="ChemDraw.Document.6.0">
+                <p:oleObj name="CS ChemDraw Drawing" r:id="rId4" imgW="418687" imgH="472283" progId="ChemDraw.Document.6.0">
                   <p:embed/>
                 </p:oleObj>
               </mc:Choice>
               <mc:Fallback>
-                <p:oleObj name="CS ChemDraw Drawing" r:id="rId4" imgW="1421542" imgH="1128993" progId="ChemDraw.Document.6.0">
+                <p:oleObj name="CS ChemDraw Drawing" r:id="rId4" imgW="418687" imgH="472283" progId="ChemDraw.Document.6.0">
                   <p:embed/>
                   <p:pic>
                     <p:nvPicPr>
-                      <p:cNvPr id="0" name=""/>
+                      <p:cNvPr id="6" name="Objeto 5">
+                        <a:extLst>
+                          <a:ext uri="{FF2B5EF4-FFF2-40B4-BE49-F238E27FC236}">
+                            <a16:creationId xmlns:a16="http://schemas.microsoft.com/office/drawing/2014/main" id="{124CD6E2-250F-B070-6F8F-60E5EB4B6E63}"/>
+                          </a:ext>
+                        </a:extLst>
+                      </p:cNvPr>
                       <p:cNvPicPr/>
                       <p:nvPr/>
                     </p:nvPicPr>
@@ -11348,8 +10786,8 @@
                     </p:blipFill>
                     <p:spPr>
                       <a:xfrm>
-                        <a:off x="1997974" y="720219"/>
-                        <a:ext cx="1420813" cy="1128712"/>
+                        <a:off x="1047750" y="2417763"/>
+                        <a:ext cx="830263" cy="935037"/>
                       </a:xfrm>
                       <a:prstGeom prst="rect">
                         <a:avLst/>
@@ -11364,10 +10802,10 @@
       </p:graphicFrame>
       <p:graphicFrame>
         <p:nvGraphicFramePr>
-          <p:cNvPr id="72" name="Objeto 71">
+          <p:cNvPr id="7" name="Objeto 6">
             <a:extLst>
               <a:ext uri="{FF2B5EF4-FFF2-40B4-BE49-F238E27FC236}">
-                <a16:creationId xmlns:a16="http://schemas.microsoft.com/office/drawing/2014/main" id="{32BAA3DD-F58E-442C-B69E-448653A452B8}"/>
+                <a16:creationId xmlns:a16="http://schemas.microsoft.com/office/drawing/2014/main" id="{34B4976A-DCD5-0A62-8323-430F05E080CB}"/>
               </a:ext>
             </a:extLst>
           </p:cNvPr>
@@ -11377,29 +10815,35 @@
           <p:nvPr>
             <p:extLst>
               <p:ext uri="{D42A27DB-BD31-4B8C-83A1-F6EECF244321}">
-                <p14:modId xmlns:p14="http://schemas.microsoft.com/office/powerpoint/2010/main" val="1996685254"/>
+                <p14:modId xmlns:p14="http://schemas.microsoft.com/office/powerpoint/2010/main" val="3047485039"/>
               </p:ext>
             </p:extLst>
           </p:nvPr>
         </p:nvGraphicFramePr>
         <p:xfrm>
-          <a:off x="3712008" y="637679"/>
-          <a:ext cx="1519237" cy="1273175"/>
+          <a:off x="1050925" y="3810000"/>
+          <a:ext cx="1008063" cy="933450"/>
         </p:xfrm>
         <a:graphic>
           <a:graphicData uri="http://schemas.openxmlformats.org/presentationml/2006/ole">
             <mc:AlternateContent xmlns:mc="http://schemas.openxmlformats.org/markup-compatibility/2006">
               <mc:Choice xmlns:v="urn:schemas-microsoft-com:vml" Requires="v">
-                <p:oleObj name="CS ChemDraw Drawing" r:id="rId6" imgW="1519231" imgH="1273606" progId="ChemDraw.Document.6.0">
+                <p:oleObj name="CS ChemDraw Drawing" r:id="rId6" imgW="510363" imgH="471812" progId="ChemDraw.Document.6.0">
                   <p:embed/>
                 </p:oleObj>
               </mc:Choice>
               <mc:Fallback>
-                <p:oleObj name="CS ChemDraw Drawing" r:id="rId6" imgW="1519231" imgH="1273606" progId="ChemDraw.Document.6.0">
+                <p:oleObj name="CS ChemDraw Drawing" r:id="rId6" imgW="510363" imgH="471812" progId="ChemDraw.Document.6.0">
                   <p:embed/>
                   <p:pic>
                     <p:nvPicPr>
-                      <p:cNvPr id="0" name=""/>
+                      <p:cNvPr id="7" name="Objeto 6">
+                        <a:extLst>
+                          <a:ext uri="{FF2B5EF4-FFF2-40B4-BE49-F238E27FC236}">
+                            <a16:creationId xmlns:a16="http://schemas.microsoft.com/office/drawing/2014/main" id="{34B4976A-DCD5-0A62-8323-430F05E080CB}"/>
+                          </a:ext>
+                        </a:extLst>
+                      </p:cNvPr>
                       <p:cNvPicPr/>
                       <p:nvPr/>
                     </p:nvPicPr>
@@ -11411,8 +10855,8 @@
                     </p:blipFill>
                     <p:spPr>
                       <a:xfrm>
-                        <a:off x="3712008" y="637679"/>
-                        <a:ext cx="1519237" cy="1273175"/>
+                        <a:off x="1050925" y="3810000"/>
+                        <a:ext cx="1008063" cy="933450"/>
                       </a:xfrm>
                       <a:prstGeom prst="rect">
                         <a:avLst/>
@@ -11427,10 +10871,10 @@
       </p:graphicFrame>
       <p:graphicFrame>
         <p:nvGraphicFramePr>
-          <p:cNvPr id="73" name="Objeto 72">
+          <p:cNvPr id="8" name="Objeto 7">
             <a:extLst>
               <a:ext uri="{FF2B5EF4-FFF2-40B4-BE49-F238E27FC236}">
-                <a16:creationId xmlns:a16="http://schemas.microsoft.com/office/drawing/2014/main" id="{2708BC64-AB74-4692-A44C-3468AD4E187E}"/>
+                <a16:creationId xmlns:a16="http://schemas.microsoft.com/office/drawing/2014/main" id="{0027849A-610C-BFB1-1F6E-E313DE2CDF62}"/>
               </a:ext>
             </a:extLst>
           </p:cNvPr>
@@ -11440,29 +10884,35 @@
           <p:nvPr>
             <p:extLst>
               <p:ext uri="{D42A27DB-BD31-4B8C-83A1-F6EECF244321}">
-                <p14:modId xmlns:p14="http://schemas.microsoft.com/office/powerpoint/2010/main" val="936045959"/>
+                <p14:modId xmlns:p14="http://schemas.microsoft.com/office/powerpoint/2010/main" val="519704055"/>
               </p:ext>
             </p:extLst>
           </p:nvPr>
         </p:nvGraphicFramePr>
         <p:xfrm>
-          <a:off x="5468966" y="652177"/>
-          <a:ext cx="2101850" cy="1214438"/>
+          <a:off x="5265738" y="3913188"/>
+          <a:ext cx="822325" cy="317500"/>
         </p:xfrm>
         <a:graphic>
           <a:graphicData uri="http://schemas.openxmlformats.org/presentationml/2006/ole">
             <mc:AlternateContent xmlns:mc="http://schemas.openxmlformats.org/markup-compatibility/2006">
               <mc:Choice xmlns:v="urn:schemas-microsoft-com:vml" Requires="v">
-                <p:oleObj name="CS ChemDraw Drawing" r:id="rId8" imgW="2101153" imgH="1214408" progId="ChemDraw.Document.6.0">
+                <p:oleObj name="CS ChemDraw Drawing" r:id="rId8" imgW="415851" imgH="159784" progId="ChemDraw.Document.6.0">
                   <p:embed/>
                 </p:oleObj>
               </mc:Choice>
               <mc:Fallback>
-                <p:oleObj name="CS ChemDraw Drawing" r:id="rId8" imgW="2101153" imgH="1214408" progId="ChemDraw.Document.6.0">
+                <p:oleObj name="CS ChemDraw Drawing" r:id="rId8" imgW="415851" imgH="159784" progId="ChemDraw.Document.6.0">
                   <p:embed/>
                   <p:pic>
                     <p:nvPicPr>
-                      <p:cNvPr id="0" name=""/>
+                      <p:cNvPr id="8" name="Objeto 7">
+                        <a:extLst>
+                          <a:ext uri="{FF2B5EF4-FFF2-40B4-BE49-F238E27FC236}">
+                            <a16:creationId xmlns:a16="http://schemas.microsoft.com/office/drawing/2014/main" id="{0027849A-610C-BFB1-1F6E-E313DE2CDF62}"/>
+                          </a:ext>
+                        </a:extLst>
+                      </p:cNvPr>
                       <p:cNvPicPr/>
                       <p:nvPr/>
                     </p:nvPicPr>
@@ -11474,8 +10924,8 @@
                     </p:blipFill>
                     <p:spPr>
                       <a:xfrm>
-                        <a:off x="5468966" y="652177"/>
-                        <a:ext cx="2101850" cy="1214438"/>
+                        <a:off x="5265738" y="3913188"/>
+                        <a:ext cx="822325" cy="317500"/>
                       </a:xfrm>
                       <a:prstGeom prst="rect">
                         <a:avLst/>
@@ -11490,10 +10940,10 @@
       </p:graphicFrame>
       <p:graphicFrame>
         <p:nvGraphicFramePr>
-          <p:cNvPr id="74" name="Objeto 73">
+          <p:cNvPr id="9" name="Objeto 8">
             <a:extLst>
               <a:ext uri="{FF2B5EF4-FFF2-40B4-BE49-F238E27FC236}">
-                <a16:creationId xmlns:a16="http://schemas.microsoft.com/office/drawing/2014/main" id="{EBE9ECC4-4F23-4AD2-8ED4-A77D97A40AD6}"/>
+                <a16:creationId xmlns:a16="http://schemas.microsoft.com/office/drawing/2014/main" id="{2F0785F7-C734-8406-7FA1-89959FEEE93B}"/>
               </a:ext>
             </a:extLst>
           </p:cNvPr>
@@ -11503,29 +10953,35 @@
           <p:nvPr>
             <p:extLst>
               <p:ext uri="{D42A27DB-BD31-4B8C-83A1-F6EECF244321}">
-                <p14:modId xmlns:p14="http://schemas.microsoft.com/office/powerpoint/2010/main" val="3008819709"/>
+                <p14:modId xmlns:p14="http://schemas.microsoft.com/office/powerpoint/2010/main" val="2990726786"/>
               </p:ext>
             </p:extLst>
           </p:nvPr>
         </p:nvGraphicFramePr>
         <p:xfrm>
-          <a:off x="276328" y="2520814"/>
-          <a:ext cx="874713" cy="1225550"/>
+          <a:off x="5030788" y="2692400"/>
+          <a:ext cx="1111250" cy="627063"/>
         </p:xfrm>
         <a:graphic>
           <a:graphicData uri="http://schemas.openxmlformats.org/presentationml/2006/ole">
             <mc:AlternateContent xmlns:mc="http://schemas.openxmlformats.org/markup-compatibility/2006">
               <mc:Choice xmlns:v="urn:schemas-microsoft-com:vml" Requires="v">
-                <p:oleObj name="CS ChemDraw Drawing" r:id="rId10" imgW="874568" imgH="1224979" progId="ChemDraw.Document.6.0">
+                <p:oleObj name="CS ChemDraw Drawing" r:id="rId10" imgW="560927" imgH="316741" progId="ChemDraw.Document.6.0">
                   <p:embed/>
                 </p:oleObj>
               </mc:Choice>
               <mc:Fallback>
-                <p:oleObj name="CS ChemDraw Drawing" r:id="rId10" imgW="874568" imgH="1224979" progId="ChemDraw.Document.6.0">
+                <p:oleObj name="CS ChemDraw Drawing" r:id="rId10" imgW="560927" imgH="316741" progId="ChemDraw.Document.6.0">
                   <p:embed/>
                   <p:pic>
                     <p:nvPicPr>
-                      <p:cNvPr id="0" name=""/>
+                      <p:cNvPr id="9" name="Objeto 8">
+                        <a:extLst>
+                          <a:ext uri="{FF2B5EF4-FFF2-40B4-BE49-F238E27FC236}">
+                            <a16:creationId xmlns:a16="http://schemas.microsoft.com/office/drawing/2014/main" id="{2F0785F7-C734-8406-7FA1-89959FEEE93B}"/>
+                          </a:ext>
+                        </a:extLst>
+                      </p:cNvPr>
                       <p:cNvPicPr/>
                       <p:nvPr/>
                     </p:nvPicPr>
@@ -11537,8 +10993,8 @@
                     </p:blipFill>
                     <p:spPr>
                       <a:xfrm>
-                        <a:off x="276328" y="2520814"/>
-                        <a:ext cx="874713" cy="1225550"/>
+                        <a:off x="5030788" y="2692400"/>
+                        <a:ext cx="1111250" cy="627063"/>
                       </a:xfrm>
                       <a:prstGeom prst="rect">
                         <a:avLst/>
@@ -11553,10 +11009,10 @@
       </p:graphicFrame>
       <p:graphicFrame>
         <p:nvGraphicFramePr>
-          <p:cNvPr id="75" name="Objeto 74">
+          <p:cNvPr id="10" name="Objeto 9">
             <a:extLst>
               <a:ext uri="{FF2B5EF4-FFF2-40B4-BE49-F238E27FC236}">
-                <a16:creationId xmlns:a16="http://schemas.microsoft.com/office/drawing/2014/main" id="{CE6F8410-3F0C-4C12-B207-3D4AD429E2E7}"/>
+                <a16:creationId xmlns:a16="http://schemas.microsoft.com/office/drawing/2014/main" id="{315577D8-1B39-F6DF-84E4-96EBED91706D}"/>
               </a:ext>
             </a:extLst>
           </p:cNvPr>
@@ -11566,29 +11022,35 @@
           <p:nvPr>
             <p:extLst>
               <p:ext uri="{D42A27DB-BD31-4B8C-83A1-F6EECF244321}">
-                <p14:modId xmlns:p14="http://schemas.microsoft.com/office/powerpoint/2010/main" val="1971816748"/>
+                <p14:modId xmlns:p14="http://schemas.microsoft.com/office/powerpoint/2010/main" val="1395043405"/>
               </p:ext>
             </p:extLst>
           </p:nvPr>
         </p:nvGraphicFramePr>
         <p:xfrm>
-          <a:off x="1368062" y="2502958"/>
-          <a:ext cx="1422400" cy="1225550"/>
+          <a:off x="5521325" y="4479925"/>
+          <a:ext cx="719138" cy="317500"/>
         </p:xfrm>
         <a:graphic>
           <a:graphicData uri="http://schemas.openxmlformats.org/presentationml/2006/ole">
             <mc:AlternateContent xmlns:mc="http://schemas.openxmlformats.org/markup-compatibility/2006">
               <mc:Choice xmlns:v="urn:schemas-microsoft-com:vml" Requires="v">
-                <p:oleObj name="CS ChemDraw Drawing" r:id="rId12" imgW="1422805" imgH="1224979" progId="ChemDraw.Document.6.0">
+                <p:oleObj name="CS ChemDraw Drawing" r:id="rId12" imgW="363870" imgH="159784" progId="ChemDraw.Document.6.0">
                   <p:embed/>
                 </p:oleObj>
               </mc:Choice>
               <mc:Fallback>
-                <p:oleObj name="CS ChemDraw Drawing" r:id="rId12" imgW="1422805" imgH="1224979" progId="ChemDraw.Document.6.0">
+                <p:oleObj name="CS ChemDraw Drawing" r:id="rId12" imgW="363870" imgH="159784" progId="ChemDraw.Document.6.0">
                   <p:embed/>
                   <p:pic>
                     <p:nvPicPr>
-                      <p:cNvPr id="0" name=""/>
+                      <p:cNvPr id="10" name="Objeto 9">
+                        <a:extLst>
+                          <a:ext uri="{FF2B5EF4-FFF2-40B4-BE49-F238E27FC236}">
+                            <a16:creationId xmlns:a16="http://schemas.microsoft.com/office/drawing/2014/main" id="{315577D8-1B39-F6DF-84E4-96EBED91706D}"/>
+                          </a:ext>
+                        </a:extLst>
+                      </p:cNvPr>
                       <p:cNvPicPr/>
                       <p:nvPr/>
                     </p:nvPicPr>
@@ -11600,8 +11062,8 @@
                     </p:blipFill>
                     <p:spPr>
                       <a:xfrm>
-                        <a:off x="1368062" y="2502958"/>
-                        <a:ext cx="1422400" cy="1225550"/>
+                        <a:off x="5521325" y="4479925"/>
+                        <a:ext cx="719138" cy="317500"/>
                       </a:xfrm>
                       <a:prstGeom prst="rect">
                         <a:avLst/>
@@ -11616,10 +11078,10 @@
       </p:graphicFrame>
       <p:graphicFrame>
         <p:nvGraphicFramePr>
-          <p:cNvPr id="76" name="Objeto 75">
+          <p:cNvPr id="11" name="Objeto 10">
             <a:extLst>
               <a:ext uri="{FF2B5EF4-FFF2-40B4-BE49-F238E27FC236}">
-                <a16:creationId xmlns:a16="http://schemas.microsoft.com/office/drawing/2014/main" id="{9ECFBAA2-CEB6-4CEA-859A-58A466C8F9D0}"/>
+                <a16:creationId xmlns:a16="http://schemas.microsoft.com/office/drawing/2014/main" id="{8F627798-786D-64DC-7AD1-9ADB61E3F824}"/>
               </a:ext>
             </a:extLst>
           </p:cNvPr>
@@ -11629,29 +11091,35 @@
           <p:nvPr>
             <p:extLst>
               <p:ext uri="{D42A27DB-BD31-4B8C-83A1-F6EECF244321}">
-                <p14:modId xmlns:p14="http://schemas.microsoft.com/office/powerpoint/2010/main" val="600448258"/>
+                <p14:modId xmlns:p14="http://schemas.microsoft.com/office/powerpoint/2010/main" val="3064510067"/>
               </p:ext>
             </p:extLst>
           </p:nvPr>
         </p:nvGraphicFramePr>
         <p:xfrm>
-          <a:off x="2943798" y="2464858"/>
-          <a:ext cx="2701925" cy="1301750"/>
+          <a:off x="4894263" y="1200150"/>
+          <a:ext cx="1473200" cy="930275"/>
         </p:xfrm>
         <a:graphic>
           <a:graphicData uri="http://schemas.openxmlformats.org/presentationml/2006/ole">
             <mc:AlternateContent xmlns:mc="http://schemas.openxmlformats.org/markup-compatibility/2006">
               <mc:Choice xmlns:v="urn:schemas-microsoft-com:vml" Requires="v">
-                <p:oleObj name="CS ChemDraw Drawing" r:id="rId14" imgW="2701603" imgH="1301091" progId="ChemDraw.Document.6.0">
+                <p:oleObj name="CS ChemDraw Drawing" r:id="rId14" imgW="743807" imgH="470398" progId="ChemDraw.Document.6.0">
                   <p:embed/>
                 </p:oleObj>
               </mc:Choice>
               <mc:Fallback>
-                <p:oleObj name="CS ChemDraw Drawing" r:id="rId14" imgW="2701603" imgH="1301091" progId="ChemDraw.Document.6.0">
+                <p:oleObj name="CS ChemDraw Drawing" r:id="rId14" imgW="743807" imgH="470398" progId="ChemDraw.Document.6.0">
                   <p:embed/>
                   <p:pic>
                     <p:nvPicPr>
-                      <p:cNvPr id="0" name=""/>
+                      <p:cNvPr id="11" name="Objeto 10">
+                        <a:extLst>
+                          <a:ext uri="{FF2B5EF4-FFF2-40B4-BE49-F238E27FC236}">
+                            <a16:creationId xmlns:a16="http://schemas.microsoft.com/office/drawing/2014/main" id="{8F627798-786D-64DC-7AD1-9ADB61E3F824}"/>
+                          </a:ext>
+                        </a:extLst>
+                      </p:cNvPr>
                       <p:cNvPicPr/>
                       <p:nvPr/>
                     </p:nvPicPr>
@@ -11663,260 +11131,8 @@
                     </p:blipFill>
                     <p:spPr>
                       <a:xfrm>
-                        <a:off x="2943798" y="2464858"/>
-                        <a:ext cx="2701925" cy="1301750"/>
-                      </a:xfrm>
-                      <a:prstGeom prst="rect">
-                        <a:avLst/>
-                      </a:prstGeom>
-                    </p:spPr>
-                  </p:pic>
-                </p:oleObj>
-              </mc:Fallback>
-            </mc:AlternateContent>
-          </a:graphicData>
-        </a:graphic>
-      </p:graphicFrame>
-      <p:graphicFrame>
-        <p:nvGraphicFramePr>
-          <p:cNvPr id="77" name="Objeto 76">
-            <a:extLst>
-              <a:ext uri="{FF2B5EF4-FFF2-40B4-BE49-F238E27FC236}">
-                <a16:creationId xmlns:a16="http://schemas.microsoft.com/office/drawing/2014/main" id="{67746001-761D-4238-A251-886F6C60FD4D}"/>
-              </a:ext>
-            </a:extLst>
-          </p:cNvPr>
-          <p:cNvGraphicFramePr>
-            <a:graphicFrameLocks noChangeAspect="1"/>
-          </p:cNvGraphicFramePr>
-          <p:nvPr>
-            <p:extLst>
-              <p:ext uri="{D42A27DB-BD31-4B8C-83A1-F6EECF244321}">
-                <p14:modId xmlns:p14="http://schemas.microsoft.com/office/powerpoint/2010/main" val="3892281641"/>
-              </p:ext>
-            </p:extLst>
-          </p:nvPr>
-        </p:nvGraphicFramePr>
-        <p:xfrm>
-          <a:off x="6006455" y="2513277"/>
-          <a:ext cx="1235075" cy="1204912"/>
-        </p:xfrm>
-        <a:graphic>
-          <a:graphicData uri="http://schemas.openxmlformats.org/presentationml/2006/ole">
-            <mc:AlternateContent xmlns:mc="http://schemas.openxmlformats.org/markup-compatibility/2006">
-              <mc:Choice xmlns:v="urn:schemas-microsoft-com:vml" Requires="v">
-                <p:oleObj name="CS ChemDraw Drawing" r:id="rId16" imgW="1235428" imgH="1205105" progId="ChemDraw.Document.6.0">
-                  <p:embed/>
-                </p:oleObj>
-              </mc:Choice>
-              <mc:Fallback>
-                <p:oleObj name="CS ChemDraw Drawing" r:id="rId16" imgW="1235428" imgH="1205105" progId="ChemDraw.Document.6.0">
-                  <p:embed/>
-                  <p:pic>
-                    <p:nvPicPr>
-                      <p:cNvPr id="0" name=""/>
-                      <p:cNvPicPr/>
-                      <p:nvPr/>
-                    </p:nvPicPr>
-                    <p:blipFill>
-                      <a:blip r:embed="rId17"/>
-                      <a:stretch>
-                        <a:fillRect/>
-                      </a:stretch>
-                    </p:blipFill>
-                    <p:spPr>
-                      <a:xfrm>
-                        <a:off x="6006455" y="2513277"/>
-                        <a:ext cx="1235075" cy="1204912"/>
-                      </a:xfrm>
-                      <a:prstGeom prst="rect">
-                        <a:avLst/>
-                      </a:prstGeom>
-                    </p:spPr>
-                  </p:pic>
-                </p:oleObj>
-              </mc:Fallback>
-            </mc:AlternateContent>
-          </a:graphicData>
-        </a:graphic>
-      </p:graphicFrame>
-      <p:graphicFrame>
-        <p:nvGraphicFramePr>
-          <p:cNvPr id="78" name="Objeto 77">
-            <a:extLst>
-              <a:ext uri="{FF2B5EF4-FFF2-40B4-BE49-F238E27FC236}">
-                <a16:creationId xmlns:a16="http://schemas.microsoft.com/office/drawing/2014/main" id="{219901E4-89E6-4C2A-8F5D-9433EF04C553}"/>
-              </a:ext>
-            </a:extLst>
-          </p:cNvPr>
-          <p:cNvGraphicFramePr>
-            <a:graphicFrameLocks noChangeAspect="1"/>
-          </p:cNvGraphicFramePr>
-          <p:nvPr>
-            <p:extLst>
-              <p:ext uri="{D42A27DB-BD31-4B8C-83A1-F6EECF244321}">
-                <p14:modId xmlns:p14="http://schemas.microsoft.com/office/powerpoint/2010/main" val="3694426247"/>
-              </p:ext>
-            </p:extLst>
-          </p:nvPr>
-        </p:nvGraphicFramePr>
-        <p:xfrm>
-          <a:off x="9315130" y="546035"/>
-          <a:ext cx="2058987" cy="1306512"/>
-        </p:xfrm>
-        <a:graphic>
-          <a:graphicData uri="http://schemas.openxmlformats.org/presentationml/2006/ole">
-            <mc:AlternateContent xmlns:mc="http://schemas.openxmlformats.org/markup-compatibility/2006">
-              <mc:Choice xmlns:v="urn:schemas-microsoft-com:vml" Requires="v">
-                <p:oleObj name="CS ChemDraw Drawing" r:id="rId18" imgW="2058625" imgH="1305742" progId="ChemDraw.Document.6.0">
-                  <p:embed/>
-                </p:oleObj>
-              </mc:Choice>
-              <mc:Fallback>
-                <p:oleObj name="CS ChemDraw Drawing" r:id="rId18" imgW="2058625" imgH="1305742" progId="ChemDraw.Document.6.0">
-                  <p:embed/>
-                  <p:pic>
-                    <p:nvPicPr>
-                      <p:cNvPr id="0" name=""/>
-                      <p:cNvPicPr/>
-                      <p:nvPr/>
-                    </p:nvPicPr>
-                    <p:blipFill>
-                      <a:blip r:embed="rId19"/>
-                      <a:stretch>
-                        <a:fillRect/>
-                      </a:stretch>
-                    </p:blipFill>
-                    <p:spPr>
-                      <a:xfrm>
-                        <a:off x="9315130" y="546035"/>
-                        <a:ext cx="2058987" cy="1306512"/>
-                      </a:xfrm>
-                      <a:prstGeom prst="rect">
-                        <a:avLst/>
-                      </a:prstGeom>
-                    </p:spPr>
-                  </p:pic>
-                </p:oleObj>
-              </mc:Fallback>
-            </mc:AlternateContent>
-          </a:graphicData>
-        </a:graphic>
-      </p:graphicFrame>
-      <p:graphicFrame>
-        <p:nvGraphicFramePr>
-          <p:cNvPr id="79" name="Objeto 78">
-            <a:extLst>
-              <a:ext uri="{FF2B5EF4-FFF2-40B4-BE49-F238E27FC236}">
-                <a16:creationId xmlns:a16="http://schemas.microsoft.com/office/drawing/2014/main" id="{3D86ED63-1546-4FA5-B46D-1A6380DE2B0E}"/>
-              </a:ext>
-            </a:extLst>
-          </p:cNvPr>
-          <p:cNvGraphicFramePr>
-            <a:graphicFrameLocks noChangeAspect="1"/>
-          </p:cNvGraphicFramePr>
-          <p:nvPr>
-            <p:extLst>
-              <p:ext uri="{D42A27DB-BD31-4B8C-83A1-F6EECF244321}">
-                <p14:modId xmlns:p14="http://schemas.microsoft.com/office/powerpoint/2010/main" val="540813825"/>
-              </p:ext>
-            </p:extLst>
-          </p:nvPr>
-        </p:nvGraphicFramePr>
-        <p:xfrm>
-          <a:off x="7585055" y="2552183"/>
-          <a:ext cx="1879600" cy="1233488"/>
-        </p:xfrm>
-        <a:graphic>
-          <a:graphicData uri="http://schemas.openxmlformats.org/presentationml/2006/ole">
-            <mc:AlternateContent xmlns:mc="http://schemas.openxmlformats.org/markup-compatibility/2006">
-              <mc:Choice xmlns:v="urn:schemas-microsoft-com:vml" Requires="v">
-                <p:oleObj name="CS ChemDraw Drawing" r:id="rId20" imgW="1880090" imgH="1233859" progId="ChemDraw.Document.6.0">
-                  <p:embed/>
-                </p:oleObj>
-              </mc:Choice>
-              <mc:Fallback>
-                <p:oleObj name="CS ChemDraw Drawing" r:id="rId20" imgW="1880090" imgH="1233859" progId="ChemDraw.Document.6.0">
-                  <p:embed/>
-                  <p:pic>
-                    <p:nvPicPr>
-                      <p:cNvPr id="0" name=""/>
-                      <p:cNvPicPr/>
-                      <p:nvPr/>
-                    </p:nvPicPr>
-                    <p:blipFill>
-                      <a:blip r:embed="rId21"/>
-                      <a:stretch>
-                        <a:fillRect/>
-                      </a:stretch>
-                    </p:blipFill>
-                    <p:spPr>
-                      <a:xfrm>
-                        <a:off x="7585055" y="2552183"/>
-                        <a:ext cx="1879600" cy="1233488"/>
-                      </a:xfrm>
-                      <a:prstGeom prst="rect">
-                        <a:avLst/>
-                      </a:prstGeom>
-                    </p:spPr>
-                  </p:pic>
-                </p:oleObj>
-              </mc:Fallback>
-            </mc:AlternateContent>
-          </a:graphicData>
-        </a:graphic>
-      </p:graphicFrame>
-      <p:graphicFrame>
-        <p:nvGraphicFramePr>
-          <p:cNvPr id="80" name="Objeto 79">
-            <a:extLst>
-              <a:ext uri="{FF2B5EF4-FFF2-40B4-BE49-F238E27FC236}">
-                <a16:creationId xmlns:a16="http://schemas.microsoft.com/office/drawing/2014/main" id="{C460AC10-C939-49AD-898A-B3F570990568}"/>
-              </a:ext>
-            </a:extLst>
-          </p:cNvPr>
-          <p:cNvGraphicFramePr>
-            <a:graphicFrameLocks noChangeAspect="1"/>
-          </p:cNvGraphicFramePr>
-          <p:nvPr>
-            <p:extLst>
-              <p:ext uri="{D42A27DB-BD31-4B8C-83A1-F6EECF244321}">
-                <p14:modId xmlns:p14="http://schemas.microsoft.com/office/powerpoint/2010/main" val="435857421"/>
-              </p:ext>
-            </p:extLst>
-          </p:nvPr>
-        </p:nvGraphicFramePr>
-        <p:xfrm>
-          <a:off x="7712470" y="620983"/>
-          <a:ext cx="1571625" cy="1233488"/>
-        </p:xfrm>
-        <a:graphic>
-          <a:graphicData uri="http://schemas.openxmlformats.org/presentationml/2006/ole">
-            <mc:AlternateContent xmlns:mc="http://schemas.openxmlformats.org/markup-compatibility/2006">
-              <mc:Choice xmlns:v="urn:schemas-microsoft-com:vml" Requires="v">
-                <p:oleObj name="CS ChemDraw Drawing" r:id="rId22" imgW="1572286" imgH="1233859" progId="ChemDraw.Document.6.0">
-                  <p:embed/>
-                </p:oleObj>
-              </mc:Choice>
-              <mc:Fallback>
-                <p:oleObj name="CS ChemDraw Drawing" r:id="rId22" imgW="1572286" imgH="1233859" progId="ChemDraw.Document.6.0">
-                  <p:embed/>
-                  <p:pic>
-                    <p:nvPicPr>
-                      <p:cNvPr id="0" name=""/>
-                      <p:cNvPicPr/>
-                      <p:nvPr/>
-                    </p:nvPicPr>
-                    <p:blipFill>
-                      <a:blip r:embed="rId23"/>
-                      <a:stretch>
-                        <a:fillRect/>
-                      </a:stretch>
-                    </p:blipFill>
-                    <p:spPr>
-                      <a:xfrm>
-                        <a:off x="7712470" y="620983"/>
-                        <a:ext cx="1571625" cy="1233488"/>
+                        <a:off x="4894263" y="1200150"/>
+                        <a:ext cx="1473200" cy="930275"/>
                       </a:xfrm>
                       <a:prstGeom prst="rect">
                         <a:avLst/>
@@ -11931,10 +11147,10 @@
       </p:graphicFrame>
       <p:sp>
         <p:nvSpPr>
-          <p:cNvPr id="83" name="Google Shape;298;p9">
+          <p:cNvPr id="12" name="Google Shape;298;p9">
             <a:extLst>
               <a:ext uri="{FF2B5EF4-FFF2-40B4-BE49-F238E27FC236}">
-                <a16:creationId xmlns:a16="http://schemas.microsoft.com/office/drawing/2014/main" id="{5EFCC3DB-15C5-488F-B6E5-0577A579FA61}"/>
+                <a16:creationId xmlns:a16="http://schemas.microsoft.com/office/drawing/2014/main" id="{FD0C8DDD-1D30-C300-DE5A-18C98262BABE}"/>
               </a:ext>
             </a:extLst>
           </p:cNvPr>
@@ -11943,8 +11159,8 @@
         </p:nvSpPr>
         <p:spPr>
           <a:xfrm>
-            <a:off x="8239008" y="3852351"/>
-            <a:ext cx="631426" cy="310717"/>
+            <a:off x="117969" y="1421467"/>
+            <a:ext cx="1091040" cy="369291"/>
           </a:xfrm>
           <a:prstGeom prst="rect">
             <a:avLst/>
@@ -11955,32 +11171,60 @@
           </a:ln>
         </p:spPr>
         <p:txBody>
-          <a:bodyPr spcFirstLastPara="1" wrap="square" lIns="94378" tIns="47176" rIns="94378" bIns="47176" anchor="t" anchorCtr="0">
+          <a:bodyPr spcFirstLastPara="1" wrap="square" lIns="91425" tIns="45700" rIns="91425" bIns="45700" anchor="t" anchorCtr="0">
             <a:spAutoFit/>
           </a:bodyPr>
           <a:lstStyle/>
           <a:p>
-            <a:pPr algn="ctr">
+            <a:pPr marL="0" marR="0" lvl="0" indent="0" algn="ctr" rtl="0">
+              <a:lnSpc>
+                <a:spcPct val="100000"/>
+              </a:lnSpc>
+              <a:spcBef>
+                <a:spcPts val="0"/>
+              </a:spcBef>
+              <a:spcAft>
+                <a:spcPts val="0"/>
+              </a:spcAft>
               <a:buClr>
                 <a:srgbClr val="000000"/>
               </a:buClr>
               <a:buSzPts val="1200"/>
+              <a:buFont typeface="Arial"/>
+              <a:buNone/>
             </a:pPr>
             <a:r>
-              <a:rPr lang="pt-BR" sz="1400" b="1" dirty="0">
-                <a:solidFill>
-                  <a:srgbClr val="00B050"/>
+              <a:rPr lang="pt-BR" b="1" dirty="0">
+                <a:solidFill>
+                  <a:schemeClr val="tx1">
+                    <a:lumMod val="85000"/>
+                    <a:lumOff val="15000"/>
+                  </a:schemeClr>
                 </a:solidFill>
                 <a:latin typeface="Avenir"/>
-                <a:ea typeface="Arial"/>
-                <a:cs typeface="Arial"/>
                 <a:sym typeface="Avenir"/>
               </a:rPr>
-              <a:t>DHPI</a:t>
-            </a:r>
-            <a:endParaRPr sz="1600" dirty="0">
+              <a:t>NH</a:t>
+            </a:r>
+            <a:r>
+              <a:rPr lang="pt-BR" b="1" baseline="-25000" dirty="0">
+                <a:solidFill>
+                  <a:schemeClr val="tx1">
+                    <a:lumMod val="85000"/>
+                    <a:lumOff val="15000"/>
+                  </a:schemeClr>
+                </a:solidFill>
+                <a:latin typeface="Avenir"/>
+                <a:sym typeface="Avenir"/>
+              </a:rPr>
+              <a:t>2</a:t>
+            </a:r>
+            <a:endParaRPr sz="2000" b="0" i="0" strike="noStrike" cap="none" baseline="-25000" dirty="0">
               <a:solidFill>
-                <a:srgbClr val="00B050"/>
+                <a:schemeClr val="tx1">
+                  <a:lumMod val="85000"/>
+                  <a:lumOff val="15000"/>
+                </a:schemeClr>
               </a:solidFill>
               <a:latin typeface="Arial"/>
               <a:ea typeface="Arial"/>
@@ -11992,10 +11236,10 @@
       </p:sp>
       <p:sp>
         <p:nvSpPr>
-          <p:cNvPr id="84" name="Google Shape;298;p9">
+          <p:cNvPr id="13" name="Google Shape;298;p9">
             <a:extLst>
               <a:ext uri="{FF2B5EF4-FFF2-40B4-BE49-F238E27FC236}">
-                <a16:creationId xmlns:a16="http://schemas.microsoft.com/office/drawing/2014/main" id="{F273D877-3F62-4F0C-9CB9-CA6E16266A55}"/>
+                <a16:creationId xmlns:a16="http://schemas.microsoft.com/office/drawing/2014/main" id="{474FB686-243C-BC7A-EFA3-C5750E049DA9}"/>
               </a:ext>
             </a:extLst>
           </p:cNvPr>
@@ -12004,8 +11248,8 @@
         </p:nvSpPr>
         <p:spPr>
           <a:xfrm>
-            <a:off x="8202687" y="1850177"/>
-            <a:ext cx="631426" cy="310717"/>
+            <a:off x="3891221" y="3798748"/>
+            <a:ext cx="1091040" cy="369291"/>
           </a:xfrm>
           <a:prstGeom prst="rect">
             <a:avLst/>
@@ -12016,32 +11260,49 @@
           </a:ln>
         </p:spPr>
         <p:txBody>
-          <a:bodyPr spcFirstLastPara="1" wrap="square" lIns="94378" tIns="47176" rIns="94378" bIns="47176" anchor="t" anchorCtr="0">
+          <a:bodyPr spcFirstLastPara="1" wrap="square" lIns="91425" tIns="45700" rIns="91425" bIns="45700" anchor="t" anchorCtr="0">
             <a:spAutoFit/>
           </a:bodyPr>
           <a:lstStyle/>
           <a:p>
-            <a:pPr algn="ctr">
+            <a:pPr marL="0" marR="0" lvl="0" indent="0" algn="ctr" rtl="0">
+              <a:lnSpc>
+                <a:spcPct val="100000"/>
+              </a:lnSpc>
+              <a:spcBef>
+                <a:spcPts val="0"/>
+              </a:spcBef>
+              <a:spcAft>
+                <a:spcPts val="0"/>
+              </a:spcAft>
               <a:buClr>
                 <a:srgbClr val="000000"/>
               </a:buClr>
               <a:buSzPts val="1200"/>
+              <a:buFont typeface="Arial"/>
+              <a:buNone/>
             </a:pPr>
             <a:r>
-              <a:rPr lang="pt-BR" sz="1400" b="1" dirty="0">
-                <a:solidFill>
-                  <a:srgbClr val="00B050"/>
+              <a:rPr lang="pt-BR" b="1" i="0" strike="noStrike" cap="none" dirty="0">
+                <a:solidFill>
+                  <a:schemeClr val="tx1">
+                    <a:lumMod val="85000"/>
+                    <a:lumOff val="15000"/>
+                  </a:schemeClr>
                 </a:solidFill>
                 <a:latin typeface="Avenir"/>
                 <a:ea typeface="Arial"/>
                 <a:cs typeface="Arial"/>
                 <a:sym typeface="Avenir"/>
               </a:rPr>
-              <a:t>BDFN</a:t>
-            </a:r>
-            <a:endParaRPr sz="1600" dirty="0">
+              <a:t>CN</a:t>
+            </a:r>
+            <a:endParaRPr sz="2000" b="0" i="0" strike="noStrike" cap="none" dirty="0">
               <a:solidFill>
-                <a:srgbClr val="00B050"/>
+                <a:schemeClr val="tx1">
+                  <a:lumMod val="85000"/>
+                  <a:lumOff val="15000"/>
+                </a:schemeClr>
               </a:solidFill>
               <a:latin typeface="Arial"/>
               <a:ea typeface="Arial"/>
@@ -12051,390 +11312,12 @@
           </a:p>
         </p:txBody>
       </p:sp>
-      <p:graphicFrame>
-        <p:nvGraphicFramePr>
-          <p:cNvPr id="85" name="Objeto 84">
+      <p:sp>
+        <p:nvSpPr>
+          <p:cNvPr id="14" name="Google Shape;298;p9">
             <a:extLst>
               <a:ext uri="{FF2B5EF4-FFF2-40B4-BE49-F238E27FC236}">
-                <a16:creationId xmlns:a16="http://schemas.microsoft.com/office/drawing/2014/main" id="{81CCA88D-3382-428F-9BCE-B792736861D7}"/>
-              </a:ext>
-            </a:extLst>
-          </p:cNvPr>
-          <p:cNvGraphicFramePr>
-            <a:graphicFrameLocks noChangeAspect="1"/>
-          </p:cNvGraphicFramePr>
-          <p:nvPr>
-            <p:extLst>
-              <p:ext uri="{D42A27DB-BD31-4B8C-83A1-F6EECF244321}">
-                <p14:modId xmlns:p14="http://schemas.microsoft.com/office/powerpoint/2010/main" val="3740330416"/>
-              </p:ext>
-            </p:extLst>
-          </p:nvPr>
-        </p:nvGraphicFramePr>
-        <p:xfrm>
-          <a:off x="9636165" y="2510388"/>
-          <a:ext cx="1535113" cy="1271588"/>
-        </p:xfrm>
-        <a:graphic>
-          <a:graphicData uri="http://schemas.openxmlformats.org/presentationml/2006/ole">
-            <mc:AlternateContent xmlns:mc="http://schemas.openxmlformats.org/markup-compatibility/2006">
-              <mc:Choice xmlns:v="urn:schemas-microsoft-com:vml" Requires="v">
-                <p:oleObj name="CS ChemDraw Drawing" r:id="rId24" imgW="1535653" imgH="1272337" progId="ChemDraw.Document.6.0">
-                  <p:embed/>
-                </p:oleObj>
-              </mc:Choice>
-              <mc:Fallback>
-                <p:oleObj name="CS ChemDraw Drawing" r:id="rId24" imgW="1535653" imgH="1272337" progId="ChemDraw.Document.6.0">
-                  <p:embed/>
-                  <p:pic>
-                    <p:nvPicPr>
-                      <p:cNvPr id="0" name=""/>
-                      <p:cNvPicPr/>
-                      <p:nvPr/>
-                    </p:nvPicPr>
-                    <p:blipFill>
-                      <a:blip r:embed="rId25"/>
-                      <a:stretch>
-                        <a:fillRect/>
-                      </a:stretch>
-                    </p:blipFill>
-                    <p:spPr>
-                      <a:xfrm>
-                        <a:off x="9636165" y="2510388"/>
-                        <a:ext cx="1535113" cy="1271588"/>
-                      </a:xfrm>
-                      <a:prstGeom prst="rect">
-                        <a:avLst/>
-                      </a:prstGeom>
-                    </p:spPr>
-                  </p:pic>
-                </p:oleObj>
-              </mc:Fallback>
-            </mc:AlternateContent>
-          </a:graphicData>
-        </a:graphic>
-      </p:graphicFrame>
-      <p:graphicFrame>
-        <p:nvGraphicFramePr>
-          <p:cNvPr id="86" name="Objeto 85">
-            <a:extLst>
-              <a:ext uri="{FF2B5EF4-FFF2-40B4-BE49-F238E27FC236}">
-                <a16:creationId xmlns:a16="http://schemas.microsoft.com/office/drawing/2014/main" id="{E75D2434-90AA-4D00-9349-40E5B06422BE}"/>
-              </a:ext>
-            </a:extLst>
-          </p:cNvPr>
-          <p:cNvGraphicFramePr>
-            <a:graphicFrameLocks noChangeAspect="1"/>
-          </p:cNvGraphicFramePr>
-          <p:nvPr>
-            <p:extLst>
-              <p:ext uri="{D42A27DB-BD31-4B8C-83A1-F6EECF244321}">
-                <p14:modId xmlns:p14="http://schemas.microsoft.com/office/powerpoint/2010/main" val="2137691470"/>
-              </p:ext>
-            </p:extLst>
-          </p:nvPr>
-        </p:nvGraphicFramePr>
-        <p:xfrm>
-          <a:off x="339489" y="4280098"/>
-          <a:ext cx="2152650" cy="1330325"/>
-        </p:xfrm>
-        <a:graphic>
-          <a:graphicData uri="http://schemas.openxmlformats.org/presentationml/2006/ole">
-            <mc:AlternateContent xmlns:mc="http://schemas.openxmlformats.org/markup-compatibility/2006">
-              <mc:Choice xmlns:v="urn:schemas-microsoft-com:vml" Requires="v">
-                <p:oleObj name="CS ChemDraw Drawing" r:id="rId26" imgW="2152945" imgH="1330267" progId="ChemDraw.Document.6.0">
-                  <p:embed/>
-                </p:oleObj>
-              </mc:Choice>
-              <mc:Fallback>
-                <p:oleObj name="CS ChemDraw Drawing" r:id="rId26" imgW="2152945" imgH="1330267" progId="ChemDraw.Document.6.0">
-                  <p:embed/>
-                  <p:pic>
-                    <p:nvPicPr>
-                      <p:cNvPr id="0" name=""/>
-                      <p:cNvPicPr/>
-                      <p:nvPr/>
-                    </p:nvPicPr>
-                    <p:blipFill>
-                      <a:blip r:embed="rId27"/>
-                      <a:stretch>
-                        <a:fillRect/>
-                      </a:stretch>
-                    </p:blipFill>
-                    <p:spPr>
-                      <a:xfrm>
-                        <a:off x="339489" y="4280098"/>
-                        <a:ext cx="2152650" cy="1330325"/>
-                      </a:xfrm>
-                      <a:prstGeom prst="rect">
-                        <a:avLst/>
-                      </a:prstGeom>
-                    </p:spPr>
-                  </p:pic>
-                </p:oleObj>
-              </mc:Fallback>
-            </mc:AlternateContent>
-          </a:graphicData>
-        </a:graphic>
-      </p:graphicFrame>
-      <p:graphicFrame>
-        <p:nvGraphicFramePr>
-          <p:cNvPr id="87" name="Objeto 86">
-            <a:extLst>
-              <a:ext uri="{FF2B5EF4-FFF2-40B4-BE49-F238E27FC236}">
-                <a16:creationId xmlns:a16="http://schemas.microsoft.com/office/drawing/2014/main" id="{DEF9D8AF-24C9-4649-B6B0-C02483178083}"/>
-              </a:ext>
-            </a:extLst>
-          </p:cNvPr>
-          <p:cNvGraphicFramePr>
-            <a:graphicFrameLocks noChangeAspect="1"/>
-          </p:cNvGraphicFramePr>
-          <p:nvPr>
-            <p:extLst>
-              <p:ext uri="{D42A27DB-BD31-4B8C-83A1-F6EECF244321}">
-                <p14:modId xmlns:p14="http://schemas.microsoft.com/office/powerpoint/2010/main" val="3548176231"/>
-              </p:ext>
-            </p:extLst>
-          </p:nvPr>
-        </p:nvGraphicFramePr>
-        <p:xfrm>
-          <a:off x="2700616" y="4292201"/>
-          <a:ext cx="1704975" cy="1362075"/>
-        </p:xfrm>
-        <a:graphic>
-          <a:graphicData uri="http://schemas.openxmlformats.org/presentationml/2006/ole">
-            <mc:AlternateContent xmlns:mc="http://schemas.openxmlformats.org/markup-compatibility/2006">
-              <mc:Choice xmlns:v="urn:schemas-microsoft-com:vml" Requires="v">
-                <p:oleObj name="CS ChemDraw Drawing" r:id="rId28" imgW="1704924" imgH="1362403" progId="ChemDraw.Document.6.0">
-                  <p:embed/>
-                </p:oleObj>
-              </mc:Choice>
-              <mc:Fallback>
-                <p:oleObj name="CS ChemDraw Drawing" r:id="rId28" imgW="1704924" imgH="1362403" progId="ChemDraw.Document.6.0">
-                  <p:embed/>
-                  <p:pic>
-                    <p:nvPicPr>
-                      <p:cNvPr id="0" name=""/>
-                      <p:cNvPicPr/>
-                      <p:nvPr/>
-                    </p:nvPicPr>
-                    <p:blipFill>
-                      <a:blip r:embed="rId29"/>
-                      <a:stretch>
-                        <a:fillRect/>
-                      </a:stretch>
-                    </p:blipFill>
-                    <p:spPr>
-                      <a:xfrm>
-                        <a:off x="2700616" y="4292201"/>
-                        <a:ext cx="1704975" cy="1362075"/>
-                      </a:xfrm>
-                      <a:prstGeom prst="rect">
-                        <a:avLst/>
-                      </a:prstGeom>
-                    </p:spPr>
-                  </p:pic>
-                </p:oleObj>
-              </mc:Fallback>
-            </mc:AlternateContent>
-          </a:graphicData>
-        </a:graphic>
-      </p:graphicFrame>
-      <p:graphicFrame>
-        <p:nvGraphicFramePr>
-          <p:cNvPr id="88" name="Objeto 87">
-            <a:extLst>
-              <a:ext uri="{FF2B5EF4-FFF2-40B4-BE49-F238E27FC236}">
-                <a16:creationId xmlns:a16="http://schemas.microsoft.com/office/drawing/2014/main" id="{CA78C7D5-A0B7-4BB0-A5D9-4F14DD4EEE11}"/>
-              </a:ext>
-            </a:extLst>
-          </p:cNvPr>
-          <p:cNvGraphicFramePr>
-            <a:graphicFrameLocks noChangeAspect="1"/>
-          </p:cNvGraphicFramePr>
-          <p:nvPr>
-            <p:extLst>
-              <p:ext uri="{D42A27DB-BD31-4B8C-83A1-F6EECF244321}">
-                <p14:modId xmlns:p14="http://schemas.microsoft.com/office/powerpoint/2010/main" val="4294424022"/>
-              </p:ext>
-            </p:extLst>
-          </p:nvPr>
-        </p:nvGraphicFramePr>
-        <p:xfrm>
-          <a:off x="4829204" y="4323950"/>
-          <a:ext cx="1690687" cy="1298575"/>
-        </p:xfrm>
-        <a:graphic>
-          <a:graphicData uri="http://schemas.openxmlformats.org/presentationml/2006/ole">
-            <mc:AlternateContent xmlns:mc="http://schemas.openxmlformats.org/markup-compatibility/2006">
-              <mc:Choice xmlns:v="urn:schemas-microsoft-com:vml" Requires="v">
-                <p:oleObj name="CS ChemDraw Drawing" r:id="rId30" imgW="1691450" imgH="1298131" progId="ChemDraw.Document.6.0">
-                  <p:embed/>
-                </p:oleObj>
-              </mc:Choice>
-              <mc:Fallback>
-                <p:oleObj name="CS ChemDraw Drawing" r:id="rId30" imgW="1691450" imgH="1298131" progId="ChemDraw.Document.6.0">
-                  <p:embed/>
-                  <p:pic>
-                    <p:nvPicPr>
-                      <p:cNvPr id="0" name=""/>
-                      <p:cNvPicPr/>
-                      <p:nvPr/>
-                    </p:nvPicPr>
-                    <p:blipFill>
-                      <a:blip r:embed="rId31"/>
-                      <a:stretch>
-                        <a:fillRect/>
-                      </a:stretch>
-                    </p:blipFill>
-                    <p:spPr>
-                      <a:xfrm>
-                        <a:off x="4829204" y="4323950"/>
-                        <a:ext cx="1690687" cy="1298575"/>
-                      </a:xfrm>
-                      <a:prstGeom prst="rect">
-                        <a:avLst/>
-                      </a:prstGeom>
-                    </p:spPr>
-                  </p:pic>
-                </p:oleObj>
-              </mc:Fallback>
-            </mc:AlternateContent>
-          </a:graphicData>
-        </a:graphic>
-      </p:graphicFrame>
-      <p:graphicFrame>
-        <p:nvGraphicFramePr>
-          <p:cNvPr id="89" name="Objeto 88">
-            <a:extLst>
-              <a:ext uri="{FF2B5EF4-FFF2-40B4-BE49-F238E27FC236}">
-                <a16:creationId xmlns:a16="http://schemas.microsoft.com/office/drawing/2014/main" id="{A26E1481-A9F9-4D1D-888A-5E40A82315FF}"/>
-              </a:ext>
-            </a:extLst>
-          </p:cNvPr>
-          <p:cNvGraphicFramePr>
-            <a:graphicFrameLocks noChangeAspect="1"/>
-          </p:cNvGraphicFramePr>
-          <p:nvPr>
-            <p:extLst>
-              <p:ext uri="{D42A27DB-BD31-4B8C-83A1-F6EECF244321}">
-                <p14:modId xmlns:p14="http://schemas.microsoft.com/office/powerpoint/2010/main" val="1845825779"/>
-              </p:ext>
-            </p:extLst>
-          </p:nvPr>
-        </p:nvGraphicFramePr>
-        <p:xfrm>
-          <a:off x="6695228" y="4493813"/>
-          <a:ext cx="1787525" cy="1128712"/>
-        </p:xfrm>
-        <a:graphic>
-          <a:graphicData uri="http://schemas.openxmlformats.org/presentationml/2006/ole">
-            <mc:AlternateContent xmlns:mc="http://schemas.openxmlformats.org/markup-compatibility/2006">
-              <mc:Choice xmlns:v="urn:schemas-microsoft-com:vml" Requires="v">
-                <p:oleObj name="CS ChemDraw Drawing" r:id="rId32" imgW="1787454" imgH="1128993" progId="ChemDraw.Document.6.0">
-                  <p:embed/>
-                </p:oleObj>
-              </mc:Choice>
-              <mc:Fallback>
-                <p:oleObj name="CS ChemDraw Drawing" r:id="rId32" imgW="1787454" imgH="1128993" progId="ChemDraw.Document.6.0">
-                  <p:embed/>
-                  <p:pic>
-                    <p:nvPicPr>
-                      <p:cNvPr id="0" name=""/>
-                      <p:cNvPicPr/>
-                      <p:nvPr/>
-                    </p:nvPicPr>
-                    <p:blipFill>
-                      <a:blip r:embed="rId33"/>
-                      <a:stretch>
-                        <a:fillRect/>
-                      </a:stretch>
-                    </p:blipFill>
-                    <p:spPr>
-                      <a:xfrm>
-                        <a:off x="6695228" y="4493813"/>
-                        <a:ext cx="1787525" cy="1128712"/>
-                      </a:xfrm>
-                      <a:prstGeom prst="rect">
-                        <a:avLst/>
-                      </a:prstGeom>
-                    </p:spPr>
-                  </p:pic>
-                </p:oleObj>
-              </mc:Fallback>
-            </mc:AlternateContent>
-          </a:graphicData>
-        </a:graphic>
-      </p:graphicFrame>
-      <p:graphicFrame>
-        <p:nvGraphicFramePr>
-          <p:cNvPr id="91" name="Objeto 90">
-            <a:extLst>
-              <a:ext uri="{FF2B5EF4-FFF2-40B4-BE49-F238E27FC236}">
-                <a16:creationId xmlns:a16="http://schemas.microsoft.com/office/drawing/2014/main" id="{8B25B316-E27C-4129-B445-83CA8BA62320}"/>
-              </a:ext>
-            </a:extLst>
-          </p:cNvPr>
-          <p:cNvGraphicFramePr>
-            <a:graphicFrameLocks noChangeAspect="1"/>
-          </p:cNvGraphicFramePr>
-          <p:nvPr>
-            <p:extLst>
-              <p:ext uri="{D42A27DB-BD31-4B8C-83A1-F6EECF244321}">
-                <p14:modId xmlns:p14="http://schemas.microsoft.com/office/powerpoint/2010/main" val="3883771001"/>
-              </p:ext>
-            </p:extLst>
-          </p:nvPr>
-        </p:nvGraphicFramePr>
-        <p:xfrm>
-          <a:off x="8838007" y="4973237"/>
-          <a:ext cx="892175" cy="376238"/>
-        </p:xfrm>
-        <a:graphic>
-          <a:graphicData uri="http://schemas.openxmlformats.org/presentationml/2006/ole">
-            <mc:AlternateContent xmlns:mc="http://schemas.openxmlformats.org/markup-compatibility/2006">
-              <mc:Choice xmlns:v="urn:schemas-microsoft-com:vml" Requires="v">
-                <p:oleObj name="CS ChemDraw Drawing" r:id="rId34" imgW="891411" imgH="375908" progId="ChemDraw.Document.6.0">
-                  <p:embed/>
-                </p:oleObj>
-              </mc:Choice>
-              <mc:Fallback>
-                <p:oleObj name="CS ChemDraw Drawing" r:id="rId34" imgW="891411" imgH="375908" progId="ChemDraw.Document.6.0">
-                  <p:embed/>
-                  <p:pic>
-                    <p:nvPicPr>
-                      <p:cNvPr id="0" name=""/>
-                      <p:cNvPicPr/>
-                      <p:nvPr/>
-                    </p:nvPicPr>
-                    <p:blipFill>
-                      <a:blip r:embed="rId35"/>
-                      <a:stretch>
-                        <a:fillRect/>
-                      </a:stretch>
-                    </p:blipFill>
-                    <p:spPr>
-                      <a:xfrm>
-                        <a:off x="8838007" y="4973237"/>
-                        <a:ext cx="892175" cy="376238"/>
-                      </a:xfrm>
-                      <a:prstGeom prst="rect">
-                        <a:avLst/>
-                      </a:prstGeom>
-                    </p:spPr>
-                  </p:pic>
-                </p:oleObj>
-              </mc:Fallback>
-            </mc:AlternateContent>
-          </a:graphicData>
-        </a:graphic>
-      </p:graphicFrame>
-      <p:sp>
-        <p:nvSpPr>
-          <p:cNvPr id="92" name="Google Shape;298;p9">
-            <a:extLst>
-              <a:ext uri="{FF2B5EF4-FFF2-40B4-BE49-F238E27FC236}">
-                <a16:creationId xmlns:a16="http://schemas.microsoft.com/office/drawing/2014/main" id="{09570C18-97FF-45CF-8529-914AE5DF1FBA}"/>
+                <a16:creationId xmlns:a16="http://schemas.microsoft.com/office/drawing/2014/main" id="{677EAE27-68B6-BA65-E637-8A59577FE8AD}"/>
               </a:ext>
             </a:extLst>
           </p:cNvPr>
@@ -12443,8 +11326,8 @@
         </p:nvSpPr>
         <p:spPr>
           <a:xfrm>
-            <a:off x="8919409" y="5622525"/>
-            <a:ext cx="631426" cy="310717"/>
+            <a:off x="3856895" y="4480200"/>
+            <a:ext cx="1091040" cy="369291"/>
           </a:xfrm>
           <a:prstGeom prst="rect">
             <a:avLst/>
@@ -12455,30 +11338,49 @@
           </a:ln>
         </p:spPr>
         <p:txBody>
-          <a:bodyPr spcFirstLastPara="1" wrap="square" lIns="94378" tIns="47176" rIns="94378" bIns="47176" anchor="t" anchorCtr="0">
+          <a:bodyPr spcFirstLastPara="1" wrap="square" lIns="91425" tIns="45700" rIns="91425" bIns="45700" anchor="t" anchorCtr="0">
             <a:spAutoFit/>
           </a:bodyPr>
           <a:lstStyle/>
           <a:p>
-            <a:pPr algn="ctr">
+            <a:pPr marL="0" marR="0" lvl="0" indent="0" algn="ctr" rtl="0">
+              <a:lnSpc>
+                <a:spcPct val="100000"/>
+              </a:lnSpc>
+              <a:spcBef>
+                <a:spcPts val="0"/>
+              </a:spcBef>
+              <a:spcAft>
+                <a:spcPts val="0"/>
+              </a:spcAft>
               <a:buClr>
                 <a:srgbClr val="000000"/>
               </a:buClr>
               <a:buSzPts val="1200"/>
+              <a:buFont typeface="Arial"/>
+              <a:buNone/>
             </a:pPr>
             <a:r>
-              <a:rPr lang="pt-BR" sz="1400" b="1" dirty="0">
-                <a:solidFill>
-                  <a:srgbClr val="00B050"/>
+              <a:rPr lang="pt-BR" b="1" i="0" strike="noStrike" cap="none" dirty="0">
+                <a:solidFill>
+                  <a:schemeClr val="tx1">
+                    <a:lumMod val="85000"/>
+                    <a:lumOff val="15000"/>
+                  </a:schemeClr>
                 </a:solidFill>
                 <a:latin typeface="Avenir"/>
+                <a:ea typeface="Arial"/>
+                <a:cs typeface="Arial"/>
                 <a:sym typeface="Avenir"/>
               </a:rPr>
-              <a:t>HDZ</a:t>
-            </a:r>
-            <a:endParaRPr sz="1600" dirty="0">
+              <a:t>Br</a:t>
+            </a:r>
+            <a:endParaRPr sz="2000" b="0" i="0" strike="noStrike" cap="none" dirty="0">
               <a:solidFill>
-                <a:srgbClr val="00B050"/>
+                <a:schemeClr val="tx1">
+                  <a:lumMod val="85000"/>
+                  <a:lumOff val="15000"/>
+                </a:schemeClr>
               </a:solidFill>
               <a:latin typeface="Arial"/>
               <a:ea typeface="Arial"/>
@@ -12488,201 +11390,12 @@
           </a:p>
         </p:txBody>
       </p:sp>
-      <p:graphicFrame>
-        <p:nvGraphicFramePr>
-          <p:cNvPr id="93" name="Objeto 92">
+      <p:sp>
+        <p:nvSpPr>
+          <p:cNvPr id="15" name="Google Shape;298;p9">
             <a:extLst>
               <a:ext uri="{FF2B5EF4-FFF2-40B4-BE49-F238E27FC236}">
-                <a16:creationId xmlns:a16="http://schemas.microsoft.com/office/drawing/2014/main" id="{7E657B1D-2A69-4E76-BB60-DF2E17B0D092}"/>
-              </a:ext>
-            </a:extLst>
-          </p:cNvPr>
-          <p:cNvGraphicFramePr>
-            <a:graphicFrameLocks noChangeAspect="1"/>
-          </p:cNvGraphicFramePr>
-          <p:nvPr>
-            <p:extLst>
-              <p:ext uri="{D42A27DB-BD31-4B8C-83A1-F6EECF244321}">
-                <p14:modId xmlns:p14="http://schemas.microsoft.com/office/powerpoint/2010/main" val="1887165197"/>
-              </p:ext>
-            </p:extLst>
-          </p:nvPr>
-        </p:nvGraphicFramePr>
-        <p:xfrm>
-          <a:off x="339489" y="6191250"/>
-          <a:ext cx="2349500" cy="1077912"/>
-        </p:xfrm>
-        <a:graphic>
-          <a:graphicData uri="http://schemas.openxmlformats.org/presentationml/2006/ole">
-            <mc:AlternateContent xmlns:mc="http://schemas.openxmlformats.org/markup-compatibility/2006">
-              <mc:Choice xmlns:v="urn:schemas-microsoft-com:vml" Requires="v">
-                <p:oleObj name="CS ChemDraw Drawing" r:id="rId36" imgW="2349586" imgH="1078675" progId="ChemDraw.Document.6.0">
-                  <p:embed/>
-                </p:oleObj>
-              </mc:Choice>
-              <mc:Fallback>
-                <p:oleObj name="CS ChemDraw Drawing" r:id="rId36" imgW="2349586" imgH="1078675" progId="ChemDraw.Document.6.0">
-                  <p:embed/>
-                  <p:pic>
-                    <p:nvPicPr>
-                      <p:cNvPr id="0" name=""/>
-                      <p:cNvPicPr/>
-                      <p:nvPr/>
-                    </p:nvPicPr>
-                    <p:blipFill>
-                      <a:blip r:embed="rId37"/>
-                      <a:stretch>
-                        <a:fillRect/>
-                      </a:stretch>
-                    </p:blipFill>
-                    <p:spPr>
-                      <a:xfrm>
-                        <a:off x="339489" y="6191250"/>
-                        <a:ext cx="2349500" cy="1077912"/>
-                      </a:xfrm>
-                      <a:prstGeom prst="rect">
-                        <a:avLst/>
-                      </a:prstGeom>
-                    </p:spPr>
-                  </p:pic>
-                </p:oleObj>
-              </mc:Fallback>
-            </mc:AlternateContent>
-          </a:graphicData>
-        </a:graphic>
-      </p:graphicFrame>
-      <p:graphicFrame>
-        <p:nvGraphicFramePr>
-          <p:cNvPr id="94" name="Objeto 93">
-            <a:extLst>
-              <a:ext uri="{FF2B5EF4-FFF2-40B4-BE49-F238E27FC236}">
-                <a16:creationId xmlns:a16="http://schemas.microsoft.com/office/drawing/2014/main" id="{B0224ECB-9E87-4E7A-987F-6F68C5AD9399}"/>
-              </a:ext>
-            </a:extLst>
-          </p:cNvPr>
-          <p:cNvGraphicFramePr>
-            <a:graphicFrameLocks noChangeAspect="1"/>
-          </p:cNvGraphicFramePr>
-          <p:nvPr>
-            <p:extLst>
-              <p:ext uri="{D42A27DB-BD31-4B8C-83A1-F6EECF244321}">
-                <p14:modId xmlns:p14="http://schemas.microsoft.com/office/powerpoint/2010/main" val="3009745544"/>
-              </p:ext>
-            </p:extLst>
-          </p:nvPr>
-        </p:nvGraphicFramePr>
-        <p:xfrm>
-          <a:off x="2938387" y="6093619"/>
-          <a:ext cx="1200150" cy="1273175"/>
-        </p:xfrm>
-        <a:graphic>
-          <a:graphicData uri="http://schemas.openxmlformats.org/presentationml/2006/ole">
-            <mc:AlternateContent xmlns:mc="http://schemas.openxmlformats.org/markup-compatibility/2006">
-              <mc:Choice xmlns:v="urn:schemas-microsoft-com:vml" Requires="v">
-                <p:oleObj name="CS ChemDraw Drawing" r:id="rId38" imgW="1200479" imgH="1273606" progId="ChemDraw.Document.6.0">
-                  <p:embed/>
-                </p:oleObj>
-              </mc:Choice>
-              <mc:Fallback>
-                <p:oleObj name="CS ChemDraw Drawing" r:id="rId38" imgW="1200479" imgH="1273606" progId="ChemDraw.Document.6.0">
-                  <p:embed/>
-                  <p:pic>
-                    <p:nvPicPr>
-                      <p:cNvPr id="0" name=""/>
-                      <p:cNvPicPr/>
-                      <p:nvPr/>
-                    </p:nvPicPr>
-                    <p:blipFill>
-                      <a:blip r:embed="rId39"/>
-                      <a:stretch>
-                        <a:fillRect/>
-                      </a:stretch>
-                    </p:blipFill>
-                    <p:spPr>
-                      <a:xfrm>
-                        <a:off x="2938387" y="6093619"/>
-                        <a:ext cx="1200150" cy="1273175"/>
-                      </a:xfrm>
-                      <a:prstGeom prst="rect">
-                        <a:avLst/>
-                      </a:prstGeom>
-                    </p:spPr>
-                  </p:pic>
-                </p:oleObj>
-              </mc:Fallback>
-            </mc:AlternateContent>
-          </a:graphicData>
-        </a:graphic>
-      </p:graphicFrame>
-      <p:graphicFrame>
-        <p:nvGraphicFramePr>
-          <p:cNvPr id="95" name="Objeto 94">
-            <a:extLst>
-              <a:ext uri="{FF2B5EF4-FFF2-40B4-BE49-F238E27FC236}">
-                <a16:creationId xmlns:a16="http://schemas.microsoft.com/office/drawing/2014/main" id="{68BE93DC-D0C8-4CBD-9146-D535C1F897FB}"/>
-              </a:ext>
-            </a:extLst>
-          </p:cNvPr>
-          <p:cNvGraphicFramePr>
-            <a:graphicFrameLocks noChangeAspect="1"/>
-          </p:cNvGraphicFramePr>
-          <p:nvPr>
-            <p:extLst>
-              <p:ext uri="{D42A27DB-BD31-4B8C-83A1-F6EECF244321}">
-                <p14:modId xmlns:p14="http://schemas.microsoft.com/office/powerpoint/2010/main" val="2339582725"/>
-              </p:ext>
-            </p:extLst>
-          </p:nvPr>
-        </p:nvGraphicFramePr>
-        <p:xfrm>
-          <a:off x="6907840" y="6016851"/>
-          <a:ext cx="4484687" cy="1419225"/>
-        </p:xfrm>
-        <a:graphic>
-          <a:graphicData uri="http://schemas.openxmlformats.org/presentationml/2006/ole">
-            <mc:AlternateContent xmlns:mc="http://schemas.openxmlformats.org/markup-compatibility/2006">
-              <mc:Choice xmlns:v="urn:schemas-microsoft-com:vml" Requires="v">
-                <p:oleObj name="CS ChemDraw Drawing" r:id="rId40" imgW="4484847" imgH="1418641" progId="ChemDraw.Document.6.0">
-                  <p:embed/>
-                </p:oleObj>
-              </mc:Choice>
-              <mc:Fallback>
-                <p:oleObj name="CS ChemDraw Drawing" r:id="rId40" imgW="4484847" imgH="1418641" progId="ChemDraw.Document.6.0">
-                  <p:embed/>
-                  <p:pic>
-                    <p:nvPicPr>
-                      <p:cNvPr id="0" name=""/>
-                      <p:cNvPicPr/>
-                      <p:nvPr/>
-                    </p:nvPicPr>
-                    <p:blipFill>
-                      <a:blip r:embed="rId41"/>
-                      <a:stretch>
-                        <a:fillRect/>
-                      </a:stretch>
-                    </p:blipFill>
-                    <p:spPr>
-                      <a:xfrm>
-                        <a:off x="6907840" y="6016851"/>
-                        <a:ext cx="4484687" cy="1419225"/>
-                      </a:xfrm>
-                      <a:prstGeom prst="rect">
-                        <a:avLst/>
-                      </a:prstGeom>
-                    </p:spPr>
-                  </p:pic>
-                </p:oleObj>
-              </mc:Fallback>
-            </mc:AlternateContent>
-          </a:graphicData>
-        </a:graphic>
-      </p:graphicFrame>
-      <p:sp>
-        <p:nvSpPr>
-          <p:cNvPr id="96" name="Google Shape;298;p9">
-            <a:extLst>
-              <a:ext uri="{FF2B5EF4-FFF2-40B4-BE49-F238E27FC236}">
-                <a16:creationId xmlns:a16="http://schemas.microsoft.com/office/drawing/2014/main" id="{3A5555F3-711D-4057-B2EA-71400D705058}"/>
+                <a16:creationId xmlns:a16="http://schemas.microsoft.com/office/drawing/2014/main" id="{381673D2-4A0B-BB4C-942C-2C7AD97D1085}"/>
               </a:ext>
             </a:extLst>
           </p:cNvPr>
@@ -12691,8 +11404,8 @@
         </p:nvSpPr>
         <p:spPr>
           <a:xfrm>
-            <a:off x="8591203" y="7541799"/>
-            <a:ext cx="631426" cy="310717"/>
+            <a:off x="76247" y="4168039"/>
+            <a:ext cx="1091040" cy="369291"/>
           </a:xfrm>
           <a:prstGeom prst="rect">
             <a:avLst/>
@@ -12703,30 +11416,60 @@
           </a:ln>
         </p:spPr>
         <p:txBody>
-          <a:bodyPr spcFirstLastPara="1" wrap="square" lIns="94378" tIns="47176" rIns="94378" bIns="47176" anchor="t" anchorCtr="0">
+          <a:bodyPr spcFirstLastPara="1" wrap="square" lIns="91425" tIns="45700" rIns="91425" bIns="45700" anchor="t" anchorCtr="0">
             <a:spAutoFit/>
           </a:bodyPr>
           <a:lstStyle/>
           <a:p>
-            <a:pPr algn="ctr">
+            <a:pPr marL="0" marR="0" lvl="0" indent="0" algn="ctr" rtl="0">
+              <a:lnSpc>
+                <a:spcPct val="100000"/>
+              </a:lnSpc>
+              <a:spcBef>
+                <a:spcPts val="0"/>
+              </a:spcBef>
+              <a:spcAft>
+                <a:spcPts val="0"/>
+              </a:spcAft>
               <a:buClr>
                 <a:srgbClr val="000000"/>
               </a:buClr>
               <a:buSzPts val="1200"/>
+              <a:buFont typeface="Arial"/>
+              <a:buNone/>
             </a:pPr>
             <a:r>
-              <a:rPr lang="pt-BR" sz="1400" b="1" dirty="0">
-                <a:solidFill>
-                  <a:srgbClr val="00B050"/>
+              <a:rPr lang="pt-BR" b="1" dirty="0">
+                <a:solidFill>
+                  <a:schemeClr val="tx1">
+                    <a:lumMod val="85000"/>
+                    <a:lumOff val="15000"/>
+                  </a:schemeClr>
                 </a:solidFill>
                 <a:latin typeface="Avenir"/>
                 <a:sym typeface="Avenir"/>
               </a:rPr>
-              <a:t>PTCD</a:t>
-            </a:r>
-            <a:endParaRPr sz="1600" dirty="0">
+              <a:t>B(OH)</a:t>
+            </a:r>
+            <a:r>
+              <a:rPr lang="pt-BR" b="1" baseline="-25000" dirty="0">
+                <a:solidFill>
+                  <a:schemeClr val="tx1">
+                    <a:lumMod val="85000"/>
+                    <a:lumOff val="15000"/>
+                  </a:schemeClr>
+                </a:solidFill>
+                <a:latin typeface="Avenir"/>
+                <a:sym typeface="Avenir"/>
+              </a:rPr>
+              <a:t>2</a:t>
+            </a:r>
+            <a:endParaRPr sz="2000" b="0" i="0" strike="noStrike" cap="none" baseline="-25000" dirty="0">
               <a:solidFill>
-                <a:srgbClr val="00B050"/>
+                <a:schemeClr val="tx1">
+                  <a:lumMod val="85000"/>
+                  <a:lumOff val="15000"/>
+                </a:schemeClr>
               </a:solidFill>
               <a:latin typeface="Arial"/>
               <a:ea typeface="Arial"/>
@@ -12736,138 +11479,12 @@
           </a:p>
         </p:txBody>
       </p:sp>
-      <p:graphicFrame>
-        <p:nvGraphicFramePr>
-          <p:cNvPr id="97" name="Objeto 96">
+      <p:sp>
+        <p:nvSpPr>
+          <p:cNvPr id="16" name="Google Shape;298;p9">
             <a:extLst>
               <a:ext uri="{FF2B5EF4-FFF2-40B4-BE49-F238E27FC236}">
-                <a16:creationId xmlns:a16="http://schemas.microsoft.com/office/drawing/2014/main" id="{54D23764-7B98-4F3F-83F0-485FF8E39013}"/>
-              </a:ext>
-            </a:extLst>
-          </p:cNvPr>
-          <p:cNvGraphicFramePr>
-            <a:graphicFrameLocks noChangeAspect="1"/>
-          </p:cNvGraphicFramePr>
-          <p:nvPr>
-            <p:extLst>
-              <p:ext uri="{D42A27DB-BD31-4B8C-83A1-F6EECF244321}">
-                <p14:modId xmlns:p14="http://schemas.microsoft.com/office/powerpoint/2010/main" val="78862650"/>
-              </p:ext>
-            </p:extLst>
-          </p:nvPr>
-        </p:nvGraphicFramePr>
-        <p:xfrm>
-          <a:off x="199856" y="7783397"/>
-          <a:ext cx="1419225" cy="1476375"/>
-        </p:xfrm>
-        <a:graphic>
-          <a:graphicData uri="http://schemas.openxmlformats.org/presentationml/2006/ole">
-            <mc:AlternateContent xmlns:mc="http://schemas.openxmlformats.org/markup-compatibility/2006">
-              <mc:Choice xmlns:v="urn:schemas-microsoft-com:vml" Requires="v">
-                <p:oleObj name="CS ChemDraw Drawing" r:id="rId42" imgW="1418594" imgH="1476148" progId="ChemDraw.Document.6.0">
-                  <p:embed/>
-                </p:oleObj>
-              </mc:Choice>
-              <mc:Fallback>
-                <p:oleObj name="CS ChemDraw Drawing" r:id="rId42" imgW="1418594" imgH="1476148" progId="ChemDraw.Document.6.0">
-                  <p:embed/>
-                  <p:pic>
-                    <p:nvPicPr>
-                      <p:cNvPr id="0" name=""/>
-                      <p:cNvPicPr/>
-                      <p:nvPr/>
-                    </p:nvPicPr>
-                    <p:blipFill>
-                      <a:blip r:embed="rId43"/>
-                      <a:stretch>
-                        <a:fillRect/>
-                      </a:stretch>
-                    </p:blipFill>
-                    <p:spPr>
-                      <a:xfrm>
-                        <a:off x="199856" y="7783397"/>
-                        <a:ext cx="1419225" cy="1476375"/>
-                      </a:xfrm>
-                      <a:prstGeom prst="rect">
-                        <a:avLst/>
-                      </a:prstGeom>
-                    </p:spPr>
-                  </p:pic>
-                </p:oleObj>
-              </mc:Fallback>
-            </mc:AlternateContent>
-          </a:graphicData>
-        </a:graphic>
-      </p:graphicFrame>
-      <p:graphicFrame>
-        <p:nvGraphicFramePr>
-          <p:cNvPr id="98" name="Objeto 97">
-            <a:extLst>
-              <a:ext uri="{FF2B5EF4-FFF2-40B4-BE49-F238E27FC236}">
-                <a16:creationId xmlns:a16="http://schemas.microsoft.com/office/drawing/2014/main" id="{3A3C11CC-2CDA-4D16-A256-C7FF898289EA}"/>
-              </a:ext>
-            </a:extLst>
-          </p:cNvPr>
-          <p:cNvGraphicFramePr>
-            <a:graphicFrameLocks noChangeAspect="1"/>
-          </p:cNvGraphicFramePr>
-          <p:nvPr>
-            <p:extLst>
-              <p:ext uri="{D42A27DB-BD31-4B8C-83A1-F6EECF244321}">
-                <p14:modId xmlns:p14="http://schemas.microsoft.com/office/powerpoint/2010/main" val="3281826840"/>
-              </p:ext>
-            </p:extLst>
-          </p:nvPr>
-        </p:nvGraphicFramePr>
-        <p:xfrm>
-          <a:off x="3853139" y="7769776"/>
-          <a:ext cx="4181475" cy="1446212"/>
-        </p:xfrm>
-        <a:graphic>
-          <a:graphicData uri="http://schemas.openxmlformats.org/presentationml/2006/ole">
-            <mc:AlternateContent xmlns:mc="http://schemas.openxmlformats.org/markup-compatibility/2006">
-              <mc:Choice xmlns:v="urn:schemas-microsoft-com:vml" Requires="v">
-                <p:oleObj name="CS ChemDraw Drawing" r:id="rId44" imgW="4181674" imgH="1446126" progId="ChemDraw.Document.6.0">
-                  <p:embed/>
-                </p:oleObj>
-              </mc:Choice>
-              <mc:Fallback>
-                <p:oleObj name="CS ChemDraw Drawing" r:id="rId44" imgW="4181674" imgH="1446126" progId="ChemDraw.Document.6.0">
-                  <p:embed/>
-                  <p:pic>
-                    <p:nvPicPr>
-                      <p:cNvPr id="0" name=""/>
-                      <p:cNvPicPr/>
-                      <p:nvPr/>
-                    </p:nvPicPr>
-                    <p:blipFill>
-                      <a:blip r:embed="rId45"/>
-                      <a:stretch>
-                        <a:fillRect/>
-                      </a:stretch>
-                    </p:blipFill>
-                    <p:spPr>
-                      <a:xfrm>
-                        <a:off x="3853139" y="7769776"/>
-                        <a:ext cx="4181475" cy="1446212"/>
-                      </a:xfrm>
-                      <a:prstGeom prst="rect">
-                        <a:avLst/>
-                      </a:prstGeom>
-                    </p:spPr>
-                  </p:pic>
-                </p:oleObj>
-              </mc:Fallback>
-            </mc:AlternateContent>
-          </a:graphicData>
-        </a:graphic>
-      </p:graphicFrame>
-      <p:sp>
-        <p:nvSpPr>
-          <p:cNvPr id="99" name="Google Shape;298;p9">
-            <a:extLst>
-              <a:ext uri="{FF2B5EF4-FFF2-40B4-BE49-F238E27FC236}">
-                <a16:creationId xmlns:a16="http://schemas.microsoft.com/office/drawing/2014/main" id="{80CA550C-D2C2-45DF-A59A-C8D3D709AA16}"/>
+                <a16:creationId xmlns:a16="http://schemas.microsoft.com/office/drawing/2014/main" id="{5F81F6D5-3B21-6B2A-4BD2-51EE5329A4D0}"/>
               </a:ext>
             </a:extLst>
           </p:cNvPr>
@@ -12876,8 +11493,8 @@
         </p:nvSpPr>
         <p:spPr>
           <a:xfrm>
-            <a:off x="5740942" y="9403248"/>
-            <a:ext cx="631426" cy="310717"/>
+            <a:off x="87031" y="2791336"/>
+            <a:ext cx="1091040" cy="369291"/>
           </a:xfrm>
           <a:prstGeom prst="rect">
             <a:avLst/>
@@ -12888,30 +11505,47 @@
           </a:ln>
         </p:spPr>
         <p:txBody>
-          <a:bodyPr spcFirstLastPara="1" wrap="square" lIns="94378" tIns="47176" rIns="94378" bIns="47176" anchor="t" anchorCtr="0">
+          <a:bodyPr spcFirstLastPara="1" wrap="square" lIns="91425" tIns="45700" rIns="91425" bIns="45700" anchor="t" anchorCtr="0">
             <a:spAutoFit/>
           </a:bodyPr>
           <a:lstStyle/>
           <a:p>
-            <a:pPr algn="ctr">
+            <a:pPr marL="0" marR="0" lvl="0" indent="0" algn="ctr" rtl="0">
+              <a:lnSpc>
+                <a:spcPct val="100000"/>
+              </a:lnSpc>
+              <a:spcBef>
+                <a:spcPts val="0"/>
+              </a:spcBef>
+              <a:spcAft>
+                <a:spcPts val="0"/>
+              </a:spcAft>
               <a:buClr>
                 <a:srgbClr val="000000"/>
               </a:buClr>
               <a:buSzPts val="1200"/>
+              <a:buFont typeface="Arial"/>
+              <a:buNone/>
             </a:pPr>
             <a:r>
-              <a:rPr lang="pt-BR" sz="1400" b="1" dirty="0">
-                <a:solidFill>
-                  <a:srgbClr val="00B050"/>
+              <a:rPr lang="pt-BR" b="1" dirty="0">
+                <a:solidFill>
+                  <a:schemeClr val="tx1">
+                    <a:lumMod val="85000"/>
+                    <a:lumOff val="15000"/>
+                  </a:schemeClr>
                 </a:solidFill>
                 <a:latin typeface="Avenir"/>
                 <a:sym typeface="Avenir"/>
               </a:rPr>
-              <a:t>TIDA</a:t>
-            </a:r>
-            <a:endParaRPr sz="1600" dirty="0">
+              <a:t>CHO</a:t>
+            </a:r>
+            <a:endParaRPr sz="2000" b="0" i="0" strike="noStrike" cap="none" baseline="-25000" dirty="0">
               <a:solidFill>
-                <a:srgbClr val="00B050"/>
+                <a:schemeClr val="tx1">
+                  <a:lumMod val="85000"/>
+                  <a:lumOff val="15000"/>
+                </a:schemeClr>
               </a:solidFill>
               <a:latin typeface="Arial"/>
               <a:ea typeface="Arial"/>
@@ -12921,201 +11555,12 @@
           </a:p>
         </p:txBody>
       </p:sp>
-      <p:graphicFrame>
-        <p:nvGraphicFramePr>
-          <p:cNvPr id="100" name="Objeto 99">
+      <p:sp>
+        <p:nvSpPr>
+          <p:cNvPr id="17" name="Google Shape;298;p9">
             <a:extLst>
               <a:ext uri="{FF2B5EF4-FFF2-40B4-BE49-F238E27FC236}">
-                <a16:creationId xmlns:a16="http://schemas.microsoft.com/office/drawing/2014/main" id="{30D32F94-5238-4C2E-9FE9-A3528C813897}"/>
-              </a:ext>
-            </a:extLst>
-          </p:cNvPr>
-          <p:cNvGraphicFramePr>
-            <a:graphicFrameLocks noChangeAspect="1"/>
-          </p:cNvGraphicFramePr>
-          <p:nvPr>
-            <p:extLst>
-              <p:ext uri="{D42A27DB-BD31-4B8C-83A1-F6EECF244321}">
-                <p14:modId xmlns:p14="http://schemas.microsoft.com/office/powerpoint/2010/main" val="2868843937"/>
-              </p:ext>
-            </p:extLst>
-          </p:nvPr>
-        </p:nvGraphicFramePr>
-        <p:xfrm>
-          <a:off x="7664687" y="7947576"/>
-          <a:ext cx="1965325" cy="1090612"/>
-        </p:xfrm>
-        <a:graphic>
-          <a:graphicData uri="http://schemas.openxmlformats.org/presentationml/2006/ole">
-            <mc:AlternateContent xmlns:mc="http://schemas.openxmlformats.org/markup-compatibility/2006">
-              <mc:Choice xmlns:v="urn:schemas-microsoft-com:vml" Requires="v">
-                <p:oleObj name="CS ChemDraw Drawing" r:id="rId46" imgW="1965568" imgH="1090937" progId="ChemDraw.Document.6.0">
-                  <p:embed/>
-                </p:oleObj>
-              </mc:Choice>
-              <mc:Fallback>
-                <p:oleObj name="CS ChemDraw Drawing" r:id="rId46" imgW="1965568" imgH="1090937" progId="ChemDraw.Document.6.0">
-                  <p:embed/>
-                  <p:pic>
-                    <p:nvPicPr>
-                      <p:cNvPr id="0" name=""/>
-                      <p:cNvPicPr/>
-                      <p:nvPr/>
-                    </p:nvPicPr>
-                    <p:blipFill>
-                      <a:blip r:embed="rId47"/>
-                      <a:stretch>
-                        <a:fillRect/>
-                      </a:stretch>
-                    </p:blipFill>
-                    <p:spPr>
-                      <a:xfrm>
-                        <a:off x="7664687" y="7947576"/>
-                        <a:ext cx="1965325" cy="1090612"/>
-                      </a:xfrm>
-                      <a:prstGeom prst="rect">
-                        <a:avLst/>
-                      </a:prstGeom>
-                    </p:spPr>
-                  </p:pic>
-                </p:oleObj>
-              </mc:Fallback>
-            </mc:AlternateContent>
-          </a:graphicData>
-        </a:graphic>
-      </p:graphicFrame>
-      <p:graphicFrame>
-        <p:nvGraphicFramePr>
-          <p:cNvPr id="102" name="Objeto 101">
-            <a:extLst>
-              <a:ext uri="{FF2B5EF4-FFF2-40B4-BE49-F238E27FC236}">
-                <a16:creationId xmlns:a16="http://schemas.microsoft.com/office/drawing/2014/main" id="{C32F81BA-DE75-457A-9421-A89738E38F0B}"/>
-              </a:ext>
-            </a:extLst>
-          </p:cNvPr>
-          <p:cNvGraphicFramePr>
-            <a:graphicFrameLocks noChangeAspect="1"/>
-          </p:cNvGraphicFramePr>
-          <p:nvPr>
-            <p:extLst>
-              <p:ext uri="{D42A27DB-BD31-4B8C-83A1-F6EECF244321}">
-                <p14:modId xmlns:p14="http://schemas.microsoft.com/office/powerpoint/2010/main" val="2062092324"/>
-              </p:ext>
-            </p:extLst>
-          </p:nvPr>
-        </p:nvGraphicFramePr>
-        <p:xfrm>
-          <a:off x="1598030" y="7766601"/>
-          <a:ext cx="2095500" cy="1452562"/>
-        </p:xfrm>
-        <a:graphic>
-          <a:graphicData uri="http://schemas.openxmlformats.org/presentationml/2006/ole">
-            <mc:AlternateContent xmlns:mc="http://schemas.openxmlformats.org/markup-compatibility/2006">
-              <mc:Choice xmlns:v="urn:schemas-microsoft-com:vml" Requires="v">
-                <p:oleObj name="CS ChemDraw Drawing" r:id="rId48" imgW="2095258" imgH="1453315" progId="ChemDraw.Document.6.0">
-                  <p:embed/>
-                </p:oleObj>
-              </mc:Choice>
-              <mc:Fallback>
-                <p:oleObj name="CS ChemDraw Drawing" r:id="rId48" imgW="2095258" imgH="1453315" progId="ChemDraw.Document.6.0">
-                  <p:embed/>
-                  <p:pic>
-                    <p:nvPicPr>
-                      <p:cNvPr id="0" name=""/>
-                      <p:cNvPicPr/>
-                      <p:nvPr/>
-                    </p:nvPicPr>
-                    <p:blipFill>
-                      <a:blip r:embed="rId49"/>
-                      <a:stretch>
-                        <a:fillRect/>
-                      </a:stretch>
-                    </p:blipFill>
-                    <p:spPr>
-                      <a:xfrm>
-                        <a:off x="1598030" y="7766601"/>
-                        <a:ext cx="2095500" cy="1452562"/>
-                      </a:xfrm>
-                      <a:prstGeom prst="rect">
-                        <a:avLst/>
-                      </a:prstGeom>
-                    </p:spPr>
-                  </p:pic>
-                </p:oleObj>
-              </mc:Fallback>
-            </mc:AlternateContent>
-          </a:graphicData>
-        </a:graphic>
-      </p:graphicFrame>
-      <p:graphicFrame>
-        <p:nvGraphicFramePr>
-          <p:cNvPr id="103" name="Objeto 102">
-            <a:extLst>
-              <a:ext uri="{FF2B5EF4-FFF2-40B4-BE49-F238E27FC236}">
-                <a16:creationId xmlns:a16="http://schemas.microsoft.com/office/drawing/2014/main" id="{C2952B3D-F680-48B7-AEFA-F116CDD57195}"/>
-              </a:ext>
-            </a:extLst>
-          </p:cNvPr>
-          <p:cNvGraphicFramePr>
-            <a:graphicFrameLocks noChangeAspect="1"/>
-          </p:cNvGraphicFramePr>
-          <p:nvPr>
-            <p:extLst>
-              <p:ext uri="{D42A27DB-BD31-4B8C-83A1-F6EECF244321}">
-                <p14:modId xmlns:p14="http://schemas.microsoft.com/office/powerpoint/2010/main" val="2822514375"/>
-              </p:ext>
-            </p:extLst>
-          </p:nvPr>
-        </p:nvGraphicFramePr>
-        <p:xfrm>
-          <a:off x="9939989" y="7936555"/>
-          <a:ext cx="1546225" cy="1214438"/>
-        </p:xfrm>
-        <a:graphic>
-          <a:graphicData uri="http://schemas.openxmlformats.org/presentationml/2006/ole">
-            <mc:AlternateContent xmlns:mc="http://schemas.openxmlformats.org/markup-compatibility/2006">
-              <mc:Choice xmlns:v="urn:schemas-microsoft-com:vml" Requires="v">
-                <p:oleObj name="CS ChemDraw Drawing" r:id="rId50" imgW="1546600" imgH="1214408" progId="ChemDraw.Document.6.0">
-                  <p:embed/>
-                </p:oleObj>
-              </mc:Choice>
-              <mc:Fallback>
-                <p:oleObj name="CS ChemDraw Drawing" r:id="rId50" imgW="1546600" imgH="1214408" progId="ChemDraw.Document.6.0">
-                  <p:embed/>
-                  <p:pic>
-                    <p:nvPicPr>
-                      <p:cNvPr id="0" name=""/>
-                      <p:cNvPicPr/>
-                      <p:nvPr/>
-                    </p:nvPicPr>
-                    <p:blipFill>
-                      <a:blip r:embed="rId51"/>
-                      <a:stretch>
-                        <a:fillRect/>
-                      </a:stretch>
-                    </p:blipFill>
-                    <p:spPr>
-                      <a:xfrm>
-                        <a:off x="9939989" y="7936555"/>
-                        <a:ext cx="1546225" cy="1214438"/>
-                      </a:xfrm>
-                      <a:prstGeom prst="rect">
-                        <a:avLst/>
-                      </a:prstGeom>
-                    </p:spPr>
-                  </p:pic>
-                </p:oleObj>
-              </mc:Fallback>
-            </mc:AlternateContent>
-          </a:graphicData>
-        </a:graphic>
-      </p:graphicFrame>
-      <p:sp>
-        <p:nvSpPr>
-          <p:cNvPr id="104" name="Google Shape;298;p9">
-            <a:extLst>
-              <a:ext uri="{FF2B5EF4-FFF2-40B4-BE49-F238E27FC236}">
-                <a16:creationId xmlns:a16="http://schemas.microsoft.com/office/drawing/2014/main" id="{3A682804-DE1B-4804-8727-42494348EA79}"/>
+                <a16:creationId xmlns:a16="http://schemas.microsoft.com/office/drawing/2014/main" id="{D406B342-8E8F-7E77-1D6C-A97717771D90}"/>
               </a:ext>
             </a:extLst>
           </p:cNvPr>
@@ -13124,8 +11569,8 @@
         </p:nvSpPr>
         <p:spPr>
           <a:xfrm>
-            <a:off x="5121152" y="7384960"/>
-            <a:ext cx="631426" cy="310717"/>
+            <a:off x="3605059" y="2869089"/>
+            <a:ext cx="1220583" cy="369291"/>
           </a:xfrm>
           <a:prstGeom prst="rect">
             <a:avLst/>
@@ -13136,30 +11581,64 @@
           </a:ln>
         </p:spPr>
         <p:txBody>
-          <a:bodyPr spcFirstLastPara="1" wrap="square" lIns="94378" tIns="47176" rIns="94378" bIns="47176" anchor="t" anchorCtr="0">
+          <a:bodyPr spcFirstLastPara="1" wrap="square" lIns="91425" tIns="45700" rIns="91425" bIns="45700" anchor="t" anchorCtr="0">
             <a:spAutoFit/>
           </a:bodyPr>
           <a:lstStyle/>
           <a:p>
-            <a:pPr algn="ctr">
+            <a:pPr marL="0" marR="0" lvl="0" indent="0" algn="ctr" rtl="0">
+              <a:lnSpc>
+                <a:spcPct val="100000"/>
+              </a:lnSpc>
+              <a:spcBef>
+                <a:spcPts val="0"/>
+              </a:spcBef>
+              <a:spcAft>
+                <a:spcPts val="0"/>
+              </a:spcAft>
               <a:buClr>
                 <a:srgbClr val="000000"/>
               </a:buClr>
               <a:buSzPts val="1200"/>
+              <a:buFont typeface="Arial"/>
+              <a:buNone/>
             </a:pPr>
             <a:r>
-              <a:rPr lang="pt-BR" sz="1400" b="1" dirty="0">
-                <a:solidFill>
-                  <a:srgbClr val="00B050"/>
+              <a:rPr lang="pt-BR" b="1" i="0" strike="noStrike" cap="none" dirty="0">
+                <a:solidFill>
+                  <a:schemeClr val="tx1">
+                    <a:lumMod val="85000"/>
+                    <a:lumOff val="15000"/>
+                  </a:schemeClr>
                 </a:solidFill>
                 <a:latin typeface="Avenir"/>
+                <a:ea typeface="Arial"/>
+                <a:cs typeface="Arial"/>
                 <a:sym typeface="Avenir"/>
               </a:rPr>
-              <a:t>NDTP</a:t>
-            </a:r>
-            <a:endParaRPr sz="1600" dirty="0">
+              <a:t>NHNH</a:t>
+            </a:r>
+            <a:r>
+              <a:rPr lang="pt-BR" b="1" i="0" strike="noStrike" cap="none" baseline="-25000" dirty="0">
+                <a:solidFill>
+                  <a:schemeClr val="tx1">
+                    <a:lumMod val="85000"/>
+                    <a:lumOff val="15000"/>
+                  </a:schemeClr>
+                </a:solidFill>
+                <a:latin typeface="Avenir"/>
+                <a:ea typeface="Arial"/>
+                <a:cs typeface="Arial"/>
+                <a:sym typeface="Avenir"/>
+              </a:rPr>
+              <a:t>2</a:t>
+            </a:r>
+            <a:endParaRPr sz="2000" b="0" i="0" strike="noStrike" cap="none" baseline="-25000" dirty="0">
               <a:solidFill>
-                <a:srgbClr val="00B050"/>
+                <a:schemeClr val="tx1">
+                  <a:lumMod val="85000"/>
+                  <a:lumOff val="15000"/>
+                </a:schemeClr>
               </a:solidFill>
               <a:latin typeface="Arial"/>
               <a:ea typeface="Arial"/>
@@ -13169,73 +11648,103 @@
           </a:p>
         </p:txBody>
       </p:sp>
-      <p:graphicFrame>
-        <p:nvGraphicFramePr>
-          <p:cNvPr id="105" name="Objeto 104">
+      <p:sp>
+        <p:nvSpPr>
+          <p:cNvPr id="18" name="Google Shape;298;p9">
             <a:extLst>
               <a:ext uri="{FF2B5EF4-FFF2-40B4-BE49-F238E27FC236}">
-                <a16:creationId xmlns:a16="http://schemas.microsoft.com/office/drawing/2014/main" id="{1CE0DC8F-4B5D-46A2-95DF-A8E8B43DCD14}"/>
+                <a16:creationId xmlns:a16="http://schemas.microsoft.com/office/drawing/2014/main" id="{969518B4-00E0-9FA6-18C8-9B4278999A6C}"/>
               </a:ext>
             </a:extLst>
           </p:cNvPr>
-          <p:cNvGraphicFramePr>
-            <a:graphicFrameLocks noChangeAspect="1"/>
-          </p:cNvGraphicFramePr>
-          <p:nvPr>
-            <p:extLst>
-              <p:ext uri="{D42A27DB-BD31-4B8C-83A1-F6EECF244321}">
-                <p14:modId xmlns:p14="http://schemas.microsoft.com/office/powerpoint/2010/main" val="3563423907"/>
-              </p:ext>
-            </p:extLst>
-          </p:nvPr>
-        </p:nvGraphicFramePr>
-        <p:xfrm>
-          <a:off x="4524651" y="6161413"/>
-          <a:ext cx="1997075" cy="1192212"/>
-        </p:xfrm>
-        <a:graphic>
-          <a:graphicData uri="http://schemas.openxmlformats.org/presentationml/2006/ole">
-            <mc:AlternateContent xmlns:mc="http://schemas.openxmlformats.org/markup-compatibility/2006">
-              <mc:Choice xmlns:v="urn:schemas-microsoft-com:vml" Requires="v">
-                <p:oleObj name="CS ChemDraw Drawing" r:id="rId52" imgW="1996306" imgH="1191574" progId="ChemDraw.Document.6.0">
-                  <p:embed/>
-                </p:oleObj>
-              </mc:Choice>
-              <mc:Fallback>
-                <p:oleObj name="CS ChemDraw Drawing" r:id="rId52" imgW="1996306" imgH="1191574" progId="ChemDraw.Document.6.0">
-                  <p:embed/>
-                  <p:pic>
-                    <p:nvPicPr>
-                      <p:cNvPr id="0" name=""/>
-                      <p:cNvPicPr/>
-                      <p:nvPr/>
-                    </p:nvPicPr>
-                    <p:blipFill>
-                      <a:blip r:embed="rId53"/>
-                      <a:stretch>
-                        <a:fillRect/>
-                      </a:stretch>
-                    </p:blipFill>
-                    <p:spPr>
-                      <a:xfrm>
-                        <a:off x="4524651" y="6161413"/>
-                        <a:ext cx="1997075" cy="1192212"/>
-                      </a:xfrm>
-                      <a:prstGeom prst="rect">
-                        <a:avLst/>
-                      </a:prstGeom>
-                    </p:spPr>
-                  </p:pic>
-                </p:oleObj>
-              </mc:Fallback>
-            </mc:AlternateContent>
-          </a:graphicData>
-        </a:graphic>
-      </p:graphicFrame>
+          <p:cNvSpPr txBox="1"/>
+          <p:nvPr/>
+        </p:nvSpPr>
+        <p:spPr>
+          <a:xfrm>
+            <a:off x="3422026" y="1666168"/>
+            <a:ext cx="1586651" cy="369291"/>
+          </a:xfrm>
+          <a:prstGeom prst="rect">
+            <a:avLst/>
+          </a:prstGeom>
+          <a:noFill/>
+          <a:ln>
+            <a:noFill/>
+          </a:ln>
+        </p:spPr>
+        <p:txBody>
+          <a:bodyPr spcFirstLastPara="1" wrap="square" lIns="91425" tIns="45700" rIns="91425" bIns="45700" anchor="t" anchorCtr="0">
+            <a:spAutoFit/>
+          </a:bodyPr>
+          <a:lstStyle/>
+          <a:p>
+            <a:pPr marL="0" marR="0" lvl="0" indent="0" algn="ctr" rtl="0">
+              <a:lnSpc>
+                <a:spcPct val="100000"/>
+              </a:lnSpc>
+              <a:spcBef>
+                <a:spcPts val="0"/>
+              </a:spcBef>
+              <a:spcAft>
+                <a:spcPts val="0"/>
+              </a:spcAft>
+              <a:buClr>
+                <a:srgbClr val="000000"/>
+              </a:buClr>
+              <a:buSzPts val="1200"/>
+              <a:buFont typeface="Arial"/>
+              <a:buNone/>
+            </a:pPr>
+            <a:r>
+              <a:rPr lang="pt-BR" b="1" i="0" strike="noStrike" cap="none" dirty="0">
+                <a:solidFill>
+                  <a:schemeClr val="tx1">
+                    <a:lumMod val="85000"/>
+                    <a:lumOff val="15000"/>
+                  </a:schemeClr>
+                </a:solidFill>
+                <a:latin typeface="Avenir"/>
+                <a:ea typeface="Arial"/>
+                <a:cs typeface="Arial"/>
+                <a:sym typeface="Avenir"/>
+              </a:rPr>
+              <a:t>CONHNH</a:t>
+            </a:r>
+            <a:r>
+              <a:rPr lang="pt-BR" b="1" i="0" strike="noStrike" cap="none" baseline="-25000" dirty="0">
+                <a:solidFill>
+                  <a:schemeClr val="tx1">
+                    <a:lumMod val="85000"/>
+                    <a:lumOff val="15000"/>
+                  </a:schemeClr>
+                </a:solidFill>
+                <a:latin typeface="Avenir"/>
+                <a:ea typeface="Arial"/>
+                <a:cs typeface="Arial"/>
+                <a:sym typeface="Avenir"/>
+              </a:rPr>
+              <a:t>2</a:t>
+            </a:r>
+            <a:endParaRPr sz="2000" b="0" i="0" strike="noStrike" cap="none" baseline="-25000" dirty="0">
+              <a:solidFill>
+                <a:schemeClr val="tx1">
+                  <a:lumMod val="85000"/>
+                  <a:lumOff val="15000"/>
+                </a:schemeClr>
+              </a:solidFill>
+              <a:latin typeface="Arial"/>
+              <a:ea typeface="Arial"/>
+              <a:cs typeface="Arial"/>
+              <a:sym typeface="Arial"/>
+            </a:endParaRPr>
+          </a:p>
+        </p:txBody>
+      </p:sp>
     </p:spTree>
     <p:extLst>
       <p:ext uri="{BB962C8B-B14F-4D97-AF65-F5344CB8AC3E}">
-        <p14:creationId xmlns:p14="http://schemas.microsoft.com/office/powerpoint/2010/main" val="1480784656"/>
+        <p14:creationId xmlns:p14="http://schemas.microsoft.com/office/powerpoint/2010/main" val="4037734867"/>
       </p:ext>
     </p:extLst>
   </p:cSld>
@@ -13338,6 +11847,3530 @@
         <p:spPr>
           <a:xfrm>
             <a:off x="199856" y="126399"/>
+            <a:ext cx="3386120" cy="383631"/>
+          </a:xfrm>
+          <a:prstGeom prst="rect">
+            <a:avLst/>
+          </a:prstGeom>
+          <a:noFill/>
+        </p:spPr>
+        <p:txBody>
+          <a:bodyPr wrap="none" rtlCol="0">
+            <a:spAutoFit/>
+          </a:bodyPr>
+          <a:lstStyle/>
+          <a:p>
+            <a:r>
+              <a:rPr lang="pt-BR" sz="1893" dirty="0" err="1">
+                <a:solidFill>
+                  <a:schemeClr val="tx1">
+                    <a:lumMod val="85000"/>
+                    <a:lumOff val="15000"/>
+                  </a:schemeClr>
+                </a:solidFill>
+                <a:latin typeface="Avenir Next LT Pro Demi" panose="020B0704020202020204" pitchFamily="34" charset="0"/>
+                <a:cs typeface="Aharoni" panose="02010803020104030203" pitchFamily="2" charset="-79"/>
+              </a:rPr>
+              <a:t>Bipodal</a:t>
+            </a:r>
+            <a:r>
+              <a:rPr lang="pt-BR" sz="1893" dirty="0">
+                <a:solidFill>
+                  <a:schemeClr val="tx1">
+                    <a:lumMod val="85000"/>
+                    <a:lumOff val="15000"/>
+                  </a:schemeClr>
+                </a:solidFill>
+                <a:latin typeface="Avenir Next LT Pro Demi" panose="020B0704020202020204" pitchFamily="34" charset="0"/>
+                <a:cs typeface="Aharoni" panose="02010803020104030203" pitchFamily="2" charset="-79"/>
+              </a:rPr>
+              <a:t> Building </a:t>
+            </a:r>
+            <a:r>
+              <a:rPr lang="pt-BR" sz="1893" dirty="0" err="1">
+                <a:solidFill>
+                  <a:schemeClr val="tx1">
+                    <a:lumMod val="85000"/>
+                    <a:lumOff val="15000"/>
+                  </a:schemeClr>
+                </a:solidFill>
+                <a:latin typeface="Avenir Next LT Pro Demi" panose="020B0704020202020204" pitchFamily="34" charset="0"/>
+                <a:cs typeface="Aharoni" panose="02010803020104030203" pitchFamily="2" charset="-79"/>
+              </a:rPr>
+              <a:t>blocks</a:t>
+            </a:r>
+            <a:r>
+              <a:rPr lang="pt-BR" sz="1893" dirty="0">
+                <a:solidFill>
+                  <a:schemeClr val="tx1">
+                    <a:lumMod val="85000"/>
+                    <a:lumOff val="15000"/>
+                  </a:schemeClr>
+                </a:solidFill>
+                <a:latin typeface="Avenir Next LT Pro Demi" panose="020B0704020202020204" pitchFamily="34" charset="0"/>
+                <a:cs typeface="Aharoni" panose="02010803020104030203" pitchFamily="2" charset="-79"/>
+              </a:rPr>
+              <a:t> (C2)</a:t>
+            </a:r>
+          </a:p>
+        </p:txBody>
+      </p:sp>
+      <p:sp>
+        <p:nvSpPr>
+          <p:cNvPr id="8" name="Google Shape;298;p9">
+            <a:extLst>
+              <a:ext uri="{FF2B5EF4-FFF2-40B4-BE49-F238E27FC236}">
+                <a16:creationId xmlns:a16="http://schemas.microsoft.com/office/drawing/2014/main" id="{CA57D8A2-018A-4948-BDD8-6A5FC01FBA1C}"/>
+              </a:ext>
+            </a:extLst>
+          </p:cNvPr>
+          <p:cNvSpPr txBox="1"/>
+          <p:nvPr/>
+        </p:nvSpPr>
+        <p:spPr>
+          <a:xfrm>
+            <a:off x="397971" y="3753569"/>
+            <a:ext cx="631426" cy="310717"/>
+          </a:xfrm>
+          <a:prstGeom prst="rect">
+            <a:avLst/>
+          </a:prstGeom>
+          <a:noFill/>
+          <a:ln>
+            <a:noFill/>
+          </a:ln>
+        </p:spPr>
+        <p:txBody>
+          <a:bodyPr spcFirstLastPara="1" wrap="square" lIns="94378" tIns="47176" rIns="94378" bIns="47176" anchor="t" anchorCtr="0">
+            <a:spAutoFit/>
+          </a:bodyPr>
+          <a:lstStyle/>
+          <a:p>
+            <a:pPr algn="ctr">
+              <a:buClr>
+                <a:srgbClr val="000000"/>
+              </a:buClr>
+              <a:buSzPts val="1200"/>
+            </a:pPr>
+            <a:r>
+              <a:rPr lang="pt-BR" sz="1400" b="1" dirty="0">
+                <a:solidFill>
+                  <a:srgbClr val="00B050"/>
+                </a:solidFill>
+                <a:latin typeface="Avenir"/>
+                <a:sym typeface="Avenir"/>
+              </a:rPr>
+              <a:t>BENZ</a:t>
+            </a:r>
+            <a:endParaRPr sz="1600" dirty="0">
+              <a:solidFill>
+                <a:srgbClr val="00B050"/>
+              </a:solidFill>
+              <a:latin typeface="Arial"/>
+              <a:ea typeface="Arial"/>
+              <a:cs typeface="Arial"/>
+              <a:sym typeface="Arial"/>
+            </a:endParaRPr>
+          </a:p>
+        </p:txBody>
+      </p:sp>
+      <p:sp>
+        <p:nvSpPr>
+          <p:cNvPr id="9" name="Google Shape;298;p9">
+            <a:extLst>
+              <a:ext uri="{FF2B5EF4-FFF2-40B4-BE49-F238E27FC236}">
+                <a16:creationId xmlns:a16="http://schemas.microsoft.com/office/drawing/2014/main" id="{187A3F4A-6AD7-4707-B221-7A0786DE9EAF}"/>
+              </a:ext>
+            </a:extLst>
+          </p:cNvPr>
+          <p:cNvSpPr txBox="1"/>
+          <p:nvPr/>
+        </p:nvSpPr>
+        <p:spPr>
+          <a:xfrm>
+            <a:off x="3222749" y="7355912"/>
+            <a:ext cx="631426" cy="310717"/>
+          </a:xfrm>
+          <a:prstGeom prst="rect">
+            <a:avLst/>
+          </a:prstGeom>
+          <a:noFill/>
+          <a:ln>
+            <a:noFill/>
+          </a:ln>
+        </p:spPr>
+        <p:txBody>
+          <a:bodyPr spcFirstLastPara="1" wrap="square" lIns="94378" tIns="47176" rIns="94378" bIns="47176" anchor="t" anchorCtr="0">
+            <a:spAutoFit/>
+          </a:bodyPr>
+          <a:lstStyle/>
+          <a:p>
+            <a:pPr algn="ctr">
+              <a:buClr>
+                <a:srgbClr val="000000"/>
+              </a:buClr>
+              <a:buSzPts val="1200"/>
+            </a:pPr>
+            <a:r>
+              <a:rPr lang="pt-BR" sz="1400" b="1" dirty="0">
+                <a:solidFill>
+                  <a:srgbClr val="00B050"/>
+                </a:solidFill>
+                <a:latin typeface="Avenir"/>
+                <a:ea typeface="Arial"/>
+                <a:cs typeface="Arial"/>
+                <a:sym typeface="Avenir"/>
+              </a:rPr>
+              <a:t>NAPT</a:t>
+            </a:r>
+            <a:endParaRPr sz="1600" dirty="0">
+              <a:solidFill>
+                <a:srgbClr val="00B050"/>
+              </a:solidFill>
+              <a:latin typeface="Arial"/>
+              <a:ea typeface="Arial"/>
+              <a:cs typeface="Arial"/>
+              <a:sym typeface="Arial"/>
+            </a:endParaRPr>
+          </a:p>
+        </p:txBody>
+      </p:sp>
+      <p:sp>
+        <p:nvSpPr>
+          <p:cNvPr id="10" name="Google Shape;298;p9">
+            <a:extLst>
+              <a:ext uri="{FF2B5EF4-FFF2-40B4-BE49-F238E27FC236}">
+                <a16:creationId xmlns:a16="http://schemas.microsoft.com/office/drawing/2014/main" id="{285D3D9F-6A14-4DF3-A659-671954073697}"/>
+              </a:ext>
+            </a:extLst>
+          </p:cNvPr>
+          <p:cNvSpPr txBox="1"/>
+          <p:nvPr/>
+        </p:nvSpPr>
+        <p:spPr>
+          <a:xfrm>
+            <a:off x="1741508" y="3760076"/>
+            <a:ext cx="675506" cy="310717"/>
+          </a:xfrm>
+          <a:prstGeom prst="rect">
+            <a:avLst/>
+          </a:prstGeom>
+          <a:noFill/>
+          <a:ln>
+            <a:noFill/>
+          </a:ln>
+        </p:spPr>
+        <p:txBody>
+          <a:bodyPr spcFirstLastPara="1" wrap="square" lIns="94378" tIns="47176" rIns="94378" bIns="47176" anchor="t" anchorCtr="0">
+            <a:spAutoFit/>
+          </a:bodyPr>
+          <a:lstStyle/>
+          <a:p>
+            <a:pPr algn="ctr">
+              <a:buClr>
+                <a:srgbClr val="000000"/>
+              </a:buClr>
+              <a:buSzPts val="1200"/>
+            </a:pPr>
+            <a:r>
+              <a:rPr lang="pt-BR" sz="1400" b="1" dirty="0">
+                <a:solidFill>
+                  <a:srgbClr val="00B050"/>
+                </a:solidFill>
+                <a:latin typeface="Avenir"/>
+                <a:ea typeface="Arial"/>
+                <a:cs typeface="Arial"/>
+                <a:sym typeface="Avenir"/>
+              </a:rPr>
+              <a:t>BPNY</a:t>
+            </a:r>
+            <a:endParaRPr sz="1600" dirty="0">
+              <a:solidFill>
+                <a:srgbClr val="00B050"/>
+              </a:solidFill>
+              <a:latin typeface="Arial"/>
+              <a:ea typeface="Arial"/>
+              <a:cs typeface="Arial"/>
+              <a:sym typeface="Arial"/>
+            </a:endParaRPr>
+          </a:p>
+        </p:txBody>
+      </p:sp>
+      <p:sp>
+        <p:nvSpPr>
+          <p:cNvPr id="11" name="Google Shape;298;p9">
+            <a:extLst>
+              <a:ext uri="{FF2B5EF4-FFF2-40B4-BE49-F238E27FC236}">
+                <a16:creationId xmlns:a16="http://schemas.microsoft.com/office/drawing/2014/main" id="{942F872D-FCA4-4F84-B865-EE62D395005B}"/>
+              </a:ext>
+            </a:extLst>
+          </p:cNvPr>
+          <p:cNvSpPr txBox="1"/>
+          <p:nvPr/>
+        </p:nvSpPr>
+        <p:spPr>
+          <a:xfrm>
+            <a:off x="4155913" y="1910854"/>
+            <a:ext cx="631426" cy="310717"/>
+          </a:xfrm>
+          <a:prstGeom prst="rect">
+            <a:avLst/>
+          </a:prstGeom>
+          <a:noFill/>
+          <a:ln>
+            <a:noFill/>
+          </a:ln>
+        </p:spPr>
+        <p:txBody>
+          <a:bodyPr spcFirstLastPara="1" wrap="square" lIns="94378" tIns="47176" rIns="94378" bIns="47176" anchor="t" anchorCtr="0">
+            <a:spAutoFit/>
+          </a:bodyPr>
+          <a:lstStyle/>
+          <a:p>
+            <a:pPr algn="ctr">
+              <a:buClr>
+                <a:srgbClr val="000000"/>
+              </a:buClr>
+              <a:buSzPts val="1200"/>
+            </a:pPr>
+            <a:r>
+              <a:rPr lang="pt-BR" sz="1400" b="1" dirty="0">
+                <a:solidFill>
+                  <a:srgbClr val="00B050"/>
+                </a:solidFill>
+                <a:latin typeface="Avenir"/>
+                <a:sym typeface="Avenir"/>
+              </a:rPr>
+              <a:t>ANTR</a:t>
+            </a:r>
+            <a:endParaRPr sz="1600" dirty="0">
+              <a:solidFill>
+                <a:srgbClr val="00B050"/>
+              </a:solidFill>
+              <a:latin typeface="Arial"/>
+              <a:ea typeface="Arial"/>
+              <a:cs typeface="Arial"/>
+              <a:sym typeface="Arial"/>
+            </a:endParaRPr>
+          </a:p>
+        </p:txBody>
+      </p:sp>
+      <p:sp>
+        <p:nvSpPr>
+          <p:cNvPr id="12" name="Google Shape;298;p9">
+            <a:extLst>
+              <a:ext uri="{FF2B5EF4-FFF2-40B4-BE49-F238E27FC236}">
+                <a16:creationId xmlns:a16="http://schemas.microsoft.com/office/drawing/2014/main" id="{28B98CE9-EB53-4887-8C75-F61CBB82E76F}"/>
+              </a:ext>
+            </a:extLst>
+          </p:cNvPr>
+          <p:cNvSpPr txBox="1"/>
+          <p:nvPr/>
+        </p:nvSpPr>
+        <p:spPr>
+          <a:xfrm>
+            <a:off x="10028910" y="3781976"/>
+            <a:ext cx="631426" cy="310717"/>
+          </a:xfrm>
+          <a:prstGeom prst="rect">
+            <a:avLst/>
+          </a:prstGeom>
+          <a:noFill/>
+          <a:ln>
+            <a:noFill/>
+          </a:ln>
+        </p:spPr>
+        <p:txBody>
+          <a:bodyPr spcFirstLastPara="1" wrap="square" lIns="94378" tIns="47176" rIns="94378" bIns="47176" anchor="t" anchorCtr="0">
+            <a:spAutoFit/>
+          </a:bodyPr>
+          <a:lstStyle/>
+          <a:p>
+            <a:pPr algn="ctr">
+              <a:buClr>
+                <a:srgbClr val="000000"/>
+              </a:buClr>
+              <a:buSzPts val="1200"/>
+            </a:pPr>
+            <a:r>
+              <a:rPr lang="pt-BR" sz="1400" b="1" dirty="0">
+                <a:solidFill>
+                  <a:srgbClr val="00B050"/>
+                </a:solidFill>
+                <a:latin typeface="Avenir"/>
+                <a:ea typeface="Arial"/>
+                <a:cs typeface="Arial"/>
+                <a:sym typeface="Avenir"/>
+              </a:rPr>
+              <a:t>DHSI</a:t>
+            </a:r>
+            <a:endParaRPr sz="1600" dirty="0">
+              <a:solidFill>
+                <a:srgbClr val="00B050"/>
+              </a:solidFill>
+              <a:latin typeface="Arial"/>
+              <a:ea typeface="Arial"/>
+              <a:cs typeface="Arial"/>
+              <a:sym typeface="Arial"/>
+            </a:endParaRPr>
+          </a:p>
+        </p:txBody>
+      </p:sp>
+      <p:sp>
+        <p:nvSpPr>
+          <p:cNvPr id="13" name="Google Shape;298;p9">
+            <a:extLst>
+              <a:ext uri="{FF2B5EF4-FFF2-40B4-BE49-F238E27FC236}">
+                <a16:creationId xmlns:a16="http://schemas.microsoft.com/office/drawing/2014/main" id="{10A2F330-14EB-4117-829D-10CDC52059AE}"/>
+              </a:ext>
+            </a:extLst>
+          </p:cNvPr>
+          <p:cNvSpPr txBox="1"/>
+          <p:nvPr/>
+        </p:nvSpPr>
+        <p:spPr>
+          <a:xfrm>
+            <a:off x="10218021" y="9403248"/>
+            <a:ext cx="631426" cy="310717"/>
+          </a:xfrm>
+          <a:prstGeom prst="rect">
+            <a:avLst/>
+          </a:prstGeom>
+          <a:noFill/>
+          <a:ln>
+            <a:noFill/>
+          </a:ln>
+        </p:spPr>
+        <p:txBody>
+          <a:bodyPr spcFirstLastPara="1" wrap="square" lIns="94378" tIns="47176" rIns="94378" bIns="47176" anchor="t" anchorCtr="0">
+            <a:spAutoFit/>
+          </a:bodyPr>
+          <a:lstStyle/>
+          <a:p>
+            <a:pPr algn="ctr">
+              <a:buClr>
+                <a:srgbClr val="000000"/>
+              </a:buClr>
+              <a:buSzPts val="1200"/>
+            </a:pPr>
+            <a:r>
+              <a:rPr lang="pt-BR" sz="1400" b="1" dirty="0">
+                <a:solidFill>
+                  <a:srgbClr val="00B050"/>
+                </a:solidFill>
+                <a:latin typeface="Avenir"/>
+                <a:sym typeface="Avenir"/>
+              </a:rPr>
+              <a:t>TTPH</a:t>
+            </a:r>
+            <a:endParaRPr sz="1600" dirty="0">
+              <a:solidFill>
+                <a:srgbClr val="00B050"/>
+              </a:solidFill>
+              <a:latin typeface="Arial"/>
+              <a:ea typeface="Arial"/>
+              <a:cs typeface="Arial"/>
+              <a:sym typeface="Arial"/>
+            </a:endParaRPr>
+          </a:p>
+        </p:txBody>
+      </p:sp>
+      <p:sp>
+        <p:nvSpPr>
+          <p:cNvPr id="14" name="Google Shape;298;p9">
+            <a:extLst>
+              <a:ext uri="{FF2B5EF4-FFF2-40B4-BE49-F238E27FC236}">
+                <a16:creationId xmlns:a16="http://schemas.microsoft.com/office/drawing/2014/main" id="{CB6FBE38-B1CF-4BAD-8C98-622B11F45CCF}"/>
+              </a:ext>
+            </a:extLst>
+          </p:cNvPr>
+          <p:cNvSpPr txBox="1"/>
+          <p:nvPr/>
+        </p:nvSpPr>
+        <p:spPr>
+          <a:xfrm>
+            <a:off x="7207654" y="5622525"/>
+            <a:ext cx="631426" cy="310717"/>
+          </a:xfrm>
+          <a:prstGeom prst="rect">
+            <a:avLst/>
+          </a:prstGeom>
+          <a:noFill/>
+          <a:ln>
+            <a:noFill/>
+          </a:ln>
+        </p:spPr>
+        <p:txBody>
+          <a:bodyPr spcFirstLastPara="1" wrap="square" lIns="94378" tIns="47176" rIns="94378" bIns="47176" anchor="t" anchorCtr="0">
+            <a:spAutoFit/>
+          </a:bodyPr>
+          <a:lstStyle/>
+          <a:p>
+            <a:pPr algn="ctr">
+              <a:buClr>
+                <a:srgbClr val="000000"/>
+              </a:buClr>
+              <a:buSzPts val="1200"/>
+            </a:pPr>
+            <a:r>
+              <a:rPr lang="pt-BR" sz="1400" b="1" dirty="0">
+                <a:solidFill>
+                  <a:srgbClr val="00B050"/>
+                </a:solidFill>
+                <a:latin typeface="Avenir"/>
+                <a:sym typeface="Avenir"/>
+              </a:rPr>
+              <a:t>DPEY</a:t>
+            </a:r>
+            <a:endParaRPr sz="1600" dirty="0">
+              <a:solidFill>
+                <a:srgbClr val="00B050"/>
+              </a:solidFill>
+              <a:latin typeface="Arial"/>
+              <a:ea typeface="Arial"/>
+              <a:cs typeface="Arial"/>
+              <a:sym typeface="Arial"/>
+            </a:endParaRPr>
+          </a:p>
+        </p:txBody>
+      </p:sp>
+      <p:sp>
+        <p:nvSpPr>
+          <p:cNvPr id="15" name="Google Shape;298;p9">
+            <a:extLst>
+              <a:ext uri="{FF2B5EF4-FFF2-40B4-BE49-F238E27FC236}">
+                <a16:creationId xmlns:a16="http://schemas.microsoft.com/office/drawing/2014/main" id="{B5A6F5BE-4CAE-4775-8790-AB062E065FB1}"/>
+              </a:ext>
+            </a:extLst>
+          </p:cNvPr>
+          <p:cNvSpPr txBox="1"/>
+          <p:nvPr/>
+        </p:nvSpPr>
+        <p:spPr>
+          <a:xfrm>
+            <a:off x="8575143" y="9403248"/>
+            <a:ext cx="631426" cy="310717"/>
+          </a:xfrm>
+          <a:prstGeom prst="rect">
+            <a:avLst/>
+          </a:prstGeom>
+          <a:noFill/>
+          <a:ln>
+            <a:noFill/>
+          </a:ln>
+        </p:spPr>
+        <p:txBody>
+          <a:bodyPr spcFirstLastPara="1" wrap="square" lIns="94378" tIns="47176" rIns="94378" bIns="47176" anchor="t" anchorCtr="0">
+            <a:spAutoFit/>
+          </a:bodyPr>
+          <a:lstStyle/>
+          <a:p>
+            <a:pPr algn="ctr">
+              <a:buClr>
+                <a:srgbClr val="000000"/>
+              </a:buClr>
+              <a:buSzPts val="1200"/>
+            </a:pPr>
+            <a:r>
+              <a:rPr lang="pt-BR" sz="1400" b="1" dirty="0">
+                <a:solidFill>
+                  <a:srgbClr val="00B050"/>
+                </a:solidFill>
+                <a:latin typeface="Avenir"/>
+                <a:ea typeface="Arial"/>
+                <a:cs typeface="Arial"/>
+                <a:sym typeface="Avenir"/>
+              </a:rPr>
+              <a:t>TPNY</a:t>
+            </a:r>
+            <a:endParaRPr sz="1600" dirty="0">
+              <a:solidFill>
+                <a:srgbClr val="00B050"/>
+              </a:solidFill>
+              <a:latin typeface="Arial"/>
+              <a:ea typeface="Arial"/>
+              <a:cs typeface="Arial"/>
+              <a:sym typeface="Arial"/>
+            </a:endParaRPr>
+          </a:p>
+        </p:txBody>
+      </p:sp>
+      <p:sp>
+        <p:nvSpPr>
+          <p:cNvPr id="16" name="Google Shape;298;p9">
+            <a:extLst>
+              <a:ext uri="{FF2B5EF4-FFF2-40B4-BE49-F238E27FC236}">
+                <a16:creationId xmlns:a16="http://schemas.microsoft.com/office/drawing/2014/main" id="{46B35DF9-6009-4C9C-9C48-74E0D1E38309}"/>
+              </a:ext>
+            </a:extLst>
+          </p:cNvPr>
+          <p:cNvSpPr txBox="1"/>
+          <p:nvPr/>
+        </p:nvSpPr>
+        <p:spPr>
+          <a:xfrm>
+            <a:off x="2392667" y="1926032"/>
+            <a:ext cx="631426" cy="310717"/>
+          </a:xfrm>
+          <a:prstGeom prst="rect">
+            <a:avLst/>
+          </a:prstGeom>
+          <a:noFill/>
+          <a:ln>
+            <a:noFill/>
+          </a:ln>
+        </p:spPr>
+        <p:txBody>
+          <a:bodyPr spcFirstLastPara="1" wrap="square" lIns="94378" tIns="47176" rIns="94378" bIns="47176" anchor="t" anchorCtr="0">
+            <a:spAutoFit/>
+          </a:bodyPr>
+          <a:lstStyle/>
+          <a:p>
+            <a:pPr algn="ctr">
+              <a:buClr>
+                <a:srgbClr val="000000"/>
+              </a:buClr>
+              <a:buSzPts val="1200"/>
+            </a:pPr>
+            <a:r>
+              <a:rPr lang="pt-BR" sz="1400" b="1" dirty="0">
+                <a:solidFill>
+                  <a:srgbClr val="00B050"/>
+                </a:solidFill>
+                <a:latin typeface="Avenir"/>
+                <a:sym typeface="Avenir"/>
+              </a:rPr>
+              <a:t>3BPD</a:t>
+            </a:r>
+            <a:endParaRPr sz="1600" dirty="0">
+              <a:solidFill>
+                <a:srgbClr val="00B050"/>
+              </a:solidFill>
+              <a:latin typeface="Arial"/>
+              <a:ea typeface="Arial"/>
+              <a:cs typeface="Arial"/>
+              <a:sym typeface="Arial"/>
+            </a:endParaRPr>
+          </a:p>
+        </p:txBody>
+      </p:sp>
+      <p:sp>
+        <p:nvSpPr>
+          <p:cNvPr id="17" name="Google Shape;298;p9">
+            <a:extLst>
+              <a:ext uri="{FF2B5EF4-FFF2-40B4-BE49-F238E27FC236}">
+                <a16:creationId xmlns:a16="http://schemas.microsoft.com/office/drawing/2014/main" id="{8F3D2256-742C-446C-BEFC-9C03B7D88B1C}"/>
+              </a:ext>
+            </a:extLst>
+          </p:cNvPr>
+          <p:cNvSpPr txBox="1"/>
+          <p:nvPr/>
+        </p:nvSpPr>
+        <p:spPr>
+          <a:xfrm>
+            <a:off x="620297" y="9350896"/>
+            <a:ext cx="631426" cy="310717"/>
+          </a:xfrm>
+          <a:prstGeom prst="rect">
+            <a:avLst/>
+          </a:prstGeom>
+          <a:noFill/>
+          <a:ln>
+            <a:noFill/>
+          </a:ln>
+        </p:spPr>
+        <p:txBody>
+          <a:bodyPr spcFirstLastPara="1" wrap="square" lIns="94378" tIns="47176" rIns="94378" bIns="47176" anchor="t" anchorCtr="0">
+            <a:spAutoFit/>
+          </a:bodyPr>
+          <a:lstStyle/>
+          <a:p>
+            <a:pPr algn="ctr">
+              <a:buClr>
+                <a:srgbClr val="000000"/>
+              </a:buClr>
+              <a:buSzPts val="1200"/>
+            </a:pPr>
+            <a:r>
+              <a:rPr lang="pt-BR" sz="1400" b="1" dirty="0">
+                <a:solidFill>
+                  <a:srgbClr val="00B050"/>
+                </a:solidFill>
+                <a:latin typeface="Avenir"/>
+                <a:sym typeface="Avenir"/>
+              </a:rPr>
+              <a:t>PYRN</a:t>
+            </a:r>
+            <a:endParaRPr sz="1600" dirty="0">
+              <a:solidFill>
+                <a:srgbClr val="00B050"/>
+              </a:solidFill>
+              <a:latin typeface="Arial"/>
+              <a:ea typeface="Arial"/>
+              <a:cs typeface="Arial"/>
+              <a:sym typeface="Arial"/>
+            </a:endParaRPr>
+          </a:p>
+        </p:txBody>
+      </p:sp>
+      <p:sp>
+        <p:nvSpPr>
+          <p:cNvPr id="18" name="Google Shape;298;p9">
+            <a:extLst>
+              <a:ext uri="{FF2B5EF4-FFF2-40B4-BE49-F238E27FC236}">
+                <a16:creationId xmlns:a16="http://schemas.microsoft.com/office/drawing/2014/main" id="{37D0A67E-D248-41D6-B211-C679A3B658E1}"/>
+              </a:ext>
+            </a:extLst>
+          </p:cNvPr>
+          <p:cNvSpPr txBox="1"/>
+          <p:nvPr/>
+        </p:nvSpPr>
+        <p:spPr>
+          <a:xfrm>
+            <a:off x="734976" y="1910854"/>
+            <a:ext cx="631426" cy="310717"/>
+          </a:xfrm>
+          <a:prstGeom prst="rect">
+            <a:avLst/>
+          </a:prstGeom>
+          <a:noFill/>
+          <a:ln>
+            <a:noFill/>
+          </a:ln>
+        </p:spPr>
+        <p:txBody>
+          <a:bodyPr spcFirstLastPara="1" wrap="square" lIns="94378" tIns="47176" rIns="94378" bIns="47176" anchor="t" anchorCtr="0">
+            <a:spAutoFit/>
+          </a:bodyPr>
+          <a:lstStyle/>
+          <a:p>
+            <a:pPr algn="ctr">
+              <a:buClr>
+                <a:srgbClr val="000000"/>
+              </a:buClr>
+              <a:buSzPts val="1200"/>
+            </a:pPr>
+            <a:r>
+              <a:rPr lang="pt-BR" sz="1400" b="1" dirty="0">
+                <a:solidFill>
+                  <a:srgbClr val="00B050"/>
+                </a:solidFill>
+                <a:latin typeface="Avenir"/>
+                <a:sym typeface="Avenir"/>
+              </a:rPr>
+              <a:t>2BPD</a:t>
+            </a:r>
+            <a:endParaRPr sz="1600" dirty="0">
+              <a:solidFill>
+                <a:srgbClr val="00B050"/>
+              </a:solidFill>
+              <a:latin typeface="Arial"/>
+              <a:ea typeface="Arial"/>
+              <a:cs typeface="Arial"/>
+              <a:sym typeface="Arial"/>
+            </a:endParaRPr>
+          </a:p>
+        </p:txBody>
+      </p:sp>
+      <p:sp>
+        <p:nvSpPr>
+          <p:cNvPr id="19" name="Google Shape;298;p9">
+            <a:extLst>
+              <a:ext uri="{FF2B5EF4-FFF2-40B4-BE49-F238E27FC236}">
+                <a16:creationId xmlns:a16="http://schemas.microsoft.com/office/drawing/2014/main" id="{742C7C49-7482-428E-B39B-FC77E04AE5F4}"/>
+              </a:ext>
+            </a:extLst>
+          </p:cNvPr>
+          <p:cNvSpPr txBox="1"/>
+          <p:nvPr/>
+        </p:nvSpPr>
+        <p:spPr>
+          <a:xfrm>
+            <a:off x="6204178" y="1905182"/>
+            <a:ext cx="631426" cy="310717"/>
+          </a:xfrm>
+          <a:prstGeom prst="rect">
+            <a:avLst/>
+          </a:prstGeom>
+          <a:noFill/>
+          <a:ln>
+            <a:noFill/>
+          </a:ln>
+        </p:spPr>
+        <p:txBody>
+          <a:bodyPr spcFirstLastPara="1" wrap="square" lIns="94378" tIns="47176" rIns="94378" bIns="47176" anchor="t" anchorCtr="0">
+            <a:spAutoFit/>
+          </a:bodyPr>
+          <a:lstStyle/>
+          <a:p>
+            <a:pPr algn="ctr">
+              <a:buClr>
+                <a:srgbClr val="000000"/>
+              </a:buClr>
+              <a:buSzPts val="1200"/>
+            </a:pPr>
+            <a:r>
+              <a:rPr lang="pt-BR" sz="1400" b="1" dirty="0">
+                <a:solidFill>
+                  <a:srgbClr val="00B050"/>
+                </a:solidFill>
+                <a:latin typeface="Avenir"/>
+                <a:ea typeface="Arial"/>
+                <a:cs typeface="Arial"/>
+                <a:sym typeface="Avenir"/>
+              </a:rPr>
+              <a:t>BBTZ</a:t>
+            </a:r>
+            <a:endParaRPr sz="1600" dirty="0">
+              <a:solidFill>
+                <a:srgbClr val="00B050"/>
+              </a:solidFill>
+              <a:latin typeface="Arial"/>
+              <a:ea typeface="Arial"/>
+              <a:cs typeface="Arial"/>
+              <a:sym typeface="Arial"/>
+            </a:endParaRPr>
+          </a:p>
+        </p:txBody>
+      </p:sp>
+      <p:sp>
+        <p:nvSpPr>
+          <p:cNvPr id="20" name="Google Shape;298;p9">
+            <a:extLst>
+              <a:ext uri="{FF2B5EF4-FFF2-40B4-BE49-F238E27FC236}">
+                <a16:creationId xmlns:a16="http://schemas.microsoft.com/office/drawing/2014/main" id="{7D708E41-EA25-4027-9DFE-6D666ADD2CD1}"/>
+              </a:ext>
+            </a:extLst>
+          </p:cNvPr>
+          <p:cNvSpPr txBox="1"/>
+          <p:nvPr/>
+        </p:nvSpPr>
+        <p:spPr>
+          <a:xfrm>
+            <a:off x="1103803" y="5571379"/>
+            <a:ext cx="631426" cy="310717"/>
+          </a:xfrm>
+          <a:prstGeom prst="rect">
+            <a:avLst/>
+          </a:prstGeom>
+          <a:noFill/>
+          <a:ln>
+            <a:noFill/>
+          </a:ln>
+        </p:spPr>
+        <p:txBody>
+          <a:bodyPr spcFirstLastPara="1" wrap="square" lIns="94378" tIns="47176" rIns="94378" bIns="47176" anchor="t" anchorCtr="0">
+            <a:spAutoFit/>
+          </a:bodyPr>
+          <a:lstStyle/>
+          <a:p>
+            <a:pPr algn="ctr">
+              <a:buClr>
+                <a:srgbClr val="000000"/>
+              </a:buClr>
+              <a:buSzPts val="1200"/>
+            </a:pPr>
+            <a:r>
+              <a:rPr lang="pt-BR" sz="1400" b="1" dirty="0">
+                <a:solidFill>
+                  <a:srgbClr val="00B050"/>
+                </a:solidFill>
+                <a:latin typeface="Avenir"/>
+                <a:ea typeface="Arial"/>
+                <a:cs typeface="Arial"/>
+                <a:sym typeface="Avenir"/>
+              </a:rPr>
+              <a:t>DPBY</a:t>
+            </a:r>
+            <a:endParaRPr sz="1600" dirty="0">
+              <a:solidFill>
+                <a:srgbClr val="00B050"/>
+              </a:solidFill>
+              <a:latin typeface="Arial"/>
+              <a:ea typeface="Arial"/>
+              <a:cs typeface="Arial"/>
+              <a:sym typeface="Arial"/>
+            </a:endParaRPr>
+          </a:p>
+        </p:txBody>
+      </p:sp>
+      <p:sp>
+        <p:nvSpPr>
+          <p:cNvPr id="21" name="Google Shape;298;p9">
+            <a:extLst>
+              <a:ext uri="{FF2B5EF4-FFF2-40B4-BE49-F238E27FC236}">
+                <a16:creationId xmlns:a16="http://schemas.microsoft.com/office/drawing/2014/main" id="{90F1C029-C776-4AD3-9376-2E84418868B0}"/>
+              </a:ext>
+            </a:extLst>
+          </p:cNvPr>
+          <p:cNvSpPr txBox="1"/>
+          <p:nvPr/>
+        </p:nvSpPr>
+        <p:spPr>
+          <a:xfrm>
+            <a:off x="3992522" y="3760076"/>
+            <a:ext cx="631426" cy="310717"/>
+          </a:xfrm>
+          <a:prstGeom prst="rect">
+            <a:avLst/>
+          </a:prstGeom>
+          <a:noFill/>
+          <a:ln>
+            <a:noFill/>
+          </a:ln>
+        </p:spPr>
+        <p:txBody>
+          <a:bodyPr spcFirstLastPara="1" wrap="square" lIns="94378" tIns="47176" rIns="94378" bIns="47176" anchor="t" anchorCtr="0">
+            <a:spAutoFit/>
+          </a:bodyPr>
+          <a:lstStyle/>
+          <a:p>
+            <a:pPr algn="ctr">
+              <a:buClr>
+                <a:srgbClr val="000000"/>
+              </a:buClr>
+              <a:buSzPts val="1200"/>
+            </a:pPr>
+            <a:r>
+              <a:rPr lang="pt-BR" sz="1400" b="1" dirty="0">
+                <a:solidFill>
+                  <a:srgbClr val="00B050"/>
+                </a:solidFill>
+                <a:latin typeface="Avenir"/>
+                <a:sym typeface="Avenir"/>
+              </a:rPr>
+              <a:t>BPYB</a:t>
+            </a:r>
+            <a:endParaRPr sz="1600" dirty="0">
+              <a:solidFill>
+                <a:srgbClr val="00B050"/>
+              </a:solidFill>
+              <a:latin typeface="Arial"/>
+              <a:ea typeface="Arial"/>
+              <a:cs typeface="Arial"/>
+              <a:sym typeface="Arial"/>
+            </a:endParaRPr>
+          </a:p>
+        </p:txBody>
+      </p:sp>
+      <p:sp>
+        <p:nvSpPr>
+          <p:cNvPr id="22" name="Google Shape;298;p9">
+            <a:extLst>
+              <a:ext uri="{FF2B5EF4-FFF2-40B4-BE49-F238E27FC236}">
+                <a16:creationId xmlns:a16="http://schemas.microsoft.com/office/drawing/2014/main" id="{794172CB-E025-4BBE-B2BE-B6BFAFADC70E}"/>
+              </a:ext>
+            </a:extLst>
+          </p:cNvPr>
+          <p:cNvSpPr txBox="1"/>
+          <p:nvPr/>
+        </p:nvSpPr>
+        <p:spPr>
+          <a:xfrm>
+            <a:off x="6299676" y="3760076"/>
+            <a:ext cx="631426" cy="310717"/>
+          </a:xfrm>
+          <a:prstGeom prst="rect">
+            <a:avLst/>
+          </a:prstGeom>
+          <a:noFill/>
+          <a:ln>
+            <a:noFill/>
+          </a:ln>
+        </p:spPr>
+        <p:txBody>
+          <a:bodyPr spcFirstLastPara="1" wrap="square" lIns="94378" tIns="47176" rIns="94378" bIns="47176" anchor="t" anchorCtr="0">
+            <a:spAutoFit/>
+          </a:bodyPr>
+          <a:lstStyle/>
+          <a:p>
+            <a:pPr algn="ctr">
+              <a:buClr>
+                <a:srgbClr val="000000"/>
+              </a:buClr>
+              <a:buSzPts val="1200"/>
+            </a:pPr>
+            <a:r>
+              <a:rPr lang="pt-BR" sz="1400" b="1" dirty="0">
+                <a:solidFill>
+                  <a:srgbClr val="00B050"/>
+                </a:solidFill>
+                <a:latin typeface="Avenir"/>
+                <a:ea typeface="Arial"/>
+                <a:cs typeface="Arial"/>
+                <a:sym typeface="Avenir"/>
+              </a:rPr>
+              <a:t>BTPH</a:t>
+            </a:r>
+            <a:endParaRPr sz="1600" dirty="0">
+              <a:solidFill>
+                <a:srgbClr val="00B050"/>
+              </a:solidFill>
+              <a:latin typeface="Arial"/>
+              <a:ea typeface="Arial"/>
+              <a:cs typeface="Arial"/>
+              <a:sym typeface="Arial"/>
+            </a:endParaRPr>
+          </a:p>
+        </p:txBody>
+      </p:sp>
+      <p:sp>
+        <p:nvSpPr>
+          <p:cNvPr id="23" name="Google Shape;298;p9">
+            <a:extLst>
+              <a:ext uri="{FF2B5EF4-FFF2-40B4-BE49-F238E27FC236}">
+                <a16:creationId xmlns:a16="http://schemas.microsoft.com/office/drawing/2014/main" id="{B83B8EF0-7BB6-4FEF-9279-8D77443FC181}"/>
+              </a:ext>
+            </a:extLst>
+          </p:cNvPr>
+          <p:cNvSpPr txBox="1"/>
+          <p:nvPr/>
+        </p:nvSpPr>
+        <p:spPr>
+          <a:xfrm>
+            <a:off x="10028910" y="1839670"/>
+            <a:ext cx="631426" cy="310717"/>
+          </a:xfrm>
+          <a:prstGeom prst="rect">
+            <a:avLst/>
+          </a:prstGeom>
+          <a:noFill/>
+          <a:ln>
+            <a:noFill/>
+          </a:ln>
+        </p:spPr>
+        <p:txBody>
+          <a:bodyPr spcFirstLastPara="1" wrap="square" lIns="94378" tIns="47176" rIns="94378" bIns="47176" anchor="t" anchorCtr="0">
+            <a:spAutoFit/>
+          </a:bodyPr>
+          <a:lstStyle/>
+          <a:p>
+            <a:pPr algn="ctr">
+              <a:buClr>
+                <a:srgbClr val="000000"/>
+              </a:buClr>
+              <a:buSzPts val="1200"/>
+            </a:pPr>
+            <a:r>
+              <a:rPr lang="pt-BR" sz="1400" b="1" dirty="0">
+                <a:solidFill>
+                  <a:srgbClr val="00B050"/>
+                </a:solidFill>
+                <a:latin typeface="Avenir"/>
+                <a:ea typeface="Arial"/>
+                <a:cs typeface="Arial"/>
+                <a:sym typeface="Avenir"/>
+              </a:rPr>
+              <a:t>DBTP</a:t>
+            </a:r>
+            <a:endParaRPr sz="1600" dirty="0">
+              <a:solidFill>
+                <a:srgbClr val="00B050"/>
+              </a:solidFill>
+              <a:latin typeface="Arial"/>
+              <a:ea typeface="Arial"/>
+              <a:cs typeface="Arial"/>
+              <a:sym typeface="Arial"/>
+            </a:endParaRPr>
+          </a:p>
+        </p:txBody>
+      </p:sp>
+      <p:sp>
+        <p:nvSpPr>
+          <p:cNvPr id="24" name="Google Shape;298;p9">
+            <a:extLst>
+              <a:ext uri="{FF2B5EF4-FFF2-40B4-BE49-F238E27FC236}">
+                <a16:creationId xmlns:a16="http://schemas.microsoft.com/office/drawing/2014/main" id="{88D55AEF-8EF2-40A8-A445-7BABF0FE14A7}"/>
+              </a:ext>
+            </a:extLst>
+          </p:cNvPr>
+          <p:cNvSpPr txBox="1"/>
+          <p:nvPr/>
+        </p:nvSpPr>
+        <p:spPr>
+          <a:xfrm>
+            <a:off x="1103803" y="7273643"/>
+            <a:ext cx="631426" cy="310717"/>
+          </a:xfrm>
+          <a:prstGeom prst="rect">
+            <a:avLst/>
+          </a:prstGeom>
+          <a:noFill/>
+          <a:ln>
+            <a:noFill/>
+          </a:ln>
+        </p:spPr>
+        <p:txBody>
+          <a:bodyPr spcFirstLastPara="1" wrap="square" lIns="94378" tIns="47176" rIns="94378" bIns="47176" anchor="t" anchorCtr="0">
+            <a:spAutoFit/>
+          </a:bodyPr>
+          <a:lstStyle/>
+          <a:p>
+            <a:pPr algn="ctr">
+              <a:buClr>
+                <a:srgbClr val="000000"/>
+              </a:buClr>
+              <a:buSzPts val="1200"/>
+            </a:pPr>
+            <a:r>
+              <a:rPr lang="pt-BR" sz="1400" b="1" dirty="0">
+                <a:solidFill>
+                  <a:srgbClr val="00B050"/>
+                </a:solidFill>
+                <a:latin typeface="Avenir"/>
+                <a:sym typeface="Avenir"/>
+              </a:rPr>
+              <a:t>INTO</a:t>
+            </a:r>
+            <a:endParaRPr sz="1600" dirty="0">
+              <a:solidFill>
+                <a:srgbClr val="00B050"/>
+              </a:solidFill>
+              <a:latin typeface="Arial"/>
+              <a:ea typeface="Arial"/>
+              <a:cs typeface="Arial"/>
+              <a:sym typeface="Arial"/>
+            </a:endParaRPr>
+          </a:p>
+        </p:txBody>
+      </p:sp>
+      <p:sp>
+        <p:nvSpPr>
+          <p:cNvPr id="25" name="Google Shape;298;p9">
+            <a:extLst>
+              <a:ext uri="{FF2B5EF4-FFF2-40B4-BE49-F238E27FC236}">
+                <a16:creationId xmlns:a16="http://schemas.microsoft.com/office/drawing/2014/main" id="{90B78694-A23F-4C23-BA97-0F6CCAFE9B00}"/>
+              </a:ext>
+            </a:extLst>
+          </p:cNvPr>
+          <p:cNvSpPr txBox="1"/>
+          <p:nvPr/>
+        </p:nvSpPr>
+        <p:spPr>
+          <a:xfrm>
+            <a:off x="2207315" y="9403248"/>
+            <a:ext cx="631426" cy="310717"/>
+          </a:xfrm>
+          <a:prstGeom prst="rect">
+            <a:avLst/>
+          </a:prstGeom>
+          <a:noFill/>
+          <a:ln>
+            <a:noFill/>
+          </a:ln>
+        </p:spPr>
+        <p:txBody>
+          <a:bodyPr spcFirstLastPara="1" wrap="square" lIns="94378" tIns="47176" rIns="94378" bIns="47176" anchor="t" anchorCtr="0">
+            <a:spAutoFit/>
+          </a:bodyPr>
+          <a:lstStyle/>
+          <a:p>
+            <a:pPr algn="ctr">
+              <a:buClr>
+                <a:srgbClr val="000000"/>
+              </a:buClr>
+              <a:buSzPts val="1200"/>
+            </a:pPr>
+            <a:r>
+              <a:rPr lang="pt-BR" sz="1400" b="1" dirty="0">
+                <a:solidFill>
+                  <a:srgbClr val="00B050"/>
+                </a:solidFill>
+                <a:latin typeface="Avenir"/>
+                <a:sym typeface="Avenir"/>
+              </a:rPr>
+              <a:t>PYTO</a:t>
+            </a:r>
+            <a:endParaRPr sz="1600" dirty="0">
+              <a:solidFill>
+                <a:srgbClr val="00B050"/>
+              </a:solidFill>
+              <a:latin typeface="Arial"/>
+              <a:ea typeface="Arial"/>
+              <a:cs typeface="Arial"/>
+              <a:sym typeface="Arial"/>
+            </a:endParaRPr>
+          </a:p>
+        </p:txBody>
+      </p:sp>
+      <p:sp>
+        <p:nvSpPr>
+          <p:cNvPr id="26" name="Google Shape;298;p9">
+            <a:extLst>
+              <a:ext uri="{FF2B5EF4-FFF2-40B4-BE49-F238E27FC236}">
+                <a16:creationId xmlns:a16="http://schemas.microsoft.com/office/drawing/2014/main" id="{FABB7E2E-9352-41D7-8198-79211C57E895}"/>
+              </a:ext>
+            </a:extLst>
+          </p:cNvPr>
+          <p:cNvSpPr txBox="1"/>
+          <p:nvPr/>
+        </p:nvSpPr>
+        <p:spPr>
+          <a:xfrm>
+            <a:off x="5327319" y="5593022"/>
+            <a:ext cx="631426" cy="310717"/>
+          </a:xfrm>
+          <a:prstGeom prst="rect">
+            <a:avLst/>
+          </a:prstGeom>
+          <a:noFill/>
+          <a:ln>
+            <a:noFill/>
+          </a:ln>
+        </p:spPr>
+        <p:txBody>
+          <a:bodyPr spcFirstLastPara="1" wrap="square" lIns="94378" tIns="47176" rIns="94378" bIns="47176" anchor="t" anchorCtr="0">
+            <a:spAutoFit/>
+          </a:bodyPr>
+          <a:lstStyle/>
+          <a:p>
+            <a:pPr algn="ctr">
+              <a:buClr>
+                <a:srgbClr val="000000"/>
+              </a:buClr>
+              <a:buSzPts val="1200"/>
+            </a:pPr>
+            <a:r>
+              <a:rPr lang="pt-BR" sz="1400" b="1" dirty="0">
+                <a:solidFill>
+                  <a:srgbClr val="00B050"/>
+                </a:solidFill>
+                <a:latin typeface="Avenir"/>
+                <a:sym typeface="Avenir"/>
+              </a:rPr>
+              <a:t>DPEL</a:t>
+            </a:r>
+            <a:endParaRPr sz="1600" dirty="0">
+              <a:solidFill>
+                <a:srgbClr val="00B050"/>
+              </a:solidFill>
+              <a:latin typeface="Arial"/>
+              <a:ea typeface="Arial"/>
+              <a:cs typeface="Arial"/>
+              <a:sym typeface="Arial"/>
+            </a:endParaRPr>
+          </a:p>
+        </p:txBody>
+      </p:sp>
+      <p:sp>
+        <p:nvSpPr>
+          <p:cNvPr id="27" name="Google Shape;298;p9">
+            <a:extLst>
+              <a:ext uri="{FF2B5EF4-FFF2-40B4-BE49-F238E27FC236}">
+                <a16:creationId xmlns:a16="http://schemas.microsoft.com/office/drawing/2014/main" id="{967979D8-CE29-4BDC-A629-0B2C53554F0D}"/>
+              </a:ext>
+            </a:extLst>
+          </p:cNvPr>
+          <p:cNvSpPr txBox="1"/>
+          <p:nvPr/>
+        </p:nvSpPr>
+        <p:spPr>
+          <a:xfrm>
+            <a:off x="3237390" y="5678589"/>
+            <a:ext cx="631426" cy="310717"/>
+          </a:xfrm>
+          <a:prstGeom prst="rect">
+            <a:avLst/>
+          </a:prstGeom>
+          <a:noFill/>
+          <a:ln>
+            <a:noFill/>
+          </a:ln>
+        </p:spPr>
+        <p:txBody>
+          <a:bodyPr spcFirstLastPara="1" wrap="square" lIns="94378" tIns="47176" rIns="94378" bIns="47176" anchor="t" anchorCtr="0">
+            <a:spAutoFit/>
+          </a:bodyPr>
+          <a:lstStyle/>
+          <a:p>
+            <a:pPr algn="ctr">
+              <a:buClr>
+                <a:srgbClr val="000000"/>
+              </a:buClr>
+              <a:buSzPts val="1200"/>
+            </a:pPr>
+            <a:r>
+              <a:rPr lang="pt-BR" sz="1400" b="1" dirty="0">
+                <a:solidFill>
+                  <a:srgbClr val="00B050"/>
+                </a:solidFill>
+                <a:latin typeface="Avenir"/>
+                <a:ea typeface="Arial"/>
+                <a:cs typeface="Arial"/>
+                <a:sym typeface="Avenir"/>
+              </a:rPr>
+              <a:t>DPDA</a:t>
+            </a:r>
+            <a:endParaRPr sz="1600" dirty="0">
+              <a:solidFill>
+                <a:srgbClr val="00B050"/>
+              </a:solidFill>
+              <a:latin typeface="Arial"/>
+              <a:ea typeface="Arial"/>
+              <a:cs typeface="Arial"/>
+              <a:sym typeface="Arial"/>
+            </a:endParaRPr>
+          </a:p>
+        </p:txBody>
+      </p:sp>
+      <p:graphicFrame>
+        <p:nvGraphicFramePr>
+          <p:cNvPr id="70" name="Objeto 69">
+            <a:extLst>
+              <a:ext uri="{FF2B5EF4-FFF2-40B4-BE49-F238E27FC236}">
+                <a16:creationId xmlns:a16="http://schemas.microsoft.com/office/drawing/2014/main" id="{D1413B77-4EF9-41A9-9008-E0FF5F334EE2}"/>
+              </a:ext>
+            </a:extLst>
+          </p:cNvPr>
+          <p:cNvGraphicFramePr>
+            <a:graphicFrameLocks noChangeAspect="1"/>
+          </p:cNvGraphicFramePr>
+          <p:nvPr>
+            <p:extLst>
+              <p:ext uri="{D42A27DB-BD31-4B8C-83A1-F6EECF244321}">
+                <p14:modId xmlns:p14="http://schemas.microsoft.com/office/powerpoint/2010/main" val="3207282710"/>
+              </p:ext>
+            </p:extLst>
+          </p:nvPr>
+        </p:nvGraphicFramePr>
+        <p:xfrm>
+          <a:off x="339489" y="720229"/>
+          <a:ext cx="1422400" cy="1190625"/>
+        </p:xfrm>
+        <a:graphic>
+          <a:graphicData uri="http://schemas.openxmlformats.org/presentationml/2006/ole">
+            <mc:AlternateContent xmlns:mc="http://schemas.openxmlformats.org/markup-compatibility/2006">
+              <mc:Choice xmlns:v="urn:schemas-microsoft-com:vml" Requires="v">
+                <p:oleObj name="CS ChemDraw Drawing" r:id="rId2" imgW="1422805" imgH="1191151" progId="ChemDraw.Document.6.0">
+                  <p:embed/>
+                </p:oleObj>
+              </mc:Choice>
+              <mc:Fallback>
+                <p:oleObj name="CS ChemDraw Drawing" r:id="rId2" imgW="1422805" imgH="1191151" progId="ChemDraw.Document.6.0">
+                  <p:embed/>
+                  <p:pic>
+                    <p:nvPicPr>
+                      <p:cNvPr id="70" name="Objeto 69">
+                        <a:extLst>
+                          <a:ext uri="{FF2B5EF4-FFF2-40B4-BE49-F238E27FC236}">
+                            <a16:creationId xmlns:a16="http://schemas.microsoft.com/office/drawing/2014/main" id="{D1413B77-4EF9-41A9-9008-E0FF5F334EE2}"/>
+                          </a:ext>
+                        </a:extLst>
+                      </p:cNvPr>
+                      <p:cNvPicPr/>
+                      <p:nvPr/>
+                    </p:nvPicPr>
+                    <p:blipFill>
+                      <a:blip r:embed="rId3"/>
+                      <a:stretch>
+                        <a:fillRect/>
+                      </a:stretch>
+                    </p:blipFill>
+                    <p:spPr>
+                      <a:xfrm>
+                        <a:off x="339489" y="720229"/>
+                        <a:ext cx="1422400" cy="1190625"/>
+                      </a:xfrm>
+                      <a:prstGeom prst="rect">
+                        <a:avLst/>
+                      </a:prstGeom>
+                    </p:spPr>
+                  </p:pic>
+                </p:oleObj>
+              </mc:Fallback>
+            </mc:AlternateContent>
+          </a:graphicData>
+        </a:graphic>
+      </p:graphicFrame>
+      <p:graphicFrame>
+        <p:nvGraphicFramePr>
+          <p:cNvPr id="71" name="Objeto 70">
+            <a:extLst>
+              <a:ext uri="{FF2B5EF4-FFF2-40B4-BE49-F238E27FC236}">
+                <a16:creationId xmlns:a16="http://schemas.microsoft.com/office/drawing/2014/main" id="{80B14CC0-A922-497F-B7DC-0D4FB2B3090B}"/>
+              </a:ext>
+            </a:extLst>
+          </p:cNvPr>
+          <p:cNvGraphicFramePr>
+            <a:graphicFrameLocks noChangeAspect="1"/>
+          </p:cNvGraphicFramePr>
+          <p:nvPr>
+            <p:extLst>
+              <p:ext uri="{D42A27DB-BD31-4B8C-83A1-F6EECF244321}">
+                <p14:modId xmlns:p14="http://schemas.microsoft.com/office/powerpoint/2010/main" val="3516377332"/>
+              </p:ext>
+            </p:extLst>
+          </p:nvPr>
+        </p:nvGraphicFramePr>
+        <p:xfrm>
+          <a:off x="1997974" y="720219"/>
+          <a:ext cx="1420813" cy="1128712"/>
+        </p:xfrm>
+        <a:graphic>
+          <a:graphicData uri="http://schemas.openxmlformats.org/presentationml/2006/ole">
+            <mc:AlternateContent xmlns:mc="http://schemas.openxmlformats.org/markup-compatibility/2006">
+              <mc:Choice xmlns:v="urn:schemas-microsoft-com:vml" Requires="v">
+                <p:oleObj name="CS ChemDraw Drawing" r:id="rId4" imgW="1421542" imgH="1128993" progId="ChemDraw.Document.6.0">
+                  <p:embed/>
+                </p:oleObj>
+              </mc:Choice>
+              <mc:Fallback>
+                <p:oleObj name="CS ChemDraw Drawing" r:id="rId4" imgW="1421542" imgH="1128993" progId="ChemDraw.Document.6.0">
+                  <p:embed/>
+                  <p:pic>
+                    <p:nvPicPr>
+                      <p:cNvPr id="71" name="Objeto 70">
+                        <a:extLst>
+                          <a:ext uri="{FF2B5EF4-FFF2-40B4-BE49-F238E27FC236}">
+                            <a16:creationId xmlns:a16="http://schemas.microsoft.com/office/drawing/2014/main" id="{80B14CC0-A922-497F-B7DC-0D4FB2B3090B}"/>
+                          </a:ext>
+                        </a:extLst>
+                      </p:cNvPr>
+                      <p:cNvPicPr/>
+                      <p:nvPr/>
+                    </p:nvPicPr>
+                    <p:blipFill>
+                      <a:blip r:embed="rId5"/>
+                      <a:stretch>
+                        <a:fillRect/>
+                      </a:stretch>
+                    </p:blipFill>
+                    <p:spPr>
+                      <a:xfrm>
+                        <a:off x="1997974" y="720219"/>
+                        <a:ext cx="1420813" cy="1128712"/>
+                      </a:xfrm>
+                      <a:prstGeom prst="rect">
+                        <a:avLst/>
+                      </a:prstGeom>
+                    </p:spPr>
+                  </p:pic>
+                </p:oleObj>
+              </mc:Fallback>
+            </mc:AlternateContent>
+          </a:graphicData>
+        </a:graphic>
+      </p:graphicFrame>
+      <p:graphicFrame>
+        <p:nvGraphicFramePr>
+          <p:cNvPr id="72" name="Objeto 71">
+            <a:extLst>
+              <a:ext uri="{FF2B5EF4-FFF2-40B4-BE49-F238E27FC236}">
+                <a16:creationId xmlns:a16="http://schemas.microsoft.com/office/drawing/2014/main" id="{32BAA3DD-F58E-442C-B69E-448653A452B8}"/>
+              </a:ext>
+            </a:extLst>
+          </p:cNvPr>
+          <p:cNvGraphicFramePr>
+            <a:graphicFrameLocks noChangeAspect="1"/>
+          </p:cNvGraphicFramePr>
+          <p:nvPr>
+            <p:extLst>
+              <p:ext uri="{D42A27DB-BD31-4B8C-83A1-F6EECF244321}">
+                <p14:modId xmlns:p14="http://schemas.microsoft.com/office/powerpoint/2010/main" val="1996685254"/>
+              </p:ext>
+            </p:extLst>
+          </p:nvPr>
+        </p:nvGraphicFramePr>
+        <p:xfrm>
+          <a:off x="3712008" y="637679"/>
+          <a:ext cx="1519237" cy="1273175"/>
+        </p:xfrm>
+        <a:graphic>
+          <a:graphicData uri="http://schemas.openxmlformats.org/presentationml/2006/ole">
+            <mc:AlternateContent xmlns:mc="http://schemas.openxmlformats.org/markup-compatibility/2006">
+              <mc:Choice xmlns:v="urn:schemas-microsoft-com:vml" Requires="v">
+                <p:oleObj name="CS ChemDraw Drawing" r:id="rId6" imgW="1519231" imgH="1273606" progId="ChemDraw.Document.6.0">
+                  <p:embed/>
+                </p:oleObj>
+              </mc:Choice>
+              <mc:Fallback>
+                <p:oleObj name="CS ChemDraw Drawing" r:id="rId6" imgW="1519231" imgH="1273606" progId="ChemDraw.Document.6.0">
+                  <p:embed/>
+                  <p:pic>
+                    <p:nvPicPr>
+                      <p:cNvPr id="72" name="Objeto 71">
+                        <a:extLst>
+                          <a:ext uri="{FF2B5EF4-FFF2-40B4-BE49-F238E27FC236}">
+                            <a16:creationId xmlns:a16="http://schemas.microsoft.com/office/drawing/2014/main" id="{32BAA3DD-F58E-442C-B69E-448653A452B8}"/>
+                          </a:ext>
+                        </a:extLst>
+                      </p:cNvPr>
+                      <p:cNvPicPr/>
+                      <p:nvPr/>
+                    </p:nvPicPr>
+                    <p:blipFill>
+                      <a:blip r:embed="rId7"/>
+                      <a:stretch>
+                        <a:fillRect/>
+                      </a:stretch>
+                    </p:blipFill>
+                    <p:spPr>
+                      <a:xfrm>
+                        <a:off x="3712008" y="637679"/>
+                        <a:ext cx="1519237" cy="1273175"/>
+                      </a:xfrm>
+                      <a:prstGeom prst="rect">
+                        <a:avLst/>
+                      </a:prstGeom>
+                    </p:spPr>
+                  </p:pic>
+                </p:oleObj>
+              </mc:Fallback>
+            </mc:AlternateContent>
+          </a:graphicData>
+        </a:graphic>
+      </p:graphicFrame>
+      <p:graphicFrame>
+        <p:nvGraphicFramePr>
+          <p:cNvPr id="73" name="Objeto 72">
+            <a:extLst>
+              <a:ext uri="{FF2B5EF4-FFF2-40B4-BE49-F238E27FC236}">
+                <a16:creationId xmlns:a16="http://schemas.microsoft.com/office/drawing/2014/main" id="{2708BC64-AB74-4692-A44C-3468AD4E187E}"/>
+              </a:ext>
+            </a:extLst>
+          </p:cNvPr>
+          <p:cNvGraphicFramePr>
+            <a:graphicFrameLocks noChangeAspect="1"/>
+          </p:cNvGraphicFramePr>
+          <p:nvPr>
+            <p:extLst>
+              <p:ext uri="{D42A27DB-BD31-4B8C-83A1-F6EECF244321}">
+                <p14:modId xmlns:p14="http://schemas.microsoft.com/office/powerpoint/2010/main" val="936045959"/>
+              </p:ext>
+            </p:extLst>
+          </p:nvPr>
+        </p:nvGraphicFramePr>
+        <p:xfrm>
+          <a:off x="5468966" y="652177"/>
+          <a:ext cx="2101850" cy="1214438"/>
+        </p:xfrm>
+        <a:graphic>
+          <a:graphicData uri="http://schemas.openxmlformats.org/presentationml/2006/ole">
+            <mc:AlternateContent xmlns:mc="http://schemas.openxmlformats.org/markup-compatibility/2006">
+              <mc:Choice xmlns:v="urn:schemas-microsoft-com:vml" Requires="v">
+                <p:oleObj name="CS ChemDraw Drawing" r:id="rId8" imgW="2101153" imgH="1214408" progId="ChemDraw.Document.6.0">
+                  <p:embed/>
+                </p:oleObj>
+              </mc:Choice>
+              <mc:Fallback>
+                <p:oleObj name="CS ChemDraw Drawing" r:id="rId8" imgW="2101153" imgH="1214408" progId="ChemDraw.Document.6.0">
+                  <p:embed/>
+                  <p:pic>
+                    <p:nvPicPr>
+                      <p:cNvPr id="73" name="Objeto 72">
+                        <a:extLst>
+                          <a:ext uri="{FF2B5EF4-FFF2-40B4-BE49-F238E27FC236}">
+                            <a16:creationId xmlns:a16="http://schemas.microsoft.com/office/drawing/2014/main" id="{2708BC64-AB74-4692-A44C-3468AD4E187E}"/>
+                          </a:ext>
+                        </a:extLst>
+                      </p:cNvPr>
+                      <p:cNvPicPr/>
+                      <p:nvPr/>
+                    </p:nvPicPr>
+                    <p:blipFill>
+                      <a:blip r:embed="rId9"/>
+                      <a:stretch>
+                        <a:fillRect/>
+                      </a:stretch>
+                    </p:blipFill>
+                    <p:spPr>
+                      <a:xfrm>
+                        <a:off x="5468966" y="652177"/>
+                        <a:ext cx="2101850" cy="1214438"/>
+                      </a:xfrm>
+                      <a:prstGeom prst="rect">
+                        <a:avLst/>
+                      </a:prstGeom>
+                    </p:spPr>
+                  </p:pic>
+                </p:oleObj>
+              </mc:Fallback>
+            </mc:AlternateContent>
+          </a:graphicData>
+        </a:graphic>
+      </p:graphicFrame>
+      <p:graphicFrame>
+        <p:nvGraphicFramePr>
+          <p:cNvPr id="74" name="Objeto 73">
+            <a:extLst>
+              <a:ext uri="{FF2B5EF4-FFF2-40B4-BE49-F238E27FC236}">
+                <a16:creationId xmlns:a16="http://schemas.microsoft.com/office/drawing/2014/main" id="{EBE9ECC4-4F23-4AD2-8ED4-A77D97A40AD6}"/>
+              </a:ext>
+            </a:extLst>
+          </p:cNvPr>
+          <p:cNvGraphicFramePr>
+            <a:graphicFrameLocks noChangeAspect="1"/>
+          </p:cNvGraphicFramePr>
+          <p:nvPr>
+            <p:extLst>
+              <p:ext uri="{D42A27DB-BD31-4B8C-83A1-F6EECF244321}">
+                <p14:modId xmlns:p14="http://schemas.microsoft.com/office/powerpoint/2010/main" val="3008819709"/>
+              </p:ext>
+            </p:extLst>
+          </p:nvPr>
+        </p:nvGraphicFramePr>
+        <p:xfrm>
+          <a:off x="276328" y="2520814"/>
+          <a:ext cx="874713" cy="1225550"/>
+        </p:xfrm>
+        <a:graphic>
+          <a:graphicData uri="http://schemas.openxmlformats.org/presentationml/2006/ole">
+            <mc:AlternateContent xmlns:mc="http://schemas.openxmlformats.org/markup-compatibility/2006">
+              <mc:Choice xmlns:v="urn:schemas-microsoft-com:vml" Requires="v">
+                <p:oleObj name="CS ChemDraw Drawing" r:id="rId10" imgW="874568" imgH="1224979" progId="ChemDraw.Document.6.0">
+                  <p:embed/>
+                </p:oleObj>
+              </mc:Choice>
+              <mc:Fallback>
+                <p:oleObj name="CS ChemDraw Drawing" r:id="rId10" imgW="874568" imgH="1224979" progId="ChemDraw.Document.6.0">
+                  <p:embed/>
+                  <p:pic>
+                    <p:nvPicPr>
+                      <p:cNvPr id="74" name="Objeto 73">
+                        <a:extLst>
+                          <a:ext uri="{FF2B5EF4-FFF2-40B4-BE49-F238E27FC236}">
+                            <a16:creationId xmlns:a16="http://schemas.microsoft.com/office/drawing/2014/main" id="{EBE9ECC4-4F23-4AD2-8ED4-A77D97A40AD6}"/>
+                          </a:ext>
+                        </a:extLst>
+                      </p:cNvPr>
+                      <p:cNvPicPr/>
+                      <p:nvPr/>
+                    </p:nvPicPr>
+                    <p:blipFill>
+                      <a:blip r:embed="rId11"/>
+                      <a:stretch>
+                        <a:fillRect/>
+                      </a:stretch>
+                    </p:blipFill>
+                    <p:spPr>
+                      <a:xfrm>
+                        <a:off x="276328" y="2520814"/>
+                        <a:ext cx="874713" cy="1225550"/>
+                      </a:xfrm>
+                      <a:prstGeom prst="rect">
+                        <a:avLst/>
+                      </a:prstGeom>
+                    </p:spPr>
+                  </p:pic>
+                </p:oleObj>
+              </mc:Fallback>
+            </mc:AlternateContent>
+          </a:graphicData>
+        </a:graphic>
+      </p:graphicFrame>
+      <p:graphicFrame>
+        <p:nvGraphicFramePr>
+          <p:cNvPr id="75" name="Objeto 74">
+            <a:extLst>
+              <a:ext uri="{FF2B5EF4-FFF2-40B4-BE49-F238E27FC236}">
+                <a16:creationId xmlns:a16="http://schemas.microsoft.com/office/drawing/2014/main" id="{CE6F8410-3F0C-4C12-B207-3D4AD429E2E7}"/>
+              </a:ext>
+            </a:extLst>
+          </p:cNvPr>
+          <p:cNvGraphicFramePr>
+            <a:graphicFrameLocks noChangeAspect="1"/>
+          </p:cNvGraphicFramePr>
+          <p:nvPr>
+            <p:extLst>
+              <p:ext uri="{D42A27DB-BD31-4B8C-83A1-F6EECF244321}">
+                <p14:modId xmlns:p14="http://schemas.microsoft.com/office/powerpoint/2010/main" val="1971816748"/>
+              </p:ext>
+            </p:extLst>
+          </p:nvPr>
+        </p:nvGraphicFramePr>
+        <p:xfrm>
+          <a:off x="1368062" y="2502958"/>
+          <a:ext cx="1422400" cy="1225550"/>
+        </p:xfrm>
+        <a:graphic>
+          <a:graphicData uri="http://schemas.openxmlformats.org/presentationml/2006/ole">
+            <mc:AlternateContent xmlns:mc="http://schemas.openxmlformats.org/markup-compatibility/2006">
+              <mc:Choice xmlns:v="urn:schemas-microsoft-com:vml" Requires="v">
+                <p:oleObj name="CS ChemDraw Drawing" r:id="rId12" imgW="1422805" imgH="1224979" progId="ChemDraw.Document.6.0">
+                  <p:embed/>
+                </p:oleObj>
+              </mc:Choice>
+              <mc:Fallback>
+                <p:oleObj name="CS ChemDraw Drawing" r:id="rId12" imgW="1422805" imgH="1224979" progId="ChemDraw.Document.6.0">
+                  <p:embed/>
+                  <p:pic>
+                    <p:nvPicPr>
+                      <p:cNvPr id="75" name="Objeto 74">
+                        <a:extLst>
+                          <a:ext uri="{FF2B5EF4-FFF2-40B4-BE49-F238E27FC236}">
+                            <a16:creationId xmlns:a16="http://schemas.microsoft.com/office/drawing/2014/main" id="{CE6F8410-3F0C-4C12-B207-3D4AD429E2E7}"/>
+                          </a:ext>
+                        </a:extLst>
+                      </p:cNvPr>
+                      <p:cNvPicPr/>
+                      <p:nvPr/>
+                    </p:nvPicPr>
+                    <p:blipFill>
+                      <a:blip r:embed="rId13"/>
+                      <a:stretch>
+                        <a:fillRect/>
+                      </a:stretch>
+                    </p:blipFill>
+                    <p:spPr>
+                      <a:xfrm>
+                        <a:off x="1368062" y="2502958"/>
+                        <a:ext cx="1422400" cy="1225550"/>
+                      </a:xfrm>
+                      <a:prstGeom prst="rect">
+                        <a:avLst/>
+                      </a:prstGeom>
+                    </p:spPr>
+                  </p:pic>
+                </p:oleObj>
+              </mc:Fallback>
+            </mc:AlternateContent>
+          </a:graphicData>
+        </a:graphic>
+      </p:graphicFrame>
+      <p:graphicFrame>
+        <p:nvGraphicFramePr>
+          <p:cNvPr id="76" name="Objeto 75">
+            <a:extLst>
+              <a:ext uri="{FF2B5EF4-FFF2-40B4-BE49-F238E27FC236}">
+                <a16:creationId xmlns:a16="http://schemas.microsoft.com/office/drawing/2014/main" id="{9ECFBAA2-CEB6-4CEA-859A-58A466C8F9D0}"/>
+              </a:ext>
+            </a:extLst>
+          </p:cNvPr>
+          <p:cNvGraphicFramePr>
+            <a:graphicFrameLocks noChangeAspect="1"/>
+          </p:cNvGraphicFramePr>
+          <p:nvPr>
+            <p:extLst>
+              <p:ext uri="{D42A27DB-BD31-4B8C-83A1-F6EECF244321}">
+                <p14:modId xmlns:p14="http://schemas.microsoft.com/office/powerpoint/2010/main" val="600448258"/>
+              </p:ext>
+            </p:extLst>
+          </p:nvPr>
+        </p:nvGraphicFramePr>
+        <p:xfrm>
+          <a:off x="2943798" y="2464858"/>
+          <a:ext cx="2701925" cy="1301750"/>
+        </p:xfrm>
+        <a:graphic>
+          <a:graphicData uri="http://schemas.openxmlformats.org/presentationml/2006/ole">
+            <mc:AlternateContent xmlns:mc="http://schemas.openxmlformats.org/markup-compatibility/2006">
+              <mc:Choice xmlns:v="urn:schemas-microsoft-com:vml" Requires="v">
+                <p:oleObj name="CS ChemDraw Drawing" r:id="rId14" imgW="2701603" imgH="1301091" progId="ChemDraw.Document.6.0">
+                  <p:embed/>
+                </p:oleObj>
+              </mc:Choice>
+              <mc:Fallback>
+                <p:oleObj name="CS ChemDraw Drawing" r:id="rId14" imgW="2701603" imgH="1301091" progId="ChemDraw.Document.6.0">
+                  <p:embed/>
+                  <p:pic>
+                    <p:nvPicPr>
+                      <p:cNvPr id="76" name="Objeto 75">
+                        <a:extLst>
+                          <a:ext uri="{FF2B5EF4-FFF2-40B4-BE49-F238E27FC236}">
+                            <a16:creationId xmlns:a16="http://schemas.microsoft.com/office/drawing/2014/main" id="{9ECFBAA2-CEB6-4CEA-859A-58A466C8F9D0}"/>
+                          </a:ext>
+                        </a:extLst>
+                      </p:cNvPr>
+                      <p:cNvPicPr/>
+                      <p:nvPr/>
+                    </p:nvPicPr>
+                    <p:blipFill>
+                      <a:blip r:embed="rId15"/>
+                      <a:stretch>
+                        <a:fillRect/>
+                      </a:stretch>
+                    </p:blipFill>
+                    <p:spPr>
+                      <a:xfrm>
+                        <a:off x="2943798" y="2464858"/>
+                        <a:ext cx="2701925" cy="1301750"/>
+                      </a:xfrm>
+                      <a:prstGeom prst="rect">
+                        <a:avLst/>
+                      </a:prstGeom>
+                    </p:spPr>
+                  </p:pic>
+                </p:oleObj>
+              </mc:Fallback>
+            </mc:AlternateContent>
+          </a:graphicData>
+        </a:graphic>
+      </p:graphicFrame>
+      <p:graphicFrame>
+        <p:nvGraphicFramePr>
+          <p:cNvPr id="77" name="Objeto 76">
+            <a:extLst>
+              <a:ext uri="{FF2B5EF4-FFF2-40B4-BE49-F238E27FC236}">
+                <a16:creationId xmlns:a16="http://schemas.microsoft.com/office/drawing/2014/main" id="{67746001-761D-4238-A251-886F6C60FD4D}"/>
+              </a:ext>
+            </a:extLst>
+          </p:cNvPr>
+          <p:cNvGraphicFramePr>
+            <a:graphicFrameLocks noChangeAspect="1"/>
+          </p:cNvGraphicFramePr>
+          <p:nvPr>
+            <p:extLst>
+              <p:ext uri="{D42A27DB-BD31-4B8C-83A1-F6EECF244321}">
+                <p14:modId xmlns:p14="http://schemas.microsoft.com/office/powerpoint/2010/main" val="3892281641"/>
+              </p:ext>
+            </p:extLst>
+          </p:nvPr>
+        </p:nvGraphicFramePr>
+        <p:xfrm>
+          <a:off x="6006455" y="2513277"/>
+          <a:ext cx="1235075" cy="1204912"/>
+        </p:xfrm>
+        <a:graphic>
+          <a:graphicData uri="http://schemas.openxmlformats.org/presentationml/2006/ole">
+            <mc:AlternateContent xmlns:mc="http://schemas.openxmlformats.org/markup-compatibility/2006">
+              <mc:Choice xmlns:v="urn:schemas-microsoft-com:vml" Requires="v">
+                <p:oleObj name="CS ChemDraw Drawing" r:id="rId16" imgW="1235428" imgH="1205105" progId="ChemDraw.Document.6.0">
+                  <p:embed/>
+                </p:oleObj>
+              </mc:Choice>
+              <mc:Fallback>
+                <p:oleObj name="CS ChemDraw Drawing" r:id="rId16" imgW="1235428" imgH="1205105" progId="ChemDraw.Document.6.0">
+                  <p:embed/>
+                  <p:pic>
+                    <p:nvPicPr>
+                      <p:cNvPr id="77" name="Objeto 76">
+                        <a:extLst>
+                          <a:ext uri="{FF2B5EF4-FFF2-40B4-BE49-F238E27FC236}">
+                            <a16:creationId xmlns:a16="http://schemas.microsoft.com/office/drawing/2014/main" id="{67746001-761D-4238-A251-886F6C60FD4D}"/>
+                          </a:ext>
+                        </a:extLst>
+                      </p:cNvPr>
+                      <p:cNvPicPr/>
+                      <p:nvPr/>
+                    </p:nvPicPr>
+                    <p:blipFill>
+                      <a:blip r:embed="rId17"/>
+                      <a:stretch>
+                        <a:fillRect/>
+                      </a:stretch>
+                    </p:blipFill>
+                    <p:spPr>
+                      <a:xfrm>
+                        <a:off x="6006455" y="2513277"/>
+                        <a:ext cx="1235075" cy="1204912"/>
+                      </a:xfrm>
+                      <a:prstGeom prst="rect">
+                        <a:avLst/>
+                      </a:prstGeom>
+                    </p:spPr>
+                  </p:pic>
+                </p:oleObj>
+              </mc:Fallback>
+            </mc:AlternateContent>
+          </a:graphicData>
+        </a:graphic>
+      </p:graphicFrame>
+      <p:graphicFrame>
+        <p:nvGraphicFramePr>
+          <p:cNvPr id="78" name="Objeto 77">
+            <a:extLst>
+              <a:ext uri="{FF2B5EF4-FFF2-40B4-BE49-F238E27FC236}">
+                <a16:creationId xmlns:a16="http://schemas.microsoft.com/office/drawing/2014/main" id="{219901E4-89E6-4C2A-8F5D-9433EF04C553}"/>
+              </a:ext>
+            </a:extLst>
+          </p:cNvPr>
+          <p:cNvGraphicFramePr>
+            <a:graphicFrameLocks noChangeAspect="1"/>
+          </p:cNvGraphicFramePr>
+          <p:nvPr>
+            <p:extLst>
+              <p:ext uri="{D42A27DB-BD31-4B8C-83A1-F6EECF244321}">
+                <p14:modId xmlns:p14="http://schemas.microsoft.com/office/powerpoint/2010/main" val="3694426247"/>
+              </p:ext>
+            </p:extLst>
+          </p:nvPr>
+        </p:nvGraphicFramePr>
+        <p:xfrm>
+          <a:off x="9315130" y="546035"/>
+          <a:ext cx="2058987" cy="1306512"/>
+        </p:xfrm>
+        <a:graphic>
+          <a:graphicData uri="http://schemas.openxmlformats.org/presentationml/2006/ole">
+            <mc:AlternateContent xmlns:mc="http://schemas.openxmlformats.org/markup-compatibility/2006">
+              <mc:Choice xmlns:v="urn:schemas-microsoft-com:vml" Requires="v">
+                <p:oleObj name="CS ChemDraw Drawing" r:id="rId18" imgW="2058625" imgH="1305742" progId="ChemDraw.Document.6.0">
+                  <p:embed/>
+                </p:oleObj>
+              </mc:Choice>
+              <mc:Fallback>
+                <p:oleObj name="CS ChemDraw Drawing" r:id="rId18" imgW="2058625" imgH="1305742" progId="ChemDraw.Document.6.0">
+                  <p:embed/>
+                  <p:pic>
+                    <p:nvPicPr>
+                      <p:cNvPr id="78" name="Objeto 77">
+                        <a:extLst>
+                          <a:ext uri="{FF2B5EF4-FFF2-40B4-BE49-F238E27FC236}">
+                            <a16:creationId xmlns:a16="http://schemas.microsoft.com/office/drawing/2014/main" id="{219901E4-89E6-4C2A-8F5D-9433EF04C553}"/>
+                          </a:ext>
+                        </a:extLst>
+                      </p:cNvPr>
+                      <p:cNvPicPr/>
+                      <p:nvPr/>
+                    </p:nvPicPr>
+                    <p:blipFill>
+                      <a:blip r:embed="rId19"/>
+                      <a:stretch>
+                        <a:fillRect/>
+                      </a:stretch>
+                    </p:blipFill>
+                    <p:spPr>
+                      <a:xfrm>
+                        <a:off x="9315130" y="546035"/>
+                        <a:ext cx="2058987" cy="1306512"/>
+                      </a:xfrm>
+                      <a:prstGeom prst="rect">
+                        <a:avLst/>
+                      </a:prstGeom>
+                    </p:spPr>
+                  </p:pic>
+                </p:oleObj>
+              </mc:Fallback>
+            </mc:AlternateContent>
+          </a:graphicData>
+        </a:graphic>
+      </p:graphicFrame>
+      <p:graphicFrame>
+        <p:nvGraphicFramePr>
+          <p:cNvPr id="79" name="Objeto 78">
+            <a:extLst>
+              <a:ext uri="{FF2B5EF4-FFF2-40B4-BE49-F238E27FC236}">
+                <a16:creationId xmlns:a16="http://schemas.microsoft.com/office/drawing/2014/main" id="{3D86ED63-1546-4FA5-B46D-1A6380DE2B0E}"/>
+              </a:ext>
+            </a:extLst>
+          </p:cNvPr>
+          <p:cNvGraphicFramePr>
+            <a:graphicFrameLocks noChangeAspect="1"/>
+          </p:cNvGraphicFramePr>
+          <p:nvPr>
+            <p:extLst>
+              <p:ext uri="{D42A27DB-BD31-4B8C-83A1-F6EECF244321}">
+                <p14:modId xmlns:p14="http://schemas.microsoft.com/office/powerpoint/2010/main" val="540813825"/>
+              </p:ext>
+            </p:extLst>
+          </p:nvPr>
+        </p:nvGraphicFramePr>
+        <p:xfrm>
+          <a:off x="7585055" y="2552183"/>
+          <a:ext cx="1879600" cy="1233488"/>
+        </p:xfrm>
+        <a:graphic>
+          <a:graphicData uri="http://schemas.openxmlformats.org/presentationml/2006/ole">
+            <mc:AlternateContent xmlns:mc="http://schemas.openxmlformats.org/markup-compatibility/2006">
+              <mc:Choice xmlns:v="urn:schemas-microsoft-com:vml" Requires="v">
+                <p:oleObj name="CS ChemDraw Drawing" r:id="rId20" imgW="1880090" imgH="1233859" progId="ChemDraw.Document.6.0">
+                  <p:embed/>
+                </p:oleObj>
+              </mc:Choice>
+              <mc:Fallback>
+                <p:oleObj name="CS ChemDraw Drawing" r:id="rId20" imgW="1880090" imgH="1233859" progId="ChemDraw.Document.6.0">
+                  <p:embed/>
+                  <p:pic>
+                    <p:nvPicPr>
+                      <p:cNvPr id="79" name="Objeto 78">
+                        <a:extLst>
+                          <a:ext uri="{FF2B5EF4-FFF2-40B4-BE49-F238E27FC236}">
+                            <a16:creationId xmlns:a16="http://schemas.microsoft.com/office/drawing/2014/main" id="{3D86ED63-1546-4FA5-B46D-1A6380DE2B0E}"/>
+                          </a:ext>
+                        </a:extLst>
+                      </p:cNvPr>
+                      <p:cNvPicPr/>
+                      <p:nvPr/>
+                    </p:nvPicPr>
+                    <p:blipFill>
+                      <a:blip r:embed="rId21"/>
+                      <a:stretch>
+                        <a:fillRect/>
+                      </a:stretch>
+                    </p:blipFill>
+                    <p:spPr>
+                      <a:xfrm>
+                        <a:off x="7585055" y="2552183"/>
+                        <a:ext cx="1879600" cy="1233488"/>
+                      </a:xfrm>
+                      <a:prstGeom prst="rect">
+                        <a:avLst/>
+                      </a:prstGeom>
+                    </p:spPr>
+                  </p:pic>
+                </p:oleObj>
+              </mc:Fallback>
+            </mc:AlternateContent>
+          </a:graphicData>
+        </a:graphic>
+      </p:graphicFrame>
+      <p:graphicFrame>
+        <p:nvGraphicFramePr>
+          <p:cNvPr id="80" name="Objeto 79">
+            <a:extLst>
+              <a:ext uri="{FF2B5EF4-FFF2-40B4-BE49-F238E27FC236}">
+                <a16:creationId xmlns:a16="http://schemas.microsoft.com/office/drawing/2014/main" id="{C460AC10-C939-49AD-898A-B3F570990568}"/>
+              </a:ext>
+            </a:extLst>
+          </p:cNvPr>
+          <p:cNvGraphicFramePr>
+            <a:graphicFrameLocks noChangeAspect="1"/>
+          </p:cNvGraphicFramePr>
+          <p:nvPr>
+            <p:extLst>
+              <p:ext uri="{D42A27DB-BD31-4B8C-83A1-F6EECF244321}">
+                <p14:modId xmlns:p14="http://schemas.microsoft.com/office/powerpoint/2010/main" val="435857421"/>
+              </p:ext>
+            </p:extLst>
+          </p:nvPr>
+        </p:nvGraphicFramePr>
+        <p:xfrm>
+          <a:off x="7712470" y="620983"/>
+          <a:ext cx="1571625" cy="1233488"/>
+        </p:xfrm>
+        <a:graphic>
+          <a:graphicData uri="http://schemas.openxmlformats.org/presentationml/2006/ole">
+            <mc:AlternateContent xmlns:mc="http://schemas.openxmlformats.org/markup-compatibility/2006">
+              <mc:Choice xmlns:v="urn:schemas-microsoft-com:vml" Requires="v">
+                <p:oleObj name="CS ChemDraw Drawing" r:id="rId22" imgW="1572286" imgH="1233859" progId="ChemDraw.Document.6.0">
+                  <p:embed/>
+                </p:oleObj>
+              </mc:Choice>
+              <mc:Fallback>
+                <p:oleObj name="CS ChemDraw Drawing" r:id="rId22" imgW="1572286" imgH="1233859" progId="ChemDraw.Document.6.0">
+                  <p:embed/>
+                  <p:pic>
+                    <p:nvPicPr>
+                      <p:cNvPr id="80" name="Objeto 79">
+                        <a:extLst>
+                          <a:ext uri="{FF2B5EF4-FFF2-40B4-BE49-F238E27FC236}">
+                            <a16:creationId xmlns:a16="http://schemas.microsoft.com/office/drawing/2014/main" id="{C460AC10-C939-49AD-898A-B3F570990568}"/>
+                          </a:ext>
+                        </a:extLst>
+                      </p:cNvPr>
+                      <p:cNvPicPr/>
+                      <p:nvPr/>
+                    </p:nvPicPr>
+                    <p:blipFill>
+                      <a:blip r:embed="rId23"/>
+                      <a:stretch>
+                        <a:fillRect/>
+                      </a:stretch>
+                    </p:blipFill>
+                    <p:spPr>
+                      <a:xfrm>
+                        <a:off x="7712470" y="620983"/>
+                        <a:ext cx="1571625" cy="1233488"/>
+                      </a:xfrm>
+                      <a:prstGeom prst="rect">
+                        <a:avLst/>
+                      </a:prstGeom>
+                    </p:spPr>
+                  </p:pic>
+                </p:oleObj>
+              </mc:Fallback>
+            </mc:AlternateContent>
+          </a:graphicData>
+        </a:graphic>
+      </p:graphicFrame>
+      <p:sp>
+        <p:nvSpPr>
+          <p:cNvPr id="83" name="Google Shape;298;p9">
+            <a:extLst>
+              <a:ext uri="{FF2B5EF4-FFF2-40B4-BE49-F238E27FC236}">
+                <a16:creationId xmlns:a16="http://schemas.microsoft.com/office/drawing/2014/main" id="{5EFCC3DB-15C5-488F-B6E5-0577A579FA61}"/>
+              </a:ext>
+            </a:extLst>
+          </p:cNvPr>
+          <p:cNvSpPr txBox="1"/>
+          <p:nvPr/>
+        </p:nvSpPr>
+        <p:spPr>
+          <a:xfrm>
+            <a:off x="8239008" y="3852351"/>
+            <a:ext cx="631426" cy="310717"/>
+          </a:xfrm>
+          <a:prstGeom prst="rect">
+            <a:avLst/>
+          </a:prstGeom>
+          <a:noFill/>
+          <a:ln>
+            <a:noFill/>
+          </a:ln>
+        </p:spPr>
+        <p:txBody>
+          <a:bodyPr spcFirstLastPara="1" wrap="square" lIns="94378" tIns="47176" rIns="94378" bIns="47176" anchor="t" anchorCtr="0">
+            <a:spAutoFit/>
+          </a:bodyPr>
+          <a:lstStyle/>
+          <a:p>
+            <a:pPr algn="ctr">
+              <a:buClr>
+                <a:srgbClr val="000000"/>
+              </a:buClr>
+              <a:buSzPts val="1200"/>
+            </a:pPr>
+            <a:r>
+              <a:rPr lang="pt-BR" sz="1400" b="1" dirty="0">
+                <a:solidFill>
+                  <a:srgbClr val="00B050"/>
+                </a:solidFill>
+                <a:latin typeface="Avenir"/>
+                <a:ea typeface="Arial"/>
+                <a:cs typeface="Arial"/>
+                <a:sym typeface="Avenir"/>
+              </a:rPr>
+              <a:t>DHPI</a:t>
+            </a:r>
+            <a:endParaRPr sz="1600" dirty="0">
+              <a:solidFill>
+                <a:srgbClr val="00B050"/>
+              </a:solidFill>
+              <a:latin typeface="Arial"/>
+              <a:ea typeface="Arial"/>
+              <a:cs typeface="Arial"/>
+              <a:sym typeface="Arial"/>
+            </a:endParaRPr>
+          </a:p>
+        </p:txBody>
+      </p:sp>
+      <p:sp>
+        <p:nvSpPr>
+          <p:cNvPr id="84" name="Google Shape;298;p9">
+            <a:extLst>
+              <a:ext uri="{FF2B5EF4-FFF2-40B4-BE49-F238E27FC236}">
+                <a16:creationId xmlns:a16="http://schemas.microsoft.com/office/drawing/2014/main" id="{F273D877-3F62-4F0C-9CB9-CA6E16266A55}"/>
+              </a:ext>
+            </a:extLst>
+          </p:cNvPr>
+          <p:cNvSpPr txBox="1"/>
+          <p:nvPr/>
+        </p:nvSpPr>
+        <p:spPr>
+          <a:xfrm>
+            <a:off x="8202687" y="1850177"/>
+            <a:ext cx="631426" cy="310717"/>
+          </a:xfrm>
+          <a:prstGeom prst="rect">
+            <a:avLst/>
+          </a:prstGeom>
+          <a:noFill/>
+          <a:ln>
+            <a:noFill/>
+          </a:ln>
+        </p:spPr>
+        <p:txBody>
+          <a:bodyPr spcFirstLastPara="1" wrap="square" lIns="94378" tIns="47176" rIns="94378" bIns="47176" anchor="t" anchorCtr="0">
+            <a:spAutoFit/>
+          </a:bodyPr>
+          <a:lstStyle/>
+          <a:p>
+            <a:pPr algn="ctr">
+              <a:buClr>
+                <a:srgbClr val="000000"/>
+              </a:buClr>
+              <a:buSzPts val="1200"/>
+            </a:pPr>
+            <a:r>
+              <a:rPr lang="pt-BR" sz="1400" b="1" dirty="0">
+                <a:solidFill>
+                  <a:srgbClr val="00B050"/>
+                </a:solidFill>
+                <a:latin typeface="Avenir"/>
+                <a:ea typeface="Arial"/>
+                <a:cs typeface="Arial"/>
+                <a:sym typeface="Avenir"/>
+              </a:rPr>
+              <a:t>BDFN</a:t>
+            </a:r>
+            <a:endParaRPr sz="1600" dirty="0">
+              <a:solidFill>
+                <a:srgbClr val="00B050"/>
+              </a:solidFill>
+              <a:latin typeface="Arial"/>
+              <a:ea typeface="Arial"/>
+              <a:cs typeface="Arial"/>
+              <a:sym typeface="Arial"/>
+            </a:endParaRPr>
+          </a:p>
+        </p:txBody>
+      </p:sp>
+      <p:graphicFrame>
+        <p:nvGraphicFramePr>
+          <p:cNvPr id="85" name="Objeto 84">
+            <a:extLst>
+              <a:ext uri="{FF2B5EF4-FFF2-40B4-BE49-F238E27FC236}">
+                <a16:creationId xmlns:a16="http://schemas.microsoft.com/office/drawing/2014/main" id="{81CCA88D-3382-428F-9BCE-B792736861D7}"/>
+              </a:ext>
+            </a:extLst>
+          </p:cNvPr>
+          <p:cNvGraphicFramePr>
+            <a:graphicFrameLocks noChangeAspect="1"/>
+          </p:cNvGraphicFramePr>
+          <p:nvPr>
+            <p:extLst>
+              <p:ext uri="{D42A27DB-BD31-4B8C-83A1-F6EECF244321}">
+                <p14:modId xmlns:p14="http://schemas.microsoft.com/office/powerpoint/2010/main" val="3740330416"/>
+              </p:ext>
+            </p:extLst>
+          </p:nvPr>
+        </p:nvGraphicFramePr>
+        <p:xfrm>
+          <a:off x="9636165" y="2510388"/>
+          <a:ext cx="1535113" cy="1271588"/>
+        </p:xfrm>
+        <a:graphic>
+          <a:graphicData uri="http://schemas.openxmlformats.org/presentationml/2006/ole">
+            <mc:AlternateContent xmlns:mc="http://schemas.openxmlformats.org/markup-compatibility/2006">
+              <mc:Choice xmlns:v="urn:schemas-microsoft-com:vml" Requires="v">
+                <p:oleObj name="CS ChemDraw Drawing" r:id="rId24" imgW="1535653" imgH="1272337" progId="ChemDraw.Document.6.0">
+                  <p:embed/>
+                </p:oleObj>
+              </mc:Choice>
+              <mc:Fallback>
+                <p:oleObj name="CS ChemDraw Drawing" r:id="rId24" imgW="1535653" imgH="1272337" progId="ChemDraw.Document.6.0">
+                  <p:embed/>
+                  <p:pic>
+                    <p:nvPicPr>
+                      <p:cNvPr id="85" name="Objeto 84">
+                        <a:extLst>
+                          <a:ext uri="{FF2B5EF4-FFF2-40B4-BE49-F238E27FC236}">
+                            <a16:creationId xmlns:a16="http://schemas.microsoft.com/office/drawing/2014/main" id="{81CCA88D-3382-428F-9BCE-B792736861D7}"/>
+                          </a:ext>
+                        </a:extLst>
+                      </p:cNvPr>
+                      <p:cNvPicPr/>
+                      <p:nvPr/>
+                    </p:nvPicPr>
+                    <p:blipFill>
+                      <a:blip r:embed="rId25"/>
+                      <a:stretch>
+                        <a:fillRect/>
+                      </a:stretch>
+                    </p:blipFill>
+                    <p:spPr>
+                      <a:xfrm>
+                        <a:off x="9636165" y="2510388"/>
+                        <a:ext cx="1535113" cy="1271588"/>
+                      </a:xfrm>
+                      <a:prstGeom prst="rect">
+                        <a:avLst/>
+                      </a:prstGeom>
+                    </p:spPr>
+                  </p:pic>
+                </p:oleObj>
+              </mc:Fallback>
+            </mc:AlternateContent>
+          </a:graphicData>
+        </a:graphic>
+      </p:graphicFrame>
+      <p:graphicFrame>
+        <p:nvGraphicFramePr>
+          <p:cNvPr id="86" name="Objeto 85">
+            <a:extLst>
+              <a:ext uri="{FF2B5EF4-FFF2-40B4-BE49-F238E27FC236}">
+                <a16:creationId xmlns:a16="http://schemas.microsoft.com/office/drawing/2014/main" id="{E75D2434-90AA-4D00-9349-40E5B06422BE}"/>
+              </a:ext>
+            </a:extLst>
+          </p:cNvPr>
+          <p:cNvGraphicFramePr>
+            <a:graphicFrameLocks noChangeAspect="1"/>
+          </p:cNvGraphicFramePr>
+          <p:nvPr>
+            <p:extLst>
+              <p:ext uri="{D42A27DB-BD31-4B8C-83A1-F6EECF244321}">
+                <p14:modId xmlns:p14="http://schemas.microsoft.com/office/powerpoint/2010/main" val="2137691470"/>
+              </p:ext>
+            </p:extLst>
+          </p:nvPr>
+        </p:nvGraphicFramePr>
+        <p:xfrm>
+          <a:off x="339489" y="4280098"/>
+          <a:ext cx="2152650" cy="1330325"/>
+        </p:xfrm>
+        <a:graphic>
+          <a:graphicData uri="http://schemas.openxmlformats.org/presentationml/2006/ole">
+            <mc:AlternateContent xmlns:mc="http://schemas.openxmlformats.org/markup-compatibility/2006">
+              <mc:Choice xmlns:v="urn:schemas-microsoft-com:vml" Requires="v">
+                <p:oleObj name="CS ChemDraw Drawing" r:id="rId26" imgW="2152945" imgH="1330267" progId="ChemDraw.Document.6.0">
+                  <p:embed/>
+                </p:oleObj>
+              </mc:Choice>
+              <mc:Fallback>
+                <p:oleObj name="CS ChemDraw Drawing" r:id="rId26" imgW="2152945" imgH="1330267" progId="ChemDraw.Document.6.0">
+                  <p:embed/>
+                  <p:pic>
+                    <p:nvPicPr>
+                      <p:cNvPr id="86" name="Objeto 85">
+                        <a:extLst>
+                          <a:ext uri="{FF2B5EF4-FFF2-40B4-BE49-F238E27FC236}">
+                            <a16:creationId xmlns:a16="http://schemas.microsoft.com/office/drawing/2014/main" id="{E75D2434-90AA-4D00-9349-40E5B06422BE}"/>
+                          </a:ext>
+                        </a:extLst>
+                      </p:cNvPr>
+                      <p:cNvPicPr/>
+                      <p:nvPr/>
+                    </p:nvPicPr>
+                    <p:blipFill>
+                      <a:blip r:embed="rId27"/>
+                      <a:stretch>
+                        <a:fillRect/>
+                      </a:stretch>
+                    </p:blipFill>
+                    <p:spPr>
+                      <a:xfrm>
+                        <a:off x="339489" y="4280098"/>
+                        <a:ext cx="2152650" cy="1330325"/>
+                      </a:xfrm>
+                      <a:prstGeom prst="rect">
+                        <a:avLst/>
+                      </a:prstGeom>
+                    </p:spPr>
+                  </p:pic>
+                </p:oleObj>
+              </mc:Fallback>
+            </mc:AlternateContent>
+          </a:graphicData>
+        </a:graphic>
+      </p:graphicFrame>
+      <p:graphicFrame>
+        <p:nvGraphicFramePr>
+          <p:cNvPr id="87" name="Objeto 86">
+            <a:extLst>
+              <a:ext uri="{FF2B5EF4-FFF2-40B4-BE49-F238E27FC236}">
+                <a16:creationId xmlns:a16="http://schemas.microsoft.com/office/drawing/2014/main" id="{DEF9D8AF-24C9-4649-B6B0-C02483178083}"/>
+              </a:ext>
+            </a:extLst>
+          </p:cNvPr>
+          <p:cNvGraphicFramePr>
+            <a:graphicFrameLocks noChangeAspect="1"/>
+          </p:cNvGraphicFramePr>
+          <p:nvPr>
+            <p:extLst>
+              <p:ext uri="{D42A27DB-BD31-4B8C-83A1-F6EECF244321}">
+                <p14:modId xmlns:p14="http://schemas.microsoft.com/office/powerpoint/2010/main" val="3548176231"/>
+              </p:ext>
+            </p:extLst>
+          </p:nvPr>
+        </p:nvGraphicFramePr>
+        <p:xfrm>
+          <a:off x="2700616" y="4292201"/>
+          <a:ext cx="1704975" cy="1362075"/>
+        </p:xfrm>
+        <a:graphic>
+          <a:graphicData uri="http://schemas.openxmlformats.org/presentationml/2006/ole">
+            <mc:AlternateContent xmlns:mc="http://schemas.openxmlformats.org/markup-compatibility/2006">
+              <mc:Choice xmlns:v="urn:schemas-microsoft-com:vml" Requires="v">
+                <p:oleObj name="CS ChemDraw Drawing" r:id="rId28" imgW="1704924" imgH="1362403" progId="ChemDraw.Document.6.0">
+                  <p:embed/>
+                </p:oleObj>
+              </mc:Choice>
+              <mc:Fallback>
+                <p:oleObj name="CS ChemDraw Drawing" r:id="rId28" imgW="1704924" imgH="1362403" progId="ChemDraw.Document.6.0">
+                  <p:embed/>
+                  <p:pic>
+                    <p:nvPicPr>
+                      <p:cNvPr id="87" name="Objeto 86">
+                        <a:extLst>
+                          <a:ext uri="{FF2B5EF4-FFF2-40B4-BE49-F238E27FC236}">
+                            <a16:creationId xmlns:a16="http://schemas.microsoft.com/office/drawing/2014/main" id="{DEF9D8AF-24C9-4649-B6B0-C02483178083}"/>
+                          </a:ext>
+                        </a:extLst>
+                      </p:cNvPr>
+                      <p:cNvPicPr/>
+                      <p:nvPr/>
+                    </p:nvPicPr>
+                    <p:blipFill>
+                      <a:blip r:embed="rId29"/>
+                      <a:stretch>
+                        <a:fillRect/>
+                      </a:stretch>
+                    </p:blipFill>
+                    <p:spPr>
+                      <a:xfrm>
+                        <a:off x="2700616" y="4292201"/>
+                        <a:ext cx="1704975" cy="1362075"/>
+                      </a:xfrm>
+                      <a:prstGeom prst="rect">
+                        <a:avLst/>
+                      </a:prstGeom>
+                    </p:spPr>
+                  </p:pic>
+                </p:oleObj>
+              </mc:Fallback>
+            </mc:AlternateContent>
+          </a:graphicData>
+        </a:graphic>
+      </p:graphicFrame>
+      <p:graphicFrame>
+        <p:nvGraphicFramePr>
+          <p:cNvPr id="88" name="Objeto 87">
+            <a:extLst>
+              <a:ext uri="{FF2B5EF4-FFF2-40B4-BE49-F238E27FC236}">
+                <a16:creationId xmlns:a16="http://schemas.microsoft.com/office/drawing/2014/main" id="{CA78C7D5-A0B7-4BB0-A5D9-4F14DD4EEE11}"/>
+              </a:ext>
+            </a:extLst>
+          </p:cNvPr>
+          <p:cNvGraphicFramePr>
+            <a:graphicFrameLocks noChangeAspect="1"/>
+          </p:cNvGraphicFramePr>
+          <p:nvPr>
+            <p:extLst>
+              <p:ext uri="{D42A27DB-BD31-4B8C-83A1-F6EECF244321}">
+                <p14:modId xmlns:p14="http://schemas.microsoft.com/office/powerpoint/2010/main" val="4294424022"/>
+              </p:ext>
+            </p:extLst>
+          </p:nvPr>
+        </p:nvGraphicFramePr>
+        <p:xfrm>
+          <a:off x="4829204" y="4323950"/>
+          <a:ext cx="1690687" cy="1298575"/>
+        </p:xfrm>
+        <a:graphic>
+          <a:graphicData uri="http://schemas.openxmlformats.org/presentationml/2006/ole">
+            <mc:AlternateContent xmlns:mc="http://schemas.openxmlformats.org/markup-compatibility/2006">
+              <mc:Choice xmlns:v="urn:schemas-microsoft-com:vml" Requires="v">
+                <p:oleObj name="CS ChemDraw Drawing" r:id="rId30" imgW="1691450" imgH="1298131" progId="ChemDraw.Document.6.0">
+                  <p:embed/>
+                </p:oleObj>
+              </mc:Choice>
+              <mc:Fallback>
+                <p:oleObj name="CS ChemDraw Drawing" r:id="rId30" imgW="1691450" imgH="1298131" progId="ChemDraw.Document.6.0">
+                  <p:embed/>
+                  <p:pic>
+                    <p:nvPicPr>
+                      <p:cNvPr id="88" name="Objeto 87">
+                        <a:extLst>
+                          <a:ext uri="{FF2B5EF4-FFF2-40B4-BE49-F238E27FC236}">
+                            <a16:creationId xmlns:a16="http://schemas.microsoft.com/office/drawing/2014/main" id="{CA78C7D5-A0B7-4BB0-A5D9-4F14DD4EEE11}"/>
+                          </a:ext>
+                        </a:extLst>
+                      </p:cNvPr>
+                      <p:cNvPicPr/>
+                      <p:nvPr/>
+                    </p:nvPicPr>
+                    <p:blipFill>
+                      <a:blip r:embed="rId31"/>
+                      <a:stretch>
+                        <a:fillRect/>
+                      </a:stretch>
+                    </p:blipFill>
+                    <p:spPr>
+                      <a:xfrm>
+                        <a:off x="4829204" y="4323950"/>
+                        <a:ext cx="1690687" cy="1298575"/>
+                      </a:xfrm>
+                      <a:prstGeom prst="rect">
+                        <a:avLst/>
+                      </a:prstGeom>
+                    </p:spPr>
+                  </p:pic>
+                </p:oleObj>
+              </mc:Fallback>
+            </mc:AlternateContent>
+          </a:graphicData>
+        </a:graphic>
+      </p:graphicFrame>
+      <p:graphicFrame>
+        <p:nvGraphicFramePr>
+          <p:cNvPr id="89" name="Objeto 88">
+            <a:extLst>
+              <a:ext uri="{FF2B5EF4-FFF2-40B4-BE49-F238E27FC236}">
+                <a16:creationId xmlns:a16="http://schemas.microsoft.com/office/drawing/2014/main" id="{A26E1481-A9F9-4D1D-888A-5E40A82315FF}"/>
+              </a:ext>
+            </a:extLst>
+          </p:cNvPr>
+          <p:cNvGraphicFramePr>
+            <a:graphicFrameLocks noChangeAspect="1"/>
+          </p:cNvGraphicFramePr>
+          <p:nvPr>
+            <p:extLst>
+              <p:ext uri="{D42A27DB-BD31-4B8C-83A1-F6EECF244321}">
+                <p14:modId xmlns:p14="http://schemas.microsoft.com/office/powerpoint/2010/main" val="1845825779"/>
+              </p:ext>
+            </p:extLst>
+          </p:nvPr>
+        </p:nvGraphicFramePr>
+        <p:xfrm>
+          <a:off x="6695228" y="4493813"/>
+          <a:ext cx="1787525" cy="1128712"/>
+        </p:xfrm>
+        <a:graphic>
+          <a:graphicData uri="http://schemas.openxmlformats.org/presentationml/2006/ole">
+            <mc:AlternateContent xmlns:mc="http://schemas.openxmlformats.org/markup-compatibility/2006">
+              <mc:Choice xmlns:v="urn:schemas-microsoft-com:vml" Requires="v">
+                <p:oleObj name="CS ChemDraw Drawing" r:id="rId32" imgW="1787454" imgH="1128993" progId="ChemDraw.Document.6.0">
+                  <p:embed/>
+                </p:oleObj>
+              </mc:Choice>
+              <mc:Fallback>
+                <p:oleObj name="CS ChemDraw Drawing" r:id="rId32" imgW="1787454" imgH="1128993" progId="ChemDraw.Document.6.0">
+                  <p:embed/>
+                  <p:pic>
+                    <p:nvPicPr>
+                      <p:cNvPr id="89" name="Objeto 88">
+                        <a:extLst>
+                          <a:ext uri="{FF2B5EF4-FFF2-40B4-BE49-F238E27FC236}">
+                            <a16:creationId xmlns:a16="http://schemas.microsoft.com/office/drawing/2014/main" id="{A26E1481-A9F9-4D1D-888A-5E40A82315FF}"/>
+                          </a:ext>
+                        </a:extLst>
+                      </p:cNvPr>
+                      <p:cNvPicPr/>
+                      <p:nvPr/>
+                    </p:nvPicPr>
+                    <p:blipFill>
+                      <a:blip r:embed="rId33"/>
+                      <a:stretch>
+                        <a:fillRect/>
+                      </a:stretch>
+                    </p:blipFill>
+                    <p:spPr>
+                      <a:xfrm>
+                        <a:off x="6695228" y="4493813"/>
+                        <a:ext cx="1787525" cy="1128712"/>
+                      </a:xfrm>
+                      <a:prstGeom prst="rect">
+                        <a:avLst/>
+                      </a:prstGeom>
+                    </p:spPr>
+                  </p:pic>
+                </p:oleObj>
+              </mc:Fallback>
+            </mc:AlternateContent>
+          </a:graphicData>
+        </a:graphic>
+      </p:graphicFrame>
+      <p:graphicFrame>
+        <p:nvGraphicFramePr>
+          <p:cNvPr id="91" name="Objeto 90">
+            <a:extLst>
+              <a:ext uri="{FF2B5EF4-FFF2-40B4-BE49-F238E27FC236}">
+                <a16:creationId xmlns:a16="http://schemas.microsoft.com/office/drawing/2014/main" id="{8B25B316-E27C-4129-B445-83CA8BA62320}"/>
+              </a:ext>
+            </a:extLst>
+          </p:cNvPr>
+          <p:cNvGraphicFramePr>
+            <a:graphicFrameLocks noChangeAspect="1"/>
+          </p:cNvGraphicFramePr>
+          <p:nvPr>
+            <p:extLst>
+              <p:ext uri="{D42A27DB-BD31-4B8C-83A1-F6EECF244321}">
+                <p14:modId xmlns:p14="http://schemas.microsoft.com/office/powerpoint/2010/main" val="3883771001"/>
+              </p:ext>
+            </p:extLst>
+          </p:nvPr>
+        </p:nvGraphicFramePr>
+        <p:xfrm>
+          <a:off x="8838007" y="4973237"/>
+          <a:ext cx="892175" cy="376238"/>
+        </p:xfrm>
+        <a:graphic>
+          <a:graphicData uri="http://schemas.openxmlformats.org/presentationml/2006/ole">
+            <mc:AlternateContent xmlns:mc="http://schemas.openxmlformats.org/markup-compatibility/2006">
+              <mc:Choice xmlns:v="urn:schemas-microsoft-com:vml" Requires="v">
+                <p:oleObj name="CS ChemDraw Drawing" r:id="rId34" imgW="891411" imgH="375908" progId="ChemDraw.Document.6.0">
+                  <p:embed/>
+                </p:oleObj>
+              </mc:Choice>
+              <mc:Fallback>
+                <p:oleObj name="CS ChemDraw Drawing" r:id="rId34" imgW="891411" imgH="375908" progId="ChemDraw.Document.6.0">
+                  <p:embed/>
+                  <p:pic>
+                    <p:nvPicPr>
+                      <p:cNvPr id="91" name="Objeto 90">
+                        <a:extLst>
+                          <a:ext uri="{FF2B5EF4-FFF2-40B4-BE49-F238E27FC236}">
+                            <a16:creationId xmlns:a16="http://schemas.microsoft.com/office/drawing/2014/main" id="{8B25B316-E27C-4129-B445-83CA8BA62320}"/>
+                          </a:ext>
+                        </a:extLst>
+                      </p:cNvPr>
+                      <p:cNvPicPr/>
+                      <p:nvPr/>
+                    </p:nvPicPr>
+                    <p:blipFill>
+                      <a:blip r:embed="rId35"/>
+                      <a:stretch>
+                        <a:fillRect/>
+                      </a:stretch>
+                    </p:blipFill>
+                    <p:spPr>
+                      <a:xfrm>
+                        <a:off x="8838007" y="4973237"/>
+                        <a:ext cx="892175" cy="376238"/>
+                      </a:xfrm>
+                      <a:prstGeom prst="rect">
+                        <a:avLst/>
+                      </a:prstGeom>
+                    </p:spPr>
+                  </p:pic>
+                </p:oleObj>
+              </mc:Fallback>
+            </mc:AlternateContent>
+          </a:graphicData>
+        </a:graphic>
+      </p:graphicFrame>
+      <p:sp>
+        <p:nvSpPr>
+          <p:cNvPr id="92" name="Google Shape;298;p9">
+            <a:extLst>
+              <a:ext uri="{FF2B5EF4-FFF2-40B4-BE49-F238E27FC236}">
+                <a16:creationId xmlns:a16="http://schemas.microsoft.com/office/drawing/2014/main" id="{09570C18-97FF-45CF-8529-914AE5DF1FBA}"/>
+              </a:ext>
+            </a:extLst>
+          </p:cNvPr>
+          <p:cNvSpPr txBox="1"/>
+          <p:nvPr/>
+        </p:nvSpPr>
+        <p:spPr>
+          <a:xfrm>
+            <a:off x="8919409" y="5622525"/>
+            <a:ext cx="631426" cy="310717"/>
+          </a:xfrm>
+          <a:prstGeom prst="rect">
+            <a:avLst/>
+          </a:prstGeom>
+          <a:noFill/>
+          <a:ln>
+            <a:noFill/>
+          </a:ln>
+        </p:spPr>
+        <p:txBody>
+          <a:bodyPr spcFirstLastPara="1" wrap="square" lIns="94378" tIns="47176" rIns="94378" bIns="47176" anchor="t" anchorCtr="0">
+            <a:spAutoFit/>
+          </a:bodyPr>
+          <a:lstStyle/>
+          <a:p>
+            <a:pPr algn="ctr">
+              <a:buClr>
+                <a:srgbClr val="000000"/>
+              </a:buClr>
+              <a:buSzPts val="1200"/>
+            </a:pPr>
+            <a:r>
+              <a:rPr lang="pt-BR" sz="1400" b="1" dirty="0">
+                <a:solidFill>
+                  <a:srgbClr val="00B050"/>
+                </a:solidFill>
+                <a:latin typeface="Avenir"/>
+                <a:sym typeface="Avenir"/>
+              </a:rPr>
+              <a:t>HDZ</a:t>
+            </a:r>
+            <a:endParaRPr sz="1600" dirty="0">
+              <a:solidFill>
+                <a:srgbClr val="00B050"/>
+              </a:solidFill>
+              <a:latin typeface="Arial"/>
+              <a:ea typeface="Arial"/>
+              <a:cs typeface="Arial"/>
+              <a:sym typeface="Arial"/>
+            </a:endParaRPr>
+          </a:p>
+        </p:txBody>
+      </p:sp>
+      <p:graphicFrame>
+        <p:nvGraphicFramePr>
+          <p:cNvPr id="93" name="Objeto 92">
+            <a:extLst>
+              <a:ext uri="{FF2B5EF4-FFF2-40B4-BE49-F238E27FC236}">
+                <a16:creationId xmlns:a16="http://schemas.microsoft.com/office/drawing/2014/main" id="{7E657B1D-2A69-4E76-BB60-DF2E17B0D092}"/>
+              </a:ext>
+            </a:extLst>
+          </p:cNvPr>
+          <p:cNvGraphicFramePr>
+            <a:graphicFrameLocks noChangeAspect="1"/>
+          </p:cNvGraphicFramePr>
+          <p:nvPr>
+            <p:extLst>
+              <p:ext uri="{D42A27DB-BD31-4B8C-83A1-F6EECF244321}">
+                <p14:modId xmlns:p14="http://schemas.microsoft.com/office/powerpoint/2010/main" val="1887165197"/>
+              </p:ext>
+            </p:extLst>
+          </p:nvPr>
+        </p:nvGraphicFramePr>
+        <p:xfrm>
+          <a:off x="339489" y="6191250"/>
+          <a:ext cx="2349500" cy="1077912"/>
+        </p:xfrm>
+        <a:graphic>
+          <a:graphicData uri="http://schemas.openxmlformats.org/presentationml/2006/ole">
+            <mc:AlternateContent xmlns:mc="http://schemas.openxmlformats.org/markup-compatibility/2006">
+              <mc:Choice xmlns:v="urn:schemas-microsoft-com:vml" Requires="v">
+                <p:oleObj name="CS ChemDraw Drawing" r:id="rId36" imgW="2349586" imgH="1078675" progId="ChemDraw.Document.6.0">
+                  <p:embed/>
+                </p:oleObj>
+              </mc:Choice>
+              <mc:Fallback>
+                <p:oleObj name="CS ChemDraw Drawing" r:id="rId36" imgW="2349586" imgH="1078675" progId="ChemDraw.Document.6.0">
+                  <p:embed/>
+                  <p:pic>
+                    <p:nvPicPr>
+                      <p:cNvPr id="93" name="Objeto 92">
+                        <a:extLst>
+                          <a:ext uri="{FF2B5EF4-FFF2-40B4-BE49-F238E27FC236}">
+                            <a16:creationId xmlns:a16="http://schemas.microsoft.com/office/drawing/2014/main" id="{7E657B1D-2A69-4E76-BB60-DF2E17B0D092}"/>
+                          </a:ext>
+                        </a:extLst>
+                      </p:cNvPr>
+                      <p:cNvPicPr/>
+                      <p:nvPr/>
+                    </p:nvPicPr>
+                    <p:blipFill>
+                      <a:blip r:embed="rId37"/>
+                      <a:stretch>
+                        <a:fillRect/>
+                      </a:stretch>
+                    </p:blipFill>
+                    <p:spPr>
+                      <a:xfrm>
+                        <a:off x="339489" y="6191250"/>
+                        <a:ext cx="2349500" cy="1077912"/>
+                      </a:xfrm>
+                      <a:prstGeom prst="rect">
+                        <a:avLst/>
+                      </a:prstGeom>
+                    </p:spPr>
+                  </p:pic>
+                </p:oleObj>
+              </mc:Fallback>
+            </mc:AlternateContent>
+          </a:graphicData>
+        </a:graphic>
+      </p:graphicFrame>
+      <p:graphicFrame>
+        <p:nvGraphicFramePr>
+          <p:cNvPr id="94" name="Objeto 93">
+            <a:extLst>
+              <a:ext uri="{FF2B5EF4-FFF2-40B4-BE49-F238E27FC236}">
+                <a16:creationId xmlns:a16="http://schemas.microsoft.com/office/drawing/2014/main" id="{B0224ECB-9E87-4E7A-987F-6F68C5AD9399}"/>
+              </a:ext>
+            </a:extLst>
+          </p:cNvPr>
+          <p:cNvGraphicFramePr>
+            <a:graphicFrameLocks noChangeAspect="1"/>
+          </p:cNvGraphicFramePr>
+          <p:nvPr>
+            <p:extLst>
+              <p:ext uri="{D42A27DB-BD31-4B8C-83A1-F6EECF244321}">
+                <p14:modId xmlns:p14="http://schemas.microsoft.com/office/powerpoint/2010/main" val="3009745544"/>
+              </p:ext>
+            </p:extLst>
+          </p:nvPr>
+        </p:nvGraphicFramePr>
+        <p:xfrm>
+          <a:off x="2938387" y="6093619"/>
+          <a:ext cx="1200150" cy="1273175"/>
+        </p:xfrm>
+        <a:graphic>
+          <a:graphicData uri="http://schemas.openxmlformats.org/presentationml/2006/ole">
+            <mc:AlternateContent xmlns:mc="http://schemas.openxmlformats.org/markup-compatibility/2006">
+              <mc:Choice xmlns:v="urn:schemas-microsoft-com:vml" Requires="v">
+                <p:oleObj name="CS ChemDraw Drawing" r:id="rId38" imgW="1200479" imgH="1273606" progId="ChemDraw.Document.6.0">
+                  <p:embed/>
+                </p:oleObj>
+              </mc:Choice>
+              <mc:Fallback>
+                <p:oleObj name="CS ChemDraw Drawing" r:id="rId38" imgW="1200479" imgH="1273606" progId="ChemDraw.Document.6.0">
+                  <p:embed/>
+                  <p:pic>
+                    <p:nvPicPr>
+                      <p:cNvPr id="94" name="Objeto 93">
+                        <a:extLst>
+                          <a:ext uri="{FF2B5EF4-FFF2-40B4-BE49-F238E27FC236}">
+                            <a16:creationId xmlns:a16="http://schemas.microsoft.com/office/drawing/2014/main" id="{B0224ECB-9E87-4E7A-987F-6F68C5AD9399}"/>
+                          </a:ext>
+                        </a:extLst>
+                      </p:cNvPr>
+                      <p:cNvPicPr/>
+                      <p:nvPr/>
+                    </p:nvPicPr>
+                    <p:blipFill>
+                      <a:blip r:embed="rId39"/>
+                      <a:stretch>
+                        <a:fillRect/>
+                      </a:stretch>
+                    </p:blipFill>
+                    <p:spPr>
+                      <a:xfrm>
+                        <a:off x="2938387" y="6093619"/>
+                        <a:ext cx="1200150" cy="1273175"/>
+                      </a:xfrm>
+                      <a:prstGeom prst="rect">
+                        <a:avLst/>
+                      </a:prstGeom>
+                    </p:spPr>
+                  </p:pic>
+                </p:oleObj>
+              </mc:Fallback>
+            </mc:AlternateContent>
+          </a:graphicData>
+        </a:graphic>
+      </p:graphicFrame>
+      <p:graphicFrame>
+        <p:nvGraphicFramePr>
+          <p:cNvPr id="95" name="Objeto 94">
+            <a:extLst>
+              <a:ext uri="{FF2B5EF4-FFF2-40B4-BE49-F238E27FC236}">
+                <a16:creationId xmlns:a16="http://schemas.microsoft.com/office/drawing/2014/main" id="{68BE93DC-D0C8-4CBD-9146-D535C1F897FB}"/>
+              </a:ext>
+            </a:extLst>
+          </p:cNvPr>
+          <p:cNvGraphicFramePr>
+            <a:graphicFrameLocks noChangeAspect="1"/>
+          </p:cNvGraphicFramePr>
+          <p:nvPr>
+            <p:extLst>
+              <p:ext uri="{D42A27DB-BD31-4B8C-83A1-F6EECF244321}">
+                <p14:modId xmlns:p14="http://schemas.microsoft.com/office/powerpoint/2010/main" val="2339582725"/>
+              </p:ext>
+            </p:extLst>
+          </p:nvPr>
+        </p:nvGraphicFramePr>
+        <p:xfrm>
+          <a:off x="6907840" y="6016851"/>
+          <a:ext cx="4484687" cy="1419225"/>
+        </p:xfrm>
+        <a:graphic>
+          <a:graphicData uri="http://schemas.openxmlformats.org/presentationml/2006/ole">
+            <mc:AlternateContent xmlns:mc="http://schemas.openxmlformats.org/markup-compatibility/2006">
+              <mc:Choice xmlns:v="urn:schemas-microsoft-com:vml" Requires="v">
+                <p:oleObj name="CS ChemDraw Drawing" r:id="rId40" imgW="4484847" imgH="1418641" progId="ChemDraw.Document.6.0">
+                  <p:embed/>
+                </p:oleObj>
+              </mc:Choice>
+              <mc:Fallback>
+                <p:oleObj name="CS ChemDraw Drawing" r:id="rId40" imgW="4484847" imgH="1418641" progId="ChemDraw.Document.6.0">
+                  <p:embed/>
+                  <p:pic>
+                    <p:nvPicPr>
+                      <p:cNvPr id="95" name="Objeto 94">
+                        <a:extLst>
+                          <a:ext uri="{FF2B5EF4-FFF2-40B4-BE49-F238E27FC236}">
+                            <a16:creationId xmlns:a16="http://schemas.microsoft.com/office/drawing/2014/main" id="{68BE93DC-D0C8-4CBD-9146-D535C1F897FB}"/>
+                          </a:ext>
+                        </a:extLst>
+                      </p:cNvPr>
+                      <p:cNvPicPr/>
+                      <p:nvPr/>
+                    </p:nvPicPr>
+                    <p:blipFill>
+                      <a:blip r:embed="rId41"/>
+                      <a:stretch>
+                        <a:fillRect/>
+                      </a:stretch>
+                    </p:blipFill>
+                    <p:spPr>
+                      <a:xfrm>
+                        <a:off x="6907840" y="6016851"/>
+                        <a:ext cx="4484687" cy="1419225"/>
+                      </a:xfrm>
+                      <a:prstGeom prst="rect">
+                        <a:avLst/>
+                      </a:prstGeom>
+                    </p:spPr>
+                  </p:pic>
+                </p:oleObj>
+              </mc:Fallback>
+            </mc:AlternateContent>
+          </a:graphicData>
+        </a:graphic>
+      </p:graphicFrame>
+      <p:sp>
+        <p:nvSpPr>
+          <p:cNvPr id="96" name="Google Shape;298;p9">
+            <a:extLst>
+              <a:ext uri="{FF2B5EF4-FFF2-40B4-BE49-F238E27FC236}">
+                <a16:creationId xmlns:a16="http://schemas.microsoft.com/office/drawing/2014/main" id="{3A5555F3-711D-4057-B2EA-71400D705058}"/>
+              </a:ext>
+            </a:extLst>
+          </p:cNvPr>
+          <p:cNvSpPr txBox="1"/>
+          <p:nvPr/>
+        </p:nvSpPr>
+        <p:spPr>
+          <a:xfrm>
+            <a:off x="8591203" y="7541799"/>
+            <a:ext cx="631426" cy="310717"/>
+          </a:xfrm>
+          <a:prstGeom prst="rect">
+            <a:avLst/>
+          </a:prstGeom>
+          <a:noFill/>
+          <a:ln>
+            <a:noFill/>
+          </a:ln>
+        </p:spPr>
+        <p:txBody>
+          <a:bodyPr spcFirstLastPara="1" wrap="square" lIns="94378" tIns="47176" rIns="94378" bIns="47176" anchor="t" anchorCtr="0">
+            <a:spAutoFit/>
+          </a:bodyPr>
+          <a:lstStyle/>
+          <a:p>
+            <a:pPr algn="ctr">
+              <a:buClr>
+                <a:srgbClr val="000000"/>
+              </a:buClr>
+              <a:buSzPts val="1200"/>
+            </a:pPr>
+            <a:r>
+              <a:rPr lang="pt-BR" sz="1400" b="1" dirty="0">
+                <a:solidFill>
+                  <a:srgbClr val="00B050"/>
+                </a:solidFill>
+                <a:latin typeface="Avenir"/>
+                <a:sym typeface="Avenir"/>
+              </a:rPr>
+              <a:t>PTCD</a:t>
+            </a:r>
+            <a:endParaRPr sz="1600" dirty="0">
+              <a:solidFill>
+                <a:srgbClr val="00B050"/>
+              </a:solidFill>
+              <a:latin typeface="Arial"/>
+              <a:ea typeface="Arial"/>
+              <a:cs typeface="Arial"/>
+              <a:sym typeface="Arial"/>
+            </a:endParaRPr>
+          </a:p>
+        </p:txBody>
+      </p:sp>
+      <p:graphicFrame>
+        <p:nvGraphicFramePr>
+          <p:cNvPr id="97" name="Objeto 96">
+            <a:extLst>
+              <a:ext uri="{FF2B5EF4-FFF2-40B4-BE49-F238E27FC236}">
+                <a16:creationId xmlns:a16="http://schemas.microsoft.com/office/drawing/2014/main" id="{54D23764-7B98-4F3F-83F0-485FF8E39013}"/>
+              </a:ext>
+            </a:extLst>
+          </p:cNvPr>
+          <p:cNvGraphicFramePr>
+            <a:graphicFrameLocks noChangeAspect="1"/>
+          </p:cNvGraphicFramePr>
+          <p:nvPr>
+            <p:extLst>
+              <p:ext uri="{D42A27DB-BD31-4B8C-83A1-F6EECF244321}">
+                <p14:modId xmlns:p14="http://schemas.microsoft.com/office/powerpoint/2010/main" val="78862650"/>
+              </p:ext>
+            </p:extLst>
+          </p:nvPr>
+        </p:nvGraphicFramePr>
+        <p:xfrm>
+          <a:off x="199856" y="7783397"/>
+          <a:ext cx="1419225" cy="1476375"/>
+        </p:xfrm>
+        <a:graphic>
+          <a:graphicData uri="http://schemas.openxmlformats.org/presentationml/2006/ole">
+            <mc:AlternateContent xmlns:mc="http://schemas.openxmlformats.org/markup-compatibility/2006">
+              <mc:Choice xmlns:v="urn:schemas-microsoft-com:vml" Requires="v">
+                <p:oleObj name="CS ChemDraw Drawing" r:id="rId42" imgW="1418594" imgH="1476148" progId="ChemDraw.Document.6.0">
+                  <p:embed/>
+                </p:oleObj>
+              </mc:Choice>
+              <mc:Fallback>
+                <p:oleObj name="CS ChemDraw Drawing" r:id="rId42" imgW="1418594" imgH="1476148" progId="ChemDraw.Document.6.0">
+                  <p:embed/>
+                  <p:pic>
+                    <p:nvPicPr>
+                      <p:cNvPr id="97" name="Objeto 96">
+                        <a:extLst>
+                          <a:ext uri="{FF2B5EF4-FFF2-40B4-BE49-F238E27FC236}">
+                            <a16:creationId xmlns:a16="http://schemas.microsoft.com/office/drawing/2014/main" id="{54D23764-7B98-4F3F-83F0-485FF8E39013}"/>
+                          </a:ext>
+                        </a:extLst>
+                      </p:cNvPr>
+                      <p:cNvPicPr/>
+                      <p:nvPr/>
+                    </p:nvPicPr>
+                    <p:blipFill>
+                      <a:blip r:embed="rId43"/>
+                      <a:stretch>
+                        <a:fillRect/>
+                      </a:stretch>
+                    </p:blipFill>
+                    <p:spPr>
+                      <a:xfrm>
+                        <a:off x="199856" y="7783397"/>
+                        <a:ext cx="1419225" cy="1476375"/>
+                      </a:xfrm>
+                      <a:prstGeom prst="rect">
+                        <a:avLst/>
+                      </a:prstGeom>
+                    </p:spPr>
+                  </p:pic>
+                </p:oleObj>
+              </mc:Fallback>
+            </mc:AlternateContent>
+          </a:graphicData>
+        </a:graphic>
+      </p:graphicFrame>
+      <p:graphicFrame>
+        <p:nvGraphicFramePr>
+          <p:cNvPr id="98" name="Objeto 97">
+            <a:extLst>
+              <a:ext uri="{FF2B5EF4-FFF2-40B4-BE49-F238E27FC236}">
+                <a16:creationId xmlns:a16="http://schemas.microsoft.com/office/drawing/2014/main" id="{3A3C11CC-2CDA-4D16-A256-C7FF898289EA}"/>
+              </a:ext>
+            </a:extLst>
+          </p:cNvPr>
+          <p:cNvGraphicFramePr>
+            <a:graphicFrameLocks noChangeAspect="1"/>
+          </p:cNvGraphicFramePr>
+          <p:nvPr>
+            <p:extLst>
+              <p:ext uri="{D42A27DB-BD31-4B8C-83A1-F6EECF244321}">
+                <p14:modId xmlns:p14="http://schemas.microsoft.com/office/powerpoint/2010/main" val="3281826840"/>
+              </p:ext>
+            </p:extLst>
+          </p:nvPr>
+        </p:nvGraphicFramePr>
+        <p:xfrm>
+          <a:off x="3853139" y="7769776"/>
+          <a:ext cx="4181475" cy="1446212"/>
+        </p:xfrm>
+        <a:graphic>
+          <a:graphicData uri="http://schemas.openxmlformats.org/presentationml/2006/ole">
+            <mc:AlternateContent xmlns:mc="http://schemas.openxmlformats.org/markup-compatibility/2006">
+              <mc:Choice xmlns:v="urn:schemas-microsoft-com:vml" Requires="v">
+                <p:oleObj name="CS ChemDraw Drawing" r:id="rId44" imgW="4181674" imgH="1446126" progId="ChemDraw.Document.6.0">
+                  <p:embed/>
+                </p:oleObj>
+              </mc:Choice>
+              <mc:Fallback>
+                <p:oleObj name="CS ChemDraw Drawing" r:id="rId44" imgW="4181674" imgH="1446126" progId="ChemDraw.Document.6.0">
+                  <p:embed/>
+                  <p:pic>
+                    <p:nvPicPr>
+                      <p:cNvPr id="98" name="Objeto 97">
+                        <a:extLst>
+                          <a:ext uri="{FF2B5EF4-FFF2-40B4-BE49-F238E27FC236}">
+                            <a16:creationId xmlns:a16="http://schemas.microsoft.com/office/drawing/2014/main" id="{3A3C11CC-2CDA-4D16-A256-C7FF898289EA}"/>
+                          </a:ext>
+                        </a:extLst>
+                      </p:cNvPr>
+                      <p:cNvPicPr/>
+                      <p:nvPr/>
+                    </p:nvPicPr>
+                    <p:blipFill>
+                      <a:blip r:embed="rId45"/>
+                      <a:stretch>
+                        <a:fillRect/>
+                      </a:stretch>
+                    </p:blipFill>
+                    <p:spPr>
+                      <a:xfrm>
+                        <a:off x="3853139" y="7769776"/>
+                        <a:ext cx="4181475" cy="1446212"/>
+                      </a:xfrm>
+                      <a:prstGeom prst="rect">
+                        <a:avLst/>
+                      </a:prstGeom>
+                    </p:spPr>
+                  </p:pic>
+                </p:oleObj>
+              </mc:Fallback>
+            </mc:AlternateContent>
+          </a:graphicData>
+        </a:graphic>
+      </p:graphicFrame>
+      <p:sp>
+        <p:nvSpPr>
+          <p:cNvPr id="99" name="Google Shape;298;p9">
+            <a:extLst>
+              <a:ext uri="{FF2B5EF4-FFF2-40B4-BE49-F238E27FC236}">
+                <a16:creationId xmlns:a16="http://schemas.microsoft.com/office/drawing/2014/main" id="{80CA550C-D2C2-45DF-A59A-C8D3D709AA16}"/>
+              </a:ext>
+            </a:extLst>
+          </p:cNvPr>
+          <p:cNvSpPr txBox="1"/>
+          <p:nvPr/>
+        </p:nvSpPr>
+        <p:spPr>
+          <a:xfrm>
+            <a:off x="5740942" y="9403248"/>
+            <a:ext cx="631426" cy="310717"/>
+          </a:xfrm>
+          <a:prstGeom prst="rect">
+            <a:avLst/>
+          </a:prstGeom>
+          <a:noFill/>
+          <a:ln>
+            <a:noFill/>
+          </a:ln>
+        </p:spPr>
+        <p:txBody>
+          <a:bodyPr spcFirstLastPara="1" wrap="square" lIns="94378" tIns="47176" rIns="94378" bIns="47176" anchor="t" anchorCtr="0">
+            <a:spAutoFit/>
+          </a:bodyPr>
+          <a:lstStyle/>
+          <a:p>
+            <a:pPr algn="ctr">
+              <a:buClr>
+                <a:srgbClr val="000000"/>
+              </a:buClr>
+              <a:buSzPts val="1200"/>
+            </a:pPr>
+            <a:r>
+              <a:rPr lang="pt-BR" sz="1400" b="1" dirty="0">
+                <a:solidFill>
+                  <a:srgbClr val="00B050"/>
+                </a:solidFill>
+                <a:latin typeface="Avenir"/>
+                <a:sym typeface="Avenir"/>
+              </a:rPr>
+              <a:t>TIDA</a:t>
+            </a:r>
+            <a:endParaRPr sz="1600" dirty="0">
+              <a:solidFill>
+                <a:srgbClr val="00B050"/>
+              </a:solidFill>
+              <a:latin typeface="Arial"/>
+              <a:ea typeface="Arial"/>
+              <a:cs typeface="Arial"/>
+              <a:sym typeface="Arial"/>
+            </a:endParaRPr>
+          </a:p>
+        </p:txBody>
+      </p:sp>
+      <p:graphicFrame>
+        <p:nvGraphicFramePr>
+          <p:cNvPr id="100" name="Objeto 99">
+            <a:extLst>
+              <a:ext uri="{FF2B5EF4-FFF2-40B4-BE49-F238E27FC236}">
+                <a16:creationId xmlns:a16="http://schemas.microsoft.com/office/drawing/2014/main" id="{30D32F94-5238-4C2E-9FE9-A3528C813897}"/>
+              </a:ext>
+            </a:extLst>
+          </p:cNvPr>
+          <p:cNvGraphicFramePr>
+            <a:graphicFrameLocks noChangeAspect="1"/>
+          </p:cNvGraphicFramePr>
+          <p:nvPr>
+            <p:extLst>
+              <p:ext uri="{D42A27DB-BD31-4B8C-83A1-F6EECF244321}">
+                <p14:modId xmlns:p14="http://schemas.microsoft.com/office/powerpoint/2010/main" val="2868843937"/>
+              </p:ext>
+            </p:extLst>
+          </p:nvPr>
+        </p:nvGraphicFramePr>
+        <p:xfrm>
+          <a:off x="7664687" y="7947576"/>
+          <a:ext cx="1965325" cy="1090612"/>
+        </p:xfrm>
+        <a:graphic>
+          <a:graphicData uri="http://schemas.openxmlformats.org/presentationml/2006/ole">
+            <mc:AlternateContent xmlns:mc="http://schemas.openxmlformats.org/markup-compatibility/2006">
+              <mc:Choice xmlns:v="urn:schemas-microsoft-com:vml" Requires="v">
+                <p:oleObj name="CS ChemDraw Drawing" r:id="rId46" imgW="1965568" imgH="1090937" progId="ChemDraw.Document.6.0">
+                  <p:embed/>
+                </p:oleObj>
+              </mc:Choice>
+              <mc:Fallback>
+                <p:oleObj name="CS ChemDraw Drawing" r:id="rId46" imgW="1965568" imgH="1090937" progId="ChemDraw.Document.6.0">
+                  <p:embed/>
+                  <p:pic>
+                    <p:nvPicPr>
+                      <p:cNvPr id="100" name="Objeto 99">
+                        <a:extLst>
+                          <a:ext uri="{FF2B5EF4-FFF2-40B4-BE49-F238E27FC236}">
+                            <a16:creationId xmlns:a16="http://schemas.microsoft.com/office/drawing/2014/main" id="{30D32F94-5238-4C2E-9FE9-A3528C813897}"/>
+                          </a:ext>
+                        </a:extLst>
+                      </p:cNvPr>
+                      <p:cNvPicPr/>
+                      <p:nvPr/>
+                    </p:nvPicPr>
+                    <p:blipFill>
+                      <a:blip r:embed="rId47"/>
+                      <a:stretch>
+                        <a:fillRect/>
+                      </a:stretch>
+                    </p:blipFill>
+                    <p:spPr>
+                      <a:xfrm>
+                        <a:off x="7664687" y="7947576"/>
+                        <a:ext cx="1965325" cy="1090612"/>
+                      </a:xfrm>
+                      <a:prstGeom prst="rect">
+                        <a:avLst/>
+                      </a:prstGeom>
+                    </p:spPr>
+                  </p:pic>
+                </p:oleObj>
+              </mc:Fallback>
+            </mc:AlternateContent>
+          </a:graphicData>
+        </a:graphic>
+      </p:graphicFrame>
+      <p:graphicFrame>
+        <p:nvGraphicFramePr>
+          <p:cNvPr id="102" name="Objeto 101">
+            <a:extLst>
+              <a:ext uri="{FF2B5EF4-FFF2-40B4-BE49-F238E27FC236}">
+                <a16:creationId xmlns:a16="http://schemas.microsoft.com/office/drawing/2014/main" id="{C32F81BA-DE75-457A-9421-A89738E38F0B}"/>
+              </a:ext>
+            </a:extLst>
+          </p:cNvPr>
+          <p:cNvGraphicFramePr>
+            <a:graphicFrameLocks noChangeAspect="1"/>
+          </p:cNvGraphicFramePr>
+          <p:nvPr>
+            <p:extLst>
+              <p:ext uri="{D42A27DB-BD31-4B8C-83A1-F6EECF244321}">
+                <p14:modId xmlns:p14="http://schemas.microsoft.com/office/powerpoint/2010/main" val="2062092324"/>
+              </p:ext>
+            </p:extLst>
+          </p:nvPr>
+        </p:nvGraphicFramePr>
+        <p:xfrm>
+          <a:off x="1598030" y="7766601"/>
+          <a:ext cx="2095500" cy="1452562"/>
+        </p:xfrm>
+        <a:graphic>
+          <a:graphicData uri="http://schemas.openxmlformats.org/presentationml/2006/ole">
+            <mc:AlternateContent xmlns:mc="http://schemas.openxmlformats.org/markup-compatibility/2006">
+              <mc:Choice xmlns:v="urn:schemas-microsoft-com:vml" Requires="v">
+                <p:oleObj name="CS ChemDraw Drawing" r:id="rId48" imgW="2095258" imgH="1453315" progId="ChemDraw.Document.6.0">
+                  <p:embed/>
+                </p:oleObj>
+              </mc:Choice>
+              <mc:Fallback>
+                <p:oleObj name="CS ChemDraw Drawing" r:id="rId48" imgW="2095258" imgH="1453315" progId="ChemDraw.Document.6.0">
+                  <p:embed/>
+                  <p:pic>
+                    <p:nvPicPr>
+                      <p:cNvPr id="102" name="Objeto 101">
+                        <a:extLst>
+                          <a:ext uri="{FF2B5EF4-FFF2-40B4-BE49-F238E27FC236}">
+                            <a16:creationId xmlns:a16="http://schemas.microsoft.com/office/drawing/2014/main" id="{C32F81BA-DE75-457A-9421-A89738E38F0B}"/>
+                          </a:ext>
+                        </a:extLst>
+                      </p:cNvPr>
+                      <p:cNvPicPr/>
+                      <p:nvPr/>
+                    </p:nvPicPr>
+                    <p:blipFill>
+                      <a:blip r:embed="rId49"/>
+                      <a:stretch>
+                        <a:fillRect/>
+                      </a:stretch>
+                    </p:blipFill>
+                    <p:spPr>
+                      <a:xfrm>
+                        <a:off x="1598030" y="7766601"/>
+                        <a:ext cx="2095500" cy="1452562"/>
+                      </a:xfrm>
+                      <a:prstGeom prst="rect">
+                        <a:avLst/>
+                      </a:prstGeom>
+                    </p:spPr>
+                  </p:pic>
+                </p:oleObj>
+              </mc:Fallback>
+            </mc:AlternateContent>
+          </a:graphicData>
+        </a:graphic>
+      </p:graphicFrame>
+      <p:graphicFrame>
+        <p:nvGraphicFramePr>
+          <p:cNvPr id="103" name="Objeto 102">
+            <a:extLst>
+              <a:ext uri="{FF2B5EF4-FFF2-40B4-BE49-F238E27FC236}">
+                <a16:creationId xmlns:a16="http://schemas.microsoft.com/office/drawing/2014/main" id="{C2952B3D-F680-48B7-AEFA-F116CDD57195}"/>
+              </a:ext>
+            </a:extLst>
+          </p:cNvPr>
+          <p:cNvGraphicFramePr>
+            <a:graphicFrameLocks noChangeAspect="1"/>
+          </p:cNvGraphicFramePr>
+          <p:nvPr>
+            <p:extLst>
+              <p:ext uri="{D42A27DB-BD31-4B8C-83A1-F6EECF244321}">
+                <p14:modId xmlns:p14="http://schemas.microsoft.com/office/powerpoint/2010/main" val="2822514375"/>
+              </p:ext>
+            </p:extLst>
+          </p:nvPr>
+        </p:nvGraphicFramePr>
+        <p:xfrm>
+          <a:off x="9939989" y="7936555"/>
+          <a:ext cx="1546225" cy="1214438"/>
+        </p:xfrm>
+        <a:graphic>
+          <a:graphicData uri="http://schemas.openxmlformats.org/presentationml/2006/ole">
+            <mc:AlternateContent xmlns:mc="http://schemas.openxmlformats.org/markup-compatibility/2006">
+              <mc:Choice xmlns:v="urn:schemas-microsoft-com:vml" Requires="v">
+                <p:oleObj name="CS ChemDraw Drawing" r:id="rId50" imgW="1546600" imgH="1214408" progId="ChemDraw.Document.6.0">
+                  <p:embed/>
+                </p:oleObj>
+              </mc:Choice>
+              <mc:Fallback>
+                <p:oleObj name="CS ChemDraw Drawing" r:id="rId50" imgW="1546600" imgH="1214408" progId="ChemDraw.Document.6.0">
+                  <p:embed/>
+                  <p:pic>
+                    <p:nvPicPr>
+                      <p:cNvPr id="103" name="Objeto 102">
+                        <a:extLst>
+                          <a:ext uri="{FF2B5EF4-FFF2-40B4-BE49-F238E27FC236}">
+                            <a16:creationId xmlns:a16="http://schemas.microsoft.com/office/drawing/2014/main" id="{C2952B3D-F680-48B7-AEFA-F116CDD57195}"/>
+                          </a:ext>
+                        </a:extLst>
+                      </p:cNvPr>
+                      <p:cNvPicPr/>
+                      <p:nvPr/>
+                    </p:nvPicPr>
+                    <p:blipFill>
+                      <a:blip r:embed="rId51"/>
+                      <a:stretch>
+                        <a:fillRect/>
+                      </a:stretch>
+                    </p:blipFill>
+                    <p:spPr>
+                      <a:xfrm>
+                        <a:off x="9939989" y="7936555"/>
+                        <a:ext cx="1546225" cy="1214438"/>
+                      </a:xfrm>
+                      <a:prstGeom prst="rect">
+                        <a:avLst/>
+                      </a:prstGeom>
+                    </p:spPr>
+                  </p:pic>
+                </p:oleObj>
+              </mc:Fallback>
+            </mc:AlternateContent>
+          </a:graphicData>
+        </a:graphic>
+      </p:graphicFrame>
+      <p:sp>
+        <p:nvSpPr>
+          <p:cNvPr id="104" name="Google Shape;298;p9">
+            <a:extLst>
+              <a:ext uri="{FF2B5EF4-FFF2-40B4-BE49-F238E27FC236}">
+                <a16:creationId xmlns:a16="http://schemas.microsoft.com/office/drawing/2014/main" id="{3A682804-DE1B-4804-8727-42494348EA79}"/>
+              </a:ext>
+            </a:extLst>
+          </p:cNvPr>
+          <p:cNvSpPr txBox="1"/>
+          <p:nvPr/>
+        </p:nvSpPr>
+        <p:spPr>
+          <a:xfrm>
+            <a:off x="5121152" y="7384960"/>
+            <a:ext cx="631426" cy="310717"/>
+          </a:xfrm>
+          <a:prstGeom prst="rect">
+            <a:avLst/>
+          </a:prstGeom>
+          <a:noFill/>
+          <a:ln>
+            <a:noFill/>
+          </a:ln>
+        </p:spPr>
+        <p:txBody>
+          <a:bodyPr spcFirstLastPara="1" wrap="square" lIns="94378" tIns="47176" rIns="94378" bIns="47176" anchor="t" anchorCtr="0">
+            <a:spAutoFit/>
+          </a:bodyPr>
+          <a:lstStyle/>
+          <a:p>
+            <a:pPr algn="ctr">
+              <a:buClr>
+                <a:srgbClr val="000000"/>
+              </a:buClr>
+              <a:buSzPts val="1200"/>
+            </a:pPr>
+            <a:r>
+              <a:rPr lang="pt-BR" sz="1400" b="1" dirty="0">
+                <a:solidFill>
+                  <a:srgbClr val="00B050"/>
+                </a:solidFill>
+                <a:latin typeface="Avenir"/>
+                <a:sym typeface="Avenir"/>
+              </a:rPr>
+              <a:t>NDTP</a:t>
+            </a:r>
+            <a:endParaRPr sz="1600" dirty="0">
+              <a:solidFill>
+                <a:srgbClr val="00B050"/>
+              </a:solidFill>
+              <a:latin typeface="Arial"/>
+              <a:ea typeface="Arial"/>
+              <a:cs typeface="Arial"/>
+              <a:sym typeface="Arial"/>
+            </a:endParaRPr>
+          </a:p>
+        </p:txBody>
+      </p:sp>
+      <p:graphicFrame>
+        <p:nvGraphicFramePr>
+          <p:cNvPr id="105" name="Objeto 104">
+            <a:extLst>
+              <a:ext uri="{FF2B5EF4-FFF2-40B4-BE49-F238E27FC236}">
+                <a16:creationId xmlns:a16="http://schemas.microsoft.com/office/drawing/2014/main" id="{1CE0DC8F-4B5D-46A2-95DF-A8E8B43DCD14}"/>
+              </a:ext>
+            </a:extLst>
+          </p:cNvPr>
+          <p:cNvGraphicFramePr>
+            <a:graphicFrameLocks noChangeAspect="1"/>
+          </p:cNvGraphicFramePr>
+          <p:nvPr>
+            <p:extLst>
+              <p:ext uri="{D42A27DB-BD31-4B8C-83A1-F6EECF244321}">
+                <p14:modId xmlns:p14="http://schemas.microsoft.com/office/powerpoint/2010/main" val="3563423907"/>
+              </p:ext>
+            </p:extLst>
+          </p:nvPr>
+        </p:nvGraphicFramePr>
+        <p:xfrm>
+          <a:off x="4524651" y="6161413"/>
+          <a:ext cx="1997075" cy="1192212"/>
+        </p:xfrm>
+        <a:graphic>
+          <a:graphicData uri="http://schemas.openxmlformats.org/presentationml/2006/ole">
+            <mc:AlternateContent xmlns:mc="http://schemas.openxmlformats.org/markup-compatibility/2006">
+              <mc:Choice xmlns:v="urn:schemas-microsoft-com:vml" Requires="v">
+                <p:oleObj name="CS ChemDraw Drawing" r:id="rId52" imgW="1996306" imgH="1191574" progId="ChemDraw.Document.6.0">
+                  <p:embed/>
+                </p:oleObj>
+              </mc:Choice>
+              <mc:Fallback>
+                <p:oleObj name="CS ChemDraw Drawing" r:id="rId52" imgW="1996306" imgH="1191574" progId="ChemDraw.Document.6.0">
+                  <p:embed/>
+                  <p:pic>
+                    <p:nvPicPr>
+                      <p:cNvPr id="105" name="Objeto 104">
+                        <a:extLst>
+                          <a:ext uri="{FF2B5EF4-FFF2-40B4-BE49-F238E27FC236}">
+                            <a16:creationId xmlns:a16="http://schemas.microsoft.com/office/drawing/2014/main" id="{1CE0DC8F-4B5D-46A2-95DF-A8E8B43DCD14}"/>
+                          </a:ext>
+                        </a:extLst>
+                      </p:cNvPr>
+                      <p:cNvPicPr/>
+                      <p:nvPr/>
+                    </p:nvPicPr>
+                    <p:blipFill>
+                      <a:blip r:embed="rId53"/>
+                      <a:stretch>
+                        <a:fillRect/>
+                      </a:stretch>
+                    </p:blipFill>
+                    <p:spPr>
+                      <a:xfrm>
+                        <a:off x="4524651" y="6161413"/>
+                        <a:ext cx="1997075" cy="1192212"/>
+                      </a:xfrm>
+                      <a:prstGeom prst="rect">
+                        <a:avLst/>
+                      </a:prstGeom>
+                    </p:spPr>
+                  </p:pic>
+                </p:oleObj>
+              </mc:Fallback>
+            </mc:AlternateContent>
+          </a:graphicData>
+        </a:graphic>
+      </p:graphicFrame>
+    </p:spTree>
+    <p:extLst>
+      <p:ext uri="{BB962C8B-B14F-4D97-AF65-F5344CB8AC3E}">
+        <p14:creationId xmlns:p14="http://schemas.microsoft.com/office/powerpoint/2010/main" val="1480784656"/>
+      </p:ext>
+    </p:extLst>
+  </p:cSld>
+  <p:clrMapOvr>
+    <a:masterClrMapping/>
+  </p:clrMapOvr>
+</p:sld>
+</file>
+
+<file path=ppt/slides/slide5.xml><?xml version="1.0" encoding="utf-8"?>
+<p:sld xmlns:a="http://schemas.openxmlformats.org/drawingml/2006/main" xmlns:r="http://schemas.openxmlformats.org/officeDocument/2006/relationships" xmlns:p="http://schemas.openxmlformats.org/presentationml/2006/main">
+  <p:cSld>
+    <p:spTree>
+      <p:nvGrpSpPr>
+        <p:cNvPr id="1" name=""/>
+        <p:cNvGrpSpPr/>
+        <p:nvPr/>
+      </p:nvGrpSpPr>
+      <p:grpSpPr>
+        <a:xfrm>
+          <a:off x="0" y="0"/>
+          <a:ext cx="0" cy="0"/>
+          <a:chOff x="0" y="0"/>
+          <a:chExt cx="0" cy="0"/>
+        </a:xfrm>
+      </p:grpSpPr>
+      <p:sp>
+        <p:nvSpPr>
+          <p:cNvPr id="5" name="Retângulo: Cantos Arredondados 4">
+            <a:extLst>
+              <a:ext uri="{FF2B5EF4-FFF2-40B4-BE49-F238E27FC236}">
+                <a16:creationId xmlns:a16="http://schemas.microsoft.com/office/drawing/2014/main" id="{90E86114-E759-48F3-9652-76E5F3AA3658}"/>
+              </a:ext>
+            </a:extLst>
+          </p:cNvPr>
+          <p:cNvSpPr/>
+          <p:nvPr/>
+        </p:nvSpPr>
+        <p:spPr>
+          <a:xfrm>
+            <a:off x="87031" y="51597"/>
+            <a:ext cx="11346423" cy="10982129"/>
+          </a:xfrm>
+          <a:prstGeom prst="roundRect">
+            <a:avLst>
+              <a:gd name="adj" fmla="val 1159"/>
+            </a:avLst>
+          </a:prstGeom>
+          <a:solidFill>
+            <a:schemeClr val="bg1">
+              <a:lumMod val="95000"/>
+            </a:schemeClr>
+          </a:solidFill>
+          <a:ln w="28575">
+            <a:solidFill>
+              <a:schemeClr val="tx1">
+                <a:lumMod val="75000"/>
+                <a:lumOff val="25000"/>
+              </a:schemeClr>
+            </a:solidFill>
+          </a:ln>
+        </p:spPr>
+        <p:style>
+          <a:lnRef idx="2">
+            <a:schemeClr val="accent1">
+              <a:shade val="50000"/>
+            </a:schemeClr>
+          </a:lnRef>
+          <a:fillRef idx="1">
+            <a:schemeClr val="accent1"/>
+          </a:fillRef>
+          <a:effectRef idx="0">
+            <a:schemeClr val="accent1"/>
+          </a:effectRef>
+          <a:fontRef idx="minor">
+            <a:schemeClr val="lt1"/>
+          </a:fontRef>
+        </p:style>
+        <p:txBody>
+          <a:bodyPr rtlCol="0" anchor="ctr"/>
+          <a:lstStyle/>
+          <a:p>
+            <a:pPr algn="ctr"/>
+            <a:endParaRPr lang="pt-BR" sz="1893"/>
+          </a:p>
+        </p:txBody>
+      </p:sp>
+      <p:sp>
+        <p:nvSpPr>
+          <p:cNvPr id="7" name="CaixaDeTexto 6">
+            <a:extLst>
+              <a:ext uri="{FF2B5EF4-FFF2-40B4-BE49-F238E27FC236}">
+                <a16:creationId xmlns:a16="http://schemas.microsoft.com/office/drawing/2014/main" id="{873057E6-C705-49AB-B737-335D3A936A56}"/>
+              </a:ext>
+            </a:extLst>
+          </p:cNvPr>
+          <p:cNvSpPr txBox="1"/>
+          <p:nvPr/>
+        </p:nvSpPr>
+        <p:spPr>
+          <a:xfrm>
+            <a:off x="199856" y="126399"/>
             <a:ext cx="3410357" cy="383631"/>
           </a:xfrm>
           <a:prstGeom prst="rect">
@@ -13775,7 +15808,7 @@
           <p:nvPr>
             <p:extLst>
               <p:ext uri="{D42A27DB-BD31-4B8C-83A1-F6EECF244321}">
-                <p14:modId xmlns:p14="http://schemas.microsoft.com/office/powerpoint/2010/main" val="1245895888"/>
+                <p14:modId xmlns:p14="http://schemas.microsoft.com/office/powerpoint/2010/main" val="2316345993"/>
               </p:ext>
             </p:extLst>
           </p:nvPr>
@@ -13797,7 +15830,13 @@
                   <p:embed/>
                   <p:pic>
                     <p:nvPicPr>
-                      <p:cNvPr id="0" name=""/>
+                      <p:cNvPr id="2" name="Objeto 1">
+                        <a:extLst>
+                          <a:ext uri="{FF2B5EF4-FFF2-40B4-BE49-F238E27FC236}">
+                            <a16:creationId xmlns:a16="http://schemas.microsoft.com/office/drawing/2014/main" id="{52ADFD3F-9B57-43B2-ADDF-1843E05553BD}"/>
+                          </a:ext>
+                        </a:extLst>
+                      </p:cNvPr>
                       <p:cNvPicPr/>
                       <p:nvPr/>
                     </p:nvPicPr>
@@ -13838,7 +15877,7 @@
           <p:nvPr>
             <p:extLst>
               <p:ext uri="{D42A27DB-BD31-4B8C-83A1-F6EECF244321}">
-                <p14:modId xmlns:p14="http://schemas.microsoft.com/office/powerpoint/2010/main" val="3614649923"/>
+                <p14:modId xmlns:p14="http://schemas.microsoft.com/office/powerpoint/2010/main" val="3143440556"/>
               </p:ext>
             </p:extLst>
           </p:nvPr>
@@ -13860,7 +15899,13 @@
                   <p:embed/>
                   <p:pic>
                     <p:nvPicPr>
-                      <p:cNvPr id="0" name=""/>
+                      <p:cNvPr id="3" name="Objeto 2">
+                        <a:extLst>
+                          <a:ext uri="{FF2B5EF4-FFF2-40B4-BE49-F238E27FC236}">
+                            <a16:creationId xmlns:a16="http://schemas.microsoft.com/office/drawing/2014/main" id="{A4F573EC-AE94-404C-BB73-E52907B4AB2F}"/>
+                          </a:ext>
+                        </a:extLst>
+                      </p:cNvPr>
                       <p:cNvPicPr/>
                       <p:nvPr/>
                     </p:nvPicPr>
@@ -13960,7 +16005,7 @@
           <p:nvPr>
             <p:extLst>
               <p:ext uri="{D42A27DB-BD31-4B8C-83A1-F6EECF244321}">
-                <p14:modId xmlns:p14="http://schemas.microsoft.com/office/powerpoint/2010/main" val="4218319859"/>
+                <p14:modId xmlns:p14="http://schemas.microsoft.com/office/powerpoint/2010/main" val="4271910640"/>
               </p:ext>
             </p:extLst>
           </p:nvPr>
@@ -13982,7 +16027,13 @@
                   <p:embed/>
                   <p:pic>
                     <p:nvPicPr>
-                      <p:cNvPr id="0" name=""/>
+                      <p:cNvPr id="4" name="Objeto 3">
+                        <a:extLst>
+                          <a:ext uri="{FF2B5EF4-FFF2-40B4-BE49-F238E27FC236}">
+                            <a16:creationId xmlns:a16="http://schemas.microsoft.com/office/drawing/2014/main" id="{0019A03C-729D-411E-A4D4-9C94EA2F8B26}"/>
+                          </a:ext>
+                        </a:extLst>
+                      </p:cNvPr>
                       <p:cNvPicPr/>
                       <p:nvPr/>
                     </p:nvPicPr>
@@ -14082,29 +16133,35 @@
           <p:nvPr>
             <p:extLst>
               <p:ext uri="{D42A27DB-BD31-4B8C-83A1-F6EECF244321}">
-                <p14:modId xmlns:p14="http://schemas.microsoft.com/office/powerpoint/2010/main" val="2631345914"/>
+                <p14:modId xmlns:p14="http://schemas.microsoft.com/office/powerpoint/2010/main" val="1573542408"/>
               </p:ext>
             </p:extLst>
           </p:nvPr>
         </p:nvGraphicFramePr>
         <p:xfrm>
-          <a:off x="6580814" y="686648"/>
-          <a:ext cx="2932113" cy="2216150"/>
+          <a:off x="6910388" y="615950"/>
+          <a:ext cx="2270125" cy="2359025"/>
         </p:xfrm>
         <a:graphic>
           <a:graphicData uri="http://schemas.openxmlformats.org/presentationml/2006/ole">
             <mc:AlternateContent xmlns:mc="http://schemas.openxmlformats.org/markup-compatibility/2006">
               <mc:Choice xmlns:v="urn:schemas-microsoft-com:vml" Requires="v">
-                <p:oleObj name="CS ChemDraw Drawing" r:id="rId8" imgW="2931930" imgH="2215702" progId="ChemDraw.Document.6.0">
+                <p:oleObj name="CS ChemDraw Drawing" r:id="rId8" imgW="2270642" imgH="2359058" progId="ChemDraw.Document.6.0">
                   <p:embed/>
                 </p:oleObj>
               </mc:Choice>
               <mc:Fallback>
-                <p:oleObj name="CS ChemDraw Drawing" r:id="rId8" imgW="2931930" imgH="2215702" progId="ChemDraw.Document.6.0">
+                <p:oleObj name="CS ChemDraw Drawing" r:id="rId8" imgW="2270642" imgH="2359058" progId="ChemDraw.Document.6.0">
                   <p:embed/>
                   <p:pic>
                     <p:nvPicPr>
-                      <p:cNvPr id="0" name=""/>
+                      <p:cNvPr id="6" name="Objeto 5">
+                        <a:extLst>
+                          <a:ext uri="{FF2B5EF4-FFF2-40B4-BE49-F238E27FC236}">
+                            <a16:creationId xmlns:a16="http://schemas.microsoft.com/office/drawing/2014/main" id="{F5A1F6DC-A3E6-4FF9-98F5-D4B07D3E003F}"/>
+                          </a:ext>
+                        </a:extLst>
+                      </p:cNvPr>
                       <p:cNvPicPr/>
                       <p:nvPr/>
                     </p:nvPicPr>
@@ -14116,8 +16173,8 @@
                     </p:blipFill>
                     <p:spPr>
                       <a:xfrm>
-                        <a:off x="6580814" y="686648"/>
-                        <a:ext cx="2932113" cy="2216150"/>
+                        <a:off x="6910388" y="615950"/>
+                        <a:ext cx="2270125" cy="2359025"/>
                       </a:xfrm>
                       <a:prstGeom prst="rect">
                         <a:avLst/>
@@ -14204,29 +16261,35 @@
           <p:nvPr>
             <p:extLst>
               <p:ext uri="{D42A27DB-BD31-4B8C-83A1-F6EECF244321}">
-                <p14:modId xmlns:p14="http://schemas.microsoft.com/office/powerpoint/2010/main" val="2779442567"/>
+                <p14:modId xmlns:p14="http://schemas.microsoft.com/office/powerpoint/2010/main" val="2473173149"/>
               </p:ext>
             </p:extLst>
           </p:nvPr>
         </p:nvGraphicFramePr>
         <p:xfrm>
-          <a:off x="447419" y="3386392"/>
-          <a:ext cx="3273425" cy="2233612"/>
+          <a:off x="1044575" y="3294063"/>
+          <a:ext cx="2078038" cy="2417762"/>
         </p:xfrm>
         <a:graphic>
           <a:graphicData uri="http://schemas.openxmlformats.org/presentationml/2006/ole">
             <mc:AlternateContent xmlns:mc="http://schemas.openxmlformats.org/markup-compatibility/2006">
               <mc:Choice xmlns:v="urn:schemas-microsoft-com:vml" Requires="v">
-                <p:oleObj name="CS ChemDraw Drawing" r:id="rId10" imgW="3273420" imgH="2233884" progId="ChemDraw.Document.6.0">
+                <p:oleObj name="CS ChemDraw Drawing" r:id="rId10" imgW="2078311" imgH="2418447" progId="ChemDraw.Document.6.0">
                   <p:embed/>
                 </p:oleObj>
               </mc:Choice>
               <mc:Fallback>
-                <p:oleObj name="CS ChemDraw Drawing" r:id="rId10" imgW="3273420" imgH="2233884" progId="ChemDraw.Document.6.0">
+                <p:oleObj name="CS ChemDraw Drawing" r:id="rId10" imgW="2078311" imgH="2418447" progId="ChemDraw.Document.6.0">
                   <p:embed/>
                   <p:pic>
                     <p:nvPicPr>
-                      <p:cNvPr id="0" name=""/>
+                      <p:cNvPr id="28" name="Objeto 27">
+                        <a:extLst>
+                          <a:ext uri="{FF2B5EF4-FFF2-40B4-BE49-F238E27FC236}">
+                            <a16:creationId xmlns:a16="http://schemas.microsoft.com/office/drawing/2014/main" id="{BE4347D9-D712-4B96-BC9A-4EFDB934EAA0}"/>
+                          </a:ext>
+                        </a:extLst>
+                      </p:cNvPr>
                       <p:cNvPicPr/>
                       <p:nvPr/>
                     </p:nvPicPr>
@@ -14238,8 +16301,8 @@
                     </p:blipFill>
                     <p:spPr>
                       <a:xfrm>
-                        <a:off x="447419" y="3386392"/>
-                        <a:ext cx="3273425" cy="2233612"/>
+                        <a:off x="1044575" y="3294063"/>
+                        <a:ext cx="2078038" cy="2417762"/>
                       </a:xfrm>
                       <a:prstGeom prst="rect">
                         <a:avLst/>
@@ -14326,7 +16389,7 @@
           <p:nvPr>
             <p:extLst>
               <p:ext uri="{D42A27DB-BD31-4B8C-83A1-F6EECF244321}">
-                <p14:modId xmlns:p14="http://schemas.microsoft.com/office/powerpoint/2010/main" val="1342308651"/>
+                <p14:modId xmlns:p14="http://schemas.microsoft.com/office/powerpoint/2010/main" val="1482328124"/>
               </p:ext>
             </p:extLst>
           </p:nvPr>
@@ -14348,7 +16411,13 @@
                   <p:embed/>
                   <p:pic>
                     <p:nvPicPr>
-                      <p:cNvPr id="0" name=""/>
+                      <p:cNvPr id="29" name="Objeto 28">
+                        <a:extLst>
+                          <a:ext uri="{FF2B5EF4-FFF2-40B4-BE49-F238E27FC236}">
+                            <a16:creationId xmlns:a16="http://schemas.microsoft.com/office/drawing/2014/main" id="{0D0541ED-DCE7-4609-8057-D1B896474BCD}"/>
+                          </a:ext>
+                        </a:extLst>
+                      </p:cNvPr>
                       <p:cNvPicPr/>
                       <p:nvPr/>
                     </p:nvPicPr>
@@ -14448,7 +16517,7 @@
           <p:nvPr>
             <p:extLst>
               <p:ext uri="{D42A27DB-BD31-4B8C-83A1-F6EECF244321}">
-                <p14:modId xmlns:p14="http://schemas.microsoft.com/office/powerpoint/2010/main" val="737254448"/>
+                <p14:modId xmlns:p14="http://schemas.microsoft.com/office/powerpoint/2010/main" val="3788610734"/>
               </p:ext>
             </p:extLst>
           </p:nvPr>
@@ -14470,7 +16539,13 @@
                   <p:embed/>
                   <p:pic>
                     <p:nvPicPr>
-                      <p:cNvPr id="0" name=""/>
+                      <p:cNvPr id="30" name="Objeto 29">
+                        <a:extLst>
+                          <a:ext uri="{FF2B5EF4-FFF2-40B4-BE49-F238E27FC236}">
+                            <a16:creationId xmlns:a16="http://schemas.microsoft.com/office/drawing/2014/main" id="{832FAF65-F493-4257-AB28-478722EE4CF1}"/>
+                          </a:ext>
+                        </a:extLst>
+                      </p:cNvPr>
                       <p:cNvPicPr/>
                       <p:nvPr/>
                     </p:nvPicPr>
@@ -14570,7 +16645,7 @@
           <p:nvPr>
             <p:extLst>
               <p:ext uri="{D42A27DB-BD31-4B8C-83A1-F6EECF244321}">
-                <p14:modId xmlns:p14="http://schemas.microsoft.com/office/powerpoint/2010/main" val="2537719780"/>
+                <p14:modId xmlns:p14="http://schemas.microsoft.com/office/powerpoint/2010/main" val="2720161121"/>
               </p:ext>
             </p:extLst>
           </p:nvPr>
@@ -14592,7 +16667,13 @@
                   <p:embed/>
                   <p:pic>
                     <p:nvPicPr>
-                      <p:cNvPr id="0" name=""/>
+                      <p:cNvPr id="31" name="Objeto 30">
+                        <a:extLst>
+                          <a:ext uri="{FF2B5EF4-FFF2-40B4-BE49-F238E27FC236}">
+                            <a16:creationId xmlns:a16="http://schemas.microsoft.com/office/drawing/2014/main" id="{05267A54-720D-4A51-BA49-B2B4EDA5E89D}"/>
+                          </a:ext>
+                        </a:extLst>
+                      </p:cNvPr>
                       <p:cNvPicPr/>
                       <p:nvPr/>
                     </p:nvPicPr>
@@ -14633,7 +16714,7 @@
           <p:nvPr>
             <p:extLst>
               <p:ext uri="{D42A27DB-BD31-4B8C-83A1-F6EECF244321}">
-                <p14:modId xmlns:p14="http://schemas.microsoft.com/office/powerpoint/2010/main" val="555135231"/>
+                <p14:modId xmlns:p14="http://schemas.microsoft.com/office/powerpoint/2010/main" val="3897339149"/>
               </p:ext>
             </p:extLst>
           </p:nvPr>
@@ -14655,7 +16736,13 @@
                   <p:embed/>
                   <p:pic>
                     <p:nvPicPr>
-                      <p:cNvPr id="0" name=""/>
+                      <p:cNvPr id="32" name="Objeto 31">
+                        <a:extLst>
+                          <a:ext uri="{FF2B5EF4-FFF2-40B4-BE49-F238E27FC236}">
+                            <a16:creationId xmlns:a16="http://schemas.microsoft.com/office/drawing/2014/main" id="{0DC76B10-AF5D-400C-B8E4-0B7E2FB9C3C3}"/>
+                          </a:ext>
+                        </a:extLst>
+                      </p:cNvPr>
                       <p:cNvPicPr/>
                       <p:nvPr/>
                     </p:nvPicPr>
@@ -14696,29 +16783,35 @@
           <p:nvPr>
             <p:extLst>
               <p:ext uri="{D42A27DB-BD31-4B8C-83A1-F6EECF244321}">
-                <p14:modId xmlns:p14="http://schemas.microsoft.com/office/powerpoint/2010/main" val="1745798379"/>
+                <p14:modId xmlns:p14="http://schemas.microsoft.com/office/powerpoint/2010/main" val="760091280"/>
               </p:ext>
             </p:extLst>
           </p:nvPr>
         </p:nvGraphicFramePr>
         <p:xfrm>
-          <a:off x="4932078" y="6197332"/>
-          <a:ext cx="2073275" cy="2541588"/>
+          <a:off x="5051425" y="6356350"/>
+          <a:ext cx="1835150" cy="2224088"/>
         </p:xfrm>
         <a:graphic>
           <a:graphicData uri="http://schemas.openxmlformats.org/presentationml/2006/ole">
             <mc:AlternateContent xmlns:mc="http://schemas.openxmlformats.org/markup-compatibility/2006">
               <mc:Choice xmlns:v="urn:schemas-microsoft-com:vml" Requires="v">
-                <p:oleObj name="CS ChemDraw Drawing" r:id="rId20" imgW="2073784" imgH="2541715" progId="ChemDraw.Document.6.0">
+                <p:oleObj name="CS ChemDraw Drawing" r:id="rId20" imgW="1835888" imgH="2223312" progId="ChemDraw.Document.6.0">
                   <p:embed/>
                 </p:oleObj>
               </mc:Choice>
               <mc:Fallback>
-                <p:oleObj name="CS ChemDraw Drawing" r:id="rId20" imgW="2073784" imgH="2541715" progId="ChemDraw.Document.6.0">
+                <p:oleObj name="CS ChemDraw Drawing" r:id="rId20" imgW="1835888" imgH="2223312" progId="ChemDraw.Document.6.0">
                   <p:embed/>
                   <p:pic>
                     <p:nvPicPr>
-                      <p:cNvPr id="0" name=""/>
+                      <p:cNvPr id="33" name="Objeto 32">
+                        <a:extLst>
+                          <a:ext uri="{FF2B5EF4-FFF2-40B4-BE49-F238E27FC236}">
+                            <a16:creationId xmlns:a16="http://schemas.microsoft.com/office/drawing/2014/main" id="{DE3D0C07-3B4A-4235-8580-A9BCB7DD78F8}"/>
+                          </a:ext>
+                        </a:extLst>
+                      </p:cNvPr>
                       <p:cNvPicPr/>
                       <p:nvPr/>
                     </p:nvPicPr>
@@ -14730,8 +16823,8 @@
                     </p:blipFill>
                     <p:spPr>
                       <a:xfrm>
-                        <a:off x="4932078" y="6197332"/>
-                        <a:ext cx="2073275" cy="2541588"/>
+                        <a:off x="5051425" y="6356350"/>
+                        <a:ext cx="1835150" cy="2224088"/>
                       </a:xfrm>
                       <a:prstGeom prst="rect">
                         <a:avLst/>
@@ -14759,7 +16852,7 @@
           <p:nvPr>
             <p:extLst>
               <p:ext uri="{D42A27DB-BD31-4B8C-83A1-F6EECF244321}">
-                <p14:modId xmlns:p14="http://schemas.microsoft.com/office/powerpoint/2010/main" val="771077643"/>
+                <p14:modId xmlns:p14="http://schemas.microsoft.com/office/powerpoint/2010/main" val="2156510549"/>
               </p:ext>
             </p:extLst>
           </p:nvPr>
@@ -14781,7 +16874,13 @@
                   <p:embed/>
                   <p:pic>
                     <p:nvPicPr>
-                      <p:cNvPr id="0" name=""/>
+                      <p:cNvPr id="34" name="Objeto 33">
+                        <a:extLst>
+                          <a:ext uri="{FF2B5EF4-FFF2-40B4-BE49-F238E27FC236}">
+                            <a16:creationId xmlns:a16="http://schemas.microsoft.com/office/drawing/2014/main" id="{DB43ECA6-DD4F-4EF1-8A27-E66A037EC593}"/>
+                          </a:ext>
+                        </a:extLst>
+                      </p:cNvPr>
                       <p:cNvPicPr/>
                       <p:nvPr/>
                     </p:nvPicPr>
@@ -14822,7 +16921,7 @@
           <p:nvPr>
             <p:extLst>
               <p:ext uri="{D42A27DB-BD31-4B8C-83A1-F6EECF244321}">
-                <p14:modId xmlns:p14="http://schemas.microsoft.com/office/powerpoint/2010/main" val="2077407587"/>
+                <p14:modId xmlns:p14="http://schemas.microsoft.com/office/powerpoint/2010/main" val="3176992899"/>
               </p:ext>
             </p:extLst>
           </p:nvPr>
@@ -14844,7 +16943,13 @@
                   <p:embed/>
                   <p:pic>
                     <p:nvPicPr>
-                      <p:cNvPr id="0" name=""/>
+                      <p:cNvPr id="35" name="Objeto 34">
+                        <a:extLst>
+                          <a:ext uri="{FF2B5EF4-FFF2-40B4-BE49-F238E27FC236}">
+                            <a16:creationId xmlns:a16="http://schemas.microsoft.com/office/drawing/2014/main" id="{1BE309FA-4918-4E39-AEA0-64DE39CEDA22}"/>
+                          </a:ext>
+                        </a:extLst>
+                      </p:cNvPr>
                       <p:cNvPicPr/>
                       <p:nvPr/>
                     </p:nvPicPr>
@@ -14883,7 +16988,7 @@
 </p:sld>
 </file>
 
-<file path=ppt/slides/slide5.xml><?xml version="1.0" encoding="utf-8"?>
+<file path=ppt/slides/slide6.xml><?xml version="1.0" encoding="utf-8"?>
 <p:sld xmlns:a="http://schemas.openxmlformats.org/drawingml/2006/main" xmlns:r="http://schemas.openxmlformats.org/officeDocument/2006/relationships" xmlns:p="http://schemas.openxmlformats.org/presentationml/2006/main">
   <p:cSld>
     <p:spTree>
@@ -15000,10 +17105,10 @@
                   <p:embed/>
                   <p:pic>
                     <p:nvPicPr>
-                      <p:cNvPr id="41" name="Objeto 40">
+                      <p:cNvPr id="10" name="Objeto 9">
                         <a:extLst>
                           <a:ext uri="{FF2B5EF4-FFF2-40B4-BE49-F238E27FC236}">
-                            <a16:creationId xmlns:a16="http://schemas.microsoft.com/office/drawing/2014/main" id="{4B1D7B2C-0356-4C6E-866C-20932904D366}"/>
+                            <a16:creationId xmlns:a16="http://schemas.microsoft.com/office/drawing/2014/main" id="{486CE447-ABED-B1F9-8350-B5A1008EE352}"/>
                           </a:ext>
                         </a:extLst>
                       </p:cNvPr>
@@ -15069,7 +17174,13 @@
                   <p:embed/>
                   <p:pic>
                     <p:nvPicPr>
-                      <p:cNvPr id="0" name=""/>
+                      <p:cNvPr id="17" name="Objeto 16">
+                        <a:extLst>
+                          <a:ext uri="{FF2B5EF4-FFF2-40B4-BE49-F238E27FC236}">
+                            <a16:creationId xmlns:a16="http://schemas.microsoft.com/office/drawing/2014/main" id="{BE7BCA88-51B5-7DB4-6859-A7366FF03C75}"/>
+                          </a:ext>
+                        </a:extLst>
+                      </p:cNvPr>
                       <p:cNvPicPr/>
                       <p:nvPr/>
                     </p:nvPicPr>
@@ -15132,7 +17243,13 @@
                   <p:embed/>
                   <p:pic>
                     <p:nvPicPr>
-                      <p:cNvPr id="0" name=""/>
+                      <p:cNvPr id="18" name="Objeto 17">
+                        <a:extLst>
+                          <a:ext uri="{FF2B5EF4-FFF2-40B4-BE49-F238E27FC236}">
+                            <a16:creationId xmlns:a16="http://schemas.microsoft.com/office/drawing/2014/main" id="{7EEE5EF1-AB1B-107C-DDB4-291CDB15BD77}"/>
+                          </a:ext>
+                        </a:extLst>
+                      </p:cNvPr>
                       <p:cNvPicPr/>
                       <p:nvPr/>
                     </p:nvPicPr>
@@ -15195,7 +17312,13 @@
                   <p:embed/>
                   <p:pic>
                     <p:nvPicPr>
-                      <p:cNvPr id="0" name=""/>
+                      <p:cNvPr id="19" name="Objeto 18">
+                        <a:extLst>
+                          <a:ext uri="{FF2B5EF4-FFF2-40B4-BE49-F238E27FC236}">
+                            <a16:creationId xmlns:a16="http://schemas.microsoft.com/office/drawing/2014/main" id="{13BE817E-A33D-720D-FE79-B9C3EB9EBF94}"/>
+                          </a:ext>
+                        </a:extLst>
+                      </p:cNvPr>
                       <p:cNvPicPr/>
                       <p:nvPr/>
                     </p:nvPicPr>
@@ -15258,7 +17381,13 @@
                   <p:embed/>
                   <p:pic>
                     <p:nvPicPr>
-                      <p:cNvPr id="0" name=""/>
+                      <p:cNvPr id="21" name="Objeto 20">
+                        <a:extLst>
+                          <a:ext uri="{FF2B5EF4-FFF2-40B4-BE49-F238E27FC236}">
+                            <a16:creationId xmlns:a16="http://schemas.microsoft.com/office/drawing/2014/main" id="{B38E84D9-E90B-333A-5F79-24051C68D335}"/>
+                          </a:ext>
+                        </a:extLst>
+                      </p:cNvPr>
                       <p:cNvPicPr/>
                       <p:nvPr/>
                     </p:nvPicPr>
@@ -15699,10 +17828,10 @@
                   <p:embed/>
                   <p:pic>
                     <p:nvPicPr>
-                      <p:cNvPr id="21" name="Objeto 20">
+                      <p:cNvPr id="22" name="Objeto 21">
                         <a:extLst>
                           <a:ext uri="{FF2B5EF4-FFF2-40B4-BE49-F238E27FC236}">
-                            <a16:creationId xmlns:a16="http://schemas.microsoft.com/office/drawing/2014/main" id="{B38E84D9-E90B-333A-5F79-24051C68D335}"/>
+                            <a16:creationId xmlns:a16="http://schemas.microsoft.com/office/drawing/2014/main" id="{3A632131-91DE-DDAB-86F8-C9F70B9BFAF6}"/>
                           </a:ext>
                         </a:extLst>
                       </p:cNvPr>

--- a/docs/Blocos_de_constru.pptx
+++ b/docs/Blocos_de_constru.pptx
@@ -122,7 +122,7 @@
   <pc:docChgLst>
     <pc:chgData name="Felipe Lopes de Oliveira" userId="7927722fe4027b30" providerId="LiveId" clId="{988CB3FB-85FE-4B18-8889-744054AB9037}"/>
     <pc:docChg chg="undo custSel addSld modSld">
-      <pc:chgData name="Felipe Lopes de Oliveira" userId="7927722fe4027b30" providerId="LiveId" clId="{988CB3FB-85FE-4B18-8889-744054AB9037}" dt="2023-03-04T16:51:29.727" v="1019" actId="5736"/>
+      <pc:chgData name="Felipe Lopes de Oliveira" userId="7927722fe4027b30" providerId="LiveId" clId="{988CB3FB-85FE-4B18-8889-744054AB9037}" dt="2023-03-05T15:39:33.443" v="1597" actId="5736"/>
       <pc:docMkLst>
         <pc:docMk/>
       </pc:docMkLst>
@@ -141,14 +141,14 @@
           </ac:spMkLst>
         </pc:spChg>
       </pc:sldChg>
-      <pc:sldChg chg="modSp">
-        <pc:chgData name="Felipe Lopes de Oliveira" userId="7927722fe4027b30" providerId="LiveId" clId="{988CB3FB-85FE-4B18-8889-744054AB9037}" dt="2023-03-04T16:50:34.042" v="1015" actId="5736"/>
+      <pc:sldChg chg="addSp delSp modSp mod">
+        <pc:chgData name="Felipe Lopes de Oliveira" userId="7927722fe4027b30" providerId="LiveId" clId="{988CB3FB-85FE-4B18-8889-744054AB9037}" dt="2023-03-05T15:39:33.443" v="1597" actId="5736"/>
         <pc:sldMkLst>
           <pc:docMk/>
           <pc:sldMk cId="1480784656" sldId="257"/>
         </pc:sldMkLst>
         <pc:spChg chg="mod">
-          <ac:chgData name="Felipe Lopes de Oliveira" userId="7927722fe4027b30" providerId="LiveId" clId="{988CB3FB-85FE-4B18-8889-744054AB9037}" dt="2023-03-04T16:50:34.042" v="1015" actId="5736"/>
+          <ac:chgData name="Felipe Lopes de Oliveira" userId="7927722fe4027b30" providerId="LiveId" clId="{988CB3FB-85FE-4B18-8889-744054AB9037}" dt="2023-03-05T15:39:33.443" v="1597" actId="5736"/>
           <ac:spMkLst>
             <pc:docMk/>
             <pc:sldMk cId="1480784656" sldId="257"/>
@@ -156,7 +156,7 @@
           </ac:spMkLst>
         </pc:spChg>
         <pc:spChg chg="mod">
-          <ac:chgData name="Felipe Lopes de Oliveira" userId="7927722fe4027b30" providerId="LiveId" clId="{988CB3FB-85FE-4B18-8889-744054AB9037}" dt="2023-03-04T16:50:34.042" v="1015" actId="5736"/>
+          <ac:chgData name="Felipe Lopes de Oliveira" userId="7927722fe4027b30" providerId="LiveId" clId="{988CB3FB-85FE-4B18-8889-744054AB9037}" dt="2023-03-05T15:39:33.443" v="1597" actId="5736"/>
           <ac:spMkLst>
             <pc:docMk/>
             <pc:sldMk cId="1480784656" sldId="257"/>
@@ -164,7 +164,7 @@
           </ac:spMkLst>
         </pc:spChg>
         <pc:spChg chg="mod">
-          <ac:chgData name="Felipe Lopes de Oliveira" userId="7927722fe4027b30" providerId="LiveId" clId="{988CB3FB-85FE-4B18-8889-744054AB9037}" dt="2023-03-04T16:50:34.042" v="1015" actId="5736"/>
+          <ac:chgData name="Felipe Lopes de Oliveira" userId="7927722fe4027b30" providerId="LiveId" clId="{988CB3FB-85FE-4B18-8889-744054AB9037}" dt="2023-03-05T15:39:33.443" v="1597" actId="5736"/>
           <ac:spMkLst>
             <pc:docMk/>
             <pc:sldMk cId="1480784656" sldId="257"/>
@@ -172,7 +172,7 @@
           </ac:spMkLst>
         </pc:spChg>
         <pc:spChg chg="mod">
-          <ac:chgData name="Felipe Lopes de Oliveira" userId="7927722fe4027b30" providerId="LiveId" clId="{988CB3FB-85FE-4B18-8889-744054AB9037}" dt="2023-03-04T16:50:34.042" v="1015" actId="5736"/>
+          <ac:chgData name="Felipe Lopes de Oliveira" userId="7927722fe4027b30" providerId="LiveId" clId="{988CB3FB-85FE-4B18-8889-744054AB9037}" dt="2023-03-05T15:39:33.443" v="1597" actId="5736"/>
           <ac:spMkLst>
             <pc:docMk/>
             <pc:sldMk cId="1480784656" sldId="257"/>
@@ -180,7 +180,7 @@
           </ac:spMkLst>
         </pc:spChg>
         <pc:spChg chg="mod">
-          <ac:chgData name="Felipe Lopes de Oliveira" userId="7927722fe4027b30" providerId="LiveId" clId="{988CB3FB-85FE-4B18-8889-744054AB9037}" dt="2023-03-04T16:50:34.042" v="1015" actId="5736"/>
+          <ac:chgData name="Felipe Lopes de Oliveira" userId="7927722fe4027b30" providerId="LiveId" clId="{988CB3FB-85FE-4B18-8889-744054AB9037}" dt="2023-03-05T15:39:33.443" v="1597" actId="5736"/>
           <ac:spMkLst>
             <pc:docMk/>
             <pc:sldMk cId="1480784656" sldId="257"/>
@@ -188,7 +188,7 @@
           </ac:spMkLst>
         </pc:spChg>
         <pc:spChg chg="mod">
-          <ac:chgData name="Felipe Lopes de Oliveira" userId="7927722fe4027b30" providerId="LiveId" clId="{988CB3FB-85FE-4B18-8889-744054AB9037}" dt="2023-03-04T16:50:34.042" v="1015" actId="5736"/>
+          <ac:chgData name="Felipe Lopes de Oliveira" userId="7927722fe4027b30" providerId="LiveId" clId="{988CB3FB-85FE-4B18-8889-744054AB9037}" dt="2023-03-05T15:39:33.443" v="1597" actId="5736"/>
           <ac:spMkLst>
             <pc:docMk/>
             <pc:sldMk cId="1480784656" sldId="257"/>
@@ -196,7 +196,7 @@
           </ac:spMkLst>
         </pc:spChg>
         <pc:spChg chg="mod">
-          <ac:chgData name="Felipe Lopes de Oliveira" userId="7927722fe4027b30" providerId="LiveId" clId="{988CB3FB-85FE-4B18-8889-744054AB9037}" dt="2023-03-04T16:50:34.042" v="1015" actId="5736"/>
+          <ac:chgData name="Felipe Lopes de Oliveira" userId="7927722fe4027b30" providerId="LiveId" clId="{988CB3FB-85FE-4B18-8889-744054AB9037}" dt="2023-03-05T15:39:33.443" v="1597" actId="5736"/>
           <ac:spMkLst>
             <pc:docMk/>
             <pc:sldMk cId="1480784656" sldId="257"/>
@@ -204,7 +204,7 @@
           </ac:spMkLst>
         </pc:spChg>
         <pc:spChg chg="mod">
-          <ac:chgData name="Felipe Lopes de Oliveira" userId="7927722fe4027b30" providerId="LiveId" clId="{988CB3FB-85FE-4B18-8889-744054AB9037}" dt="2023-03-04T16:50:34.042" v="1015" actId="5736"/>
+          <ac:chgData name="Felipe Lopes de Oliveira" userId="7927722fe4027b30" providerId="LiveId" clId="{988CB3FB-85FE-4B18-8889-744054AB9037}" dt="2023-03-05T15:39:33.443" v="1597" actId="5736"/>
           <ac:spMkLst>
             <pc:docMk/>
             <pc:sldMk cId="1480784656" sldId="257"/>
@@ -212,7 +212,7 @@
           </ac:spMkLst>
         </pc:spChg>
         <pc:spChg chg="mod">
-          <ac:chgData name="Felipe Lopes de Oliveira" userId="7927722fe4027b30" providerId="LiveId" clId="{988CB3FB-85FE-4B18-8889-744054AB9037}" dt="2023-03-04T16:50:34.042" v="1015" actId="5736"/>
+          <ac:chgData name="Felipe Lopes de Oliveira" userId="7927722fe4027b30" providerId="LiveId" clId="{988CB3FB-85FE-4B18-8889-744054AB9037}" dt="2023-03-05T15:39:33.443" v="1597" actId="5736"/>
           <ac:spMkLst>
             <pc:docMk/>
             <pc:sldMk cId="1480784656" sldId="257"/>
@@ -220,7 +220,7 @@
           </ac:spMkLst>
         </pc:spChg>
         <pc:spChg chg="mod">
-          <ac:chgData name="Felipe Lopes de Oliveira" userId="7927722fe4027b30" providerId="LiveId" clId="{988CB3FB-85FE-4B18-8889-744054AB9037}" dt="2023-03-04T16:50:34.042" v="1015" actId="5736"/>
+          <ac:chgData name="Felipe Lopes de Oliveira" userId="7927722fe4027b30" providerId="LiveId" clId="{988CB3FB-85FE-4B18-8889-744054AB9037}" dt="2023-03-05T15:39:33.443" v="1597" actId="5736"/>
           <ac:spMkLst>
             <pc:docMk/>
             <pc:sldMk cId="1480784656" sldId="257"/>
@@ -228,7 +228,7 @@
           </ac:spMkLst>
         </pc:spChg>
         <pc:spChg chg="mod">
-          <ac:chgData name="Felipe Lopes de Oliveira" userId="7927722fe4027b30" providerId="LiveId" clId="{988CB3FB-85FE-4B18-8889-744054AB9037}" dt="2023-03-04T16:50:34.042" v="1015" actId="5736"/>
+          <ac:chgData name="Felipe Lopes de Oliveira" userId="7927722fe4027b30" providerId="LiveId" clId="{988CB3FB-85FE-4B18-8889-744054AB9037}" dt="2023-03-05T15:39:33.443" v="1597" actId="5736"/>
           <ac:spMkLst>
             <pc:docMk/>
             <pc:sldMk cId="1480784656" sldId="257"/>
@@ -236,7 +236,7 @@
           </ac:spMkLst>
         </pc:spChg>
         <pc:spChg chg="mod">
-          <ac:chgData name="Felipe Lopes de Oliveira" userId="7927722fe4027b30" providerId="LiveId" clId="{988CB3FB-85FE-4B18-8889-744054AB9037}" dt="2023-03-04T16:50:34.042" v="1015" actId="5736"/>
+          <ac:chgData name="Felipe Lopes de Oliveira" userId="7927722fe4027b30" providerId="LiveId" clId="{988CB3FB-85FE-4B18-8889-744054AB9037}" dt="2023-03-05T15:39:33.443" v="1597" actId="5736"/>
           <ac:spMkLst>
             <pc:docMk/>
             <pc:sldMk cId="1480784656" sldId="257"/>
@@ -244,7 +244,7 @@
           </ac:spMkLst>
         </pc:spChg>
         <pc:spChg chg="mod">
-          <ac:chgData name="Felipe Lopes de Oliveira" userId="7927722fe4027b30" providerId="LiveId" clId="{988CB3FB-85FE-4B18-8889-744054AB9037}" dt="2023-03-04T16:50:34.042" v="1015" actId="5736"/>
+          <ac:chgData name="Felipe Lopes de Oliveira" userId="7927722fe4027b30" providerId="LiveId" clId="{988CB3FB-85FE-4B18-8889-744054AB9037}" dt="2023-03-05T15:39:33.443" v="1597" actId="5736"/>
           <ac:spMkLst>
             <pc:docMk/>
             <pc:sldMk cId="1480784656" sldId="257"/>
@@ -252,7 +252,7 @@
           </ac:spMkLst>
         </pc:spChg>
         <pc:spChg chg="mod">
-          <ac:chgData name="Felipe Lopes de Oliveira" userId="7927722fe4027b30" providerId="LiveId" clId="{988CB3FB-85FE-4B18-8889-744054AB9037}" dt="2023-03-04T16:50:34.042" v="1015" actId="5736"/>
+          <ac:chgData name="Felipe Lopes de Oliveira" userId="7927722fe4027b30" providerId="LiveId" clId="{988CB3FB-85FE-4B18-8889-744054AB9037}" dt="2023-03-05T15:39:33.443" v="1597" actId="5736"/>
           <ac:spMkLst>
             <pc:docMk/>
             <pc:sldMk cId="1480784656" sldId="257"/>
@@ -260,7 +260,7 @@
           </ac:spMkLst>
         </pc:spChg>
         <pc:spChg chg="mod">
-          <ac:chgData name="Felipe Lopes de Oliveira" userId="7927722fe4027b30" providerId="LiveId" clId="{988CB3FB-85FE-4B18-8889-744054AB9037}" dt="2023-03-04T16:50:34.042" v="1015" actId="5736"/>
+          <ac:chgData name="Felipe Lopes de Oliveira" userId="7927722fe4027b30" providerId="LiveId" clId="{988CB3FB-85FE-4B18-8889-744054AB9037}" dt="2023-03-05T15:39:33.443" v="1597" actId="5736"/>
           <ac:spMkLst>
             <pc:docMk/>
             <pc:sldMk cId="1480784656" sldId="257"/>
@@ -268,7 +268,7 @@
           </ac:spMkLst>
         </pc:spChg>
         <pc:spChg chg="mod">
-          <ac:chgData name="Felipe Lopes de Oliveira" userId="7927722fe4027b30" providerId="LiveId" clId="{988CB3FB-85FE-4B18-8889-744054AB9037}" dt="2023-03-04T16:50:34.042" v="1015" actId="5736"/>
+          <ac:chgData name="Felipe Lopes de Oliveira" userId="7927722fe4027b30" providerId="LiveId" clId="{988CB3FB-85FE-4B18-8889-744054AB9037}" dt="2023-03-05T15:39:33.443" v="1597" actId="5736"/>
           <ac:spMkLst>
             <pc:docMk/>
             <pc:sldMk cId="1480784656" sldId="257"/>
@@ -276,7 +276,7 @@
           </ac:spMkLst>
         </pc:spChg>
         <pc:spChg chg="mod">
-          <ac:chgData name="Felipe Lopes de Oliveira" userId="7927722fe4027b30" providerId="LiveId" clId="{988CB3FB-85FE-4B18-8889-744054AB9037}" dt="2023-03-04T16:50:34.042" v="1015" actId="5736"/>
+          <ac:chgData name="Felipe Lopes de Oliveira" userId="7927722fe4027b30" providerId="LiveId" clId="{988CB3FB-85FE-4B18-8889-744054AB9037}" dt="2023-03-05T15:39:33.443" v="1597" actId="5736"/>
           <ac:spMkLst>
             <pc:docMk/>
             <pc:sldMk cId="1480784656" sldId="257"/>
@@ -284,7 +284,7 @@
           </ac:spMkLst>
         </pc:spChg>
         <pc:spChg chg="mod">
-          <ac:chgData name="Felipe Lopes de Oliveira" userId="7927722fe4027b30" providerId="LiveId" clId="{988CB3FB-85FE-4B18-8889-744054AB9037}" dt="2023-03-04T16:50:34.042" v="1015" actId="5736"/>
+          <ac:chgData name="Felipe Lopes de Oliveira" userId="7927722fe4027b30" providerId="LiveId" clId="{988CB3FB-85FE-4B18-8889-744054AB9037}" dt="2023-03-05T15:39:33.443" v="1597" actId="5736"/>
           <ac:spMkLst>
             <pc:docMk/>
             <pc:sldMk cId="1480784656" sldId="257"/>
@@ -292,7 +292,7 @@
           </ac:spMkLst>
         </pc:spChg>
         <pc:spChg chg="mod">
-          <ac:chgData name="Felipe Lopes de Oliveira" userId="7927722fe4027b30" providerId="LiveId" clId="{988CB3FB-85FE-4B18-8889-744054AB9037}" dt="2023-03-04T16:50:34.042" v="1015" actId="5736"/>
+          <ac:chgData name="Felipe Lopes de Oliveira" userId="7927722fe4027b30" providerId="LiveId" clId="{988CB3FB-85FE-4B18-8889-744054AB9037}" dt="2023-03-05T15:39:33.443" v="1597" actId="5736"/>
           <ac:spMkLst>
             <pc:docMk/>
             <pc:sldMk cId="1480784656" sldId="257"/>
@@ -300,7 +300,7 @@
           </ac:spMkLst>
         </pc:spChg>
         <pc:spChg chg="mod">
-          <ac:chgData name="Felipe Lopes de Oliveira" userId="7927722fe4027b30" providerId="LiveId" clId="{988CB3FB-85FE-4B18-8889-744054AB9037}" dt="2023-03-04T16:50:34.042" v="1015" actId="5736"/>
+          <ac:chgData name="Felipe Lopes de Oliveira" userId="7927722fe4027b30" providerId="LiveId" clId="{988CB3FB-85FE-4B18-8889-744054AB9037}" dt="2023-03-05T15:39:33.443" v="1597" actId="5736"/>
           <ac:spMkLst>
             <pc:docMk/>
             <pc:sldMk cId="1480784656" sldId="257"/>
@@ -308,7 +308,7 @@
           </ac:spMkLst>
         </pc:spChg>
         <pc:spChg chg="mod">
-          <ac:chgData name="Felipe Lopes de Oliveira" userId="7927722fe4027b30" providerId="LiveId" clId="{988CB3FB-85FE-4B18-8889-744054AB9037}" dt="2023-03-04T16:50:34.042" v="1015" actId="5736"/>
+          <ac:chgData name="Felipe Lopes de Oliveira" userId="7927722fe4027b30" providerId="LiveId" clId="{988CB3FB-85FE-4B18-8889-744054AB9037}" dt="2023-03-05T15:39:33.443" v="1597" actId="5736"/>
           <ac:spMkLst>
             <pc:docMk/>
             <pc:sldMk cId="1480784656" sldId="257"/>
@@ -316,7 +316,7 @@
           </ac:spMkLst>
         </pc:spChg>
         <pc:spChg chg="mod">
-          <ac:chgData name="Felipe Lopes de Oliveira" userId="7927722fe4027b30" providerId="LiveId" clId="{988CB3FB-85FE-4B18-8889-744054AB9037}" dt="2023-03-04T16:50:34.042" v="1015" actId="5736"/>
+          <ac:chgData name="Felipe Lopes de Oliveira" userId="7927722fe4027b30" providerId="LiveId" clId="{988CB3FB-85FE-4B18-8889-744054AB9037}" dt="2023-03-05T15:39:33.443" v="1597" actId="5736"/>
           <ac:spMkLst>
             <pc:docMk/>
             <pc:sldMk cId="1480784656" sldId="257"/>
@@ -324,7 +324,7 @@
           </ac:spMkLst>
         </pc:spChg>
         <pc:spChg chg="mod">
-          <ac:chgData name="Felipe Lopes de Oliveira" userId="7927722fe4027b30" providerId="LiveId" clId="{988CB3FB-85FE-4B18-8889-744054AB9037}" dt="2023-03-04T16:50:34.042" v="1015" actId="5736"/>
+          <ac:chgData name="Felipe Lopes de Oliveira" userId="7927722fe4027b30" providerId="LiveId" clId="{988CB3FB-85FE-4B18-8889-744054AB9037}" dt="2023-03-05T15:39:33.443" v="1597" actId="5736"/>
           <ac:spMkLst>
             <pc:docMk/>
             <pc:sldMk cId="1480784656" sldId="257"/>
@@ -332,15 +332,63 @@
           </ac:spMkLst>
         </pc:spChg>
         <pc:spChg chg="mod">
-          <ac:chgData name="Felipe Lopes de Oliveira" userId="7927722fe4027b30" providerId="LiveId" clId="{988CB3FB-85FE-4B18-8889-744054AB9037}" dt="2023-03-04T16:50:34.042" v="1015" actId="5736"/>
+          <ac:chgData name="Felipe Lopes de Oliveira" userId="7927722fe4027b30" providerId="LiveId" clId="{988CB3FB-85FE-4B18-8889-744054AB9037}" dt="2023-03-05T15:39:33.443" v="1597" actId="5736"/>
           <ac:spMkLst>
             <pc:docMk/>
             <pc:sldMk cId="1480784656" sldId="257"/>
             <ac:spMk id="27" creationId="{967979D8-CE29-4BDC-A629-0B2C53554F0D}"/>
           </ac:spMkLst>
         </pc:spChg>
+        <pc:spChg chg="add mod">
+          <ac:chgData name="Felipe Lopes de Oliveira" userId="7927722fe4027b30" providerId="LiveId" clId="{988CB3FB-85FE-4B18-8889-744054AB9037}" dt="2023-03-05T15:07:28.244" v="1092" actId="571"/>
+          <ac:spMkLst>
+            <pc:docMk/>
+            <pc:sldMk cId="1480784656" sldId="257"/>
+            <ac:spMk id="28" creationId="{58EF8D73-7EAA-0A36-B30A-BB9A00897DC2}"/>
+          </ac:spMkLst>
+        </pc:spChg>
+        <pc:spChg chg="add mod">
+          <ac:chgData name="Felipe Lopes de Oliveira" userId="7927722fe4027b30" providerId="LiveId" clId="{988CB3FB-85FE-4B18-8889-744054AB9037}" dt="2023-03-05T15:39:33.443" v="1597" actId="5736"/>
+          <ac:spMkLst>
+            <pc:docMk/>
+            <pc:sldMk cId="1480784656" sldId="257"/>
+            <ac:spMk id="29" creationId="{C564F456-CD91-4B9D-9C21-B45930092CC3}"/>
+          </ac:spMkLst>
+        </pc:spChg>
+        <pc:spChg chg="add del mod">
+          <ac:chgData name="Felipe Lopes de Oliveira" userId="7927722fe4027b30" providerId="LiveId" clId="{988CB3FB-85FE-4B18-8889-744054AB9037}" dt="2023-03-05T15:11:46.420" v="1294" actId="478"/>
+          <ac:spMkLst>
+            <pc:docMk/>
+            <pc:sldMk cId="1480784656" sldId="257"/>
+            <ac:spMk id="31" creationId="{38F127F7-3D0A-50AE-E278-1FD905142F83}"/>
+          </ac:spMkLst>
+        </pc:spChg>
+        <pc:spChg chg="add del mod">
+          <ac:chgData name="Felipe Lopes de Oliveira" userId="7927722fe4027b30" providerId="LiveId" clId="{988CB3FB-85FE-4B18-8889-744054AB9037}" dt="2023-03-05T15:20:44.498" v="1585" actId="478"/>
+          <ac:spMkLst>
+            <pc:docMk/>
+            <pc:sldMk cId="1480784656" sldId="257"/>
+            <ac:spMk id="33" creationId="{946111B3-F4A8-5182-6CB1-E7CC58E3C554}"/>
+          </ac:spMkLst>
+        </pc:spChg>
+        <pc:spChg chg="add mod">
+          <ac:chgData name="Felipe Lopes de Oliveira" userId="7927722fe4027b30" providerId="LiveId" clId="{988CB3FB-85FE-4B18-8889-744054AB9037}" dt="2023-03-05T15:39:33.443" v="1597" actId="5736"/>
+          <ac:spMkLst>
+            <pc:docMk/>
+            <pc:sldMk cId="1480784656" sldId="257"/>
+            <ac:spMk id="36" creationId="{5ACE21A8-62E3-4DFA-B49F-C18BB0857009}"/>
+          </ac:spMkLst>
+        </pc:spChg>
+        <pc:spChg chg="add del mod">
+          <ac:chgData name="Felipe Lopes de Oliveira" userId="7927722fe4027b30" providerId="LiveId" clId="{988CB3FB-85FE-4B18-8889-744054AB9037}" dt="2023-03-05T15:20:47.001" v="1587" actId="478"/>
+          <ac:spMkLst>
+            <pc:docMk/>
+            <pc:sldMk cId="1480784656" sldId="257"/>
+            <ac:spMk id="37" creationId="{7A9A4685-6B69-36B6-57A3-30399970BA84}"/>
+          </ac:spMkLst>
+        </pc:spChg>
         <pc:spChg chg="mod">
-          <ac:chgData name="Felipe Lopes de Oliveira" userId="7927722fe4027b30" providerId="LiveId" clId="{988CB3FB-85FE-4B18-8889-744054AB9037}" dt="2023-03-04T16:50:34.042" v="1015" actId="5736"/>
+          <ac:chgData name="Felipe Lopes de Oliveira" userId="7927722fe4027b30" providerId="LiveId" clId="{988CB3FB-85FE-4B18-8889-744054AB9037}" dt="2023-03-05T15:39:33.443" v="1597" actId="5736"/>
           <ac:spMkLst>
             <pc:docMk/>
             <pc:sldMk cId="1480784656" sldId="257"/>
@@ -348,7 +396,7 @@
           </ac:spMkLst>
         </pc:spChg>
         <pc:spChg chg="mod">
-          <ac:chgData name="Felipe Lopes de Oliveira" userId="7927722fe4027b30" providerId="LiveId" clId="{988CB3FB-85FE-4B18-8889-744054AB9037}" dt="2023-03-04T16:50:34.042" v="1015" actId="5736"/>
+          <ac:chgData name="Felipe Lopes de Oliveira" userId="7927722fe4027b30" providerId="LiveId" clId="{988CB3FB-85FE-4B18-8889-744054AB9037}" dt="2023-03-05T15:39:33.443" v="1597" actId="5736"/>
           <ac:spMkLst>
             <pc:docMk/>
             <pc:sldMk cId="1480784656" sldId="257"/>
@@ -356,7 +404,7 @@
           </ac:spMkLst>
         </pc:spChg>
         <pc:spChg chg="mod">
-          <ac:chgData name="Felipe Lopes de Oliveira" userId="7927722fe4027b30" providerId="LiveId" clId="{988CB3FB-85FE-4B18-8889-744054AB9037}" dt="2023-03-04T16:50:34.042" v="1015" actId="5736"/>
+          <ac:chgData name="Felipe Lopes de Oliveira" userId="7927722fe4027b30" providerId="LiveId" clId="{988CB3FB-85FE-4B18-8889-744054AB9037}" dt="2023-03-05T15:39:33.443" v="1597" actId="5736"/>
           <ac:spMkLst>
             <pc:docMk/>
             <pc:sldMk cId="1480784656" sldId="257"/>
@@ -364,7 +412,7 @@
           </ac:spMkLst>
         </pc:spChg>
         <pc:spChg chg="mod">
-          <ac:chgData name="Felipe Lopes de Oliveira" userId="7927722fe4027b30" providerId="LiveId" clId="{988CB3FB-85FE-4B18-8889-744054AB9037}" dt="2023-03-04T16:50:34.042" v="1015" actId="5736"/>
+          <ac:chgData name="Felipe Lopes de Oliveira" userId="7927722fe4027b30" providerId="LiveId" clId="{988CB3FB-85FE-4B18-8889-744054AB9037}" dt="2023-03-05T15:39:33.443" v="1597" actId="5736"/>
           <ac:spMkLst>
             <pc:docMk/>
             <pc:sldMk cId="1480784656" sldId="257"/>
@@ -372,7 +420,7 @@
           </ac:spMkLst>
         </pc:spChg>
         <pc:spChg chg="mod">
-          <ac:chgData name="Felipe Lopes de Oliveira" userId="7927722fe4027b30" providerId="LiveId" clId="{988CB3FB-85FE-4B18-8889-744054AB9037}" dt="2023-03-04T16:50:34.042" v="1015" actId="5736"/>
+          <ac:chgData name="Felipe Lopes de Oliveira" userId="7927722fe4027b30" providerId="LiveId" clId="{988CB3FB-85FE-4B18-8889-744054AB9037}" dt="2023-03-05T15:39:33.443" v="1597" actId="5736"/>
           <ac:spMkLst>
             <pc:docMk/>
             <pc:sldMk cId="1480784656" sldId="257"/>
@@ -380,7 +428,7 @@
           </ac:spMkLst>
         </pc:spChg>
         <pc:spChg chg="mod">
-          <ac:chgData name="Felipe Lopes de Oliveira" userId="7927722fe4027b30" providerId="LiveId" clId="{988CB3FB-85FE-4B18-8889-744054AB9037}" dt="2023-03-04T16:50:34.042" v="1015" actId="5736"/>
+          <ac:chgData name="Felipe Lopes de Oliveira" userId="7927722fe4027b30" providerId="LiveId" clId="{988CB3FB-85FE-4B18-8889-744054AB9037}" dt="2023-03-05T15:39:33.443" v="1597" actId="5736"/>
           <ac:spMkLst>
             <pc:docMk/>
             <pc:sldMk cId="1480784656" sldId="257"/>
@@ -388,7 +436,7 @@
           </ac:spMkLst>
         </pc:spChg>
         <pc:graphicFrameChg chg="mod">
-          <ac:chgData name="Felipe Lopes de Oliveira" userId="7927722fe4027b30" providerId="LiveId" clId="{988CB3FB-85FE-4B18-8889-744054AB9037}" dt="2023-03-04T16:50:34.042" v="1015" actId="5736"/>
+          <ac:chgData name="Felipe Lopes de Oliveira" userId="7927722fe4027b30" providerId="LiveId" clId="{988CB3FB-85FE-4B18-8889-744054AB9037}" dt="2023-03-05T15:39:33.443" v="1597" actId="5736"/>
           <ac:graphicFrameMkLst>
             <pc:docMk/>
             <pc:sldMk cId="1480784656" sldId="257"/>
@@ -396,15 +444,55 @@
           </ac:graphicFrameMkLst>
         </pc:graphicFrameChg>
         <pc:graphicFrameChg chg="mod">
-          <ac:chgData name="Felipe Lopes de Oliveira" userId="7927722fe4027b30" providerId="LiveId" clId="{988CB3FB-85FE-4B18-8889-744054AB9037}" dt="2023-03-04T16:50:34.042" v="1015" actId="5736"/>
+          <ac:chgData name="Felipe Lopes de Oliveira" userId="7927722fe4027b30" providerId="LiveId" clId="{988CB3FB-85FE-4B18-8889-744054AB9037}" dt="2023-03-05T15:39:33.443" v="1597" actId="5736"/>
           <ac:graphicFrameMkLst>
             <pc:docMk/>
             <pc:sldMk cId="1480784656" sldId="257"/>
             <ac:graphicFrameMk id="4" creationId="{3F70143E-5256-37C3-08C9-0E28E08A6DA3}"/>
           </ac:graphicFrameMkLst>
         </pc:graphicFrameChg>
+        <pc:graphicFrameChg chg="add mod">
+          <ac:chgData name="Felipe Lopes de Oliveira" userId="7927722fe4027b30" providerId="LiveId" clId="{988CB3FB-85FE-4B18-8889-744054AB9037}" dt="2023-03-05T15:39:33.443" v="1597" actId="5736"/>
+          <ac:graphicFrameMkLst>
+            <pc:docMk/>
+            <pc:sldMk cId="1480784656" sldId="257"/>
+            <ac:graphicFrameMk id="30" creationId="{39C4941F-48FF-076E-7407-1AD92AB3B841}"/>
+          </ac:graphicFrameMkLst>
+        </pc:graphicFrameChg>
+        <pc:graphicFrameChg chg="add del mod">
+          <ac:chgData name="Felipe Lopes de Oliveira" userId="7927722fe4027b30" providerId="LiveId" clId="{988CB3FB-85FE-4B18-8889-744054AB9037}" dt="2023-03-05T15:11:45.225" v="1293" actId="478"/>
+          <ac:graphicFrameMkLst>
+            <pc:docMk/>
+            <pc:sldMk cId="1480784656" sldId="257"/>
+            <ac:graphicFrameMk id="32" creationId="{606F46B7-C028-D736-9741-BBD7FC8051B3}"/>
+          </ac:graphicFrameMkLst>
+        </pc:graphicFrameChg>
+        <pc:graphicFrameChg chg="add del mod">
+          <ac:chgData name="Felipe Lopes de Oliveira" userId="7927722fe4027b30" providerId="LiveId" clId="{988CB3FB-85FE-4B18-8889-744054AB9037}" dt="2023-03-05T15:20:43.362" v="1584" actId="478"/>
+          <ac:graphicFrameMkLst>
+            <pc:docMk/>
+            <pc:sldMk cId="1480784656" sldId="257"/>
+            <ac:graphicFrameMk id="34" creationId="{535ADE4D-EBD3-87E5-E621-B17F32369989}"/>
+          </ac:graphicFrameMkLst>
+        </pc:graphicFrameChg>
+        <pc:graphicFrameChg chg="add mod">
+          <ac:chgData name="Felipe Lopes de Oliveira" userId="7927722fe4027b30" providerId="LiveId" clId="{988CB3FB-85FE-4B18-8889-744054AB9037}" dt="2023-03-05T15:39:33.443" v="1597" actId="5736"/>
+          <ac:graphicFrameMkLst>
+            <pc:docMk/>
+            <pc:sldMk cId="1480784656" sldId="257"/>
+            <ac:graphicFrameMk id="35" creationId="{04F8035D-8463-ACE7-2119-276CD44AD7EE}"/>
+          </ac:graphicFrameMkLst>
+        </pc:graphicFrameChg>
+        <pc:graphicFrameChg chg="add del mod">
+          <ac:chgData name="Felipe Lopes de Oliveira" userId="7927722fe4027b30" providerId="LiveId" clId="{988CB3FB-85FE-4B18-8889-744054AB9037}" dt="2023-03-05T15:20:45.609" v="1586" actId="478"/>
+          <ac:graphicFrameMkLst>
+            <pc:docMk/>
+            <pc:sldMk cId="1480784656" sldId="257"/>
+            <ac:graphicFrameMk id="38" creationId="{496CA154-5A1A-4572-F54B-D18C21995F98}"/>
+          </ac:graphicFrameMkLst>
+        </pc:graphicFrameChg>
         <pc:graphicFrameChg chg="mod">
-          <ac:chgData name="Felipe Lopes de Oliveira" userId="7927722fe4027b30" providerId="LiveId" clId="{988CB3FB-85FE-4B18-8889-744054AB9037}" dt="2023-03-04T16:50:34.042" v="1015" actId="5736"/>
+          <ac:chgData name="Felipe Lopes de Oliveira" userId="7927722fe4027b30" providerId="LiveId" clId="{988CB3FB-85FE-4B18-8889-744054AB9037}" dt="2023-03-05T15:39:33.443" v="1597" actId="5736"/>
           <ac:graphicFrameMkLst>
             <pc:docMk/>
             <pc:sldMk cId="1480784656" sldId="257"/>
@@ -412,7 +500,7 @@
           </ac:graphicFrameMkLst>
         </pc:graphicFrameChg>
         <pc:graphicFrameChg chg="mod">
-          <ac:chgData name="Felipe Lopes de Oliveira" userId="7927722fe4027b30" providerId="LiveId" clId="{988CB3FB-85FE-4B18-8889-744054AB9037}" dt="2023-03-04T16:50:34.042" v="1015" actId="5736"/>
+          <ac:chgData name="Felipe Lopes de Oliveira" userId="7927722fe4027b30" providerId="LiveId" clId="{988CB3FB-85FE-4B18-8889-744054AB9037}" dt="2023-03-05T15:39:33.443" v="1597" actId="5736"/>
           <ac:graphicFrameMkLst>
             <pc:docMk/>
             <pc:sldMk cId="1480784656" sldId="257"/>
@@ -420,7 +508,7 @@
           </ac:graphicFrameMkLst>
         </pc:graphicFrameChg>
         <pc:graphicFrameChg chg="mod">
-          <ac:chgData name="Felipe Lopes de Oliveira" userId="7927722fe4027b30" providerId="LiveId" clId="{988CB3FB-85FE-4B18-8889-744054AB9037}" dt="2023-03-04T16:50:34.042" v="1015" actId="5736"/>
+          <ac:chgData name="Felipe Lopes de Oliveira" userId="7927722fe4027b30" providerId="LiveId" clId="{988CB3FB-85FE-4B18-8889-744054AB9037}" dt="2023-03-05T15:39:33.443" v="1597" actId="5736"/>
           <ac:graphicFrameMkLst>
             <pc:docMk/>
             <pc:sldMk cId="1480784656" sldId="257"/>
@@ -428,7 +516,7 @@
           </ac:graphicFrameMkLst>
         </pc:graphicFrameChg>
         <pc:graphicFrameChg chg="mod">
-          <ac:chgData name="Felipe Lopes de Oliveira" userId="7927722fe4027b30" providerId="LiveId" clId="{988CB3FB-85FE-4B18-8889-744054AB9037}" dt="2023-03-04T16:50:34.042" v="1015" actId="5736"/>
+          <ac:chgData name="Felipe Lopes de Oliveira" userId="7927722fe4027b30" providerId="LiveId" clId="{988CB3FB-85FE-4B18-8889-744054AB9037}" dt="2023-03-05T15:39:33.443" v="1597" actId="5736"/>
           <ac:graphicFrameMkLst>
             <pc:docMk/>
             <pc:sldMk cId="1480784656" sldId="257"/>
@@ -436,7 +524,7 @@
           </ac:graphicFrameMkLst>
         </pc:graphicFrameChg>
         <pc:graphicFrameChg chg="mod">
-          <ac:chgData name="Felipe Lopes de Oliveira" userId="7927722fe4027b30" providerId="LiveId" clId="{988CB3FB-85FE-4B18-8889-744054AB9037}" dt="2023-03-04T16:50:34.042" v="1015" actId="5736"/>
+          <ac:chgData name="Felipe Lopes de Oliveira" userId="7927722fe4027b30" providerId="LiveId" clId="{988CB3FB-85FE-4B18-8889-744054AB9037}" dt="2023-03-05T15:39:33.443" v="1597" actId="5736"/>
           <ac:graphicFrameMkLst>
             <pc:docMk/>
             <pc:sldMk cId="1480784656" sldId="257"/>
@@ -444,7 +532,7 @@
           </ac:graphicFrameMkLst>
         </pc:graphicFrameChg>
         <pc:graphicFrameChg chg="mod">
-          <ac:chgData name="Felipe Lopes de Oliveira" userId="7927722fe4027b30" providerId="LiveId" clId="{988CB3FB-85FE-4B18-8889-744054AB9037}" dt="2023-03-04T16:50:34.042" v="1015" actId="5736"/>
+          <ac:chgData name="Felipe Lopes de Oliveira" userId="7927722fe4027b30" providerId="LiveId" clId="{988CB3FB-85FE-4B18-8889-744054AB9037}" dt="2023-03-05T15:39:33.443" v="1597" actId="5736"/>
           <ac:graphicFrameMkLst>
             <pc:docMk/>
             <pc:sldMk cId="1480784656" sldId="257"/>
@@ -452,7 +540,7 @@
           </ac:graphicFrameMkLst>
         </pc:graphicFrameChg>
         <pc:graphicFrameChg chg="mod">
-          <ac:chgData name="Felipe Lopes de Oliveira" userId="7927722fe4027b30" providerId="LiveId" clId="{988CB3FB-85FE-4B18-8889-744054AB9037}" dt="2023-03-04T16:50:34.042" v="1015" actId="5736"/>
+          <ac:chgData name="Felipe Lopes de Oliveira" userId="7927722fe4027b30" providerId="LiveId" clId="{988CB3FB-85FE-4B18-8889-744054AB9037}" dt="2023-03-05T15:39:33.443" v="1597" actId="5736"/>
           <ac:graphicFrameMkLst>
             <pc:docMk/>
             <pc:sldMk cId="1480784656" sldId="257"/>
@@ -460,7 +548,7 @@
           </ac:graphicFrameMkLst>
         </pc:graphicFrameChg>
         <pc:graphicFrameChg chg="mod">
-          <ac:chgData name="Felipe Lopes de Oliveira" userId="7927722fe4027b30" providerId="LiveId" clId="{988CB3FB-85FE-4B18-8889-744054AB9037}" dt="2023-03-04T16:50:34.042" v="1015" actId="5736"/>
+          <ac:chgData name="Felipe Lopes de Oliveira" userId="7927722fe4027b30" providerId="LiveId" clId="{988CB3FB-85FE-4B18-8889-744054AB9037}" dt="2023-03-05T15:39:33.443" v="1597" actId="5736"/>
           <ac:graphicFrameMkLst>
             <pc:docMk/>
             <pc:sldMk cId="1480784656" sldId="257"/>
@@ -468,7 +556,7 @@
           </ac:graphicFrameMkLst>
         </pc:graphicFrameChg>
         <pc:graphicFrameChg chg="mod">
-          <ac:chgData name="Felipe Lopes de Oliveira" userId="7927722fe4027b30" providerId="LiveId" clId="{988CB3FB-85FE-4B18-8889-744054AB9037}" dt="2023-03-04T16:50:34.042" v="1015" actId="5736"/>
+          <ac:chgData name="Felipe Lopes de Oliveira" userId="7927722fe4027b30" providerId="LiveId" clId="{988CB3FB-85FE-4B18-8889-744054AB9037}" dt="2023-03-05T15:39:33.443" v="1597" actId="5736"/>
           <ac:graphicFrameMkLst>
             <pc:docMk/>
             <pc:sldMk cId="1480784656" sldId="257"/>
@@ -476,7 +564,7 @@
           </ac:graphicFrameMkLst>
         </pc:graphicFrameChg>
         <pc:graphicFrameChg chg="mod">
-          <ac:chgData name="Felipe Lopes de Oliveira" userId="7927722fe4027b30" providerId="LiveId" clId="{988CB3FB-85FE-4B18-8889-744054AB9037}" dt="2023-03-04T16:50:34.042" v="1015" actId="5736"/>
+          <ac:chgData name="Felipe Lopes de Oliveira" userId="7927722fe4027b30" providerId="LiveId" clId="{988CB3FB-85FE-4B18-8889-744054AB9037}" dt="2023-03-05T15:39:33.443" v="1597" actId="5736"/>
           <ac:graphicFrameMkLst>
             <pc:docMk/>
             <pc:sldMk cId="1480784656" sldId="257"/>
@@ -484,7 +572,7 @@
           </ac:graphicFrameMkLst>
         </pc:graphicFrameChg>
         <pc:graphicFrameChg chg="mod">
-          <ac:chgData name="Felipe Lopes de Oliveira" userId="7927722fe4027b30" providerId="LiveId" clId="{988CB3FB-85FE-4B18-8889-744054AB9037}" dt="2023-03-04T16:50:34.042" v="1015" actId="5736"/>
+          <ac:chgData name="Felipe Lopes de Oliveira" userId="7927722fe4027b30" providerId="LiveId" clId="{988CB3FB-85FE-4B18-8889-744054AB9037}" dt="2023-03-05T15:39:33.443" v="1597" actId="5736"/>
           <ac:graphicFrameMkLst>
             <pc:docMk/>
             <pc:sldMk cId="1480784656" sldId="257"/>
@@ -492,7 +580,7 @@
           </ac:graphicFrameMkLst>
         </pc:graphicFrameChg>
         <pc:graphicFrameChg chg="mod">
-          <ac:chgData name="Felipe Lopes de Oliveira" userId="7927722fe4027b30" providerId="LiveId" clId="{988CB3FB-85FE-4B18-8889-744054AB9037}" dt="2023-03-04T16:50:34.042" v="1015" actId="5736"/>
+          <ac:chgData name="Felipe Lopes de Oliveira" userId="7927722fe4027b30" providerId="LiveId" clId="{988CB3FB-85FE-4B18-8889-744054AB9037}" dt="2023-03-05T15:39:33.443" v="1597" actId="5736"/>
           <ac:graphicFrameMkLst>
             <pc:docMk/>
             <pc:sldMk cId="1480784656" sldId="257"/>
@@ -500,7 +588,7 @@
           </ac:graphicFrameMkLst>
         </pc:graphicFrameChg>
         <pc:graphicFrameChg chg="mod">
-          <ac:chgData name="Felipe Lopes de Oliveira" userId="7927722fe4027b30" providerId="LiveId" clId="{988CB3FB-85FE-4B18-8889-744054AB9037}" dt="2023-03-04T16:50:34.042" v="1015" actId="5736"/>
+          <ac:chgData name="Felipe Lopes de Oliveira" userId="7927722fe4027b30" providerId="LiveId" clId="{988CB3FB-85FE-4B18-8889-744054AB9037}" dt="2023-03-05T15:39:33.443" v="1597" actId="5736"/>
           <ac:graphicFrameMkLst>
             <pc:docMk/>
             <pc:sldMk cId="1480784656" sldId="257"/>
@@ -508,7 +596,7 @@
           </ac:graphicFrameMkLst>
         </pc:graphicFrameChg>
         <pc:graphicFrameChg chg="mod">
-          <ac:chgData name="Felipe Lopes de Oliveira" userId="7927722fe4027b30" providerId="LiveId" clId="{988CB3FB-85FE-4B18-8889-744054AB9037}" dt="2023-03-04T16:50:34.042" v="1015" actId="5736"/>
+          <ac:chgData name="Felipe Lopes de Oliveira" userId="7927722fe4027b30" providerId="LiveId" clId="{988CB3FB-85FE-4B18-8889-744054AB9037}" dt="2023-03-05T15:39:33.443" v="1597" actId="5736"/>
           <ac:graphicFrameMkLst>
             <pc:docMk/>
             <pc:sldMk cId="1480784656" sldId="257"/>
@@ -516,7 +604,7 @@
           </ac:graphicFrameMkLst>
         </pc:graphicFrameChg>
         <pc:graphicFrameChg chg="mod">
-          <ac:chgData name="Felipe Lopes de Oliveira" userId="7927722fe4027b30" providerId="LiveId" clId="{988CB3FB-85FE-4B18-8889-744054AB9037}" dt="2023-03-04T16:50:34.042" v="1015" actId="5736"/>
+          <ac:chgData name="Felipe Lopes de Oliveira" userId="7927722fe4027b30" providerId="LiveId" clId="{988CB3FB-85FE-4B18-8889-744054AB9037}" dt="2023-03-05T15:39:33.443" v="1597" actId="5736"/>
           <ac:graphicFrameMkLst>
             <pc:docMk/>
             <pc:sldMk cId="1480784656" sldId="257"/>
@@ -524,7 +612,7 @@
           </ac:graphicFrameMkLst>
         </pc:graphicFrameChg>
         <pc:graphicFrameChg chg="mod">
-          <ac:chgData name="Felipe Lopes de Oliveira" userId="7927722fe4027b30" providerId="LiveId" clId="{988CB3FB-85FE-4B18-8889-744054AB9037}" dt="2023-03-04T16:50:34.042" v="1015" actId="5736"/>
+          <ac:chgData name="Felipe Lopes de Oliveira" userId="7927722fe4027b30" providerId="LiveId" clId="{988CB3FB-85FE-4B18-8889-744054AB9037}" dt="2023-03-05T15:39:33.443" v="1597" actId="5736"/>
           <ac:graphicFrameMkLst>
             <pc:docMk/>
             <pc:sldMk cId="1480784656" sldId="257"/>
@@ -532,7 +620,7 @@
           </ac:graphicFrameMkLst>
         </pc:graphicFrameChg>
         <pc:graphicFrameChg chg="mod">
-          <ac:chgData name="Felipe Lopes de Oliveira" userId="7927722fe4027b30" providerId="LiveId" clId="{988CB3FB-85FE-4B18-8889-744054AB9037}" dt="2023-03-04T16:50:34.042" v="1015" actId="5736"/>
+          <ac:chgData name="Felipe Lopes de Oliveira" userId="7927722fe4027b30" providerId="LiveId" clId="{988CB3FB-85FE-4B18-8889-744054AB9037}" dt="2023-03-05T15:39:33.443" v="1597" actId="5736"/>
           <ac:graphicFrameMkLst>
             <pc:docMk/>
             <pc:sldMk cId="1480784656" sldId="257"/>
@@ -540,7 +628,7 @@
           </ac:graphicFrameMkLst>
         </pc:graphicFrameChg>
         <pc:graphicFrameChg chg="mod">
-          <ac:chgData name="Felipe Lopes de Oliveira" userId="7927722fe4027b30" providerId="LiveId" clId="{988CB3FB-85FE-4B18-8889-744054AB9037}" dt="2023-03-04T16:50:34.042" v="1015" actId="5736"/>
+          <ac:chgData name="Felipe Lopes de Oliveira" userId="7927722fe4027b30" providerId="LiveId" clId="{988CB3FB-85FE-4B18-8889-744054AB9037}" dt="2023-03-05T15:39:33.443" v="1597" actId="5736"/>
           <ac:graphicFrameMkLst>
             <pc:docMk/>
             <pc:sldMk cId="1480784656" sldId="257"/>
@@ -548,7 +636,7 @@
           </ac:graphicFrameMkLst>
         </pc:graphicFrameChg>
         <pc:graphicFrameChg chg="mod">
-          <ac:chgData name="Felipe Lopes de Oliveira" userId="7927722fe4027b30" providerId="LiveId" clId="{988CB3FB-85FE-4B18-8889-744054AB9037}" dt="2023-03-04T16:50:34.042" v="1015" actId="5736"/>
+          <ac:chgData name="Felipe Lopes de Oliveira" userId="7927722fe4027b30" providerId="LiveId" clId="{988CB3FB-85FE-4B18-8889-744054AB9037}" dt="2023-03-05T15:39:33.443" v="1597" actId="5736"/>
           <ac:graphicFrameMkLst>
             <pc:docMk/>
             <pc:sldMk cId="1480784656" sldId="257"/>
@@ -556,7 +644,7 @@
           </ac:graphicFrameMkLst>
         </pc:graphicFrameChg>
         <pc:graphicFrameChg chg="mod">
-          <ac:chgData name="Felipe Lopes de Oliveira" userId="7927722fe4027b30" providerId="LiveId" clId="{988CB3FB-85FE-4B18-8889-744054AB9037}" dt="2023-03-04T16:50:34.042" v="1015" actId="5736"/>
+          <ac:chgData name="Felipe Lopes de Oliveira" userId="7927722fe4027b30" providerId="LiveId" clId="{988CB3FB-85FE-4B18-8889-744054AB9037}" dt="2023-03-05T15:39:33.443" v="1597" actId="5736"/>
           <ac:graphicFrameMkLst>
             <pc:docMk/>
             <pc:sldMk cId="1480784656" sldId="257"/>
@@ -564,7 +652,7 @@
           </ac:graphicFrameMkLst>
         </pc:graphicFrameChg>
         <pc:graphicFrameChg chg="mod">
-          <ac:chgData name="Felipe Lopes de Oliveira" userId="7927722fe4027b30" providerId="LiveId" clId="{988CB3FB-85FE-4B18-8889-744054AB9037}" dt="2023-03-04T16:50:34.042" v="1015" actId="5736"/>
+          <ac:chgData name="Felipe Lopes de Oliveira" userId="7927722fe4027b30" providerId="LiveId" clId="{988CB3FB-85FE-4B18-8889-744054AB9037}" dt="2023-03-05T15:39:33.443" v="1597" actId="5736"/>
           <ac:graphicFrameMkLst>
             <pc:docMk/>
             <pc:sldMk cId="1480784656" sldId="257"/>
@@ -572,7 +660,7 @@
           </ac:graphicFrameMkLst>
         </pc:graphicFrameChg>
         <pc:graphicFrameChg chg="mod">
-          <ac:chgData name="Felipe Lopes de Oliveira" userId="7927722fe4027b30" providerId="LiveId" clId="{988CB3FB-85FE-4B18-8889-744054AB9037}" dt="2023-03-04T16:50:34.042" v="1015" actId="5736"/>
+          <ac:chgData name="Felipe Lopes de Oliveira" userId="7927722fe4027b30" providerId="LiveId" clId="{988CB3FB-85FE-4B18-8889-744054AB9037}" dt="2023-03-05T15:39:33.443" v="1597" actId="5736"/>
           <ac:graphicFrameMkLst>
             <pc:docMk/>
             <pc:sldMk cId="1480784656" sldId="257"/>
@@ -580,7 +668,7 @@
           </ac:graphicFrameMkLst>
         </pc:graphicFrameChg>
         <pc:graphicFrameChg chg="mod">
-          <ac:chgData name="Felipe Lopes de Oliveira" userId="7927722fe4027b30" providerId="LiveId" clId="{988CB3FB-85FE-4B18-8889-744054AB9037}" dt="2023-03-04T16:50:34.042" v="1015" actId="5736"/>
+          <ac:chgData name="Felipe Lopes de Oliveira" userId="7927722fe4027b30" providerId="LiveId" clId="{988CB3FB-85FE-4B18-8889-744054AB9037}" dt="2023-03-05T15:39:33.443" v="1597" actId="5736"/>
           <ac:graphicFrameMkLst>
             <pc:docMk/>
             <pc:sldMk cId="1480784656" sldId="257"/>
@@ -588,7 +676,7 @@
           </ac:graphicFrameMkLst>
         </pc:graphicFrameChg>
         <pc:graphicFrameChg chg="mod">
-          <ac:chgData name="Felipe Lopes de Oliveira" userId="7927722fe4027b30" providerId="LiveId" clId="{988CB3FB-85FE-4B18-8889-744054AB9037}" dt="2023-03-04T16:50:34.042" v="1015" actId="5736"/>
+          <ac:chgData name="Felipe Lopes de Oliveira" userId="7927722fe4027b30" providerId="LiveId" clId="{988CB3FB-85FE-4B18-8889-744054AB9037}" dt="2023-03-05T15:39:33.443" v="1597" actId="5736"/>
           <ac:graphicFrameMkLst>
             <pc:docMk/>
             <pc:sldMk cId="1480784656" sldId="257"/>
@@ -596,7 +684,7 @@
           </ac:graphicFrameMkLst>
         </pc:graphicFrameChg>
         <pc:graphicFrameChg chg="mod">
-          <ac:chgData name="Felipe Lopes de Oliveira" userId="7927722fe4027b30" providerId="LiveId" clId="{988CB3FB-85FE-4B18-8889-744054AB9037}" dt="2023-03-04T16:50:34.042" v="1015" actId="5736"/>
+          <ac:chgData name="Felipe Lopes de Oliveira" userId="7927722fe4027b30" providerId="LiveId" clId="{988CB3FB-85FE-4B18-8889-744054AB9037}" dt="2023-03-05T15:39:33.443" v="1597" actId="5736"/>
           <ac:graphicFrameMkLst>
             <pc:docMk/>
             <pc:sldMk cId="1480784656" sldId="257"/>
@@ -604,7 +692,7 @@
           </ac:graphicFrameMkLst>
         </pc:graphicFrameChg>
         <pc:graphicFrameChg chg="mod">
-          <ac:chgData name="Felipe Lopes de Oliveira" userId="7927722fe4027b30" providerId="LiveId" clId="{988CB3FB-85FE-4B18-8889-744054AB9037}" dt="2023-03-04T16:50:34.042" v="1015" actId="5736"/>
+          <ac:chgData name="Felipe Lopes de Oliveira" userId="7927722fe4027b30" providerId="LiveId" clId="{988CB3FB-85FE-4B18-8889-744054AB9037}" dt="2023-03-05T15:39:33.443" v="1597" actId="5736"/>
           <ac:graphicFrameMkLst>
             <pc:docMk/>
             <pc:sldMk cId="1480784656" sldId="257"/>
@@ -1888,7 +1976,7 @@
           <a:p>
             <a:fld id="{DBC44DCA-8DCD-44D5-A529-810413827672}" type="datetimeFigureOut">
               <a:rPr lang="pt-BR" smtClean="0"/>
-              <a:t>04/03/2023</a:t>
+              <a:t>05/03/2023</a:t>
             </a:fld>
             <a:endParaRPr lang="pt-BR"/>
           </a:p>
@@ -2058,7 +2146,7 @@
           <a:p>
             <a:fld id="{DBC44DCA-8DCD-44D5-A529-810413827672}" type="datetimeFigureOut">
               <a:rPr lang="pt-BR" smtClean="0"/>
-              <a:t>04/03/2023</a:t>
+              <a:t>05/03/2023</a:t>
             </a:fld>
             <a:endParaRPr lang="pt-BR"/>
           </a:p>
@@ -2238,7 +2326,7 @@
           <a:p>
             <a:fld id="{DBC44DCA-8DCD-44D5-A529-810413827672}" type="datetimeFigureOut">
               <a:rPr lang="pt-BR" smtClean="0"/>
-              <a:t>04/03/2023</a:t>
+              <a:t>05/03/2023</a:t>
             </a:fld>
             <a:endParaRPr lang="pt-BR"/>
           </a:p>
@@ -2408,7 +2496,7 @@
           <a:p>
             <a:fld id="{DBC44DCA-8DCD-44D5-A529-810413827672}" type="datetimeFigureOut">
               <a:rPr lang="pt-BR" smtClean="0"/>
-              <a:t>04/03/2023</a:t>
+              <a:t>05/03/2023</a:t>
             </a:fld>
             <a:endParaRPr lang="pt-BR"/>
           </a:p>
@@ -2652,7 +2740,7 @@
           <a:p>
             <a:fld id="{DBC44DCA-8DCD-44D5-A529-810413827672}" type="datetimeFigureOut">
               <a:rPr lang="pt-BR" smtClean="0"/>
-              <a:t>04/03/2023</a:t>
+              <a:t>05/03/2023</a:t>
             </a:fld>
             <a:endParaRPr lang="pt-BR"/>
           </a:p>
@@ -2884,7 +2972,7 @@
           <a:p>
             <a:fld id="{DBC44DCA-8DCD-44D5-A529-810413827672}" type="datetimeFigureOut">
               <a:rPr lang="pt-BR" smtClean="0"/>
-              <a:t>04/03/2023</a:t>
+              <a:t>05/03/2023</a:t>
             </a:fld>
             <a:endParaRPr lang="pt-BR"/>
           </a:p>
@@ -3251,7 +3339,7 @@
           <a:p>
             <a:fld id="{DBC44DCA-8DCD-44D5-A529-810413827672}" type="datetimeFigureOut">
               <a:rPr lang="pt-BR" smtClean="0"/>
-              <a:t>04/03/2023</a:t>
+              <a:t>05/03/2023</a:t>
             </a:fld>
             <a:endParaRPr lang="pt-BR"/>
           </a:p>
@@ -3369,7 +3457,7 @@
           <a:p>
             <a:fld id="{DBC44DCA-8DCD-44D5-A529-810413827672}" type="datetimeFigureOut">
               <a:rPr lang="pt-BR" smtClean="0"/>
-              <a:t>04/03/2023</a:t>
+              <a:t>05/03/2023</a:t>
             </a:fld>
             <a:endParaRPr lang="pt-BR"/>
           </a:p>
@@ -3464,7 +3552,7 @@
           <a:p>
             <a:fld id="{DBC44DCA-8DCD-44D5-A529-810413827672}" type="datetimeFigureOut">
               <a:rPr lang="pt-BR" smtClean="0"/>
-              <a:t>04/03/2023</a:t>
+              <a:t>05/03/2023</a:t>
             </a:fld>
             <a:endParaRPr lang="pt-BR"/>
           </a:p>
@@ -3741,7 +3829,7 @@
           <a:p>
             <a:fld id="{DBC44DCA-8DCD-44D5-A529-810413827672}" type="datetimeFigureOut">
               <a:rPr lang="pt-BR" smtClean="0"/>
-              <a:t>04/03/2023</a:t>
+              <a:t>05/03/2023</a:t>
             </a:fld>
             <a:endParaRPr lang="pt-BR"/>
           </a:p>
@@ -3998,7 +4086,7 @@
           <a:p>
             <a:fld id="{DBC44DCA-8DCD-44D5-A529-810413827672}" type="datetimeFigureOut">
               <a:rPr lang="pt-BR" smtClean="0"/>
-              <a:t>04/03/2023</a:t>
+              <a:t>05/03/2023</a:t>
             </a:fld>
             <a:endParaRPr lang="pt-BR"/>
           </a:p>
@@ -4211,7 +4299,7 @@
           <a:p>
             <a:fld id="{DBC44DCA-8DCD-44D5-A529-810413827672}" type="datetimeFigureOut">
               <a:rPr lang="pt-BR" smtClean="0"/>
-              <a:t>04/03/2023</a:t>
+              <a:t>05/03/2023</a:t>
             </a:fld>
             <a:endParaRPr lang="pt-BR"/>
           </a:p>
@@ -13324,7 +13412,9 @@
               </a:ext>
             </a:extLst>
           </p:cNvPr>
-          <p:cNvSpPr/>
+          <p:cNvSpPr>
+            <a:spLocks noGrp="1" noRot="1" noMove="1" noResize="1" noEditPoints="1" noAdjustHandles="1" noChangeArrowheads="1" noChangeShapeType="1"/>
+          </p:cNvSpPr>
           <p:nvPr/>
         </p:nvSpPr>
         <p:spPr>
@@ -13372,7 +13462,7 @@
           <a:lstStyle/>
           <a:p>
             <a:pPr algn="ctr"/>
-            <a:endParaRPr lang="pt-BR" sz="1893"/>
+            <a:endParaRPr lang="pt-BR" sz="1893" u="sng" dirty="0"/>
           </a:p>
         </p:txBody>
       </p:sp>
@@ -13532,7 +13622,7 @@
         </p:nvSpPr>
         <p:spPr>
           <a:xfrm>
-            <a:off x="3222749" y="7355912"/>
+            <a:off x="2865245" y="7355912"/>
             <a:ext cx="631426" cy="310717"/>
           </a:xfrm>
           <a:prstGeom prst="rect">
@@ -13774,7 +13864,7 @@
         </p:nvSpPr>
         <p:spPr>
           <a:xfrm>
-            <a:off x="10218021" y="9403248"/>
+            <a:off x="10247554" y="5593021"/>
             <a:ext cx="631426" cy="310717"/>
           </a:xfrm>
           <a:prstGeom prst="rect">
@@ -13892,7 +13982,7 @@
         </p:nvSpPr>
         <p:spPr>
           <a:xfrm>
-            <a:off x="8575143" y="9403248"/>
+            <a:off x="4754027" y="7315202"/>
             <a:ext cx="631426" cy="310717"/>
           </a:xfrm>
           <a:prstGeom prst="rect">
@@ -14433,7 +14523,7 @@
         </p:nvSpPr>
         <p:spPr>
           <a:xfrm>
-            <a:off x="1103803" y="7273643"/>
+            <a:off x="923521" y="7278835"/>
             <a:ext cx="631426" cy="310717"/>
           </a:xfrm>
           <a:prstGeom prst="rect">
@@ -14492,7 +14582,7 @@
         </p:nvSpPr>
         <p:spPr>
           <a:xfrm>
-            <a:off x="2207315" y="9403248"/>
+            <a:off x="2265170" y="9279371"/>
             <a:ext cx="631426" cy="310717"/>
           </a:xfrm>
           <a:prstGeom prst="rect">
@@ -14672,7 +14762,7 @@
           <p:nvPr>
             <p:extLst>
               <p:ext uri="{D42A27DB-BD31-4B8C-83A1-F6EECF244321}">
-                <p14:modId xmlns:p14="http://schemas.microsoft.com/office/powerpoint/2010/main" val="2065526992"/>
+                <p14:modId xmlns:p14="http://schemas.microsoft.com/office/powerpoint/2010/main" val="2780011154"/>
               </p:ext>
             </p:extLst>
           </p:nvPr>
@@ -14741,7 +14831,7 @@
           <p:nvPr>
             <p:extLst>
               <p:ext uri="{D42A27DB-BD31-4B8C-83A1-F6EECF244321}">
-                <p14:modId xmlns:p14="http://schemas.microsoft.com/office/powerpoint/2010/main" val="450677055"/>
+                <p14:modId xmlns:p14="http://schemas.microsoft.com/office/powerpoint/2010/main" val="4128172031"/>
               </p:ext>
             </p:extLst>
           </p:nvPr>
@@ -14810,7 +14900,7 @@
           <p:nvPr>
             <p:extLst>
               <p:ext uri="{D42A27DB-BD31-4B8C-83A1-F6EECF244321}">
-                <p14:modId xmlns:p14="http://schemas.microsoft.com/office/powerpoint/2010/main" val="1282368682"/>
+                <p14:modId xmlns:p14="http://schemas.microsoft.com/office/powerpoint/2010/main" val="1353492895"/>
               </p:ext>
             </p:extLst>
           </p:nvPr>
@@ -14879,7 +14969,7 @@
           <p:nvPr>
             <p:extLst>
               <p:ext uri="{D42A27DB-BD31-4B8C-83A1-F6EECF244321}">
-                <p14:modId xmlns:p14="http://schemas.microsoft.com/office/powerpoint/2010/main" val="1315362304"/>
+                <p14:modId xmlns:p14="http://schemas.microsoft.com/office/powerpoint/2010/main" val="3311433094"/>
               </p:ext>
             </p:extLst>
           </p:nvPr>
@@ -14948,7 +15038,7 @@
           <p:nvPr>
             <p:extLst>
               <p:ext uri="{D42A27DB-BD31-4B8C-83A1-F6EECF244321}">
-                <p14:modId xmlns:p14="http://schemas.microsoft.com/office/powerpoint/2010/main" val="2360908934"/>
+                <p14:modId xmlns:p14="http://schemas.microsoft.com/office/powerpoint/2010/main" val="975363099"/>
               </p:ext>
             </p:extLst>
           </p:nvPr>
@@ -15017,7 +15107,7 @@
           <p:nvPr>
             <p:extLst>
               <p:ext uri="{D42A27DB-BD31-4B8C-83A1-F6EECF244321}">
-                <p14:modId xmlns:p14="http://schemas.microsoft.com/office/powerpoint/2010/main" val="907944662"/>
+                <p14:modId xmlns:p14="http://schemas.microsoft.com/office/powerpoint/2010/main" val="2159097979"/>
               </p:ext>
             </p:extLst>
           </p:nvPr>
@@ -15086,7 +15176,7 @@
           <p:nvPr>
             <p:extLst>
               <p:ext uri="{D42A27DB-BD31-4B8C-83A1-F6EECF244321}">
-                <p14:modId xmlns:p14="http://schemas.microsoft.com/office/powerpoint/2010/main" val="2707594247"/>
+                <p14:modId xmlns:p14="http://schemas.microsoft.com/office/powerpoint/2010/main" val="1952306663"/>
               </p:ext>
             </p:extLst>
           </p:nvPr>
@@ -15155,7 +15245,7 @@
           <p:nvPr>
             <p:extLst>
               <p:ext uri="{D42A27DB-BD31-4B8C-83A1-F6EECF244321}">
-                <p14:modId xmlns:p14="http://schemas.microsoft.com/office/powerpoint/2010/main" val="1089281295"/>
+                <p14:modId xmlns:p14="http://schemas.microsoft.com/office/powerpoint/2010/main" val="2411554531"/>
               </p:ext>
             </p:extLst>
           </p:nvPr>
@@ -15224,7 +15314,7 @@
           <p:nvPr>
             <p:extLst>
               <p:ext uri="{D42A27DB-BD31-4B8C-83A1-F6EECF244321}">
-                <p14:modId xmlns:p14="http://schemas.microsoft.com/office/powerpoint/2010/main" val="1994720777"/>
+                <p14:modId xmlns:p14="http://schemas.microsoft.com/office/powerpoint/2010/main" val="205462678"/>
               </p:ext>
             </p:extLst>
           </p:nvPr>
@@ -15293,7 +15383,7 @@
           <p:nvPr>
             <p:extLst>
               <p:ext uri="{D42A27DB-BD31-4B8C-83A1-F6EECF244321}">
-                <p14:modId xmlns:p14="http://schemas.microsoft.com/office/powerpoint/2010/main" val="4166962470"/>
+                <p14:modId xmlns:p14="http://schemas.microsoft.com/office/powerpoint/2010/main" val="3306555153"/>
               </p:ext>
             </p:extLst>
           </p:nvPr>
@@ -15362,7 +15452,7 @@
           <p:nvPr>
             <p:extLst>
               <p:ext uri="{D42A27DB-BD31-4B8C-83A1-F6EECF244321}">
-                <p14:modId xmlns:p14="http://schemas.microsoft.com/office/powerpoint/2010/main" val="32634121"/>
+                <p14:modId xmlns:p14="http://schemas.microsoft.com/office/powerpoint/2010/main" val="2645720185"/>
               </p:ext>
             </p:extLst>
           </p:nvPr>
@@ -15553,7 +15643,7 @@
           <p:nvPr>
             <p:extLst>
               <p:ext uri="{D42A27DB-BD31-4B8C-83A1-F6EECF244321}">
-                <p14:modId xmlns:p14="http://schemas.microsoft.com/office/powerpoint/2010/main" val="3878456793"/>
+                <p14:modId xmlns:p14="http://schemas.microsoft.com/office/powerpoint/2010/main" val="3336729559"/>
               </p:ext>
             </p:extLst>
           </p:nvPr>
@@ -15622,7 +15712,7 @@
           <p:nvPr>
             <p:extLst>
               <p:ext uri="{D42A27DB-BD31-4B8C-83A1-F6EECF244321}">
-                <p14:modId xmlns:p14="http://schemas.microsoft.com/office/powerpoint/2010/main" val="3142826776"/>
+                <p14:modId xmlns:p14="http://schemas.microsoft.com/office/powerpoint/2010/main" val="3805378128"/>
               </p:ext>
             </p:extLst>
           </p:nvPr>
@@ -15691,7 +15781,7 @@
           <p:nvPr>
             <p:extLst>
               <p:ext uri="{D42A27DB-BD31-4B8C-83A1-F6EECF244321}">
-                <p14:modId xmlns:p14="http://schemas.microsoft.com/office/powerpoint/2010/main" val="89712112"/>
+                <p14:modId xmlns:p14="http://schemas.microsoft.com/office/powerpoint/2010/main" val="877189896"/>
               </p:ext>
             </p:extLst>
           </p:nvPr>
@@ -15760,7 +15850,7 @@
           <p:nvPr>
             <p:extLst>
               <p:ext uri="{D42A27DB-BD31-4B8C-83A1-F6EECF244321}">
-                <p14:modId xmlns:p14="http://schemas.microsoft.com/office/powerpoint/2010/main" val="1782895052"/>
+                <p14:modId xmlns:p14="http://schemas.microsoft.com/office/powerpoint/2010/main" val="3487502287"/>
               </p:ext>
             </p:extLst>
           </p:nvPr>
@@ -15829,7 +15919,7 @@
           <p:nvPr>
             <p:extLst>
               <p:ext uri="{D42A27DB-BD31-4B8C-83A1-F6EECF244321}">
-                <p14:modId xmlns:p14="http://schemas.microsoft.com/office/powerpoint/2010/main" val="1400419698"/>
+                <p14:modId xmlns:p14="http://schemas.microsoft.com/office/powerpoint/2010/main" val="1825233770"/>
               </p:ext>
             </p:extLst>
           </p:nvPr>
@@ -15898,13 +15988,13 @@
           <p:nvPr>
             <p:extLst>
               <p:ext uri="{D42A27DB-BD31-4B8C-83A1-F6EECF244321}">
-                <p14:modId xmlns:p14="http://schemas.microsoft.com/office/powerpoint/2010/main" val="902893343"/>
+                <p14:modId xmlns:p14="http://schemas.microsoft.com/office/powerpoint/2010/main" val="3523646049"/>
               </p:ext>
             </p:extLst>
           </p:nvPr>
         </p:nvGraphicFramePr>
         <p:xfrm>
-          <a:off x="8838007" y="4973237"/>
+          <a:off x="8724428" y="4728255"/>
           <a:ext cx="892175" cy="376238"/>
         </p:xfrm>
         <a:graphic>
@@ -15938,7 +16028,7 @@
                     </p:blipFill>
                     <p:spPr>
                       <a:xfrm>
-                        <a:off x="8838007" y="4973237"/>
+                        <a:off x="8724428" y="4728255"/>
                         <a:ext cx="892175" cy="376238"/>
                       </a:xfrm>
                       <a:prstGeom prst="rect">
@@ -15966,7 +16056,7 @@
         </p:nvSpPr>
         <p:spPr>
           <a:xfrm>
-            <a:off x="8919409" y="5622525"/>
+            <a:off x="8805830" y="5377543"/>
             <a:ext cx="631426" cy="310717"/>
           </a:xfrm>
           <a:prstGeom prst="rect">
@@ -16026,13 +16116,13 @@
           <p:nvPr>
             <p:extLst>
               <p:ext uri="{D42A27DB-BD31-4B8C-83A1-F6EECF244321}">
-                <p14:modId xmlns:p14="http://schemas.microsoft.com/office/powerpoint/2010/main" val="1307161658"/>
+                <p14:modId xmlns:p14="http://schemas.microsoft.com/office/powerpoint/2010/main" val="1452776677"/>
               </p:ext>
             </p:extLst>
           </p:nvPr>
         </p:nvGraphicFramePr>
         <p:xfrm>
-          <a:off x="339489" y="6191250"/>
+          <a:off x="159207" y="6196442"/>
           <a:ext cx="2349500" cy="1077912"/>
         </p:xfrm>
         <a:graphic>
@@ -16066,7 +16156,7 @@
                     </p:blipFill>
                     <p:spPr>
                       <a:xfrm>
-                        <a:off x="339489" y="6191250"/>
+                        <a:off x="159207" y="6196442"/>
                         <a:ext cx="2349500" cy="1077912"/>
                       </a:xfrm>
                       <a:prstGeom prst="rect">
@@ -16095,13 +16185,13 @@
           <p:nvPr>
             <p:extLst>
               <p:ext uri="{D42A27DB-BD31-4B8C-83A1-F6EECF244321}">
-                <p14:modId xmlns:p14="http://schemas.microsoft.com/office/powerpoint/2010/main" val="904957334"/>
+                <p14:modId xmlns:p14="http://schemas.microsoft.com/office/powerpoint/2010/main" val="925958175"/>
               </p:ext>
             </p:extLst>
           </p:nvPr>
         </p:nvGraphicFramePr>
         <p:xfrm>
-          <a:off x="2938387" y="6093619"/>
+          <a:off x="2580883" y="6093619"/>
           <a:ext cx="1200150" cy="1273175"/>
         </p:xfrm>
         <a:graphic>
@@ -16135,7 +16225,7 @@
                     </p:blipFill>
                     <p:spPr>
                       <a:xfrm>
-                        <a:off x="2938387" y="6093619"/>
+                        <a:off x="2580883" y="6093619"/>
                         <a:ext cx="1200150" cy="1273175"/>
                       </a:xfrm>
                       <a:prstGeom prst="rect">
@@ -16164,25 +16254,25 @@
           <p:nvPr>
             <p:extLst>
               <p:ext uri="{D42A27DB-BD31-4B8C-83A1-F6EECF244321}">
-                <p14:modId xmlns:p14="http://schemas.microsoft.com/office/powerpoint/2010/main" val="1567289240"/>
+                <p14:modId xmlns:p14="http://schemas.microsoft.com/office/powerpoint/2010/main" val="4260217256"/>
               </p:ext>
             </p:extLst>
           </p:nvPr>
         </p:nvGraphicFramePr>
         <p:xfrm>
-          <a:off x="6907840" y="6016851"/>
-          <a:ext cx="4484687" cy="1419225"/>
+          <a:off x="6300463" y="5957931"/>
+          <a:ext cx="2533650" cy="1566863"/>
         </p:xfrm>
         <a:graphic>
           <a:graphicData uri="http://schemas.openxmlformats.org/presentationml/2006/ole">
             <mc:AlternateContent xmlns:mc="http://schemas.openxmlformats.org/markup-compatibility/2006">
               <mc:Choice xmlns:v="urn:schemas-microsoft-com:vml" Requires="v">
-                <p:oleObj name="CS ChemDraw Drawing" r:id="rId40" imgW="4484847" imgH="1418641" progId="ChemDraw.Document.6.0">
+                <p:oleObj name="CS ChemDraw Drawing" r:id="rId40" imgW="2534249" imgH="1567616" progId="ChemDraw.Document.6.0">
                   <p:embed/>
                 </p:oleObj>
               </mc:Choice>
               <mc:Fallback>
-                <p:oleObj name="CS ChemDraw Drawing" r:id="rId40" imgW="4484847" imgH="1418641" progId="ChemDraw.Document.6.0">
+                <p:oleObj name="CS ChemDraw Drawing" r:id="rId40" imgW="2534249" imgH="1567616" progId="ChemDraw.Document.6.0">
                   <p:embed/>
                   <p:pic>
                     <p:nvPicPr>
@@ -16204,8 +16294,8 @@
                     </p:blipFill>
                     <p:spPr>
                       <a:xfrm>
-                        <a:off x="6907840" y="6016851"/>
-                        <a:ext cx="4484687" cy="1419225"/>
+                        <a:off x="6300463" y="5957931"/>
+                        <a:ext cx="2533650" cy="1566863"/>
                       </a:xfrm>
                       <a:prstGeom prst="rect">
                         <a:avLst/>
@@ -16232,7 +16322,7 @@
         </p:nvSpPr>
         <p:spPr>
           <a:xfrm>
-            <a:off x="8591203" y="7541799"/>
+            <a:off x="7009728" y="7556130"/>
             <a:ext cx="631426" cy="310717"/>
           </a:xfrm>
           <a:prstGeom prst="rect">
@@ -16292,7 +16382,7 @@
           <p:nvPr>
             <p:extLst>
               <p:ext uri="{D42A27DB-BD31-4B8C-83A1-F6EECF244321}">
-                <p14:modId xmlns:p14="http://schemas.microsoft.com/office/powerpoint/2010/main" val="4028932495"/>
+                <p14:modId xmlns:p14="http://schemas.microsoft.com/office/powerpoint/2010/main" val="1936296822"/>
               </p:ext>
             </p:extLst>
           </p:nvPr>
@@ -16361,25 +16451,25 @@
           <p:nvPr>
             <p:extLst>
               <p:ext uri="{D42A27DB-BD31-4B8C-83A1-F6EECF244321}">
-                <p14:modId xmlns:p14="http://schemas.microsoft.com/office/powerpoint/2010/main" val="3772427702"/>
+                <p14:modId xmlns:p14="http://schemas.microsoft.com/office/powerpoint/2010/main" val="290607452"/>
               </p:ext>
             </p:extLst>
           </p:nvPr>
         </p:nvGraphicFramePr>
         <p:xfrm>
-          <a:off x="3853139" y="7769776"/>
-          <a:ext cx="4181475" cy="1446212"/>
+          <a:off x="8881582" y="5782712"/>
+          <a:ext cx="2366963" cy="1595437"/>
         </p:xfrm>
         <a:graphic>
           <a:graphicData uri="http://schemas.openxmlformats.org/presentationml/2006/ole">
             <mc:AlternateContent xmlns:mc="http://schemas.openxmlformats.org/markup-compatibility/2006">
               <mc:Choice xmlns:v="urn:schemas-microsoft-com:vml" Requires="v">
-                <p:oleObj name="CS ChemDraw Drawing" r:id="rId44" imgW="4181674" imgH="1446126" progId="ChemDraw.Document.6.0">
+                <p:oleObj name="CS ChemDraw Drawing" r:id="rId44" imgW="2366705" imgH="1595253" progId="ChemDraw.Document.6.0">
                   <p:embed/>
                 </p:oleObj>
               </mc:Choice>
               <mc:Fallback>
-                <p:oleObj name="CS ChemDraw Drawing" r:id="rId44" imgW="4181674" imgH="1446126" progId="ChemDraw.Document.6.0">
+                <p:oleObj name="CS ChemDraw Drawing" r:id="rId44" imgW="2366705" imgH="1595253" progId="ChemDraw.Document.6.0">
                   <p:embed/>
                   <p:pic>
                     <p:nvPicPr>
@@ -16401,8 +16491,8 @@
                     </p:blipFill>
                     <p:spPr>
                       <a:xfrm>
-                        <a:off x="3853139" y="7769776"/>
-                        <a:ext cx="4181475" cy="1446212"/>
+                        <a:off x="8881582" y="5782712"/>
+                        <a:ext cx="2366963" cy="1595437"/>
                       </a:xfrm>
                       <a:prstGeom prst="rect">
                         <a:avLst/>
@@ -16429,7 +16519,7 @@
         </p:nvSpPr>
         <p:spPr>
           <a:xfrm>
-            <a:off x="5740942" y="9403248"/>
+            <a:off x="9863333" y="7491232"/>
             <a:ext cx="631426" cy="310717"/>
           </a:xfrm>
           <a:prstGeom prst="rect">
@@ -16489,13 +16579,13 @@
           <p:nvPr>
             <p:extLst>
               <p:ext uri="{D42A27DB-BD31-4B8C-83A1-F6EECF244321}">
-                <p14:modId xmlns:p14="http://schemas.microsoft.com/office/powerpoint/2010/main" val="917142895"/>
+                <p14:modId xmlns:p14="http://schemas.microsoft.com/office/powerpoint/2010/main" val="3196254933"/>
               </p:ext>
             </p:extLst>
           </p:nvPr>
         </p:nvGraphicFramePr>
         <p:xfrm>
-          <a:off x="7664687" y="7947576"/>
+          <a:off x="4029558" y="6141844"/>
           <a:ext cx="1965325" cy="1090612"/>
         </p:xfrm>
         <a:graphic>
@@ -16529,7 +16619,7 @@
                     </p:blipFill>
                     <p:spPr>
                       <a:xfrm>
-                        <a:off x="7664687" y="7947576"/>
+                        <a:off x="4029558" y="6141844"/>
                         <a:ext cx="1965325" cy="1090612"/>
                       </a:xfrm>
                       <a:prstGeom prst="rect">
@@ -16558,7 +16648,7 @@
           <p:nvPr>
             <p:extLst>
               <p:ext uri="{D42A27DB-BD31-4B8C-83A1-F6EECF244321}">
-                <p14:modId xmlns:p14="http://schemas.microsoft.com/office/powerpoint/2010/main" val="2565332406"/>
+                <p14:modId xmlns:p14="http://schemas.microsoft.com/office/powerpoint/2010/main" val="2056410047"/>
               </p:ext>
             </p:extLst>
           </p:nvPr>
@@ -16627,13 +16717,13 @@
           <p:nvPr>
             <p:extLst>
               <p:ext uri="{D42A27DB-BD31-4B8C-83A1-F6EECF244321}">
-                <p14:modId xmlns:p14="http://schemas.microsoft.com/office/powerpoint/2010/main" val="3802348397"/>
+                <p14:modId xmlns:p14="http://schemas.microsoft.com/office/powerpoint/2010/main" val="3624977403"/>
               </p:ext>
             </p:extLst>
           </p:nvPr>
         </p:nvGraphicFramePr>
         <p:xfrm>
-          <a:off x="9939989" y="7936555"/>
+          <a:off x="9810240" y="4365624"/>
           <a:ext cx="1546225" cy="1214438"/>
         </p:xfrm>
         <a:graphic>
@@ -16667,7 +16757,7 @@
                     </p:blipFill>
                     <p:spPr>
                       <a:xfrm>
-                        <a:off x="9939989" y="7936555"/>
+                        <a:off x="9810240" y="4365624"/>
                         <a:ext cx="1546225" cy="1214438"/>
                       </a:xfrm>
                       <a:prstGeom prst="rect">
@@ -16695,7 +16785,7 @@
         </p:nvSpPr>
         <p:spPr>
           <a:xfrm>
-            <a:off x="5121152" y="7384960"/>
+            <a:off x="4427167" y="9075472"/>
             <a:ext cx="631426" cy="310717"/>
           </a:xfrm>
           <a:prstGeom prst="rect">
@@ -16755,13 +16845,13 @@
           <p:nvPr>
             <p:extLst>
               <p:ext uri="{D42A27DB-BD31-4B8C-83A1-F6EECF244321}">
-                <p14:modId xmlns:p14="http://schemas.microsoft.com/office/powerpoint/2010/main" val="2533629616"/>
+                <p14:modId xmlns:p14="http://schemas.microsoft.com/office/powerpoint/2010/main" val="3038709702"/>
               </p:ext>
             </p:extLst>
           </p:nvPr>
         </p:nvGraphicFramePr>
         <p:xfrm>
-          <a:off x="4524651" y="6161413"/>
+          <a:off x="3830666" y="7851925"/>
           <a:ext cx="1997075" cy="1192212"/>
         </p:xfrm>
         <a:graphic>
@@ -16795,7 +16885,7 @@
                     </p:blipFill>
                     <p:spPr>
                       <a:xfrm>
-                        <a:off x="4524651" y="6161413"/>
+                        <a:off x="3830666" y="7851925"/>
                         <a:ext cx="1997075" cy="1192212"/>
                       </a:xfrm>
                       <a:prstGeom prst="rect">
@@ -16824,13 +16914,13 @@
           <p:nvPr>
             <p:extLst>
               <p:ext uri="{D42A27DB-BD31-4B8C-83A1-F6EECF244321}">
-                <p14:modId xmlns:p14="http://schemas.microsoft.com/office/powerpoint/2010/main" val="1947193211"/>
+                <p14:modId xmlns:p14="http://schemas.microsoft.com/office/powerpoint/2010/main" val="261117778"/>
               </p:ext>
             </p:extLst>
           </p:nvPr>
         </p:nvGraphicFramePr>
         <p:xfrm>
-          <a:off x="525463" y="9672638"/>
+          <a:off x="525463" y="9621838"/>
           <a:ext cx="1631950" cy="1403350"/>
         </p:xfrm>
         <a:graphic>
@@ -16864,7 +16954,7 @@
                     </p:blipFill>
                     <p:spPr>
                       <a:xfrm>
-                        <a:off x="525463" y="9672638"/>
+                        <a:off x="525463" y="9621838"/>
                         <a:ext cx="1631950" cy="1403350"/>
                       </a:xfrm>
                       <a:prstGeom prst="rect">
@@ -16892,7 +16982,7 @@
         </p:nvSpPr>
         <p:spPr>
           <a:xfrm>
-            <a:off x="2020851" y="10129189"/>
+            <a:off x="1046888" y="10563541"/>
             <a:ext cx="631426" cy="310717"/>
           </a:xfrm>
           <a:prstGeom prst="rect">
@@ -16954,25 +17044,25 @@
           <p:nvPr>
             <p:extLst>
               <p:ext uri="{D42A27DB-BD31-4B8C-83A1-F6EECF244321}">
-                <p14:modId xmlns:p14="http://schemas.microsoft.com/office/powerpoint/2010/main" val="341260966"/>
+                <p14:modId xmlns:p14="http://schemas.microsoft.com/office/powerpoint/2010/main" val="3094500091"/>
               </p:ext>
             </p:extLst>
           </p:nvPr>
         </p:nvGraphicFramePr>
         <p:xfrm>
-          <a:off x="2962275" y="9717088"/>
-          <a:ext cx="1935163" cy="1212850"/>
+          <a:off x="2470150" y="9590088"/>
+          <a:ext cx="1935163" cy="1422400"/>
         </p:xfrm>
         <a:graphic>
           <a:graphicData uri="http://schemas.openxmlformats.org/presentationml/2006/ole">
             <mc:AlternateContent xmlns:mc="http://schemas.openxmlformats.org/markup-compatibility/2006">
               <mc:Choice xmlns:v="urn:schemas-microsoft-com:vml" Requires="v">
-                <p:oleObj name="CS ChemDraw Drawing" r:id="rId56" imgW="1935001" imgH="1212561" progId="ChemDraw.Document.6.0">
+                <p:oleObj name="CS ChemDraw Drawing" r:id="rId56" imgW="1935001" imgH="1421756" progId="ChemDraw.Document.6.0">
                   <p:embed/>
                 </p:oleObj>
               </mc:Choice>
               <mc:Fallback>
-                <p:oleObj name="CS ChemDraw Drawing" r:id="rId56" imgW="1935001" imgH="1212561" progId="ChemDraw.Document.6.0">
+                <p:oleObj name="CS ChemDraw Drawing" r:id="rId56" imgW="1935001" imgH="1421756" progId="ChemDraw.Document.6.0">
                   <p:embed/>
                   <p:pic>
                     <p:nvPicPr>
@@ -16994,8 +17084,8 @@
                     </p:blipFill>
                     <p:spPr>
                       <a:xfrm>
-                        <a:off x="2962275" y="9717088"/>
-                        <a:ext cx="1935163" cy="1212850"/>
+                        <a:off x="2470150" y="9590088"/>
+                        <a:ext cx="1935163" cy="1422400"/>
                       </a:xfrm>
                       <a:prstGeom prst="rect">
                         <a:avLst/>
@@ -17022,7 +17112,7 @@
         </p:nvSpPr>
         <p:spPr>
           <a:xfrm>
-            <a:off x="4886986" y="10297410"/>
+            <a:off x="3122018" y="10544987"/>
             <a:ext cx="631426" cy="310717"/>
           </a:xfrm>
           <a:prstGeom prst="rect">
@@ -17056,6 +17146,266 @@
                 <a:sym typeface="Avenir"/>
               </a:rPr>
               <a:t>INFL</a:t>
+            </a:r>
+            <a:endParaRPr lang="pt-BR" sz="1600" dirty="0">
+              <a:solidFill>
+                <a:srgbClr val="00B050"/>
+              </a:solidFill>
+              <a:latin typeface="Arial"/>
+              <a:ea typeface="Arial"/>
+              <a:cs typeface="Arial"/>
+              <a:sym typeface="Arial"/>
+            </a:endParaRPr>
+          </a:p>
+        </p:txBody>
+      </p:sp>
+      <p:sp>
+        <p:nvSpPr>
+          <p:cNvPr id="29" name="Google Shape;298;p9">
+            <a:extLst>
+              <a:ext uri="{FF2B5EF4-FFF2-40B4-BE49-F238E27FC236}">
+                <a16:creationId xmlns:a16="http://schemas.microsoft.com/office/drawing/2014/main" id="{C564F456-CD91-4B9D-9C21-B45930092CC3}"/>
+              </a:ext>
+            </a:extLst>
+          </p:cNvPr>
+          <p:cNvSpPr txBox="1"/>
+          <p:nvPr/>
+        </p:nvSpPr>
+        <p:spPr>
+          <a:xfrm>
+            <a:off x="6753105" y="9635827"/>
+            <a:ext cx="631426" cy="310717"/>
+          </a:xfrm>
+          <a:prstGeom prst="rect">
+            <a:avLst/>
+          </a:prstGeom>
+          <a:noFill/>
+          <a:ln>
+            <a:noFill/>
+          </a:ln>
+        </p:spPr>
+        <p:txBody>
+          <a:bodyPr spcFirstLastPara="1" wrap="square" lIns="94378" tIns="47176" rIns="94378" bIns="47176" anchor="t" anchorCtr="0">
+            <a:spAutoFit/>
+          </a:bodyPr>
+          <a:lstStyle/>
+          <a:p>
+            <a:pPr algn="ctr">
+              <a:buClr>
+                <a:srgbClr val="000000"/>
+              </a:buClr>
+              <a:buSzPts val="1200"/>
+            </a:pPr>
+            <a:r>
+              <a:rPr lang="pt-BR" sz="1400" b="1" dirty="0">
+                <a:solidFill>
+                  <a:srgbClr val="00B050"/>
+                </a:solidFill>
+                <a:latin typeface="Avenir"/>
+                <a:ea typeface="Arial"/>
+                <a:cs typeface="Arial"/>
+                <a:sym typeface="Avenir"/>
+              </a:rPr>
+              <a:t>4IDT</a:t>
+            </a:r>
+            <a:endParaRPr lang="pt-BR" sz="1600" dirty="0">
+              <a:solidFill>
+                <a:srgbClr val="00B050"/>
+              </a:solidFill>
+              <a:latin typeface="Arial"/>
+              <a:ea typeface="Arial"/>
+              <a:cs typeface="Arial"/>
+              <a:sym typeface="Arial"/>
+            </a:endParaRPr>
+          </a:p>
+        </p:txBody>
+      </p:sp>
+      <p:graphicFrame>
+        <p:nvGraphicFramePr>
+          <p:cNvPr id="30" name="Objeto 29">
+            <a:extLst>
+              <a:ext uri="{FF2B5EF4-FFF2-40B4-BE49-F238E27FC236}">
+                <a16:creationId xmlns:a16="http://schemas.microsoft.com/office/drawing/2014/main" id="{39C4941F-48FF-076E-7407-1AD92AB3B841}"/>
+              </a:ext>
+            </a:extLst>
+          </p:cNvPr>
+          <p:cNvGraphicFramePr>
+            <a:graphicFrameLocks noChangeAspect="1"/>
+          </p:cNvGraphicFramePr>
+          <p:nvPr>
+            <p:extLst>
+              <p:ext uri="{D42A27DB-BD31-4B8C-83A1-F6EECF244321}">
+                <p14:modId xmlns:p14="http://schemas.microsoft.com/office/powerpoint/2010/main" val="481804114"/>
+              </p:ext>
+            </p:extLst>
+          </p:nvPr>
+        </p:nvGraphicFramePr>
+        <p:xfrm>
+          <a:off x="6229876" y="8024813"/>
+          <a:ext cx="1817687" cy="1597025"/>
+        </p:xfrm>
+        <a:graphic>
+          <a:graphicData uri="http://schemas.openxmlformats.org/presentationml/2006/ole">
+            <mc:AlternateContent xmlns:mc="http://schemas.openxmlformats.org/markup-compatibility/2006">
+              <mc:Choice xmlns:v="urn:schemas-microsoft-com:vml" Requires="v">
+                <p:oleObj name="CS ChemDraw Drawing" r:id="rId58" imgW="1817682" imgH="1596788" progId="ChemDraw.Document.6.0">
+                  <p:embed/>
+                </p:oleObj>
+              </mc:Choice>
+              <mc:Fallback>
+                <p:oleObj name="CS ChemDraw Drawing" r:id="rId58" imgW="1817682" imgH="1596788" progId="ChemDraw.Document.6.0">
+                  <p:embed/>
+                  <p:pic>
+                    <p:nvPicPr>
+                      <p:cNvPr id="30" name="Objeto 29">
+                        <a:extLst>
+                          <a:ext uri="{FF2B5EF4-FFF2-40B4-BE49-F238E27FC236}">
+                            <a16:creationId xmlns:a16="http://schemas.microsoft.com/office/drawing/2014/main" id="{39C4941F-48FF-076E-7407-1AD92AB3B841}"/>
+                          </a:ext>
+                        </a:extLst>
+                      </p:cNvPr>
+                      <p:cNvPicPr/>
+                      <p:nvPr/>
+                    </p:nvPicPr>
+                    <p:blipFill>
+                      <a:blip r:embed="rId59"/>
+                      <a:stretch>
+                        <a:fillRect/>
+                      </a:stretch>
+                    </p:blipFill>
+                    <p:spPr>
+                      <a:xfrm>
+                        <a:off x="6229876" y="8024813"/>
+                        <a:ext cx="1817687" cy="1597025"/>
+                      </a:xfrm>
+                      <a:prstGeom prst="rect">
+                        <a:avLst/>
+                      </a:prstGeom>
+                    </p:spPr>
+                  </p:pic>
+                </p:oleObj>
+              </mc:Fallback>
+            </mc:AlternateContent>
+          </a:graphicData>
+        </a:graphic>
+      </p:graphicFrame>
+      <p:graphicFrame>
+        <p:nvGraphicFramePr>
+          <p:cNvPr id="35" name="Objeto 34">
+            <a:extLst>
+              <a:ext uri="{FF2B5EF4-FFF2-40B4-BE49-F238E27FC236}">
+                <a16:creationId xmlns:a16="http://schemas.microsoft.com/office/drawing/2014/main" id="{04F8035D-8463-ACE7-2119-276CD44AD7EE}"/>
+              </a:ext>
+            </a:extLst>
+          </p:cNvPr>
+          <p:cNvGraphicFramePr>
+            <a:graphicFrameLocks noChangeAspect="1"/>
+          </p:cNvGraphicFramePr>
+          <p:nvPr>
+            <p:extLst>
+              <p:ext uri="{D42A27DB-BD31-4B8C-83A1-F6EECF244321}">
+                <p14:modId xmlns:p14="http://schemas.microsoft.com/office/powerpoint/2010/main" val="1520965472"/>
+              </p:ext>
+            </p:extLst>
+          </p:nvPr>
+        </p:nvGraphicFramePr>
+        <p:xfrm>
+          <a:off x="8534511" y="8016389"/>
+          <a:ext cx="1809750" cy="1493838"/>
+        </p:xfrm>
+        <a:graphic>
+          <a:graphicData uri="http://schemas.openxmlformats.org/presentationml/2006/ole">
+            <mc:AlternateContent xmlns:mc="http://schemas.openxmlformats.org/markup-compatibility/2006">
+              <mc:Choice xmlns:v="urn:schemas-microsoft-com:vml" Requires="v">
+                <p:oleObj name="CS ChemDraw Drawing" r:id="rId60" imgW="1810014" imgH="1493150" progId="ChemDraw.Document.6.0">
+                  <p:embed/>
+                </p:oleObj>
+              </mc:Choice>
+              <mc:Fallback>
+                <p:oleObj name="CS ChemDraw Drawing" r:id="rId60" imgW="1810014" imgH="1493150" progId="ChemDraw.Document.6.0">
+                  <p:embed/>
+                  <p:pic>
+                    <p:nvPicPr>
+                      <p:cNvPr id="35" name="Objeto 34">
+                        <a:extLst>
+                          <a:ext uri="{FF2B5EF4-FFF2-40B4-BE49-F238E27FC236}">
+                            <a16:creationId xmlns:a16="http://schemas.microsoft.com/office/drawing/2014/main" id="{04F8035D-8463-ACE7-2119-276CD44AD7EE}"/>
+                          </a:ext>
+                        </a:extLst>
+                      </p:cNvPr>
+                      <p:cNvPicPr/>
+                      <p:nvPr/>
+                    </p:nvPicPr>
+                    <p:blipFill>
+                      <a:blip r:embed="rId61"/>
+                      <a:stretch>
+                        <a:fillRect/>
+                      </a:stretch>
+                    </p:blipFill>
+                    <p:spPr>
+                      <a:xfrm>
+                        <a:off x="8534511" y="8016389"/>
+                        <a:ext cx="1809750" cy="1493838"/>
+                      </a:xfrm>
+                      <a:prstGeom prst="rect">
+                        <a:avLst/>
+                      </a:prstGeom>
+                    </p:spPr>
+                  </p:pic>
+                </p:oleObj>
+              </mc:Fallback>
+            </mc:AlternateContent>
+          </a:graphicData>
+        </a:graphic>
+      </p:graphicFrame>
+      <p:sp>
+        <p:nvSpPr>
+          <p:cNvPr id="36" name="Google Shape;298;p9">
+            <a:extLst>
+              <a:ext uri="{FF2B5EF4-FFF2-40B4-BE49-F238E27FC236}">
+                <a16:creationId xmlns:a16="http://schemas.microsoft.com/office/drawing/2014/main" id="{5ACE21A8-62E3-4DFA-B49F-C18BB0857009}"/>
+              </a:ext>
+            </a:extLst>
+          </p:cNvPr>
+          <p:cNvSpPr txBox="1"/>
+          <p:nvPr/>
+        </p:nvSpPr>
+        <p:spPr>
+          <a:xfrm>
+            <a:off x="9019805" y="9573705"/>
+            <a:ext cx="631426" cy="310717"/>
+          </a:xfrm>
+          <a:prstGeom prst="rect">
+            <a:avLst/>
+          </a:prstGeom>
+          <a:noFill/>
+          <a:ln>
+            <a:noFill/>
+          </a:ln>
+        </p:spPr>
+        <p:txBody>
+          <a:bodyPr spcFirstLastPara="1" wrap="square" lIns="94378" tIns="47176" rIns="94378" bIns="47176" anchor="t" anchorCtr="0">
+            <a:spAutoFit/>
+          </a:bodyPr>
+          <a:lstStyle/>
+          <a:p>
+            <a:pPr algn="ctr">
+              <a:buClr>
+                <a:srgbClr val="000000"/>
+              </a:buClr>
+              <a:buSzPts val="1200"/>
+            </a:pPr>
+            <a:r>
+              <a:rPr lang="pt-BR" sz="1400" b="1" dirty="0">
+                <a:solidFill>
+                  <a:srgbClr val="00B050"/>
+                </a:solidFill>
+                <a:latin typeface="Avenir"/>
+                <a:ea typeface="Arial"/>
+                <a:cs typeface="Arial"/>
+                <a:sym typeface="Avenir"/>
+              </a:rPr>
+              <a:t>3IDT</a:t>
             </a:r>
             <a:endParaRPr lang="pt-BR" sz="1600" dirty="0">
               <a:solidFill>

--- a/docs/Blocos_de_constru.pptx
+++ b/docs/Blocos_de_constru.pptx
@@ -122,7 +122,7 @@
   <pc:docChgLst>
     <pc:chgData name="Felipe Lopes de Oliveira" userId="7927722fe4027b30" providerId="LiveId" clId="{988CB3FB-85FE-4B18-8889-744054AB9037}"/>
     <pc:docChg chg="undo custSel addSld modSld">
-      <pc:chgData name="Felipe Lopes de Oliveira" userId="7927722fe4027b30" providerId="LiveId" clId="{988CB3FB-85FE-4B18-8889-744054AB9037}" dt="2023-03-05T15:39:33.443" v="1597" actId="5736"/>
+      <pc:chgData name="Felipe Lopes de Oliveira" userId="7927722fe4027b30" providerId="LiveId" clId="{988CB3FB-85FE-4B18-8889-744054AB9037}" dt="2023-03-05T16:26:04.879" v="2101" actId="5736"/>
       <pc:docMkLst>
         <pc:docMk/>
       </pc:docMkLst>
@@ -142,13 +142,13 @@
         </pc:spChg>
       </pc:sldChg>
       <pc:sldChg chg="addSp delSp modSp mod">
-        <pc:chgData name="Felipe Lopes de Oliveira" userId="7927722fe4027b30" providerId="LiveId" clId="{988CB3FB-85FE-4B18-8889-744054AB9037}" dt="2023-03-05T15:39:33.443" v="1597" actId="5736"/>
+        <pc:chgData name="Felipe Lopes de Oliveira" userId="7927722fe4027b30" providerId="LiveId" clId="{988CB3FB-85FE-4B18-8889-744054AB9037}" dt="2023-03-05T16:26:04.879" v="2101" actId="5736"/>
         <pc:sldMkLst>
           <pc:docMk/>
           <pc:sldMk cId="1480784656" sldId="257"/>
         </pc:sldMkLst>
         <pc:spChg chg="mod">
-          <ac:chgData name="Felipe Lopes de Oliveira" userId="7927722fe4027b30" providerId="LiveId" clId="{988CB3FB-85FE-4B18-8889-744054AB9037}" dt="2023-03-05T15:39:33.443" v="1597" actId="5736"/>
+          <ac:chgData name="Felipe Lopes de Oliveira" userId="7927722fe4027b30" providerId="LiveId" clId="{988CB3FB-85FE-4B18-8889-744054AB9037}" dt="2023-03-05T16:26:04.879" v="2101" actId="5736"/>
           <ac:spMkLst>
             <pc:docMk/>
             <pc:sldMk cId="1480784656" sldId="257"/>
@@ -156,7 +156,7 @@
           </ac:spMkLst>
         </pc:spChg>
         <pc:spChg chg="mod">
-          <ac:chgData name="Felipe Lopes de Oliveira" userId="7927722fe4027b30" providerId="LiveId" clId="{988CB3FB-85FE-4B18-8889-744054AB9037}" dt="2023-03-05T15:39:33.443" v="1597" actId="5736"/>
+          <ac:chgData name="Felipe Lopes de Oliveira" userId="7927722fe4027b30" providerId="LiveId" clId="{988CB3FB-85FE-4B18-8889-744054AB9037}" dt="2023-03-05T16:26:04.879" v="2101" actId="5736"/>
           <ac:spMkLst>
             <pc:docMk/>
             <pc:sldMk cId="1480784656" sldId="257"/>
@@ -164,7 +164,7 @@
           </ac:spMkLst>
         </pc:spChg>
         <pc:spChg chg="mod">
-          <ac:chgData name="Felipe Lopes de Oliveira" userId="7927722fe4027b30" providerId="LiveId" clId="{988CB3FB-85FE-4B18-8889-744054AB9037}" dt="2023-03-05T15:39:33.443" v="1597" actId="5736"/>
+          <ac:chgData name="Felipe Lopes de Oliveira" userId="7927722fe4027b30" providerId="LiveId" clId="{988CB3FB-85FE-4B18-8889-744054AB9037}" dt="2023-03-05T16:26:04.879" v="2101" actId="5736"/>
           <ac:spMkLst>
             <pc:docMk/>
             <pc:sldMk cId="1480784656" sldId="257"/>
@@ -172,7 +172,7 @@
           </ac:spMkLst>
         </pc:spChg>
         <pc:spChg chg="mod">
-          <ac:chgData name="Felipe Lopes de Oliveira" userId="7927722fe4027b30" providerId="LiveId" clId="{988CB3FB-85FE-4B18-8889-744054AB9037}" dt="2023-03-05T15:39:33.443" v="1597" actId="5736"/>
+          <ac:chgData name="Felipe Lopes de Oliveira" userId="7927722fe4027b30" providerId="LiveId" clId="{988CB3FB-85FE-4B18-8889-744054AB9037}" dt="2023-03-05T16:26:04.879" v="2101" actId="5736"/>
           <ac:spMkLst>
             <pc:docMk/>
             <pc:sldMk cId="1480784656" sldId="257"/>
@@ -180,7 +180,7 @@
           </ac:spMkLst>
         </pc:spChg>
         <pc:spChg chg="mod">
-          <ac:chgData name="Felipe Lopes de Oliveira" userId="7927722fe4027b30" providerId="LiveId" clId="{988CB3FB-85FE-4B18-8889-744054AB9037}" dt="2023-03-05T15:39:33.443" v="1597" actId="5736"/>
+          <ac:chgData name="Felipe Lopes de Oliveira" userId="7927722fe4027b30" providerId="LiveId" clId="{988CB3FB-85FE-4B18-8889-744054AB9037}" dt="2023-03-05T16:26:04.879" v="2101" actId="5736"/>
           <ac:spMkLst>
             <pc:docMk/>
             <pc:sldMk cId="1480784656" sldId="257"/>
@@ -188,7 +188,7 @@
           </ac:spMkLst>
         </pc:spChg>
         <pc:spChg chg="mod">
-          <ac:chgData name="Felipe Lopes de Oliveira" userId="7927722fe4027b30" providerId="LiveId" clId="{988CB3FB-85FE-4B18-8889-744054AB9037}" dt="2023-03-05T15:39:33.443" v="1597" actId="5736"/>
+          <ac:chgData name="Felipe Lopes de Oliveira" userId="7927722fe4027b30" providerId="LiveId" clId="{988CB3FB-85FE-4B18-8889-744054AB9037}" dt="2023-03-05T16:26:04.879" v="2101" actId="5736"/>
           <ac:spMkLst>
             <pc:docMk/>
             <pc:sldMk cId="1480784656" sldId="257"/>
@@ -196,7 +196,7 @@
           </ac:spMkLst>
         </pc:spChg>
         <pc:spChg chg="mod">
-          <ac:chgData name="Felipe Lopes de Oliveira" userId="7927722fe4027b30" providerId="LiveId" clId="{988CB3FB-85FE-4B18-8889-744054AB9037}" dt="2023-03-05T15:39:33.443" v="1597" actId="5736"/>
+          <ac:chgData name="Felipe Lopes de Oliveira" userId="7927722fe4027b30" providerId="LiveId" clId="{988CB3FB-85FE-4B18-8889-744054AB9037}" dt="2023-03-05T16:26:04.879" v="2101" actId="5736"/>
           <ac:spMkLst>
             <pc:docMk/>
             <pc:sldMk cId="1480784656" sldId="257"/>
@@ -204,7 +204,7 @@
           </ac:spMkLst>
         </pc:spChg>
         <pc:spChg chg="mod">
-          <ac:chgData name="Felipe Lopes de Oliveira" userId="7927722fe4027b30" providerId="LiveId" clId="{988CB3FB-85FE-4B18-8889-744054AB9037}" dt="2023-03-05T15:39:33.443" v="1597" actId="5736"/>
+          <ac:chgData name="Felipe Lopes de Oliveira" userId="7927722fe4027b30" providerId="LiveId" clId="{988CB3FB-85FE-4B18-8889-744054AB9037}" dt="2023-03-05T16:26:04.879" v="2101" actId="5736"/>
           <ac:spMkLst>
             <pc:docMk/>
             <pc:sldMk cId="1480784656" sldId="257"/>
@@ -212,7 +212,7 @@
           </ac:spMkLst>
         </pc:spChg>
         <pc:spChg chg="mod">
-          <ac:chgData name="Felipe Lopes de Oliveira" userId="7927722fe4027b30" providerId="LiveId" clId="{988CB3FB-85FE-4B18-8889-744054AB9037}" dt="2023-03-05T15:39:33.443" v="1597" actId="5736"/>
+          <ac:chgData name="Felipe Lopes de Oliveira" userId="7927722fe4027b30" providerId="LiveId" clId="{988CB3FB-85FE-4B18-8889-744054AB9037}" dt="2023-03-05T16:26:04.879" v="2101" actId="5736"/>
           <ac:spMkLst>
             <pc:docMk/>
             <pc:sldMk cId="1480784656" sldId="257"/>
@@ -220,7 +220,7 @@
           </ac:spMkLst>
         </pc:spChg>
         <pc:spChg chg="mod">
-          <ac:chgData name="Felipe Lopes de Oliveira" userId="7927722fe4027b30" providerId="LiveId" clId="{988CB3FB-85FE-4B18-8889-744054AB9037}" dt="2023-03-05T15:39:33.443" v="1597" actId="5736"/>
+          <ac:chgData name="Felipe Lopes de Oliveira" userId="7927722fe4027b30" providerId="LiveId" clId="{988CB3FB-85FE-4B18-8889-744054AB9037}" dt="2023-03-05T16:26:04.879" v="2101" actId="5736"/>
           <ac:spMkLst>
             <pc:docMk/>
             <pc:sldMk cId="1480784656" sldId="257"/>
@@ -228,7 +228,7 @@
           </ac:spMkLst>
         </pc:spChg>
         <pc:spChg chg="mod">
-          <ac:chgData name="Felipe Lopes de Oliveira" userId="7927722fe4027b30" providerId="LiveId" clId="{988CB3FB-85FE-4B18-8889-744054AB9037}" dt="2023-03-05T15:39:33.443" v="1597" actId="5736"/>
+          <ac:chgData name="Felipe Lopes de Oliveira" userId="7927722fe4027b30" providerId="LiveId" clId="{988CB3FB-85FE-4B18-8889-744054AB9037}" dt="2023-03-05T16:26:04.879" v="2101" actId="5736"/>
           <ac:spMkLst>
             <pc:docMk/>
             <pc:sldMk cId="1480784656" sldId="257"/>
@@ -236,7 +236,7 @@
           </ac:spMkLst>
         </pc:spChg>
         <pc:spChg chg="mod">
-          <ac:chgData name="Felipe Lopes de Oliveira" userId="7927722fe4027b30" providerId="LiveId" clId="{988CB3FB-85FE-4B18-8889-744054AB9037}" dt="2023-03-05T15:39:33.443" v="1597" actId="5736"/>
+          <ac:chgData name="Felipe Lopes de Oliveira" userId="7927722fe4027b30" providerId="LiveId" clId="{988CB3FB-85FE-4B18-8889-744054AB9037}" dt="2023-03-05T16:26:04.879" v="2101" actId="5736"/>
           <ac:spMkLst>
             <pc:docMk/>
             <pc:sldMk cId="1480784656" sldId="257"/>
@@ -244,7 +244,7 @@
           </ac:spMkLst>
         </pc:spChg>
         <pc:spChg chg="mod">
-          <ac:chgData name="Felipe Lopes de Oliveira" userId="7927722fe4027b30" providerId="LiveId" clId="{988CB3FB-85FE-4B18-8889-744054AB9037}" dt="2023-03-05T15:39:33.443" v="1597" actId="5736"/>
+          <ac:chgData name="Felipe Lopes de Oliveira" userId="7927722fe4027b30" providerId="LiveId" clId="{988CB3FB-85FE-4B18-8889-744054AB9037}" dt="2023-03-05T16:26:04.879" v="2101" actId="5736"/>
           <ac:spMkLst>
             <pc:docMk/>
             <pc:sldMk cId="1480784656" sldId="257"/>
@@ -252,7 +252,7 @@
           </ac:spMkLst>
         </pc:spChg>
         <pc:spChg chg="mod">
-          <ac:chgData name="Felipe Lopes de Oliveira" userId="7927722fe4027b30" providerId="LiveId" clId="{988CB3FB-85FE-4B18-8889-744054AB9037}" dt="2023-03-05T15:39:33.443" v="1597" actId="5736"/>
+          <ac:chgData name="Felipe Lopes de Oliveira" userId="7927722fe4027b30" providerId="LiveId" clId="{988CB3FB-85FE-4B18-8889-744054AB9037}" dt="2023-03-05T16:26:04.879" v="2101" actId="5736"/>
           <ac:spMkLst>
             <pc:docMk/>
             <pc:sldMk cId="1480784656" sldId="257"/>
@@ -260,7 +260,7 @@
           </ac:spMkLst>
         </pc:spChg>
         <pc:spChg chg="mod">
-          <ac:chgData name="Felipe Lopes de Oliveira" userId="7927722fe4027b30" providerId="LiveId" clId="{988CB3FB-85FE-4B18-8889-744054AB9037}" dt="2023-03-05T15:39:33.443" v="1597" actId="5736"/>
+          <ac:chgData name="Felipe Lopes de Oliveira" userId="7927722fe4027b30" providerId="LiveId" clId="{988CB3FB-85FE-4B18-8889-744054AB9037}" dt="2023-03-05T16:26:04.879" v="2101" actId="5736"/>
           <ac:spMkLst>
             <pc:docMk/>
             <pc:sldMk cId="1480784656" sldId="257"/>
@@ -268,7 +268,7 @@
           </ac:spMkLst>
         </pc:spChg>
         <pc:spChg chg="mod">
-          <ac:chgData name="Felipe Lopes de Oliveira" userId="7927722fe4027b30" providerId="LiveId" clId="{988CB3FB-85FE-4B18-8889-744054AB9037}" dt="2023-03-05T15:39:33.443" v="1597" actId="5736"/>
+          <ac:chgData name="Felipe Lopes de Oliveira" userId="7927722fe4027b30" providerId="LiveId" clId="{988CB3FB-85FE-4B18-8889-744054AB9037}" dt="2023-03-05T16:26:04.879" v="2101" actId="5736"/>
           <ac:spMkLst>
             <pc:docMk/>
             <pc:sldMk cId="1480784656" sldId="257"/>
@@ -276,7 +276,7 @@
           </ac:spMkLst>
         </pc:spChg>
         <pc:spChg chg="mod">
-          <ac:chgData name="Felipe Lopes de Oliveira" userId="7927722fe4027b30" providerId="LiveId" clId="{988CB3FB-85FE-4B18-8889-744054AB9037}" dt="2023-03-05T15:39:33.443" v="1597" actId="5736"/>
+          <ac:chgData name="Felipe Lopes de Oliveira" userId="7927722fe4027b30" providerId="LiveId" clId="{988CB3FB-85FE-4B18-8889-744054AB9037}" dt="2023-03-05T16:26:04.879" v="2101" actId="5736"/>
           <ac:spMkLst>
             <pc:docMk/>
             <pc:sldMk cId="1480784656" sldId="257"/>
@@ -284,7 +284,7 @@
           </ac:spMkLst>
         </pc:spChg>
         <pc:spChg chg="mod">
-          <ac:chgData name="Felipe Lopes de Oliveira" userId="7927722fe4027b30" providerId="LiveId" clId="{988CB3FB-85FE-4B18-8889-744054AB9037}" dt="2023-03-05T15:39:33.443" v="1597" actId="5736"/>
+          <ac:chgData name="Felipe Lopes de Oliveira" userId="7927722fe4027b30" providerId="LiveId" clId="{988CB3FB-85FE-4B18-8889-744054AB9037}" dt="2023-03-05T16:26:04.879" v="2101" actId="5736"/>
           <ac:spMkLst>
             <pc:docMk/>
             <pc:sldMk cId="1480784656" sldId="257"/>
@@ -292,7 +292,7 @@
           </ac:spMkLst>
         </pc:spChg>
         <pc:spChg chg="mod">
-          <ac:chgData name="Felipe Lopes de Oliveira" userId="7927722fe4027b30" providerId="LiveId" clId="{988CB3FB-85FE-4B18-8889-744054AB9037}" dt="2023-03-05T15:39:33.443" v="1597" actId="5736"/>
+          <ac:chgData name="Felipe Lopes de Oliveira" userId="7927722fe4027b30" providerId="LiveId" clId="{988CB3FB-85FE-4B18-8889-744054AB9037}" dt="2023-03-05T16:26:04.879" v="2101" actId="5736"/>
           <ac:spMkLst>
             <pc:docMk/>
             <pc:sldMk cId="1480784656" sldId="257"/>
@@ -300,7 +300,7 @@
           </ac:spMkLst>
         </pc:spChg>
         <pc:spChg chg="mod">
-          <ac:chgData name="Felipe Lopes de Oliveira" userId="7927722fe4027b30" providerId="LiveId" clId="{988CB3FB-85FE-4B18-8889-744054AB9037}" dt="2023-03-05T15:39:33.443" v="1597" actId="5736"/>
+          <ac:chgData name="Felipe Lopes de Oliveira" userId="7927722fe4027b30" providerId="LiveId" clId="{988CB3FB-85FE-4B18-8889-744054AB9037}" dt="2023-03-05T16:26:04.879" v="2101" actId="5736"/>
           <ac:spMkLst>
             <pc:docMk/>
             <pc:sldMk cId="1480784656" sldId="257"/>
@@ -308,7 +308,7 @@
           </ac:spMkLst>
         </pc:spChg>
         <pc:spChg chg="mod">
-          <ac:chgData name="Felipe Lopes de Oliveira" userId="7927722fe4027b30" providerId="LiveId" clId="{988CB3FB-85FE-4B18-8889-744054AB9037}" dt="2023-03-05T15:39:33.443" v="1597" actId="5736"/>
+          <ac:chgData name="Felipe Lopes de Oliveira" userId="7927722fe4027b30" providerId="LiveId" clId="{988CB3FB-85FE-4B18-8889-744054AB9037}" dt="2023-03-05T16:26:04.879" v="2101" actId="5736"/>
           <ac:spMkLst>
             <pc:docMk/>
             <pc:sldMk cId="1480784656" sldId="257"/>
@@ -316,7 +316,7 @@
           </ac:spMkLst>
         </pc:spChg>
         <pc:spChg chg="mod">
-          <ac:chgData name="Felipe Lopes de Oliveira" userId="7927722fe4027b30" providerId="LiveId" clId="{988CB3FB-85FE-4B18-8889-744054AB9037}" dt="2023-03-05T15:39:33.443" v="1597" actId="5736"/>
+          <ac:chgData name="Felipe Lopes de Oliveira" userId="7927722fe4027b30" providerId="LiveId" clId="{988CB3FB-85FE-4B18-8889-744054AB9037}" dt="2023-03-05T16:26:04.879" v="2101" actId="5736"/>
           <ac:spMkLst>
             <pc:docMk/>
             <pc:sldMk cId="1480784656" sldId="257"/>
@@ -324,7 +324,7 @@
           </ac:spMkLst>
         </pc:spChg>
         <pc:spChg chg="mod">
-          <ac:chgData name="Felipe Lopes de Oliveira" userId="7927722fe4027b30" providerId="LiveId" clId="{988CB3FB-85FE-4B18-8889-744054AB9037}" dt="2023-03-05T15:39:33.443" v="1597" actId="5736"/>
+          <ac:chgData name="Felipe Lopes de Oliveira" userId="7927722fe4027b30" providerId="LiveId" clId="{988CB3FB-85FE-4B18-8889-744054AB9037}" dt="2023-03-05T16:26:04.879" v="2101" actId="5736"/>
           <ac:spMkLst>
             <pc:docMk/>
             <pc:sldMk cId="1480784656" sldId="257"/>
@@ -332,7 +332,7 @@
           </ac:spMkLst>
         </pc:spChg>
         <pc:spChg chg="mod">
-          <ac:chgData name="Felipe Lopes de Oliveira" userId="7927722fe4027b30" providerId="LiveId" clId="{988CB3FB-85FE-4B18-8889-744054AB9037}" dt="2023-03-05T15:39:33.443" v="1597" actId="5736"/>
+          <ac:chgData name="Felipe Lopes de Oliveira" userId="7927722fe4027b30" providerId="LiveId" clId="{988CB3FB-85FE-4B18-8889-744054AB9037}" dt="2023-03-05T16:26:04.879" v="2101" actId="5736"/>
           <ac:spMkLst>
             <pc:docMk/>
             <pc:sldMk cId="1480784656" sldId="257"/>
@@ -348,7 +348,7 @@
           </ac:spMkLst>
         </pc:spChg>
         <pc:spChg chg="add mod">
-          <ac:chgData name="Felipe Lopes de Oliveira" userId="7927722fe4027b30" providerId="LiveId" clId="{988CB3FB-85FE-4B18-8889-744054AB9037}" dt="2023-03-05T15:39:33.443" v="1597" actId="5736"/>
+          <ac:chgData name="Felipe Lopes de Oliveira" userId="7927722fe4027b30" providerId="LiveId" clId="{988CB3FB-85FE-4B18-8889-744054AB9037}" dt="2023-03-05T16:26:04.879" v="2101" actId="5736"/>
           <ac:spMkLst>
             <pc:docMk/>
             <pc:sldMk cId="1480784656" sldId="257"/>
@@ -363,6 +363,22 @@
             <ac:spMk id="31" creationId="{38F127F7-3D0A-50AE-E278-1FD905142F83}"/>
           </ac:spMkLst>
         </pc:spChg>
+        <pc:spChg chg="add mod">
+          <ac:chgData name="Felipe Lopes de Oliveira" userId="7927722fe4027b30" providerId="LiveId" clId="{988CB3FB-85FE-4B18-8889-744054AB9037}" dt="2023-03-05T16:26:04.879" v="2101" actId="5736"/>
+          <ac:spMkLst>
+            <pc:docMk/>
+            <pc:sldMk cId="1480784656" sldId="257"/>
+            <ac:spMk id="31" creationId="{B1D8E011-A7F8-F513-1FBC-A16A061C4B8A}"/>
+          </ac:spMkLst>
+        </pc:spChg>
+        <pc:spChg chg="add mod">
+          <ac:chgData name="Felipe Lopes de Oliveira" userId="7927722fe4027b30" providerId="LiveId" clId="{988CB3FB-85FE-4B18-8889-744054AB9037}" dt="2023-03-05T16:26:04.879" v="2101" actId="5736"/>
+          <ac:spMkLst>
+            <pc:docMk/>
+            <pc:sldMk cId="1480784656" sldId="257"/>
+            <ac:spMk id="33" creationId="{673A35C1-7BFF-FF6D-DC1F-64E5D16AF7E2}"/>
+          </ac:spMkLst>
+        </pc:spChg>
         <pc:spChg chg="add del mod">
           <ac:chgData name="Felipe Lopes de Oliveira" userId="7927722fe4027b30" providerId="LiveId" clId="{988CB3FB-85FE-4B18-8889-744054AB9037}" dt="2023-03-05T15:20:44.498" v="1585" actId="478"/>
           <ac:spMkLst>
@@ -372,11 +388,19 @@
           </ac:spMkLst>
         </pc:spChg>
         <pc:spChg chg="add mod">
-          <ac:chgData name="Felipe Lopes de Oliveira" userId="7927722fe4027b30" providerId="LiveId" clId="{988CB3FB-85FE-4B18-8889-744054AB9037}" dt="2023-03-05T15:39:33.443" v="1597" actId="5736"/>
+          <ac:chgData name="Felipe Lopes de Oliveira" userId="7927722fe4027b30" providerId="LiveId" clId="{988CB3FB-85FE-4B18-8889-744054AB9037}" dt="2023-03-05T16:26:04.879" v="2101" actId="5736"/>
           <ac:spMkLst>
             <pc:docMk/>
             <pc:sldMk cId="1480784656" sldId="257"/>
             <ac:spMk id="36" creationId="{5ACE21A8-62E3-4DFA-B49F-C18BB0857009}"/>
+          </ac:spMkLst>
+        </pc:spChg>
+        <pc:spChg chg="add mod">
+          <ac:chgData name="Felipe Lopes de Oliveira" userId="7927722fe4027b30" providerId="LiveId" clId="{988CB3FB-85FE-4B18-8889-744054AB9037}" dt="2023-03-05T16:26:04.879" v="2101" actId="5736"/>
+          <ac:spMkLst>
+            <pc:docMk/>
+            <pc:sldMk cId="1480784656" sldId="257"/>
+            <ac:spMk id="37" creationId="{479C2F0E-317B-FA69-B7D3-2EEC26D3943F}"/>
           </ac:spMkLst>
         </pc:spChg>
         <pc:spChg chg="add del mod">
@@ -388,7 +412,7 @@
           </ac:spMkLst>
         </pc:spChg>
         <pc:spChg chg="mod">
-          <ac:chgData name="Felipe Lopes de Oliveira" userId="7927722fe4027b30" providerId="LiveId" clId="{988CB3FB-85FE-4B18-8889-744054AB9037}" dt="2023-03-05T15:39:33.443" v="1597" actId="5736"/>
+          <ac:chgData name="Felipe Lopes de Oliveira" userId="7927722fe4027b30" providerId="LiveId" clId="{988CB3FB-85FE-4B18-8889-744054AB9037}" dt="2023-03-05T16:26:04.879" v="2101" actId="5736"/>
           <ac:spMkLst>
             <pc:docMk/>
             <pc:sldMk cId="1480784656" sldId="257"/>
@@ -396,7 +420,7 @@
           </ac:spMkLst>
         </pc:spChg>
         <pc:spChg chg="mod">
-          <ac:chgData name="Felipe Lopes de Oliveira" userId="7927722fe4027b30" providerId="LiveId" clId="{988CB3FB-85FE-4B18-8889-744054AB9037}" dt="2023-03-05T15:39:33.443" v="1597" actId="5736"/>
+          <ac:chgData name="Felipe Lopes de Oliveira" userId="7927722fe4027b30" providerId="LiveId" clId="{988CB3FB-85FE-4B18-8889-744054AB9037}" dt="2023-03-05T16:26:04.879" v="2101" actId="5736"/>
           <ac:spMkLst>
             <pc:docMk/>
             <pc:sldMk cId="1480784656" sldId="257"/>
@@ -404,7 +428,7 @@
           </ac:spMkLst>
         </pc:spChg>
         <pc:spChg chg="mod">
-          <ac:chgData name="Felipe Lopes de Oliveira" userId="7927722fe4027b30" providerId="LiveId" clId="{988CB3FB-85FE-4B18-8889-744054AB9037}" dt="2023-03-05T15:39:33.443" v="1597" actId="5736"/>
+          <ac:chgData name="Felipe Lopes de Oliveira" userId="7927722fe4027b30" providerId="LiveId" clId="{988CB3FB-85FE-4B18-8889-744054AB9037}" dt="2023-03-05T16:26:04.879" v="2101" actId="5736"/>
           <ac:spMkLst>
             <pc:docMk/>
             <pc:sldMk cId="1480784656" sldId="257"/>
@@ -412,7 +436,7 @@
           </ac:spMkLst>
         </pc:spChg>
         <pc:spChg chg="mod">
-          <ac:chgData name="Felipe Lopes de Oliveira" userId="7927722fe4027b30" providerId="LiveId" clId="{988CB3FB-85FE-4B18-8889-744054AB9037}" dt="2023-03-05T15:39:33.443" v="1597" actId="5736"/>
+          <ac:chgData name="Felipe Lopes de Oliveira" userId="7927722fe4027b30" providerId="LiveId" clId="{988CB3FB-85FE-4B18-8889-744054AB9037}" dt="2023-03-05T16:26:04.879" v="2101" actId="5736"/>
           <ac:spMkLst>
             <pc:docMk/>
             <pc:sldMk cId="1480784656" sldId="257"/>
@@ -420,7 +444,7 @@
           </ac:spMkLst>
         </pc:spChg>
         <pc:spChg chg="mod">
-          <ac:chgData name="Felipe Lopes de Oliveira" userId="7927722fe4027b30" providerId="LiveId" clId="{988CB3FB-85FE-4B18-8889-744054AB9037}" dt="2023-03-05T15:39:33.443" v="1597" actId="5736"/>
+          <ac:chgData name="Felipe Lopes de Oliveira" userId="7927722fe4027b30" providerId="LiveId" clId="{988CB3FB-85FE-4B18-8889-744054AB9037}" dt="2023-03-05T16:26:04.879" v="2101" actId="5736"/>
           <ac:spMkLst>
             <pc:docMk/>
             <pc:sldMk cId="1480784656" sldId="257"/>
@@ -428,7 +452,7 @@
           </ac:spMkLst>
         </pc:spChg>
         <pc:spChg chg="mod">
-          <ac:chgData name="Felipe Lopes de Oliveira" userId="7927722fe4027b30" providerId="LiveId" clId="{988CB3FB-85FE-4B18-8889-744054AB9037}" dt="2023-03-05T15:39:33.443" v="1597" actId="5736"/>
+          <ac:chgData name="Felipe Lopes de Oliveira" userId="7927722fe4027b30" providerId="LiveId" clId="{988CB3FB-85FE-4B18-8889-744054AB9037}" dt="2023-03-05T16:26:04.879" v="2101" actId="5736"/>
           <ac:spMkLst>
             <pc:docMk/>
             <pc:sldMk cId="1480784656" sldId="257"/>
@@ -436,7 +460,7 @@
           </ac:spMkLst>
         </pc:spChg>
         <pc:graphicFrameChg chg="mod">
-          <ac:chgData name="Felipe Lopes de Oliveira" userId="7927722fe4027b30" providerId="LiveId" clId="{988CB3FB-85FE-4B18-8889-744054AB9037}" dt="2023-03-05T15:39:33.443" v="1597" actId="5736"/>
+          <ac:chgData name="Felipe Lopes de Oliveira" userId="7927722fe4027b30" providerId="LiveId" clId="{988CB3FB-85FE-4B18-8889-744054AB9037}" dt="2023-03-05T16:26:04.879" v="2101" actId="5736"/>
           <ac:graphicFrameMkLst>
             <pc:docMk/>
             <pc:sldMk cId="1480784656" sldId="257"/>
@@ -444,7 +468,7 @@
           </ac:graphicFrameMkLst>
         </pc:graphicFrameChg>
         <pc:graphicFrameChg chg="mod">
-          <ac:chgData name="Felipe Lopes de Oliveira" userId="7927722fe4027b30" providerId="LiveId" clId="{988CB3FB-85FE-4B18-8889-744054AB9037}" dt="2023-03-05T15:39:33.443" v="1597" actId="5736"/>
+          <ac:chgData name="Felipe Lopes de Oliveira" userId="7927722fe4027b30" providerId="LiveId" clId="{988CB3FB-85FE-4B18-8889-744054AB9037}" dt="2023-03-05T16:26:04.879" v="2101" actId="5736"/>
           <ac:graphicFrameMkLst>
             <pc:docMk/>
             <pc:sldMk cId="1480784656" sldId="257"/>
@@ -452,11 +476,27 @@
           </ac:graphicFrameMkLst>
         </pc:graphicFrameChg>
         <pc:graphicFrameChg chg="add mod">
-          <ac:chgData name="Felipe Lopes de Oliveira" userId="7927722fe4027b30" providerId="LiveId" clId="{988CB3FB-85FE-4B18-8889-744054AB9037}" dt="2023-03-05T15:39:33.443" v="1597" actId="5736"/>
+          <ac:chgData name="Felipe Lopes de Oliveira" userId="7927722fe4027b30" providerId="LiveId" clId="{988CB3FB-85FE-4B18-8889-744054AB9037}" dt="2023-03-05T16:26:04.879" v="2101" actId="5736"/>
+          <ac:graphicFrameMkLst>
+            <pc:docMk/>
+            <pc:sldMk cId="1480784656" sldId="257"/>
+            <ac:graphicFrameMk id="28" creationId="{365BB12C-762A-220D-6287-00D62C90D13C}"/>
+          </ac:graphicFrameMkLst>
+        </pc:graphicFrameChg>
+        <pc:graphicFrameChg chg="add mod">
+          <ac:chgData name="Felipe Lopes de Oliveira" userId="7927722fe4027b30" providerId="LiveId" clId="{988CB3FB-85FE-4B18-8889-744054AB9037}" dt="2023-03-05T16:26:04.879" v="2101" actId="5736"/>
           <ac:graphicFrameMkLst>
             <pc:docMk/>
             <pc:sldMk cId="1480784656" sldId="257"/>
             <ac:graphicFrameMk id="30" creationId="{39C4941F-48FF-076E-7407-1AD92AB3B841}"/>
+          </ac:graphicFrameMkLst>
+        </pc:graphicFrameChg>
+        <pc:graphicFrameChg chg="add mod">
+          <ac:chgData name="Felipe Lopes de Oliveira" userId="7927722fe4027b30" providerId="LiveId" clId="{988CB3FB-85FE-4B18-8889-744054AB9037}" dt="2023-03-05T16:26:04.879" v="2101" actId="5736"/>
+          <ac:graphicFrameMkLst>
+            <pc:docMk/>
+            <pc:sldMk cId="1480784656" sldId="257"/>
+            <ac:graphicFrameMk id="32" creationId="{5153DBB1-A1C7-18BA-CFBB-811747AE63A3}"/>
           </ac:graphicFrameMkLst>
         </pc:graphicFrameChg>
         <pc:graphicFrameChg chg="add del mod">
@@ -476,7 +516,15 @@
           </ac:graphicFrameMkLst>
         </pc:graphicFrameChg>
         <pc:graphicFrameChg chg="add mod">
-          <ac:chgData name="Felipe Lopes de Oliveira" userId="7927722fe4027b30" providerId="LiveId" clId="{988CB3FB-85FE-4B18-8889-744054AB9037}" dt="2023-03-05T15:39:33.443" v="1597" actId="5736"/>
+          <ac:chgData name="Felipe Lopes de Oliveira" userId="7927722fe4027b30" providerId="LiveId" clId="{988CB3FB-85FE-4B18-8889-744054AB9037}" dt="2023-03-05T16:26:04.879" v="2101" actId="5736"/>
+          <ac:graphicFrameMkLst>
+            <pc:docMk/>
+            <pc:sldMk cId="1480784656" sldId="257"/>
+            <ac:graphicFrameMk id="34" creationId="{711A7590-58C3-0BE3-C8AB-4FD7073B5C46}"/>
+          </ac:graphicFrameMkLst>
+        </pc:graphicFrameChg>
+        <pc:graphicFrameChg chg="add mod">
+          <ac:chgData name="Felipe Lopes de Oliveira" userId="7927722fe4027b30" providerId="LiveId" clId="{988CB3FB-85FE-4B18-8889-744054AB9037}" dt="2023-03-05T16:26:04.879" v="2101" actId="5736"/>
           <ac:graphicFrameMkLst>
             <pc:docMk/>
             <pc:sldMk cId="1480784656" sldId="257"/>
@@ -492,7 +540,7 @@
           </ac:graphicFrameMkLst>
         </pc:graphicFrameChg>
         <pc:graphicFrameChg chg="mod">
-          <ac:chgData name="Felipe Lopes de Oliveira" userId="7927722fe4027b30" providerId="LiveId" clId="{988CB3FB-85FE-4B18-8889-744054AB9037}" dt="2023-03-05T15:39:33.443" v="1597" actId="5736"/>
+          <ac:chgData name="Felipe Lopes de Oliveira" userId="7927722fe4027b30" providerId="LiveId" clId="{988CB3FB-85FE-4B18-8889-744054AB9037}" dt="2023-03-05T16:26:04.879" v="2101" actId="5736"/>
           <ac:graphicFrameMkLst>
             <pc:docMk/>
             <pc:sldMk cId="1480784656" sldId="257"/>
@@ -500,7 +548,7 @@
           </ac:graphicFrameMkLst>
         </pc:graphicFrameChg>
         <pc:graphicFrameChg chg="mod">
-          <ac:chgData name="Felipe Lopes de Oliveira" userId="7927722fe4027b30" providerId="LiveId" clId="{988CB3FB-85FE-4B18-8889-744054AB9037}" dt="2023-03-05T15:39:33.443" v="1597" actId="5736"/>
+          <ac:chgData name="Felipe Lopes de Oliveira" userId="7927722fe4027b30" providerId="LiveId" clId="{988CB3FB-85FE-4B18-8889-744054AB9037}" dt="2023-03-05T16:26:04.879" v="2101" actId="5736"/>
           <ac:graphicFrameMkLst>
             <pc:docMk/>
             <pc:sldMk cId="1480784656" sldId="257"/>
@@ -508,7 +556,7 @@
           </ac:graphicFrameMkLst>
         </pc:graphicFrameChg>
         <pc:graphicFrameChg chg="mod">
-          <ac:chgData name="Felipe Lopes de Oliveira" userId="7927722fe4027b30" providerId="LiveId" clId="{988CB3FB-85FE-4B18-8889-744054AB9037}" dt="2023-03-05T15:39:33.443" v="1597" actId="5736"/>
+          <ac:chgData name="Felipe Lopes de Oliveira" userId="7927722fe4027b30" providerId="LiveId" clId="{988CB3FB-85FE-4B18-8889-744054AB9037}" dt="2023-03-05T16:26:04.879" v="2101" actId="5736"/>
           <ac:graphicFrameMkLst>
             <pc:docMk/>
             <pc:sldMk cId="1480784656" sldId="257"/>
@@ -516,7 +564,7 @@
           </ac:graphicFrameMkLst>
         </pc:graphicFrameChg>
         <pc:graphicFrameChg chg="mod">
-          <ac:chgData name="Felipe Lopes de Oliveira" userId="7927722fe4027b30" providerId="LiveId" clId="{988CB3FB-85FE-4B18-8889-744054AB9037}" dt="2023-03-05T15:39:33.443" v="1597" actId="5736"/>
+          <ac:chgData name="Felipe Lopes de Oliveira" userId="7927722fe4027b30" providerId="LiveId" clId="{988CB3FB-85FE-4B18-8889-744054AB9037}" dt="2023-03-05T16:26:04.879" v="2101" actId="5736"/>
           <ac:graphicFrameMkLst>
             <pc:docMk/>
             <pc:sldMk cId="1480784656" sldId="257"/>
@@ -524,7 +572,7 @@
           </ac:graphicFrameMkLst>
         </pc:graphicFrameChg>
         <pc:graphicFrameChg chg="mod">
-          <ac:chgData name="Felipe Lopes de Oliveira" userId="7927722fe4027b30" providerId="LiveId" clId="{988CB3FB-85FE-4B18-8889-744054AB9037}" dt="2023-03-05T15:39:33.443" v="1597" actId="5736"/>
+          <ac:chgData name="Felipe Lopes de Oliveira" userId="7927722fe4027b30" providerId="LiveId" clId="{988CB3FB-85FE-4B18-8889-744054AB9037}" dt="2023-03-05T16:26:04.879" v="2101" actId="5736"/>
           <ac:graphicFrameMkLst>
             <pc:docMk/>
             <pc:sldMk cId="1480784656" sldId="257"/>
@@ -532,7 +580,7 @@
           </ac:graphicFrameMkLst>
         </pc:graphicFrameChg>
         <pc:graphicFrameChg chg="mod">
-          <ac:chgData name="Felipe Lopes de Oliveira" userId="7927722fe4027b30" providerId="LiveId" clId="{988CB3FB-85FE-4B18-8889-744054AB9037}" dt="2023-03-05T15:39:33.443" v="1597" actId="5736"/>
+          <ac:chgData name="Felipe Lopes de Oliveira" userId="7927722fe4027b30" providerId="LiveId" clId="{988CB3FB-85FE-4B18-8889-744054AB9037}" dt="2023-03-05T16:26:04.879" v="2101" actId="5736"/>
           <ac:graphicFrameMkLst>
             <pc:docMk/>
             <pc:sldMk cId="1480784656" sldId="257"/>
@@ -540,7 +588,7 @@
           </ac:graphicFrameMkLst>
         </pc:graphicFrameChg>
         <pc:graphicFrameChg chg="mod">
-          <ac:chgData name="Felipe Lopes de Oliveira" userId="7927722fe4027b30" providerId="LiveId" clId="{988CB3FB-85FE-4B18-8889-744054AB9037}" dt="2023-03-05T15:39:33.443" v="1597" actId="5736"/>
+          <ac:chgData name="Felipe Lopes de Oliveira" userId="7927722fe4027b30" providerId="LiveId" clId="{988CB3FB-85FE-4B18-8889-744054AB9037}" dt="2023-03-05T16:26:04.879" v="2101" actId="5736"/>
           <ac:graphicFrameMkLst>
             <pc:docMk/>
             <pc:sldMk cId="1480784656" sldId="257"/>
@@ -548,7 +596,7 @@
           </ac:graphicFrameMkLst>
         </pc:graphicFrameChg>
         <pc:graphicFrameChg chg="mod">
-          <ac:chgData name="Felipe Lopes de Oliveira" userId="7927722fe4027b30" providerId="LiveId" clId="{988CB3FB-85FE-4B18-8889-744054AB9037}" dt="2023-03-05T15:39:33.443" v="1597" actId="5736"/>
+          <ac:chgData name="Felipe Lopes de Oliveira" userId="7927722fe4027b30" providerId="LiveId" clId="{988CB3FB-85FE-4B18-8889-744054AB9037}" dt="2023-03-05T16:26:04.879" v="2101" actId="5736"/>
           <ac:graphicFrameMkLst>
             <pc:docMk/>
             <pc:sldMk cId="1480784656" sldId="257"/>
@@ -556,7 +604,7 @@
           </ac:graphicFrameMkLst>
         </pc:graphicFrameChg>
         <pc:graphicFrameChg chg="mod">
-          <ac:chgData name="Felipe Lopes de Oliveira" userId="7927722fe4027b30" providerId="LiveId" clId="{988CB3FB-85FE-4B18-8889-744054AB9037}" dt="2023-03-05T15:39:33.443" v="1597" actId="5736"/>
+          <ac:chgData name="Felipe Lopes de Oliveira" userId="7927722fe4027b30" providerId="LiveId" clId="{988CB3FB-85FE-4B18-8889-744054AB9037}" dt="2023-03-05T16:26:04.879" v="2101" actId="5736"/>
           <ac:graphicFrameMkLst>
             <pc:docMk/>
             <pc:sldMk cId="1480784656" sldId="257"/>
@@ -564,7 +612,7 @@
           </ac:graphicFrameMkLst>
         </pc:graphicFrameChg>
         <pc:graphicFrameChg chg="mod">
-          <ac:chgData name="Felipe Lopes de Oliveira" userId="7927722fe4027b30" providerId="LiveId" clId="{988CB3FB-85FE-4B18-8889-744054AB9037}" dt="2023-03-05T15:39:33.443" v="1597" actId="5736"/>
+          <ac:chgData name="Felipe Lopes de Oliveira" userId="7927722fe4027b30" providerId="LiveId" clId="{988CB3FB-85FE-4B18-8889-744054AB9037}" dt="2023-03-05T16:26:04.879" v="2101" actId="5736"/>
           <ac:graphicFrameMkLst>
             <pc:docMk/>
             <pc:sldMk cId="1480784656" sldId="257"/>
@@ -572,7 +620,7 @@
           </ac:graphicFrameMkLst>
         </pc:graphicFrameChg>
         <pc:graphicFrameChg chg="mod">
-          <ac:chgData name="Felipe Lopes de Oliveira" userId="7927722fe4027b30" providerId="LiveId" clId="{988CB3FB-85FE-4B18-8889-744054AB9037}" dt="2023-03-05T15:39:33.443" v="1597" actId="5736"/>
+          <ac:chgData name="Felipe Lopes de Oliveira" userId="7927722fe4027b30" providerId="LiveId" clId="{988CB3FB-85FE-4B18-8889-744054AB9037}" dt="2023-03-05T16:26:04.879" v="2101" actId="5736"/>
           <ac:graphicFrameMkLst>
             <pc:docMk/>
             <pc:sldMk cId="1480784656" sldId="257"/>
@@ -580,7 +628,7 @@
           </ac:graphicFrameMkLst>
         </pc:graphicFrameChg>
         <pc:graphicFrameChg chg="mod">
-          <ac:chgData name="Felipe Lopes de Oliveira" userId="7927722fe4027b30" providerId="LiveId" clId="{988CB3FB-85FE-4B18-8889-744054AB9037}" dt="2023-03-05T15:39:33.443" v="1597" actId="5736"/>
+          <ac:chgData name="Felipe Lopes de Oliveira" userId="7927722fe4027b30" providerId="LiveId" clId="{988CB3FB-85FE-4B18-8889-744054AB9037}" dt="2023-03-05T16:26:04.879" v="2101" actId="5736"/>
           <ac:graphicFrameMkLst>
             <pc:docMk/>
             <pc:sldMk cId="1480784656" sldId="257"/>
@@ -588,7 +636,7 @@
           </ac:graphicFrameMkLst>
         </pc:graphicFrameChg>
         <pc:graphicFrameChg chg="mod">
-          <ac:chgData name="Felipe Lopes de Oliveira" userId="7927722fe4027b30" providerId="LiveId" clId="{988CB3FB-85FE-4B18-8889-744054AB9037}" dt="2023-03-05T15:39:33.443" v="1597" actId="5736"/>
+          <ac:chgData name="Felipe Lopes de Oliveira" userId="7927722fe4027b30" providerId="LiveId" clId="{988CB3FB-85FE-4B18-8889-744054AB9037}" dt="2023-03-05T16:26:04.879" v="2101" actId="5736"/>
           <ac:graphicFrameMkLst>
             <pc:docMk/>
             <pc:sldMk cId="1480784656" sldId="257"/>
@@ -596,7 +644,7 @@
           </ac:graphicFrameMkLst>
         </pc:graphicFrameChg>
         <pc:graphicFrameChg chg="mod">
-          <ac:chgData name="Felipe Lopes de Oliveira" userId="7927722fe4027b30" providerId="LiveId" clId="{988CB3FB-85FE-4B18-8889-744054AB9037}" dt="2023-03-05T15:39:33.443" v="1597" actId="5736"/>
+          <ac:chgData name="Felipe Lopes de Oliveira" userId="7927722fe4027b30" providerId="LiveId" clId="{988CB3FB-85FE-4B18-8889-744054AB9037}" dt="2023-03-05T16:26:04.879" v="2101" actId="5736"/>
           <ac:graphicFrameMkLst>
             <pc:docMk/>
             <pc:sldMk cId="1480784656" sldId="257"/>
@@ -604,7 +652,7 @@
           </ac:graphicFrameMkLst>
         </pc:graphicFrameChg>
         <pc:graphicFrameChg chg="mod">
-          <ac:chgData name="Felipe Lopes de Oliveira" userId="7927722fe4027b30" providerId="LiveId" clId="{988CB3FB-85FE-4B18-8889-744054AB9037}" dt="2023-03-05T15:39:33.443" v="1597" actId="5736"/>
+          <ac:chgData name="Felipe Lopes de Oliveira" userId="7927722fe4027b30" providerId="LiveId" clId="{988CB3FB-85FE-4B18-8889-744054AB9037}" dt="2023-03-05T16:26:04.879" v="2101" actId="5736"/>
           <ac:graphicFrameMkLst>
             <pc:docMk/>
             <pc:sldMk cId="1480784656" sldId="257"/>
@@ -612,7 +660,7 @@
           </ac:graphicFrameMkLst>
         </pc:graphicFrameChg>
         <pc:graphicFrameChg chg="mod">
-          <ac:chgData name="Felipe Lopes de Oliveira" userId="7927722fe4027b30" providerId="LiveId" clId="{988CB3FB-85FE-4B18-8889-744054AB9037}" dt="2023-03-05T15:39:33.443" v="1597" actId="5736"/>
+          <ac:chgData name="Felipe Lopes de Oliveira" userId="7927722fe4027b30" providerId="LiveId" clId="{988CB3FB-85FE-4B18-8889-744054AB9037}" dt="2023-03-05T16:26:04.879" v="2101" actId="5736"/>
           <ac:graphicFrameMkLst>
             <pc:docMk/>
             <pc:sldMk cId="1480784656" sldId="257"/>
@@ -620,7 +668,7 @@
           </ac:graphicFrameMkLst>
         </pc:graphicFrameChg>
         <pc:graphicFrameChg chg="mod">
-          <ac:chgData name="Felipe Lopes de Oliveira" userId="7927722fe4027b30" providerId="LiveId" clId="{988CB3FB-85FE-4B18-8889-744054AB9037}" dt="2023-03-05T15:39:33.443" v="1597" actId="5736"/>
+          <ac:chgData name="Felipe Lopes de Oliveira" userId="7927722fe4027b30" providerId="LiveId" clId="{988CB3FB-85FE-4B18-8889-744054AB9037}" dt="2023-03-05T16:26:04.879" v="2101" actId="5736"/>
           <ac:graphicFrameMkLst>
             <pc:docMk/>
             <pc:sldMk cId="1480784656" sldId="257"/>
@@ -628,7 +676,7 @@
           </ac:graphicFrameMkLst>
         </pc:graphicFrameChg>
         <pc:graphicFrameChg chg="mod">
-          <ac:chgData name="Felipe Lopes de Oliveira" userId="7927722fe4027b30" providerId="LiveId" clId="{988CB3FB-85FE-4B18-8889-744054AB9037}" dt="2023-03-05T15:39:33.443" v="1597" actId="5736"/>
+          <ac:chgData name="Felipe Lopes de Oliveira" userId="7927722fe4027b30" providerId="LiveId" clId="{988CB3FB-85FE-4B18-8889-744054AB9037}" dt="2023-03-05T16:26:04.879" v="2101" actId="5736"/>
           <ac:graphicFrameMkLst>
             <pc:docMk/>
             <pc:sldMk cId="1480784656" sldId="257"/>
@@ -636,7 +684,7 @@
           </ac:graphicFrameMkLst>
         </pc:graphicFrameChg>
         <pc:graphicFrameChg chg="mod">
-          <ac:chgData name="Felipe Lopes de Oliveira" userId="7927722fe4027b30" providerId="LiveId" clId="{988CB3FB-85FE-4B18-8889-744054AB9037}" dt="2023-03-05T15:39:33.443" v="1597" actId="5736"/>
+          <ac:chgData name="Felipe Lopes de Oliveira" userId="7927722fe4027b30" providerId="LiveId" clId="{988CB3FB-85FE-4B18-8889-744054AB9037}" dt="2023-03-05T16:26:04.879" v="2101" actId="5736"/>
           <ac:graphicFrameMkLst>
             <pc:docMk/>
             <pc:sldMk cId="1480784656" sldId="257"/>
@@ -644,7 +692,7 @@
           </ac:graphicFrameMkLst>
         </pc:graphicFrameChg>
         <pc:graphicFrameChg chg="mod">
-          <ac:chgData name="Felipe Lopes de Oliveira" userId="7927722fe4027b30" providerId="LiveId" clId="{988CB3FB-85FE-4B18-8889-744054AB9037}" dt="2023-03-05T15:39:33.443" v="1597" actId="5736"/>
+          <ac:chgData name="Felipe Lopes de Oliveira" userId="7927722fe4027b30" providerId="LiveId" clId="{988CB3FB-85FE-4B18-8889-744054AB9037}" dt="2023-03-05T16:26:04.879" v="2101" actId="5736"/>
           <ac:graphicFrameMkLst>
             <pc:docMk/>
             <pc:sldMk cId="1480784656" sldId="257"/>
@@ -652,7 +700,7 @@
           </ac:graphicFrameMkLst>
         </pc:graphicFrameChg>
         <pc:graphicFrameChg chg="mod">
-          <ac:chgData name="Felipe Lopes de Oliveira" userId="7927722fe4027b30" providerId="LiveId" clId="{988CB3FB-85FE-4B18-8889-744054AB9037}" dt="2023-03-05T15:39:33.443" v="1597" actId="5736"/>
+          <ac:chgData name="Felipe Lopes de Oliveira" userId="7927722fe4027b30" providerId="LiveId" clId="{988CB3FB-85FE-4B18-8889-744054AB9037}" dt="2023-03-05T16:26:04.879" v="2101" actId="5736"/>
           <ac:graphicFrameMkLst>
             <pc:docMk/>
             <pc:sldMk cId="1480784656" sldId="257"/>
@@ -660,7 +708,7 @@
           </ac:graphicFrameMkLst>
         </pc:graphicFrameChg>
         <pc:graphicFrameChg chg="mod">
-          <ac:chgData name="Felipe Lopes de Oliveira" userId="7927722fe4027b30" providerId="LiveId" clId="{988CB3FB-85FE-4B18-8889-744054AB9037}" dt="2023-03-05T15:39:33.443" v="1597" actId="5736"/>
+          <ac:chgData name="Felipe Lopes de Oliveira" userId="7927722fe4027b30" providerId="LiveId" clId="{988CB3FB-85FE-4B18-8889-744054AB9037}" dt="2023-03-05T16:26:04.879" v="2101" actId="5736"/>
           <ac:graphicFrameMkLst>
             <pc:docMk/>
             <pc:sldMk cId="1480784656" sldId="257"/>
@@ -668,7 +716,7 @@
           </ac:graphicFrameMkLst>
         </pc:graphicFrameChg>
         <pc:graphicFrameChg chg="mod">
-          <ac:chgData name="Felipe Lopes de Oliveira" userId="7927722fe4027b30" providerId="LiveId" clId="{988CB3FB-85FE-4B18-8889-744054AB9037}" dt="2023-03-05T15:39:33.443" v="1597" actId="5736"/>
+          <ac:chgData name="Felipe Lopes de Oliveira" userId="7927722fe4027b30" providerId="LiveId" clId="{988CB3FB-85FE-4B18-8889-744054AB9037}" dt="2023-03-05T16:26:04.879" v="2101" actId="5736"/>
           <ac:graphicFrameMkLst>
             <pc:docMk/>
             <pc:sldMk cId="1480784656" sldId="257"/>
@@ -676,7 +724,7 @@
           </ac:graphicFrameMkLst>
         </pc:graphicFrameChg>
         <pc:graphicFrameChg chg="mod">
-          <ac:chgData name="Felipe Lopes de Oliveira" userId="7927722fe4027b30" providerId="LiveId" clId="{988CB3FB-85FE-4B18-8889-744054AB9037}" dt="2023-03-05T15:39:33.443" v="1597" actId="5736"/>
+          <ac:chgData name="Felipe Lopes de Oliveira" userId="7927722fe4027b30" providerId="LiveId" clId="{988CB3FB-85FE-4B18-8889-744054AB9037}" dt="2023-03-05T16:26:04.879" v="2101" actId="5736"/>
           <ac:graphicFrameMkLst>
             <pc:docMk/>
             <pc:sldMk cId="1480784656" sldId="257"/>
@@ -684,7 +732,7 @@
           </ac:graphicFrameMkLst>
         </pc:graphicFrameChg>
         <pc:graphicFrameChg chg="mod">
-          <ac:chgData name="Felipe Lopes de Oliveira" userId="7927722fe4027b30" providerId="LiveId" clId="{988CB3FB-85FE-4B18-8889-744054AB9037}" dt="2023-03-05T15:39:33.443" v="1597" actId="5736"/>
+          <ac:chgData name="Felipe Lopes de Oliveira" userId="7927722fe4027b30" providerId="LiveId" clId="{988CB3FB-85FE-4B18-8889-744054AB9037}" dt="2023-03-05T16:26:04.879" v="2101" actId="5736"/>
           <ac:graphicFrameMkLst>
             <pc:docMk/>
             <pc:sldMk cId="1480784656" sldId="257"/>
@@ -692,7 +740,7 @@
           </ac:graphicFrameMkLst>
         </pc:graphicFrameChg>
         <pc:graphicFrameChg chg="mod">
-          <ac:chgData name="Felipe Lopes de Oliveira" userId="7927722fe4027b30" providerId="LiveId" clId="{988CB3FB-85FE-4B18-8889-744054AB9037}" dt="2023-03-05T15:39:33.443" v="1597" actId="5736"/>
+          <ac:chgData name="Felipe Lopes de Oliveira" userId="7927722fe4027b30" providerId="LiveId" clId="{988CB3FB-85FE-4B18-8889-744054AB9037}" dt="2023-03-05T16:26:04.879" v="2101" actId="5736"/>
           <ac:graphicFrameMkLst>
             <pc:docMk/>
             <pc:sldMk cId="1480784656" sldId="257"/>
@@ -14762,7 +14810,7 @@
           <p:nvPr>
             <p:extLst>
               <p:ext uri="{D42A27DB-BD31-4B8C-83A1-F6EECF244321}">
-                <p14:modId xmlns:p14="http://schemas.microsoft.com/office/powerpoint/2010/main" val="2780011154"/>
+                <p14:modId xmlns:p14="http://schemas.microsoft.com/office/powerpoint/2010/main" val="1606883038"/>
               </p:ext>
             </p:extLst>
           </p:nvPr>
@@ -14831,7 +14879,7 @@
           <p:nvPr>
             <p:extLst>
               <p:ext uri="{D42A27DB-BD31-4B8C-83A1-F6EECF244321}">
-                <p14:modId xmlns:p14="http://schemas.microsoft.com/office/powerpoint/2010/main" val="4128172031"/>
+                <p14:modId xmlns:p14="http://schemas.microsoft.com/office/powerpoint/2010/main" val="4223606662"/>
               </p:ext>
             </p:extLst>
           </p:nvPr>
@@ -14900,7 +14948,7 @@
           <p:nvPr>
             <p:extLst>
               <p:ext uri="{D42A27DB-BD31-4B8C-83A1-F6EECF244321}">
-                <p14:modId xmlns:p14="http://schemas.microsoft.com/office/powerpoint/2010/main" val="1353492895"/>
+                <p14:modId xmlns:p14="http://schemas.microsoft.com/office/powerpoint/2010/main" val="1940290360"/>
               </p:ext>
             </p:extLst>
           </p:nvPr>
@@ -14969,7 +15017,7 @@
           <p:nvPr>
             <p:extLst>
               <p:ext uri="{D42A27DB-BD31-4B8C-83A1-F6EECF244321}">
-                <p14:modId xmlns:p14="http://schemas.microsoft.com/office/powerpoint/2010/main" val="3311433094"/>
+                <p14:modId xmlns:p14="http://schemas.microsoft.com/office/powerpoint/2010/main" val="4097348516"/>
               </p:ext>
             </p:extLst>
           </p:nvPr>
@@ -15038,7 +15086,7 @@
           <p:nvPr>
             <p:extLst>
               <p:ext uri="{D42A27DB-BD31-4B8C-83A1-F6EECF244321}">
-                <p14:modId xmlns:p14="http://schemas.microsoft.com/office/powerpoint/2010/main" val="975363099"/>
+                <p14:modId xmlns:p14="http://schemas.microsoft.com/office/powerpoint/2010/main" val="3589841387"/>
               </p:ext>
             </p:extLst>
           </p:nvPr>
@@ -15107,7 +15155,7 @@
           <p:nvPr>
             <p:extLst>
               <p:ext uri="{D42A27DB-BD31-4B8C-83A1-F6EECF244321}">
-                <p14:modId xmlns:p14="http://schemas.microsoft.com/office/powerpoint/2010/main" val="2159097979"/>
+                <p14:modId xmlns:p14="http://schemas.microsoft.com/office/powerpoint/2010/main" val="2064544720"/>
               </p:ext>
             </p:extLst>
           </p:nvPr>
@@ -15176,7 +15224,7 @@
           <p:nvPr>
             <p:extLst>
               <p:ext uri="{D42A27DB-BD31-4B8C-83A1-F6EECF244321}">
-                <p14:modId xmlns:p14="http://schemas.microsoft.com/office/powerpoint/2010/main" val="1952306663"/>
+                <p14:modId xmlns:p14="http://schemas.microsoft.com/office/powerpoint/2010/main" val="2410079207"/>
               </p:ext>
             </p:extLst>
           </p:nvPr>
@@ -15245,7 +15293,7 @@
           <p:nvPr>
             <p:extLst>
               <p:ext uri="{D42A27DB-BD31-4B8C-83A1-F6EECF244321}">
-                <p14:modId xmlns:p14="http://schemas.microsoft.com/office/powerpoint/2010/main" val="2411554531"/>
+                <p14:modId xmlns:p14="http://schemas.microsoft.com/office/powerpoint/2010/main" val="2727107203"/>
               </p:ext>
             </p:extLst>
           </p:nvPr>
@@ -15314,7 +15362,7 @@
           <p:nvPr>
             <p:extLst>
               <p:ext uri="{D42A27DB-BD31-4B8C-83A1-F6EECF244321}">
-                <p14:modId xmlns:p14="http://schemas.microsoft.com/office/powerpoint/2010/main" val="205462678"/>
+                <p14:modId xmlns:p14="http://schemas.microsoft.com/office/powerpoint/2010/main" val="1780246431"/>
               </p:ext>
             </p:extLst>
           </p:nvPr>
@@ -15383,7 +15431,7 @@
           <p:nvPr>
             <p:extLst>
               <p:ext uri="{D42A27DB-BD31-4B8C-83A1-F6EECF244321}">
-                <p14:modId xmlns:p14="http://schemas.microsoft.com/office/powerpoint/2010/main" val="3306555153"/>
+                <p14:modId xmlns:p14="http://schemas.microsoft.com/office/powerpoint/2010/main" val="228976629"/>
               </p:ext>
             </p:extLst>
           </p:nvPr>
@@ -15452,7 +15500,7 @@
           <p:nvPr>
             <p:extLst>
               <p:ext uri="{D42A27DB-BD31-4B8C-83A1-F6EECF244321}">
-                <p14:modId xmlns:p14="http://schemas.microsoft.com/office/powerpoint/2010/main" val="2645720185"/>
+                <p14:modId xmlns:p14="http://schemas.microsoft.com/office/powerpoint/2010/main" val="1983606596"/>
               </p:ext>
             </p:extLst>
           </p:nvPr>
@@ -15643,7 +15691,7 @@
           <p:nvPr>
             <p:extLst>
               <p:ext uri="{D42A27DB-BD31-4B8C-83A1-F6EECF244321}">
-                <p14:modId xmlns:p14="http://schemas.microsoft.com/office/powerpoint/2010/main" val="3336729559"/>
+                <p14:modId xmlns:p14="http://schemas.microsoft.com/office/powerpoint/2010/main" val="2288850832"/>
               </p:ext>
             </p:extLst>
           </p:nvPr>
@@ -15712,7 +15760,7 @@
           <p:nvPr>
             <p:extLst>
               <p:ext uri="{D42A27DB-BD31-4B8C-83A1-F6EECF244321}">
-                <p14:modId xmlns:p14="http://schemas.microsoft.com/office/powerpoint/2010/main" val="3805378128"/>
+                <p14:modId xmlns:p14="http://schemas.microsoft.com/office/powerpoint/2010/main" val="2431850386"/>
               </p:ext>
             </p:extLst>
           </p:nvPr>
@@ -15781,7 +15829,7 @@
           <p:nvPr>
             <p:extLst>
               <p:ext uri="{D42A27DB-BD31-4B8C-83A1-F6EECF244321}">
-                <p14:modId xmlns:p14="http://schemas.microsoft.com/office/powerpoint/2010/main" val="877189896"/>
+                <p14:modId xmlns:p14="http://schemas.microsoft.com/office/powerpoint/2010/main" val="1132015582"/>
               </p:ext>
             </p:extLst>
           </p:nvPr>
@@ -15850,7 +15898,7 @@
           <p:nvPr>
             <p:extLst>
               <p:ext uri="{D42A27DB-BD31-4B8C-83A1-F6EECF244321}">
-                <p14:modId xmlns:p14="http://schemas.microsoft.com/office/powerpoint/2010/main" val="3487502287"/>
+                <p14:modId xmlns:p14="http://schemas.microsoft.com/office/powerpoint/2010/main" val="588669790"/>
               </p:ext>
             </p:extLst>
           </p:nvPr>
@@ -15919,7 +15967,7 @@
           <p:nvPr>
             <p:extLst>
               <p:ext uri="{D42A27DB-BD31-4B8C-83A1-F6EECF244321}">
-                <p14:modId xmlns:p14="http://schemas.microsoft.com/office/powerpoint/2010/main" val="1825233770"/>
+                <p14:modId xmlns:p14="http://schemas.microsoft.com/office/powerpoint/2010/main" val="571510622"/>
               </p:ext>
             </p:extLst>
           </p:nvPr>
@@ -15988,7 +16036,7 @@
           <p:nvPr>
             <p:extLst>
               <p:ext uri="{D42A27DB-BD31-4B8C-83A1-F6EECF244321}">
-                <p14:modId xmlns:p14="http://schemas.microsoft.com/office/powerpoint/2010/main" val="3523646049"/>
+                <p14:modId xmlns:p14="http://schemas.microsoft.com/office/powerpoint/2010/main" val="1243148973"/>
               </p:ext>
             </p:extLst>
           </p:nvPr>
@@ -16116,7 +16164,7 @@
           <p:nvPr>
             <p:extLst>
               <p:ext uri="{D42A27DB-BD31-4B8C-83A1-F6EECF244321}">
-                <p14:modId xmlns:p14="http://schemas.microsoft.com/office/powerpoint/2010/main" val="1452776677"/>
+                <p14:modId xmlns:p14="http://schemas.microsoft.com/office/powerpoint/2010/main" val="2469468086"/>
               </p:ext>
             </p:extLst>
           </p:nvPr>
@@ -16185,7 +16233,7 @@
           <p:nvPr>
             <p:extLst>
               <p:ext uri="{D42A27DB-BD31-4B8C-83A1-F6EECF244321}">
-                <p14:modId xmlns:p14="http://schemas.microsoft.com/office/powerpoint/2010/main" val="925958175"/>
+                <p14:modId xmlns:p14="http://schemas.microsoft.com/office/powerpoint/2010/main" val="49256312"/>
               </p:ext>
             </p:extLst>
           </p:nvPr>
@@ -16254,7 +16302,7 @@
           <p:nvPr>
             <p:extLst>
               <p:ext uri="{D42A27DB-BD31-4B8C-83A1-F6EECF244321}">
-                <p14:modId xmlns:p14="http://schemas.microsoft.com/office/powerpoint/2010/main" val="4260217256"/>
+                <p14:modId xmlns:p14="http://schemas.microsoft.com/office/powerpoint/2010/main" val="2042099313"/>
               </p:ext>
             </p:extLst>
           </p:nvPr>
@@ -16382,7 +16430,7 @@
           <p:nvPr>
             <p:extLst>
               <p:ext uri="{D42A27DB-BD31-4B8C-83A1-F6EECF244321}">
-                <p14:modId xmlns:p14="http://schemas.microsoft.com/office/powerpoint/2010/main" val="1936296822"/>
+                <p14:modId xmlns:p14="http://schemas.microsoft.com/office/powerpoint/2010/main" val="1152985555"/>
               </p:ext>
             </p:extLst>
           </p:nvPr>
@@ -16451,7 +16499,7 @@
           <p:nvPr>
             <p:extLst>
               <p:ext uri="{D42A27DB-BD31-4B8C-83A1-F6EECF244321}">
-                <p14:modId xmlns:p14="http://schemas.microsoft.com/office/powerpoint/2010/main" val="290607452"/>
+                <p14:modId xmlns:p14="http://schemas.microsoft.com/office/powerpoint/2010/main" val="3089947205"/>
               </p:ext>
             </p:extLst>
           </p:nvPr>
@@ -16579,7 +16627,7 @@
           <p:nvPr>
             <p:extLst>
               <p:ext uri="{D42A27DB-BD31-4B8C-83A1-F6EECF244321}">
-                <p14:modId xmlns:p14="http://schemas.microsoft.com/office/powerpoint/2010/main" val="3196254933"/>
+                <p14:modId xmlns:p14="http://schemas.microsoft.com/office/powerpoint/2010/main" val="2888481262"/>
               </p:ext>
             </p:extLst>
           </p:nvPr>
@@ -16648,7 +16696,7 @@
           <p:nvPr>
             <p:extLst>
               <p:ext uri="{D42A27DB-BD31-4B8C-83A1-F6EECF244321}">
-                <p14:modId xmlns:p14="http://schemas.microsoft.com/office/powerpoint/2010/main" val="2056410047"/>
+                <p14:modId xmlns:p14="http://schemas.microsoft.com/office/powerpoint/2010/main" val="1043315418"/>
               </p:ext>
             </p:extLst>
           </p:nvPr>
@@ -16717,7 +16765,7 @@
           <p:nvPr>
             <p:extLst>
               <p:ext uri="{D42A27DB-BD31-4B8C-83A1-F6EECF244321}">
-                <p14:modId xmlns:p14="http://schemas.microsoft.com/office/powerpoint/2010/main" val="3624977403"/>
+                <p14:modId xmlns:p14="http://schemas.microsoft.com/office/powerpoint/2010/main" val="3004197233"/>
               </p:ext>
             </p:extLst>
           </p:nvPr>
@@ -16845,7 +16893,7 @@
           <p:nvPr>
             <p:extLst>
               <p:ext uri="{D42A27DB-BD31-4B8C-83A1-F6EECF244321}">
-                <p14:modId xmlns:p14="http://schemas.microsoft.com/office/powerpoint/2010/main" val="3038709702"/>
+                <p14:modId xmlns:p14="http://schemas.microsoft.com/office/powerpoint/2010/main" val="78511122"/>
               </p:ext>
             </p:extLst>
           </p:nvPr>
@@ -16914,7 +16962,7 @@
           <p:nvPr>
             <p:extLst>
               <p:ext uri="{D42A27DB-BD31-4B8C-83A1-F6EECF244321}">
-                <p14:modId xmlns:p14="http://schemas.microsoft.com/office/powerpoint/2010/main" val="261117778"/>
+                <p14:modId xmlns:p14="http://schemas.microsoft.com/office/powerpoint/2010/main" val="2994050709"/>
               </p:ext>
             </p:extLst>
           </p:nvPr>
@@ -17044,7 +17092,7 @@
           <p:nvPr>
             <p:extLst>
               <p:ext uri="{D42A27DB-BD31-4B8C-83A1-F6EECF244321}">
-                <p14:modId xmlns:p14="http://schemas.microsoft.com/office/powerpoint/2010/main" val="3094500091"/>
+                <p14:modId xmlns:p14="http://schemas.microsoft.com/office/powerpoint/2010/main" val="2898632262"/>
               </p:ext>
             </p:extLst>
           </p:nvPr>
@@ -17235,7 +17283,7 @@
           <p:nvPr>
             <p:extLst>
               <p:ext uri="{D42A27DB-BD31-4B8C-83A1-F6EECF244321}">
-                <p14:modId xmlns:p14="http://schemas.microsoft.com/office/powerpoint/2010/main" val="481804114"/>
+                <p14:modId xmlns:p14="http://schemas.microsoft.com/office/powerpoint/2010/main" val="3361331494"/>
               </p:ext>
             </p:extLst>
           </p:nvPr>
@@ -17304,13 +17352,13 @@
           <p:nvPr>
             <p:extLst>
               <p:ext uri="{D42A27DB-BD31-4B8C-83A1-F6EECF244321}">
-                <p14:modId xmlns:p14="http://schemas.microsoft.com/office/powerpoint/2010/main" val="1520965472"/>
+                <p14:modId xmlns:p14="http://schemas.microsoft.com/office/powerpoint/2010/main" val="4248539534"/>
               </p:ext>
             </p:extLst>
           </p:nvPr>
         </p:nvGraphicFramePr>
         <p:xfrm>
-          <a:off x="8534511" y="8016389"/>
+          <a:off x="8313971" y="7794465"/>
           <a:ext cx="1809750" cy="1493838"/>
         </p:xfrm>
         <a:graphic>
@@ -17344,7 +17392,7 @@
                     </p:blipFill>
                     <p:spPr>
                       <a:xfrm>
-                        <a:off x="8534511" y="8016389"/>
+                        <a:off x="8313971" y="7794465"/>
                         <a:ext cx="1809750" cy="1493838"/>
                       </a:xfrm>
                       <a:prstGeom prst="rect">
@@ -17372,7 +17420,7 @@
         </p:nvSpPr>
         <p:spPr>
           <a:xfrm>
-            <a:off x="9019805" y="9573705"/>
+            <a:off x="9492657" y="8698189"/>
             <a:ext cx="631426" cy="310717"/>
           </a:xfrm>
           <a:prstGeom prst="rect">
@@ -17406,6 +17454,396 @@
                 <a:sym typeface="Avenir"/>
               </a:rPr>
               <a:t>3IDT</a:t>
+            </a:r>
+            <a:endParaRPr lang="pt-BR" sz="1600" dirty="0">
+              <a:solidFill>
+                <a:srgbClr val="00B050"/>
+              </a:solidFill>
+              <a:latin typeface="Arial"/>
+              <a:ea typeface="Arial"/>
+              <a:cs typeface="Arial"/>
+              <a:sym typeface="Arial"/>
+            </a:endParaRPr>
+          </a:p>
+        </p:txBody>
+      </p:sp>
+      <p:graphicFrame>
+        <p:nvGraphicFramePr>
+          <p:cNvPr id="28" name="Objeto 27">
+            <a:extLst>
+              <a:ext uri="{FF2B5EF4-FFF2-40B4-BE49-F238E27FC236}">
+                <a16:creationId xmlns:a16="http://schemas.microsoft.com/office/drawing/2014/main" id="{365BB12C-762A-220D-6287-00D62C90D13C}"/>
+              </a:ext>
+            </a:extLst>
+          </p:cNvPr>
+          <p:cNvGraphicFramePr>
+            <a:graphicFrameLocks noChangeAspect="1"/>
+          </p:cNvGraphicFramePr>
+          <p:nvPr>
+            <p:extLst>
+              <p:ext uri="{D42A27DB-BD31-4B8C-83A1-F6EECF244321}">
+                <p14:modId xmlns:p14="http://schemas.microsoft.com/office/powerpoint/2010/main" val="2666716626"/>
+              </p:ext>
+            </p:extLst>
+          </p:nvPr>
+        </p:nvGraphicFramePr>
+        <p:xfrm>
+          <a:off x="4495800" y="9513888"/>
+          <a:ext cx="2200275" cy="1536700"/>
+        </p:xfrm>
+        <a:graphic>
+          <a:graphicData uri="http://schemas.openxmlformats.org/presentationml/2006/ole">
+            <mc:AlternateContent xmlns:mc="http://schemas.openxmlformats.org/markup-compatibility/2006">
+              <mc:Choice xmlns:v="urn:schemas-microsoft-com:vml" Requires="v">
+                <p:oleObj name="CS ChemDraw Drawing" r:id="rId62" imgW="2200311" imgH="1537292" progId="ChemDraw.Document.6.0">
+                  <p:embed/>
+                </p:oleObj>
+              </mc:Choice>
+              <mc:Fallback>
+                <p:oleObj name="CS ChemDraw Drawing" r:id="rId62" imgW="2200311" imgH="1537292" progId="ChemDraw.Document.6.0">
+                  <p:embed/>
+                  <p:pic>
+                    <p:nvPicPr>
+                      <p:cNvPr id="28" name="Objeto 27">
+                        <a:extLst>
+                          <a:ext uri="{FF2B5EF4-FFF2-40B4-BE49-F238E27FC236}">
+                            <a16:creationId xmlns:a16="http://schemas.microsoft.com/office/drawing/2014/main" id="{365BB12C-762A-220D-6287-00D62C90D13C}"/>
+                          </a:ext>
+                        </a:extLst>
+                      </p:cNvPr>
+                      <p:cNvPicPr/>
+                      <p:nvPr/>
+                    </p:nvPicPr>
+                    <p:blipFill>
+                      <a:blip r:embed="rId63"/>
+                      <a:stretch>
+                        <a:fillRect/>
+                      </a:stretch>
+                    </p:blipFill>
+                    <p:spPr>
+                      <a:xfrm>
+                        <a:off x="4495800" y="9513888"/>
+                        <a:ext cx="2200275" cy="1536700"/>
+                      </a:xfrm>
+                      <a:prstGeom prst="rect">
+                        <a:avLst/>
+                      </a:prstGeom>
+                    </p:spPr>
+                  </p:pic>
+                </p:oleObj>
+              </mc:Fallback>
+            </mc:AlternateContent>
+          </a:graphicData>
+        </a:graphic>
+      </p:graphicFrame>
+      <p:sp>
+        <p:nvSpPr>
+          <p:cNvPr id="31" name="Google Shape;298;p9">
+            <a:extLst>
+              <a:ext uri="{FF2B5EF4-FFF2-40B4-BE49-F238E27FC236}">
+                <a16:creationId xmlns:a16="http://schemas.microsoft.com/office/drawing/2014/main" id="{B1D8E011-A7F8-F513-1FBC-A16A061C4B8A}"/>
+              </a:ext>
+            </a:extLst>
+          </p:cNvPr>
+          <p:cNvSpPr txBox="1"/>
+          <p:nvPr/>
+        </p:nvSpPr>
+        <p:spPr>
+          <a:xfrm>
+            <a:off x="5934756" y="10544986"/>
+            <a:ext cx="631426" cy="310717"/>
+          </a:xfrm>
+          <a:prstGeom prst="rect">
+            <a:avLst/>
+          </a:prstGeom>
+          <a:noFill/>
+          <a:ln>
+            <a:noFill/>
+          </a:ln>
+        </p:spPr>
+        <p:txBody>
+          <a:bodyPr spcFirstLastPara="1" wrap="square" lIns="94378" tIns="47176" rIns="94378" bIns="47176" anchor="t" anchorCtr="0">
+            <a:spAutoFit/>
+          </a:bodyPr>
+          <a:lstStyle/>
+          <a:p>
+            <a:pPr algn="ctr">
+              <a:buClr>
+                <a:srgbClr val="000000"/>
+              </a:buClr>
+              <a:buSzPts val="1200"/>
+            </a:pPr>
+            <a:r>
+              <a:rPr lang="pt-BR" sz="1400" b="1" dirty="0">
+                <a:solidFill>
+                  <a:srgbClr val="00B050"/>
+                </a:solidFill>
+                <a:latin typeface="Avenir"/>
+                <a:ea typeface="Arial"/>
+                <a:cs typeface="Arial"/>
+                <a:sym typeface="Avenir"/>
+              </a:rPr>
+              <a:t>DFFE</a:t>
+            </a:r>
+            <a:endParaRPr lang="pt-BR" sz="1600" dirty="0">
+              <a:solidFill>
+                <a:srgbClr val="00B050"/>
+              </a:solidFill>
+              <a:latin typeface="Arial"/>
+              <a:ea typeface="Arial"/>
+              <a:cs typeface="Arial"/>
+              <a:sym typeface="Arial"/>
+            </a:endParaRPr>
+          </a:p>
+        </p:txBody>
+      </p:sp>
+      <p:graphicFrame>
+        <p:nvGraphicFramePr>
+          <p:cNvPr id="32" name="Objeto 31">
+            <a:extLst>
+              <a:ext uri="{FF2B5EF4-FFF2-40B4-BE49-F238E27FC236}">
+                <a16:creationId xmlns:a16="http://schemas.microsoft.com/office/drawing/2014/main" id="{5153DBB1-A1C7-18BA-CFBB-811747AE63A3}"/>
+              </a:ext>
+            </a:extLst>
+          </p:cNvPr>
+          <p:cNvGraphicFramePr>
+            <a:graphicFrameLocks noChangeAspect="1"/>
+          </p:cNvGraphicFramePr>
+          <p:nvPr>
+            <p:extLst>
+              <p:ext uri="{D42A27DB-BD31-4B8C-83A1-F6EECF244321}">
+                <p14:modId xmlns:p14="http://schemas.microsoft.com/office/powerpoint/2010/main" val="1573075279"/>
+              </p:ext>
+            </p:extLst>
+          </p:nvPr>
+        </p:nvGraphicFramePr>
+        <p:xfrm>
+          <a:off x="7275513" y="9515475"/>
+          <a:ext cx="2052637" cy="1570038"/>
+        </p:xfrm>
+        <a:graphic>
+          <a:graphicData uri="http://schemas.openxmlformats.org/presentationml/2006/ole">
+            <mc:AlternateContent xmlns:mc="http://schemas.openxmlformats.org/markup-compatibility/2006">
+              <mc:Choice xmlns:v="urn:schemas-microsoft-com:vml" Requires="v">
+                <p:oleObj name="CS ChemDraw Drawing" r:id="rId64" imgW="2052320" imgH="1570687" progId="ChemDraw.Document.6.0">
+                  <p:embed/>
+                </p:oleObj>
+              </mc:Choice>
+              <mc:Fallback>
+                <p:oleObj name="CS ChemDraw Drawing" r:id="rId64" imgW="2052320" imgH="1570687" progId="ChemDraw.Document.6.0">
+                  <p:embed/>
+                  <p:pic>
+                    <p:nvPicPr>
+                      <p:cNvPr id="32" name="Objeto 31">
+                        <a:extLst>
+                          <a:ext uri="{FF2B5EF4-FFF2-40B4-BE49-F238E27FC236}">
+                            <a16:creationId xmlns:a16="http://schemas.microsoft.com/office/drawing/2014/main" id="{5153DBB1-A1C7-18BA-CFBB-811747AE63A3}"/>
+                          </a:ext>
+                        </a:extLst>
+                      </p:cNvPr>
+                      <p:cNvPicPr/>
+                      <p:nvPr/>
+                    </p:nvPicPr>
+                    <p:blipFill>
+                      <a:blip r:embed="rId65"/>
+                      <a:stretch>
+                        <a:fillRect/>
+                      </a:stretch>
+                    </p:blipFill>
+                    <p:spPr>
+                      <a:xfrm>
+                        <a:off x="7275513" y="9515475"/>
+                        <a:ext cx="2052637" cy="1570038"/>
+                      </a:xfrm>
+                      <a:prstGeom prst="rect">
+                        <a:avLst/>
+                      </a:prstGeom>
+                    </p:spPr>
+                  </p:pic>
+                </p:oleObj>
+              </mc:Fallback>
+            </mc:AlternateContent>
+          </a:graphicData>
+        </a:graphic>
+      </p:graphicFrame>
+      <p:sp>
+        <p:nvSpPr>
+          <p:cNvPr id="33" name="Google Shape;298;p9">
+            <a:extLst>
+              <a:ext uri="{FF2B5EF4-FFF2-40B4-BE49-F238E27FC236}">
+                <a16:creationId xmlns:a16="http://schemas.microsoft.com/office/drawing/2014/main" id="{673A35C1-7BFF-FF6D-DC1F-64E5D16AF7E2}"/>
+              </a:ext>
+            </a:extLst>
+          </p:cNvPr>
+          <p:cNvSpPr txBox="1"/>
+          <p:nvPr/>
+        </p:nvSpPr>
+        <p:spPr>
+          <a:xfrm>
+            <a:off x="8403036" y="10468248"/>
+            <a:ext cx="631426" cy="310717"/>
+          </a:xfrm>
+          <a:prstGeom prst="rect">
+            <a:avLst/>
+          </a:prstGeom>
+          <a:noFill/>
+          <a:ln>
+            <a:noFill/>
+          </a:ln>
+        </p:spPr>
+        <p:txBody>
+          <a:bodyPr spcFirstLastPara="1" wrap="square" lIns="94378" tIns="47176" rIns="94378" bIns="47176" anchor="t" anchorCtr="0">
+            <a:spAutoFit/>
+          </a:bodyPr>
+          <a:lstStyle/>
+          <a:p>
+            <a:pPr algn="ctr">
+              <a:buClr>
+                <a:srgbClr val="000000"/>
+              </a:buClr>
+              <a:buSzPts val="1200"/>
+            </a:pPr>
+            <a:r>
+              <a:rPr lang="pt-BR" sz="1400" b="1" dirty="0">
+                <a:solidFill>
+                  <a:srgbClr val="00B050"/>
+                </a:solidFill>
+                <a:latin typeface="Avenir"/>
+                <a:ea typeface="Arial"/>
+                <a:cs typeface="Arial"/>
+                <a:sym typeface="Avenir"/>
+              </a:rPr>
+              <a:t>TPDI</a:t>
+            </a:r>
+            <a:endParaRPr lang="pt-BR" sz="1600" dirty="0">
+              <a:solidFill>
+                <a:srgbClr val="00B050"/>
+              </a:solidFill>
+              <a:latin typeface="Arial"/>
+              <a:ea typeface="Arial"/>
+              <a:cs typeface="Arial"/>
+              <a:sym typeface="Arial"/>
+            </a:endParaRPr>
+          </a:p>
+        </p:txBody>
+      </p:sp>
+      <p:graphicFrame>
+        <p:nvGraphicFramePr>
+          <p:cNvPr id="34" name="Objeto 33">
+            <a:extLst>
+              <a:ext uri="{FF2B5EF4-FFF2-40B4-BE49-F238E27FC236}">
+                <a16:creationId xmlns:a16="http://schemas.microsoft.com/office/drawing/2014/main" id="{711A7590-58C3-0BE3-C8AB-4FD7073B5C46}"/>
+              </a:ext>
+            </a:extLst>
+          </p:cNvPr>
+          <p:cNvGraphicFramePr>
+            <a:graphicFrameLocks noChangeAspect="1"/>
+          </p:cNvGraphicFramePr>
+          <p:nvPr>
+            <p:extLst>
+              <p:ext uri="{D42A27DB-BD31-4B8C-83A1-F6EECF244321}">
+                <p14:modId xmlns:p14="http://schemas.microsoft.com/office/powerpoint/2010/main" val="4270140625"/>
+              </p:ext>
+            </p:extLst>
+          </p:nvPr>
+        </p:nvGraphicFramePr>
+        <p:xfrm>
+          <a:off x="9326563" y="9204325"/>
+          <a:ext cx="2052637" cy="1570038"/>
+        </p:xfrm>
+        <a:graphic>
+          <a:graphicData uri="http://schemas.openxmlformats.org/presentationml/2006/ole">
+            <mc:AlternateContent xmlns:mc="http://schemas.openxmlformats.org/markup-compatibility/2006">
+              <mc:Choice xmlns:v="urn:schemas-microsoft-com:vml" Requires="v">
+                <p:oleObj name="CS ChemDraw Drawing" r:id="rId66" imgW="2052320" imgH="1570687" progId="ChemDraw.Document.6.0">
+                  <p:embed/>
+                </p:oleObj>
+              </mc:Choice>
+              <mc:Fallback>
+                <p:oleObj name="CS ChemDraw Drawing" r:id="rId66" imgW="2052320" imgH="1570687" progId="ChemDraw.Document.6.0">
+                  <p:embed/>
+                  <p:pic>
+                    <p:nvPicPr>
+                      <p:cNvPr id="34" name="Objeto 33">
+                        <a:extLst>
+                          <a:ext uri="{FF2B5EF4-FFF2-40B4-BE49-F238E27FC236}">
+                            <a16:creationId xmlns:a16="http://schemas.microsoft.com/office/drawing/2014/main" id="{711A7590-58C3-0BE3-C8AB-4FD7073B5C46}"/>
+                          </a:ext>
+                        </a:extLst>
+                      </p:cNvPr>
+                      <p:cNvPicPr/>
+                      <p:nvPr/>
+                    </p:nvPicPr>
+                    <p:blipFill>
+                      <a:blip r:embed="rId67"/>
+                      <a:stretch>
+                        <a:fillRect/>
+                      </a:stretch>
+                    </p:blipFill>
+                    <p:spPr>
+                      <a:xfrm>
+                        <a:off x="9326563" y="9204325"/>
+                        <a:ext cx="2052637" cy="1570038"/>
+                      </a:xfrm>
+                      <a:prstGeom prst="rect">
+                        <a:avLst/>
+                      </a:prstGeom>
+                    </p:spPr>
+                  </p:pic>
+                </p:oleObj>
+              </mc:Fallback>
+            </mc:AlternateContent>
+          </a:graphicData>
+        </a:graphic>
+      </p:graphicFrame>
+      <p:sp>
+        <p:nvSpPr>
+          <p:cNvPr id="37" name="Google Shape;298;p9">
+            <a:extLst>
+              <a:ext uri="{FF2B5EF4-FFF2-40B4-BE49-F238E27FC236}">
+                <a16:creationId xmlns:a16="http://schemas.microsoft.com/office/drawing/2014/main" id="{479C2F0E-317B-FA69-B7D3-2EEC26D3943F}"/>
+              </a:ext>
+            </a:extLst>
+          </p:cNvPr>
+          <p:cNvSpPr txBox="1"/>
+          <p:nvPr/>
+        </p:nvSpPr>
+        <p:spPr>
+          <a:xfrm>
+            <a:off x="10455673" y="10155307"/>
+            <a:ext cx="631426" cy="310717"/>
+          </a:xfrm>
+          <a:prstGeom prst="rect">
+            <a:avLst/>
+          </a:prstGeom>
+          <a:noFill/>
+          <a:ln>
+            <a:noFill/>
+          </a:ln>
+        </p:spPr>
+        <p:txBody>
+          <a:bodyPr spcFirstLastPara="1" wrap="square" lIns="94378" tIns="47176" rIns="94378" bIns="47176" anchor="t" anchorCtr="0">
+            <a:spAutoFit/>
+          </a:bodyPr>
+          <a:lstStyle/>
+          <a:p>
+            <a:pPr algn="ctr">
+              <a:buClr>
+                <a:srgbClr val="000000"/>
+              </a:buClr>
+              <a:buSzPts val="1200"/>
+            </a:pPr>
+            <a:r>
+              <a:rPr lang="pt-BR" sz="1400" b="1" dirty="0">
+                <a:solidFill>
+                  <a:srgbClr val="00B050"/>
+                </a:solidFill>
+                <a:latin typeface="Avenir"/>
+                <a:ea typeface="Arial"/>
+                <a:cs typeface="Arial"/>
+                <a:sym typeface="Avenir"/>
+              </a:rPr>
+              <a:t>IITT</a:t>
             </a:r>
             <a:endParaRPr lang="pt-BR" sz="1600" dirty="0">
               <a:solidFill>

--- a/docs/Blocos_de_constru.pptx
+++ b/docs/Blocos_de_constru.pptx
@@ -2,7 +2,7 @@
 <file path=ppt/presentation.xml><?xml version="1.0" encoding="utf-8"?>
 <p:presentation xmlns:a="http://schemas.openxmlformats.org/drawingml/2006/main" xmlns:r="http://schemas.openxmlformats.org/officeDocument/2006/relationships" xmlns:p="http://schemas.openxmlformats.org/presentationml/2006/main" saveSubsetFonts="1">
   <p:sldMasterIdLst>
-    <p:sldMasterId id="2147483732" r:id="rId1"/>
+    <p:sldMasterId id="2147483744" r:id="rId1"/>
   </p:sldMasterIdLst>
   <p:sldIdLst>
     <p:sldId id="256" r:id="rId2"/>
@@ -12,7 +12,7 @@
     <p:sldId id="258" r:id="rId6"/>
     <p:sldId id="260" r:id="rId7"/>
   </p:sldIdLst>
-  <p:sldSz cx="11520488" cy="11160125"/>
+  <p:sldSz cx="11520488" cy="13679488"/>
   <p:notesSz cx="6858000" cy="9144000"/>
   <p:defaultTextStyle>
     <a:defPPr>
@@ -122,7 +122,7 @@
   <pc:docChgLst>
     <pc:chgData name="Felipe Lopes de Oliveira" userId="7927722fe4027b30" providerId="LiveId" clId="{988CB3FB-85FE-4B18-8889-744054AB9037}"/>
     <pc:docChg chg="undo custSel addSld modSld">
-      <pc:chgData name="Felipe Lopes de Oliveira" userId="7927722fe4027b30" providerId="LiveId" clId="{988CB3FB-85FE-4B18-8889-744054AB9037}" dt="2023-03-05T16:26:04.879" v="2101" actId="5736"/>
+      <pc:chgData name="Felipe Lopes de Oliveira" userId="7927722fe4027b30" providerId="LiveId" clId="{988CB3FB-85FE-4B18-8889-744054AB9037}" dt="2023-03-10T18:38:16.663" v="3378" actId="5736"/>
       <pc:docMkLst>
         <pc:docMk/>
       </pc:docMkLst>
@@ -142,13 +142,13 @@
         </pc:spChg>
       </pc:sldChg>
       <pc:sldChg chg="addSp delSp modSp mod">
-        <pc:chgData name="Felipe Lopes de Oliveira" userId="7927722fe4027b30" providerId="LiveId" clId="{988CB3FB-85FE-4B18-8889-744054AB9037}" dt="2023-03-05T16:26:04.879" v="2101" actId="5736"/>
+        <pc:chgData name="Felipe Lopes de Oliveira" userId="7927722fe4027b30" providerId="LiveId" clId="{988CB3FB-85FE-4B18-8889-744054AB9037}" dt="2023-03-10T18:38:16.663" v="3378" actId="5736"/>
         <pc:sldMkLst>
           <pc:docMk/>
           <pc:sldMk cId="1480784656" sldId="257"/>
         </pc:sldMkLst>
         <pc:spChg chg="mod">
-          <ac:chgData name="Felipe Lopes de Oliveira" userId="7927722fe4027b30" providerId="LiveId" clId="{988CB3FB-85FE-4B18-8889-744054AB9037}" dt="2023-03-05T16:26:04.879" v="2101" actId="5736"/>
+          <ac:chgData name="Felipe Lopes de Oliveira" userId="7927722fe4027b30" providerId="LiveId" clId="{988CB3FB-85FE-4B18-8889-744054AB9037}" dt="2023-03-10T18:38:16.663" v="3378" actId="5736"/>
           <ac:spMkLst>
             <pc:docMk/>
             <pc:sldMk cId="1480784656" sldId="257"/>
@@ -156,7 +156,7 @@
           </ac:spMkLst>
         </pc:spChg>
         <pc:spChg chg="mod">
-          <ac:chgData name="Felipe Lopes de Oliveira" userId="7927722fe4027b30" providerId="LiveId" clId="{988CB3FB-85FE-4B18-8889-744054AB9037}" dt="2023-03-05T16:26:04.879" v="2101" actId="5736"/>
+          <ac:chgData name="Felipe Lopes de Oliveira" userId="7927722fe4027b30" providerId="LiveId" clId="{988CB3FB-85FE-4B18-8889-744054AB9037}" dt="2023-03-10T18:38:16.663" v="3378" actId="5736"/>
           <ac:spMkLst>
             <pc:docMk/>
             <pc:sldMk cId="1480784656" sldId="257"/>
@@ -164,7 +164,7 @@
           </ac:spMkLst>
         </pc:spChg>
         <pc:spChg chg="mod">
-          <ac:chgData name="Felipe Lopes de Oliveira" userId="7927722fe4027b30" providerId="LiveId" clId="{988CB3FB-85FE-4B18-8889-744054AB9037}" dt="2023-03-05T16:26:04.879" v="2101" actId="5736"/>
+          <ac:chgData name="Felipe Lopes de Oliveira" userId="7927722fe4027b30" providerId="LiveId" clId="{988CB3FB-85FE-4B18-8889-744054AB9037}" dt="2023-03-10T18:38:16.663" v="3378" actId="5736"/>
           <ac:spMkLst>
             <pc:docMk/>
             <pc:sldMk cId="1480784656" sldId="257"/>
@@ -172,7 +172,7 @@
           </ac:spMkLst>
         </pc:spChg>
         <pc:spChg chg="mod">
-          <ac:chgData name="Felipe Lopes de Oliveira" userId="7927722fe4027b30" providerId="LiveId" clId="{988CB3FB-85FE-4B18-8889-744054AB9037}" dt="2023-03-05T16:26:04.879" v="2101" actId="5736"/>
+          <ac:chgData name="Felipe Lopes de Oliveira" userId="7927722fe4027b30" providerId="LiveId" clId="{988CB3FB-85FE-4B18-8889-744054AB9037}" dt="2023-03-10T18:38:16.663" v="3378" actId="5736"/>
           <ac:spMkLst>
             <pc:docMk/>
             <pc:sldMk cId="1480784656" sldId="257"/>
@@ -180,7 +180,7 @@
           </ac:spMkLst>
         </pc:spChg>
         <pc:spChg chg="mod">
-          <ac:chgData name="Felipe Lopes de Oliveira" userId="7927722fe4027b30" providerId="LiveId" clId="{988CB3FB-85FE-4B18-8889-744054AB9037}" dt="2023-03-05T16:26:04.879" v="2101" actId="5736"/>
+          <ac:chgData name="Felipe Lopes de Oliveira" userId="7927722fe4027b30" providerId="LiveId" clId="{988CB3FB-85FE-4B18-8889-744054AB9037}" dt="2023-03-10T18:38:16.663" v="3378" actId="5736"/>
           <ac:spMkLst>
             <pc:docMk/>
             <pc:sldMk cId="1480784656" sldId="257"/>
@@ -188,7 +188,7 @@
           </ac:spMkLst>
         </pc:spChg>
         <pc:spChg chg="mod">
-          <ac:chgData name="Felipe Lopes de Oliveira" userId="7927722fe4027b30" providerId="LiveId" clId="{988CB3FB-85FE-4B18-8889-744054AB9037}" dt="2023-03-05T16:26:04.879" v="2101" actId="5736"/>
+          <ac:chgData name="Felipe Lopes de Oliveira" userId="7927722fe4027b30" providerId="LiveId" clId="{988CB3FB-85FE-4B18-8889-744054AB9037}" dt="2023-03-10T18:38:16.663" v="3378" actId="5736"/>
           <ac:spMkLst>
             <pc:docMk/>
             <pc:sldMk cId="1480784656" sldId="257"/>
@@ -196,7 +196,7 @@
           </ac:spMkLst>
         </pc:spChg>
         <pc:spChg chg="mod">
-          <ac:chgData name="Felipe Lopes de Oliveira" userId="7927722fe4027b30" providerId="LiveId" clId="{988CB3FB-85FE-4B18-8889-744054AB9037}" dt="2023-03-05T16:26:04.879" v="2101" actId="5736"/>
+          <ac:chgData name="Felipe Lopes de Oliveira" userId="7927722fe4027b30" providerId="LiveId" clId="{988CB3FB-85FE-4B18-8889-744054AB9037}" dt="2023-03-10T18:38:16.663" v="3378" actId="5736"/>
           <ac:spMkLst>
             <pc:docMk/>
             <pc:sldMk cId="1480784656" sldId="257"/>
@@ -204,7 +204,7 @@
           </ac:spMkLst>
         </pc:spChg>
         <pc:spChg chg="mod">
-          <ac:chgData name="Felipe Lopes de Oliveira" userId="7927722fe4027b30" providerId="LiveId" clId="{988CB3FB-85FE-4B18-8889-744054AB9037}" dt="2023-03-05T16:26:04.879" v="2101" actId="5736"/>
+          <ac:chgData name="Felipe Lopes de Oliveira" userId="7927722fe4027b30" providerId="LiveId" clId="{988CB3FB-85FE-4B18-8889-744054AB9037}" dt="2023-03-10T18:38:16.663" v="3378" actId="5736"/>
           <ac:spMkLst>
             <pc:docMk/>
             <pc:sldMk cId="1480784656" sldId="257"/>
@@ -212,7 +212,7 @@
           </ac:spMkLst>
         </pc:spChg>
         <pc:spChg chg="mod">
-          <ac:chgData name="Felipe Lopes de Oliveira" userId="7927722fe4027b30" providerId="LiveId" clId="{988CB3FB-85FE-4B18-8889-744054AB9037}" dt="2023-03-05T16:26:04.879" v="2101" actId="5736"/>
+          <ac:chgData name="Felipe Lopes de Oliveira" userId="7927722fe4027b30" providerId="LiveId" clId="{988CB3FB-85FE-4B18-8889-744054AB9037}" dt="2023-03-10T18:38:16.663" v="3378" actId="5736"/>
           <ac:spMkLst>
             <pc:docMk/>
             <pc:sldMk cId="1480784656" sldId="257"/>
@@ -220,7 +220,7 @@
           </ac:spMkLst>
         </pc:spChg>
         <pc:spChg chg="mod">
-          <ac:chgData name="Felipe Lopes de Oliveira" userId="7927722fe4027b30" providerId="LiveId" clId="{988CB3FB-85FE-4B18-8889-744054AB9037}" dt="2023-03-05T16:26:04.879" v="2101" actId="5736"/>
+          <ac:chgData name="Felipe Lopes de Oliveira" userId="7927722fe4027b30" providerId="LiveId" clId="{988CB3FB-85FE-4B18-8889-744054AB9037}" dt="2023-03-10T18:38:16.663" v="3378" actId="5736"/>
           <ac:spMkLst>
             <pc:docMk/>
             <pc:sldMk cId="1480784656" sldId="257"/>
@@ -228,7 +228,7 @@
           </ac:spMkLst>
         </pc:spChg>
         <pc:spChg chg="mod">
-          <ac:chgData name="Felipe Lopes de Oliveira" userId="7927722fe4027b30" providerId="LiveId" clId="{988CB3FB-85FE-4B18-8889-744054AB9037}" dt="2023-03-05T16:26:04.879" v="2101" actId="5736"/>
+          <ac:chgData name="Felipe Lopes de Oliveira" userId="7927722fe4027b30" providerId="LiveId" clId="{988CB3FB-85FE-4B18-8889-744054AB9037}" dt="2023-03-10T18:38:16.663" v="3378" actId="5736"/>
           <ac:spMkLst>
             <pc:docMk/>
             <pc:sldMk cId="1480784656" sldId="257"/>
@@ -236,7 +236,7 @@
           </ac:spMkLst>
         </pc:spChg>
         <pc:spChg chg="mod">
-          <ac:chgData name="Felipe Lopes de Oliveira" userId="7927722fe4027b30" providerId="LiveId" clId="{988CB3FB-85FE-4B18-8889-744054AB9037}" dt="2023-03-05T16:26:04.879" v="2101" actId="5736"/>
+          <ac:chgData name="Felipe Lopes de Oliveira" userId="7927722fe4027b30" providerId="LiveId" clId="{988CB3FB-85FE-4B18-8889-744054AB9037}" dt="2023-03-10T18:38:16.663" v="3378" actId="5736"/>
           <ac:spMkLst>
             <pc:docMk/>
             <pc:sldMk cId="1480784656" sldId="257"/>
@@ -244,7 +244,7 @@
           </ac:spMkLst>
         </pc:spChg>
         <pc:spChg chg="mod">
-          <ac:chgData name="Felipe Lopes de Oliveira" userId="7927722fe4027b30" providerId="LiveId" clId="{988CB3FB-85FE-4B18-8889-744054AB9037}" dt="2023-03-05T16:26:04.879" v="2101" actId="5736"/>
+          <ac:chgData name="Felipe Lopes de Oliveira" userId="7927722fe4027b30" providerId="LiveId" clId="{988CB3FB-85FE-4B18-8889-744054AB9037}" dt="2023-03-10T18:38:16.663" v="3378" actId="5736"/>
           <ac:spMkLst>
             <pc:docMk/>
             <pc:sldMk cId="1480784656" sldId="257"/>
@@ -252,7 +252,7 @@
           </ac:spMkLst>
         </pc:spChg>
         <pc:spChg chg="mod">
-          <ac:chgData name="Felipe Lopes de Oliveira" userId="7927722fe4027b30" providerId="LiveId" clId="{988CB3FB-85FE-4B18-8889-744054AB9037}" dt="2023-03-05T16:26:04.879" v="2101" actId="5736"/>
+          <ac:chgData name="Felipe Lopes de Oliveira" userId="7927722fe4027b30" providerId="LiveId" clId="{988CB3FB-85FE-4B18-8889-744054AB9037}" dt="2023-03-10T18:38:16.663" v="3378" actId="5736"/>
           <ac:spMkLst>
             <pc:docMk/>
             <pc:sldMk cId="1480784656" sldId="257"/>
@@ -260,7 +260,7 @@
           </ac:spMkLst>
         </pc:spChg>
         <pc:spChg chg="mod">
-          <ac:chgData name="Felipe Lopes de Oliveira" userId="7927722fe4027b30" providerId="LiveId" clId="{988CB3FB-85FE-4B18-8889-744054AB9037}" dt="2023-03-05T16:26:04.879" v="2101" actId="5736"/>
+          <ac:chgData name="Felipe Lopes de Oliveira" userId="7927722fe4027b30" providerId="LiveId" clId="{988CB3FB-85FE-4B18-8889-744054AB9037}" dt="2023-03-10T18:38:16.663" v="3378" actId="5736"/>
           <ac:spMkLst>
             <pc:docMk/>
             <pc:sldMk cId="1480784656" sldId="257"/>
@@ -268,7 +268,7 @@
           </ac:spMkLst>
         </pc:spChg>
         <pc:spChg chg="mod">
-          <ac:chgData name="Felipe Lopes de Oliveira" userId="7927722fe4027b30" providerId="LiveId" clId="{988CB3FB-85FE-4B18-8889-744054AB9037}" dt="2023-03-05T16:26:04.879" v="2101" actId="5736"/>
+          <ac:chgData name="Felipe Lopes de Oliveira" userId="7927722fe4027b30" providerId="LiveId" clId="{988CB3FB-85FE-4B18-8889-744054AB9037}" dt="2023-03-10T18:38:16.663" v="3378" actId="5736"/>
           <ac:spMkLst>
             <pc:docMk/>
             <pc:sldMk cId="1480784656" sldId="257"/>
@@ -276,7 +276,7 @@
           </ac:spMkLst>
         </pc:spChg>
         <pc:spChg chg="mod">
-          <ac:chgData name="Felipe Lopes de Oliveira" userId="7927722fe4027b30" providerId="LiveId" clId="{988CB3FB-85FE-4B18-8889-744054AB9037}" dt="2023-03-05T16:26:04.879" v="2101" actId="5736"/>
+          <ac:chgData name="Felipe Lopes de Oliveira" userId="7927722fe4027b30" providerId="LiveId" clId="{988CB3FB-85FE-4B18-8889-744054AB9037}" dt="2023-03-10T18:38:16.663" v="3378" actId="5736"/>
           <ac:spMkLst>
             <pc:docMk/>
             <pc:sldMk cId="1480784656" sldId="257"/>
@@ -284,7 +284,7 @@
           </ac:spMkLst>
         </pc:spChg>
         <pc:spChg chg="mod">
-          <ac:chgData name="Felipe Lopes de Oliveira" userId="7927722fe4027b30" providerId="LiveId" clId="{988CB3FB-85FE-4B18-8889-744054AB9037}" dt="2023-03-05T16:26:04.879" v="2101" actId="5736"/>
+          <ac:chgData name="Felipe Lopes de Oliveira" userId="7927722fe4027b30" providerId="LiveId" clId="{988CB3FB-85FE-4B18-8889-744054AB9037}" dt="2023-03-10T18:38:16.663" v="3378" actId="5736"/>
           <ac:spMkLst>
             <pc:docMk/>
             <pc:sldMk cId="1480784656" sldId="257"/>
@@ -292,7 +292,7 @@
           </ac:spMkLst>
         </pc:spChg>
         <pc:spChg chg="mod">
-          <ac:chgData name="Felipe Lopes de Oliveira" userId="7927722fe4027b30" providerId="LiveId" clId="{988CB3FB-85FE-4B18-8889-744054AB9037}" dt="2023-03-05T16:26:04.879" v="2101" actId="5736"/>
+          <ac:chgData name="Felipe Lopes de Oliveira" userId="7927722fe4027b30" providerId="LiveId" clId="{988CB3FB-85FE-4B18-8889-744054AB9037}" dt="2023-03-10T18:38:16.663" v="3378" actId="5736"/>
           <ac:spMkLst>
             <pc:docMk/>
             <pc:sldMk cId="1480784656" sldId="257"/>
@@ -300,7 +300,7 @@
           </ac:spMkLst>
         </pc:spChg>
         <pc:spChg chg="mod">
-          <ac:chgData name="Felipe Lopes de Oliveira" userId="7927722fe4027b30" providerId="LiveId" clId="{988CB3FB-85FE-4B18-8889-744054AB9037}" dt="2023-03-05T16:26:04.879" v="2101" actId="5736"/>
+          <ac:chgData name="Felipe Lopes de Oliveira" userId="7927722fe4027b30" providerId="LiveId" clId="{988CB3FB-85FE-4B18-8889-744054AB9037}" dt="2023-03-10T18:38:16.663" v="3378" actId="5736"/>
           <ac:spMkLst>
             <pc:docMk/>
             <pc:sldMk cId="1480784656" sldId="257"/>
@@ -308,7 +308,7 @@
           </ac:spMkLst>
         </pc:spChg>
         <pc:spChg chg="mod">
-          <ac:chgData name="Felipe Lopes de Oliveira" userId="7927722fe4027b30" providerId="LiveId" clId="{988CB3FB-85FE-4B18-8889-744054AB9037}" dt="2023-03-05T16:26:04.879" v="2101" actId="5736"/>
+          <ac:chgData name="Felipe Lopes de Oliveira" userId="7927722fe4027b30" providerId="LiveId" clId="{988CB3FB-85FE-4B18-8889-744054AB9037}" dt="2023-03-10T18:38:16.663" v="3378" actId="5736"/>
           <ac:spMkLst>
             <pc:docMk/>
             <pc:sldMk cId="1480784656" sldId="257"/>
@@ -316,7 +316,7 @@
           </ac:spMkLst>
         </pc:spChg>
         <pc:spChg chg="mod">
-          <ac:chgData name="Felipe Lopes de Oliveira" userId="7927722fe4027b30" providerId="LiveId" clId="{988CB3FB-85FE-4B18-8889-744054AB9037}" dt="2023-03-05T16:26:04.879" v="2101" actId="5736"/>
+          <ac:chgData name="Felipe Lopes de Oliveira" userId="7927722fe4027b30" providerId="LiveId" clId="{988CB3FB-85FE-4B18-8889-744054AB9037}" dt="2023-03-10T18:38:16.663" v="3378" actId="5736"/>
           <ac:spMkLst>
             <pc:docMk/>
             <pc:sldMk cId="1480784656" sldId="257"/>
@@ -324,7 +324,7 @@
           </ac:spMkLst>
         </pc:spChg>
         <pc:spChg chg="mod">
-          <ac:chgData name="Felipe Lopes de Oliveira" userId="7927722fe4027b30" providerId="LiveId" clId="{988CB3FB-85FE-4B18-8889-744054AB9037}" dt="2023-03-05T16:26:04.879" v="2101" actId="5736"/>
+          <ac:chgData name="Felipe Lopes de Oliveira" userId="7927722fe4027b30" providerId="LiveId" clId="{988CB3FB-85FE-4B18-8889-744054AB9037}" dt="2023-03-10T18:38:16.663" v="3378" actId="5736"/>
           <ac:spMkLst>
             <pc:docMk/>
             <pc:sldMk cId="1480784656" sldId="257"/>
@@ -332,7 +332,7 @@
           </ac:spMkLst>
         </pc:spChg>
         <pc:spChg chg="mod">
-          <ac:chgData name="Felipe Lopes de Oliveira" userId="7927722fe4027b30" providerId="LiveId" clId="{988CB3FB-85FE-4B18-8889-744054AB9037}" dt="2023-03-05T16:26:04.879" v="2101" actId="5736"/>
+          <ac:chgData name="Felipe Lopes de Oliveira" userId="7927722fe4027b30" providerId="LiveId" clId="{988CB3FB-85FE-4B18-8889-744054AB9037}" dt="2023-03-10T18:38:16.663" v="3378" actId="5736"/>
           <ac:spMkLst>
             <pc:docMk/>
             <pc:sldMk cId="1480784656" sldId="257"/>
@@ -347,8 +347,8 @@
             <ac:spMk id="28" creationId="{58EF8D73-7EAA-0A36-B30A-BB9A00897DC2}"/>
           </ac:spMkLst>
         </pc:spChg>
-        <pc:spChg chg="add mod">
-          <ac:chgData name="Felipe Lopes de Oliveira" userId="7927722fe4027b30" providerId="LiveId" clId="{988CB3FB-85FE-4B18-8889-744054AB9037}" dt="2023-03-05T16:26:04.879" v="2101" actId="5736"/>
+        <pc:spChg chg="add mod ord">
+          <ac:chgData name="Felipe Lopes de Oliveira" userId="7927722fe4027b30" providerId="LiveId" clId="{988CB3FB-85FE-4B18-8889-744054AB9037}" dt="2023-03-10T18:38:16.663" v="3378" actId="5736"/>
           <ac:spMkLst>
             <pc:docMk/>
             <pc:sldMk cId="1480784656" sldId="257"/>
@@ -364,7 +364,7 @@
           </ac:spMkLst>
         </pc:spChg>
         <pc:spChg chg="add mod">
-          <ac:chgData name="Felipe Lopes de Oliveira" userId="7927722fe4027b30" providerId="LiveId" clId="{988CB3FB-85FE-4B18-8889-744054AB9037}" dt="2023-03-05T16:26:04.879" v="2101" actId="5736"/>
+          <ac:chgData name="Felipe Lopes de Oliveira" userId="7927722fe4027b30" providerId="LiveId" clId="{988CB3FB-85FE-4B18-8889-744054AB9037}" dt="2023-03-10T18:38:16.663" v="3378" actId="5736"/>
           <ac:spMkLst>
             <pc:docMk/>
             <pc:sldMk cId="1480784656" sldId="257"/>
@@ -372,7 +372,7 @@
           </ac:spMkLst>
         </pc:spChg>
         <pc:spChg chg="add mod">
-          <ac:chgData name="Felipe Lopes de Oliveira" userId="7927722fe4027b30" providerId="LiveId" clId="{988CB3FB-85FE-4B18-8889-744054AB9037}" dt="2023-03-05T16:26:04.879" v="2101" actId="5736"/>
+          <ac:chgData name="Felipe Lopes de Oliveira" userId="7927722fe4027b30" providerId="LiveId" clId="{988CB3FB-85FE-4B18-8889-744054AB9037}" dt="2023-03-10T18:38:16.663" v="3378" actId="5736"/>
           <ac:spMkLst>
             <pc:docMk/>
             <pc:sldMk cId="1480784656" sldId="257"/>
@@ -388,7 +388,7 @@
           </ac:spMkLst>
         </pc:spChg>
         <pc:spChg chg="add mod">
-          <ac:chgData name="Felipe Lopes de Oliveira" userId="7927722fe4027b30" providerId="LiveId" clId="{988CB3FB-85FE-4B18-8889-744054AB9037}" dt="2023-03-05T16:26:04.879" v="2101" actId="5736"/>
+          <ac:chgData name="Felipe Lopes de Oliveira" userId="7927722fe4027b30" providerId="LiveId" clId="{988CB3FB-85FE-4B18-8889-744054AB9037}" dt="2023-03-10T18:38:16.663" v="3378" actId="5736"/>
           <ac:spMkLst>
             <pc:docMk/>
             <pc:sldMk cId="1480784656" sldId="257"/>
@@ -396,7 +396,7 @@
           </ac:spMkLst>
         </pc:spChg>
         <pc:spChg chg="add mod">
-          <ac:chgData name="Felipe Lopes de Oliveira" userId="7927722fe4027b30" providerId="LiveId" clId="{988CB3FB-85FE-4B18-8889-744054AB9037}" dt="2023-03-05T16:26:04.879" v="2101" actId="5736"/>
+          <ac:chgData name="Felipe Lopes de Oliveira" userId="7927722fe4027b30" providerId="LiveId" clId="{988CB3FB-85FE-4B18-8889-744054AB9037}" dt="2023-03-10T18:38:16.663" v="3378" actId="5736"/>
           <ac:spMkLst>
             <pc:docMk/>
             <pc:sldMk cId="1480784656" sldId="257"/>
@@ -411,8 +411,32 @@
             <ac:spMk id="37" creationId="{7A9A4685-6B69-36B6-57A3-30399970BA84}"/>
           </ac:spMkLst>
         </pc:spChg>
+        <pc:spChg chg="add mod">
+          <ac:chgData name="Felipe Lopes de Oliveira" userId="7927722fe4027b30" providerId="LiveId" clId="{988CB3FB-85FE-4B18-8889-744054AB9037}" dt="2023-03-10T18:38:16.663" v="3378" actId="5736"/>
+          <ac:spMkLst>
+            <pc:docMk/>
+            <pc:sldMk cId="1480784656" sldId="257"/>
+            <ac:spMk id="39" creationId="{730A6009-FC17-7871-28C1-BFFF67D6FD51}"/>
+          </ac:spMkLst>
+        </pc:spChg>
+        <pc:spChg chg="add mod">
+          <ac:chgData name="Felipe Lopes de Oliveira" userId="7927722fe4027b30" providerId="LiveId" clId="{988CB3FB-85FE-4B18-8889-744054AB9037}" dt="2023-03-10T18:38:16.663" v="3378" actId="5736"/>
+          <ac:spMkLst>
+            <pc:docMk/>
+            <pc:sldMk cId="1480784656" sldId="257"/>
+            <ac:spMk id="41" creationId="{7B454DE5-84BD-A6C4-C300-95A953DC42BD}"/>
+          </ac:spMkLst>
+        </pc:spChg>
+        <pc:spChg chg="add mod">
+          <ac:chgData name="Felipe Lopes de Oliveira" userId="7927722fe4027b30" providerId="LiveId" clId="{988CB3FB-85FE-4B18-8889-744054AB9037}" dt="2023-03-10T18:38:16.663" v="3378" actId="5736"/>
+          <ac:spMkLst>
+            <pc:docMk/>
+            <pc:sldMk cId="1480784656" sldId="257"/>
+            <ac:spMk id="43" creationId="{8E84049F-70C0-A1E1-98B0-37594E084973}"/>
+          </ac:spMkLst>
+        </pc:spChg>
         <pc:spChg chg="mod">
-          <ac:chgData name="Felipe Lopes de Oliveira" userId="7927722fe4027b30" providerId="LiveId" clId="{988CB3FB-85FE-4B18-8889-744054AB9037}" dt="2023-03-05T16:26:04.879" v="2101" actId="5736"/>
+          <ac:chgData name="Felipe Lopes de Oliveira" userId="7927722fe4027b30" providerId="LiveId" clId="{988CB3FB-85FE-4B18-8889-744054AB9037}" dt="2023-03-10T18:38:16.663" v="3378" actId="5736"/>
           <ac:spMkLst>
             <pc:docMk/>
             <pc:sldMk cId="1480784656" sldId="257"/>
@@ -420,7 +444,7 @@
           </ac:spMkLst>
         </pc:spChg>
         <pc:spChg chg="mod">
-          <ac:chgData name="Felipe Lopes de Oliveira" userId="7927722fe4027b30" providerId="LiveId" clId="{988CB3FB-85FE-4B18-8889-744054AB9037}" dt="2023-03-05T16:26:04.879" v="2101" actId="5736"/>
+          <ac:chgData name="Felipe Lopes de Oliveira" userId="7927722fe4027b30" providerId="LiveId" clId="{988CB3FB-85FE-4B18-8889-744054AB9037}" dt="2023-03-10T18:38:16.663" v="3378" actId="5736"/>
           <ac:spMkLst>
             <pc:docMk/>
             <pc:sldMk cId="1480784656" sldId="257"/>
@@ -428,7 +452,7 @@
           </ac:spMkLst>
         </pc:spChg>
         <pc:spChg chg="mod">
-          <ac:chgData name="Felipe Lopes de Oliveira" userId="7927722fe4027b30" providerId="LiveId" clId="{988CB3FB-85FE-4B18-8889-744054AB9037}" dt="2023-03-05T16:26:04.879" v="2101" actId="5736"/>
+          <ac:chgData name="Felipe Lopes de Oliveira" userId="7927722fe4027b30" providerId="LiveId" clId="{988CB3FB-85FE-4B18-8889-744054AB9037}" dt="2023-03-10T18:38:16.663" v="3378" actId="5736"/>
           <ac:spMkLst>
             <pc:docMk/>
             <pc:sldMk cId="1480784656" sldId="257"/>
@@ -436,7 +460,7 @@
           </ac:spMkLst>
         </pc:spChg>
         <pc:spChg chg="mod">
-          <ac:chgData name="Felipe Lopes de Oliveira" userId="7927722fe4027b30" providerId="LiveId" clId="{988CB3FB-85FE-4B18-8889-744054AB9037}" dt="2023-03-05T16:26:04.879" v="2101" actId="5736"/>
+          <ac:chgData name="Felipe Lopes de Oliveira" userId="7927722fe4027b30" providerId="LiveId" clId="{988CB3FB-85FE-4B18-8889-744054AB9037}" dt="2023-03-10T18:38:16.663" v="3378" actId="5736"/>
           <ac:spMkLst>
             <pc:docMk/>
             <pc:sldMk cId="1480784656" sldId="257"/>
@@ -444,7 +468,7 @@
           </ac:spMkLst>
         </pc:spChg>
         <pc:spChg chg="mod">
-          <ac:chgData name="Felipe Lopes de Oliveira" userId="7927722fe4027b30" providerId="LiveId" clId="{988CB3FB-85FE-4B18-8889-744054AB9037}" dt="2023-03-05T16:26:04.879" v="2101" actId="5736"/>
+          <ac:chgData name="Felipe Lopes de Oliveira" userId="7927722fe4027b30" providerId="LiveId" clId="{988CB3FB-85FE-4B18-8889-744054AB9037}" dt="2023-03-10T18:38:16.663" v="3378" actId="5736"/>
           <ac:spMkLst>
             <pc:docMk/>
             <pc:sldMk cId="1480784656" sldId="257"/>
@@ -452,7 +476,7 @@
           </ac:spMkLst>
         </pc:spChg>
         <pc:spChg chg="mod">
-          <ac:chgData name="Felipe Lopes de Oliveira" userId="7927722fe4027b30" providerId="LiveId" clId="{988CB3FB-85FE-4B18-8889-744054AB9037}" dt="2023-03-05T16:26:04.879" v="2101" actId="5736"/>
+          <ac:chgData name="Felipe Lopes de Oliveira" userId="7927722fe4027b30" providerId="LiveId" clId="{988CB3FB-85FE-4B18-8889-744054AB9037}" dt="2023-03-10T18:38:16.663" v="3378" actId="5736"/>
           <ac:spMkLst>
             <pc:docMk/>
             <pc:sldMk cId="1480784656" sldId="257"/>
@@ -460,7 +484,7 @@
           </ac:spMkLst>
         </pc:spChg>
         <pc:graphicFrameChg chg="mod">
-          <ac:chgData name="Felipe Lopes de Oliveira" userId="7927722fe4027b30" providerId="LiveId" clId="{988CB3FB-85FE-4B18-8889-744054AB9037}" dt="2023-03-05T16:26:04.879" v="2101" actId="5736"/>
+          <ac:chgData name="Felipe Lopes de Oliveira" userId="7927722fe4027b30" providerId="LiveId" clId="{988CB3FB-85FE-4B18-8889-744054AB9037}" dt="2023-03-10T18:38:16.663" v="3378" actId="5736"/>
           <ac:graphicFrameMkLst>
             <pc:docMk/>
             <pc:sldMk cId="1480784656" sldId="257"/>
@@ -468,7 +492,7 @@
           </ac:graphicFrameMkLst>
         </pc:graphicFrameChg>
         <pc:graphicFrameChg chg="mod">
-          <ac:chgData name="Felipe Lopes de Oliveira" userId="7927722fe4027b30" providerId="LiveId" clId="{988CB3FB-85FE-4B18-8889-744054AB9037}" dt="2023-03-05T16:26:04.879" v="2101" actId="5736"/>
+          <ac:chgData name="Felipe Lopes de Oliveira" userId="7927722fe4027b30" providerId="LiveId" clId="{988CB3FB-85FE-4B18-8889-744054AB9037}" dt="2023-03-10T18:38:16.663" v="3378" actId="5736"/>
           <ac:graphicFrameMkLst>
             <pc:docMk/>
             <pc:sldMk cId="1480784656" sldId="257"/>
@@ -476,7 +500,7 @@
           </ac:graphicFrameMkLst>
         </pc:graphicFrameChg>
         <pc:graphicFrameChg chg="add mod">
-          <ac:chgData name="Felipe Lopes de Oliveira" userId="7927722fe4027b30" providerId="LiveId" clId="{988CB3FB-85FE-4B18-8889-744054AB9037}" dt="2023-03-05T16:26:04.879" v="2101" actId="5736"/>
+          <ac:chgData name="Felipe Lopes de Oliveira" userId="7927722fe4027b30" providerId="LiveId" clId="{988CB3FB-85FE-4B18-8889-744054AB9037}" dt="2023-03-10T18:38:16.663" v="3378" actId="5736"/>
           <ac:graphicFrameMkLst>
             <pc:docMk/>
             <pc:sldMk cId="1480784656" sldId="257"/>
@@ -484,7 +508,7 @@
           </ac:graphicFrameMkLst>
         </pc:graphicFrameChg>
         <pc:graphicFrameChg chg="add mod">
-          <ac:chgData name="Felipe Lopes de Oliveira" userId="7927722fe4027b30" providerId="LiveId" clId="{988CB3FB-85FE-4B18-8889-744054AB9037}" dt="2023-03-05T16:26:04.879" v="2101" actId="5736"/>
+          <ac:chgData name="Felipe Lopes de Oliveira" userId="7927722fe4027b30" providerId="LiveId" clId="{988CB3FB-85FE-4B18-8889-744054AB9037}" dt="2023-03-10T18:38:16.663" v="3378" actId="5736"/>
           <ac:graphicFrameMkLst>
             <pc:docMk/>
             <pc:sldMk cId="1480784656" sldId="257"/>
@@ -492,7 +516,7 @@
           </ac:graphicFrameMkLst>
         </pc:graphicFrameChg>
         <pc:graphicFrameChg chg="add mod">
-          <ac:chgData name="Felipe Lopes de Oliveira" userId="7927722fe4027b30" providerId="LiveId" clId="{988CB3FB-85FE-4B18-8889-744054AB9037}" dt="2023-03-05T16:26:04.879" v="2101" actId="5736"/>
+          <ac:chgData name="Felipe Lopes de Oliveira" userId="7927722fe4027b30" providerId="LiveId" clId="{988CB3FB-85FE-4B18-8889-744054AB9037}" dt="2023-03-10T18:38:16.663" v="3378" actId="5736"/>
           <ac:graphicFrameMkLst>
             <pc:docMk/>
             <pc:sldMk cId="1480784656" sldId="257"/>
@@ -516,7 +540,7 @@
           </ac:graphicFrameMkLst>
         </pc:graphicFrameChg>
         <pc:graphicFrameChg chg="add mod">
-          <ac:chgData name="Felipe Lopes de Oliveira" userId="7927722fe4027b30" providerId="LiveId" clId="{988CB3FB-85FE-4B18-8889-744054AB9037}" dt="2023-03-05T16:26:04.879" v="2101" actId="5736"/>
+          <ac:chgData name="Felipe Lopes de Oliveira" userId="7927722fe4027b30" providerId="LiveId" clId="{988CB3FB-85FE-4B18-8889-744054AB9037}" dt="2023-03-10T18:38:16.663" v="3378" actId="5736"/>
           <ac:graphicFrameMkLst>
             <pc:docMk/>
             <pc:sldMk cId="1480784656" sldId="257"/>
@@ -524,7 +548,7 @@
           </ac:graphicFrameMkLst>
         </pc:graphicFrameChg>
         <pc:graphicFrameChg chg="add mod">
-          <ac:chgData name="Felipe Lopes de Oliveira" userId="7927722fe4027b30" providerId="LiveId" clId="{988CB3FB-85FE-4B18-8889-744054AB9037}" dt="2023-03-05T16:26:04.879" v="2101" actId="5736"/>
+          <ac:chgData name="Felipe Lopes de Oliveira" userId="7927722fe4027b30" providerId="LiveId" clId="{988CB3FB-85FE-4B18-8889-744054AB9037}" dt="2023-03-10T18:38:16.663" v="3378" actId="5736"/>
           <ac:graphicFrameMkLst>
             <pc:docMk/>
             <pc:sldMk cId="1480784656" sldId="257"/>
@@ -539,8 +563,32 @@
             <ac:graphicFrameMk id="38" creationId="{496CA154-5A1A-4572-F54B-D18C21995F98}"/>
           </ac:graphicFrameMkLst>
         </pc:graphicFrameChg>
+        <pc:graphicFrameChg chg="add mod">
+          <ac:chgData name="Felipe Lopes de Oliveira" userId="7927722fe4027b30" providerId="LiveId" clId="{988CB3FB-85FE-4B18-8889-744054AB9037}" dt="2023-03-10T18:38:16.663" v="3378" actId="5736"/>
+          <ac:graphicFrameMkLst>
+            <pc:docMk/>
+            <pc:sldMk cId="1480784656" sldId="257"/>
+            <ac:graphicFrameMk id="38" creationId="{821B8109-F14A-3505-3BDA-12F8982650C4}"/>
+          </ac:graphicFrameMkLst>
+        </pc:graphicFrameChg>
+        <pc:graphicFrameChg chg="add mod">
+          <ac:chgData name="Felipe Lopes de Oliveira" userId="7927722fe4027b30" providerId="LiveId" clId="{988CB3FB-85FE-4B18-8889-744054AB9037}" dt="2023-03-10T18:38:16.663" v="3378" actId="5736"/>
+          <ac:graphicFrameMkLst>
+            <pc:docMk/>
+            <pc:sldMk cId="1480784656" sldId="257"/>
+            <ac:graphicFrameMk id="40" creationId="{C9742109-79E1-083C-B407-8C4CF25CBBAD}"/>
+          </ac:graphicFrameMkLst>
+        </pc:graphicFrameChg>
+        <pc:graphicFrameChg chg="add mod">
+          <ac:chgData name="Felipe Lopes de Oliveira" userId="7927722fe4027b30" providerId="LiveId" clId="{988CB3FB-85FE-4B18-8889-744054AB9037}" dt="2023-03-10T18:38:16.663" v="3378" actId="5736"/>
+          <ac:graphicFrameMkLst>
+            <pc:docMk/>
+            <pc:sldMk cId="1480784656" sldId="257"/>
+            <ac:graphicFrameMk id="42" creationId="{89D9F652-B97A-2B59-5F3E-FA2D5C78E95E}"/>
+          </ac:graphicFrameMkLst>
+        </pc:graphicFrameChg>
         <pc:graphicFrameChg chg="mod">
-          <ac:chgData name="Felipe Lopes de Oliveira" userId="7927722fe4027b30" providerId="LiveId" clId="{988CB3FB-85FE-4B18-8889-744054AB9037}" dt="2023-03-05T16:26:04.879" v="2101" actId="5736"/>
+          <ac:chgData name="Felipe Lopes de Oliveira" userId="7927722fe4027b30" providerId="LiveId" clId="{988CB3FB-85FE-4B18-8889-744054AB9037}" dt="2023-03-10T18:38:16.663" v="3378" actId="5736"/>
           <ac:graphicFrameMkLst>
             <pc:docMk/>
             <pc:sldMk cId="1480784656" sldId="257"/>
@@ -548,7 +596,7 @@
           </ac:graphicFrameMkLst>
         </pc:graphicFrameChg>
         <pc:graphicFrameChg chg="mod">
-          <ac:chgData name="Felipe Lopes de Oliveira" userId="7927722fe4027b30" providerId="LiveId" clId="{988CB3FB-85FE-4B18-8889-744054AB9037}" dt="2023-03-05T16:26:04.879" v="2101" actId="5736"/>
+          <ac:chgData name="Felipe Lopes de Oliveira" userId="7927722fe4027b30" providerId="LiveId" clId="{988CB3FB-85FE-4B18-8889-744054AB9037}" dt="2023-03-10T18:38:16.663" v="3378" actId="5736"/>
           <ac:graphicFrameMkLst>
             <pc:docMk/>
             <pc:sldMk cId="1480784656" sldId="257"/>
@@ -556,7 +604,7 @@
           </ac:graphicFrameMkLst>
         </pc:graphicFrameChg>
         <pc:graphicFrameChg chg="mod">
-          <ac:chgData name="Felipe Lopes de Oliveira" userId="7927722fe4027b30" providerId="LiveId" clId="{988CB3FB-85FE-4B18-8889-744054AB9037}" dt="2023-03-05T16:26:04.879" v="2101" actId="5736"/>
+          <ac:chgData name="Felipe Lopes de Oliveira" userId="7927722fe4027b30" providerId="LiveId" clId="{988CB3FB-85FE-4B18-8889-744054AB9037}" dt="2023-03-10T18:38:16.663" v="3378" actId="5736"/>
           <ac:graphicFrameMkLst>
             <pc:docMk/>
             <pc:sldMk cId="1480784656" sldId="257"/>
@@ -564,7 +612,7 @@
           </ac:graphicFrameMkLst>
         </pc:graphicFrameChg>
         <pc:graphicFrameChg chg="mod">
-          <ac:chgData name="Felipe Lopes de Oliveira" userId="7927722fe4027b30" providerId="LiveId" clId="{988CB3FB-85FE-4B18-8889-744054AB9037}" dt="2023-03-05T16:26:04.879" v="2101" actId="5736"/>
+          <ac:chgData name="Felipe Lopes de Oliveira" userId="7927722fe4027b30" providerId="LiveId" clId="{988CB3FB-85FE-4B18-8889-744054AB9037}" dt="2023-03-10T18:38:16.663" v="3378" actId="5736"/>
           <ac:graphicFrameMkLst>
             <pc:docMk/>
             <pc:sldMk cId="1480784656" sldId="257"/>
@@ -572,7 +620,7 @@
           </ac:graphicFrameMkLst>
         </pc:graphicFrameChg>
         <pc:graphicFrameChg chg="mod">
-          <ac:chgData name="Felipe Lopes de Oliveira" userId="7927722fe4027b30" providerId="LiveId" clId="{988CB3FB-85FE-4B18-8889-744054AB9037}" dt="2023-03-05T16:26:04.879" v="2101" actId="5736"/>
+          <ac:chgData name="Felipe Lopes de Oliveira" userId="7927722fe4027b30" providerId="LiveId" clId="{988CB3FB-85FE-4B18-8889-744054AB9037}" dt="2023-03-10T18:38:16.663" v="3378" actId="5736"/>
           <ac:graphicFrameMkLst>
             <pc:docMk/>
             <pc:sldMk cId="1480784656" sldId="257"/>
@@ -580,7 +628,7 @@
           </ac:graphicFrameMkLst>
         </pc:graphicFrameChg>
         <pc:graphicFrameChg chg="mod">
-          <ac:chgData name="Felipe Lopes de Oliveira" userId="7927722fe4027b30" providerId="LiveId" clId="{988CB3FB-85FE-4B18-8889-744054AB9037}" dt="2023-03-05T16:26:04.879" v="2101" actId="5736"/>
+          <ac:chgData name="Felipe Lopes de Oliveira" userId="7927722fe4027b30" providerId="LiveId" clId="{988CB3FB-85FE-4B18-8889-744054AB9037}" dt="2023-03-10T18:38:16.663" v="3378" actId="5736"/>
           <ac:graphicFrameMkLst>
             <pc:docMk/>
             <pc:sldMk cId="1480784656" sldId="257"/>
@@ -588,7 +636,7 @@
           </ac:graphicFrameMkLst>
         </pc:graphicFrameChg>
         <pc:graphicFrameChg chg="mod">
-          <ac:chgData name="Felipe Lopes de Oliveira" userId="7927722fe4027b30" providerId="LiveId" clId="{988CB3FB-85FE-4B18-8889-744054AB9037}" dt="2023-03-05T16:26:04.879" v="2101" actId="5736"/>
+          <ac:chgData name="Felipe Lopes de Oliveira" userId="7927722fe4027b30" providerId="LiveId" clId="{988CB3FB-85FE-4B18-8889-744054AB9037}" dt="2023-03-10T18:38:16.663" v="3378" actId="5736"/>
           <ac:graphicFrameMkLst>
             <pc:docMk/>
             <pc:sldMk cId="1480784656" sldId="257"/>
@@ -596,7 +644,7 @@
           </ac:graphicFrameMkLst>
         </pc:graphicFrameChg>
         <pc:graphicFrameChg chg="mod">
-          <ac:chgData name="Felipe Lopes de Oliveira" userId="7927722fe4027b30" providerId="LiveId" clId="{988CB3FB-85FE-4B18-8889-744054AB9037}" dt="2023-03-05T16:26:04.879" v="2101" actId="5736"/>
+          <ac:chgData name="Felipe Lopes de Oliveira" userId="7927722fe4027b30" providerId="LiveId" clId="{988CB3FB-85FE-4B18-8889-744054AB9037}" dt="2023-03-10T18:38:16.663" v="3378" actId="5736"/>
           <ac:graphicFrameMkLst>
             <pc:docMk/>
             <pc:sldMk cId="1480784656" sldId="257"/>
@@ -604,7 +652,7 @@
           </ac:graphicFrameMkLst>
         </pc:graphicFrameChg>
         <pc:graphicFrameChg chg="mod">
-          <ac:chgData name="Felipe Lopes de Oliveira" userId="7927722fe4027b30" providerId="LiveId" clId="{988CB3FB-85FE-4B18-8889-744054AB9037}" dt="2023-03-05T16:26:04.879" v="2101" actId="5736"/>
+          <ac:chgData name="Felipe Lopes de Oliveira" userId="7927722fe4027b30" providerId="LiveId" clId="{988CB3FB-85FE-4B18-8889-744054AB9037}" dt="2023-03-10T18:38:16.663" v="3378" actId="5736"/>
           <ac:graphicFrameMkLst>
             <pc:docMk/>
             <pc:sldMk cId="1480784656" sldId="257"/>
@@ -612,7 +660,7 @@
           </ac:graphicFrameMkLst>
         </pc:graphicFrameChg>
         <pc:graphicFrameChg chg="mod">
-          <ac:chgData name="Felipe Lopes de Oliveira" userId="7927722fe4027b30" providerId="LiveId" clId="{988CB3FB-85FE-4B18-8889-744054AB9037}" dt="2023-03-05T16:26:04.879" v="2101" actId="5736"/>
+          <ac:chgData name="Felipe Lopes de Oliveira" userId="7927722fe4027b30" providerId="LiveId" clId="{988CB3FB-85FE-4B18-8889-744054AB9037}" dt="2023-03-10T18:38:16.663" v="3378" actId="5736"/>
           <ac:graphicFrameMkLst>
             <pc:docMk/>
             <pc:sldMk cId="1480784656" sldId="257"/>
@@ -620,7 +668,7 @@
           </ac:graphicFrameMkLst>
         </pc:graphicFrameChg>
         <pc:graphicFrameChg chg="mod">
-          <ac:chgData name="Felipe Lopes de Oliveira" userId="7927722fe4027b30" providerId="LiveId" clId="{988CB3FB-85FE-4B18-8889-744054AB9037}" dt="2023-03-05T16:26:04.879" v="2101" actId="5736"/>
+          <ac:chgData name="Felipe Lopes de Oliveira" userId="7927722fe4027b30" providerId="LiveId" clId="{988CB3FB-85FE-4B18-8889-744054AB9037}" dt="2023-03-10T18:38:16.663" v="3378" actId="5736"/>
           <ac:graphicFrameMkLst>
             <pc:docMk/>
             <pc:sldMk cId="1480784656" sldId="257"/>
@@ -628,7 +676,7 @@
           </ac:graphicFrameMkLst>
         </pc:graphicFrameChg>
         <pc:graphicFrameChg chg="mod">
-          <ac:chgData name="Felipe Lopes de Oliveira" userId="7927722fe4027b30" providerId="LiveId" clId="{988CB3FB-85FE-4B18-8889-744054AB9037}" dt="2023-03-05T16:26:04.879" v="2101" actId="5736"/>
+          <ac:chgData name="Felipe Lopes de Oliveira" userId="7927722fe4027b30" providerId="LiveId" clId="{988CB3FB-85FE-4B18-8889-744054AB9037}" dt="2023-03-10T18:38:16.663" v="3378" actId="5736"/>
           <ac:graphicFrameMkLst>
             <pc:docMk/>
             <pc:sldMk cId="1480784656" sldId="257"/>
@@ -636,7 +684,7 @@
           </ac:graphicFrameMkLst>
         </pc:graphicFrameChg>
         <pc:graphicFrameChg chg="mod">
-          <ac:chgData name="Felipe Lopes de Oliveira" userId="7927722fe4027b30" providerId="LiveId" clId="{988CB3FB-85FE-4B18-8889-744054AB9037}" dt="2023-03-05T16:26:04.879" v="2101" actId="5736"/>
+          <ac:chgData name="Felipe Lopes de Oliveira" userId="7927722fe4027b30" providerId="LiveId" clId="{988CB3FB-85FE-4B18-8889-744054AB9037}" dt="2023-03-10T18:38:16.663" v="3378" actId="5736"/>
           <ac:graphicFrameMkLst>
             <pc:docMk/>
             <pc:sldMk cId="1480784656" sldId="257"/>
@@ -644,7 +692,7 @@
           </ac:graphicFrameMkLst>
         </pc:graphicFrameChg>
         <pc:graphicFrameChg chg="mod">
-          <ac:chgData name="Felipe Lopes de Oliveira" userId="7927722fe4027b30" providerId="LiveId" clId="{988CB3FB-85FE-4B18-8889-744054AB9037}" dt="2023-03-05T16:26:04.879" v="2101" actId="5736"/>
+          <ac:chgData name="Felipe Lopes de Oliveira" userId="7927722fe4027b30" providerId="LiveId" clId="{988CB3FB-85FE-4B18-8889-744054AB9037}" dt="2023-03-10T18:38:16.663" v="3378" actId="5736"/>
           <ac:graphicFrameMkLst>
             <pc:docMk/>
             <pc:sldMk cId="1480784656" sldId="257"/>
@@ -652,7 +700,7 @@
           </ac:graphicFrameMkLst>
         </pc:graphicFrameChg>
         <pc:graphicFrameChg chg="mod">
-          <ac:chgData name="Felipe Lopes de Oliveira" userId="7927722fe4027b30" providerId="LiveId" clId="{988CB3FB-85FE-4B18-8889-744054AB9037}" dt="2023-03-05T16:26:04.879" v="2101" actId="5736"/>
+          <ac:chgData name="Felipe Lopes de Oliveira" userId="7927722fe4027b30" providerId="LiveId" clId="{988CB3FB-85FE-4B18-8889-744054AB9037}" dt="2023-03-10T18:38:16.663" v="3378" actId="5736"/>
           <ac:graphicFrameMkLst>
             <pc:docMk/>
             <pc:sldMk cId="1480784656" sldId="257"/>
@@ -660,7 +708,7 @@
           </ac:graphicFrameMkLst>
         </pc:graphicFrameChg>
         <pc:graphicFrameChg chg="mod">
-          <ac:chgData name="Felipe Lopes de Oliveira" userId="7927722fe4027b30" providerId="LiveId" clId="{988CB3FB-85FE-4B18-8889-744054AB9037}" dt="2023-03-05T16:26:04.879" v="2101" actId="5736"/>
+          <ac:chgData name="Felipe Lopes de Oliveira" userId="7927722fe4027b30" providerId="LiveId" clId="{988CB3FB-85FE-4B18-8889-744054AB9037}" dt="2023-03-10T18:38:16.663" v="3378" actId="5736"/>
           <ac:graphicFrameMkLst>
             <pc:docMk/>
             <pc:sldMk cId="1480784656" sldId="257"/>
@@ -668,7 +716,7 @@
           </ac:graphicFrameMkLst>
         </pc:graphicFrameChg>
         <pc:graphicFrameChg chg="mod">
-          <ac:chgData name="Felipe Lopes de Oliveira" userId="7927722fe4027b30" providerId="LiveId" clId="{988CB3FB-85FE-4B18-8889-744054AB9037}" dt="2023-03-05T16:26:04.879" v="2101" actId="5736"/>
+          <ac:chgData name="Felipe Lopes de Oliveira" userId="7927722fe4027b30" providerId="LiveId" clId="{988CB3FB-85FE-4B18-8889-744054AB9037}" dt="2023-03-10T18:38:16.663" v="3378" actId="5736"/>
           <ac:graphicFrameMkLst>
             <pc:docMk/>
             <pc:sldMk cId="1480784656" sldId="257"/>
@@ -676,7 +724,7 @@
           </ac:graphicFrameMkLst>
         </pc:graphicFrameChg>
         <pc:graphicFrameChg chg="mod">
-          <ac:chgData name="Felipe Lopes de Oliveira" userId="7927722fe4027b30" providerId="LiveId" clId="{988CB3FB-85FE-4B18-8889-744054AB9037}" dt="2023-03-05T16:26:04.879" v="2101" actId="5736"/>
+          <ac:chgData name="Felipe Lopes de Oliveira" userId="7927722fe4027b30" providerId="LiveId" clId="{988CB3FB-85FE-4B18-8889-744054AB9037}" dt="2023-03-10T18:38:16.663" v="3378" actId="5736"/>
           <ac:graphicFrameMkLst>
             <pc:docMk/>
             <pc:sldMk cId="1480784656" sldId="257"/>
@@ -684,7 +732,7 @@
           </ac:graphicFrameMkLst>
         </pc:graphicFrameChg>
         <pc:graphicFrameChg chg="mod">
-          <ac:chgData name="Felipe Lopes de Oliveira" userId="7927722fe4027b30" providerId="LiveId" clId="{988CB3FB-85FE-4B18-8889-744054AB9037}" dt="2023-03-05T16:26:04.879" v="2101" actId="5736"/>
+          <ac:chgData name="Felipe Lopes de Oliveira" userId="7927722fe4027b30" providerId="LiveId" clId="{988CB3FB-85FE-4B18-8889-744054AB9037}" dt="2023-03-10T18:38:16.663" v="3378" actId="5736"/>
           <ac:graphicFrameMkLst>
             <pc:docMk/>
             <pc:sldMk cId="1480784656" sldId="257"/>
@@ -692,7 +740,7 @@
           </ac:graphicFrameMkLst>
         </pc:graphicFrameChg>
         <pc:graphicFrameChg chg="mod">
-          <ac:chgData name="Felipe Lopes de Oliveira" userId="7927722fe4027b30" providerId="LiveId" clId="{988CB3FB-85FE-4B18-8889-744054AB9037}" dt="2023-03-05T16:26:04.879" v="2101" actId="5736"/>
+          <ac:chgData name="Felipe Lopes de Oliveira" userId="7927722fe4027b30" providerId="LiveId" clId="{988CB3FB-85FE-4B18-8889-744054AB9037}" dt="2023-03-10T18:38:16.663" v="3378" actId="5736"/>
           <ac:graphicFrameMkLst>
             <pc:docMk/>
             <pc:sldMk cId="1480784656" sldId="257"/>
@@ -700,7 +748,7 @@
           </ac:graphicFrameMkLst>
         </pc:graphicFrameChg>
         <pc:graphicFrameChg chg="mod">
-          <ac:chgData name="Felipe Lopes de Oliveira" userId="7927722fe4027b30" providerId="LiveId" clId="{988CB3FB-85FE-4B18-8889-744054AB9037}" dt="2023-03-05T16:26:04.879" v="2101" actId="5736"/>
+          <ac:chgData name="Felipe Lopes de Oliveira" userId="7927722fe4027b30" providerId="LiveId" clId="{988CB3FB-85FE-4B18-8889-744054AB9037}" dt="2023-03-10T18:38:16.663" v="3378" actId="5736"/>
           <ac:graphicFrameMkLst>
             <pc:docMk/>
             <pc:sldMk cId="1480784656" sldId="257"/>
@@ -708,7 +756,7 @@
           </ac:graphicFrameMkLst>
         </pc:graphicFrameChg>
         <pc:graphicFrameChg chg="mod">
-          <ac:chgData name="Felipe Lopes de Oliveira" userId="7927722fe4027b30" providerId="LiveId" clId="{988CB3FB-85FE-4B18-8889-744054AB9037}" dt="2023-03-05T16:26:04.879" v="2101" actId="5736"/>
+          <ac:chgData name="Felipe Lopes de Oliveira" userId="7927722fe4027b30" providerId="LiveId" clId="{988CB3FB-85FE-4B18-8889-744054AB9037}" dt="2023-03-10T18:38:16.663" v="3378" actId="5736"/>
           <ac:graphicFrameMkLst>
             <pc:docMk/>
             <pc:sldMk cId="1480784656" sldId="257"/>
@@ -716,7 +764,7 @@
           </ac:graphicFrameMkLst>
         </pc:graphicFrameChg>
         <pc:graphicFrameChg chg="mod">
-          <ac:chgData name="Felipe Lopes de Oliveira" userId="7927722fe4027b30" providerId="LiveId" clId="{988CB3FB-85FE-4B18-8889-744054AB9037}" dt="2023-03-05T16:26:04.879" v="2101" actId="5736"/>
+          <ac:chgData name="Felipe Lopes de Oliveira" userId="7927722fe4027b30" providerId="LiveId" clId="{988CB3FB-85FE-4B18-8889-744054AB9037}" dt="2023-03-10T18:38:16.663" v="3378" actId="5736"/>
           <ac:graphicFrameMkLst>
             <pc:docMk/>
             <pc:sldMk cId="1480784656" sldId="257"/>
@@ -724,7 +772,7 @@
           </ac:graphicFrameMkLst>
         </pc:graphicFrameChg>
         <pc:graphicFrameChg chg="mod">
-          <ac:chgData name="Felipe Lopes de Oliveira" userId="7927722fe4027b30" providerId="LiveId" clId="{988CB3FB-85FE-4B18-8889-744054AB9037}" dt="2023-03-05T16:26:04.879" v="2101" actId="5736"/>
+          <ac:chgData name="Felipe Lopes de Oliveira" userId="7927722fe4027b30" providerId="LiveId" clId="{988CB3FB-85FE-4B18-8889-744054AB9037}" dt="2023-03-10T18:38:16.663" v="3378" actId="5736"/>
           <ac:graphicFrameMkLst>
             <pc:docMk/>
             <pc:sldMk cId="1480784656" sldId="257"/>
@@ -732,7 +780,7 @@
           </ac:graphicFrameMkLst>
         </pc:graphicFrameChg>
         <pc:graphicFrameChg chg="mod">
-          <ac:chgData name="Felipe Lopes de Oliveira" userId="7927722fe4027b30" providerId="LiveId" clId="{988CB3FB-85FE-4B18-8889-744054AB9037}" dt="2023-03-05T16:26:04.879" v="2101" actId="5736"/>
+          <ac:chgData name="Felipe Lopes de Oliveira" userId="7927722fe4027b30" providerId="LiveId" clId="{988CB3FB-85FE-4B18-8889-744054AB9037}" dt="2023-03-10T18:38:16.663" v="3378" actId="5736"/>
           <ac:graphicFrameMkLst>
             <pc:docMk/>
             <pc:sldMk cId="1480784656" sldId="257"/>
@@ -740,7 +788,7 @@
           </ac:graphicFrameMkLst>
         </pc:graphicFrameChg>
         <pc:graphicFrameChg chg="mod">
-          <ac:chgData name="Felipe Lopes de Oliveira" userId="7927722fe4027b30" providerId="LiveId" clId="{988CB3FB-85FE-4B18-8889-744054AB9037}" dt="2023-03-05T16:26:04.879" v="2101" actId="5736"/>
+          <ac:chgData name="Felipe Lopes de Oliveira" userId="7927722fe4027b30" providerId="LiveId" clId="{988CB3FB-85FE-4B18-8889-744054AB9037}" dt="2023-03-10T18:38:16.663" v="3378" actId="5736"/>
           <ac:graphicFrameMkLst>
             <pc:docMk/>
             <pc:sldMk cId="1480784656" sldId="257"/>
@@ -1019,22 +1067,38 @@
           </ac:graphicFrameMkLst>
         </pc:graphicFrameChg>
       </pc:sldChg>
-      <pc:sldChg chg="addSp modSp mod">
-        <pc:chgData name="Felipe Lopes de Oliveira" userId="7927722fe4027b30" providerId="LiveId" clId="{988CB3FB-85FE-4B18-8889-744054AB9037}" dt="2023-03-04T16:51:12.646" v="1018" actId="5736"/>
+      <pc:sldChg chg="addSp delSp modSp mod">
+        <pc:chgData name="Felipe Lopes de Oliveira" userId="7927722fe4027b30" providerId="LiveId" clId="{988CB3FB-85FE-4B18-8889-744054AB9037}" dt="2023-03-10T18:38:04.077" v="3377" actId="5736"/>
         <pc:sldMkLst>
           <pc:docMk/>
           <pc:sldMk cId="677601570" sldId="259"/>
         </pc:sldMkLst>
         <pc:spChg chg="add mod">
-          <ac:chgData name="Felipe Lopes de Oliveira" userId="7927722fe4027b30" providerId="LiveId" clId="{988CB3FB-85FE-4B18-8889-744054AB9037}" dt="2023-03-04T16:51:12.646" v="1018" actId="5736"/>
+          <ac:chgData name="Felipe Lopes de Oliveira" userId="7927722fe4027b30" providerId="LiveId" clId="{988CB3FB-85FE-4B18-8889-744054AB9037}" dt="2023-03-10T18:38:04.077" v="3377" actId="5736"/>
           <ac:spMkLst>
             <pc:docMk/>
             <pc:sldMk cId="677601570" sldId="259"/>
             <ac:spMk id="2" creationId="{A66FB4FE-B35C-2F19-0B31-09CADA8E6C75}"/>
           </ac:spMkLst>
         </pc:spChg>
+        <pc:spChg chg="add mod">
+          <ac:chgData name="Felipe Lopes de Oliveira" userId="7927722fe4027b30" providerId="LiveId" clId="{988CB3FB-85FE-4B18-8889-744054AB9037}" dt="2023-03-10T18:38:04.077" v="3377" actId="5736"/>
+          <ac:spMkLst>
+            <pc:docMk/>
+            <pc:sldMk cId="677601570" sldId="259"/>
+            <ac:spMk id="7" creationId="{F7EF7FBD-0212-B391-4DE4-FBB0F16C209F}"/>
+          </ac:spMkLst>
+        </pc:spChg>
+        <pc:spChg chg="add mod">
+          <ac:chgData name="Felipe Lopes de Oliveira" userId="7927722fe4027b30" providerId="LiveId" clId="{988CB3FB-85FE-4B18-8889-744054AB9037}" dt="2023-03-10T18:38:04.077" v="3377" actId="5736"/>
+          <ac:spMkLst>
+            <pc:docMk/>
+            <pc:sldMk cId="677601570" sldId="259"/>
+            <ac:spMk id="8" creationId="{20D058BC-AFBC-9551-D558-7F83F36B94EE}"/>
+          </ac:spMkLst>
+        </pc:spChg>
         <pc:spChg chg="mod">
-          <ac:chgData name="Felipe Lopes de Oliveira" userId="7927722fe4027b30" providerId="LiveId" clId="{988CB3FB-85FE-4B18-8889-744054AB9037}" dt="2023-03-04T16:51:12.646" v="1018" actId="5736"/>
+          <ac:chgData name="Felipe Lopes de Oliveira" userId="7927722fe4027b30" providerId="LiveId" clId="{988CB3FB-85FE-4B18-8889-744054AB9037}" dt="2023-03-10T18:38:04.077" v="3377" actId="5736"/>
           <ac:spMkLst>
             <pc:docMk/>
             <pc:sldMk cId="677601570" sldId="259"/>
@@ -1042,7 +1106,7 @@
           </ac:spMkLst>
         </pc:spChg>
         <pc:spChg chg="mod">
-          <ac:chgData name="Felipe Lopes de Oliveira" userId="7927722fe4027b30" providerId="LiveId" clId="{988CB3FB-85FE-4B18-8889-744054AB9037}" dt="2023-03-04T16:51:12.646" v="1018" actId="5736"/>
+          <ac:chgData name="Felipe Lopes de Oliveira" userId="7927722fe4027b30" providerId="LiveId" clId="{988CB3FB-85FE-4B18-8889-744054AB9037}" dt="2023-03-10T18:38:04.077" v="3377" actId="5736"/>
           <ac:spMkLst>
             <pc:docMk/>
             <pc:sldMk cId="677601570" sldId="259"/>
@@ -1050,7 +1114,7 @@
           </ac:spMkLst>
         </pc:spChg>
         <pc:spChg chg="mod">
-          <ac:chgData name="Felipe Lopes de Oliveira" userId="7927722fe4027b30" providerId="LiveId" clId="{988CB3FB-85FE-4B18-8889-744054AB9037}" dt="2023-03-04T16:51:12.646" v="1018" actId="5736"/>
+          <ac:chgData name="Felipe Lopes de Oliveira" userId="7927722fe4027b30" providerId="LiveId" clId="{988CB3FB-85FE-4B18-8889-744054AB9037}" dt="2023-03-10T18:38:04.077" v="3377" actId="5736"/>
           <ac:spMkLst>
             <pc:docMk/>
             <pc:sldMk cId="677601570" sldId="259"/>
@@ -1058,7 +1122,7 @@
           </ac:spMkLst>
         </pc:spChg>
         <pc:spChg chg="mod">
-          <ac:chgData name="Felipe Lopes de Oliveira" userId="7927722fe4027b30" providerId="LiveId" clId="{988CB3FB-85FE-4B18-8889-744054AB9037}" dt="2023-03-04T16:51:12.646" v="1018" actId="5736"/>
+          <ac:chgData name="Felipe Lopes de Oliveira" userId="7927722fe4027b30" providerId="LiveId" clId="{988CB3FB-85FE-4B18-8889-744054AB9037}" dt="2023-03-10T18:38:04.077" v="3377" actId="5736"/>
           <ac:spMkLst>
             <pc:docMk/>
             <pc:sldMk cId="677601570" sldId="259"/>
@@ -1066,7 +1130,7 @@
           </ac:spMkLst>
         </pc:spChg>
         <pc:spChg chg="mod">
-          <ac:chgData name="Felipe Lopes de Oliveira" userId="7927722fe4027b30" providerId="LiveId" clId="{988CB3FB-85FE-4B18-8889-744054AB9037}" dt="2023-03-04T16:51:12.646" v="1018" actId="5736"/>
+          <ac:chgData name="Felipe Lopes de Oliveira" userId="7927722fe4027b30" providerId="LiveId" clId="{988CB3FB-85FE-4B18-8889-744054AB9037}" dt="2023-03-10T18:38:04.077" v="3377" actId="5736"/>
           <ac:spMkLst>
             <pc:docMk/>
             <pc:sldMk cId="677601570" sldId="259"/>
@@ -1074,7 +1138,7 @@
           </ac:spMkLst>
         </pc:spChg>
         <pc:spChg chg="mod">
-          <ac:chgData name="Felipe Lopes de Oliveira" userId="7927722fe4027b30" providerId="LiveId" clId="{988CB3FB-85FE-4B18-8889-744054AB9037}" dt="2023-03-04T16:51:12.646" v="1018" actId="5736"/>
+          <ac:chgData name="Felipe Lopes de Oliveira" userId="7927722fe4027b30" providerId="LiveId" clId="{988CB3FB-85FE-4B18-8889-744054AB9037}" dt="2023-03-10T18:38:04.077" v="3377" actId="5736"/>
           <ac:spMkLst>
             <pc:docMk/>
             <pc:sldMk cId="677601570" sldId="259"/>
@@ -1082,7 +1146,7 @@
           </ac:spMkLst>
         </pc:spChg>
         <pc:spChg chg="mod">
-          <ac:chgData name="Felipe Lopes de Oliveira" userId="7927722fe4027b30" providerId="LiveId" clId="{988CB3FB-85FE-4B18-8889-744054AB9037}" dt="2023-03-04T16:51:12.646" v="1018" actId="5736"/>
+          <ac:chgData name="Felipe Lopes de Oliveira" userId="7927722fe4027b30" providerId="LiveId" clId="{988CB3FB-85FE-4B18-8889-744054AB9037}" dt="2023-03-10T18:38:04.077" v="3377" actId="5736"/>
           <ac:spMkLst>
             <pc:docMk/>
             <pc:sldMk cId="677601570" sldId="259"/>
@@ -1090,7 +1154,7 @@
           </ac:spMkLst>
         </pc:spChg>
         <pc:spChg chg="mod">
-          <ac:chgData name="Felipe Lopes de Oliveira" userId="7927722fe4027b30" providerId="LiveId" clId="{988CB3FB-85FE-4B18-8889-744054AB9037}" dt="2023-03-04T16:51:12.646" v="1018" actId="5736"/>
+          <ac:chgData name="Felipe Lopes de Oliveira" userId="7927722fe4027b30" providerId="LiveId" clId="{988CB3FB-85FE-4B18-8889-744054AB9037}" dt="2023-03-10T18:38:04.077" v="3377" actId="5736"/>
           <ac:spMkLst>
             <pc:docMk/>
             <pc:sldMk cId="677601570" sldId="259"/>
@@ -1098,7 +1162,7 @@
           </ac:spMkLst>
         </pc:spChg>
         <pc:spChg chg="mod">
-          <ac:chgData name="Felipe Lopes de Oliveira" userId="7927722fe4027b30" providerId="LiveId" clId="{988CB3FB-85FE-4B18-8889-744054AB9037}" dt="2023-03-04T16:51:12.646" v="1018" actId="5736"/>
+          <ac:chgData name="Felipe Lopes de Oliveira" userId="7927722fe4027b30" providerId="LiveId" clId="{988CB3FB-85FE-4B18-8889-744054AB9037}" dt="2023-03-10T18:38:04.077" v="3377" actId="5736"/>
           <ac:spMkLst>
             <pc:docMk/>
             <pc:sldMk cId="677601570" sldId="259"/>
@@ -1106,7 +1170,7 @@
           </ac:spMkLst>
         </pc:spChg>
         <pc:spChg chg="mod">
-          <ac:chgData name="Felipe Lopes de Oliveira" userId="7927722fe4027b30" providerId="LiveId" clId="{988CB3FB-85FE-4B18-8889-744054AB9037}" dt="2023-03-04T16:51:12.646" v="1018" actId="5736"/>
+          <ac:chgData name="Felipe Lopes de Oliveira" userId="7927722fe4027b30" providerId="LiveId" clId="{988CB3FB-85FE-4B18-8889-744054AB9037}" dt="2023-03-10T18:38:04.077" v="3377" actId="5736"/>
           <ac:spMkLst>
             <pc:docMk/>
             <pc:sldMk cId="677601570" sldId="259"/>
@@ -1114,7 +1178,7 @@
           </ac:spMkLst>
         </pc:spChg>
         <pc:spChg chg="mod">
-          <ac:chgData name="Felipe Lopes de Oliveira" userId="7927722fe4027b30" providerId="LiveId" clId="{988CB3FB-85FE-4B18-8889-744054AB9037}" dt="2023-03-04T16:51:12.646" v="1018" actId="5736"/>
+          <ac:chgData name="Felipe Lopes de Oliveira" userId="7927722fe4027b30" providerId="LiveId" clId="{988CB3FB-85FE-4B18-8889-744054AB9037}" dt="2023-03-10T18:38:04.077" v="3377" actId="5736"/>
           <ac:spMkLst>
             <pc:docMk/>
             <pc:sldMk cId="677601570" sldId="259"/>
@@ -1122,7 +1186,7 @@
           </ac:spMkLst>
         </pc:spChg>
         <pc:spChg chg="mod">
-          <ac:chgData name="Felipe Lopes de Oliveira" userId="7927722fe4027b30" providerId="LiveId" clId="{988CB3FB-85FE-4B18-8889-744054AB9037}" dt="2023-03-04T16:51:12.646" v="1018" actId="5736"/>
+          <ac:chgData name="Felipe Lopes de Oliveira" userId="7927722fe4027b30" providerId="LiveId" clId="{988CB3FB-85FE-4B18-8889-744054AB9037}" dt="2023-03-10T18:38:04.077" v="3377" actId="5736"/>
           <ac:spMkLst>
             <pc:docMk/>
             <pc:sldMk cId="677601570" sldId="259"/>
@@ -1130,7 +1194,7 @@
           </ac:spMkLst>
         </pc:spChg>
         <pc:spChg chg="mod">
-          <ac:chgData name="Felipe Lopes de Oliveira" userId="7927722fe4027b30" providerId="LiveId" clId="{988CB3FB-85FE-4B18-8889-744054AB9037}" dt="2023-03-04T16:51:12.646" v="1018" actId="5736"/>
+          <ac:chgData name="Felipe Lopes de Oliveira" userId="7927722fe4027b30" providerId="LiveId" clId="{988CB3FB-85FE-4B18-8889-744054AB9037}" dt="2023-03-10T18:38:04.077" v="3377" actId="5736"/>
           <ac:spMkLst>
             <pc:docMk/>
             <pc:sldMk cId="677601570" sldId="259"/>
@@ -1138,7 +1202,7 @@
           </ac:spMkLst>
         </pc:spChg>
         <pc:spChg chg="mod">
-          <ac:chgData name="Felipe Lopes de Oliveira" userId="7927722fe4027b30" providerId="LiveId" clId="{988CB3FB-85FE-4B18-8889-744054AB9037}" dt="2023-03-04T16:51:12.646" v="1018" actId="5736"/>
+          <ac:chgData name="Felipe Lopes de Oliveira" userId="7927722fe4027b30" providerId="LiveId" clId="{988CB3FB-85FE-4B18-8889-744054AB9037}" dt="2023-03-10T18:38:04.077" v="3377" actId="5736"/>
           <ac:spMkLst>
             <pc:docMk/>
             <pc:sldMk cId="677601570" sldId="259"/>
@@ -1146,7 +1210,7 @@
           </ac:spMkLst>
         </pc:spChg>
         <pc:spChg chg="mod">
-          <ac:chgData name="Felipe Lopes de Oliveira" userId="7927722fe4027b30" providerId="LiveId" clId="{988CB3FB-85FE-4B18-8889-744054AB9037}" dt="2023-03-04T16:51:12.646" v="1018" actId="5736"/>
+          <ac:chgData name="Felipe Lopes de Oliveira" userId="7927722fe4027b30" providerId="LiveId" clId="{988CB3FB-85FE-4B18-8889-744054AB9037}" dt="2023-03-10T18:38:04.077" v="3377" actId="5736"/>
           <ac:spMkLst>
             <pc:docMk/>
             <pc:sldMk cId="677601570" sldId="259"/>
@@ -1154,7 +1218,7 @@
           </ac:spMkLst>
         </pc:spChg>
         <pc:spChg chg="mod">
-          <ac:chgData name="Felipe Lopes de Oliveira" userId="7927722fe4027b30" providerId="LiveId" clId="{988CB3FB-85FE-4B18-8889-744054AB9037}" dt="2023-03-04T16:51:12.646" v="1018" actId="5736"/>
+          <ac:chgData name="Felipe Lopes de Oliveira" userId="7927722fe4027b30" providerId="LiveId" clId="{988CB3FB-85FE-4B18-8889-744054AB9037}" dt="2023-03-10T18:38:04.077" v="3377" actId="5736"/>
           <ac:spMkLst>
             <pc:docMk/>
             <pc:sldMk cId="677601570" sldId="259"/>
@@ -1162,7 +1226,7 @@
           </ac:spMkLst>
         </pc:spChg>
         <pc:spChg chg="mod">
-          <ac:chgData name="Felipe Lopes de Oliveira" userId="7927722fe4027b30" providerId="LiveId" clId="{988CB3FB-85FE-4B18-8889-744054AB9037}" dt="2023-03-04T16:51:12.646" v="1018" actId="5736"/>
+          <ac:chgData name="Felipe Lopes de Oliveira" userId="7927722fe4027b30" providerId="LiveId" clId="{988CB3FB-85FE-4B18-8889-744054AB9037}" dt="2023-03-10T18:38:04.077" v="3377" actId="5736"/>
           <ac:spMkLst>
             <pc:docMk/>
             <pc:sldMk cId="677601570" sldId="259"/>
@@ -1170,7 +1234,7 @@
           </ac:spMkLst>
         </pc:spChg>
         <pc:spChg chg="mod">
-          <ac:chgData name="Felipe Lopes de Oliveira" userId="7927722fe4027b30" providerId="LiveId" clId="{988CB3FB-85FE-4B18-8889-744054AB9037}" dt="2023-03-04T16:51:12.646" v="1018" actId="5736"/>
+          <ac:chgData name="Felipe Lopes de Oliveira" userId="7927722fe4027b30" providerId="LiveId" clId="{988CB3FB-85FE-4B18-8889-744054AB9037}" dt="2023-03-10T18:38:04.077" v="3377" actId="5736"/>
           <ac:spMkLst>
             <pc:docMk/>
             <pc:sldMk cId="677601570" sldId="259"/>
@@ -1178,7 +1242,7 @@
           </ac:spMkLst>
         </pc:spChg>
         <pc:spChg chg="mod">
-          <ac:chgData name="Felipe Lopes de Oliveira" userId="7927722fe4027b30" providerId="LiveId" clId="{988CB3FB-85FE-4B18-8889-744054AB9037}" dt="2023-03-04T16:51:12.646" v="1018" actId="5736"/>
+          <ac:chgData name="Felipe Lopes de Oliveira" userId="7927722fe4027b30" providerId="LiveId" clId="{988CB3FB-85FE-4B18-8889-744054AB9037}" dt="2023-03-10T18:38:04.077" v="3377" actId="5736"/>
           <ac:spMkLst>
             <pc:docMk/>
             <pc:sldMk cId="677601570" sldId="259"/>
@@ -1186,7 +1250,7 @@
           </ac:spMkLst>
         </pc:spChg>
         <pc:spChg chg="mod">
-          <ac:chgData name="Felipe Lopes de Oliveira" userId="7927722fe4027b30" providerId="LiveId" clId="{988CB3FB-85FE-4B18-8889-744054AB9037}" dt="2023-03-04T16:51:12.646" v="1018" actId="5736"/>
+          <ac:chgData name="Felipe Lopes de Oliveira" userId="7927722fe4027b30" providerId="LiveId" clId="{988CB3FB-85FE-4B18-8889-744054AB9037}" dt="2023-03-10T18:38:04.077" v="3377" actId="5736"/>
           <ac:spMkLst>
             <pc:docMk/>
             <pc:sldMk cId="677601570" sldId="259"/>
@@ -1194,7 +1258,7 @@
           </ac:spMkLst>
         </pc:spChg>
         <pc:spChg chg="mod">
-          <ac:chgData name="Felipe Lopes de Oliveira" userId="7927722fe4027b30" providerId="LiveId" clId="{988CB3FB-85FE-4B18-8889-744054AB9037}" dt="2023-03-04T16:51:12.646" v="1018" actId="5736"/>
+          <ac:chgData name="Felipe Lopes de Oliveira" userId="7927722fe4027b30" providerId="LiveId" clId="{988CB3FB-85FE-4B18-8889-744054AB9037}" dt="2023-03-10T18:38:04.077" v="3377" actId="5736"/>
           <ac:spMkLst>
             <pc:docMk/>
             <pc:sldMk cId="677601570" sldId="259"/>
@@ -1202,7 +1266,7 @@
           </ac:spMkLst>
         </pc:spChg>
         <pc:spChg chg="mod">
-          <ac:chgData name="Felipe Lopes de Oliveira" userId="7927722fe4027b30" providerId="LiveId" clId="{988CB3FB-85FE-4B18-8889-744054AB9037}" dt="2023-03-04T16:51:12.646" v="1018" actId="5736"/>
+          <ac:chgData name="Felipe Lopes de Oliveira" userId="7927722fe4027b30" providerId="LiveId" clId="{988CB3FB-85FE-4B18-8889-744054AB9037}" dt="2023-03-10T18:38:04.077" v="3377" actId="5736"/>
           <ac:spMkLst>
             <pc:docMk/>
             <pc:sldMk cId="677601570" sldId="259"/>
@@ -1210,7 +1274,7 @@
           </ac:spMkLst>
         </pc:spChg>
         <pc:spChg chg="mod">
-          <ac:chgData name="Felipe Lopes de Oliveira" userId="7927722fe4027b30" providerId="LiveId" clId="{988CB3FB-85FE-4B18-8889-744054AB9037}" dt="2023-03-04T16:51:12.646" v="1018" actId="5736"/>
+          <ac:chgData name="Felipe Lopes de Oliveira" userId="7927722fe4027b30" providerId="LiveId" clId="{988CB3FB-85FE-4B18-8889-744054AB9037}" dt="2023-03-10T18:38:04.077" v="3377" actId="5736"/>
           <ac:spMkLst>
             <pc:docMk/>
             <pc:sldMk cId="677601570" sldId="259"/>
@@ -1218,7 +1282,7 @@
           </ac:spMkLst>
         </pc:spChg>
         <pc:spChg chg="mod">
-          <ac:chgData name="Felipe Lopes de Oliveira" userId="7927722fe4027b30" providerId="LiveId" clId="{988CB3FB-85FE-4B18-8889-744054AB9037}" dt="2023-03-04T16:51:12.646" v="1018" actId="5736"/>
+          <ac:chgData name="Felipe Lopes de Oliveira" userId="7927722fe4027b30" providerId="LiveId" clId="{988CB3FB-85FE-4B18-8889-744054AB9037}" dt="2023-03-10T18:38:04.077" v="3377" actId="5736"/>
           <ac:spMkLst>
             <pc:docMk/>
             <pc:sldMk cId="677601570" sldId="259"/>
@@ -1226,7 +1290,7 @@
           </ac:spMkLst>
         </pc:spChg>
         <pc:spChg chg="mod">
-          <ac:chgData name="Felipe Lopes de Oliveira" userId="7927722fe4027b30" providerId="LiveId" clId="{988CB3FB-85FE-4B18-8889-744054AB9037}" dt="2023-03-04T16:51:12.646" v="1018" actId="5736"/>
+          <ac:chgData name="Felipe Lopes de Oliveira" userId="7927722fe4027b30" providerId="LiveId" clId="{988CB3FB-85FE-4B18-8889-744054AB9037}" dt="2023-03-10T18:38:04.077" v="3377" actId="5736"/>
           <ac:spMkLst>
             <pc:docMk/>
             <pc:sldMk cId="677601570" sldId="259"/>
@@ -1234,7 +1298,7 @@
           </ac:spMkLst>
         </pc:spChg>
         <pc:spChg chg="mod">
-          <ac:chgData name="Felipe Lopes de Oliveira" userId="7927722fe4027b30" providerId="LiveId" clId="{988CB3FB-85FE-4B18-8889-744054AB9037}" dt="2023-03-04T16:51:12.646" v="1018" actId="5736"/>
+          <ac:chgData name="Felipe Lopes de Oliveira" userId="7927722fe4027b30" providerId="LiveId" clId="{988CB3FB-85FE-4B18-8889-744054AB9037}" dt="2023-03-10T18:38:04.077" v="3377" actId="5736"/>
           <ac:spMkLst>
             <pc:docMk/>
             <pc:sldMk cId="677601570" sldId="259"/>
@@ -1242,7 +1306,7 @@
           </ac:spMkLst>
         </pc:spChg>
         <pc:spChg chg="mod">
-          <ac:chgData name="Felipe Lopes de Oliveira" userId="7927722fe4027b30" providerId="LiveId" clId="{988CB3FB-85FE-4B18-8889-744054AB9037}" dt="2023-03-04T16:51:12.646" v="1018" actId="5736"/>
+          <ac:chgData name="Felipe Lopes de Oliveira" userId="7927722fe4027b30" providerId="LiveId" clId="{988CB3FB-85FE-4B18-8889-744054AB9037}" dt="2023-03-10T18:38:04.077" v="3377" actId="5736"/>
           <ac:spMkLst>
             <pc:docMk/>
             <pc:sldMk cId="677601570" sldId="259"/>
@@ -1250,7 +1314,7 @@
           </ac:spMkLst>
         </pc:spChg>
         <pc:spChg chg="mod">
-          <ac:chgData name="Felipe Lopes de Oliveira" userId="7927722fe4027b30" providerId="LiveId" clId="{988CB3FB-85FE-4B18-8889-744054AB9037}" dt="2023-03-04T16:51:12.646" v="1018" actId="5736"/>
+          <ac:chgData name="Felipe Lopes de Oliveira" userId="7927722fe4027b30" providerId="LiveId" clId="{988CB3FB-85FE-4B18-8889-744054AB9037}" dt="2023-03-10T18:38:04.077" v="3377" actId="5736"/>
           <ac:spMkLst>
             <pc:docMk/>
             <pc:sldMk cId="677601570" sldId="259"/>
@@ -1258,15 +1322,103 @@
           </ac:spMkLst>
         </pc:spChg>
         <pc:spChg chg="mod">
-          <ac:chgData name="Felipe Lopes de Oliveira" userId="7927722fe4027b30" providerId="LiveId" clId="{988CB3FB-85FE-4B18-8889-744054AB9037}" dt="2023-03-04T16:51:12.646" v="1018" actId="5736"/>
+          <ac:chgData name="Felipe Lopes de Oliveira" userId="7927722fe4027b30" providerId="LiveId" clId="{988CB3FB-85FE-4B18-8889-744054AB9037}" dt="2023-03-10T18:38:04.077" v="3377" actId="5736"/>
           <ac:spMkLst>
             <pc:docMk/>
             <pc:sldMk cId="677601570" sldId="259"/>
             <ac:spMk id="111" creationId="{8B4F572D-38C0-4657-AE26-09F8002B643C}"/>
           </ac:spMkLst>
         </pc:spChg>
+        <pc:graphicFrameChg chg="add mod">
+          <ac:chgData name="Felipe Lopes de Oliveira" userId="7927722fe4027b30" providerId="LiveId" clId="{988CB3FB-85FE-4B18-8889-744054AB9037}" dt="2023-03-10T18:38:04.077" v="3377" actId="5736"/>
+          <ac:graphicFrameMkLst>
+            <pc:docMk/>
+            <pc:sldMk cId="677601570" sldId="259"/>
+            <ac:graphicFrameMk id="3" creationId="{4554C834-5DAB-C70D-C483-2C1ED140B634}"/>
+          </ac:graphicFrameMkLst>
+        </pc:graphicFrameChg>
+        <pc:graphicFrameChg chg="add mod">
+          <ac:chgData name="Felipe Lopes de Oliveira" userId="7927722fe4027b30" providerId="LiveId" clId="{988CB3FB-85FE-4B18-8889-744054AB9037}" dt="2023-03-10T18:38:04.077" v="3377" actId="5736"/>
+          <ac:graphicFrameMkLst>
+            <pc:docMk/>
+            <pc:sldMk cId="677601570" sldId="259"/>
+            <ac:graphicFrameMk id="4" creationId="{CAAF2F56-D395-E1C9-4B92-DE5C5444E34E}"/>
+          </ac:graphicFrameMkLst>
+        </pc:graphicFrameChg>
+        <pc:graphicFrameChg chg="add mod">
+          <ac:chgData name="Felipe Lopes de Oliveira" userId="7927722fe4027b30" providerId="LiveId" clId="{988CB3FB-85FE-4B18-8889-744054AB9037}" dt="2023-03-10T18:38:04.077" v="3377" actId="5736"/>
+          <ac:graphicFrameMkLst>
+            <pc:docMk/>
+            <pc:sldMk cId="677601570" sldId="259"/>
+            <ac:graphicFrameMk id="5" creationId="{201B5217-2B4F-EBE9-D008-922ABBB38550}"/>
+          </ac:graphicFrameMkLst>
+        </pc:graphicFrameChg>
+        <pc:graphicFrameChg chg="add mod">
+          <ac:chgData name="Felipe Lopes de Oliveira" userId="7927722fe4027b30" providerId="LiveId" clId="{988CB3FB-85FE-4B18-8889-744054AB9037}" dt="2023-03-10T18:38:04.077" v="3377" actId="5736"/>
+          <ac:graphicFrameMkLst>
+            <pc:docMk/>
+            <pc:sldMk cId="677601570" sldId="259"/>
+            <ac:graphicFrameMk id="6" creationId="{4832BF12-6B72-CD81-17F3-E43315811991}"/>
+          </ac:graphicFrameMkLst>
+        </pc:graphicFrameChg>
+        <pc:graphicFrameChg chg="add del mod">
+          <ac:chgData name="Felipe Lopes de Oliveira" userId="7927722fe4027b30" providerId="LiveId" clId="{988CB3FB-85FE-4B18-8889-744054AB9037}" dt="2023-03-10T18:31:07.343" v="3176" actId="478"/>
+          <ac:graphicFrameMkLst>
+            <pc:docMk/>
+            <pc:sldMk cId="677601570" sldId="259"/>
+            <ac:graphicFrameMk id="9" creationId="{9F3CBAF6-8225-C32D-58A2-6DBCBC2F8BCA}"/>
+          </ac:graphicFrameMkLst>
+        </pc:graphicFrameChg>
+        <pc:graphicFrameChg chg="add mod">
+          <ac:chgData name="Felipe Lopes de Oliveira" userId="7927722fe4027b30" providerId="LiveId" clId="{988CB3FB-85FE-4B18-8889-744054AB9037}" dt="2023-03-10T18:38:04.077" v="3377" actId="5736"/>
+          <ac:graphicFrameMkLst>
+            <pc:docMk/>
+            <pc:sldMk cId="677601570" sldId="259"/>
+            <ac:graphicFrameMk id="10" creationId="{004A1533-7761-B113-8AB7-8E3C8EE23045}"/>
+          </ac:graphicFrameMkLst>
+        </pc:graphicFrameChg>
+        <pc:graphicFrameChg chg="add mod">
+          <ac:chgData name="Felipe Lopes de Oliveira" userId="7927722fe4027b30" providerId="LiveId" clId="{988CB3FB-85FE-4B18-8889-744054AB9037}" dt="2023-03-10T18:38:04.077" v="3377" actId="5736"/>
+          <ac:graphicFrameMkLst>
+            <pc:docMk/>
+            <pc:sldMk cId="677601570" sldId="259"/>
+            <ac:graphicFrameMk id="11" creationId="{D17EB4BA-E8E1-02F5-A00B-73012A3B77F1}"/>
+          </ac:graphicFrameMkLst>
+        </pc:graphicFrameChg>
+        <pc:graphicFrameChg chg="add mod">
+          <ac:chgData name="Felipe Lopes de Oliveira" userId="7927722fe4027b30" providerId="LiveId" clId="{988CB3FB-85FE-4B18-8889-744054AB9037}" dt="2023-03-10T18:38:04.077" v="3377" actId="5736"/>
+          <ac:graphicFrameMkLst>
+            <pc:docMk/>
+            <pc:sldMk cId="677601570" sldId="259"/>
+            <ac:graphicFrameMk id="12" creationId="{B7EE496E-7C62-62C4-6ED2-1C0D162098CC}"/>
+          </ac:graphicFrameMkLst>
+        </pc:graphicFrameChg>
+        <pc:graphicFrameChg chg="add mod">
+          <ac:chgData name="Felipe Lopes de Oliveira" userId="7927722fe4027b30" providerId="LiveId" clId="{988CB3FB-85FE-4B18-8889-744054AB9037}" dt="2023-03-10T18:38:04.077" v="3377" actId="5736"/>
+          <ac:graphicFrameMkLst>
+            <pc:docMk/>
+            <pc:sldMk cId="677601570" sldId="259"/>
+            <ac:graphicFrameMk id="13" creationId="{E685A9D2-19C2-7152-FEFA-87E52AACC534}"/>
+          </ac:graphicFrameMkLst>
+        </pc:graphicFrameChg>
+        <pc:graphicFrameChg chg="add mod">
+          <ac:chgData name="Felipe Lopes de Oliveira" userId="7927722fe4027b30" providerId="LiveId" clId="{988CB3FB-85FE-4B18-8889-744054AB9037}" dt="2023-03-10T18:38:04.077" v="3377" actId="5736"/>
+          <ac:graphicFrameMkLst>
+            <pc:docMk/>
+            <pc:sldMk cId="677601570" sldId="259"/>
+            <ac:graphicFrameMk id="14" creationId="{54461B92-AA52-E127-D5B5-444B0C7FCB1E}"/>
+          </ac:graphicFrameMkLst>
+        </pc:graphicFrameChg>
+        <pc:graphicFrameChg chg="add mod">
+          <ac:chgData name="Felipe Lopes de Oliveira" userId="7927722fe4027b30" providerId="LiveId" clId="{988CB3FB-85FE-4B18-8889-744054AB9037}" dt="2023-03-10T18:38:04.077" v="3377" actId="5736"/>
+          <ac:graphicFrameMkLst>
+            <pc:docMk/>
+            <pc:sldMk cId="677601570" sldId="259"/>
+            <ac:graphicFrameMk id="15" creationId="{F27F8F4F-4FBC-7867-7413-DB5457A0EA3F}"/>
+          </ac:graphicFrameMkLst>
+        </pc:graphicFrameChg>
         <pc:graphicFrameChg chg="mod">
-          <ac:chgData name="Felipe Lopes de Oliveira" userId="7927722fe4027b30" providerId="LiveId" clId="{988CB3FB-85FE-4B18-8889-744054AB9037}" dt="2023-03-04T16:51:12.646" v="1018" actId="5736"/>
+          <ac:chgData name="Felipe Lopes de Oliveira" userId="7927722fe4027b30" providerId="LiveId" clId="{988CB3FB-85FE-4B18-8889-744054AB9037}" dt="2023-03-10T18:38:04.077" v="3377" actId="5736"/>
           <ac:graphicFrameMkLst>
             <pc:docMk/>
             <pc:sldMk cId="677601570" sldId="259"/>
@@ -1274,7 +1426,7 @@
           </ac:graphicFrameMkLst>
         </pc:graphicFrameChg>
         <pc:graphicFrameChg chg="mod">
-          <ac:chgData name="Felipe Lopes de Oliveira" userId="7927722fe4027b30" providerId="LiveId" clId="{988CB3FB-85FE-4B18-8889-744054AB9037}" dt="2023-03-04T16:51:12.646" v="1018" actId="5736"/>
+          <ac:chgData name="Felipe Lopes de Oliveira" userId="7927722fe4027b30" providerId="LiveId" clId="{988CB3FB-85FE-4B18-8889-744054AB9037}" dt="2023-03-10T18:38:04.077" v="3377" actId="5736"/>
           <ac:graphicFrameMkLst>
             <pc:docMk/>
             <pc:sldMk cId="677601570" sldId="259"/>
@@ -1282,7 +1434,7 @@
           </ac:graphicFrameMkLst>
         </pc:graphicFrameChg>
         <pc:graphicFrameChg chg="mod">
-          <ac:chgData name="Felipe Lopes de Oliveira" userId="7927722fe4027b30" providerId="LiveId" clId="{988CB3FB-85FE-4B18-8889-744054AB9037}" dt="2023-03-04T16:51:12.646" v="1018" actId="5736"/>
+          <ac:chgData name="Felipe Lopes de Oliveira" userId="7927722fe4027b30" providerId="LiveId" clId="{988CB3FB-85FE-4B18-8889-744054AB9037}" dt="2023-03-10T18:38:04.077" v="3377" actId="5736"/>
           <ac:graphicFrameMkLst>
             <pc:docMk/>
             <pc:sldMk cId="677601570" sldId="259"/>
@@ -1290,7 +1442,7 @@
           </ac:graphicFrameMkLst>
         </pc:graphicFrameChg>
         <pc:graphicFrameChg chg="mod">
-          <ac:chgData name="Felipe Lopes de Oliveira" userId="7927722fe4027b30" providerId="LiveId" clId="{988CB3FB-85FE-4B18-8889-744054AB9037}" dt="2023-03-04T16:51:12.646" v="1018" actId="5736"/>
+          <ac:chgData name="Felipe Lopes de Oliveira" userId="7927722fe4027b30" providerId="LiveId" clId="{988CB3FB-85FE-4B18-8889-744054AB9037}" dt="2023-03-10T18:38:04.077" v="3377" actId="5736"/>
           <ac:graphicFrameMkLst>
             <pc:docMk/>
             <pc:sldMk cId="677601570" sldId="259"/>
@@ -1298,7 +1450,7 @@
           </ac:graphicFrameMkLst>
         </pc:graphicFrameChg>
         <pc:graphicFrameChg chg="mod">
-          <ac:chgData name="Felipe Lopes de Oliveira" userId="7927722fe4027b30" providerId="LiveId" clId="{988CB3FB-85FE-4B18-8889-744054AB9037}" dt="2023-03-04T16:51:12.646" v="1018" actId="5736"/>
+          <ac:chgData name="Felipe Lopes de Oliveira" userId="7927722fe4027b30" providerId="LiveId" clId="{988CB3FB-85FE-4B18-8889-744054AB9037}" dt="2023-03-10T18:38:04.077" v="3377" actId="5736"/>
           <ac:graphicFrameMkLst>
             <pc:docMk/>
             <pc:sldMk cId="677601570" sldId="259"/>
@@ -1426,7 +1578,7 @@
         </pc:graphicFrameChg>
       </pc:sldChg>
       <pc:sldChg chg="addSp delSp modSp add mod">
-        <pc:chgData name="Felipe Lopes de Oliveira" userId="7927722fe4027b30" providerId="LiveId" clId="{988CB3FB-85FE-4B18-8889-744054AB9037}" dt="2023-03-04T16:51:29.727" v="1019" actId="5736"/>
+        <pc:chgData name="Felipe Lopes de Oliveira" userId="7927722fe4027b30" providerId="LiveId" clId="{988CB3FB-85FE-4B18-8889-744054AB9037}" dt="2023-03-10T17:48:21.639" v="3133" actId="1076"/>
         <pc:sldMkLst>
           <pc:docMk/>
           <pc:sldMk cId="4037734867" sldId="261"/>
@@ -1440,7 +1592,7 @@
           </ac:spMkLst>
         </pc:spChg>
         <pc:spChg chg="add mod">
-          <ac:chgData name="Felipe Lopes de Oliveira" userId="7927722fe4027b30" providerId="LiveId" clId="{988CB3FB-85FE-4B18-8889-744054AB9037}" dt="2023-03-04T16:51:29.727" v="1019" actId="5736"/>
+          <ac:chgData name="Felipe Lopes de Oliveira" userId="7927722fe4027b30" providerId="LiveId" clId="{988CB3FB-85FE-4B18-8889-744054AB9037}" dt="2023-03-10T17:48:21.639" v="3133" actId="1076"/>
           <ac:spMkLst>
             <pc:docMk/>
             <pc:sldMk cId="4037734867" sldId="261"/>
@@ -1456,7 +1608,7 @@
           </ac:spMkLst>
         </pc:spChg>
         <pc:spChg chg="add mod">
-          <ac:chgData name="Felipe Lopes de Oliveira" userId="7927722fe4027b30" providerId="LiveId" clId="{988CB3FB-85FE-4B18-8889-744054AB9037}" dt="2023-03-04T16:51:29.727" v="1019" actId="5736"/>
+          <ac:chgData name="Felipe Lopes de Oliveira" userId="7927722fe4027b30" providerId="LiveId" clId="{988CB3FB-85FE-4B18-8889-744054AB9037}" dt="2023-03-10T17:48:21.639" v="3133" actId="1076"/>
           <ac:spMkLst>
             <pc:docMk/>
             <pc:sldMk cId="4037734867" sldId="261"/>
@@ -1464,7 +1616,7 @@
           </ac:spMkLst>
         </pc:spChg>
         <pc:spChg chg="add mod">
-          <ac:chgData name="Felipe Lopes de Oliveira" userId="7927722fe4027b30" providerId="LiveId" clId="{988CB3FB-85FE-4B18-8889-744054AB9037}" dt="2023-03-04T16:51:29.727" v="1019" actId="5736"/>
+          <ac:chgData name="Felipe Lopes de Oliveira" userId="7927722fe4027b30" providerId="LiveId" clId="{988CB3FB-85FE-4B18-8889-744054AB9037}" dt="2023-03-10T17:48:21.639" v="3133" actId="1076"/>
           <ac:spMkLst>
             <pc:docMk/>
             <pc:sldMk cId="4037734867" sldId="261"/>
@@ -1472,7 +1624,7 @@
           </ac:spMkLst>
         </pc:spChg>
         <pc:spChg chg="add mod">
-          <ac:chgData name="Felipe Lopes de Oliveira" userId="7927722fe4027b30" providerId="LiveId" clId="{988CB3FB-85FE-4B18-8889-744054AB9037}" dt="2023-03-04T16:51:29.727" v="1019" actId="5736"/>
+          <ac:chgData name="Felipe Lopes de Oliveira" userId="7927722fe4027b30" providerId="LiveId" clId="{988CB3FB-85FE-4B18-8889-744054AB9037}" dt="2023-03-10T17:48:21.639" v="3133" actId="1076"/>
           <ac:spMkLst>
             <pc:docMk/>
             <pc:sldMk cId="4037734867" sldId="261"/>
@@ -1480,7 +1632,7 @@
           </ac:spMkLst>
         </pc:spChg>
         <pc:spChg chg="add mod">
-          <ac:chgData name="Felipe Lopes de Oliveira" userId="7927722fe4027b30" providerId="LiveId" clId="{988CB3FB-85FE-4B18-8889-744054AB9037}" dt="2023-03-04T16:51:29.727" v="1019" actId="5736"/>
+          <ac:chgData name="Felipe Lopes de Oliveira" userId="7927722fe4027b30" providerId="LiveId" clId="{988CB3FB-85FE-4B18-8889-744054AB9037}" dt="2023-03-10T17:48:21.639" v="3133" actId="1076"/>
           <ac:spMkLst>
             <pc:docMk/>
             <pc:sldMk cId="4037734867" sldId="261"/>
@@ -1488,7 +1640,7 @@
           </ac:spMkLst>
         </pc:spChg>
         <pc:spChg chg="add mod">
-          <ac:chgData name="Felipe Lopes de Oliveira" userId="7927722fe4027b30" providerId="LiveId" clId="{988CB3FB-85FE-4B18-8889-744054AB9037}" dt="2023-03-04T16:51:29.727" v="1019" actId="5736"/>
+          <ac:chgData name="Felipe Lopes de Oliveira" userId="7927722fe4027b30" providerId="LiveId" clId="{988CB3FB-85FE-4B18-8889-744054AB9037}" dt="2023-03-10T17:48:21.639" v="3133" actId="1076"/>
           <ac:spMkLst>
             <pc:docMk/>
             <pc:sldMk cId="4037734867" sldId="261"/>
@@ -1496,7 +1648,7 @@
           </ac:spMkLst>
         </pc:spChg>
         <pc:spChg chg="add mod">
-          <ac:chgData name="Felipe Lopes de Oliveira" userId="7927722fe4027b30" providerId="LiveId" clId="{988CB3FB-85FE-4B18-8889-744054AB9037}" dt="2023-03-04T16:51:29.727" v="1019" actId="5736"/>
+          <ac:chgData name="Felipe Lopes de Oliveira" userId="7927722fe4027b30" providerId="LiveId" clId="{988CB3FB-85FE-4B18-8889-744054AB9037}" dt="2023-03-10T17:48:21.639" v="3133" actId="1076"/>
           <ac:spMkLst>
             <pc:docMk/>
             <pc:sldMk cId="4037734867" sldId="261"/>
@@ -1504,7 +1656,7 @@
           </ac:spMkLst>
         </pc:spChg>
         <pc:spChg chg="add mod">
-          <ac:chgData name="Felipe Lopes de Oliveira" userId="7927722fe4027b30" providerId="LiveId" clId="{988CB3FB-85FE-4B18-8889-744054AB9037}" dt="2023-03-04T16:51:29.727" v="1019" actId="5736"/>
+          <ac:chgData name="Felipe Lopes de Oliveira" userId="7927722fe4027b30" providerId="LiveId" clId="{988CB3FB-85FE-4B18-8889-744054AB9037}" dt="2023-03-10T17:48:21.639" v="3133" actId="1076"/>
           <ac:spMkLst>
             <pc:docMk/>
             <pc:sldMk cId="4037734867" sldId="261"/>
@@ -1512,7 +1664,7 @@
           </ac:spMkLst>
         </pc:spChg>
         <pc:spChg chg="add mod">
-          <ac:chgData name="Felipe Lopes de Oliveira" userId="7927722fe4027b30" providerId="LiveId" clId="{988CB3FB-85FE-4B18-8889-744054AB9037}" dt="2023-03-04T16:51:29.727" v="1019" actId="5736"/>
+          <ac:chgData name="Felipe Lopes de Oliveira" userId="7927722fe4027b30" providerId="LiveId" clId="{988CB3FB-85FE-4B18-8889-744054AB9037}" dt="2023-03-10T17:48:21.639" v="3133" actId="1076"/>
           <ac:spMkLst>
             <pc:docMk/>
             <pc:sldMk cId="4037734867" sldId="261"/>
@@ -1520,7 +1672,7 @@
           </ac:spMkLst>
         </pc:spChg>
         <pc:spChg chg="add mod">
-          <ac:chgData name="Felipe Lopes de Oliveira" userId="7927722fe4027b30" providerId="LiveId" clId="{988CB3FB-85FE-4B18-8889-744054AB9037}" dt="2023-03-04T16:51:29.727" v="1019" actId="5736"/>
+          <ac:chgData name="Felipe Lopes de Oliveira" userId="7927722fe4027b30" providerId="LiveId" clId="{988CB3FB-85FE-4B18-8889-744054AB9037}" dt="2023-03-10T17:48:21.639" v="3133" actId="1076"/>
           <ac:spMkLst>
             <pc:docMk/>
             <pc:sldMk cId="4037734867" sldId="261"/>
@@ -1528,7 +1680,7 @@
           </ac:spMkLst>
         </pc:spChg>
         <pc:spChg chg="mod">
-          <ac:chgData name="Felipe Lopes de Oliveira" userId="7927722fe4027b30" providerId="LiveId" clId="{988CB3FB-85FE-4B18-8889-744054AB9037}" dt="2023-03-04T16:51:29.727" v="1019" actId="5736"/>
+          <ac:chgData name="Felipe Lopes de Oliveira" userId="7927722fe4027b30" providerId="LiveId" clId="{988CB3FB-85FE-4B18-8889-744054AB9037}" dt="2023-03-10T17:48:21.639" v="3133" actId="1076"/>
           <ac:spMkLst>
             <pc:docMk/>
             <pc:sldMk cId="4037734867" sldId="261"/>
@@ -1536,7 +1688,7 @@
           </ac:spMkLst>
         </pc:spChg>
         <pc:spChg chg="add del mod">
-          <ac:chgData name="Felipe Lopes de Oliveira" userId="7927722fe4027b30" providerId="LiveId" clId="{988CB3FB-85FE-4B18-8889-744054AB9037}" dt="2023-03-04T16:51:29.727" v="1019" actId="5736"/>
+          <ac:chgData name="Felipe Lopes de Oliveira" userId="7927722fe4027b30" providerId="LiveId" clId="{988CB3FB-85FE-4B18-8889-744054AB9037}" dt="2023-03-10T17:48:21.639" v="3133" actId="1076"/>
           <ac:spMkLst>
             <pc:docMk/>
             <pc:sldMk cId="4037734867" sldId="261"/>
@@ -1768,7 +1920,7 @@
           </ac:grpSpMkLst>
         </pc:grpChg>
         <pc:graphicFrameChg chg="add mod">
-          <ac:chgData name="Felipe Lopes de Oliveira" userId="7927722fe4027b30" providerId="LiveId" clId="{988CB3FB-85FE-4B18-8889-744054AB9037}" dt="2023-03-04T16:51:29.727" v="1019" actId="5736"/>
+          <ac:chgData name="Felipe Lopes de Oliveira" userId="7927722fe4027b30" providerId="LiveId" clId="{988CB3FB-85FE-4B18-8889-744054AB9037}" dt="2023-03-10T17:48:21.639" v="3133" actId="1076"/>
           <ac:graphicFrameMkLst>
             <pc:docMk/>
             <pc:sldMk cId="4037734867" sldId="261"/>
@@ -1776,7 +1928,7 @@
           </ac:graphicFrameMkLst>
         </pc:graphicFrameChg>
         <pc:graphicFrameChg chg="add mod">
-          <ac:chgData name="Felipe Lopes de Oliveira" userId="7927722fe4027b30" providerId="LiveId" clId="{988CB3FB-85FE-4B18-8889-744054AB9037}" dt="2023-03-04T16:51:29.727" v="1019" actId="5736"/>
+          <ac:chgData name="Felipe Lopes de Oliveira" userId="7927722fe4027b30" providerId="LiveId" clId="{988CB3FB-85FE-4B18-8889-744054AB9037}" dt="2023-03-10T17:48:21.639" v="3133" actId="1076"/>
           <ac:graphicFrameMkLst>
             <pc:docMk/>
             <pc:sldMk cId="4037734867" sldId="261"/>
@@ -1784,7 +1936,7 @@
           </ac:graphicFrameMkLst>
         </pc:graphicFrameChg>
         <pc:graphicFrameChg chg="mod topLvl">
-          <ac:chgData name="Felipe Lopes de Oliveira" userId="7927722fe4027b30" providerId="LiveId" clId="{988CB3FB-85FE-4B18-8889-744054AB9037}" dt="2023-03-04T16:51:29.727" v="1019" actId="5736"/>
+          <ac:chgData name="Felipe Lopes de Oliveira" userId="7927722fe4027b30" providerId="LiveId" clId="{988CB3FB-85FE-4B18-8889-744054AB9037}" dt="2023-03-10T17:48:21.639" v="3133" actId="1076"/>
           <ac:graphicFrameMkLst>
             <pc:docMk/>
             <pc:sldMk cId="4037734867" sldId="261"/>
@@ -1792,7 +1944,7 @@
           </ac:graphicFrameMkLst>
         </pc:graphicFrameChg>
         <pc:graphicFrameChg chg="mod topLvl">
-          <ac:chgData name="Felipe Lopes de Oliveira" userId="7927722fe4027b30" providerId="LiveId" clId="{988CB3FB-85FE-4B18-8889-744054AB9037}" dt="2023-03-04T16:51:29.727" v="1019" actId="5736"/>
+          <ac:chgData name="Felipe Lopes de Oliveira" userId="7927722fe4027b30" providerId="LiveId" clId="{988CB3FB-85FE-4B18-8889-744054AB9037}" dt="2023-03-10T17:48:21.639" v="3133" actId="1076"/>
           <ac:graphicFrameMkLst>
             <pc:docMk/>
             <pc:sldMk cId="4037734867" sldId="261"/>
@@ -1800,7 +1952,7 @@
           </ac:graphicFrameMkLst>
         </pc:graphicFrameChg>
         <pc:graphicFrameChg chg="mod topLvl">
-          <ac:chgData name="Felipe Lopes de Oliveira" userId="7927722fe4027b30" providerId="LiveId" clId="{988CB3FB-85FE-4B18-8889-744054AB9037}" dt="2023-03-04T16:51:29.727" v="1019" actId="5736"/>
+          <ac:chgData name="Felipe Lopes de Oliveira" userId="7927722fe4027b30" providerId="LiveId" clId="{988CB3FB-85FE-4B18-8889-744054AB9037}" dt="2023-03-10T17:48:21.639" v="3133" actId="1076"/>
           <ac:graphicFrameMkLst>
             <pc:docMk/>
             <pc:sldMk cId="4037734867" sldId="261"/>
@@ -1808,7 +1960,7 @@
           </ac:graphicFrameMkLst>
         </pc:graphicFrameChg>
         <pc:graphicFrameChg chg="mod topLvl">
-          <ac:chgData name="Felipe Lopes de Oliveira" userId="7927722fe4027b30" providerId="LiveId" clId="{988CB3FB-85FE-4B18-8889-744054AB9037}" dt="2023-03-04T16:51:29.727" v="1019" actId="5736"/>
+          <ac:chgData name="Felipe Lopes de Oliveira" userId="7927722fe4027b30" providerId="LiveId" clId="{988CB3FB-85FE-4B18-8889-744054AB9037}" dt="2023-03-10T17:48:21.639" v="3133" actId="1076"/>
           <ac:graphicFrameMkLst>
             <pc:docMk/>
             <pc:sldMk cId="4037734867" sldId="261"/>
@@ -1816,7 +1968,7 @@
           </ac:graphicFrameMkLst>
         </pc:graphicFrameChg>
         <pc:graphicFrameChg chg="mod topLvl">
-          <ac:chgData name="Felipe Lopes de Oliveira" userId="7927722fe4027b30" providerId="LiveId" clId="{988CB3FB-85FE-4B18-8889-744054AB9037}" dt="2023-03-04T16:51:29.727" v="1019" actId="5736"/>
+          <ac:chgData name="Felipe Lopes de Oliveira" userId="7927722fe4027b30" providerId="LiveId" clId="{988CB3FB-85FE-4B18-8889-744054AB9037}" dt="2023-03-10T17:48:21.639" v="3133" actId="1076"/>
           <ac:graphicFrameMkLst>
             <pc:docMk/>
             <pc:sldMk cId="4037734867" sldId="261"/>
@@ -1824,7 +1976,7 @@
           </ac:graphicFrameMkLst>
         </pc:graphicFrameChg>
         <pc:graphicFrameChg chg="mod topLvl">
-          <ac:chgData name="Felipe Lopes de Oliveira" userId="7927722fe4027b30" providerId="LiveId" clId="{988CB3FB-85FE-4B18-8889-744054AB9037}" dt="2023-03-04T16:51:29.727" v="1019" actId="5736"/>
+          <ac:chgData name="Felipe Lopes de Oliveira" userId="7927722fe4027b30" providerId="LiveId" clId="{988CB3FB-85FE-4B18-8889-744054AB9037}" dt="2023-03-10T17:48:21.639" v="3133" actId="1076"/>
           <ac:graphicFrameMkLst>
             <pc:docMk/>
             <pc:sldMk cId="4037734867" sldId="261"/>
@@ -1832,7 +1984,7 @@
           </ac:graphicFrameMkLst>
         </pc:graphicFrameChg>
         <pc:graphicFrameChg chg="mod topLvl">
-          <ac:chgData name="Felipe Lopes de Oliveira" userId="7927722fe4027b30" providerId="LiveId" clId="{988CB3FB-85FE-4B18-8889-744054AB9037}" dt="2023-03-04T16:51:29.727" v="1019" actId="5736"/>
+          <ac:chgData name="Felipe Lopes de Oliveira" userId="7927722fe4027b30" providerId="LiveId" clId="{988CB3FB-85FE-4B18-8889-744054AB9037}" dt="2023-03-10T17:48:21.639" v="3133" actId="1076"/>
           <ac:graphicFrameMkLst>
             <pc:docMk/>
             <pc:sldMk cId="4037734867" sldId="261"/>
@@ -1840,7 +1992,7 @@
           </ac:graphicFrameMkLst>
         </pc:graphicFrameChg>
         <pc:graphicFrameChg chg="add mod">
-          <ac:chgData name="Felipe Lopes de Oliveira" userId="7927722fe4027b30" providerId="LiveId" clId="{988CB3FB-85FE-4B18-8889-744054AB9037}" dt="2023-03-04T16:51:29.727" v="1019" actId="5736"/>
+          <ac:chgData name="Felipe Lopes de Oliveira" userId="7927722fe4027b30" providerId="LiveId" clId="{988CB3FB-85FE-4B18-8889-744054AB9037}" dt="2023-03-10T17:48:21.639" v="3133" actId="1076"/>
           <ac:graphicFrameMkLst>
             <pc:docMk/>
             <pc:sldMk cId="4037734867" sldId="261"/>
@@ -1922,8 +2074,8 @@
         </p:nvSpPr>
         <p:spPr>
           <a:xfrm>
-            <a:off x="864037" y="1826438"/>
-            <a:ext cx="9792415" cy="3885377"/>
+            <a:off x="864037" y="2238751"/>
+            <a:ext cx="9792415" cy="4762488"/>
           </a:xfrm>
         </p:spPr>
         <p:txBody>
@@ -1954,8 +2106,8 @@
         </p:nvSpPr>
         <p:spPr>
           <a:xfrm>
-            <a:off x="1440061" y="5861650"/>
-            <a:ext cx="8640366" cy="2694446"/>
+            <a:off x="1440061" y="7184899"/>
+            <a:ext cx="8640366" cy="3302709"/>
           </a:xfrm>
         </p:spPr>
         <p:txBody>
@@ -2024,7 +2176,7 @@
           <a:p>
             <a:fld id="{DBC44DCA-8DCD-44D5-A529-810413827672}" type="datetimeFigureOut">
               <a:rPr lang="pt-BR" smtClean="0"/>
-              <a:t>05/03/2023</a:t>
+              <a:t>10/03/2023</a:t>
             </a:fld>
             <a:endParaRPr lang="pt-BR"/>
           </a:p>
@@ -2075,7 +2227,7 @@
     </p:spTree>
     <p:extLst>
       <p:ext uri="{BB962C8B-B14F-4D97-AF65-F5344CB8AC3E}">
-        <p14:creationId xmlns:p14="http://schemas.microsoft.com/office/powerpoint/2010/main" val="3116709444"/>
+        <p14:creationId xmlns:p14="http://schemas.microsoft.com/office/powerpoint/2010/main" val="1603706388"/>
       </p:ext>
     </p:extLst>
   </p:cSld>
@@ -2194,7 +2346,7 @@
           <a:p>
             <a:fld id="{DBC44DCA-8DCD-44D5-A529-810413827672}" type="datetimeFigureOut">
               <a:rPr lang="pt-BR" smtClean="0"/>
-              <a:t>05/03/2023</a:t>
+              <a:t>10/03/2023</a:t>
             </a:fld>
             <a:endParaRPr lang="pt-BR"/>
           </a:p>
@@ -2245,7 +2397,7 @@
     </p:spTree>
     <p:extLst>
       <p:ext uri="{BB962C8B-B14F-4D97-AF65-F5344CB8AC3E}">
-        <p14:creationId xmlns:p14="http://schemas.microsoft.com/office/powerpoint/2010/main" val="215157155"/>
+        <p14:creationId xmlns:p14="http://schemas.microsoft.com/office/powerpoint/2010/main" val="518058503"/>
       </p:ext>
     </p:extLst>
   </p:cSld>
@@ -2284,8 +2436,8 @@
         </p:nvSpPr>
         <p:spPr>
           <a:xfrm>
-            <a:off x="8244350" y="594173"/>
-            <a:ext cx="2484105" cy="9457690"/>
+            <a:off x="8244350" y="728306"/>
+            <a:ext cx="2484105" cy="11592734"/>
           </a:xfrm>
         </p:spPr>
         <p:txBody>
@@ -2312,8 +2464,8 @@
         </p:nvSpPr>
         <p:spPr>
           <a:xfrm>
-            <a:off x="792034" y="594173"/>
-            <a:ext cx="7308310" cy="9457690"/>
+            <a:off x="792034" y="728306"/>
+            <a:ext cx="7308310" cy="11592734"/>
           </a:xfrm>
         </p:spPr>
         <p:txBody>
@@ -2374,7 +2526,7 @@
           <a:p>
             <a:fld id="{DBC44DCA-8DCD-44D5-A529-810413827672}" type="datetimeFigureOut">
               <a:rPr lang="pt-BR" smtClean="0"/>
-              <a:t>05/03/2023</a:t>
+              <a:t>10/03/2023</a:t>
             </a:fld>
             <a:endParaRPr lang="pt-BR"/>
           </a:p>
@@ -2425,7 +2577,7 @@
     </p:spTree>
     <p:extLst>
       <p:ext uri="{BB962C8B-B14F-4D97-AF65-F5344CB8AC3E}">
-        <p14:creationId xmlns:p14="http://schemas.microsoft.com/office/powerpoint/2010/main" val="497520173"/>
+        <p14:creationId xmlns:p14="http://schemas.microsoft.com/office/powerpoint/2010/main" val="439143355"/>
       </p:ext>
     </p:extLst>
   </p:cSld>
@@ -2544,7 +2696,7 @@
           <a:p>
             <a:fld id="{DBC44DCA-8DCD-44D5-A529-810413827672}" type="datetimeFigureOut">
               <a:rPr lang="pt-BR" smtClean="0"/>
-              <a:t>05/03/2023</a:t>
+              <a:t>10/03/2023</a:t>
             </a:fld>
             <a:endParaRPr lang="pt-BR"/>
           </a:p>
@@ -2595,7 +2747,7 @@
     </p:spTree>
     <p:extLst>
       <p:ext uri="{BB962C8B-B14F-4D97-AF65-F5344CB8AC3E}">
-        <p14:creationId xmlns:p14="http://schemas.microsoft.com/office/powerpoint/2010/main" val="2083170103"/>
+        <p14:creationId xmlns:p14="http://schemas.microsoft.com/office/powerpoint/2010/main" val="1527227607"/>
       </p:ext>
     </p:extLst>
   </p:cSld>
@@ -2634,8 +2786,8 @@
         </p:nvSpPr>
         <p:spPr>
           <a:xfrm>
-            <a:off x="786034" y="2782285"/>
-            <a:ext cx="9936421" cy="4642301"/>
+            <a:off x="786034" y="3410376"/>
+            <a:ext cx="9936421" cy="5690286"/>
           </a:xfrm>
         </p:spPr>
         <p:txBody>
@@ -2666,8 +2818,8 @@
         </p:nvSpPr>
         <p:spPr>
           <a:xfrm>
-            <a:off x="786034" y="7468503"/>
-            <a:ext cx="9936421" cy="2441277"/>
+            <a:off x="786034" y="9154495"/>
+            <a:ext cx="9936421" cy="2992387"/>
           </a:xfrm>
         </p:spPr>
         <p:txBody>
@@ -2788,7 +2940,7 @@
           <a:p>
             <a:fld id="{DBC44DCA-8DCD-44D5-A529-810413827672}" type="datetimeFigureOut">
               <a:rPr lang="pt-BR" smtClean="0"/>
-              <a:t>05/03/2023</a:t>
+              <a:t>10/03/2023</a:t>
             </a:fld>
             <a:endParaRPr lang="pt-BR"/>
           </a:p>
@@ -2839,7 +2991,7 @@
     </p:spTree>
     <p:extLst>
       <p:ext uri="{BB962C8B-B14F-4D97-AF65-F5344CB8AC3E}">
-        <p14:creationId xmlns:p14="http://schemas.microsoft.com/office/powerpoint/2010/main" val="3134789593"/>
+        <p14:creationId xmlns:p14="http://schemas.microsoft.com/office/powerpoint/2010/main" val="858221181"/>
       </p:ext>
     </p:extLst>
   </p:cSld>
@@ -2901,8 +3053,8 @@
         </p:nvSpPr>
         <p:spPr>
           <a:xfrm>
-            <a:off x="792034" y="2970867"/>
-            <a:ext cx="4896207" cy="7080997"/>
+            <a:off x="792034" y="3641531"/>
+            <a:ext cx="4896207" cy="8679509"/>
           </a:xfrm>
         </p:spPr>
         <p:txBody>
@@ -2958,8 +3110,8 @@
         </p:nvSpPr>
         <p:spPr>
           <a:xfrm>
-            <a:off x="5832247" y="2970867"/>
-            <a:ext cx="4896207" cy="7080997"/>
+            <a:off x="5832247" y="3641531"/>
+            <a:ext cx="4896207" cy="8679509"/>
           </a:xfrm>
         </p:spPr>
         <p:txBody>
@@ -3020,7 +3172,7 @@
           <a:p>
             <a:fld id="{DBC44DCA-8DCD-44D5-A529-810413827672}" type="datetimeFigureOut">
               <a:rPr lang="pt-BR" smtClean="0"/>
-              <a:t>05/03/2023</a:t>
+              <a:t>10/03/2023</a:t>
             </a:fld>
             <a:endParaRPr lang="pt-BR"/>
           </a:p>
@@ -3071,7 +3223,7 @@
     </p:spTree>
     <p:extLst>
       <p:ext uri="{BB962C8B-B14F-4D97-AF65-F5344CB8AC3E}">
-        <p14:creationId xmlns:p14="http://schemas.microsoft.com/office/powerpoint/2010/main" val="395140623"/>
+        <p14:creationId xmlns:p14="http://schemas.microsoft.com/office/powerpoint/2010/main" val="3541789526"/>
       </p:ext>
     </p:extLst>
   </p:cSld>
@@ -3110,8 +3262,8 @@
         </p:nvSpPr>
         <p:spPr>
           <a:xfrm>
-            <a:off x="793534" y="594176"/>
-            <a:ext cx="9936421" cy="2157108"/>
+            <a:off x="793534" y="728309"/>
+            <a:ext cx="9936421" cy="2644069"/>
           </a:xfrm>
         </p:spPr>
         <p:txBody>
@@ -3138,8 +3290,8 @@
         </p:nvSpPr>
         <p:spPr>
           <a:xfrm>
-            <a:off x="793535" y="2735782"/>
-            <a:ext cx="4873706" cy="1340764"/>
+            <a:off x="793535" y="3353376"/>
+            <a:ext cx="4873706" cy="1643437"/>
           </a:xfrm>
         </p:spPr>
         <p:txBody>
@@ -3203,8 +3355,8 @@
         </p:nvSpPr>
         <p:spPr>
           <a:xfrm>
-            <a:off x="793535" y="4076545"/>
-            <a:ext cx="4873706" cy="5995985"/>
+            <a:off x="793535" y="4996813"/>
+            <a:ext cx="4873706" cy="7349559"/>
           </a:xfrm>
         </p:spPr>
         <p:txBody>
@@ -3260,8 +3412,8 @@
         </p:nvSpPr>
         <p:spPr>
           <a:xfrm>
-            <a:off x="5832248" y="2735782"/>
-            <a:ext cx="4897708" cy="1340764"/>
+            <a:off x="5832248" y="3353376"/>
+            <a:ext cx="4897708" cy="1643437"/>
           </a:xfrm>
         </p:spPr>
         <p:txBody>
@@ -3325,8 +3477,8 @@
         </p:nvSpPr>
         <p:spPr>
           <a:xfrm>
-            <a:off x="5832248" y="4076545"/>
-            <a:ext cx="4897708" cy="5995985"/>
+            <a:off x="5832248" y="4996813"/>
+            <a:ext cx="4897708" cy="7349559"/>
           </a:xfrm>
         </p:spPr>
         <p:txBody>
@@ -3387,7 +3539,7 @@
           <a:p>
             <a:fld id="{DBC44DCA-8DCD-44D5-A529-810413827672}" type="datetimeFigureOut">
               <a:rPr lang="pt-BR" smtClean="0"/>
-              <a:t>05/03/2023</a:t>
+              <a:t>10/03/2023</a:t>
             </a:fld>
             <a:endParaRPr lang="pt-BR"/>
           </a:p>
@@ -3438,7 +3590,7 @@
     </p:spTree>
     <p:extLst>
       <p:ext uri="{BB962C8B-B14F-4D97-AF65-F5344CB8AC3E}">
-        <p14:creationId xmlns:p14="http://schemas.microsoft.com/office/powerpoint/2010/main" val="3091129771"/>
+        <p14:creationId xmlns:p14="http://schemas.microsoft.com/office/powerpoint/2010/main" val="939853965"/>
       </p:ext>
     </p:extLst>
   </p:cSld>
@@ -3505,7 +3657,7 @@
           <a:p>
             <a:fld id="{DBC44DCA-8DCD-44D5-A529-810413827672}" type="datetimeFigureOut">
               <a:rPr lang="pt-BR" smtClean="0"/>
-              <a:t>05/03/2023</a:t>
+              <a:t>10/03/2023</a:t>
             </a:fld>
             <a:endParaRPr lang="pt-BR"/>
           </a:p>
@@ -3556,7 +3708,7 @@
     </p:spTree>
     <p:extLst>
       <p:ext uri="{BB962C8B-B14F-4D97-AF65-F5344CB8AC3E}">
-        <p14:creationId xmlns:p14="http://schemas.microsoft.com/office/powerpoint/2010/main" val="2128558902"/>
+        <p14:creationId xmlns:p14="http://schemas.microsoft.com/office/powerpoint/2010/main" val="3788520646"/>
       </p:ext>
     </p:extLst>
   </p:cSld>
@@ -3600,7 +3752,7 @@
           <a:p>
             <a:fld id="{DBC44DCA-8DCD-44D5-A529-810413827672}" type="datetimeFigureOut">
               <a:rPr lang="pt-BR" smtClean="0"/>
-              <a:t>05/03/2023</a:t>
+              <a:t>10/03/2023</a:t>
             </a:fld>
             <a:endParaRPr lang="pt-BR"/>
           </a:p>
@@ -3651,7 +3803,7 @@
     </p:spTree>
     <p:extLst>
       <p:ext uri="{BB962C8B-B14F-4D97-AF65-F5344CB8AC3E}">
-        <p14:creationId xmlns:p14="http://schemas.microsoft.com/office/powerpoint/2010/main" val="837211979"/>
+        <p14:creationId xmlns:p14="http://schemas.microsoft.com/office/powerpoint/2010/main" val="867709088"/>
       </p:ext>
     </p:extLst>
   </p:cSld>
@@ -3690,8 +3842,8 @@
         </p:nvSpPr>
         <p:spPr>
           <a:xfrm>
-            <a:off x="793534" y="744008"/>
-            <a:ext cx="3715657" cy="2604029"/>
+            <a:off x="793534" y="911966"/>
+            <a:ext cx="3715657" cy="3191881"/>
           </a:xfrm>
         </p:spPr>
         <p:txBody>
@@ -3722,8 +3874,8 @@
         </p:nvSpPr>
         <p:spPr>
           <a:xfrm>
-            <a:off x="4897708" y="1606854"/>
-            <a:ext cx="5832247" cy="7930922"/>
+            <a:off x="4897708" y="1969596"/>
+            <a:ext cx="5832247" cy="9721303"/>
           </a:xfrm>
         </p:spPr>
         <p:txBody>
@@ -3807,8 +3959,8 @@
         </p:nvSpPr>
         <p:spPr>
           <a:xfrm>
-            <a:off x="793534" y="3348037"/>
-            <a:ext cx="3715657" cy="6202654"/>
+            <a:off x="793534" y="4103846"/>
+            <a:ext cx="3715657" cy="7602883"/>
           </a:xfrm>
         </p:spPr>
         <p:txBody>
@@ -3877,7 +4029,7 @@
           <a:p>
             <a:fld id="{DBC44DCA-8DCD-44D5-A529-810413827672}" type="datetimeFigureOut">
               <a:rPr lang="pt-BR" smtClean="0"/>
-              <a:t>05/03/2023</a:t>
+              <a:t>10/03/2023</a:t>
             </a:fld>
             <a:endParaRPr lang="pt-BR"/>
           </a:p>
@@ -3928,7 +4080,7 @@
     </p:spTree>
     <p:extLst>
       <p:ext uri="{BB962C8B-B14F-4D97-AF65-F5344CB8AC3E}">
-        <p14:creationId xmlns:p14="http://schemas.microsoft.com/office/powerpoint/2010/main" val="2171485613"/>
+        <p14:creationId xmlns:p14="http://schemas.microsoft.com/office/powerpoint/2010/main" val="3411333284"/>
       </p:ext>
     </p:extLst>
   </p:cSld>
@@ -3967,8 +4119,8 @@
         </p:nvSpPr>
         <p:spPr>
           <a:xfrm>
-            <a:off x="793534" y="744008"/>
-            <a:ext cx="3715657" cy="2604029"/>
+            <a:off x="793534" y="911966"/>
+            <a:ext cx="3715657" cy="3191881"/>
           </a:xfrm>
         </p:spPr>
         <p:txBody>
@@ -3999,8 +4151,8 @@
         </p:nvSpPr>
         <p:spPr>
           <a:xfrm>
-            <a:off x="4897708" y="1606854"/>
-            <a:ext cx="5832247" cy="7930922"/>
+            <a:off x="4897708" y="1969596"/>
+            <a:ext cx="5832247" cy="9721303"/>
           </a:xfrm>
         </p:spPr>
         <p:txBody>
@@ -4064,8 +4216,8 @@
         </p:nvSpPr>
         <p:spPr>
           <a:xfrm>
-            <a:off x="793534" y="3348037"/>
-            <a:ext cx="3715657" cy="6202654"/>
+            <a:off x="793534" y="4103846"/>
+            <a:ext cx="3715657" cy="7602883"/>
           </a:xfrm>
         </p:spPr>
         <p:txBody>
@@ -4134,7 +4286,7 @@
           <a:p>
             <a:fld id="{DBC44DCA-8DCD-44D5-A529-810413827672}" type="datetimeFigureOut">
               <a:rPr lang="pt-BR" smtClean="0"/>
-              <a:t>05/03/2023</a:t>
+              <a:t>10/03/2023</a:t>
             </a:fld>
             <a:endParaRPr lang="pt-BR"/>
           </a:p>
@@ -4185,7 +4337,7 @@
     </p:spTree>
     <p:extLst>
       <p:ext uri="{BB962C8B-B14F-4D97-AF65-F5344CB8AC3E}">
-        <p14:creationId xmlns:p14="http://schemas.microsoft.com/office/powerpoint/2010/main" val="2826924206"/>
+        <p14:creationId xmlns:p14="http://schemas.microsoft.com/office/powerpoint/2010/main" val="69192388"/>
       </p:ext>
     </p:extLst>
   </p:cSld>
@@ -4229,8 +4381,8 @@
         </p:nvSpPr>
         <p:spPr>
           <a:xfrm>
-            <a:off x="792034" y="594176"/>
-            <a:ext cx="9936421" cy="2157108"/>
+            <a:off x="792034" y="728309"/>
+            <a:ext cx="9936421" cy="2644069"/>
           </a:xfrm>
           <a:prstGeom prst="rect">
             <a:avLst/>
@@ -4262,8 +4414,8 @@
         </p:nvSpPr>
         <p:spPr>
           <a:xfrm>
-            <a:off x="792034" y="2970867"/>
-            <a:ext cx="9936421" cy="7080997"/>
+            <a:off x="792034" y="3641531"/>
+            <a:ext cx="9936421" cy="8679509"/>
           </a:xfrm>
           <a:prstGeom prst="rect">
             <a:avLst/>
@@ -4324,8 +4476,8 @@
         </p:nvSpPr>
         <p:spPr>
           <a:xfrm>
-            <a:off x="792033" y="10343785"/>
-            <a:ext cx="2592110" cy="594173"/>
+            <a:off x="792033" y="12678862"/>
+            <a:ext cx="2592110" cy="728306"/>
           </a:xfrm>
           <a:prstGeom prst="rect">
             <a:avLst/>
@@ -4347,7 +4499,7 @@
           <a:p>
             <a:fld id="{DBC44DCA-8DCD-44D5-A529-810413827672}" type="datetimeFigureOut">
               <a:rPr lang="pt-BR" smtClean="0"/>
-              <a:t>05/03/2023</a:t>
+              <a:t>10/03/2023</a:t>
             </a:fld>
             <a:endParaRPr lang="pt-BR"/>
           </a:p>
@@ -4365,8 +4517,8 @@
         </p:nvSpPr>
         <p:spPr>
           <a:xfrm>
-            <a:off x="3816162" y="10343785"/>
-            <a:ext cx="3888165" cy="594173"/>
+            <a:off x="3816162" y="12678862"/>
+            <a:ext cx="3888165" cy="728306"/>
           </a:xfrm>
           <a:prstGeom prst="rect">
             <a:avLst/>
@@ -4402,8 +4554,8 @@
         </p:nvSpPr>
         <p:spPr>
           <a:xfrm>
-            <a:off x="8136345" y="10343785"/>
-            <a:ext cx="2592110" cy="594173"/>
+            <a:off x="8136345" y="12678862"/>
+            <a:ext cx="2592110" cy="728306"/>
           </a:xfrm>
           <a:prstGeom prst="rect">
             <a:avLst/>
@@ -4434,23 +4586,23 @@
     </p:spTree>
     <p:extLst>
       <p:ext uri="{BB962C8B-B14F-4D97-AF65-F5344CB8AC3E}">
-        <p14:creationId xmlns:p14="http://schemas.microsoft.com/office/powerpoint/2010/main" val="1041792184"/>
+        <p14:creationId xmlns:p14="http://schemas.microsoft.com/office/powerpoint/2010/main" val="2444832347"/>
       </p:ext>
     </p:extLst>
   </p:cSld>
   <p:clrMap bg1="lt1" tx1="dk1" bg2="lt2" tx2="dk2" accent1="accent1" accent2="accent2" accent3="accent3" accent4="accent4" accent5="accent5" accent6="accent6" hlink="hlink" folHlink="folHlink"/>
   <p:sldLayoutIdLst>
-    <p:sldLayoutId id="2147483733" r:id="rId1"/>
-    <p:sldLayoutId id="2147483734" r:id="rId2"/>
-    <p:sldLayoutId id="2147483735" r:id="rId3"/>
-    <p:sldLayoutId id="2147483736" r:id="rId4"/>
-    <p:sldLayoutId id="2147483737" r:id="rId5"/>
-    <p:sldLayoutId id="2147483738" r:id="rId6"/>
-    <p:sldLayoutId id="2147483739" r:id="rId7"/>
-    <p:sldLayoutId id="2147483740" r:id="rId8"/>
-    <p:sldLayoutId id="2147483741" r:id="rId9"/>
-    <p:sldLayoutId id="2147483742" r:id="rId10"/>
-    <p:sldLayoutId id="2147483743" r:id="rId11"/>
+    <p:sldLayoutId id="2147483745" r:id="rId1"/>
+    <p:sldLayoutId id="2147483746" r:id="rId2"/>
+    <p:sldLayoutId id="2147483747" r:id="rId3"/>
+    <p:sldLayoutId id="2147483748" r:id="rId4"/>
+    <p:sldLayoutId id="2147483749" r:id="rId5"/>
+    <p:sldLayoutId id="2147483750" r:id="rId6"/>
+    <p:sldLayoutId id="2147483751" r:id="rId7"/>
+    <p:sldLayoutId id="2147483752" r:id="rId8"/>
+    <p:sldLayoutId id="2147483753" r:id="rId9"/>
+    <p:sldLayoutId id="2147483754" r:id="rId10"/>
+    <p:sldLayoutId id="2147483755" r:id="rId11"/>
   </p:sldLayoutIdLst>
   <p:txStyles>
     <p:titleStyle>
@@ -4766,7 +4918,7 @@
         </p:nvGrpSpPr>
         <p:grpSpPr>
           <a:xfrm>
-            <a:off x="83578" y="51597"/>
+            <a:off x="83579" y="1311280"/>
             <a:ext cx="11346423" cy="4619807"/>
             <a:chOff x="550935" y="585005"/>
             <a:chExt cx="11153385" cy="4541210"/>
@@ -6305,7 +6457,7 @@
         </p:nvGrpSpPr>
         <p:grpSpPr>
           <a:xfrm>
-            <a:off x="83578" y="4949121"/>
+            <a:off x="83579" y="6208804"/>
             <a:ext cx="4686245" cy="6166069"/>
             <a:chOff x="516709" y="191588"/>
             <a:chExt cx="4606518" cy="6061165"/>
@@ -7046,7 +7198,7 @@
         </p:nvGrpSpPr>
         <p:grpSpPr>
           <a:xfrm>
-            <a:off x="4934413" y="4949117"/>
+            <a:off x="4934414" y="6208800"/>
             <a:ext cx="4686245" cy="6167325"/>
             <a:chOff x="6789271" y="5294685"/>
             <a:chExt cx="4606517" cy="6062400"/>
@@ -7592,7 +7744,7 @@
         </p:nvSpPr>
         <p:spPr>
           <a:xfrm>
-            <a:off x="9774147" y="4958808"/>
+            <a:off x="9774147" y="6218491"/>
             <a:ext cx="1616756" cy="2994567"/>
           </a:xfrm>
           <a:prstGeom prst="roundRect">
@@ -7653,7 +7805,7 @@
         </p:nvSpPr>
         <p:spPr>
           <a:xfrm>
-            <a:off x="9774147" y="8120623"/>
+            <a:off x="9774147" y="9380306"/>
             <a:ext cx="1616756" cy="2994567"/>
           </a:xfrm>
           <a:prstGeom prst="roundRect">
@@ -7714,7 +7866,7 @@
         </p:nvSpPr>
         <p:spPr>
           <a:xfrm>
-            <a:off x="9792486" y="5069628"/>
+            <a:off x="9792486" y="6329311"/>
             <a:ext cx="1277914" cy="383631"/>
           </a:xfrm>
           <a:prstGeom prst="rect">
@@ -7758,7 +7910,7 @@
         </p:nvSpPr>
         <p:spPr>
           <a:xfrm>
-            <a:off x="9792486" y="8230742"/>
+            <a:off x="9792486" y="9490425"/>
             <a:ext cx="1353256" cy="383631"/>
           </a:xfrm>
           <a:prstGeom prst="rect">
@@ -7838,7 +7990,7 @@
         </p:nvGrpSpPr>
         <p:grpSpPr>
           <a:xfrm>
-            <a:off x="9883695" y="5777918"/>
+            <a:off x="9883695" y="7037600"/>
             <a:ext cx="1438888" cy="1998436"/>
             <a:chOff x="9679489" y="2554098"/>
             <a:chExt cx="2017657" cy="2802273"/>
@@ -8342,7 +8494,7 @@
         </p:nvSpPr>
         <p:spPr>
           <a:xfrm>
-            <a:off x="9866067" y="5521022"/>
+            <a:off x="9866068" y="6780705"/>
             <a:ext cx="620683" cy="276959"/>
           </a:xfrm>
           <a:prstGeom prst="rect">
@@ -8359,22 +8511,11 @@
           </a:bodyPr>
           <a:lstStyle/>
           <a:p>
-            <a:pPr marL="0" marR="0" lvl="0" indent="0" algn="ctr" rtl="0">
-              <a:lnSpc>
-                <a:spcPct val="100000"/>
-              </a:lnSpc>
-              <a:spcBef>
-                <a:spcPts val="0"/>
-              </a:spcBef>
-              <a:spcAft>
-                <a:spcPts val="0"/>
-              </a:spcAft>
+            <a:pPr algn="ctr">
               <a:buClr>
                 <a:srgbClr val="000000"/>
               </a:buClr>
               <a:buSzPts val="1200"/>
-              <a:buFont typeface="Arial"/>
-              <a:buNone/>
             </a:pPr>
             <a:r>
               <a:rPr lang="pt-BR" sz="1200" b="1" dirty="0">
@@ -8402,7 +8543,7 @@
               </a:rPr>
               <a:t>2</a:t>
             </a:r>
-            <a:endParaRPr sz="1400" b="0" i="0" strike="noStrike" cap="none" baseline="-25000" dirty="0">
+            <a:endParaRPr sz="1400" baseline="-25000" dirty="0">
               <a:solidFill>
                 <a:schemeClr val="tx1">
                   <a:lumMod val="85000"/>
@@ -8431,7 +8572,7 @@
         </p:nvSpPr>
         <p:spPr>
           <a:xfrm>
-            <a:off x="10574269" y="6975231"/>
+            <a:off x="10574270" y="8234914"/>
             <a:ext cx="620683" cy="276959"/>
           </a:xfrm>
           <a:prstGeom prst="rect">
@@ -8448,25 +8589,14 @@
           </a:bodyPr>
           <a:lstStyle/>
           <a:p>
-            <a:pPr marL="0" marR="0" lvl="0" indent="0" algn="ctr" rtl="0">
-              <a:lnSpc>
-                <a:spcPct val="100000"/>
-              </a:lnSpc>
-              <a:spcBef>
-                <a:spcPts val="0"/>
-              </a:spcBef>
-              <a:spcAft>
-                <a:spcPts val="0"/>
-              </a:spcAft>
+            <a:pPr algn="ctr">
               <a:buClr>
                 <a:srgbClr val="000000"/>
               </a:buClr>
               <a:buSzPts val="1200"/>
-              <a:buFont typeface="Arial"/>
-              <a:buNone/>
             </a:pPr>
             <a:r>
-              <a:rPr lang="pt-BR" sz="1200" b="1" i="0" strike="noStrike" cap="none" dirty="0">
+              <a:rPr lang="pt-BR" sz="1200" b="1" dirty="0">
                 <a:solidFill>
                   <a:schemeClr val="tx1">
                     <a:lumMod val="85000"/>
@@ -8480,7 +8610,7 @@
               </a:rPr>
               <a:t>CN</a:t>
             </a:r>
-            <a:endParaRPr sz="1400" b="0" i="0" strike="noStrike" cap="none" dirty="0">
+            <a:endParaRPr sz="1400" dirty="0">
               <a:solidFill>
                 <a:schemeClr val="tx1">
                   <a:lumMod val="85000"/>
@@ -8509,7 +8639,7 @@
         </p:nvSpPr>
         <p:spPr>
           <a:xfrm>
-            <a:off x="10581889" y="7393513"/>
+            <a:off x="10581890" y="8653196"/>
             <a:ext cx="620683" cy="276959"/>
           </a:xfrm>
           <a:prstGeom prst="rect">
@@ -8526,25 +8656,14 @@
           </a:bodyPr>
           <a:lstStyle/>
           <a:p>
-            <a:pPr marL="0" marR="0" lvl="0" indent="0" algn="ctr" rtl="0">
-              <a:lnSpc>
-                <a:spcPct val="100000"/>
-              </a:lnSpc>
-              <a:spcBef>
-                <a:spcPts val="0"/>
-              </a:spcBef>
-              <a:spcAft>
-                <a:spcPts val="0"/>
-              </a:spcAft>
+            <a:pPr algn="ctr">
               <a:buClr>
                 <a:srgbClr val="000000"/>
               </a:buClr>
               <a:buSzPts val="1200"/>
-              <a:buFont typeface="Arial"/>
-              <a:buNone/>
             </a:pPr>
             <a:r>
-              <a:rPr lang="pt-BR" sz="1200" b="1" i="0" strike="noStrike" cap="none" dirty="0">
+              <a:rPr lang="pt-BR" sz="1200" b="1" dirty="0">
                 <a:solidFill>
                   <a:schemeClr val="tx1">
                     <a:lumMod val="85000"/>
@@ -8558,7 +8677,7 @@
               </a:rPr>
               <a:t>Br</a:t>
             </a:r>
-            <a:endParaRPr sz="1400" b="0" i="0" strike="noStrike" cap="none" dirty="0">
+            <a:endParaRPr sz="1400" dirty="0">
               <a:solidFill>
                 <a:schemeClr val="tx1">
                   <a:lumMod val="85000"/>
@@ -8587,7 +8706,7 @@
         </p:nvSpPr>
         <p:spPr>
           <a:xfrm>
-            <a:off x="9919246" y="6975231"/>
+            <a:off x="9919247" y="8234914"/>
             <a:ext cx="620683" cy="276959"/>
           </a:xfrm>
           <a:prstGeom prst="rect">
@@ -8604,22 +8723,11 @@
           </a:bodyPr>
           <a:lstStyle/>
           <a:p>
-            <a:pPr marL="0" marR="0" lvl="0" indent="0" algn="ctr" rtl="0">
-              <a:lnSpc>
-                <a:spcPct val="100000"/>
-              </a:lnSpc>
-              <a:spcBef>
-                <a:spcPts val="0"/>
-              </a:spcBef>
-              <a:spcAft>
-                <a:spcPts val="0"/>
-              </a:spcAft>
+            <a:pPr algn="ctr">
               <a:buClr>
                 <a:srgbClr val="000000"/>
               </a:buClr>
               <a:buSzPts val="1200"/>
-              <a:buFont typeface="Arial"/>
-              <a:buNone/>
             </a:pPr>
             <a:r>
               <a:rPr lang="pt-BR" sz="1200" b="1" dirty="0">
@@ -8647,7 +8755,7 @@
               </a:rPr>
               <a:t>2</a:t>
             </a:r>
-            <a:endParaRPr sz="1400" b="0" i="0" strike="noStrike" cap="none" baseline="-25000" dirty="0">
+            <a:endParaRPr sz="1400" baseline="-25000" dirty="0">
               <a:solidFill>
                 <a:schemeClr val="tx1">
                   <a:lumMod val="85000"/>
@@ -8676,7 +8784,7 @@
         </p:nvSpPr>
         <p:spPr>
           <a:xfrm>
-            <a:off x="9845000" y="6179132"/>
+            <a:off x="9845001" y="7438815"/>
             <a:ext cx="620683" cy="276959"/>
           </a:xfrm>
           <a:prstGeom prst="rect">
@@ -8693,22 +8801,11 @@
           </a:bodyPr>
           <a:lstStyle/>
           <a:p>
-            <a:pPr marL="0" marR="0" lvl="0" indent="0" algn="ctr" rtl="0">
-              <a:lnSpc>
-                <a:spcPct val="100000"/>
-              </a:lnSpc>
-              <a:spcBef>
-                <a:spcPts val="0"/>
-              </a:spcBef>
-              <a:spcAft>
-                <a:spcPts val="0"/>
-              </a:spcAft>
+            <a:pPr algn="ctr">
               <a:buClr>
                 <a:srgbClr val="000000"/>
               </a:buClr>
               <a:buSzPts val="1200"/>
-              <a:buFont typeface="Arial"/>
-              <a:buNone/>
             </a:pPr>
             <a:r>
               <a:rPr lang="pt-BR" sz="1200" b="1" dirty="0">
@@ -8723,7 +8820,7 @@
               </a:rPr>
               <a:t>CHO</a:t>
             </a:r>
-            <a:endParaRPr sz="1400" b="0" i="0" strike="noStrike" cap="none" baseline="-25000" dirty="0">
+            <a:endParaRPr sz="1400" baseline="-25000" dirty="0">
               <a:solidFill>
                 <a:schemeClr val="tx1">
                   <a:lumMod val="85000"/>
@@ -8752,7 +8849,7 @@
         </p:nvSpPr>
         <p:spPr>
           <a:xfrm>
-            <a:off x="10574269" y="6228826"/>
+            <a:off x="10574270" y="7488509"/>
             <a:ext cx="694379" cy="276959"/>
           </a:xfrm>
           <a:prstGeom prst="rect">
@@ -8769,25 +8866,14 @@
           </a:bodyPr>
           <a:lstStyle/>
           <a:p>
-            <a:pPr marL="0" marR="0" lvl="0" indent="0" algn="ctr" rtl="0">
-              <a:lnSpc>
-                <a:spcPct val="100000"/>
-              </a:lnSpc>
-              <a:spcBef>
-                <a:spcPts val="0"/>
-              </a:spcBef>
-              <a:spcAft>
-                <a:spcPts val="0"/>
-              </a:spcAft>
+            <a:pPr algn="ctr">
               <a:buClr>
                 <a:srgbClr val="000000"/>
               </a:buClr>
               <a:buSzPts val="1200"/>
-              <a:buFont typeface="Arial"/>
-              <a:buNone/>
             </a:pPr>
             <a:r>
-              <a:rPr lang="pt-BR" sz="1200" b="1" i="0" strike="noStrike" cap="none" dirty="0">
+              <a:rPr lang="pt-BR" sz="1200" b="1" dirty="0">
                 <a:solidFill>
                   <a:schemeClr val="tx1">
                     <a:lumMod val="85000"/>
@@ -8802,7 +8888,7 @@
               <a:t>NHNH</a:t>
             </a:r>
             <a:r>
-              <a:rPr lang="pt-BR" sz="1200" b="1" i="0" strike="noStrike" cap="none" baseline="-25000" dirty="0">
+              <a:rPr lang="pt-BR" sz="1200" b="1" baseline="-25000" dirty="0">
                 <a:solidFill>
                   <a:schemeClr val="tx1">
                     <a:lumMod val="85000"/>
@@ -8816,7 +8902,7 @@
               </a:rPr>
               <a:t>2</a:t>
             </a:r>
-            <a:endParaRPr sz="1400" b="0" i="0" strike="noStrike" cap="none" baseline="-25000" dirty="0">
+            <a:endParaRPr sz="1400" baseline="-25000" dirty="0">
               <a:solidFill>
                 <a:schemeClr val="tx1">
                   <a:lumMod val="85000"/>
@@ -8845,7 +8931,7 @@
         </p:nvSpPr>
         <p:spPr>
           <a:xfrm>
-            <a:off x="10554036" y="5508497"/>
+            <a:off x="10554036" y="6768180"/>
             <a:ext cx="902632" cy="276959"/>
           </a:xfrm>
           <a:prstGeom prst="rect">
@@ -8862,25 +8948,14 @@
           </a:bodyPr>
           <a:lstStyle/>
           <a:p>
-            <a:pPr marL="0" marR="0" lvl="0" indent="0" algn="ctr" rtl="0">
-              <a:lnSpc>
-                <a:spcPct val="100000"/>
-              </a:lnSpc>
-              <a:spcBef>
-                <a:spcPts val="0"/>
-              </a:spcBef>
-              <a:spcAft>
-                <a:spcPts val="0"/>
-              </a:spcAft>
+            <a:pPr algn="ctr">
               <a:buClr>
                 <a:srgbClr val="000000"/>
               </a:buClr>
               <a:buSzPts val="1200"/>
-              <a:buFont typeface="Arial"/>
-              <a:buNone/>
             </a:pPr>
             <a:r>
-              <a:rPr lang="pt-BR" sz="1200" b="1" i="0" strike="noStrike" cap="none" dirty="0">
+              <a:rPr lang="pt-BR" sz="1200" b="1" dirty="0">
                 <a:solidFill>
                   <a:schemeClr val="tx1">
                     <a:lumMod val="85000"/>
@@ -8895,7 +8970,7 @@
               <a:t>CONHNH</a:t>
             </a:r>
             <a:r>
-              <a:rPr lang="pt-BR" sz="1200" b="1" i="0" strike="noStrike" cap="none" baseline="-25000" dirty="0">
+              <a:rPr lang="pt-BR" sz="1200" b="1" baseline="-25000" dirty="0">
                 <a:solidFill>
                   <a:schemeClr val="tx1">
                     <a:lumMod val="85000"/>
@@ -8909,7 +8984,7 @@
               </a:rPr>
               <a:t>2</a:t>
             </a:r>
-            <a:endParaRPr sz="1400" b="0" i="0" strike="noStrike" cap="none" baseline="-25000" dirty="0">
+            <a:endParaRPr sz="1400" baseline="-25000" dirty="0">
               <a:solidFill>
                 <a:schemeClr val="tx1">
                   <a:lumMod val="85000"/>
@@ -8938,7 +9013,7 @@
         </p:nvSpPr>
         <p:spPr>
           <a:xfrm>
-            <a:off x="9815124" y="8623292"/>
+            <a:off x="9815124" y="9882974"/>
             <a:ext cx="1507460" cy="2308324"/>
           </a:xfrm>
           <a:prstGeom prst="rect">
@@ -9269,8 +9344,8 @@
         </p:nvSpPr>
         <p:spPr>
           <a:xfrm>
-            <a:off x="87031" y="51598"/>
-            <a:ext cx="11346423" cy="6039714"/>
+            <a:off x="87032" y="84668"/>
+            <a:ext cx="11346423" cy="6206066"/>
           </a:xfrm>
           <a:prstGeom prst="roundRect">
             <a:avLst>
@@ -9330,7 +9405,7 @@
         </p:nvSpPr>
         <p:spPr>
           <a:xfrm>
-            <a:off x="338997" y="366902"/>
+            <a:off x="203531" y="271919"/>
             <a:ext cx="1675267" cy="461665"/>
           </a:xfrm>
           <a:prstGeom prst="rect">
@@ -9437,25 +9512,25 @@
           <p:nvPr>
             <p:extLst>
               <p:ext uri="{D42A27DB-BD31-4B8C-83A1-F6EECF244321}">
-                <p14:modId xmlns:p14="http://schemas.microsoft.com/office/powerpoint/2010/main" val="2799447022"/>
+                <p14:modId xmlns:p14="http://schemas.microsoft.com/office/powerpoint/2010/main" val="2988756845"/>
               </p:ext>
             </p:extLst>
           </p:nvPr>
         </p:nvGraphicFramePr>
         <p:xfrm>
-          <a:off x="1268413" y="1169988"/>
-          <a:ext cx="885825" cy="4518025"/>
+          <a:off x="1240054" y="1060698"/>
+          <a:ext cx="690562" cy="428625"/>
         </p:xfrm>
         <a:graphic>
           <a:graphicData uri="http://schemas.openxmlformats.org/presentationml/2006/ole">
             <mc:AlternateContent xmlns:mc="http://schemas.openxmlformats.org/markup-compatibility/2006">
               <mc:Choice xmlns:v="urn:schemas-microsoft-com:vml" Requires="v">
-                <p:oleObj name="CS ChemDraw Drawing" r:id="rId2" imgW="833120" imgH="4243947" progId="ChemDraw.Document.6.0">
+                <p:oleObj name="CS ChemDraw Drawing" r:id="rId2" imgW="650240" imgH="403467" progId="ChemDraw.Document.6.0">
                   <p:embed/>
                 </p:oleObj>
               </mc:Choice>
               <mc:Fallback>
-                <p:oleObj name="CS ChemDraw Drawing" r:id="rId2" imgW="833120" imgH="4243947" progId="ChemDraw.Document.6.0">
+                <p:oleObj name="CS ChemDraw Drawing" r:id="rId2" imgW="650240" imgH="403467" progId="ChemDraw.Document.6.0">
                   <p:embed/>
                   <p:pic>
                     <p:nvPicPr>
@@ -9477,8 +9552,8 @@
                     </p:blipFill>
                     <p:spPr>
                       <a:xfrm>
-                        <a:off x="1268413" y="1169988"/>
-                        <a:ext cx="885825" cy="4518025"/>
+                        <a:off x="1240054" y="1060698"/>
+                        <a:ext cx="690562" cy="428625"/>
                       </a:xfrm>
                       <a:prstGeom prst="rect">
                         <a:avLst/>
@@ -9505,7 +9580,7 @@
         </p:nvSpPr>
         <p:spPr>
           <a:xfrm>
-            <a:off x="587447" y="1143872"/>
+            <a:off x="451981" y="1048888"/>
             <a:ext cx="620683" cy="307736"/>
           </a:xfrm>
           <a:prstGeom prst="rect">
@@ -9522,22 +9597,11 @@
           </a:bodyPr>
           <a:lstStyle/>
           <a:p>
-            <a:pPr marL="0" marR="0" lvl="0" indent="0" algn="ctr" rtl="0">
-              <a:lnSpc>
-                <a:spcPct val="100000"/>
-              </a:lnSpc>
-              <a:spcBef>
-                <a:spcPts val="0"/>
-              </a:spcBef>
-              <a:spcAft>
-                <a:spcPts val="0"/>
-              </a:spcAft>
+            <a:pPr algn="ctr">
               <a:buClr>
                 <a:srgbClr val="000000"/>
               </a:buClr>
               <a:buSzPts val="1200"/>
-              <a:buFont typeface="Arial"/>
-              <a:buNone/>
             </a:pPr>
             <a:r>
               <a:rPr lang="pt-BR" sz="1400" b="1" dirty="0">
@@ -9549,7 +9613,7 @@
               </a:rPr>
               <a:t>H</a:t>
             </a:r>
-            <a:endParaRPr sz="1600" b="0" i="0" strike="noStrike" cap="none" baseline="-25000" dirty="0">
+            <a:endParaRPr sz="1600" baseline="-25000" dirty="0">
               <a:solidFill>
                 <a:srgbClr val="00B050"/>
               </a:solidFill>
@@ -9575,7 +9639,7 @@
         </p:nvSpPr>
         <p:spPr>
           <a:xfrm>
-            <a:off x="587447" y="1766974"/>
+            <a:off x="451981" y="1671990"/>
             <a:ext cx="620683" cy="307736"/>
           </a:xfrm>
           <a:prstGeom prst="rect">
@@ -9592,22 +9656,11 @@
           </a:bodyPr>
           <a:lstStyle/>
           <a:p>
-            <a:pPr marL="0" marR="0" lvl="0" indent="0" algn="ctr" rtl="0">
-              <a:lnSpc>
-                <a:spcPct val="100000"/>
-              </a:lnSpc>
-              <a:spcBef>
-                <a:spcPts val="0"/>
-              </a:spcBef>
-              <a:spcAft>
-                <a:spcPts val="0"/>
-              </a:spcAft>
+            <a:pPr algn="ctr">
               <a:buClr>
                 <a:srgbClr val="000000"/>
               </a:buClr>
               <a:buSzPts val="1200"/>
-              <a:buFont typeface="Arial"/>
-              <a:buNone/>
             </a:pPr>
             <a:r>
               <a:rPr lang="pt-BR" sz="1400" b="1" dirty="0">
@@ -9619,7 +9672,7 @@
               </a:rPr>
               <a:t>OH</a:t>
             </a:r>
-            <a:endParaRPr sz="1600" b="0" i="0" strike="noStrike" cap="none" baseline="-25000" dirty="0">
+            <a:endParaRPr sz="1600" baseline="-25000" dirty="0">
               <a:solidFill>
                 <a:srgbClr val="00B050"/>
               </a:solidFill>
@@ -9645,7 +9698,7 @@
         </p:nvSpPr>
         <p:spPr>
           <a:xfrm>
-            <a:off x="587446" y="2538976"/>
+            <a:off x="451980" y="2443992"/>
             <a:ext cx="620683" cy="307736"/>
           </a:xfrm>
           <a:prstGeom prst="rect">
@@ -9662,22 +9715,11 @@
           </a:bodyPr>
           <a:lstStyle/>
           <a:p>
-            <a:pPr marL="0" marR="0" lvl="0" indent="0" algn="ctr" rtl="0">
-              <a:lnSpc>
-                <a:spcPct val="100000"/>
-              </a:lnSpc>
-              <a:spcBef>
-                <a:spcPts val="0"/>
-              </a:spcBef>
-              <a:spcAft>
-                <a:spcPts val="0"/>
-              </a:spcAft>
+            <a:pPr algn="ctr">
               <a:buClr>
                 <a:srgbClr val="000000"/>
               </a:buClr>
               <a:buSzPts val="1200"/>
-              <a:buFont typeface="Arial"/>
-              <a:buNone/>
             </a:pPr>
             <a:r>
               <a:rPr lang="pt-BR" sz="1400" b="1" dirty="0">
@@ -9689,7 +9731,7 @@
               </a:rPr>
               <a:t>CH3</a:t>
             </a:r>
-            <a:endParaRPr sz="1600" b="0" i="0" strike="noStrike" cap="none" baseline="-25000" dirty="0">
+            <a:endParaRPr sz="1600" baseline="-25000" dirty="0">
               <a:solidFill>
                 <a:srgbClr val="00B050"/>
               </a:solidFill>
@@ -9715,7 +9757,7 @@
         </p:nvSpPr>
         <p:spPr>
           <a:xfrm>
-            <a:off x="587446" y="3373172"/>
+            <a:off x="459793" y="3215073"/>
             <a:ext cx="620683" cy="307736"/>
           </a:xfrm>
           <a:prstGeom prst="rect">
@@ -9732,22 +9774,11 @@
           </a:bodyPr>
           <a:lstStyle/>
           <a:p>
-            <a:pPr marL="0" marR="0" lvl="0" indent="0" algn="ctr" rtl="0">
-              <a:lnSpc>
-                <a:spcPct val="100000"/>
-              </a:lnSpc>
-              <a:spcBef>
-                <a:spcPts val="0"/>
-              </a:spcBef>
-              <a:spcAft>
-                <a:spcPts val="0"/>
-              </a:spcAft>
+            <a:pPr algn="ctr">
               <a:buClr>
                 <a:srgbClr val="000000"/>
               </a:buClr>
               <a:buSzPts val="1200"/>
-              <a:buFont typeface="Arial"/>
-              <a:buNone/>
             </a:pPr>
             <a:r>
               <a:rPr lang="pt-BR" sz="1400" b="1" dirty="0" err="1">
@@ -9759,7 +9790,7 @@
               </a:rPr>
               <a:t>tBut</a:t>
             </a:r>
-            <a:endParaRPr sz="1600" b="0" i="0" strike="noStrike" cap="none" baseline="-25000" dirty="0">
+            <a:endParaRPr sz="1600" baseline="-25000" dirty="0">
               <a:solidFill>
                 <a:srgbClr val="00B050"/>
               </a:solidFill>
@@ -9785,7 +9816,7 @@
         </p:nvSpPr>
         <p:spPr>
           <a:xfrm>
-            <a:off x="587447" y="4493963"/>
+            <a:off x="436958" y="4194208"/>
             <a:ext cx="620683" cy="307736"/>
           </a:xfrm>
           <a:prstGeom prst="rect">
@@ -9802,22 +9833,11 @@
           </a:bodyPr>
           <a:lstStyle/>
           <a:p>
-            <a:pPr marL="0" marR="0" lvl="0" indent="0" algn="ctr" rtl="0">
-              <a:lnSpc>
-                <a:spcPct val="100000"/>
-              </a:lnSpc>
-              <a:spcBef>
-                <a:spcPts val="0"/>
-              </a:spcBef>
-              <a:spcAft>
-                <a:spcPts val="0"/>
-              </a:spcAft>
+            <a:pPr algn="ctr">
               <a:buClr>
                 <a:srgbClr val="000000"/>
               </a:buClr>
               <a:buSzPts val="1200"/>
-              <a:buFont typeface="Arial"/>
-              <a:buNone/>
             </a:pPr>
             <a:r>
               <a:rPr lang="pt-BR" sz="1400" b="1" dirty="0" err="1">
@@ -9829,7 +9849,7 @@
               </a:rPr>
               <a:t>OMe</a:t>
             </a:r>
-            <a:endParaRPr sz="1600" b="0" i="0" strike="noStrike" cap="none" baseline="-25000" dirty="0">
+            <a:endParaRPr sz="1600" baseline="-25000" dirty="0">
               <a:solidFill>
                 <a:srgbClr val="00B050"/>
               </a:solidFill>
@@ -9855,7 +9875,7 @@
         </p:nvSpPr>
         <p:spPr>
           <a:xfrm>
-            <a:off x="587447" y="5117065"/>
+            <a:off x="451981" y="5022081"/>
             <a:ext cx="620683" cy="307736"/>
           </a:xfrm>
           <a:prstGeom prst="rect">
@@ -9872,22 +9892,11 @@
           </a:bodyPr>
           <a:lstStyle/>
           <a:p>
-            <a:pPr marL="0" marR="0" lvl="0" indent="0" algn="ctr" rtl="0">
-              <a:lnSpc>
-                <a:spcPct val="100000"/>
-              </a:lnSpc>
-              <a:spcBef>
-                <a:spcPts val="0"/>
-              </a:spcBef>
-              <a:spcAft>
-                <a:spcPts val="0"/>
-              </a:spcAft>
+            <a:pPr algn="ctr">
               <a:buClr>
                 <a:srgbClr val="000000"/>
               </a:buClr>
               <a:buSzPts val="1200"/>
-              <a:buFont typeface="Arial"/>
-              <a:buNone/>
             </a:pPr>
             <a:r>
               <a:rPr lang="pt-BR" sz="1400" b="1" dirty="0" err="1">
@@ -9899,7 +9908,7 @@
               </a:rPr>
               <a:t>OEt</a:t>
             </a:r>
-            <a:endParaRPr sz="1600" b="0" i="0" strike="noStrike" cap="none" baseline="-25000" dirty="0">
+            <a:endParaRPr sz="1600" baseline="-25000" dirty="0">
               <a:solidFill>
                 <a:srgbClr val="00B050"/>
               </a:solidFill>
@@ -9926,13 +9935,13 @@
           <p:nvPr>
             <p:extLst>
               <p:ext uri="{D42A27DB-BD31-4B8C-83A1-F6EECF244321}">
-                <p14:modId xmlns:p14="http://schemas.microsoft.com/office/powerpoint/2010/main" val="1457617983"/>
+                <p14:modId xmlns:p14="http://schemas.microsoft.com/office/powerpoint/2010/main" val="1593229692"/>
               </p:ext>
             </p:extLst>
           </p:nvPr>
         </p:nvGraphicFramePr>
         <p:xfrm>
-          <a:off x="3340100" y="1171575"/>
+          <a:off x="3204634" y="1076591"/>
           <a:ext cx="703263" cy="4584700"/>
         </p:xfrm>
         <a:graphic>
@@ -9966,7 +9975,7 @@
                     </p:blipFill>
                     <p:spPr>
                       <a:xfrm>
-                        <a:off x="3340100" y="1171575"/>
+                        <a:off x="3204634" y="1076591"/>
                         <a:ext cx="703263" cy="4584700"/>
                       </a:xfrm>
                       <a:prstGeom prst="rect">
@@ -9994,7 +10003,7 @@
         </p:nvSpPr>
         <p:spPr>
           <a:xfrm>
-            <a:off x="2596550" y="1143872"/>
+            <a:off x="2461084" y="1048888"/>
             <a:ext cx="620683" cy="307736"/>
           </a:xfrm>
           <a:prstGeom prst="rect">
@@ -10011,22 +10020,11 @@
           </a:bodyPr>
           <a:lstStyle/>
           <a:p>
-            <a:pPr marL="0" marR="0" lvl="0" indent="0" algn="ctr" rtl="0">
-              <a:lnSpc>
-                <a:spcPct val="100000"/>
-              </a:lnSpc>
-              <a:spcBef>
-                <a:spcPts val="0"/>
-              </a:spcBef>
-              <a:spcAft>
-                <a:spcPts val="0"/>
-              </a:spcAft>
+            <a:pPr algn="ctr">
               <a:buClr>
                 <a:srgbClr val="000000"/>
               </a:buClr>
               <a:buSzPts val="1200"/>
-              <a:buFont typeface="Arial"/>
-              <a:buNone/>
             </a:pPr>
             <a:r>
               <a:rPr lang="pt-BR" sz="1400" b="1" dirty="0">
@@ -10038,7 +10036,7 @@
               </a:rPr>
               <a:t>NH2</a:t>
             </a:r>
-            <a:endParaRPr sz="1600" b="0" i="0" strike="noStrike" cap="none" baseline="-25000" dirty="0">
+            <a:endParaRPr sz="1600" baseline="-25000" dirty="0">
               <a:solidFill>
                 <a:srgbClr val="00B050"/>
               </a:solidFill>
@@ -10064,7 +10062,7 @@
         </p:nvSpPr>
         <p:spPr>
           <a:xfrm>
-            <a:off x="2596550" y="1766974"/>
+            <a:off x="2461084" y="1671990"/>
             <a:ext cx="620683" cy="307736"/>
           </a:xfrm>
           <a:prstGeom prst="rect">
@@ -10081,22 +10079,11 @@
           </a:bodyPr>
           <a:lstStyle/>
           <a:p>
-            <a:pPr marL="0" marR="0" lvl="0" indent="0" algn="ctr" rtl="0">
-              <a:lnSpc>
-                <a:spcPct val="100000"/>
-              </a:lnSpc>
-              <a:spcBef>
-                <a:spcPts val="0"/>
-              </a:spcBef>
-              <a:spcAft>
-                <a:spcPts val="0"/>
-              </a:spcAft>
+            <a:pPr algn="ctr">
               <a:buClr>
                 <a:srgbClr val="000000"/>
               </a:buClr>
               <a:buSzPts val="1200"/>
-              <a:buFont typeface="Arial"/>
-              <a:buNone/>
             </a:pPr>
             <a:r>
               <a:rPr lang="pt-BR" sz="1400" b="1" dirty="0">
@@ -10108,7 +10095,7 @@
               </a:rPr>
               <a:t>NO2</a:t>
             </a:r>
-            <a:endParaRPr sz="1600" b="0" i="0" strike="noStrike" cap="none" baseline="-25000" dirty="0">
+            <a:endParaRPr sz="1600" baseline="-25000" dirty="0">
               <a:solidFill>
                 <a:srgbClr val="00B050"/>
               </a:solidFill>
@@ -10134,7 +10121,7 @@
         </p:nvSpPr>
         <p:spPr>
           <a:xfrm>
-            <a:off x="2596549" y="2538976"/>
+            <a:off x="2461083" y="2443992"/>
             <a:ext cx="620683" cy="307736"/>
           </a:xfrm>
           <a:prstGeom prst="rect">
@@ -10151,22 +10138,11 @@
           </a:bodyPr>
           <a:lstStyle/>
           <a:p>
-            <a:pPr marL="0" marR="0" lvl="0" indent="0" algn="ctr" rtl="0">
-              <a:lnSpc>
-                <a:spcPct val="100000"/>
-              </a:lnSpc>
-              <a:spcBef>
-                <a:spcPts val="0"/>
-              </a:spcBef>
-              <a:spcAft>
-                <a:spcPts val="0"/>
-              </a:spcAft>
+            <a:pPr algn="ctr">
               <a:buClr>
                 <a:srgbClr val="000000"/>
               </a:buClr>
               <a:buSzPts val="1200"/>
-              <a:buFont typeface="Arial"/>
-              <a:buNone/>
             </a:pPr>
             <a:r>
               <a:rPr lang="pt-BR" sz="1400" b="1" dirty="0">
@@ -10178,7 +10154,7 @@
               </a:rPr>
               <a:t>CN</a:t>
             </a:r>
-            <a:endParaRPr sz="1600" b="0" i="0" strike="noStrike" cap="none" baseline="-25000" dirty="0">
+            <a:endParaRPr sz="1600" baseline="-25000" dirty="0">
               <a:solidFill>
                 <a:srgbClr val="00B050"/>
               </a:solidFill>
@@ -10204,7 +10180,7 @@
         </p:nvSpPr>
         <p:spPr>
           <a:xfrm>
-            <a:off x="2596549" y="3373172"/>
+            <a:off x="2461083" y="3278188"/>
             <a:ext cx="620683" cy="307736"/>
           </a:xfrm>
           <a:prstGeom prst="rect">
@@ -10221,22 +10197,11 @@
           </a:bodyPr>
           <a:lstStyle/>
           <a:p>
-            <a:pPr marL="0" marR="0" lvl="0" indent="0" algn="ctr" rtl="0">
-              <a:lnSpc>
-                <a:spcPct val="100000"/>
-              </a:lnSpc>
-              <a:spcBef>
-                <a:spcPts val="0"/>
-              </a:spcBef>
-              <a:spcAft>
-                <a:spcPts val="0"/>
-              </a:spcAft>
+            <a:pPr algn="ctr">
               <a:buClr>
                 <a:srgbClr val="000000"/>
               </a:buClr>
               <a:buSzPts val="1200"/>
-              <a:buFont typeface="Arial"/>
-              <a:buNone/>
             </a:pPr>
             <a:r>
               <a:rPr lang="pt-BR" sz="1400" b="1" dirty="0">
@@ -10248,7 +10213,7 @@
               </a:rPr>
               <a:t>CHO</a:t>
             </a:r>
-            <a:endParaRPr sz="1600" b="0" i="0" strike="noStrike" cap="none" baseline="-25000" dirty="0">
+            <a:endParaRPr sz="1600" baseline="-25000" dirty="0">
               <a:solidFill>
                 <a:srgbClr val="00B050"/>
               </a:solidFill>
@@ -10274,7 +10239,7 @@
         </p:nvSpPr>
         <p:spPr>
           <a:xfrm>
-            <a:off x="2620966" y="4255221"/>
+            <a:off x="2485500" y="4160237"/>
             <a:ext cx="661987" cy="307736"/>
           </a:xfrm>
           <a:prstGeom prst="rect">
@@ -10291,22 +10256,11 @@
           </a:bodyPr>
           <a:lstStyle/>
           <a:p>
-            <a:pPr marL="0" marR="0" lvl="0" indent="0" algn="ctr" rtl="0">
-              <a:lnSpc>
-                <a:spcPct val="100000"/>
-              </a:lnSpc>
-              <a:spcBef>
-                <a:spcPts val="0"/>
-              </a:spcBef>
-              <a:spcAft>
-                <a:spcPts val="0"/>
-              </a:spcAft>
+            <a:pPr algn="ctr">
               <a:buClr>
                 <a:srgbClr val="000000"/>
               </a:buClr>
               <a:buSzPts val="1200"/>
-              <a:buFont typeface="Arial"/>
-              <a:buNone/>
             </a:pPr>
             <a:r>
               <a:rPr lang="pt-BR" sz="1400" b="1" dirty="0">
@@ -10318,7 +10272,7 @@
               </a:rPr>
               <a:t>COOH</a:t>
             </a:r>
-            <a:endParaRPr sz="1600" b="0" i="0" strike="noStrike" cap="none" baseline="-25000" dirty="0">
+            <a:endParaRPr sz="1600" baseline="-25000" dirty="0">
               <a:solidFill>
                 <a:srgbClr val="00B050"/>
               </a:solidFill>
@@ -10344,7 +10298,7 @@
         </p:nvSpPr>
         <p:spPr>
           <a:xfrm>
-            <a:off x="2430912" y="5117065"/>
+            <a:off x="2295445" y="5022081"/>
             <a:ext cx="928010" cy="307736"/>
           </a:xfrm>
           <a:prstGeom prst="rect">
@@ -10361,22 +10315,11 @@
           </a:bodyPr>
           <a:lstStyle/>
           <a:p>
-            <a:pPr marL="0" marR="0" lvl="0" indent="0" algn="ctr" rtl="0">
-              <a:lnSpc>
-                <a:spcPct val="100000"/>
-              </a:lnSpc>
-              <a:spcBef>
-                <a:spcPts val="0"/>
-              </a:spcBef>
-              <a:spcAft>
-                <a:spcPts val="0"/>
-              </a:spcAft>
+            <a:pPr algn="ctr">
               <a:buClr>
                 <a:srgbClr val="000000"/>
               </a:buClr>
               <a:buSzPts val="1200"/>
-              <a:buFont typeface="Arial"/>
-              <a:buNone/>
             </a:pPr>
             <a:r>
               <a:rPr lang="pt-BR" sz="1400" b="1" dirty="0">
@@ -10388,7 +10331,7 @@
               </a:rPr>
               <a:t>OCOCH3</a:t>
             </a:r>
-            <a:endParaRPr sz="1600" b="0" i="0" strike="noStrike" cap="none" baseline="-25000" dirty="0">
+            <a:endParaRPr sz="1600" baseline="-25000" dirty="0">
               <a:solidFill>
                 <a:srgbClr val="00B050"/>
               </a:solidFill>
@@ -10414,7 +10357,7 @@
         </p:nvSpPr>
         <p:spPr>
           <a:xfrm>
-            <a:off x="4562415" y="1143872"/>
+            <a:off x="4426949" y="1048888"/>
             <a:ext cx="620683" cy="307736"/>
           </a:xfrm>
           <a:prstGeom prst="rect">
@@ -10431,22 +10374,11 @@
           </a:bodyPr>
           <a:lstStyle/>
           <a:p>
-            <a:pPr marL="0" marR="0" lvl="0" indent="0" algn="ctr" rtl="0">
-              <a:lnSpc>
-                <a:spcPct val="100000"/>
-              </a:lnSpc>
-              <a:spcBef>
-                <a:spcPts val="0"/>
-              </a:spcBef>
-              <a:spcAft>
-                <a:spcPts val="0"/>
-              </a:spcAft>
+            <a:pPr algn="ctr">
               <a:buClr>
                 <a:srgbClr val="000000"/>
               </a:buClr>
               <a:buSzPts val="1200"/>
-              <a:buFont typeface="Arial"/>
-              <a:buNone/>
             </a:pPr>
             <a:r>
               <a:rPr lang="pt-BR" sz="1400" b="1" dirty="0">
@@ -10458,7 +10390,7 @@
               </a:rPr>
               <a:t>SH</a:t>
             </a:r>
-            <a:endParaRPr sz="1600" b="0" i="0" strike="noStrike" cap="none" baseline="-25000" dirty="0">
+            <a:endParaRPr sz="1600" baseline="-25000" dirty="0">
               <a:solidFill>
                 <a:srgbClr val="00B050"/>
               </a:solidFill>
@@ -10484,7 +10416,7 @@
         </p:nvSpPr>
         <p:spPr>
           <a:xfrm>
-            <a:off x="4562415" y="1766974"/>
+            <a:off x="4426949" y="1671990"/>
             <a:ext cx="620683" cy="307736"/>
           </a:xfrm>
           <a:prstGeom prst="rect">
@@ -10501,22 +10433,11 @@
           </a:bodyPr>
           <a:lstStyle/>
           <a:p>
-            <a:pPr marL="0" marR="0" lvl="0" indent="0" algn="ctr" rtl="0">
-              <a:lnSpc>
-                <a:spcPct val="100000"/>
-              </a:lnSpc>
-              <a:spcBef>
-                <a:spcPts val="0"/>
-              </a:spcBef>
-              <a:spcAft>
-                <a:spcPts val="0"/>
-              </a:spcAft>
+            <a:pPr algn="ctr">
               <a:buClr>
                 <a:srgbClr val="000000"/>
               </a:buClr>
               <a:buSzPts val="1200"/>
-              <a:buFont typeface="Arial"/>
-              <a:buNone/>
             </a:pPr>
             <a:r>
               <a:rPr lang="pt-BR" sz="1400" b="1" dirty="0">
@@ -10528,7 +10449,7 @@
               </a:rPr>
               <a:t>O</a:t>
             </a:r>
-            <a:endParaRPr sz="1600" b="0" i="0" strike="noStrike" cap="none" baseline="-25000" dirty="0">
+            <a:endParaRPr sz="1600" baseline="-25000" dirty="0">
               <a:solidFill>
                 <a:srgbClr val="00B050"/>
               </a:solidFill>
@@ -10554,7 +10475,7 @@
         </p:nvSpPr>
         <p:spPr>
           <a:xfrm>
-            <a:off x="4593527" y="2385108"/>
+            <a:off x="4458061" y="2290124"/>
             <a:ext cx="620683" cy="307736"/>
           </a:xfrm>
           <a:prstGeom prst="rect">
@@ -10571,22 +10492,11 @@
           </a:bodyPr>
           <a:lstStyle/>
           <a:p>
-            <a:pPr marL="0" marR="0" lvl="0" indent="0" algn="ctr" rtl="0">
-              <a:lnSpc>
-                <a:spcPct val="100000"/>
-              </a:lnSpc>
-              <a:spcBef>
-                <a:spcPts val="0"/>
-              </a:spcBef>
-              <a:spcAft>
-                <a:spcPts val="0"/>
-              </a:spcAft>
+            <a:pPr algn="ctr">
               <a:buClr>
                 <a:srgbClr val="000000"/>
               </a:buClr>
               <a:buSzPts val="1200"/>
-              <a:buFont typeface="Arial"/>
-              <a:buNone/>
             </a:pPr>
             <a:r>
               <a:rPr lang="pt-BR" sz="1400" b="1" dirty="0">
@@ -10598,7 +10508,7 @@
               </a:rPr>
               <a:t>NO</a:t>
             </a:r>
-            <a:endParaRPr sz="1600" b="0" i="0" strike="noStrike" cap="none" baseline="-25000" dirty="0">
+            <a:endParaRPr sz="1600" baseline="-25000" dirty="0">
               <a:solidFill>
                 <a:srgbClr val="00B050"/>
               </a:solidFill>
@@ -10624,7 +10534,7 @@
         </p:nvSpPr>
         <p:spPr>
           <a:xfrm>
-            <a:off x="4615477" y="3657374"/>
+            <a:off x="4480011" y="3562390"/>
             <a:ext cx="620683" cy="307736"/>
           </a:xfrm>
           <a:prstGeom prst="rect">
@@ -10641,22 +10551,11 @@
           </a:bodyPr>
           <a:lstStyle/>
           <a:p>
-            <a:pPr marL="0" marR="0" lvl="0" indent="0" algn="ctr" rtl="0">
-              <a:lnSpc>
-                <a:spcPct val="100000"/>
-              </a:lnSpc>
-              <a:spcBef>
-                <a:spcPts val="0"/>
-              </a:spcBef>
-              <a:spcAft>
-                <a:spcPts val="0"/>
-              </a:spcAft>
+            <a:pPr algn="ctr">
               <a:buClr>
                 <a:srgbClr val="000000"/>
               </a:buClr>
               <a:buSzPts val="1200"/>
-              <a:buFont typeface="Arial"/>
-              <a:buNone/>
             </a:pPr>
             <a:r>
               <a:rPr lang="pt-BR" sz="1400" b="1" dirty="0">
@@ -10668,7 +10567,7 @@
               </a:rPr>
               <a:t>Cl</a:t>
             </a:r>
-            <a:endParaRPr sz="1600" b="0" i="0" strike="noStrike" cap="none" baseline="-25000" dirty="0">
+            <a:endParaRPr sz="1600" baseline="-25000" dirty="0">
               <a:solidFill>
                 <a:srgbClr val="00B050"/>
               </a:solidFill>
@@ -10694,7 +10593,7 @@
         </p:nvSpPr>
         <p:spPr>
           <a:xfrm>
-            <a:off x="4623008" y="4449164"/>
+            <a:off x="4487542" y="4354180"/>
             <a:ext cx="620683" cy="307736"/>
           </a:xfrm>
           <a:prstGeom prst="rect">
@@ -10711,22 +10610,11 @@
           </a:bodyPr>
           <a:lstStyle/>
           <a:p>
-            <a:pPr marL="0" marR="0" lvl="0" indent="0" algn="ctr" rtl="0">
-              <a:lnSpc>
-                <a:spcPct val="100000"/>
-              </a:lnSpc>
-              <a:spcBef>
-                <a:spcPts val="0"/>
-              </a:spcBef>
-              <a:spcAft>
-                <a:spcPts val="0"/>
-              </a:spcAft>
+            <a:pPr algn="ctr">
               <a:buClr>
                 <a:srgbClr val="000000"/>
               </a:buClr>
               <a:buSzPts val="1200"/>
-              <a:buFont typeface="Arial"/>
-              <a:buNone/>
             </a:pPr>
             <a:r>
               <a:rPr lang="pt-BR" sz="1400" b="1" dirty="0">
@@ -10738,7 +10626,7 @@
               </a:rPr>
               <a:t>Br</a:t>
             </a:r>
-            <a:endParaRPr sz="1600" b="0" i="0" strike="noStrike" cap="none" baseline="-25000" dirty="0">
+            <a:endParaRPr sz="1600" baseline="-25000" dirty="0">
               <a:solidFill>
                 <a:srgbClr val="00B050"/>
               </a:solidFill>
@@ -10764,7 +10652,7 @@
         </p:nvSpPr>
         <p:spPr>
           <a:xfrm>
-            <a:off x="4619773" y="5229651"/>
+            <a:off x="4484307" y="5134667"/>
             <a:ext cx="620683" cy="307736"/>
           </a:xfrm>
           <a:prstGeom prst="rect">
@@ -10781,22 +10669,11 @@
           </a:bodyPr>
           <a:lstStyle/>
           <a:p>
-            <a:pPr marL="0" marR="0" lvl="0" indent="0" algn="ctr" rtl="0">
-              <a:lnSpc>
-                <a:spcPct val="100000"/>
-              </a:lnSpc>
-              <a:spcBef>
-                <a:spcPts val="0"/>
-              </a:spcBef>
-              <a:spcAft>
-                <a:spcPts val="0"/>
-              </a:spcAft>
+            <a:pPr algn="ctr">
               <a:buClr>
                 <a:srgbClr val="000000"/>
               </a:buClr>
               <a:buSzPts val="1200"/>
-              <a:buFont typeface="Arial"/>
-              <a:buNone/>
             </a:pPr>
             <a:r>
               <a:rPr lang="pt-BR" sz="1400" b="1" dirty="0">
@@ -10808,7 +10685,7 @@
               </a:rPr>
               <a:t>I</a:t>
             </a:r>
-            <a:endParaRPr sz="1600" b="0" i="0" strike="noStrike" cap="none" baseline="-25000" dirty="0">
+            <a:endParaRPr sz="1600" baseline="-25000" dirty="0">
               <a:solidFill>
                 <a:srgbClr val="00B050"/>
               </a:solidFill>
@@ -10834,7 +10711,7 @@
         </p:nvSpPr>
         <p:spPr>
           <a:xfrm>
-            <a:off x="4636959" y="2944991"/>
+            <a:off x="4501493" y="2850007"/>
             <a:ext cx="620683" cy="307736"/>
           </a:xfrm>
           <a:prstGeom prst="rect">
@@ -10851,22 +10728,11 @@
           </a:bodyPr>
           <a:lstStyle/>
           <a:p>
-            <a:pPr marL="0" marR="0" lvl="0" indent="0" algn="ctr" rtl="0">
-              <a:lnSpc>
-                <a:spcPct val="100000"/>
-              </a:lnSpc>
-              <a:spcBef>
-                <a:spcPts val="0"/>
-              </a:spcBef>
-              <a:spcAft>
-                <a:spcPts val="0"/>
-              </a:spcAft>
+            <a:pPr algn="ctr">
               <a:buClr>
                 <a:srgbClr val="000000"/>
               </a:buClr>
               <a:buSzPts val="1200"/>
-              <a:buFont typeface="Arial"/>
-              <a:buNone/>
             </a:pPr>
             <a:r>
               <a:rPr lang="pt-BR" sz="1400" b="1" dirty="0">
@@ -10878,7 +10744,7 @@
               </a:rPr>
               <a:t>F</a:t>
             </a:r>
-            <a:endParaRPr sz="1600" b="0" i="0" strike="noStrike" cap="none" baseline="-25000" dirty="0">
+            <a:endParaRPr sz="1600" baseline="-25000" dirty="0">
               <a:solidFill>
                 <a:srgbClr val="00B050"/>
               </a:solidFill>
@@ -10905,13 +10771,13 @@
           <p:nvPr>
             <p:extLst>
               <p:ext uri="{D42A27DB-BD31-4B8C-83A1-F6EECF244321}">
-                <p14:modId xmlns:p14="http://schemas.microsoft.com/office/powerpoint/2010/main" val="2344135471"/>
+                <p14:modId xmlns:p14="http://schemas.microsoft.com/office/powerpoint/2010/main" val="1947614505"/>
               </p:ext>
             </p:extLst>
           </p:nvPr>
         </p:nvGraphicFramePr>
         <p:xfrm>
-          <a:off x="5287963" y="1204913"/>
+          <a:off x="5152496" y="1109929"/>
           <a:ext cx="603250" cy="4425950"/>
         </p:xfrm>
         <a:graphic>
@@ -10945,7 +10811,7 @@
                     </p:blipFill>
                     <p:spPr>
                       <a:xfrm>
-                        <a:off x="5287963" y="1204913"/>
+                        <a:off x="5152496" y="1109929"/>
                         <a:ext cx="603250" cy="4425950"/>
                       </a:xfrm>
                       <a:prstGeom prst="rect">
@@ -10974,25 +10840,25 @@
           <p:nvPr>
             <p:extLst>
               <p:ext uri="{D42A27DB-BD31-4B8C-83A1-F6EECF244321}">
-                <p14:modId xmlns:p14="http://schemas.microsoft.com/office/powerpoint/2010/main" val="1841584040"/>
+                <p14:modId xmlns:p14="http://schemas.microsoft.com/office/powerpoint/2010/main" val="941667778"/>
               </p:ext>
             </p:extLst>
           </p:nvPr>
         </p:nvGraphicFramePr>
         <p:xfrm>
-          <a:off x="6760169" y="1143872"/>
-          <a:ext cx="890588" cy="3560763"/>
+          <a:off x="7002037" y="898774"/>
+          <a:ext cx="852488" cy="752475"/>
         </p:xfrm>
         <a:graphic>
           <a:graphicData uri="http://schemas.openxmlformats.org/presentationml/2006/ole">
             <mc:AlternateContent xmlns:mc="http://schemas.openxmlformats.org/markup-compatibility/2006">
               <mc:Choice xmlns:v="urn:schemas-microsoft-com:vml" Requires="v">
-                <p:oleObj name="CS ChemDraw Drawing" r:id="rId8" imgW="839254" imgH="3360164" progId="ChemDraw.Document.6.0">
+                <p:oleObj name="CS ChemDraw Drawing" r:id="rId8" imgW="802876" imgH="711252" progId="ChemDraw.Document.6.0">
                   <p:embed/>
                 </p:oleObj>
               </mc:Choice>
               <mc:Fallback>
-                <p:oleObj name="CS ChemDraw Drawing" r:id="rId8" imgW="839254" imgH="3360164" progId="ChemDraw.Document.6.0">
+                <p:oleObj name="CS ChemDraw Drawing" r:id="rId8" imgW="802876" imgH="711252" progId="ChemDraw.Document.6.0">
                   <p:embed/>
                   <p:pic>
                     <p:nvPicPr>
@@ -11014,8 +10880,8 @@
                     </p:blipFill>
                     <p:spPr>
                       <a:xfrm>
-                        <a:off x="6760169" y="1143872"/>
-                        <a:ext cx="890588" cy="3560763"/>
+                        <a:off x="7002037" y="898774"/>
+                        <a:ext cx="852488" cy="752475"/>
                       </a:xfrm>
                       <a:prstGeom prst="rect">
                         <a:avLst/>
@@ -11042,7 +10908,7 @@
         </p:nvSpPr>
         <p:spPr>
           <a:xfrm>
-            <a:off x="6130940" y="1371011"/>
+            <a:off x="6314402" y="1241898"/>
             <a:ext cx="620683" cy="307736"/>
           </a:xfrm>
           <a:prstGeom prst="rect">
@@ -11059,25 +10925,14 @@
           </a:bodyPr>
           <a:lstStyle/>
           <a:p>
-            <a:pPr marL="0" marR="0" lvl="0" indent="0" algn="ctr" rtl="0">
-              <a:lnSpc>
-                <a:spcPct val="100000"/>
-              </a:lnSpc>
-              <a:spcBef>
-                <a:spcPts val="0"/>
-              </a:spcBef>
-              <a:spcAft>
-                <a:spcPts val="0"/>
-              </a:spcAft>
+            <a:pPr algn="ctr">
               <a:buClr>
                 <a:srgbClr val="000000"/>
               </a:buClr>
               <a:buSzPts val="1200"/>
-              <a:buFont typeface="Arial"/>
-              <a:buNone/>
             </a:pPr>
             <a:r>
-              <a:rPr lang="pt-BR" sz="1400" b="1" i="0" strike="noStrike" cap="none" dirty="0">
+              <a:rPr lang="pt-BR" sz="1400" b="1" dirty="0">
                 <a:solidFill>
                   <a:srgbClr val="00B050"/>
                 </a:solidFill>
@@ -11088,7 +10943,7 @@
               </a:rPr>
               <a:t>SO2H</a:t>
             </a:r>
-            <a:endParaRPr sz="1600" b="0" i="0" strike="noStrike" cap="none" dirty="0">
+            <a:endParaRPr sz="1600" dirty="0">
               <a:solidFill>
                 <a:srgbClr val="00B050"/>
               </a:solidFill>
@@ -11114,7 +10969,7 @@
         </p:nvSpPr>
         <p:spPr>
           <a:xfrm>
-            <a:off x="6143148" y="2176255"/>
+            <a:off x="6326610" y="2047142"/>
             <a:ext cx="620683" cy="307736"/>
           </a:xfrm>
           <a:prstGeom prst="rect">
@@ -11131,25 +10986,14 @@
           </a:bodyPr>
           <a:lstStyle/>
           <a:p>
-            <a:pPr marL="0" marR="0" lvl="0" indent="0" algn="ctr" rtl="0">
-              <a:lnSpc>
-                <a:spcPct val="100000"/>
-              </a:lnSpc>
-              <a:spcBef>
-                <a:spcPts val="0"/>
-              </a:spcBef>
-              <a:spcAft>
-                <a:spcPts val="0"/>
-              </a:spcAft>
+            <a:pPr algn="ctr">
               <a:buClr>
                 <a:srgbClr val="000000"/>
               </a:buClr>
               <a:buSzPts val="1200"/>
-              <a:buFont typeface="Arial"/>
-              <a:buNone/>
             </a:pPr>
             <a:r>
-              <a:rPr lang="pt-BR" sz="1400" b="1" i="0" strike="noStrike" cap="none" dirty="0">
+              <a:rPr lang="pt-BR" sz="1400" b="1" dirty="0">
                 <a:solidFill>
                   <a:srgbClr val="00B050"/>
                 </a:solidFill>
@@ -11160,7 +11004,7 @@
               </a:rPr>
               <a:t>SO3H</a:t>
             </a:r>
-            <a:endParaRPr sz="1600" b="0" i="0" strike="noStrike" cap="none" dirty="0">
+            <a:endParaRPr sz="1600" dirty="0">
               <a:solidFill>
                 <a:srgbClr val="00B050"/>
               </a:solidFill>
@@ -11186,7 +11030,7 @@
         </p:nvSpPr>
         <p:spPr>
           <a:xfrm>
-            <a:off x="6178780" y="3183996"/>
+            <a:off x="6362242" y="3054883"/>
             <a:ext cx="620683" cy="307736"/>
           </a:xfrm>
           <a:prstGeom prst="rect">
@@ -11203,22 +11047,11 @@
           </a:bodyPr>
           <a:lstStyle/>
           <a:p>
-            <a:pPr marL="0" marR="0" lvl="0" indent="0" algn="ctr" rtl="0">
-              <a:lnSpc>
-                <a:spcPct val="100000"/>
-              </a:lnSpc>
-              <a:spcBef>
-                <a:spcPts val="0"/>
-              </a:spcBef>
-              <a:spcAft>
-                <a:spcPts val="0"/>
-              </a:spcAft>
+            <a:pPr algn="ctr">
               <a:buClr>
                 <a:srgbClr val="000000"/>
               </a:buClr>
               <a:buSzPts val="1200"/>
-              <a:buFont typeface="Arial"/>
-              <a:buNone/>
             </a:pPr>
             <a:r>
               <a:rPr lang="pt-BR" sz="1400" b="1" dirty="0">
@@ -11230,7 +11063,7 @@
               </a:rPr>
               <a:t>CHS</a:t>
             </a:r>
-            <a:endParaRPr sz="1600" b="0" i="0" strike="noStrike" cap="none" baseline="-25000" dirty="0">
+            <a:endParaRPr sz="1600" baseline="-25000" dirty="0">
               <a:solidFill>
                 <a:srgbClr val="00B050"/>
               </a:solidFill>
@@ -11257,13 +11090,13 @@
           <p:nvPr>
             <p:extLst>
               <p:ext uri="{D42A27DB-BD31-4B8C-83A1-F6EECF244321}">
-                <p14:modId xmlns:p14="http://schemas.microsoft.com/office/powerpoint/2010/main" val="3967326668"/>
+                <p14:modId xmlns:p14="http://schemas.microsoft.com/office/powerpoint/2010/main" val="2277676820"/>
               </p:ext>
             </p:extLst>
           </p:nvPr>
         </p:nvGraphicFramePr>
         <p:xfrm>
-          <a:off x="8839200" y="1209675"/>
+          <a:off x="9303026" y="924192"/>
           <a:ext cx="1408113" cy="4668838"/>
         </p:xfrm>
         <a:graphic>
@@ -11297,7 +11130,7 @@
                     </p:blipFill>
                     <p:spPr>
                       <a:xfrm>
-                        <a:off x="8839200" y="1209675"/>
+                        <a:off x="9303026" y="924192"/>
                         <a:ext cx="1408113" cy="4668838"/>
                       </a:xfrm>
                       <a:prstGeom prst="rect">
@@ -11325,7 +11158,7 @@
         </p:nvSpPr>
         <p:spPr>
           <a:xfrm>
-            <a:off x="8213034" y="1375026"/>
+            <a:off x="8676860" y="1089543"/>
             <a:ext cx="620683" cy="307736"/>
           </a:xfrm>
           <a:prstGeom prst="rect">
@@ -11342,25 +11175,14 @@
           </a:bodyPr>
           <a:lstStyle/>
           <a:p>
-            <a:pPr marL="0" marR="0" lvl="0" indent="0" algn="ctr" rtl="0">
-              <a:lnSpc>
-                <a:spcPct val="100000"/>
-              </a:lnSpc>
-              <a:spcBef>
-                <a:spcPts val="0"/>
-              </a:spcBef>
-              <a:spcAft>
-                <a:spcPts val="0"/>
-              </a:spcAft>
+            <a:pPr algn="ctr">
               <a:buClr>
                 <a:srgbClr val="000000"/>
               </a:buClr>
               <a:buSzPts val="1200"/>
-              <a:buFont typeface="Arial"/>
-              <a:buNone/>
             </a:pPr>
             <a:r>
-              <a:rPr lang="pt-BR" sz="1400" b="1" i="0" strike="noStrike" cap="none" dirty="0">
+              <a:rPr lang="pt-BR" sz="1400" b="1" dirty="0">
                 <a:solidFill>
                   <a:srgbClr val="00B050"/>
                 </a:solidFill>
@@ -11371,7 +11193,7 @@
               </a:rPr>
               <a:t>EPO</a:t>
             </a:r>
-            <a:endParaRPr sz="1600" b="0" i="0" strike="noStrike" cap="none" dirty="0">
+            <a:endParaRPr sz="1600" dirty="0">
               <a:solidFill>
                 <a:srgbClr val="00B050"/>
               </a:solidFill>
@@ -11397,8 +11219,8 @@
         </p:nvSpPr>
         <p:spPr>
           <a:xfrm>
-            <a:off x="8213034" y="2136375"/>
-            <a:ext cx="620683" cy="523180"/>
+            <a:off x="8562618" y="1850892"/>
+            <a:ext cx="734926" cy="307736"/>
           </a:xfrm>
           <a:prstGeom prst="rect">
             <a:avLst/>
@@ -11414,25 +11236,14 @@
           </a:bodyPr>
           <a:lstStyle/>
           <a:p>
-            <a:pPr marL="0" marR="0" lvl="0" indent="0" algn="ctr" rtl="0">
-              <a:lnSpc>
-                <a:spcPct val="100000"/>
-              </a:lnSpc>
-              <a:spcBef>
-                <a:spcPts val="0"/>
-              </a:spcBef>
-              <a:spcAft>
-                <a:spcPts val="0"/>
-              </a:spcAft>
+            <a:pPr algn="ctr">
               <a:buClr>
                 <a:srgbClr val="000000"/>
               </a:buClr>
               <a:buSzPts val="1200"/>
-              <a:buFont typeface="Arial"/>
-              <a:buNone/>
             </a:pPr>
             <a:r>
-              <a:rPr lang="pt-BR" sz="1400" b="1" i="0" strike="noStrike" cap="none" dirty="0">
+              <a:rPr lang="pt-BR" sz="1400" b="1" dirty="0">
                 <a:solidFill>
                   <a:srgbClr val="00B050"/>
                 </a:solidFill>
@@ -11443,7 +11254,7 @@
               </a:rPr>
               <a:t>MEPO</a:t>
             </a:r>
-            <a:endParaRPr sz="1600" b="0" i="0" strike="noStrike" cap="none" dirty="0">
+            <a:endParaRPr sz="1600" dirty="0">
               <a:solidFill>
                 <a:srgbClr val="00B050"/>
               </a:solidFill>
@@ -11469,7 +11280,7 @@
         </p:nvSpPr>
         <p:spPr>
           <a:xfrm>
-            <a:off x="8213034" y="3137250"/>
+            <a:off x="8676860" y="2851767"/>
             <a:ext cx="620683" cy="307736"/>
           </a:xfrm>
           <a:prstGeom prst="rect">
@@ -11486,25 +11297,14 @@
           </a:bodyPr>
           <a:lstStyle/>
           <a:p>
-            <a:pPr marL="0" marR="0" lvl="0" indent="0" algn="ctr" rtl="0">
-              <a:lnSpc>
-                <a:spcPct val="100000"/>
-              </a:lnSpc>
-              <a:spcBef>
-                <a:spcPts val="0"/>
-              </a:spcBef>
-              <a:spcAft>
-                <a:spcPts val="0"/>
-              </a:spcAft>
+            <a:pPr algn="ctr">
               <a:buClr>
                 <a:srgbClr val="000000"/>
               </a:buClr>
               <a:buSzPts val="1200"/>
-              <a:buFont typeface="Arial"/>
-              <a:buNone/>
             </a:pPr>
             <a:r>
-              <a:rPr lang="pt-BR" sz="1400" b="1" i="0" strike="noStrike" cap="none" dirty="0">
+              <a:rPr lang="pt-BR" sz="1400" b="1" dirty="0">
                 <a:solidFill>
                   <a:srgbClr val="00B050"/>
                 </a:solidFill>
@@ -11515,7 +11315,7 @@
               </a:rPr>
               <a:t>EEPO</a:t>
             </a:r>
-            <a:endParaRPr sz="1600" b="0" i="0" strike="noStrike" cap="none" dirty="0">
+            <a:endParaRPr sz="1600" dirty="0">
               <a:solidFill>
                 <a:srgbClr val="00B050"/>
               </a:solidFill>
@@ -11541,7 +11341,7 @@
         </p:nvSpPr>
         <p:spPr>
           <a:xfrm>
-            <a:off x="8098792" y="4258041"/>
+            <a:off x="8562617" y="3972558"/>
             <a:ext cx="849168" cy="307736"/>
           </a:xfrm>
           <a:prstGeom prst="rect">
@@ -11558,25 +11358,14 @@
           </a:bodyPr>
           <a:lstStyle/>
           <a:p>
-            <a:pPr marL="0" marR="0" lvl="0" indent="0" algn="ctr" rtl="0">
-              <a:lnSpc>
-                <a:spcPct val="100000"/>
-              </a:lnSpc>
-              <a:spcBef>
-                <a:spcPts val="0"/>
-              </a:spcBef>
-              <a:spcAft>
-                <a:spcPts val="0"/>
-              </a:spcAft>
+            <a:pPr algn="ctr">
               <a:buClr>
                 <a:srgbClr val="000000"/>
               </a:buClr>
               <a:buSzPts val="1200"/>
-              <a:buFont typeface="Arial"/>
-              <a:buNone/>
             </a:pPr>
             <a:r>
-              <a:rPr lang="pt-BR" sz="1400" b="1" i="0" strike="noStrike" cap="none" dirty="0">
+              <a:rPr lang="pt-BR" sz="1400" b="1" dirty="0">
                 <a:solidFill>
                   <a:srgbClr val="00B050"/>
                 </a:solidFill>
@@ -11587,7 +11376,7 @@
               </a:rPr>
               <a:t>OEEPO</a:t>
             </a:r>
-            <a:endParaRPr sz="1600" b="0" i="0" strike="noStrike" cap="none" dirty="0">
+            <a:endParaRPr sz="1600" dirty="0">
               <a:solidFill>
                 <a:srgbClr val="00B050"/>
               </a:solidFill>
@@ -11613,7 +11402,7 @@
         </p:nvSpPr>
         <p:spPr>
           <a:xfrm>
-            <a:off x="8098792" y="5116567"/>
+            <a:off x="8562617" y="4831084"/>
             <a:ext cx="849168" cy="307736"/>
           </a:xfrm>
           <a:prstGeom prst="rect">
@@ -11630,25 +11419,14 @@
           </a:bodyPr>
           <a:lstStyle/>
           <a:p>
-            <a:pPr marL="0" marR="0" lvl="0" indent="0" algn="ctr" rtl="0">
-              <a:lnSpc>
-                <a:spcPct val="100000"/>
-              </a:lnSpc>
-              <a:spcBef>
-                <a:spcPts val="0"/>
-              </a:spcBef>
-              <a:spcAft>
-                <a:spcPts val="0"/>
-              </a:spcAft>
+            <a:pPr algn="ctr">
               <a:buClr>
                 <a:srgbClr val="000000"/>
               </a:buClr>
               <a:buSzPts val="1200"/>
-              <a:buFont typeface="Arial"/>
-              <a:buNone/>
             </a:pPr>
             <a:r>
-              <a:rPr lang="pt-BR" sz="1400" b="1" i="0" strike="noStrike" cap="none" dirty="0">
+              <a:rPr lang="pt-BR" sz="1400" b="1" dirty="0">
                 <a:solidFill>
                   <a:srgbClr val="00B050"/>
                 </a:solidFill>
@@ -11659,7 +11437,7 @@
               </a:rPr>
               <a:t>EMEPO</a:t>
             </a:r>
-            <a:endParaRPr sz="1600" b="0" i="0" strike="noStrike" cap="none" dirty="0">
+            <a:endParaRPr sz="1600" dirty="0">
               <a:solidFill>
                 <a:srgbClr val="00B050"/>
               </a:solidFill>
@@ -11685,7 +11463,7 @@
         </p:nvSpPr>
         <p:spPr>
           <a:xfrm>
-            <a:off x="6197892" y="4031202"/>
+            <a:off x="6381354" y="3902089"/>
             <a:ext cx="620683" cy="307736"/>
           </a:xfrm>
           <a:prstGeom prst="rect">
@@ -11702,25 +11480,14 @@
           </a:bodyPr>
           <a:lstStyle/>
           <a:p>
-            <a:pPr marL="0" marR="0" lvl="0" indent="0" algn="ctr" rtl="0">
-              <a:lnSpc>
-                <a:spcPct val="100000"/>
-              </a:lnSpc>
-              <a:spcBef>
-                <a:spcPts val="0"/>
-              </a:spcBef>
-              <a:spcAft>
-                <a:spcPts val="0"/>
-              </a:spcAft>
+            <a:pPr algn="ctr">
               <a:buClr>
                 <a:srgbClr val="000000"/>
               </a:buClr>
               <a:buSzPts val="1200"/>
-              <a:buFont typeface="Arial"/>
-              <a:buNone/>
             </a:pPr>
             <a:r>
-              <a:rPr lang="pt-BR" sz="1400" b="1" i="0" strike="noStrike" cap="none" dirty="0" err="1">
+              <a:rPr lang="pt-BR" sz="1400" b="1" dirty="0" err="1">
                 <a:solidFill>
                   <a:srgbClr val="00B050"/>
                 </a:solidFill>
@@ -11731,7 +11498,7 @@
               </a:rPr>
               <a:t>Ph</a:t>
             </a:r>
-            <a:endParaRPr sz="1600" b="0" i="0" strike="noStrike" cap="none" dirty="0">
+            <a:endParaRPr sz="1600" dirty="0">
               <a:solidFill>
                 <a:srgbClr val="00B050"/>
               </a:solidFill>
@@ -11743,6 +11510,816 @@
           </a:p>
         </p:txBody>
       </p:sp>
+      <p:graphicFrame>
+        <p:nvGraphicFramePr>
+          <p:cNvPr id="3" name="Objeto 2">
+            <a:extLst>
+              <a:ext uri="{FF2B5EF4-FFF2-40B4-BE49-F238E27FC236}">
+                <a16:creationId xmlns:a16="http://schemas.microsoft.com/office/drawing/2014/main" id="{4554C834-5DAB-C70D-C483-2C1ED140B634}"/>
+              </a:ext>
+            </a:extLst>
+          </p:cNvPr>
+          <p:cNvGraphicFramePr>
+            <a:graphicFrameLocks noChangeAspect="1"/>
+          </p:cNvGraphicFramePr>
+          <p:nvPr>
+            <p:extLst>
+              <p:ext uri="{D42A27DB-BD31-4B8C-83A1-F6EECF244321}">
+                <p14:modId xmlns:p14="http://schemas.microsoft.com/office/powerpoint/2010/main" val="3540188199"/>
+              </p:ext>
+            </p:extLst>
+          </p:nvPr>
+        </p:nvGraphicFramePr>
+        <p:xfrm>
+          <a:off x="7133537" y="3738907"/>
+          <a:ext cx="644525" cy="735012"/>
+        </p:xfrm>
+        <a:graphic>
+          <a:graphicData uri="http://schemas.openxmlformats.org/presentationml/2006/ole">
+            <mc:AlternateContent xmlns:mc="http://schemas.openxmlformats.org/markup-compatibility/2006">
+              <mc:Choice xmlns:v="urn:schemas-microsoft-com:vml" Requires="v">
+                <p:oleObj name="CS ChemDraw Drawing" r:id="rId12" imgW="644569" imgH="735762" progId="ChemDraw.Document.6.0">
+                  <p:embed/>
+                </p:oleObj>
+              </mc:Choice>
+              <mc:Fallback>
+                <p:oleObj name="CS ChemDraw Drawing" r:id="rId12" imgW="644569" imgH="735762" progId="ChemDraw.Document.6.0">
+                  <p:embed/>
+                  <p:pic>
+                    <p:nvPicPr>
+                      <p:cNvPr id="3" name="Objeto 2">
+                        <a:extLst>
+                          <a:ext uri="{FF2B5EF4-FFF2-40B4-BE49-F238E27FC236}">
+                            <a16:creationId xmlns:a16="http://schemas.microsoft.com/office/drawing/2014/main" id="{4554C834-5DAB-C70D-C483-2C1ED140B634}"/>
+                          </a:ext>
+                        </a:extLst>
+                      </p:cNvPr>
+                      <p:cNvPicPr/>
+                      <p:nvPr/>
+                    </p:nvPicPr>
+                    <p:blipFill>
+                      <a:blip r:embed="rId13"/>
+                      <a:stretch>
+                        <a:fillRect/>
+                      </a:stretch>
+                    </p:blipFill>
+                    <p:spPr>
+                      <a:xfrm>
+                        <a:off x="7133537" y="3738907"/>
+                        <a:ext cx="644525" cy="735012"/>
+                      </a:xfrm>
+                      <a:prstGeom prst="rect">
+                        <a:avLst/>
+                      </a:prstGeom>
+                    </p:spPr>
+                  </p:pic>
+                </p:oleObj>
+              </mc:Fallback>
+            </mc:AlternateContent>
+          </a:graphicData>
+        </a:graphic>
+      </p:graphicFrame>
+      <p:graphicFrame>
+        <p:nvGraphicFramePr>
+          <p:cNvPr id="4" name="Objeto 3">
+            <a:extLst>
+              <a:ext uri="{FF2B5EF4-FFF2-40B4-BE49-F238E27FC236}">
+                <a16:creationId xmlns:a16="http://schemas.microsoft.com/office/drawing/2014/main" id="{CAAF2F56-D395-E1C9-4B92-DE5C5444E34E}"/>
+              </a:ext>
+            </a:extLst>
+          </p:cNvPr>
+          <p:cNvGraphicFramePr>
+            <a:graphicFrameLocks noChangeAspect="1"/>
+          </p:cNvGraphicFramePr>
+          <p:nvPr>
+            <p:extLst>
+              <p:ext uri="{D42A27DB-BD31-4B8C-83A1-F6EECF244321}">
+                <p14:modId xmlns:p14="http://schemas.microsoft.com/office/powerpoint/2010/main" val="2762547231"/>
+              </p:ext>
+            </p:extLst>
+          </p:nvPr>
+        </p:nvGraphicFramePr>
+        <p:xfrm>
+          <a:off x="7210355" y="2833716"/>
+          <a:ext cx="452437" cy="711200"/>
+        </p:xfrm>
+        <a:graphic>
+          <a:graphicData uri="http://schemas.openxmlformats.org/presentationml/2006/ole">
+            <mc:AlternateContent xmlns:mc="http://schemas.openxmlformats.org/markup-compatibility/2006">
+              <mc:Choice xmlns:v="urn:schemas-microsoft-com:vml" Requires="v">
+                <p:oleObj name="CS ChemDraw Drawing" r:id="rId14" imgW="452238" imgH="711252" progId="ChemDraw.Document.6.0">
+                  <p:embed/>
+                </p:oleObj>
+              </mc:Choice>
+              <mc:Fallback>
+                <p:oleObj name="CS ChemDraw Drawing" r:id="rId14" imgW="452238" imgH="711252" progId="ChemDraw.Document.6.0">
+                  <p:embed/>
+                  <p:pic>
+                    <p:nvPicPr>
+                      <p:cNvPr id="4" name="Objeto 3">
+                        <a:extLst>
+                          <a:ext uri="{FF2B5EF4-FFF2-40B4-BE49-F238E27FC236}">
+                            <a16:creationId xmlns:a16="http://schemas.microsoft.com/office/drawing/2014/main" id="{CAAF2F56-D395-E1C9-4B92-DE5C5444E34E}"/>
+                          </a:ext>
+                        </a:extLst>
+                      </p:cNvPr>
+                      <p:cNvPicPr/>
+                      <p:nvPr/>
+                    </p:nvPicPr>
+                    <p:blipFill>
+                      <a:blip r:embed="rId15"/>
+                      <a:stretch>
+                        <a:fillRect/>
+                      </a:stretch>
+                    </p:blipFill>
+                    <p:spPr>
+                      <a:xfrm>
+                        <a:off x="7210355" y="2833716"/>
+                        <a:ext cx="452437" cy="711200"/>
+                      </a:xfrm>
+                      <a:prstGeom prst="rect">
+                        <a:avLst/>
+                      </a:prstGeom>
+                    </p:spPr>
+                  </p:pic>
+                </p:oleObj>
+              </mc:Fallback>
+            </mc:AlternateContent>
+          </a:graphicData>
+        </a:graphic>
+      </p:graphicFrame>
+      <p:graphicFrame>
+        <p:nvGraphicFramePr>
+          <p:cNvPr id="5" name="Objeto 4">
+            <a:extLst>
+              <a:ext uri="{FF2B5EF4-FFF2-40B4-BE49-F238E27FC236}">
+                <a16:creationId xmlns:a16="http://schemas.microsoft.com/office/drawing/2014/main" id="{201B5217-2B4F-EBE9-D008-922ABBB38550}"/>
+              </a:ext>
+            </a:extLst>
+          </p:cNvPr>
+          <p:cNvGraphicFramePr>
+            <a:graphicFrameLocks noChangeAspect="1"/>
+          </p:cNvGraphicFramePr>
+          <p:nvPr>
+            <p:extLst>
+              <p:ext uri="{D42A27DB-BD31-4B8C-83A1-F6EECF244321}">
+                <p14:modId xmlns:p14="http://schemas.microsoft.com/office/powerpoint/2010/main" val="2823376921"/>
+              </p:ext>
+            </p:extLst>
+          </p:nvPr>
+        </p:nvGraphicFramePr>
+        <p:xfrm>
+          <a:off x="7002037" y="1921189"/>
+          <a:ext cx="842963" cy="695325"/>
+        </p:xfrm>
+        <a:graphic>
+          <a:graphicData uri="http://schemas.openxmlformats.org/presentationml/2006/ole">
+            <mc:AlternateContent xmlns:mc="http://schemas.openxmlformats.org/markup-compatibility/2006">
+              <mc:Choice xmlns:v="urn:schemas-microsoft-com:vml" Requires="v">
+                <p:oleObj name="CS ChemDraw Drawing" r:id="rId16" imgW="842571" imgH="694755" progId="ChemDraw.Document.6.0">
+                  <p:embed/>
+                </p:oleObj>
+              </mc:Choice>
+              <mc:Fallback>
+                <p:oleObj name="CS ChemDraw Drawing" r:id="rId16" imgW="842571" imgH="694755" progId="ChemDraw.Document.6.0">
+                  <p:embed/>
+                  <p:pic>
+                    <p:nvPicPr>
+                      <p:cNvPr id="5" name="Objeto 4">
+                        <a:extLst>
+                          <a:ext uri="{FF2B5EF4-FFF2-40B4-BE49-F238E27FC236}">
+                            <a16:creationId xmlns:a16="http://schemas.microsoft.com/office/drawing/2014/main" id="{201B5217-2B4F-EBE9-D008-922ABBB38550}"/>
+                          </a:ext>
+                        </a:extLst>
+                      </p:cNvPr>
+                      <p:cNvPicPr/>
+                      <p:nvPr/>
+                    </p:nvPicPr>
+                    <p:blipFill>
+                      <a:blip r:embed="rId17"/>
+                      <a:stretch>
+                        <a:fillRect/>
+                      </a:stretch>
+                    </p:blipFill>
+                    <p:spPr>
+                      <a:xfrm>
+                        <a:off x="7002037" y="1921189"/>
+                        <a:ext cx="842963" cy="695325"/>
+                      </a:xfrm>
+                      <a:prstGeom prst="rect">
+                        <a:avLst/>
+                      </a:prstGeom>
+                    </p:spPr>
+                  </p:pic>
+                </p:oleObj>
+              </mc:Fallback>
+            </mc:AlternateContent>
+          </a:graphicData>
+        </a:graphic>
+      </p:graphicFrame>
+      <p:graphicFrame>
+        <p:nvGraphicFramePr>
+          <p:cNvPr id="6" name="Objeto 5">
+            <a:extLst>
+              <a:ext uri="{FF2B5EF4-FFF2-40B4-BE49-F238E27FC236}">
+                <a16:creationId xmlns:a16="http://schemas.microsoft.com/office/drawing/2014/main" id="{4832BF12-6B72-CD81-17F3-E43315811991}"/>
+              </a:ext>
+            </a:extLst>
+          </p:cNvPr>
+          <p:cNvGraphicFramePr>
+            <a:graphicFrameLocks noChangeAspect="1"/>
+          </p:cNvGraphicFramePr>
+          <p:nvPr>
+            <p:extLst>
+              <p:ext uri="{D42A27DB-BD31-4B8C-83A1-F6EECF244321}">
+                <p14:modId xmlns:p14="http://schemas.microsoft.com/office/powerpoint/2010/main" val="3856725317"/>
+              </p:ext>
+            </p:extLst>
+          </p:nvPr>
+        </p:nvGraphicFramePr>
+        <p:xfrm>
+          <a:off x="6627813" y="4692650"/>
+          <a:ext cx="1658937" cy="900113"/>
+        </p:xfrm>
+        <a:graphic>
+          <a:graphicData uri="http://schemas.openxmlformats.org/presentationml/2006/ole">
+            <mc:AlternateContent xmlns:mc="http://schemas.openxmlformats.org/markup-compatibility/2006">
+              <mc:Choice xmlns:v="urn:schemas-microsoft-com:vml" Requires="v">
+                <p:oleObj name="CS ChemDraw Drawing" r:id="rId18" imgW="1659624" imgH="900260" progId="ChemDraw.Document.6.0">
+                  <p:embed/>
+                </p:oleObj>
+              </mc:Choice>
+              <mc:Fallback>
+                <p:oleObj name="CS ChemDraw Drawing" r:id="rId18" imgW="1659624" imgH="900260" progId="ChemDraw.Document.6.0">
+                  <p:embed/>
+                  <p:pic>
+                    <p:nvPicPr>
+                      <p:cNvPr id="6" name="Objeto 5">
+                        <a:extLst>
+                          <a:ext uri="{FF2B5EF4-FFF2-40B4-BE49-F238E27FC236}">
+                            <a16:creationId xmlns:a16="http://schemas.microsoft.com/office/drawing/2014/main" id="{4832BF12-6B72-CD81-17F3-E43315811991}"/>
+                          </a:ext>
+                        </a:extLst>
+                      </p:cNvPr>
+                      <p:cNvPicPr/>
+                      <p:nvPr/>
+                    </p:nvPicPr>
+                    <p:blipFill>
+                      <a:blip r:embed="rId19"/>
+                      <a:stretch>
+                        <a:fillRect/>
+                      </a:stretch>
+                    </p:blipFill>
+                    <p:spPr>
+                      <a:xfrm>
+                        <a:off x="6627813" y="4692650"/>
+                        <a:ext cx="1658937" cy="900113"/>
+                      </a:xfrm>
+                      <a:prstGeom prst="rect">
+                        <a:avLst/>
+                      </a:prstGeom>
+                    </p:spPr>
+                  </p:pic>
+                </p:oleObj>
+              </mc:Fallback>
+            </mc:AlternateContent>
+          </a:graphicData>
+        </a:graphic>
+      </p:graphicFrame>
+      <p:sp>
+        <p:nvSpPr>
+          <p:cNvPr id="7" name="Google Shape;298;p9">
+            <a:extLst>
+              <a:ext uri="{FF2B5EF4-FFF2-40B4-BE49-F238E27FC236}">
+                <a16:creationId xmlns:a16="http://schemas.microsoft.com/office/drawing/2014/main" id="{F7EF7FBD-0212-B391-4DE4-FBB0F16C209F}"/>
+              </a:ext>
+            </a:extLst>
+          </p:cNvPr>
+          <p:cNvSpPr txBox="1"/>
+          <p:nvPr/>
+        </p:nvSpPr>
+        <p:spPr>
+          <a:xfrm>
+            <a:off x="5994391" y="4934939"/>
+            <a:ext cx="814608" cy="307736"/>
+          </a:xfrm>
+          <a:prstGeom prst="rect">
+            <a:avLst/>
+          </a:prstGeom>
+          <a:noFill/>
+          <a:ln>
+            <a:noFill/>
+          </a:ln>
+        </p:spPr>
+        <p:txBody>
+          <a:bodyPr spcFirstLastPara="1" wrap="square" lIns="91425" tIns="45700" rIns="91425" bIns="45700" anchor="t" anchorCtr="0">
+            <a:spAutoFit/>
+          </a:bodyPr>
+          <a:lstStyle/>
+          <a:p>
+            <a:pPr algn="ctr">
+              <a:buClr>
+                <a:srgbClr val="000000"/>
+              </a:buClr>
+              <a:buSzPts val="1200"/>
+            </a:pPr>
+            <a:r>
+              <a:rPr lang="pt-BR" sz="1400" b="1" dirty="0">
+                <a:solidFill>
+                  <a:srgbClr val="00B050"/>
+                </a:solidFill>
+                <a:latin typeface="Avenir"/>
+                <a:ea typeface="Arial"/>
+                <a:cs typeface="Arial"/>
+                <a:sym typeface="Avenir"/>
+              </a:rPr>
+              <a:t>DMPE</a:t>
+            </a:r>
+            <a:endParaRPr sz="1600" dirty="0">
+              <a:solidFill>
+                <a:srgbClr val="00B050"/>
+              </a:solidFill>
+              <a:latin typeface="Arial"/>
+              <a:ea typeface="Arial"/>
+              <a:cs typeface="Arial"/>
+              <a:sym typeface="Arial"/>
+            </a:endParaRPr>
+          </a:p>
+        </p:txBody>
+      </p:sp>
+      <p:sp>
+        <p:nvSpPr>
+          <p:cNvPr id="8" name="Google Shape;298;p9">
+            <a:extLst>
+              <a:ext uri="{FF2B5EF4-FFF2-40B4-BE49-F238E27FC236}">
+                <a16:creationId xmlns:a16="http://schemas.microsoft.com/office/drawing/2014/main" id="{20D058BC-AFBC-9551-D558-7F83F36B94EE}"/>
+              </a:ext>
+            </a:extLst>
+          </p:cNvPr>
+          <p:cNvSpPr txBox="1"/>
+          <p:nvPr/>
+        </p:nvSpPr>
+        <p:spPr>
+          <a:xfrm>
+            <a:off x="376860" y="5790556"/>
+            <a:ext cx="740877" cy="307736"/>
+          </a:xfrm>
+          <a:prstGeom prst="rect">
+            <a:avLst/>
+          </a:prstGeom>
+          <a:noFill/>
+          <a:ln>
+            <a:noFill/>
+          </a:ln>
+        </p:spPr>
+        <p:txBody>
+          <a:bodyPr spcFirstLastPara="1" wrap="square" lIns="91425" tIns="45700" rIns="91425" bIns="45700" anchor="t" anchorCtr="0">
+            <a:spAutoFit/>
+          </a:bodyPr>
+          <a:lstStyle/>
+          <a:p>
+            <a:pPr algn="ctr">
+              <a:buClr>
+                <a:srgbClr val="000000"/>
+              </a:buClr>
+              <a:buSzPts val="1200"/>
+            </a:pPr>
+            <a:r>
+              <a:rPr lang="pt-BR" sz="1400" b="1" dirty="0" err="1">
+                <a:solidFill>
+                  <a:srgbClr val="00B050"/>
+                </a:solidFill>
+                <a:latin typeface="Avenir"/>
+                <a:sym typeface="Avenir"/>
+              </a:rPr>
+              <a:t>OProp</a:t>
+            </a:r>
+            <a:endParaRPr sz="1600" baseline="-25000" dirty="0">
+              <a:solidFill>
+                <a:srgbClr val="00B050"/>
+              </a:solidFill>
+              <a:latin typeface="Arial"/>
+              <a:ea typeface="Arial"/>
+              <a:cs typeface="Arial"/>
+              <a:sym typeface="Arial"/>
+            </a:endParaRPr>
+          </a:p>
+        </p:txBody>
+      </p:sp>
+      <p:graphicFrame>
+        <p:nvGraphicFramePr>
+          <p:cNvPr id="10" name="Objeto 9">
+            <a:extLst>
+              <a:ext uri="{FF2B5EF4-FFF2-40B4-BE49-F238E27FC236}">
+                <a16:creationId xmlns:a16="http://schemas.microsoft.com/office/drawing/2014/main" id="{004A1533-7761-B113-8AB7-8E3C8EE23045}"/>
+              </a:ext>
+            </a:extLst>
+          </p:cNvPr>
+          <p:cNvGraphicFramePr>
+            <a:graphicFrameLocks noChangeAspect="1"/>
+          </p:cNvGraphicFramePr>
+          <p:nvPr>
+            <p:extLst>
+              <p:ext uri="{D42A27DB-BD31-4B8C-83A1-F6EECF244321}">
+                <p14:modId xmlns:p14="http://schemas.microsoft.com/office/powerpoint/2010/main" val="276631836"/>
+              </p:ext>
+            </p:extLst>
+          </p:nvPr>
+        </p:nvGraphicFramePr>
+        <p:xfrm>
+          <a:off x="1168754" y="4815341"/>
+          <a:ext cx="749300" cy="627062"/>
+        </p:xfrm>
+        <a:graphic>
+          <a:graphicData uri="http://schemas.openxmlformats.org/presentationml/2006/ole">
+            <mc:AlternateContent xmlns:mc="http://schemas.openxmlformats.org/markup-compatibility/2006">
+              <mc:Choice xmlns:v="urn:schemas-microsoft-com:vml" Requires="v">
+                <p:oleObj name="CS ChemDraw Drawing" r:id="rId20" imgW="749477" imgH="627825" progId="ChemDraw.Document.6.0">
+                  <p:embed/>
+                </p:oleObj>
+              </mc:Choice>
+              <mc:Fallback>
+                <p:oleObj name="CS ChemDraw Drawing" r:id="rId20" imgW="749477" imgH="627825" progId="ChemDraw.Document.6.0">
+                  <p:embed/>
+                  <p:pic>
+                    <p:nvPicPr>
+                      <p:cNvPr id="10" name="Objeto 9">
+                        <a:extLst>
+                          <a:ext uri="{FF2B5EF4-FFF2-40B4-BE49-F238E27FC236}">
+                            <a16:creationId xmlns:a16="http://schemas.microsoft.com/office/drawing/2014/main" id="{004A1533-7761-B113-8AB7-8E3C8EE23045}"/>
+                          </a:ext>
+                        </a:extLst>
+                      </p:cNvPr>
+                      <p:cNvPicPr/>
+                      <p:nvPr/>
+                    </p:nvPicPr>
+                    <p:blipFill>
+                      <a:blip r:embed="rId21"/>
+                      <a:stretch>
+                        <a:fillRect/>
+                      </a:stretch>
+                    </p:blipFill>
+                    <p:spPr>
+                      <a:xfrm>
+                        <a:off x="1168754" y="4815341"/>
+                        <a:ext cx="749300" cy="627062"/>
+                      </a:xfrm>
+                      <a:prstGeom prst="rect">
+                        <a:avLst/>
+                      </a:prstGeom>
+                    </p:spPr>
+                  </p:pic>
+                </p:oleObj>
+              </mc:Fallback>
+            </mc:AlternateContent>
+          </a:graphicData>
+        </a:graphic>
+      </p:graphicFrame>
+      <p:graphicFrame>
+        <p:nvGraphicFramePr>
+          <p:cNvPr id="11" name="Objeto 10">
+            <a:extLst>
+              <a:ext uri="{FF2B5EF4-FFF2-40B4-BE49-F238E27FC236}">
+                <a16:creationId xmlns:a16="http://schemas.microsoft.com/office/drawing/2014/main" id="{D17EB4BA-E8E1-02F5-A00B-73012A3B77F1}"/>
+              </a:ext>
+            </a:extLst>
+          </p:cNvPr>
+          <p:cNvGraphicFramePr>
+            <a:graphicFrameLocks noChangeAspect="1"/>
+          </p:cNvGraphicFramePr>
+          <p:nvPr>
+            <p:extLst>
+              <p:ext uri="{D42A27DB-BD31-4B8C-83A1-F6EECF244321}">
+                <p14:modId xmlns:p14="http://schemas.microsoft.com/office/powerpoint/2010/main" val="590626880"/>
+              </p:ext>
+            </p:extLst>
+          </p:nvPr>
+        </p:nvGraphicFramePr>
+        <p:xfrm>
+          <a:off x="1258938" y="4005054"/>
+          <a:ext cx="604837" cy="565150"/>
+        </p:xfrm>
+        <a:graphic>
+          <a:graphicData uri="http://schemas.openxmlformats.org/presentationml/2006/ole">
+            <mc:AlternateContent xmlns:mc="http://schemas.openxmlformats.org/markup-compatibility/2006">
+              <mc:Choice xmlns:v="urn:schemas-microsoft-com:vml" Requires="v">
+                <p:oleObj name="CS ChemDraw Drawing" r:id="rId22" imgW="604874" imgH="565137" progId="ChemDraw.Document.6.0">
+                  <p:embed/>
+                </p:oleObj>
+              </mc:Choice>
+              <mc:Fallback>
+                <p:oleObj name="CS ChemDraw Drawing" r:id="rId22" imgW="604874" imgH="565137" progId="ChemDraw.Document.6.0">
+                  <p:embed/>
+                  <p:pic>
+                    <p:nvPicPr>
+                      <p:cNvPr id="11" name="Objeto 10">
+                        <a:extLst>
+                          <a:ext uri="{FF2B5EF4-FFF2-40B4-BE49-F238E27FC236}">
+                            <a16:creationId xmlns:a16="http://schemas.microsoft.com/office/drawing/2014/main" id="{D17EB4BA-E8E1-02F5-A00B-73012A3B77F1}"/>
+                          </a:ext>
+                        </a:extLst>
+                      </p:cNvPr>
+                      <p:cNvPicPr/>
+                      <p:nvPr/>
+                    </p:nvPicPr>
+                    <p:blipFill>
+                      <a:blip r:embed="rId23"/>
+                      <a:stretch>
+                        <a:fillRect/>
+                      </a:stretch>
+                    </p:blipFill>
+                    <p:spPr>
+                      <a:xfrm>
+                        <a:off x="1258938" y="4005054"/>
+                        <a:ext cx="604837" cy="565150"/>
+                      </a:xfrm>
+                      <a:prstGeom prst="rect">
+                        <a:avLst/>
+                      </a:prstGeom>
+                    </p:spPr>
+                  </p:pic>
+                </p:oleObj>
+              </mc:Fallback>
+            </mc:AlternateContent>
+          </a:graphicData>
+        </a:graphic>
+      </p:graphicFrame>
+      <p:graphicFrame>
+        <p:nvGraphicFramePr>
+          <p:cNvPr id="12" name="Objeto 11">
+            <a:extLst>
+              <a:ext uri="{FF2B5EF4-FFF2-40B4-BE49-F238E27FC236}">
+                <a16:creationId xmlns:a16="http://schemas.microsoft.com/office/drawing/2014/main" id="{B7EE496E-7C62-62C4-6ED2-1C0D162098CC}"/>
+              </a:ext>
+            </a:extLst>
+          </p:cNvPr>
+          <p:cNvGraphicFramePr>
+            <a:graphicFrameLocks noChangeAspect="1"/>
+          </p:cNvGraphicFramePr>
+          <p:nvPr>
+            <p:extLst>
+              <p:ext uri="{D42A27DB-BD31-4B8C-83A1-F6EECF244321}">
+                <p14:modId xmlns:p14="http://schemas.microsoft.com/office/powerpoint/2010/main" val="3443508537"/>
+              </p:ext>
+            </p:extLst>
+          </p:nvPr>
+        </p:nvGraphicFramePr>
+        <p:xfrm>
+          <a:off x="1197494" y="3003875"/>
+          <a:ext cx="744537" cy="803275"/>
+        </p:xfrm>
+        <a:graphic>
+          <a:graphicData uri="http://schemas.openxmlformats.org/presentationml/2006/ole">
+            <mc:AlternateContent xmlns:mc="http://schemas.openxmlformats.org/markup-compatibility/2006">
+              <mc:Choice xmlns:v="urn:schemas-microsoft-com:vml" Requires="v">
+                <p:oleObj name="CS ChemDraw Drawing" r:id="rId24" imgW="744752" imgH="802692" progId="ChemDraw.Document.6.0">
+                  <p:embed/>
+                </p:oleObj>
+              </mc:Choice>
+              <mc:Fallback>
+                <p:oleObj name="CS ChemDraw Drawing" r:id="rId24" imgW="744752" imgH="802692" progId="ChemDraw.Document.6.0">
+                  <p:embed/>
+                  <p:pic>
+                    <p:nvPicPr>
+                      <p:cNvPr id="12" name="Objeto 11">
+                        <a:extLst>
+                          <a:ext uri="{FF2B5EF4-FFF2-40B4-BE49-F238E27FC236}">
+                            <a16:creationId xmlns:a16="http://schemas.microsoft.com/office/drawing/2014/main" id="{B7EE496E-7C62-62C4-6ED2-1C0D162098CC}"/>
+                          </a:ext>
+                        </a:extLst>
+                      </p:cNvPr>
+                      <p:cNvPicPr/>
+                      <p:nvPr/>
+                    </p:nvPicPr>
+                    <p:blipFill>
+                      <a:blip r:embed="rId25"/>
+                      <a:stretch>
+                        <a:fillRect/>
+                      </a:stretch>
+                    </p:blipFill>
+                    <p:spPr>
+                      <a:xfrm>
+                        <a:off x="1197494" y="3003875"/>
+                        <a:ext cx="744537" cy="803275"/>
+                      </a:xfrm>
+                      <a:prstGeom prst="rect">
+                        <a:avLst/>
+                      </a:prstGeom>
+                    </p:spPr>
+                  </p:pic>
+                </p:oleObj>
+              </mc:Fallback>
+            </mc:AlternateContent>
+          </a:graphicData>
+        </a:graphic>
+      </p:graphicFrame>
+      <p:graphicFrame>
+        <p:nvGraphicFramePr>
+          <p:cNvPr id="13" name="Objeto 12">
+            <a:extLst>
+              <a:ext uri="{FF2B5EF4-FFF2-40B4-BE49-F238E27FC236}">
+                <a16:creationId xmlns:a16="http://schemas.microsoft.com/office/drawing/2014/main" id="{E685A9D2-19C2-7152-FEFA-87E52AACC534}"/>
+              </a:ext>
+            </a:extLst>
+          </p:cNvPr>
+          <p:cNvGraphicFramePr>
+            <a:graphicFrameLocks noChangeAspect="1"/>
+          </p:cNvGraphicFramePr>
+          <p:nvPr>
+            <p:extLst>
+              <p:ext uri="{D42A27DB-BD31-4B8C-83A1-F6EECF244321}">
+                <p14:modId xmlns:p14="http://schemas.microsoft.com/office/powerpoint/2010/main" val="164851247"/>
+              </p:ext>
+            </p:extLst>
+          </p:nvPr>
+        </p:nvGraphicFramePr>
+        <p:xfrm>
+          <a:off x="1238821" y="2290124"/>
+          <a:ext cx="539750" cy="404812"/>
+        </p:xfrm>
+        <a:graphic>
+          <a:graphicData uri="http://schemas.openxmlformats.org/presentationml/2006/ole">
+            <mc:AlternateContent xmlns:mc="http://schemas.openxmlformats.org/markup-compatibility/2006">
+              <mc:Choice xmlns:v="urn:schemas-microsoft-com:vml" Requires="v">
+                <p:oleObj name="CS ChemDraw Drawing" r:id="rId26" imgW="539189" imgH="404881" progId="ChemDraw.Document.6.0">
+                  <p:embed/>
+                </p:oleObj>
+              </mc:Choice>
+              <mc:Fallback>
+                <p:oleObj name="CS ChemDraw Drawing" r:id="rId26" imgW="539189" imgH="404881" progId="ChemDraw.Document.6.0">
+                  <p:embed/>
+                  <p:pic>
+                    <p:nvPicPr>
+                      <p:cNvPr id="13" name="Objeto 12">
+                        <a:extLst>
+                          <a:ext uri="{FF2B5EF4-FFF2-40B4-BE49-F238E27FC236}">
+                            <a16:creationId xmlns:a16="http://schemas.microsoft.com/office/drawing/2014/main" id="{E685A9D2-19C2-7152-FEFA-87E52AACC534}"/>
+                          </a:ext>
+                        </a:extLst>
+                      </p:cNvPr>
+                      <p:cNvPicPr/>
+                      <p:nvPr/>
+                    </p:nvPicPr>
+                    <p:blipFill>
+                      <a:blip r:embed="rId27"/>
+                      <a:stretch>
+                        <a:fillRect/>
+                      </a:stretch>
+                    </p:blipFill>
+                    <p:spPr>
+                      <a:xfrm>
+                        <a:off x="1238821" y="2290124"/>
+                        <a:ext cx="539750" cy="404812"/>
+                      </a:xfrm>
+                      <a:prstGeom prst="rect">
+                        <a:avLst/>
+                      </a:prstGeom>
+                    </p:spPr>
+                  </p:pic>
+                </p:oleObj>
+              </mc:Fallback>
+            </mc:AlternateContent>
+          </a:graphicData>
+        </a:graphic>
+      </p:graphicFrame>
+      <p:graphicFrame>
+        <p:nvGraphicFramePr>
+          <p:cNvPr id="14" name="Objeto 13">
+            <a:extLst>
+              <a:ext uri="{FF2B5EF4-FFF2-40B4-BE49-F238E27FC236}">
+                <a16:creationId xmlns:a16="http://schemas.microsoft.com/office/drawing/2014/main" id="{54461B92-AA52-E127-D5B5-444B0C7FCB1E}"/>
+              </a:ext>
+            </a:extLst>
+          </p:cNvPr>
+          <p:cNvGraphicFramePr>
+            <a:graphicFrameLocks noChangeAspect="1"/>
+          </p:cNvGraphicFramePr>
+          <p:nvPr>
+            <p:extLst>
+              <p:ext uri="{D42A27DB-BD31-4B8C-83A1-F6EECF244321}">
+                <p14:modId xmlns:p14="http://schemas.microsoft.com/office/powerpoint/2010/main" val="3535159534"/>
+              </p:ext>
+            </p:extLst>
+          </p:nvPr>
+        </p:nvGraphicFramePr>
+        <p:xfrm>
+          <a:off x="1219358" y="1645300"/>
+          <a:ext cx="603250" cy="406400"/>
+        </p:xfrm>
+        <a:graphic>
+          <a:graphicData uri="http://schemas.openxmlformats.org/presentationml/2006/ole">
+            <mc:AlternateContent xmlns:mc="http://schemas.openxmlformats.org/markup-compatibility/2006">
+              <mc:Choice xmlns:v="urn:schemas-microsoft-com:vml" Requires="v">
+                <p:oleObj name="CS ChemDraw Drawing" r:id="rId28" imgW="603457" imgH="406767" progId="ChemDraw.Document.6.0">
+                  <p:embed/>
+                </p:oleObj>
+              </mc:Choice>
+              <mc:Fallback>
+                <p:oleObj name="CS ChemDraw Drawing" r:id="rId28" imgW="603457" imgH="406767" progId="ChemDraw.Document.6.0">
+                  <p:embed/>
+                  <p:pic>
+                    <p:nvPicPr>
+                      <p:cNvPr id="14" name="Objeto 13">
+                        <a:extLst>
+                          <a:ext uri="{FF2B5EF4-FFF2-40B4-BE49-F238E27FC236}">
+                            <a16:creationId xmlns:a16="http://schemas.microsoft.com/office/drawing/2014/main" id="{54461B92-AA52-E127-D5B5-444B0C7FCB1E}"/>
+                          </a:ext>
+                        </a:extLst>
+                      </p:cNvPr>
+                      <p:cNvPicPr/>
+                      <p:nvPr/>
+                    </p:nvPicPr>
+                    <p:blipFill>
+                      <a:blip r:embed="rId29"/>
+                      <a:stretch>
+                        <a:fillRect/>
+                      </a:stretch>
+                    </p:blipFill>
+                    <p:spPr>
+                      <a:xfrm>
+                        <a:off x="1219358" y="1645300"/>
+                        <a:ext cx="603250" cy="406400"/>
+                      </a:xfrm>
+                      <a:prstGeom prst="rect">
+                        <a:avLst/>
+                      </a:prstGeom>
+                    </p:spPr>
+                  </p:pic>
+                </p:oleObj>
+              </mc:Fallback>
+            </mc:AlternateContent>
+          </a:graphicData>
+        </a:graphic>
+      </p:graphicFrame>
+      <p:graphicFrame>
+        <p:nvGraphicFramePr>
+          <p:cNvPr id="15" name="Objeto 14">
+            <a:extLst>
+              <a:ext uri="{FF2B5EF4-FFF2-40B4-BE49-F238E27FC236}">
+                <a16:creationId xmlns:a16="http://schemas.microsoft.com/office/drawing/2014/main" id="{F27F8F4F-4FBC-7867-7413-DB5457A0EA3F}"/>
+              </a:ext>
+            </a:extLst>
+          </p:cNvPr>
+          <p:cNvGraphicFramePr>
+            <a:graphicFrameLocks noChangeAspect="1"/>
+          </p:cNvGraphicFramePr>
+          <p:nvPr>
+            <p:extLst>
+              <p:ext uri="{D42A27DB-BD31-4B8C-83A1-F6EECF244321}">
+                <p14:modId xmlns:p14="http://schemas.microsoft.com/office/powerpoint/2010/main" val="1676666297"/>
+              </p:ext>
+            </p:extLst>
+          </p:nvPr>
+        </p:nvGraphicFramePr>
+        <p:xfrm>
+          <a:off x="1117600" y="5408613"/>
+          <a:ext cx="927100" cy="823912"/>
+        </p:xfrm>
+        <a:graphic>
+          <a:graphicData uri="http://schemas.openxmlformats.org/presentationml/2006/ole">
+            <mc:AlternateContent xmlns:mc="http://schemas.openxmlformats.org/markup-compatibility/2006">
+              <mc:Choice xmlns:v="urn:schemas-microsoft-com:vml" Requires="v">
+                <p:oleObj name="CS ChemDraw Drawing" r:id="rId30" imgW="927632" imgH="824374" progId="ChemDraw.Document.6.0">
+                  <p:embed/>
+                </p:oleObj>
+              </mc:Choice>
+              <mc:Fallback>
+                <p:oleObj name="CS ChemDraw Drawing" r:id="rId30" imgW="927632" imgH="824374" progId="ChemDraw.Document.6.0">
+                  <p:embed/>
+                  <p:pic>
+                    <p:nvPicPr>
+                      <p:cNvPr id="15" name="Objeto 14">
+                        <a:extLst>
+                          <a:ext uri="{FF2B5EF4-FFF2-40B4-BE49-F238E27FC236}">
+                            <a16:creationId xmlns:a16="http://schemas.microsoft.com/office/drawing/2014/main" id="{F27F8F4F-4FBC-7867-7413-DB5457A0EA3F}"/>
+                          </a:ext>
+                        </a:extLst>
+                      </p:cNvPr>
+                      <p:cNvPicPr/>
+                      <p:nvPr/>
+                    </p:nvPicPr>
+                    <p:blipFill>
+                      <a:blip r:embed="rId31"/>
+                      <a:stretch>
+                        <a:fillRect/>
+                      </a:stretch>
+                    </p:blipFill>
+                    <p:spPr>
+                      <a:xfrm>
+                        <a:off x="1117600" y="5408613"/>
+                        <a:ext cx="927100" cy="823912"/>
+                      </a:xfrm>
+                      <a:prstGeom prst="rect">
+                        <a:avLst/>
+                      </a:prstGeom>
+                    </p:spPr>
+                  </p:pic>
+                </p:oleObj>
+              </mc:Fallback>
+            </mc:AlternateContent>
+          </a:graphicData>
+        </a:graphic>
+      </p:graphicFrame>
     </p:spTree>
     <p:extLst>
       <p:ext uri="{BB962C8B-B14F-4D97-AF65-F5344CB8AC3E}">
@@ -11783,13 +12360,13 @@
             </a:extLst>
           </p:cNvPr>
           <p:cNvSpPr>
-            <a:spLocks noGrp="1" noRot="1" noMove="1" noResize="1" noEditPoints="1" noAdjustHandles="1" noChangeArrowheads="1" noChangeShapeType="1"/>
+            <a:spLocks/>
           </p:cNvSpPr>
           <p:nvPr/>
         </p:nvSpPr>
         <p:spPr>
           <a:xfrm>
-            <a:off x="87031" y="51598"/>
+            <a:off x="87032" y="98497"/>
             <a:ext cx="11346423" cy="6039714"/>
           </a:xfrm>
           <a:prstGeom prst="roundRect">
@@ -11845,12 +12422,14 @@
               </a:ext>
             </a:extLst>
           </p:cNvPr>
-          <p:cNvSpPr txBox="1"/>
+          <p:cNvSpPr txBox="1">
+            <a:spLocks/>
+          </p:cNvSpPr>
           <p:nvPr/>
         </p:nvSpPr>
         <p:spPr>
           <a:xfrm>
-            <a:off x="338997" y="366902"/>
+            <a:off x="338998" y="413802"/>
             <a:ext cx="1633589" cy="461665"/>
           </a:xfrm>
           <a:prstGeom prst="rect">
@@ -11931,13 +12510,13 @@
           <p:nvPr>
             <p:extLst>
               <p:ext uri="{D42A27DB-BD31-4B8C-83A1-F6EECF244321}">
-                <p14:modId xmlns:p14="http://schemas.microsoft.com/office/powerpoint/2010/main" val="4054769097"/>
+                <p14:modId xmlns:p14="http://schemas.microsoft.com/office/powerpoint/2010/main" val="611677516"/>
               </p:ext>
             </p:extLst>
           </p:nvPr>
         </p:nvGraphicFramePr>
         <p:xfrm>
-          <a:off x="998538" y="1435100"/>
+          <a:off x="998539" y="1481999"/>
           <a:ext cx="928687" cy="361950"/>
         </p:xfrm>
         <a:graphic>
@@ -11971,7 +12550,7 @@
                     </p:blipFill>
                     <p:spPr>
                       <a:xfrm>
-                        <a:off x="998538" y="1435100"/>
+                        <a:off x="998539" y="1481999"/>
                         <a:ext cx="928687" cy="361950"/>
                       </a:xfrm>
                       <a:prstGeom prst="rect">
@@ -12000,13 +12579,13 @@
           <p:nvPr>
             <p:extLst>
               <p:ext uri="{D42A27DB-BD31-4B8C-83A1-F6EECF244321}">
-                <p14:modId xmlns:p14="http://schemas.microsoft.com/office/powerpoint/2010/main" val="3278976131"/>
+                <p14:modId xmlns:p14="http://schemas.microsoft.com/office/powerpoint/2010/main" val="2987684673"/>
               </p:ext>
             </p:extLst>
           </p:nvPr>
         </p:nvGraphicFramePr>
         <p:xfrm>
-          <a:off x="1047750" y="2417763"/>
+          <a:off x="1047751" y="2464663"/>
           <a:ext cx="830263" cy="935037"/>
         </p:xfrm>
         <a:graphic>
@@ -12040,7 +12619,7 @@
                     </p:blipFill>
                     <p:spPr>
                       <a:xfrm>
-                        <a:off x="1047750" y="2417763"/>
+                        <a:off x="1047751" y="2464663"/>
                         <a:ext cx="830263" cy="935037"/>
                       </a:xfrm>
                       <a:prstGeom prst="rect">
@@ -12069,13 +12648,13 @@
           <p:nvPr>
             <p:extLst>
               <p:ext uri="{D42A27DB-BD31-4B8C-83A1-F6EECF244321}">
-                <p14:modId xmlns:p14="http://schemas.microsoft.com/office/powerpoint/2010/main" val="3924848999"/>
+                <p14:modId xmlns:p14="http://schemas.microsoft.com/office/powerpoint/2010/main" val="1251339711"/>
               </p:ext>
             </p:extLst>
           </p:nvPr>
         </p:nvGraphicFramePr>
         <p:xfrm>
-          <a:off x="1050925" y="3810000"/>
+          <a:off x="1050926" y="3856899"/>
           <a:ext cx="1008063" cy="933450"/>
         </p:xfrm>
         <a:graphic>
@@ -12109,7 +12688,7 @@
                     </p:blipFill>
                     <p:spPr>
                       <a:xfrm>
-                        <a:off x="1050925" y="3810000"/>
+                        <a:off x="1050926" y="3856899"/>
                         <a:ext cx="1008063" cy="933450"/>
                       </a:xfrm>
                       <a:prstGeom prst="rect">
@@ -12138,13 +12717,13 @@
           <p:nvPr>
             <p:extLst>
               <p:ext uri="{D42A27DB-BD31-4B8C-83A1-F6EECF244321}">
-                <p14:modId xmlns:p14="http://schemas.microsoft.com/office/powerpoint/2010/main" val="604122589"/>
+                <p14:modId xmlns:p14="http://schemas.microsoft.com/office/powerpoint/2010/main" val="2345424008"/>
               </p:ext>
             </p:extLst>
           </p:nvPr>
         </p:nvGraphicFramePr>
         <p:xfrm>
-          <a:off x="4825642" y="3888332"/>
+          <a:off x="4825642" y="3935231"/>
           <a:ext cx="584200" cy="1208088"/>
         </p:xfrm>
         <a:graphic>
@@ -12178,7 +12757,7 @@
                     </p:blipFill>
                     <p:spPr>
                       <a:xfrm>
-                        <a:off x="4825642" y="3888332"/>
+                        <a:off x="4825642" y="3935231"/>
                         <a:ext cx="584200" cy="1208088"/>
                       </a:xfrm>
                       <a:prstGeom prst="rect">
@@ -12207,13 +12786,13 @@
           <p:nvPr>
             <p:extLst>
               <p:ext uri="{D42A27DB-BD31-4B8C-83A1-F6EECF244321}">
-                <p14:modId xmlns:p14="http://schemas.microsoft.com/office/powerpoint/2010/main" val="4189865707"/>
+                <p14:modId xmlns:p14="http://schemas.microsoft.com/office/powerpoint/2010/main" val="3051736048"/>
               </p:ext>
             </p:extLst>
           </p:nvPr>
         </p:nvGraphicFramePr>
         <p:xfrm>
-          <a:off x="5030788" y="2692400"/>
+          <a:off x="5030788" y="2739300"/>
           <a:ext cx="1111250" cy="627063"/>
         </p:xfrm>
         <a:graphic>
@@ -12247,7 +12826,7 @@
                     </p:blipFill>
                     <p:spPr>
                       <a:xfrm>
-                        <a:off x="5030788" y="2692400"/>
+                        <a:off x="5030788" y="2739300"/>
                         <a:ext cx="1111250" cy="627063"/>
                       </a:xfrm>
                       <a:prstGeom prst="rect">
@@ -12276,13 +12855,13 @@
           <p:nvPr>
             <p:extLst>
               <p:ext uri="{D42A27DB-BD31-4B8C-83A1-F6EECF244321}">
-                <p14:modId xmlns:p14="http://schemas.microsoft.com/office/powerpoint/2010/main" val="2454763178"/>
+                <p14:modId xmlns:p14="http://schemas.microsoft.com/office/powerpoint/2010/main" val="4098146131"/>
               </p:ext>
             </p:extLst>
           </p:nvPr>
         </p:nvGraphicFramePr>
         <p:xfrm>
-          <a:off x="7992706" y="1276350"/>
+          <a:off x="7992706" y="1323249"/>
           <a:ext cx="719138" cy="317500"/>
         </p:xfrm>
         <a:graphic>
@@ -12316,7 +12895,7 @@
                     </p:blipFill>
                     <p:spPr>
                       <a:xfrm>
-                        <a:off x="7992706" y="1276350"/>
+                        <a:off x="7992706" y="1323249"/>
                         <a:ext cx="719138" cy="317500"/>
                       </a:xfrm>
                       <a:prstGeom prst="rect">
@@ -12345,13 +12924,13 @@
           <p:nvPr>
             <p:extLst>
               <p:ext uri="{D42A27DB-BD31-4B8C-83A1-F6EECF244321}">
-                <p14:modId xmlns:p14="http://schemas.microsoft.com/office/powerpoint/2010/main" val="3660401941"/>
+                <p14:modId xmlns:p14="http://schemas.microsoft.com/office/powerpoint/2010/main" val="1172933401"/>
               </p:ext>
             </p:extLst>
           </p:nvPr>
         </p:nvGraphicFramePr>
         <p:xfrm>
-          <a:off x="4894263" y="1200150"/>
+          <a:off x="4894263" y="1247050"/>
           <a:ext cx="1473200" cy="930275"/>
         </p:xfrm>
         <a:graphic>
@@ -12385,7 +12964,7 @@
                     </p:blipFill>
                     <p:spPr>
                       <a:xfrm>
-                        <a:off x="4894263" y="1200150"/>
+                        <a:off x="4894263" y="1247050"/>
                         <a:ext cx="1473200" cy="930275"/>
                       </a:xfrm>
                       <a:prstGeom prst="rect">
@@ -12408,12 +12987,14 @@
               </a:ext>
             </a:extLst>
           </p:cNvPr>
-          <p:cNvSpPr txBox="1"/>
+          <p:cNvSpPr txBox="1">
+            <a:spLocks/>
+          </p:cNvSpPr>
           <p:nvPr/>
         </p:nvSpPr>
         <p:spPr>
           <a:xfrm>
-            <a:off x="117969" y="1421467"/>
+            <a:off x="117969" y="1468367"/>
             <a:ext cx="1091040" cy="369291"/>
           </a:xfrm>
           <a:prstGeom prst="rect">
@@ -12430,22 +13011,11 @@
           </a:bodyPr>
           <a:lstStyle/>
           <a:p>
-            <a:pPr marL="0" marR="0" lvl="0" indent="0" algn="ctr" rtl="0">
-              <a:lnSpc>
-                <a:spcPct val="100000"/>
-              </a:lnSpc>
-              <a:spcBef>
-                <a:spcPts val="0"/>
-              </a:spcBef>
-              <a:spcAft>
-                <a:spcPts val="0"/>
-              </a:spcAft>
+            <a:pPr algn="ctr">
               <a:buClr>
                 <a:srgbClr val="000000"/>
               </a:buClr>
               <a:buSzPts val="1200"/>
-              <a:buFont typeface="Arial"/>
-              <a:buNone/>
             </a:pPr>
             <a:r>
               <a:rPr lang="pt-BR" b="1" dirty="0">
@@ -12473,7 +13043,7 @@
               </a:rPr>
               <a:t>2</a:t>
             </a:r>
-            <a:endParaRPr sz="2000" b="0" i="0" strike="noStrike" cap="none" baseline="-25000" dirty="0">
+            <a:endParaRPr sz="2000" baseline="-25000" dirty="0">
               <a:solidFill>
                 <a:schemeClr val="tx1">
                   <a:lumMod val="85000"/>
@@ -12497,12 +13067,14 @@
               </a:ext>
             </a:extLst>
           </p:cNvPr>
-          <p:cNvSpPr txBox="1"/>
+          <p:cNvSpPr txBox="1">
+            <a:spLocks/>
+          </p:cNvSpPr>
           <p:nvPr/>
         </p:nvSpPr>
         <p:spPr>
           <a:xfrm>
-            <a:off x="3392292" y="4491442"/>
+            <a:off x="3392292" y="4538342"/>
             <a:ext cx="1091040" cy="369291"/>
           </a:xfrm>
           <a:prstGeom prst="rect">
@@ -12519,25 +13091,14 @@
           </a:bodyPr>
           <a:lstStyle/>
           <a:p>
-            <a:pPr marL="0" marR="0" lvl="0" indent="0" algn="ctr" rtl="0">
-              <a:lnSpc>
-                <a:spcPct val="100000"/>
-              </a:lnSpc>
-              <a:spcBef>
-                <a:spcPts val="0"/>
-              </a:spcBef>
-              <a:spcAft>
-                <a:spcPts val="0"/>
-              </a:spcAft>
+            <a:pPr algn="ctr">
               <a:buClr>
                 <a:srgbClr val="000000"/>
               </a:buClr>
               <a:buSzPts val="1200"/>
-              <a:buFont typeface="Arial"/>
-              <a:buNone/>
             </a:pPr>
             <a:r>
-              <a:rPr lang="pt-BR" b="1" i="0" strike="noStrike" cap="none" dirty="0">
+              <a:rPr lang="pt-BR" b="1" dirty="0">
                 <a:solidFill>
                   <a:schemeClr val="tx1">
                     <a:lumMod val="85000"/>
@@ -12551,7 +13112,7 @@
               </a:rPr>
               <a:t>CHCN</a:t>
             </a:r>
-            <a:endParaRPr sz="2000" b="0" i="0" strike="noStrike" cap="none" dirty="0">
+            <a:endParaRPr sz="2000" dirty="0">
               <a:solidFill>
                 <a:schemeClr val="tx1">
                   <a:lumMod val="85000"/>
@@ -12575,12 +13136,14 @@
               </a:ext>
             </a:extLst>
           </p:cNvPr>
-          <p:cNvSpPr txBox="1"/>
+          <p:cNvSpPr txBox="1">
+            <a:spLocks/>
+          </p:cNvSpPr>
           <p:nvPr/>
         </p:nvSpPr>
         <p:spPr>
           <a:xfrm>
-            <a:off x="6552058" y="1294138"/>
+            <a:off x="6552058" y="1341038"/>
             <a:ext cx="1091040" cy="369291"/>
           </a:xfrm>
           <a:prstGeom prst="rect">
@@ -12597,25 +13160,14 @@
           </a:bodyPr>
           <a:lstStyle/>
           <a:p>
-            <a:pPr marL="0" marR="0" lvl="0" indent="0" algn="ctr" rtl="0">
-              <a:lnSpc>
-                <a:spcPct val="100000"/>
-              </a:lnSpc>
-              <a:spcBef>
-                <a:spcPts val="0"/>
-              </a:spcBef>
-              <a:spcAft>
-                <a:spcPts val="0"/>
-              </a:spcAft>
+            <a:pPr algn="ctr">
               <a:buClr>
                 <a:srgbClr val="000000"/>
               </a:buClr>
               <a:buSzPts val="1200"/>
-              <a:buFont typeface="Arial"/>
-              <a:buNone/>
             </a:pPr>
             <a:r>
-              <a:rPr lang="pt-BR" b="1" i="0" strike="noStrike" cap="none" dirty="0">
+              <a:rPr lang="pt-BR" b="1" dirty="0">
                 <a:solidFill>
                   <a:schemeClr val="tx1">
                     <a:lumMod val="85000"/>
@@ -12629,7 +13181,7 @@
               </a:rPr>
               <a:t>Br</a:t>
             </a:r>
-            <a:endParaRPr sz="2000" b="0" i="0" strike="noStrike" cap="none" dirty="0">
+            <a:endParaRPr sz="2000" dirty="0">
               <a:solidFill>
                 <a:schemeClr val="tx1">
                   <a:lumMod val="85000"/>
@@ -12653,12 +13205,14 @@
               </a:ext>
             </a:extLst>
           </p:cNvPr>
-          <p:cNvSpPr txBox="1"/>
+          <p:cNvSpPr txBox="1">
+            <a:spLocks/>
+          </p:cNvSpPr>
           <p:nvPr/>
         </p:nvSpPr>
         <p:spPr>
           <a:xfrm>
-            <a:off x="76247" y="4168039"/>
+            <a:off x="76247" y="4214939"/>
             <a:ext cx="1091040" cy="369291"/>
           </a:xfrm>
           <a:prstGeom prst="rect">
@@ -12675,22 +13229,11 @@
           </a:bodyPr>
           <a:lstStyle/>
           <a:p>
-            <a:pPr marL="0" marR="0" lvl="0" indent="0" algn="ctr" rtl="0">
-              <a:lnSpc>
-                <a:spcPct val="100000"/>
-              </a:lnSpc>
-              <a:spcBef>
-                <a:spcPts val="0"/>
-              </a:spcBef>
-              <a:spcAft>
-                <a:spcPts val="0"/>
-              </a:spcAft>
+            <a:pPr algn="ctr">
               <a:buClr>
                 <a:srgbClr val="000000"/>
               </a:buClr>
               <a:buSzPts val="1200"/>
-              <a:buFont typeface="Arial"/>
-              <a:buNone/>
             </a:pPr>
             <a:r>
               <a:rPr lang="pt-BR" b="1" dirty="0">
@@ -12705,7 +13248,7 @@
               </a:rPr>
               <a:t>BOH2</a:t>
             </a:r>
-            <a:endParaRPr sz="2000" b="0" i="0" strike="noStrike" cap="none" baseline="-25000" dirty="0">
+            <a:endParaRPr sz="2000" baseline="-25000" dirty="0">
               <a:solidFill>
                 <a:schemeClr val="tx1">
                   <a:lumMod val="85000"/>
@@ -12729,12 +13272,14 @@
               </a:ext>
             </a:extLst>
           </p:cNvPr>
-          <p:cNvSpPr txBox="1"/>
+          <p:cNvSpPr txBox="1">
+            <a:spLocks/>
+          </p:cNvSpPr>
           <p:nvPr/>
         </p:nvSpPr>
         <p:spPr>
           <a:xfrm>
-            <a:off x="87031" y="2791336"/>
+            <a:off x="87031" y="2838236"/>
             <a:ext cx="1091040" cy="369291"/>
           </a:xfrm>
           <a:prstGeom prst="rect">
@@ -12751,22 +13296,11 @@
           </a:bodyPr>
           <a:lstStyle/>
           <a:p>
-            <a:pPr marL="0" marR="0" lvl="0" indent="0" algn="ctr" rtl="0">
-              <a:lnSpc>
-                <a:spcPct val="100000"/>
-              </a:lnSpc>
-              <a:spcBef>
-                <a:spcPts val="0"/>
-              </a:spcBef>
-              <a:spcAft>
-                <a:spcPts val="0"/>
-              </a:spcAft>
+            <a:pPr algn="ctr">
               <a:buClr>
                 <a:srgbClr val="000000"/>
               </a:buClr>
               <a:buSzPts val="1200"/>
-              <a:buFont typeface="Arial"/>
-              <a:buNone/>
             </a:pPr>
             <a:r>
               <a:rPr lang="pt-BR" b="1" dirty="0">
@@ -12781,7 +13315,7 @@
               </a:rPr>
               <a:t>CHO</a:t>
             </a:r>
-            <a:endParaRPr sz="2000" b="0" i="0" strike="noStrike" cap="none" baseline="-25000" dirty="0">
+            <a:endParaRPr sz="2000" baseline="-25000" dirty="0">
               <a:solidFill>
                 <a:schemeClr val="tx1">
                   <a:lumMod val="85000"/>
@@ -12805,12 +13339,14 @@
               </a:ext>
             </a:extLst>
           </p:cNvPr>
-          <p:cNvSpPr txBox="1"/>
+          <p:cNvSpPr txBox="1">
+            <a:spLocks/>
+          </p:cNvSpPr>
           <p:nvPr/>
         </p:nvSpPr>
         <p:spPr>
           <a:xfrm>
-            <a:off x="3605059" y="2869089"/>
+            <a:off x="3605060" y="2915989"/>
             <a:ext cx="1220583" cy="369291"/>
           </a:xfrm>
           <a:prstGeom prst="rect">
@@ -12827,25 +13363,14 @@
           </a:bodyPr>
           <a:lstStyle/>
           <a:p>
-            <a:pPr marL="0" marR="0" lvl="0" indent="0" algn="ctr" rtl="0">
-              <a:lnSpc>
-                <a:spcPct val="100000"/>
-              </a:lnSpc>
-              <a:spcBef>
-                <a:spcPts val="0"/>
-              </a:spcBef>
-              <a:spcAft>
-                <a:spcPts val="0"/>
-              </a:spcAft>
+            <a:pPr algn="ctr">
               <a:buClr>
                 <a:srgbClr val="000000"/>
               </a:buClr>
               <a:buSzPts val="1200"/>
-              <a:buFont typeface="Arial"/>
-              <a:buNone/>
             </a:pPr>
             <a:r>
-              <a:rPr lang="pt-BR" b="1" i="0" strike="noStrike" cap="none" dirty="0">
+              <a:rPr lang="pt-BR" b="1" dirty="0">
                 <a:solidFill>
                   <a:schemeClr val="tx1">
                     <a:lumMod val="85000"/>
@@ -12860,7 +13385,7 @@
               <a:t>NHNH</a:t>
             </a:r>
             <a:r>
-              <a:rPr lang="pt-BR" b="1" i="0" strike="noStrike" cap="none" baseline="-25000" dirty="0">
+              <a:rPr lang="pt-BR" b="1" baseline="-25000" dirty="0">
                 <a:solidFill>
                   <a:schemeClr val="tx1">
                     <a:lumMod val="85000"/>
@@ -12874,7 +13399,7 @@
               </a:rPr>
               <a:t>2</a:t>
             </a:r>
-            <a:endParaRPr sz="2000" b="0" i="0" strike="noStrike" cap="none" baseline="-25000" dirty="0">
+            <a:endParaRPr sz="2000" baseline="-25000" dirty="0">
               <a:solidFill>
                 <a:schemeClr val="tx1">
                   <a:lumMod val="85000"/>
@@ -12898,12 +13423,14 @@
               </a:ext>
             </a:extLst>
           </p:cNvPr>
-          <p:cNvSpPr txBox="1"/>
+          <p:cNvSpPr txBox="1">
+            <a:spLocks/>
+          </p:cNvSpPr>
           <p:nvPr/>
         </p:nvSpPr>
         <p:spPr>
           <a:xfrm>
-            <a:off x="3422026" y="1666168"/>
+            <a:off x="3422027" y="1713068"/>
             <a:ext cx="1586651" cy="369291"/>
           </a:xfrm>
           <a:prstGeom prst="rect">
@@ -12920,25 +13447,14 @@
           </a:bodyPr>
           <a:lstStyle/>
           <a:p>
-            <a:pPr marL="0" marR="0" lvl="0" indent="0" algn="ctr" rtl="0">
-              <a:lnSpc>
-                <a:spcPct val="100000"/>
-              </a:lnSpc>
-              <a:spcBef>
-                <a:spcPts val="0"/>
-              </a:spcBef>
-              <a:spcAft>
-                <a:spcPts val="0"/>
-              </a:spcAft>
+            <a:pPr algn="ctr">
               <a:buClr>
                 <a:srgbClr val="000000"/>
               </a:buClr>
               <a:buSzPts val="1200"/>
-              <a:buFont typeface="Arial"/>
-              <a:buNone/>
             </a:pPr>
             <a:r>
-              <a:rPr lang="pt-BR" b="1" i="0" strike="noStrike" cap="none" dirty="0">
+              <a:rPr lang="pt-BR" b="1" dirty="0">
                 <a:solidFill>
                   <a:schemeClr val="tx1">
                     <a:lumMod val="85000"/>
@@ -12953,7 +13469,7 @@
               <a:t>CONHNH</a:t>
             </a:r>
             <a:r>
-              <a:rPr lang="pt-BR" b="1" i="0" strike="noStrike" cap="none" baseline="-25000" dirty="0">
+              <a:rPr lang="pt-BR" b="1" baseline="-25000" dirty="0">
                 <a:solidFill>
                   <a:schemeClr val="tx1">
                     <a:lumMod val="85000"/>
@@ -12967,7 +13483,7 @@
               </a:rPr>
               <a:t>2</a:t>
             </a:r>
-            <a:endParaRPr sz="2000" b="0" i="0" strike="noStrike" cap="none" baseline="-25000" dirty="0">
+            <a:endParaRPr sz="2000" baseline="-25000" dirty="0">
               <a:solidFill>
                 <a:schemeClr val="tx1">
                   <a:lumMod val="85000"/>
@@ -12997,13 +13513,13 @@
           <p:nvPr>
             <p:extLst>
               <p:ext uri="{D42A27DB-BD31-4B8C-83A1-F6EECF244321}">
-                <p14:modId xmlns:p14="http://schemas.microsoft.com/office/powerpoint/2010/main" val="3257088166"/>
+                <p14:modId xmlns:p14="http://schemas.microsoft.com/office/powerpoint/2010/main" val="851270262"/>
               </p:ext>
             </p:extLst>
           </p:nvPr>
         </p:nvGraphicFramePr>
         <p:xfrm>
-          <a:off x="8006994" y="1826447"/>
+          <a:off x="8006994" y="1873346"/>
           <a:ext cx="690562" cy="311150"/>
         </p:xfrm>
         <a:graphic>
@@ -13037,7 +13553,7 @@
                     </p:blipFill>
                     <p:spPr>
                       <a:xfrm>
-                        <a:off x="8006994" y="1826447"/>
+                        <a:off x="8006994" y="1873346"/>
                         <a:ext cx="690562" cy="311150"/>
                       </a:xfrm>
                       <a:prstGeom prst="rect">
@@ -13060,12 +13576,14 @@
               </a:ext>
             </a:extLst>
           </p:cNvPr>
-          <p:cNvSpPr txBox="1"/>
+          <p:cNvSpPr txBox="1">
+            <a:spLocks/>
+          </p:cNvSpPr>
           <p:nvPr/>
         </p:nvSpPr>
         <p:spPr>
           <a:xfrm>
-            <a:off x="6552058" y="1840957"/>
+            <a:off x="6552058" y="1887857"/>
             <a:ext cx="1091040" cy="369291"/>
           </a:xfrm>
           <a:prstGeom prst="rect">
@@ -13082,25 +13600,14 @@
           </a:bodyPr>
           <a:lstStyle/>
           <a:p>
-            <a:pPr marL="0" marR="0" lvl="0" indent="0" algn="ctr" rtl="0">
-              <a:lnSpc>
-                <a:spcPct val="100000"/>
-              </a:lnSpc>
-              <a:spcBef>
-                <a:spcPts val="0"/>
-              </a:spcBef>
-              <a:spcAft>
-                <a:spcPts val="0"/>
-              </a:spcAft>
+            <a:pPr algn="ctr">
               <a:buClr>
                 <a:srgbClr val="000000"/>
               </a:buClr>
               <a:buSzPts val="1200"/>
-              <a:buFont typeface="Arial"/>
-              <a:buNone/>
             </a:pPr>
             <a:r>
-              <a:rPr lang="pt-BR" b="1" i="0" strike="noStrike" cap="none" dirty="0">
+              <a:rPr lang="pt-BR" b="1" dirty="0">
                 <a:solidFill>
                   <a:schemeClr val="tx1">
                     <a:lumMod val="85000"/>
@@ -13114,7 +13621,7 @@
               </a:rPr>
               <a:t>Cl</a:t>
             </a:r>
-            <a:endParaRPr sz="2000" b="0" i="0" strike="noStrike" cap="none" dirty="0">
+            <a:endParaRPr sz="2000" dirty="0">
               <a:solidFill>
                 <a:schemeClr val="tx1">
                   <a:lumMod val="85000"/>
@@ -13144,13 +13651,13 @@
           <p:nvPr>
             <p:extLst>
               <p:ext uri="{D42A27DB-BD31-4B8C-83A1-F6EECF244321}">
-                <p14:modId xmlns:p14="http://schemas.microsoft.com/office/powerpoint/2010/main" val="156707420"/>
+                <p14:modId xmlns:p14="http://schemas.microsoft.com/office/powerpoint/2010/main" val="1309077828"/>
               </p:ext>
             </p:extLst>
           </p:nvPr>
         </p:nvGraphicFramePr>
         <p:xfrm>
-          <a:off x="1140895" y="4982444"/>
+          <a:off x="1140896" y="5029343"/>
           <a:ext cx="801687" cy="946150"/>
         </p:xfrm>
         <a:graphic>
@@ -13184,7 +13691,7 @@
                     </p:blipFill>
                     <p:spPr>
                       <a:xfrm>
-                        <a:off x="1140895" y="4982444"/>
+                        <a:off x="1140896" y="5029343"/>
                         <a:ext cx="801687" cy="946150"/>
                       </a:xfrm>
                       <a:prstGeom prst="rect">
@@ -13207,12 +13714,14 @@
               </a:ext>
             </a:extLst>
           </p:cNvPr>
-          <p:cNvSpPr txBox="1"/>
+          <p:cNvSpPr txBox="1">
+            <a:spLocks/>
+          </p:cNvSpPr>
           <p:nvPr/>
         </p:nvSpPr>
         <p:spPr>
           <a:xfrm>
-            <a:off x="68956" y="5247832"/>
+            <a:off x="68956" y="5294732"/>
             <a:ext cx="1091040" cy="369291"/>
           </a:xfrm>
           <a:prstGeom prst="rect">
@@ -13229,22 +13738,11 @@
           </a:bodyPr>
           <a:lstStyle/>
           <a:p>
-            <a:pPr marL="0" marR="0" lvl="0" indent="0" algn="ctr" rtl="0">
-              <a:lnSpc>
-                <a:spcPct val="100000"/>
-              </a:lnSpc>
-              <a:spcBef>
-                <a:spcPts val="0"/>
-              </a:spcBef>
-              <a:spcAft>
-                <a:spcPts val="0"/>
-              </a:spcAft>
+            <a:pPr algn="ctr">
               <a:buClr>
                 <a:srgbClr val="000000"/>
               </a:buClr>
               <a:buSzPts val="1200"/>
-              <a:buFont typeface="Arial"/>
-              <a:buNone/>
             </a:pPr>
             <a:r>
               <a:rPr lang="pt-BR" b="1" dirty="0">
@@ -13259,7 +13757,7 @@
               </a:rPr>
               <a:t>OH2</a:t>
             </a:r>
-            <a:endParaRPr sz="2000" b="0" i="0" strike="noStrike" cap="none" baseline="-25000" dirty="0">
+            <a:endParaRPr sz="2000" baseline="-25000" dirty="0">
               <a:solidFill>
                 <a:schemeClr val="tx1">
                   <a:lumMod val="85000"/>
@@ -13289,13 +13787,13 @@
           <p:nvPr>
             <p:extLst>
               <p:ext uri="{D42A27DB-BD31-4B8C-83A1-F6EECF244321}">
-                <p14:modId xmlns:p14="http://schemas.microsoft.com/office/powerpoint/2010/main" val="2816825148"/>
+                <p14:modId xmlns:p14="http://schemas.microsoft.com/office/powerpoint/2010/main" val="3454548971"/>
               </p:ext>
             </p:extLst>
           </p:nvPr>
         </p:nvGraphicFramePr>
         <p:xfrm>
-          <a:off x="7983181" y="2326509"/>
+          <a:off x="7983182" y="2373408"/>
           <a:ext cx="765175" cy="311150"/>
         </p:xfrm>
         <a:graphic>
@@ -13329,7 +13827,7 @@
                     </p:blipFill>
                     <p:spPr>
                       <a:xfrm>
-                        <a:off x="7983181" y="2326509"/>
+                        <a:off x="7983182" y="2373408"/>
                         <a:ext cx="765175" cy="311150"/>
                       </a:xfrm>
                       <a:prstGeom prst="rect">
@@ -13352,12 +13850,14 @@
               </a:ext>
             </a:extLst>
           </p:cNvPr>
-          <p:cNvSpPr txBox="1"/>
+          <p:cNvSpPr txBox="1">
+            <a:spLocks/>
+          </p:cNvSpPr>
           <p:nvPr/>
         </p:nvSpPr>
         <p:spPr>
           <a:xfrm>
-            <a:off x="6552058" y="2291499"/>
+            <a:off x="6552058" y="2338399"/>
             <a:ext cx="1091040" cy="369291"/>
           </a:xfrm>
           <a:prstGeom prst="rect">
@@ -13374,25 +13874,14 @@
           </a:bodyPr>
           <a:lstStyle/>
           <a:p>
-            <a:pPr marL="0" marR="0" lvl="0" indent="0" algn="ctr" rtl="0">
-              <a:lnSpc>
-                <a:spcPct val="100000"/>
-              </a:lnSpc>
-              <a:spcBef>
-                <a:spcPts val="0"/>
-              </a:spcBef>
-              <a:spcAft>
-                <a:spcPts val="0"/>
-              </a:spcAft>
+            <a:pPr algn="ctr">
               <a:buClr>
                 <a:srgbClr val="000000"/>
               </a:buClr>
               <a:buSzPts val="1200"/>
-              <a:buFont typeface="Arial"/>
-              <a:buNone/>
             </a:pPr>
             <a:r>
-              <a:rPr lang="pt-BR" b="1" i="0" strike="noStrike" cap="none" dirty="0">
+              <a:rPr lang="pt-BR" b="1" dirty="0">
                 <a:solidFill>
                   <a:schemeClr val="tx1">
                     <a:lumMod val="85000"/>
@@ -13406,7 +13895,7 @@
               </a:rPr>
               <a:t>O</a:t>
             </a:r>
-            <a:endParaRPr sz="2000" b="0" i="0" strike="noStrike" cap="none" dirty="0">
+            <a:endParaRPr sz="2000" dirty="0">
               <a:solidFill>
                 <a:schemeClr val="tx1">
                   <a:lumMod val="85000"/>
@@ -13461,14 +13950,14 @@
             </a:extLst>
           </p:cNvPr>
           <p:cNvSpPr>
-            <a:spLocks noGrp="1" noRot="1" noMove="1" noResize="1" noEditPoints="1" noAdjustHandles="1" noChangeArrowheads="1" noChangeShapeType="1"/>
+            <a:spLocks/>
           </p:cNvSpPr>
           <p:nvPr/>
         </p:nvSpPr>
         <p:spPr>
           <a:xfrm>
-            <a:off x="87031" y="51597"/>
-            <a:ext cx="11346423" cy="10982129"/>
+            <a:off x="87032" y="106017"/>
+            <a:ext cx="11346423" cy="13411199"/>
           </a:xfrm>
           <a:prstGeom prst="roundRect">
             <a:avLst>
@@ -13528,7 +14017,7 @@
         </p:nvSpPr>
         <p:spPr>
           <a:xfrm>
-            <a:off x="199856" y="126399"/>
+            <a:off x="199856" y="259648"/>
             <a:ext cx="3386120" cy="383631"/>
           </a:xfrm>
           <a:prstGeom prst="rect">
@@ -13611,7 +14100,7 @@
         </p:nvSpPr>
         <p:spPr>
           <a:xfrm>
-            <a:off x="397971" y="3753569"/>
+            <a:off x="397971" y="3631411"/>
             <a:ext cx="631426" cy="310717"/>
           </a:xfrm>
           <a:prstGeom prst="rect">
@@ -13670,7 +14159,7 @@
         </p:nvSpPr>
         <p:spPr>
           <a:xfrm>
-            <a:off x="2865245" y="7355912"/>
+            <a:off x="8607977" y="5412801"/>
             <a:ext cx="631426" cy="310717"/>
           </a:xfrm>
           <a:prstGeom prst="rect">
@@ -13731,7 +14220,7 @@
         </p:nvSpPr>
         <p:spPr>
           <a:xfrm>
-            <a:off x="1741508" y="3760076"/>
+            <a:off x="1741508" y="3631411"/>
             <a:ext cx="675506" cy="310717"/>
           </a:xfrm>
           <a:prstGeom prst="rect">
@@ -13792,7 +14281,7 @@
         </p:nvSpPr>
         <p:spPr>
           <a:xfrm>
-            <a:off x="4155913" y="1910854"/>
+            <a:off x="4155913" y="2044103"/>
             <a:ext cx="631426" cy="310717"/>
           </a:xfrm>
           <a:prstGeom prst="rect">
@@ -13851,7 +14340,7 @@
         </p:nvSpPr>
         <p:spPr>
           <a:xfrm>
-            <a:off x="10028910" y="3781976"/>
+            <a:off x="10028910" y="3631411"/>
             <a:ext cx="631426" cy="310717"/>
           </a:xfrm>
           <a:prstGeom prst="rect">
@@ -13912,7 +14401,7 @@
         </p:nvSpPr>
         <p:spPr>
           <a:xfrm>
-            <a:off x="10247554" y="5593021"/>
+            <a:off x="10247554" y="5117027"/>
             <a:ext cx="631426" cy="310717"/>
           </a:xfrm>
           <a:prstGeom prst="rect">
@@ -13971,7 +14460,7 @@
         </p:nvSpPr>
         <p:spPr>
           <a:xfrm>
-            <a:off x="7207654" y="5622525"/>
+            <a:off x="6844305" y="4793193"/>
             <a:ext cx="631426" cy="310717"/>
           </a:xfrm>
           <a:prstGeom prst="rect">
@@ -14030,7 +14519,7 @@
         </p:nvSpPr>
         <p:spPr>
           <a:xfrm>
-            <a:off x="4754027" y="7315202"/>
+            <a:off x="4754027" y="6751765"/>
             <a:ext cx="631426" cy="310717"/>
           </a:xfrm>
           <a:prstGeom prst="rect">
@@ -14091,7 +14580,7 @@
         </p:nvSpPr>
         <p:spPr>
           <a:xfrm>
-            <a:off x="2392667" y="1926032"/>
+            <a:off x="2392667" y="2059281"/>
             <a:ext cx="631426" cy="310717"/>
           </a:xfrm>
           <a:prstGeom prst="rect">
@@ -14150,7 +14639,7 @@
         </p:nvSpPr>
         <p:spPr>
           <a:xfrm>
-            <a:off x="620297" y="9350896"/>
+            <a:off x="685513" y="8603799"/>
             <a:ext cx="631426" cy="310717"/>
           </a:xfrm>
           <a:prstGeom prst="rect">
@@ -14209,7 +14698,7 @@
         </p:nvSpPr>
         <p:spPr>
           <a:xfrm>
-            <a:off x="734976" y="1910854"/>
+            <a:off x="734976" y="2044103"/>
             <a:ext cx="631426" cy="310717"/>
           </a:xfrm>
           <a:prstGeom prst="rect">
@@ -14268,7 +14757,7 @@
         </p:nvSpPr>
         <p:spPr>
           <a:xfrm>
-            <a:off x="6204178" y="1905182"/>
+            <a:off x="6204178" y="2038431"/>
             <a:ext cx="631426" cy="310717"/>
           </a:xfrm>
           <a:prstGeom prst="rect">
@@ -14329,7 +14818,7 @@
         </p:nvSpPr>
         <p:spPr>
           <a:xfrm>
-            <a:off x="1103803" y="5571379"/>
+            <a:off x="923521" y="4738203"/>
             <a:ext cx="631426" cy="310717"/>
           </a:xfrm>
           <a:prstGeom prst="rect">
@@ -14390,7 +14879,7 @@
         </p:nvSpPr>
         <p:spPr>
           <a:xfrm>
-            <a:off x="3992522" y="3760076"/>
+            <a:off x="3992522" y="3631411"/>
             <a:ext cx="631426" cy="310717"/>
           </a:xfrm>
           <a:prstGeom prst="rect">
@@ -14449,7 +14938,7 @@
         </p:nvSpPr>
         <p:spPr>
           <a:xfrm>
-            <a:off x="6299676" y="3760076"/>
+            <a:off x="6299676" y="3631411"/>
             <a:ext cx="631426" cy="310717"/>
           </a:xfrm>
           <a:prstGeom prst="rect">
@@ -14510,7 +14999,7 @@
         </p:nvSpPr>
         <p:spPr>
           <a:xfrm>
-            <a:off x="10028910" y="1839670"/>
+            <a:off x="10028910" y="1972919"/>
             <a:ext cx="631426" cy="310717"/>
           </a:xfrm>
           <a:prstGeom prst="rect">
@@ -14571,7 +15060,7 @@
         </p:nvSpPr>
         <p:spPr>
           <a:xfrm>
-            <a:off x="923521" y="7278835"/>
+            <a:off x="923521" y="6715398"/>
             <a:ext cx="631426" cy="310717"/>
           </a:xfrm>
           <a:prstGeom prst="rect">
@@ -14630,7 +15119,7 @@
         </p:nvSpPr>
         <p:spPr>
           <a:xfrm>
-            <a:off x="2265170" y="9279371"/>
+            <a:off x="2709729" y="6970187"/>
             <a:ext cx="631426" cy="310717"/>
           </a:xfrm>
           <a:prstGeom prst="rect">
@@ -14689,7 +15178,7 @@
         </p:nvSpPr>
         <p:spPr>
           <a:xfrm>
-            <a:off x="5327319" y="5593022"/>
+            <a:off x="4854716" y="4817348"/>
             <a:ext cx="631426" cy="310717"/>
           </a:xfrm>
           <a:prstGeom prst="rect">
@@ -14748,7 +15237,7 @@
         </p:nvSpPr>
         <p:spPr>
           <a:xfrm>
-            <a:off x="3237390" y="5678589"/>
+            <a:off x="2919909" y="4748213"/>
             <a:ext cx="631426" cy="310717"/>
           </a:xfrm>
           <a:prstGeom prst="rect">
@@ -14810,13 +15299,13 @@
           <p:nvPr>
             <p:extLst>
               <p:ext uri="{D42A27DB-BD31-4B8C-83A1-F6EECF244321}">
-                <p14:modId xmlns:p14="http://schemas.microsoft.com/office/powerpoint/2010/main" val="1606883038"/>
+                <p14:modId xmlns:p14="http://schemas.microsoft.com/office/powerpoint/2010/main" val="988457252"/>
               </p:ext>
             </p:extLst>
           </p:nvPr>
         </p:nvGraphicFramePr>
         <p:xfrm>
-          <a:off x="339489" y="720229"/>
+          <a:off x="339489" y="853478"/>
           <a:ext cx="1422400" cy="1190625"/>
         </p:xfrm>
         <a:graphic>
@@ -14850,7 +15339,7 @@
                     </p:blipFill>
                     <p:spPr>
                       <a:xfrm>
-                        <a:off x="339489" y="720229"/>
+                        <a:off x="339489" y="853478"/>
                         <a:ext cx="1422400" cy="1190625"/>
                       </a:xfrm>
                       <a:prstGeom prst="rect">
@@ -14879,13 +15368,13 @@
           <p:nvPr>
             <p:extLst>
               <p:ext uri="{D42A27DB-BD31-4B8C-83A1-F6EECF244321}">
-                <p14:modId xmlns:p14="http://schemas.microsoft.com/office/powerpoint/2010/main" val="4223606662"/>
+                <p14:modId xmlns:p14="http://schemas.microsoft.com/office/powerpoint/2010/main" val="1950370583"/>
               </p:ext>
             </p:extLst>
           </p:nvPr>
         </p:nvGraphicFramePr>
         <p:xfrm>
-          <a:off x="1997974" y="720219"/>
+          <a:off x="1997975" y="853467"/>
           <a:ext cx="1420813" cy="1128712"/>
         </p:xfrm>
         <a:graphic>
@@ -14919,7 +15408,7 @@
                     </p:blipFill>
                     <p:spPr>
                       <a:xfrm>
-                        <a:off x="1997974" y="720219"/>
+                        <a:off x="1997975" y="853467"/>
                         <a:ext cx="1420813" cy="1128712"/>
                       </a:xfrm>
                       <a:prstGeom prst="rect">
@@ -14948,13 +15437,13 @@
           <p:nvPr>
             <p:extLst>
               <p:ext uri="{D42A27DB-BD31-4B8C-83A1-F6EECF244321}">
-                <p14:modId xmlns:p14="http://schemas.microsoft.com/office/powerpoint/2010/main" val="1940290360"/>
+                <p14:modId xmlns:p14="http://schemas.microsoft.com/office/powerpoint/2010/main" val="2976688474"/>
               </p:ext>
             </p:extLst>
           </p:nvPr>
         </p:nvGraphicFramePr>
         <p:xfrm>
-          <a:off x="3712008" y="637679"/>
+          <a:off x="3712009" y="770928"/>
           <a:ext cx="1519237" cy="1273175"/>
         </p:xfrm>
         <a:graphic>
@@ -14988,7 +15477,7 @@
                     </p:blipFill>
                     <p:spPr>
                       <a:xfrm>
-                        <a:off x="3712008" y="637679"/>
+                        <a:off x="3712009" y="770928"/>
                         <a:ext cx="1519237" cy="1273175"/>
                       </a:xfrm>
                       <a:prstGeom prst="rect">
@@ -15017,13 +15506,13 @@
           <p:nvPr>
             <p:extLst>
               <p:ext uri="{D42A27DB-BD31-4B8C-83A1-F6EECF244321}">
-                <p14:modId xmlns:p14="http://schemas.microsoft.com/office/powerpoint/2010/main" val="4097348516"/>
+                <p14:modId xmlns:p14="http://schemas.microsoft.com/office/powerpoint/2010/main" val="4194030303"/>
               </p:ext>
             </p:extLst>
           </p:nvPr>
         </p:nvGraphicFramePr>
         <p:xfrm>
-          <a:off x="5468966" y="652177"/>
+          <a:off x="5468966" y="785425"/>
           <a:ext cx="2101850" cy="1214438"/>
         </p:xfrm>
         <a:graphic>
@@ -15057,7 +15546,7 @@
                     </p:blipFill>
                     <p:spPr>
                       <a:xfrm>
-                        <a:off x="5468966" y="652177"/>
+                        <a:off x="5468966" y="785425"/>
                         <a:ext cx="2101850" cy="1214438"/>
                       </a:xfrm>
                       <a:prstGeom prst="rect">
@@ -15086,13 +15575,13 @@
           <p:nvPr>
             <p:extLst>
               <p:ext uri="{D42A27DB-BD31-4B8C-83A1-F6EECF244321}">
-                <p14:modId xmlns:p14="http://schemas.microsoft.com/office/powerpoint/2010/main" val="3589841387"/>
+                <p14:modId xmlns:p14="http://schemas.microsoft.com/office/powerpoint/2010/main" val="3576676092"/>
               </p:ext>
             </p:extLst>
           </p:nvPr>
         </p:nvGraphicFramePr>
         <p:xfrm>
-          <a:off x="276328" y="2520814"/>
+          <a:off x="276329" y="2414577"/>
           <a:ext cx="874713" cy="1225550"/>
         </p:xfrm>
         <a:graphic>
@@ -15126,7 +15615,7 @@
                     </p:blipFill>
                     <p:spPr>
                       <a:xfrm>
-                        <a:off x="276328" y="2520814"/>
+                        <a:off x="276329" y="2414577"/>
                         <a:ext cx="874713" cy="1225550"/>
                       </a:xfrm>
                       <a:prstGeom prst="rect">
@@ -15155,13 +15644,13 @@
           <p:nvPr>
             <p:extLst>
               <p:ext uri="{D42A27DB-BD31-4B8C-83A1-F6EECF244321}">
-                <p14:modId xmlns:p14="http://schemas.microsoft.com/office/powerpoint/2010/main" val="2064544720"/>
+                <p14:modId xmlns:p14="http://schemas.microsoft.com/office/powerpoint/2010/main" val="2458363573"/>
               </p:ext>
             </p:extLst>
           </p:nvPr>
         </p:nvGraphicFramePr>
         <p:xfrm>
-          <a:off x="1368062" y="2502958"/>
+          <a:off x="1368062" y="2396721"/>
           <a:ext cx="1422400" cy="1225550"/>
         </p:xfrm>
         <a:graphic>
@@ -15195,7 +15684,7 @@
                     </p:blipFill>
                     <p:spPr>
                       <a:xfrm>
-                        <a:off x="1368062" y="2502958"/>
+                        <a:off x="1368062" y="2396721"/>
                         <a:ext cx="1422400" cy="1225550"/>
                       </a:xfrm>
                       <a:prstGeom prst="rect">
@@ -15224,13 +15713,13 @@
           <p:nvPr>
             <p:extLst>
               <p:ext uri="{D42A27DB-BD31-4B8C-83A1-F6EECF244321}">
-                <p14:modId xmlns:p14="http://schemas.microsoft.com/office/powerpoint/2010/main" val="2410079207"/>
+                <p14:modId xmlns:p14="http://schemas.microsoft.com/office/powerpoint/2010/main" val="4237443116"/>
               </p:ext>
             </p:extLst>
           </p:nvPr>
         </p:nvGraphicFramePr>
         <p:xfrm>
-          <a:off x="2943798" y="2464858"/>
+          <a:off x="2943799" y="2358621"/>
           <a:ext cx="2701925" cy="1301750"/>
         </p:xfrm>
         <a:graphic>
@@ -15264,7 +15753,7 @@
                     </p:blipFill>
                     <p:spPr>
                       <a:xfrm>
-                        <a:off x="2943798" y="2464858"/>
+                        <a:off x="2943799" y="2358621"/>
                         <a:ext cx="2701925" cy="1301750"/>
                       </a:xfrm>
                       <a:prstGeom prst="rect">
@@ -15293,13 +15782,13 @@
           <p:nvPr>
             <p:extLst>
               <p:ext uri="{D42A27DB-BD31-4B8C-83A1-F6EECF244321}">
-                <p14:modId xmlns:p14="http://schemas.microsoft.com/office/powerpoint/2010/main" val="2727107203"/>
+                <p14:modId xmlns:p14="http://schemas.microsoft.com/office/powerpoint/2010/main" val="496086672"/>
               </p:ext>
             </p:extLst>
           </p:nvPr>
         </p:nvGraphicFramePr>
         <p:xfrm>
-          <a:off x="6006455" y="2513277"/>
+          <a:off x="6006456" y="2407040"/>
           <a:ext cx="1235075" cy="1204912"/>
         </p:xfrm>
         <a:graphic>
@@ -15333,7 +15822,7 @@
                     </p:blipFill>
                     <p:spPr>
                       <a:xfrm>
-                        <a:off x="6006455" y="2513277"/>
+                        <a:off x="6006456" y="2407040"/>
                         <a:ext cx="1235075" cy="1204912"/>
                       </a:xfrm>
                       <a:prstGeom prst="rect">
@@ -15362,13 +15851,13 @@
           <p:nvPr>
             <p:extLst>
               <p:ext uri="{D42A27DB-BD31-4B8C-83A1-F6EECF244321}">
-                <p14:modId xmlns:p14="http://schemas.microsoft.com/office/powerpoint/2010/main" val="1780246431"/>
+                <p14:modId xmlns:p14="http://schemas.microsoft.com/office/powerpoint/2010/main" val="275958627"/>
               </p:ext>
             </p:extLst>
           </p:nvPr>
         </p:nvGraphicFramePr>
         <p:xfrm>
-          <a:off x="9315130" y="546035"/>
+          <a:off x="9315131" y="679283"/>
           <a:ext cx="2058987" cy="1306512"/>
         </p:xfrm>
         <a:graphic>
@@ -15402,7 +15891,7 @@
                     </p:blipFill>
                     <p:spPr>
                       <a:xfrm>
-                        <a:off x="9315130" y="546035"/>
+                        <a:off x="9315131" y="679283"/>
                         <a:ext cx="2058987" cy="1306512"/>
                       </a:xfrm>
                       <a:prstGeom prst="rect">
@@ -15431,13 +15920,13 @@
           <p:nvPr>
             <p:extLst>
               <p:ext uri="{D42A27DB-BD31-4B8C-83A1-F6EECF244321}">
-                <p14:modId xmlns:p14="http://schemas.microsoft.com/office/powerpoint/2010/main" val="228976629"/>
+                <p14:modId xmlns:p14="http://schemas.microsoft.com/office/powerpoint/2010/main" val="1405529178"/>
               </p:ext>
             </p:extLst>
           </p:nvPr>
         </p:nvGraphicFramePr>
         <p:xfrm>
-          <a:off x="7585055" y="2552183"/>
+          <a:off x="7585055" y="2445946"/>
           <a:ext cx="1879600" cy="1233488"/>
         </p:xfrm>
         <a:graphic>
@@ -15471,7 +15960,7 @@
                     </p:blipFill>
                     <p:spPr>
                       <a:xfrm>
-                        <a:off x="7585055" y="2552183"/>
+                        <a:off x="7585055" y="2445946"/>
                         <a:ext cx="1879600" cy="1233488"/>
                       </a:xfrm>
                       <a:prstGeom prst="rect">
@@ -15500,13 +15989,13 @@
           <p:nvPr>
             <p:extLst>
               <p:ext uri="{D42A27DB-BD31-4B8C-83A1-F6EECF244321}">
-                <p14:modId xmlns:p14="http://schemas.microsoft.com/office/powerpoint/2010/main" val="1983606596"/>
+                <p14:modId xmlns:p14="http://schemas.microsoft.com/office/powerpoint/2010/main" val="2944610412"/>
               </p:ext>
             </p:extLst>
           </p:nvPr>
         </p:nvGraphicFramePr>
         <p:xfrm>
-          <a:off x="7712470" y="620983"/>
+          <a:off x="7712471" y="754231"/>
           <a:ext cx="1571625" cy="1233488"/>
         </p:xfrm>
         <a:graphic>
@@ -15540,7 +16029,7 @@
                     </p:blipFill>
                     <p:spPr>
                       <a:xfrm>
-                        <a:off x="7712470" y="620983"/>
+                        <a:off x="7712471" y="754231"/>
                         <a:ext cx="1571625" cy="1233488"/>
                       </a:xfrm>
                       <a:prstGeom prst="rect">
@@ -15568,7 +16057,7 @@
         </p:nvSpPr>
         <p:spPr>
           <a:xfrm>
-            <a:off x="8239008" y="3852351"/>
+            <a:off x="8239008" y="3631411"/>
             <a:ext cx="631426" cy="310717"/>
           </a:xfrm>
           <a:prstGeom prst="rect">
@@ -15629,7 +16118,7 @@
         </p:nvSpPr>
         <p:spPr>
           <a:xfrm>
-            <a:off x="8202687" y="1850177"/>
+            <a:off x="8202687" y="1983426"/>
             <a:ext cx="631426" cy="310717"/>
           </a:xfrm>
           <a:prstGeom prst="rect">
@@ -15691,13 +16180,13 @@
           <p:nvPr>
             <p:extLst>
               <p:ext uri="{D42A27DB-BD31-4B8C-83A1-F6EECF244321}">
-                <p14:modId xmlns:p14="http://schemas.microsoft.com/office/powerpoint/2010/main" val="2288850832"/>
+                <p14:modId xmlns:p14="http://schemas.microsoft.com/office/powerpoint/2010/main" val="844248124"/>
               </p:ext>
             </p:extLst>
           </p:nvPr>
         </p:nvGraphicFramePr>
         <p:xfrm>
-          <a:off x="9636165" y="2510388"/>
+          <a:off x="9636166" y="2404151"/>
           <a:ext cx="1535113" cy="1271588"/>
         </p:xfrm>
         <a:graphic>
@@ -15731,7 +16220,7 @@
                     </p:blipFill>
                     <p:spPr>
                       <a:xfrm>
-                        <a:off x="9636165" y="2510388"/>
+                        <a:off x="9636166" y="2404151"/>
                         <a:ext cx="1535113" cy="1271588"/>
                       </a:xfrm>
                       <a:prstGeom prst="rect">
@@ -15760,13 +16249,13 @@
           <p:nvPr>
             <p:extLst>
               <p:ext uri="{D42A27DB-BD31-4B8C-83A1-F6EECF244321}">
-                <p14:modId xmlns:p14="http://schemas.microsoft.com/office/powerpoint/2010/main" val="2431850386"/>
+                <p14:modId xmlns:p14="http://schemas.microsoft.com/office/powerpoint/2010/main" val="3810525981"/>
               </p:ext>
             </p:extLst>
           </p:nvPr>
         </p:nvGraphicFramePr>
         <p:xfrm>
-          <a:off x="339489" y="4280098"/>
+          <a:off x="174982" y="3973171"/>
           <a:ext cx="2152650" cy="1330325"/>
         </p:xfrm>
         <a:graphic>
@@ -15800,7 +16289,7 @@
                     </p:blipFill>
                     <p:spPr>
                       <a:xfrm>
-                        <a:off x="339489" y="4280098"/>
+                        <a:off x="174982" y="3973171"/>
                         <a:ext cx="2152650" cy="1330325"/>
                       </a:xfrm>
                       <a:prstGeom prst="rect">
@@ -15829,13 +16318,13 @@
           <p:nvPr>
             <p:extLst>
               <p:ext uri="{D42A27DB-BD31-4B8C-83A1-F6EECF244321}">
-                <p14:modId xmlns:p14="http://schemas.microsoft.com/office/powerpoint/2010/main" val="1132015582"/>
+                <p14:modId xmlns:p14="http://schemas.microsoft.com/office/powerpoint/2010/main" val="1706505931"/>
               </p:ext>
             </p:extLst>
           </p:nvPr>
         </p:nvGraphicFramePr>
         <p:xfrm>
-          <a:off x="2700616" y="4292201"/>
+          <a:off x="2420261" y="3892949"/>
           <a:ext cx="1704975" cy="1362075"/>
         </p:xfrm>
         <a:graphic>
@@ -15869,7 +16358,7 @@
                     </p:blipFill>
                     <p:spPr>
                       <a:xfrm>
-                        <a:off x="2700616" y="4292201"/>
+                        <a:off x="2420261" y="3892949"/>
                         <a:ext cx="1704975" cy="1362075"/>
                       </a:xfrm>
                       <a:prstGeom prst="rect">
@@ -15898,13 +16387,13 @@
           <p:nvPr>
             <p:extLst>
               <p:ext uri="{D42A27DB-BD31-4B8C-83A1-F6EECF244321}">
-                <p14:modId xmlns:p14="http://schemas.microsoft.com/office/powerpoint/2010/main" val="588669790"/>
+                <p14:modId xmlns:p14="http://schemas.microsoft.com/office/powerpoint/2010/main" val="1855823495"/>
               </p:ext>
             </p:extLst>
           </p:nvPr>
         </p:nvGraphicFramePr>
         <p:xfrm>
-          <a:off x="4829204" y="4323950"/>
+          <a:off x="4380087" y="4012488"/>
           <a:ext cx="1690687" cy="1298575"/>
         </p:xfrm>
         <a:graphic>
@@ -15938,7 +16427,7 @@
                     </p:blipFill>
                     <p:spPr>
                       <a:xfrm>
-                        <a:off x="4829204" y="4323950"/>
+                        <a:off x="4380087" y="4012488"/>
                         <a:ext cx="1690687" cy="1298575"/>
                       </a:xfrm>
                       <a:prstGeom prst="rect">
@@ -15967,13 +16456,13 @@
           <p:nvPr>
             <p:extLst>
               <p:ext uri="{D42A27DB-BD31-4B8C-83A1-F6EECF244321}">
-                <p14:modId xmlns:p14="http://schemas.microsoft.com/office/powerpoint/2010/main" val="571510622"/>
+                <p14:modId xmlns:p14="http://schemas.microsoft.com/office/powerpoint/2010/main" val="1799481312"/>
               </p:ext>
             </p:extLst>
           </p:nvPr>
         </p:nvGraphicFramePr>
         <p:xfrm>
-          <a:off x="6695228" y="4493813"/>
+          <a:off x="6237280" y="4084080"/>
           <a:ext cx="1787525" cy="1128712"/>
         </p:xfrm>
         <a:graphic>
@@ -16007,7 +16496,7 @@
                     </p:blipFill>
                     <p:spPr>
                       <a:xfrm>
-                        <a:off x="6695228" y="4493813"/>
+                        <a:off x="6237280" y="4084080"/>
                         <a:ext cx="1787525" cy="1128712"/>
                       </a:xfrm>
                       <a:prstGeom prst="rect">
@@ -16036,13 +16525,13 @@
           <p:nvPr>
             <p:extLst>
               <p:ext uri="{D42A27DB-BD31-4B8C-83A1-F6EECF244321}">
-                <p14:modId xmlns:p14="http://schemas.microsoft.com/office/powerpoint/2010/main" val="1243148973"/>
+                <p14:modId xmlns:p14="http://schemas.microsoft.com/office/powerpoint/2010/main" val="2024360825"/>
               </p:ext>
             </p:extLst>
           </p:nvPr>
         </p:nvGraphicFramePr>
         <p:xfrm>
-          <a:off x="8724428" y="4728255"/>
+          <a:off x="6961701" y="370620"/>
           <a:ext cx="892175" cy="376238"/>
         </p:xfrm>
         <a:graphic>
@@ -16076,7 +16565,7 @@
                     </p:blipFill>
                     <p:spPr>
                       <a:xfrm>
-                        <a:off x="8724428" y="4728255"/>
+                        <a:off x="6961701" y="370620"/>
                         <a:ext cx="892175" cy="376238"/>
                       </a:xfrm>
                       <a:prstGeom prst="rect">
@@ -16104,7 +16593,7 @@
         </p:nvSpPr>
         <p:spPr>
           <a:xfrm>
-            <a:off x="8805830" y="5377543"/>
+            <a:off x="7065527" y="754232"/>
             <a:ext cx="631426" cy="310717"/>
           </a:xfrm>
           <a:prstGeom prst="rect">
@@ -16164,13 +16653,13 @@
           <p:nvPr>
             <p:extLst>
               <p:ext uri="{D42A27DB-BD31-4B8C-83A1-F6EECF244321}">
-                <p14:modId xmlns:p14="http://schemas.microsoft.com/office/powerpoint/2010/main" val="2469468086"/>
+                <p14:modId xmlns:p14="http://schemas.microsoft.com/office/powerpoint/2010/main" val="4279557883"/>
               </p:ext>
             </p:extLst>
           </p:nvPr>
         </p:nvGraphicFramePr>
         <p:xfrm>
-          <a:off x="159207" y="6196442"/>
+          <a:off x="159207" y="5594154"/>
           <a:ext cx="2349500" cy="1077912"/>
         </p:xfrm>
         <a:graphic>
@@ -16204,7 +16693,7 @@
                     </p:blipFill>
                     <p:spPr>
                       <a:xfrm>
-                        <a:off x="159207" y="6196442"/>
+                        <a:off x="159207" y="5594154"/>
                         <a:ext cx="2349500" cy="1077912"/>
                       </a:xfrm>
                       <a:prstGeom prst="rect">
@@ -16233,13 +16722,13 @@
           <p:nvPr>
             <p:extLst>
               <p:ext uri="{D42A27DB-BD31-4B8C-83A1-F6EECF244321}">
-                <p14:modId xmlns:p14="http://schemas.microsoft.com/office/powerpoint/2010/main" val="49256312"/>
+                <p14:modId xmlns:p14="http://schemas.microsoft.com/office/powerpoint/2010/main" val="575674637"/>
               </p:ext>
             </p:extLst>
           </p:nvPr>
         </p:nvGraphicFramePr>
         <p:xfrm>
-          <a:off x="2580883" y="6093619"/>
+          <a:off x="8323615" y="4116850"/>
           <a:ext cx="1200150" cy="1273175"/>
         </p:xfrm>
         <a:graphic>
@@ -16273,7 +16762,7 @@
                     </p:blipFill>
                     <p:spPr>
                       <a:xfrm>
-                        <a:off x="2580883" y="6093619"/>
+                        <a:off x="8323615" y="4116850"/>
                         <a:ext cx="1200150" cy="1273175"/>
                       </a:xfrm>
                       <a:prstGeom prst="rect">
@@ -16302,13 +16791,13 @@
           <p:nvPr>
             <p:extLst>
               <p:ext uri="{D42A27DB-BD31-4B8C-83A1-F6EECF244321}">
-                <p14:modId xmlns:p14="http://schemas.microsoft.com/office/powerpoint/2010/main" val="2042099313"/>
+                <p14:modId xmlns:p14="http://schemas.microsoft.com/office/powerpoint/2010/main" val="984742442"/>
               </p:ext>
             </p:extLst>
           </p:nvPr>
         </p:nvGraphicFramePr>
         <p:xfrm>
-          <a:off x="6300463" y="5957931"/>
+          <a:off x="6300463" y="5349680"/>
           <a:ext cx="2533650" cy="1566863"/>
         </p:xfrm>
         <a:graphic>
@@ -16342,7 +16831,7 @@
                     </p:blipFill>
                     <p:spPr>
                       <a:xfrm>
-                        <a:off x="6300463" y="5957931"/>
+                        <a:off x="6300463" y="5349680"/>
                         <a:ext cx="2533650" cy="1566863"/>
                       </a:xfrm>
                       <a:prstGeom prst="rect">
@@ -16370,7 +16859,7 @@
         </p:nvSpPr>
         <p:spPr>
           <a:xfrm>
-            <a:off x="7009728" y="7556130"/>
+            <a:off x="7009728" y="6992693"/>
             <a:ext cx="631426" cy="310717"/>
           </a:xfrm>
           <a:prstGeom prst="rect">
@@ -16430,13 +16919,13 @@
           <p:nvPr>
             <p:extLst>
               <p:ext uri="{D42A27DB-BD31-4B8C-83A1-F6EECF244321}">
-                <p14:modId xmlns:p14="http://schemas.microsoft.com/office/powerpoint/2010/main" val="1152985555"/>
+                <p14:modId xmlns:p14="http://schemas.microsoft.com/office/powerpoint/2010/main" val="799280478"/>
               </p:ext>
             </p:extLst>
           </p:nvPr>
         </p:nvGraphicFramePr>
         <p:xfrm>
-          <a:off x="199856" y="7783397"/>
+          <a:off x="303267" y="7143963"/>
           <a:ext cx="1419225" cy="1476375"/>
         </p:xfrm>
         <a:graphic>
@@ -16470,7 +16959,7 @@
                     </p:blipFill>
                     <p:spPr>
                       <a:xfrm>
-                        <a:off x="199856" y="7783397"/>
+                        <a:off x="303267" y="7143963"/>
                         <a:ext cx="1419225" cy="1476375"/>
                       </a:xfrm>
                       <a:prstGeom prst="rect">
@@ -16499,13 +16988,13 @@
           <p:nvPr>
             <p:extLst>
               <p:ext uri="{D42A27DB-BD31-4B8C-83A1-F6EECF244321}">
-                <p14:modId xmlns:p14="http://schemas.microsoft.com/office/powerpoint/2010/main" val="3089947205"/>
+                <p14:modId xmlns:p14="http://schemas.microsoft.com/office/powerpoint/2010/main" val="4127367120"/>
               </p:ext>
             </p:extLst>
           </p:nvPr>
         </p:nvGraphicFramePr>
         <p:xfrm>
-          <a:off x="8881582" y="5782712"/>
+          <a:off x="8881583" y="5335393"/>
           <a:ext cx="2366963" cy="1595437"/>
         </p:xfrm>
         <a:graphic>
@@ -16539,7 +17028,7 @@
                     </p:blipFill>
                     <p:spPr>
                       <a:xfrm>
-                        <a:off x="8881582" y="5782712"/>
+                        <a:off x="8881583" y="5335393"/>
                         <a:ext cx="2366963" cy="1595437"/>
                       </a:xfrm>
                       <a:prstGeom prst="rect">
@@ -16567,7 +17056,7 @@
         </p:nvSpPr>
         <p:spPr>
           <a:xfrm>
-            <a:off x="9863333" y="7491232"/>
+            <a:off x="9863333" y="6927795"/>
             <a:ext cx="631426" cy="310717"/>
           </a:xfrm>
           <a:prstGeom prst="rect">
@@ -16627,13 +17116,13 @@
           <p:nvPr>
             <p:extLst>
               <p:ext uri="{D42A27DB-BD31-4B8C-83A1-F6EECF244321}">
-                <p14:modId xmlns:p14="http://schemas.microsoft.com/office/powerpoint/2010/main" val="2888481262"/>
+                <p14:modId xmlns:p14="http://schemas.microsoft.com/office/powerpoint/2010/main" val="2341250877"/>
               </p:ext>
             </p:extLst>
           </p:nvPr>
         </p:nvGraphicFramePr>
         <p:xfrm>
-          <a:off x="4029558" y="6141844"/>
+          <a:off x="4029559" y="5587804"/>
           <a:ext cx="1965325" cy="1090612"/>
         </p:xfrm>
         <a:graphic>
@@ -16667,7 +17156,7 @@
                     </p:blipFill>
                     <p:spPr>
                       <a:xfrm>
-                        <a:off x="4029558" y="6141844"/>
+                        <a:off x="4029559" y="5587804"/>
                         <a:ext cx="1965325" cy="1090612"/>
                       </a:xfrm>
                       <a:prstGeom prst="rect">
@@ -16696,13 +17185,13 @@
           <p:nvPr>
             <p:extLst>
               <p:ext uri="{D42A27DB-BD31-4B8C-83A1-F6EECF244321}">
-                <p14:modId xmlns:p14="http://schemas.microsoft.com/office/powerpoint/2010/main" val="1043315418"/>
+                <p14:modId xmlns:p14="http://schemas.microsoft.com/office/powerpoint/2010/main" val="2945335388"/>
               </p:ext>
             </p:extLst>
           </p:nvPr>
         </p:nvGraphicFramePr>
         <p:xfrm>
-          <a:off x="1598030" y="7766601"/>
+          <a:off x="2074533" y="5412800"/>
           <a:ext cx="2095500" cy="1452562"/>
         </p:xfrm>
         <a:graphic>
@@ -16736,7 +17225,7 @@
                     </p:blipFill>
                     <p:spPr>
                       <a:xfrm>
-                        <a:off x="1598030" y="7766601"/>
+                        <a:off x="2074533" y="5412800"/>
                         <a:ext cx="2095500" cy="1452562"/>
                       </a:xfrm>
                       <a:prstGeom prst="rect">
@@ -16765,13 +17254,13 @@
           <p:nvPr>
             <p:extLst>
               <p:ext uri="{D42A27DB-BD31-4B8C-83A1-F6EECF244321}">
-                <p14:modId xmlns:p14="http://schemas.microsoft.com/office/powerpoint/2010/main" val="3004197233"/>
+                <p14:modId xmlns:p14="http://schemas.microsoft.com/office/powerpoint/2010/main" val="3233591118"/>
               </p:ext>
             </p:extLst>
           </p:nvPr>
         </p:nvGraphicFramePr>
         <p:xfrm>
-          <a:off x="9810240" y="4365624"/>
+          <a:off x="9810241" y="3959814"/>
           <a:ext cx="1546225" cy="1214438"/>
         </p:xfrm>
         <a:graphic>
@@ -16805,7 +17294,7 @@
                     </p:blipFill>
                     <p:spPr>
                       <a:xfrm>
-                        <a:off x="9810240" y="4365624"/>
+                        <a:off x="9810241" y="3959814"/>
                         <a:ext cx="1546225" cy="1214438"/>
                       </a:xfrm>
                       <a:prstGeom prst="rect">
@@ -16833,7 +17322,7 @@
         </p:nvSpPr>
         <p:spPr>
           <a:xfrm>
-            <a:off x="4427167" y="9075472"/>
+            <a:off x="2771029" y="8678630"/>
             <a:ext cx="631426" cy="310717"/>
           </a:xfrm>
           <a:prstGeom prst="rect">
@@ -16893,13 +17382,13 @@
           <p:nvPr>
             <p:extLst>
               <p:ext uri="{D42A27DB-BD31-4B8C-83A1-F6EECF244321}">
-                <p14:modId xmlns:p14="http://schemas.microsoft.com/office/powerpoint/2010/main" val="78511122"/>
+                <p14:modId xmlns:p14="http://schemas.microsoft.com/office/powerpoint/2010/main" val="2846290399"/>
               </p:ext>
             </p:extLst>
           </p:nvPr>
         </p:nvGraphicFramePr>
         <p:xfrm>
-          <a:off x="3830666" y="7851925"/>
+          <a:off x="2128161" y="7423033"/>
           <a:ext cx="1997075" cy="1192212"/>
         </p:xfrm>
         <a:graphic>
@@ -16933,7 +17422,7 @@
                     </p:blipFill>
                     <p:spPr>
                       <a:xfrm>
-                        <a:off x="3830666" y="7851925"/>
+                        <a:off x="2128161" y="7423033"/>
                         <a:ext cx="1997075" cy="1192212"/>
                       </a:xfrm>
                       <a:prstGeom prst="rect">
@@ -16962,13 +17451,13 @@
           <p:nvPr>
             <p:extLst>
               <p:ext uri="{D42A27DB-BD31-4B8C-83A1-F6EECF244321}">
-                <p14:modId xmlns:p14="http://schemas.microsoft.com/office/powerpoint/2010/main" val="2994050709"/>
+                <p14:modId xmlns:p14="http://schemas.microsoft.com/office/powerpoint/2010/main" val="3758115061"/>
               </p:ext>
             </p:extLst>
           </p:nvPr>
         </p:nvGraphicFramePr>
         <p:xfrm>
-          <a:off x="525463" y="9621838"/>
+          <a:off x="303266" y="9221930"/>
           <a:ext cx="1631950" cy="1403350"/>
         </p:xfrm>
         <a:graphic>
@@ -17002,7 +17491,7 @@
                     </p:blipFill>
                     <p:spPr>
                       <a:xfrm>
-                        <a:off x="525463" y="9621838"/>
+                        <a:off x="303266" y="9221930"/>
                         <a:ext cx="1631950" cy="1403350"/>
                       </a:xfrm>
                       <a:prstGeom prst="rect">
@@ -17030,7 +17519,7 @@
         </p:nvSpPr>
         <p:spPr>
           <a:xfrm>
-            <a:off x="1046888" y="10563541"/>
+            <a:off x="749689" y="10601496"/>
             <a:ext cx="631426" cy="310717"/>
           </a:xfrm>
           <a:prstGeom prst="rect">
@@ -17092,13 +17581,13 @@
           <p:nvPr>
             <p:extLst>
               <p:ext uri="{D42A27DB-BD31-4B8C-83A1-F6EECF244321}">
-                <p14:modId xmlns:p14="http://schemas.microsoft.com/office/powerpoint/2010/main" val="2898632262"/>
+                <p14:modId xmlns:p14="http://schemas.microsoft.com/office/powerpoint/2010/main" val="536804092"/>
               </p:ext>
             </p:extLst>
           </p:nvPr>
         </p:nvGraphicFramePr>
         <p:xfrm>
-          <a:off x="2470150" y="9590088"/>
+          <a:off x="2119161" y="9256097"/>
           <a:ext cx="1935163" cy="1422400"/>
         </p:xfrm>
         <a:graphic>
@@ -17132,7 +17621,7 @@
                     </p:blipFill>
                     <p:spPr>
                       <a:xfrm>
-                        <a:off x="2470150" y="9590088"/>
+                        <a:off x="2119161" y="9256097"/>
                         <a:ext cx="1935163" cy="1422400"/>
                       </a:xfrm>
                       <a:prstGeom prst="rect">
@@ -17160,7 +17649,7 @@
         </p:nvSpPr>
         <p:spPr>
           <a:xfrm>
-            <a:off x="3122018" y="10544987"/>
+            <a:off x="2829183" y="10634530"/>
             <a:ext cx="631426" cy="310717"/>
           </a:xfrm>
           <a:prstGeom prst="rect">
@@ -17194,67 +17683,6 @@
                 <a:sym typeface="Avenir"/>
               </a:rPr>
               <a:t>INFL</a:t>
-            </a:r>
-            <a:endParaRPr lang="pt-BR" sz="1600" dirty="0">
-              <a:solidFill>
-                <a:srgbClr val="00B050"/>
-              </a:solidFill>
-              <a:latin typeface="Arial"/>
-              <a:ea typeface="Arial"/>
-              <a:cs typeface="Arial"/>
-              <a:sym typeface="Arial"/>
-            </a:endParaRPr>
-          </a:p>
-        </p:txBody>
-      </p:sp>
-      <p:sp>
-        <p:nvSpPr>
-          <p:cNvPr id="29" name="Google Shape;298;p9">
-            <a:extLst>
-              <a:ext uri="{FF2B5EF4-FFF2-40B4-BE49-F238E27FC236}">
-                <a16:creationId xmlns:a16="http://schemas.microsoft.com/office/drawing/2014/main" id="{C564F456-CD91-4B9D-9C21-B45930092CC3}"/>
-              </a:ext>
-            </a:extLst>
-          </p:cNvPr>
-          <p:cNvSpPr txBox="1"/>
-          <p:nvPr/>
-        </p:nvSpPr>
-        <p:spPr>
-          <a:xfrm>
-            <a:off x="6753105" y="9635827"/>
-            <a:ext cx="631426" cy="310717"/>
-          </a:xfrm>
-          <a:prstGeom prst="rect">
-            <a:avLst/>
-          </a:prstGeom>
-          <a:noFill/>
-          <a:ln>
-            <a:noFill/>
-          </a:ln>
-        </p:spPr>
-        <p:txBody>
-          <a:bodyPr spcFirstLastPara="1" wrap="square" lIns="94378" tIns="47176" rIns="94378" bIns="47176" anchor="t" anchorCtr="0">
-            <a:spAutoFit/>
-          </a:bodyPr>
-          <a:lstStyle/>
-          <a:p>
-            <a:pPr algn="ctr">
-              <a:buClr>
-                <a:srgbClr val="000000"/>
-              </a:buClr>
-              <a:buSzPts val="1200"/>
-            </a:pPr>
-            <a:r>
-              <a:rPr lang="pt-BR" sz="1400" b="1" dirty="0">
-                <a:solidFill>
-                  <a:srgbClr val="00B050"/>
-                </a:solidFill>
-                <a:latin typeface="Avenir"/>
-                <a:ea typeface="Arial"/>
-                <a:cs typeface="Arial"/>
-                <a:sym typeface="Avenir"/>
-              </a:rPr>
-              <a:t>4IDT</a:t>
             </a:r>
             <a:endParaRPr lang="pt-BR" sz="1600" dirty="0">
               <a:solidFill>
@@ -17283,13 +17711,13 @@
           <p:nvPr>
             <p:extLst>
               <p:ext uri="{D42A27DB-BD31-4B8C-83A1-F6EECF244321}">
-                <p14:modId xmlns:p14="http://schemas.microsoft.com/office/powerpoint/2010/main" val="3361331494"/>
+                <p14:modId xmlns:p14="http://schemas.microsoft.com/office/powerpoint/2010/main" val="2645129749"/>
               </p:ext>
             </p:extLst>
           </p:nvPr>
         </p:nvGraphicFramePr>
         <p:xfrm>
-          <a:off x="6229876" y="8024813"/>
+          <a:off x="4419593" y="7303410"/>
           <a:ext cx="1817687" cy="1597025"/>
         </p:xfrm>
         <a:graphic>
@@ -17323,7 +17751,7 @@
                     </p:blipFill>
                     <p:spPr>
                       <a:xfrm>
-                        <a:off x="6229876" y="8024813"/>
+                        <a:off x="4419593" y="7303410"/>
                         <a:ext cx="1817687" cy="1597025"/>
                       </a:xfrm>
                       <a:prstGeom prst="rect">
@@ -17352,13 +17780,13 @@
           <p:nvPr>
             <p:extLst>
               <p:ext uri="{D42A27DB-BD31-4B8C-83A1-F6EECF244321}">
-                <p14:modId xmlns:p14="http://schemas.microsoft.com/office/powerpoint/2010/main" val="4248539534"/>
+                <p14:modId xmlns:p14="http://schemas.microsoft.com/office/powerpoint/2010/main" val="2813021681"/>
               </p:ext>
             </p:extLst>
           </p:nvPr>
         </p:nvGraphicFramePr>
         <p:xfrm>
-          <a:off x="8313971" y="7794465"/>
+          <a:off x="6726959" y="7340150"/>
           <a:ext cx="1809750" cy="1493838"/>
         </p:xfrm>
         <a:graphic>
@@ -17392,7 +17820,7 @@
                     </p:blipFill>
                     <p:spPr>
                       <a:xfrm>
-                        <a:off x="8313971" y="7794465"/>
+                        <a:off x="6726959" y="7340150"/>
                         <a:ext cx="1809750" cy="1493838"/>
                       </a:xfrm>
                       <a:prstGeom prst="rect">
@@ -17420,7 +17848,7 @@
         </p:nvSpPr>
         <p:spPr>
           <a:xfrm>
-            <a:off x="9492657" y="8698189"/>
+            <a:off x="8481369" y="8087069"/>
             <a:ext cx="631426" cy="310717"/>
           </a:xfrm>
           <a:prstGeom prst="rect">
@@ -17482,13 +17910,13 @@
           <p:nvPr>
             <p:extLst>
               <p:ext uri="{D42A27DB-BD31-4B8C-83A1-F6EECF244321}">
-                <p14:modId xmlns:p14="http://schemas.microsoft.com/office/powerpoint/2010/main" val="2666716626"/>
+                <p14:modId xmlns:p14="http://schemas.microsoft.com/office/powerpoint/2010/main" val="4084897969"/>
               </p:ext>
             </p:extLst>
           </p:nvPr>
         </p:nvGraphicFramePr>
         <p:xfrm>
-          <a:off x="4495800" y="9513888"/>
+          <a:off x="4171161" y="9019581"/>
           <a:ext cx="2200275" cy="1536700"/>
         </p:xfrm>
         <a:graphic>
@@ -17522,7 +17950,7 @@
                     </p:blipFill>
                     <p:spPr>
                       <a:xfrm>
-                        <a:off x="4495800" y="9513888"/>
+                        <a:off x="4171161" y="9019581"/>
                         <a:ext cx="2200275" cy="1536700"/>
                       </a:xfrm>
                       <a:prstGeom prst="rect">
@@ -17550,7 +17978,7 @@
         </p:nvSpPr>
         <p:spPr>
           <a:xfrm>
-            <a:off x="5934756" y="10544986"/>
+            <a:off x="5020807" y="10522480"/>
             <a:ext cx="631426" cy="310717"/>
           </a:xfrm>
           <a:prstGeom prst="rect">
@@ -17612,13 +18040,13 @@
           <p:nvPr>
             <p:extLst>
               <p:ext uri="{D42A27DB-BD31-4B8C-83A1-F6EECF244321}">
-                <p14:modId xmlns:p14="http://schemas.microsoft.com/office/powerpoint/2010/main" val="1573075279"/>
+                <p14:modId xmlns:p14="http://schemas.microsoft.com/office/powerpoint/2010/main" val="1521843289"/>
               </p:ext>
             </p:extLst>
           </p:nvPr>
         </p:nvGraphicFramePr>
         <p:xfrm>
-          <a:off x="7275513" y="9515475"/>
+          <a:off x="6519892" y="9102352"/>
           <a:ext cx="2052637" cy="1570038"/>
         </p:xfrm>
         <a:graphic>
@@ -17652,7 +18080,7 @@
                     </p:blipFill>
                     <p:spPr>
                       <a:xfrm>
-                        <a:off x="7275513" y="9515475"/>
+                        <a:off x="6519892" y="9102352"/>
                         <a:ext cx="2052637" cy="1570038"/>
                       </a:xfrm>
                       <a:prstGeom prst="rect">
@@ -17680,7 +18108,7 @@
         </p:nvSpPr>
         <p:spPr>
           <a:xfrm>
-            <a:off x="8403036" y="10468248"/>
+            <a:off x="7427939" y="10752253"/>
             <a:ext cx="631426" cy="310717"/>
           </a:xfrm>
           <a:prstGeom prst="rect">
@@ -17742,13 +18170,13 @@
           <p:nvPr>
             <p:extLst>
               <p:ext uri="{D42A27DB-BD31-4B8C-83A1-F6EECF244321}">
-                <p14:modId xmlns:p14="http://schemas.microsoft.com/office/powerpoint/2010/main" val="4270140625"/>
+                <p14:modId xmlns:p14="http://schemas.microsoft.com/office/powerpoint/2010/main" val="2046994562"/>
               </p:ext>
             </p:extLst>
           </p:nvPr>
         </p:nvGraphicFramePr>
         <p:xfrm>
-          <a:off x="9326563" y="9204325"/>
+          <a:off x="8976673" y="9080978"/>
           <a:ext cx="2052637" cy="1570038"/>
         </p:xfrm>
         <a:graphic>
@@ -17782,7 +18210,7 @@
                     </p:blipFill>
                     <p:spPr>
                       <a:xfrm>
-                        <a:off x="9326563" y="9204325"/>
+                        <a:off x="8976673" y="9080978"/>
                         <a:ext cx="2052637" cy="1570038"/>
                       </a:xfrm>
                       <a:prstGeom prst="rect">
@@ -17810,7 +18238,7 @@
         </p:nvSpPr>
         <p:spPr>
           <a:xfrm>
-            <a:off x="10455673" y="10155307"/>
+            <a:off x="9713197" y="10752252"/>
             <a:ext cx="631426" cy="310717"/>
           </a:xfrm>
           <a:prstGeom prst="rect">
@@ -17846,6 +18274,451 @@
               <a:t>IITT</a:t>
             </a:r>
             <a:endParaRPr lang="pt-BR" sz="1600" dirty="0">
+              <a:solidFill>
+                <a:srgbClr val="00B050"/>
+              </a:solidFill>
+              <a:latin typeface="Arial"/>
+              <a:ea typeface="Arial"/>
+              <a:cs typeface="Arial"/>
+              <a:sym typeface="Arial"/>
+            </a:endParaRPr>
+          </a:p>
+        </p:txBody>
+      </p:sp>
+      <p:sp>
+        <p:nvSpPr>
+          <p:cNvPr id="29" name="Google Shape;298;p9">
+            <a:extLst>
+              <a:ext uri="{FF2B5EF4-FFF2-40B4-BE49-F238E27FC236}">
+                <a16:creationId xmlns:a16="http://schemas.microsoft.com/office/drawing/2014/main" id="{C564F456-CD91-4B9D-9C21-B45930092CC3}"/>
+              </a:ext>
+            </a:extLst>
+          </p:cNvPr>
+          <p:cNvSpPr txBox="1"/>
+          <p:nvPr/>
+        </p:nvSpPr>
+        <p:spPr>
+          <a:xfrm>
+            <a:off x="5487343" y="8181315"/>
+            <a:ext cx="631426" cy="310717"/>
+          </a:xfrm>
+          <a:prstGeom prst="rect">
+            <a:avLst/>
+          </a:prstGeom>
+          <a:noFill/>
+          <a:ln>
+            <a:noFill/>
+          </a:ln>
+        </p:spPr>
+        <p:txBody>
+          <a:bodyPr spcFirstLastPara="1" wrap="square" lIns="94378" tIns="47176" rIns="94378" bIns="47176" anchor="t" anchorCtr="0">
+            <a:spAutoFit/>
+          </a:bodyPr>
+          <a:lstStyle/>
+          <a:p>
+            <a:pPr algn="ctr">
+              <a:buClr>
+                <a:srgbClr val="000000"/>
+              </a:buClr>
+              <a:buSzPts val="1200"/>
+            </a:pPr>
+            <a:r>
+              <a:rPr lang="pt-BR" sz="1400" b="1" dirty="0">
+                <a:solidFill>
+                  <a:srgbClr val="00B050"/>
+                </a:solidFill>
+                <a:latin typeface="Avenir"/>
+                <a:ea typeface="Arial"/>
+                <a:cs typeface="Arial"/>
+                <a:sym typeface="Avenir"/>
+              </a:rPr>
+              <a:t>4IDT</a:t>
+            </a:r>
+            <a:endParaRPr lang="pt-BR" sz="1600" dirty="0">
+              <a:solidFill>
+                <a:srgbClr val="00B050"/>
+              </a:solidFill>
+              <a:latin typeface="Arial"/>
+              <a:ea typeface="Arial"/>
+              <a:cs typeface="Arial"/>
+              <a:sym typeface="Arial"/>
+            </a:endParaRPr>
+          </a:p>
+        </p:txBody>
+      </p:sp>
+      <p:graphicFrame>
+        <p:nvGraphicFramePr>
+          <p:cNvPr id="38" name="Objeto 37">
+            <a:extLst>
+              <a:ext uri="{FF2B5EF4-FFF2-40B4-BE49-F238E27FC236}">
+                <a16:creationId xmlns:a16="http://schemas.microsoft.com/office/drawing/2014/main" id="{821B8109-F14A-3505-3BDA-12F8982650C4}"/>
+              </a:ext>
+            </a:extLst>
+          </p:cNvPr>
+          <p:cNvGraphicFramePr>
+            <a:graphicFrameLocks noChangeAspect="1"/>
+          </p:cNvGraphicFramePr>
+          <p:nvPr>
+            <p:extLst>
+              <p:ext uri="{D42A27DB-BD31-4B8C-83A1-F6EECF244321}">
+                <p14:modId xmlns:p14="http://schemas.microsoft.com/office/powerpoint/2010/main" val="1304852141"/>
+              </p:ext>
+            </p:extLst>
+          </p:nvPr>
+        </p:nvGraphicFramePr>
+        <p:xfrm>
+          <a:off x="365482" y="11405044"/>
+          <a:ext cx="2265362" cy="1312863"/>
+        </p:xfrm>
+        <a:graphic>
+          <a:graphicData uri="http://schemas.openxmlformats.org/presentationml/2006/ole">
+            <mc:AlternateContent xmlns:mc="http://schemas.openxmlformats.org/markup-compatibility/2006">
+              <mc:Choice xmlns:v="urn:schemas-microsoft-com:vml" Requires="v">
+                <p:oleObj name="CS ChemDraw Drawing" r:id="rId68" imgW="2265916" imgH="1313625" progId="ChemDraw.Document.6.0">
+                  <p:embed/>
+                </p:oleObj>
+              </mc:Choice>
+              <mc:Fallback>
+                <p:oleObj name="CS ChemDraw Drawing" r:id="rId68" imgW="2265916" imgH="1313625" progId="ChemDraw.Document.6.0">
+                  <p:embed/>
+                  <p:pic>
+                    <p:nvPicPr>
+                      <p:cNvPr id="38" name="Objeto 37">
+                        <a:extLst>
+                          <a:ext uri="{FF2B5EF4-FFF2-40B4-BE49-F238E27FC236}">
+                            <a16:creationId xmlns:a16="http://schemas.microsoft.com/office/drawing/2014/main" id="{821B8109-F14A-3505-3BDA-12F8982650C4}"/>
+                          </a:ext>
+                        </a:extLst>
+                      </p:cNvPr>
+                      <p:cNvPicPr/>
+                      <p:nvPr/>
+                    </p:nvPicPr>
+                    <p:blipFill>
+                      <a:blip r:embed="rId69"/>
+                      <a:stretch>
+                        <a:fillRect/>
+                      </a:stretch>
+                    </p:blipFill>
+                    <p:spPr>
+                      <a:xfrm>
+                        <a:off x="365482" y="11405044"/>
+                        <a:ext cx="2265362" cy="1312863"/>
+                      </a:xfrm>
+                      <a:prstGeom prst="rect">
+                        <a:avLst/>
+                      </a:prstGeom>
+                    </p:spPr>
+                  </p:pic>
+                </p:oleObj>
+              </mc:Fallback>
+            </mc:AlternateContent>
+          </a:graphicData>
+        </a:graphic>
+      </p:graphicFrame>
+      <p:sp>
+        <p:nvSpPr>
+          <p:cNvPr id="39" name="Google Shape;298;p9">
+            <a:extLst>
+              <a:ext uri="{FF2B5EF4-FFF2-40B4-BE49-F238E27FC236}">
+                <a16:creationId xmlns:a16="http://schemas.microsoft.com/office/drawing/2014/main" id="{730A6009-FC17-7871-28C1-BFFF67D6FD51}"/>
+              </a:ext>
+            </a:extLst>
+          </p:cNvPr>
+          <p:cNvSpPr txBox="1"/>
+          <p:nvPr/>
+        </p:nvSpPr>
+        <p:spPr>
+          <a:xfrm>
+            <a:off x="980485" y="12704562"/>
+            <a:ext cx="631426" cy="310717"/>
+          </a:xfrm>
+          <a:prstGeom prst="rect">
+            <a:avLst/>
+          </a:prstGeom>
+          <a:noFill/>
+          <a:ln>
+            <a:noFill/>
+          </a:ln>
+        </p:spPr>
+        <p:txBody>
+          <a:bodyPr spcFirstLastPara="1" wrap="square" lIns="94378" tIns="47176" rIns="94378" bIns="47176" anchor="t" anchorCtr="0">
+            <a:spAutoFit/>
+          </a:bodyPr>
+          <a:lstStyle/>
+          <a:p>
+            <a:pPr algn="ctr">
+              <a:buClr>
+                <a:srgbClr val="000000"/>
+              </a:buClr>
+              <a:buSzPts val="1200"/>
+            </a:pPr>
+            <a:r>
+              <a:rPr lang="pt-BR" sz="1400" b="1" dirty="0">
+                <a:solidFill>
+                  <a:srgbClr val="00B050"/>
+                </a:solidFill>
+                <a:latin typeface="Avenir"/>
+                <a:sym typeface="Avenir"/>
+              </a:rPr>
+              <a:t>PHEN</a:t>
+            </a:r>
+            <a:endParaRPr sz="1600" dirty="0">
+              <a:solidFill>
+                <a:srgbClr val="00B050"/>
+              </a:solidFill>
+              <a:latin typeface="Arial"/>
+              <a:ea typeface="Arial"/>
+              <a:cs typeface="Arial"/>
+              <a:sym typeface="Arial"/>
+            </a:endParaRPr>
+          </a:p>
+        </p:txBody>
+      </p:sp>
+      <p:graphicFrame>
+        <p:nvGraphicFramePr>
+          <p:cNvPr id="40" name="Objeto 39">
+            <a:extLst>
+              <a:ext uri="{FF2B5EF4-FFF2-40B4-BE49-F238E27FC236}">
+                <a16:creationId xmlns:a16="http://schemas.microsoft.com/office/drawing/2014/main" id="{C9742109-79E1-083C-B407-8C4CF25CBBAD}"/>
+              </a:ext>
+            </a:extLst>
+          </p:cNvPr>
+          <p:cNvGraphicFramePr>
+            <a:graphicFrameLocks noChangeAspect="1"/>
+          </p:cNvGraphicFramePr>
+          <p:nvPr>
+            <p:extLst>
+              <p:ext uri="{D42A27DB-BD31-4B8C-83A1-F6EECF244321}">
+                <p14:modId xmlns:p14="http://schemas.microsoft.com/office/powerpoint/2010/main" val="1286630601"/>
+              </p:ext>
+            </p:extLst>
+          </p:nvPr>
+        </p:nvGraphicFramePr>
+        <p:xfrm>
+          <a:off x="2771029" y="11371469"/>
+          <a:ext cx="2627312" cy="1279525"/>
+        </p:xfrm>
+        <a:graphic>
+          <a:graphicData uri="http://schemas.openxmlformats.org/presentationml/2006/ole">
+            <mc:AlternateContent xmlns:mc="http://schemas.openxmlformats.org/markup-compatibility/2006">
+              <mc:Choice xmlns:v="urn:schemas-microsoft-com:vml" Requires="v">
+                <p:oleObj name="CS ChemDraw Drawing" r:id="rId70" imgW="2626951" imgH="1279689" progId="ChemDraw.Document.6.0">
+                  <p:embed/>
+                </p:oleObj>
+              </mc:Choice>
+              <mc:Fallback>
+                <p:oleObj name="CS ChemDraw Drawing" r:id="rId70" imgW="2626951" imgH="1279689" progId="ChemDraw.Document.6.0">
+                  <p:embed/>
+                  <p:pic>
+                    <p:nvPicPr>
+                      <p:cNvPr id="40" name="Objeto 39">
+                        <a:extLst>
+                          <a:ext uri="{FF2B5EF4-FFF2-40B4-BE49-F238E27FC236}">
+                            <a16:creationId xmlns:a16="http://schemas.microsoft.com/office/drawing/2014/main" id="{C9742109-79E1-083C-B407-8C4CF25CBBAD}"/>
+                          </a:ext>
+                        </a:extLst>
+                      </p:cNvPr>
+                      <p:cNvPicPr/>
+                      <p:nvPr/>
+                    </p:nvPicPr>
+                    <p:blipFill>
+                      <a:blip r:embed="rId71"/>
+                      <a:stretch>
+                        <a:fillRect/>
+                      </a:stretch>
+                    </p:blipFill>
+                    <p:spPr>
+                      <a:xfrm>
+                        <a:off x="2771029" y="11371469"/>
+                        <a:ext cx="2627312" cy="1279525"/>
+                      </a:xfrm>
+                      <a:prstGeom prst="rect">
+                        <a:avLst/>
+                      </a:prstGeom>
+                    </p:spPr>
+                  </p:pic>
+                </p:oleObj>
+              </mc:Fallback>
+            </mc:AlternateContent>
+          </a:graphicData>
+        </a:graphic>
+      </p:graphicFrame>
+      <p:sp>
+        <p:nvSpPr>
+          <p:cNvPr id="41" name="Google Shape;298;p9">
+            <a:extLst>
+              <a:ext uri="{FF2B5EF4-FFF2-40B4-BE49-F238E27FC236}">
+                <a16:creationId xmlns:a16="http://schemas.microsoft.com/office/drawing/2014/main" id="{7B454DE5-84BD-A6C4-C300-95A953DC42BD}"/>
+              </a:ext>
+            </a:extLst>
+          </p:cNvPr>
+          <p:cNvSpPr txBox="1"/>
+          <p:nvPr/>
+        </p:nvSpPr>
+        <p:spPr>
+          <a:xfrm>
+            <a:off x="3749050" y="12668226"/>
+            <a:ext cx="631426" cy="310717"/>
+          </a:xfrm>
+          <a:prstGeom prst="rect">
+            <a:avLst/>
+          </a:prstGeom>
+          <a:noFill/>
+          <a:ln>
+            <a:noFill/>
+          </a:ln>
+        </p:spPr>
+        <p:txBody>
+          <a:bodyPr spcFirstLastPara="1" wrap="square" lIns="94378" tIns="47176" rIns="94378" bIns="47176" anchor="t" anchorCtr="0">
+            <a:spAutoFit/>
+          </a:bodyPr>
+          <a:lstStyle/>
+          <a:p>
+            <a:pPr algn="ctr">
+              <a:buClr>
+                <a:srgbClr val="000000"/>
+              </a:buClr>
+              <a:buSzPts val="1200"/>
+            </a:pPr>
+            <a:r>
+              <a:rPr lang="pt-BR" sz="1400" b="1" dirty="0">
+                <a:solidFill>
+                  <a:srgbClr val="00B050"/>
+                </a:solidFill>
+                <a:latin typeface="Avenir"/>
+                <a:sym typeface="Avenir"/>
+              </a:rPr>
+              <a:t>PYEN</a:t>
+            </a:r>
+            <a:endParaRPr sz="1600" dirty="0">
+              <a:solidFill>
+                <a:srgbClr val="00B050"/>
+              </a:solidFill>
+              <a:latin typeface="Arial"/>
+              <a:ea typeface="Arial"/>
+              <a:cs typeface="Arial"/>
+              <a:sym typeface="Arial"/>
+            </a:endParaRPr>
+          </a:p>
+        </p:txBody>
+      </p:sp>
+      <p:graphicFrame>
+        <p:nvGraphicFramePr>
+          <p:cNvPr id="42" name="Objeto 41">
+            <a:extLst>
+              <a:ext uri="{FF2B5EF4-FFF2-40B4-BE49-F238E27FC236}">
+                <a16:creationId xmlns:a16="http://schemas.microsoft.com/office/drawing/2014/main" id="{89D9F652-B97A-2B59-5F3E-FA2D5C78E95E}"/>
+              </a:ext>
+            </a:extLst>
+          </p:cNvPr>
+          <p:cNvGraphicFramePr>
+            <a:graphicFrameLocks noChangeAspect="1"/>
+          </p:cNvGraphicFramePr>
+          <p:nvPr>
+            <p:extLst>
+              <p:ext uri="{D42A27DB-BD31-4B8C-83A1-F6EECF244321}">
+                <p14:modId xmlns:p14="http://schemas.microsoft.com/office/powerpoint/2010/main" val="1134373987"/>
+              </p:ext>
+            </p:extLst>
+          </p:nvPr>
+        </p:nvGraphicFramePr>
+        <p:xfrm>
+          <a:off x="5884863" y="11344275"/>
+          <a:ext cx="1976437" cy="1419225"/>
+        </p:xfrm>
+        <a:graphic>
+          <a:graphicData uri="http://schemas.openxmlformats.org/presentationml/2006/ole">
+            <mc:AlternateContent xmlns:mc="http://schemas.openxmlformats.org/markup-compatibility/2006">
+              <mc:Choice xmlns:v="urn:schemas-microsoft-com:vml" Requires="v">
+                <p:oleObj name="CS ChemDraw Drawing" r:id="rId72" imgW="1976238" imgH="1418734" progId="ChemDraw.Document.6.0">
+                  <p:embed/>
+                </p:oleObj>
+              </mc:Choice>
+              <mc:Fallback>
+                <p:oleObj name="CS ChemDraw Drawing" r:id="rId72" imgW="1976238" imgH="1418734" progId="ChemDraw.Document.6.0">
+                  <p:embed/>
+                  <p:pic>
+                    <p:nvPicPr>
+                      <p:cNvPr id="42" name="Objeto 41">
+                        <a:extLst>
+                          <a:ext uri="{FF2B5EF4-FFF2-40B4-BE49-F238E27FC236}">
+                            <a16:creationId xmlns:a16="http://schemas.microsoft.com/office/drawing/2014/main" id="{89D9F652-B97A-2B59-5F3E-FA2D5C78E95E}"/>
+                          </a:ext>
+                        </a:extLst>
+                      </p:cNvPr>
+                      <p:cNvPicPr/>
+                      <p:nvPr/>
+                    </p:nvPicPr>
+                    <p:blipFill>
+                      <a:blip r:embed="rId73"/>
+                      <a:stretch>
+                        <a:fillRect/>
+                      </a:stretch>
+                    </p:blipFill>
+                    <p:spPr>
+                      <a:xfrm>
+                        <a:off x="5884863" y="11344275"/>
+                        <a:ext cx="1976437" cy="1419225"/>
+                      </a:xfrm>
+                      <a:prstGeom prst="rect">
+                        <a:avLst/>
+                      </a:prstGeom>
+                    </p:spPr>
+                  </p:pic>
+                </p:oleObj>
+              </mc:Fallback>
+            </mc:AlternateContent>
+          </a:graphicData>
+        </a:graphic>
+      </p:graphicFrame>
+      <p:sp>
+        <p:nvSpPr>
+          <p:cNvPr id="43" name="Google Shape;298;p9">
+            <a:extLst>
+              <a:ext uri="{FF2B5EF4-FFF2-40B4-BE49-F238E27FC236}">
+                <a16:creationId xmlns:a16="http://schemas.microsoft.com/office/drawing/2014/main" id="{8E84049F-70C0-A1E1-98B0-37594E084973}"/>
+              </a:ext>
+            </a:extLst>
+          </p:cNvPr>
+          <p:cNvSpPr txBox="1"/>
+          <p:nvPr/>
+        </p:nvSpPr>
+        <p:spPr>
+          <a:xfrm>
+            <a:off x="6531133" y="12712845"/>
+            <a:ext cx="631426" cy="310717"/>
+          </a:xfrm>
+          <a:prstGeom prst="rect">
+            <a:avLst/>
+          </a:prstGeom>
+          <a:noFill/>
+          <a:ln>
+            <a:noFill/>
+          </a:ln>
+        </p:spPr>
+        <p:txBody>
+          <a:bodyPr spcFirstLastPara="1" wrap="square" lIns="94378" tIns="47176" rIns="94378" bIns="47176" anchor="t" anchorCtr="0">
+            <a:spAutoFit/>
+          </a:bodyPr>
+          <a:lstStyle/>
+          <a:p>
+            <a:pPr algn="ctr">
+              <a:buClr>
+                <a:srgbClr val="000000"/>
+              </a:buClr>
+              <a:buSzPts val="1200"/>
+            </a:pPr>
+            <a:r>
+              <a:rPr lang="pt-BR" sz="1400" b="1" dirty="0">
+                <a:solidFill>
+                  <a:srgbClr val="00B050"/>
+                </a:solidFill>
+                <a:latin typeface="Avenir"/>
+                <a:sym typeface="Avenir"/>
+              </a:rPr>
+              <a:t>TIEN</a:t>
+            </a:r>
+            <a:endParaRPr sz="1600" dirty="0">
               <a:solidFill>
                 <a:srgbClr val="00B050"/>
               </a:solidFill>
@@ -17901,7 +18774,7 @@
         </p:nvSpPr>
         <p:spPr>
           <a:xfrm>
-            <a:off x="87031" y="51597"/>
+            <a:off x="87032" y="1311280"/>
             <a:ext cx="11346423" cy="10982129"/>
           </a:xfrm>
           <a:prstGeom prst="roundRect">
@@ -17962,7 +18835,7 @@
         </p:nvSpPr>
         <p:spPr>
           <a:xfrm>
-            <a:off x="199856" y="126399"/>
+            <a:off x="199857" y="1386082"/>
             <a:ext cx="3410357" cy="383631"/>
           </a:xfrm>
           <a:prstGeom prst="rect">
@@ -18045,7 +18918,7 @@
         </p:nvSpPr>
         <p:spPr>
           <a:xfrm>
-            <a:off x="683051" y="2366545"/>
+            <a:off x="683052" y="3626228"/>
             <a:ext cx="631425" cy="310717"/>
           </a:xfrm>
           <a:prstGeom prst="rect">
@@ -18104,7 +18977,7 @@
         </p:nvSpPr>
         <p:spPr>
           <a:xfrm>
-            <a:off x="8569470" y="5425652"/>
+            <a:off x="8569471" y="6685335"/>
             <a:ext cx="631425" cy="310717"/>
           </a:xfrm>
           <a:prstGeom prst="rect">
@@ -18163,7 +19036,7 @@
         </p:nvSpPr>
         <p:spPr>
           <a:xfrm>
-            <a:off x="10157736" y="6884305"/>
+            <a:off x="10157737" y="8143988"/>
             <a:ext cx="631425" cy="310717"/>
           </a:xfrm>
           <a:prstGeom prst="rect">
@@ -18222,7 +19095,7 @@
         </p:nvSpPr>
         <p:spPr>
           <a:xfrm>
-            <a:off x="9868990" y="2822505"/>
+            <a:off x="9868991" y="4082188"/>
             <a:ext cx="631425" cy="310717"/>
           </a:xfrm>
           <a:prstGeom prst="rect">
@@ -18281,7 +19154,7 @@
         </p:nvSpPr>
         <p:spPr>
           <a:xfrm>
-            <a:off x="8463068" y="8884528"/>
+            <a:off x="8463069" y="10144211"/>
             <a:ext cx="631425" cy="310717"/>
           </a:xfrm>
           <a:prstGeom prst="rect">
@@ -18340,7 +19213,7 @@
         </p:nvSpPr>
         <p:spPr>
           <a:xfrm>
-            <a:off x="6419072" y="8884528"/>
+            <a:off x="6419073" y="10144211"/>
             <a:ext cx="631425" cy="310717"/>
           </a:xfrm>
           <a:prstGeom prst="rect">
@@ -18406,7 +19279,7 @@
           </p:nvPr>
         </p:nvGraphicFramePr>
         <p:xfrm>
-          <a:off x="557439" y="1172745"/>
+          <a:off x="557439" y="2432427"/>
           <a:ext cx="882650" cy="1193800"/>
         </p:xfrm>
         <a:graphic>
@@ -18440,7 +19313,7 @@
                     </p:blipFill>
                     <p:spPr>
                       <a:xfrm>
-                        <a:off x="557439" y="1172745"/>
+                        <a:off x="557439" y="2432427"/>
                         <a:ext cx="882650" cy="1193800"/>
                       </a:xfrm>
                       <a:prstGeom prst="rect">
@@ -18475,7 +19348,7 @@
           </p:nvPr>
         </p:nvGraphicFramePr>
         <p:xfrm>
-          <a:off x="1905034" y="967164"/>
+          <a:off x="1905035" y="2226846"/>
           <a:ext cx="1846263" cy="1604962"/>
         </p:xfrm>
         <a:graphic>
@@ -18509,7 +19382,7 @@
                     </p:blipFill>
                     <p:spPr>
                       <a:xfrm>
-                        <a:off x="1905034" y="967164"/>
+                        <a:off x="1905035" y="2226846"/>
                         <a:ext cx="1846263" cy="1604962"/>
                       </a:xfrm>
                       <a:prstGeom prst="rect">
@@ -18537,7 +19410,7 @@
         </p:nvSpPr>
         <p:spPr>
           <a:xfrm>
-            <a:off x="2528233" y="2655404"/>
+            <a:off x="2528234" y="3915087"/>
             <a:ext cx="631425" cy="310717"/>
           </a:xfrm>
           <a:prstGeom prst="rect">
@@ -18603,7 +19476,7 @@
           </p:nvPr>
         </p:nvGraphicFramePr>
         <p:xfrm>
-          <a:off x="4174680" y="834286"/>
+          <a:off x="4174681" y="2093969"/>
           <a:ext cx="2212975" cy="1920875"/>
         </p:xfrm>
         <a:graphic>
@@ -18637,7 +19510,7 @@
                     </p:blipFill>
                     <p:spPr>
                       <a:xfrm>
-                        <a:off x="4174680" y="834286"/>
+                        <a:off x="4174681" y="2093969"/>
                         <a:ext cx="2212975" cy="1920875"/>
                       </a:xfrm>
                       <a:prstGeom prst="rect">
@@ -18665,7 +19538,7 @@
         </p:nvSpPr>
         <p:spPr>
           <a:xfrm>
-            <a:off x="4965454" y="2854499"/>
+            <a:off x="4965455" y="4114182"/>
             <a:ext cx="631425" cy="310717"/>
           </a:xfrm>
           <a:prstGeom prst="rect">
@@ -18731,7 +19604,7 @@
           </p:nvPr>
         </p:nvGraphicFramePr>
         <p:xfrm>
-          <a:off x="6910388" y="615950"/>
+          <a:off x="6910389" y="1875633"/>
           <a:ext cx="2270125" cy="2359025"/>
         </p:xfrm>
         <a:graphic>
@@ -18765,7 +19638,7 @@
                     </p:blipFill>
                     <p:spPr>
                       <a:xfrm>
-                        <a:off x="6910388" y="615950"/>
+                        <a:off x="6910389" y="1875633"/>
                         <a:ext cx="2270125" cy="2359025"/>
                       </a:xfrm>
                       <a:prstGeom prst="rect">
@@ -18793,7 +19666,7 @@
         </p:nvSpPr>
         <p:spPr>
           <a:xfrm>
-            <a:off x="7568029" y="3047748"/>
+            <a:off x="7568030" y="4307431"/>
             <a:ext cx="631425" cy="310717"/>
           </a:xfrm>
           <a:prstGeom prst="rect">
@@ -18859,7 +19732,7 @@
           </p:nvPr>
         </p:nvGraphicFramePr>
         <p:xfrm>
-          <a:off x="242262" y="3185401"/>
+          <a:off x="242262" y="4445083"/>
           <a:ext cx="2078038" cy="2417762"/>
         </p:xfrm>
         <a:graphic>
@@ -18893,7 +19766,7 @@
                     </p:blipFill>
                     <p:spPr>
                       <a:xfrm>
-                        <a:off x="242262" y="3185401"/>
+                        <a:off x="242262" y="4445083"/>
                         <a:ext cx="2078038" cy="2417762"/>
                       </a:xfrm>
                       <a:prstGeom prst="rect">
@@ -18921,7 +19794,7 @@
         </p:nvSpPr>
         <p:spPr>
           <a:xfrm>
-            <a:off x="787008" y="5710125"/>
+            <a:off x="787008" y="6969808"/>
             <a:ext cx="805536" cy="310717"/>
           </a:xfrm>
           <a:prstGeom prst="rect">
@@ -18987,7 +19860,7 @@
           </p:nvPr>
         </p:nvGraphicFramePr>
         <p:xfrm>
-          <a:off x="2894679" y="3183983"/>
+          <a:off x="2894680" y="4443665"/>
           <a:ext cx="2427287" cy="2220912"/>
         </p:xfrm>
         <a:graphic>
@@ -19021,7 +19894,7 @@
                     </p:blipFill>
                     <p:spPr>
                       <a:xfrm>
-                        <a:off x="2894679" y="3183983"/>
+                        <a:off x="2894680" y="4443665"/>
                         <a:ext cx="2427287" cy="2220912"/>
                       </a:xfrm>
                       <a:prstGeom prst="rect">
@@ -19049,7 +19922,7 @@
         </p:nvSpPr>
         <p:spPr>
           <a:xfrm>
-            <a:off x="3792610" y="5595053"/>
+            <a:off x="3792610" y="6854736"/>
             <a:ext cx="805536" cy="310717"/>
           </a:xfrm>
           <a:prstGeom prst="rect">
@@ -19115,7 +19988,7 @@
           </p:nvPr>
         </p:nvGraphicFramePr>
         <p:xfrm>
-          <a:off x="522514" y="6558183"/>
+          <a:off x="522514" y="7817865"/>
           <a:ext cx="1835150" cy="2298700"/>
         </p:xfrm>
         <a:graphic>
@@ -19149,7 +20022,7 @@
                     </p:blipFill>
                     <p:spPr>
                       <a:xfrm>
-                        <a:off x="522514" y="6558183"/>
+                        <a:off x="522514" y="7817865"/>
                         <a:ext cx="1835150" cy="2298700"/>
                       </a:xfrm>
                       <a:prstGeom prst="rect">
@@ -19177,7 +20050,7 @@
         </p:nvSpPr>
         <p:spPr>
           <a:xfrm>
-            <a:off x="1186072" y="8992338"/>
+            <a:off x="1186073" y="10252021"/>
             <a:ext cx="631425" cy="310717"/>
           </a:xfrm>
           <a:prstGeom prst="rect">
@@ -19243,7 +20116,7 @@
           </p:nvPr>
         </p:nvGraphicFramePr>
         <p:xfrm>
-          <a:off x="9423800" y="615950"/>
+          <a:off x="9423801" y="1875632"/>
           <a:ext cx="1514475" cy="1897062"/>
         </p:xfrm>
         <a:graphic>
@@ -19277,7 +20150,7 @@
                     </p:blipFill>
                     <p:spPr>
                       <a:xfrm>
-                        <a:off x="9423800" y="615950"/>
+                        <a:off x="9423801" y="1875632"/>
                         <a:ext cx="1514475" cy="1897062"/>
                       </a:xfrm>
                       <a:prstGeom prst="rect">
@@ -19312,7 +20185,7 @@
           </p:nvPr>
         </p:nvGraphicFramePr>
         <p:xfrm>
-          <a:off x="8266058" y="3611140"/>
+          <a:off x="8266058" y="4870822"/>
           <a:ext cx="1238250" cy="1814512"/>
         </p:xfrm>
         <a:graphic>
@@ -19346,7 +20219,7 @@
                     </p:blipFill>
                     <p:spPr>
                       <a:xfrm>
-                        <a:off x="8266058" y="3611140"/>
+                        <a:off x="8266058" y="4870822"/>
                         <a:ext cx="1238250" cy="1814512"/>
                       </a:xfrm>
                       <a:prstGeom prst="rect">
@@ -19381,7 +20254,7 @@
           </p:nvPr>
         </p:nvGraphicFramePr>
         <p:xfrm>
-          <a:off x="5699508" y="6366503"/>
+          <a:off x="5699508" y="7626185"/>
           <a:ext cx="1835150" cy="2224088"/>
         </p:xfrm>
         <a:graphic>
@@ -19415,7 +20288,7 @@
                     </p:blipFill>
                     <p:spPr>
                       <a:xfrm>
-                        <a:off x="5699508" y="6366503"/>
+                        <a:off x="5699508" y="7626185"/>
                         <a:ext cx="1835150" cy="2224088"/>
                       </a:xfrm>
                       <a:prstGeom prst="rect">
@@ -19450,7 +20323,7 @@
           </p:nvPr>
         </p:nvGraphicFramePr>
         <p:xfrm>
-          <a:off x="7648906" y="6356350"/>
+          <a:off x="7648907" y="7616032"/>
           <a:ext cx="1830387" cy="2393950"/>
         </p:xfrm>
         <a:graphic>
@@ -19484,7 +20357,7 @@
                     </p:blipFill>
                     <p:spPr>
                       <a:xfrm>
-                        <a:off x="7648906" y="6356350"/>
+                        <a:off x="7648907" y="7616032"/>
                         <a:ext cx="1830387" cy="2393950"/>
                       </a:xfrm>
                       <a:prstGeom prst="rect">
@@ -19519,7 +20392,7 @@
           </p:nvPr>
         </p:nvGraphicFramePr>
         <p:xfrm>
-          <a:off x="9479293" y="4419682"/>
+          <a:off x="9479294" y="5679364"/>
           <a:ext cx="1839913" cy="2366962"/>
         </p:xfrm>
         <a:graphic>
@@ -19553,7 +20426,7 @@
                     </p:blipFill>
                     <p:spPr>
                       <a:xfrm>
-                        <a:off x="9479293" y="4419682"/>
+                        <a:off x="9479294" y="5679364"/>
                         <a:ext cx="1839913" cy="2366962"/>
                       </a:xfrm>
                       <a:prstGeom prst="rect">
@@ -19588,7 +20461,7 @@
           </p:nvPr>
         </p:nvGraphicFramePr>
         <p:xfrm>
-          <a:off x="5760244" y="3587861"/>
+          <a:off x="5760245" y="4847543"/>
           <a:ext cx="2138363" cy="1525588"/>
         </p:xfrm>
         <a:graphic>
@@ -19622,7 +20495,7 @@
                     </p:blipFill>
                     <p:spPr>
                       <a:xfrm>
-                        <a:off x="5760244" y="3587861"/>
+                        <a:off x="5760245" y="4847543"/>
                         <a:ext cx="2138363" cy="1525588"/>
                       </a:xfrm>
                       <a:prstGeom prst="rect">
@@ -19650,7 +20523,7 @@
         </p:nvSpPr>
         <p:spPr>
           <a:xfrm>
-            <a:off x="6515971" y="5405102"/>
+            <a:off x="6515972" y="6664785"/>
             <a:ext cx="631425" cy="310717"/>
           </a:xfrm>
           <a:prstGeom prst="rect">
@@ -19716,7 +20589,7 @@
           </p:nvPr>
         </p:nvGraphicFramePr>
         <p:xfrm>
-          <a:off x="2374900" y="5999163"/>
+          <a:off x="2374901" y="7258845"/>
           <a:ext cx="3446463" cy="2940050"/>
         </p:xfrm>
         <a:graphic>
@@ -19750,7 +20623,7 @@
                     </p:blipFill>
                     <p:spPr>
                       <a:xfrm>
-                        <a:off x="2374900" y="5999163"/>
+                        <a:off x="2374901" y="7258845"/>
                         <a:ext cx="3446463" cy="2940050"/>
                       </a:xfrm>
                       <a:prstGeom prst="rect">
@@ -19778,7 +20651,7 @@
         </p:nvSpPr>
         <p:spPr>
           <a:xfrm>
-            <a:off x="3540226" y="9030592"/>
+            <a:off x="3540227" y="10290275"/>
             <a:ext cx="631425" cy="310717"/>
           </a:xfrm>
           <a:prstGeom prst="rect">
@@ -19837,7 +20710,7 @@
         </p:nvSpPr>
         <p:spPr>
           <a:xfrm>
-            <a:off x="10040559" y="8992338"/>
+            <a:off x="10040560" y="10252021"/>
             <a:ext cx="631425" cy="310717"/>
           </a:xfrm>
           <a:prstGeom prst="rect">
@@ -19905,7 +20778,7 @@
           </p:nvPr>
         </p:nvGraphicFramePr>
         <p:xfrm>
-          <a:off x="9944100" y="7872413"/>
+          <a:off x="9944100" y="9132096"/>
           <a:ext cx="825500" cy="1042987"/>
         </p:xfrm>
         <a:graphic>
@@ -19939,7 +20812,7 @@
                     </p:blipFill>
                     <p:spPr>
                       <a:xfrm>
-                        <a:off x="9944100" y="7872413"/>
+                        <a:off x="9944100" y="9132096"/>
                         <a:ext cx="825500" cy="1042987"/>
                       </a:xfrm>
                       <a:prstGeom prst="rect">
@@ -19999,7 +20872,7 @@
         </p:nvSpPr>
         <p:spPr>
           <a:xfrm>
-            <a:off x="87031" y="51597"/>
+            <a:off x="87032" y="1311280"/>
             <a:ext cx="11346423" cy="10982129"/>
           </a:xfrm>
           <a:prstGeom prst="roundRect">
@@ -20067,7 +20940,7 @@
           </p:nvPr>
         </p:nvGraphicFramePr>
         <p:xfrm>
-          <a:off x="7821109" y="946301"/>
+          <a:off x="7821110" y="2205984"/>
           <a:ext cx="2185987" cy="2105631"/>
         </p:xfrm>
         <a:graphic>
@@ -20101,7 +20974,7 @@
                     </p:blipFill>
                     <p:spPr>
                       <a:xfrm>
-                        <a:off x="7821109" y="946301"/>
+                        <a:off x="7821110" y="2205984"/>
                         <a:ext cx="2185987" cy="2105631"/>
                       </a:xfrm>
                       <a:prstGeom prst="rect">
@@ -20136,7 +21009,7 @@
           </p:nvPr>
         </p:nvGraphicFramePr>
         <p:xfrm>
-          <a:off x="843643" y="1339850"/>
+          <a:off x="843643" y="2599532"/>
           <a:ext cx="774700" cy="1365250"/>
         </p:xfrm>
         <a:graphic>
@@ -20170,7 +21043,7 @@
                     </p:blipFill>
                     <p:spPr>
                       <a:xfrm>
-                        <a:off x="843643" y="1339850"/>
+                        <a:off x="843643" y="2599532"/>
                         <a:ext cx="774700" cy="1365250"/>
                       </a:xfrm>
                       <a:prstGeom prst="rect">
@@ -20205,7 +21078,7 @@
           </p:nvPr>
         </p:nvGraphicFramePr>
         <p:xfrm>
-          <a:off x="2393702" y="1166132"/>
+          <a:off x="2393703" y="2425814"/>
           <a:ext cx="1647825" cy="2235200"/>
         </p:xfrm>
         <a:graphic>
@@ -20239,7 +21112,7 @@
                     </p:blipFill>
                     <p:spPr>
                       <a:xfrm>
-                        <a:off x="2393702" y="1166132"/>
+                        <a:off x="2393703" y="2425814"/>
                         <a:ext cx="1647825" cy="2235200"/>
                       </a:xfrm>
                       <a:prstGeom prst="rect">
@@ -20274,7 +21147,7 @@
           </p:nvPr>
         </p:nvGraphicFramePr>
         <p:xfrm>
-          <a:off x="4458510" y="1048657"/>
+          <a:off x="4458511" y="2308339"/>
           <a:ext cx="2185987" cy="2470150"/>
         </p:xfrm>
         <a:graphic>
@@ -20308,7 +21181,7 @@
                     </p:blipFill>
                     <p:spPr>
                       <a:xfrm>
-                        <a:off x="4458510" y="1048657"/>
+                        <a:off x="4458511" y="2308339"/>
                         <a:ext cx="2185987" cy="2470150"/>
                       </a:xfrm>
                       <a:prstGeom prst="rect">
@@ -20343,7 +21216,7 @@
           </p:nvPr>
         </p:nvGraphicFramePr>
         <p:xfrm>
-          <a:off x="553083" y="3534920"/>
+          <a:off x="553084" y="4794602"/>
           <a:ext cx="1201737" cy="2151062"/>
         </p:xfrm>
         <a:graphic>
@@ -20377,7 +21250,7 @@
                     </p:blipFill>
                     <p:spPr>
                       <a:xfrm>
-                        <a:off x="553083" y="3534920"/>
+                        <a:off x="553084" y="4794602"/>
                         <a:ext cx="1201737" cy="2151062"/>
                       </a:xfrm>
                       <a:prstGeom prst="rect">
@@ -20405,7 +21278,7 @@
         </p:nvSpPr>
         <p:spPr>
           <a:xfrm>
-            <a:off x="199856" y="126399"/>
+            <a:off x="199856" y="1386082"/>
             <a:ext cx="4083618" cy="383631"/>
           </a:xfrm>
           <a:prstGeom prst="rect">
@@ -20488,7 +21361,7 @@
         </p:nvSpPr>
         <p:spPr>
           <a:xfrm>
-            <a:off x="2876652" y="2896574"/>
+            <a:off x="2876652" y="4156257"/>
             <a:ext cx="631426" cy="310717"/>
           </a:xfrm>
           <a:prstGeom prst="rect">
@@ -20547,7 +21420,7 @@
         </p:nvSpPr>
         <p:spPr>
           <a:xfrm>
-            <a:off x="5253752" y="2904805"/>
+            <a:off x="5253752" y="4164488"/>
             <a:ext cx="631426" cy="310717"/>
           </a:xfrm>
           <a:prstGeom prst="rect">
@@ -20606,7 +21479,7 @@
         </p:nvSpPr>
         <p:spPr>
           <a:xfrm>
-            <a:off x="814992" y="5063219"/>
+            <a:off x="814992" y="6322902"/>
             <a:ext cx="631426" cy="310717"/>
           </a:xfrm>
           <a:prstGeom prst="rect">
@@ -20665,7 +21538,7 @@
         </p:nvSpPr>
         <p:spPr>
           <a:xfrm>
-            <a:off x="8527110" y="2594029"/>
+            <a:off x="8527110" y="3853712"/>
             <a:ext cx="631426" cy="310717"/>
           </a:xfrm>
           <a:prstGeom prst="rect">
@@ -20724,7 +21597,7 @@
         </p:nvSpPr>
         <p:spPr>
           <a:xfrm>
-            <a:off x="891706" y="2705100"/>
+            <a:off x="891706" y="3964783"/>
             <a:ext cx="631426" cy="310717"/>
           </a:xfrm>
           <a:prstGeom prst="rect">
@@ -20790,7 +21663,7 @@
           </p:nvPr>
         </p:nvGraphicFramePr>
         <p:xfrm>
-          <a:off x="2987675" y="3557588"/>
+          <a:off x="2987675" y="4817270"/>
           <a:ext cx="1612900" cy="2279650"/>
         </p:xfrm>
         <a:graphic>
@@ -20824,7 +21697,7 @@
                     </p:blipFill>
                     <p:spPr>
                       <a:xfrm>
-                        <a:off x="2987675" y="3557588"/>
+                        <a:off x="2987675" y="4817270"/>
                         <a:ext cx="1612900" cy="2279650"/>
                       </a:xfrm>
                       <a:prstGeom prst="rect">
@@ -20852,7 +21725,7 @@
         </p:nvSpPr>
         <p:spPr>
           <a:xfrm>
-            <a:off x="3478412" y="5131774"/>
+            <a:off x="3478412" y="6391457"/>
             <a:ext cx="631426" cy="310717"/>
           </a:xfrm>
           <a:prstGeom prst="rect">
@@ -21167,7 +22040,7 @@
   <a:extraClrSchemeLst/>
   <a:extLst>
     <a:ext uri="{05A4C25C-085E-4340-85A3-A5531E510DB2}">
-      <thm15:themeFamily xmlns:thm15="http://schemas.microsoft.com/office/thememl/2012/main" name="Office Theme" id="{62F939B6-93AF-4DB8-9C6B-D6C7DFDC589F}" vid="{4A3C46E8-61CC-4603-A589-7422A47A8E4A}"/>
+      <thm15:themeFamily xmlns:thm15="http://schemas.microsoft.com/office/thememl/2012/main" name="Office Theme 2013 - 2022" id="{62F939B6-93AF-4DB8-9C6B-D6C7DFDC589F}" vid="{4A3C46E8-61CC-4603-A589-7422A47A8E4A}"/>
     </a:ext>
   </a:extLst>
 </a:theme>

--- a/docs/Blocos_de_constru.pptx
+++ b/docs/Blocos_de_constru.pptx
@@ -2,7 +2,7 @@
 <file path=ppt/presentation.xml><?xml version="1.0" encoding="utf-8"?>
 <p:presentation xmlns:a="http://schemas.openxmlformats.org/drawingml/2006/main" xmlns:r="http://schemas.openxmlformats.org/officeDocument/2006/relationships" xmlns:p="http://schemas.openxmlformats.org/presentationml/2006/main" saveSubsetFonts="1">
   <p:sldMasterIdLst>
-    <p:sldMasterId id="2147483744" r:id="rId1"/>
+    <p:sldMasterId id="2147483732" r:id="rId1"/>
   </p:sldMasterIdLst>
   <p:sldIdLst>
     <p:sldId id="256" r:id="rId2"/>
@@ -12,7 +12,7 @@
     <p:sldId id="258" r:id="rId6"/>
     <p:sldId id="260" r:id="rId7"/>
   </p:sldIdLst>
-  <p:sldSz cx="11520488" cy="13679488"/>
+  <p:sldSz cx="11520488" cy="11160125"/>
   <p:notesSz cx="6858000" cy="9144000"/>
   <p:defaultTextStyle>
     <a:defPPr>
@@ -122,7 +122,7 @@
   <pc:docChgLst>
     <pc:chgData name="Felipe Lopes de Oliveira" userId="7927722fe4027b30" providerId="LiveId" clId="{988CB3FB-85FE-4B18-8889-744054AB9037}"/>
     <pc:docChg chg="undo custSel addSld modSld">
-      <pc:chgData name="Felipe Lopes de Oliveira" userId="7927722fe4027b30" providerId="LiveId" clId="{988CB3FB-85FE-4B18-8889-744054AB9037}" dt="2023-03-10T18:38:16.663" v="3378" actId="5736"/>
+      <pc:chgData name="Felipe Lopes de Oliveira" userId="7927722fe4027b30" providerId="LiveId" clId="{988CB3FB-85FE-4B18-8889-744054AB9037}" dt="2023-03-04T01:24:46.796" v="579"/>
       <pc:docMkLst>
         <pc:docMk/>
       </pc:docMkLst>
@@ -141,805 +141,14 @@
           </ac:spMkLst>
         </pc:spChg>
       </pc:sldChg>
-      <pc:sldChg chg="addSp delSp modSp mod">
-        <pc:chgData name="Felipe Lopes de Oliveira" userId="7927722fe4027b30" providerId="LiveId" clId="{988CB3FB-85FE-4B18-8889-744054AB9037}" dt="2023-03-10T18:38:16.663" v="3378" actId="5736"/>
-        <pc:sldMkLst>
-          <pc:docMk/>
-          <pc:sldMk cId="1480784656" sldId="257"/>
-        </pc:sldMkLst>
-        <pc:spChg chg="mod">
-          <ac:chgData name="Felipe Lopes de Oliveira" userId="7927722fe4027b30" providerId="LiveId" clId="{988CB3FB-85FE-4B18-8889-744054AB9037}" dt="2023-03-10T18:38:16.663" v="3378" actId="5736"/>
-          <ac:spMkLst>
-            <pc:docMk/>
-            <pc:sldMk cId="1480784656" sldId="257"/>
-            <ac:spMk id="3" creationId="{96AB0A9E-137A-CD02-179E-AFABBF5A32BC}"/>
-          </ac:spMkLst>
-        </pc:spChg>
-        <pc:spChg chg="mod">
-          <ac:chgData name="Felipe Lopes de Oliveira" userId="7927722fe4027b30" providerId="LiveId" clId="{988CB3FB-85FE-4B18-8889-744054AB9037}" dt="2023-03-10T18:38:16.663" v="3378" actId="5736"/>
-          <ac:spMkLst>
-            <pc:docMk/>
-            <pc:sldMk cId="1480784656" sldId="257"/>
-            <ac:spMk id="5" creationId="{90E86114-E759-48F3-9652-76E5F3AA3658}"/>
-          </ac:spMkLst>
-        </pc:spChg>
-        <pc:spChg chg="mod">
-          <ac:chgData name="Felipe Lopes de Oliveira" userId="7927722fe4027b30" providerId="LiveId" clId="{988CB3FB-85FE-4B18-8889-744054AB9037}" dt="2023-03-10T18:38:16.663" v="3378" actId="5736"/>
-          <ac:spMkLst>
-            <pc:docMk/>
-            <pc:sldMk cId="1480784656" sldId="257"/>
-            <ac:spMk id="6" creationId="{FC41228B-6CCA-B4EC-2637-DFBDBC57C157}"/>
-          </ac:spMkLst>
-        </pc:spChg>
-        <pc:spChg chg="mod">
-          <ac:chgData name="Felipe Lopes de Oliveira" userId="7927722fe4027b30" providerId="LiveId" clId="{988CB3FB-85FE-4B18-8889-744054AB9037}" dt="2023-03-10T18:38:16.663" v="3378" actId="5736"/>
-          <ac:spMkLst>
-            <pc:docMk/>
-            <pc:sldMk cId="1480784656" sldId="257"/>
-            <ac:spMk id="7" creationId="{873057E6-C705-49AB-B737-335D3A936A56}"/>
-          </ac:spMkLst>
-        </pc:spChg>
-        <pc:spChg chg="mod">
-          <ac:chgData name="Felipe Lopes de Oliveira" userId="7927722fe4027b30" providerId="LiveId" clId="{988CB3FB-85FE-4B18-8889-744054AB9037}" dt="2023-03-10T18:38:16.663" v="3378" actId="5736"/>
-          <ac:spMkLst>
-            <pc:docMk/>
-            <pc:sldMk cId="1480784656" sldId="257"/>
-            <ac:spMk id="8" creationId="{CA57D8A2-018A-4948-BDD8-6A5FC01FBA1C}"/>
-          </ac:spMkLst>
-        </pc:spChg>
-        <pc:spChg chg="mod">
-          <ac:chgData name="Felipe Lopes de Oliveira" userId="7927722fe4027b30" providerId="LiveId" clId="{988CB3FB-85FE-4B18-8889-744054AB9037}" dt="2023-03-10T18:38:16.663" v="3378" actId="5736"/>
-          <ac:spMkLst>
-            <pc:docMk/>
-            <pc:sldMk cId="1480784656" sldId="257"/>
-            <ac:spMk id="9" creationId="{187A3F4A-6AD7-4707-B221-7A0786DE9EAF}"/>
-          </ac:spMkLst>
-        </pc:spChg>
-        <pc:spChg chg="mod">
-          <ac:chgData name="Felipe Lopes de Oliveira" userId="7927722fe4027b30" providerId="LiveId" clId="{988CB3FB-85FE-4B18-8889-744054AB9037}" dt="2023-03-10T18:38:16.663" v="3378" actId="5736"/>
-          <ac:spMkLst>
-            <pc:docMk/>
-            <pc:sldMk cId="1480784656" sldId="257"/>
-            <ac:spMk id="10" creationId="{285D3D9F-6A14-4DF3-A659-671954073697}"/>
-          </ac:spMkLst>
-        </pc:spChg>
-        <pc:spChg chg="mod">
-          <ac:chgData name="Felipe Lopes de Oliveira" userId="7927722fe4027b30" providerId="LiveId" clId="{988CB3FB-85FE-4B18-8889-744054AB9037}" dt="2023-03-10T18:38:16.663" v="3378" actId="5736"/>
-          <ac:spMkLst>
-            <pc:docMk/>
-            <pc:sldMk cId="1480784656" sldId="257"/>
-            <ac:spMk id="11" creationId="{942F872D-FCA4-4F84-B865-EE62D395005B}"/>
-          </ac:spMkLst>
-        </pc:spChg>
-        <pc:spChg chg="mod">
-          <ac:chgData name="Felipe Lopes de Oliveira" userId="7927722fe4027b30" providerId="LiveId" clId="{988CB3FB-85FE-4B18-8889-744054AB9037}" dt="2023-03-10T18:38:16.663" v="3378" actId="5736"/>
-          <ac:spMkLst>
-            <pc:docMk/>
-            <pc:sldMk cId="1480784656" sldId="257"/>
-            <ac:spMk id="12" creationId="{28B98CE9-EB53-4887-8C75-F61CBB82E76F}"/>
-          </ac:spMkLst>
-        </pc:spChg>
-        <pc:spChg chg="mod">
-          <ac:chgData name="Felipe Lopes de Oliveira" userId="7927722fe4027b30" providerId="LiveId" clId="{988CB3FB-85FE-4B18-8889-744054AB9037}" dt="2023-03-10T18:38:16.663" v="3378" actId="5736"/>
-          <ac:spMkLst>
-            <pc:docMk/>
-            <pc:sldMk cId="1480784656" sldId="257"/>
-            <ac:spMk id="13" creationId="{10A2F330-14EB-4117-829D-10CDC52059AE}"/>
-          </ac:spMkLst>
-        </pc:spChg>
-        <pc:spChg chg="mod">
-          <ac:chgData name="Felipe Lopes de Oliveira" userId="7927722fe4027b30" providerId="LiveId" clId="{988CB3FB-85FE-4B18-8889-744054AB9037}" dt="2023-03-10T18:38:16.663" v="3378" actId="5736"/>
-          <ac:spMkLst>
-            <pc:docMk/>
-            <pc:sldMk cId="1480784656" sldId="257"/>
-            <ac:spMk id="14" creationId="{CB6FBE38-B1CF-4BAD-8C98-622B11F45CCF}"/>
-          </ac:spMkLst>
-        </pc:spChg>
-        <pc:spChg chg="mod">
-          <ac:chgData name="Felipe Lopes de Oliveira" userId="7927722fe4027b30" providerId="LiveId" clId="{988CB3FB-85FE-4B18-8889-744054AB9037}" dt="2023-03-10T18:38:16.663" v="3378" actId="5736"/>
-          <ac:spMkLst>
-            <pc:docMk/>
-            <pc:sldMk cId="1480784656" sldId="257"/>
-            <ac:spMk id="15" creationId="{B5A6F5BE-4CAE-4775-8790-AB062E065FB1}"/>
-          </ac:spMkLst>
-        </pc:spChg>
-        <pc:spChg chg="mod">
-          <ac:chgData name="Felipe Lopes de Oliveira" userId="7927722fe4027b30" providerId="LiveId" clId="{988CB3FB-85FE-4B18-8889-744054AB9037}" dt="2023-03-10T18:38:16.663" v="3378" actId="5736"/>
-          <ac:spMkLst>
-            <pc:docMk/>
-            <pc:sldMk cId="1480784656" sldId="257"/>
-            <ac:spMk id="16" creationId="{46B35DF9-6009-4C9C-9C48-74E0D1E38309}"/>
-          </ac:spMkLst>
-        </pc:spChg>
-        <pc:spChg chg="mod">
-          <ac:chgData name="Felipe Lopes de Oliveira" userId="7927722fe4027b30" providerId="LiveId" clId="{988CB3FB-85FE-4B18-8889-744054AB9037}" dt="2023-03-10T18:38:16.663" v="3378" actId="5736"/>
-          <ac:spMkLst>
-            <pc:docMk/>
-            <pc:sldMk cId="1480784656" sldId="257"/>
-            <ac:spMk id="17" creationId="{8F3D2256-742C-446C-BEFC-9C03B7D88B1C}"/>
-          </ac:spMkLst>
-        </pc:spChg>
-        <pc:spChg chg="mod">
-          <ac:chgData name="Felipe Lopes de Oliveira" userId="7927722fe4027b30" providerId="LiveId" clId="{988CB3FB-85FE-4B18-8889-744054AB9037}" dt="2023-03-10T18:38:16.663" v="3378" actId="5736"/>
-          <ac:spMkLst>
-            <pc:docMk/>
-            <pc:sldMk cId="1480784656" sldId="257"/>
-            <ac:spMk id="18" creationId="{37D0A67E-D248-41D6-B211-C679A3B658E1}"/>
-          </ac:spMkLst>
-        </pc:spChg>
-        <pc:spChg chg="mod">
-          <ac:chgData name="Felipe Lopes de Oliveira" userId="7927722fe4027b30" providerId="LiveId" clId="{988CB3FB-85FE-4B18-8889-744054AB9037}" dt="2023-03-10T18:38:16.663" v="3378" actId="5736"/>
-          <ac:spMkLst>
-            <pc:docMk/>
-            <pc:sldMk cId="1480784656" sldId="257"/>
-            <ac:spMk id="19" creationId="{742C7C49-7482-428E-B39B-FC77E04AE5F4}"/>
-          </ac:spMkLst>
-        </pc:spChg>
-        <pc:spChg chg="mod">
-          <ac:chgData name="Felipe Lopes de Oliveira" userId="7927722fe4027b30" providerId="LiveId" clId="{988CB3FB-85FE-4B18-8889-744054AB9037}" dt="2023-03-10T18:38:16.663" v="3378" actId="5736"/>
-          <ac:spMkLst>
-            <pc:docMk/>
-            <pc:sldMk cId="1480784656" sldId="257"/>
-            <ac:spMk id="20" creationId="{7D708E41-EA25-4027-9DFE-6D666ADD2CD1}"/>
-          </ac:spMkLst>
-        </pc:spChg>
-        <pc:spChg chg="mod">
-          <ac:chgData name="Felipe Lopes de Oliveira" userId="7927722fe4027b30" providerId="LiveId" clId="{988CB3FB-85FE-4B18-8889-744054AB9037}" dt="2023-03-10T18:38:16.663" v="3378" actId="5736"/>
-          <ac:spMkLst>
-            <pc:docMk/>
-            <pc:sldMk cId="1480784656" sldId="257"/>
-            <ac:spMk id="21" creationId="{90F1C029-C776-4AD3-9376-2E84418868B0}"/>
-          </ac:spMkLst>
-        </pc:spChg>
-        <pc:spChg chg="mod">
-          <ac:chgData name="Felipe Lopes de Oliveira" userId="7927722fe4027b30" providerId="LiveId" clId="{988CB3FB-85FE-4B18-8889-744054AB9037}" dt="2023-03-10T18:38:16.663" v="3378" actId="5736"/>
-          <ac:spMkLst>
-            <pc:docMk/>
-            <pc:sldMk cId="1480784656" sldId="257"/>
-            <ac:spMk id="22" creationId="{794172CB-E025-4BBE-B2BE-B6BFAFADC70E}"/>
-          </ac:spMkLst>
-        </pc:spChg>
-        <pc:spChg chg="mod">
-          <ac:chgData name="Felipe Lopes de Oliveira" userId="7927722fe4027b30" providerId="LiveId" clId="{988CB3FB-85FE-4B18-8889-744054AB9037}" dt="2023-03-10T18:38:16.663" v="3378" actId="5736"/>
-          <ac:spMkLst>
-            <pc:docMk/>
-            <pc:sldMk cId="1480784656" sldId="257"/>
-            <ac:spMk id="23" creationId="{B83B8EF0-7BB6-4FEF-9279-8D77443FC181}"/>
-          </ac:spMkLst>
-        </pc:spChg>
-        <pc:spChg chg="mod">
-          <ac:chgData name="Felipe Lopes de Oliveira" userId="7927722fe4027b30" providerId="LiveId" clId="{988CB3FB-85FE-4B18-8889-744054AB9037}" dt="2023-03-10T18:38:16.663" v="3378" actId="5736"/>
-          <ac:spMkLst>
-            <pc:docMk/>
-            <pc:sldMk cId="1480784656" sldId="257"/>
-            <ac:spMk id="24" creationId="{88D55AEF-8EF2-40A8-A445-7BABF0FE14A7}"/>
-          </ac:spMkLst>
-        </pc:spChg>
-        <pc:spChg chg="mod">
-          <ac:chgData name="Felipe Lopes de Oliveira" userId="7927722fe4027b30" providerId="LiveId" clId="{988CB3FB-85FE-4B18-8889-744054AB9037}" dt="2023-03-10T18:38:16.663" v="3378" actId="5736"/>
-          <ac:spMkLst>
-            <pc:docMk/>
-            <pc:sldMk cId="1480784656" sldId="257"/>
-            <ac:spMk id="25" creationId="{90B78694-A23F-4C23-BA97-0F6CCAFE9B00}"/>
-          </ac:spMkLst>
-        </pc:spChg>
-        <pc:spChg chg="mod">
-          <ac:chgData name="Felipe Lopes de Oliveira" userId="7927722fe4027b30" providerId="LiveId" clId="{988CB3FB-85FE-4B18-8889-744054AB9037}" dt="2023-03-10T18:38:16.663" v="3378" actId="5736"/>
-          <ac:spMkLst>
-            <pc:docMk/>
-            <pc:sldMk cId="1480784656" sldId="257"/>
-            <ac:spMk id="26" creationId="{FABB7E2E-9352-41D7-8198-79211C57E895}"/>
-          </ac:spMkLst>
-        </pc:spChg>
-        <pc:spChg chg="mod">
-          <ac:chgData name="Felipe Lopes de Oliveira" userId="7927722fe4027b30" providerId="LiveId" clId="{988CB3FB-85FE-4B18-8889-744054AB9037}" dt="2023-03-10T18:38:16.663" v="3378" actId="5736"/>
-          <ac:spMkLst>
-            <pc:docMk/>
-            <pc:sldMk cId="1480784656" sldId="257"/>
-            <ac:spMk id="27" creationId="{967979D8-CE29-4BDC-A629-0B2C53554F0D}"/>
-          </ac:spMkLst>
-        </pc:spChg>
-        <pc:spChg chg="add mod">
-          <ac:chgData name="Felipe Lopes de Oliveira" userId="7927722fe4027b30" providerId="LiveId" clId="{988CB3FB-85FE-4B18-8889-744054AB9037}" dt="2023-03-05T15:07:28.244" v="1092" actId="571"/>
-          <ac:spMkLst>
-            <pc:docMk/>
-            <pc:sldMk cId="1480784656" sldId="257"/>
-            <ac:spMk id="28" creationId="{58EF8D73-7EAA-0A36-B30A-BB9A00897DC2}"/>
-          </ac:spMkLst>
-        </pc:spChg>
-        <pc:spChg chg="add mod ord">
-          <ac:chgData name="Felipe Lopes de Oliveira" userId="7927722fe4027b30" providerId="LiveId" clId="{988CB3FB-85FE-4B18-8889-744054AB9037}" dt="2023-03-10T18:38:16.663" v="3378" actId="5736"/>
-          <ac:spMkLst>
-            <pc:docMk/>
-            <pc:sldMk cId="1480784656" sldId="257"/>
-            <ac:spMk id="29" creationId="{C564F456-CD91-4B9D-9C21-B45930092CC3}"/>
-          </ac:spMkLst>
-        </pc:spChg>
-        <pc:spChg chg="add del mod">
-          <ac:chgData name="Felipe Lopes de Oliveira" userId="7927722fe4027b30" providerId="LiveId" clId="{988CB3FB-85FE-4B18-8889-744054AB9037}" dt="2023-03-05T15:11:46.420" v="1294" actId="478"/>
-          <ac:spMkLst>
-            <pc:docMk/>
-            <pc:sldMk cId="1480784656" sldId="257"/>
-            <ac:spMk id="31" creationId="{38F127F7-3D0A-50AE-E278-1FD905142F83}"/>
-          </ac:spMkLst>
-        </pc:spChg>
-        <pc:spChg chg="add mod">
-          <ac:chgData name="Felipe Lopes de Oliveira" userId="7927722fe4027b30" providerId="LiveId" clId="{988CB3FB-85FE-4B18-8889-744054AB9037}" dt="2023-03-10T18:38:16.663" v="3378" actId="5736"/>
-          <ac:spMkLst>
-            <pc:docMk/>
-            <pc:sldMk cId="1480784656" sldId="257"/>
-            <ac:spMk id="31" creationId="{B1D8E011-A7F8-F513-1FBC-A16A061C4B8A}"/>
-          </ac:spMkLst>
-        </pc:spChg>
-        <pc:spChg chg="add mod">
-          <ac:chgData name="Felipe Lopes de Oliveira" userId="7927722fe4027b30" providerId="LiveId" clId="{988CB3FB-85FE-4B18-8889-744054AB9037}" dt="2023-03-10T18:38:16.663" v="3378" actId="5736"/>
-          <ac:spMkLst>
-            <pc:docMk/>
-            <pc:sldMk cId="1480784656" sldId="257"/>
-            <ac:spMk id="33" creationId="{673A35C1-7BFF-FF6D-DC1F-64E5D16AF7E2}"/>
-          </ac:spMkLst>
-        </pc:spChg>
-        <pc:spChg chg="add del mod">
-          <ac:chgData name="Felipe Lopes de Oliveira" userId="7927722fe4027b30" providerId="LiveId" clId="{988CB3FB-85FE-4B18-8889-744054AB9037}" dt="2023-03-05T15:20:44.498" v="1585" actId="478"/>
-          <ac:spMkLst>
-            <pc:docMk/>
-            <pc:sldMk cId="1480784656" sldId="257"/>
-            <ac:spMk id="33" creationId="{946111B3-F4A8-5182-6CB1-E7CC58E3C554}"/>
-          </ac:spMkLst>
-        </pc:spChg>
-        <pc:spChg chg="add mod">
-          <ac:chgData name="Felipe Lopes de Oliveira" userId="7927722fe4027b30" providerId="LiveId" clId="{988CB3FB-85FE-4B18-8889-744054AB9037}" dt="2023-03-10T18:38:16.663" v="3378" actId="5736"/>
-          <ac:spMkLst>
-            <pc:docMk/>
-            <pc:sldMk cId="1480784656" sldId="257"/>
-            <ac:spMk id="36" creationId="{5ACE21A8-62E3-4DFA-B49F-C18BB0857009}"/>
-          </ac:spMkLst>
-        </pc:spChg>
-        <pc:spChg chg="add mod">
-          <ac:chgData name="Felipe Lopes de Oliveira" userId="7927722fe4027b30" providerId="LiveId" clId="{988CB3FB-85FE-4B18-8889-744054AB9037}" dt="2023-03-10T18:38:16.663" v="3378" actId="5736"/>
-          <ac:spMkLst>
-            <pc:docMk/>
-            <pc:sldMk cId="1480784656" sldId="257"/>
-            <ac:spMk id="37" creationId="{479C2F0E-317B-FA69-B7D3-2EEC26D3943F}"/>
-          </ac:spMkLst>
-        </pc:spChg>
-        <pc:spChg chg="add del mod">
-          <ac:chgData name="Felipe Lopes de Oliveira" userId="7927722fe4027b30" providerId="LiveId" clId="{988CB3FB-85FE-4B18-8889-744054AB9037}" dt="2023-03-05T15:20:47.001" v="1587" actId="478"/>
-          <ac:spMkLst>
-            <pc:docMk/>
-            <pc:sldMk cId="1480784656" sldId="257"/>
-            <ac:spMk id="37" creationId="{7A9A4685-6B69-36B6-57A3-30399970BA84}"/>
-          </ac:spMkLst>
-        </pc:spChg>
-        <pc:spChg chg="add mod">
-          <ac:chgData name="Felipe Lopes de Oliveira" userId="7927722fe4027b30" providerId="LiveId" clId="{988CB3FB-85FE-4B18-8889-744054AB9037}" dt="2023-03-10T18:38:16.663" v="3378" actId="5736"/>
-          <ac:spMkLst>
-            <pc:docMk/>
-            <pc:sldMk cId="1480784656" sldId="257"/>
-            <ac:spMk id="39" creationId="{730A6009-FC17-7871-28C1-BFFF67D6FD51}"/>
-          </ac:spMkLst>
-        </pc:spChg>
-        <pc:spChg chg="add mod">
-          <ac:chgData name="Felipe Lopes de Oliveira" userId="7927722fe4027b30" providerId="LiveId" clId="{988CB3FB-85FE-4B18-8889-744054AB9037}" dt="2023-03-10T18:38:16.663" v="3378" actId="5736"/>
-          <ac:spMkLst>
-            <pc:docMk/>
-            <pc:sldMk cId="1480784656" sldId="257"/>
-            <ac:spMk id="41" creationId="{7B454DE5-84BD-A6C4-C300-95A953DC42BD}"/>
-          </ac:spMkLst>
-        </pc:spChg>
-        <pc:spChg chg="add mod">
-          <ac:chgData name="Felipe Lopes de Oliveira" userId="7927722fe4027b30" providerId="LiveId" clId="{988CB3FB-85FE-4B18-8889-744054AB9037}" dt="2023-03-10T18:38:16.663" v="3378" actId="5736"/>
-          <ac:spMkLst>
-            <pc:docMk/>
-            <pc:sldMk cId="1480784656" sldId="257"/>
-            <ac:spMk id="43" creationId="{8E84049F-70C0-A1E1-98B0-37594E084973}"/>
-          </ac:spMkLst>
-        </pc:spChg>
-        <pc:spChg chg="mod">
-          <ac:chgData name="Felipe Lopes de Oliveira" userId="7927722fe4027b30" providerId="LiveId" clId="{988CB3FB-85FE-4B18-8889-744054AB9037}" dt="2023-03-10T18:38:16.663" v="3378" actId="5736"/>
-          <ac:spMkLst>
-            <pc:docMk/>
-            <pc:sldMk cId="1480784656" sldId="257"/>
-            <ac:spMk id="83" creationId="{5EFCC3DB-15C5-488F-B6E5-0577A579FA61}"/>
-          </ac:spMkLst>
-        </pc:spChg>
-        <pc:spChg chg="mod">
-          <ac:chgData name="Felipe Lopes de Oliveira" userId="7927722fe4027b30" providerId="LiveId" clId="{988CB3FB-85FE-4B18-8889-744054AB9037}" dt="2023-03-10T18:38:16.663" v="3378" actId="5736"/>
-          <ac:spMkLst>
-            <pc:docMk/>
-            <pc:sldMk cId="1480784656" sldId="257"/>
-            <ac:spMk id="84" creationId="{F273D877-3F62-4F0C-9CB9-CA6E16266A55}"/>
-          </ac:spMkLst>
-        </pc:spChg>
-        <pc:spChg chg="mod">
-          <ac:chgData name="Felipe Lopes de Oliveira" userId="7927722fe4027b30" providerId="LiveId" clId="{988CB3FB-85FE-4B18-8889-744054AB9037}" dt="2023-03-10T18:38:16.663" v="3378" actId="5736"/>
-          <ac:spMkLst>
-            <pc:docMk/>
-            <pc:sldMk cId="1480784656" sldId="257"/>
-            <ac:spMk id="92" creationId="{09570C18-97FF-45CF-8529-914AE5DF1FBA}"/>
-          </ac:spMkLst>
-        </pc:spChg>
-        <pc:spChg chg="mod">
-          <ac:chgData name="Felipe Lopes de Oliveira" userId="7927722fe4027b30" providerId="LiveId" clId="{988CB3FB-85FE-4B18-8889-744054AB9037}" dt="2023-03-10T18:38:16.663" v="3378" actId="5736"/>
-          <ac:spMkLst>
-            <pc:docMk/>
-            <pc:sldMk cId="1480784656" sldId="257"/>
-            <ac:spMk id="96" creationId="{3A5555F3-711D-4057-B2EA-71400D705058}"/>
-          </ac:spMkLst>
-        </pc:spChg>
-        <pc:spChg chg="mod">
-          <ac:chgData name="Felipe Lopes de Oliveira" userId="7927722fe4027b30" providerId="LiveId" clId="{988CB3FB-85FE-4B18-8889-744054AB9037}" dt="2023-03-10T18:38:16.663" v="3378" actId="5736"/>
-          <ac:spMkLst>
-            <pc:docMk/>
-            <pc:sldMk cId="1480784656" sldId="257"/>
-            <ac:spMk id="99" creationId="{80CA550C-D2C2-45DF-A59A-C8D3D709AA16}"/>
-          </ac:spMkLst>
-        </pc:spChg>
-        <pc:spChg chg="mod">
-          <ac:chgData name="Felipe Lopes de Oliveira" userId="7927722fe4027b30" providerId="LiveId" clId="{988CB3FB-85FE-4B18-8889-744054AB9037}" dt="2023-03-10T18:38:16.663" v="3378" actId="5736"/>
-          <ac:spMkLst>
-            <pc:docMk/>
-            <pc:sldMk cId="1480784656" sldId="257"/>
-            <ac:spMk id="104" creationId="{3A682804-DE1B-4804-8727-42494348EA79}"/>
-          </ac:spMkLst>
-        </pc:spChg>
-        <pc:graphicFrameChg chg="mod">
-          <ac:chgData name="Felipe Lopes de Oliveira" userId="7927722fe4027b30" providerId="LiveId" clId="{988CB3FB-85FE-4B18-8889-744054AB9037}" dt="2023-03-10T18:38:16.663" v="3378" actId="5736"/>
-          <ac:graphicFrameMkLst>
-            <pc:docMk/>
-            <pc:sldMk cId="1480784656" sldId="257"/>
-            <ac:graphicFrameMk id="2" creationId="{AE1A8EFF-3D73-9698-D0D3-D579DF9C7CDB}"/>
-          </ac:graphicFrameMkLst>
-        </pc:graphicFrameChg>
-        <pc:graphicFrameChg chg="mod">
-          <ac:chgData name="Felipe Lopes de Oliveira" userId="7927722fe4027b30" providerId="LiveId" clId="{988CB3FB-85FE-4B18-8889-744054AB9037}" dt="2023-03-10T18:38:16.663" v="3378" actId="5736"/>
-          <ac:graphicFrameMkLst>
-            <pc:docMk/>
-            <pc:sldMk cId="1480784656" sldId="257"/>
-            <ac:graphicFrameMk id="4" creationId="{3F70143E-5256-37C3-08C9-0E28E08A6DA3}"/>
-          </ac:graphicFrameMkLst>
-        </pc:graphicFrameChg>
-        <pc:graphicFrameChg chg="add mod">
-          <ac:chgData name="Felipe Lopes de Oliveira" userId="7927722fe4027b30" providerId="LiveId" clId="{988CB3FB-85FE-4B18-8889-744054AB9037}" dt="2023-03-10T18:38:16.663" v="3378" actId="5736"/>
-          <ac:graphicFrameMkLst>
-            <pc:docMk/>
-            <pc:sldMk cId="1480784656" sldId="257"/>
-            <ac:graphicFrameMk id="28" creationId="{365BB12C-762A-220D-6287-00D62C90D13C}"/>
-          </ac:graphicFrameMkLst>
-        </pc:graphicFrameChg>
-        <pc:graphicFrameChg chg="add mod">
-          <ac:chgData name="Felipe Lopes de Oliveira" userId="7927722fe4027b30" providerId="LiveId" clId="{988CB3FB-85FE-4B18-8889-744054AB9037}" dt="2023-03-10T18:38:16.663" v="3378" actId="5736"/>
-          <ac:graphicFrameMkLst>
-            <pc:docMk/>
-            <pc:sldMk cId="1480784656" sldId="257"/>
-            <ac:graphicFrameMk id="30" creationId="{39C4941F-48FF-076E-7407-1AD92AB3B841}"/>
-          </ac:graphicFrameMkLst>
-        </pc:graphicFrameChg>
-        <pc:graphicFrameChg chg="add mod">
-          <ac:chgData name="Felipe Lopes de Oliveira" userId="7927722fe4027b30" providerId="LiveId" clId="{988CB3FB-85FE-4B18-8889-744054AB9037}" dt="2023-03-10T18:38:16.663" v="3378" actId="5736"/>
-          <ac:graphicFrameMkLst>
-            <pc:docMk/>
-            <pc:sldMk cId="1480784656" sldId="257"/>
-            <ac:graphicFrameMk id="32" creationId="{5153DBB1-A1C7-18BA-CFBB-811747AE63A3}"/>
-          </ac:graphicFrameMkLst>
-        </pc:graphicFrameChg>
-        <pc:graphicFrameChg chg="add del mod">
-          <ac:chgData name="Felipe Lopes de Oliveira" userId="7927722fe4027b30" providerId="LiveId" clId="{988CB3FB-85FE-4B18-8889-744054AB9037}" dt="2023-03-05T15:11:45.225" v="1293" actId="478"/>
-          <ac:graphicFrameMkLst>
-            <pc:docMk/>
-            <pc:sldMk cId="1480784656" sldId="257"/>
-            <ac:graphicFrameMk id="32" creationId="{606F46B7-C028-D736-9741-BBD7FC8051B3}"/>
-          </ac:graphicFrameMkLst>
-        </pc:graphicFrameChg>
-        <pc:graphicFrameChg chg="add del mod">
-          <ac:chgData name="Felipe Lopes de Oliveira" userId="7927722fe4027b30" providerId="LiveId" clId="{988CB3FB-85FE-4B18-8889-744054AB9037}" dt="2023-03-05T15:20:43.362" v="1584" actId="478"/>
-          <ac:graphicFrameMkLst>
-            <pc:docMk/>
-            <pc:sldMk cId="1480784656" sldId="257"/>
-            <ac:graphicFrameMk id="34" creationId="{535ADE4D-EBD3-87E5-E621-B17F32369989}"/>
-          </ac:graphicFrameMkLst>
-        </pc:graphicFrameChg>
-        <pc:graphicFrameChg chg="add mod">
-          <ac:chgData name="Felipe Lopes de Oliveira" userId="7927722fe4027b30" providerId="LiveId" clId="{988CB3FB-85FE-4B18-8889-744054AB9037}" dt="2023-03-10T18:38:16.663" v="3378" actId="5736"/>
-          <ac:graphicFrameMkLst>
-            <pc:docMk/>
-            <pc:sldMk cId="1480784656" sldId="257"/>
-            <ac:graphicFrameMk id="34" creationId="{711A7590-58C3-0BE3-C8AB-4FD7073B5C46}"/>
-          </ac:graphicFrameMkLst>
-        </pc:graphicFrameChg>
-        <pc:graphicFrameChg chg="add mod">
-          <ac:chgData name="Felipe Lopes de Oliveira" userId="7927722fe4027b30" providerId="LiveId" clId="{988CB3FB-85FE-4B18-8889-744054AB9037}" dt="2023-03-10T18:38:16.663" v="3378" actId="5736"/>
-          <ac:graphicFrameMkLst>
-            <pc:docMk/>
-            <pc:sldMk cId="1480784656" sldId="257"/>
-            <ac:graphicFrameMk id="35" creationId="{04F8035D-8463-ACE7-2119-276CD44AD7EE}"/>
-          </ac:graphicFrameMkLst>
-        </pc:graphicFrameChg>
-        <pc:graphicFrameChg chg="add del mod">
-          <ac:chgData name="Felipe Lopes de Oliveira" userId="7927722fe4027b30" providerId="LiveId" clId="{988CB3FB-85FE-4B18-8889-744054AB9037}" dt="2023-03-05T15:20:45.609" v="1586" actId="478"/>
-          <ac:graphicFrameMkLst>
-            <pc:docMk/>
-            <pc:sldMk cId="1480784656" sldId="257"/>
-            <ac:graphicFrameMk id="38" creationId="{496CA154-5A1A-4572-F54B-D18C21995F98}"/>
-          </ac:graphicFrameMkLst>
-        </pc:graphicFrameChg>
-        <pc:graphicFrameChg chg="add mod">
-          <ac:chgData name="Felipe Lopes de Oliveira" userId="7927722fe4027b30" providerId="LiveId" clId="{988CB3FB-85FE-4B18-8889-744054AB9037}" dt="2023-03-10T18:38:16.663" v="3378" actId="5736"/>
-          <ac:graphicFrameMkLst>
-            <pc:docMk/>
-            <pc:sldMk cId="1480784656" sldId="257"/>
-            <ac:graphicFrameMk id="38" creationId="{821B8109-F14A-3505-3BDA-12F8982650C4}"/>
-          </ac:graphicFrameMkLst>
-        </pc:graphicFrameChg>
-        <pc:graphicFrameChg chg="add mod">
-          <ac:chgData name="Felipe Lopes de Oliveira" userId="7927722fe4027b30" providerId="LiveId" clId="{988CB3FB-85FE-4B18-8889-744054AB9037}" dt="2023-03-10T18:38:16.663" v="3378" actId="5736"/>
-          <ac:graphicFrameMkLst>
-            <pc:docMk/>
-            <pc:sldMk cId="1480784656" sldId="257"/>
-            <ac:graphicFrameMk id="40" creationId="{C9742109-79E1-083C-B407-8C4CF25CBBAD}"/>
-          </ac:graphicFrameMkLst>
-        </pc:graphicFrameChg>
-        <pc:graphicFrameChg chg="add mod">
-          <ac:chgData name="Felipe Lopes de Oliveira" userId="7927722fe4027b30" providerId="LiveId" clId="{988CB3FB-85FE-4B18-8889-744054AB9037}" dt="2023-03-10T18:38:16.663" v="3378" actId="5736"/>
-          <ac:graphicFrameMkLst>
-            <pc:docMk/>
-            <pc:sldMk cId="1480784656" sldId="257"/>
-            <ac:graphicFrameMk id="42" creationId="{89D9F652-B97A-2B59-5F3E-FA2D5C78E95E}"/>
-          </ac:graphicFrameMkLst>
-        </pc:graphicFrameChg>
-        <pc:graphicFrameChg chg="mod">
-          <ac:chgData name="Felipe Lopes de Oliveira" userId="7927722fe4027b30" providerId="LiveId" clId="{988CB3FB-85FE-4B18-8889-744054AB9037}" dt="2023-03-10T18:38:16.663" v="3378" actId="5736"/>
-          <ac:graphicFrameMkLst>
-            <pc:docMk/>
-            <pc:sldMk cId="1480784656" sldId="257"/>
-            <ac:graphicFrameMk id="70" creationId="{D1413B77-4EF9-41A9-9008-E0FF5F334EE2}"/>
-          </ac:graphicFrameMkLst>
-        </pc:graphicFrameChg>
-        <pc:graphicFrameChg chg="mod">
-          <ac:chgData name="Felipe Lopes de Oliveira" userId="7927722fe4027b30" providerId="LiveId" clId="{988CB3FB-85FE-4B18-8889-744054AB9037}" dt="2023-03-10T18:38:16.663" v="3378" actId="5736"/>
-          <ac:graphicFrameMkLst>
-            <pc:docMk/>
-            <pc:sldMk cId="1480784656" sldId="257"/>
-            <ac:graphicFrameMk id="71" creationId="{80B14CC0-A922-497F-B7DC-0D4FB2B3090B}"/>
-          </ac:graphicFrameMkLst>
-        </pc:graphicFrameChg>
-        <pc:graphicFrameChg chg="mod">
-          <ac:chgData name="Felipe Lopes de Oliveira" userId="7927722fe4027b30" providerId="LiveId" clId="{988CB3FB-85FE-4B18-8889-744054AB9037}" dt="2023-03-10T18:38:16.663" v="3378" actId="5736"/>
-          <ac:graphicFrameMkLst>
-            <pc:docMk/>
-            <pc:sldMk cId="1480784656" sldId="257"/>
-            <ac:graphicFrameMk id="72" creationId="{32BAA3DD-F58E-442C-B69E-448653A452B8}"/>
-          </ac:graphicFrameMkLst>
-        </pc:graphicFrameChg>
-        <pc:graphicFrameChg chg="mod">
-          <ac:chgData name="Felipe Lopes de Oliveira" userId="7927722fe4027b30" providerId="LiveId" clId="{988CB3FB-85FE-4B18-8889-744054AB9037}" dt="2023-03-10T18:38:16.663" v="3378" actId="5736"/>
-          <ac:graphicFrameMkLst>
-            <pc:docMk/>
-            <pc:sldMk cId="1480784656" sldId="257"/>
-            <ac:graphicFrameMk id="73" creationId="{2708BC64-AB74-4692-A44C-3468AD4E187E}"/>
-          </ac:graphicFrameMkLst>
-        </pc:graphicFrameChg>
-        <pc:graphicFrameChg chg="mod">
-          <ac:chgData name="Felipe Lopes de Oliveira" userId="7927722fe4027b30" providerId="LiveId" clId="{988CB3FB-85FE-4B18-8889-744054AB9037}" dt="2023-03-10T18:38:16.663" v="3378" actId="5736"/>
-          <ac:graphicFrameMkLst>
-            <pc:docMk/>
-            <pc:sldMk cId="1480784656" sldId="257"/>
-            <ac:graphicFrameMk id="74" creationId="{EBE9ECC4-4F23-4AD2-8ED4-A77D97A40AD6}"/>
-          </ac:graphicFrameMkLst>
-        </pc:graphicFrameChg>
-        <pc:graphicFrameChg chg="mod">
-          <ac:chgData name="Felipe Lopes de Oliveira" userId="7927722fe4027b30" providerId="LiveId" clId="{988CB3FB-85FE-4B18-8889-744054AB9037}" dt="2023-03-10T18:38:16.663" v="3378" actId="5736"/>
-          <ac:graphicFrameMkLst>
-            <pc:docMk/>
-            <pc:sldMk cId="1480784656" sldId="257"/>
-            <ac:graphicFrameMk id="75" creationId="{CE6F8410-3F0C-4C12-B207-3D4AD429E2E7}"/>
-          </ac:graphicFrameMkLst>
-        </pc:graphicFrameChg>
-        <pc:graphicFrameChg chg="mod">
-          <ac:chgData name="Felipe Lopes de Oliveira" userId="7927722fe4027b30" providerId="LiveId" clId="{988CB3FB-85FE-4B18-8889-744054AB9037}" dt="2023-03-10T18:38:16.663" v="3378" actId="5736"/>
-          <ac:graphicFrameMkLst>
-            <pc:docMk/>
-            <pc:sldMk cId="1480784656" sldId="257"/>
-            <ac:graphicFrameMk id="76" creationId="{9ECFBAA2-CEB6-4CEA-859A-58A466C8F9D0}"/>
-          </ac:graphicFrameMkLst>
-        </pc:graphicFrameChg>
-        <pc:graphicFrameChg chg="mod">
-          <ac:chgData name="Felipe Lopes de Oliveira" userId="7927722fe4027b30" providerId="LiveId" clId="{988CB3FB-85FE-4B18-8889-744054AB9037}" dt="2023-03-10T18:38:16.663" v="3378" actId="5736"/>
-          <ac:graphicFrameMkLst>
-            <pc:docMk/>
-            <pc:sldMk cId="1480784656" sldId="257"/>
-            <ac:graphicFrameMk id="77" creationId="{67746001-761D-4238-A251-886F6C60FD4D}"/>
-          </ac:graphicFrameMkLst>
-        </pc:graphicFrameChg>
-        <pc:graphicFrameChg chg="mod">
-          <ac:chgData name="Felipe Lopes de Oliveira" userId="7927722fe4027b30" providerId="LiveId" clId="{988CB3FB-85FE-4B18-8889-744054AB9037}" dt="2023-03-10T18:38:16.663" v="3378" actId="5736"/>
-          <ac:graphicFrameMkLst>
-            <pc:docMk/>
-            <pc:sldMk cId="1480784656" sldId="257"/>
-            <ac:graphicFrameMk id="78" creationId="{219901E4-89E6-4C2A-8F5D-9433EF04C553}"/>
-          </ac:graphicFrameMkLst>
-        </pc:graphicFrameChg>
-        <pc:graphicFrameChg chg="mod">
-          <ac:chgData name="Felipe Lopes de Oliveira" userId="7927722fe4027b30" providerId="LiveId" clId="{988CB3FB-85FE-4B18-8889-744054AB9037}" dt="2023-03-10T18:38:16.663" v="3378" actId="5736"/>
-          <ac:graphicFrameMkLst>
-            <pc:docMk/>
-            <pc:sldMk cId="1480784656" sldId="257"/>
-            <ac:graphicFrameMk id="79" creationId="{3D86ED63-1546-4FA5-B46D-1A6380DE2B0E}"/>
-          </ac:graphicFrameMkLst>
-        </pc:graphicFrameChg>
-        <pc:graphicFrameChg chg="mod">
-          <ac:chgData name="Felipe Lopes de Oliveira" userId="7927722fe4027b30" providerId="LiveId" clId="{988CB3FB-85FE-4B18-8889-744054AB9037}" dt="2023-03-10T18:38:16.663" v="3378" actId="5736"/>
-          <ac:graphicFrameMkLst>
-            <pc:docMk/>
-            <pc:sldMk cId="1480784656" sldId="257"/>
-            <ac:graphicFrameMk id="80" creationId="{C460AC10-C939-49AD-898A-B3F570990568}"/>
-          </ac:graphicFrameMkLst>
-        </pc:graphicFrameChg>
-        <pc:graphicFrameChg chg="mod">
-          <ac:chgData name="Felipe Lopes de Oliveira" userId="7927722fe4027b30" providerId="LiveId" clId="{988CB3FB-85FE-4B18-8889-744054AB9037}" dt="2023-03-10T18:38:16.663" v="3378" actId="5736"/>
-          <ac:graphicFrameMkLst>
-            <pc:docMk/>
-            <pc:sldMk cId="1480784656" sldId="257"/>
-            <ac:graphicFrameMk id="85" creationId="{81CCA88D-3382-428F-9BCE-B792736861D7}"/>
-          </ac:graphicFrameMkLst>
-        </pc:graphicFrameChg>
-        <pc:graphicFrameChg chg="mod">
-          <ac:chgData name="Felipe Lopes de Oliveira" userId="7927722fe4027b30" providerId="LiveId" clId="{988CB3FB-85FE-4B18-8889-744054AB9037}" dt="2023-03-10T18:38:16.663" v="3378" actId="5736"/>
-          <ac:graphicFrameMkLst>
-            <pc:docMk/>
-            <pc:sldMk cId="1480784656" sldId="257"/>
-            <ac:graphicFrameMk id="86" creationId="{E75D2434-90AA-4D00-9349-40E5B06422BE}"/>
-          </ac:graphicFrameMkLst>
-        </pc:graphicFrameChg>
-        <pc:graphicFrameChg chg="mod">
-          <ac:chgData name="Felipe Lopes de Oliveira" userId="7927722fe4027b30" providerId="LiveId" clId="{988CB3FB-85FE-4B18-8889-744054AB9037}" dt="2023-03-10T18:38:16.663" v="3378" actId="5736"/>
-          <ac:graphicFrameMkLst>
-            <pc:docMk/>
-            <pc:sldMk cId="1480784656" sldId="257"/>
-            <ac:graphicFrameMk id="87" creationId="{DEF9D8AF-24C9-4649-B6B0-C02483178083}"/>
-          </ac:graphicFrameMkLst>
-        </pc:graphicFrameChg>
-        <pc:graphicFrameChg chg="mod">
-          <ac:chgData name="Felipe Lopes de Oliveira" userId="7927722fe4027b30" providerId="LiveId" clId="{988CB3FB-85FE-4B18-8889-744054AB9037}" dt="2023-03-10T18:38:16.663" v="3378" actId="5736"/>
-          <ac:graphicFrameMkLst>
-            <pc:docMk/>
-            <pc:sldMk cId="1480784656" sldId="257"/>
-            <ac:graphicFrameMk id="88" creationId="{CA78C7D5-A0B7-4BB0-A5D9-4F14DD4EEE11}"/>
-          </ac:graphicFrameMkLst>
-        </pc:graphicFrameChg>
-        <pc:graphicFrameChg chg="mod">
-          <ac:chgData name="Felipe Lopes de Oliveira" userId="7927722fe4027b30" providerId="LiveId" clId="{988CB3FB-85FE-4B18-8889-744054AB9037}" dt="2023-03-10T18:38:16.663" v="3378" actId="5736"/>
-          <ac:graphicFrameMkLst>
-            <pc:docMk/>
-            <pc:sldMk cId="1480784656" sldId="257"/>
-            <ac:graphicFrameMk id="89" creationId="{A26E1481-A9F9-4D1D-888A-5E40A82315FF}"/>
-          </ac:graphicFrameMkLst>
-        </pc:graphicFrameChg>
-        <pc:graphicFrameChg chg="mod">
-          <ac:chgData name="Felipe Lopes de Oliveira" userId="7927722fe4027b30" providerId="LiveId" clId="{988CB3FB-85FE-4B18-8889-744054AB9037}" dt="2023-03-10T18:38:16.663" v="3378" actId="5736"/>
-          <ac:graphicFrameMkLst>
-            <pc:docMk/>
-            <pc:sldMk cId="1480784656" sldId="257"/>
-            <ac:graphicFrameMk id="91" creationId="{8B25B316-E27C-4129-B445-83CA8BA62320}"/>
-          </ac:graphicFrameMkLst>
-        </pc:graphicFrameChg>
-        <pc:graphicFrameChg chg="mod">
-          <ac:chgData name="Felipe Lopes de Oliveira" userId="7927722fe4027b30" providerId="LiveId" clId="{988CB3FB-85FE-4B18-8889-744054AB9037}" dt="2023-03-10T18:38:16.663" v="3378" actId="5736"/>
-          <ac:graphicFrameMkLst>
-            <pc:docMk/>
-            <pc:sldMk cId="1480784656" sldId="257"/>
-            <ac:graphicFrameMk id="93" creationId="{7E657B1D-2A69-4E76-BB60-DF2E17B0D092}"/>
-          </ac:graphicFrameMkLst>
-        </pc:graphicFrameChg>
-        <pc:graphicFrameChg chg="mod">
-          <ac:chgData name="Felipe Lopes de Oliveira" userId="7927722fe4027b30" providerId="LiveId" clId="{988CB3FB-85FE-4B18-8889-744054AB9037}" dt="2023-03-10T18:38:16.663" v="3378" actId="5736"/>
-          <ac:graphicFrameMkLst>
-            <pc:docMk/>
-            <pc:sldMk cId="1480784656" sldId="257"/>
-            <ac:graphicFrameMk id="94" creationId="{B0224ECB-9E87-4E7A-987F-6F68C5AD9399}"/>
-          </ac:graphicFrameMkLst>
-        </pc:graphicFrameChg>
-        <pc:graphicFrameChg chg="mod">
-          <ac:chgData name="Felipe Lopes de Oliveira" userId="7927722fe4027b30" providerId="LiveId" clId="{988CB3FB-85FE-4B18-8889-744054AB9037}" dt="2023-03-10T18:38:16.663" v="3378" actId="5736"/>
-          <ac:graphicFrameMkLst>
-            <pc:docMk/>
-            <pc:sldMk cId="1480784656" sldId="257"/>
-            <ac:graphicFrameMk id="95" creationId="{68BE93DC-D0C8-4CBD-9146-D535C1F897FB}"/>
-          </ac:graphicFrameMkLst>
-        </pc:graphicFrameChg>
-        <pc:graphicFrameChg chg="mod">
-          <ac:chgData name="Felipe Lopes de Oliveira" userId="7927722fe4027b30" providerId="LiveId" clId="{988CB3FB-85FE-4B18-8889-744054AB9037}" dt="2023-03-10T18:38:16.663" v="3378" actId="5736"/>
-          <ac:graphicFrameMkLst>
-            <pc:docMk/>
-            <pc:sldMk cId="1480784656" sldId="257"/>
-            <ac:graphicFrameMk id="97" creationId="{54D23764-7B98-4F3F-83F0-485FF8E39013}"/>
-          </ac:graphicFrameMkLst>
-        </pc:graphicFrameChg>
-        <pc:graphicFrameChg chg="mod">
-          <ac:chgData name="Felipe Lopes de Oliveira" userId="7927722fe4027b30" providerId="LiveId" clId="{988CB3FB-85FE-4B18-8889-744054AB9037}" dt="2023-03-10T18:38:16.663" v="3378" actId="5736"/>
-          <ac:graphicFrameMkLst>
-            <pc:docMk/>
-            <pc:sldMk cId="1480784656" sldId="257"/>
-            <ac:graphicFrameMk id="98" creationId="{3A3C11CC-2CDA-4D16-A256-C7FF898289EA}"/>
-          </ac:graphicFrameMkLst>
-        </pc:graphicFrameChg>
-        <pc:graphicFrameChg chg="mod">
-          <ac:chgData name="Felipe Lopes de Oliveira" userId="7927722fe4027b30" providerId="LiveId" clId="{988CB3FB-85FE-4B18-8889-744054AB9037}" dt="2023-03-10T18:38:16.663" v="3378" actId="5736"/>
-          <ac:graphicFrameMkLst>
-            <pc:docMk/>
-            <pc:sldMk cId="1480784656" sldId="257"/>
-            <ac:graphicFrameMk id="100" creationId="{30D32F94-5238-4C2E-9FE9-A3528C813897}"/>
-          </ac:graphicFrameMkLst>
-        </pc:graphicFrameChg>
-        <pc:graphicFrameChg chg="mod">
-          <ac:chgData name="Felipe Lopes de Oliveira" userId="7927722fe4027b30" providerId="LiveId" clId="{988CB3FB-85FE-4B18-8889-744054AB9037}" dt="2023-03-10T18:38:16.663" v="3378" actId="5736"/>
-          <ac:graphicFrameMkLst>
-            <pc:docMk/>
-            <pc:sldMk cId="1480784656" sldId="257"/>
-            <ac:graphicFrameMk id="102" creationId="{C32F81BA-DE75-457A-9421-A89738E38F0B}"/>
-          </ac:graphicFrameMkLst>
-        </pc:graphicFrameChg>
-        <pc:graphicFrameChg chg="mod">
-          <ac:chgData name="Felipe Lopes de Oliveira" userId="7927722fe4027b30" providerId="LiveId" clId="{988CB3FB-85FE-4B18-8889-744054AB9037}" dt="2023-03-10T18:38:16.663" v="3378" actId="5736"/>
-          <ac:graphicFrameMkLst>
-            <pc:docMk/>
-            <pc:sldMk cId="1480784656" sldId="257"/>
-            <ac:graphicFrameMk id="103" creationId="{C2952B3D-F680-48B7-AEFA-F116CDD57195}"/>
-          </ac:graphicFrameMkLst>
-        </pc:graphicFrameChg>
-        <pc:graphicFrameChg chg="mod">
-          <ac:chgData name="Felipe Lopes de Oliveira" userId="7927722fe4027b30" providerId="LiveId" clId="{988CB3FB-85FE-4B18-8889-744054AB9037}" dt="2023-03-10T18:38:16.663" v="3378" actId="5736"/>
-          <ac:graphicFrameMkLst>
-            <pc:docMk/>
-            <pc:sldMk cId="1480784656" sldId="257"/>
-            <ac:graphicFrameMk id="105" creationId="{1CE0DC8F-4B5D-46A2-95DF-A8E8B43DCD14}"/>
-          </ac:graphicFrameMkLst>
-        </pc:graphicFrameChg>
-      </pc:sldChg>
-      <pc:sldChg chg="addSp delSp modSp mod">
-        <pc:chgData name="Felipe Lopes de Oliveira" userId="7927722fe4027b30" providerId="LiveId" clId="{988CB3FB-85FE-4B18-8889-744054AB9037}" dt="2023-03-04T16:50:55.427" v="1016" actId="5736"/>
+      <pc:sldChg chg="modSp">
+        <pc:chgData name="Felipe Lopes de Oliveira" userId="7927722fe4027b30" providerId="LiveId" clId="{988CB3FB-85FE-4B18-8889-744054AB9037}" dt="2023-03-04T00:39:14.803" v="79"/>
         <pc:sldMkLst>
           <pc:docMk/>
           <pc:sldMk cId="3979848679" sldId="258"/>
         </pc:sldMkLst>
-        <pc:spChg chg="mod">
-          <ac:chgData name="Felipe Lopes de Oliveira" userId="7927722fe4027b30" providerId="LiveId" clId="{988CB3FB-85FE-4B18-8889-744054AB9037}" dt="2023-03-04T16:50:55.427" v="1016" actId="5736"/>
-          <ac:spMkLst>
-            <pc:docMk/>
-            <pc:sldMk cId="3979848679" sldId="258"/>
-            <ac:spMk id="5" creationId="{90E86114-E759-48F3-9652-76E5F3AA3658}"/>
-          </ac:spMkLst>
-        </pc:spChg>
-        <pc:spChg chg="mod">
-          <ac:chgData name="Felipe Lopes de Oliveira" userId="7927722fe4027b30" providerId="LiveId" clId="{988CB3FB-85FE-4B18-8889-744054AB9037}" dt="2023-03-04T16:50:55.427" v="1016" actId="5736"/>
-          <ac:spMkLst>
-            <pc:docMk/>
-            <pc:sldMk cId="3979848679" sldId="258"/>
-            <ac:spMk id="7" creationId="{873057E6-C705-49AB-B737-335D3A936A56}"/>
-          </ac:spMkLst>
-        </pc:spChg>
-        <pc:spChg chg="add mod">
-          <ac:chgData name="Felipe Lopes de Oliveira" userId="7927722fe4027b30" providerId="LiveId" clId="{988CB3FB-85FE-4B18-8889-744054AB9037}" dt="2023-03-04T16:50:55.427" v="1016" actId="5736"/>
-          <ac:spMkLst>
-            <pc:docMk/>
-            <pc:sldMk cId="3979848679" sldId="258"/>
-            <ac:spMk id="10" creationId="{00F2B0CB-72F8-C750-B1BA-4BA95E543D5B}"/>
-          </ac:spMkLst>
-        </pc:spChg>
-        <pc:spChg chg="mod">
-          <ac:chgData name="Felipe Lopes de Oliveira" userId="7927722fe4027b30" providerId="LiveId" clId="{988CB3FB-85FE-4B18-8889-744054AB9037}" dt="2023-03-04T16:50:55.427" v="1016" actId="5736"/>
-          <ac:spMkLst>
-            <pc:docMk/>
-            <pc:sldMk cId="3979848679" sldId="258"/>
-            <ac:spMk id="11" creationId="{83F30A1A-E64F-E25A-7A1C-B60AD739DEDD}"/>
-          </ac:spMkLst>
-        </pc:spChg>
-        <pc:spChg chg="mod">
-          <ac:chgData name="Felipe Lopes de Oliveira" userId="7927722fe4027b30" providerId="LiveId" clId="{988CB3FB-85FE-4B18-8889-744054AB9037}" dt="2023-03-04T16:50:55.427" v="1016" actId="5736"/>
-          <ac:spMkLst>
-            <pc:docMk/>
-            <pc:sldMk cId="3979848679" sldId="258"/>
-            <ac:spMk id="12" creationId="{FB79630C-0AEB-1FBD-8E80-CEACB3934228}"/>
-          </ac:spMkLst>
-        </pc:spChg>
-        <pc:spChg chg="mod">
-          <ac:chgData name="Felipe Lopes de Oliveira" userId="7927722fe4027b30" providerId="LiveId" clId="{988CB3FB-85FE-4B18-8889-744054AB9037}" dt="2023-03-04T16:50:55.427" v="1016" actId="5736"/>
-          <ac:spMkLst>
-            <pc:docMk/>
-            <pc:sldMk cId="3979848679" sldId="258"/>
-            <ac:spMk id="60" creationId="{739204C5-397F-4DE5-9045-A37B87D3FBE6}"/>
-          </ac:spMkLst>
-        </pc:spChg>
-        <pc:spChg chg="mod">
-          <ac:chgData name="Felipe Lopes de Oliveira" userId="7927722fe4027b30" providerId="LiveId" clId="{988CB3FB-85FE-4B18-8889-744054AB9037}" dt="2023-03-04T16:50:55.427" v="1016" actId="5736"/>
-          <ac:spMkLst>
-            <pc:docMk/>
-            <pc:sldMk cId="3979848679" sldId="258"/>
-            <ac:spMk id="62" creationId="{0D701D7D-1E58-4B39-983A-2231821F6F93}"/>
-          </ac:spMkLst>
-        </pc:spChg>
-        <pc:spChg chg="mod">
-          <ac:chgData name="Felipe Lopes de Oliveira" userId="7927722fe4027b30" providerId="LiveId" clId="{988CB3FB-85FE-4B18-8889-744054AB9037}" dt="2023-03-04T16:50:55.427" v="1016" actId="5736"/>
-          <ac:spMkLst>
-            <pc:docMk/>
-            <pc:sldMk cId="3979848679" sldId="258"/>
-            <ac:spMk id="63" creationId="{413F2097-D042-4E49-9D6B-A6F3F02DF843}"/>
-          </ac:spMkLst>
-        </pc:spChg>
-        <pc:spChg chg="mod">
-          <ac:chgData name="Felipe Lopes de Oliveira" userId="7927722fe4027b30" providerId="LiveId" clId="{988CB3FB-85FE-4B18-8889-744054AB9037}" dt="2023-03-04T16:50:55.427" v="1016" actId="5736"/>
-          <ac:spMkLst>
-            <pc:docMk/>
-            <pc:sldMk cId="3979848679" sldId="258"/>
-            <ac:spMk id="64" creationId="{603E89F7-222F-4D67-94C0-26B08E6AFC8A}"/>
-          </ac:spMkLst>
-        </pc:spChg>
-        <pc:spChg chg="mod">
-          <ac:chgData name="Felipe Lopes de Oliveira" userId="7927722fe4027b30" providerId="LiveId" clId="{988CB3FB-85FE-4B18-8889-744054AB9037}" dt="2023-03-04T16:50:55.427" v="1016" actId="5736"/>
-          <ac:spMkLst>
-            <pc:docMk/>
-            <pc:sldMk cId="3979848679" sldId="258"/>
-            <ac:spMk id="66" creationId="{DA7C026B-6403-4B8E-8C33-3EE0AE2C43A0}"/>
-          </ac:spMkLst>
-        </pc:spChg>
-        <pc:spChg chg="mod">
-          <ac:chgData name="Felipe Lopes de Oliveira" userId="7927722fe4027b30" providerId="LiveId" clId="{988CB3FB-85FE-4B18-8889-744054AB9037}" dt="2023-03-04T16:50:55.427" v="1016" actId="5736"/>
-          <ac:spMkLst>
-            <pc:docMk/>
-            <pc:sldMk cId="3979848679" sldId="258"/>
-            <ac:spMk id="67" creationId="{A3BD710C-5628-4CFF-B9BC-5F61851E64DD}"/>
-          </ac:spMkLst>
-        </pc:spChg>
-        <pc:spChg chg="mod">
-          <ac:chgData name="Felipe Lopes de Oliveira" userId="7927722fe4027b30" providerId="LiveId" clId="{988CB3FB-85FE-4B18-8889-744054AB9037}" dt="2023-03-04T16:50:55.427" v="1016" actId="5736"/>
-          <ac:spMkLst>
-            <pc:docMk/>
-            <pc:sldMk cId="3979848679" sldId="258"/>
-            <ac:spMk id="81" creationId="{4402BEB0-AFBF-4BF3-8847-D9883F9C40A0}"/>
-          </ac:spMkLst>
-        </pc:spChg>
-        <pc:spChg chg="mod">
-          <ac:chgData name="Felipe Lopes de Oliveira" userId="7927722fe4027b30" providerId="LiveId" clId="{988CB3FB-85FE-4B18-8889-744054AB9037}" dt="2023-03-04T16:50:55.427" v="1016" actId="5736"/>
-          <ac:spMkLst>
-            <pc:docMk/>
-            <pc:sldMk cId="3979848679" sldId="258"/>
-            <ac:spMk id="82" creationId="{8E5BE12E-99AD-4244-9455-430051F313F1}"/>
-          </ac:spMkLst>
-        </pc:spChg>
-        <pc:spChg chg="mod">
-          <ac:chgData name="Felipe Lopes de Oliveira" userId="7927722fe4027b30" providerId="LiveId" clId="{988CB3FB-85FE-4B18-8889-744054AB9037}" dt="2023-03-04T16:50:55.427" v="1016" actId="5736"/>
-          <ac:spMkLst>
-            <pc:docMk/>
-            <pc:sldMk cId="3979848679" sldId="258"/>
-            <ac:spMk id="90" creationId="{5367BE6B-CE71-4668-940C-2B00503A4E02}"/>
-          </ac:spMkLst>
-        </pc:spChg>
-        <pc:spChg chg="mod">
-          <ac:chgData name="Felipe Lopes de Oliveira" userId="7927722fe4027b30" providerId="LiveId" clId="{988CB3FB-85FE-4B18-8889-744054AB9037}" dt="2023-03-04T16:50:55.427" v="1016" actId="5736"/>
-          <ac:spMkLst>
-            <pc:docMk/>
-            <pc:sldMk cId="3979848679" sldId="258"/>
-            <ac:spMk id="101" creationId="{36358C0E-2CAC-49F9-8AC8-CEDA82DEABA2}"/>
-          </ac:spMkLst>
-        </pc:spChg>
-        <pc:spChg chg="mod">
-          <ac:chgData name="Felipe Lopes de Oliveira" userId="7927722fe4027b30" providerId="LiveId" clId="{988CB3FB-85FE-4B18-8889-744054AB9037}" dt="2023-03-04T16:50:55.427" v="1016" actId="5736"/>
-          <ac:spMkLst>
-            <pc:docMk/>
-            <pc:sldMk cId="3979848679" sldId="258"/>
-            <ac:spMk id="106" creationId="{B3D7349B-B658-4911-BE22-F3746AEF41A8}"/>
-          </ac:spMkLst>
-        </pc:spChg>
-        <pc:spChg chg="mod">
-          <ac:chgData name="Felipe Lopes de Oliveira" userId="7927722fe4027b30" providerId="LiveId" clId="{988CB3FB-85FE-4B18-8889-744054AB9037}" dt="2023-03-04T16:50:55.427" v="1016" actId="5736"/>
-          <ac:spMkLst>
-            <pc:docMk/>
-            <pc:sldMk cId="3979848679" sldId="258"/>
-            <ac:spMk id="107" creationId="{C613336C-EFC5-432E-850B-80F892EE1679}"/>
-          </ac:spMkLst>
-        </pc:spChg>
         <pc:graphicFrameChg chg="mod">
-          <ac:chgData name="Felipe Lopes de Oliveira" userId="7927722fe4027b30" providerId="LiveId" clId="{988CB3FB-85FE-4B18-8889-744054AB9037}" dt="2023-03-04T16:50:55.427" v="1016" actId="5736"/>
+          <ac:chgData name="Felipe Lopes de Oliveira" userId="7927722fe4027b30" providerId="LiveId" clId="{988CB3FB-85FE-4B18-8889-744054AB9037}" dt="2023-03-04T00:29:16.833" v="1"/>
           <ac:graphicFrameMkLst>
             <pc:docMk/>
             <pc:sldMk cId="3979848679" sldId="258"/>
@@ -947,7 +156,7 @@
           </ac:graphicFrameMkLst>
         </pc:graphicFrameChg>
         <pc:graphicFrameChg chg="mod">
-          <ac:chgData name="Felipe Lopes de Oliveira" userId="7927722fe4027b30" providerId="LiveId" clId="{988CB3FB-85FE-4B18-8889-744054AB9037}" dt="2023-03-04T16:50:55.427" v="1016" actId="5736"/>
+          <ac:chgData name="Felipe Lopes de Oliveira" userId="7927722fe4027b30" providerId="LiveId" clId="{988CB3FB-85FE-4B18-8889-744054AB9037}" dt="2023-03-04T00:37:15.916" v="63"/>
           <ac:graphicFrameMkLst>
             <pc:docMk/>
             <pc:sldMk cId="3979848679" sldId="258"/>
@@ -955,7 +164,7 @@
           </ac:graphicFrameMkLst>
         </pc:graphicFrameChg>
         <pc:graphicFrameChg chg="mod">
-          <ac:chgData name="Felipe Lopes de Oliveira" userId="7927722fe4027b30" providerId="LiveId" clId="{988CB3FB-85FE-4B18-8889-744054AB9037}" dt="2023-03-04T16:50:55.427" v="1016" actId="5736"/>
+          <ac:chgData name="Felipe Lopes de Oliveira" userId="7927722fe4027b30" providerId="LiveId" clId="{988CB3FB-85FE-4B18-8889-744054AB9037}" dt="2023-03-04T00:37:49.249" v="65"/>
           <ac:graphicFrameMkLst>
             <pc:docMk/>
             <pc:sldMk cId="3979848679" sldId="258"/>
@@ -963,7 +172,7 @@
           </ac:graphicFrameMkLst>
         </pc:graphicFrameChg>
         <pc:graphicFrameChg chg="mod">
-          <ac:chgData name="Felipe Lopes de Oliveira" userId="7927722fe4027b30" providerId="LiveId" clId="{988CB3FB-85FE-4B18-8889-744054AB9037}" dt="2023-03-04T16:50:55.427" v="1016" actId="5736"/>
+          <ac:chgData name="Felipe Lopes de Oliveira" userId="7927722fe4027b30" providerId="LiveId" clId="{988CB3FB-85FE-4B18-8889-744054AB9037}" dt="2023-03-04T00:33:44.589" v="35"/>
           <ac:graphicFrameMkLst>
             <pc:docMk/>
             <pc:sldMk cId="3979848679" sldId="258"/>
@@ -971,39 +180,7 @@
           </ac:graphicFrameMkLst>
         </pc:graphicFrameChg>
         <pc:graphicFrameChg chg="mod">
-          <ac:chgData name="Felipe Lopes de Oliveira" userId="7927722fe4027b30" providerId="LiveId" clId="{988CB3FB-85FE-4B18-8889-744054AB9037}" dt="2023-03-04T16:50:55.427" v="1016" actId="5736"/>
-          <ac:graphicFrameMkLst>
-            <pc:docMk/>
-            <pc:sldMk cId="3979848679" sldId="258"/>
-            <ac:graphicFrameMk id="8" creationId="{1F4F6925-605D-6A50-B87F-7D201D88F663}"/>
-          </ac:graphicFrameMkLst>
-        </pc:graphicFrameChg>
-        <pc:graphicFrameChg chg="add del mod">
-          <ac:chgData name="Felipe Lopes de Oliveira" userId="7927722fe4027b30" providerId="LiveId" clId="{988CB3FB-85FE-4B18-8889-744054AB9037}" dt="2023-03-04T15:04:05.734" v="856"/>
-          <ac:graphicFrameMkLst>
-            <pc:docMk/>
-            <pc:sldMk cId="3979848679" sldId="258"/>
-            <ac:graphicFrameMk id="8" creationId="{85F36038-BA4B-9C48-2175-E00575635A19}"/>
-          </ac:graphicFrameMkLst>
-        </pc:graphicFrameChg>
-        <pc:graphicFrameChg chg="add mod">
-          <ac:chgData name="Felipe Lopes de Oliveira" userId="7927722fe4027b30" providerId="LiveId" clId="{988CB3FB-85FE-4B18-8889-744054AB9037}" dt="2023-03-04T16:50:55.427" v="1016" actId="5736"/>
-          <ac:graphicFrameMkLst>
-            <pc:docMk/>
-            <pc:sldMk cId="3979848679" sldId="258"/>
-            <ac:graphicFrameMk id="9" creationId="{B8C5CC79-A345-BBCB-CE7A-812AEAF1556C}"/>
-          </ac:graphicFrameMkLst>
-        </pc:graphicFrameChg>
-        <pc:graphicFrameChg chg="mod">
-          <ac:chgData name="Felipe Lopes de Oliveira" userId="7927722fe4027b30" providerId="LiveId" clId="{988CB3FB-85FE-4B18-8889-744054AB9037}" dt="2023-03-04T16:50:55.427" v="1016" actId="5736"/>
-          <ac:graphicFrameMkLst>
-            <pc:docMk/>
-            <pc:sldMk cId="3979848679" sldId="258"/>
-            <ac:graphicFrameMk id="13" creationId="{895FEA7C-07CE-9DFE-9BD0-88EFE58ED86C}"/>
-          </ac:graphicFrameMkLst>
-        </pc:graphicFrameChg>
-        <pc:graphicFrameChg chg="mod">
-          <ac:chgData name="Felipe Lopes de Oliveira" userId="7927722fe4027b30" providerId="LiveId" clId="{988CB3FB-85FE-4B18-8889-744054AB9037}" dt="2023-03-04T16:50:55.427" v="1016" actId="5736"/>
+          <ac:chgData name="Felipe Lopes de Oliveira" userId="7927722fe4027b30" providerId="LiveId" clId="{988CB3FB-85FE-4B18-8889-744054AB9037}" dt="2023-03-04T00:38:57.771" v="77"/>
           <ac:graphicFrameMkLst>
             <pc:docMk/>
             <pc:sldMk cId="3979848679" sldId="258"/>
@@ -1011,7 +188,7 @@
           </ac:graphicFrameMkLst>
         </pc:graphicFrameChg>
         <pc:graphicFrameChg chg="mod">
-          <ac:chgData name="Felipe Lopes de Oliveira" userId="7927722fe4027b30" providerId="LiveId" clId="{988CB3FB-85FE-4B18-8889-744054AB9037}" dt="2023-03-04T16:50:55.427" v="1016" actId="5736"/>
+          <ac:chgData name="Felipe Lopes de Oliveira" userId="7927722fe4027b30" providerId="LiveId" clId="{988CB3FB-85FE-4B18-8889-744054AB9037}" dt="2023-03-04T00:39:14.803" v="79"/>
           <ac:graphicFrameMkLst>
             <pc:docMk/>
             <pc:sldMk cId="3979848679" sldId="258"/>
@@ -1019,7 +196,7 @@
           </ac:graphicFrameMkLst>
         </pc:graphicFrameChg>
         <pc:graphicFrameChg chg="mod">
-          <ac:chgData name="Felipe Lopes de Oliveira" userId="7927722fe4027b30" providerId="LiveId" clId="{988CB3FB-85FE-4B18-8889-744054AB9037}" dt="2023-03-04T16:50:55.427" v="1016" actId="5736"/>
+          <ac:chgData name="Felipe Lopes de Oliveira" userId="7927722fe4027b30" providerId="LiveId" clId="{988CB3FB-85FE-4B18-8889-744054AB9037}" dt="2023-03-04T00:30:29.827" v="3"/>
           <ac:graphicFrameMkLst>
             <pc:docMk/>
             <pc:sldMk cId="3979848679" sldId="258"/>
@@ -1027,7 +204,7 @@
           </ac:graphicFrameMkLst>
         </pc:graphicFrameChg>
         <pc:graphicFrameChg chg="mod">
-          <ac:chgData name="Felipe Lopes de Oliveira" userId="7927722fe4027b30" providerId="LiveId" clId="{988CB3FB-85FE-4B18-8889-744054AB9037}" dt="2023-03-04T16:50:55.427" v="1016" actId="5736"/>
+          <ac:chgData name="Felipe Lopes de Oliveira" userId="7927722fe4027b30" providerId="LiveId" clId="{988CB3FB-85FE-4B18-8889-744054AB9037}" dt="2023-03-04T00:31:23.210" v="5"/>
           <ac:graphicFrameMkLst>
             <pc:docMk/>
             <pc:sldMk cId="3979848679" sldId="258"/>
@@ -1035,7 +212,7 @@
           </ac:graphicFrameMkLst>
         </pc:graphicFrameChg>
         <pc:graphicFrameChg chg="mod">
-          <ac:chgData name="Felipe Lopes de Oliveira" userId="7927722fe4027b30" providerId="LiveId" clId="{988CB3FB-85FE-4B18-8889-744054AB9037}" dt="2023-03-04T16:50:55.427" v="1016" actId="5736"/>
+          <ac:chgData name="Felipe Lopes de Oliveira" userId="7927722fe4027b30" providerId="LiveId" clId="{988CB3FB-85FE-4B18-8889-744054AB9037}" dt="2023-03-04T00:33:51.834" v="37"/>
           <ac:graphicFrameMkLst>
             <pc:docMk/>
             <pc:sldMk cId="3979848679" sldId="258"/>
@@ -1043,7 +220,7 @@
           </ac:graphicFrameMkLst>
         </pc:graphicFrameChg>
         <pc:graphicFrameChg chg="mod">
-          <ac:chgData name="Felipe Lopes de Oliveira" userId="7927722fe4027b30" providerId="LiveId" clId="{988CB3FB-85FE-4B18-8889-744054AB9037}" dt="2023-03-04T16:50:55.427" v="1016" actId="5736"/>
+          <ac:chgData name="Felipe Lopes de Oliveira" userId="7927722fe4027b30" providerId="LiveId" clId="{988CB3FB-85FE-4B18-8889-744054AB9037}" dt="2023-03-04T00:35:35.863" v="57"/>
           <ac:graphicFrameMkLst>
             <pc:docMk/>
             <pc:sldMk cId="3979848679" sldId="258"/>
@@ -1051,7 +228,7 @@
           </ac:graphicFrameMkLst>
         </pc:graphicFrameChg>
         <pc:graphicFrameChg chg="mod">
-          <ac:chgData name="Felipe Lopes de Oliveira" userId="7927722fe4027b30" providerId="LiveId" clId="{988CB3FB-85FE-4B18-8889-744054AB9037}" dt="2023-03-04T16:50:55.427" v="1016" actId="5736"/>
+          <ac:chgData name="Felipe Lopes de Oliveira" userId="7927722fe4027b30" providerId="LiveId" clId="{988CB3FB-85FE-4B18-8889-744054AB9037}" dt="2023-03-04T00:35:38.438" v="59"/>
           <ac:graphicFrameMkLst>
             <pc:docMk/>
             <pc:sldMk cId="3979848679" sldId="258"/>
@@ -1059,7 +236,7 @@
           </ac:graphicFrameMkLst>
         </pc:graphicFrameChg>
         <pc:graphicFrameChg chg="mod">
-          <ac:chgData name="Felipe Lopes de Oliveira" userId="7927722fe4027b30" providerId="LiveId" clId="{988CB3FB-85FE-4B18-8889-744054AB9037}" dt="2023-03-04T16:50:55.427" v="1016" actId="5736"/>
+          <ac:chgData name="Felipe Lopes de Oliveira" userId="7927722fe4027b30" providerId="LiveId" clId="{988CB3FB-85FE-4B18-8889-744054AB9037}" dt="2023-03-04T00:36:22.410" v="61"/>
           <ac:graphicFrameMkLst>
             <pc:docMk/>
             <pc:sldMk cId="3979848679" sldId="258"/>
@@ -1067,358 +244,14 @@
           </ac:graphicFrameMkLst>
         </pc:graphicFrameChg>
       </pc:sldChg>
-      <pc:sldChg chg="addSp delSp modSp mod">
-        <pc:chgData name="Felipe Lopes de Oliveira" userId="7927722fe4027b30" providerId="LiveId" clId="{988CB3FB-85FE-4B18-8889-744054AB9037}" dt="2023-03-10T18:38:04.077" v="3377" actId="5736"/>
+      <pc:sldChg chg="modSp">
+        <pc:chgData name="Felipe Lopes de Oliveira" userId="7927722fe4027b30" providerId="LiveId" clId="{988CB3FB-85FE-4B18-8889-744054AB9037}" dt="2023-03-04T01:11:01.416" v="411"/>
         <pc:sldMkLst>
           <pc:docMk/>
           <pc:sldMk cId="677601570" sldId="259"/>
         </pc:sldMkLst>
-        <pc:spChg chg="add mod">
-          <ac:chgData name="Felipe Lopes de Oliveira" userId="7927722fe4027b30" providerId="LiveId" clId="{988CB3FB-85FE-4B18-8889-744054AB9037}" dt="2023-03-10T18:38:04.077" v="3377" actId="5736"/>
-          <ac:spMkLst>
-            <pc:docMk/>
-            <pc:sldMk cId="677601570" sldId="259"/>
-            <ac:spMk id="2" creationId="{A66FB4FE-B35C-2F19-0B31-09CADA8E6C75}"/>
-          </ac:spMkLst>
-        </pc:spChg>
-        <pc:spChg chg="add mod">
-          <ac:chgData name="Felipe Lopes de Oliveira" userId="7927722fe4027b30" providerId="LiveId" clId="{988CB3FB-85FE-4B18-8889-744054AB9037}" dt="2023-03-10T18:38:04.077" v="3377" actId="5736"/>
-          <ac:spMkLst>
-            <pc:docMk/>
-            <pc:sldMk cId="677601570" sldId="259"/>
-            <ac:spMk id="7" creationId="{F7EF7FBD-0212-B391-4DE4-FBB0F16C209F}"/>
-          </ac:spMkLst>
-        </pc:spChg>
-        <pc:spChg chg="add mod">
-          <ac:chgData name="Felipe Lopes de Oliveira" userId="7927722fe4027b30" providerId="LiveId" clId="{988CB3FB-85FE-4B18-8889-744054AB9037}" dt="2023-03-10T18:38:04.077" v="3377" actId="5736"/>
-          <ac:spMkLst>
-            <pc:docMk/>
-            <pc:sldMk cId="677601570" sldId="259"/>
-            <ac:spMk id="8" creationId="{20D058BC-AFBC-9551-D558-7F83F36B94EE}"/>
-          </ac:spMkLst>
-        </pc:spChg>
-        <pc:spChg chg="mod">
-          <ac:chgData name="Felipe Lopes de Oliveira" userId="7927722fe4027b30" providerId="LiveId" clId="{988CB3FB-85FE-4B18-8889-744054AB9037}" dt="2023-03-10T18:38:04.077" v="3377" actId="5736"/>
-          <ac:spMkLst>
-            <pc:docMk/>
-            <pc:sldMk cId="677601570" sldId="259"/>
-            <ac:spMk id="52" creationId="{21898CFB-D5CC-4881-8BD7-028AEAD0FDC5}"/>
-          </ac:spMkLst>
-        </pc:spChg>
-        <pc:spChg chg="mod">
-          <ac:chgData name="Felipe Lopes de Oliveira" userId="7927722fe4027b30" providerId="LiveId" clId="{988CB3FB-85FE-4B18-8889-744054AB9037}" dt="2023-03-10T18:38:04.077" v="3377" actId="5736"/>
-          <ac:spMkLst>
-            <pc:docMk/>
-            <pc:sldMk cId="677601570" sldId="259"/>
-            <ac:spMk id="68" creationId="{0F1824DF-F2BF-4111-9D1F-AF71A064FB5B}"/>
-          </ac:spMkLst>
-        </pc:spChg>
-        <pc:spChg chg="mod">
-          <ac:chgData name="Felipe Lopes de Oliveira" userId="7927722fe4027b30" providerId="LiveId" clId="{988CB3FB-85FE-4B18-8889-744054AB9037}" dt="2023-03-10T18:38:04.077" v="3377" actId="5736"/>
-          <ac:spMkLst>
-            <pc:docMk/>
-            <pc:sldMk cId="677601570" sldId="259"/>
-            <ac:spMk id="79" creationId="{17F0AD73-2F24-466E-B3A5-FD0424E04CED}"/>
-          </ac:spMkLst>
-        </pc:spChg>
-        <pc:spChg chg="mod">
-          <ac:chgData name="Felipe Lopes de Oliveira" userId="7927722fe4027b30" providerId="LiveId" clId="{988CB3FB-85FE-4B18-8889-744054AB9037}" dt="2023-03-10T18:38:04.077" v="3377" actId="5736"/>
-          <ac:spMkLst>
-            <pc:docMk/>
-            <pc:sldMk cId="677601570" sldId="259"/>
-            <ac:spMk id="80" creationId="{42F8B48C-F4F3-47E4-946E-DBCFE24B73AD}"/>
-          </ac:spMkLst>
-        </pc:spChg>
-        <pc:spChg chg="mod">
-          <ac:chgData name="Felipe Lopes de Oliveira" userId="7927722fe4027b30" providerId="LiveId" clId="{988CB3FB-85FE-4B18-8889-744054AB9037}" dt="2023-03-10T18:38:04.077" v="3377" actId="5736"/>
-          <ac:spMkLst>
-            <pc:docMk/>
-            <pc:sldMk cId="677601570" sldId="259"/>
-            <ac:spMk id="81" creationId="{F3B12A42-22BD-48CC-B47B-DE91C5E64585}"/>
-          </ac:spMkLst>
-        </pc:spChg>
-        <pc:spChg chg="mod">
-          <ac:chgData name="Felipe Lopes de Oliveira" userId="7927722fe4027b30" providerId="LiveId" clId="{988CB3FB-85FE-4B18-8889-744054AB9037}" dt="2023-03-10T18:38:04.077" v="3377" actId="5736"/>
-          <ac:spMkLst>
-            <pc:docMk/>
-            <pc:sldMk cId="677601570" sldId="259"/>
-            <ac:spMk id="82" creationId="{B8864486-701A-4130-97C2-89CCDA3AA46F}"/>
-          </ac:spMkLst>
-        </pc:spChg>
-        <pc:spChg chg="mod">
-          <ac:chgData name="Felipe Lopes de Oliveira" userId="7927722fe4027b30" providerId="LiveId" clId="{988CB3FB-85FE-4B18-8889-744054AB9037}" dt="2023-03-10T18:38:04.077" v="3377" actId="5736"/>
-          <ac:spMkLst>
-            <pc:docMk/>
-            <pc:sldMk cId="677601570" sldId="259"/>
-            <ac:spMk id="83" creationId="{D39955A0-7717-4427-9AEA-A5D09ACB004B}"/>
-          </ac:spMkLst>
-        </pc:spChg>
-        <pc:spChg chg="mod">
-          <ac:chgData name="Felipe Lopes de Oliveira" userId="7927722fe4027b30" providerId="LiveId" clId="{988CB3FB-85FE-4B18-8889-744054AB9037}" dt="2023-03-10T18:38:04.077" v="3377" actId="5736"/>
-          <ac:spMkLst>
-            <pc:docMk/>
-            <pc:sldMk cId="677601570" sldId="259"/>
-            <ac:spMk id="84" creationId="{75115EF6-916B-4F38-AAE2-2C13B241D6F8}"/>
-          </ac:spMkLst>
-        </pc:spChg>
-        <pc:spChg chg="mod">
-          <ac:chgData name="Felipe Lopes de Oliveira" userId="7927722fe4027b30" providerId="LiveId" clId="{988CB3FB-85FE-4B18-8889-744054AB9037}" dt="2023-03-10T18:38:04.077" v="3377" actId="5736"/>
-          <ac:spMkLst>
-            <pc:docMk/>
-            <pc:sldMk cId="677601570" sldId="259"/>
-            <ac:spMk id="86" creationId="{E9D218A5-5B0F-457B-9184-93C7B4ACE513}"/>
-          </ac:spMkLst>
-        </pc:spChg>
-        <pc:spChg chg="mod">
-          <ac:chgData name="Felipe Lopes de Oliveira" userId="7927722fe4027b30" providerId="LiveId" clId="{988CB3FB-85FE-4B18-8889-744054AB9037}" dt="2023-03-10T18:38:04.077" v="3377" actId="5736"/>
-          <ac:spMkLst>
-            <pc:docMk/>
-            <pc:sldMk cId="677601570" sldId="259"/>
-            <ac:spMk id="87" creationId="{5522AE5D-8633-40C7-8146-86EE94427B71}"/>
-          </ac:spMkLst>
-        </pc:spChg>
-        <pc:spChg chg="mod">
-          <ac:chgData name="Felipe Lopes de Oliveira" userId="7927722fe4027b30" providerId="LiveId" clId="{988CB3FB-85FE-4B18-8889-744054AB9037}" dt="2023-03-10T18:38:04.077" v="3377" actId="5736"/>
-          <ac:spMkLst>
-            <pc:docMk/>
-            <pc:sldMk cId="677601570" sldId="259"/>
-            <ac:spMk id="88" creationId="{87A46F9A-5562-4AF5-9785-36DC1168C882}"/>
-          </ac:spMkLst>
-        </pc:spChg>
-        <pc:spChg chg="mod">
-          <ac:chgData name="Felipe Lopes de Oliveira" userId="7927722fe4027b30" providerId="LiveId" clId="{988CB3FB-85FE-4B18-8889-744054AB9037}" dt="2023-03-10T18:38:04.077" v="3377" actId="5736"/>
-          <ac:spMkLst>
-            <pc:docMk/>
-            <pc:sldMk cId="677601570" sldId="259"/>
-            <ac:spMk id="89" creationId="{BFC27749-AEA2-4843-98AB-0342DF75B798}"/>
-          </ac:spMkLst>
-        </pc:spChg>
-        <pc:spChg chg="mod">
-          <ac:chgData name="Felipe Lopes de Oliveira" userId="7927722fe4027b30" providerId="LiveId" clId="{988CB3FB-85FE-4B18-8889-744054AB9037}" dt="2023-03-10T18:38:04.077" v="3377" actId="5736"/>
-          <ac:spMkLst>
-            <pc:docMk/>
-            <pc:sldMk cId="677601570" sldId="259"/>
-            <ac:spMk id="90" creationId="{1E9B7DB0-D532-4534-A1AC-ADF077E52DEA}"/>
-          </ac:spMkLst>
-        </pc:spChg>
-        <pc:spChg chg="mod">
-          <ac:chgData name="Felipe Lopes de Oliveira" userId="7927722fe4027b30" providerId="LiveId" clId="{988CB3FB-85FE-4B18-8889-744054AB9037}" dt="2023-03-10T18:38:04.077" v="3377" actId="5736"/>
-          <ac:spMkLst>
-            <pc:docMk/>
-            <pc:sldMk cId="677601570" sldId="259"/>
-            <ac:spMk id="91" creationId="{63A2ED8C-AB64-4AEF-9F7D-3BBE528162A4}"/>
-          </ac:spMkLst>
-        </pc:spChg>
-        <pc:spChg chg="mod">
-          <ac:chgData name="Felipe Lopes de Oliveira" userId="7927722fe4027b30" providerId="LiveId" clId="{988CB3FB-85FE-4B18-8889-744054AB9037}" dt="2023-03-10T18:38:04.077" v="3377" actId="5736"/>
-          <ac:spMkLst>
-            <pc:docMk/>
-            <pc:sldMk cId="677601570" sldId="259"/>
-            <ac:spMk id="93" creationId="{3247C57F-973E-44F8-8868-9A64FAEC4560}"/>
-          </ac:spMkLst>
-        </pc:spChg>
-        <pc:spChg chg="mod">
-          <ac:chgData name="Felipe Lopes de Oliveira" userId="7927722fe4027b30" providerId="LiveId" clId="{988CB3FB-85FE-4B18-8889-744054AB9037}" dt="2023-03-10T18:38:04.077" v="3377" actId="5736"/>
-          <ac:spMkLst>
-            <pc:docMk/>
-            <pc:sldMk cId="677601570" sldId="259"/>
-            <ac:spMk id="94" creationId="{C7A77358-F503-49BA-AA49-C05285071C2B}"/>
-          </ac:spMkLst>
-        </pc:spChg>
-        <pc:spChg chg="mod">
-          <ac:chgData name="Felipe Lopes de Oliveira" userId="7927722fe4027b30" providerId="LiveId" clId="{988CB3FB-85FE-4B18-8889-744054AB9037}" dt="2023-03-10T18:38:04.077" v="3377" actId="5736"/>
-          <ac:spMkLst>
-            <pc:docMk/>
-            <pc:sldMk cId="677601570" sldId="259"/>
-            <ac:spMk id="95" creationId="{36C664D8-4ADC-41ED-BA20-4155D3B8F0D5}"/>
-          </ac:spMkLst>
-        </pc:spChg>
-        <pc:spChg chg="mod">
-          <ac:chgData name="Felipe Lopes de Oliveira" userId="7927722fe4027b30" providerId="LiveId" clId="{988CB3FB-85FE-4B18-8889-744054AB9037}" dt="2023-03-10T18:38:04.077" v="3377" actId="5736"/>
-          <ac:spMkLst>
-            <pc:docMk/>
-            <pc:sldMk cId="677601570" sldId="259"/>
-            <ac:spMk id="96" creationId="{A6FD726F-52EC-4109-9ECD-D6C01BDB876E}"/>
-          </ac:spMkLst>
-        </pc:spChg>
-        <pc:spChg chg="mod">
-          <ac:chgData name="Felipe Lopes de Oliveira" userId="7927722fe4027b30" providerId="LiveId" clId="{988CB3FB-85FE-4B18-8889-744054AB9037}" dt="2023-03-10T18:38:04.077" v="3377" actId="5736"/>
-          <ac:spMkLst>
-            <pc:docMk/>
-            <pc:sldMk cId="677601570" sldId="259"/>
-            <ac:spMk id="97" creationId="{C9A4DC69-F6DC-4532-A8A6-A63D118FD225}"/>
-          </ac:spMkLst>
-        </pc:spChg>
-        <pc:spChg chg="mod">
-          <ac:chgData name="Felipe Lopes de Oliveira" userId="7927722fe4027b30" providerId="LiveId" clId="{988CB3FB-85FE-4B18-8889-744054AB9037}" dt="2023-03-10T18:38:04.077" v="3377" actId="5736"/>
-          <ac:spMkLst>
-            <pc:docMk/>
-            <pc:sldMk cId="677601570" sldId="259"/>
-            <ac:spMk id="98" creationId="{DE881A1D-ED57-4C62-8118-FE0B500E6BDE}"/>
-          </ac:spMkLst>
-        </pc:spChg>
-        <pc:spChg chg="mod">
-          <ac:chgData name="Felipe Lopes de Oliveira" userId="7927722fe4027b30" providerId="LiveId" clId="{988CB3FB-85FE-4B18-8889-744054AB9037}" dt="2023-03-10T18:38:04.077" v="3377" actId="5736"/>
-          <ac:spMkLst>
-            <pc:docMk/>
-            <pc:sldMk cId="677601570" sldId="259"/>
-            <ac:spMk id="99" creationId="{168AB9EC-4105-4AB2-98B0-0F5BD6ADA019}"/>
-          </ac:spMkLst>
-        </pc:spChg>
-        <pc:spChg chg="mod">
-          <ac:chgData name="Felipe Lopes de Oliveira" userId="7927722fe4027b30" providerId="LiveId" clId="{988CB3FB-85FE-4B18-8889-744054AB9037}" dt="2023-03-10T18:38:04.077" v="3377" actId="5736"/>
-          <ac:spMkLst>
-            <pc:docMk/>
-            <pc:sldMk cId="677601570" sldId="259"/>
-            <ac:spMk id="102" creationId="{C120BEED-C31E-4042-8B48-C8FA5B987D67}"/>
-          </ac:spMkLst>
-        </pc:spChg>
-        <pc:spChg chg="mod">
-          <ac:chgData name="Felipe Lopes de Oliveira" userId="7927722fe4027b30" providerId="LiveId" clId="{988CB3FB-85FE-4B18-8889-744054AB9037}" dt="2023-03-10T18:38:04.077" v="3377" actId="5736"/>
-          <ac:spMkLst>
-            <pc:docMk/>
-            <pc:sldMk cId="677601570" sldId="259"/>
-            <ac:spMk id="103" creationId="{E4359B63-33E9-43C0-A00D-85CA5044CF9B}"/>
-          </ac:spMkLst>
-        </pc:spChg>
-        <pc:spChg chg="mod">
-          <ac:chgData name="Felipe Lopes de Oliveira" userId="7927722fe4027b30" providerId="LiveId" clId="{988CB3FB-85FE-4B18-8889-744054AB9037}" dt="2023-03-10T18:38:04.077" v="3377" actId="5736"/>
-          <ac:spMkLst>
-            <pc:docMk/>
-            <pc:sldMk cId="677601570" sldId="259"/>
-            <ac:spMk id="104" creationId="{9E73EE7F-C4A2-4AE9-A991-D4CEBDB7256E}"/>
-          </ac:spMkLst>
-        </pc:spChg>
-        <pc:spChg chg="mod">
-          <ac:chgData name="Felipe Lopes de Oliveira" userId="7927722fe4027b30" providerId="LiveId" clId="{988CB3FB-85FE-4B18-8889-744054AB9037}" dt="2023-03-10T18:38:04.077" v="3377" actId="5736"/>
-          <ac:spMkLst>
-            <pc:docMk/>
-            <pc:sldMk cId="677601570" sldId="259"/>
-            <ac:spMk id="106" creationId="{EA54D276-BB6B-49B1-9A17-9286FB653799}"/>
-          </ac:spMkLst>
-        </pc:spChg>
-        <pc:spChg chg="mod">
-          <ac:chgData name="Felipe Lopes de Oliveira" userId="7927722fe4027b30" providerId="LiveId" clId="{988CB3FB-85FE-4B18-8889-744054AB9037}" dt="2023-03-10T18:38:04.077" v="3377" actId="5736"/>
-          <ac:spMkLst>
-            <pc:docMk/>
-            <pc:sldMk cId="677601570" sldId="259"/>
-            <ac:spMk id="107" creationId="{C812AFAF-B15D-4399-850C-28B985A0D81D}"/>
-          </ac:spMkLst>
-        </pc:spChg>
-        <pc:spChg chg="mod">
-          <ac:chgData name="Felipe Lopes de Oliveira" userId="7927722fe4027b30" providerId="LiveId" clId="{988CB3FB-85FE-4B18-8889-744054AB9037}" dt="2023-03-10T18:38:04.077" v="3377" actId="5736"/>
-          <ac:spMkLst>
-            <pc:docMk/>
-            <pc:sldMk cId="677601570" sldId="259"/>
-            <ac:spMk id="109" creationId="{5B27F319-98B8-4D72-8964-0EBCC21F9C8F}"/>
-          </ac:spMkLst>
-        </pc:spChg>
-        <pc:spChg chg="mod">
-          <ac:chgData name="Felipe Lopes de Oliveira" userId="7927722fe4027b30" providerId="LiveId" clId="{988CB3FB-85FE-4B18-8889-744054AB9037}" dt="2023-03-10T18:38:04.077" v="3377" actId="5736"/>
-          <ac:spMkLst>
-            <pc:docMk/>
-            <pc:sldMk cId="677601570" sldId="259"/>
-            <ac:spMk id="110" creationId="{CCBC927E-3BE9-4F14-91DC-816C59A17B35}"/>
-          </ac:spMkLst>
-        </pc:spChg>
-        <pc:spChg chg="mod">
-          <ac:chgData name="Felipe Lopes de Oliveira" userId="7927722fe4027b30" providerId="LiveId" clId="{988CB3FB-85FE-4B18-8889-744054AB9037}" dt="2023-03-10T18:38:04.077" v="3377" actId="5736"/>
-          <ac:spMkLst>
-            <pc:docMk/>
-            <pc:sldMk cId="677601570" sldId="259"/>
-            <ac:spMk id="111" creationId="{8B4F572D-38C0-4657-AE26-09F8002B643C}"/>
-          </ac:spMkLst>
-        </pc:spChg>
-        <pc:graphicFrameChg chg="add mod">
-          <ac:chgData name="Felipe Lopes de Oliveira" userId="7927722fe4027b30" providerId="LiveId" clId="{988CB3FB-85FE-4B18-8889-744054AB9037}" dt="2023-03-10T18:38:04.077" v="3377" actId="5736"/>
-          <ac:graphicFrameMkLst>
-            <pc:docMk/>
-            <pc:sldMk cId="677601570" sldId="259"/>
-            <ac:graphicFrameMk id="3" creationId="{4554C834-5DAB-C70D-C483-2C1ED140B634}"/>
-          </ac:graphicFrameMkLst>
-        </pc:graphicFrameChg>
-        <pc:graphicFrameChg chg="add mod">
-          <ac:chgData name="Felipe Lopes de Oliveira" userId="7927722fe4027b30" providerId="LiveId" clId="{988CB3FB-85FE-4B18-8889-744054AB9037}" dt="2023-03-10T18:38:04.077" v="3377" actId="5736"/>
-          <ac:graphicFrameMkLst>
-            <pc:docMk/>
-            <pc:sldMk cId="677601570" sldId="259"/>
-            <ac:graphicFrameMk id="4" creationId="{CAAF2F56-D395-E1C9-4B92-DE5C5444E34E}"/>
-          </ac:graphicFrameMkLst>
-        </pc:graphicFrameChg>
-        <pc:graphicFrameChg chg="add mod">
-          <ac:chgData name="Felipe Lopes de Oliveira" userId="7927722fe4027b30" providerId="LiveId" clId="{988CB3FB-85FE-4B18-8889-744054AB9037}" dt="2023-03-10T18:38:04.077" v="3377" actId="5736"/>
-          <ac:graphicFrameMkLst>
-            <pc:docMk/>
-            <pc:sldMk cId="677601570" sldId="259"/>
-            <ac:graphicFrameMk id="5" creationId="{201B5217-2B4F-EBE9-D008-922ABBB38550}"/>
-          </ac:graphicFrameMkLst>
-        </pc:graphicFrameChg>
-        <pc:graphicFrameChg chg="add mod">
-          <ac:chgData name="Felipe Lopes de Oliveira" userId="7927722fe4027b30" providerId="LiveId" clId="{988CB3FB-85FE-4B18-8889-744054AB9037}" dt="2023-03-10T18:38:04.077" v="3377" actId="5736"/>
-          <ac:graphicFrameMkLst>
-            <pc:docMk/>
-            <pc:sldMk cId="677601570" sldId="259"/>
-            <ac:graphicFrameMk id="6" creationId="{4832BF12-6B72-CD81-17F3-E43315811991}"/>
-          </ac:graphicFrameMkLst>
-        </pc:graphicFrameChg>
-        <pc:graphicFrameChg chg="add del mod">
-          <ac:chgData name="Felipe Lopes de Oliveira" userId="7927722fe4027b30" providerId="LiveId" clId="{988CB3FB-85FE-4B18-8889-744054AB9037}" dt="2023-03-10T18:31:07.343" v="3176" actId="478"/>
-          <ac:graphicFrameMkLst>
-            <pc:docMk/>
-            <pc:sldMk cId="677601570" sldId="259"/>
-            <ac:graphicFrameMk id="9" creationId="{9F3CBAF6-8225-C32D-58A2-6DBCBC2F8BCA}"/>
-          </ac:graphicFrameMkLst>
-        </pc:graphicFrameChg>
-        <pc:graphicFrameChg chg="add mod">
-          <ac:chgData name="Felipe Lopes de Oliveira" userId="7927722fe4027b30" providerId="LiveId" clId="{988CB3FB-85FE-4B18-8889-744054AB9037}" dt="2023-03-10T18:38:04.077" v="3377" actId="5736"/>
-          <ac:graphicFrameMkLst>
-            <pc:docMk/>
-            <pc:sldMk cId="677601570" sldId="259"/>
-            <ac:graphicFrameMk id="10" creationId="{004A1533-7761-B113-8AB7-8E3C8EE23045}"/>
-          </ac:graphicFrameMkLst>
-        </pc:graphicFrameChg>
-        <pc:graphicFrameChg chg="add mod">
-          <ac:chgData name="Felipe Lopes de Oliveira" userId="7927722fe4027b30" providerId="LiveId" clId="{988CB3FB-85FE-4B18-8889-744054AB9037}" dt="2023-03-10T18:38:04.077" v="3377" actId="5736"/>
-          <ac:graphicFrameMkLst>
-            <pc:docMk/>
-            <pc:sldMk cId="677601570" sldId="259"/>
-            <ac:graphicFrameMk id="11" creationId="{D17EB4BA-E8E1-02F5-A00B-73012A3B77F1}"/>
-          </ac:graphicFrameMkLst>
-        </pc:graphicFrameChg>
-        <pc:graphicFrameChg chg="add mod">
-          <ac:chgData name="Felipe Lopes de Oliveira" userId="7927722fe4027b30" providerId="LiveId" clId="{988CB3FB-85FE-4B18-8889-744054AB9037}" dt="2023-03-10T18:38:04.077" v="3377" actId="5736"/>
-          <ac:graphicFrameMkLst>
-            <pc:docMk/>
-            <pc:sldMk cId="677601570" sldId="259"/>
-            <ac:graphicFrameMk id="12" creationId="{B7EE496E-7C62-62C4-6ED2-1C0D162098CC}"/>
-          </ac:graphicFrameMkLst>
-        </pc:graphicFrameChg>
-        <pc:graphicFrameChg chg="add mod">
-          <ac:chgData name="Felipe Lopes de Oliveira" userId="7927722fe4027b30" providerId="LiveId" clId="{988CB3FB-85FE-4B18-8889-744054AB9037}" dt="2023-03-10T18:38:04.077" v="3377" actId="5736"/>
-          <ac:graphicFrameMkLst>
-            <pc:docMk/>
-            <pc:sldMk cId="677601570" sldId="259"/>
-            <ac:graphicFrameMk id="13" creationId="{E685A9D2-19C2-7152-FEFA-87E52AACC534}"/>
-          </ac:graphicFrameMkLst>
-        </pc:graphicFrameChg>
-        <pc:graphicFrameChg chg="add mod">
-          <ac:chgData name="Felipe Lopes de Oliveira" userId="7927722fe4027b30" providerId="LiveId" clId="{988CB3FB-85FE-4B18-8889-744054AB9037}" dt="2023-03-10T18:38:04.077" v="3377" actId="5736"/>
-          <ac:graphicFrameMkLst>
-            <pc:docMk/>
-            <pc:sldMk cId="677601570" sldId="259"/>
-            <ac:graphicFrameMk id="14" creationId="{54461B92-AA52-E127-D5B5-444B0C7FCB1E}"/>
-          </ac:graphicFrameMkLst>
-        </pc:graphicFrameChg>
-        <pc:graphicFrameChg chg="add mod">
-          <ac:chgData name="Felipe Lopes de Oliveira" userId="7927722fe4027b30" providerId="LiveId" clId="{988CB3FB-85FE-4B18-8889-744054AB9037}" dt="2023-03-10T18:38:04.077" v="3377" actId="5736"/>
-          <ac:graphicFrameMkLst>
-            <pc:docMk/>
-            <pc:sldMk cId="677601570" sldId="259"/>
-            <ac:graphicFrameMk id="15" creationId="{F27F8F4F-4FBC-7867-7413-DB5457A0EA3F}"/>
-          </ac:graphicFrameMkLst>
-        </pc:graphicFrameChg>
         <pc:graphicFrameChg chg="mod">
-          <ac:chgData name="Felipe Lopes de Oliveira" userId="7927722fe4027b30" providerId="LiveId" clId="{988CB3FB-85FE-4B18-8889-744054AB9037}" dt="2023-03-10T18:38:04.077" v="3377" actId="5736"/>
+          <ac:chgData name="Felipe Lopes de Oliveira" userId="7927722fe4027b30" providerId="LiveId" clId="{988CB3FB-85FE-4B18-8889-744054AB9037}" dt="2023-03-04T00:56:32.232" v="173"/>
           <ac:graphicFrameMkLst>
             <pc:docMk/>
             <pc:sldMk cId="677601570" sldId="259"/>
@@ -1426,7 +259,7 @@
           </ac:graphicFrameMkLst>
         </pc:graphicFrameChg>
         <pc:graphicFrameChg chg="mod">
-          <ac:chgData name="Felipe Lopes de Oliveira" userId="7927722fe4027b30" providerId="LiveId" clId="{988CB3FB-85FE-4B18-8889-744054AB9037}" dt="2023-03-10T18:38:04.077" v="3377" actId="5736"/>
+          <ac:chgData name="Felipe Lopes de Oliveira" userId="7927722fe4027b30" providerId="LiveId" clId="{988CB3FB-85FE-4B18-8889-744054AB9037}" dt="2023-03-04T00:59:39.928" v="235"/>
           <ac:graphicFrameMkLst>
             <pc:docMk/>
             <pc:sldMk cId="677601570" sldId="259"/>
@@ -1434,7 +267,7 @@
           </ac:graphicFrameMkLst>
         </pc:graphicFrameChg>
         <pc:graphicFrameChg chg="mod">
-          <ac:chgData name="Felipe Lopes de Oliveira" userId="7927722fe4027b30" providerId="LiveId" clId="{988CB3FB-85FE-4B18-8889-744054AB9037}" dt="2023-03-10T18:38:04.077" v="3377" actId="5736"/>
+          <ac:chgData name="Felipe Lopes de Oliveira" userId="7927722fe4027b30" providerId="LiveId" clId="{988CB3FB-85FE-4B18-8889-744054AB9037}" dt="2023-03-04T01:02:04.179" v="284"/>
           <ac:graphicFrameMkLst>
             <pc:docMk/>
             <pc:sldMk cId="677601570" sldId="259"/>
@@ -1442,7 +275,7 @@
           </ac:graphicFrameMkLst>
         </pc:graphicFrameChg>
         <pc:graphicFrameChg chg="mod">
-          <ac:chgData name="Felipe Lopes de Oliveira" userId="7927722fe4027b30" providerId="LiveId" clId="{988CB3FB-85FE-4B18-8889-744054AB9037}" dt="2023-03-10T18:38:04.077" v="3377" actId="5736"/>
+          <ac:chgData name="Felipe Lopes de Oliveira" userId="7927722fe4027b30" providerId="LiveId" clId="{988CB3FB-85FE-4B18-8889-744054AB9037}" dt="2023-03-04T01:03:46.467" v="330"/>
           <ac:graphicFrameMkLst>
             <pc:docMk/>
             <pc:sldMk cId="677601570" sldId="259"/>
@@ -1450,7 +283,7 @@
           </ac:graphicFrameMkLst>
         </pc:graphicFrameChg>
         <pc:graphicFrameChg chg="mod">
-          <ac:chgData name="Felipe Lopes de Oliveira" userId="7927722fe4027b30" providerId="LiveId" clId="{988CB3FB-85FE-4B18-8889-744054AB9037}" dt="2023-03-10T18:38:04.077" v="3377" actId="5736"/>
+          <ac:chgData name="Felipe Lopes de Oliveira" userId="7927722fe4027b30" providerId="LiveId" clId="{988CB3FB-85FE-4B18-8889-744054AB9037}" dt="2023-03-04T01:11:01.416" v="411"/>
           <ac:graphicFrameMkLst>
             <pc:docMk/>
             <pc:sldMk cId="677601570" sldId="259"/>
@@ -1458,127 +291,8 @@
           </ac:graphicFrameMkLst>
         </pc:graphicFrameChg>
       </pc:sldChg>
-      <pc:sldChg chg="modSp">
-        <pc:chgData name="Felipe Lopes de Oliveira" userId="7927722fe4027b30" providerId="LiveId" clId="{988CB3FB-85FE-4B18-8889-744054AB9037}" dt="2023-03-04T16:51:04.044" v="1017" actId="5736"/>
-        <pc:sldMkLst>
-          <pc:docMk/>
-          <pc:sldMk cId="1463927436" sldId="260"/>
-        </pc:sldMkLst>
-        <pc:spChg chg="mod">
-          <ac:chgData name="Felipe Lopes de Oliveira" userId="7927722fe4027b30" providerId="LiveId" clId="{988CB3FB-85FE-4B18-8889-744054AB9037}" dt="2023-03-04T16:51:04.044" v="1017" actId="5736"/>
-          <ac:spMkLst>
-            <pc:docMk/>
-            <pc:sldMk cId="1463927436" sldId="260"/>
-            <ac:spMk id="5" creationId="{90E86114-E759-48F3-9652-76E5F3AA3658}"/>
-          </ac:spMkLst>
-        </pc:spChg>
-        <pc:spChg chg="mod">
-          <ac:chgData name="Felipe Lopes de Oliveira" userId="7927722fe4027b30" providerId="LiveId" clId="{988CB3FB-85FE-4B18-8889-744054AB9037}" dt="2023-03-04T16:51:04.044" v="1017" actId="5736"/>
-          <ac:spMkLst>
-            <pc:docMk/>
-            <pc:sldMk cId="1463927436" sldId="260"/>
-            <ac:spMk id="7" creationId="{873057E6-C705-49AB-B737-335D3A936A56}"/>
-          </ac:spMkLst>
-        </pc:spChg>
-        <pc:spChg chg="mod">
-          <ac:chgData name="Felipe Lopes de Oliveira" userId="7927722fe4027b30" providerId="LiveId" clId="{988CB3FB-85FE-4B18-8889-744054AB9037}" dt="2023-03-04T16:51:04.044" v="1017" actId="5736"/>
-          <ac:spMkLst>
-            <pc:docMk/>
-            <pc:sldMk cId="1463927436" sldId="260"/>
-            <ac:spMk id="12" creationId="{32DD3DB6-CB44-E0E5-6CB4-0C3326F0120F}"/>
-          </ac:spMkLst>
-        </pc:spChg>
-        <pc:spChg chg="mod">
-          <ac:chgData name="Felipe Lopes de Oliveira" userId="7927722fe4027b30" providerId="LiveId" clId="{988CB3FB-85FE-4B18-8889-744054AB9037}" dt="2023-03-04T16:51:04.044" v="1017" actId="5736"/>
-          <ac:spMkLst>
-            <pc:docMk/>
-            <pc:sldMk cId="1463927436" sldId="260"/>
-            <ac:spMk id="13" creationId="{FE6D4824-7805-139B-1896-07980D7DA3C5}"/>
-          </ac:spMkLst>
-        </pc:spChg>
-        <pc:spChg chg="mod">
-          <ac:chgData name="Felipe Lopes de Oliveira" userId="7927722fe4027b30" providerId="LiveId" clId="{988CB3FB-85FE-4B18-8889-744054AB9037}" dt="2023-03-04T16:51:04.044" v="1017" actId="5736"/>
-          <ac:spMkLst>
-            <pc:docMk/>
-            <pc:sldMk cId="1463927436" sldId="260"/>
-            <ac:spMk id="14" creationId="{2C496953-AD46-738E-14BC-B53F6F0416BD}"/>
-          </ac:spMkLst>
-        </pc:spChg>
-        <pc:spChg chg="mod">
-          <ac:chgData name="Felipe Lopes de Oliveira" userId="7927722fe4027b30" providerId="LiveId" clId="{988CB3FB-85FE-4B18-8889-744054AB9037}" dt="2023-03-04T16:51:04.044" v="1017" actId="5736"/>
-          <ac:spMkLst>
-            <pc:docMk/>
-            <pc:sldMk cId="1463927436" sldId="260"/>
-            <ac:spMk id="15" creationId="{2CBB8D8E-76DB-CD9B-575D-D3AEA7DD0860}"/>
-          </ac:spMkLst>
-        </pc:spChg>
-        <pc:spChg chg="mod">
-          <ac:chgData name="Felipe Lopes de Oliveira" userId="7927722fe4027b30" providerId="LiveId" clId="{988CB3FB-85FE-4B18-8889-744054AB9037}" dt="2023-03-04T16:51:04.044" v="1017" actId="5736"/>
-          <ac:spMkLst>
-            <pc:docMk/>
-            <pc:sldMk cId="1463927436" sldId="260"/>
-            <ac:spMk id="16" creationId="{78E0BA36-A590-A127-F79B-91F8E28E1DEB}"/>
-          </ac:spMkLst>
-        </pc:spChg>
-        <pc:spChg chg="mod">
-          <ac:chgData name="Felipe Lopes de Oliveira" userId="7927722fe4027b30" providerId="LiveId" clId="{988CB3FB-85FE-4B18-8889-744054AB9037}" dt="2023-03-04T16:51:04.044" v="1017" actId="5736"/>
-          <ac:spMkLst>
-            <pc:docMk/>
-            <pc:sldMk cId="1463927436" sldId="260"/>
-            <ac:spMk id="23" creationId="{E4C8FEC3-A78B-D599-6A2F-2257505435BE}"/>
-          </ac:spMkLst>
-        </pc:spChg>
-        <pc:graphicFrameChg chg="mod">
-          <ac:chgData name="Felipe Lopes de Oliveira" userId="7927722fe4027b30" providerId="LiveId" clId="{988CB3FB-85FE-4B18-8889-744054AB9037}" dt="2023-03-04T16:51:04.044" v="1017" actId="5736"/>
-          <ac:graphicFrameMkLst>
-            <pc:docMk/>
-            <pc:sldMk cId="1463927436" sldId="260"/>
-            <ac:graphicFrameMk id="10" creationId="{486CE447-ABED-B1F9-8350-B5A1008EE352}"/>
-          </ac:graphicFrameMkLst>
-        </pc:graphicFrameChg>
-        <pc:graphicFrameChg chg="mod">
-          <ac:chgData name="Felipe Lopes de Oliveira" userId="7927722fe4027b30" providerId="LiveId" clId="{988CB3FB-85FE-4B18-8889-744054AB9037}" dt="2023-03-04T16:51:04.044" v="1017" actId="5736"/>
-          <ac:graphicFrameMkLst>
-            <pc:docMk/>
-            <pc:sldMk cId="1463927436" sldId="260"/>
-            <ac:graphicFrameMk id="17" creationId="{BE7BCA88-51B5-7DB4-6859-A7366FF03C75}"/>
-          </ac:graphicFrameMkLst>
-        </pc:graphicFrameChg>
-        <pc:graphicFrameChg chg="mod">
-          <ac:chgData name="Felipe Lopes de Oliveira" userId="7927722fe4027b30" providerId="LiveId" clId="{988CB3FB-85FE-4B18-8889-744054AB9037}" dt="2023-03-04T16:51:04.044" v="1017" actId="5736"/>
-          <ac:graphicFrameMkLst>
-            <pc:docMk/>
-            <pc:sldMk cId="1463927436" sldId="260"/>
-            <ac:graphicFrameMk id="18" creationId="{7EEE5EF1-AB1B-107C-DDB4-291CDB15BD77}"/>
-          </ac:graphicFrameMkLst>
-        </pc:graphicFrameChg>
-        <pc:graphicFrameChg chg="mod">
-          <ac:chgData name="Felipe Lopes de Oliveira" userId="7927722fe4027b30" providerId="LiveId" clId="{988CB3FB-85FE-4B18-8889-744054AB9037}" dt="2023-03-04T16:51:04.044" v="1017" actId="5736"/>
-          <ac:graphicFrameMkLst>
-            <pc:docMk/>
-            <pc:sldMk cId="1463927436" sldId="260"/>
-            <ac:graphicFrameMk id="19" creationId="{13BE817E-A33D-720D-FE79-B9C3EB9EBF94}"/>
-          </ac:graphicFrameMkLst>
-        </pc:graphicFrameChg>
-        <pc:graphicFrameChg chg="mod">
-          <ac:chgData name="Felipe Lopes de Oliveira" userId="7927722fe4027b30" providerId="LiveId" clId="{988CB3FB-85FE-4B18-8889-744054AB9037}" dt="2023-03-04T16:51:04.044" v="1017" actId="5736"/>
-          <ac:graphicFrameMkLst>
-            <pc:docMk/>
-            <pc:sldMk cId="1463927436" sldId="260"/>
-            <ac:graphicFrameMk id="21" creationId="{B38E84D9-E90B-333A-5F79-24051C68D335}"/>
-          </ac:graphicFrameMkLst>
-        </pc:graphicFrameChg>
-        <pc:graphicFrameChg chg="mod">
-          <ac:chgData name="Felipe Lopes de Oliveira" userId="7927722fe4027b30" providerId="LiveId" clId="{988CB3FB-85FE-4B18-8889-744054AB9037}" dt="2023-03-04T16:51:04.044" v="1017" actId="5736"/>
-          <ac:graphicFrameMkLst>
-            <pc:docMk/>
-            <pc:sldMk cId="1463927436" sldId="260"/>
-            <ac:graphicFrameMk id="22" creationId="{3A632131-91DE-DDAB-86F8-C9F70B9BFAF6}"/>
-          </ac:graphicFrameMkLst>
-        </pc:graphicFrameChg>
-      </pc:sldChg>
       <pc:sldChg chg="addSp delSp modSp add mod">
-        <pc:chgData name="Felipe Lopes de Oliveira" userId="7927722fe4027b30" providerId="LiveId" clId="{988CB3FB-85FE-4B18-8889-744054AB9037}" dt="2023-03-10T17:48:21.639" v="3133" actId="1076"/>
+        <pc:chgData name="Felipe Lopes de Oliveira" userId="7927722fe4027b30" providerId="LiveId" clId="{988CB3FB-85FE-4B18-8889-744054AB9037}" dt="2023-03-04T01:24:46.796" v="579"/>
         <pc:sldMkLst>
           <pc:docMk/>
           <pc:sldMk cId="4037734867" sldId="261"/>
@@ -1591,14 +305,6 @@
             <ac:spMk id="2" creationId="{DFCAEFCD-53F0-EE9A-4185-597EFE882040}"/>
           </ac:spMkLst>
         </pc:spChg>
-        <pc:spChg chg="add mod">
-          <ac:chgData name="Felipe Lopes de Oliveira" userId="7927722fe4027b30" providerId="LiveId" clId="{988CB3FB-85FE-4B18-8889-744054AB9037}" dt="2023-03-10T17:48:21.639" v="3133" actId="1076"/>
-          <ac:spMkLst>
-            <pc:docMk/>
-            <pc:sldMk cId="4037734867" sldId="261"/>
-            <ac:spMk id="3" creationId="{C3A75FD1-4F05-15ED-C789-143CB4250A55}"/>
-          </ac:spMkLst>
-        </pc:spChg>
         <pc:spChg chg="add del mod">
           <ac:chgData name="Felipe Lopes de Oliveira" userId="7927722fe4027b30" providerId="LiveId" clId="{988CB3FB-85FE-4B18-8889-744054AB9037}" dt="2023-03-04T01:11:59.179" v="425" actId="478"/>
           <ac:spMkLst>
@@ -1608,7 +314,7 @@
           </ac:spMkLst>
         </pc:spChg>
         <pc:spChg chg="add mod">
-          <ac:chgData name="Felipe Lopes de Oliveira" userId="7927722fe4027b30" providerId="LiveId" clId="{988CB3FB-85FE-4B18-8889-744054AB9037}" dt="2023-03-10T17:48:21.639" v="3133" actId="1076"/>
+          <ac:chgData name="Felipe Lopes de Oliveira" userId="7927722fe4027b30" providerId="LiveId" clId="{988CB3FB-85FE-4B18-8889-744054AB9037}" dt="2023-03-04T01:12:35.674" v="437" actId="1076"/>
           <ac:spMkLst>
             <pc:docMk/>
             <pc:sldMk cId="4037734867" sldId="261"/>
@@ -1616,7 +322,7 @@
           </ac:spMkLst>
         </pc:spChg>
         <pc:spChg chg="add mod">
-          <ac:chgData name="Felipe Lopes de Oliveira" userId="7927722fe4027b30" providerId="LiveId" clId="{988CB3FB-85FE-4B18-8889-744054AB9037}" dt="2023-03-10T17:48:21.639" v="3133" actId="1076"/>
+          <ac:chgData name="Felipe Lopes de Oliveira" userId="7927722fe4027b30" providerId="LiveId" clId="{988CB3FB-85FE-4B18-8889-744054AB9037}" dt="2023-03-04T01:12:55.902" v="446" actId="1076"/>
           <ac:spMkLst>
             <pc:docMk/>
             <pc:sldMk cId="4037734867" sldId="261"/>
@@ -1624,7 +330,7 @@
           </ac:spMkLst>
         </pc:spChg>
         <pc:spChg chg="add mod">
-          <ac:chgData name="Felipe Lopes de Oliveira" userId="7927722fe4027b30" providerId="LiveId" clId="{988CB3FB-85FE-4B18-8889-744054AB9037}" dt="2023-03-10T17:48:21.639" v="3133" actId="1076"/>
+          <ac:chgData name="Felipe Lopes de Oliveira" userId="7927722fe4027b30" providerId="LiveId" clId="{988CB3FB-85FE-4B18-8889-744054AB9037}" dt="2023-03-04T01:12:57.519" v="447" actId="1076"/>
           <ac:spMkLst>
             <pc:docMk/>
             <pc:sldMk cId="4037734867" sldId="261"/>
@@ -1632,7 +338,7 @@
           </ac:spMkLst>
         </pc:spChg>
         <pc:spChg chg="add mod">
-          <ac:chgData name="Felipe Lopes de Oliveira" userId="7927722fe4027b30" providerId="LiveId" clId="{988CB3FB-85FE-4B18-8889-744054AB9037}" dt="2023-03-10T17:48:21.639" v="3133" actId="1076"/>
+          <ac:chgData name="Felipe Lopes de Oliveira" userId="7927722fe4027b30" providerId="LiveId" clId="{988CB3FB-85FE-4B18-8889-744054AB9037}" dt="2023-03-04T01:12:50.942" v="443" actId="1076"/>
           <ac:spMkLst>
             <pc:docMk/>
             <pc:sldMk cId="4037734867" sldId="261"/>
@@ -1640,7 +346,7 @@
           </ac:spMkLst>
         </pc:spChg>
         <pc:spChg chg="add mod">
-          <ac:chgData name="Felipe Lopes de Oliveira" userId="7927722fe4027b30" providerId="LiveId" clId="{988CB3FB-85FE-4B18-8889-744054AB9037}" dt="2023-03-10T17:48:21.639" v="3133" actId="1076"/>
+          <ac:chgData name="Felipe Lopes de Oliveira" userId="7927722fe4027b30" providerId="LiveId" clId="{988CB3FB-85FE-4B18-8889-744054AB9037}" dt="2023-03-04T01:12:38.741" v="438" actId="1076"/>
           <ac:spMkLst>
             <pc:docMk/>
             <pc:sldMk cId="4037734867" sldId="261"/>
@@ -1648,7 +354,7 @@
           </ac:spMkLst>
         </pc:spChg>
         <pc:spChg chg="add mod">
-          <ac:chgData name="Felipe Lopes de Oliveira" userId="7927722fe4027b30" providerId="LiveId" clId="{988CB3FB-85FE-4B18-8889-744054AB9037}" dt="2023-03-10T17:48:21.639" v="3133" actId="1076"/>
+          <ac:chgData name="Felipe Lopes de Oliveira" userId="7927722fe4027b30" providerId="LiveId" clId="{988CB3FB-85FE-4B18-8889-744054AB9037}" dt="2023-03-04T01:12:44.284" v="440" actId="1076"/>
           <ac:spMkLst>
             <pc:docMk/>
             <pc:sldMk cId="4037734867" sldId="261"/>
@@ -1656,31 +362,15 @@
           </ac:spMkLst>
         </pc:spChg>
         <pc:spChg chg="add mod">
-          <ac:chgData name="Felipe Lopes de Oliveira" userId="7927722fe4027b30" providerId="LiveId" clId="{988CB3FB-85FE-4B18-8889-744054AB9037}" dt="2023-03-10T17:48:21.639" v="3133" actId="1076"/>
+          <ac:chgData name="Felipe Lopes de Oliveira" userId="7927722fe4027b30" providerId="LiveId" clId="{988CB3FB-85FE-4B18-8889-744054AB9037}" dt="2023-03-04T01:12:20.488" v="432" actId="1076"/>
           <ac:spMkLst>
             <pc:docMk/>
             <pc:sldMk cId="4037734867" sldId="261"/>
             <ac:spMk id="18" creationId="{969518B4-00E0-9FA6-18C8-9B4278999A6C}"/>
           </ac:spMkLst>
         </pc:spChg>
-        <pc:spChg chg="add mod">
-          <ac:chgData name="Felipe Lopes de Oliveira" userId="7927722fe4027b30" providerId="LiveId" clId="{988CB3FB-85FE-4B18-8889-744054AB9037}" dt="2023-03-10T17:48:21.639" v="3133" actId="1076"/>
-          <ac:spMkLst>
-            <pc:docMk/>
-            <pc:sldMk cId="4037734867" sldId="261"/>
-            <ac:spMk id="19" creationId="{BD0162A4-D3B6-70E5-A5A8-D0932BD5EB35}"/>
-          </ac:spMkLst>
-        </pc:spChg>
-        <pc:spChg chg="add mod">
-          <ac:chgData name="Felipe Lopes de Oliveira" userId="7927722fe4027b30" providerId="LiveId" clId="{988CB3FB-85FE-4B18-8889-744054AB9037}" dt="2023-03-10T17:48:21.639" v="3133" actId="1076"/>
-          <ac:spMkLst>
-            <pc:docMk/>
-            <pc:sldMk cId="4037734867" sldId="261"/>
-            <ac:spMk id="21" creationId="{EB80A4E1-EE14-A478-7CF6-C80BD34324EC}"/>
-          </ac:spMkLst>
-        </pc:spChg>
         <pc:spChg chg="mod">
-          <ac:chgData name="Felipe Lopes de Oliveira" userId="7927722fe4027b30" providerId="LiveId" clId="{988CB3FB-85FE-4B18-8889-744054AB9037}" dt="2023-03-10T17:48:21.639" v="3133" actId="1076"/>
+          <ac:chgData name="Felipe Lopes de Oliveira" userId="7927722fe4027b30" providerId="LiveId" clId="{988CB3FB-85FE-4B18-8889-744054AB9037}" dt="2023-03-04T01:11:31.680" v="415" actId="20577"/>
           <ac:spMkLst>
             <pc:docMk/>
             <pc:sldMk cId="4037734867" sldId="261"/>
@@ -1688,7 +378,7 @@
           </ac:spMkLst>
         </pc:spChg>
         <pc:spChg chg="add del mod">
-          <ac:chgData name="Felipe Lopes de Oliveira" userId="7927722fe4027b30" providerId="LiveId" clId="{988CB3FB-85FE-4B18-8889-744054AB9037}" dt="2023-03-10T17:48:21.639" v="3133" actId="1076"/>
+          <ac:chgData name="Felipe Lopes de Oliveira" userId="7927722fe4027b30" providerId="LiveId" clId="{988CB3FB-85FE-4B18-8889-744054AB9037}" dt="2023-03-04T01:12:01.633" v="426" actId="34135"/>
           <ac:spMkLst>
             <pc:docMk/>
             <pc:sldMk cId="4037734867" sldId="261"/>
@@ -1919,24 +609,8 @@
             <ac:grpSpMk id="4" creationId="{987D5BAE-C1F0-27B7-8DAD-B3655867F3F0}"/>
           </ac:grpSpMkLst>
         </pc:grpChg>
-        <pc:graphicFrameChg chg="add mod">
-          <ac:chgData name="Felipe Lopes de Oliveira" userId="7927722fe4027b30" providerId="LiveId" clId="{988CB3FB-85FE-4B18-8889-744054AB9037}" dt="2023-03-10T17:48:21.639" v="3133" actId="1076"/>
-          <ac:graphicFrameMkLst>
-            <pc:docMk/>
-            <pc:sldMk cId="4037734867" sldId="261"/>
-            <ac:graphicFrameMk id="2" creationId="{DF10CA27-B782-6B79-EF83-56DF515C59F4}"/>
-          </ac:graphicFrameMkLst>
-        </pc:graphicFrameChg>
-        <pc:graphicFrameChg chg="add mod">
-          <ac:chgData name="Felipe Lopes de Oliveira" userId="7927722fe4027b30" providerId="LiveId" clId="{988CB3FB-85FE-4B18-8889-744054AB9037}" dt="2023-03-10T17:48:21.639" v="3133" actId="1076"/>
-          <ac:graphicFrameMkLst>
-            <pc:docMk/>
-            <pc:sldMk cId="4037734867" sldId="261"/>
-            <ac:graphicFrameMk id="4" creationId="{B8E821AB-434A-9947-0C25-6587EFBC6EC9}"/>
-          </ac:graphicFrameMkLst>
-        </pc:graphicFrameChg>
         <pc:graphicFrameChg chg="mod topLvl">
-          <ac:chgData name="Felipe Lopes de Oliveira" userId="7927722fe4027b30" providerId="LiveId" clId="{988CB3FB-85FE-4B18-8889-744054AB9037}" dt="2023-03-10T17:48:21.639" v="3133" actId="1076"/>
+          <ac:chgData name="Felipe Lopes de Oliveira" userId="7927722fe4027b30" providerId="LiveId" clId="{988CB3FB-85FE-4B18-8889-744054AB9037}" dt="2023-03-04T01:18:09.800" v="457"/>
           <ac:graphicFrameMkLst>
             <pc:docMk/>
             <pc:sldMk cId="4037734867" sldId="261"/>
@@ -1944,7 +618,7 @@
           </ac:graphicFrameMkLst>
         </pc:graphicFrameChg>
         <pc:graphicFrameChg chg="mod topLvl">
-          <ac:chgData name="Felipe Lopes de Oliveira" userId="7927722fe4027b30" providerId="LiveId" clId="{988CB3FB-85FE-4B18-8889-744054AB9037}" dt="2023-03-10T17:48:21.639" v="3133" actId="1076"/>
+          <ac:chgData name="Felipe Lopes de Oliveira" userId="7927722fe4027b30" providerId="LiveId" clId="{988CB3FB-85FE-4B18-8889-744054AB9037}" dt="2023-03-04T01:18:40.668" v="470"/>
           <ac:graphicFrameMkLst>
             <pc:docMk/>
             <pc:sldMk cId="4037734867" sldId="261"/>
@@ -1952,7 +626,7 @@
           </ac:graphicFrameMkLst>
         </pc:graphicFrameChg>
         <pc:graphicFrameChg chg="mod topLvl">
-          <ac:chgData name="Felipe Lopes de Oliveira" userId="7927722fe4027b30" providerId="LiveId" clId="{988CB3FB-85FE-4B18-8889-744054AB9037}" dt="2023-03-10T17:48:21.639" v="3133" actId="1076"/>
+          <ac:chgData name="Felipe Lopes de Oliveira" userId="7927722fe4027b30" providerId="LiveId" clId="{988CB3FB-85FE-4B18-8889-744054AB9037}" dt="2023-03-04T01:24:28.332" v="562"/>
           <ac:graphicFrameMkLst>
             <pc:docMk/>
             <pc:sldMk cId="4037734867" sldId="261"/>
@@ -1960,7 +634,7 @@
           </ac:graphicFrameMkLst>
         </pc:graphicFrameChg>
         <pc:graphicFrameChg chg="mod topLvl">
-          <ac:chgData name="Felipe Lopes de Oliveira" userId="7927722fe4027b30" providerId="LiveId" clId="{988CB3FB-85FE-4B18-8889-744054AB9037}" dt="2023-03-10T17:48:21.639" v="3133" actId="1076"/>
+          <ac:chgData name="Felipe Lopes de Oliveira" userId="7927722fe4027b30" providerId="LiveId" clId="{988CB3FB-85FE-4B18-8889-744054AB9037}" dt="2023-03-04T01:24:42.305" v="574"/>
           <ac:graphicFrameMkLst>
             <pc:docMk/>
             <pc:sldMk cId="4037734867" sldId="261"/>
@@ -1968,7 +642,7 @@
           </ac:graphicFrameMkLst>
         </pc:graphicFrameChg>
         <pc:graphicFrameChg chg="mod topLvl">
-          <ac:chgData name="Felipe Lopes de Oliveira" userId="7927722fe4027b30" providerId="LiveId" clId="{988CB3FB-85FE-4B18-8889-744054AB9037}" dt="2023-03-10T17:48:21.639" v="3133" actId="1076"/>
+          <ac:chgData name="Felipe Lopes de Oliveira" userId="7927722fe4027b30" providerId="LiveId" clId="{988CB3FB-85FE-4B18-8889-744054AB9037}" dt="2023-03-04T01:24:38.288" v="570"/>
           <ac:graphicFrameMkLst>
             <pc:docMk/>
             <pc:sldMk cId="4037734867" sldId="261"/>
@@ -1976,7 +650,7 @@
           </ac:graphicFrameMkLst>
         </pc:graphicFrameChg>
         <pc:graphicFrameChg chg="mod topLvl">
-          <ac:chgData name="Felipe Lopes de Oliveira" userId="7927722fe4027b30" providerId="LiveId" clId="{988CB3FB-85FE-4B18-8889-744054AB9037}" dt="2023-03-10T17:48:21.639" v="3133" actId="1076"/>
+          <ac:chgData name="Felipe Lopes de Oliveira" userId="7927722fe4027b30" providerId="LiveId" clId="{988CB3FB-85FE-4B18-8889-744054AB9037}" dt="2023-03-04T01:24:46.796" v="579"/>
           <ac:graphicFrameMkLst>
             <pc:docMk/>
             <pc:sldMk cId="4037734867" sldId="261"/>
@@ -1984,19 +658,11 @@
           </ac:graphicFrameMkLst>
         </pc:graphicFrameChg>
         <pc:graphicFrameChg chg="mod topLvl">
-          <ac:chgData name="Felipe Lopes de Oliveira" userId="7927722fe4027b30" providerId="LiveId" clId="{988CB3FB-85FE-4B18-8889-744054AB9037}" dt="2023-03-10T17:48:21.639" v="3133" actId="1076"/>
+          <ac:chgData name="Felipe Lopes de Oliveira" userId="7927722fe4027b30" providerId="LiveId" clId="{988CB3FB-85FE-4B18-8889-744054AB9037}" dt="2023-03-04T01:24:34.288" v="566"/>
           <ac:graphicFrameMkLst>
             <pc:docMk/>
             <pc:sldMk cId="4037734867" sldId="261"/>
             <ac:graphicFrameMk id="11" creationId="{8F627798-786D-64DC-7AD1-9ADB61E3F824}"/>
-          </ac:graphicFrameMkLst>
-        </pc:graphicFrameChg>
-        <pc:graphicFrameChg chg="add mod">
-          <ac:chgData name="Felipe Lopes de Oliveira" userId="7927722fe4027b30" providerId="LiveId" clId="{988CB3FB-85FE-4B18-8889-744054AB9037}" dt="2023-03-10T17:48:21.639" v="3133" actId="1076"/>
-          <ac:graphicFrameMkLst>
-            <pc:docMk/>
-            <pc:sldMk cId="4037734867" sldId="261"/>
-            <ac:graphicFrameMk id="20" creationId="{63ECE260-4374-7E8D-2CC8-E0C6FC869857}"/>
           </ac:graphicFrameMkLst>
         </pc:graphicFrameChg>
         <pc:graphicFrameChg chg="del">
@@ -2074,8 +740,8 @@
         </p:nvSpPr>
         <p:spPr>
           <a:xfrm>
-            <a:off x="864037" y="2238751"/>
-            <a:ext cx="9792415" cy="4762488"/>
+            <a:off x="864037" y="1826438"/>
+            <a:ext cx="9792415" cy="3885377"/>
           </a:xfrm>
         </p:spPr>
         <p:txBody>
@@ -2106,8 +772,8 @@
         </p:nvSpPr>
         <p:spPr>
           <a:xfrm>
-            <a:off x="1440061" y="7184899"/>
-            <a:ext cx="8640366" cy="3302709"/>
+            <a:off x="1440061" y="5861650"/>
+            <a:ext cx="8640366" cy="2694446"/>
           </a:xfrm>
         </p:spPr>
         <p:txBody>
@@ -2176,7 +842,7 @@
           <a:p>
             <a:fld id="{DBC44DCA-8DCD-44D5-A529-810413827672}" type="datetimeFigureOut">
               <a:rPr lang="pt-BR" smtClean="0"/>
-              <a:t>10/03/2023</a:t>
+              <a:t>03/03/2023</a:t>
             </a:fld>
             <a:endParaRPr lang="pt-BR"/>
           </a:p>
@@ -2227,7 +893,7 @@
     </p:spTree>
     <p:extLst>
       <p:ext uri="{BB962C8B-B14F-4D97-AF65-F5344CB8AC3E}">
-        <p14:creationId xmlns:p14="http://schemas.microsoft.com/office/powerpoint/2010/main" val="1603706388"/>
+        <p14:creationId xmlns:p14="http://schemas.microsoft.com/office/powerpoint/2010/main" val="3116709444"/>
       </p:ext>
     </p:extLst>
   </p:cSld>
@@ -2346,7 +1012,7 @@
           <a:p>
             <a:fld id="{DBC44DCA-8DCD-44D5-A529-810413827672}" type="datetimeFigureOut">
               <a:rPr lang="pt-BR" smtClean="0"/>
-              <a:t>10/03/2023</a:t>
+              <a:t>03/03/2023</a:t>
             </a:fld>
             <a:endParaRPr lang="pt-BR"/>
           </a:p>
@@ -2397,7 +1063,7 @@
     </p:spTree>
     <p:extLst>
       <p:ext uri="{BB962C8B-B14F-4D97-AF65-F5344CB8AC3E}">
-        <p14:creationId xmlns:p14="http://schemas.microsoft.com/office/powerpoint/2010/main" val="518058503"/>
+        <p14:creationId xmlns:p14="http://schemas.microsoft.com/office/powerpoint/2010/main" val="215157155"/>
       </p:ext>
     </p:extLst>
   </p:cSld>
@@ -2436,8 +1102,8 @@
         </p:nvSpPr>
         <p:spPr>
           <a:xfrm>
-            <a:off x="8244350" y="728306"/>
-            <a:ext cx="2484105" cy="11592734"/>
+            <a:off x="8244350" y="594173"/>
+            <a:ext cx="2484105" cy="9457690"/>
           </a:xfrm>
         </p:spPr>
         <p:txBody>
@@ -2464,8 +1130,8 @@
         </p:nvSpPr>
         <p:spPr>
           <a:xfrm>
-            <a:off x="792034" y="728306"/>
-            <a:ext cx="7308310" cy="11592734"/>
+            <a:off x="792034" y="594173"/>
+            <a:ext cx="7308310" cy="9457690"/>
           </a:xfrm>
         </p:spPr>
         <p:txBody>
@@ -2526,7 +1192,7 @@
           <a:p>
             <a:fld id="{DBC44DCA-8DCD-44D5-A529-810413827672}" type="datetimeFigureOut">
               <a:rPr lang="pt-BR" smtClean="0"/>
-              <a:t>10/03/2023</a:t>
+              <a:t>03/03/2023</a:t>
             </a:fld>
             <a:endParaRPr lang="pt-BR"/>
           </a:p>
@@ -2577,7 +1243,7 @@
     </p:spTree>
     <p:extLst>
       <p:ext uri="{BB962C8B-B14F-4D97-AF65-F5344CB8AC3E}">
-        <p14:creationId xmlns:p14="http://schemas.microsoft.com/office/powerpoint/2010/main" val="439143355"/>
+        <p14:creationId xmlns:p14="http://schemas.microsoft.com/office/powerpoint/2010/main" val="497520173"/>
       </p:ext>
     </p:extLst>
   </p:cSld>
@@ -2696,7 +1362,7 @@
           <a:p>
             <a:fld id="{DBC44DCA-8DCD-44D5-A529-810413827672}" type="datetimeFigureOut">
               <a:rPr lang="pt-BR" smtClean="0"/>
-              <a:t>10/03/2023</a:t>
+              <a:t>03/03/2023</a:t>
             </a:fld>
             <a:endParaRPr lang="pt-BR"/>
           </a:p>
@@ -2747,7 +1413,7 @@
     </p:spTree>
     <p:extLst>
       <p:ext uri="{BB962C8B-B14F-4D97-AF65-F5344CB8AC3E}">
-        <p14:creationId xmlns:p14="http://schemas.microsoft.com/office/powerpoint/2010/main" val="1527227607"/>
+        <p14:creationId xmlns:p14="http://schemas.microsoft.com/office/powerpoint/2010/main" val="2083170103"/>
       </p:ext>
     </p:extLst>
   </p:cSld>
@@ -2786,8 +1452,8 @@
         </p:nvSpPr>
         <p:spPr>
           <a:xfrm>
-            <a:off x="786034" y="3410376"/>
-            <a:ext cx="9936421" cy="5690286"/>
+            <a:off x="786034" y="2782285"/>
+            <a:ext cx="9936421" cy="4642301"/>
           </a:xfrm>
         </p:spPr>
         <p:txBody>
@@ -2818,8 +1484,8 @@
         </p:nvSpPr>
         <p:spPr>
           <a:xfrm>
-            <a:off x="786034" y="9154495"/>
-            <a:ext cx="9936421" cy="2992387"/>
+            <a:off x="786034" y="7468503"/>
+            <a:ext cx="9936421" cy="2441277"/>
           </a:xfrm>
         </p:spPr>
         <p:txBody>
@@ -2940,7 +1606,7 @@
           <a:p>
             <a:fld id="{DBC44DCA-8DCD-44D5-A529-810413827672}" type="datetimeFigureOut">
               <a:rPr lang="pt-BR" smtClean="0"/>
-              <a:t>10/03/2023</a:t>
+              <a:t>03/03/2023</a:t>
             </a:fld>
             <a:endParaRPr lang="pt-BR"/>
           </a:p>
@@ -2991,7 +1657,7 @@
     </p:spTree>
     <p:extLst>
       <p:ext uri="{BB962C8B-B14F-4D97-AF65-F5344CB8AC3E}">
-        <p14:creationId xmlns:p14="http://schemas.microsoft.com/office/powerpoint/2010/main" val="858221181"/>
+        <p14:creationId xmlns:p14="http://schemas.microsoft.com/office/powerpoint/2010/main" val="3134789593"/>
       </p:ext>
     </p:extLst>
   </p:cSld>
@@ -3053,8 +1719,8 @@
         </p:nvSpPr>
         <p:spPr>
           <a:xfrm>
-            <a:off x="792034" y="3641531"/>
-            <a:ext cx="4896207" cy="8679509"/>
+            <a:off x="792034" y="2970867"/>
+            <a:ext cx="4896207" cy="7080997"/>
           </a:xfrm>
         </p:spPr>
         <p:txBody>
@@ -3110,8 +1776,8 @@
         </p:nvSpPr>
         <p:spPr>
           <a:xfrm>
-            <a:off x="5832247" y="3641531"/>
-            <a:ext cx="4896207" cy="8679509"/>
+            <a:off x="5832247" y="2970867"/>
+            <a:ext cx="4896207" cy="7080997"/>
           </a:xfrm>
         </p:spPr>
         <p:txBody>
@@ -3172,7 +1838,7 @@
           <a:p>
             <a:fld id="{DBC44DCA-8DCD-44D5-A529-810413827672}" type="datetimeFigureOut">
               <a:rPr lang="pt-BR" smtClean="0"/>
-              <a:t>10/03/2023</a:t>
+              <a:t>03/03/2023</a:t>
             </a:fld>
             <a:endParaRPr lang="pt-BR"/>
           </a:p>
@@ -3223,7 +1889,7 @@
     </p:spTree>
     <p:extLst>
       <p:ext uri="{BB962C8B-B14F-4D97-AF65-F5344CB8AC3E}">
-        <p14:creationId xmlns:p14="http://schemas.microsoft.com/office/powerpoint/2010/main" val="3541789526"/>
+        <p14:creationId xmlns:p14="http://schemas.microsoft.com/office/powerpoint/2010/main" val="395140623"/>
       </p:ext>
     </p:extLst>
   </p:cSld>
@@ -3262,8 +1928,8 @@
         </p:nvSpPr>
         <p:spPr>
           <a:xfrm>
-            <a:off x="793534" y="728309"/>
-            <a:ext cx="9936421" cy="2644069"/>
+            <a:off x="793534" y="594176"/>
+            <a:ext cx="9936421" cy="2157108"/>
           </a:xfrm>
         </p:spPr>
         <p:txBody>
@@ -3290,8 +1956,8 @@
         </p:nvSpPr>
         <p:spPr>
           <a:xfrm>
-            <a:off x="793535" y="3353376"/>
-            <a:ext cx="4873706" cy="1643437"/>
+            <a:off x="793535" y="2735782"/>
+            <a:ext cx="4873706" cy="1340764"/>
           </a:xfrm>
         </p:spPr>
         <p:txBody>
@@ -3355,8 +2021,8 @@
         </p:nvSpPr>
         <p:spPr>
           <a:xfrm>
-            <a:off x="793535" y="4996813"/>
-            <a:ext cx="4873706" cy="7349559"/>
+            <a:off x="793535" y="4076545"/>
+            <a:ext cx="4873706" cy="5995985"/>
           </a:xfrm>
         </p:spPr>
         <p:txBody>
@@ -3412,8 +2078,8 @@
         </p:nvSpPr>
         <p:spPr>
           <a:xfrm>
-            <a:off x="5832248" y="3353376"/>
-            <a:ext cx="4897708" cy="1643437"/>
+            <a:off x="5832248" y="2735782"/>
+            <a:ext cx="4897708" cy="1340764"/>
           </a:xfrm>
         </p:spPr>
         <p:txBody>
@@ -3477,8 +2143,8 @@
         </p:nvSpPr>
         <p:spPr>
           <a:xfrm>
-            <a:off x="5832248" y="4996813"/>
-            <a:ext cx="4897708" cy="7349559"/>
+            <a:off x="5832248" y="4076545"/>
+            <a:ext cx="4897708" cy="5995985"/>
           </a:xfrm>
         </p:spPr>
         <p:txBody>
@@ -3539,7 +2205,7 @@
           <a:p>
             <a:fld id="{DBC44DCA-8DCD-44D5-A529-810413827672}" type="datetimeFigureOut">
               <a:rPr lang="pt-BR" smtClean="0"/>
-              <a:t>10/03/2023</a:t>
+              <a:t>03/03/2023</a:t>
             </a:fld>
             <a:endParaRPr lang="pt-BR"/>
           </a:p>
@@ -3590,7 +2256,7 @@
     </p:spTree>
     <p:extLst>
       <p:ext uri="{BB962C8B-B14F-4D97-AF65-F5344CB8AC3E}">
-        <p14:creationId xmlns:p14="http://schemas.microsoft.com/office/powerpoint/2010/main" val="939853965"/>
+        <p14:creationId xmlns:p14="http://schemas.microsoft.com/office/powerpoint/2010/main" val="3091129771"/>
       </p:ext>
     </p:extLst>
   </p:cSld>
@@ -3657,7 +2323,7 @@
           <a:p>
             <a:fld id="{DBC44DCA-8DCD-44D5-A529-810413827672}" type="datetimeFigureOut">
               <a:rPr lang="pt-BR" smtClean="0"/>
-              <a:t>10/03/2023</a:t>
+              <a:t>03/03/2023</a:t>
             </a:fld>
             <a:endParaRPr lang="pt-BR"/>
           </a:p>
@@ -3708,7 +2374,7 @@
     </p:spTree>
     <p:extLst>
       <p:ext uri="{BB962C8B-B14F-4D97-AF65-F5344CB8AC3E}">
-        <p14:creationId xmlns:p14="http://schemas.microsoft.com/office/powerpoint/2010/main" val="3788520646"/>
+        <p14:creationId xmlns:p14="http://schemas.microsoft.com/office/powerpoint/2010/main" val="2128558902"/>
       </p:ext>
     </p:extLst>
   </p:cSld>
@@ -3752,7 +2418,7 @@
           <a:p>
             <a:fld id="{DBC44DCA-8DCD-44D5-A529-810413827672}" type="datetimeFigureOut">
               <a:rPr lang="pt-BR" smtClean="0"/>
-              <a:t>10/03/2023</a:t>
+              <a:t>03/03/2023</a:t>
             </a:fld>
             <a:endParaRPr lang="pt-BR"/>
           </a:p>
@@ -3803,7 +2469,7 @@
     </p:spTree>
     <p:extLst>
       <p:ext uri="{BB962C8B-B14F-4D97-AF65-F5344CB8AC3E}">
-        <p14:creationId xmlns:p14="http://schemas.microsoft.com/office/powerpoint/2010/main" val="867709088"/>
+        <p14:creationId xmlns:p14="http://schemas.microsoft.com/office/powerpoint/2010/main" val="837211979"/>
       </p:ext>
     </p:extLst>
   </p:cSld>
@@ -3842,8 +2508,8 @@
         </p:nvSpPr>
         <p:spPr>
           <a:xfrm>
-            <a:off x="793534" y="911966"/>
-            <a:ext cx="3715657" cy="3191881"/>
+            <a:off x="793534" y="744008"/>
+            <a:ext cx="3715657" cy="2604029"/>
           </a:xfrm>
         </p:spPr>
         <p:txBody>
@@ -3874,8 +2540,8 @@
         </p:nvSpPr>
         <p:spPr>
           <a:xfrm>
-            <a:off x="4897708" y="1969596"/>
-            <a:ext cx="5832247" cy="9721303"/>
+            <a:off x="4897708" y="1606854"/>
+            <a:ext cx="5832247" cy="7930922"/>
           </a:xfrm>
         </p:spPr>
         <p:txBody>
@@ -3959,8 +2625,8 @@
         </p:nvSpPr>
         <p:spPr>
           <a:xfrm>
-            <a:off x="793534" y="4103846"/>
-            <a:ext cx="3715657" cy="7602883"/>
+            <a:off x="793534" y="3348037"/>
+            <a:ext cx="3715657" cy="6202654"/>
           </a:xfrm>
         </p:spPr>
         <p:txBody>
@@ -4029,7 +2695,7 @@
           <a:p>
             <a:fld id="{DBC44DCA-8DCD-44D5-A529-810413827672}" type="datetimeFigureOut">
               <a:rPr lang="pt-BR" smtClean="0"/>
-              <a:t>10/03/2023</a:t>
+              <a:t>03/03/2023</a:t>
             </a:fld>
             <a:endParaRPr lang="pt-BR"/>
           </a:p>
@@ -4080,7 +2746,7 @@
     </p:spTree>
     <p:extLst>
       <p:ext uri="{BB962C8B-B14F-4D97-AF65-F5344CB8AC3E}">
-        <p14:creationId xmlns:p14="http://schemas.microsoft.com/office/powerpoint/2010/main" val="3411333284"/>
+        <p14:creationId xmlns:p14="http://schemas.microsoft.com/office/powerpoint/2010/main" val="2171485613"/>
       </p:ext>
     </p:extLst>
   </p:cSld>
@@ -4119,8 +2785,8 @@
         </p:nvSpPr>
         <p:spPr>
           <a:xfrm>
-            <a:off x="793534" y="911966"/>
-            <a:ext cx="3715657" cy="3191881"/>
+            <a:off x="793534" y="744008"/>
+            <a:ext cx="3715657" cy="2604029"/>
           </a:xfrm>
         </p:spPr>
         <p:txBody>
@@ -4151,8 +2817,8 @@
         </p:nvSpPr>
         <p:spPr>
           <a:xfrm>
-            <a:off x="4897708" y="1969596"/>
-            <a:ext cx="5832247" cy="9721303"/>
+            <a:off x="4897708" y="1606854"/>
+            <a:ext cx="5832247" cy="7930922"/>
           </a:xfrm>
         </p:spPr>
         <p:txBody>
@@ -4216,8 +2882,8 @@
         </p:nvSpPr>
         <p:spPr>
           <a:xfrm>
-            <a:off x="793534" y="4103846"/>
-            <a:ext cx="3715657" cy="7602883"/>
+            <a:off x="793534" y="3348037"/>
+            <a:ext cx="3715657" cy="6202654"/>
           </a:xfrm>
         </p:spPr>
         <p:txBody>
@@ -4286,7 +2952,7 @@
           <a:p>
             <a:fld id="{DBC44DCA-8DCD-44D5-A529-810413827672}" type="datetimeFigureOut">
               <a:rPr lang="pt-BR" smtClean="0"/>
-              <a:t>10/03/2023</a:t>
+              <a:t>03/03/2023</a:t>
             </a:fld>
             <a:endParaRPr lang="pt-BR"/>
           </a:p>
@@ -4337,7 +3003,7 @@
     </p:spTree>
     <p:extLst>
       <p:ext uri="{BB962C8B-B14F-4D97-AF65-F5344CB8AC3E}">
-        <p14:creationId xmlns:p14="http://schemas.microsoft.com/office/powerpoint/2010/main" val="69192388"/>
+        <p14:creationId xmlns:p14="http://schemas.microsoft.com/office/powerpoint/2010/main" val="2826924206"/>
       </p:ext>
     </p:extLst>
   </p:cSld>
@@ -4381,8 +3047,8 @@
         </p:nvSpPr>
         <p:spPr>
           <a:xfrm>
-            <a:off x="792034" y="728309"/>
-            <a:ext cx="9936421" cy="2644069"/>
+            <a:off x="792034" y="594176"/>
+            <a:ext cx="9936421" cy="2157108"/>
           </a:xfrm>
           <a:prstGeom prst="rect">
             <a:avLst/>
@@ -4414,8 +3080,8 @@
         </p:nvSpPr>
         <p:spPr>
           <a:xfrm>
-            <a:off x="792034" y="3641531"/>
-            <a:ext cx="9936421" cy="8679509"/>
+            <a:off x="792034" y="2970867"/>
+            <a:ext cx="9936421" cy="7080997"/>
           </a:xfrm>
           <a:prstGeom prst="rect">
             <a:avLst/>
@@ -4476,8 +3142,8 @@
         </p:nvSpPr>
         <p:spPr>
           <a:xfrm>
-            <a:off x="792033" y="12678862"/>
-            <a:ext cx="2592110" cy="728306"/>
+            <a:off x="792033" y="10343785"/>
+            <a:ext cx="2592110" cy="594173"/>
           </a:xfrm>
           <a:prstGeom prst="rect">
             <a:avLst/>
@@ -4499,7 +3165,7 @@
           <a:p>
             <a:fld id="{DBC44DCA-8DCD-44D5-A529-810413827672}" type="datetimeFigureOut">
               <a:rPr lang="pt-BR" smtClean="0"/>
-              <a:t>10/03/2023</a:t>
+              <a:t>03/03/2023</a:t>
             </a:fld>
             <a:endParaRPr lang="pt-BR"/>
           </a:p>
@@ -4517,8 +3183,8 @@
         </p:nvSpPr>
         <p:spPr>
           <a:xfrm>
-            <a:off x="3816162" y="12678862"/>
-            <a:ext cx="3888165" cy="728306"/>
+            <a:off x="3816162" y="10343785"/>
+            <a:ext cx="3888165" cy="594173"/>
           </a:xfrm>
           <a:prstGeom prst="rect">
             <a:avLst/>
@@ -4554,8 +3220,8 @@
         </p:nvSpPr>
         <p:spPr>
           <a:xfrm>
-            <a:off x="8136345" y="12678862"/>
-            <a:ext cx="2592110" cy="728306"/>
+            <a:off x="8136345" y="10343785"/>
+            <a:ext cx="2592110" cy="594173"/>
           </a:xfrm>
           <a:prstGeom prst="rect">
             <a:avLst/>
@@ -4586,23 +3252,23 @@
     </p:spTree>
     <p:extLst>
       <p:ext uri="{BB962C8B-B14F-4D97-AF65-F5344CB8AC3E}">
-        <p14:creationId xmlns:p14="http://schemas.microsoft.com/office/powerpoint/2010/main" val="2444832347"/>
+        <p14:creationId xmlns:p14="http://schemas.microsoft.com/office/powerpoint/2010/main" val="1041792184"/>
       </p:ext>
     </p:extLst>
   </p:cSld>
   <p:clrMap bg1="lt1" tx1="dk1" bg2="lt2" tx2="dk2" accent1="accent1" accent2="accent2" accent3="accent3" accent4="accent4" accent5="accent5" accent6="accent6" hlink="hlink" folHlink="folHlink"/>
   <p:sldLayoutIdLst>
-    <p:sldLayoutId id="2147483745" r:id="rId1"/>
-    <p:sldLayoutId id="2147483746" r:id="rId2"/>
-    <p:sldLayoutId id="2147483747" r:id="rId3"/>
-    <p:sldLayoutId id="2147483748" r:id="rId4"/>
-    <p:sldLayoutId id="2147483749" r:id="rId5"/>
-    <p:sldLayoutId id="2147483750" r:id="rId6"/>
-    <p:sldLayoutId id="2147483751" r:id="rId7"/>
-    <p:sldLayoutId id="2147483752" r:id="rId8"/>
-    <p:sldLayoutId id="2147483753" r:id="rId9"/>
-    <p:sldLayoutId id="2147483754" r:id="rId10"/>
-    <p:sldLayoutId id="2147483755" r:id="rId11"/>
+    <p:sldLayoutId id="2147483733" r:id="rId1"/>
+    <p:sldLayoutId id="2147483734" r:id="rId2"/>
+    <p:sldLayoutId id="2147483735" r:id="rId3"/>
+    <p:sldLayoutId id="2147483736" r:id="rId4"/>
+    <p:sldLayoutId id="2147483737" r:id="rId5"/>
+    <p:sldLayoutId id="2147483738" r:id="rId6"/>
+    <p:sldLayoutId id="2147483739" r:id="rId7"/>
+    <p:sldLayoutId id="2147483740" r:id="rId8"/>
+    <p:sldLayoutId id="2147483741" r:id="rId9"/>
+    <p:sldLayoutId id="2147483742" r:id="rId10"/>
+    <p:sldLayoutId id="2147483743" r:id="rId11"/>
   </p:sldLayoutIdLst>
   <p:txStyles>
     <p:titleStyle>
@@ -4918,7 +3584,7 @@
         </p:nvGrpSpPr>
         <p:grpSpPr>
           <a:xfrm>
-            <a:off x="83579" y="1311280"/>
+            <a:off x="83578" y="51597"/>
             <a:ext cx="11346423" cy="4619807"/>
             <a:chOff x="550935" y="585005"/>
             <a:chExt cx="11153385" cy="4541210"/>
@@ -6457,7 +5123,7 @@
         </p:nvGrpSpPr>
         <p:grpSpPr>
           <a:xfrm>
-            <a:off x="83579" y="6208804"/>
+            <a:off x="83578" y="4949121"/>
             <a:ext cx="4686245" cy="6166069"/>
             <a:chOff x="516709" y="191588"/>
             <a:chExt cx="4606518" cy="6061165"/>
@@ -7198,7 +5864,7 @@
         </p:nvGrpSpPr>
         <p:grpSpPr>
           <a:xfrm>
-            <a:off x="4934414" y="6208800"/>
+            <a:off x="4934413" y="4949117"/>
             <a:ext cx="4686245" cy="6167325"/>
             <a:chOff x="6789271" y="5294685"/>
             <a:chExt cx="4606517" cy="6062400"/>
@@ -7744,7 +6410,7 @@
         </p:nvSpPr>
         <p:spPr>
           <a:xfrm>
-            <a:off x="9774147" y="6218491"/>
+            <a:off x="9774147" y="4958808"/>
             <a:ext cx="1616756" cy="2994567"/>
           </a:xfrm>
           <a:prstGeom prst="roundRect">
@@ -7805,7 +6471,7 @@
         </p:nvSpPr>
         <p:spPr>
           <a:xfrm>
-            <a:off x="9774147" y="9380306"/>
+            <a:off x="9774147" y="8120623"/>
             <a:ext cx="1616756" cy="2994567"/>
           </a:xfrm>
           <a:prstGeom prst="roundRect">
@@ -7866,7 +6532,7 @@
         </p:nvSpPr>
         <p:spPr>
           <a:xfrm>
-            <a:off x="9792486" y="6329311"/>
+            <a:off x="9792486" y="5069628"/>
             <a:ext cx="1277914" cy="383631"/>
           </a:xfrm>
           <a:prstGeom prst="rect">
@@ -7910,7 +6576,7 @@
         </p:nvSpPr>
         <p:spPr>
           <a:xfrm>
-            <a:off x="9792486" y="9490425"/>
+            <a:off x="9792486" y="8230742"/>
             <a:ext cx="1353256" cy="383631"/>
           </a:xfrm>
           <a:prstGeom prst="rect">
@@ -7990,7 +6656,7 @@
         </p:nvGrpSpPr>
         <p:grpSpPr>
           <a:xfrm>
-            <a:off x="9883695" y="7037600"/>
+            <a:off x="9883695" y="5777918"/>
             <a:ext cx="1438888" cy="1998436"/>
             <a:chOff x="9679489" y="2554098"/>
             <a:chExt cx="2017657" cy="2802273"/>
@@ -8494,7 +7160,7 @@
         </p:nvSpPr>
         <p:spPr>
           <a:xfrm>
-            <a:off x="9866068" y="6780705"/>
+            <a:off x="9866067" y="5521022"/>
             <a:ext cx="620683" cy="276959"/>
           </a:xfrm>
           <a:prstGeom prst="rect">
@@ -8511,11 +7177,22 @@
           </a:bodyPr>
           <a:lstStyle/>
           <a:p>
-            <a:pPr algn="ctr">
+            <a:pPr marL="0" marR="0" lvl="0" indent="0" algn="ctr" rtl="0">
+              <a:lnSpc>
+                <a:spcPct val="100000"/>
+              </a:lnSpc>
+              <a:spcBef>
+                <a:spcPts val="0"/>
+              </a:spcBef>
+              <a:spcAft>
+                <a:spcPts val="0"/>
+              </a:spcAft>
               <a:buClr>
                 <a:srgbClr val="000000"/>
               </a:buClr>
               <a:buSzPts val="1200"/>
+              <a:buFont typeface="Arial"/>
+              <a:buNone/>
             </a:pPr>
             <a:r>
               <a:rPr lang="pt-BR" sz="1200" b="1" dirty="0">
@@ -8543,7 +7220,7 @@
               </a:rPr>
               <a:t>2</a:t>
             </a:r>
-            <a:endParaRPr sz="1400" baseline="-25000" dirty="0">
+            <a:endParaRPr sz="1400" b="0" i="0" strike="noStrike" cap="none" baseline="-25000" dirty="0">
               <a:solidFill>
                 <a:schemeClr val="tx1">
                   <a:lumMod val="85000"/>
@@ -8572,7 +7249,7 @@
         </p:nvSpPr>
         <p:spPr>
           <a:xfrm>
-            <a:off x="10574270" y="8234914"/>
+            <a:off x="10574269" y="6975231"/>
             <a:ext cx="620683" cy="276959"/>
           </a:xfrm>
           <a:prstGeom prst="rect">
@@ -8589,14 +7266,25 @@
           </a:bodyPr>
           <a:lstStyle/>
           <a:p>
-            <a:pPr algn="ctr">
+            <a:pPr marL="0" marR="0" lvl="0" indent="0" algn="ctr" rtl="0">
+              <a:lnSpc>
+                <a:spcPct val="100000"/>
+              </a:lnSpc>
+              <a:spcBef>
+                <a:spcPts val="0"/>
+              </a:spcBef>
+              <a:spcAft>
+                <a:spcPts val="0"/>
+              </a:spcAft>
               <a:buClr>
                 <a:srgbClr val="000000"/>
               </a:buClr>
               <a:buSzPts val="1200"/>
+              <a:buFont typeface="Arial"/>
+              <a:buNone/>
             </a:pPr>
             <a:r>
-              <a:rPr lang="pt-BR" sz="1200" b="1" dirty="0">
+              <a:rPr lang="pt-BR" sz="1200" b="1" i="0" strike="noStrike" cap="none" dirty="0">
                 <a:solidFill>
                   <a:schemeClr val="tx1">
                     <a:lumMod val="85000"/>
@@ -8610,7 +7298,7 @@
               </a:rPr>
               <a:t>CN</a:t>
             </a:r>
-            <a:endParaRPr sz="1400" dirty="0">
+            <a:endParaRPr sz="1400" b="0" i="0" strike="noStrike" cap="none" dirty="0">
               <a:solidFill>
                 <a:schemeClr val="tx1">
                   <a:lumMod val="85000"/>
@@ -8639,7 +7327,7 @@
         </p:nvSpPr>
         <p:spPr>
           <a:xfrm>
-            <a:off x="10581890" y="8653196"/>
+            <a:off x="10581889" y="7393513"/>
             <a:ext cx="620683" cy="276959"/>
           </a:xfrm>
           <a:prstGeom prst="rect">
@@ -8656,14 +7344,25 @@
           </a:bodyPr>
           <a:lstStyle/>
           <a:p>
-            <a:pPr algn="ctr">
+            <a:pPr marL="0" marR="0" lvl="0" indent="0" algn="ctr" rtl="0">
+              <a:lnSpc>
+                <a:spcPct val="100000"/>
+              </a:lnSpc>
+              <a:spcBef>
+                <a:spcPts val="0"/>
+              </a:spcBef>
+              <a:spcAft>
+                <a:spcPts val="0"/>
+              </a:spcAft>
               <a:buClr>
                 <a:srgbClr val="000000"/>
               </a:buClr>
               <a:buSzPts val="1200"/>
+              <a:buFont typeface="Arial"/>
+              <a:buNone/>
             </a:pPr>
             <a:r>
-              <a:rPr lang="pt-BR" sz="1200" b="1" dirty="0">
+              <a:rPr lang="pt-BR" sz="1200" b="1" i="0" strike="noStrike" cap="none" dirty="0">
                 <a:solidFill>
                   <a:schemeClr val="tx1">
                     <a:lumMod val="85000"/>
@@ -8677,7 +7376,7 @@
               </a:rPr>
               <a:t>Br</a:t>
             </a:r>
-            <a:endParaRPr sz="1400" dirty="0">
+            <a:endParaRPr sz="1400" b="0" i="0" strike="noStrike" cap="none" dirty="0">
               <a:solidFill>
                 <a:schemeClr val="tx1">
                   <a:lumMod val="85000"/>
@@ -8706,7 +7405,7 @@
         </p:nvSpPr>
         <p:spPr>
           <a:xfrm>
-            <a:off x="9919247" y="8234914"/>
+            <a:off x="9919246" y="6975231"/>
             <a:ext cx="620683" cy="276959"/>
           </a:xfrm>
           <a:prstGeom prst="rect">
@@ -8723,11 +7422,22 @@
           </a:bodyPr>
           <a:lstStyle/>
           <a:p>
-            <a:pPr algn="ctr">
+            <a:pPr marL="0" marR="0" lvl="0" indent="0" algn="ctr" rtl="0">
+              <a:lnSpc>
+                <a:spcPct val="100000"/>
+              </a:lnSpc>
+              <a:spcBef>
+                <a:spcPts val="0"/>
+              </a:spcBef>
+              <a:spcAft>
+                <a:spcPts val="0"/>
+              </a:spcAft>
               <a:buClr>
                 <a:srgbClr val="000000"/>
               </a:buClr>
               <a:buSzPts val="1200"/>
+              <a:buFont typeface="Arial"/>
+              <a:buNone/>
             </a:pPr>
             <a:r>
               <a:rPr lang="pt-BR" sz="1200" b="1" dirty="0">
@@ -8755,7 +7465,7 @@
               </a:rPr>
               <a:t>2</a:t>
             </a:r>
-            <a:endParaRPr sz="1400" baseline="-25000" dirty="0">
+            <a:endParaRPr sz="1400" b="0" i="0" strike="noStrike" cap="none" baseline="-25000" dirty="0">
               <a:solidFill>
                 <a:schemeClr val="tx1">
                   <a:lumMod val="85000"/>
@@ -8784,7 +7494,7 @@
         </p:nvSpPr>
         <p:spPr>
           <a:xfrm>
-            <a:off x="9845001" y="7438815"/>
+            <a:off x="9845000" y="6179132"/>
             <a:ext cx="620683" cy="276959"/>
           </a:xfrm>
           <a:prstGeom prst="rect">
@@ -8801,11 +7511,22 @@
           </a:bodyPr>
           <a:lstStyle/>
           <a:p>
-            <a:pPr algn="ctr">
+            <a:pPr marL="0" marR="0" lvl="0" indent="0" algn="ctr" rtl="0">
+              <a:lnSpc>
+                <a:spcPct val="100000"/>
+              </a:lnSpc>
+              <a:spcBef>
+                <a:spcPts val="0"/>
+              </a:spcBef>
+              <a:spcAft>
+                <a:spcPts val="0"/>
+              </a:spcAft>
               <a:buClr>
                 <a:srgbClr val="000000"/>
               </a:buClr>
               <a:buSzPts val="1200"/>
+              <a:buFont typeface="Arial"/>
+              <a:buNone/>
             </a:pPr>
             <a:r>
               <a:rPr lang="pt-BR" sz="1200" b="1" dirty="0">
@@ -8820,7 +7541,7 @@
               </a:rPr>
               <a:t>CHO</a:t>
             </a:r>
-            <a:endParaRPr sz="1400" baseline="-25000" dirty="0">
+            <a:endParaRPr sz="1400" b="0" i="0" strike="noStrike" cap="none" baseline="-25000" dirty="0">
               <a:solidFill>
                 <a:schemeClr val="tx1">
                   <a:lumMod val="85000"/>
@@ -8849,7 +7570,7 @@
         </p:nvSpPr>
         <p:spPr>
           <a:xfrm>
-            <a:off x="10574270" y="7488509"/>
+            <a:off x="10574269" y="6228826"/>
             <a:ext cx="694379" cy="276959"/>
           </a:xfrm>
           <a:prstGeom prst="rect">
@@ -8866,14 +7587,25 @@
           </a:bodyPr>
           <a:lstStyle/>
           <a:p>
-            <a:pPr algn="ctr">
+            <a:pPr marL="0" marR="0" lvl="0" indent="0" algn="ctr" rtl="0">
+              <a:lnSpc>
+                <a:spcPct val="100000"/>
+              </a:lnSpc>
+              <a:spcBef>
+                <a:spcPts val="0"/>
+              </a:spcBef>
+              <a:spcAft>
+                <a:spcPts val="0"/>
+              </a:spcAft>
               <a:buClr>
                 <a:srgbClr val="000000"/>
               </a:buClr>
               <a:buSzPts val="1200"/>
+              <a:buFont typeface="Arial"/>
+              <a:buNone/>
             </a:pPr>
             <a:r>
-              <a:rPr lang="pt-BR" sz="1200" b="1" dirty="0">
+              <a:rPr lang="pt-BR" sz="1200" b="1" i="0" strike="noStrike" cap="none" dirty="0">
                 <a:solidFill>
                   <a:schemeClr val="tx1">
                     <a:lumMod val="85000"/>
@@ -8888,7 +7620,7 @@
               <a:t>NHNH</a:t>
             </a:r>
             <a:r>
-              <a:rPr lang="pt-BR" sz="1200" b="1" baseline="-25000" dirty="0">
+              <a:rPr lang="pt-BR" sz="1200" b="1" i="0" strike="noStrike" cap="none" baseline="-25000" dirty="0">
                 <a:solidFill>
                   <a:schemeClr val="tx1">
                     <a:lumMod val="85000"/>
@@ -8902,7 +7634,7 @@
               </a:rPr>
               <a:t>2</a:t>
             </a:r>
-            <a:endParaRPr sz="1400" baseline="-25000" dirty="0">
+            <a:endParaRPr sz="1400" b="0" i="0" strike="noStrike" cap="none" baseline="-25000" dirty="0">
               <a:solidFill>
                 <a:schemeClr val="tx1">
                   <a:lumMod val="85000"/>
@@ -8931,7 +7663,7 @@
         </p:nvSpPr>
         <p:spPr>
           <a:xfrm>
-            <a:off x="10554036" y="6768180"/>
+            <a:off x="10554036" y="5508497"/>
             <a:ext cx="902632" cy="276959"/>
           </a:xfrm>
           <a:prstGeom prst="rect">
@@ -8948,14 +7680,25 @@
           </a:bodyPr>
           <a:lstStyle/>
           <a:p>
-            <a:pPr algn="ctr">
+            <a:pPr marL="0" marR="0" lvl="0" indent="0" algn="ctr" rtl="0">
+              <a:lnSpc>
+                <a:spcPct val="100000"/>
+              </a:lnSpc>
+              <a:spcBef>
+                <a:spcPts val="0"/>
+              </a:spcBef>
+              <a:spcAft>
+                <a:spcPts val="0"/>
+              </a:spcAft>
               <a:buClr>
                 <a:srgbClr val="000000"/>
               </a:buClr>
               <a:buSzPts val="1200"/>
+              <a:buFont typeface="Arial"/>
+              <a:buNone/>
             </a:pPr>
             <a:r>
-              <a:rPr lang="pt-BR" sz="1200" b="1" dirty="0">
+              <a:rPr lang="pt-BR" sz="1200" b="1" i="0" strike="noStrike" cap="none" dirty="0">
                 <a:solidFill>
                   <a:schemeClr val="tx1">
                     <a:lumMod val="85000"/>
@@ -8970,7 +7713,7 @@
               <a:t>CONHNH</a:t>
             </a:r>
             <a:r>
-              <a:rPr lang="pt-BR" sz="1200" b="1" baseline="-25000" dirty="0">
+              <a:rPr lang="pt-BR" sz="1200" b="1" i="0" strike="noStrike" cap="none" baseline="-25000" dirty="0">
                 <a:solidFill>
                   <a:schemeClr val="tx1">
                     <a:lumMod val="85000"/>
@@ -8984,7 +7727,7 @@
               </a:rPr>
               <a:t>2</a:t>
             </a:r>
-            <a:endParaRPr sz="1400" baseline="-25000" dirty="0">
+            <a:endParaRPr sz="1400" b="0" i="0" strike="noStrike" cap="none" baseline="-25000" dirty="0">
               <a:solidFill>
                 <a:schemeClr val="tx1">
                   <a:lumMod val="85000"/>
@@ -9013,7 +7756,7 @@
         </p:nvSpPr>
         <p:spPr>
           <a:xfrm>
-            <a:off x="9815124" y="9882974"/>
+            <a:off x="9815124" y="8623292"/>
             <a:ext cx="1507460" cy="2308324"/>
           </a:xfrm>
           <a:prstGeom prst="rect">
@@ -9344,8 +8087,8 @@
         </p:nvSpPr>
         <p:spPr>
           <a:xfrm>
-            <a:off x="87032" y="84668"/>
-            <a:ext cx="11346423" cy="6206066"/>
+            <a:off x="87031" y="51598"/>
+            <a:ext cx="11346423" cy="6039714"/>
           </a:xfrm>
           <a:prstGeom prst="roundRect">
             <a:avLst>
@@ -9405,7 +8148,7 @@
         </p:nvSpPr>
         <p:spPr>
           <a:xfrm>
-            <a:off x="203531" y="271919"/>
+            <a:off x="338997" y="366902"/>
             <a:ext cx="1675267" cy="461665"/>
           </a:xfrm>
           <a:prstGeom prst="rect">
@@ -9512,25 +8255,25 @@
           <p:nvPr>
             <p:extLst>
               <p:ext uri="{D42A27DB-BD31-4B8C-83A1-F6EECF244321}">
-                <p14:modId xmlns:p14="http://schemas.microsoft.com/office/powerpoint/2010/main" val="2988756845"/>
+                <p14:modId xmlns:p14="http://schemas.microsoft.com/office/powerpoint/2010/main" val="1374759555"/>
               </p:ext>
             </p:extLst>
           </p:nvPr>
         </p:nvGraphicFramePr>
         <p:xfrm>
-          <a:off x="1240054" y="1060698"/>
-          <a:ext cx="690562" cy="428625"/>
+          <a:off x="1268413" y="1169988"/>
+          <a:ext cx="885825" cy="4518025"/>
         </p:xfrm>
         <a:graphic>
           <a:graphicData uri="http://schemas.openxmlformats.org/presentationml/2006/ole">
             <mc:AlternateContent xmlns:mc="http://schemas.openxmlformats.org/markup-compatibility/2006">
               <mc:Choice xmlns:v="urn:schemas-microsoft-com:vml" Requires="v">
-                <p:oleObj name="CS ChemDraw Drawing" r:id="rId2" imgW="650240" imgH="403467" progId="ChemDraw.Document.6.0">
+                <p:oleObj name="CS ChemDraw Drawing" r:id="rId2" imgW="833120" imgH="4243947" progId="ChemDraw.Document.6.0">
                   <p:embed/>
                 </p:oleObj>
               </mc:Choice>
               <mc:Fallback>
-                <p:oleObj name="CS ChemDraw Drawing" r:id="rId2" imgW="650240" imgH="403467" progId="ChemDraw.Document.6.0">
+                <p:oleObj name="CS ChemDraw Drawing" r:id="rId2" imgW="833120" imgH="4243947" progId="ChemDraw.Document.6.0">
                   <p:embed/>
                   <p:pic>
                     <p:nvPicPr>
@@ -9552,8 +8295,8 @@
                     </p:blipFill>
                     <p:spPr>
                       <a:xfrm>
-                        <a:off x="1240054" y="1060698"/>
-                        <a:ext cx="690562" cy="428625"/>
+                        <a:off x="1268413" y="1169988"/>
+                        <a:ext cx="885825" cy="4518025"/>
                       </a:xfrm>
                       <a:prstGeom prst="rect">
                         <a:avLst/>
@@ -9580,7 +8323,7 @@
         </p:nvSpPr>
         <p:spPr>
           <a:xfrm>
-            <a:off x="451981" y="1048888"/>
+            <a:off x="587447" y="1143872"/>
             <a:ext cx="620683" cy="307736"/>
           </a:xfrm>
           <a:prstGeom prst="rect">
@@ -9597,11 +8340,22 @@
           </a:bodyPr>
           <a:lstStyle/>
           <a:p>
-            <a:pPr algn="ctr">
+            <a:pPr marL="0" marR="0" lvl="0" indent="0" algn="ctr" rtl="0">
+              <a:lnSpc>
+                <a:spcPct val="100000"/>
+              </a:lnSpc>
+              <a:spcBef>
+                <a:spcPts val="0"/>
+              </a:spcBef>
+              <a:spcAft>
+                <a:spcPts val="0"/>
+              </a:spcAft>
               <a:buClr>
                 <a:srgbClr val="000000"/>
               </a:buClr>
               <a:buSzPts val="1200"/>
+              <a:buFont typeface="Arial"/>
+              <a:buNone/>
             </a:pPr>
             <a:r>
               <a:rPr lang="pt-BR" sz="1400" b="1" dirty="0">
@@ -9613,7 +8367,7 @@
               </a:rPr>
               <a:t>H</a:t>
             </a:r>
-            <a:endParaRPr sz="1600" baseline="-25000" dirty="0">
+            <a:endParaRPr sz="1600" b="0" i="0" strike="noStrike" cap="none" baseline="-25000" dirty="0">
               <a:solidFill>
                 <a:srgbClr val="00B050"/>
               </a:solidFill>
@@ -9639,7 +8393,7 @@
         </p:nvSpPr>
         <p:spPr>
           <a:xfrm>
-            <a:off x="451981" y="1671990"/>
+            <a:off x="587447" y="1766974"/>
             <a:ext cx="620683" cy="307736"/>
           </a:xfrm>
           <a:prstGeom prst="rect">
@@ -9656,11 +8410,22 @@
           </a:bodyPr>
           <a:lstStyle/>
           <a:p>
-            <a:pPr algn="ctr">
+            <a:pPr marL="0" marR="0" lvl="0" indent="0" algn="ctr" rtl="0">
+              <a:lnSpc>
+                <a:spcPct val="100000"/>
+              </a:lnSpc>
+              <a:spcBef>
+                <a:spcPts val="0"/>
+              </a:spcBef>
+              <a:spcAft>
+                <a:spcPts val="0"/>
+              </a:spcAft>
               <a:buClr>
                 <a:srgbClr val="000000"/>
               </a:buClr>
               <a:buSzPts val="1200"/>
+              <a:buFont typeface="Arial"/>
+              <a:buNone/>
             </a:pPr>
             <a:r>
               <a:rPr lang="pt-BR" sz="1400" b="1" dirty="0">
@@ -9672,7 +8437,7 @@
               </a:rPr>
               <a:t>OH</a:t>
             </a:r>
-            <a:endParaRPr sz="1600" baseline="-25000" dirty="0">
+            <a:endParaRPr sz="1600" b="0" i="0" strike="noStrike" cap="none" baseline="-25000" dirty="0">
               <a:solidFill>
                 <a:srgbClr val="00B050"/>
               </a:solidFill>
@@ -9698,7 +8463,7 @@
         </p:nvSpPr>
         <p:spPr>
           <a:xfrm>
-            <a:off x="451980" y="2443992"/>
+            <a:off x="587446" y="2538976"/>
             <a:ext cx="620683" cy="307736"/>
           </a:xfrm>
           <a:prstGeom prst="rect">
@@ -9715,11 +8480,22 @@
           </a:bodyPr>
           <a:lstStyle/>
           <a:p>
-            <a:pPr algn="ctr">
+            <a:pPr marL="0" marR="0" lvl="0" indent="0" algn="ctr" rtl="0">
+              <a:lnSpc>
+                <a:spcPct val="100000"/>
+              </a:lnSpc>
+              <a:spcBef>
+                <a:spcPts val="0"/>
+              </a:spcBef>
+              <a:spcAft>
+                <a:spcPts val="0"/>
+              </a:spcAft>
               <a:buClr>
                 <a:srgbClr val="000000"/>
               </a:buClr>
               <a:buSzPts val="1200"/>
+              <a:buFont typeface="Arial"/>
+              <a:buNone/>
             </a:pPr>
             <a:r>
               <a:rPr lang="pt-BR" sz="1400" b="1" dirty="0">
@@ -9731,7 +8507,7 @@
               </a:rPr>
               <a:t>CH3</a:t>
             </a:r>
-            <a:endParaRPr sz="1600" baseline="-25000" dirty="0">
+            <a:endParaRPr sz="1600" b="0" i="0" strike="noStrike" cap="none" baseline="-25000" dirty="0">
               <a:solidFill>
                 <a:srgbClr val="00B050"/>
               </a:solidFill>
@@ -9757,7 +8533,7 @@
         </p:nvSpPr>
         <p:spPr>
           <a:xfrm>
-            <a:off x="459793" y="3215073"/>
+            <a:off x="587446" y="3373172"/>
             <a:ext cx="620683" cy="307736"/>
           </a:xfrm>
           <a:prstGeom prst="rect">
@@ -9774,11 +8550,22 @@
           </a:bodyPr>
           <a:lstStyle/>
           <a:p>
-            <a:pPr algn="ctr">
+            <a:pPr marL="0" marR="0" lvl="0" indent="0" algn="ctr" rtl="0">
+              <a:lnSpc>
+                <a:spcPct val="100000"/>
+              </a:lnSpc>
+              <a:spcBef>
+                <a:spcPts val="0"/>
+              </a:spcBef>
+              <a:spcAft>
+                <a:spcPts val="0"/>
+              </a:spcAft>
               <a:buClr>
                 <a:srgbClr val="000000"/>
               </a:buClr>
               <a:buSzPts val="1200"/>
+              <a:buFont typeface="Arial"/>
+              <a:buNone/>
             </a:pPr>
             <a:r>
               <a:rPr lang="pt-BR" sz="1400" b="1" dirty="0" err="1">
@@ -9790,7 +8577,7 @@
               </a:rPr>
               <a:t>tBut</a:t>
             </a:r>
-            <a:endParaRPr sz="1600" baseline="-25000" dirty="0">
+            <a:endParaRPr sz="1600" b="0" i="0" strike="noStrike" cap="none" baseline="-25000" dirty="0">
               <a:solidFill>
                 <a:srgbClr val="00B050"/>
               </a:solidFill>
@@ -9816,7 +8603,7 @@
         </p:nvSpPr>
         <p:spPr>
           <a:xfrm>
-            <a:off x="436958" y="4194208"/>
+            <a:off x="587447" y="4493963"/>
             <a:ext cx="620683" cy="307736"/>
           </a:xfrm>
           <a:prstGeom prst="rect">
@@ -9833,11 +8620,22 @@
           </a:bodyPr>
           <a:lstStyle/>
           <a:p>
-            <a:pPr algn="ctr">
+            <a:pPr marL="0" marR="0" lvl="0" indent="0" algn="ctr" rtl="0">
+              <a:lnSpc>
+                <a:spcPct val="100000"/>
+              </a:lnSpc>
+              <a:spcBef>
+                <a:spcPts val="0"/>
+              </a:spcBef>
+              <a:spcAft>
+                <a:spcPts val="0"/>
+              </a:spcAft>
               <a:buClr>
                 <a:srgbClr val="000000"/>
               </a:buClr>
               <a:buSzPts val="1200"/>
+              <a:buFont typeface="Arial"/>
+              <a:buNone/>
             </a:pPr>
             <a:r>
               <a:rPr lang="pt-BR" sz="1400" b="1" dirty="0" err="1">
@@ -9849,7 +8647,7 @@
               </a:rPr>
               <a:t>OMe</a:t>
             </a:r>
-            <a:endParaRPr sz="1600" baseline="-25000" dirty="0">
+            <a:endParaRPr sz="1600" b="0" i="0" strike="noStrike" cap="none" baseline="-25000" dirty="0">
               <a:solidFill>
                 <a:srgbClr val="00B050"/>
               </a:solidFill>
@@ -9875,7 +8673,7 @@
         </p:nvSpPr>
         <p:spPr>
           <a:xfrm>
-            <a:off x="451981" y="5022081"/>
+            <a:off x="587447" y="5117065"/>
             <a:ext cx="620683" cy="307736"/>
           </a:xfrm>
           <a:prstGeom prst="rect">
@@ -9892,11 +8690,22 @@
           </a:bodyPr>
           <a:lstStyle/>
           <a:p>
-            <a:pPr algn="ctr">
+            <a:pPr marL="0" marR="0" lvl="0" indent="0" algn="ctr" rtl="0">
+              <a:lnSpc>
+                <a:spcPct val="100000"/>
+              </a:lnSpc>
+              <a:spcBef>
+                <a:spcPts val="0"/>
+              </a:spcBef>
+              <a:spcAft>
+                <a:spcPts val="0"/>
+              </a:spcAft>
               <a:buClr>
                 <a:srgbClr val="000000"/>
               </a:buClr>
               <a:buSzPts val="1200"/>
+              <a:buFont typeface="Arial"/>
+              <a:buNone/>
             </a:pPr>
             <a:r>
               <a:rPr lang="pt-BR" sz="1400" b="1" dirty="0" err="1">
@@ -9908,7 +8717,7 @@
               </a:rPr>
               <a:t>OEt</a:t>
             </a:r>
-            <a:endParaRPr sz="1600" baseline="-25000" dirty="0">
+            <a:endParaRPr sz="1600" b="0" i="0" strike="noStrike" cap="none" baseline="-25000" dirty="0">
               <a:solidFill>
                 <a:srgbClr val="00B050"/>
               </a:solidFill>
@@ -9935,13 +8744,13 @@
           <p:nvPr>
             <p:extLst>
               <p:ext uri="{D42A27DB-BD31-4B8C-83A1-F6EECF244321}">
-                <p14:modId xmlns:p14="http://schemas.microsoft.com/office/powerpoint/2010/main" val="1593229692"/>
+                <p14:modId xmlns:p14="http://schemas.microsoft.com/office/powerpoint/2010/main" val="2260937614"/>
               </p:ext>
             </p:extLst>
           </p:nvPr>
         </p:nvGraphicFramePr>
         <p:xfrm>
-          <a:off x="3204634" y="1076591"/>
+          <a:off x="3340100" y="1171575"/>
           <a:ext cx="703263" cy="4584700"/>
         </p:xfrm>
         <a:graphic>
@@ -9975,7 +8784,7 @@
                     </p:blipFill>
                     <p:spPr>
                       <a:xfrm>
-                        <a:off x="3204634" y="1076591"/>
+                        <a:off x="3340100" y="1171575"/>
                         <a:ext cx="703263" cy="4584700"/>
                       </a:xfrm>
                       <a:prstGeom prst="rect">
@@ -10003,7 +8812,7 @@
         </p:nvSpPr>
         <p:spPr>
           <a:xfrm>
-            <a:off x="2461084" y="1048888"/>
+            <a:off x="2596550" y="1143872"/>
             <a:ext cx="620683" cy="307736"/>
           </a:xfrm>
           <a:prstGeom prst="rect">
@@ -10020,11 +8829,22 @@
           </a:bodyPr>
           <a:lstStyle/>
           <a:p>
-            <a:pPr algn="ctr">
+            <a:pPr marL="0" marR="0" lvl="0" indent="0" algn="ctr" rtl="0">
+              <a:lnSpc>
+                <a:spcPct val="100000"/>
+              </a:lnSpc>
+              <a:spcBef>
+                <a:spcPts val="0"/>
+              </a:spcBef>
+              <a:spcAft>
+                <a:spcPts val="0"/>
+              </a:spcAft>
               <a:buClr>
                 <a:srgbClr val="000000"/>
               </a:buClr>
               <a:buSzPts val="1200"/>
+              <a:buFont typeface="Arial"/>
+              <a:buNone/>
             </a:pPr>
             <a:r>
               <a:rPr lang="pt-BR" sz="1400" b="1" dirty="0">
@@ -10036,7 +8856,7 @@
               </a:rPr>
               <a:t>NH2</a:t>
             </a:r>
-            <a:endParaRPr sz="1600" baseline="-25000" dirty="0">
+            <a:endParaRPr sz="1600" b="0" i="0" strike="noStrike" cap="none" baseline="-25000" dirty="0">
               <a:solidFill>
                 <a:srgbClr val="00B050"/>
               </a:solidFill>
@@ -10062,7 +8882,7 @@
         </p:nvSpPr>
         <p:spPr>
           <a:xfrm>
-            <a:off x="2461084" y="1671990"/>
+            <a:off x="2596550" y="1766974"/>
             <a:ext cx="620683" cy="307736"/>
           </a:xfrm>
           <a:prstGeom prst="rect">
@@ -10079,11 +8899,22 @@
           </a:bodyPr>
           <a:lstStyle/>
           <a:p>
-            <a:pPr algn="ctr">
+            <a:pPr marL="0" marR="0" lvl="0" indent="0" algn="ctr" rtl="0">
+              <a:lnSpc>
+                <a:spcPct val="100000"/>
+              </a:lnSpc>
+              <a:spcBef>
+                <a:spcPts val="0"/>
+              </a:spcBef>
+              <a:spcAft>
+                <a:spcPts val="0"/>
+              </a:spcAft>
               <a:buClr>
                 <a:srgbClr val="000000"/>
               </a:buClr>
               <a:buSzPts val="1200"/>
+              <a:buFont typeface="Arial"/>
+              <a:buNone/>
             </a:pPr>
             <a:r>
               <a:rPr lang="pt-BR" sz="1400" b="1" dirty="0">
@@ -10095,7 +8926,7 @@
               </a:rPr>
               <a:t>NO2</a:t>
             </a:r>
-            <a:endParaRPr sz="1600" baseline="-25000" dirty="0">
+            <a:endParaRPr sz="1600" b="0" i="0" strike="noStrike" cap="none" baseline="-25000" dirty="0">
               <a:solidFill>
                 <a:srgbClr val="00B050"/>
               </a:solidFill>
@@ -10121,7 +8952,7 @@
         </p:nvSpPr>
         <p:spPr>
           <a:xfrm>
-            <a:off x="2461083" y="2443992"/>
+            <a:off x="2596549" y="2538976"/>
             <a:ext cx="620683" cy="307736"/>
           </a:xfrm>
           <a:prstGeom prst="rect">
@@ -10138,11 +8969,22 @@
           </a:bodyPr>
           <a:lstStyle/>
           <a:p>
-            <a:pPr algn="ctr">
+            <a:pPr marL="0" marR="0" lvl="0" indent="0" algn="ctr" rtl="0">
+              <a:lnSpc>
+                <a:spcPct val="100000"/>
+              </a:lnSpc>
+              <a:spcBef>
+                <a:spcPts val="0"/>
+              </a:spcBef>
+              <a:spcAft>
+                <a:spcPts val="0"/>
+              </a:spcAft>
               <a:buClr>
                 <a:srgbClr val="000000"/>
               </a:buClr>
               <a:buSzPts val="1200"/>
+              <a:buFont typeface="Arial"/>
+              <a:buNone/>
             </a:pPr>
             <a:r>
               <a:rPr lang="pt-BR" sz="1400" b="1" dirty="0">
@@ -10154,7 +8996,7 @@
               </a:rPr>
               <a:t>CN</a:t>
             </a:r>
-            <a:endParaRPr sz="1600" baseline="-25000" dirty="0">
+            <a:endParaRPr sz="1600" b="0" i="0" strike="noStrike" cap="none" baseline="-25000" dirty="0">
               <a:solidFill>
                 <a:srgbClr val="00B050"/>
               </a:solidFill>
@@ -10180,7 +9022,7 @@
         </p:nvSpPr>
         <p:spPr>
           <a:xfrm>
-            <a:off x="2461083" y="3278188"/>
+            <a:off x="2596549" y="3373172"/>
             <a:ext cx="620683" cy="307736"/>
           </a:xfrm>
           <a:prstGeom prst="rect">
@@ -10197,11 +9039,22 @@
           </a:bodyPr>
           <a:lstStyle/>
           <a:p>
-            <a:pPr algn="ctr">
+            <a:pPr marL="0" marR="0" lvl="0" indent="0" algn="ctr" rtl="0">
+              <a:lnSpc>
+                <a:spcPct val="100000"/>
+              </a:lnSpc>
+              <a:spcBef>
+                <a:spcPts val="0"/>
+              </a:spcBef>
+              <a:spcAft>
+                <a:spcPts val="0"/>
+              </a:spcAft>
               <a:buClr>
                 <a:srgbClr val="000000"/>
               </a:buClr>
               <a:buSzPts val="1200"/>
+              <a:buFont typeface="Arial"/>
+              <a:buNone/>
             </a:pPr>
             <a:r>
               <a:rPr lang="pt-BR" sz="1400" b="1" dirty="0">
@@ -10213,7 +9066,7 @@
               </a:rPr>
               <a:t>CHO</a:t>
             </a:r>
-            <a:endParaRPr sz="1600" baseline="-25000" dirty="0">
+            <a:endParaRPr sz="1600" b="0" i="0" strike="noStrike" cap="none" baseline="-25000" dirty="0">
               <a:solidFill>
                 <a:srgbClr val="00B050"/>
               </a:solidFill>
@@ -10239,7 +9092,7 @@
         </p:nvSpPr>
         <p:spPr>
           <a:xfrm>
-            <a:off x="2485500" y="4160237"/>
+            <a:off x="2620966" y="4255221"/>
             <a:ext cx="661987" cy="307736"/>
           </a:xfrm>
           <a:prstGeom prst="rect">
@@ -10256,11 +9109,22 @@
           </a:bodyPr>
           <a:lstStyle/>
           <a:p>
-            <a:pPr algn="ctr">
+            <a:pPr marL="0" marR="0" lvl="0" indent="0" algn="ctr" rtl="0">
+              <a:lnSpc>
+                <a:spcPct val="100000"/>
+              </a:lnSpc>
+              <a:spcBef>
+                <a:spcPts val="0"/>
+              </a:spcBef>
+              <a:spcAft>
+                <a:spcPts val="0"/>
+              </a:spcAft>
               <a:buClr>
                 <a:srgbClr val="000000"/>
               </a:buClr>
               <a:buSzPts val="1200"/>
+              <a:buFont typeface="Arial"/>
+              <a:buNone/>
             </a:pPr>
             <a:r>
               <a:rPr lang="pt-BR" sz="1400" b="1" dirty="0">
@@ -10272,7 +9136,7 @@
               </a:rPr>
               <a:t>COOH</a:t>
             </a:r>
-            <a:endParaRPr sz="1600" baseline="-25000" dirty="0">
+            <a:endParaRPr sz="1600" b="0" i="0" strike="noStrike" cap="none" baseline="-25000" dirty="0">
               <a:solidFill>
                 <a:srgbClr val="00B050"/>
               </a:solidFill>
@@ -10298,7 +9162,7 @@
         </p:nvSpPr>
         <p:spPr>
           <a:xfrm>
-            <a:off x="2295445" y="5022081"/>
+            <a:off x="2430912" y="5117065"/>
             <a:ext cx="928010" cy="307736"/>
           </a:xfrm>
           <a:prstGeom prst="rect">
@@ -10315,11 +9179,22 @@
           </a:bodyPr>
           <a:lstStyle/>
           <a:p>
-            <a:pPr algn="ctr">
+            <a:pPr marL="0" marR="0" lvl="0" indent="0" algn="ctr" rtl="0">
+              <a:lnSpc>
+                <a:spcPct val="100000"/>
+              </a:lnSpc>
+              <a:spcBef>
+                <a:spcPts val="0"/>
+              </a:spcBef>
+              <a:spcAft>
+                <a:spcPts val="0"/>
+              </a:spcAft>
               <a:buClr>
                 <a:srgbClr val="000000"/>
               </a:buClr>
               <a:buSzPts val="1200"/>
+              <a:buFont typeface="Arial"/>
+              <a:buNone/>
             </a:pPr>
             <a:r>
               <a:rPr lang="pt-BR" sz="1400" b="1" dirty="0">
@@ -10331,7 +9206,7 @@
               </a:rPr>
               <a:t>OCOCH3</a:t>
             </a:r>
-            <a:endParaRPr sz="1600" baseline="-25000" dirty="0">
+            <a:endParaRPr sz="1600" b="0" i="0" strike="noStrike" cap="none" baseline="-25000" dirty="0">
               <a:solidFill>
                 <a:srgbClr val="00B050"/>
               </a:solidFill>
@@ -10357,7 +9232,7 @@
         </p:nvSpPr>
         <p:spPr>
           <a:xfrm>
-            <a:off x="4426949" y="1048888"/>
+            <a:off x="4562415" y="1143872"/>
             <a:ext cx="620683" cy="307736"/>
           </a:xfrm>
           <a:prstGeom prst="rect">
@@ -10374,11 +9249,22 @@
           </a:bodyPr>
           <a:lstStyle/>
           <a:p>
-            <a:pPr algn="ctr">
+            <a:pPr marL="0" marR="0" lvl="0" indent="0" algn="ctr" rtl="0">
+              <a:lnSpc>
+                <a:spcPct val="100000"/>
+              </a:lnSpc>
+              <a:spcBef>
+                <a:spcPts val="0"/>
+              </a:spcBef>
+              <a:spcAft>
+                <a:spcPts val="0"/>
+              </a:spcAft>
               <a:buClr>
                 <a:srgbClr val="000000"/>
               </a:buClr>
               <a:buSzPts val="1200"/>
+              <a:buFont typeface="Arial"/>
+              <a:buNone/>
             </a:pPr>
             <a:r>
               <a:rPr lang="pt-BR" sz="1400" b="1" dirty="0">
@@ -10390,7 +9276,7 @@
               </a:rPr>
               <a:t>SH</a:t>
             </a:r>
-            <a:endParaRPr sz="1600" baseline="-25000" dirty="0">
+            <a:endParaRPr sz="1600" b="0" i="0" strike="noStrike" cap="none" baseline="-25000" dirty="0">
               <a:solidFill>
                 <a:srgbClr val="00B050"/>
               </a:solidFill>
@@ -10416,7 +9302,7 @@
         </p:nvSpPr>
         <p:spPr>
           <a:xfrm>
-            <a:off x="4426949" y="1671990"/>
+            <a:off x="4562415" y="1766974"/>
             <a:ext cx="620683" cy="307736"/>
           </a:xfrm>
           <a:prstGeom prst="rect">
@@ -10433,11 +9319,22 @@
           </a:bodyPr>
           <a:lstStyle/>
           <a:p>
-            <a:pPr algn="ctr">
+            <a:pPr marL="0" marR="0" lvl="0" indent="0" algn="ctr" rtl="0">
+              <a:lnSpc>
+                <a:spcPct val="100000"/>
+              </a:lnSpc>
+              <a:spcBef>
+                <a:spcPts val="0"/>
+              </a:spcBef>
+              <a:spcAft>
+                <a:spcPts val="0"/>
+              </a:spcAft>
               <a:buClr>
                 <a:srgbClr val="000000"/>
               </a:buClr>
               <a:buSzPts val="1200"/>
+              <a:buFont typeface="Arial"/>
+              <a:buNone/>
             </a:pPr>
             <a:r>
               <a:rPr lang="pt-BR" sz="1400" b="1" dirty="0">
@@ -10449,7 +9346,7 @@
               </a:rPr>
               <a:t>O</a:t>
             </a:r>
-            <a:endParaRPr sz="1600" baseline="-25000" dirty="0">
+            <a:endParaRPr sz="1600" b="0" i="0" strike="noStrike" cap="none" baseline="-25000" dirty="0">
               <a:solidFill>
                 <a:srgbClr val="00B050"/>
               </a:solidFill>
@@ -10475,7 +9372,7 @@
         </p:nvSpPr>
         <p:spPr>
           <a:xfrm>
-            <a:off x="4458061" y="2290124"/>
+            <a:off x="4593527" y="2385108"/>
             <a:ext cx="620683" cy="307736"/>
           </a:xfrm>
           <a:prstGeom prst="rect">
@@ -10492,11 +9389,22 @@
           </a:bodyPr>
           <a:lstStyle/>
           <a:p>
-            <a:pPr algn="ctr">
+            <a:pPr marL="0" marR="0" lvl="0" indent="0" algn="ctr" rtl="0">
+              <a:lnSpc>
+                <a:spcPct val="100000"/>
+              </a:lnSpc>
+              <a:spcBef>
+                <a:spcPts val="0"/>
+              </a:spcBef>
+              <a:spcAft>
+                <a:spcPts val="0"/>
+              </a:spcAft>
               <a:buClr>
                 <a:srgbClr val="000000"/>
               </a:buClr>
               <a:buSzPts val="1200"/>
+              <a:buFont typeface="Arial"/>
+              <a:buNone/>
             </a:pPr>
             <a:r>
               <a:rPr lang="pt-BR" sz="1400" b="1" dirty="0">
@@ -10508,7 +9416,7 @@
               </a:rPr>
               <a:t>NO</a:t>
             </a:r>
-            <a:endParaRPr sz="1600" baseline="-25000" dirty="0">
+            <a:endParaRPr sz="1600" b="0" i="0" strike="noStrike" cap="none" baseline="-25000" dirty="0">
               <a:solidFill>
                 <a:srgbClr val="00B050"/>
               </a:solidFill>
@@ -10534,7 +9442,7 @@
         </p:nvSpPr>
         <p:spPr>
           <a:xfrm>
-            <a:off x="4480011" y="3562390"/>
+            <a:off x="4615477" y="3657374"/>
             <a:ext cx="620683" cy="307736"/>
           </a:xfrm>
           <a:prstGeom prst="rect">
@@ -10551,11 +9459,22 @@
           </a:bodyPr>
           <a:lstStyle/>
           <a:p>
-            <a:pPr algn="ctr">
+            <a:pPr marL="0" marR="0" lvl="0" indent="0" algn="ctr" rtl="0">
+              <a:lnSpc>
+                <a:spcPct val="100000"/>
+              </a:lnSpc>
+              <a:spcBef>
+                <a:spcPts val="0"/>
+              </a:spcBef>
+              <a:spcAft>
+                <a:spcPts val="0"/>
+              </a:spcAft>
               <a:buClr>
                 <a:srgbClr val="000000"/>
               </a:buClr>
               <a:buSzPts val="1200"/>
+              <a:buFont typeface="Arial"/>
+              <a:buNone/>
             </a:pPr>
             <a:r>
               <a:rPr lang="pt-BR" sz="1400" b="1" dirty="0">
@@ -10567,7 +9486,7 @@
               </a:rPr>
               <a:t>Cl</a:t>
             </a:r>
-            <a:endParaRPr sz="1600" baseline="-25000" dirty="0">
+            <a:endParaRPr sz="1600" b="0" i="0" strike="noStrike" cap="none" baseline="-25000" dirty="0">
               <a:solidFill>
                 <a:srgbClr val="00B050"/>
               </a:solidFill>
@@ -10593,7 +9512,7 @@
         </p:nvSpPr>
         <p:spPr>
           <a:xfrm>
-            <a:off x="4487542" y="4354180"/>
+            <a:off x="4623008" y="4449164"/>
             <a:ext cx="620683" cy="307736"/>
           </a:xfrm>
           <a:prstGeom prst="rect">
@@ -10610,11 +9529,22 @@
           </a:bodyPr>
           <a:lstStyle/>
           <a:p>
-            <a:pPr algn="ctr">
+            <a:pPr marL="0" marR="0" lvl="0" indent="0" algn="ctr" rtl="0">
+              <a:lnSpc>
+                <a:spcPct val="100000"/>
+              </a:lnSpc>
+              <a:spcBef>
+                <a:spcPts val="0"/>
+              </a:spcBef>
+              <a:spcAft>
+                <a:spcPts val="0"/>
+              </a:spcAft>
               <a:buClr>
                 <a:srgbClr val="000000"/>
               </a:buClr>
               <a:buSzPts val="1200"/>
+              <a:buFont typeface="Arial"/>
+              <a:buNone/>
             </a:pPr>
             <a:r>
               <a:rPr lang="pt-BR" sz="1400" b="1" dirty="0">
@@ -10626,7 +9556,7 @@
               </a:rPr>
               <a:t>Br</a:t>
             </a:r>
-            <a:endParaRPr sz="1600" baseline="-25000" dirty="0">
+            <a:endParaRPr sz="1600" b="0" i="0" strike="noStrike" cap="none" baseline="-25000" dirty="0">
               <a:solidFill>
                 <a:srgbClr val="00B050"/>
               </a:solidFill>
@@ -10652,7 +9582,7 @@
         </p:nvSpPr>
         <p:spPr>
           <a:xfrm>
-            <a:off x="4484307" y="5134667"/>
+            <a:off x="4619773" y="5229651"/>
             <a:ext cx="620683" cy="307736"/>
           </a:xfrm>
           <a:prstGeom prst="rect">
@@ -10669,11 +9599,22 @@
           </a:bodyPr>
           <a:lstStyle/>
           <a:p>
-            <a:pPr algn="ctr">
+            <a:pPr marL="0" marR="0" lvl="0" indent="0" algn="ctr" rtl="0">
+              <a:lnSpc>
+                <a:spcPct val="100000"/>
+              </a:lnSpc>
+              <a:spcBef>
+                <a:spcPts val="0"/>
+              </a:spcBef>
+              <a:spcAft>
+                <a:spcPts val="0"/>
+              </a:spcAft>
               <a:buClr>
                 <a:srgbClr val="000000"/>
               </a:buClr>
               <a:buSzPts val="1200"/>
+              <a:buFont typeface="Arial"/>
+              <a:buNone/>
             </a:pPr>
             <a:r>
               <a:rPr lang="pt-BR" sz="1400" b="1" dirty="0">
@@ -10685,7 +9626,7 @@
               </a:rPr>
               <a:t>I</a:t>
             </a:r>
-            <a:endParaRPr sz="1600" baseline="-25000" dirty="0">
+            <a:endParaRPr sz="1600" b="0" i="0" strike="noStrike" cap="none" baseline="-25000" dirty="0">
               <a:solidFill>
                 <a:srgbClr val="00B050"/>
               </a:solidFill>
@@ -10711,7 +9652,7 @@
         </p:nvSpPr>
         <p:spPr>
           <a:xfrm>
-            <a:off x="4501493" y="2850007"/>
+            <a:off x="4636959" y="2944991"/>
             <a:ext cx="620683" cy="307736"/>
           </a:xfrm>
           <a:prstGeom prst="rect">
@@ -10728,11 +9669,22 @@
           </a:bodyPr>
           <a:lstStyle/>
           <a:p>
-            <a:pPr algn="ctr">
+            <a:pPr marL="0" marR="0" lvl="0" indent="0" algn="ctr" rtl="0">
+              <a:lnSpc>
+                <a:spcPct val="100000"/>
+              </a:lnSpc>
+              <a:spcBef>
+                <a:spcPts val="0"/>
+              </a:spcBef>
+              <a:spcAft>
+                <a:spcPts val="0"/>
+              </a:spcAft>
               <a:buClr>
                 <a:srgbClr val="000000"/>
               </a:buClr>
               <a:buSzPts val="1200"/>
+              <a:buFont typeface="Arial"/>
+              <a:buNone/>
             </a:pPr>
             <a:r>
               <a:rPr lang="pt-BR" sz="1400" b="1" dirty="0">
@@ -10744,7 +9696,7 @@
               </a:rPr>
               <a:t>F</a:t>
             </a:r>
-            <a:endParaRPr sz="1600" baseline="-25000" dirty="0">
+            <a:endParaRPr sz="1600" b="0" i="0" strike="noStrike" cap="none" baseline="-25000" dirty="0">
               <a:solidFill>
                 <a:srgbClr val="00B050"/>
               </a:solidFill>
@@ -10771,13 +9723,13 @@
           <p:nvPr>
             <p:extLst>
               <p:ext uri="{D42A27DB-BD31-4B8C-83A1-F6EECF244321}">
-                <p14:modId xmlns:p14="http://schemas.microsoft.com/office/powerpoint/2010/main" val="1947614505"/>
+                <p14:modId xmlns:p14="http://schemas.microsoft.com/office/powerpoint/2010/main" val="1443002114"/>
               </p:ext>
             </p:extLst>
           </p:nvPr>
         </p:nvGraphicFramePr>
         <p:xfrm>
-          <a:off x="5152496" y="1109929"/>
+          <a:off x="5287963" y="1204913"/>
           <a:ext cx="603250" cy="4425950"/>
         </p:xfrm>
         <a:graphic>
@@ -10811,7 +9763,7 @@
                     </p:blipFill>
                     <p:spPr>
                       <a:xfrm>
-                        <a:off x="5152496" y="1109929"/>
+                        <a:off x="5287963" y="1204913"/>
                         <a:ext cx="603250" cy="4425950"/>
                       </a:xfrm>
                       <a:prstGeom prst="rect">
@@ -10840,25 +9792,25 @@
           <p:nvPr>
             <p:extLst>
               <p:ext uri="{D42A27DB-BD31-4B8C-83A1-F6EECF244321}">
-                <p14:modId xmlns:p14="http://schemas.microsoft.com/office/powerpoint/2010/main" val="941667778"/>
+                <p14:modId xmlns:p14="http://schemas.microsoft.com/office/powerpoint/2010/main" val="3524045709"/>
               </p:ext>
             </p:extLst>
           </p:nvPr>
         </p:nvGraphicFramePr>
         <p:xfrm>
-          <a:off x="7002037" y="898774"/>
-          <a:ext cx="852488" cy="752475"/>
+          <a:off x="6757988" y="1177925"/>
+          <a:ext cx="893762" cy="2555875"/>
         </p:xfrm>
         <a:graphic>
           <a:graphicData uri="http://schemas.openxmlformats.org/presentationml/2006/ole">
             <mc:AlternateContent xmlns:mc="http://schemas.openxmlformats.org/markup-compatibility/2006">
               <mc:Choice xmlns:v="urn:schemas-microsoft-com:vml" Requires="v">
-                <p:oleObj name="CS ChemDraw Drawing" r:id="rId8" imgW="802876" imgH="711252" progId="ChemDraw.Document.6.0">
+                <p:oleObj name="CS ChemDraw Drawing" r:id="rId8" imgW="842571" imgH="2410434" progId="ChemDraw.Document.6.0">
                   <p:embed/>
                 </p:oleObj>
               </mc:Choice>
               <mc:Fallback>
-                <p:oleObj name="CS ChemDraw Drawing" r:id="rId8" imgW="802876" imgH="711252" progId="ChemDraw.Document.6.0">
+                <p:oleObj name="CS ChemDraw Drawing" r:id="rId8" imgW="842571" imgH="2410434" progId="ChemDraw.Document.6.0">
                   <p:embed/>
                   <p:pic>
                     <p:nvPicPr>
@@ -10880,8 +9832,8 @@
                     </p:blipFill>
                     <p:spPr>
                       <a:xfrm>
-                        <a:off x="7002037" y="898774"/>
-                        <a:ext cx="852488" cy="752475"/>
+                        <a:off x="6757988" y="1177925"/>
+                        <a:ext cx="893762" cy="2555875"/>
                       </a:xfrm>
                       <a:prstGeom prst="rect">
                         <a:avLst/>
@@ -10908,7 +9860,7 @@
         </p:nvSpPr>
         <p:spPr>
           <a:xfrm>
-            <a:off x="6314402" y="1241898"/>
+            <a:off x="6178781" y="1369178"/>
             <a:ext cx="620683" cy="307736"/>
           </a:xfrm>
           <a:prstGeom prst="rect">
@@ -10925,14 +9877,25 @@
           </a:bodyPr>
           <a:lstStyle/>
           <a:p>
-            <a:pPr algn="ctr">
+            <a:pPr marL="0" marR="0" lvl="0" indent="0" algn="ctr" rtl="0">
+              <a:lnSpc>
+                <a:spcPct val="100000"/>
+              </a:lnSpc>
+              <a:spcBef>
+                <a:spcPts val="0"/>
+              </a:spcBef>
+              <a:spcAft>
+                <a:spcPts val="0"/>
+              </a:spcAft>
               <a:buClr>
                 <a:srgbClr val="000000"/>
               </a:buClr>
               <a:buSzPts val="1200"/>
+              <a:buFont typeface="Arial"/>
+              <a:buNone/>
             </a:pPr>
             <a:r>
-              <a:rPr lang="pt-BR" sz="1400" b="1" dirty="0">
+              <a:rPr lang="pt-BR" sz="1400" b="1" i="0" strike="noStrike" cap="none" dirty="0">
                 <a:solidFill>
                   <a:srgbClr val="00B050"/>
                 </a:solidFill>
@@ -10943,7 +9906,7 @@
               </a:rPr>
               <a:t>SO2H</a:t>
             </a:r>
-            <a:endParaRPr sz="1600" dirty="0">
+            <a:endParaRPr sz="1600" b="0" i="0" strike="noStrike" cap="none" dirty="0">
               <a:solidFill>
                 <a:srgbClr val="00B050"/>
               </a:solidFill>
@@ -10969,7 +9932,7 @@
         </p:nvSpPr>
         <p:spPr>
           <a:xfrm>
-            <a:off x="6326610" y="2047142"/>
+            <a:off x="6167873" y="2302469"/>
             <a:ext cx="620683" cy="307736"/>
           </a:xfrm>
           <a:prstGeom prst="rect">
@@ -10986,14 +9949,25 @@
           </a:bodyPr>
           <a:lstStyle/>
           <a:p>
-            <a:pPr algn="ctr">
+            <a:pPr marL="0" marR="0" lvl="0" indent="0" algn="ctr" rtl="0">
+              <a:lnSpc>
+                <a:spcPct val="100000"/>
+              </a:lnSpc>
+              <a:spcBef>
+                <a:spcPts val="0"/>
+              </a:spcBef>
+              <a:spcAft>
+                <a:spcPts val="0"/>
+              </a:spcAft>
               <a:buClr>
                 <a:srgbClr val="000000"/>
               </a:buClr>
               <a:buSzPts val="1200"/>
+              <a:buFont typeface="Arial"/>
+              <a:buNone/>
             </a:pPr>
             <a:r>
-              <a:rPr lang="pt-BR" sz="1400" b="1" dirty="0">
+              <a:rPr lang="pt-BR" sz="1400" b="1" i="0" strike="noStrike" cap="none" dirty="0">
                 <a:solidFill>
                   <a:srgbClr val="00B050"/>
                 </a:solidFill>
@@ -11004,7 +9978,7 @@
               </a:rPr>
               <a:t>SO3H</a:t>
             </a:r>
-            <a:endParaRPr sz="1600" dirty="0">
+            <a:endParaRPr sz="1600" b="0" i="0" strike="noStrike" cap="none" dirty="0">
               <a:solidFill>
                 <a:srgbClr val="00B050"/>
               </a:solidFill>
@@ -11030,7 +10004,7 @@
         </p:nvSpPr>
         <p:spPr>
           <a:xfrm>
-            <a:off x="6362242" y="3054883"/>
+            <a:off x="6178780" y="3183996"/>
             <a:ext cx="620683" cy="307736"/>
           </a:xfrm>
           <a:prstGeom prst="rect">
@@ -11047,11 +10021,22 @@
           </a:bodyPr>
           <a:lstStyle/>
           <a:p>
-            <a:pPr algn="ctr">
+            <a:pPr marL="0" marR="0" lvl="0" indent="0" algn="ctr" rtl="0">
+              <a:lnSpc>
+                <a:spcPct val="100000"/>
+              </a:lnSpc>
+              <a:spcBef>
+                <a:spcPts val="0"/>
+              </a:spcBef>
+              <a:spcAft>
+                <a:spcPts val="0"/>
+              </a:spcAft>
               <a:buClr>
                 <a:srgbClr val="000000"/>
               </a:buClr>
               <a:buSzPts val="1200"/>
+              <a:buFont typeface="Arial"/>
+              <a:buNone/>
             </a:pPr>
             <a:r>
               <a:rPr lang="pt-BR" sz="1400" b="1" dirty="0">
@@ -11063,7 +10048,7 @@
               </a:rPr>
               <a:t>CHS</a:t>
             </a:r>
-            <a:endParaRPr sz="1600" baseline="-25000" dirty="0">
+            <a:endParaRPr sz="1600" b="0" i="0" strike="noStrike" cap="none" baseline="-25000" dirty="0">
               <a:solidFill>
                 <a:srgbClr val="00B050"/>
               </a:solidFill>
@@ -11090,13 +10075,13 @@
           <p:nvPr>
             <p:extLst>
               <p:ext uri="{D42A27DB-BD31-4B8C-83A1-F6EECF244321}">
-                <p14:modId xmlns:p14="http://schemas.microsoft.com/office/powerpoint/2010/main" val="2277676820"/>
+                <p14:modId xmlns:p14="http://schemas.microsoft.com/office/powerpoint/2010/main" val="1423736036"/>
               </p:ext>
             </p:extLst>
           </p:nvPr>
         </p:nvGraphicFramePr>
         <p:xfrm>
-          <a:off x="9303026" y="924192"/>
+          <a:off x="8839200" y="1209675"/>
           <a:ext cx="1408113" cy="4668838"/>
         </p:xfrm>
         <a:graphic>
@@ -11130,7 +10115,7 @@
                     </p:blipFill>
                     <p:spPr>
                       <a:xfrm>
-                        <a:off x="9303026" y="924192"/>
+                        <a:off x="8839200" y="1209675"/>
                         <a:ext cx="1408113" cy="4668838"/>
                       </a:xfrm>
                       <a:prstGeom prst="rect">
@@ -11158,7 +10143,7 @@
         </p:nvSpPr>
         <p:spPr>
           <a:xfrm>
-            <a:off x="8676860" y="1089543"/>
+            <a:off x="8213034" y="1375026"/>
             <a:ext cx="620683" cy="307736"/>
           </a:xfrm>
           <a:prstGeom prst="rect">
@@ -11175,14 +10160,25 @@
           </a:bodyPr>
           <a:lstStyle/>
           <a:p>
-            <a:pPr algn="ctr">
+            <a:pPr marL="0" marR="0" lvl="0" indent="0" algn="ctr" rtl="0">
+              <a:lnSpc>
+                <a:spcPct val="100000"/>
+              </a:lnSpc>
+              <a:spcBef>
+                <a:spcPts val="0"/>
+              </a:spcBef>
+              <a:spcAft>
+                <a:spcPts val="0"/>
+              </a:spcAft>
               <a:buClr>
                 <a:srgbClr val="000000"/>
               </a:buClr>
               <a:buSzPts val="1200"/>
+              <a:buFont typeface="Arial"/>
+              <a:buNone/>
             </a:pPr>
             <a:r>
-              <a:rPr lang="pt-BR" sz="1400" b="1" dirty="0">
+              <a:rPr lang="pt-BR" sz="1400" b="1" i="0" strike="noStrike" cap="none" dirty="0">
                 <a:solidFill>
                   <a:srgbClr val="00B050"/>
                 </a:solidFill>
@@ -11193,7 +10189,7 @@
               </a:rPr>
               <a:t>EPO</a:t>
             </a:r>
-            <a:endParaRPr sz="1600" dirty="0">
+            <a:endParaRPr sz="1600" b="0" i="0" strike="noStrike" cap="none" dirty="0">
               <a:solidFill>
                 <a:srgbClr val="00B050"/>
               </a:solidFill>
@@ -11219,8 +10215,8 @@
         </p:nvSpPr>
         <p:spPr>
           <a:xfrm>
-            <a:off x="8562618" y="1850892"/>
-            <a:ext cx="734926" cy="307736"/>
+            <a:off x="8213034" y="2136375"/>
+            <a:ext cx="620683" cy="523180"/>
           </a:xfrm>
           <a:prstGeom prst="rect">
             <a:avLst/>
@@ -11236,14 +10232,25 @@
           </a:bodyPr>
           <a:lstStyle/>
           <a:p>
-            <a:pPr algn="ctr">
+            <a:pPr marL="0" marR="0" lvl="0" indent="0" algn="ctr" rtl="0">
+              <a:lnSpc>
+                <a:spcPct val="100000"/>
+              </a:lnSpc>
+              <a:spcBef>
+                <a:spcPts val="0"/>
+              </a:spcBef>
+              <a:spcAft>
+                <a:spcPts val="0"/>
+              </a:spcAft>
               <a:buClr>
                 <a:srgbClr val="000000"/>
               </a:buClr>
               <a:buSzPts val="1200"/>
+              <a:buFont typeface="Arial"/>
+              <a:buNone/>
             </a:pPr>
             <a:r>
-              <a:rPr lang="pt-BR" sz="1400" b="1" dirty="0">
+              <a:rPr lang="pt-BR" sz="1400" b="1" i="0" strike="noStrike" cap="none" dirty="0">
                 <a:solidFill>
                   <a:srgbClr val="00B050"/>
                 </a:solidFill>
@@ -11254,7 +10261,7 @@
               </a:rPr>
               <a:t>MEPO</a:t>
             </a:r>
-            <a:endParaRPr sz="1600" dirty="0">
+            <a:endParaRPr sz="1600" b="0" i="0" strike="noStrike" cap="none" dirty="0">
               <a:solidFill>
                 <a:srgbClr val="00B050"/>
               </a:solidFill>
@@ -11280,7 +10287,7 @@
         </p:nvSpPr>
         <p:spPr>
           <a:xfrm>
-            <a:off x="8676860" y="2851767"/>
+            <a:off x="8213034" y="3137250"/>
             <a:ext cx="620683" cy="307736"/>
           </a:xfrm>
           <a:prstGeom prst="rect">
@@ -11297,14 +10304,25 @@
           </a:bodyPr>
           <a:lstStyle/>
           <a:p>
-            <a:pPr algn="ctr">
+            <a:pPr marL="0" marR="0" lvl="0" indent="0" algn="ctr" rtl="0">
+              <a:lnSpc>
+                <a:spcPct val="100000"/>
+              </a:lnSpc>
+              <a:spcBef>
+                <a:spcPts val="0"/>
+              </a:spcBef>
+              <a:spcAft>
+                <a:spcPts val="0"/>
+              </a:spcAft>
               <a:buClr>
                 <a:srgbClr val="000000"/>
               </a:buClr>
               <a:buSzPts val="1200"/>
+              <a:buFont typeface="Arial"/>
+              <a:buNone/>
             </a:pPr>
             <a:r>
-              <a:rPr lang="pt-BR" sz="1400" b="1" dirty="0">
+              <a:rPr lang="pt-BR" sz="1400" b="1" i="0" strike="noStrike" cap="none" dirty="0">
                 <a:solidFill>
                   <a:srgbClr val="00B050"/>
                 </a:solidFill>
@@ -11315,7 +10333,7 @@
               </a:rPr>
               <a:t>EEPO</a:t>
             </a:r>
-            <a:endParaRPr sz="1600" dirty="0">
+            <a:endParaRPr sz="1600" b="0" i="0" strike="noStrike" cap="none" dirty="0">
               <a:solidFill>
                 <a:srgbClr val="00B050"/>
               </a:solidFill>
@@ -11341,7 +10359,7 @@
         </p:nvSpPr>
         <p:spPr>
           <a:xfrm>
-            <a:off x="8562617" y="3972558"/>
+            <a:off x="8098792" y="4258041"/>
             <a:ext cx="849168" cy="307736"/>
           </a:xfrm>
           <a:prstGeom prst="rect">
@@ -11358,14 +10376,25 @@
           </a:bodyPr>
           <a:lstStyle/>
           <a:p>
-            <a:pPr algn="ctr">
+            <a:pPr marL="0" marR="0" lvl="0" indent="0" algn="ctr" rtl="0">
+              <a:lnSpc>
+                <a:spcPct val="100000"/>
+              </a:lnSpc>
+              <a:spcBef>
+                <a:spcPts val="0"/>
+              </a:spcBef>
+              <a:spcAft>
+                <a:spcPts val="0"/>
+              </a:spcAft>
               <a:buClr>
                 <a:srgbClr val="000000"/>
               </a:buClr>
               <a:buSzPts val="1200"/>
+              <a:buFont typeface="Arial"/>
+              <a:buNone/>
             </a:pPr>
             <a:r>
-              <a:rPr lang="pt-BR" sz="1400" b="1" dirty="0">
+              <a:rPr lang="pt-BR" sz="1400" b="1" i="0" strike="noStrike" cap="none" dirty="0">
                 <a:solidFill>
                   <a:srgbClr val="00B050"/>
                 </a:solidFill>
@@ -11376,7 +10405,7 @@
               </a:rPr>
               <a:t>OEEPO</a:t>
             </a:r>
-            <a:endParaRPr sz="1600" dirty="0">
+            <a:endParaRPr sz="1600" b="0" i="0" strike="noStrike" cap="none" dirty="0">
               <a:solidFill>
                 <a:srgbClr val="00B050"/>
               </a:solidFill>
@@ -11402,7 +10431,7 @@
         </p:nvSpPr>
         <p:spPr>
           <a:xfrm>
-            <a:off x="8562617" y="4831084"/>
+            <a:off x="8098792" y="5116567"/>
             <a:ext cx="849168" cy="307736"/>
           </a:xfrm>
           <a:prstGeom prst="rect">
@@ -11419,14 +10448,25 @@
           </a:bodyPr>
           <a:lstStyle/>
           <a:p>
-            <a:pPr algn="ctr">
+            <a:pPr marL="0" marR="0" lvl="0" indent="0" algn="ctr" rtl="0">
+              <a:lnSpc>
+                <a:spcPct val="100000"/>
+              </a:lnSpc>
+              <a:spcBef>
+                <a:spcPts val="0"/>
+              </a:spcBef>
+              <a:spcAft>
+                <a:spcPts val="0"/>
+              </a:spcAft>
               <a:buClr>
                 <a:srgbClr val="000000"/>
               </a:buClr>
               <a:buSzPts val="1200"/>
+              <a:buFont typeface="Arial"/>
+              <a:buNone/>
             </a:pPr>
             <a:r>
-              <a:rPr lang="pt-BR" sz="1400" b="1" dirty="0">
+              <a:rPr lang="pt-BR" sz="1400" b="1" i="0" strike="noStrike" cap="none" dirty="0">
                 <a:solidFill>
                   <a:srgbClr val="00B050"/>
                 </a:solidFill>
@@ -11437,7 +10477,7 @@
               </a:rPr>
               <a:t>EMEPO</a:t>
             </a:r>
-            <a:endParaRPr sz="1600" dirty="0">
+            <a:endParaRPr sz="1600" b="0" i="0" strike="noStrike" cap="none" dirty="0">
               <a:solidFill>
                 <a:srgbClr val="00B050"/>
               </a:solidFill>
@@ -11449,877 +10489,6 @@
           </a:p>
         </p:txBody>
       </p:sp>
-      <p:sp>
-        <p:nvSpPr>
-          <p:cNvPr id="2" name="Google Shape;298;p9">
-            <a:extLst>
-              <a:ext uri="{FF2B5EF4-FFF2-40B4-BE49-F238E27FC236}">
-                <a16:creationId xmlns:a16="http://schemas.microsoft.com/office/drawing/2014/main" id="{A66FB4FE-B35C-2F19-0B31-09CADA8E6C75}"/>
-              </a:ext>
-            </a:extLst>
-          </p:cNvPr>
-          <p:cNvSpPr txBox="1"/>
-          <p:nvPr/>
-        </p:nvSpPr>
-        <p:spPr>
-          <a:xfrm>
-            <a:off x="6381354" y="3902089"/>
-            <a:ext cx="620683" cy="307736"/>
-          </a:xfrm>
-          <a:prstGeom prst="rect">
-            <a:avLst/>
-          </a:prstGeom>
-          <a:noFill/>
-          <a:ln>
-            <a:noFill/>
-          </a:ln>
-        </p:spPr>
-        <p:txBody>
-          <a:bodyPr spcFirstLastPara="1" wrap="square" lIns="91425" tIns="45700" rIns="91425" bIns="45700" anchor="t" anchorCtr="0">
-            <a:spAutoFit/>
-          </a:bodyPr>
-          <a:lstStyle/>
-          <a:p>
-            <a:pPr algn="ctr">
-              <a:buClr>
-                <a:srgbClr val="000000"/>
-              </a:buClr>
-              <a:buSzPts val="1200"/>
-            </a:pPr>
-            <a:r>
-              <a:rPr lang="pt-BR" sz="1400" b="1" dirty="0" err="1">
-                <a:solidFill>
-                  <a:srgbClr val="00B050"/>
-                </a:solidFill>
-                <a:latin typeface="Avenir"/>
-                <a:ea typeface="Arial"/>
-                <a:cs typeface="Arial"/>
-                <a:sym typeface="Avenir"/>
-              </a:rPr>
-              <a:t>Ph</a:t>
-            </a:r>
-            <a:endParaRPr sz="1600" dirty="0">
-              <a:solidFill>
-                <a:srgbClr val="00B050"/>
-              </a:solidFill>
-              <a:latin typeface="Arial"/>
-              <a:ea typeface="Arial"/>
-              <a:cs typeface="Arial"/>
-              <a:sym typeface="Arial"/>
-            </a:endParaRPr>
-          </a:p>
-        </p:txBody>
-      </p:sp>
-      <p:graphicFrame>
-        <p:nvGraphicFramePr>
-          <p:cNvPr id="3" name="Objeto 2">
-            <a:extLst>
-              <a:ext uri="{FF2B5EF4-FFF2-40B4-BE49-F238E27FC236}">
-                <a16:creationId xmlns:a16="http://schemas.microsoft.com/office/drawing/2014/main" id="{4554C834-5DAB-C70D-C483-2C1ED140B634}"/>
-              </a:ext>
-            </a:extLst>
-          </p:cNvPr>
-          <p:cNvGraphicFramePr>
-            <a:graphicFrameLocks noChangeAspect="1"/>
-          </p:cNvGraphicFramePr>
-          <p:nvPr>
-            <p:extLst>
-              <p:ext uri="{D42A27DB-BD31-4B8C-83A1-F6EECF244321}">
-                <p14:modId xmlns:p14="http://schemas.microsoft.com/office/powerpoint/2010/main" val="3540188199"/>
-              </p:ext>
-            </p:extLst>
-          </p:nvPr>
-        </p:nvGraphicFramePr>
-        <p:xfrm>
-          <a:off x="7133537" y="3738907"/>
-          <a:ext cx="644525" cy="735012"/>
-        </p:xfrm>
-        <a:graphic>
-          <a:graphicData uri="http://schemas.openxmlformats.org/presentationml/2006/ole">
-            <mc:AlternateContent xmlns:mc="http://schemas.openxmlformats.org/markup-compatibility/2006">
-              <mc:Choice xmlns:v="urn:schemas-microsoft-com:vml" Requires="v">
-                <p:oleObj name="CS ChemDraw Drawing" r:id="rId12" imgW="644569" imgH="735762" progId="ChemDraw.Document.6.0">
-                  <p:embed/>
-                </p:oleObj>
-              </mc:Choice>
-              <mc:Fallback>
-                <p:oleObj name="CS ChemDraw Drawing" r:id="rId12" imgW="644569" imgH="735762" progId="ChemDraw.Document.6.0">
-                  <p:embed/>
-                  <p:pic>
-                    <p:nvPicPr>
-                      <p:cNvPr id="3" name="Objeto 2">
-                        <a:extLst>
-                          <a:ext uri="{FF2B5EF4-FFF2-40B4-BE49-F238E27FC236}">
-                            <a16:creationId xmlns:a16="http://schemas.microsoft.com/office/drawing/2014/main" id="{4554C834-5DAB-C70D-C483-2C1ED140B634}"/>
-                          </a:ext>
-                        </a:extLst>
-                      </p:cNvPr>
-                      <p:cNvPicPr/>
-                      <p:nvPr/>
-                    </p:nvPicPr>
-                    <p:blipFill>
-                      <a:blip r:embed="rId13"/>
-                      <a:stretch>
-                        <a:fillRect/>
-                      </a:stretch>
-                    </p:blipFill>
-                    <p:spPr>
-                      <a:xfrm>
-                        <a:off x="7133537" y="3738907"/>
-                        <a:ext cx="644525" cy="735012"/>
-                      </a:xfrm>
-                      <a:prstGeom prst="rect">
-                        <a:avLst/>
-                      </a:prstGeom>
-                    </p:spPr>
-                  </p:pic>
-                </p:oleObj>
-              </mc:Fallback>
-            </mc:AlternateContent>
-          </a:graphicData>
-        </a:graphic>
-      </p:graphicFrame>
-      <p:graphicFrame>
-        <p:nvGraphicFramePr>
-          <p:cNvPr id="4" name="Objeto 3">
-            <a:extLst>
-              <a:ext uri="{FF2B5EF4-FFF2-40B4-BE49-F238E27FC236}">
-                <a16:creationId xmlns:a16="http://schemas.microsoft.com/office/drawing/2014/main" id="{CAAF2F56-D395-E1C9-4B92-DE5C5444E34E}"/>
-              </a:ext>
-            </a:extLst>
-          </p:cNvPr>
-          <p:cNvGraphicFramePr>
-            <a:graphicFrameLocks noChangeAspect="1"/>
-          </p:cNvGraphicFramePr>
-          <p:nvPr>
-            <p:extLst>
-              <p:ext uri="{D42A27DB-BD31-4B8C-83A1-F6EECF244321}">
-                <p14:modId xmlns:p14="http://schemas.microsoft.com/office/powerpoint/2010/main" val="2762547231"/>
-              </p:ext>
-            </p:extLst>
-          </p:nvPr>
-        </p:nvGraphicFramePr>
-        <p:xfrm>
-          <a:off x="7210355" y="2833716"/>
-          <a:ext cx="452437" cy="711200"/>
-        </p:xfrm>
-        <a:graphic>
-          <a:graphicData uri="http://schemas.openxmlformats.org/presentationml/2006/ole">
-            <mc:AlternateContent xmlns:mc="http://schemas.openxmlformats.org/markup-compatibility/2006">
-              <mc:Choice xmlns:v="urn:schemas-microsoft-com:vml" Requires="v">
-                <p:oleObj name="CS ChemDraw Drawing" r:id="rId14" imgW="452238" imgH="711252" progId="ChemDraw.Document.6.0">
-                  <p:embed/>
-                </p:oleObj>
-              </mc:Choice>
-              <mc:Fallback>
-                <p:oleObj name="CS ChemDraw Drawing" r:id="rId14" imgW="452238" imgH="711252" progId="ChemDraw.Document.6.0">
-                  <p:embed/>
-                  <p:pic>
-                    <p:nvPicPr>
-                      <p:cNvPr id="4" name="Objeto 3">
-                        <a:extLst>
-                          <a:ext uri="{FF2B5EF4-FFF2-40B4-BE49-F238E27FC236}">
-                            <a16:creationId xmlns:a16="http://schemas.microsoft.com/office/drawing/2014/main" id="{CAAF2F56-D395-E1C9-4B92-DE5C5444E34E}"/>
-                          </a:ext>
-                        </a:extLst>
-                      </p:cNvPr>
-                      <p:cNvPicPr/>
-                      <p:nvPr/>
-                    </p:nvPicPr>
-                    <p:blipFill>
-                      <a:blip r:embed="rId15"/>
-                      <a:stretch>
-                        <a:fillRect/>
-                      </a:stretch>
-                    </p:blipFill>
-                    <p:spPr>
-                      <a:xfrm>
-                        <a:off x="7210355" y="2833716"/>
-                        <a:ext cx="452437" cy="711200"/>
-                      </a:xfrm>
-                      <a:prstGeom prst="rect">
-                        <a:avLst/>
-                      </a:prstGeom>
-                    </p:spPr>
-                  </p:pic>
-                </p:oleObj>
-              </mc:Fallback>
-            </mc:AlternateContent>
-          </a:graphicData>
-        </a:graphic>
-      </p:graphicFrame>
-      <p:graphicFrame>
-        <p:nvGraphicFramePr>
-          <p:cNvPr id="5" name="Objeto 4">
-            <a:extLst>
-              <a:ext uri="{FF2B5EF4-FFF2-40B4-BE49-F238E27FC236}">
-                <a16:creationId xmlns:a16="http://schemas.microsoft.com/office/drawing/2014/main" id="{201B5217-2B4F-EBE9-D008-922ABBB38550}"/>
-              </a:ext>
-            </a:extLst>
-          </p:cNvPr>
-          <p:cNvGraphicFramePr>
-            <a:graphicFrameLocks noChangeAspect="1"/>
-          </p:cNvGraphicFramePr>
-          <p:nvPr>
-            <p:extLst>
-              <p:ext uri="{D42A27DB-BD31-4B8C-83A1-F6EECF244321}">
-                <p14:modId xmlns:p14="http://schemas.microsoft.com/office/powerpoint/2010/main" val="2823376921"/>
-              </p:ext>
-            </p:extLst>
-          </p:nvPr>
-        </p:nvGraphicFramePr>
-        <p:xfrm>
-          <a:off x="7002037" y="1921189"/>
-          <a:ext cx="842963" cy="695325"/>
-        </p:xfrm>
-        <a:graphic>
-          <a:graphicData uri="http://schemas.openxmlformats.org/presentationml/2006/ole">
-            <mc:AlternateContent xmlns:mc="http://schemas.openxmlformats.org/markup-compatibility/2006">
-              <mc:Choice xmlns:v="urn:schemas-microsoft-com:vml" Requires="v">
-                <p:oleObj name="CS ChemDraw Drawing" r:id="rId16" imgW="842571" imgH="694755" progId="ChemDraw.Document.6.0">
-                  <p:embed/>
-                </p:oleObj>
-              </mc:Choice>
-              <mc:Fallback>
-                <p:oleObj name="CS ChemDraw Drawing" r:id="rId16" imgW="842571" imgH="694755" progId="ChemDraw.Document.6.0">
-                  <p:embed/>
-                  <p:pic>
-                    <p:nvPicPr>
-                      <p:cNvPr id="5" name="Objeto 4">
-                        <a:extLst>
-                          <a:ext uri="{FF2B5EF4-FFF2-40B4-BE49-F238E27FC236}">
-                            <a16:creationId xmlns:a16="http://schemas.microsoft.com/office/drawing/2014/main" id="{201B5217-2B4F-EBE9-D008-922ABBB38550}"/>
-                          </a:ext>
-                        </a:extLst>
-                      </p:cNvPr>
-                      <p:cNvPicPr/>
-                      <p:nvPr/>
-                    </p:nvPicPr>
-                    <p:blipFill>
-                      <a:blip r:embed="rId17"/>
-                      <a:stretch>
-                        <a:fillRect/>
-                      </a:stretch>
-                    </p:blipFill>
-                    <p:spPr>
-                      <a:xfrm>
-                        <a:off x="7002037" y="1921189"/>
-                        <a:ext cx="842963" cy="695325"/>
-                      </a:xfrm>
-                      <a:prstGeom prst="rect">
-                        <a:avLst/>
-                      </a:prstGeom>
-                    </p:spPr>
-                  </p:pic>
-                </p:oleObj>
-              </mc:Fallback>
-            </mc:AlternateContent>
-          </a:graphicData>
-        </a:graphic>
-      </p:graphicFrame>
-      <p:graphicFrame>
-        <p:nvGraphicFramePr>
-          <p:cNvPr id="6" name="Objeto 5">
-            <a:extLst>
-              <a:ext uri="{FF2B5EF4-FFF2-40B4-BE49-F238E27FC236}">
-                <a16:creationId xmlns:a16="http://schemas.microsoft.com/office/drawing/2014/main" id="{4832BF12-6B72-CD81-17F3-E43315811991}"/>
-              </a:ext>
-            </a:extLst>
-          </p:cNvPr>
-          <p:cNvGraphicFramePr>
-            <a:graphicFrameLocks noChangeAspect="1"/>
-          </p:cNvGraphicFramePr>
-          <p:nvPr>
-            <p:extLst>
-              <p:ext uri="{D42A27DB-BD31-4B8C-83A1-F6EECF244321}">
-                <p14:modId xmlns:p14="http://schemas.microsoft.com/office/powerpoint/2010/main" val="3856725317"/>
-              </p:ext>
-            </p:extLst>
-          </p:nvPr>
-        </p:nvGraphicFramePr>
-        <p:xfrm>
-          <a:off x="6627813" y="4692650"/>
-          <a:ext cx="1658937" cy="900113"/>
-        </p:xfrm>
-        <a:graphic>
-          <a:graphicData uri="http://schemas.openxmlformats.org/presentationml/2006/ole">
-            <mc:AlternateContent xmlns:mc="http://schemas.openxmlformats.org/markup-compatibility/2006">
-              <mc:Choice xmlns:v="urn:schemas-microsoft-com:vml" Requires="v">
-                <p:oleObj name="CS ChemDraw Drawing" r:id="rId18" imgW="1659624" imgH="900260" progId="ChemDraw.Document.6.0">
-                  <p:embed/>
-                </p:oleObj>
-              </mc:Choice>
-              <mc:Fallback>
-                <p:oleObj name="CS ChemDraw Drawing" r:id="rId18" imgW="1659624" imgH="900260" progId="ChemDraw.Document.6.0">
-                  <p:embed/>
-                  <p:pic>
-                    <p:nvPicPr>
-                      <p:cNvPr id="6" name="Objeto 5">
-                        <a:extLst>
-                          <a:ext uri="{FF2B5EF4-FFF2-40B4-BE49-F238E27FC236}">
-                            <a16:creationId xmlns:a16="http://schemas.microsoft.com/office/drawing/2014/main" id="{4832BF12-6B72-CD81-17F3-E43315811991}"/>
-                          </a:ext>
-                        </a:extLst>
-                      </p:cNvPr>
-                      <p:cNvPicPr/>
-                      <p:nvPr/>
-                    </p:nvPicPr>
-                    <p:blipFill>
-                      <a:blip r:embed="rId19"/>
-                      <a:stretch>
-                        <a:fillRect/>
-                      </a:stretch>
-                    </p:blipFill>
-                    <p:spPr>
-                      <a:xfrm>
-                        <a:off x="6627813" y="4692650"/>
-                        <a:ext cx="1658937" cy="900113"/>
-                      </a:xfrm>
-                      <a:prstGeom prst="rect">
-                        <a:avLst/>
-                      </a:prstGeom>
-                    </p:spPr>
-                  </p:pic>
-                </p:oleObj>
-              </mc:Fallback>
-            </mc:AlternateContent>
-          </a:graphicData>
-        </a:graphic>
-      </p:graphicFrame>
-      <p:sp>
-        <p:nvSpPr>
-          <p:cNvPr id="7" name="Google Shape;298;p9">
-            <a:extLst>
-              <a:ext uri="{FF2B5EF4-FFF2-40B4-BE49-F238E27FC236}">
-                <a16:creationId xmlns:a16="http://schemas.microsoft.com/office/drawing/2014/main" id="{F7EF7FBD-0212-B391-4DE4-FBB0F16C209F}"/>
-              </a:ext>
-            </a:extLst>
-          </p:cNvPr>
-          <p:cNvSpPr txBox="1"/>
-          <p:nvPr/>
-        </p:nvSpPr>
-        <p:spPr>
-          <a:xfrm>
-            <a:off x="5994391" y="4934939"/>
-            <a:ext cx="814608" cy="307736"/>
-          </a:xfrm>
-          <a:prstGeom prst="rect">
-            <a:avLst/>
-          </a:prstGeom>
-          <a:noFill/>
-          <a:ln>
-            <a:noFill/>
-          </a:ln>
-        </p:spPr>
-        <p:txBody>
-          <a:bodyPr spcFirstLastPara="1" wrap="square" lIns="91425" tIns="45700" rIns="91425" bIns="45700" anchor="t" anchorCtr="0">
-            <a:spAutoFit/>
-          </a:bodyPr>
-          <a:lstStyle/>
-          <a:p>
-            <a:pPr algn="ctr">
-              <a:buClr>
-                <a:srgbClr val="000000"/>
-              </a:buClr>
-              <a:buSzPts val="1200"/>
-            </a:pPr>
-            <a:r>
-              <a:rPr lang="pt-BR" sz="1400" b="1" dirty="0">
-                <a:solidFill>
-                  <a:srgbClr val="00B050"/>
-                </a:solidFill>
-                <a:latin typeface="Avenir"/>
-                <a:ea typeface="Arial"/>
-                <a:cs typeface="Arial"/>
-                <a:sym typeface="Avenir"/>
-              </a:rPr>
-              <a:t>DMPE</a:t>
-            </a:r>
-            <a:endParaRPr sz="1600" dirty="0">
-              <a:solidFill>
-                <a:srgbClr val="00B050"/>
-              </a:solidFill>
-              <a:latin typeface="Arial"/>
-              <a:ea typeface="Arial"/>
-              <a:cs typeface="Arial"/>
-              <a:sym typeface="Arial"/>
-            </a:endParaRPr>
-          </a:p>
-        </p:txBody>
-      </p:sp>
-      <p:sp>
-        <p:nvSpPr>
-          <p:cNvPr id="8" name="Google Shape;298;p9">
-            <a:extLst>
-              <a:ext uri="{FF2B5EF4-FFF2-40B4-BE49-F238E27FC236}">
-                <a16:creationId xmlns:a16="http://schemas.microsoft.com/office/drawing/2014/main" id="{20D058BC-AFBC-9551-D558-7F83F36B94EE}"/>
-              </a:ext>
-            </a:extLst>
-          </p:cNvPr>
-          <p:cNvSpPr txBox="1"/>
-          <p:nvPr/>
-        </p:nvSpPr>
-        <p:spPr>
-          <a:xfrm>
-            <a:off x="376860" y="5790556"/>
-            <a:ext cx="740877" cy="307736"/>
-          </a:xfrm>
-          <a:prstGeom prst="rect">
-            <a:avLst/>
-          </a:prstGeom>
-          <a:noFill/>
-          <a:ln>
-            <a:noFill/>
-          </a:ln>
-        </p:spPr>
-        <p:txBody>
-          <a:bodyPr spcFirstLastPara="1" wrap="square" lIns="91425" tIns="45700" rIns="91425" bIns="45700" anchor="t" anchorCtr="0">
-            <a:spAutoFit/>
-          </a:bodyPr>
-          <a:lstStyle/>
-          <a:p>
-            <a:pPr algn="ctr">
-              <a:buClr>
-                <a:srgbClr val="000000"/>
-              </a:buClr>
-              <a:buSzPts val="1200"/>
-            </a:pPr>
-            <a:r>
-              <a:rPr lang="pt-BR" sz="1400" b="1" dirty="0" err="1">
-                <a:solidFill>
-                  <a:srgbClr val="00B050"/>
-                </a:solidFill>
-                <a:latin typeface="Avenir"/>
-                <a:sym typeface="Avenir"/>
-              </a:rPr>
-              <a:t>OProp</a:t>
-            </a:r>
-            <a:endParaRPr sz="1600" baseline="-25000" dirty="0">
-              <a:solidFill>
-                <a:srgbClr val="00B050"/>
-              </a:solidFill>
-              <a:latin typeface="Arial"/>
-              <a:ea typeface="Arial"/>
-              <a:cs typeface="Arial"/>
-              <a:sym typeface="Arial"/>
-            </a:endParaRPr>
-          </a:p>
-        </p:txBody>
-      </p:sp>
-      <p:graphicFrame>
-        <p:nvGraphicFramePr>
-          <p:cNvPr id="10" name="Objeto 9">
-            <a:extLst>
-              <a:ext uri="{FF2B5EF4-FFF2-40B4-BE49-F238E27FC236}">
-                <a16:creationId xmlns:a16="http://schemas.microsoft.com/office/drawing/2014/main" id="{004A1533-7761-B113-8AB7-8E3C8EE23045}"/>
-              </a:ext>
-            </a:extLst>
-          </p:cNvPr>
-          <p:cNvGraphicFramePr>
-            <a:graphicFrameLocks noChangeAspect="1"/>
-          </p:cNvGraphicFramePr>
-          <p:nvPr>
-            <p:extLst>
-              <p:ext uri="{D42A27DB-BD31-4B8C-83A1-F6EECF244321}">
-                <p14:modId xmlns:p14="http://schemas.microsoft.com/office/powerpoint/2010/main" val="276631836"/>
-              </p:ext>
-            </p:extLst>
-          </p:nvPr>
-        </p:nvGraphicFramePr>
-        <p:xfrm>
-          <a:off x="1168754" y="4815341"/>
-          <a:ext cx="749300" cy="627062"/>
-        </p:xfrm>
-        <a:graphic>
-          <a:graphicData uri="http://schemas.openxmlformats.org/presentationml/2006/ole">
-            <mc:AlternateContent xmlns:mc="http://schemas.openxmlformats.org/markup-compatibility/2006">
-              <mc:Choice xmlns:v="urn:schemas-microsoft-com:vml" Requires="v">
-                <p:oleObj name="CS ChemDraw Drawing" r:id="rId20" imgW="749477" imgH="627825" progId="ChemDraw.Document.6.0">
-                  <p:embed/>
-                </p:oleObj>
-              </mc:Choice>
-              <mc:Fallback>
-                <p:oleObj name="CS ChemDraw Drawing" r:id="rId20" imgW="749477" imgH="627825" progId="ChemDraw.Document.6.0">
-                  <p:embed/>
-                  <p:pic>
-                    <p:nvPicPr>
-                      <p:cNvPr id="10" name="Objeto 9">
-                        <a:extLst>
-                          <a:ext uri="{FF2B5EF4-FFF2-40B4-BE49-F238E27FC236}">
-                            <a16:creationId xmlns:a16="http://schemas.microsoft.com/office/drawing/2014/main" id="{004A1533-7761-B113-8AB7-8E3C8EE23045}"/>
-                          </a:ext>
-                        </a:extLst>
-                      </p:cNvPr>
-                      <p:cNvPicPr/>
-                      <p:nvPr/>
-                    </p:nvPicPr>
-                    <p:blipFill>
-                      <a:blip r:embed="rId21"/>
-                      <a:stretch>
-                        <a:fillRect/>
-                      </a:stretch>
-                    </p:blipFill>
-                    <p:spPr>
-                      <a:xfrm>
-                        <a:off x="1168754" y="4815341"/>
-                        <a:ext cx="749300" cy="627062"/>
-                      </a:xfrm>
-                      <a:prstGeom prst="rect">
-                        <a:avLst/>
-                      </a:prstGeom>
-                    </p:spPr>
-                  </p:pic>
-                </p:oleObj>
-              </mc:Fallback>
-            </mc:AlternateContent>
-          </a:graphicData>
-        </a:graphic>
-      </p:graphicFrame>
-      <p:graphicFrame>
-        <p:nvGraphicFramePr>
-          <p:cNvPr id="11" name="Objeto 10">
-            <a:extLst>
-              <a:ext uri="{FF2B5EF4-FFF2-40B4-BE49-F238E27FC236}">
-                <a16:creationId xmlns:a16="http://schemas.microsoft.com/office/drawing/2014/main" id="{D17EB4BA-E8E1-02F5-A00B-73012A3B77F1}"/>
-              </a:ext>
-            </a:extLst>
-          </p:cNvPr>
-          <p:cNvGraphicFramePr>
-            <a:graphicFrameLocks noChangeAspect="1"/>
-          </p:cNvGraphicFramePr>
-          <p:nvPr>
-            <p:extLst>
-              <p:ext uri="{D42A27DB-BD31-4B8C-83A1-F6EECF244321}">
-                <p14:modId xmlns:p14="http://schemas.microsoft.com/office/powerpoint/2010/main" val="590626880"/>
-              </p:ext>
-            </p:extLst>
-          </p:nvPr>
-        </p:nvGraphicFramePr>
-        <p:xfrm>
-          <a:off x="1258938" y="4005054"/>
-          <a:ext cx="604837" cy="565150"/>
-        </p:xfrm>
-        <a:graphic>
-          <a:graphicData uri="http://schemas.openxmlformats.org/presentationml/2006/ole">
-            <mc:AlternateContent xmlns:mc="http://schemas.openxmlformats.org/markup-compatibility/2006">
-              <mc:Choice xmlns:v="urn:schemas-microsoft-com:vml" Requires="v">
-                <p:oleObj name="CS ChemDraw Drawing" r:id="rId22" imgW="604874" imgH="565137" progId="ChemDraw.Document.6.0">
-                  <p:embed/>
-                </p:oleObj>
-              </mc:Choice>
-              <mc:Fallback>
-                <p:oleObj name="CS ChemDraw Drawing" r:id="rId22" imgW="604874" imgH="565137" progId="ChemDraw.Document.6.0">
-                  <p:embed/>
-                  <p:pic>
-                    <p:nvPicPr>
-                      <p:cNvPr id="11" name="Objeto 10">
-                        <a:extLst>
-                          <a:ext uri="{FF2B5EF4-FFF2-40B4-BE49-F238E27FC236}">
-                            <a16:creationId xmlns:a16="http://schemas.microsoft.com/office/drawing/2014/main" id="{D17EB4BA-E8E1-02F5-A00B-73012A3B77F1}"/>
-                          </a:ext>
-                        </a:extLst>
-                      </p:cNvPr>
-                      <p:cNvPicPr/>
-                      <p:nvPr/>
-                    </p:nvPicPr>
-                    <p:blipFill>
-                      <a:blip r:embed="rId23"/>
-                      <a:stretch>
-                        <a:fillRect/>
-                      </a:stretch>
-                    </p:blipFill>
-                    <p:spPr>
-                      <a:xfrm>
-                        <a:off x="1258938" y="4005054"/>
-                        <a:ext cx="604837" cy="565150"/>
-                      </a:xfrm>
-                      <a:prstGeom prst="rect">
-                        <a:avLst/>
-                      </a:prstGeom>
-                    </p:spPr>
-                  </p:pic>
-                </p:oleObj>
-              </mc:Fallback>
-            </mc:AlternateContent>
-          </a:graphicData>
-        </a:graphic>
-      </p:graphicFrame>
-      <p:graphicFrame>
-        <p:nvGraphicFramePr>
-          <p:cNvPr id="12" name="Objeto 11">
-            <a:extLst>
-              <a:ext uri="{FF2B5EF4-FFF2-40B4-BE49-F238E27FC236}">
-                <a16:creationId xmlns:a16="http://schemas.microsoft.com/office/drawing/2014/main" id="{B7EE496E-7C62-62C4-6ED2-1C0D162098CC}"/>
-              </a:ext>
-            </a:extLst>
-          </p:cNvPr>
-          <p:cNvGraphicFramePr>
-            <a:graphicFrameLocks noChangeAspect="1"/>
-          </p:cNvGraphicFramePr>
-          <p:nvPr>
-            <p:extLst>
-              <p:ext uri="{D42A27DB-BD31-4B8C-83A1-F6EECF244321}">
-                <p14:modId xmlns:p14="http://schemas.microsoft.com/office/powerpoint/2010/main" val="3443508537"/>
-              </p:ext>
-            </p:extLst>
-          </p:nvPr>
-        </p:nvGraphicFramePr>
-        <p:xfrm>
-          <a:off x="1197494" y="3003875"/>
-          <a:ext cx="744537" cy="803275"/>
-        </p:xfrm>
-        <a:graphic>
-          <a:graphicData uri="http://schemas.openxmlformats.org/presentationml/2006/ole">
-            <mc:AlternateContent xmlns:mc="http://schemas.openxmlformats.org/markup-compatibility/2006">
-              <mc:Choice xmlns:v="urn:schemas-microsoft-com:vml" Requires="v">
-                <p:oleObj name="CS ChemDraw Drawing" r:id="rId24" imgW="744752" imgH="802692" progId="ChemDraw.Document.6.0">
-                  <p:embed/>
-                </p:oleObj>
-              </mc:Choice>
-              <mc:Fallback>
-                <p:oleObj name="CS ChemDraw Drawing" r:id="rId24" imgW="744752" imgH="802692" progId="ChemDraw.Document.6.0">
-                  <p:embed/>
-                  <p:pic>
-                    <p:nvPicPr>
-                      <p:cNvPr id="12" name="Objeto 11">
-                        <a:extLst>
-                          <a:ext uri="{FF2B5EF4-FFF2-40B4-BE49-F238E27FC236}">
-                            <a16:creationId xmlns:a16="http://schemas.microsoft.com/office/drawing/2014/main" id="{B7EE496E-7C62-62C4-6ED2-1C0D162098CC}"/>
-                          </a:ext>
-                        </a:extLst>
-                      </p:cNvPr>
-                      <p:cNvPicPr/>
-                      <p:nvPr/>
-                    </p:nvPicPr>
-                    <p:blipFill>
-                      <a:blip r:embed="rId25"/>
-                      <a:stretch>
-                        <a:fillRect/>
-                      </a:stretch>
-                    </p:blipFill>
-                    <p:spPr>
-                      <a:xfrm>
-                        <a:off x="1197494" y="3003875"/>
-                        <a:ext cx="744537" cy="803275"/>
-                      </a:xfrm>
-                      <a:prstGeom prst="rect">
-                        <a:avLst/>
-                      </a:prstGeom>
-                    </p:spPr>
-                  </p:pic>
-                </p:oleObj>
-              </mc:Fallback>
-            </mc:AlternateContent>
-          </a:graphicData>
-        </a:graphic>
-      </p:graphicFrame>
-      <p:graphicFrame>
-        <p:nvGraphicFramePr>
-          <p:cNvPr id="13" name="Objeto 12">
-            <a:extLst>
-              <a:ext uri="{FF2B5EF4-FFF2-40B4-BE49-F238E27FC236}">
-                <a16:creationId xmlns:a16="http://schemas.microsoft.com/office/drawing/2014/main" id="{E685A9D2-19C2-7152-FEFA-87E52AACC534}"/>
-              </a:ext>
-            </a:extLst>
-          </p:cNvPr>
-          <p:cNvGraphicFramePr>
-            <a:graphicFrameLocks noChangeAspect="1"/>
-          </p:cNvGraphicFramePr>
-          <p:nvPr>
-            <p:extLst>
-              <p:ext uri="{D42A27DB-BD31-4B8C-83A1-F6EECF244321}">
-                <p14:modId xmlns:p14="http://schemas.microsoft.com/office/powerpoint/2010/main" val="164851247"/>
-              </p:ext>
-            </p:extLst>
-          </p:nvPr>
-        </p:nvGraphicFramePr>
-        <p:xfrm>
-          <a:off x="1238821" y="2290124"/>
-          <a:ext cx="539750" cy="404812"/>
-        </p:xfrm>
-        <a:graphic>
-          <a:graphicData uri="http://schemas.openxmlformats.org/presentationml/2006/ole">
-            <mc:AlternateContent xmlns:mc="http://schemas.openxmlformats.org/markup-compatibility/2006">
-              <mc:Choice xmlns:v="urn:schemas-microsoft-com:vml" Requires="v">
-                <p:oleObj name="CS ChemDraw Drawing" r:id="rId26" imgW="539189" imgH="404881" progId="ChemDraw.Document.6.0">
-                  <p:embed/>
-                </p:oleObj>
-              </mc:Choice>
-              <mc:Fallback>
-                <p:oleObj name="CS ChemDraw Drawing" r:id="rId26" imgW="539189" imgH="404881" progId="ChemDraw.Document.6.0">
-                  <p:embed/>
-                  <p:pic>
-                    <p:nvPicPr>
-                      <p:cNvPr id="13" name="Objeto 12">
-                        <a:extLst>
-                          <a:ext uri="{FF2B5EF4-FFF2-40B4-BE49-F238E27FC236}">
-                            <a16:creationId xmlns:a16="http://schemas.microsoft.com/office/drawing/2014/main" id="{E685A9D2-19C2-7152-FEFA-87E52AACC534}"/>
-                          </a:ext>
-                        </a:extLst>
-                      </p:cNvPr>
-                      <p:cNvPicPr/>
-                      <p:nvPr/>
-                    </p:nvPicPr>
-                    <p:blipFill>
-                      <a:blip r:embed="rId27"/>
-                      <a:stretch>
-                        <a:fillRect/>
-                      </a:stretch>
-                    </p:blipFill>
-                    <p:spPr>
-                      <a:xfrm>
-                        <a:off x="1238821" y="2290124"/>
-                        <a:ext cx="539750" cy="404812"/>
-                      </a:xfrm>
-                      <a:prstGeom prst="rect">
-                        <a:avLst/>
-                      </a:prstGeom>
-                    </p:spPr>
-                  </p:pic>
-                </p:oleObj>
-              </mc:Fallback>
-            </mc:AlternateContent>
-          </a:graphicData>
-        </a:graphic>
-      </p:graphicFrame>
-      <p:graphicFrame>
-        <p:nvGraphicFramePr>
-          <p:cNvPr id="14" name="Objeto 13">
-            <a:extLst>
-              <a:ext uri="{FF2B5EF4-FFF2-40B4-BE49-F238E27FC236}">
-                <a16:creationId xmlns:a16="http://schemas.microsoft.com/office/drawing/2014/main" id="{54461B92-AA52-E127-D5B5-444B0C7FCB1E}"/>
-              </a:ext>
-            </a:extLst>
-          </p:cNvPr>
-          <p:cNvGraphicFramePr>
-            <a:graphicFrameLocks noChangeAspect="1"/>
-          </p:cNvGraphicFramePr>
-          <p:nvPr>
-            <p:extLst>
-              <p:ext uri="{D42A27DB-BD31-4B8C-83A1-F6EECF244321}">
-                <p14:modId xmlns:p14="http://schemas.microsoft.com/office/powerpoint/2010/main" val="3535159534"/>
-              </p:ext>
-            </p:extLst>
-          </p:nvPr>
-        </p:nvGraphicFramePr>
-        <p:xfrm>
-          <a:off x="1219358" y="1645300"/>
-          <a:ext cx="603250" cy="406400"/>
-        </p:xfrm>
-        <a:graphic>
-          <a:graphicData uri="http://schemas.openxmlformats.org/presentationml/2006/ole">
-            <mc:AlternateContent xmlns:mc="http://schemas.openxmlformats.org/markup-compatibility/2006">
-              <mc:Choice xmlns:v="urn:schemas-microsoft-com:vml" Requires="v">
-                <p:oleObj name="CS ChemDraw Drawing" r:id="rId28" imgW="603457" imgH="406767" progId="ChemDraw.Document.6.0">
-                  <p:embed/>
-                </p:oleObj>
-              </mc:Choice>
-              <mc:Fallback>
-                <p:oleObj name="CS ChemDraw Drawing" r:id="rId28" imgW="603457" imgH="406767" progId="ChemDraw.Document.6.0">
-                  <p:embed/>
-                  <p:pic>
-                    <p:nvPicPr>
-                      <p:cNvPr id="14" name="Objeto 13">
-                        <a:extLst>
-                          <a:ext uri="{FF2B5EF4-FFF2-40B4-BE49-F238E27FC236}">
-                            <a16:creationId xmlns:a16="http://schemas.microsoft.com/office/drawing/2014/main" id="{54461B92-AA52-E127-D5B5-444B0C7FCB1E}"/>
-                          </a:ext>
-                        </a:extLst>
-                      </p:cNvPr>
-                      <p:cNvPicPr/>
-                      <p:nvPr/>
-                    </p:nvPicPr>
-                    <p:blipFill>
-                      <a:blip r:embed="rId29"/>
-                      <a:stretch>
-                        <a:fillRect/>
-                      </a:stretch>
-                    </p:blipFill>
-                    <p:spPr>
-                      <a:xfrm>
-                        <a:off x="1219358" y="1645300"/>
-                        <a:ext cx="603250" cy="406400"/>
-                      </a:xfrm>
-                      <a:prstGeom prst="rect">
-                        <a:avLst/>
-                      </a:prstGeom>
-                    </p:spPr>
-                  </p:pic>
-                </p:oleObj>
-              </mc:Fallback>
-            </mc:AlternateContent>
-          </a:graphicData>
-        </a:graphic>
-      </p:graphicFrame>
-      <p:graphicFrame>
-        <p:nvGraphicFramePr>
-          <p:cNvPr id="15" name="Objeto 14">
-            <a:extLst>
-              <a:ext uri="{FF2B5EF4-FFF2-40B4-BE49-F238E27FC236}">
-                <a16:creationId xmlns:a16="http://schemas.microsoft.com/office/drawing/2014/main" id="{F27F8F4F-4FBC-7867-7413-DB5457A0EA3F}"/>
-              </a:ext>
-            </a:extLst>
-          </p:cNvPr>
-          <p:cNvGraphicFramePr>
-            <a:graphicFrameLocks noChangeAspect="1"/>
-          </p:cNvGraphicFramePr>
-          <p:nvPr>
-            <p:extLst>
-              <p:ext uri="{D42A27DB-BD31-4B8C-83A1-F6EECF244321}">
-                <p14:modId xmlns:p14="http://schemas.microsoft.com/office/powerpoint/2010/main" val="1676666297"/>
-              </p:ext>
-            </p:extLst>
-          </p:nvPr>
-        </p:nvGraphicFramePr>
-        <p:xfrm>
-          <a:off x="1117600" y="5408613"/>
-          <a:ext cx="927100" cy="823912"/>
-        </p:xfrm>
-        <a:graphic>
-          <a:graphicData uri="http://schemas.openxmlformats.org/presentationml/2006/ole">
-            <mc:AlternateContent xmlns:mc="http://schemas.openxmlformats.org/markup-compatibility/2006">
-              <mc:Choice xmlns:v="urn:schemas-microsoft-com:vml" Requires="v">
-                <p:oleObj name="CS ChemDraw Drawing" r:id="rId30" imgW="927632" imgH="824374" progId="ChemDraw.Document.6.0">
-                  <p:embed/>
-                </p:oleObj>
-              </mc:Choice>
-              <mc:Fallback>
-                <p:oleObj name="CS ChemDraw Drawing" r:id="rId30" imgW="927632" imgH="824374" progId="ChemDraw.Document.6.0">
-                  <p:embed/>
-                  <p:pic>
-                    <p:nvPicPr>
-                      <p:cNvPr id="15" name="Objeto 14">
-                        <a:extLst>
-                          <a:ext uri="{FF2B5EF4-FFF2-40B4-BE49-F238E27FC236}">
-                            <a16:creationId xmlns:a16="http://schemas.microsoft.com/office/drawing/2014/main" id="{F27F8F4F-4FBC-7867-7413-DB5457A0EA3F}"/>
-                          </a:ext>
-                        </a:extLst>
-                      </p:cNvPr>
-                      <p:cNvPicPr/>
-                      <p:nvPr/>
-                    </p:nvPicPr>
-                    <p:blipFill>
-                      <a:blip r:embed="rId31"/>
-                      <a:stretch>
-                        <a:fillRect/>
-                      </a:stretch>
-                    </p:blipFill>
-                    <p:spPr>
-                      <a:xfrm>
-                        <a:off x="1117600" y="5408613"/>
-                        <a:ext cx="927100" cy="823912"/>
-                      </a:xfrm>
-                      <a:prstGeom prst="rect">
-                        <a:avLst/>
-                      </a:prstGeom>
-                    </p:spPr>
-                  </p:pic>
-                </p:oleObj>
-              </mc:Fallback>
-            </mc:AlternateContent>
-          </a:graphicData>
-        </a:graphic>
-      </p:graphicFrame>
     </p:spTree>
     <p:extLst>
       <p:ext uri="{BB962C8B-B14F-4D97-AF65-F5344CB8AC3E}">
@@ -12360,13 +10529,13 @@
             </a:extLst>
           </p:cNvPr>
           <p:cNvSpPr>
-            <a:spLocks/>
+            <a:spLocks noGrp="1" noRot="1" noMove="1" noResize="1" noEditPoints="1" noAdjustHandles="1" noChangeArrowheads="1" noChangeShapeType="1"/>
           </p:cNvSpPr>
           <p:nvPr/>
         </p:nvSpPr>
         <p:spPr>
           <a:xfrm>
-            <a:off x="87032" y="98497"/>
+            <a:off x="87031" y="51598"/>
             <a:ext cx="11346423" cy="6039714"/>
           </a:xfrm>
           <a:prstGeom prst="roundRect">
@@ -12409,7 +10578,7 @@
           <a:lstStyle/>
           <a:p>
             <a:pPr algn="ctr"/>
-            <a:endParaRPr lang="pt-BR" sz="1893" dirty="0"/>
+            <a:endParaRPr lang="pt-BR" sz="1893"/>
           </a:p>
         </p:txBody>
       </p:sp>
@@ -12422,14 +10591,12 @@
               </a:ext>
             </a:extLst>
           </p:cNvPr>
-          <p:cNvSpPr txBox="1">
-            <a:spLocks/>
-          </p:cNvSpPr>
+          <p:cNvSpPr txBox="1"/>
           <p:nvPr/>
         </p:nvSpPr>
         <p:spPr>
           <a:xfrm>
-            <a:off x="338998" y="413802"/>
+            <a:off x="338997" y="366902"/>
             <a:ext cx="1633589" cy="461665"/>
           </a:xfrm>
           <a:prstGeom prst="rect">
@@ -12510,13 +10677,13 @@
           <p:nvPr>
             <p:extLst>
               <p:ext uri="{D42A27DB-BD31-4B8C-83A1-F6EECF244321}">
-                <p14:modId xmlns:p14="http://schemas.microsoft.com/office/powerpoint/2010/main" val="611677516"/>
+                <p14:modId xmlns:p14="http://schemas.microsoft.com/office/powerpoint/2010/main" val="131330211"/>
               </p:ext>
             </p:extLst>
           </p:nvPr>
         </p:nvGraphicFramePr>
         <p:xfrm>
-          <a:off x="998539" y="1481999"/>
+          <a:off x="998538" y="1435100"/>
           <a:ext cx="928687" cy="361950"/>
         </p:xfrm>
         <a:graphic>
@@ -12550,7 +10717,7 @@
                     </p:blipFill>
                     <p:spPr>
                       <a:xfrm>
-                        <a:off x="998539" y="1481999"/>
+                        <a:off x="998538" y="1435100"/>
                         <a:ext cx="928687" cy="361950"/>
                       </a:xfrm>
                       <a:prstGeom prst="rect">
@@ -12579,13 +10746,13 @@
           <p:nvPr>
             <p:extLst>
               <p:ext uri="{D42A27DB-BD31-4B8C-83A1-F6EECF244321}">
-                <p14:modId xmlns:p14="http://schemas.microsoft.com/office/powerpoint/2010/main" val="2987684673"/>
+                <p14:modId xmlns:p14="http://schemas.microsoft.com/office/powerpoint/2010/main" val="119459756"/>
               </p:ext>
             </p:extLst>
           </p:nvPr>
         </p:nvGraphicFramePr>
         <p:xfrm>
-          <a:off x="1047751" y="2464663"/>
+          <a:off x="1047750" y="2417763"/>
           <a:ext cx="830263" cy="935037"/>
         </p:xfrm>
         <a:graphic>
@@ -12619,7 +10786,7 @@
                     </p:blipFill>
                     <p:spPr>
                       <a:xfrm>
-                        <a:off x="1047751" y="2464663"/>
+                        <a:off x="1047750" y="2417763"/>
                         <a:ext cx="830263" cy="935037"/>
                       </a:xfrm>
                       <a:prstGeom prst="rect">
@@ -12648,13 +10815,13 @@
           <p:nvPr>
             <p:extLst>
               <p:ext uri="{D42A27DB-BD31-4B8C-83A1-F6EECF244321}">
-                <p14:modId xmlns:p14="http://schemas.microsoft.com/office/powerpoint/2010/main" val="1251339711"/>
+                <p14:modId xmlns:p14="http://schemas.microsoft.com/office/powerpoint/2010/main" val="3047485039"/>
               </p:ext>
             </p:extLst>
           </p:nvPr>
         </p:nvGraphicFramePr>
         <p:xfrm>
-          <a:off x="1050926" y="3856899"/>
+          <a:off x="1050925" y="3810000"/>
           <a:ext cx="1008063" cy="933450"/>
         </p:xfrm>
         <a:graphic>
@@ -12688,7 +10855,7 @@
                     </p:blipFill>
                     <p:spPr>
                       <a:xfrm>
-                        <a:off x="1050926" y="3856899"/>
+                        <a:off x="1050925" y="3810000"/>
                         <a:ext cx="1008063" cy="933450"/>
                       </a:xfrm>
                       <a:prstGeom prst="rect">
@@ -12717,25 +10884,25 @@
           <p:nvPr>
             <p:extLst>
               <p:ext uri="{D42A27DB-BD31-4B8C-83A1-F6EECF244321}">
-                <p14:modId xmlns:p14="http://schemas.microsoft.com/office/powerpoint/2010/main" val="2345424008"/>
+                <p14:modId xmlns:p14="http://schemas.microsoft.com/office/powerpoint/2010/main" val="519704055"/>
               </p:ext>
             </p:extLst>
           </p:nvPr>
         </p:nvGraphicFramePr>
         <p:xfrm>
-          <a:off x="4825642" y="3935231"/>
-          <a:ext cx="584200" cy="1208088"/>
+          <a:off x="5265738" y="3913188"/>
+          <a:ext cx="822325" cy="317500"/>
         </p:xfrm>
         <a:graphic>
           <a:graphicData uri="http://schemas.openxmlformats.org/presentationml/2006/ole">
             <mc:AlternateContent xmlns:mc="http://schemas.openxmlformats.org/markup-compatibility/2006">
               <mc:Choice xmlns:v="urn:schemas-microsoft-com:vml" Requires="v">
-                <p:oleObj name="CS ChemDraw Drawing" r:id="rId8" imgW="295215" imgH="610695" progId="ChemDraw.Document.6.0">
+                <p:oleObj name="CS ChemDraw Drawing" r:id="rId8" imgW="415851" imgH="159784" progId="ChemDraw.Document.6.0">
                   <p:embed/>
                 </p:oleObj>
               </mc:Choice>
               <mc:Fallback>
-                <p:oleObj name="CS ChemDraw Drawing" r:id="rId8" imgW="295215" imgH="610695" progId="ChemDraw.Document.6.0">
+                <p:oleObj name="CS ChemDraw Drawing" r:id="rId8" imgW="415851" imgH="159784" progId="ChemDraw.Document.6.0">
                   <p:embed/>
                   <p:pic>
                     <p:nvPicPr>
@@ -12757,8 +10924,8 @@
                     </p:blipFill>
                     <p:spPr>
                       <a:xfrm>
-                        <a:off x="4825642" y="3935231"/>
-                        <a:ext cx="584200" cy="1208088"/>
+                        <a:off x="5265738" y="3913188"/>
+                        <a:ext cx="822325" cy="317500"/>
                       </a:xfrm>
                       <a:prstGeom prst="rect">
                         <a:avLst/>
@@ -12786,13 +10953,13 @@
           <p:nvPr>
             <p:extLst>
               <p:ext uri="{D42A27DB-BD31-4B8C-83A1-F6EECF244321}">
-                <p14:modId xmlns:p14="http://schemas.microsoft.com/office/powerpoint/2010/main" val="3051736048"/>
+                <p14:modId xmlns:p14="http://schemas.microsoft.com/office/powerpoint/2010/main" val="2990726786"/>
               </p:ext>
             </p:extLst>
           </p:nvPr>
         </p:nvGraphicFramePr>
         <p:xfrm>
-          <a:off x="5030788" y="2739300"/>
+          <a:off x="5030788" y="2692400"/>
           <a:ext cx="1111250" cy="627063"/>
         </p:xfrm>
         <a:graphic>
@@ -12826,7 +10993,7 @@
                     </p:blipFill>
                     <p:spPr>
                       <a:xfrm>
-                        <a:off x="5030788" y="2739300"/>
+                        <a:off x="5030788" y="2692400"/>
                         <a:ext cx="1111250" cy="627063"/>
                       </a:xfrm>
                       <a:prstGeom prst="rect">
@@ -12855,13 +11022,13 @@
           <p:nvPr>
             <p:extLst>
               <p:ext uri="{D42A27DB-BD31-4B8C-83A1-F6EECF244321}">
-                <p14:modId xmlns:p14="http://schemas.microsoft.com/office/powerpoint/2010/main" val="4098146131"/>
+                <p14:modId xmlns:p14="http://schemas.microsoft.com/office/powerpoint/2010/main" val="1395043405"/>
               </p:ext>
             </p:extLst>
           </p:nvPr>
         </p:nvGraphicFramePr>
         <p:xfrm>
-          <a:off x="7992706" y="1323249"/>
+          <a:off x="5521325" y="4479925"/>
           <a:ext cx="719138" cy="317500"/>
         </p:xfrm>
         <a:graphic>
@@ -12895,7 +11062,7 @@
                     </p:blipFill>
                     <p:spPr>
                       <a:xfrm>
-                        <a:off x="7992706" y="1323249"/>
+                        <a:off x="5521325" y="4479925"/>
                         <a:ext cx="719138" cy="317500"/>
                       </a:xfrm>
                       <a:prstGeom prst="rect">
@@ -12924,13 +11091,13 @@
           <p:nvPr>
             <p:extLst>
               <p:ext uri="{D42A27DB-BD31-4B8C-83A1-F6EECF244321}">
-                <p14:modId xmlns:p14="http://schemas.microsoft.com/office/powerpoint/2010/main" val="1172933401"/>
+                <p14:modId xmlns:p14="http://schemas.microsoft.com/office/powerpoint/2010/main" val="3064510067"/>
               </p:ext>
             </p:extLst>
           </p:nvPr>
         </p:nvGraphicFramePr>
         <p:xfrm>
-          <a:off x="4894263" y="1247050"/>
+          <a:off x="4894263" y="1200150"/>
           <a:ext cx="1473200" cy="930275"/>
         </p:xfrm>
         <a:graphic>
@@ -12964,7 +11131,7 @@
                     </p:blipFill>
                     <p:spPr>
                       <a:xfrm>
-                        <a:off x="4894263" y="1247050"/>
+                        <a:off x="4894263" y="1200150"/>
                         <a:ext cx="1473200" cy="930275"/>
                       </a:xfrm>
                       <a:prstGeom prst="rect">
@@ -12987,14 +11154,12 @@
               </a:ext>
             </a:extLst>
           </p:cNvPr>
-          <p:cNvSpPr txBox="1">
-            <a:spLocks/>
-          </p:cNvSpPr>
+          <p:cNvSpPr txBox="1"/>
           <p:nvPr/>
         </p:nvSpPr>
         <p:spPr>
           <a:xfrm>
-            <a:off x="117969" y="1468367"/>
+            <a:off x="117969" y="1421467"/>
             <a:ext cx="1091040" cy="369291"/>
           </a:xfrm>
           <a:prstGeom prst="rect">
@@ -13011,11 +11176,22 @@
           </a:bodyPr>
           <a:lstStyle/>
           <a:p>
-            <a:pPr algn="ctr">
+            <a:pPr marL="0" marR="0" lvl="0" indent="0" algn="ctr" rtl="0">
+              <a:lnSpc>
+                <a:spcPct val="100000"/>
+              </a:lnSpc>
+              <a:spcBef>
+                <a:spcPts val="0"/>
+              </a:spcBef>
+              <a:spcAft>
+                <a:spcPts val="0"/>
+              </a:spcAft>
               <a:buClr>
                 <a:srgbClr val="000000"/>
               </a:buClr>
               <a:buSzPts val="1200"/>
+              <a:buFont typeface="Arial"/>
+              <a:buNone/>
             </a:pPr>
             <a:r>
               <a:rPr lang="pt-BR" b="1" dirty="0">
@@ -13043,7 +11219,7 @@
               </a:rPr>
               <a:t>2</a:t>
             </a:r>
-            <a:endParaRPr sz="2000" baseline="-25000" dirty="0">
+            <a:endParaRPr sz="2000" b="0" i="0" strike="noStrike" cap="none" baseline="-25000" dirty="0">
               <a:solidFill>
                 <a:schemeClr val="tx1">
                   <a:lumMod val="85000"/>
@@ -13067,14 +11243,12 @@
               </a:ext>
             </a:extLst>
           </p:cNvPr>
-          <p:cNvSpPr txBox="1">
-            <a:spLocks/>
-          </p:cNvSpPr>
+          <p:cNvSpPr txBox="1"/>
           <p:nvPr/>
         </p:nvSpPr>
         <p:spPr>
           <a:xfrm>
-            <a:off x="3392292" y="4538342"/>
+            <a:off x="3891221" y="3798748"/>
             <a:ext cx="1091040" cy="369291"/>
           </a:xfrm>
           <a:prstGeom prst="rect">
@@ -13091,14 +11265,25 @@
           </a:bodyPr>
           <a:lstStyle/>
           <a:p>
-            <a:pPr algn="ctr">
+            <a:pPr marL="0" marR="0" lvl="0" indent="0" algn="ctr" rtl="0">
+              <a:lnSpc>
+                <a:spcPct val="100000"/>
+              </a:lnSpc>
+              <a:spcBef>
+                <a:spcPts val="0"/>
+              </a:spcBef>
+              <a:spcAft>
+                <a:spcPts val="0"/>
+              </a:spcAft>
               <a:buClr>
                 <a:srgbClr val="000000"/>
               </a:buClr>
               <a:buSzPts val="1200"/>
+              <a:buFont typeface="Arial"/>
+              <a:buNone/>
             </a:pPr>
             <a:r>
-              <a:rPr lang="pt-BR" b="1" dirty="0">
+              <a:rPr lang="pt-BR" b="1" i="0" strike="noStrike" cap="none" dirty="0">
                 <a:solidFill>
                   <a:schemeClr val="tx1">
                     <a:lumMod val="85000"/>
@@ -13110,9 +11295,9 @@
                 <a:cs typeface="Arial"/>
                 <a:sym typeface="Avenir"/>
               </a:rPr>
-              <a:t>CHCN</a:t>
-            </a:r>
-            <a:endParaRPr sz="2000" dirty="0">
+              <a:t>CN</a:t>
+            </a:r>
+            <a:endParaRPr sz="2000" b="0" i="0" strike="noStrike" cap="none" dirty="0">
               <a:solidFill>
                 <a:schemeClr val="tx1">
                   <a:lumMod val="85000"/>
@@ -13136,14 +11321,12 @@
               </a:ext>
             </a:extLst>
           </p:cNvPr>
-          <p:cNvSpPr txBox="1">
-            <a:spLocks/>
-          </p:cNvSpPr>
+          <p:cNvSpPr txBox="1"/>
           <p:nvPr/>
         </p:nvSpPr>
         <p:spPr>
           <a:xfrm>
-            <a:off x="6552058" y="1341038"/>
+            <a:off x="3856895" y="4480200"/>
             <a:ext cx="1091040" cy="369291"/>
           </a:xfrm>
           <a:prstGeom prst="rect">
@@ -13160,14 +11343,25 @@
           </a:bodyPr>
           <a:lstStyle/>
           <a:p>
-            <a:pPr algn="ctr">
+            <a:pPr marL="0" marR="0" lvl="0" indent="0" algn="ctr" rtl="0">
+              <a:lnSpc>
+                <a:spcPct val="100000"/>
+              </a:lnSpc>
+              <a:spcBef>
+                <a:spcPts val="0"/>
+              </a:spcBef>
+              <a:spcAft>
+                <a:spcPts val="0"/>
+              </a:spcAft>
               <a:buClr>
                 <a:srgbClr val="000000"/>
               </a:buClr>
               <a:buSzPts val="1200"/>
+              <a:buFont typeface="Arial"/>
+              <a:buNone/>
             </a:pPr>
             <a:r>
-              <a:rPr lang="pt-BR" b="1" dirty="0">
+              <a:rPr lang="pt-BR" b="1" i="0" strike="noStrike" cap="none" dirty="0">
                 <a:solidFill>
                   <a:schemeClr val="tx1">
                     <a:lumMod val="85000"/>
@@ -13181,7 +11375,7 @@
               </a:rPr>
               <a:t>Br</a:t>
             </a:r>
-            <a:endParaRPr sz="2000" dirty="0">
+            <a:endParaRPr sz="2000" b="0" i="0" strike="noStrike" cap="none" dirty="0">
               <a:solidFill>
                 <a:schemeClr val="tx1">
                   <a:lumMod val="85000"/>
@@ -13205,14 +11399,12 @@
               </a:ext>
             </a:extLst>
           </p:cNvPr>
-          <p:cNvSpPr txBox="1">
-            <a:spLocks/>
-          </p:cNvSpPr>
+          <p:cNvSpPr txBox="1"/>
           <p:nvPr/>
         </p:nvSpPr>
         <p:spPr>
           <a:xfrm>
-            <a:off x="76247" y="4214939"/>
+            <a:off x="76247" y="4168039"/>
             <a:ext cx="1091040" cy="369291"/>
           </a:xfrm>
           <a:prstGeom prst="rect">
@@ -13229,11 +11421,22 @@
           </a:bodyPr>
           <a:lstStyle/>
           <a:p>
-            <a:pPr algn="ctr">
+            <a:pPr marL="0" marR="0" lvl="0" indent="0" algn="ctr" rtl="0">
+              <a:lnSpc>
+                <a:spcPct val="100000"/>
+              </a:lnSpc>
+              <a:spcBef>
+                <a:spcPts val="0"/>
+              </a:spcBef>
+              <a:spcAft>
+                <a:spcPts val="0"/>
+              </a:spcAft>
               <a:buClr>
                 <a:srgbClr val="000000"/>
               </a:buClr>
               <a:buSzPts val="1200"/>
+              <a:buFont typeface="Arial"/>
+              <a:buNone/>
             </a:pPr>
             <a:r>
               <a:rPr lang="pt-BR" b="1" dirty="0">
@@ -13246,9 +11449,22 @@
                 <a:latin typeface="Avenir"/>
                 <a:sym typeface="Avenir"/>
               </a:rPr>
-              <a:t>BOH2</a:t>
-            </a:r>
-            <a:endParaRPr sz="2000" baseline="-25000" dirty="0">
+              <a:t>B(OH)</a:t>
+            </a:r>
+            <a:r>
+              <a:rPr lang="pt-BR" b="1" baseline="-25000" dirty="0">
+                <a:solidFill>
+                  <a:schemeClr val="tx1">
+                    <a:lumMod val="85000"/>
+                    <a:lumOff val="15000"/>
+                  </a:schemeClr>
+                </a:solidFill>
+                <a:latin typeface="Avenir"/>
+                <a:sym typeface="Avenir"/>
+              </a:rPr>
+              <a:t>2</a:t>
+            </a:r>
+            <a:endParaRPr sz="2000" b="0" i="0" strike="noStrike" cap="none" baseline="-25000" dirty="0">
               <a:solidFill>
                 <a:schemeClr val="tx1">
                   <a:lumMod val="85000"/>
@@ -13272,14 +11488,12 @@
               </a:ext>
             </a:extLst>
           </p:cNvPr>
-          <p:cNvSpPr txBox="1">
-            <a:spLocks/>
-          </p:cNvSpPr>
+          <p:cNvSpPr txBox="1"/>
           <p:nvPr/>
         </p:nvSpPr>
         <p:spPr>
           <a:xfrm>
-            <a:off x="87031" y="2838236"/>
+            <a:off x="87031" y="2791336"/>
             <a:ext cx="1091040" cy="369291"/>
           </a:xfrm>
           <a:prstGeom prst="rect">
@@ -13296,11 +11510,22 @@
           </a:bodyPr>
           <a:lstStyle/>
           <a:p>
-            <a:pPr algn="ctr">
+            <a:pPr marL="0" marR="0" lvl="0" indent="0" algn="ctr" rtl="0">
+              <a:lnSpc>
+                <a:spcPct val="100000"/>
+              </a:lnSpc>
+              <a:spcBef>
+                <a:spcPts val="0"/>
+              </a:spcBef>
+              <a:spcAft>
+                <a:spcPts val="0"/>
+              </a:spcAft>
               <a:buClr>
                 <a:srgbClr val="000000"/>
               </a:buClr>
               <a:buSzPts val="1200"/>
+              <a:buFont typeface="Arial"/>
+              <a:buNone/>
             </a:pPr>
             <a:r>
               <a:rPr lang="pt-BR" b="1" dirty="0">
@@ -13315,7 +11540,7 @@
               </a:rPr>
               <a:t>CHO</a:t>
             </a:r>
-            <a:endParaRPr sz="2000" baseline="-25000" dirty="0">
+            <a:endParaRPr sz="2000" b="0" i="0" strike="noStrike" cap="none" baseline="-25000" dirty="0">
               <a:solidFill>
                 <a:schemeClr val="tx1">
                   <a:lumMod val="85000"/>
@@ -13339,14 +11564,12 @@
               </a:ext>
             </a:extLst>
           </p:cNvPr>
-          <p:cNvSpPr txBox="1">
-            <a:spLocks/>
-          </p:cNvSpPr>
+          <p:cNvSpPr txBox="1"/>
           <p:nvPr/>
         </p:nvSpPr>
         <p:spPr>
           <a:xfrm>
-            <a:off x="3605060" y="2915989"/>
+            <a:off x="3605059" y="2869089"/>
             <a:ext cx="1220583" cy="369291"/>
           </a:xfrm>
           <a:prstGeom prst="rect">
@@ -13363,14 +11586,25 @@
           </a:bodyPr>
           <a:lstStyle/>
           <a:p>
-            <a:pPr algn="ctr">
+            <a:pPr marL="0" marR="0" lvl="0" indent="0" algn="ctr" rtl="0">
+              <a:lnSpc>
+                <a:spcPct val="100000"/>
+              </a:lnSpc>
+              <a:spcBef>
+                <a:spcPts val="0"/>
+              </a:spcBef>
+              <a:spcAft>
+                <a:spcPts val="0"/>
+              </a:spcAft>
               <a:buClr>
                 <a:srgbClr val="000000"/>
               </a:buClr>
               <a:buSzPts val="1200"/>
+              <a:buFont typeface="Arial"/>
+              <a:buNone/>
             </a:pPr>
             <a:r>
-              <a:rPr lang="pt-BR" b="1" dirty="0">
+              <a:rPr lang="pt-BR" b="1" i="0" strike="noStrike" cap="none" dirty="0">
                 <a:solidFill>
                   <a:schemeClr val="tx1">
                     <a:lumMod val="85000"/>
@@ -13385,7 +11619,7 @@
               <a:t>NHNH</a:t>
             </a:r>
             <a:r>
-              <a:rPr lang="pt-BR" b="1" baseline="-25000" dirty="0">
+              <a:rPr lang="pt-BR" b="1" i="0" strike="noStrike" cap="none" baseline="-25000" dirty="0">
                 <a:solidFill>
                   <a:schemeClr val="tx1">
                     <a:lumMod val="85000"/>
@@ -13399,7 +11633,7 @@
               </a:rPr>
               <a:t>2</a:t>
             </a:r>
-            <a:endParaRPr sz="2000" baseline="-25000" dirty="0">
+            <a:endParaRPr sz="2000" b="0" i="0" strike="noStrike" cap="none" baseline="-25000" dirty="0">
               <a:solidFill>
                 <a:schemeClr val="tx1">
                   <a:lumMod val="85000"/>
@@ -13423,14 +11657,12 @@
               </a:ext>
             </a:extLst>
           </p:cNvPr>
-          <p:cNvSpPr txBox="1">
-            <a:spLocks/>
-          </p:cNvSpPr>
+          <p:cNvSpPr txBox="1"/>
           <p:nvPr/>
         </p:nvSpPr>
         <p:spPr>
           <a:xfrm>
-            <a:off x="3422027" y="1713068"/>
+            <a:off x="3422026" y="1666168"/>
             <a:ext cx="1586651" cy="369291"/>
           </a:xfrm>
           <a:prstGeom prst="rect">
@@ -13447,14 +11679,25 @@
           </a:bodyPr>
           <a:lstStyle/>
           <a:p>
-            <a:pPr algn="ctr">
+            <a:pPr marL="0" marR="0" lvl="0" indent="0" algn="ctr" rtl="0">
+              <a:lnSpc>
+                <a:spcPct val="100000"/>
+              </a:lnSpc>
+              <a:spcBef>
+                <a:spcPts val="0"/>
+              </a:spcBef>
+              <a:spcAft>
+                <a:spcPts val="0"/>
+              </a:spcAft>
               <a:buClr>
                 <a:srgbClr val="000000"/>
               </a:buClr>
               <a:buSzPts val="1200"/>
+              <a:buFont typeface="Arial"/>
+              <a:buNone/>
             </a:pPr>
             <a:r>
-              <a:rPr lang="pt-BR" b="1" dirty="0">
+              <a:rPr lang="pt-BR" b="1" i="0" strike="noStrike" cap="none" dirty="0">
                 <a:solidFill>
                   <a:schemeClr val="tx1">
                     <a:lumMod val="85000"/>
@@ -13469,7 +11712,7 @@
               <a:t>CONHNH</a:t>
             </a:r>
             <a:r>
-              <a:rPr lang="pt-BR" b="1" baseline="-25000" dirty="0">
+              <a:rPr lang="pt-BR" b="1" i="0" strike="noStrike" cap="none" baseline="-25000" dirty="0">
                 <a:solidFill>
                   <a:schemeClr val="tx1">
                     <a:lumMod val="85000"/>
@@ -13483,419 +11726,7 @@
               </a:rPr>
               <a:t>2</a:t>
             </a:r>
-            <a:endParaRPr sz="2000" baseline="-25000" dirty="0">
-              <a:solidFill>
-                <a:schemeClr val="tx1">
-                  <a:lumMod val="85000"/>
-                  <a:lumOff val="15000"/>
-                </a:schemeClr>
-              </a:solidFill>
-              <a:latin typeface="Arial"/>
-              <a:ea typeface="Arial"/>
-              <a:cs typeface="Arial"/>
-              <a:sym typeface="Arial"/>
-            </a:endParaRPr>
-          </a:p>
-        </p:txBody>
-      </p:sp>
-      <p:graphicFrame>
-        <p:nvGraphicFramePr>
-          <p:cNvPr id="2" name="Objeto 1">
-            <a:extLst>
-              <a:ext uri="{FF2B5EF4-FFF2-40B4-BE49-F238E27FC236}">
-                <a16:creationId xmlns:a16="http://schemas.microsoft.com/office/drawing/2014/main" id="{DF10CA27-B782-6B79-EF83-56DF515C59F4}"/>
-              </a:ext>
-            </a:extLst>
-          </p:cNvPr>
-          <p:cNvGraphicFramePr>
-            <a:graphicFrameLocks noChangeAspect="1"/>
-          </p:cNvGraphicFramePr>
-          <p:nvPr>
-            <p:extLst>
-              <p:ext uri="{D42A27DB-BD31-4B8C-83A1-F6EECF244321}">
-                <p14:modId xmlns:p14="http://schemas.microsoft.com/office/powerpoint/2010/main" val="851270262"/>
-              </p:ext>
-            </p:extLst>
-          </p:nvPr>
-        </p:nvGraphicFramePr>
-        <p:xfrm>
-          <a:off x="8006994" y="1873346"/>
-          <a:ext cx="690562" cy="311150"/>
-        </p:xfrm>
-        <a:graphic>
-          <a:graphicData uri="http://schemas.openxmlformats.org/presentationml/2006/ole">
-            <mc:AlternateContent xmlns:mc="http://schemas.openxmlformats.org/markup-compatibility/2006">
-              <mc:Choice xmlns:v="urn:schemas-microsoft-com:vml" Requires="v">
-                <p:oleObj name="CS ChemDraw Drawing" r:id="rId16" imgW="348891" imgH="156608" progId="ChemDraw.Document.6.0">
-                  <p:embed/>
-                </p:oleObj>
-              </mc:Choice>
-              <mc:Fallback>
-                <p:oleObj name="CS ChemDraw Drawing" r:id="rId16" imgW="348891" imgH="156608" progId="ChemDraw.Document.6.0">
-                  <p:embed/>
-                  <p:pic>
-                    <p:nvPicPr>
-                      <p:cNvPr id="2" name="Objeto 1">
-                        <a:extLst>
-                          <a:ext uri="{FF2B5EF4-FFF2-40B4-BE49-F238E27FC236}">
-                            <a16:creationId xmlns:a16="http://schemas.microsoft.com/office/drawing/2014/main" id="{DF10CA27-B782-6B79-EF83-56DF515C59F4}"/>
-                          </a:ext>
-                        </a:extLst>
-                      </p:cNvPr>
-                      <p:cNvPicPr/>
-                      <p:nvPr/>
-                    </p:nvPicPr>
-                    <p:blipFill>
-                      <a:blip r:embed="rId17"/>
-                      <a:stretch>
-                        <a:fillRect/>
-                      </a:stretch>
-                    </p:blipFill>
-                    <p:spPr>
-                      <a:xfrm>
-                        <a:off x="8006994" y="1873346"/>
-                        <a:ext cx="690562" cy="311150"/>
-                      </a:xfrm>
-                      <a:prstGeom prst="rect">
-                        <a:avLst/>
-                      </a:prstGeom>
-                    </p:spPr>
-                  </p:pic>
-                </p:oleObj>
-              </mc:Fallback>
-            </mc:AlternateContent>
-          </a:graphicData>
-        </a:graphic>
-      </p:graphicFrame>
-      <p:sp>
-        <p:nvSpPr>
-          <p:cNvPr id="3" name="Google Shape;298;p9">
-            <a:extLst>
-              <a:ext uri="{FF2B5EF4-FFF2-40B4-BE49-F238E27FC236}">
-                <a16:creationId xmlns:a16="http://schemas.microsoft.com/office/drawing/2014/main" id="{C3A75FD1-4F05-15ED-C789-143CB4250A55}"/>
-              </a:ext>
-            </a:extLst>
-          </p:cNvPr>
-          <p:cNvSpPr txBox="1">
-            <a:spLocks/>
-          </p:cNvSpPr>
-          <p:nvPr/>
-        </p:nvSpPr>
-        <p:spPr>
-          <a:xfrm>
-            <a:off x="6552058" y="1887857"/>
-            <a:ext cx="1091040" cy="369291"/>
-          </a:xfrm>
-          <a:prstGeom prst="rect">
-            <a:avLst/>
-          </a:prstGeom>
-          <a:noFill/>
-          <a:ln>
-            <a:noFill/>
-          </a:ln>
-        </p:spPr>
-        <p:txBody>
-          <a:bodyPr spcFirstLastPara="1" wrap="square" lIns="91425" tIns="45700" rIns="91425" bIns="45700" anchor="t" anchorCtr="0">
-            <a:spAutoFit/>
-          </a:bodyPr>
-          <a:lstStyle/>
-          <a:p>
-            <a:pPr algn="ctr">
-              <a:buClr>
-                <a:srgbClr val="000000"/>
-              </a:buClr>
-              <a:buSzPts val="1200"/>
-            </a:pPr>
-            <a:r>
-              <a:rPr lang="pt-BR" b="1" dirty="0">
-                <a:solidFill>
-                  <a:schemeClr val="tx1">
-                    <a:lumMod val="85000"/>
-                    <a:lumOff val="15000"/>
-                  </a:schemeClr>
-                </a:solidFill>
-                <a:latin typeface="Avenir"/>
-                <a:ea typeface="Arial"/>
-                <a:cs typeface="Arial"/>
-                <a:sym typeface="Avenir"/>
-              </a:rPr>
-              <a:t>Cl</a:t>
-            </a:r>
-            <a:endParaRPr sz="2000" dirty="0">
-              <a:solidFill>
-                <a:schemeClr val="tx1">
-                  <a:lumMod val="85000"/>
-                  <a:lumOff val="15000"/>
-                </a:schemeClr>
-              </a:solidFill>
-              <a:latin typeface="Arial"/>
-              <a:ea typeface="Arial"/>
-              <a:cs typeface="Arial"/>
-              <a:sym typeface="Arial"/>
-            </a:endParaRPr>
-          </a:p>
-        </p:txBody>
-      </p:sp>
-      <p:graphicFrame>
-        <p:nvGraphicFramePr>
-          <p:cNvPr id="4" name="Objeto 3">
-            <a:extLst>
-              <a:ext uri="{FF2B5EF4-FFF2-40B4-BE49-F238E27FC236}">
-                <a16:creationId xmlns:a16="http://schemas.microsoft.com/office/drawing/2014/main" id="{B8E821AB-434A-9947-0C25-6587EFBC6EC9}"/>
-              </a:ext>
-            </a:extLst>
-          </p:cNvPr>
-          <p:cNvGraphicFramePr>
-            <a:graphicFrameLocks noChangeAspect="1"/>
-          </p:cNvGraphicFramePr>
-          <p:nvPr>
-            <p:extLst>
-              <p:ext uri="{D42A27DB-BD31-4B8C-83A1-F6EECF244321}">
-                <p14:modId xmlns:p14="http://schemas.microsoft.com/office/powerpoint/2010/main" val="1309077828"/>
-              </p:ext>
-            </p:extLst>
-          </p:nvPr>
-        </p:nvGraphicFramePr>
-        <p:xfrm>
-          <a:off x="1140896" y="5029343"/>
-          <a:ext cx="801687" cy="946150"/>
-        </p:xfrm>
-        <a:graphic>
-          <a:graphicData uri="http://schemas.openxmlformats.org/presentationml/2006/ole">
-            <mc:AlternateContent xmlns:mc="http://schemas.openxmlformats.org/markup-compatibility/2006">
-              <mc:Choice xmlns:v="urn:schemas-microsoft-com:vml" Requires="v">
-                <p:oleObj name="CS ChemDraw Drawing" r:id="rId18" imgW="406783" imgH="480956" progId="ChemDraw.Document.6.0">
-                  <p:embed/>
-                </p:oleObj>
-              </mc:Choice>
-              <mc:Fallback>
-                <p:oleObj name="CS ChemDraw Drawing" r:id="rId18" imgW="406783" imgH="480956" progId="ChemDraw.Document.6.0">
-                  <p:embed/>
-                  <p:pic>
-                    <p:nvPicPr>
-                      <p:cNvPr id="4" name="Objeto 3">
-                        <a:extLst>
-                          <a:ext uri="{FF2B5EF4-FFF2-40B4-BE49-F238E27FC236}">
-                            <a16:creationId xmlns:a16="http://schemas.microsoft.com/office/drawing/2014/main" id="{B8E821AB-434A-9947-0C25-6587EFBC6EC9}"/>
-                          </a:ext>
-                        </a:extLst>
-                      </p:cNvPr>
-                      <p:cNvPicPr/>
-                      <p:nvPr/>
-                    </p:nvPicPr>
-                    <p:blipFill>
-                      <a:blip r:embed="rId19"/>
-                      <a:stretch>
-                        <a:fillRect/>
-                      </a:stretch>
-                    </p:blipFill>
-                    <p:spPr>
-                      <a:xfrm>
-                        <a:off x="1140896" y="5029343"/>
-                        <a:ext cx="801687" cy="946150"/>
-                      </a:xfrm>
-                      <a:prstGeom prst="rect">
-                        <a:avLst/>
-                      </a:prstGeom>
-                    </p:spPr>
-                  </p:pic>
-                </p:oleObj>
-              </mc:Fallback>
-            </mc:AlternateContent>
-          </a:graphicData>
-        </a:graphic>
-      </p:graphicFrame>
-      <p:sp>
-        <p:nvSpPr>
-          <p:cNvPr id="19" name="Google Shape;298;p9">
-            <a:extLst>
-              <a:ext uri="{FF2B5EF4-FFF2-40B4-BE49-F238E27FC236}">
-                <a16:creationId xmlns:a16="http://schemas.microsoft.com/office/drawing/2014/main" id="{BD0162A4-D3B6-70E5-A5A8-D0932BD5EB35}"/>
-              </a:ext>
-            </a:extLst>
-          </p:cNvPr>
-          <p:cNvSpPr txBox="1">
-            <a:spLocks/>
-          </p:cNvSpPr>
-          <p:nvPr/>
-        </p:nvSpPr>
-        <p:spPr>
-          <a:xfrm>
-            <a:off x="68956" y="5294732"/>
-            <a:ext cx="1091040" cy="369291"/>
-          </a:xfrm>
-          <a:prstGeom prst="rect">
-            <a:avLst/>
-          </a:prstGeom>
-          <a:noFill/>
-          <a:ln>
-            <a:noFill/>
-          </a:ln>
-        </p:spPr>
-        <p:txBody>
-          <a:bodyPr spcFirstLastPara="1" wrap="square" lIns="91425" tIns="45700" rIns="91425" bIns="45700" anchor="t" anchorCtr="0">
-            <a:spAutoFit/>
-          </a:bodyPr>
-          <a:lstStyle/>
-          <a:p>
-            <a:pPr algn="ctr">
-              <a:buClr>
-                <a:srgbClr val="000000"/>
-              </a:buClr>
-              <a:buSzPts val="1200"/>
-            </a:pPr>
-            <a:r>
-              <a:rPr lang="pt-BR" b="1" dirty="0">
-                <a:solidFill>
-                  <a:schemeClr val="tx1">
-                    <a:lumMod val="85000"/>
-                    <a:lumOff val="15000"/>
-                  </a:schemeClr>
-                </a:solidFill>
-                <a:latin typeface="Avenir"/>
-                <a:sym typeface="Avenir"/>
-              </a:rPr>
-              <a:t>OH2</a:t>
-            </a:r>
-            <a:endParaRPr sz="2000" baseline="-25000" dirty="0">
-              <a:solidFill>
-                <a:schemeClr val="tx1">
-                  <a:lumMod val="85000"/>
-                  <a:lumOff val="15000"/>
-                </a:schemeClr>
-              </a:solidFill>
-              <a:latin typeface="Arial"/>
-              <a:ea typeface="Arial"/>
-              <a:cs typeface="Arial"/>
-              <a:sym typeface="Arial"/>
-            </a:endParaRPr>
-          </a:p>
-        </p:txBody>
-      </p:sp>
-      <p:graphicFrame>
-        <p:nvGraphicFramePr>
-          <p:cNvPr id="20" name="Objeto 19">
-            <a:extLst>
-              <a:ext uri="{FF2B5EF4-FFF2-40B4-BE49-F238E27FC236}">
-                <a16:creationId xmlns:a16="http://schemas.microsoft.com/office/drawing/2014/main" id="{63ECE260-4374-7E8D-2CC8-E0C6FC869857}"/>
-              </a:ext>
-            </a:extLst>
-          </p:cNvPr>
-          <p:cNvGraphicFramePr>
-            <a:graphicFrameLocks noChangeAspect="1"/>
-          </p:cNvGraphicFramePr>
-          <p:nvPr>
-            <p:extLst>
-              <p:ext uri="{D42A27DB-BD31-4B8C-83A1-F6EECF244321}">
-                <p14:modId xmlns:p14="http://schemas.microsoft.com/office/powerpoint/2010/main" val="3454548971"/>
-              </p:ext>
-            </p:extLst>
-          </p:nvPr>
-        </p:nvGraphicFramePr>
-        <p:xfrm>
-          <a:off x="7983182" y="2373408"/>
-          <a:ext cx="765175" cy="311150"/>
-        </p:xfrm>
-        <a:graphic>
-          <a:graphicData uri="http://schemas.openxmlformats.org/presentationml/2006/ole">
-            <mc:AlternateContent xmlns:mc="http://schemas.openxmlformats.org/markup-compatibility/2006">
-              <mc:Choice xmlns:v="urn:schemas-microsoft-com:vml" Requires="v">
-                <p:oleObj name="CS ChemDraw Drawing" r:id="rId20" imgW="386847" imgH="156608" progId="ChemDraw.Document.6.0">
-                  <p:embed/>
-                </p:oleObj>
-              </mc:Choice>
-              <mc:Fallback>
-                <p:oleObj name="CS ChemDraw Drawing" r:id="rId20" imgW="386847" imgH="156608" progId="ChemDraw.Document.6.0">
-                  <p:embed/>
-                  <p:pic>
-                    <p:nvPicPr>
-                      <p:cNvPr id="20" name="Objeto 19">
-                        <a:extLst>
-                          <a:ext uri="{FF2B5EF4-FFF2-40B4-BE49-F238E27FC236}">
-                            <a16:creationId xmlns:a16="http://schemas.microsoft.com/office/drawing/2014/main" id="{63ECE260-4374-7E8D-2CC8-E0C6FC869857}"/>
-                          </a:ext>
-                        </a:extLst>
-                      </p:cNvPr>
-                      <p:cNvPicPr/>
-                      <p:nvPr/>
-                    </p:nvPicPr>
-                    <p:blipFill>
-                      <a:blip r:embed="rId21"/>
-                      <a:stretch>
-                        <a:fillRect/>
-                      </a:stretch>
-                    </p:blipFill>
-                    <p:spPr>
-                      <a:xfrm>
-                        <a:off x="7983182" y="2373408"/>
-                        <a:ext cx="765175" cy="311150"/>
-                      </a:xfrm>
-                      <a:prstGeom prst="rect">
-                        <a:avLst/>
-                      </a:prstGeom>
-                    </p:spPr>
-                  </p:pic>
-                </p:oleObj>
-              </mc:Fallback>
-            </mc:AlternateContent>
-          </a:graphicData>
-        </a:graphic>
-      </p:graphicFrame>
-      <p:sp>
-        <p:nvSpPr>
-          <p:cNvPr id="21" name="Google Shape;298;p9">
-            <a:extLst>
-              <a:ext uri="{FF2B5EF4-FFF2-40B4-BE49-F238E27FC236}">
-                <a16:creationId xmlns:a16="http://schemas.microsoft.com/office/drawing/2014/main" id="{EB80A4E1-EE14-A478-7CF6-C80BD34324EC}"/>
-              </a:ext>
-            </a:extLst>
-          </p:cNvPr>
-          <p:cNvSpPr txBox="1">
-            <a:spLocks/>
-          </p:cNvSpPr>
-          <p:nvPr/>
-        </p:nvSpPr>
-        <p:spPr>
-          <a:xfrm>
-            <a:off x="6552058" y="2338399"/>
-            <a:ext cx="1091040" cy="369291"/>
-          </a:xfrm>
-          <a:prstGeom prst="rect">
-            <a:avLst/>
-          </a:prstGeom>
-          <a:noFill/>
-          <a:ln>
-            <a:noFill/>
-          </a:ln>
-        </p:spPr>
-        <p:txBody>
-          <a:bodyPr spcFirstLastPara="1" wrap="square" lIns="91425" tIns="45700" rIns="91425" bIns="45700" anchor="t" anchorCtr="0">
-            <a:spAutoFit/>
-          </a:bodyPr>
-          <a:lstStyle/>
-          <a:p>
-            <a:pPr algn="ctr">
-              <a:buClr>
-                <a:srgbClr val="000000"/>
-              </a:buClr>
-              <a:buSzPts val="1200"/>
-            </a:pPr>
-            <a:r>
-              <a:rPr lang="pt-BR" b="1" dirty="0">
-                <a:solidFill>
-                  <a:schemeClr val="tx1">
-                    <a:lumMod val="85000"/>
-                    <a:lumOff val="15000"/>
-                  </a:schemeClr>
-                </a:solidFill>
-                <a:latin typeface="Avenir"/>
-                <a:ea typeface="Arial"/>
-                <a:cs typeface="Arial"/>
-                <a:sym typeface="Avenir"/>
-              </a:rPr>
-              <a:t>O</a:t>
-            </a:r>
-            <a:endParaRPr sz="2000" dirty="0">
+            <a:endParaRPr sz="2000" b="0" i="0" strike="noStrike" cap="none" baseline="-25000" dirty="0">
               <a:solidFill>
                 <a:schemeClr val="tx1">
                   <a:lumMod val="85000"/>
@@ -13949,15 +11780,13 @@
               </a:ext>
             </a:extLst>
           </p:cNvPr>
-          <p:cNvSpPr>
-            <a:spLocks/>
-          </p:cNvSpPr>
+          <p:cNvSpPr/>
           <p:nvPr/>
         </p:nvSpPr>
         <p:spPr>
           <a:xfrm>
-            <a:off x="87032" y="106017"/>
-            <a:ext cx="11346423" cy="13411199"/>
+            <a:off x="87031" y="51597"/>
+            <a:ext cx="11346423" cy="10982129"/>
           </a:xfrm>
           <a:prstGeom prst="roundRect">
             <a:avLst>
@@ -13999,7 +11828,7 @@
           <a:lstStyle/>
           <a:p>
             <a:pPr algn="ctr"/>
-            <a:endParaRPr lang="pt-BR" sz="1893" u="sng" dirty="0"/>
+            <a:endParaRPr lang="pt-BR" sz="1893"/>
           </a:p>
         </p:txBody>
       </p:sp>
@@ -14017,7 +11846,7 @@
         </p:nvSpPr>
         <p:spPr>
           <a:xfrm>
-            <a:off x="199856" y="259648"/>
+            <a:off x="199856" y="126399"/>
             <a:ext cx="3386120" cy="383631"/>
           </a:xfrm>
           <a:prstGeom prst="rect">
@@ -14100,7 +11929,7 @@
         </p:nvSpPr>
         <p:spPr>
           <a:xfrm>
-            <a:off x="397971" y="3631411"/>
+            <a:off x="397971" y="3753569"/>
             <a:ext cx="631426" cy="310717"/>
           </a:xfrm>
           <a:prstGeom prst="rect">
@@ -14159,7 +11988,7 @@
         </p:nvSpPr>
         <p:spPr>
           <a:xfrm>
-            <a:off x="8607977" y="5412801"/>
+            <a:off x="3222749" y="7355912"/>
             <a:ext cx="631426" cy="310717"/>
           </a:xfrm>
           <a:prstGeom prst="rect">
@@ -14220,7 +12049,7 @@
         </p:nvSpPr>
         <p:spPr>
           <a:xfrm>
-            <a:off x="1741508" y="3631411"/>
+            <a:off x="1741508" y="3760076"/>
             <a:ext cx="675506" cy="310717"/>
           </a:xfrm>
           <a:prstGeom prst="rect">
@@ -14281,7 +12110,7 @@
         </p:nvSpPr>
         <p:spPr>
           <a:xfrm>
-            <a:off x="4155913" y="2044103"/>
+            <a:off x="4155913" y="1910854"/>
             <a:ext cx="631426" cy="310717"/>
           </a:xfrm>
           <a:prstGeom prst="rect">
@@ -14340,7 +12169,7 @@
         </p:nvSpPr>
         <p:spPr>
           <a:xfrm>
-            <a:off x="10028910" y="3631411"/>
+            <a:off x="10028910" y="3781976"/>
             <a:ext cx="631426" cy="310717"/>
           </a:xfrm>
           <a:prstGeom prst="rect">
@@ -14401,7 +12230,7 @@
         </p:nvSpPr>
         <p:spPr>
           <a:xfrm>
-            <a:off x="10247554" y="5117027"/>
+            <a:off x="10218021" y="9403248"/>
             <a:ext cx="631426" cy="310717"/>
           </a:xfrm>
           <a:prstGeom prst="rect">
@@ -14460,7 +12289,7 @@
         </p:nvSpPr>
         <p:spPr>
           <a:xfrm>
-            <a:off x="6844305" y="4793193"/>
+            <a:off x="7207654" y="5622525"/>
             <a:ext cx="631426" cy="310717"/>
           </a:xfrm>
           <a:prstGeom prst="rect">
@@ -14519,7 +12348,7 @@
         </p:nvSpPr>
         <p:spPr>
           <a:xfrm>
-            <a:off x="4754027" y="6751765"/>
+            <a:off x="8575143" y="9403248"/>
             <a:ext cx="631426" cy="310717"/>
           </a:xfrm>
           <a:prstGeom prst="rect">
@@ -14580,7 +12409,7 @@
         </p:nvSpPr>
         <p:spPr>
           <a:xfrm>
-            <a:off x="2392667" y="2059281"/>
+            <a:off x="2392667" y="1926032"/>
             <a:ext cx="631426" cy="310717"/>
           </a:xfrm>
           <a:prstGeom prst="rect">
@@ -14639,7 +12468,7 @@
         </p:nvSpPr>
         <p:spPr>
           <a:xfrm>
-            <a:off x="685513" y="8603799"/>
+            <a:off x="620297" y="9350896"/>
             <a:ext cx="631426" cy="310717"/>
           </a:xfrm>
           <a:prstGeom prst="rect">
@@ -14698,7 +12527,7 @@
         </p:nvSpPr>
         <p:spPr>
           <a:xfrm>
-            <a:off x="734976" y="2044103"/>
+            <a:off x="734976" y="1910854"/>
             <a:ext cx="631426" cy="310717"/>
           </a:xfrm>
           <a:prstGeom prst="rect">
@@ -14757,7 +12586,7 @@
         </p:nvSpPr>
         <p:spPr>
           <a:xfrm>
-            <a:off x="6204178" y="2038431"/>
+            <a:off x="6204178" y="1905182"/>
             <a:ext cx="631426" cy="310717"/>
           </a:xfrm>
           <a:prstGeom prst="rect">
@@ -14818,7 +12647,7 @@
         </p:nvSpPr>
         <p:spPr>
           <a:xfrm>
-            <a:off x="923521" y="4738203"/>
+            <a:off x="1103803" y="5571379"/>
             <a:ext cx="631426" cy="310717"/>
           </a:xfrm>
           <a:prstGeom prst="rect">
@@ -14879,7 +12708,7 @@
         </p:nvSpPr>
         <p:spPr>
           <a:xfrm>
-            <a:off x="3992522" y="3631411"/>
+            <a:off x="3992522" y="3760076"/>
             <a:ext cx="631426" cy="310717"/>
           </a:xfrm>
           <a:prstGeom prst="rect">
@@ -14938,7 +12767,7 @@
         </p:nvSpPr>
         <p:spPr>
           <a:xfrm>
-            <a:off x="6299676" y="3631411"/>
+            <a:off x="6299676" y="3760076"/>
             <a:ext cx="631426" cy="310717"/>
           </a:xfrm>
           <a:prstGeom prst="rect">
@@ -14999,7 +12828,7 @@
         </p:nvSpPr>
         <p:spPr>
           <a:xfrm>
-            <a:off x="10028910" y="1972919"/>
+            <a:off x="10028910" y="1839670"/>
             <a:ext cx="631426" cy="310717"/>
           </a:xfrm>
           <a:prstGeom prst="rect">
@@ -15060,7 +12889,7 @@
         </p:nvSpPr>
         <p:spPr>
           <a:xfrm>
-            <a:off x="923521" y="6715398"/>
+            <a:off x="1103803" y="7273643"/>
             <a:ext cx="631426" cy="310717"/>
           </a:xfrm>
           <a:prstGeom prst="rect">
@@ -15119,7 +12948,7 @@
         </p:nvSpPr>
         <p:spPr>
           <a:xfrm>
-            <a:off x="2709729" y="6970187"/>
+            <a:off x="2207315" y="9403248"/>
             <a:ext cx="631426" cy="310717"/>
           </a:xfrm>
           <a:prstGeom prst="rect">
@@ -15178,7 +13007,7 @@
         </p:nvSpPr>
         <p:spPr>
           <a:xfrm>
-            <a:off x="4854716" y="4817348"/>
+            <a:off x="5327319" y="5593022"/>
             <a:ext cx="631426" cy="310717"/>
           </a:xfrm>
           <a:prstGeom prst="rect">
@@ -15237,7 +13066,7 @@
         </p:nvSpPr>
         <p:spPr>
           <a:xfrm>
-            <a:off x="2919909" y="4748213"/>
+            <a:off x="3237390" y="5678589"/>
             <a:ext cx="631426" cy="310717"/>
           </a:xfrm>
           <a:prstGeom prst="rect">
@@ -15299,13 +13128,13 @@
           <p:nvPr>
             <p:extLst>
               <p:ext uri="{D42A27DB-BD31-4B8C-83A1-F6EECF244321}">
-                <p14:modId xmlns:p14="http://schemas.microsoft.com/office/powerpoint/2010/main" val="988457252"/>
+                <p14:modId xmlns:p14="http://schemas.microsoft.com/office/powerpoint/2010/main" val="3207282710"/>
               </p:ext>
             </p:extLst>
           </p:nvPr>
         </p:nvGraphicFramePr>
         <p:xfrm>
-          <a:off x="339489" y="853478"/>
+          <a:off x="339489" y="720229"/>
           <a:ext cx="1422400" cy="1190625"/>
         </p:xfrm>
         <a:graphic>
@@ -15339,7 +13168,7 @@
                     </p:blipFill>
                     <p:spPr>
                       <a:xfrm>
-                        <a:off x="339489" y="853478"/>
+                        <a:off x="339489" y="720229"/>
                         <a:ext cx="1422400" cy="1190625"/>
                       </a:xfrm>
                       <a:prstGeom prst="rect">
@@ -15368,13 +13197,13 @@
           <p:nvPr>
             <p:extLst>
               <p:ext uri="{D42A27DB-BD31-4B8C-83A1-F6EECF244321}">
-                <p14:modId xmlns:p14="http://schemas.microsoft.com/office/powerpoint/2010/main" val="1950370583"/>
+                <p14:modId xmlns:p14="http://schemas.microsoft.com/office/powerpoint/2010/main" val="3516377332"/>
               </p:ext>
             </p:extLst>
           </p:nvPr>
         </p:nvGraphicFramePr>
         <p:xfrm>
-          <a:off x="1997975" y="853467"/>
+          <a:off x="1997974" y="720219"/>
           <a:ext cx="1420813" cy="1128712"/>
         </p:xfrm>
         <a:graphic>
@@ -15408,7 +13237,7 @@
                     </p:blipFill>
                     <p:spPr>
                       <a:xfrm>
-                        <a:off x="1997975" y="853467"/>
+                        <a:off x="1997974" y="720219"/>
                         <a:ext cx="1420813" cy="1128712"/>
                       </a:xfrm>
                       <a:prstGeom prst="rect">
@@ -15437,13 +13266,13 @@
           <p:nvPr>
             <p:extLst>
               <p:ext uri="{D42A27DB-BD31-4B8C-83A1-F6EECF244321}">
-                <p14:modId xmlns:p14="http://schemas.microsoft.com/office/powerpoint/2010/main" val="2976688474"/>
+                <p14:modId xmlns:p14="http://schemas.microsoft.com/office/powerpoint/2010/main" val="1996685254"/>
               </p:ext>
             </p:extLst>
           </p:nvPr>
         </p:nvGraphicFramePr>
         <p:xfrm>
-          <a:off x="3712009" y="770928"/>
+          <a:off x="3712008" y="637679"/>
           <a:ext cx="1519237" cy="1273175"/>
         </p:xfrm>
         <a:graphic>
@@ -15477,7 +13306,7 @@
                     </p:blipFill>
                     <p:spPr>
                       <a:xfrm>
-                        <a:off x="3712009" y="770928"/>
+                        <a:off x="3712008" y="637679"/>
                         <a:ext cx="1519237" cy="1273175"/>
                       </a:xfrm>
                       <a:prstGeom prst="rect">
@@ -15506,13 +13335,13 @@
           <p:nvPr>
             <p:extLst>
               <p:ext uri="{D42A27DB-BD31-4B8C-83A1-F6EECF244321}">
-                <p14:modId xmlns:p14="http://schemas.microsoft.com/office/powerpoint/2010/main" val="4194030303"/>
+                <p14:modId xmlns:p14="http://schemas.microsoft.com/office/powerpoint/2010/main" val="936045959"/>
               </p:ext>
             </p:extLst>
           </p:nvPr>
         </p:nvGraphicFramePr>
         <p:xfrm>
-          <a:off x="5468966" y="785425"/>
+          <a:off x="5468966" y="652177"/>
           <a:ext cx="2101850" cy="1214438"/>
         </p:xfrm>
         <a:graphic>
@@ -15546,7 +13375,7 @@
                     </p:blipFill>
                     <p:spPr>
                       <a:xfrm>
-                        <a:off x="5468966" y="785425"/>
+                        <a:off x="5468966" y="652177"/>
                         <a:ext cx="2101850" cy="1214438"/>
                       </a:xfrm>
                       <a:prstGeom prst="rect">
@@ -15575,13 +13404,13 @@
           <p:nvPr>
             <p:extLst>
               <p:ext uri="{D42A27DB-BD31-4B8C-83A1-F6EECF244321}">
-                <p14:modId xmlns:p14="http://schemas.microsoft.com/office/powerpoint/2010/main" val="3576676092"/>
+                <p14:modId xmlns:p14="http://schemas.microsoft.com/office/powerpoint/2010/main" val="3008819709"/>
               </p:ext>
             </p:extLst>
           </p:nvPr>
         </p:nvGraphicFramePr>
         <p:xfrm>
-          <a:off x="276329" y="2414577"/>
+          <a:off x="276328" y="2520814"/>
           <a:ext cx="874713" cy="1225550"/>
         </p:xfrm>
         <a:graphic>
@@ -15615,7 +13444,7 @@
                     </p:blipFill>
                     <p:spPr>
                       <a:xfrm>
-                        <a:off x="276329" y="2414577"/>
+                        <a:off x="276328" y="2520814"/>
                         <a:ext cx="874713" cy="1225550"/>
                       </a:xfrm>
                       <a:prstGeom prst="rect">
@@ -15644,13 +13473,13 @@
           <p:nvPr>
             <p:extLst>
               <p:ext uri="{D42A27DB-BD31-4B8C-83A1-F6EECF244321}">
-                <p14:modId xmlns:p14="http://schemas.microsoft.com/office/powerpoint/2010/main" val="2458363573"/>
+                <p14:modId xmlns:p14="http://schemas.microsoft.com/office/powerpoint/2010/main" val="1971816748"/>
               </p:ext>
             </p:extLst>
           </p:nvPr>
         </p:nvGraphicFramePr>
         <p:xfrm>
-          <a:off x="1368062" y="2396721"/>
+          <a:off x="1368062" y="2502958"/>
           <a:ext cx="1422400" cy="1225550"/>
         </p:xfrm>
         <a:graphic>
@@ -15684,7 +13513,7 @@
                     </p:blipFill>
                     <p:spPr>
                       <a:xfrm>
-                        <a:off x="1368062" y="2396721"/>
+                        <a:off x="1368062" y="2502958"/>
                         <a:ext cx="1422400" cy="1225550"/>
                       </a:xfrm>
                       <a:prstGeom prst="rect">
@@ -15713,13 +13542,13 @@
           <p:nvPr>
             <p:extLst>
               <p:ext uri="{D42A27DB-BD31-4B8C-83A1-F6EECF244321}">
-                <p14:modId xmlns:p14="http://schemas.microsoft.com/office/powerpoint/2010/main" val="4237443116"/>
+                <p14:modId xmlns:p14="http://schemas.microsoft.com/office/powerpoint/2010/main" val="600448258"/>
               </p:ext>
             </p:extLst>
           </p:nvPr>
         </p:nvGraphicFramePr>
         <p:xfrm>
-          <a:off x="2943799" y="2358621"/>
+          <a:off x="2943798" y="2464858"/>
           <a:ext cx="2701925" cy="1301750"/>
         </p:xfrm>
         <a:graphic>
@@ -15753,7 +13582,7 @@
                     </p:blipFill>
                     <p:spPr>
                       <a:xfrm>
-                        <a:off x="2943799" y="2358621"/>
+                        <a:off x="2943798" y="2464858"/>
                         <a:ext cx="2701925" cy="1301750"/>
                       </a:xfrm>
                       <a:prstGeom prst="rect">
@@ -15782,13 +13611,13 @@
           <p:nvPr>
             <p:extLst>
               <p:ext uri="{D42A27DB-BD31-4B8C-83A1-F6EECF244321}">
-                <p14:modId xmlns:p14="http://schemas.microsoft.com/office/powerpoint/2010/main" val="496086672"/>
+                <p14:modId xmlns:p14="http://schemas.microsoft.com/office/powerpoint/2010/main" val="3892281641"/>
               </p:ext>
             </p:extLst>
           </p:nvPr>
         </p:nvGraphicFramePr>
         <p:xfrm>
-          <a:off x="6006456" y="2407040"/>
+          <a:off x="6006455" y="2513277"/>
           <a:ext cx="1235075" cy="1204912"/>
         </p:xfrm>
         <a:graphic>
@@ -15822,7 +13651,7 @@
                     </p:blipFill>
                     <p:spPr>
                       <a:xfrm>
-                        <a:off x="6006456" y="2407040"/>
+                        <a:off x="6006455" y="2513277"/>
                         <a:ext cx="1235075" cy="1204912"/>
                       </a:xfrm>
                       <a:prstGeom prst="rect">
@@ -15851,13 +13680,13 @@
           <p:nvPr>
             <p:extLst>
               <p:ext uri="{D42A27DB-BD31-4B8C-83A1-F6EECF244321}">
-                <p14:modId xmlns:p14="http://schemas.microsoft.com/office/powerpoint/2010/main" val="275958627"/>
+                <p14:modId xmlns:p14="http://schemas.microsoft.com/office/powerpoint/2010/main" val="3694426247"/>
               </p:ext>
             </p:extLst>
           </p:nvPr>
         </p:nvGraphicFramePr>
         <p:xfrm>
-          <a:off x="9315131" y="679283"/>
+          <a:off x="9315130" y="546035"/>
           <a:ext cx="2058987" cy="1306512"/>
         </p:xfrm>
         <a:graphic>
@@ -15891,7 +13720,7 @@
                     </p:blipFill>
                     <p:spPr>
                       <a:xfrm>
-                        <a:off x="9315131" y="679283"/>
+                        <a:off x="9315130" y="546035"/>
                         <a:ext cx="2058987" cy="1306512"/>
                       </a:xfrm>
                       <a:prstGeom prst="rect">
@@ -15920,13 +13749,13 @@
           <p:nvPr>
             <p:extLst>
               <p:ext uri="{D42A27DB-BD31-4B8C-83A1-F6EECF244321}">
-                <p14:modId xmlns:p14="http://schemas.microsoft.com/office/powerpoint/2010/main" val="1405529178"/>
+                <p14:modId xmlns:p14="http://schemas.microsoft.com/office/powerpoint/2010/main" val="540813825"/>
               </p:ext>
             </p:extLst>
           </p:nvPr>
         </p:nvGraphicFramePr>
         <p:xfrm>
-          <a:off x="7585055" y="2445946"/>
+          <a:off x="7585055" y="2552183"/>
           <a:ext cx="1879600" cy="1233488"/>
         </p:xfrm>
         <a:graphic>
@@ -15960,7 +13789,7 @@
                     </p:blipFill>
                     <p:spPr>
                       <a:xfrm>
-                        <a:off x="7585055" y="2445946"/>
+                        <a:off x="7585055" y="2552183"/>
                         <a:ext cx="1879600" cy="1233488"/>
                       </a:xfrm>
                       <a:prstGeom prst="rect">
@@ -15989,13 +13818,13 @@
           <p:nvPr>
             <p:extLst>
               <p:ext uri="{D42A27DB-BD31-4B8C-83A1-F6EECF244321}">
-                <p14:modId xmlns:p14="http://schemas.microsoft.com/office/powerpoint/2010/main" val="2944610412"/>
+                <p14:modId xmlns:p14="http://schemas.microsoft.com/office/powerpoint/2010/main" val="435857421"/>
               </p:ext>
             </p:extLst>
           </p:nvPr>
         </p:nvGraphicFramePr>
         <p:xfrm>
-          <a:off x="7712471" y="754231"/>
+          <a:off x="7712470" y="620983"/>
           <a:ext cx="1571625" cy="1233488"/>
         </p:xfrm>
         <a:graphic>
@@ -16029,7 +13858,7 @@
                     </p:blipFill>
                     <p:spPr>
                       <a:xfrm>
-                        <a:off x="7712471" y="754231"/>
+                        <a:off x="7712470" y="620983"/>
                         <a:ext cx="1571625" cy="1233488"/>
                       </a:xfrm>
                       <a:prstGeom prst="rect">
@@ -16057,7 +13886,7 @@
         </p:nvSpPr>
         <p:spPr>
           <a:xfrm>
-            <a:off x="8239008" y="3631411"/>
+            <a:off x="8239008" y="3852351"/>
             <a:ext cx="631426" cy="310717"/>
           </a:xfrm>
           <a:prstGeom prst="rect">
@@ -16118,7 +13947,7 @@
         </p:nvSpPr>
         <p:spPr>
           <a:xfrm>
-            <a:off x="8202687" y="1983426"/>
+            <a:off x="8202687" y="1850177"/>
             <a:ext cx="631426" cy="310717"/>
           </a:xfrm>
           <a:prstGeom prst="rect">
@@ -16180,13 +14009,13 @@
           <p:nvPr>
             <p:extLst>
               <p:ext uri="{D42A27DB-BD31-4B8C-83A1-F6EECF244321}">
-                <p14:modId xmlns:p14="http://schemas.microsoft.com/office/powerpoint/2010/main" val="844248124"/>
+                <p14:modId xmlns:p14="http://schemas.microsoft.com/office/powerpoint/2010/main" val="3740330416"/>
               </p:ext>
             </p:extLst>
           </p:nvPr>
         </p:nvGraphicFramePr>
         <p:xfrm>
-          <a:off x="9636166" y="2404151"/>
+          <a:off x="9636165" y="2510388"/>
           <a:ext cx="1535113" cy="1271588"/>
         </p:xfrm>
         <a:graphic>
@@ -16220,7 +14049,7 @@
                     </p:blipFill>
                     <p:spPr>
                       <a:xfrm>
-                        <a:off x="9636166" y="2404151"/>
+                        <a:off x="9636165" y="2510388"/>
                         <a:ext cx="1535113" cy="1271588"/>
                       </a:xfrm>
                       <a:prstGeom prst="rect">
@@ -16249,13 +14078,13 @@
           <p:nvPr>
             <p:extLst>
               <p:ext uri="{D42A27DB-BD31-4B8C-83A1-F6EECF244321}">
-                <p14:modId xmlns:p14="http://schemas.microsoft.com/office/powerpoint/2010/main" val="3810525981"/>
+                <p14:modId xmlns:p14="http://schemas.microsoft.com/office/powerpoint/2010/main" val="2137691470"/>
               </p:ext>
             </p:extLst>
           </p:nvPr>
         </p:nvGraphicFramePr>
         <p:xfrm>
-          <a:off x="174982" y="3973171"/>
+          <a:off x="339489" y="4280098"/>
           <a:ext cx="2152650" cy="1330325"/>
         </p:xfrm>
         <a:graphic>
@@ -16289,7 +14118,7 @@
                     </p:blipFill>
                     <p:spPr>
                       <a:xfrm>
-                        <a:off x="174982" y="3973171"/>
+                        <a:off x="339489" y="4280098"/>
                         <a:ext cx="2152650" cy="1330325"/>
                       </a:xfrm>
                       <a:prstGeom prst="rect">
@@ -16318,13 +14147,13 @@
           <p:nvPr>
             <p:extLst>
               <p:ext uri="{D42A27DB-BD31-4B8C-83A1-F6EECF244321}">
-                <p14:modId xmlns:p14="http://schemas.microsoft.com/office/powerpoint/2010/main" val="1706505931"/>
+                <p14:modId xmlns:p14="http://schemas.microsoft.com/office/powerpoint/2010/main" val="3548176231"/>
               </p:ext>
             </p:extLst>
           </p:nvPr>
         </p:nvGraphicFramePr>
         <p:xfrm>
-          <a:off x="2420261" y="3892949"/>
+          <a:off x="2700616" y="4292201"/>
           <a:ext cx="1704975" cy="1362075"/>
         </p:xfrm>
         <a:graphic>
@@ -16358,7 +14187,7 @@
                     </p:blipFill>
                     <p:spPr>
                       <a:xfrm>
-                        <a:off x="2420261" y="3892949"/>
+                        <a:off x="2700616" y="4292201"/>
                         <a:ext cx="1704975" cy="1362075"/>
                       </a:xfrm>
                       <a:prstGeom prst="rect">
@@ -16387,13 +14216,13 @@
           <p:nvPr>
             <p:extLst>
               <p:ext uri="{D42A27DB-BD31-4B8C-83A1-F6EECF244321}">
-                <p14:modId xmlns:p14="http://schemas.microsoft.com/office/powerpoint/2010/main" val="1855823495"/>
+                <p14:modId xmlns:p14="http://schemas.microsoft.com/office/powerpoint/2010/main" val="4294424022"/>
               </p:ext>
             </p:extLst>
           </p:nvPr>
         </p:nvGraphicFramePr>
         <p:xfrm>
-          <a:off x="4380087" y="4012488"/>
+          <a:off x="4829204" y="4323950"/>
           <a:ext cx="1690687" cy="1298575"/>
         </p:xfrm>
         <a:graphic>
@@ -16427,7 +14256,7 @@
                     </p:blipFill>
                     <p:spPr>
                       <a:xfrm>
-                        <a:off x="4380087" y="4012488"/>
+                        <a:off x="4829204" y="4323950"/>
                         <a:ext cx="1690687" cy="1298575"/>
                       </a:xfrm>
                       <a:prstGeom prst="rect">
@@ -16456,13 +14285,13 @@
           <p:nvPr>
             <p:extLst>
               <p:ext uri="{D42A27DB-BD31-4B8C-83A1-F6EECF244321}">
-                <p14:modId xmlns:p14="http://schemas.microsoft.com/office/powerpoint/2010/main" val="1799481312"/>
+                <p14:modId xmlns:p14="http://schemas.microsoft.com/office/powerpoint/2010/main" val="1845825779"/>
               </p:ext>
             </p:extLst>
           </p:nvPr>
         </p:nvGraphicFramePr>
         <p:xfrm>
-          <a:off x="6237280" y="4084080"/>
+          <a:off x="6695228" y="4493813"/>
           <a:ext cx="1787525" cy="1128712"/>
         </p:xfrm>
         <a:graphic>
@@ -16496,7 +14325,7 @@
                     </p:blipFill>
                     <p:spPr>
                       <a:xfrm>
-                        <a:off x="6237280" y="4084080"/>
+                        <a:off x="6695228" y="4493813"/>
                         <a:ext cx="1787525" cy="1128712"/>
                       </a:xfrm>
                       <a:prstGeom prst="rect">
@@ -16525,13 +14354,13 @@
           <p:nvPr>
             <p:extLst>
               <p:ext uri="{D42A27DB-BD31-4B8C-83A1-F6EECF244321}">
-                <p14:modId xmlns:p14="http://schemas.microsoft.com/office/powerpoint/2010/main" val="2024360825"/>
+                <p14:modId xmlns:p14="http://schemas.microsoft.com/office/powerpoint/2010/main" val="3883771001"/>
               </p:ext>
             </p:extLst>
           </p:nvPr>
         </p:nvGraphicFramePr>
         <p:xfrm>
-          <a:off x="6961701" y="370620"/>
+          <a:off x="8838007" y="4973237"/>
           <a:ext cx="892175" cy="376238"/>
         </p:xfrm>
         <a:graphic>
@@ -16565,7 +14394,7 @@
                     </p:blipFill>
                     <p:spPr>
                       <a:xfrm>
-                        <a:off x="6961701" y="370620"/>
+                        <a:off x="8838007" y="4973237"/>
                         <a:ext cx="892175" cy="376238"/>
                       </a:xfrm>
                       <a:prstGeom prst="rect">
@@ -16593,7 +14422,7 @@
         </p:nvSpPr>
         <p:spPr>
           <a:xfrm>
-            <a:off x="7065527" y="754232"/>
+            <a:off x="8919409" y="5622525"/>
             <a:ext cx="631426" cy="310717"/>
           </a:xfrm>
           <a:prstGeom prst="rect">
@@ -16653,13 +14482,13 @@
           <p:nvPr>
             <p:extLst>
               <p:ext uri="{D42A27DB-BD31-4B8C-83A1-F6EECF244321}">
-                <p14:modId xmlns:p14="http://schemas.microsoft.com/office/powerpoint/2010/main" val="4279557883"/>
+                <p14:modId xmlns:p14="http://schemas.microsoft.com/office/powerpoint/2010/main" val="1887165197"/>
               </p:ext>
             </p:extLst>
           </p:nvPr>
         </p:nvGraphicFramePr>
         <p:xfrm>
-          <a:off x="159207" y="5594154"/>
+          <a:off x="339489" y="6191250"/>
           <a:ext cx="2349500" cy="1077912"/>
         </p:xfrm>
         <a:graphic>
@@ -16693,7 +14522,7 @@
                     </p:blipFill>
                     <p:spPr>
                       <a:xfrm>
-                        <a:off x="159207" y="5594154"/>
+                        <a:off x="339489" y="6191250"/>
                         <a:ext cx="2349500" cy="1077912"/>
                       </a:xfrm>
                       <a:prstGeom prst="rect">
@@ -16722,13 +14551,13 @@
           <p:nvPr>
             <p:extLst>
               <p:ext uri="{D42A27DB-BD31-4B8C-83A1-F6EECF244321}">
-                <p14:modId xmlns:p14="http://schemas.microsoft.com/office/powerpoint/2010/main" val="575674637"/>
+                <p14:modId xmlns:p14="http://schemas.microsoft.com/office/powerpoint/2010/main" val="3009745544"/>
               </p:ext>
             </p:extLst>
           </p:nvPr>
         </p:nvGraphicFramePr>
         <p:xfrm>
-          <a:off x="8323615" y="4116850"/>
+          <a:off x="2938387" y="6093619"/>
           <a:ext cx="1200150" cy="1273175"/>
         </p:xfrm>
         <a:graphic>
@@ -16762,7 +14591,7 @@
                     </p:blipFill>
                     <p:spPr>
                       <a:xfrm>
-                        <a:off x="8323615" y="4116850"/>
+                        <a:off x="2938387" y="6093619"/>
                         <a:ext cx="1200150" cy="1273175"/>
                       </a:xfrm>
                       <a:prstGeom prst="rect">
@@ -16791,25 +14620,25 @@
           <p:nvPr>
             <p:extLst>
               <p:ext uri="{D42A27DB-BD31-4B8C-83A1-F6EECF244321}">
-                <p14:modId xmlns:p14="http://schemas.microsoft.com/office/powerpoint/2010/main" val="984742442"/>
+                <p14:modId xmlns:p14="http://schemas.microsoft.com/office/powerpoint/2010/main" val="2339582725"/>
               </p:ext>
             </p:extLst>
           </p:nvPr>
         </p:nvGraphicFramePr>
         <p:xfrm>
-          <a:off x="6300463" y="5349680"/>
-          <a:ext cx="2533650" cy="1566863"/>
+          <a:off x="6907840" y="6016851"/>
+          <a:ext cx="4484687" cy="1419225"/>
         </p:xfrm>
         <a:graphic>
           <a:graphicData uri="http://schemas.openxmlformats.org/presentationml/2006/ole">
             <mc:AlternateContent xmlns:mc="http://schemas.openxmlformats.org/markup-compatibility/2006">
               <mc:Choice xmlns:v="urn:schemas-microsoft-com:vml" Requires="v">
-                <p:oleObj name="CS ChemDraw Drawing" r:id="rId40" imgW="2534249" imgH="1567616" progId="ChemDraw.Document.6.0">
+                <p:oleObj name="CS ChemDraw Drawing" r:id="rId40" imgW="4484847" imgH="1418641" progId="ChemDraw.Document.6.0">
                   <p:embed/>
                 </p:oleObj>
               </mc:Choice>
               <mc:Fallback>
-                <p:oleObj name="CS ChemDraw Drawing" r:id="rId40" imgW="2534249" imgH="1567616" progId="ChemDraw.Document.6.0">
+                <p:oleObj name="CS ChemDraw Drawing" r:id="rId40" imgW="4484847" imgH="1418641" progId="ChemDraw.Document.6.0">
                   <p:embed/>
                   <p:pic>
                     <p:nvPicPr>
@@ -16831,8 +14660,8 @@
                     </p:blipFill>
                     <p:spPr>
                       <a:xfrm>
-                        <a:off x="6300463" y="5349680"/>
-                        <a:ext cx="2533650" cy="1566863"/>
+                        <a:off x="6907840" y="6016851"/>
+                        <a:ext cx="4484687" cy="1419225"/>
                       </a:xfrm>
                       <a:prstGeom prst="rect">
                         <a:avLst/>
@@ -16859,7 +14688,7 @@
         </p:nvSpPr>
         <p:spPr>
           <a:xfrm>
-            <a:off x="7009728" y="6992693"/>
+            <a:off x="8591203" y="7541799"/>
             <a:ext cx="631426" cy="310717"/>
           </a:xfrm>
           <a:prstGeom prst="rect">
@@ -16919,13 +14748,13 @@
           <p:nvPr>
             <p:extLst>
               <p:ext uri="{D42A27DB-BD31-4B8C-83A1-F6EECF244321}">
-                <p14:modId xmlns:p14="http://schemas.microsoft.com/office/powerpoint/2010/main" val="799280478"/>
+                <p14:modId xmlns:p14="http://schemas.microsoft.com/office/powerpoint/2010/main" val="78862650"/>
               </p:ext>
             </p:extLst>
           </p:nvPr>
         </p:nvGraphicFramePr>
         <p:xfrm>
-          <a:off x="303267" y="7143963"/>
+          <a:off x="199856" y="7783397"/>
           <a:ext cx="1419225" cy="1476375"/>
         </p:xfrm>
         <a:graphic>
@@ -16959,7 +14788,7 @@
                     </p:blipFill>
                     <p:spPr>
                       <a:xfrm>
-                        <a:off x="303267" y="7143963"/>
+                        <a:off x="199856" y="7783397"/>
                         <a:ext cx="1419225" cy="1476375"/>
                       </a:xfrm>
                       <a:prstGeom prst="rect">
@@ -16988,25 +14817,25 @@
           <p:nvPr>
             <p:extLst>
               <p:ext uri="{D42A27DB-BD31-4B8C-83A1-F6EECF244321}">
-                <p14:modId xmlns:p14="http://schemas.microsoft.com/office/powerpoint/2010/main" val="4127367120"/>
+                <p14:modId xmlns:p14="http://schemas.microsoft.com/office/powerpoint/2010/main" val="3281826840"/>
               </p:ext>
             </p:extLst>
           </p:nvPr>
         </p:nvGraphicFramePr>
         <p:xfrm>
-          <a:off x="8881583" y="5335393"/>
-          <a:ext cx="2366963" cy="1595437"/>
+          <a:off x="3853139" y="7769776"/>
+          <a:ext cx="4181475" cy="1446212"/>
         </p:xfrm>
         <a:graphic>
           <a:graphicData uri="http://schemas.openxmlformats.org/presentationml/2006/ole">
             <mc:AlternateContent xmlns:mc="http://schemas.openxmlformats.org/markup-compatibility/2006">
               <mc:Choice xmlns:v="urn:schemas-microsoft-com:vml" Requires="v">
-                <p:oleObj name="CS ChemDraw Drawing" r:id="rId44" imgW="2366705" imgH="1595253" progId="ChemDraw.Document.6.0">
+                <p:oleObj name="CS ChemDraw Drawing" r:id="rId44" imgW="4181674" imgH="1446126" progId="ChemDraw.Document.6.0">
                   <p:embed/>
                 </p:oleObj>
               </mc:Choice>
               <mc:Fallback>
-                <p:oleObj name="CS ChemDraw Drawing" r:id="rId44" imgW="2366705" imgH="1595253" progId="ChemDraw.Document.6.0">
+                <p:oleObj name="CS ChemDraw Drawing" r:id="rId44" imgW="4181674" imgH="1446126" progId="ChemDraw.Document.6.0">
                   <p:embed/>
                   <p:pic>
                     <p:nvPicPr>
@@ -17028,8 +14857,8 @@
                     </p:blipFill>
                     <p:spPr>
                       <a:xfrm>
-                        <a:off x="8881583" y="5335393"/>
-                        <a:ext cx="2366963" cy="1595437"/>
+                        <a:off x="3853139" y="7769776"/>
+                        <a:ext cx="4181475" cy="1446212"/>
                       </a:xfrm>
                       <a:prstGeom prst="rect">
                         <a:avLst/>
@@ -17056,7 +14885,7 @@
         </p:nvSpPr>
         <p:spPr>
           <a:xfrm>
-            <a:off x="9863333" y="6927795"/>
+            <a:off x="5740942" y="9403248"/>
             <a:ext cx="631426" cy="310717"/>
           </a:xfrm>
           <a:prstGeom prst="rect">
@@ -17116,13 +14945,13 @@
           <p:nvPr>
             <p:extLst>
               <p:ext uri="{D42A27DB-BD31-4B8C-83A1-F6EECF244321}">
-                <p14:modId xmlns:p14="http://schemas.microsoft.com/office/powerpoint/2010/main" val="2341250877"/>
+                <p14:modId xmlns:p14="http://schemas.microsoft.com/office/powerpoint/2010/main" val="2868843937"/>
               </p:ext>
             </p:extLst>
           </p:nvPr>
         </p:nvGraphicFramePr>
         <p:xfrm>
-          <a:off x="4029559" y="5587804"/>
+          <a:off x="7664687" y="7947576"/>
           <a:ext cx="1965325" cy="1090612"/>
         </p:xfrm>
         <a:graphic>
@@ -17156,7 +14985,7 @@
                     </p:blipFill>
                     <p:spPr>
                       <a:xfrm>
-                        <a:off x="4029559" y="5587804"/>
+                        <a:off x="7664687" y="7947576"/>
                         <a:ext cx="1965325" cy="1090612"/>
                       </a:xfrm>
                       <a:prstGeom prst="rect">
@@ -17185,13 +15014,13 @@
           <p:nvPr>
             <p:extLst>
               <p:ext uri="{D42A27DB-BD31-4B8C-83A1-F6EECF244321}">
-                <p14:modId xmlns:p14="http://schemas.microsoft.com/office/powerpoint/2010/main" val="2945335388"/>
+                <p14:modId xmlns:p14="http://schemas.microsoft.com/office/powerpoint/2010/main" val="2062092324"/>
               </p:ext>
             </p:extLst>
           </p:nvPr>
         </p:nvGraphicFramePr>
         <p:xfrm>
-          <a:off x="2074533" y="5412800"/>
+          <a:off x="1598030" y="7766601"/>
           <a:ext cx="2095500" cy="1452562"/>
         </p:xfrm>
         <a:graphic>
@@ -17225,7 +15054,7 @@
                     </p:blipFill>
                     <p:spPr>
                       <a:xfrm>
-                        <a:off x="2074533" y="5412800"/>
+                        <a:off x="1598030" y="7766601"/>
                         <a:ext cx="2095500" cy="1452562"/>
                       </a:xfrm>
                       <a:prstGeom prst="rect">
@@ -17254,13 +15083,13 @@
           <p:nvPr>
             <p:extLst>
               <p:ext uri="{D42A27DB-BD31-4B8C-83A1-F6EECF244321}">
-                <p14:modId xmlns:p14="http://schemas.microsoft.com/office/powerpoint/2010/main" val="3233591118"/>
+                <p14:modId xmlns:p14="http://schemas.microsoft.com/office/powerpoint/2010/main" val="2822514375"/>
               </p:ext>
             </p:extLst>
           </p:nvPr>
         </p:nvGraphicFramePr>
         <p:xfrm>
-          <a:off x="9810241" y="3959814"/>
+          <a:off x="9939989" y="7936555"/>
           <a:ext cx="1546225" cy="1214438"/>
         </p:xfrm>
         <a:graphic>
@@ -17294,7 +15123,7 @@
                     </p:blipFill>
                     <p:spPr>
                       <a:xfrm>
-                        <a:off x="9810241" y="3959814"/>
+                        <a:off x="9939989" y="7936555"/>
                         <a:ext cx="1546225" cy="1214438"/>
                       </a:xfrm>
                       <a:prstGeom prst="rect">
@@ -17322,7 +15151,7 @@
         </p:nvSpPr>
         <p:spPr>
           <a:xfrm>
-            <a:off x="2771029" y="8678630"/>
+            <a:off x="5121152" y="7384960"/>
             <a:ext cx="631426" cy="310717"/>
           </a:xfrm>
           <a:prstGeom prst="rect">
@@ -17382,13 +15211,13 @@
           <p:nvPr>
             <p:extLst>
               <p:ext uri="{D42A27DB-BD31-4B8C-83A1-F6EECF244321}">
-                <p14:modId xmlns:p14="http://schemas.microsoft.com/office/powerpoint/2010/main" val="2846290399"/>
+                <p14:modId xmlns:p14="http://schemas.microsoft.com/office/powerpoint/2010/main" val="3563423907"/>
               </p:ext>
             </p:extLst>
           </p:nvPr>
         </p:nvGraphicFramePr>
         <p:xfrm>
-          <a:off x="2128161" y="7423033"/>
+          <a:off x="4524651" y="6161413"/>
           <a:ext cx="1997075" cy="1192212"/>
         </p:xfrm>
         <a:graphic>
@@ -17422,7 +15251,7 @@
                     </p:blipFill>
                     <p:spPr>
                       <a:xfrm>
-                        <a:off x="2128161" y="7423033"/>
+                        <a:off x="4524651" y="6161413"/>
                         <a:ext cx="1997075" cy="1192212"/>
                       </a:xfrm>
                       <a:prstGeom prst="rect">
@@ -17436,1300 +15265,6 @@
           </a:graphicData>
         </a:graphic>
       </p:graphicFrame>
-      <p:graphicFrame>
-        <p:nvGraphicFramePr>
-          <p:cNvPr id="2" name="Objeto 1">
-            <a:extLst>
-              <a:ext uri="{FF2B5EF4-FFF2-40B4-BE49-F238E27FC236}">
-                <a16:creationId xmlns:a16="http://schemas.microsoft.com/office/drawing/2014/main" id="{AE1A8EFF-3D73-9698-D0D3-D579DF9C7CDB}"/>
-              </a:ext>
-            </a:extLst>
-          </p:cNvPr>
-          <p:cNvGraphicFramePr>
-            <a:graphicFrameLocks noChangeAspect="1"/>
-          </p:cNvGraphicFramePr>
-          <p:nvPr>
-            <p:extLst>
-              <p:ext uri="{D42A27DB-BD31-4B8C-83A1-F6EECF244321}">
-                <p14:modId xmlns:p14="http://schemas.microsoft.com/office/powerpoint/2010/main" val="3758115061"/>
-              </p:ext>
-            </p:extLst>
-          </p:nvPr>
-        </p:nvGraphicFramePr>
-        <p:xfrm>
-          <a:off x="303266" y="9221930"/>
-          <a:ext cx="1631950" cy="1403350"/>
-        </p:xfrm>
-        <a:graphic>
-          <a:graphicData uri="http://schemas.openxmlformats.org/presentationml/2006/ole">
-            <mc:AlternateContent xmlns:mc="http://schemas.openxmlformats.org/markup-compatibility/2006">
-              <mc:Choice xmlns:v="urn:schemas-microsoft-com:vml" Requires="v">
-                <p:oleObj name="CS ChemDraw Drawing" r:id="rId54" imgW="1631734" imgH="1403331" progId="ChemDraw.Document.6.0">
-                  <p:embed/>
-                </p:oleObj>
-              </mc:Choice>
-              <mc:Fallback>
-                <p:oleObj name="CS ChemDraw Drawing" r:id="rId54" imgW="1631734" imgH="1403331" progId="ChemDraw.Document.6.0">
-                  <p:embed/>
-                  <p:pic>
-                    <p:nvPicPr>
-                      <p:cNvPr id="2" name="Objeto 1">
-                        <a:extLst>
-                          <a:ext uri="{FF2B5EF4-FFF2-40B4-BE49-F238E27FC236}">
-                            <a16:creationId xmlns:a16="http://schemas.microsoft.com/office/drawing/2014/main" id="{AE1A8EFF-3D73-9698-D0D3-D579DF9C7CDB}"/>
-                          </a:ext>
-                        </a:extLst>
-                      </p:cNvPr>
-                      <p:cNvPicPr/>
-                      <p:nvPr/>
-                    </p:nvPicPr>
-                    <p:blipFill>
-                      <a:blip r:embed="rId55"/>
-                      <a:stretch>
-                        <a:fillRect/>
-                      </a:stretch>
-                    </p:blipFill>
-                    <p:spPr>
-                      <a:xfrm>
-                        <a:off x="303266" y="9221930"/>
-                        <a:ext cx="1631950" cy="1403350"/>
-                      </a:xfrm>
-                      <a:prstGeom prst="rect">
-                        <a:avLst/>
-                      </a:prstGeom>
-                    </p:spPr>
-                  </p:pic>
-                </p:oleObj>
-              </mc:Fallback>
-            </mc:AlternateContent>
-          </a:graphicData>
-        </a:graphic>
-      </p:graphicFrame>
-      <p:sp>
-        <p:nvSpPr>
-          <p:cNvPr id="3" name="Google Shape;298;p9">
-            <a:extLst>
-              <a:ext uri="{FF2B5EF4-FFF2-40B4-BE49-F238E27FC236}">
-                <a16:creationId xmlns:a16="http://schemas.microsoft.com/office/drawing/2014/main" id="{96AB0A9E-137A-CD02-179E-AFABBF5A32BC}"/>
-              </a:ext>
-            </a:extLst>
-          </p:cNvPr>
-          <p:cNvSpPr txBox="1"/>
-          <p:nvPr/>
-        </p:nvSpPr>
-        <p:spPr>
-          <a:xfrm>
-            <a:off x="749689" y="10601496"/>
-            <a:ext cx="631426" cy="310717"/>
-          </a:xfrm>
-          <a:prstGeom prst="rect">
-            <a:avLst/>
-          </a:prstGeom>
-          <a:noFill/>
-          <a:ln>
-            <a:noFill/>
-          </a:ln>
-        </p:spPr>
-        <p:txBody>
-          <a:bodyPr spcFirstLastPara="1" wrap="square" lIns="94378" tIns="47176" rIns="94378" bIns="47176" anchor="t" anchorCtr="0">
-            <a:spAutoFit/>
-          </a:bodyPr>
-          <a:lstStyle/>
-          <a:p>
-            <a:pPr algn="ctr">
-              <a:buClr>
-                <a:srgbClr val="000000"/>
-              </a:buClr>
-              <a:buSzPts val="1200"/>
-            </a:pPr>
-            <a:r>
-              <a:rPr lang="pt-BR" sz="1400" b="1" dirty="0">
-                <a:solidFill>
-                  <a:srgbClr val="00B050"/>
-                </a:solidFill>
-                <a:latin typeface="Avenir"/>
-                <a:ea typeface="Arial"/>
-                <a:cs typeface="Arial"/>
-                <a:sym typeface="Avenir"/>
-              </a:rPr>
-              <a:t>INDE</a:t>
-            </a:r>
-            <a:endParaRPr sz="1600" dirty="0">
-              <a:solidFill>
-                <a:srgbClr val="00B050"/>
-              </a:solidFill>
-              <a:latin typeface="Arial"/>
-              <a:ea typeface="Arial"/>
-              <a:cs typeface="Arial"/>
-              <a:sym typeface="Arial"/>
-            </a:endParaRPr>
-          </a:p>
-        </p:txBody>
-      </p:sp>
-      <p:graphicFrame>
-        <p:nvGraphicFramePr>
-          <p:cNvPr id="4" name="Objeto 3">
-            <a:extLst>
-              <a:ext uri="{FF2B5EF4-FFF2-40B4-BE49-F238E27FC236}">
-                <a16:creationId xmlns:a16="http://schemas.microsoft.com/office/drawing/2014/main" id="{3F70143E-5256-37C3-08C9-0E28E08A6DA3}"/>
-              </a:ext>
-            </a:extLst>
-          </p:cNvPr>
-          <p:cNvGraphicFramePr>
-            <a:graphicFrameLocks noChangeAspect="1"/>
-          </p:cNvGraphicFramePr>
-          <p:nvPr>
-            <p:extLst>
-              <p:ext uri="{D42A27DB-BD31-4B8C-83A1-F6EECF244321}">
-                <p14:modId xmlns:p14="http://schemas.microsoft.com/office/powerpoint/2010/main" val="536804092"/>
-              </p:ext>
-            </p:extLst>
-          </p:nvPr>
-        </p:nvGraphicFramePr>
-        <p:xfrm>
-          <a:off x="2119161" y="9256097"/>
-          <a:ext cx="1935163" cy="1422400"/>
-        </p:xfrm>
-        <a:graphic>
-          <a:graphicData uri="http://schemas.openxmlformats.org/presentationml/2006/ole">
-            <mc:AlternateContent xmlns:mc="http://schemas.openxmlformats.org/markup-compatibility/2006">
-              <mc:Choice xmlns:v="urn:schemas-microsoft-com:vml" Requires="v">
-                <p:oleObj name="CS ChemDraw Drawing" r:id="rId56" imgW="1935001" imgH="1421756" progId="ChemDraw.Document.6.0">
-                  <p:embed/>
-                </p:oleObj>
-              </mc:Choice>
-              <mc:Fallback>
-                <p:oleObj name="CS ChemDraw Drawing" r:id="rId56" imgW="1935001" imgH="1421756" progId="ChemDraw.Document.6.0">
-                  <p:embed/>
-                  <p:pic>
-                    <p:nvPicPr>
-                      <p:cNvPr id="4" name="Objeto 3">
-                        <a:extLst>
-                          <a:ext uri="{FF2B5EF4-FFF2-40B4-BE49-F238E27FC236}">
-                            <a16:creationId xmlns:a16="http://schemas.microsoft.com/office/drawing/2014/main" id="{3F70143E-5256-37C3-08C9-0E28E08A6DA3}"/>
-                          </a:ext>
-                        </a:extLst>
-                      </p:cNvPr>
-                      <p:cNvPicPr/>
-                      <p:nvPr/>
-                    </p:nvPicPr>
-                    <p:blipFill>
-                      <a:blip r:embed="rId57"/>
-                      <a:stretch>
-                        <a:fillRect/>
-                      </a:stretch>
-                    </p:blipFill>
-                    <p:spPr>
-                      <a:xfrm>
-                        <a:off x="2119161" y="9256097"/>
-                        <a:ext cx="1935163" cy="1422400"/>
-                      </a:xfrm>
-                      <a:prstGeom prst="rect">
-                        <a:avLst/>
-                      </a:prstGeom>
-                    </p:spPr>
-                  </p:pic>
-                </p:oleObj>
-              </mc:Fallback>
-            </mc:AlternateContent>
-          </a:graphicData>
-        </a:graphic>
-      </p:graphicFrame>
-      <p:sp>
-        <p:nvSpPr>
-          <p:cNvPr id="6" name="Google Shape;298;p9">
-            <a:extLst>
-              <a:ext uri="{FF2B5EF4-FFF2-40B4-BE49-F238E27FC236}">
-                <a16:creationId xmlns:a16="http://schemas.microsoft.com/office/drawing/2014/main" id="{FC41228B-6CCA-B4EC-2637-DFBDBC57C157}"/>
-              </a:ext>
-            </a:extLst>
-          </p:cNvPr>
-          <p:cNvSpPr txBox="1"/>
-          <p:nvPr/>
-        </p:nvSpPr>
-        <p:spPr>
-          <a:xfrm>
-            <a:off x="2829183" y="10634530"/>
-            <a:ext cx="631426" cy="310717"/>
-          </a:xfrm>
-          <a:prstGeom prst="rect">
-            <a:avLst/>
-          </a:prstGeom>
-          <a:noFill/>
-          <a:ln>
-            <a:noFill/>
-          </a:ln>
-        </p:spPr>
-        <p:txBody>
-          <a:bodyPr spcFirstLastPara="1" wrap="square" lIns="94378" tIns="47176" rIns="94378" bIns="47176" anchor="t" anchorCtr="0">
-            <a:spAutoFit/>
-          </a:bodyPr>
-          <a:lstStyle/>
-          <a:p>
-            <a:pPr algn="ctr">
-              <a:buClr>
-                <a:srgbClr val="000000"/>
-              </a:buClr>
-              <a:buSzPts val="1200"/>
-            </a:pPr>
-            <a:r>
-              <a:rPr lang="pt-BR" sz="1400" b="1" dirty="0">
-                <a:solidFill>
-                  <a:srgbClr val="00B050"/>
-                </a:solidFill>
-                <a:latin typeface="Avenir"/>
-                <a:ea typeface="Arial"/>
-                <a:cs typeface="Arial"/>
-                <a:sym typeface="Avenir"/>
-              </a:rPr>
-              <a:t>INFL</a:t>
-            </a:r>
-            <a:endParaRPr lang="pt-BR" sz="1600" dirty="0">
-              <a:solidFill>
-                <a:srgbClr val="00B050"/>
-              </a:solidFill>
-              <a:latin typeface="Arial"/>
-              <a:ea typeface="Arial"/>
-              <a:cs typeface="Arial"/>
-              <a:sym typeface="Arial"/>
-            </a:endParaRPr>
-          </a:p>
-        </p:txBody>
-      </p:sp>
-      <p:graphicFrame>
-        <p:nvGraphicFramePr>
-          <p:cNvPr id="30" name="Objeto 29">
-            <a:extLst>
-              <a:ext uri="{FF2B5EF4-FFF2-40B4-BE49-F238E27FC236}">
-                <a16:creationId xmlns:a16="http://schemas.microsoft.com/office/drawing/2014/main" id="{39C4941F-48FF-076E-7407-1AD92AB3B841}"/>
-              </a:ext>
-            </a:extLst>
-          </p:cNvPr>
-          <p:cNvGraphicFramePr>
-            <a:graphicFrameLocks noChangeAspect="1"/>
-          </p:cNvGraphicFramePr>
-          <p:nvPr>
-            <p:extLst>
-              <p:ext uri="{D42A27DB-BD31-4B8C-83A1-F6EECF244321}">
-                <p14:modId xmlns:p14="http://schemas.microsoft.com/office/powerpoint/2010/main" val="2645129749"/>
-              </p:ext>
-            </p:extLst>
-          </p:nvPr>
-        </p:nvGraphicFramePr>
-        <p:xfrm>
-          <a:off x="4419593" y="7303410"/>
-          <a:ext cx="1817687" cy="1597025"/>
-        </p:xfrm>
-        <a:graphic>
-          <a:graphicData uri="http://schemas.openxmlformats.org/presentationml/2006/ole">
-            <mc:AlternateContent xmlns:mc="http://schemas.openxmlformats.org/markup-compatibility/2006">
-              <mc:Choice xmlns:v="urn:schemas-microsoft-com:vml" Requires="v">
-                <p:oleObj name="CS ChemDraw Drawing" r:id="rId58" imgW="1817682" imgH="1596788" progId="ChemDraw.Document.6.0">
-                  <p:embed/>
-                </p:oleObj>
-              </mc:Choice>
-              <mc:Fallback>
-                <p:oleObj name="CS ChemDraw Drawing" r:id="rId58" imgW="1817682" imgH="1596788" progId="ChemDraw.Document.6.0">
-                  <p:embed/>
-                  <p:pic>
-                    <p:nvPicPr>
-                      <p:cNvPr id="30" name="Objeto 29">
-                        <a:extLst>
-                          <a:ext uri="{FF2B5EF4-FFF2-40B4-BE49-F238E27FC236}">
-                            <a16:creationId xmlns:a16="http://schemas.microsoft.com/office/drawing/2014/main" id="{39C4941F-48FF-076E-7407-1AD92AB3B841}"/>
-                          </a:ext>
-                        </a:extLst>
-                      </p:cNvPr>
-                      <p:cNvPicPr/>
-                      <p:nvPr/>
-                    </p:nvPicPr>
-                    <p:blipFill>
-                      <a:blip r:embed="rId59"/>
-                      <a:stretch>
-                        <a:fillRect/>
-                      </a:stretch>
-                    </p:blipFill>
-                    <p:spPr>
-                      <a:xfrm>
-                        <a:off x="4419593" y="7303410"/>
-                        <a:ext cx="1817687" cy="1597025"/>
-                      </a:xfrm>
-                      <a:prstGeom prst="rect">
-                        <a:avLst/>
-                      </a:prstGeom>
-                    </p:spPr>
-                  </p:pic>
-                </p:oleObj>
-              </mc:Fallback>
-            </mc:AlternateContent>
-          </a:graphicData>
-        </a:graphic>
-      </p:graphicFrame>
-      <p:graphicFrame>
-        <p:nvGraphicFramePr>
-          <p:cNvPr id="35" name="Objeto 34">
-            <a:extLst>
-              <a:ext uri="{FF2B5EF4-FFF2-40B4-BE49-F238E27FC236}">
-                <a16:creationId xmlns:a16="http://schemas.microsoft.com/office/drawing/2014/main" id="{04F8035D-8463-ACE7-2119-276CD44AD7EE}"/>
-              </a:ext>
-            </a:extLst>
-          </p:cNvPr>
-          <p:cNvGraphicFramePr>
-            <a:graphicFrameLocks noChangeAspect="1"/>
-          </p:cNvGraphicFramePr>
-          <p:nvPr>
-            <p:extLst>
-              <p:ext uri="{D42A27DB-BD31-4B8C-83A1-F6EECF244321}">
-                <p14:modId xmlns:p14="http://schemas.microsoft.com/office/powerpoint/2010/main" val="2813021681"/>
-              </p:ext>
-            </p:extLst>
-          </p:nvPr>
-        </p:nvGraphicFramePr>
-        <p:xfrm>
-          <a:off x="6726959" y="7340150"/>
-          <a:ext cx="1809750" cy="1493838"/>
-        </p:xfrm>
-        <a:graphic>
-          <a:graphicData uri="http://schemas.openxmlformats.org/presentationml/2006/ole">
-            <mc:AlternateContent xmlns:mc="http://schemas.openxmlformats.org/markup-compatibility/2006">
-              <mc:Choice xmlns:v="urn:schemas-microsoft-com:vml" Requires="v">
-                <p:oleObj name="CS ChemDraw Drawing" r:id="rId60" imgW="1810014" imgH="1493150" progId="ChemDraw.Document.6.0">
-                  <p:embed/>
-                </p:oleObj>
-              </mc:Choice>
-              <mc:Fallback>
-                <p:oleObj name="CS ChemDraw Drawing" r:id="rId60" imgW="1810014" imgH="1493150" progId="ChemDraw.Document.6.0">
-                  <p:embed/>
-                  <p:pic>
-                    <p:nvPicPr>
-                      <p:cNvPr id="35" name="Objeto 34">
-                        <a:extLst>
-                          <a:ext uri="{FF2B5EF4-FFF2-40B4-BE49-F238E27FC236}">
-                            <a16:creationId xmlns:a16="http://schemas.microsoft.com/office/drawing/2014/main" id="{04F8035D-8463-ACE7-2119-276CD44AD7EE}"/>
-                          </a:ext>
-                        </a:extLst>
-                      </p:cNvPr>
-                      <p:cNvPicPr/>
-                      <p:nvPr/>
-                    </p:nvPicPr>
-                    <p:blipFill>
-                      <a:blip r:embed="rId61"/>
-                      <a:stretch>
-                        <a:fillRect/>
-                      </a:stretch>
-                    </p:blipFill>
-                    <p:spPr>
-                      <a:xfrm>
-                        <a:off x="6726959" y="7340150"/>
-                        <a:ext cx="1809750" cy="1493838"/>
-                      </a:xfrm>
-                      <a:prstGeom prst="rect">
-                        <a:avLst/>
-                      </a:prstGeom>
-                    </p:spPr>
-                  </p:pic>
-                </p:oleObj>
-              </mc:Fallback>
-            </mc:AlternateContent>
-          </a:graphicData>
-        </a:graphic>
-      </p:graphicFrame>
-      <p:sp>
-        <p:nvSpPr>
-          <p:cNvPr id="36" name="Google Shape;298;p9">
-            <a:extLst>
-              <a:ext uri="{FF2B5EF4-FFF2-40B4-BE49-F238E27FC236}">
-                <a16:creationId xmlns:a16="http://schemas.microsoft.com/office/drawing/2014/main" id="{5ACE21A8-62E3-4DFA-B49F-C18BB0857009}"/>
-              </a:ext>
-            </a:extLst>
-          </p:cNvPr>
-          <p:cNvSpPr txBox="1"/>
-          <p:nvPr/>
-        </p:nvSpPr>
-        <p:spPr>
-          <a:xfrm>
-            <a:off x="8481369" y="8087069"/>
-            <a:ext cx="631426" cy="310717"/>
-          </a:xfrm>
-          <a:prstGeom prst="rect">
-            <a:avLst/>
-          </a:prstGeom>
-          <a:noFill/>
-          <a:ln>
-            <a:noFill/>
-          </a:ln>
-        </p:spPr>
-        <p:txBody>
-          <a:bodyPr spcFirstLastPara="1" wrap="square" lIns="94378" tIns="47176" rIns="94378" bIns="47176" anchor="t" anchorCtr="0">
-            <a:spAutoFit/>
-          </a:bodyPr>
-          <a:lstStyle/>
-          <a:p>
-            <a:pPr algn="ctr">
-              <a:buClr>
-                <a:srgbClr val="000000"/>
-              </a:buClr>
-              <a:buSzPts val="1200"/>
-            </a:pPr>
-            <a:r>
-              <a:rPr lang="pt-BR" sz="1400" b="1" dirty="0">
-                <a:solidFill>
-                  <a:srgbClr val="00B050"/>
-                </a:solidFill>
-                <a:latin typeface="Avenir"/>
-                <a:ea typeface="Arial"/>
-                <a:cs typeface="Arial"/>
-                <a:sym typeface="Avenir"/>
-              </a:rPr>
-              <a:t>3IDT</a:t>
-            </a:r>
-            <a:endParaRPr lang="pt-BR" sz="1600" dirty="0">
-              <a:solidFill>
-                <a:srgbClr val="00B050"/>
-              </a:solidFill>
-              <a:latin typeface="Arial"/>
-              <a:ea typeface="Arial"/>
-              <a:cs typeface="Arial"/>
-              <a:sym typeface="Arial"/>
-            </a:endParaRPr>
-          </a:p>
-        </p:txBody>
-      </p:sp>
-      <p:graphicFrame>
-        <p:nvGraphicFramePr>
-          <p:cNvPr id="28" name="Objeto 27">
-            <a:extLst>
-              <a:ext uri="{FF2B5EF4-FFF2-40B4-BE49-F238E27FC236}">
-                <a16:creationId xmlns:a16="http://schemas.microsoft.com/office/drawing/2014/main" id="{365BB12C-762A-220D-6287-00D62C90D13C}"/>
-              </a:ext>
-            </a:extLst>
-          </p:cNvPr>
-          <p:cNvGraphicFramePr>
-            <a:graphicFrameLocks noChangeAspect="1"/>
-          </p:cNvGraphicFramePr>
-          <p:nvPr>
-            <p:extLst>
-              <p:ext uri="{D42A27DB-BD31-4B8C-83A1-F6EECF244321}">
-                <p14:modId xmlns:p14="http://schemas.microsoft.com/office/powerpoint/2010/main" val="4084897969"/>
-              </p:ext>
-            </p:extLst>
-          </p:nvPr>
-        </p:nvGraphicFramePr>
-        <p:xfrm>
-          <a:off x="4171161" y="9019581"/>
-          <a:ext cx="2200275" cy="1536700"/>
-        </p:xfrm>
-        <a:graphic>
-          <a:graphicData uri="http://schemas.openxmlformats.org/presentationml/2006/ole">
-            <mc:AlternateContent xmlns:mc="http://schemas.openxmlformats.org/markup-compatibility/2006">
-              <mc:Choice xmlns:v="urn:schemas-microsoft-com:vml" Requires="v">
-                <p:oleObj name="CS ChemDraw Drawing" r:id="rId62" imgW="2200311" imgH="1537292" progId="ChemDraw.Document.6.0">
-                  <p:embed/>
-                </p:oleObj>
-              </mc:Choice>
-              <mc:Fallback>
-                <p:oleObj name="CS ChemDraw Drawing" r:id="rId62" imgW="2200311" imgH="1537292" progId="ChemDraw.Document.6.0">
-                  <p:embed/>
-                  <p:pic>
-                    <p:nvPicPr>
-                      <p:cNvPr id="28" name="Objeto 27">
-                        <a:extLst>
-                          <a:ext uri="{FF2B5EF4-FFF2-40B4-BE49-F238E27FC236}">
-                            <a16:creationId xmlns:a16="http://schemas.microsoft.com/office/drawing/2014/main" id="{365BB12C-762A-220D-6287-00D62C90D13C}"/>
-                          </a:ext>
-                        </a:extLst>
-                      </p:cNvPr>
-                      <p:cNvPicPr/>
-                      <p:nvPr/>
-                    </p:nvPicPr>
-                    <p:blipFill>
-                      <a:blip r:embed="rId63"/>
-                      <a:stretch>
-                        <a:fillRect/>
-                      </a:stretch>
-                    </p:blipFill>
-                    <p:spPr>
-                      <a:xfrm>
-                        <a:off x="4171161" y="9019581"/>
-                        <a:ext cx="2200275" cy="1536700"/>
-                      </a:xfrm>
-                      <a:prstGeom prst="rect">
-                        <a:avLst/>
-                      </a:prstGeom>
-                    </p:spPr>
-                  </p:pic>
-                </p:oleObj>
-              </mc:Fallback>
-            </mc:AlternateContent>
-          </a:graphicData>
-        </a:graphic>
-      </p:graphicFrame>
-      <p:sp>
-        <p:nvSpPr>
-          <p:cNvPr id="31" name="Google Shape;298;p9">
-            <a:extLst>
-              <a:ext uri="{FF2B5EF4-FFF2-40B4-BE49-F238E27FC236}">
-                <a16:creationId xmlns:a16="http://schemas.microsoft.com/office/drawing/2014/main" id="{B1D8E011-A7F8-F513-1FBC-A16A061C4B8A}"/>
-              </a:ext>
-            </a:extLst>
-          </p:cNvPr>
-          <p:cNvSpPr txBox="1"/>
-          <p:nvPr/>
-        </p:nvSpPr>
-        <p:spPr>
-          <a:xfrm>
-            <a:off x="5020807" y="10522480"/>
-            <a:ext cx="631426" cy="310717"/>
-          </a:xfrm>
-          <a:prstGeom prst="rect">
-            <a:avLst/>
-          </a:prstGeom>
-          <a:noFill/>
-          <a:ln>
-            <a:noFill/>
-          </a:ln>
-        </p:spPr>
-        <p:txBody>
-          <a:bodyPr spcFirstLastPara="1" wrap="square" lIns="94378" tIns="47176" rIns="94378" bIns="47176" anchor="t" anchorCtr="0">
-            <a:spAutoFit/>
-          </a:bodyPr>
-          <a:lstStyle/>
-          <a:p>
-            <a:pPr algn="ctr">
-              <a:buClr>
-                <a:srgbClr val="000000"/>
-              </a:buClr>
-              <a:buSzPts val="1200"/>
-            </a:pPr>
-            <a:r>
-              <a:rPr lang="pt-BR" sz="1400" b="1" dirty="0">
-                <a:solidFill>
-                  <a:srgbClr val="00B050"/>
-                </a:solidFill>
-                <a:latin typeface="Avenir"/>
-                <a:ea typeface="Arial"/>
-                <a:cs typeface="Arial"/>
-                <a:sym typeface="Avenir"/>
-              </a:rPr>
-              <a:t>DFFE</a:t>
-            </a:r>
-            <a:endParaRPr lang="pt-BR" sz="1600" dirty="0">
-              <a:solidFill>
-                <a:srgbClr val="00B050"/>
-              </a:solidFill>
-              <a:latin typeface="Arial"/>
-              <a:ea typeface="Arial"/>
-              <a:cs typeface="Arial"/>
-              <a:sym typeface="Arial"/>
-            </a:endParaRPr>
-          </a:p>
-        </p:txBody>
-      </p:sp>
-      <p:graphicFrame>
-        <p:nvGraphicFramePr>
-          <p:cNvPr id="32" name="Objeto 31">
-            <a:extLst>
-              <a:ext uri="{FF2B5EF4-FFF2-40B4-BE49-F238E27FC236}">
-                <a16:creationId xmlns:a16="http://schemas.microsoft.com/office/drawing/2014/main" id="{5153DBB1-A1C7-18BA-CFBB-811747AE63A3}"/>
-              </a:ext>
-            </a:extLst>
-          </p:cNvPr>
-          <p:cNvGraphicFramePr>
-            <a:graphicFrameLocks noChangeAspect="1"/>
-          </p:cNvGraphicFramePr>
-          <p:nvPr>
-            <p:extLst>
-              <p:ext uri="{D42A27DB-BD31-4B8C-83A1-F6EECF244321}">
-                <p14:modId xmlns:p14="http://schemas.microsoft.com/office/powerpoint/2010/main" val="1521843289"/>
-              </p:ext>
-            </p:extLst>
-          </p:nvPr>
-        </p:nvGraphicFramePr>
-        <p:xfrm>
-          <a:off x="6519892" y="9102352"/>
-          <a:ext cx="2052637" cy="1570038"/>
-        </p:xfrm>
-        <a:graphic>
-          <a:graphicData uri="http://schemas.openxmlformats.org/presentationml/2006/ole">
-            <mc:AlternateContent xmlns:mc="http://schemas.openxmlformats.org/markup-compatibility/2006">
-              <mc:Choice xmlns:v="urn:schemas-microsoft-com:vml" Requires="v">
-                <p:oleObj name="CS ChemDraw Drawing" r:id="rId64" imgW="2052320" imgH="1570687" progId="ChemDraw.Document.6.0">
-                  <p:embed/>
-                </p:oleObj>
-              </mc:Choice>
-              <mc:Fallback>
-                <p:oleObj name="CS ChemDraw Drawing" r:id="rId64" imgW="2052320" imgH="1570687" progId="ChemDraw.Document.6.0">
-                  <p:embed/>
-                  <p:pic>
-                    <p:nvPicPr>
-                      <p:cNvPr id="32" name="Objeto 31">
-                        <a:extLst>
-                          <a:ext uri="{FF2B5EF4-FFF2-40B4-BE49-F238E27FC236}">
-                            <a16:creationId xmlns:a16="http://schemas.microsoft.com/office/drawing/2014/main" id="{5153DBB1-A1C7-18BA-CFBB-811747AE63A3}"/>
-                          </a:ext>
-                        </a:extLst>
-                      </p:cNvPr>
-                      <p:cNvPicPr/>
-                      <p:nvPr/>
-                    </p:nvPicPr>
-                    <p:blipFill>
-                      <a:blip r:embed="rId65"/>
-                      <a:stretch>
-                        <a:fillRect/>
-                      </a:stretch>
-                    </p:blipFill>
-                    <p:spPr>
-                      <a:xfrm>
-                        <a:off x="6519892" y="9102352"/>
-                        <a:ext cx="2052637" cy="1570038"/>
-                      </a:xfrm>
-                      <a:prstGeom prst="rect">
-                        <a:avLst/>
-                      </a:prstGeom>
-                    </p:spPr>
-                  </p:pic>
-                </p:oleObj>
-              </mc:Fallback>
-            </mc:AlternateContent>
-          </a:graphicData>
-        </a:graphic>
-      </p:graphicFrame>
-      <p:sp>
-        <p:nvSpPr>
-          <p:cNvPr id="33" name="Google Shape;298;p9">
-            <a:extLst>
-              <a:ext uri="{FF2B5EF4-FFF2-40B4-BE49-F238E27FC236}">
-                <a16:creationId xmlns:a16="http://schemas.microsoft.com/office/drawing/2014/main" id="{673A35C1-7BFF-FF6D-DC1F-64E5D16AF7E2}"/>
-              </a:ext>
-            </a:extLst>
-          </p:cNvPr>
-          <p:cNvSpPr txBox="1"/>
-          <p:nvPr/>
-        </p:nvSpPr>
-        <p:spPr>
-          <a:xfrm>
-            <a:off x="7427939" y="10752253"/>
-            <a:ext cx="631426" cy="310717"/>
-          </a:xfrm>
-          <a:prstGeom prst="rect">
-            <a:avLst/>
-          </a:prstGeom>
-          <a:noFill/>
-          <a:ln>
-            <a:noFill/>
-          </a:ln>
-        </p:spPr>
-        <p:txBody>
-          <a:bodyPr spcFirstLastPara="1" wrap="square" lIns="94378" tIns="47176" rIns="94378" bIns="47176" anchor="t" anchorCtr="0">
-            <a:spAutoFit/>
-          </a:bodyPr>
-          <a:lstStyle/>
-          <a:p>
-            <a:pPr algn="ctr">
-              <a:buClr>
-                <a:srgbClr val="000000"/>
-              </a:buClr>
-              <a:buSzPts val="1200"/>
-            </a:pPr>
-            <a:r>
-              <a:rPr lang="pt-BR" sz="1400" b="1" dirty="0">
-                <a:solidFill>
-                  <a:srgbClr val="00B050"/>
-                </a:solidFill>
-                <a:latin typeface="Avenir"/>
-                <a:ea typeface="Arial"/>
-                <a:cs typeface="Arial"/>
-                <a:sym typeface="Avenir"/>
-              </a:rPr>
-              <a:t>TPDI</a:t>
-            </a:r>
-            <a:endParaRPr lang="pt-BR" sz="1600" dirty="0">
-              <a:solidFill>
-                <a:srgbClr val="00B050"/>
-              </a:solidFill>
-              <a:latin typeface="Arial"/>
-              <a:ea typeface="Arial"/>
-              <a:cs typeface="Arial"/>
-              <a:sym typeface="Arial"/>
-            </a:endParaRPr>
-          </a:p>
-        </p:txBody>
-      </p:sp>
-      <p:graphicFrame>
-        <p:nvGraphicFramePr>
-          <p:cNvPr id="34" name="Objeto 33">
-            <a:extLst>
-              <a:ext uri="{FF2B5EF4-FFF2-40B4-BE49-F238E27FC236}">
-                <a16:creationId xmlns:a16="http://schemas.microsoft.com/office/drawing/2014/main" id="{711A7590-58C3-0BE3-C8AB-4FD7073B5C46}"/>
-              </a:ext>
-            </a:extLst>
-          </p:cNvPr>
-          <p:cNvGraphicFramePr>
-            <a:graphicFrameLocks noChangeAspect="1"/>
-          </p:cNvGraphicFramePr>
-          <p:nvPr>
-            <p:extLst>
-              <p:ext uri="{D42A27DB-BD31-4B8C-83A1-F6EECF244321}">
-                <p14:modId xmlns:p14="http://schemas.microsoft.com/office/powerpoint/2010/main" val="2046994562"/>
-              </p:ext>
-            </p:extLst>
-          </p:nvPr>
-        </p:nvGraphicFramePr>
-        <p:xfrm>
-          <a:off x="8976673" y="9080978"/>
-          <a:ext cx="2052637" cy="1570038"/>
-        </p:xfrm>
-        <a:graphic>
-          <a:graphicData uri="http://schemas.openxmlformats.org/presentationml/2006/ole">
-            <mc:AlternateContent xmlns:mc="http://schemas.openxmlformats.org/markup-compatibility/2006">
-              <mc:Choice xmlns:v="urn:schemas-microsoft-com:vml" Requires="v">
-                <p:oleObj name="CS ChemDraw Drawing" r:id="rId66" imgW="2052320" imgH="1570687" progId="ChemDraw.Document.6.0">
-                  <p:embed/>
-                </p:oleObj>
-              </mc:Choice>
-              <mc:Fallback>
-                <p:oleObj name="CS ChemDraw Drawing" r:id="rId66" imgW="2052320" imgH="1570687" progId="ChemDraw.Document.6.0">
-                  <p:embed/>
-                  <p:pic>
-                    <p:nvPicPr>
-                      <p:cNvPr id="34" name="Objeto 33">
-                        <a:extLst>
-                          <a:ext uri="{FF2B5EF4-FFF2-40B4-BE49-F238E27FC236}">
-                            <a16:creationId xmlns:a16="http://schemas.microsoft.com/office/drawing/2014/main" id="{711A7590-58C3-0BE3-C8AB-4FD7073B5C46}"/>
-                          </a:ext>
-                        </a:extLst>
-                      </p:cNvPr>
-                      <p:cNvPicPr/>
-                      <p:nvPr/>
-                    </p:nvPicPr>
-                    <p:blipFill>
-                      <a:blip r:embed="rId67"/>
-                      <a:stretch>
-                        <a:fillRect/>
-                      </a:stretch>
-                    </p:blipFill>
-                    <p:spPr>
-                      <a:xfrm>
-                        <a:off x="8976673" y="9080978"/>
-                        <a:ext cx="2052637" cy="1570038"/>
-                      </a:xfrm>
-                      <a:prstGeom prst="rect">
-                        <a:avLst/>
-                      </a:prstGeom>
-                    </p:spPr>
-                  </p:pic>
-                </p:oleObj>
-              </mc:Fallback>
-            </mc:AlternateContent>
-          </a:graphicData>
-        </a:graphic>
-      </p:graphicFrame>
-      <p:sp>
-        <p:nvSpPr>
-          <p:cNvPr id="37" name="Google Shape;298;p9">
-            <a:extLst>
-              <a:ext uri="{FF2B5EF4-FFF2-40B4-BE49-F238E27FC236}">
-                <a16:creationId xmlns:a16="http://schemas.microsoft.com/office/drawing/2014/main" id="{479C2F0E-317B-FA69-B7D3-2EEC26D3943F}"/>
-              </a:ext>
-            </a:extLst>
-          </p:cNvPr>
-          <p:cNvSpPr txBox="1"/>
-          <p:nvPr/>
-        </p:nvSpPr>
-        <p:spPr>
-          <a:xfrm>
-            <a:off x="9713197" y="10752252"/>
-            <a:ext cx="631426" cy="310717"/>
-          </a:xfrm>
-          <a:prstGeom prst="rect">
-            <a:avLst/>
-          </a:prstGeom>
-          <a:noFill/>
-          <a:ln>
-            <a:noFill/>
-          </a:ln>
-        </p:spPr>
-        <p:txBody>
-          <a:bodyPr spcFirstLastPara="1" wrap="square" lIns="94378" tIns="47176" rIns="94378" bIns="47176" anchor="t" anchorCtr="0">
-            <a:spAutoFit/>
-          </a:bodyPr>
-          <a:lstStyle/>
-          <a:p>
-            <a:pPr algn="ctr">
-              <a:buClr>
-                <a:srgbClr val="000000"/>
-              </a:buClr>
-              <a:buSzPts val="1200"/>
-            </a:pPr>
-            <a:r>
-              <a:rPr lang="pt-BR" sz="1400" b="1" dirty="0">
-                <a:solidFill>
-                  <a:srgbClr val="00B050"/>
-                </a:solidFill>
-                <a:latin typeface="Avenir"/>
-                <a:ea typeface="Arial"/>
-                <a:cs typeface="Arial"/>
-                <a:sym typeface="Avenir"/>
-              </a:rPr>
-              <a:t>IITT</a:t>
-            </a:r>
-            <a:endParaRPr lang="pt-BR" sz="1600" dirty="0">
-              <a:solidFill>
-                <a:srgbClr val="00B050"/>
-              </a:solidFill>
-              <a:latin typeface="Arial"/>
-              <a:ea typeface="Arial"/>
-              <a:cs typeface="Arial"/>
-              <a:sym typeface="Arial"/>
-            </a:endParaRPr>
-          </a:p>
-        </p:txBody>
-      </p:sp>
-      <p:sp>
-        <p:nvSpPr>
-          <p:cNvPr id="29" name="Google Shape;298;p9">
-            <a:extLst>
-              <a:ext uri="{FF2B5EF4-FFF2-40B4-BE49-F238E27FC236}">
-                <a16:creationId xmlns:a16="http://schemas.microsoft.com/office/drawing/2014/main" id="{C564F456-CD91-4B9D-9C21-B45930092CC3}"/>
-              </a:ext>
-            </a:extLst>
-          </p:cNvPr>
-          <p:cNvSpPr txBox="1"/>
-          <p:nvPr/>
-        </p:nvSpPr>
-        <p:spPr>
-          <a:xfrm>
-            <a:off x="5487343" y="8181315"/>
-            <a:ext cx="631426" cy="310717"/>
-          </a:xfrm>
-          <a:prstGeom prst="rect">
-            <a:avLst/>
-          </a:prstGeom>
-          <a:noFill/>
-          <a:ln>
-            <a:noFill/>
-          </a:ln>
-        </p:spPr>
-        <p:txBody>
-          <a:bodyPr spcFirstLastPara="1" wrap="square" lIns="94378" tIns="47176" rIns="94378" bIns="47176" anchor="t" anchorCtr="0">
-            <a:spAutoFit/>
-          </a:bodyPr>
-          <a:lstStyle/>
-          <a:p>
-            <a:pPr algn="ctr">
-              <a:buClr>
-                <a:srgbClr val="000000"/>
-              </a:buClr>
-              <a:buSzPts val="1200"/>
-            </a:pPr>
-            <a:r>
-              <a:rPr lang="pt-BR" sz="1400" b="1" dirty="0">
-                <a:solidFill>
-                  <a:srgbClr val="00B050"/>
-                </a:solidFill>
-                <a:latin typeface="Avenir"/>
-                <a:ea typeface="Arial"/>
-                <a:cs typeface="Arial"/>
-                <a:sym typeface="Avenir"/>
-              </a:rPr>
-              <a:t>4IDT</a:t>
-            </a:r>
-            <a:endParaRPr lang="pt-BR" sz="1600" dirty="0">
-              <a:solidFill>
-                <a:srgbClr val="00B050"/>
-              </a:solidFill>
-              <a:latin typeface="Arial"/>
-              <a:ea typeface="Arial"/>
-              <a:cs typeface="Arial"/>
-              <a:sym typeface="Arial"/>
-            </a:endParaRPr>
-          </a:p>
-        </p:txBody>
-      </p:sp>
-      <p:graphicFrame>
-        <p:nvGraphicFramePr>
-          <p:cNvPr id="38" name="Objeto 37">
-            <a:extLst>
-              <a:ext uri="{FF2B5EF4-FFF2-40B4-BE49-F238E27FC236}">
-                <a16:creationId xmlns:a16="http://schemas.microsoft.com/office/drawing/2014/main" id="{821B8109-F14A-3505-3BDA-12F8982650C4}"/>
-              </a:ext>
-            </a:extLst>
-          </p:cNvPr>
-          <p:cNvGraphicFramePr>
-            <a:graphicFrameLocks noChangeAspect="1"/>
-          </p:cNvGraphicFramePr>
-          <p:nvPr>
-            <p:extLst>
-              <p:ext uri="{D42A27DB-BD31-4B8C-83A1-F6EECF244321}">
-                <p14:modId xmlns:p14="http://schemas.microsoft.com/office/powerpoint/2010/main" val="1304852141"/>
-              </p:ext>
-            </p:extLst>
-          </p:nvPr>
-        </p:nvGraphicFramePr>
-        <p:xfrm>
-          <a:off x="365482" y="11405044"/>
-          <a:ext cx="2265362" cy="1312863"/>
-        </p:xfrm>
-        <a:graphic>
-          <a:graphicData uri="http://schemas.openxmlformats.org/presentationml/2006/ole">
-            <mc:AlternateContent xmlns:mc="http://schemas.openxmlformats.org/markup-compatibility/2006">
-              <mc:Choice xmlns:v="urn:schemas-microsoft-com:vml" Requires="v">
-                <p:oleObj name="CS ChemDraw Drawing" r:id="rId68" imgW="2265916" imgH="1313625" progId="ChemDraw.Document.6.0">
-                  <p:embed/>
-                </p:oleObj>
-              </mc:Choice>
-              <mc:Fallback>
-                <p:oleObj name="CS ChemDraw Drawing" r:id="rId68" imgW="2265916" imgH="1313625" progId="ChemDraw.Document.6.0">
-                  <p:embed/>
-                  <p:pic>
-                    <p:nvPicPr>
-                      <p:cNvPr id="38" name="Objeto 37">
-                        <a:extLst>
-                          <a:ext uri="{FF2B5EF4-FFF2-40B4-BE49-F238E27FC236}">
-                            <a16:creationId xmlns:a16="http://schemas.microsoft.com/office/drawing/2014/main" id="{821B8109-F14A-3505-3BDA-12F8982650C4}"/>
-                          </a:ext>
-                        </a:extLst>
-                      </p:cNvPr>
-                      <p:cNvPicPr/>
-                      <p:nvPr/>
-                    </p:nvPicPr>
-                    <p:blipFill>
-                      <a:blip r:embed="rId69"/>
-                      <a:stretch>
-                        <a:fillRect/>
-                      </a:stretch>
-                    </p:blipFill>
-                    <p:spPr>
-                      <a:xfrm>
-                        <a:off x="365482" y="11405044"/>
-                        <a:ext cx="2265362" cy="1312863"/>
-                      </a:xfrm>
-                      <a:prstGeom prst="rect">
-                        <a:avLst/>
-                      </a:prstGeom>
-                    </p:spPr>
-                  </p:pic>
-                </p:oleObj>
-              </mc:Fallback>
-            </mc:AlternateContent>
-          </a:graphicData>
-        </a:graphic>
-      </p:graphicFrame>
-      <p:sp>
-        <p:nvSpPr>
-          <p:cNvPr id="39" name="Google Shape;298;p9">
-            <a:extLst>
-              <a:ext uri="{FF2B5EF4-FFF2-40B4-BE49-F238E27FC236}">
-                <a16:creationId xmlns:a16="http://schemas.microsoft.com/office/drawing/2014/main" id="{730A6009-FC17-7871-28C1-BFFF67D6FD51}"/>
-              </a:ext>
-            </a:extLst>
-          </p:cNvPr>
-          <p:cNvSpPr txBox="1"/>
-          <p:nvPr/>
-        </p:nvSpPr>
-        <p:spPr>
-          <a:xfrm>
-            <a:off x="980485" y="12704562"/>
-            <a:ext cx="631426" cy="310717"/>
-          </a:xfrm>
-          <a:prstGeom prst="rect">
-            <a:avLst/>
-          </a:prstGeom>
-          <a:noFill/>
-          <a:ln>
-            <a:noFill/>
-          </a:ln>
-        </p:spPr>
-        <p:txBody>
-          <a:bodyPr spcFirstLastPara="1" wrap="square" lIns="94378" tIns="47176" rIns="94378" bIns="47176" anchor="t" anchorCtr="0">
-            <a:spAutoFit/>
-          </a:bodyPr>
-          <a:lstStyle/>
-          <a:p>
-            <a:pPr algn="ctr">
-              <a:buClr>
-                <a:srgbClr val="000000"/>
-              </a:buClr>
-              <a:buSzPts val="1200"/>
-            </a:pPr>
-            <a:r>
-              <a:rPr lang="pt-BR" sz="1400" b="1" dirty="0">
-                <a:solidFill>
-                  <a:srgbClr val="00B050"/>
-                </a:solidFill>
-                <a:latin typeface="Avenir"/>
-                <a:sym typeface="Avenir"/>
-              </a:rPr>
-              <a:t>PHEN</a:t>
-            </a:r>
-            <a:endParaRPr sz="1600" dirty="0">
-              <a:solidFill>
-                <a:srgbClr val="00B050"/>
-              </a:solidFill>
-              <a:latin typeface="Arial"/>
-              <a:ea typeface="Arial"/>
-              <a:cs typeface="Arial"/>
-              <a:sym typeface="Arial"/>
-            </a:endParaRPr>
-          </a:p>
-        </p:txBody>
-      </p:sp>
-      <p:graphicFrame>
-        <p:nvGraphicFramePr>
-          <p:cNvPr id="40" name="Objeto 39">
-            <a:extLst>
-              <a:ext uri="{FF2B5EF4-FFF2-40B4-BE49-F238E27FC236}">
-                <a16:creationId xmlns:a16="http://schemas.microsoft.com/office/drawing/2014/main" id="{C9742109-79E1-083C-B407-8C4CF25CBBAD}"/>
-              </a:ext>
-            </a:extLst>
-          </p:cNvPr>
-          <p:cNvGraphicFramePr>
-            <a:graphicFrameLocks noChangeAspect="1"/>
-          </p:cNvGraphicFramePr>
-          <p:nvPr>
-            <p:extLst>
-              <p:ext uri="{D42A27DB-BD31-4B8C-83A1-F6EECF244321}">
-                <p14:modId xmlns:p14="http://schemas.microsoft.com/office/powerpoint/2010/main" val="1286630601"/>
-              </p:ext>
-            </p:extLst>
-          </p:nvPr>
-        </p:nvGraphicFramePr>
-        <p:xfrm>
-          <a:off x="2771029" y="11371469"/>
-          <a:ext cx="2627312" cy="1279525"/>
-        </p:xfrm>
-        <a:graphic>
-          <a:graphicData uri="http://schemas.openxmlformats.org/presentationml/2006/ole">
-            <mc:AlternateContent xmlns:mc="http://schemas.openxmlformats.org/markup-compatibility/2006">
-              <mc:Choice xmlns:v="urn:schemas-microsoft-com:vml" Requires="v">
-                <p:oleObj name="CS ChemDraw Drawing" r:id="rId70" imgW="2626951" imgH="1279689" progId="ChemDraw.Document.6.0">
-                  <p:embed/>
-                </p:oleObj>
-              </mc:Choice>
-              <mc:Fallback>
-                <p:oleObj name="CS ChemDraw Drawing" r:id="rId70" imgW="2626951" imgH="1279689" progId="ChemDraw.Document.6.0">
-                  <p:embed/>
-                  <p:pic>
-                    <p:nvPicPr>
-                      <p:cNvPr id="40" name="Objeto 39">
-                        <a:extLst>
-                          <a:ext uri="{FF2B5EF4-FFF2-40B4-BE49-F238E27FC236}">
-                            <a16:creationId xmlns:a16="http://schemas.microsoft.com/office/drawing/2014/main" id="{C9742109-79E1-083C-B407-8C4CF25CBBAD}"/>
-                          </a:ext>
-                        </a:extLst>
-                      </p:cNvPr>
-                      <p:cNvPicPr/>
-                      <p:nvPr/>
-                    </p:nvPicPr>
-                    <p:blipFill>
-                      <a:blip r:embed="rId71"/>
-                      <a:stretch>
-                        <a:fillRect/>
-                      </a:stretch>
-                    </p:blipFill>
-                    <p:spPr>
-                      <a:xfrm>
-                        <a:off x="2771029" y="11371469"/>
-                        <a:ext cx="2627312" cy="1279525"/>
-                      </a:xfrm>
-                      <a:prstGeom prst="rect">
-                        <a:avLst/>
-                      </a:prstGeom>
-                    </p:spPr>
-                  </p:pic>
-                </p:oleObj>
-              </mc:Fallback>
-            </mc:AlternateContent>
-          </a:graphicData>
-        </a:graphic>
-      </p:graphicFrame>
-      <p:sp>
-        <p:nvSpPr>
-          <p:cNvPr id="41" name="Google Shape;298;p9">
-            <a:extLst>
-              <a:ext uri="{FF2B5EF4-FFF2-40B4-BE49-F238E27FC236}">
-                <a16:creationId xmlns:a16="http://schemas.microsoft.com/office/drawing/2014/main" id="{7B454DE5-84BD-A6C4-C300-95A953DC42BD}"/>
-              </a:ext>
-            </a:extLst>
-          </p:cNvPr>
-          <p:cNvSpPr txBox="1"/>
-          <p:nvPr/>
-        </p:nvSpPr>
-        <p:spPr>
-          <a:xfrm>
-            <a:off x="3749050" y="12668226"/>
-            <a:ext cx="631426" cy="310717"/>
-          </a:xfrm>
-          <a:prstGeom prst="rect">
-            <a:avLst/>
-          </a:prstGeom>
-          <a:noFill/>
-          <a:ln>
-            <a:noFill/>
-          </a:ln>
-        </p:spPr>
-        <p:txBody>
-          <a:bodyPr spcFirstLastPara="1" wrap="square" lIns="94378" tIns="47176" rIns="94378" bIns="47176" anchor="t" anchorCtr="0">
-            <a:spAutoFit/>
-          </a:bodyPr>
-          <a:lstStyle/>
-          <a:p>
-            <a:pPr algn="ctr">
-              <a:buClr>
-                <a:srgbClr val="000000"/>
-              </a:buClr>
-              <a:buSzPts val="1200"/>
-            </a:pPr>
-            <a:r>
-              <a:rPr lang="pt-BR" sz="1400" b="1" dirty="0">
-                <a:solidFill>
-                  <a:srgbClr val="00B050"/>
-                </a:solidFill>
-                <a:latin typeface="Avenir"/>
-                <a:sym typeface="Avenir"/>
-              </a:rPr>
-              <a:t>PYEN</a:t>
-            </a:r>
-            <a:endParaRPr sz="1600" dirty="0">
-              <a:solidFill>
-                <a:srgbClr val="00B050"/>
-              </a:solidFill>
-              <a:latin typeface="Arial"/>
-              <a:ea typeface="Arial"/>
-              <a:cs typeface="Arial"/>
-              <a:sym typeface="Arial"/>
-            </a:endParaRPr>
-          </a:p>
-        </p:txBody>
-      </p:sp>
-      <p:graphicFrame>
-        <p:nvGraphicFramePr>
-          <p:cNvPr id="42" name="Objeto 41">
-            <a:extLst>
-              <a:ext uri="{FF2B5EF4-FFF2-40B4-BE49-F238E27FC236}">
-                <a16:creationId xmlns:a16="http://schemas.microsoft.com/office/drawing/2014/main" id="{89D9F652-B97A-2B59-5F3E-FA2D5C78E95E}"/>
-              </a:ext>
-            </a:extLst>
-          </p:cNvPr>
-          <p:cNvGraphicFramePr>
-            <a:graphicFrameLocks noChangeAspect="1"/>
-          </p:cNvGraphicFramePr>
-          <p:nvPr>
-            <p:extLst>
-              <p:ext uri="{D42A27DB-BD31-4B8C-83A1-F6EECF244321}">
-                <p14:modId xmlns:p14="http://schemas.microsoft.com/office/powerpoint/2010/main" val="1134373987"/>
-              </p:ext>
-            </p:extLst>
-          </p:nvPr>
-        </p:nvGraphicFramePr>
-        <p:xfrm>
-          <a:off x="5884863" y="11344275"/>
-          <a:ext cx="1976437" cy="1419225"/>
-        </p:xfrm>
-        <a:graphic>
-          <a:graphicData uri="http://schemas.openxmlformats.org/presentationml/2006/ole">
-            <mc:AlternateContent xmlns:mc="http://schemas.openxmlformats.org/markup-compatibility/2006">
-              <mc:Choice xmlns:v="urn:schemas-microsoft-com:vml" Requires="v">
-                <p:oleObj name="CS ChemDraw Drawing" r:id="rId72" imgW="1976238" imgH="1418734" progId="ChemDraw.Document.6.0">
-                  <p:embed/>
-                </p:oleObj>
-              </mc:Choice>
-              <mc:Fallback>
-                <p:oleObj name="CS ChemDraw Drawing" r:id="rId72" imgW="1976238" imgH="1418734" progId="ChemDraw.Document.6.0">
-                  <p:embed/>
-                  <p:pic>
-                    <p:nvPicPr>
-                      <p:cNvPr id="42" name="Objeto 41">
-                        <a:extLst>
-                          <a:ext uri="{FF2B5EF4-FFF2-40B4-BE49-F238E27FC236}">
-                            <a16:creationId xmlns:a16="http://schemas.microsoft.com/office/drawing/2014/main" id="{89D9F652-B97A-2B59-5F3E-FA2D5C78E95E}"/>
-                          </a:ext>
-                        </a:extLst>
-                      </p:cNvPr>
-                      <p:cNvPicPr/>
-                      <p:nvPr/>
-                    </p:nvPicPr>
-                    <p:blipFill>
-                      <a:blip r:embed="rId73"/>
-                      <a:stretch>
-                        <a:fillRect/>
-                      </a:stretch>
-                    </p:blipFill>
-                    <p:spPr>
-                      <a:xfrm>
-                        <a:off x="5884863" y="11344275"/>
-                        <a:ext cx="1976437" cy="1419225"/>
-                      </a:xfrm>
-                      <a:prstGeom prst="rect">
-                        <a:avLst/>
-                      </a:prstGeom>
-                    </p:spPr>
-                  </p:pic>
-                </p:oleObj>
-              </mc:Fallback>
-            </mc:AlternateContent>
-          </a:graphicData>
-        </a:graphic>
-      </p:graphicFrame>
-      <p:sp>
-        <p:nvSpPr>
-          <p:cNvPr id="43" name="Google Shape;298;p9">
-            <a:extLst>
-              <a:ext uri="{FF2B5EF4-FFF2-40B4-BE49-F238E27FC236}">
-                <a16:creationId xmlns:a16="http://schemas.microsoft.com/office/drawing/2014/main" id="{8E84049F-70C0-A1E1-98B0-37594E084973}"/>
-              </a:ext>
-            </a:extLst>
-          </p:cNvPr>
-          <p:cNvSpPr txBox="1"/>
-          <p:nvPr/>
-        </p:nvSpPr>
-        <p:spPr>
-          <a:xfrm>
-            <a:off x="6531133" y="12712845"/>
-            <a:ext cx="631426" cy="310717"/>
-          </a:xfrm>
-          <a:prstGeom prst="rect">
-            <a:avLst/>
-          </a:prstGeom>
-          <a:noFill/>
-          <a:ln>
-            <a:noFill/>
-          </a:ln>
-        </p:spPr>
-        <p:txBody>
-          <a:bodyPr spcFirstLastPara="1" wrap="square" lIns="94378" tIns="47176" rIns="94378" bIns="47176" anchor="t" anchorCtr="0">
-            <a:spAutoFit/>
-          </a:bodyPr>
-          <a:lstStyle/>
-          <a:p>
-            <a:pPr algn="ctr">
-              <a:buClr>
-                <a:srgbClr val="000000"/>
-              </a:buClr>
-              <a:buSzPts val="1200"/>
-            </a:pPr>
-            <a:r>
-              <a:rPr lang="pt-BR" sz="1400" b="1" dirty="0">
-                <a:solidFill>
-                  <a:srgbClr val="00B050"/>
-                </a:solidFill>
-                <a:latin typeface="Avenir"/>
-                <a:sym typeface="Avenir"/>
-              </a:rPr>
-              <a:t>TIEN</a:t>
-            </a:r>
-            <a:endParaRPr sz="1600" dirty="0">
-              <a:solidFill>
-                <a:srgbClr val="00B050"/>
-              </a:solidFill>
-              <a:latin typeface="Arial"/>
-              <a:ea typeface="Arial"/>
-              <a:cs typeface="Arial"/>
-              <a:sym typeface="Arial"/>
-            </a:endParaRPr>
-          </a:p>
-        </p:txBody>
-      </p:sp>
     </p:spTree>
     <p:extLst>
       <p:ext uri="{BB962C8B-B14F-4D97-AF65-F5344CB8AC3E}">
@@ -18774,7 +15309,7 @@
         </p:nvSpPr>
         <p:spPr>
           <a:xfrm>
-            <a:off x="87032" y="1311280"/>
+            <a:off x="87031" y="51597"/>
             <a:ext cx="11346423" cy="10982129"/>
           </a:xfrm>
           <a:prstGeom prst="roundRect">
@@ -18835,7 +15370,7 @@
         </p:nvSpPr>
         <p:spPr>
           <a:xfrm>
-            <a:off x="199857" y="1386082"/>
+            <a:off x="199856" y="126399"/>
             <a:ext cx="3410357" cy="383631"/>
           </a:xfrm>
           <a:prstGeom prst="rect">
@@ -18918,7 +15453,7 @@
         </p:nvSpPr>
         <p:spPr>
           <a:xfrm>
-            <a:off x="683052" y="3626228"/>
+            <a:off x="683051" y="2366545"/>
             <a:ext cx="631425" cy="310717"/>
           </a:xfrm>
           <a:prstGeom prst="rect">
@@ -18977,7 +15512,7 @@
         </p:nvSpPr>
         <p:spPr>
           <a:xfrm>
-            <a:off x="8569471" y="6685335"/>
+            <a:off x="3718749" y="8583562"/>
             <a:ext cx="631425" cy="310717"/>
           </a:xfrm>
           <a:prstGeom prst="rect">
@@ -19036,7 +15571,7 @@
         </p:nvSpPr>
         <p:spPr>
           <a:xfrm>
-            <a:off x="10157737" y="8143988"/>
+            <a:off x="10070906" y="8907746"/>
             <a:ext cx="631425" cy="310717"/>
           </a:xfrm>
           <a:prstGeom prst="rect">
@@ -19095,7 +15630,7 @@
         </p:nvSpPr>
         <p:spPr>
           <a:xfrm>
-            <a:off x="9868991" y="4082188"/>
+            <a:off x="10074572" y="5879386"/>
             <a:ext cx="631425" cy="310717"/>
           </a:xfrm>
           <a:prstGeom prst="rect">
@@ -19154,7 +15689,7 @@
         </p:nvSpPr>
         <p:spPr>
           <a:xfrm>
-            <a:off x="8463069" y="10144211"/>
+            <a:off x="7895374" y="8856883"/>
             <a:ext cx="631425" cy="310717"/>
           </a:xfrm>
           <a:prstGeom prst="rect">
@@ -19213,7 +15748,7 @@
         </p:nvSpPr>
         <p:spPr>
           <a:xfrm>
-            <a:off x="6419073" y="10144211"/>
+            <a:off x="5770989" y="8874375"/>
             <a:ext cx="631425" cy="310717"/>
           </a:xfrm>
           <a:prstGeom prst="rect">
@@ -19273,13 +15808,13 @@
           <p:nvPr>
             <p:extLst>
               <p:ext uri="{D42A27DB-BD31-4B8C-83A1-F6EECF244321}">
-                <p14:modId xmlns:p14="http://schemas.microsoft.com/office/powerpoint/2010/main" val="3911608466"/>
+                <p14:modId xmlns:p14="http://schemas.microsoft.com/office/powerpoint/2010/main" val="2316345993"/>
               </p:ext>
             </p:extLst>
           </p:nvPr>
         </p:nvGraphicFramePr>
         <p:xfrm>
-          <a:off x="557439" y="2432427"/>
+          <a:off x="557439" y="1172745"/>
           <a:ext cx="882650" cy="1193800"/>
         </p:xfrm>
         <a:graphic>
@@ -19313,7 +15848,7 @@
                     </p:blipFill>
                     <p:spPr>
                       <a:xfrm>
-                        <a:off x="557439" y="2432427"/>
+                        <a:off x="557439" y="1172745"/>
                         <a:ext cx="882650" cy="1193800"/>
                       </a:xfrm>
                       <a:prstGeom prst="rect">
@@ -19342,13 +15877,13 @@
           <p:nvPr>
             <p:extLst>
               <p:ext uri="{D42A27DB-BD31-4B8C-83A1-F6EECF244321}">
-                <p14:modId xmlns:p14="http://schemas.microsoft.com/office/powerpoint/2010/main" val="1088797152"/>
+                <p14:modId xmlns:p14="http://schemas.microsoft.com/office/powerpoint/2010/main" val="3143440556"/>
               </p:ext>
             </p:extLst>
           </p:nvPr>
         </p:nvGraphicFramePr>
         <p:xfrm>
-          <a:off x="1905035" y="2226846"/>
+          <a:off x="1905034" y="967164"/>
           <a:ext cx="1846263" cy="1604962"/>
         </p:xfrm>
         <a:graphic>
@@ -19382,7 +15917,7 @@
                     </p:blipFill>
                     <p:spPr>
                       <a:xfrm>
-                        <a:off x="1905035" y="2226846"/>
+                        <a:off x="1905034" y="967164"/>
                         <a:ext cx="1846263" cy="1604962"/>
                       </a:xfrm>
                       <a:prstGeom prst="rect">
@@ -19410,7 +15945,7 @@
         </p:nvSpPr>
         <p:spPr>
           <a:xfrm>
-            <a:off x="2528234" y="3915087"/>
+            <a:off x="2528233" y="2655404"/>
             <a:ext cx="631425" cy="310717"/>
           </a:xfrm>
           <a:prstGeom prst="rect">
@@ -19470,13 +16005,13 @@
           <p:nvPr>
             <p:extLst>
               <p:ext uri="{D42A27DB-BD31-4B8C-83A1-F6EECF244321}">
-                <p14:modId xmlns:p14="http://schemas.microsoft.com/office/powerpoint/2010/main" val="1819115567"/>
+                <p14:modId xmlns:p14="http://schemas.microsoft.com/office/powerpoint/2010/main" val="4271910640"/>
               </p:ext>
             </p:extLst>
           </p:nvPr>
         </p:nvGraphicFramePr>
         <p:xfrm>
-          <a:off x="4174681" y="2093969"/>
+          <a:off x="4174680" y="834286"/>
           <a:ext cx="2212975" cy="1920875"/>
         </p:xfrm>
         <a:graphic>
@@ -19510,7 +16045,7 @@
                     </p:blipFill>
                     <p:spPr>
                       <a:xfrm>
-                        <a:off x="4174681" y="2093969"/>
+                        <a:off x="4174680" y="834286"/>
                         <a:ext cx="2212975" cy="1920875"/>
                       </a:xfrm>
                       <a:prstGeom prst="rect">
@@ -19538,7 +16073,7 @@
         </p:nvSpPr>
         <p:spPr>
           <a:xfrm>
-            <a:off x="4965455" y="4114182"/>
+            <a:off x="4965454" y="2854499"/>
             <a:ext cx="631425" cy="310717"/>
           </a:xfrm>
           <a:prstGeom prst="rect">
@@ -19598,13 +16133,13 @@
           <p:nvPr>
             <p:extLst>
               <p:ext uri="{D42A27DB-BD31-4B8C-83A1-F6EECF244321}">
-                <p14:modId xmlns:p14="http://schemas.microsoft.com/office/powerpoint/2010/main" val="3986788240"/>
+                <p14:modId xmlns:p14="http://schemas.microsoft.com/office/powerpoint/2010/main" val="1573542408"/>
               </p:ext>
             </p:extLst>
           </p:nvPr>
         </p:nvGraphicFramePr>
         <p:xfrm>
-          <a:off x="6910389" y="1875633"/>
+          <a:off x="6910388" y="615950"/>
           <a:ext cx="2270125" cy="2359025"/>
         </p:xfrm>
         <a:graphic>
@@ -19638,7 +16173,7 @@
                     </p:blipFill>
                     <p:spPr>
                       <a:xfrm>
-                        <a:off x="6910389" y="1875633"/>
+                        <a:off x="6910388" y="615950"/>
                         <a:ext cx="2270125" cy="2359025"/>
                       </a:xfrm>
                       <a:prstGeom prst="rect">
@@ -19666,7 +16201,7 @@
         </p:nvSpPr>
         <p:spPr>
           <a:xfrm>
-            <a:off x="7568030" y="4307431"/>
+            <a:off x="7568029" y="3047748"/>
             <a:ext cx="631425" cy="310717"/>
           </a:xfrm>
           <a:prstGeom prst="rect">
@@ -19726,13 +16261,13 @@
           <p:nvPr>
             <p:extLst>
               <p:ext uri="{D42A27DB-BD31-4B8C-83A1-F6EECF244321}">
-                <p14:modId xmlns:p14="http://schemas.microsoft.com/office/powerpoint/2010/main" val="2727213457"/>
+                <p14:modId xmlns:p14="http://schemas.microsoft.com/office/powerpoint/2010/main" val="2473173149"/>
               </p:ext>
             </p:extLst>
           </p:nvPr>
         </p:nvGraphicFramePr>
         <p:xfrm>
-          <a:off x="242262" y="4445083"/>
+          <a:off x="1044575" y="3294063"/>
           <a:ext cx="2078038" cy="2417762"/>
         </p:xfrm>
         <a:graphic>
@@ -19766,7 +16301,7 @@
                     </p:blipFill>
                     <p:spPr>
                       <a:xfrm>
-                        <a:off x="242262" y="4445083"/>
+                        <a:off x="1044575" y="3294063"/>
                         <a:ext cx="2078038" cy="2417762"/>
                       </a:xfrm>
                       <a:prstGeom prst="rect">
@@ -19794,7 +16329,7 @@
         </p:nvSpPr>
         <p:spPr>
           <a:xfrm>
-            <a:off x="787008" y="6969808"/>
+            <a:off x="1589321" y="5818787"/>
             <a:ext cx="805536" cy="310717"/>
           </a:xfrm>
           <a:prstGeom prst="rect">
@@ -19854,13 +16389,13 @@
           <p:nvPr>
             <p:extLst>
               <p:ext uri="{D42A27DB-BD31-4B8C-83A1-F6EECF244321}">
-                <p14:modId xmlns:p14="http://schemas.microsoft.com/office/powerpoint/2010/main" val="1896229845"/>
+                <p14:modId xmlns:p14="http://schemas.microsoft.com/office/powerpoint/2010/main" val="1482328124"/>
               </p:ext>
             </p:extLst>
           </p:nvPr>
         </p:nvGraphicFramePr>
         <p:xfrm>
-          <a:off x="2894680" y="4443665"/>
+          <a:off x="4383235" y="3563075"/>
           <a:ext cx="2427287" cy="2220912"/>
         </p:xfrm>
         <a:graphic>
@@ -19894,7 +16429,7 @@
                     </p:blipFill>
                     <p:spPr>
                       <a:xfrm>
-                        <a:off x="2894680" y="4443665"/>
+                        <a:off x="4383235" y="3563075"/>
                         <a:ext cx="2427287" cy="2220912"/>
                       </a:xfrm>
                       <a:prstGeom prst="rect">
@@ -19922,7 +16457,7 @@
         </p:nvSpPr>
         <p:spPr>
           <a:xfrm>
-            <a:off x="3792610" y="6854736"/>
+            <a:off x="5281166" y="5974145"/>
             <a:ext cx="805536" cy="310717"/>
           </a:xfrm>
           <a:prstGeom prst="rect">
@@ -19982,13 +16517,13 @@
           <p:nvPr>
             <p:extLst>
               <p:ext uri="{D42A27DB-BD31-4B8C-83A1-F6EECF244321}">
-                <p14:modId xmlns:p14="http://schemas.microsoft.com/office/powerpoint/2010/main" val="1377460515"/>
+                <p14:modId xmlns:p14="http://schemas.microsoft.com/office/powerpoint/2010/main" val="3788610734"/>
               </p:ext>
             </p:extLst>
           </p:nvPr>
         </p:nvGraphicFramePr>
         <p:xfrm>
-          <a:off x="522514" y="7817865"/>
+          <a:off x="814491" y="6284862"/>
           <a:ext cx="1835150" cy="2298700"/>
         </p:xfrm>
         <a:graphic>
@@ -20022,7 +16557,7 @@
                     </p:blipFill>
                     <p:spPr>
                       <a:xfrm>
-                        <a:off x="522514" y="7817865"/>
+                        <a:off x="814491" y="6284862"/>
                         <a:ext cx="1835150" cy="2298700"/>
                       </a:xfrm>
                       <a:prstGeom prst="rect">
@@ -20050,7 +16585,7 @@
         </p:nvSpPr>
         <p:spPr>
           <a:xfrm>
-            <a:off x="1186073" y="10252021"/>
+            <a:off x="1478049" y="8719017"/>
             <a:ext cx="631425" cy="310717"/>
           </a:xfrm>
           <a:prstGeom prst="rect">
@@ -20110,13 +16645,13 @@
           <p:nvPr>
             <p:extLst>
               <p:ext uri="{D42A27DB-BD31-4B8C-83A1-F6EECF244321}">
-                <p14:modId xmlns:p14="http://schemas.microsoft.com/office/powerpoint/2010/main" val="2903102133"/>
+                <p14:modId xmlns:p14="http://schemas.microsoft.com/office/powerpoint/2010/main" val="2720161121"/>
               </p:ext>
             </p:extLst>
           </p:nvPr>
         </p:nvGraphicFramePr>
         <p:xfrm>
-          <a:off x="9423801" y="1875632"/>
+          <a:off x="9629382" y="3672831"/>
           <a:ext cx="1514475" cy="1897062"/>
         </p:xfrm>
         <a:graphic>
@@ -20150,7 +16685,7 @@
                     </p:blipFill>
                     <p:spPr>
                       <a:xfrm>
-                        <a:off x="9423801" y="1875632"/>
+                        <a:off x="9629382" y="3672831"/>
                         <a:ext cx="1514475" cy="1897062"/>
                       </a:xfrm>
                       <a:prstGeom prst="rect">
@@ -20179,13 +16714,13 @@
           <p:nvPr>
             <p:extLst>
               <p:ext uri="{D42A27DB-BD31-4B8C-83A1-F6EECF244321}">
-                <p14:modId xmlns:p14="http://schemas.microsoft.com/office/powerpoint/2010/main" val="3874402047"/>
+                <p14:modId xmlns:p14="http://schemas.microsoft.com/office/powerpoint/2010/main" val="3897339149"/>
               </p:ext>
             </p:extLst>
           </p:nvPr>
         </p:nvGraphicFramePr>
         <p:xfrm>
-          <a:off x="8266058" y="4870822"/>
+          <a:off x="3415337" y="6769050"/>
           <a:ext cx="1238250" cy="1814512"/>
         </p:xfrm>
         <a:graphic>
@@ -20219,7 +16754,7 @@
                     </p:blipFill>
                     <p:spPr>
                       <a:xfrm>
-                        <a:off x="8266058" y="4870822"/>
+                        <a:off x="3415337" y="6769050"/>
                         <a:ext cx="1238250" cy="1814512"/>
                       </a:xfrm>
                       <a:prstGeom prst="rect">
@@ -20248,13 +16783,13 @@
           <p:nvPr>
             <p:extLst>
               <p:ext uri="{D42A27DB-BD31-4B8C-83A1-F6EECF244321}">
-                <p14:modId xmlns:p14="http://schemas.microsoft.com/office/powerpoint/2010/main" val="1880830331"/>
+                <p14:modId xmlns:p14="http://schemas.microsoft.com/office/powerpoint/2010/main" val="760091280"/>
               </p:ext>
             </p:extLst>
           </p:nvPr>
         </p:nvGraphicFramePr>
         <p:xfrm>
-          <a:off x="5699508" y="7626185"/>
+          <a:off x="5051425" y="6356350"/>
           <a:ext cx="1835150" cy="2224088"/>
         </p:xfrm>
         <a:graphic>
@@ -20288,7 +16823,7 @@
                     </p:blipFill>
                     <p:spPr>
                       <a:xfrm>
-                        <a:off x="5699508" y="7626185"/>
+                        <a:off x="5051425" y="6356350"/>
                         <a:ext cx="1835150" cy="2224088"/>
                       </a:xfrm>
                       <a:prstGeom prst="rect">
@@ -20317,13 +16852,13 @@
           <p:nvPr>
             <p:extLst>
               <p:ext uri="{D42A27DB-BD31-4B8C-83A1-F6EECF244321}">
-                <p14:modId xmlns:p14="http://schemas.microsoft.com/office/powerpoint/2010/main" val="3527508324"/>
+                <p14:modId xmlns:p14="http://schemas.microsoft.com/office/powerpoint/2010/main" val="2156510549"/>
               </p:ext>
             </p:extLst>
           </p:nvPr>
         </p:nvGraphicFramePr>
         <p:xfrm>
-          <a:off x="7648907" y="7616032"/>
+          <a:off x="7081212" y="6328705"/>
           <a:ext cx="1830387" cy="2393950"/>
         </p:xfrm>
         <a:graphic>
@@ -20357,7 +16892,7 @@
                     </p:blipFill>
                     <p:spPr>
                       <a:xfrm>
-                        <a:off x="7648907" y="7616032"/>
+                        <a:off x="7081212" y="6328705"/>
                         <a:ext cx="1830387" cy="2393950"/>
                       </a:xfrm>
                       <a:prstGeom prst="rect">
@@ -20386,13 +16921,13 @@
           <p:nvPr>
             <p:extLst>
               <p:ext uri="{D42A27DB-BD31-4B8C-83A1-F6EECF244321}">
-                <p14:modId xmlns:p14="http://schemas.microsoft.com/office/powerpoint/2010/main" val="2790659861"/>
+                <p14:modId xmlns:p14="http://schemas.microsoft.com/office/powerpoint/2010/main" val="3176992899"/>
               </p:ext>
             </p:extLst>
           </p:nvPr>
         </p:nvGraphicFramePr>
         <p:xfrm>
-          <a:off x="9479294" y="5679364"/>
+          <a:off x="9392463" y="6443123"/>
           <a:ext cx="1839913" cy="2366962"/>
         </p:xfrm>
         <a:graphic>
@@ -20426,394 +16961,8 @@
                     </p:blipFill>
                     <p:spPr>
                       <a:xfrm>
-                        <a:off x="9479294" y="5679364"/>
+                        <a:off x="9392463" y="6443123"/>
                         <a:ext cx="1839913" cy="2366962"/>
-                      </a:xfrm>
-                      <a:prstGeom prst="rect">
-                        <a:avLst/>
-                      </a:prstGeom>
-                    </p:spPr>
-                  </p:pic>
-                </p:oleObj>
-              </mc:Fallback>
-            </mc:AlternateContent>
-          </a:graphicData>
-        </a:graphic>
-      </p:graphicFrame>
-      <p:graphicFrame>
-        <p:nvGraphicFramePr>
-          <p:cNvPr id="9" name="Objeto 8">
-            <a:extLst>
-              <a:ext uri="{FF2B5EF4-FFF2-40B4-BE49-F238E27FC236}">
-                <a16:creationId xmlns:a16="http://schemas.microsoft.com/office/drawing/2014/main" id="{B8C5CC79-A345-BBCB-CE7A-812AEAF1556C}"/>
-              </a:ext>
-            </a:extLst>
-          </p:cNvPr>
-          <p:cNvGraphicFramePr>
-            <a:graphicFrameLocks noChangeAspect="1"/>
-          </p:cNvGraphicFramePr>
-          <p:nvPr>
-            <p:extLst>
-              <p:ext uri="{D42A27DB-BD31-4B8C-83A1-F6EECF244321}">
-                <p14:modId xmlns:p14="http://schemas.microsoft.com/office/powerpoint/2010/main" val="3782409231"/>
-              </p:ext>
-            </p:extLst>
-          </p:nvPr>
-        </p:nvGraphicFramePr>
-        <p:xfrm>
-          <a:off x="5760245" y="4847543"/>
-          <a:ext cx="2138363" cy="1525588"/>
-        </p:xfrm>
-        <a:graphic>
-          <a:graphicData uri="http://schemas.openxmlformats.org/presentationml/2006/ole">
-            <mc:AlternateContent xmlns:mc="http://schemas.openxmlformats.org/markup-compatibility/2006">
-              <mc:Choice xmlns:v="urn:schemas-microsoft-com:vml" Requires="v">
-                <p:oleObj name="CS ChemDraw Drawing" r:id="rId26" imgW="2137817" imgH="1525393" progId="ChemDraw.Document.6.0">
-                  <p:embed/>
-                </p:oleObj>
-              </mc:Choice>
-              <mc:Fallback>
-                <p:oleObj name="CS ChemDraw Drawing" r:id="rId26" imgW="2137817" imgH="1525393" progId="ChemDraw.Document.6.0">
-                  <p:embed/>
-                  <p:pic>
-                    <p:nvPicPr>
-                      <p:cNvPr id="9" name="Objeto 8">
-                        <a:extLst>
-                          <a:ext uri="{FF2B5EF4-FFF2-40B4-BE49-F238E27FC236}">
-                            <a16:creationId xmlns:a16="http://schemas.microsoft.com/office/drawing/2014/main" id="{B8C5CC79-A345-BBCB-CE7A-812AEAF1556C}"/>
-                          </a:ext>
-                        </a:extLst>
-                      </p:cNvPr>
-                      <p:cNvPicPr/>
-                      <p:nvPr/>
-                    </p:nvPicPr>
-                    <p:blipFill>
-                      <a:blip r:embed="rId27"/>
-                      <a:stretch>
-                        <a:fillRect/>
-                      </a:stretch>
-                    </p:blipFill>
-                    <p:spPr>
-                      <a:xfrm>
-                        <a:off x="5760245" y="4847543"/>
-                        <a:ext cx="2138363" cy="1525588"/>
-                      </a:xfrm>
-                      <a:prstGeom prst="rect">
-                        <a:avLst/>
-                      </a:prstGeom>
-                    </p:spPr>
-                  </p:pic>
-                </p:oleObj>
-              </mc:Fallback>
-            </mc:AlternateContent>
-          </a:graphicData>
-        </a:graphic>
-      </p:graphicFrame>
-      <p:sp>
-        <p:nvSpPr>
-          <p:cNvPr id="10" name="Google Shape;298;p9">
-            <a:extLst>
-              <a:ext uri="{FF2B5EF4-FFF2-40B4-BE49-F238E27FC236}">
-                <a16:creationId xmlns:a16="http://schemas.microsoft.com/office/drawing/2014/main" id="{00F2B0CB-72F8-C750-B1BA-4BA95E543D5B}"/>
-              </a:ext>
-            </a:extLst>
-          </p:cNvPr>
-          <p:cNvSpPr txBox="1"/>
-          <p:nvPr/>
-        </p:nvSpPr>
-        <p:spPr>
-          <a:xfrm>
-            <a:off x="6515972" y="6664785"/>
-            <a:ext cx="631425" cy="310717"/>
-          </a:xfrm>
-          <a:prstGeom prst="rect">
-            <a:avLst/>
-          </a:prstGeom>
-          <a:noFill/>
-          <a:ln>
-            <a:noFill/>
-          </a:ln>
-        </p:spPr>
-        <p:txBody>
-          <a:bodyPr spcFirstLastPara="1" wrap="square" lIns="94378" tIns="47176" rIns="94378" bIns="47176" anchor="t" anchorCtr="0">
-            <a:spAutoFit/>
-          </a:bodyPr>
-          <a:lstStyle/>
-          <a:p>
-            <a:pPr algn="ctr">
-              <a:buClr>
-                <a:srgbClr val="000000"/>
-              </a:buClr>
-              <a:buSzPts val="1200"/>
-            </a:pPr>
-            <a:r>
-              <a:rPr lang="pt-BR" sz="1400" b="1" dirty="0">
-                <a:solidFill>
-                  <a:srgbClr val="00B050"/>
-                </a:solidFill>
-                <a:latin typeface="Avenir"/>
-                <a:sym typeface="Avenir"/>
-              </a:rPr>
-              <a:t>BTTP</a:t>
-            </a:r>
-            <a:endParaRPr sz="1600" dirty="0">
-              <a:solidFill>
-                <a:srgbClr val="00B050"/>
-              </a:solidFill>
-              <a:latin typeface="Arial"/>
-              <a:ea typeface="Arial"/>
-              <a:cs typeface="Arial"/>
-              <a:sym typeface="Arial"/>
-            </a:endParaRPr>
-          </a:p>
-        </p:txBody>
-      </p:sp>
-      <p:graphicFrame>
-        <p:nvGraphicFramePr>
-          <p:cNvPr id="8" name="Objeto 7">
-            <a:extLst>
-              <a:ext uri="{FF2B5EF4-FFF2-40B4-BE49-F238E27FC236}">
-                <a16:creationId xmlns:a16="http://schemas.microsoft.com/office/drawing/2014/main" id="{1F4F6925-605D-6A50-B87F-7D201D88F663}"/>
-              </a:ext>
-            </a:extLst>
-          </p:cNvPr>
-          <p:cNvGraphicFramePr>
-            <a:graphicFrameLocks noChangeAspect="1"/>
-          </p:cNvGraphicFramePr>
-          <p:nvPr>
-            <p:extLst>
-              <p:ext uri="{D42A27DB-BD31-4B8C-83A1-F6EECF244321}">
-                <p14:modId xmlns:p14="http://schemas.microsoft.com/office/powerpoint/2010/main" val="660156051"/>
-              </p:ext>
-            </p:extLst>
-          </p:nvPr>
-        </p:nvGraphicFramePr>
-        <p:xfrm>
-          <a:off x="2374901" y="7258845"/>
-          <a:ext cx="3446463" cy="2940050"/>
-        </p:xfrm>
-        <a:graphic>
-          <a:graphicData uri="http://schemas.openxmlformats.org/presentationml/2006/ole">
-            <mc:AlternateContent xmlns:mc="http://schemas.openxmlformats.org/markup-compatibility/2006">
-              <mc:Choice xmlns:v="urn:schemas-microsoft-com:vml" Requires="v">
-                <p:oleObj name="CS ChemDraw Drawing" r:id="rId28" imgW="3446280" imgH="2940840" progId="ChemDraw.Document.6.0">
-                  <p:embed/>
-                </p:oleObj>
-              </mc:Choice>
-              <mc:Fallback>
-                <p:oleObj name="CS ChemDraw Drawing" r:id="rId28" imgW="3446280" imgH="2940840" progId="ChemDraw.Document.6.0">
-                  <p:embed/>
-                  <p:pic>
-                    <p:nvPicPr>
-                      <p:cNvPr id="8" name="Objeto 7">
-                        <a:extLst>
-                          <a:ext uri="{FF2B5EF4-FFF2-40B4-BE49-F238E27FC236}">
-                            <a16:creationId xmlns:a16="http://schemas.microsoft.com/office/drawing/2014/main" id="{1F4F6925-605D-6A50-B87F-7D201D88F663}"/>
-                          </a:ext>
-                        </a:extLst>
-                      </p:cNvPr>
-                      <p:cNvPicPr/>
-                      <p:nvPr/>
-                    </p:nvPicPr>
-                    <p:blipFill>
-                      <a:blip r:embed="rId29"/>
-                      <a:stretch>
-                        <a:fillRect/>
-                      </a:stretch>
-                    </p:blipFill>
-                    <p:spPr>
-                      <a:xfrm>
-                        <a:off x="2374901" y="7258845"/>
-                        <a:ext cx="3446463" cy="2940050"/>
-                      </a:xfrm>
-                      <a:prstGeom prst="rect">
-                        <a:avLst/>
-                      </a:prstGeom>
-                    </p:spPr>
-                  </p:pic>
-                </p:oleObj>
-              </mc:Fallback>
-            </mc:AlternateContent>
-          </a:graphicData>
-        </a:graphic>
-      </p:graphicFrame>
-      <p:sp>
-        <p:nvSpPr>
-          <p:cNvPr id="11" name="Google Shape;298;p9">
-            <a:extLst>
-              <a:ext uri="{FF2B5EF4-FFF2-40B4-BE49-F238E27FC236}">
-                <a16:creationId xmlns:a16="http://schemas.microsoft.com/office/drawing/2014/main" id="{83F30A1A-E64F-E25A-7A1C-B60AD739DEDD}"/>
-              </a:ext>
-            </a:extLst>
-          </p:cNvPr>
-          <p:cNvSpPr txBox="1"/>
-          <p:nvPr/>
-        </p:nvSpPr>
-        <p:spPr>
-          <a:xfrm>
-            <a:off x="3540227" y="10290275"/>
-            <a:ext cx="631425" cy="310717"/>
-          </a:xfrm>
-          <a:prstGeom prst="rect">
-            <a:avLst/>
-          </a:prstGeom>
-          <a:noFill/>
-          <a:ln>
-            <a:noFill/>
-          </a:ln>
-        </p:spPr>
-        <p:txBody>
-          <a:bodyPr spcFirstLastPara="1" wrap="square" lIns="94378" tIns="47176" rIns="94378" bIns="47176" anchor="t" anchorCtr="0">
-            <a:spAutoFit/>
-          </a:bodyPr>
-          <a:lstStyle/>
-          <a:p>
-            <a:pPr algn="ctr">
-              <a:buClr>
-                <a:srgbClr val="000000"/>
-              </a:buClr>
-              <a:buSzPts val="1200"/>
-            </a:pPr>
-            <a:r>
-              <a:rPr lang="pt-BR" sz="1400" b="1" dirty="0">
-                <a:solidFill>
-                  <a:srgbClr val="00B050"/>
-                </a:solidFill>
-                <a:latin typeface="Avenir"/>
-                <a:sym typeface="Avenir"/>
-              </a:rPr>
-              <a:t>TBBZ</a:t>
-            </a:r>
-            <a:endParaRPr sz="1600" dirty="0">
-              <a:solidFill>
-                <a:srgbClr val="00B050"/>
-              </a:solidFill>
-              <a:latin typeface="Arial"/>
-              <a:ea typeface="Arial"/>
-              <a:cs typeface="Arial"/>
-              <a:sym typeface="Arial"/>
-            </a:endParaRPr>
-          </a:p>
-        </p:txBody>
-      </p:sp>
-      <p:sp>
-        <p:nvSpPr>
-          <p:cNvPr id="12" name="Google Shape;298;p9">
-            <a:extLst>
-              <a:ext uri="{FF2B5EF4-FFF2-40B4-BE49-F238E27FC236}">
-                <a16:creationId xmlns:a16="http://schemas.microsoft.com/office/drawing/2014/main" id="{FB79630C-0AEB-1FBD-8E80-CEACB3934228}"/>
-              </a:ext>
-            </a:extLst>
-          </p:cNvPr>
-          <p:cNvSpPr txBox="1"/>
-          <p:nvPr/>
-        </p:nvSpPr>
-        <p:spPr>
-          <a:xfrm>
-            <a:off x="10040560" y="10252021"/>
-            <a:ext cx="631425" cy="310717"/>
-          </a:xfrm>
-          <a:prstGeom prst="rect">
-            <a:avLst/>
-          </a:prstGeom>
-          <a:noFill/>
-          <a:ln>
-            <a:noFill/>
-          </a:ln>
-        </p:spPr>
-        <p:txBody>
-          <a:bodyPr spcFirstLastPara="1" wrap="square" lIns="94378" tIns="47176" rIns="94378" bIns="47176" anchor="t" anchorCtr="0">
-            <a:spAutoFit/>
-          </a:bodyPr>
-          <a:lstStyle/>
-          <a:p>
-            <a:pPr algn="ctr">
-              <a:buClr>
-                <a:srgbClr val="000000"/>
-              </a:buClr>
-              <a:buSzPts val="1200"/>
-            </a:pPr>
-            <a:r>
-              <a:rPr lang="pt-BR" sz="1400" b="1" dirty="0">
-                <a:solidFill>
-                  <a:srgbClr val="00B050"/>
-                </a:solidFill>
-                <a:latin typeface="Avenir"/>
-                <a:ea typeface="Arial"/>
-                <a:cs typeface="Arial"/>
-                <a:sym typeface="Avenir"/>
-              </a:rPr>
-              <a:t>TRZN</a:t>
-            </a:r>
-            <a:endParaRPr sz="1600" dirty="0">
-              <a:solidFill>
-                <a:srgbClr val="00B050"/>
-              </a:solidFill>
-              <a:latin typeface="Arial"/>
-              <a:ea typeface="Arial"/>
-              <a:cs typeface="Arial"/>
-              <a:sym typeface="Arial"/>
-            </a:endParaRPr>
-          </a:p>
-        </p:txBody>
-      </p:sp>
-      <p:graphicFrame>
-        <p:nvGraphicFramePr>
-          <p:cNvPr id="13" name="Objeto 12">
-            <a:extLst>
-              <a:ext uri="{FF2B5EF4-FFF2-40B4-BE49-F238E27FC236}">
-                <a16:creationId xmlns:a16="http://schemas.microsoft.com/office/drawing/2014/main" id="{895FEA7C-07CE-9DFE-9BD0-88EFE58ED86C}"/>
-              </a:ext>
-            </a:extLst>
-          </p:cNvPr>
-          <p:cNvGraphicFramePr>
-            <a:graphicFrameLocks noChangeAspect="1"/>
-          </p:cNvGraphicFramePr>
-          <p:nvPr>
-            <p:extLst>
-              <p:ext uri="{D42A27DB-BD31-4B8C-83A1-F6EECF244321}">
-                <p14:modId xmlns:p14="http://schemas.microsoft.com/office/powerpoint/2010/main" val="1857937721"/>
-              </p:ext>
-            </p:extLst>
-          </p:nvPr>
-        </p:nvGraphicFramePr>
-        <p:xfrm>
-          <a:off x="9944100" y="9132096"/>
-          <a:ext cx="825500" cy="1042987"/>
-        </p:xfrm>
-        <a:graphic>
-          <a:graphicData uri="http://schemas.openxmlformats.org/presentationml/2006/ole">
-            <mc:AlternateContent xmlns:mc="http://schemas.openxmlformats.org/markup-compatibility/2006">
-              <mc:Choice xmlns:v="urn:schemas-microsoft-com:vml" Requires="v">
-                <p:oleObj name="CS ChemDraw Drawing" r:id="rId30" imgW="825835" imgH="1043670" progId="ChemDraw.Document.6.0">
-                  <p:embed/>
-                </p:oleObj>
-              </mc:Choice>
-              <mc:Fallback>
-                <p:oleObj name="CS ChemDraw Drawing" r:id="rId30" imgW="825835" imgH="1043670" progId="ChemDraw.Document.6.0">
-                  <p:embed/>
-                  <p:pic>
-                    <p:nvPicPr>
-                      <p:cNvPr id="13" name="Objeto 12">
-                        <a:extLst>
-                          <a:ext uri="{FF2B5EF4-FFF2-40B4-BE49-F238E27FC236}">
-                            <a16:creationId xmlns:a16="http://schemas.microsoft.com/office/drawing/2014/main" id="{895FEA7C-07CE-9DFE-9BD0-88EFE58ED86C}"/>
-                          </a:ext>
-                        </a:extLst>
-                      </p:cNvPr>
-                      <p:cNvPicPr/>
-                      <p:nvPr/>
-                    </p:nvPicPr>
-                    <p:blipFill>
-                      <a:blip r:embed="rId31"/>
-                      <a:stretch>
-                        <a:fillRect/>
-                      </a:stretch>
-                    </p:blipFill>
-                    <p:spPr>
-                      <a:xfrm>
-                        <a:off x="9944100" y="9132096"/>
-                        <a:ext cx="825500" cy="1042987"/>
                       </a:xfrm>
                       <a:prstGeom prst="rect">
                         <a:avLst/>
@@ -20872,7 +17021,7 @@
         </p:nvSpPr>
         <p:spPr>
           <a:xfrm>
-            <a:off x="87032" y="1311280"/>
+            <a:off x="87031" y="51597"/>
             <a:ext cx="11346423" cy="10982129"/>
           </a:xfrm>
           <a:prstGeom prst="roundRect">
@@ -20934,13 +17083,13 @@
           <p:nvPr>
             <p:extLst>
               <p:ext uri="{D42A27DB-BD31-4B8C-83A1-F6EECF244321}">
-                <p14:modId xmlns:p14="http://schemas.microsoft.com/office/powerpoint/2010/main" val="2279669918"/>
+                <p14:modId xmlns:p14="http://schemas.microsoft.com/office/powerpoint/2010/main" val="3659042774"/>
               </p:ext>
             </p:extLst>
           </p:nvPr>
         </p:nvGraphicFramePr>
         <p:xfrm>
-          <a:off x="7821110" y="2205984"/>
+          <a:off x="7821109" y="946301"/>
           <a:ext cx="2185987" cy="2105631"/>
         </p:xfrm>
         <a:graphic>
@@ -20974,7 +17123,7 @@
                     </p:blipFill>
                     <p:spPr>
                       <a:xfrm>
-                        <a:off x="7821110" y="2205984"/>
+                        <a:off x="7821109" y="946301"/>
                         <a:ext cx="2185987" cy="2105631"/>
                       </a:xfrm>
                       <a:prstGeom prst="rect">
@@ -21003,13 +17152,13 @@
           <p:nvPr>
             <p:extLst>
               <p:ext uri="{D42A27DB-BD31-4B8C-83A1-F6EECF244321}">
-                <p14:modId xmlns:p14="http://schemas.microsoft.com/office/powerpoint/2010/main" val="2121123023"/>
+                <p14:modId xmlns:p14="http://schemas.microsoft.com/office/powerpoint/2010/main" val="1249621383"/>
               </p:ext>
             </p:extLst>
           </p:nvPr>
         </p:nvGraphicFramePr>
         <p:xfrm>
-          <a:off x="843643" y="2599532"/>
+          <a:off x="843643" y="1339850"/>
           <a:ext cx="774700" cy="1365250"/>
         </p:xfrm>
         <a:graphic>
@@ -21043,7 +17192,7 @@
                     </p:blipFill>
                     <p:spPr>
                       <a:xfrm>
-                        <a:off x="843643" y="2599532"/>
+                        <a:off x="843643" y="1339850"/>
                         <a:ext cx="774700" cy="1365250"/>
                       </a:xfrm>
                       <a:prstGeom prst="rect">
@@ -21072,13 +17221,13 @@
           <p:nvPr>
             <p:extLst>
               <p:ext uri="{D42A27DB-BD31-4B8C-83A1-F6EECF244321}">
-                <p14:modId xmlns:p14="http://schemas.microsoft.com/office/powerpoint/2010/main" val="674743823"/>
+                <p14:modId xmlns:p14="http://schemas.microsoft.com/office/powerpoint/2010/main" val="1271275081"/>
               </p:ext>
             </p:extLst>
           </p:nvPr>
         </p:nvGraphicFramePr>
         <p:xfrm>
-          <a:off x="2393703" y="2425814"/>
+          <a:off x="2393702" y="1166132"/>
           <a:ext cx="1647825" cy="2235200"/>
         </p:xfrm>
         <a:graphic>
@@ -21112,7 +17261,7 @@
                     </p:blipFill>
                     <p:spPr>
                       <a:xfrm>
-                        <a:off x="2393703" y="2425814"/>
+                        <a:off x="2393702" y="1166132"/>
                         <a:ext cx="1647825" cy="2235200"/>
                       </a:xfrm>
                       <a:prstGeom prst="rect">
@@ -21141,13 +17290,13 @@
           <p:nvPr>
             <p:extLst>
               <p:ext uri="{D42A27DB-BD31-4B8C-83A1-F6EECF244321}">
-                <p14:modId xmlns:p14="http://schemas.microsoft.com/office/powerpoint/2010/main" val="791878905"/>
+                <p14:modId xmlns:p14="http://schemas.microsoft.com/office/powerpoint/2010/main" val="2351987580"/>
               </p:ext>
             </p:extLst>
           </p:nvPr>
         </p:nvGraphicFramePr>
         <p:xfrm>
-          <a:off x="4458511" y="2308339"/>
+          <a:off x="4458510" y="1048657"/>
           <a:ext cx="2185987" cy="2470150"/>
         </p:xfrm>
         <a:graphic>
@@ -21181,7 +17330,7 @@
                     </p:blipFill>
                     <p:spPr>
                       <a:xfrm>
-                        <a:off x="4458511" y="2308339"/>
+                        <a:off x="4458510" y="1048657"/>
                         <a:ext cx="2185987" cy="2470150"/>
                       </a:xfrm>
                       <a:prstGeom prst="rect">
@@ -21210,13 +17359,13 @@
           <p:nvPr>
             <p:extLst>
               <p:ext uri="{D42A27DB-BD31-4B8C-83A1-F6EECF244321}">
-                <p14:modId xmlns:p14="http://schemas.microsoft.com/office/powerpoint/2010/main" val="2468543480"/>
+                <p14:modId xmlns:p14="http://schemas.microsoft.com/office/powerpoint/2010/main" val="301782824"/>
               </p:ext>
             </p:extLst>
           </p:nvPr>
         </p:nvGraphicFramePr>
         <p:xfrm>
-          <a:off x="553084" y="4794602"/>
+          <a:off x="553083" y="3534920"/>
           <a:ext cx="1201737" cy="2151062"/>
         </p:xfrm>
         <a:graphic>
@@ -21250,7 +17399,7 @@
                     </p:blipFill>
                     <p:spPr>
                       <a:xfrm>
-                        <a:off x="553084" y="4794602"/>
+                        <a:off x="553083" y="3534920"/>
                         <a:ext cx="1201737" cy="2151062"/>
                       </a:xfrm>
                       <a:prstGeom prst="rect">
@@ -21278,7 +17427,7 @@
         </p:nvSpPr>
         <p:spPr>
           <a:xfrm>
-            <a:off x="199856" y="1386082"/>
+            <a:off x="199856" y="126399"/>
             <a:ext cx="4083618" cy="383631"/>
           </a:xfrm>
           <a:prstGeom prst="rect">
@@ -21361,7 +17510,7 @@
         </p:nvSpPr>
         <p:spPr>
           <a:xfrm>
-            <a:off x="2876652" y="4156257"/>
+            <a:off x="2876652" y="2896574"/>
             <a:ext cx="631426" cy="310717"/>
           </a:xfrm>
           <a:prstGeom prst="rect">
@@ -21420,7 +17569,7 @@
         </p:nvSpPr>
         <p:spPr>
           <a:xfrm>
-            <a:off x="5253752" y="4164488"/>
+            <a:off x="5253752" y="2904805"/>
             <a:ext cx="631426" cy="310717"/>
           </a:xfrm>
           <a:prstGeom prst="rect">
@@ -21479,7 +17628,7 @@
         </p:nvSpPr>
         <p:spPr>
           <a:xfrm>
-            <a:off x="814992" y="6322902"/>
+            <a:off x="814992" y="5063219"/>
             <a:ext cx="631426" cy="310717"/>
           </a:xfrm>
           <a:prstGeom prst="rect">
@@ -21538,7 +17687,7 @@
         </p:nvSpPr>
         <p:spPr>
           <a:xfrm>
-            <a:off x="8527110" y="3853712"/>
+            <a:off x="8527110" y="2594029"/>
             <a:ext cx="631426" cy="310717"/>
           </a:xfrm>
           <a:prstGeom prst="rect">
@@ -21597,7 +17746,7 @@
         </p:nvSpPr>
         <p:spPr>
           <a:xfrm>
-            <a:off x="891706" y="3964783"/>
+            <a:off x="891706" y="2705100"/>
             <a:ext cx="631426" cy="310717"/>
           </a:xfrm>
           <a:prstGeom prst="rect">
@@ -21657,13 +17806,13 @@
           <p:nvPr>
             <p:extLst>
               <p:ext uri="{D42A27DB-BD31-4B8C-83A1-F6EECF244321}">
-                <p14:modId xmlns:p14="http://schemas.microsoft.com/office/powerpoint/2010/main" val="1085332024"/>
+                <p14:modId xmlns:p14="http://schemas.microsoft.com/office/powerpoint/2010/main" val="3374840310"/>
               </p:ext>
             </p:extLst>
           </p:nvPr>
         </p:nvGraphicFramePr>
         <p:xfrm>
-          <a:off x="2987675" y="4817270"/>
+          <a:off x="2987675" y="3557588"/>
           <a:ext cx="1612900" cy="2279650"/>
         </p:xfrm>
         <a:graphic>
@@ -21697,7 +17846,7 @@
                     </p:blipFill>
                     <p:spPr>
                       <a:xfrm>
-                        <a:off x="2987675" y="4817270"/>
+                        <a:off x="2987675" y="3557588"/>
                         <a:ext cx="1612900" cy="2279650"/>
                       </a:xfrm>
                       <a:prstGeom prst="rect">
@@ -21725,7 +17874,7 @@
         </p:nvSpPr>
         <p:spPr>
           <a:xfrm>
-            <a:off x="3478412" y="6391457"/>
+            <a:off x="3478412" y="5131774"/>
             <a:ext cx="631426" cy="310717"/>
           </a:xfrm>
           <a:prstGeom prst="rect">
@@ -22040,7 +18189,7 @@
   <a:extraClrSchemeLst/>
   <a:extLst>
     <a:ext uri="{05A4C25C-085E-4340-85A3-A5531E510DB2}">
-      <thm15:themeFamily xmlns:thm15="http://schemas.microsoft.com/office/thememl/2012/main" name="Office Theme 2013 - 2022" id="{62F939B6-93AF-4DB8-9C6B-D6C7DFDC589F}" vid="{4A3C46E8-61CC-4603-A589-7422A47A8E4A}"/>
+      <thm15:themeFamily xmlns:thm15="http://schemas.microsoft.com/office/thememl/2012/main" name="Office Theme" id="{62F939B6-93AF-4DB8-9C6B-D6C7DFDC589F}" vid="{4A3C46E8-61CC-4603-A589-7422A47A8E4A}"/>
     </a:ext>
   </a:extLst>
 </a:theme>
